--- a/Symbolic_execution.pptx
+++ b/Symbolic_execution.pptx
@@ -6,17 +6,20 @@
     <p:sldMasterId id="2147483780" r:id="rId2"/>
   </p:sldMasterIdLst>
   <p:notesMasterIdLst>
-    <p:notesMasterId r:id="rId8"/>
+    <p:notesMasterId r:id="rId11"/>
   </p:notesMasterIdLst>
   <p:handoutMasterIdLst>
-    <p:handoutMasterId r:id="rId9"/>
+    <p:handoutMasterId r:id="rId12"/>
   </p:handoutMasterIdLst>
   <p:sldIdLst>
     <p:sldId id="554" r:id="rId3"/>
-    <p:sldId id="557" r:id="rId4"/>
-    <p:sldId id="558" r:id="rId5"/>
-    <p:sldId id="559" r:id="rId6"/>
-    <p:sldId id="556" r:id="rId7"/>
+    <p:sldId id="561" r:id="rId4"/>
+    <p:sldId id="562" r:id="rId5"/>
+    <p:sldId id="557" r:id="rId6"/>
+    <p:sldId id="558" r:id="rId7"/>
+    <p:sldId id="559" r:id="rId8"/>
+    <p:sldId id="560" r:id="rId9"/>
+    <p:sldId id="556" r:id="rId10"/>
   </p:sldIdLst>
   <p:sldSz cx="9144000" cy="6858000" type="screen4x3"/>
   <p:notesSz cx="6797675" cy="9928225"/>
@@ -137,6 +140,2921 @@
 </p:presentation>
 </file>
 
+<file path=ppt/diagrams/colors1.xml><?xml version="1.0" encoding="utf-8"?>
+<dgm:colorsDef xmlns:dgm="http://schemas.openxmlformats.org/drawingml/2006/diagram" xmlns:a="http://schemas.openxmlformats.org/drawingml/2006/main" uniqueId="urn:microsoft.com/office/officeart/2005/8/colors/accent2_2">
+  <dgm:title val=""/>
+  <dgm:desc val=""/>
+  <dgm:catLst>
+    <dgm:cat type="accent2" pri="11200"/>
+  </dgm:catLst>
+  <dgm:styleLbl name="node0">
+    <dgm:fillClrLst meth="repeat">
+      <a:schemeClr val="accent2"/>
+    </dgm:fillClrLst>
+    <dgm:linClrLst meth="repeat">
+      <a:schemeClr val="lt1"/>
+    </dgm:linClrLst>
+    <dgm:effectClrLst/>
+    <dgm:txLinClrLst/>
+    <dgm:txFillClrLst/>
+    <dgm:txEffectClrLst/>
+  </dgm:styleLbl>
+  <dgm:styleLbl name="node1">
+    <dgm:fillClrLst meth="repeat">
+      <a:schemeClr val="accent2"/>
+    </dgm:fillClrLst>
+    <dgm:linClrLst meth="repeat">
+      <a:schemeClr val="lt1"/>
+    </dgm:linClrLst>
+    <dgm:effectClrLst/>
+    <dgm:txLinClrLst/>
+    <dgm:txFillClrLst/>
+    <dgm:txEffectClrLst/>
+  </dgm:styleLbl>
+  <dgm:styleLbl name="alignNode1">
+    <dgm:fillClrLst meth="repeat">
+      <a:schemeClr val="accent2"/>
+    </dgm:fillClrLst>
+    <dgm:linClrLst meth="repeat">
+      <a:schemeClr val="accent2"/>
+    </dgm:linClrLst>
+    <dgm:effectClrLst/>
+    <dgm:txLinClrLst/>
+    <dgm:txFillClrLst/>
+    <dgm:txEffectClrLst/>
+  </dgm:styleLbl>
+  <dgm:styleLbl name="lnNode1">
+    <dgm:fillClrLst meth="repeat">
+      <a:schemeClr val="accent2"/>
+    </dgm:fillClrLst>
+    <dgm:linClrLst meth="repeat">
+      <a:schemeClr val="lt1"/>
+    </dgm:linClrLst>
+    <dgm:effectClrLst/>
+    <dgm:txLinClrLst/>
+    <dgm:txFillClrLst/>
+    <dgm:txEffectClrLst/>
+  </dgm:styleLbl>
+  <dgm:styleLbl name="vennNode1">
+    <dgm:fillClrLst meth="repeat">
+      <a:schemeClr val="accent2">
+        <a:alpha val="50000"/>
+      </a:schemeClr>
+    </dgm:fillClrLst>
+    <dgm:linClrLst meth="repeat">
+      <a:schemeClr val="lt1"/>
+    </dgm:linClrLst>
+    <dgm:effectClrLst/>
+    <dgm:txLinClrLst/>
+    <dgm:txFillClrLst/>
+    <dgm:txEffectClrLst/>
+  </dgm:styleLbl>
+  <dgm:styleLbl name="node2">
+    <dgm:fillClrLst meth="repeat">
+      <a:schemeClr val="accent2"/>
+    </dgm:fillClrLst>
+    <dgm:linClrLst meth="repeat">
+      <a:schemeClr val="lt1"/>
+    </dgm:linClrLst>
+    <dgm:effectClrLst/>
+    <dgm:txLinClrLst/>
+    <dgm:txFillClrLst/>
+    <dgm:txEffectClrLst/>
+  </dgm:styleLbl>
+  <dgm:styleLbl name="node3">
+    <dgm:fillClrLst meth="repeat">
+      <a:schemeClr val="accent2"/>
+    </dgm:fillClrLst>
+    <dgm:linClrLst meth="repeat">
+      <a:schemeClr val="lt1"/>
+    </dgm:linClrLst>
+    <dgm:effectClrLst/>
+    <dgm:txLinClrLst/>
+    <dgm:txFillClrLst/>
+    <dgm:txEffectClrLst/>
+  </dgm:styleLbl>
+  <dgm:styleLbl name="node4">
+    <dgm:fillClrLst meth="repeat">
+      <a:schemeClr val="accent2"/>
+    </dgm:fillClrLst>
+    <dgm:linClrLst meth="repeat">
+      <a:schemeClr val="lt1"/>
+    </dgm:linClrLst>
+    <dgm:effectClrLst/>
+    <dgm:txLinClrLst/>
+    <dgm:txFillClrLst/>
+    <dgm:txEffectClrLst/>
+  </dgm:styleLbl>
+  <dgm:styleLbl name="fgImgPlace1">
+    <dgm:fillClrLst meth="repeat">
+      <a:schemeClr val="accent2">
+        <a:tint val="50000"/>
+      </a:schemeClr>
+    </dgm:fillClrLst>
+    <dgm:linClrLst meth="repeat">
+      <a:schemeClr val="lt1"/>
+    </dgm:linClrLst>
+    <dgm:effectClrLst/>
+    <dgm:txLinClrLst/>
+    <dgm:txFillClrLst meth="repeat">
+      <a:schemeClr val="lt1"/>
+    </dgm:txFillClrLst>
+    <dgm:txEffectClrLst/>
+  </dgm:styleLbl>
+  <dgm:styleLbl name="alignImgPlace1">
+    <dgm:fillClrLst meth="repeat">
+      <a:schemeClr val="accent2">
+        <a:tint val="50000"/>
+      </a:schemeClr>
+    </dgm:fillClrLst>
+    <dgm:linClrLst meth="repeat">
+      <a:schemeClr val="lt1"/>
+    </dgm:linClrLst>
+    <dgm:effectClrLst/>
+    <dgm:txLinClrLst/>
+    <dgm:txFillClrLst meth="repeat">
+      <a:schemeClr val="lt1"/>
+    </dgm:txFillClrLst>
+    <dgm:txEffectClrLst/>
+  </dgm:styleLbl>
+  <dgm:styleLbl name="bgImgPlace1">
+    <dgm:fillClrLst meth="repeat">
+      <a:schemeClr val="accent2">
+        <a:tint val="50000"/>
+      </a:schemeClr>
+    </dgm:fillClrLst>
+    <dgm:linClrLst meth="repeat">
+      <a:schemeClr val="lt1"/>
+    </dgm:linClrLst>
+    <dgm:effectClrLst/>
+    <dgm:txLinClrLst/>
+    <dgm:txFillClrLst meth="repeat">
+      <a:schemeClr val="lt1"/>
+    </dgm:txFillClrLst>
+    <dgm:txEffectClrLst/>
+  </dgm:styleLbl>
+  <dgm:styleLbl name="sibTrans2D1">
+    <dgm:fillClrLst meth="repeat">
+      <a:schemeClr val="accent2">
+        <a:tint val="60000"/>
+      </a:schemeClr>
+    </dgm:fillClrLst>
+    <dgm:linClrLst meth="repeat">
+      <a:schemeClr val="accent2">
+        <a:tint val="60000"/>
+      </a:schemeClr>
+    </dgm:linClrLst>
+    <dgm:effectClrLst/>
+    <dgm:txLinClrLst/>
+    <dgm:txFillClrLst/>
+    <dgm:txEffectClrLst/>
+  </dgm:styleLbl>
+  <dgm:styleLbl name="fgSibTrans2D1">
+    <dgm:fillClrLst meth="repeat">
+      <a:schemeClr val="accent2">
+        <a:tint val="60000"/>
+      </a:schemeClr>
+    </dgm:fillClrLst>
+    <dgm:linClrLst meth="repeat">
+      <a:schemeClr val="accent2">
+        <a:tint val="60000"/>
+      </a:schemeClr>
+    </dgm:linClrLst>
+    <dgm:effectClrLst/>
+    <dgm:txLinClrLst/>
+    <dgm:txFillClrLst/>
+    <dgm:txEffectClrLst/>
+  </dgm:styleLbl>
+  <dgm:styleLbl name="bgSibTrans2D1">
+    <dgm:fillClrLst meth="repeat">
+      <a:schemeClr val="accent2">
+        <a:tint val="60000"/>
+      </a:schemeClr>
+    </dgm:fillClrLst>
+    <dgm:linClrLst meth="repeat">
+      <a:schemeClr val="accent2">
+        <a:tint val="60000"/>
+      </a:schemeClr>
+    </dgm:linClrLst>
+    <dgm:effectClrLst/>
+    <dgm:txLinClrLst/>
+    <dgm:txFillClrLst/>
+    <dgm:txEffectClrLst/>
+  </dgm:styleLbl>
+  <dgm:styleLbl name="sibTrans1D1">
+    <dgm:fillClrLst meth="repeat">
+      <a:schemeClr val="accent2"/>
+    </dgm:fillClrLst>
+    <dgm:linClrLst meth="repeat">
+      <a:schemeClr val="accent2"/>
+    </dgm:linClrLst>
+    <dgm:effectClrLst/>
+    <dgm:txLinClrLst/>
+    <dgm:txFillClrLst meth="repeat">
+      <a:schemeClr val="tx1"/>
+    </dgm:txFillClrLst>
+    <dgm:txEffectClrLst/>
+  </dgm:styleLbl>
+  <dgm:styleLbl name="callout">
+    <dgm:fillClrLst meth="repeat">
+      <a:schemeClr val="accent2"/>
+    </dgm:fillClrLst>
+    <dgm:linClrLst meth="repeat">
+      <a:schemeClr val="accent2">
+        <a:tint val="50000"/>
+      </a:schemeClr>
+    </dgm:linClrLst>
+    <dgm:effectClrLst/>
+    <dgm:txLinClrLst/>
+    <dgm:txFillClrLst meth="repeat">
+      <a:schemeClr val="tx1"/>
+    </dgm:txFillClrLst>
+    <dgm:txEffectClrLst/>
+  </dgm:styleLbl>
+  <dgm:styleLbl name="asst0">
+    <dgm:fillClrLst meth="repeat">
+      <a:schemeClr val="accent2"/>
+    </dgm:fillClrLst>
+    <dgm:linClrLst meth="repeat">
+      <a:schemeClr val="lt1"/>
+    </dgm:linClrLst>
+    <dgm:effectClrLst/>
+    <dgm:txLinClrLst/>
+    <dgm:txFillClrLst/>
+    <dgm:txEffectClrLst/>
+  </dgm:styleLbl>
+  <dgm:styleLbl name="asst1">
+    <dgm:fillClrLst meth="repeat">
+      <a:schemeClr val="accent2"/>
+    </dgm:fillClrLst>
+    <dgm:linClrLst meth="repeat">
+      <a:schemeClr val="lt1"/>
+    </dgm:linClrLst>
+    <dgm:effectClrLst/>
+    <dgm:txLinClrLst/>
+    <dgm:txFillClrLst/>
+    <dgm:txEffectClrLst/>
+  </dgm:styleLbl>
+  <dgm:styleLbl name="asst2">
+    <dgm:fillClrLst meth="repeat">
+      <a:schemeClr val="accent2"/>
+    </dgm:fillClrLst>
+    <dgm:linClrLst meth="repeat">
+      <a:schemeClr val="lt1"/>
+    </dgm:linClrLst>
+    <dgm:effectClrLst/>
+    <dgm:txLinClrLst/>
+    <dgm:txFillClrLst/>
+    <dgm:txEffectClrLst/>
+  </dgm:styleLbl>
+  <dgm:styleLbl name="asst3">
+    <dgm:fillClrLst meth="repeat">
+      <a:schemeClr val="accent2"/>
+    </dgm:fillClrLst>
+    <dgm:linClrLst meth="repeat">
+      <a:schemeClr val="lt1"/>
+    </dgm:linClrLst>
+    <dgm:effectClrLst/>
+    <dgm:txLinClrLst/>
+    <dgm:txFillClrLst/>
+    <dgm:txEffectClrLst/>
+  </dgm:styleLbl>
+  <dgm:styleLbl name="asst4">
+    <dgm:fillClrLst meth="repeat">
+      <a:schemeClr val="accent2"/>
+    </dgm:fillClrLst>
+    <dgm:linClrLst meth="repeat">
+      <a:schemeClr val="lt1"/>
+    </dgm:linClrLst>
+    <dgm:effectClrLst/>
+    <dgm:txLinClrLst/>
+    <dgm:txFillClrLst/>
+    <dgm:txEffectClrLst/>
+  </dgm:styleLbl>
+  <dgm:styleLbl name="parChTrans2D1">
+    <dgm:fillClrLst meth="repeat">
+      <a:schemeClr val="accent2">
+        <a:tint val="60000"/>
+      </a:schemeClr>
+    </dgm:fillClrLst>
+    <dgm:linClrLst meth="repeat">
+      <a:schemeClr val="accent2">
+        <a:tint val="60000"/>
+      </a:schemeClr>
+    </dgm:linClrLst>
+    <dgm:effectClrLst/>
+    <dgm:txLinClrLst/>
+    <dgm:txFillClrLst meth="repeat">
+      <a:schemeClr val="lt1"/>
+    </dgm:txFillClrLst>
+    <dgm:txEffectClrLst/>
+  </dgm:styleLbl>
+  <dgm:styleLbl name="parChTrans2D2">
+    <dgm:fillClrLst meth="repeat">
+      <a:schemeClr val="accent2"/>
+    </dgm:fillClrLst>
+    <dgm:linClrLst meth="repeat">
+      <a:schemeClr val="accent2"/>
+    </dgm:linClrLst>
+    <dgm:effectClrLst/>
+    <dgm:txLinClrLst/>
+    <dgm:txFillClrLst meth="repeat">
+      <a:schemeClr val="lt1"/>
+    </dgm:txFillClrLst>
+    <dgm:txEffectClrLst/>
+  </dgm:styleLbl>
+  <dgm:styleLbl name="parChTrans2D3">
+    <dgm:fillClrLst meth="repeat">
+      <a:schemeClr val="accent2"/>
+    </dgm:fillClrLst>
+    <dgm:linClrLst meth="repeat">
+      <a:schemeClr val="accent2"/>
+    </dgm:linClrLst>
+    <dgm:effectClrLst/>
+    <dgm:txLinClrLst/>
+    <dgm:txFillClrLst meth="repeat">
+      <a:schemeClr val="lt1"/>
+    </dgm:txFillClrLst>
+    <dgm:txEffectClrLst/>
+  </dgm:styleLbl>
+  <dgm:styleLbl name="parChTrans2D4">
+    <dgm:fillClrLst meth="repeat">
+      <a:schemeClr val="accent2"/>
+    </dgm:fillClrLst>
+    <dgm:linClrLst meth="repeat">
+      <a:schemeClr val="accent2"/>
+    </dgm:linClrLst>
+    <dgm:effectClrLst/>
+    <dgm:txLinClrLst/>
+    <dgm:txFillClrLst meth="repeat">
+      <a:schemeClr val="lt1"/>
+    </dgm:txFillClrLst>
+    <dgm:txEffectClrLst/>
+  </dgm:styleLbl>
+  <dgm:styleLbl name="parChTrans1D1">
+    <dgm:fillClrLst meth="repeat">
+      <a:schemeClr val="accent2"/>
+    </dgm:fillClrLst>
+    <dgm:linClrLst meth="repeat">
+      <a:schemeClr val="accent2">
+        <a:shade val="60000"/>
+      </a:schemeClr>
+    </dgm:linClrLst>
+    <dgm:effectClrLst/>
+    <dgm:txLinClrLst/>
+    <dgm:txFillClrLst meth="repeat">
+      <a:schemeClr val="tx1"/>
+    </dgm:txFillClrLst>
+    <dgm:txEffectClrLst/>
+  </dgm:styleLbl>
+  <dgm:styleLbl name="parChTrans1D2">
+    <dgm:fillClrLst meth="repeat">
+      <a:schemeClr val="accent2"/>
+    </dgm:fillClrLst>
+    <dgm:linClrLst meth="repeat">
+      <a:schemeClr val="accent2">
+        <a:shade val="60000"/>
+      </a:schemeClr>
+    </dgm:linClrLst>
+    <dgm:effectClrLst/>
+    <dgm:txLinClrLst/>
+    <dgm:txFillClrLst meth="repeat">
+      <a:schemeClr val="tx1"/>
+    </dgm:txFillClrLst>
+    <dgm:txEffectClrLst/>
+  </dgm:styleLbl>
+  <dgm:styleLbl name="parChTrans1D3">
+    <dgm:fillClrLst meth="repeat">
+      <a:schemeClr val="accent2"/>
+    </dgm:fillClrLst>
+    <dgm:linClrLst meth="repeat">
+      <a:schemeClr val="accent2">
+        <a:shade val="80000"/>
+      </a:schemeClr>
+    </dgm:linClrLst>
+    <dgm:effectClrLst/>
+    <dgm:txLinClrLst/>
+    <dgm:txFillClrLst meth="repeat">
+      <a:schemeClr val="tx1"/>
+    </dgm:txFillClrLst>
+    <dgm:txEffectClrLst/>
+  </dgm:styleLbl>
+  <dgm:styleLbl name="parChTrans1D4">
+    <dgm:fillClrLst meth="repeat">
+      <a:schemeClr val="accent2"/>
+    </dgm:fillClrLst>
+    <dgm:linClrLst meth="repeat">
+      <a:schemeClr val="accent2">
+        <a:shade val="80000"/>
+      </a:schemeClr>
+    </dgm:linClrLst>
+    <dgm:effectClrLst/>
+    <dgm:txLinClrLst/>
+    <dgm:txFillClrLst meth="repeat">
+      <a:schemeClr val="tx1"/>
+    </dgm:txFillClrLst>
+    <dgm:txEffectClrLst/>
+  </dgm:styleLbl>
+  <dgm:styleLbl name="fgAcc1">
+    <dgm:fillClrLst meth="repeat">
+      <a:schemeClr val="lt1">
+        <a:alpha val="90000"/>
+      </a:schemeClr>
+    </dgm:fillClrLst>
+    <dgm:linClrLst meth="repeat">
+      <a:schemeClr val="accent2"/>
+    </dgm:linClrLst>
+    <dgm:effectClrLst/>
+    <dgm:txLinClrLst/>
+    <dgm:txFillClrLst meth="repeat">
+      <a:schemeClr val="dk1"/>
+    </dgm:txFillClrLst>
+    <dgm:txEffectClrLst/>
+  </dgm:styleLbl>
+  <dgm:styleLbl name="conFgAcc1">
+    <dgm:fillClrLst meth="repeat">
+      <a:schemeClr val="lt1">
+        <a:alpha val="90000"/>
+      </a:schemeClr>
+    </dgm:fillClrLst>
+    <dgm:linClrLst meth="repeat">
+      <a:schemeClr val="accent2"/>
+    </dgm:linClrLst>
+    <dgm:effectClrLst/>
+    <dgm:txLinClrLst/>
+    <dgm:txFillClrLst meth="repeat">
+      <a:schemeClr val="dk1"/>
+    </dgm:txFillClrLst>
+    <dgm:txEffectClrLst/>
+  </dgm:styleLbl>
+  <dgm:styleLbl name="alignAcc1">
+    <dgm:fillClrLst meth="repeat">
+      <a:schemeClr val="lt1">
+        <a:alpha val="90000"/>
+      </a:schemeClr>
+    </dgm:fillClrLst>
+    <dgm:linClrLst meth="repeat">
+      <a:schemeClr val="accent2"/>
+    </dgm:linClrLst>
+    <dgm:effectClrLst/>
+    <dgm:txLinClrLst/>
+    <dgm:txFillClrLst meth="repeat">
+      <a:schemeClr val="dk1"/>
+    </dgm:txFillClrLst>
+    <dgm:txEffectClrLst/>
+  </dgm:styleLbl>
+  <dgm:styleLbl name="trAlignAcc1">
+    <dgm:fillClrLst meth="repeat">
+      <a:schemeClr val="lt1">
+        <a:alpha val="40000"/>
+      </a:schemeClr>
+    </dgm:fillClrLst>
+    <dgm:linClrLst meth="repeat">
+      <a:schemeClr val="accent2"/>
+    </dgm:linClrLst>
+    <dgm:effectClrLst/>
+    <dgm:txLinClrLst/>
+    <dgm:txFillClrLst meth="repeat">
+      <a:schemeClr val="dk1"/>
+    </dgm:txFillClrLst>
+    <dgm:txEffectClrLst/>
+  </dgm:styleLbl>
+  <dgm:styleLbl name="bgAcc1">
+    <dgm:fillClrLst meth="repeat">
+      <a:schemeClr val="lt1">
+        <a:alpha val="90000"/>
+      </a:schemeClr>
+    </dgm:fillClrLst>
+    <dgm:linClrLst meth="repeat">
+      <a:schemeClr val="accent2"/>
+    </dgm:linClrLst>
+    <dgm:effectClrLst/>
+    <dgm:txLinClrLst/>
+    <dgm:txFillClrLst meth="repeat">
+      <a:schemeClr val="dk1"/>
+    </dgm:txFillClrLst>
+    <dgm:txEffectClrLst/>
+  </dgm:styleLbl>
+  <dgm:styleLbl name="solidFgAcc1">
+    <dgm:fillClrLst meth="repeat">
+      <a:schemeClr val="lt1"/>
+    </dgm:fillClrLst>
+    <dgm:linClrLst meth="repeat">
+      <a:schemeClr val="accent2"/>
+    </dgm:linClrLst>
+    <dgm:effectClrLst/>
+    <dgm:txLinClrLst/>
+    <dgm:txFillClrLst meth="repeat">
+      <a:schemeClr val="dk1"/>
+    </dgm:txFillClrLst>
+    <dgm:txEffectClrLst/>
+  </dgm:styleLbl>
+  <dgm:styleLbl name="solidAlignAcc1">
+    <dgm:fillClrLst meth="repeat">
+      <a:schemeClr val="lt1"/>
+    </dgm:fillClrLst>
+    <dgm:linClrLst meth="repeat">
+      <a:schemeClr val="accent2"/>
+    </dgm:linClrLst>
+    <dgm:effectClrLst/>
+    <dgm:txLinClrLst/>
+    <dgm:txFillClrLst meth="repeat">
+      <a:schemeClr val="dk1"/>
+    </dgm:txFillClrLst>
+    <dgm:txEffectClrLst/>
+  </dgm:styleLbl>
+  <dgm:styleLbl name="solidBgAcc1">
+    <dgm:fillClrLst meth="repeat">
+      <a:schemeClr val="lt1"/>
+    </dgm:fillClrLst>
+    <dgm:linClrLst meth="repeat">
+      <a:schemeClr val="accent2"/>
+    </dgm:linClrLst>
+    <dgm:effectClrLst/>
+    <dgm:txLinClrLst/>
+    <dgm:txFillClrLst meth="repeat">
+      <a:schemeClr val="dk1"/>
+    </dgm:txFillClrLst>
+    <dgm:txEffectClrLst/>
+  </dgm:styleLbl>
+  <dgm:styleLbl name="fgAccFollowNode1">
+    <dgm:fillClrLst meth="repeat">
+      <a:schemeClr val="accent2">
+        <a:alpha val="90000"/>
+        <a:tint val="40000"/>
+      </a:schemeClr>
+    </dgm:fillClrLst>
+    <dgm:linClrLst meth="repeat">
+      <a:schemeClr val="accent2">
+        <a:alpha val="90000"/>
+        <a:tint val="40000"/>
+      </a:schemeClr>
+    </dgm:linClrLst>
+    <dgm:effectClrLst/>
+    <dgm:txLinClrLst/>
+    <dgm:txFillClrLst meth="repeat">
+      <a:schemeClr val="dk1"/>
+    </dgm:txFillClrLst>
+    <dgm:txEffectClrLst/>
+  </dgm:styleLbl>
+  <dgm:styleLbl name="alignAccFollowNode1">
+    <dgm:fillClrLst meth="repeat">
+      <a:schemeClr val="accent2">
+        <a:alpha val="90000"/>
+        <a:tint val="40000"/>
+      </a:schemeClr>
+    </dgm:fillClrLst>
+    <dgm:linClrLst meth="repeat">
+      <a:schemeClr val="accent2">
+        <a:alpha val="90000"/>
+        <a:tint val="40000"/>
+      </a:schemeClr>
+    </dgm:linClrLst>
+    <dgm:effectClrLst/>
+    <dgm:txLinClrLst/>
+    <dgm:txFillClrLst meth="repeat">
+      <a:schemeClr val="dk1"/>
+    </dgm:txFillClrLst>
+    <dgm:txEffectClrLst/>
+  </dgm:styleLbl>
+  <dgm:styleLbl name="bgAccFollowNode1">
+    <dgm:fillClrLst meth="repeat">
+      <a:schemeClr val="accent2">
+        <a:alpha val="90000"/>
+        <a:tint val="40000"/>
+      </a:schemeClr>
+    </dgm:fillClrLst>
+    <dgm:linClrLst meth="repeat">
+      <a:schemeClr val="accent2">
+        <a:alpha val="90000"/>
+        <a:tint val="40000"/>
+      </a:schemeClr>
+    </dgm:linClrLst>
+    <dgm:effectClrLst/>
+    <dgm:txLinClrLst/>
+    <dgm:txFillClrLst meth="repeat">
+      <a:schemeClr val="dk1"/>
+    </dgm:txFillClrLst>
+    <dgm:txEffectClrLst/>
+  </dgm:styleLbl>
+  <dgm:styleLbl name="fgAcc0">
+    <dgm:fillClrLst meth="repeat">
+      <a:schemeClr val="lt1">
+        <a:alpha val="90000"/>
+      </a:schemeClr>
+    </dgm:fillClrLst>
+    <dgm:linClrLst meth="repeat">
+      <a:schemeClr val="accent2"/>
+    </dgm:linClrLst>
+    <dgm:effectClrLst/>
+    <dgm:txLinClrLst/>
+    <dgm:txFillClrLst meth="repeat">
+      <a:schemeClr val="dk1"/>
+    </dgm:txFillClrLst>
+    <dgm:txEffectClrLst/>
+  </dgm:styleLbl>
+  <dgm:styleLbl name="fgAcc2">
+    <dgm:fillClrLst meth="repeat">
+      <a:schemeClr val="lt1">
+        <a:alpha val="90000"/>
+      </a:schemeClr>
+    </dgm:fillClrLst>
+    <dgm:linClrLst meth="repeat">
+      <a:schemeClr val="accent2"/>
+    </dgm:linClrLst>
+    <dgm:effectClrLst/>
+    <dgm:txLinClrLst/>
+    <dgm:txFillClrLst meth="repeat">
+      <a:schemeClr val="dk1"/>
+    </dgm:txFillClrLst>
+    <dgm:txEffectClrLst/>
+  </dgm:styleLbl>
+  <dgm:styleLbl name="fgAcc3">
+    <dgm:fillClrLst meth="repeat">
+      <a:schemeClr val="lt1">
+        <a:alpha val="90000"/>
+      </a:schemeClr>
+    </dgm:fillClrLst>
+    <dgm:linClrLst meth="repeat">
+      <a:schemeClr val="accent2"/>
+    </dgm:linClrLst>
+    <dgm:effectClrLst/>
+    <dgm:txLinClrLst/>
+    <dgm:txFillClrLst meth="repeat">
+      <a:schemeClr val="dk1"/>
+    </dgm:txFillClrLst>
+    <dgm:txEffectClrLst/>
+  </dgm:styleLbl>
+  <dgm:styleLbl name="fgAcc4">
+    <dgm:fillClrLst meth="repeat">
+      <a:schemeClr val="lt1">
+        <a:alpha val="90000"/>
+      </a:schemeClr>
+    </dgm:fillClrLst>
+    <dgm:linClrLst meth="repeat">
+      <a:schemeClr val="accent2"/>
+    </dgm:linClrLst>
+    <dgm:effectClrLst/>
+    <dgm:txLinClrLst/>
+    <dgm:txFillClrLst meth="repeat">
+      <a:schemeClr val="dk1"/>
+    </dgm:txFillClrLst>
+    <dgm:txEffectClrLst/>
+  </dgm:styleLbl>
+  <dgm:styleLbl name="bgShp">
+    <dgm:fillClrLst meth="repeat">
+      <a:schemeClr val="accent2">
+        <a:tint val="40000"/>
+      </a:schemeClr>
+    </dgm:fillClrLst>
+    <dgm:linClrLst meth="repeat">
+      <a:schemeClr val="accent2"/>
+    </dgm:linClrLst>
+    <dgm:effectClrLst/>
+    <dgm:txLinClrLst/>
+    <dgm:txFillClrLst meth="repeat">
+      <a:schemeClr val="dk1"/>
+    </dgm:txFillClrLst>
+    <dgm:txEffectClrLst/>
+  </dgm:styleLbl>
+  <dgm:styleLbl name="dkBgShp">
+    <dgm:fillClrLst meth="repeat">
+      <a:schemeClr val="accent2">
+        <a:shade val="80000"/>
+      </a:schemeClr>
+    </dgm:fillClrLst>
+    <dgm:linClrLst meth="repeat">
+      <a:schemeClr val="accent2"/>
+    </dgm:linClrLst>
+    <dgm:effectClrLst/>
+    <dgm:txLinClrLst/>
+    <dgm:txFillClrLst meth="repeat">
+      <a:schemeClr val="lt1"/>
+    </dgm:txFillClrLst>
+    <dgm:txEffectClrLst/>
+  </dgm:styleLbl>
+  <dgm:styleLbl name="trBgShp">
+    <dgm:fillClrLst meth="repeat">
+      <a:schemeClr val="accent2">
+        <a:tint val="50000"/>
+        <a:alpha val="40000"/>
+      </a:schemeClr>
+    </dgm:fillClrLst>
+    <dgm:linClrLst meth="repeat">
+      <a:schemeClr val="accent2"/>
+    </dgm:linClrLst>
+    <dgm:effectClrLst/>
+    <dgm:txLinClrLst/>
+    <dgm:txFillClrLst meth="repeat">
+      <a:schemeClr val="lt1"/>
+    </dgm:txFillClrLst>
+    <dgm:txEffectClrLst/>
+  </dgm:styleLbl>
+  <dgm:styleLbl name="fgShp">
+    <dgm:fillClrLst meth="repeat">
+      <a:schemeClr val="accent2">
+        <a:tint val="60000"/>
+      </a:schemeClr>
+    </dgm:fillClrLst>
+    <dgm:linClrLst meth="repeat">
+      <a:schemeClr val="lt1"/>
+    </dgm:linClrLst>
+    <dgm:effectClrLst/>
+    <dgm:txLinClrLst/>
+    <dgm:txFillClrLst meth="repeat">
+      <a:schemeClr val="dk1"/>
+    </dgm:txFillClrLst>
+    <dgm:txEffectClrLst/>
+  </dgm:styleLbl>
+  <dgm:styleLbl name="revTx">
+    <dgm:fillClrLst meth="repeat">
+      <a:schemeClr val="lt1">
+        <a:alpha val="0"/>
+      </a:schemeClr>
+    </dgm:fillClrLst>
+    <dgm:linClrLst meth="repeat">
+      <a:schemeClr val="dk1">
+        <a:alpha val="0"/>
+      </a:schemeClr>
+    </dgm:linClrLst>
+    <dgm:effectClrLst/>
+    <dgm:txLinClrLst/>
+    <dgm:txFillClrLst meth="repeat">
+      <a:schemeClr val="tx1"/>
+    </dgm:txFillClrLst>
+    <dgm:txEffectClrLst/>
+  </dgm:styleLbl>
+</dgm:colorsDef>
+</file>
+
+<file path=ppt/diagrams/data1.xml><?xml version="1.0" encoding="utf-8"?>
+<dgm:dataModel xmlns:dgm="http://schemas.openxmlformats.org/drawingml/2006/diagram" xmlns:a="http://schemas.openxmlformats.org/drawingml/2006/main">
+  <dgm:ptLst>
+    <dgm:pt modelId="{C613176E-2E07-4982-AE61-58047C88A5E0}" type="doc">
+      <dgm:prSet loTypeId="urn:microsoft.com/office/officeart/2005/8/layout/arrow4" loCatId="relationship" qsTypeId="urn:microsoft.com/office/officeart/2005/8/quickstyle/simple1" qsCatId="simple" csTypeId="urn:microsoft.com/office/officeart/2005/8/colors/accent2_2" csCatId="accent2" phldr="1"/>
+      <dgm:spPr/>
+      <dgm:t>
+        <a:bodyPr/>
+        <a:lstStyle/>
+        <a:p>
+          <a:endParaRPr lang="zh-CN" altLang="en-US"/>
+        </a:p>
+      </dgm:t>
+    </dgm:pt>
+    <dgm:pt modelId="{3776A631-3A5C-4A45-AAA1-9A83DB9BB2B4}">
+      <dgm:prSet phldrT="[文本]"/>
+      <dgm:spPr/>
+      <dgm:t>
+        <a:bodyPr/>
+        <a:lstStyle/>
+        <a:p>
+          <a:r>
+            <a:rPr lang="en-US" altLang="zh-CN" sz="2800" dirty="0" smtClean="0"/>
+            <a:t>Program testing</a:t>
+          </a:r>
+          <a:endParaRPr lang="zh-CN" altLang="en-US" sz="2800" dirty="0"/>
+        </a:p>
+      </dgm:t>
+    </dgm:pt>
+    <dgm:pt modelId="{37169DBE-07E0-40F0-8E8B-6BE5C9000CD6}" type="parTrans" cxnId="{64364F7E-2B30-4537-A41E-EB65227FEBE0}">
+      <dgm:prSet/>
+      <dgm:spPr/>
+      <dgm:t>
+        <a:bodyPr/>
+        <a:lstStyle/>
+        <a:p>
+          <a:endParaRPr lang="zh-CN" altLang="en-US"/>
+        </a:p>
+      </dgm:t>
+    </dgm:pt>
+    <dgm:pt modelId="{1C61A887-F32A-4DB6-9CB7-E9105CF133EE}" type="sibTrans" cxnId="{64364F7E-2B30-4537-A41E-EB65227FEBE0}">
+      <dgm:prSet/>
+      <dgm:spPr/>
+      <dgm:t>
+        <a:bodyPr/>
+        <a:lstStyle/>
+        <a:p>
+          <a:endParaRPr lang="zh-CN" altLang="en-US"/>
+        </a:p>
+      </dgm:t>
+    </dgm:pt>
+    <dgm:pt modelId="{1A65B431-B0C5-475B-AACB-EE64CDB5542D}">
+      <dgm:prSet phldrT="[文本]"/>
+      <dgm:spPr/>
+      <dgm:t>
+        <a:bodyPr/>
+        <a:lstStyle/>
+        <a:p>
+          <a:r>
+            <a:rPr lang="en-US" altLang="zh-CN" sz="2600" dirty="0" smtClean="0"/>
+            <a:t>Program proving</a:t>
+          </a:r>
+          <a:endParaRPr lang="zh-CN" altLang="en-US" sz="2600" dirty="0"/>
+        </a:p>
+      </dgm:t>
+    </dgm:pt>
+    <dgm:pt modelId="{CFD36D27-6F9B-49FF-99D7-7DD05A0F3D83}" type="parTrans" cxnId="{2CB4332C-506A-4A72-9E0B-2366C269D619}">
+      <dgm:prSet/>
+      <dgm:spPr/>
+      <dgm:t>
+        <a:bodyPr/>
+        <a:lstStyle/>
+        <a:p>
+          <a:endParaRPr lang="zh-CN" altLang="en-US"/>
+        </a:p>
+      </dgm:t>
+    </dgm:pt>
+    <dgm:pt modelId="{9F15F78E-CFEB-4BD5-AE3C-CF1E170551E9}" type="sibTrans" cxnId="{2CB4332C-506A-4A72-9E0B-2366C269D619}">
+      <dgm:prSet/>
+      <dgm:spPr/>
+      <dgm:t>
+        <a:bodyPr/>
+        <a:lstStyle/>
+        <a:p>
+          <a:endParaRPr lang="zh-CN" altLang="en-US"/>
+        </a:p>
+      </dgm:t>
+    </dgm:pt>
+    <dgm:pt modelId="{24E5BDE8-7AD9-4252-B145-1D56807EB9A4}">
+      <dgm:prSet phldrT="[文本]" custT="1"/>
+      <dgm:spPr/>
+      <dgm:t>
+        <a:bodyPr/>
+        <a:lstStyle/>
+        <a:p>
+          <a:r>
+            <a:rPr lang="en-US" altLang="zh-CN" sz="2000" dirty="0" smtClean="0">
+              <a:latin typeface="Calibri" panose="020F0502020204030204" pitchFamily="34" charset="0"/>
+              <a:cs typeface="Calibri" panose="020F0502020204030204" pitchFamily="34" charset="0"/>
+            </a:rPr>
+            <a:t>Being required to execute the program</a:t>
+          </a:r>
+          <a:endParaRPr lang="zh-CN" altLang="en-US" sz="2000" dirty="0">
+            <a:latin typeface="Calibri" panose="020F0502020204030204" pitchFamily="34" charset="0"/>
+            <a:cs typeface="Calibri" panose="020F0502020204030204" pitchFamily="34" charset="0"/>
+          </a:endParaRPr>
+        </a:p>
+      </dgm:t>
+    </dgm:pt>
+    <dgm:pt modelId="{8F06EAF3-9191-46BD-981D-F07244E13DF0}" type="parTrans" cxnId="{8F1A1E50-BBF0-464D-811A-982C2CAE586C}">
+      <dgm:prSet/>
+      <dgm:spPr/>
+      <dgm:t>
+        <a:bodyPr/>
+        <a:lstStyle/>
+        <a:p>
+          <a:endParaRPr lang="zh-CN" altLang="en-US"/>
+        </a:p>
+      </dgm:t>
+    </dgm:pt>
+    <dgm:pt modelId="{1D3B26D8-8EBD-49D2-B20B-F604159AC195}" type="sibTrans" cxnId="{8F1A1E50-BBF0-464D-811A-982C2CAE586C}">
+      <dgm:prSet/>
+      <dgm:spPr/>
+      <dgm:t>
+        <a:bodyPr/>
+        <a:lstStyle/>
+        <a:p>
+          <a:endParaRPr lang="zh-CN" altLang="en-US"/>
+        </a:p>
+      </dgm:t>
+    </dgm:pt>
+    <dgm:pt modelId="{F023FB2D-615F-49FB-B932-A835539B633A}">
+      <dgm:prSet phldrT="[文本]" custT="1"/>
+      <dgm:spPr/>
+      <dgm:t>
+        <a:bodyPr/>
+        <a:lstStyle/>
+        <a:p>
+          <a:r>
+            <a:rPr lang="en-US" altLang="zh-CN" sz="2000" dirty="0" smtClean="0">
+              <a:latin typeface="Calibri" panose="020F0502020204030204" pitchFamily="34" charset="0"/>
+              <a:cs typeface="Calibri" panose="020F0502020204030204" pitchFamily="34" charset="0"/>
+            </a:rPr>
+            <a:t>Without being required to execute the program</a:t>
+          </a:r>
+          <a:endParaRPr lang="zh-CN" altLang="en-US" sz="2000" dirty="0">
+            <a:latin typeface="Calibri" panose="020F0502020204030204" pitchFamily="34" charset="0"/>
+            <a:cs typeface="Calibri" panose="020F0502020204030204" pitchFamily="34" charset="0"/>
+          </a:endParaRPr>
+        </a:p>
+      </dgm:t>
+    </dgm:pt>
+    <dgm:pt modelId="{84B950E6-F17C-424D-B81D-E741E2F979B4}" type="parTrans" cxnId="{4B65A473-4FBC-492E-9E55-A78F054735B8}">
+      <dgm:prSet/>
+      <dgm:spPr/>
+      <dgm:t>
+        <a:bodyPr/>
+        <a:lstStyle/>
+        <a:p>
+          <a:endParaRPr lang="zh-CN" altLang="en-US"/>
+        </a:p>
+      </dgm:t>
+    </dgm:pt>
+    <dgm:pt modelId="{C02F31EC-CAE8-4139-8E0C-B42D3B042F9A}" type="sibTrans" cxnId="{4B65A473-4FBC-492E-9E55-A78F054735B8}">
+      <dgm:prSet/>
+      <dgm:spPr/>
+      <dgm:t>
+        <a:bodyPr/>
+        <a:lstStyle/>
+        <a:p>
+          <a:endParaRPr lang="zh-CN" altLang="en-US"/>
+        </a:p>
+      </dgm:t>
+    </dgm:pt>
+    <dgm:pt modelId="{7DC5BBA1-86D5-4E4E-9561-2161DF6F0C50}">
+      <dgm:prSet phldrT="[文本]" custT="1"/>
+      <dgm:spPr/>
+      <dgm:t>
+        <a:bodyPr/>
+        <a:lstStyle/>
+        <a:p>
+          <a:r>
+            <a:rPr lang="en-US" altLang="zh-CN" sz="2000" dirty="0" smtClean="0">
+              <a:latin typeface="Calibri" panose="020F0502020204030204" pitchFamily="34" charset="0"/>
+              <a:cs typeface="Calibri" panose="020F0502020204030204" pitchFamily="34" charset="0"/>
+            </a:rPr>
+            <a:t>The correct execution for </a:t>
+          </a:r>
+          <a:r>
+            <a:rPr lang="en-US" altLang="zh-CN" sz="2000" dirty="0" smtClean="0">
+              <a:solidFill>
+                <a:srgbClr val="800000"/>
+              </a:solidFill>
+              <a:latin typeface="Calibri" panose="020F0502020204030204" pitchFamily="34" charset="0"/>
+              <a:cs typeface="Calibri" panose="020F0502020204030204" pitchFamily="34" charset="0"/>
+            </a:rPr>
+            <a:t>inputs not in the sample </a:t>
+          </a:r>
+          <a:r>
+            <a:rPr lang="en-US" altLang="zh-CN" sz="2000" dirty="0" smtClean="0">
+              <a:latin typeface="Calibri" panose="020F0502020204030204" pitchFamily="34" charset="0"/>
+              <a:cs typeface="Calibri" panose="020F0502020204030204" pitchFamily="34" charset="0"/>
+            </a:rPr>
+            <a:t>being in doubt</a:t>
+          </a:r>
+          <a:endParaRPr lang="zh-CN" altLang="en-US" sz="2000" dirty="0">
+            <a:latin typeface="Calibri" panose="020F0502020204030204" pitchFamily="34" charset="0"/>
+            <a:cs typeface="Calibri" panose="020F0502020204030204" pitchFamily="34" charset="0"/>
+          </a:endParaRPr>
+        </a:p>
+      </dgm:t>
+    </dgm:pt>
+    <dgm:pt modelId="{93B6163C-037E-45AE-8479-BAEE85E7E82B}" type="parTrans" cxnId="{75179168-990B-4374-B908-5B3E2EE90FF2}">
+      <dgm:prSet/>
+      <dgm:spPr/>
+      <dgm:t>
+        <a:bodyPr/>
+        <a:lstStyle/>
+        <a:p>
+          <a:endParaRPr lang="zh-CN" altLang="en-US"/>
+        </a:p>
+      </dgm:t>
+    </dgm:pt>
+    <dgm:pt modelId="{DB7AA6EA-FAA9-4CE8-8F75-DB00225B99ED}" type="sibTrans" cxnId="{75179168-990B-4374-B908-5B3E2EE90FF2}">
+      <dgm:prSet/>
+      <dgm:spPr/>
+      <dgm:t>
+        <a:bodyPr/>
+        <a:lstStyle/>
+        <a:p>
+          <a:endParaRPr lang="zh-CN" altLang="en-US"/>
+        </a:p>
+      </dgm:t>
+    </dgm:pt>
+    <dgm:pt modelId="{9500F054-E821-4CE4-A78F-163684229BEF}">
+      <dgm:prSet phldrT="[文本]" custT="1"/>
+      <dgm:spPr/>
+      <dgm:t>
+        <a:bodyPr/>
+        <a:lstStyle/>
+        <a:p>
+          <a:r>
+            <a:rPr lang="en-US" altLang="zh-CN" sz="2000" dirty="0" smtClean="0">
+              <a:latin typeface="Calibri" panose="020F0502020204030204" pitchFamily="34" charset="0"/>
+              <a:cs typeface="Calibri" panose="020F0502020204030204" pitchFamily="34" charset="0"/>
+            </a:rPr>
+            <a:t>Proving the program meets its specification </a:t>
+          </a:r>
+          <a:r>
+            <a:rPr lang="en-US" altLang="zh-CN" sz="2000" dirty="0" smtClean="0">
+              <a:solidFill>
+                <a:srgbClr val="800000"/>
+              </a:solidFill>
+              <a:latin typeface="Calibri" panose="020F0502020204030204" pitchFamily="34" charset="0"/>
+              <a:cs typeface="Calibri" panose="020F0502020204030204" pitchFamily="34" charset="0"/>
+            </a:rPr>
+            <a:t>for all executions</a:t>
+          </a:r>
+          <a:endParaRPr lang="zh-CN" altLang="en-US" sz="2000" dirty="0">
+            <a:solidFill>
+              <a:srgbClr val="800000"/>
+            </a:solidFill>
+            <a:latin typeface="Calibri" panose="020F0502020204030204" pitchFamily="34" charset="0"/>
+            <a:cs typeface="Calibri" panose="020F0502020204030204" pitchFamily="34" charset="0"/>
+          </a:endParaRPr>
+        </a:p>
+      </dgm:t>
+    </dgm:pt>
+    <dgm:pt modelId="{F66A73F2-4553-4D56-967B-58A32857A51B}" type="parTrans" cxnId="{9E12A3B4-70C7-4EB8-B3B8-851C759F4C27}">
+      <dgm:prSet/>
+      <dgm:spPr/>
+      <dgm:t>
+        <a:bodyPr/>
+        <a:lstStyle/>
+        <a:p>
+          <a:endParaRPr lang="zh-CN" altLang="en-US"/>
+        </a:p>
+      </dgm:t>
+    </dgm:pt>
+    <dgm:pt modelId="{CB5FA6AF-1507-4ED6-88F9-6ED52D974ACA}" type="sibTrans" cxnId="{9E12A3B4-70C7-4EB8-B3B8-851C759F4C27}">
+      <dgm:prSet/>
+      <dgm:spPr/>
+      <dgm:t>
+        <a:bodyPr/>
+        <a:lstStyle/>
+        <a:p>
+          <a:endParaRPr lang="zh-CN" altLang="en-US"/>
+        </a:p>
+      </dgm:t>
+    </dgm:pt>
+    <dgm:pt modelId="{FAA59F73-6FA0-49D5-8348-D14E1B279350}">
+      <dgm:prSet phldrT="[文本]" custT="1"/>
+      <dgm:spPr/>
+      <dgm:t>
+        <a:bodyPr/>
+        <a:lstStyle/>
+        <a:p>
+          <a:r>
+            <a:rPr lang="en-US" altLang="zh-CN" sz="2000" dirty="0" smtClean="0">
+              <a:latin typeface="Calibri" panose="020F0502020204030204" pitchFamily="34" charset="0"/>
+              <a:cs typeface="Calibri" panose="020F0502020204030204" pitchFamily="34" charset="0"/>
+            </a:rPr>
+            <a:t>Easy to use</a:t>
+          </a:r>
+          <a:endParaRPr lang="zh-CN" altLang="en-US" sz="2000" dirty="0">
+            <a:latin typeface="Calibri" panose="020F0502020204030204" pitchFamily="34" charset="0"/>
+            <a:cs typeface="Calibri" panose="020F0502020204030204" pitchFamily="34" charset="0"/>
+          </a:endParaRPr>
+        </a:p>
+      </dgm:t>
+    </dgm:pt>
+    <dgm:pt modelId="{70769DCF-F5D8-4663-8B5D-9320981ED2B5}" type="parTrans" cxnId="{0C001998-8F3B-49F5-8BC4-CA67A830B774}">
+      <dgm:prSet/>
+      <dgm:spPr/>
+      <dgm:t>
+        <a:bodyPr/>
+        <a:lstStyle/>
+        <a:p>
+          <a:endParaRPr lang="zh-CN" altLang="en-US"/>
+        </a:p>
+      </dgm:t>
+    </dgm:pt>
+    <dgm:pt modelId="{BE0C9C65-B01A-4FED-B942-1B5AFB142579}" type="sibTrans" cxnId="{0C001998-8F3B-49F5-8BC4-CA67A830B774}">
+      <dgm:prSet/>
+      <dgm:spPr/>
+      <dgm:t>
+        <a:bodyPr/>
+        <a:lstStyle/>
+        <a:p>
+          <a:endParaRPr lang="zh-CN" altLang="en-US"/>
+        </a:p>
+      </dgm:t>
+    </dgm:pt>
+    <dgm:pt modelId="{AB150DB6-D2F2-4EF8-BD47-A1DE4EA9EAC7}">
+      <dgm:prSet phldrT="[文本]" custT="1"/>
+      <dgm:spPr/>
+      <dgm:t>
+        <a:bodyPr/>
+        <a:lstStyle/>
+        <a:p>
+          <a:r>
+            <a:rPr lang="en-US" altLang="zh-CN" sz="2000" dirty="0" smtClean="0">
+              <a:latin typeface="Calibri" panose="020F0502020204030204" pitchFamily="34" charset="0"/>
+              <a:cs typeface="Calibri" panose="020F0502020204030204" pitchFamily="34" charset="0"/>
+            </a:rPr>
+            <a:t>Difficult and tricky</a:t>
+          </a:r>
+          <a:endParaRPr lang="zh-CN" altLang="en-US" sz="2000" dirty="0">
+            <a:latin typeface="Calibri" panose="020F0502020204030204" pitchFamily="34" charset="0"/>
+            <a:cs typeface="Calibri" panose="020F0502020204030204" pitchFamily="34" charset="0"/>
+          </a:endParaRPr>
+        </a:p>
+      </dgm:t>
+    </dgm:pt>
+    <dgm:pt modelId="{D632890A-DFEB-4F2F-B9E4-C2C0177B3A32}" type="parTrans" cxnId="{F45D9E64-B6B5-4FCE-8F7D-9355626CBEEB}">
+      <dgm:prSet/>
+      <dgm:spPr/>
+      <dgm:t>
+        <a:bodyPr/>
+        <a:lstStyle/>
+        <a:p>
+          <a:endParaRPr lang="zh-CN" altLang="en-US"/>
+        </a:p>
+      </dgm:t>
+    </dgm:pt>
+    <dgm:pt modelId="{4F8154F9-CBA6-441C-AE49-ECE3A500577C}" type="sibTrans" cxnId="{F45D9E64-B6B5-4FCE-8F7D-9355626CBEEB}">
+      <dgm:prSet/>
+      <dgm:spPr/>
+      <dgm:t>
+        <a:bodyPr/>
+        <a:lstStyle/>
+        <a:p>
+          <a:endParaRPr lang="zh-CN" altLang="en-US"/>
+        </a:p>
+      </dgm:t>
+    </dgm:pt>
+    <dgm:pt modelId="{F9200D61-E392-48B8-B25E-28C9E78F45C8}" type="pres">
+      <dgm:prSet presAssocID="{C613176E-2E07-4982-AE61-58047C88A5E0}" presName="compositeShape" presStyleCnt="0">
+        <dgm:presLayoutVars>
+          <dgm:chMax val="2"/>
+          <dgm:dir/>
+          <dgm:resizeHandles val="exact"/>
+        </dgm:presLayoutVars>
+      </dgm:prSet>
+      <dgm:spPr/>
+    </dgm:pt>
+    <dgm:pt modelId="{DCAFE75F-3180-4597-942E-BBE60505CA2C}" type="pres">
+      <dgm:prSet presAssocID="{3776A631-3A5C-4A45-AAA1-9A83DB9BB2B4}" presName="upArrow" presStyleLbl="node1" presStyleIdx="0" presStyleCnt="2" custScaleX="68808"/>
+      <dgm:spPr/>
+    </dgm:pt>
+    <dgm:pt modelId="{D0B9CC40-12C0-4884-9089-BF414A745106}" type="pres">
+      <dgm:prSet presAssocID="{3776A631-3A5C-4A45-AAA1-9A83DB9BB2B4}" presName="upArrowText" presStyleLbl="revTx" presStyleIdx="0" presStyleCnt="2" custScaleX="132686" custLinFactNeighborX="9237">
+        <dgm:presLayoutVars>
+          <dgm:chMax val="0"/>
+          <dgm:bulletEnabled val="1"/>
+        </dgm:presLayoutVars>
+      </dgm:prSet>
+      <dgm:spPr/>
+      <dgm:t>
+        <a:bodyPr/>
+        <a:lstStyle/>
+        <a:p>
+          <a:endParaRPr lang="zh-CN" altLang="en-US"/>
+        </a:p>
+      </dgm:t>
+    </dgm:pt>
+    <dgm:pt modelId="{4BAE9C4C-C067-4ACA-90F8-43824D4833A2}" type="pres">
+      <dgm:prSet presAssocID="{1A65B431-B0C5-475B-AACB-EE64CDB5542D}" presName="downArrow" presStyleLbl="node1" presStyleIdx="1" presStyleCnt="2" custScaleX="66689"/>
+      <dgm:spPr>
+        <a:solidFill>
+          <a:srgbClr val="92D050"/>
+        </a:solidFill>
+        <a:ln>
+          <a:solidFill>
+            <a:srgbClr val="92D050"/>
+          </a:solidFill>
+        </a:ln>
+      </dgm:spPr>
+    </dgm:pt>
+    <dgm:pt modelId="{65D123C8-C28A-43FC-A1D1-EC1A1AAA1D0D}" type="pres">
+      <dgm:prSet presAssocID="{1A65B431-B0C5-475B-AACB-EE64CDB5542D}" presName="downArrowText" presStyleLbl="revTx" presStyleIdx="1" presStyleCnt="2" custScaleX="117926">
+        <dgm:presLayoutVars>
+          <dgm:chMax val="0"/>
+          <dgm:bulletEnabled val="1"/>
+        </dgm:presLayoutVars>
+      </dgm:prSet>
+      <dgm:spPr/>
+      <dgm:t>
+        <a:bodyPr/>
+        <a:lstStyle/>
+        <a:p>
+          <a:endParaRPr lang="zh-CN" altLang="en-US"/>
+        </a:p>
+      </dgm:t>
+    </dgm:pt>
+  </dgm:ptLst>
+  <dgm:cxnLst>
+    <dgm:cxn modelId="{BE71F4C1-1B07-443B-A5B3-2C137FF4CFA0}" type="presOf" srcId="{1A65B431-B0C5-475B-AACB-EE64CDB5542D}" destId="{65D123C8-C28A-43FC-A1D1-EC1A1AAA1D0D}" srcOrd="0" destOrd="0" presId="urn:microsoft.com/office/officeart/2005/8/layout/arrow4"/>
+    <dgm:cxn modelId="{75179168-990B-4374-B908-5B3E2EE90FF2}" srcId="{3776A631-3A5C-4A45-AAA1-9A83DB9BB2B4}" destId="{7DC5BBA1-86D5-4E4E-9561-2161DF6F0C50}" srcOrd="0" destOrd="0" parTransId="{93B6163C-037E-45AE-8479-BAEE85E7E82B}" sibTransId="{DB7AA6EA-FAA9-4CE8-8F75-DB00225B99ED}"/>
+    <dgm:cxn modelId="{A4834247-60D1-4B44-88FF-503376569106}" type="presOf" srcId="{AB150DB6-D2F2-4EF8-BD47-A1DE4EA9EAC7}" destId="{65D123C8-C28A-43FC-A1D1-EC1A1AAA1D0D}" srcOrd="0" destOrd="3" presId="urn:microsoft.com/office/officeart/2005/8/layout/arrow4"/>
+    <dgm:cxn modelId="{9C3AD6D8-20BB-432E-8677-F1B302872B0E}" type="presOf" srcId="{F023FB2D-615F-49FB-B932-A835539B633A}" destId="{65D123C8-C28A-43FC-A1D1-EC1A1AAA1D0D}" srcOrd="0" destOrd="2" presId="urn:microsoft.com/office/officeart/2005/8/layout/arrow4"/>
+    <dgm:cxn modelId="{0C001998-8F3B-49F5-8BC4-CA67A830B774}" srcId="{3776A631-3A5C-4A45-AAA1-9A83DB9BB2B4}" destId="{FAA59F73-6FA0-49D5-8348-D14E1B279350}" srcOrd="2" destOrd="0" parTransId="{70769DCF-F5D8-4663-8B5D-9320981ED2B5}" sibTransId="{BE0C9C65-B01A-4FED-B942-1B5AFB142579}"/>
+    <dgm:cxn modelId="{64364F7E-2B30-4537-A41E-EB65227FEBE0}" srcId="{C613176E-2E07-4982-AE61-58047C88A5E0}" destId="{3776A631-3A5C-4A45-AAA1-9A83DB9BB2B4}" srcOrd="0" destOrd="0" parTransId="{37169DBE-07E0-40F0-8E8B-6BE5C9000CD6}" sibTransId="{1C61A887-F32A-4DB6-9CB7-E9105CF133EE}"/>
+    <dgm:cxn modelId="{4B8B0CE1-B669-4226-9D35-60E76A01C7BF}" type="presOf" srcId="{24E5BDE8-7AD9-4252-B145-1D56807EB9A4}" destId="{D0B9CC40-12C0-4884-9089-BF414A745106}" srcOrd="0" destOrd="2" presId="urn:microsoft.com/office/officeart/2005/8/layout/arrow4"/>
+    <dgm:cxn modelId="{2CB4332C-506A-4A72-9E0B-2366C269D619}" srcId="{C613176E-2E07-4982-AE61-58047C88A5E0}" destId="{1A65B431-B0C5-475B-AACB-EE64CDB5542D}" srcOrd="1" destOrd="0" parTransId="{CFD36D27-6F9B-49FF-99D7-7DD05A0F3D83}" sibTransId="{9F15F78E-CFEB-4BD5-AE3C-CF1E170551E9}"/>
+    <dgm:cxn modelId="{150A3DA9-7B4E-4F13-B2E2-0CE320C795FB}" type="presOf" srcId="{C613176E-2E07-4982-AE61-58047C88A5E0}" destId="{F9200D61-E392-48B8-B25E-28C9E78F45C8}" srcOrd="0" destOrd="0" presId="urn:microsoft.com/office/officeart/2005/8/layout/arrow4"/>
+    <dgm:cxn modelId="{4B65A473-4FBC-492E-9E55-A78F054735B8}" srcId="{1A65B431-B0C5-475B-AACB-EE64CDB5542D}" destId="{F023FB2D-615F-49FB-B932-A835539B633A}" srcOrd="1" destOrd="0" parTransId="{84B950E6-F17C-424D-B81D-E741E2F979B4}" sibTransId="{C02F31EC-CAE8-4139-8E0C-B42D3B042F9A}"/>
+    <dgm:cxn modelId="{7BBEAA23-584D-4A1C-8311-C0E9E6CBA3A7}" type="presOf" srcId="{FAA59F73-6FA0-49D5-8348-D14E1B279350}" destId="{D0B9CC40-12C0-4884-9089-BF414A745106}" srcOrd="0" destOrd="3" presId="urn:microsoft.com/office/officeart/2005/8/layout/arrow4"/>
+    <dgm:cxn modelId="{2DA33D83-A486-4DBF-AAD4-027FE6428D8C}" type="presOf" srcId="{9500F054-E821-4CE4-A78F-163684229BEF}" destId="{65D123C8-C28A-43FC-A1D1-EC1A1AAA1D0D}" srcOrd="0" destOrd="1" presId="urn:microsoft.com/office/officeart/2005/8/layout/arrow4"/>
+    <dgm:cxn modelId="{9E12A3B4-70C7-4EB8-B3B8-851C759F4C27}" srcId="{1A65B431-B0C5-475B-AACB-EE64CDB5542D}" destId="{9500F054-E821-4CE4-A78F-163684229BEF}" srcOrd="0" destOrd="0" parTransId="{F66A73F2-4553-4D56-967B-58A32857A51B}" sibTransId="{CB5FA6AF-1507-4ED6-88F9-6ED52D974ACA}"/>
+    <dgm:cxn modelId="{8F1A1E50-BBF0-464D-811A-982C2CAE586C}" srcId="{3776A631-3A5C-4A45-AAA1-9A83DB9BB2B4}" destId="{24E5BDE8-7AD9-4252-B145-1D56807EB9A4}" srcOrd="1" destOrd="0" parTransId="{8F06EAF3-9191-46BD-981D-F07244E13DF0}" sibTransId="{1D3B26D8-8EBD-49D2-B20B-F604159AC195}"/>
+    <dgm:cxn modelId="{F45D9E64-B6B5-4FCE-8F7D-9355626CBEEB}" srcId="{1A65B431-B0C5-475B-AACB-EE64CDB5542D}" destId="{AB150DB6-D2F2-4EF8-BD47-A1DE4EA9EAC7}" srcOrd="2" destOrd="0" parTransId="{D632890A-DFEB-4F2F-B9E4-C2C0177B3A32}" sibTransId="{4F8154F9-CBA6-441C-AE49-ECE3A500577C}"/>
+    <dgm:cxn modelId="{60C8BBD6-F960-4FEF-BF82-068C183722CA}" type="presOf" srcId="{3776A631-3A5C-4A45-AAA1-9A83DB9BB2B4}" destId="{D0B9CC40-12C0-4884-9089-BF414A745106}" srcOrd="0" destOrd="0" presId="urn:microsoft.com/office/officeart/2005/8/layout/arrow4"/>
+    <dgm:cxn modelId="{C7BBCB7E-7826-42D0-839D-07C845CAD9F3}" type="presOf" srcId="{7DC5BBA1-86D5-4E4E-9561-2161DF6F0C50}" destId="{D0B9CC40-12C0-4884-9089-BF414A745106}" srcOrd="0" destOrd="1" presId="urn:microsoft.com/office/officeart/2005/8/layout/arrow4"/>
+    <dgm:cxn modelId="{1B9C6B89-09D9-45A4-B7CA-EEB574021257}" type="presParOf" srcId="{F9200D61-E392-48B8-B25E-28C9E78F45C8}" destId="{DCAFE75F-3180-4597-942E-BBE60505CA2C}" srcOrd="0" destOrd="0" presId="urn:microsoft.com/office/officeart/2005/8/layout/arrow4"/>
+    <dgm:cxn modelId="{64211888-5F80-448A-8395-C487D4D74864}" type="presParOf" srcId="{F9200D61-E392-48B8-B25E-28C9E78F45C8}" destId="{D0B9CC40-12C0-4884-9089-BF414A745106}" srcOrd="1" destOrd="0" presId="urn:microsoft.com/office/officeart/2005/8/layout/arrow4"/>
+    <dgm:cxn modelId="{7C3B499B-334B-490A-8F7B-42629EF55049}" type="presParOf" srcId="{F9200D61-E392-48B8-B25E-28C9E78F45C8}" destId="{4BAE9C4C-C067-4ACA-90F8-43824D4833A2}" srcOrd="2" destOrd="0" presId="urn:microsoft.com/office/officeart/2005/8/layout/arrow4"/>
+    <dgm:cxn modelId="{91F4304E-4FF4-4059-A23F-62F5FF3CED05}" type="presParOf" srcId="{F9200D61-E392-48B8-B25E-28C9E78F45C8}" destId="{65D123C8-C28A-43FC-A1D1-EC1A1AAA1D0D}" srcOrd="3" destOrd="0" presId="urn:microsoft.com/office/officeart/2005/8/layout/arrow4"/>
+  </dgm:cxnLst>
+  <dgm:bg/>
+  <dgm:whole/>
+  <dgm:extLst>
+    <a:ext uri="http://schemas.microsoft.com/office/drawing/2008/diagram">
+      <dsp:dataModelExt xmlns:dsp="http://schemas.microsoft.com/office/drawing/2008/diagram" relId="rId6" minVer="http://schemas.openxmlformats.org/drawingml/2006/diagram"/>
+    </a:ext>
+  </dgm:extLst>
+</dgm:dataModel>
+</file>
+
+<file path=ppt/diagrams/drawing1.xml><?xml version="1.0" encoding="utf-8"?>
+<dsp:drawing xmlns:dgm="http://schemas.openxmlformats.org/drawingml/2006/diagram" xmlns:dsp="http://schemas.microsoft.com/office/drawing/2008/diagram" xmlns:a="http://schemas.openxmlformats.org/drawingml/2006/main">
+  <dsp:spTree>
+    <dsp:nvGrpSpPr>
+      <dsp:cNvPr id="0" name=""/>
+      <dsp:cNvGrpSpPr/>
+    </dsp:nvGrpSpPr>
+    <dsp:grpSpPr/>
+    <dsp:sp modelId="{DCAFE75F-3180-4597-942E-BBE60505CA2C}">
+      <dsp:nvSpPr>
+        <dsp:cNvPr id="0" name=""/>
+        <dsp:cNvSpPr/>
+      </dsp:nvSpPr>
+      <dsp:spPr>
+        <a:xfrm>
+          <a:off x="58948" y="0"/>
+          <a:ext cx="1839194" cy="2004702"/>
+        </a:xfrm>
+        <a:prstGeom prst="upArrow">
+          <a:avLst/>
+        </a:prstGeom>
+        <a:solidFill>
+          <a:schemeClr val="accent2">
+            <a:hueOff val="0"/>
+            <a:satOff val="0"/>
+            <a:lumOff val="0"/>
+            <a:alphaOff val="0"/>
+          </a:schemeClr>
+        </a:solidFill>
+        <a:ln w="25400" cap="flat" cmpd="sng" algn="ctr">
+          <a:solidFill>
+            <a:schemeClr val="lt1">
+              <a:hueOff val="0"/>
+              <a:satOff val="0"/>
+              <a:lumOff val="0"/>
+              <a:alphaOff val="0"/>
+            </a:schemeClr>
+          </a:solidFill>
+          <a:prstDash val="solid"/>
+        </a:ln>
+        <a:effectLst/>
+      </dsp:spPr>
+      <dsp:style>
+        <a:lnRef idx="2">
+          <a:scrgbClr r="0" g="0" b="0"/>
+        </a:lnRef>
+        <a:fillRef idx="1">
+          <a:scrgbClr r="0" g="0" b="0"/>
+        </a:fillRef>
+        <a:effectRef idx="0">
+          <a:scrgbClr r="0" g="0" b="0"/>
+        </a:effectRef>
+        <a:fontRef idx="minor">
+          <a:schemeClr val="lt1"/>
+        </a:fontRef>
+      </dsp:style>
+    </dsp:sp>
+    <dsp:sp modelId="{D0B9CC40-12C0-4884-9089-BF414A745106}">
+      <dsp:nvSpPr>
+        <dsp:cNvPr id="0" name=""/>
+        <dsp:cNvSpPr/>
+      </dsp:nvSpPr>
+      <dsp:spPr>
+        <a:xfrm>
+          <a:off x="2062809" y="0"/>
+          <a:ext cx="6206572" cy="2004702"/>
+        </a:xfrm>
+        <a:prstGeom prst="rect">
+          <a:avLst/>
+        </a:prstGeom>
+        <a:noFill/>
+        <a:ln>
+          <a:noFill/>
+        </a:ln>
+        <a:effectLst/>
+      </dsp:spPr>
+      <dsp:style>
+        <a:lnRef idx="0">
+          <a:scrgbClr r="0" g="0" b="0"/>
+        </a:lnRef>
+        <a:fillRef idx="0">
+          <a:scrgbClr r="0" g="0" b="0"/>
+        </a:fillRef>
+        <a:effectRef idx="0">
+          <a:scrgbClr r="0" g="0" b="0"/>
+        </a:effectRef>
+        <a:fontRef idx="minor"/>
+      </dsp:style>
+      <dsp:txBody>
+        <a:bodyPr spcFirstLastPara="0" vert="horz" wrap="square" lIns="142240" tIns="0" rIns="142240" bIns="142240" numCol="1" spcCol="1270" anchor="ctr" anchorCtr="0">
+          <a:noAutofit/>
+        </a:bodyPr>
+        <a:lstStyle/>
+        <a:p>
+          <a:pPr lvl="0" algn="l" defTabSz="1244600">
+            <a:lnSpc>
+              <a:spcPct val="90000"/>
+            </a:lnSpc>
+            <a:spcBef>
+              <a:spcPct val="0"/>
+            </a:spcBef>
+            <a:spcAft>
+              <a:spcPct val="35000"/>
+            </a:spcAft>
+          </a:pPr>
+          <a:r>
+            <a:rPr lang="en-US" altLang="zh-CN" sz="2800" kern="1200" dirty="0" smtClean="0"/>
+            <a:t>Program testing</a:t>
+          </a:r>
+          <a:endParaRPr lang="zh-CN" altLang="en-US" sz="2800" kern="1200" dirty="0"/>
+        </a:p>
+        <a:p>
+          <a:pPr marL="228600" lvl="1" indent="-228600" algn="l" defTabSz="889000">
+            <a:lnSpc>
+              <a:spcPct val="90000"/>
+            </a:lnSpc>
+            <a:spcBef>
+              <a:spcPct val="0"/>
+            </a:spcBef>
+            <a:spcAft>
+              <a:spcPct val="15000"/>
+            </a:spcAft>
+            <a:buChar char="••"/>
+          </a:pPr>
+          <a:r>
+            <a:rPr lang="en-US" altLang="zh-CN" sz="2000" kern="1200" dirty="0" smtClean="0">
+              <a:latin typeface="Calibri" panose="020F0502020204030204" pitchFamily="34" charset="0"/>
+              <a:cs typeface="Calibri" panose="020F0502020204030204" pitchFamily="34" charset="0"/>
+            </a:rPr>
+            <a:t>The correct execution for </a:t>
+          </a:r>
+          <a:r>
+            <a:rPr lang="en-US" altLang="zh-CN" sz="2000" kern="1200" dirty="0" smtClean="0">
+              <a:solidFill>
+                <a:srgbClr val="800000"/>
+              </a:solidFill>
+              <a:latin typeface="Calibri" panose="020F0502020204030204" pitchFamily="34" charset="0"/>
+              <a:cs typeface="Calibri" panose="020F0502020204030204" pitchFamily="34" charset="0"/>
+            </a:rPr>
+            <a:t>inputs not in the sample </a:t>
+          </a:r>
+          <a:r>
+            <a:rPr lang="en-US" altLang="zh-CN" sz="2000" kern="1200" dirty="0" smtClean="0">
+              <a:latin typeface="Calibri" panose="020F0502020204030204" pitchFamily="34" charset="0"/>
+              <a:cs typeface="Calibri" panose="020F0502020204030204" pitchFamily="34" charset="0"/>
+            </a:rPr>
+            <a:t>being in doubt</a:t>
+          </a:r>
+          <a:endParaRPr lang="zh-CN" altLang="en-US" sz="2000" kern="1200" dirty="0">
+            <a:latin typeface="Calibri" panose="020F0502020204030204" pitchFamily="34" charset="0"/>
+            <a:cs typeface="Calibri" panose="020F0502020204030204" pitchFamily="34" charset="0"/>
+          </a:endParaRPr>
+        </a:p>
+        <a:p>
+          <a:pPr marL="228600" lvl="1" indent="-228600" algn="l" defTabSz="889000">
+            <a:lnSpc>
+              <a:spcPct val="90000"/>
+            </a:lnSpc>
+            <a:spcBef>
+              <a:spcPct val="0"/>
+            </a:spcBef>
+            <a:spcAft>
+              <a:spcPct val="15000"/>
+            </a:spcAft>
+            <a:buChar char="••"/>
+          </a:pPr>
+          <a:r>
+            <a:rPr lang="en-US" altLang="zh-CN" sz="2000" kern="1200" dirty="0" smtClean="0">
+              <a:latin typeface="Calibri" panose="020F0502020204030204" pitchFamily="34" charset="0"/>
+              <a:cs typeface="Calibri" panose="020F0502020204030204" pitchFamily="34" charset="0"/>
+            </a:rPr>
+            <a:t>Being required to execute the program</a:t>
+          </a:r>
+          <a:endParaRPr lang="zh-CN" altLang="en-US" sz="2000" kern="1200" dirty="0">
+            <a:latin typeface="Calibri" panose="020F0502020204030204" pitchFamily="34" charset="0"/>
+            <a:cs typeface="Calibri" panose="020F0502020204030204" pitchFamily="34" charset="0"/>
+          </a:endParaRPr>
+        </a:p>
+        <a:p>
+          <a:pPr marL="228600" lvl="1" indent="-228600" algn="l" defTabSz="889000">
+            <a:lnSpc>
+              <a:spcPct val="90000"/>
+            </a:lnSpc>
+            <a:spcBef>
+              <a:spcPct val="0"/>
+            </a:spcBef>
+            <a:spcAft>
+              <a:spcPct val="15000"/>
+            </a:spcAft>
+            <a:buChar char="••"/>
+          </a:pPr>
+          <a:r>
+            <a:rPr lang="en-US" altLang="zh-CN" sz="2000" kern="1200" dirty="0" smtClean="0">
+              <a:latin typeface="Calibri" panose="020F0502020204030204" pitchFamily="34" charset="0"/>
+              <a:cs typeface="Calibri" panose="020F0502020204030204" pitchFamily="34" charset="0"/>
+            </a:rPr>
+            <a:t>Easy to use</a:t>
+          </a:r>
+          <a:endParaRPr lang="zh-CN" altLang="en-US" sz="2000" kern="1200" dirty="0">
+            <a:latin typeface="Calibri" panose="020F0502020204030204" pitchFamily="34" charset="0"/>
+            <a:cs typeface="Calibri" panose="020F0502020204030204" pitchFamily="34" charset="0"/>
+          </a:endParaRPr>
+        </a:p>
+      </dsp:txBody>
+      <dsp:txXfrm>
+        <a:off x="2062809" y="0"/>
+        <a:ext cx="6206572" cy="2004702"/>
+      </dsp:txXfrm>
+    </dsp:sp>
+    <dsp:sp modelId="{4BAE9C4C-C067-4ACA-90F8-43824D4833A2}">
+      <dsp:nvSpPr>
+        <dsp:cNvPr id="0" name=""/>
+        <dsp:cNvSpPr/>
+      </dsp:nvSpPr>
+      <dsp:spPr>
+        <a:xfrm>
+          <a:off x="889149" y="2171761"/>
+          <a:ext cx="1782554" cy="2004702"/>
+        </a:xfrm>
+        <a:prstGeom prst="downArrow">
+          <a:avLst/>
+        </a:prstGeom>
+        <a:solidFill>
+          <a:srgbClr val="92D050"/>
+        </a:solidFill>
+        <a:ln w="25400" cap="flat" cmpd="sng" algn="ctr">
+          <a:solidFill>
+            <a:srgbClr val="92D050"/>
+          </a:solidFill>
+          <a:prstDash val="solid"/>
+        </a:ln>
+        <a:effectLst/>
+      </dsp:spPr>
+      <dsp:style>
+        <a:lnRef idx="2">
+          <a:scrgbClr r="0" g="0" b="0"/>
+        </a:lnRef>
+        <a:fillRef idx="1">
+          <a:scrgbClr r="0" g="0" b="0"/>
+        </a:fillRef>
+        <a:effectRef idx="0">
+          <a:scrgbClr r="0" g="0" b="0"/>
+        </a:effectRef>
+        <a:fontRef idx="minor">
+          <a:schemeClr val="lt1"/>
+        </a:fontRef>
+      </dsp:style>
+    </dsp:sp>
+    <dsp:sp modelId="{65D123C8-C28A-43FC-A1D1-EC1A1AAA1D0D}">
+      <dsp:nvSpPr>
+        <dsp:cNvPr id="0" name=""/>
+        <dsp:cNvSpPr/>
+      </dsp:nvSpPr>
+      <dsp:spPr>
+        <a:xfrm>
+          <a:off x="2777826" y="2171761"/>
+          <a:ext cx="5516153" cy="2004702"/>
+        </a:xfrm>
+        <a:prstGeom prst="rect">
+          <a:avLst/>
+        </a:prstGeom>
+        <a:noFill/>
+        <a:ln>
+          <a:noFill/>
+        </a:ln>
+        <a:effectLst/>
+      </dsp:spPr>
+      <dsp:style>
+        <a:lnRef idx="0">
+          <a:scrgbClr r="0" g="0" b="0"/>
+        </a:lnRef>
+        <a:fillRef idx="0">
+          <a:scrgbClr r="0" g="0" b="0"/>
+        </a:fillRef>
+        <a:effectRef idx="0">
+          <a:scrgbClr r="0" g="0" b="0"/>
+        </a:effectRef>
+        <a:fontRef idx="minor"/>
+      </dsp:style>
+      <dsp:txBody>
+        <a:bodyPr spcFirstLastPara="0" vert="horz" wrap="square" lIns="142240" tIns="0" rIns="142240" bIns="142240" numCol="1" spcCol="1270" anchor="ctr" anchorCtr="0">
+          <a:noAutofit/>
+        </a:bodyPr>
+        <a:lstStyle/>
+        <a:p>
+          <a:pPr lvl="0" algn="l" defTabSz="1155700">
+            <a:lnSpc>
+              <a:spcPct val="90000"/>
+            </a:lnSpc>
+            <a:spcBef>
+              <a:spcPct val="0"/>
+            </a:spcBef>
+            <a:spcAft>
+              <a:spcPct val="35000"/>
+            </a:spcAft>
+          </a:pPr>
+          <a:r>
+            <a:rPr lang="en-US" altLang="zh-CN" sz="2600" kern="1200" dirty="0" smtClean="0"/>
+            <a:t>Program proving</a:t>
+          </a:r>
+          <a:endParaRPr lang="zh-CN" altLang="en-US" sz="2600" kern="1200" dirty="0"/>
+        </a:p>
+        <a:p>
+          <a:pPr marL="228600" lvl="1" indent="-228600" algn="l" defTabSz="889000">
+            <a:lnSpc>
+              <a:spcPct val="90000"/>
+            </a:lnSpc>
+            <a:spcBef>
+              <a:spcPct val="0"/>
+            </a:spcBef>
+            <a:spcAft>
+              <a:spcPct val="15000"/>
+            </a:spcAft>
+            <a:buChar char="••"/>
+          </a:pPr>
+          <a:r>
+            <a:rPr lang="en-US" altLang="zh-CN" sz="2000" kern="1200" dirty="0" smtClean="0">
+              <a:latin typeface="Calibri" panose="020F0502020204030204" pitchFamily="34" charset="0"/>
+              <a:cs typeface="Calibri" panose="020F0502020204030204" pitchFamily="34" charset="0"/>
+            </a:rPr>
+            <a:t>Proving the program meets its specification </a:t>
+          </a:r>
+          <a:r>
+            <a:rPr lang="en-US" altLang="zh-CN" sz="2000" kern="1200" dirty="0" smtClean="0">
+              <a:solidFill>
+                <a:srgbClr val="800000"/>
+              </a:solidFill>
+              <a:latin typeface="Calibri" panose="020F0502020204030204" pitchFamily="34" charset="0"/>
+              <a:cs typeface="Calibri" panose="020F0502020204030204" pitchFamily="34" charset="0"/>
+            </a:rPr>
+            <a:t>for all executions</a:t>
+          </a:r>
+          <a:endParaRPr lang="zh-CN" altLang="en-US" sz="2000" kern="1200" dirty="0">
+            <a:solidFill>
+              <a:srgbClr val="800000"/>
+            </a:solidFill>
+            <a:latin typeface="Calibri" panose="020F0502020204030204" pitchFamily="34" charset="0"/>
+            <a:cs typeface="Calibri" panose="020F0502020204030204" pitchFamily="34" charset="0"/>
+          </a:endParaRPr>
+        </a:p>
+        <a:p>
+          <a:pPr marL="228600" lvl="1" indent="-228600" algn="l" defTabSz="889000">
+            <a:lnSpc>
+              <a:spcPct val="90000"/>
+            </a:lnSpc>
+            <a:spcBef>
+              <a:spcPct val="0"/>
+            </a:spcBef>
+            <a:spcAft>
+              <a:spcPct val="15000"/>
+            </a:spcAft>
+            <a:buChar char="••"/>
+          </a:pPr>
+          <a:r>
+            <a:rPr lang="en-US" altLang="zh-CN" sz="2000" kern="1200" dirty="0" smtClean="0">
+              <a:latin typeface="Calibri" panose="020F0502020204030204" pitchFamily="34" charset="0"/>
+              <a:cs typeface="Calibri" panose="020F0502020204030204" pitchFamily="34" charset="0"/>
+            </a:rPr>
+            <a:t>Without being required to execute the program</a:t>
+          </a:r>
+          <a:endParaRPr lang="zh-CN" altLang="en-US" sz="2000" kern="1200" dirty="0">
+            <a:latin typeface="Calibri" panose="020F0502020204030204" pitchFamily="34" charset="0"/>
+            <a:cs typeface="Calibri" panose="020F0502020204030204" pitchFamily="34" charset="0"/>
+          </a:endParaRPr>
+        </a:p>
+        <a:p>
+          <a:pPr marL="228600" lvl="1" indent="-228600" algn="l" defTabSz="889000">
+            <a:lnSpc>
+              <a:spcPct val="90000"/>
+            </a:lnSpc>
+            <a:spcBef>
+              <a:spcPct val="0"/>
+            </a:spcBef>
+            <a:spcAft>
+              <a:spcPct val="15000"/>
+            </a:spcAft>
+            <a:buChar char="••"/>
+          </a:pPr>
+          <a:r>
+            <a:rPr lang="en-US" altLang="zh-CN" sz="2000" kern="1200" dirty="0" smtClean="0">
+              <a:latin typeface="Calibri" panose="020F0502020204030204" pitchFamily="34" charset="0"/>
+              <a:cs typeface="Calibri" panose="020F0502020204030204" pitchFamily="34" charset="0"/>
+            </a:rPr>
+            <a:t>Difficult and tricky</a:t>
+          </a:r>
+          <a:endParaRPr lang="zh-CN" altLang="en-US" sz="2000" kern="1200" dirty="0">
+            <a:latin typeface="Calibri" panose="020F0502020204030204" pitchFamily="34" charset="0"/>
+            <a:cs typeface="Calibri" panose="020F0502020204030204" pitchFamily="34" charset="0"/>
+          </a:endParaRPr>
+        </a:p>
+      </dsp:txBody>
+      <dsp:txXfrm>
+        <a:off x="2777826" y="2171761"/>
+        <a:ext cx="5516153" cy="2004702"/>
+      </dsp:txXfrm>
+    </dsp:sp>
+  </dsp:spTree>
+</dsp:drawing>
+</file>
+
+<file path=ppt/diagrams/layout1.xml><?xml version="1.0" encoding="utf-8"?>
+<dgm:layoutDef xmlns:dgm="http://schemas.openxmlformats.org/drawingml/2006/diagram" xmlns:a="http://schemas.openxmlformats.org/drawingml/2006/main" uniqueId="urn:microsoft.com/office/officeart/2005/8/layout/arrow4">
+  <dgm:title val=""/>
+  <dgm:desc val=""/>
+  <dgm:catLst>
+    <dgm:cat type="relationship" pri="8000"/>
+    <dgm:cat type="process" pri="30000"/>
+  </dgm:catLst>
+  <dgm:sampData>
+    <dgm:dataModel>
+      <dgm:ptLst>
+        <dgm:pt modelId="0" type="doc"/>
+        <dgm:pt modelId="1">
+          <dgm:prSet phldr="1"/>
+        </dgm:pt>
+        <dgm:pt modelId="2">
+          <dgm:prSet phldr="1"/>
+        </dgm:pt>
+      </dgm:ptLst>
+      <dgm:cxnLst>
+        <dgm:cxn modelId="3" srcId="0" destId="1" srcOrd="0" destOrd="0"/>
+        <dgm:cxn modelId="4" srcId="0" destId="2" srcOrd="1" destOrd="0"/>
+      </dgm:cxnLst>
+      <dgm:bg/>
+      <dgm:whole/>
+    </dgm:dataModel>
+  </dgm:sampData>
+  <dgm:styleData>
+    <dgm:dataModel>
+      <dgm:ptLst>
+        <dgm:pt modelId="0" type="doc"/>
+        <dgm:pt modelId="1"/>
+        <dgm:pt modelId="2"/>
+      </dgm:ptLst>
+      <dgm:cxnLst>
+        <dgm:cxn modelId="3" srcId="0" destId="1" srcOrd="0" destOrd="0"/>
+        <dgm:cxn modelId="4" srcId="0" destId="2" srcOrd="1" destOrd="0"/>
+      </dgm:cxnLst>
+      <dgm:bg/>
+      <dgm:whole/>
+    </dgm:dataModel>
+  </dgm:styleData>
+  <dgm:clrData>
+    <dgm:dataModel>
+      <dgm:ptLst>
+        <dgm:pt modelId="0" type="doc"/>
+        <dgm:pt modelId="1"/>
+        <dgm:pt modelId="2"/>
+      </dgm:ptLst>
+      <dgm:cxnLst>
+        <dgm:cxn modelId="3" srcId="0" destId="1" srcOrd="0" destOrd="0"/>
+        <dgm:cxn modelId="4" srcId="0" destId="2" srcOrd="1" destOrd="0"/>
+      </dgm:cxnLst>
+      <dgm:bg/>
+      <dgm:whole/>
+    </dgm:dataModel>
+  </dgm:clrData>
+  <dgm:layoutNode name="compositeShape">
+    <dgm:varLst>
+      <dgm:chMax val="2"/>
+      <dgm:dir/>
+      <dgm:resizeHandles val="exact"/>
+    </dgm:varLst>
+    <dgm:alg type="composite"/>
+    <dgm:shape xmlns:r="http://schemas.openxmlformats.org/officeDocument/2006/relationships" r:blip="">
+      <dgm:adjLst/>
+    </dgm:shape>
+    <dgm:presOf/>
+    <dgm:choose name="Name0">
+      <dgm:if name="Name1" func="var" arg="dir" op="equ" val="norm">
+        <dgm:choose name="Name2">
+          <dgm:if name="Name3" axis="ch" ptType="node" func="cnt" op="lte" val="1">
+            <dgm:constrLst>
+              <dgm:constr type="primFontSz" for="des" ptType="node" op="equ" val="65"/>
+              <dgm:constr type="w" for="ch" forName="upArrow" refType="w" fact="0.33"/>
+              <dgm:constr type="h" for="ch" forName="upArrow" refType="h"/>
+              <dgm:constr type="b" for="ch" forName="upArrow" refType="h" fact="0.48"/>
+              <dgm:constr type="l" for="ch" forName="upArrow"/>
+              <dgm:constr type="h" for="ch" forName="upArrow" refType="w" refFor="ch" refForName="upArrow" op="gte" fact="0.75"/>
+              <dgm:constr type="w" for="ch" forName="upArrowText" refType="w" fact="0.56"/>
+              <dgm:constr type="h" for="ch" forName="upArrowText" refType="h"/>
+              <dgm:constr type="b" for="ch" forName="upArrowText" refType="h" fact="0.48"/>
+              <dgm:constr type="l" for="ch" forName="upArrowText" refType="w" refFor="ch" refForName="upArrow" fact="1.03"/>
+            </dgm:constrLst>
+          </dgm:if>
+          <dgm:else name="Name4">
+            <dgm:constrLst>
+              <dgm:constr type="primFontSz" for="des" ptType="node" op="equ" val="65"/>
+              <dgm:constr type="w" for="ch" forName="upArrow" refType="w" fact="0.33"/>
+              <dgm:constr type="h" for="ch" forName="upArrow" refType="h" fact="0.48"/>
+              <dgm:constr type="b" for="ch" forName="upArrow" refType="h" fact="0.48"/>
+              <dgm:constr type="l" for="ch" forName="upArrow"/>
+              <dgm:constr type="h" for="ch" forName="upArrow" refType="w" refFor="ch" refForName="upArrow" op="gte" fact="0.75"/>
+              <dgm:constr type="w" for="ch" forName="upArrowText" refType="w" fact="0.56"/>
+              <dgm:constr type="h" for="ch" forName="upArrowText" refType="h" fact="0.48"/>
+              <dgm:constr type="b" for="ch" forName="upArrowText" refType="h" fact="0.48"/>
+              <dgm:constr type="l" for="ch" forName="upArrowText" refType="w" refFor="ch" refForName="upArrow" fact="1.03"/>
+              <dgm:constr type="w" for="ch" forName="downArrow" refType="w" fact="0.33"/>
+              <dgm:constr type="h" for="ch" forName="downArrow" refType="h" fact="0.48"/>
+              <dgm:constr type="t" for="ch" forName="downArrow" refType="h" fact="0.52"/>
+              <dgm:constr type="l" for="ch" forName="downArrow" refType="w" refFor="ch" refForName="downArrow" fact="0.3"/>
+              <dgm:constr type="h" for="ch" forName="downArrow" refType="w" refFor="ch" refForName="downArrow" op="gte" fact="0.75"/>
+              <dgm:constr type="w" for="ch" forName="downArrowText" refType="w" fact="0.56"/>
+              <dgm:constr type="h" for="ch" forName="downArrowText" refType="h" fact="0.48"/>
+              <dgm:constr type="t" for="ch" forName="downArrowText" refType="h" fact="0.52"/>
+              <dgm:constr type="l" for="ch" forName="downArrowText" refType="w" refFor="ch" refForName="downArrow" fact="1.33"/>
+            </dgm:constrLst>
+          </dgm:else>
+        </dgm:choose>
+      </dgm:if>
+      <dgm:else name="Name5">
+        <dgm:choose name="Name6">
+          <dgm:if name="Name7" axis="ch" ptType="node" func="cnt" op="lte" val="1">
+            <dgm:constrLst>
+              <dgm:constr type="primFontSz" for="des" ptType="node" op="equ" val="65"/>
+              <dgm:constr type="w" for="ch" forName="upArrow" refType="w" fact="0.33"/>
+              <dgm:constr type="h" for="ch" forName="upArrow" refType="h"/>
+              <dgm:constr type="t" for="ch" forName="upArrow"/>
+              <dgm:constr type="l" for="ch" forName="upArrow" refType="w" fact="0.67"/>
+              <dgm:constr type="h" for="ch" forName="upArrow" refType="w" refFor="ch" refForName="upArrow" op="gte" fact="0.75"/>
+              <dgm:constr type="w" for="ch" forName="upArrowText" refType="w" fact="0.56"/>
+              <dgm:constr type="h" for="ch" forName="upArrowText" refType="h"/>
+              <dgm:constr type="t" for="ch" forName="upArrowText"/>
+              <dgm:constr type="l" for="ch" forName="upArrowText" refType="w" fact="0.1"/>
+            </dgm:constrLst>
+          </dgm:if>
+          <dgm:else name="Name8">
+            <dgm:constrLst>
+              <dgm:constr type="primFontSz" for="des" ptType="node" op="equ" val="65"/>
+              <dgm:constr type="w" for="ch" forName="upArrow" refType="w" fact="0.33"/>
+              <dgm:constr type="h" for="ch" forName="upArrow" refType="h" fact="0.48"/>
+              <dgm:constr type="t" for="ch" forName="upArrow"/>
+              <dgm:constr type="l" for="ch" forName="upArrow" refType="w" fact="0.67"/>
+              <dgm:constr type="h" for="ch" forName="upArrow" refType="w" refFor="ch" refForName="upArrow" op="gte" fact="0.75"/>
+              <dgm:constr type="w" for="ch" forName="upArrowText" refType="w" fact="0.56"/>
+              <dgm:constr type="h" for="ch" forName="upArrowText" refType="h" fact="0.48"/>
+              <dgm:constr type="t" for="ch" forName="upArrowText"/>
+              <dgm:constr type="l" for="ch" forName="upArrowText" refType="w" fact="0.1"/>
+              <dgm:constr type="w" for="ch" forName="downArrow" refType="w" fact="0.33"/>
+              <dgm:constr type="h" for="ch" forName="downArrow" refType="h" fact="0.48"/>
+              <dgm:constr type="t" for="ch" forName="downArrow" refType="h" fact="0.52"/>
+              <dgm:constr type="l" for="ch" forName="downArrow" refType="w" fact="0.57"/>
+              <dgm:constr type="h" for="ch" forName="downArrow" refType="w" refFor="ch" refForName="downArrow" op="gte" fact="0.75"/>
+              <dgm:constr type="w" for="ch" forName="downArrowText" refType="w" fact="0.56"/>
+              <dgm:constr type="h" for="ch" forName="downArrowText" refType="h" fact="0.48"/>
+              <dgm:constr type="t" for="ch" forName="downArrowText" refType="h" fact="0.52"/>
+              <dgm:constr type="l" for="ch" forName="downArrowText"/>
+            </dgm:constrLst>
+          </dgm:else>
+        </dgm:choose>
+      </dgm:else>
+    </dgm:choose>
+    <dgm:ruleLst/>
+    <dgm:forEach name="Name9" axis="ch" ptType="node" cnt="1">
+      <dgm:layoutNode name="upArrow" styleLbl="node1">
+        <dgm:alg type="sp"/>
+        <dgm:shape xmlns:r="http://schemas.openxmlformats.org/officeDocument/2006/relationships" type="upArrow" r:blip="">
+          <dgm:adjLst/>
+        </dgm:shape>
+        <dgm:presOf/>
+        <dgm:constrLst/>
+        <dgm:ruleLst/>
+      </dgm:layoutNode>
+      <dgm:layoutNode name="upArrowText" styleLbl="revTx">
+        <dgm:varLst>
+          <dgm:chMax val="0"/>
+          <dgm:bulletEnabled val="1"/>
+        </dgm:varLst>
+        <dgm:choose name="Name10">
+          <dgm:if name="Name11" axis="root des" ptType="all node" func="maxDepth" op="gt" val="1">
+            <dgm:alg type="tx">
+              <dgm:param type="parTxLTRAlign" val="l"/>
+              <dgm:param type="parTxRTLAlign" val="r"/>
+              <dgm:param type="txAnchorVertCh" val="mid"/>
+            </dgm:alg>
+          </dgm:if>
+          <dgm:else name="Name12">
+            <dgm:choose name="Name13">
+              <dgm:if name="Name14" func="var" arg="dir" op="equ" val="norm">
+                <dgm:alg type="tx">
+                  <dgm:param type="parTxLTRAlign" val="l"/>
+                  <dgm:param type="parTxRTLAlign" val="l"/>
+                  <dgm:param type="txAnchorVertCh" val="mid"/>
+                </dgm:alg>
+              </dgm:if>
+              <dgm:else name="Name15">
+                <dgm:alg type="tx">
+                  <dgm:param type="parTxLTRAlign" val="r"/>
+                  <dgm:param type="parTxRTLAlign" val="r"/>
+                  <dgm:param type="txAnchorVertCh" val="mid"/>
+                </dgm:alg>
+              </dgm:else>
+            </dgm:choose>
+          </dgm:else>
+        </dgm:choose>
+        <dgm:shape xmlns:r="http://schemas.openxmlformats.org/officeDocument/2006/relationships" type="rect" r:blip="">
+          <dgm:adjLst/>
+        </dgm:shape>
+        <dgm:presOf axis="desOrSelf" ptType="node"/>
+        <dgm:constrLst>
+          <dgm:constr type="tMarg"/>
+        </dgm:constrLst>
+        <dgm:ruleLst>
+          <dgm:rule type="primFontSz" val="5" fact="NaN" max="NaN"/>
+        </dgm:ruleLst>
+      </dgm:layoutNode>
+    </dgm:forEach>
+    <dgm:forEach name="Name16" axis="ch" ptType="node" st="2" cnt="1">
+      <dgm:layoutNode name="downArrow" styleLbl="node1">
+        <dgm:alg type="sp"/>
+        <dgm:shape xmlns:r="http://schemas.openxmlformats.org/officeDocument/2006/relationships" type="downArrow" r:blip="">
+          <dgm:adjLst/>
+        </dgm:shape>
+        <dgm:presOf/>
+        <dgm:constrLst/>
+        <dgm:ruleLst/>
+      </dgm:layoutNode>
+      <dgm:layoutNode name="downArrowText" styleLbl="revTx">
+        <dgm:varLst>
+          <dgm:chMax val="0"/>
+          <dgm:bulletEnabled val="1"/>
+        </dgm:varLst>
+        <dgm:choose name="Name17">
+          <dgm:if name="Name18" axis="root des" ptType="all node" func="maxDepth" op="gt" val="1">
+            <dgm:alg type="tx">
+              <dgm:param type="parTxLTRAlign" val="l"/>
+              <dgm:param type="parTxRTLAlign" val="r"/>
+              <dgm:param type="txAnchorVertCh" val="mid"/>
+            </dgm:alg>
+          </dgm:if>
+          <dgm:else name="Name19">
+            <dgm:choose name="Name20">
+              <dgm:if name="Name21" func="var" arg="dir" op="equ" val="norm">
+                <dgm:alg type="tx">
+                  <dgm:param type="parTxLTRAlign" val="l"/>
+                  <dgm:param type="parTxRTLAlign" val="l"/>
+                  <dgm:param type="txAnchorVertCh" val="mid"/>
+                </dgm:alg>
+              </dgm:if>
+              <dgm:else name="Name22">
+                <dgm:alg type="tx">
+                  <dgm:param type="parTxLTRAlign" val="r"/>
+                  <dgm:param type="parTxRTLAlign" val="r"/>
+                  <dgm:param type="txAnchorVertCh" val="mid"/>
+                </dgm:alg>
+              </dgm:else>
+            </dgm:choose>
+          </dgm:else>
+        </dgm:choose>
+        <dgm:shape xmlns:r="http://schemas.openxmlformats.org/officeDocument/2006/relationships" type="rect" r:blip="">
+          <dgm:adjLst/>
+        </dgm:shape>
+        <dgm:presOf axis="desOrSelf" ptType="node"/>
+        <dgm:constrLst>
+          <dgm:constr type="tMarg"/>
+        </dgm:constrLst>
+        <dgm:ruleLst>
+          <dgm:rule type="primFontSz" val="5" fact="NaN" max="NaN"/>
+        </dgm:ruleLst>
+      </dgm:layoutNode>
+    </dgm:forEach>
+  </dgm:layoutNode>
+</dgm:layoutDef>
+</file>
+
+<file path=ppt/diagrams/quickStyle1.xml><?xml version="1.0" encoding="utf-8"?>
+<dgm:styleDef xmlns:dgm="http://schemas.openxmlformats.org/drawingml/2006/diagram" xmlns:a="http://schemas.openxmlformats.org/drawingml/2006/main" uniqueId="urn:microsoft.com/office/officeart/2005/8/quickstyle/simple1">
+  <dgm:title val=""/>
+  <dgm:desc val=""/>
+  <dgm:catLst>
+    <dgm:cat type="simple" pri="10100"/>
+  </dgm:catLst>
+  <dgm:scene3d>
+    <a:camera prst="orthographicFront"/>
+    <a:lightRig rig="threePt" dir="t"/>
+  </dgm:scene3d>
+  <dgm:styleLbl name="node0">
+    <dgm:scene3d>
+      <a:camera prst="orthographicFront"/>
+      <a:lightRig rig="threePt" dir="t"/>
+    </dgm:scene3d>
+    <dgm:sp3d/>
+    <dgm:txPr/>
+    <dgm:style>
+      <a:lnRef idx="2">
+        <a:scrgbClr r="0" g="0" b="0"/>
+      </a:lnRef>
+      <a:fillRef idx="1">
+        <a:scrgbClr r="0" g="0" b="0"/>
+      </a:fillRef>
+      <a:effectRef idx="0">
+        <a:scrgbClr r="0" g="0" b="0"/>
+      </a:effectRef>
+      <a:fontRef idx="minor">
+        <a:schemeClr val="lt1"/>
+      </a:fontRef>
+    </dgm:style>
+  </dgm:styleLbl>
+  <dgm:styleLbl name="lnNode1">
+    <dgm:scene3d>
+      <a:camera prst="orthographicFront"/>
+      <a:lightRig rig="threePt" dir="t"/>
+    </dgm:scene3d>
+    <dgm:sp3d/>
+    <dgm:txPr/>
+    <dgm:style>
+      <a:lnRef idx="2">
+        <a:scrgbClr r="0" g="0" b="0"/>
+      </a:lnRef>
+      <a:fillRef idx="1">
+        <a:scrgbClr r="0" g="0" b="0"/>
+      </a:fillRef>
+      <a:effectRef idx="0">
+        <a:scrgbClr r="0" g="0" b="0"/>
+      </a:effectRef>
+      <a:fontRef idx="minor">
+        <a:schemeClr val="lt1"/>
+      </a:fontRef>
+    </dgm:style>
+  </dgm:styleLbl>
+  <dgm:styleLbl name="vennNode1">
+    <dgm:scene3d>
+      <a:camera prst="orthographicFront"/>
+      <a:lightRig rig="threePt" dir="t"/>
+    </dgm:scene3d>
+    <dgm:sp3d/>
+    <dgm:txPr/>
+    <dgm:style>
+      <a:lnRef idx="2">
+        <a:scrgbClr r="0" g="0" b="0"/>
+      </a:lnRef>
+      <a:fillRef idx="1">
+        <a:scrgbClr r="0" g="0" b="0"/>
+      </a:fillRef>
+      <a:effectRef idx="0">
+        <a:scrgbClr r="0" g="0" b="0"/>
+      </a:effectRef>
+      <a:fontRef idx="minor">
+        <a:schemeClr val="tx1"/>
+      </a:fontRef>
+    </dgm:style>
+  </dgm:styleLbl>
+  <dgm:styleLbl name="alignNode1">
+    <dgm:scene3d>
+      <a:camera prst="orthographicFront"/>
+      <a:lightRig rig="threePt" dir="t"/>
+    </dgm:scene3d>
+    <dgm:sp3d/>
+    <dgm:txPr/>
+    <dgm:style>
+      <a:lnRef idx="2">
+        <a:scrgbClr r="0" g="0" b="0"/>
+      </a:lnRef>
+      <a:fillRef idx="1">
+        <a:scrgbClr r="0" g="0" b="0"/>
+      </a:fillRef>
+      <a:effectRef idx="0">
+        <a:scrgbClr r="0" g="0" b="0"/>
+      </a:effectRef>
+      <a:fontRef idx="minor">
+        <a:schemeClr val="lt1"/>
+      </a:fontRef>
+    </dgm:style>
+  </dgm:styleLbl>
+  <dgm:styleLbl name="node1">
+    <dgm:scene3d>
+      <a:camera prst="orthographicFront"/>
+      <a:lightRig rig="threePt" dir="t"/>
+    </dgm:scene3d>
+    <dgm:sp3d/>
+    <dgm:txPr/>
+    <dgm:style>
+      <a:lnRef idx="2">
+        <a:scrgbClr r="0" g="0" b="0"/>
+      </a:lnRef>
+      <a:fillRef idx="1">
+        <a:scrgbClr r="0" g="0" b="0"/>
+      </a:fillRef>
+      <a:effectRef idx="0">
+        <a:scrgbClr r="0" g="0" b="0"/>
+      </a:effectRef>
+      <a:fontRef idx="minor">
+        <a:schemeClr val="lt1"/>
+      </a:fontRef>
+    </dgm:style>
+  </dgm:styleLbl>
+  <dgm:styleLbl name="node2">
+    <dgm:scene3d>
+      <a:camera prst="orthographicFront"/>
+      <a:lightRig rig="threePt" dir="t"/>
+    </dgm:scene3d>
+    <dgm:sp3d/>
+    <dgm:txPr/>
+    <dgm:style>
+      <a:lnRef idx="2">
+        <a:scrgbClr r="0" g="0" b="0"/>
+      </a:lnRef>
+      <a:fillRef idx="1">
+        <a:scrgbClr r="0" g="0" b="0"/>
+      </a:fillRef>
+      <a:effectRef idx="0">
+        <a:scrgbClr r="0" g="0" b="0"/>
+      </a:effectRef>
+      <a:fontRef idx="minor">
+        <a:schemeClr val="lt1"/>
+      </a:fontRef>
+    </dgm:style>
+  </dgm:styleLbl>
+  <dgm:styleLbl name="node3">
+    <dgm:scene3d>
+      <a:camera prst="orthographicFront"/>
+      <a:lightRig rig="threePt" dir="t"/>
+    </dgm:scene3d>
+    <dgm:sp3d/>
+    <dgm:txPr/>
+    <dgm:style>
+      <a:lnRef idx="2">
+        <a:scrgbClr r="0" g="0" b="0"/>
+      </a:lnRef>
+      <a:fillRef idx="1">
+        <a:scrgbClr r="0" g="0" b="0"/>
+      </a:fillRef>
+      <a:effectRef idx="0">
+        <a:scrgbClr r="0" g="0" b="0"/>
+      </a:effectRef>
+      <a:fontRef idx="minor">
+        <a:schemeClr val="lt1"/>
+      </a:fontRef>
+    </dgm:style>
+  </dgm:styleLbl>
+  <dgm:styleLbl name="node4">
+    <dgm:scene3d>
+      <a:camera prst="orthographicFront"/>
+      <a:lightRig rig="threePt" dir="t"/>
+    </dgm:scene3d>
+    <dgm:sp3d/>
+    <dgm:txPr/>
+    <dgm:style>
+      <a:lnRef idx="2">
+        <a:scrgbClr r="0" g="0" b="0"/>
+      </a:lnRef>
+      <a:fillRef idx="1">
+        <a:scrgbClr r="0" g="0" b="0"/>
+      </a:fillRef>
+      <a:effectRef idx="0">
+        <a:scrgbClr r="0" g="0" b="0"/>
+      </a:effectRef>
+      <a:fontRef idx="minor">
+        <a:schemeClr val="lt1"/>
+      </a:fontRef>
+    </dgm:style>
+  </dgm:styleLbl>
+  <dgm:styleLbl name="fgImgPlace1">
+    <dgm:scene3d>
+      <a:camera prst="orthographicFront"/>
+      <a:lightRig rig="threePt" dir="t"/>
+    </dgm:scene3d>
+    <dgm:sp3d/>
+    <dgm:txPr/>
+    <dgm:style>
+      <a:lnRef idx="2">
+        <a:scrgbClr r="0" g="0" b="0"/>
+      </a:lnRef>
+      <a:fillRef idx="1">
+        <a:scrgbClr r="0" g="0" b="0"/>
+      </a:fillRef>
+      <a:effectRef idx="0">
+        <a:scrgbClr r="0" g="0" b="0"/>
+      </a:effectRef>
+      <a:fontRef idx="minor"/>
+    </dgm:style>
+  </dgm:styleLbl>
+  <dgm:styleLbl name="alignImgPlace1">
+    <dgm:scene3d>
+      <a:camera prst="orthographicFront"/>
+      <a:lightRig rig="threePt" dir="t"/>
+    </dgm:scene3d>
+    <dgm:sp3d/>
+    <dgm:txPr/>
+    <dgm:style>
+      <a:lnRef idx="2">
+        <a:scrgbClr r="0" g="0" b="0"/>
+      </a:lnRef>
+      <a:fillRef idx="1">
+        <a:scrgbClr r="0" g="0" b="0"/>
+      </a:fillRef>
+      <a:effectRef idx="0">
+        <a:scrgbClr r="0" g="0" b="0"/>
+      </a:effectRef>
+      <a:fontRef idx="minor"/>
+    </dgm:style>
+  </dgm:styleLbl>
+  <dgm:styleLbl name="bgImgPlace1">
+    <dgm:scene3d>
+      <a:camera prst="orthographicFront"/>
+      <a:lightRig rig="threePt" dir="t"/>
+    </dgm:scene3d>
+    <dgm:sp3d/>
+    <dgm:txPr/>
+    <dgm:style>
+      <a:lnRef idx="2">
+        <a:scrgbClr r="0" g="0" b="0"/>
+      </a:lnRef>
+      <a:fillRef idx="1">
+        <a:scrgbClr r="0" g="0" b="0"/>
+      </a:fillRef>
+      <a:effectRef idx="0">
+        <a:scrgbClr r="0" g="0" b="0"/>
+      </a:effectRef>
+      <a:fontRef idx="minor"/>
+    </dgm:style>
+  </dgm:styleLbl>
+  <dgm:styleLbl name="sibTrans2D1">
+    <dgm:scene3d>
+      <a:camera prst="orthographicFront"/>
+      <a:lightRig rig="threePt" dir="t"/>
+    </dgm:scene3d>
+    <dgm:sp3d/>
+    <dgm:txPr/>
+    <dgm:style>
+      <a:lnRef idx="0">
+        <a:scrgbClr r="0" g="0" b="0"/>
+      </a:lnRef>
+      <a:fillRef idx="1">
+        <a:scrgbClr r="0" g="0" b="0"/>
+      </a:fillRef>
+      <a:effectRef idx="0">
+        <a:scrgbClr r="0" g="0" b="0"/>
+      </a:effectRef>
+      <a:fontRef idx="minor">
+        <a:schemeClr val="lt1"/>
+      </a:fontRef>
+    </dgm:style>
+  </dgm:styleLbl>
+  <dgm:styleLbl name="fgSibTrans2D1">
+    <dgm:scene3d>
+      <a:camera prst="orthographicFront"/>
+      <a:lightRig rig="threePt" dir="t"/>
+    </dgm:scene3d>
+    <dgm:sp3d/>
+    <dgm:txPr/>
+    <dgm:style>
+      <a:lnRef idx="0">
+        <a:scrgbClr r="0" g="0" b="0"/>
+      </a:lnRef>
+      <a:fillRef idx="1">
+        <a:scrgbClr r="0" g="0" b="0"/>
+      </a:fillRef>
+      <a:effectRef idx="0">
+        <a:scrgbClr r="0" g="0" b="0"/>
+      </a:effectRef>
+      <a:fontRef idx="minor">
+        <a:schemeClr val="lt1"/>
+      </a:fontRef>
+    </dgm:style>
+  </dgm:styleLbl>
+  <dgm:styleLbl name="bgSibTrans2D1">
+    <dgm:scene3d>
+      <a:camera prst="orthographicFront"/>
+      <a:lightRig rig="threePt" dir="t"/>
+    </dgm:scene3d>
+    <dgm:sp3d/>
+    <dgm:txPr/>
+    <dgm:style>
+      <a:lnRef idx="0">
+        <a:scrgbClr r="0" g="0" b="0"/>
+      </a:lnRef>
+      <a:fillRef idx="1">
+        <a:scrgbClr r="0" g="0" b="0"/>
+      </a:fillRef>
+      <a:effectRef idx="0">
+        <a:scrgbClr r="0" g="0" b="0"/>
+      </a:effectRef>
+      <a:fontRef idx="minor">
+        <a:schemeClr val="lt1"/>
+      </a:fontRef>
+    </dgm:style>
+  </dgm:styleLbl>
+  <dgm:styleLbl name="sibTrans1D1">
+    <dgm:scene3d>
+      <a:camera prst="orthographicFront"/>
+      <a:lightRig rig="threePt" dir="t"/>
+    </dgm:scene3d>
+    <dgm:sp3d/>
+    <dgm:txPr/>
+    <dgm:style>
+      <a:lnRef idx="1">
+        <a:scrgbClr r="0" g="0" b="0"/>
+      </a:lnRef>
+      <a:fillRef idx="0">
+        <a:scrgbClr r="0" g="0" b="0"/>
+      </a:fillRef>
+      <a:effectRef idx="0">
+        <a:scrgbClr r="0" g="0" b="0"/>
+      </a:effectRef>
+      <a:fontRef idx="minor"/>
+    </dgm:style>
+  </dgm:styleLbl>
+  <dgm:styleLbl name="callout">
+    <dgm:scene3d>
+      <a:camera prst="orthographicFront"/>
+      <a:lightRig rig="threePt" dir="t"/>
+    </dgm:scene3d>
+    <dgm:sp3d/>
+    <dgm:txPr/>
+    <dgm:style>
+      <a:lnRef idx="2">
+        <a:scrgbClr r="0" g="0" b="0"/>
+      </a:lnRef>
+      <a:fillRef idx="1">
+        <a:scrgbClr r="0" g="0" b="0"/>
+      </a:fillRef>
+      <a:effectRef idx="0">
+        <a:scrgbClr r="0" g="0" b="0"/>
+      </a:effectRef>
+      <a:fontRef idx="minor"/>
+    </dgm:style>
+  </dgm:styleLbl>
+  <dgm:styleLbl name="asst0">
+    <dgm:scene3d>
+      <a:camera prst="orthographicFront"/>
+      <a:lightRig rig="threePt" dir="t"/>
+    </dgm:scene3d>
+    <dgm:sp3d/>
+    <dgm:txPr/>
+    <dgm:style>
+      <a:lnRef idx="2">
+        <a:scrgbClr r="0" g="0" b="0"/>
+      </a:lnRef>
+      <a:fillRef idx="1">
+        <a:scrgbClr r="0" g="0" b="0"/>
+      </a:fillRef>
+      <a:effectRef idx="0">
+        <a:scrgbClr r="0" g="0" b="0"/>
+      </a:effectRef>
+      <a:fontRef idx="minor">
+        <a:schemeClr val="lt1"/>
+      </a:fontRef>
+    </dgm:style>
+  </dgm:styleLbl>
+  <dgm:styleLbl name="asst1">
+    <dgm:scene3d>
+      <a:camera prst="orthographicFront"/>
+      <a:lightRig rig="threePt" dir="t"/>
+    </dgm:scene3d>
+    <dgm:sp3d/>
+    <dgm:txPr/>
+    <dgm:style>
+      <a:lnRef idx="2">
+        <a:scrgbClr r="0" g="0" b="0"/>
+      </a:lnRef>
+      <a:fillRef idx="1">
+        <a:scrgbClr r="0" g="0" b="0"/>
+      </a:fillRef>
+      <a:effectRef idx="0">
+        <a:scrgbClr r="0" g="0" b="0"/>
+      </a:effectRef>
+      <a:fontRef idx="minor">
+        <a:schemeClr val="lt1"/>
+      </a:fontRef>
+    </dgm:style>
+  </dgm:styleLbl>
+  <dgm:styleLbl name="asst2">
+    <dgm:scene3d>
+      <a:camera prst="orthographicFront"/>
+      <a:lightRig rig="threePt" dir="t"/>
+    </dgm:scene3d>
+    <dgm:sp3d/>
+    <dgm:txPr/>
+    <dgm:style>
+      <a:lnRef idx="2">
+        <a:scrgbClr r="0" g="0" b="0"/>
+      </a:lnRef>
+      <a:fillRef idx="1">
+        <a:scrgbClr r="0" g="0" b="0"/>
+      </a:fillRef>
+      <a:effectRef idx="0">
+        <a:scrgbClr r="0" g="0" b="0"/>
+      </a:effectRef>
+      <a:fontRef idx="minor">
+        <a:schemeClr val="lt1"/>
+      </a:fontRef>
+    </dgm:style>
+  </dgm:styleLbl>
+  <dgm:styleLbl name="asst3">
+    <dgm:scene3d>
+      <a:camera prst="orthographicFront"/>
+      <a:lightRig rig="threePt" dir="t"/>
+    </dgm:scene3d>
+    <dgm:sp3d/>
+    <dgm:txPr/>
+    <dgm:style>
+      <a:lnRef idx="2">
+        <a:scrgbClr r="0" g="0" b="0"/>
+      </a:lnRef>
+      <a:fillRef idx="1">
+        <a:scrgbClr r="0" g="0" b="0"/>
+      </a:fillRef>
+      <a:effectRef idx="0">
+        <a:scrgbClr r="0" g="0" b="0"/>
+      </a:effectRef>
+      <a:fontRef idx="minor">
+        <a:schemeClr val="lt1"/>
+      </a:fontRef>
+    </dgm:style>
+  </dgm:styleLbl>
+  <dgm:styleLbl name="asst4">
+    <dgm:scene3d>
+      <a:camera prst="orthographicFront"/>
+      <a:lightRig rig="threePt" dir="t"/>
+    </dgm:scene3d>
+    <dgm:sp3d/>
+    <dgm:txPr/>
+    <dgm:style>
+      <a:lnRef idx="2">
+        <a:scrgbClr r="0" g="0" b="0"/>
+      </a:lnRef>
+      <a:fillRef idx="1">
+        <a:scrgbClr r="0" g="0" b="0"/>
+      </a:fillRef>
+      <a:effectRef idx="0">
+        <a:scrgbClr r="0" g="0" b="0"/>
+      </a:effectRef>
+      <a:fontRef idx="minor">
+        <a:schemeClr val="lt1"/>
+      </a:fontRef>
+    </dgm:style>
+  </dgm:styleLbl>
+  <dgm:styleLbl name="parChTrans2D1">
+    <dgm:scene3d>
+      <a:camera prst="orthographicFront"/>
+      <a:lightRig rig="threePt" dir="t"/>
+    </dgm:scene3d>
+    <dgm:sp3d/>
+    <dgm:txPr/>
+    <dgm:style>
+      <a:lnRef idx="2">
+        <a:scrgbClr r="0" g="0" b="0"/>
+      </a:lnRef>
+      <a:fillRef idx="1">
+        <a:scrgbClr r="0" g="0" b="0"/>
+      </a:fillRef>
+      <a:effectRef idx="0">
+        <a:scrgbClr r="0" g="0" b="0"/>
+      </a:effectRef>
+      <a:fontRef idx="minor">
+        <a:schemeClr val="lt1"/>
+      </a:fontRef>
+    </dgm:style>
+  </dgm:styleLbl>
+  <dgm:styleLbl name="parChTrans2D2">
+    <dgm:scene3d>
+      <a:camera prst="orthographicFront"/>
+      <a:lightRig rig="threePt" dir="t"/>
+    </dgm:scene3d>
+    <dgm:sp3d/>
+    <dgm:txPr/>
+    <dgm:style>
+      <a:lnRef idx="2">
+        <a:scrgbClr r="0" g="0" b="0"/>
+      </a:lnRef>
+      <a:fillRef idx="1">
+        <a:scrgbClr r="0" g="0" b="0"/>
+      </a:fillRef>
+      <a:effectRef idx="0">
+        <a:scrgbClr r="0" g="0" b="0"/>
+      </a:effectRef>
+      <a:fontRef idx="minor">
+        <a:schemeClr val="lt1"/>
+      </a:fontRef>
+    </dgm:style>
+  </dgm:styleLbl>
+  <dgm:styleLbl name="parChTrans2D3">
+    <dgm:scene3d>
+      <a:camera prst="orthographicFront"/>
+      <a:lightRig rig="threePt" dir="t"/>
+    </dgm:scene3d>
+    <dgm:sp3d/>
+    <dgm:txPr/>
+    <dgm:style>
+      <a:lnRef idx="2">
+        <a:scrgbClr r="0" g="0" b="0"/>
+      </a:lnRef>
+      <a:fillRef idx="1">
+        <a:scrgbClr r="0" g="0" b="0"/>
+      </a:fillRef>
+      <a:effectRef idx="0">
+        <a:scrgbClr r="0" g="0" b="0"/>
+      </a:effectRef>
+      <a:fontRef idx="minor">
+        <a:schemeClr val="lt1"/>
+      </a:fontRef>
+    </dgm:style>
+  </dgm:styleLbl>
+  <dgm:styleLbl name="parChTrans2D4">
+    <dgm:scene3d>
+      <a:camera prst="orthographicFront"/>
+      <a:lightRig rig="threePt" dir="t"/>
+    </dgm:scene3d>
+    <dgm:sp3d/>
+    <dgm:txPr/>
+    <dgm:style>
+      <a:lnRef idx="2">
+        <a:scrgbClr r="0" g="0" b="0"/>
+      </a:lnRef>
+      <a:fillRef idx="1">
+        <a:scrgbClr r="0" g="0" b="0"/>
+      </a:fillRef>
+      <a:effectRef idx="0">
+        <a:scrgbClr r="0" g="0" b="0"/>
+      </a:effectRef>
+      <a:fontRef idx="minor">
+        <a:schemeClr val="lt1"/>
+      </a:fontRef>
+    </dgm:style>
+  </dgm:styleLbl>
+  <dgm:styleLbl name="parChTrans1D1">
+    <dgm:scene3d>
+      <a:camera prst="orthographicFront"/>
+      <a:lightRig rig="threePt" dir="t"/>
+    </dgm:scene3d>
+    <dgm:sp3d/>
+    <dgm:txPr/>
+    <dgm:style>
+      <a:lnRef idx="2">
+        <a:scrgbClr r="0" g="0" b="0"/>
+      </a:lnRef>
+      <a:fillRef idx="0">
+        <a:scrgbClr r="0" g="0" b="0"/>
+      </a:fillRef>
+      <a:effectRef idx="0">
+        <a:scrgbClr r="0" g="0" b="0"/>
+      </a:effectRef>
+      <a:fontRef idx="minor"/>
+    </dgm:style>
+  </dgm:styleLbl>
+  <dgm:styleLbl name="parChTrans1D2">
+    <dgm:scene3d>
+      <a:camera prst="orthographicFront"/>
+      <a:lightRig rig="threePt" dir="t"/>
+    </dgm:scene3d>
+    <dgm:sp3d/>
+    <dgm:txPr/>
+    <dgm:style>
+      <a:lnRef idx="2">
+        <a:scrgbClr r="0" g="0" b="0"/>
+      </a:lnRef>
+      <a:fillRef idx="0">
+        <a:scrgbClr r="0" g="0" b="0"/>
+      </a:fillRef>
+      <a:effectRef idx="0">
+        <a:scrgbClr r="0" g="0" b="0"/>
+      </a:effectRef>
+      <a:fontRef idx="minor"/>
+    </dgm:style>
+  </dgm:styleLbl>
+  <dgm:styleLbl name="parChTrans1D3">
+    <dgm:scene3d>
+      <a:camera prst="orthographicFront"/>
+      <a:lightRig rig="threePt" dir="t"/>
+    </dgm:scene3d>
+    <dgm:sp3d/>
+    <dgm:txPr/>
+    <dgm:style>
+      <a:lnRef idx="2">
+        <a:scrgbClr r="0" g="0" b="0"/>
+      </a:lnRef>
+      <a:fillRef idx="0">
+        <a:scrgbClr r="0" g="0" b="0"/>
+      </a:fillRef>
+      <a:effectRef idx="0">
+        <a:scrgbClr r="0" g="0" b="0"/>
+      </a:effectRef>
+      <a:fontRef idx="minor"/>
+    </dgm:style>
+  </dgm:styleLbl>
+  <dgm:styleLbl name="parChTrans1D4">
+    <dgm:scene3d>
+      <a:camera prst="orthographicFront"/>
+      <a:lightRig rig="threePt" dir="t"/>
+    </dgm:scene3d>
+    <dgm:sp3d/>
+    <dgm:txPr/>
+    <dgm:style>
+      <a:lnRef idx="2">
+        <a:scrgbClr r="0" g="0" b="0"/>
+      </a:lnRef>
+      <a:fillRef idx="0">
+        <a:scrgbClr r="0" g="0" b="0"/>
+      </a:fillRef>
+      <a:effectRef idx="0">
+        <a:scrgbClr r="0" g="0" b="0"/>
+      </a:effectRef>
+      <a:fontRef idx="minor"/>
+    </dgm:style>
+  </dgm:styleLbl>
+  <dgm:styleLbl name="fgAcc1">
+    <dgm:scene3d>
+      <a:camera prst="orthographicFront"/>
+      <a:lightRig rig="threePt" dir="t"/>
+    </dgm:scene3d>
+    <dgm:sp3d/>
+    <dgm:txPr/>
+    <dgm:style>
+      <a:lnRef idx="2">
+        <a:scrgbClr r="0" g="0" b="0"/>
+      </a:lnRef>
+      <a:fillRef idx="1">
+        <a:scrgbClr r="0" g="0" b="0"/>
+      </a:fillRef>
+      <a:effectRef idx="0">
+        <a:scrgbClr r="0" g="0" b="0"/>
+      </a:effectRef>
+      <a:fontRef idx="minor"/>
+    </dgm:style>
+  </dgm:styleLbl>
+  <dgm:styleLbl name="conFgAcc1">
+    <dgm:scene3d>
+      <a:camera prst="orthographicFront"/>
+      <a:lightRig rig="threePt" dir="t"/>
+    </dgm:scene3d>
+    <dgm:sp3d/>
+    <dgm:txPr/>
+    <dgm:style>
+      <a:lnRef idx="2">
+        <a:scrgbClr r="0" g="0" b="0"/>
+      </a:lnRef>
+      <a:fillRef idx="1">
+        <a:scrgbClr r="0" g="0" b="0"/>
+      </a:fillRef>
+      <a:effectRef idx="0">
+        <a:scrgbClr r="0" g="0" b="0"/>
+      </a:effectRef>
+      <a:fontRef idx="minor"/>
+    </dgm:style>
+  </dgm:styleLbl>
+  <dgm:styleLbl name="alignAcc1">
+    <dgm:scene3d>
+      <a:camera prst="orthographicFront"/>
+      <a:lightRig rig="threePt" dir="t"/>
+    </dgm:scene3d>
+    <dgm:sp3d/>
+    <dgm:txPr/>
+    <dgm:style>
+      <a:lnRef idx="2">
+        <a:scrgbClr r="0" g="0" b="0"/>
+      </a:lnRef>
+      <a:fillRef idx="1">
+        <a:scrgbClr r="0" g="0" b="0"/>
+      </a:fillRef>
+      <a:effectRef idx="0">
+        <a:scrgbClr r="0" g="0" b="0"/>
+      </a:effectRef>
+      <a:fontRef idx="minor"/>
+    </dgm:style>
+  </dgm:styleLbl>
+  <dgm:styleLbl name="trAlignAcc1">
+    <dgm:scene3d>
+      <a:camera prst="orthographicFront"/>
+      <a:lightRig rig="threePt" dir="t"/>
+    </dgm:scene3d>
+    <dgm:sp3d/>
+    <dgm:txPr/>
+    <dgm:style>
+      <a:lnRef idx="1">
+        <a:scrgbClr r="0" g="0" b="0"/>
+      </a:lnRef>
+      <a:fillRef idx="1">
+        <a:scrgbClr r="0" g="0" b="0"/>
+      </a:fillRef>
+      <a:effectRef idx="0">
+        <a:scrgbClr r="0" g="0" b="0"/>
+      </a:effectRef>
+      <a:fontRef idx="minor"/>
+    </dgm:style>
+  </dgm:styleLbl>
+  <dgm:styleLbl name="bgAcc1">
+    <dgm:scene3d>
+      <a:camera prst="orthographicFront"/>
+      <a:lightRig rig="threePt" dir="t"/>
+    </dgm:scene3d>
+    <dgm:sp3d/>
+    <dgm:txPr/>
+    <dgm:style>
+      <a:lnRef idx="2">
+        <a:scrgbClr r="0" g="0" b="0"/>
+      </a:lnRef>
+      <a:fillRef idx="1">
+        <a:scrgbClr r="0" g="0" b="0"/>
+      </a:fillRef>
+      <a:effectRef idx="0">
+        <a:scrgbClr r="0" g="0" b="0"/>
+      </a:effectRef>
+      <a:fontRef idx="minor"/>
+    </dgm:style>
+  </dgm:styleLbl>
+  <dgm:styleLbl name="solidFgAcc1">
+    <dgm:scene3d>
+      <a:camera prst="orthographicFront"/>
+      <a:lightRig rig="threePt" dir="t"/>
+    </dgm:scene3d>
+    <dgm:sp3d/>
+    <dgm:txPr/>
+    <dgm:style>
+      <a:lnRef idx="2">
+        <a:scrgbClr r="0" g="0" b="0"/>
+      </a:lnRef>
+      <a:fillRef idx="1">
+        <a:scrgbClr r="0" g="0" b="0"/>
+      </a:fillRef>
+      <a:effectRef idx="0">
+        <a:scrgbClr r="0" g="0" b="0"/>
+      </a:effectRef>
+      <a:fontRef idx="minor"/>
+    </dgm:style>
+  </dgm:styleLbl>
+  <dgm:styleLbl name="solidAlignAcc1">
+    <dgm:scene3d>
+      <a:camera prst="orthographicFront"/>
+      <a:lightRig rig="threePt" dir="t"/>
+    </dgm:scene3d>
+    <dgm:sp3d/>
+    <dgm:txPr/>
+    <dgm:style>
+      <a:lnRef idx="2">
+        <a:scrgbClr r="0" g="0" b="0"/>
+      </a:lnRef>
+      <a:fillRef idx="1">
+        <a:scrgbClr r="0" g="0" b="0"/>
+      </a:fillRef>
+      <a:effectRef idx="0">
+        <a:scrgbClr r="0" g="0" b="0"/>
+      </a:effectRef>
+      <a:fontRef idx="minor"/>
+    </dgm:style>
+  </dgm:styleLbl>
+  <dgm:styleLbl name="solidBgAcc1">
+    <dgm:scene3d>
+      <a:camera prst="orthographicFront"/>
+      <a:lightRig rig="threePt" dir="t"/>
+    </dgm:scene3d>
+    <dgm:sp3d/>
+    <dgm:txPr/>
+    <dgm:style>
+      <a:lnRef idx="2">
+        <a:scrgbClr r="0" g="0" b="0"/>
+      </a:lnRef>
+      <a:fillRef idx="1">
+        <a:scrgbClr r="0" g="0" b="0"/>
+      </a:fillRef>
+      <a:effectRef idx="0">
+        <a:scrgbClr r="0" g="0" b="0"/>
+      </a:effectRef>
+      <a:fontRef idx="minor"/>
+    </dgm:style>
+  </dgm:styleLbl>
+  <dgm:styleLbl name="fgAccFollowNode1">
+    <dgm:scene3d>
+      <a:camera prst="orthographicFront"/>
+      <a:lightRig rig="threePt" dir="t"/>
+    </dgm:scene3d>
+    <dgm:sp3d/>
+    <dgm:txPr/>
+    <dgm:style>
+      <a:lnRef idx="2">
+        <a:scrgbClr r="0" g="0" b="0"/>
+      </a:lnRef>
+      <a:fillRef idx="1">
+        <a:scrgbClr r="0" g="0" b="0"/>
+      </a:fillRef>
+      <a:effectRef idx="0">
+        <a:scrgbClr r="0" g="0" b="0"/>
+      </a:effectRef>
+      <a:fontRef idx="minor"/>
+    </dgm:style>
+  </dgm:styleLbl>
+  <dgm:styleLbl name="alignAccFollowNode1">
+    <dgm:scene3d>
+      <a:camera prst="orthographicFront"/>
+      <a:lightRig rig="threePt" dir="t"/>
+    </dgm:scene3d>
+    <dgm:sp3d/>
+    <dgm:txPr/>
+    <dgm:style>
+      <a:lnRef idx="2">
+        <a:scrgbClr r="0" g="0" b="0"/>
+      </a:lnRef>
+      <a:fillRef idx="1">
+        <a:scrgbClr r="0" g="0" b="0"/>
+      </a:fillRef>
+      <a:effectRef idx="0">
+        <a:scrgbClr r="0" g="0" b="0"/>
+      </a:effectRef>
+      <a:fontRef idx="minor"/>
+    </dgm:style>
+  </dgm:styleLbl>
+  <dgm:styleLbl name="bgAccFollowNode1">
+    <dgm:scene3d>
+      <a:camera prst="orthographicFront"/>
+      <a:lightRig rig="threePt" dir="t"/>
+    </dgm:scene3d>
+    <dgm:sp3d/>
+    <dgm:txPr/>
+    <dgm:style>
+      <a:lnRef idx="2">
+        <a:scrgbClr r="0" g="0" b="0"/>
+      </a:lnRef>
+      <a:fillRef idx="1">
+        <a:scrgbClr r="0" g="0" b="0"/>
+      </a:fillRef>
+      <a:effectRef idx="0">
+        <a:scrgbClr r="0" g="0" b="0"/>
+      </a:effectRef>
+      <a:fontRef idx="minor"/>
+    </dgm:style>
+  </dgm:styleLbl>
+  <dgm:styleLbl name="fgAcc0">
+    <dgm:scene3d>
+      <a:camera prst="orthographicFront"/>
+      <a:lightRig rig="threePt" dir="t"/>
+    </dgm:scene3d>
+    <dgm:sp3d/>
+    <dgm:txPr/>
+    <dgm:style>
+      <a:lnRef idx="2">
+        <a:scrgbClr r="0" g="0" b="0"/>
+      </a:lnRef>
+      <a:fillRef idx="1">
+        <a:scrgbClr r="0" g="0" b="0"/>
+      </a:fillRef>
+      <a:effectRef idx="0">
+        <a:scrgbClr r="0" g="0" b="0"/>
+      </a:effectRef>
+      <a:fontRef idx="minor"/>
+    </dgm:style>
+  </dgm:styleLbl>
+  <dgm:styleLbl name="fgAcc2">
+    <dgm:scene3d>
+      <a:camera prst="orthographicFront"/>
+      <a:lightRig rig="threePt" dir="t"/>
+    </dgm:scene3d>
+    <dgm:sp3d/>
+    <dgm:txPr/>
+    <dgm:style>
+      <a:lnRef idx="2">
+        <a:scrgbClr r="0" g="0" b="0"/>
+      </a:lnRef>
+      <a:fillRef idx="1">
+        <a:scrgbClr r="0" g="0" b="0"/>
+      </a:fillRef>
+      <a:effectRef idx="0">
+        <a:scrgbClr r="0" g="0" b="0"/>
+      </a:effectRef>
+      <a:fontRef idx="minor"/>
+    </dgm:style>
+  </dgm:styleLbl>
+  <dgm:styleLbl name="fgAcc3">
+    <dgm:scene3d>
+      <a:camera prst="orthographicFront"/>
+      <a:lightRig rig="threePt" dir="t"/>
+    </dgm:scene3d>
+    <dgm:sp3d/>
+    <dgm:txPr/>
+    <dgm:style>
+      <a:lnRef idx="2">
+        <a:scrgbClr r="0" g="0" b="0"/>
+      </a:lnRef>
+      <a:fillRef idx="1">
+        <a:scrgbClr r="0" g="0" b="0"/>
+      </a:fillRef>
+      <a:effectRef idx="0">
+        <a:scrgbClr r="0" g="0" b="0"/>
+      </a:effectRef>
+      <a:fontRef idx="minor"/>
+    </dgm:style>
+  </dgm:styleLbl>
+  <dgm:styleLbl name="fgAcc4">
+    <dgm:scene3d>
+      <a:camera prst="orthographicFront"/>
+      <a:lightRig rig="threePt" dir="t"/>
+    </dgm:scene3d>
+    <dgm:sp3d/>
+    <dgm:txPr/>
+    <dgm:style>
+      <a:lnRef idx="2">
+        <a:scrgbClr r="0" g="0" b="0"/>
+      </a:lnRef>
+      <a:fillRef idx="1">
+        <a:scrgbClr r="0" g="0" b="0"/>
+      </a:fillRef>
+      <a:effectRef idx="0">
+        <a:scrgbClr r="0" g="0" b="0"/>
+      </a:effectRef>
+      <a:fontRef idx="minor"/>
+    </dgm:style>
+  </dgm:styleLbl>
+  <dgm:styleLbl name="bgShp">
+    <dgm:scene3d>
+      <a:camera prst="orthographicFront"/>
+      <a:lightRig rig="threePt" dir="t"/>
+    </dgm:scene3d>
+    <dgm:sp3d/>
+    <dgm:txPr/>
+    <dgm:style>
+      <a:lnRef idx="0">
+        <a:scrgbClr r="0" g="0" b="0"/>
+      </a:lnRef>
+      <a:fillRef idx="1">
+        <a:scrgbClr r="0" g="0" b="0"/>
+      </a:fillRef>
+      <a:effectRef idx="0">
+        <a:scrgbClr r="0" g="0" b="0"/>
+      </a:effectRef>
+      <a:fontRef idx="minor"/>
+    </dgm:style>
+  </dgm:styleLbl>
+  <dgm:styleLbl name="dkBgShp">
+    <dgm:scene3d>
+      <a:camera prst="orthographicFront"/>
+      <a:lightRig rig="threePt" dir="t"/>
+    </dgm:scene3d>
+    <dgm:sp3d/>
+    <dgm:txPr/>
+    <dgm:style>
+      <a:lnRef idx="0">
+        <a:scrgbClr r="0" g="0" b="0"/>
+      </a:lnRef>
+      <a:fillRef idx="1">
+        <a:scrgbClr r="0" g="0" b="0"/>
+      </a:fillRef>
+      <a:effectRef idx="0">
+        <a:scrgbClr r="0" g="0" b="0"/>
+      </a:effectRef>
+      <a:fontRef idx="minor"/>
+    </dgm:style>
+  </dgm:styleLbl>
+  <dgm:styleLbl name="trBgShp">
+    <dgm:scene3d>
+      <a:camera prst="orthographicFront"/>
+      <a:lightRig rig="threePt" dir="t"/>
+    </dgm:scene3d>
+    <dgm:sp3d/>
+    <dgm:txPr/>
+    <dgm:style>
+      <a:lnRef idx="0">
+        <a:scrgbClr r="0" g="0" b="0"/>
+      </a:lnRef>
+      <a:fillRef idx="1">
+        <a:scrgbClr r="0" g="0" b="0"/>
+      </a:fillRef>
+      <a:effectRef idx="0">
+        <a:scrgbClr r="0" g="0" b="0"/>
+      </a:effectRef>
+      <a:fontRef idx="minor"/>
+    </dgm:style>
+  </dgm:styleLbl>
+  <dgm:styleLbl name="fgShp">
+    <dgm:scene3d>
+      <a:camera prst="orthographicFront"/>
+      <a:lightRig rig="threePt" dir="t"/>
+    </dgm:scene3d>
+    <dgm:sp3d/>
+    <dgm:txPr/>
+    <dgm:style>
+      <a:lnRef idx="2">
+        <a:scrgbClr r="0" g="0" b="0"/>
+      </a:lnRef>
+      <a:fillRef idx="1">
+        <a:scrgbClr r="0" g="0" b="0"/>
+      </a:fillRef>
+      <a:effectRef idx="0">
+        <a:scrgbClr r="0" g="0" b="0"/>
+      </a:effectRef>
+      <a:fontRef idx="minor"/>
+    </dgm:style>
+  </dgm:styleLbl>
+  <dgm:styleLbl name="revTx">
+    <dgm:scene3d>
+      <a:camera prst="orthographicFront"/>
+      <a:lightRig rig="threePt" dir="t"/>
+    </dgm:scene3d>
+    <dgm:sp3d/>
+    <dgm:txPr/>
+    <dgm:style>
+      <a:lnRef idx="0">
+        <a:scrgbClr r="0" g="0" b="0"/>
+      </a:lnRef>
+      <a:fillRef idx="0">
+        <a:scrgbClr r="0" g="0" b="0"/>
+      </a:fillRef>
+      <a:effectRef idx="0">
+        <a:scrgbClr r="0" g="0" b="0"/>
+      </a:effectRef>
+      <a:fontRef idx="minor"/>
+    </dgm:style>
+  </dgm:styleLbl>
+</dgm:styleDef>
+</file>
+
 <file path=ppt/handoutMasters/handoutMaster1.xml><?xml version="1.0" encoding="utf-8"?>
 <p:handoutMaster xmlns:a="http://schemas.openxmlformats.org/drawingml/2006/main" xmlns:r="http://schemas.openxmlformats.org/officeDocument/2006/relationships" xmlns:p="http://schemas.openxmlformats.org/presentationml/2006/main">
   <p:cSld>
@@ -220,7 +3138,7 @@
             <a:fld id="{6793EC8D-7583-4284-A537-DAB3CE5650E5}" type="datetimeFigureOut">
               <a:rPr lang="zh-CN" altLang="en-US" smtClean="0"/>
               <a:pPr/>
-              <a:t>2020/11/27</a:t>
+              <a:t>2020/11/28</a:t>
             </a:fld>
             <a:endParaRPr lang="zh-CN" altLang="en-US"/>
           </a:p>
@@ -387,7 +3305,7 @@
             <a:fld id="{B646ED33-92F3-419A-83F1-939B2101925B}" type="datetimeFigureOut">
               <a:rPr lang="zh-CN" altLang="en-US" smtClean="0"/>
               <a:pPr/>
-              <a:t>2020/11/27</a:t>
+              <a:t>2020/11/28</a:t>
             </a:fld>
             <a:endParaRPr lang="zh-CN" altLang="en-US"/>
           </a:p>
@@ -807,6 +3725,95 @@
           <a:bodyPr/>
           <a:lstStyle/>
           <a:p>
+            <a:r>
+              <a:rPr lang="en-US" altLang="zh-CN" dirty="0" smtClean="0"/>
+              <a:t>From daily life, medical, spacecraft</a:t>
+            </a:r>
+            <a:endParaRPr lang="zh-CN" altLang="en-US" dirty="0"/>
+          </a:p>
+        </p:txBody>
+      </p:sp>
+      <p:sp>
+        <p:nvSpPr>
+          <p:cNvPr id="4" name="灯片编号占位符 3"/>
+          <p:cNvSpPr>
+            <a:spLocks noGrp="1"/>
+          </p:cNvSpPr>
+          <p:nvPr>
+            <p:ph type="sldNum" sz="quarter" idx="10"/>
+          </p:nvPr>
+        </p:nvSpPr>
+        <p:spPr/>
+        <p:txBody>
+          <a:bodyPr/>
+          <a:lstStyle/>
+          <a:p>
+            <a:fld id="{22AA2441-62E5-47DE-97D7-858DE28521CF}" type="slidenum">
+              <a:rPr lang="zh-CN" altLang="en-US" smtClean="0"/>
+              <a:pPr/>
+              <a:t>2</a:t>
+            </a:fld>
+            <a:endParaRPr lang="zh-CN" altLang="en-US"/>
+          </a:p>
+        </p:txBody>
+      </p:sp>
+    </p:spTree>
+    <p:extLst>
+      <p:ext uri="{BB962C8B-B14F-4D97-AF65-F5344CB8AC3E}">
+        <p14:creationId xmlns:p14="http://schemas.microsoft.com/office/powerpoint/2010/main" val="3675417392"/>
+      </p:ext>
+    </p:extLst>
+  </p:cSld>
+  <p:clrMapOvr>
+    <a:masterClrMapping/>
+  </p:clrMapOvr>
+</p:notes>
+</file>
+
+<file path=ppt/notesSlides/notesSlide3.xml><?xml version="1.0" encoding="utf-8"?>
+<p:notes xmlns:a="http://schemas.openxmlformats.org/drawingml/2006/main" xmlns:r="http://schemas.openxmlformats.org/officeDocument/2006/relationships" xmlns:p="http://schemas.openxmlformats.org/presentationml/2006/main">
+  <p:cSld>
+    <p:spTree>
+      <p:nvGrpSpPr>
+        <p:cNvPr id="1" name=""/>
+        <p:cNvGrpSpPr/>
+        <p:nvPr/>
+      </p:nvGrpSpPr>
+      <p:grpSpPr>
+        <a:xfrm>
+          <a:off x="0" y="0"/>
+          <a:ext cx="0" cy="0"/>
+          <a:chOff x="0" y="0"/>
+          <a:chExt cx="0" cy="0"/>
+        </a:xfrm>
+      </p:grpSpPr>
+      <p:sp>
+        <p:nvSpPr>
+          <p:cNvPr id="2" name="幻灯片图像占位符 1"/>
+          <p:cNvSpPr>
+            <a:spLocks noGrp="1" noRot="1" noChangeAspect="1"/>
+          </p:cNvSpPr>
+          <p:nvPr>
+            <p:ph type="sldImg"/>
+          </p:nvPr>
+        </p:nvSpPr>
+        <p:spPr/>
+      </p:sp>
+      <p:sp>
+        <p:nvSpPr>
+          <p:cNvPr id="3" name="备注占位符 2"/>
+          <p:cNvSpPr>
+            <a:spLocks noGrp="1"/>
+          </p:cNvSpPr>
+          <p:nvPr>
+            <p:ph type="body" idx="1"/>
+          </p:nvPr>
+        </p:nvSpPr>
+        <p:spPr/>
+        <p:txBody>
+          <a:bodyPr/>
+          <a:lstStyle/>
+          <a:p>
             <a:endParaRPr lang="zh-CN" altLang="en-US"/>
           </a:p>
         </p:txBody>
@@ -829,7 +3836,7 @@
             <a:fld id="{0FE05C2F-C2D0-41D0-B081-206A7C6C3DAB}" type="slidenum">
               <a:rPr lang="zh-CN" altLang="en-US" smtClean="0"/>
               <a:pPr/>
-              <a:t>5</a:t>
+              <a:t>8</a:t>
             </a:fld>
             <a:endParaRPr lang="zh-CN" altLang="en-US"/>
           </a:p>
@@ -1091,7 +4098,7 @@
                 <a:ea typeface="宋体"/>
               </a:rPr>
               <a:pPr/>
-              <a:t>2020/11/27</a:t>
+              <a:t>2020/11/28</a:t>
             </a:fld>
             <a:endParaRPr kumimoji="1" lang="zh-CN" altLang="en-US">
               <a:solidFill>
@@ -1309,7 +4316,7 @@
             <a:fld id="{430A0D1C-E1A7-4173-A83B-BE0A151AD21D}" type="datetime1">
               <a:rPr lang="zh-CN" altLang="en-US" smtClean="0"/>
               <a:pPr/>
-              <a:t>2020/11/27</a:t>
+              <a:t>2020/11/28</a:t>
             </a:fld>
             <a:endParaRPr lang="zh-CN" altLang="en-US"/>
           </a:p>
@@ -1511,7 +4518,7 @@
             <a:fld id="{3CAD8151-8E1F-45F1-AD37-ADD20CE3B571}" type="datetime1">
               <a:rPr lang="zh-CN" altLang="en-US" smtClean="0"/>
               <a:pPr/>
-              <a:t>2020/11/27</a:t>
+              <a:t>2020/11/28</a:t>
             </a:fld>
             <a:endParaRPr lang="zh-CN" altLang="en-US"/>
           </a:p>
@@ -1793,7 +4800,7 @@
                 </a:solidFill>
               </a:rPr>
               <a:pPr/>
-              <a:t>2020/11/27</a:t>
+              <a:t>2020/11/28</a:t>
             </a:fld>
             <a:endParaRPr lang="zh-CN" altLang="en-US">
               <a:solidFill>
@@ -2265,7 +5272,7 @@
                 </a:solidFill>
               </a:rPr>
               <a:pPr/>
-              <a:t>2020/11/27</a:t>
+              <a:t>2020/11/28</a:t>
             </a:fld>
             <a:endParaRPr lang="zh-CN" altLang="en-US" dirty="0">
               <a:solidFill>
@@ -2658,7 +5665,7 @@
                 </a:solidFill>
               </a:rPr>
               <a:pPr/>
-              <a:t>2020/11/27</a:t>
+              <a:t>2020/11/28</a:t>
             </a:fld>
             <a:endParaRPr lang="zh-CN" altLang="en-US">
               <a:solidFill>
@@ -3094,7 +6101,7 @@
                 </a:solidFill>
               </a:rPr>
               <a:pPr/>
-              <a:t>2020/11/27</a:t>
+              <a:t>2020/11/28</a:t>
             </a:fld>
             <a:endParaRPr lang="zh-CN" altLang="en-US">
               <a:solidFill>
@@ -3460,7 +6467,7 @@
                 </a:solidFill>
               </a:rPr>
               <a:pPr/>
-              <a:t>2020/11/27</a:t>
+              <a:t>2020/11/28</a:t>
             </a:fld>
             <a:endParaRPr lang="zh-CN" altLang="en-US">
               <a:solidFill>
@@ -3755,7 +6762,7 @@
                 </a:solidFill>
               </a:rPr>
               <a:pPr/>
-              <a:t>2020/11/27</a:t>
+              <a:t>2020/11/28</a:t>
             </a:fld>
             <a:endParaRPr lang="zh-CN" altLang="en-US">
               <a:solidFill>
@@ -3913,7 +6920,7 @@
                 </a:solidFill>
               </a:rPr>
               <a:pPr/>
-              <a:t>2020/11/27</a:t>
+              <a:t>2020/11/28</a:t>
             </a:fld>
             <a:endParaRPr lang="zh-CN" altLang="en-US">
               <a:solidFill>
@@ -4259,7 +7266,7 @@
                 </a:solidFill>
               </a:rPr>
               <a:pPr/>
-              <a:t>2020/11/27</a:t>
+              <a:t>2020/11/28</a:t>
             </a:fld>
             <a:endParaRPr lang="zh-CN" altLang="en-US">
               <a:solidFill>
@@ -4536,7 +7543,7 @@
                 <a:ea typeface="宋体"/>
               </a:rPr>
               <a:pPr/>
-              <a:t>2020/11/27</a:t>
+              <a:t>2020/11/28</a:t>
             </a:fld>
             <a:endParaRPr kumimoji="1" lang="zh-CN" altLang="en-US">
               <a:solidFill>
@@ -4876,7 +7883,7 @@
                 </a:solidFill>
               </a:rPr>
               <a:pPr/>
-              <a:t>2020/11/27</a:t>
+              <a:t>2020/11/28</a:t>
             </a:fld>
             <a:endParaRPr lang="zh-CN" altLang="en-US">
               <a:solidFill>
@@ -5103,7 +8110,7 @@
                 </a:solidFill>
               </a:rPr>
               <a:pPr/>
-              <a:t>2020/11/27</a:t>
+              <a:t>2020/11/28</a:t>
             </a:fld>
             <a:endParaRPr lang="zh-CN" altLang="en-US">
               <a:solidFill>
@@ -5340,7 +8347,7 @@
                 </a:solidFill>
               </a:rPr>
               <a:pPr/>
-              <a:t>2020/11/27</a:t>
+              <a:t>2020/11/28</a:t>
             </a:fld>
             <a:endParaRPr lang="zh-CN" altLang="en-US">
               <a:solidFill>
@@ -5592,7 +8599,7 @@
                 <a:ea typeface="宋体"/>
               </a:rPr>
               <a:pPr/>
-              <a:t>2020/11/27</a:t>
+              <a:t>2020/11/28</a:t>
             </a:fld>
             <a:endParaRPr kumimoji="1" lang="zh-CN" altLang="en-US">
               <a:solidFill>
@@ -5934,7 +8941,7 @@
             <a:fld id="{C359148F-DC7D-439C-B62C-FE0239F86848}" type="datetime1">
               <a:rPr lang="zh-CN" altLang="en-US" smtClean="0"/>
               <a:pPr/>
-              <a:t>2020/11/27</a:t>
+              <a:t>2020/11/28</a:t>
             </a:fld>
             <a:endParaRPr lang="zh-CN" altLang="en-US"/>
           </a:p>
@@ -6391,7 +9398,7 @@
                 <a:ea typeface="宋体"/>
               </a:rPr>
               <a:pPr/>
-              <a:t>2020/11/27</a:t>
+              <a:t>2020/11/28</a:t>
             </a:fld>
             <a:endParaRPr kumimoji="1" lang="zh-CN" altLang="en-US">
               <a:solidFill>
@@ -6571,7 +9578,7 @@
                 <a:ea typeface="宋体"/>
               </a:rPr>
               <a:pPr/>
-              <a:t>2020/11/27</a:t>
+              <a:t>2020/11/28</a:t>
             </a:fld>
             <a:endParaRPr kumimoji="1" lang="zh-CN" altLang="en-US">
               <a:solidFill>
@@ -6728,7 +9735,7 @@
                 <a:ea typeface="宋体"/>
               </a:rPr>
               <a:pPr/>
-              <a:t>2020/11/27</a:t>
+              <a:t>2020/11/28</a:t>
             </a:fld>
             <a:endParaRPr kumimoji="1" lang="zh-CN" altLang="en-US">
               <a:solidFill>
@@ -7067,7 +10074,7 @@
                 <a:ea typeface="宋体"/>
               </a:rPr>
               <a:pPr/>
-              <a:t>2020/11/27</a:t>
+              <a:t>2020/11/28</a:t>
             </a:fld>
             <a:endParaRPr kumimoji="1" lang="zh-CN" altLang="en-US">
               <a:solidFill>
@@ -7384,7 +10391,7 @@
                 <a:ea typeface="宋体"/>
               </a:rPr>
               <a:pPr/>
-              <a:t>2020/11/27</a:t>
+              <a:t>2020/11/28</a:t>
             </a:fld>
             <a:endParaRPr kumimoji="1" lang="zh-CN" altLang="en-US">
               <a:solidFill>
@@ -7680,7 +10687,7 @@
                 <a:ea typeface="宋体"/>
               </a:rPr>
               <a:pPr defTabSz="457200"/>
-              <a:t>2020/11/27</a:t>
+              <a:t>2020/11/28</a:t>
             </a:fld>
             <a:endParaRPr kumimoji="1" lang="zh-CN" altLang="en-US">
               <a:solidFill>
@@ -8480,7 +11487,7 @@
                 </a:solidFill>
               </a:rPr>
               <a:pPr/>
-              <a:t>2020/11/27</a:t>
+              <a:t>2020/11/28</a:t>
             </a:fld>
             <a:endParaRPr lang="zh-CN" altLang="en-US">
               <a:solidFill>
@@ -9267,6 +12274,15 @@
               </a:rPr>
               <a:t>Symbolic Execution </a:t>
             </a:r>
+            <a:r>
+              <a:rPr lang="en-US" altLang="zh-CN" sz="4200" kern="0" dirty="0" smtClean="0">
+                <a:solidFill>
+                  <a:schemeClr val="tx1"/>
+                </a:solidFill>
+                <a:latin typeface="Arial"/>
+              </a:rPr>
+              <a:t>and </a:t>
+            </a:r>
           </a:p>
           <a:p>
             <a:pPr lvl="0" algn="ctr">
@@ -9285,7 +12301,7 @@
                 </a:solidFill>
                 <a:latin typeface="Arial"/>
               </a:rPr>
-              <a:t>and Program Testing</a:t>
+              <a:t>Program Testing</a:t>
             </a:r>
             <a:endParaRPr kumimoji="0" lang="en-US" altLang="zh-CN" sz="4200" b="1" i="0" u="none" strike="noStrike" kern="0" cap="none" spc="0" normalizeH="0" baseline="0" noProof="0" dirty="0" smtClean="0">
               <a:ln>
@@ -9518,7 +12534,7 @@
               </a:buClr>
             </a:pPr>
             <a:r>
-              <a:rPr lang="en-US" altLang="zh-CN" dirty="0" smtClean="0">
+              <a:rPr lang="en-US" altLang="zh-CN" b="1" dirty="0" smtClean="0">
                 <a:solidFill>
                   <a:prstClr val="black">
                     <a:lumMod val="75000"/>
@@ -9532,7 +12548,7 @@
               <a:t>Speaker: </a:t>
             </a:r>
             <a:r>
-              <a:rPr lang="en-US" altLang="zh-CN" dirty="0" err="1" smtClean="0">
+              <a:rPr lang="en-US" altLang="zh-CN" b="1" dirty="0" err="1" smtClean="0">
                 <a:solidFill>
                   <a:prstClr val="black">
                     <a:lumMod val="75000"/>
@@ -9546,7 +12562,7 @@
               <a:t>Lintian</a:t>
             </a:r>
             <a:r>
-              <a:rPr lang="en-US" altLang="zh-CN" dirty="0" smtClean="0">
+              <a:rPr lang="en-US" altLang="zh-CN" b="1" dirty="0" smtClean="0">
                 <a:solidFill>
                   <a:prstClr val="black">
                     <a:lumMod val="75000"/>
@@ -9629,11 +12645,21 @@
           <a:p>
             <a:r>
               <a:rPr lang="en-US" altLang="zh-CN" dirty="0" smtClean="0">
+                <a:solidFill>
+                  <a:schemeClr val="bg1">
+                    <a:lumMod val="50000"/>
+                  </a:schemeClr>
+                </a:solidFill>
                 <a:latin typeface="Rockwell" panose="02060603020205020403" pitchFamily="18" charset="0"/>
               </a:rPr>
               <a:t>IBM Thomas J. Watson Research Center</a:t>
             </a:r>
             <a:endParaRPr lang="zh-CN" altLang="en-US" dirty="0">
+              <a:solidFill>
+                <a:schemeClr val="bg1">
+                  <a:lumMod val="50000"/>
+                </a:schemeClr>
+              </a:solidFill>
               <a:latin typeface="Rockwell" panose="02060603020205020403" pitchFamily="18" charset="0"/>
             </a:endParaRPr>
           </a:p>
@@ -9704,10 +12730,9 @@
           <a:lstStyle/>
           <a:p>
             <a:r>
-              <a:rPr lang="en-US" altLang="zh-CN" dirty="0" smtClean="0"/>
-              <a:t>Motivation</a:t>
-            </a:r>
-            <a:endParaRPr lang="zh-CN" altLang="en-US" dirty="0"/>
+              <a:rPr lang="en-US" altLang="zh-CN" dirty="0"/>
+              <a:t>Program is everywhere</a:t>
+            </a:r>
           </a:p>
         </p:txBody>
       </p:sp>
@@ -9721,43 +12746,54 @@
             <p:ph idx="1"/>
           </p:nvPr>
         </p:nvSpPr>
-        <p:spPr/>
+        <p:spPr>
+          <a:xfrm>
+            <a:off x="457200" y="1719263"/>
+            <a:ext cx="8229600" cy="1853753"/>
+          </a:xfrm>
+        </p:spPr>
         <p:txBody>
           <a:bodyPr/>
           <a:lstStyle/>
           <a:p>
-            <a:pPr>
-              <a:spcAft>
-                <a:spcPts val="1200"/>
-              </a:spcAft>
+            <a:r>
+              <a:rPr lang="en-US" altLang="zh-CN" dirty="0"/>
+              <a:t>In our daily </a:t>
+            </a:r>
+            <a:r>
+              <a:rPr lang="en-US" altLang="zh-CN" dirty="0" smtClean="0"/>
+              <a:t>life</a:t>
+            </a:r>
+            <a:endParaRPr lang="en-US" altLang="zh-CN" dirty="0"/>
+          </a:p>
+          <a:p>
+            <a:pPr lvl="1"/>
+            <a:endParaRPr lang="en-US" altLang="zh-CN" dirty="0" smtClean="0"/>
+          </a:p>
+          <a:p>
+            <a:pPr lvl="1"/>
+            <a:endParaRPr lang="en-US" altLang="zh-CN" dirty="0"/>
+          </a:p>
+          <a:p>
+            <a:pPr lvl="1"/>
+            <a:endParaRPr lang="en-US" altLang="zh-CN" dirty="0" smtClean="0"/>
+          </a:p>
+          <a:p>
+            <a:pPr marL="344487" lvl="1" indent="0">
+              <a:buNone/>
             </a:pPr>
-            <a:r>
-              <a:rPr lang="en-US" altLang="zh-CN" sz="2800" dirty="0"/>
-              <a:t>The large-scale production of reliable programs is </a:t>
-            </a:r>
-            <a:r>
-              <a:rPr lang="en-US" altLang="zh-CN" sz="2800" dirty="0" smtClean="0"/>
-              <a:t>a challenging problem in 1970s and even today.</a:t>
-            </a:r>
-          </a:p>
-          <a:p>
-            <a:pPr>
-              <a:spcAft>
-                <a:spcPts val="1200"/>
-              </a:spcAft>
-            </a:pPr>
-            <a:r>
-              <a:rPr lang="en-US" altLang="zh-CN" sz="2800" dirty="0" smtClean="0"/>
-              <a:t>Programs </a:t>
-            </a:r>
-            <a:r>
-              <a:rPr lang="en-US" altLang="zh-CN" sz="2800" dirty="0"/>
-              <a:t>with potential faults may cause serious </a:t>
-            </a:r>
-            <a:r>
-              <a:rPr lang="en-US" altLang="zh-CN" sz="2800" dirty="0" smtClean="0"/>
-              <a:t>accidents.</a:t>
-            </a:r>
+            <a:endParaRPr lang="en-US" altLang="zh-CN" dirty="0" smtClean="0"/>
+          </a:p>
+          <a:p>
+            <a:r>
+              <a:rPr lang="en-US" altLang="zh-CN" dirty="0" smtClean="0"/>
+              <a:t>Medical treatment, finance</a:t>
+            </a:r>
+            <a:r>
+              <a:rPr lang="en-US" altLang="zh-CN" dirty="0"/>
+              <a:t>, aerospace</a:t>
+            </a:r>
+            <a:endParaRPr lang="zh-CN" altLang="en-US" dirty="0"/>
           </a:p>
         </p:txBody>
       </p:sp>
@@ -9787,9 +12823,9 @@
                 <a:ea typeface="宋体"/>
               </a:rPr>
               <a:pPr/>
-              <a:t>2020/11/27</a:t>
+              <a:t>2020/11/28</a:t>
             </a:fld>
-            <a:endParaRPr kumimoji="1" lang="zh-CN" altLang="en-US">
+            <a:endParaRPr kumimoji="1" lang="zh-CN" altLang="en-US" dirty="0">
               <a:solidFill>
                 <a:prstClr val="black">
                   <a:lumMod val="65000"/>
@@ -9861,10 +12897,365 @@
           </a:p>
         </p:txBody>
       </p:sp>
+      <p:pic>
+        <p:nvPicPr>
+          <p:cNvPr id="7" name="图片 6"/>
+          <p:cNvPicPr>
+            <a:picLocks noChangeAspect="1"/>
+          </p:cNvPicPr>
+          <p:nvPr/>
+        </p:nvPicPr>
+        <p:blipFill>
+          <a:blip r:embed="rId3"/>
+          <a:stretch>
+            <a:fillRect/>
+          </a:stretch>
+        </p:blipFill>
+        <p:spPr>
+          <a:xfrm>
+            <a:off x="1004476" y="2276872"/>
+            <a:ext cx="1918351" cy="1166599"/>
+          </a:xfrm>
+          <a:prstGeom prst="rect">
+            <a:avLst/>
+          </a:prstGeom>
+        </p:spPr>
+      </p:pic>
+      <p:pic>
+        <p:nvPicPr>
+          <p:cNvPr id="8" name="图片 7"/>
+          <p:cNvPicPr>
+            <a:picLocks noChangeAspect="1"/>
+          </p:cNvPicPr>
+          <p:nvPr/>
+        </p:nvPicPr>
+        <p:blipFill>
+          <a:blip r:embed="rId4"/>
+          <a:stretch>
+            <a:fillRect/>
+          </a:stretch>
+        </p:blipFill>
+        <p:spPr>
+          <a:xfrm>
+            <a:off x="6516216" y="4221088"/>
+            <a:ext cx="1458193" cy="1395409"/>
+          </a:xfrm>
+          <a:prstGeom prst="rect">
+            <a:avLst/>
+          </a:prstGeom>
+        </p:spPr>
+      </p:pic>
+      <p:pic>
+        <p:nvPicPr>
+          <p:cNvPr id="9" name="图片 8"/>
+          <p:cNvPicPr>
+            <a:picLocks noChangeAspect="1"/>
+          </p:cNvPicPr>
+          <p:nvPr/>
+        </p:nvPicPr>
+        <p:blipFill>
+          <a:blip r:embed="rId5"/>
+          <a:stretch>
+            <a:fillRect/>
+          </a:stretch>
+        </p:blipFill>
+        <p:spPr>
+          <a:xfrm>
+            <a:off x="1004476" y="4255746"/>
+            <a:ext cx="1804303" cy="1343449"/>
+          </a:xfrm>
+          <a:prstGeom prst="rect">
+            <a:avLst/>
+          </a:prstGeom>
+        </p:spPr>
+      </p:pic>
+      <p:pic>
+        <p:nvPicPr>
+          <p:cNvPr id="1028" name="Picture 4" descr="Gamers compete in a Valve Corp. Counter-Strike: Global Offensive (CS:GO) esports tournament at the Gaming Stadium in Vancouver, British Columbia, Canada, on Sunday, July 14, 2019. Esports revenue, consisting of merchandise, event tickets, sponsorships, advertising, investment from publishers and media rights -- all beyond game sales -- is expected to rise at a 20% average annual rate in 2018-22 to $1.8 billion in 2022, according to Newzoo. Photographer: James MacDonald/Bloomberg"/>
+          <p:cNvPicPr>
+            <a:picLocks noChangeAspect="1" noChangeArrowheads="1"/>
+          </p:cNvPicPr>
+          <p:nvPr/>
+        </p:nvPicPr>
+        <p:blipFill>
+          <a:blip r:embed="rId6" cstate="print">
+            <a:extLst>
+              <a:ext uri="{28A0092B-C50C-407E-A947-70E740481C1C}">
+                <a14:useLocalDpi xmlns:a14="http://schemas.microsoft.com/office/drawing/2010/main" val="0"/>
+              </a:ext>
+            </a:extLst>
+          </a:blip>
+          <a:srcRect/>
+          <a:stretch>
+            <a:fillRect/>
+          </a:stretch>
+        </p:blipFill>
+        <p:spPr bwMode="auto">
+          <a:xfrm>
+            <a:off x="6156176" y="2297770"/>
+            <a:ext cx="2088232" cy="1175377"/>
+          </a:xfrm>
+          <a:prstGeom prst="rect">
+            <a:avLst/>
+          </a:prstGeom>
+          <a:noFill/>
+          <a:extLst>
+            <a:ext uri="{909E8E84-426E-40DD-AFC4-6F175D3DCCD1}">
+              <a14:hiddenFill xmlns:a14="http://schemas.microsoft.com/office/drawing/2010/main">
+                <a:solidFill>
+                  <a:srgbClr val="FFFFFF"/>
+                </a:solidFill>
+              </a14:hiddenFill>
+            </a:ext>
+          </a:extLst>
+        </p:spPr>
+      </p:pic>
+      <p:pic>
+        <p:nvPicPr>
+          <p:cNvPr id="1030" name="Picture 6" descr="Office automation creative image_picture free download 401595147_lovepik.com"/>
+          <p:cNvPicPr>
+            <a:picLocks noChangeAspect="1" noChangeArrowheads="1"/>
+          </p:cNvPicPr>
+          <p:nvPr/>
+        </p:nvPicPr>
+        <p:blipFill>
+          <a:blip r:embed="rId7" cstate="print">
+            <a:extLst>
+              <a:ext uri="{28A0092B-C50C-407E-A947-70E740481C1C}">
+                <a14:useLocalDpi xmlns:a14="http://schemas.microsoft.com/office/drawing/2010/main" val="0"/>
+              </a:ext>
+            </a:extLst>
+          </a:blip>
+          <a:srcRect/>
+          <a:stretch>
+            <a:fillRect/>
+          </a:stretch>
+        </p:blipFill>
+        <p:spPr bwMode="auto">
+          <a:xfrm>
+            <a:off x="3635896" y="2288543"/>
+            <a:ext cx="1774704" cy="1182448"/>
+          </a:xfrm>
+          <a:prstGeom prst="rect">
+            <a:avLst/>
+          </a:prstGeom>
+          <a:noFill/>
+          <a:extLst>
+            <a:ext uri="{909E8E84-426E-40DD-AFC4-6F175D3DCCD1}">
+              <a14:hiddenFill xmlns:a14="http://schemas.microsoft.com/office/drawing/2010/main">
+                <a:solidFill>
+                  <a:srgbClr val="FFFFFF"/>
+                </a:solidFill>
+              </a14:hiddenFill>
+            </a:ext>
+          </a:extLst>
+        </p:spPr>
+      </p:pic>
+      <p:sp>
+        <p:nvSpPr>
+          <p:cNvPr id="11" name="右箭头 10"/>
+          <p:cNvSpPr/>
+          <p:nvPr/>
+        </p:nvSpPr>
+        <p:spPr>
+          <a:xfrm>
+            <a:off x="3002130" y="2788163"/>
+            <a:ext cx="504056" cy="144016"/>
+          </a:xfrm>
+          <a:prstGeom prst="rightArrow">
+            <a:avLst/>
+          </a:prstGeom>
+        </p:spPr>
+        <p:style>
+          <a:lnRef idx="2">
+            <a:schemeClr val="accent2">
+              <a:shade val="50000"/>
+            </a:schemeClr>
+          </a:lnRef>
+          <a:fillRef idx="1">
+            <a:schemeClr val="accent2"/>
+          </a:fillRef>
+          <a:effectRef idx="0">
+            <a:schemeClr val="accent2"/>
+          </a:effectRef>
+          <a:fontRef idx="minor">
+            <a:schemeClr val="lt1"/>
+          </a:fontRef>
+        </p:style>
+        <p:txBody>
+          <a:bodyPr rtlCol="0" anchor="ctr"/>
+          <a:lstStyle/>
+          <a:p>
+            <a:pPr algn="ctr"/>
+            <a:endParaRPr lang="zh-CN" altLang="en-US"/>
+          </a:p>
+        </p:txBody>
+      </p:sp>
+      <p:sp>
+        <p:nvSpPr>
+          <p:cNvPr id="17" name="右箭头 16"/>
+          <p:cNvSpPr/>
+          <p:nvPr/>
+        </p:nvSpPr>
+        <p:spPr>
+          <a:xfrm>
+            <a:off x="5531360" y="2831183"/>
+            <a:ext cx="504056" cy="144016"/>
+          </a:xfrm>
+          <a:prstGeom prst="rightArrow">
+            <a:avLst/>
+          </a:prstGeom>
+        </p:spPr>
+        <p:style>
+          <a:lnRef idx="2">
+            <a:schemeClr val="accent2">
+              <a:shade val="50000"/>
+            </a:schemeClr>
+          </a:lnRef>
+          <a:fillRef idx="1">
+            <a:schemeClr val="accent2"/>
+          </a:fillRef>
+          <a:effectRef idx="0">
+            <a:schemeClr val="accent2"/>
+          </a:effectRef>
+          <a:fontRef idx="minor">
+            <a:schemeClr val="lt1"/>
+          </a:fontRef>
+        </p:style>
+        <p:txBody>
+          <a:bodyPr rtlCol="0" anchor="ctr"/>
+          <a:lstStyle/>
+          <a:p>
+            <a:pPr algn="ctr"/>
+            <a:endParaRPr lang="zh-CN" altLang="en-US"/>
+          </a:p>
+        </p:txBody>
+      </p:sp>
+      <p:pic>
+        <p:nvPicPr>
+          <p:cNvPr id="1032" name="Picture 8" descr="Financial solution - Fixstars Corporation"/>
+          <p:cNvPicPr>
+            <a:picLocks noChangeAspect="1" noChangeArrowheads="1"/>
+          </p:cNvPicPr>
+          <p:nvPr/>
+        </p:nvPicPr>
+        <p:blipFill>
+          <a:blip r:embed="rId8" cstate="print">
+            <a:extLst>
+              <a:ext uri="{28A0092B-C50C-407E-A947-70E740481C1C}">
+                <a14:useLocalDpi xmlns:a14="http://schemas.microsoft.com/office/drawing/2010/main" val="0"/>
+              </a:ext>
+            </a:extLst>
+          </a:blip>
+          <a:srcRect/>
+          <a:stretch>
+            <a:fillRect/>
+          </a:stretch>
+        </p:blipFill>
+        <p:spPr bwMode="auto">
+          <a:xfrm>
+            <a:off x="3654911" y="4255747"/>
+            <a:ext cx="2015173" cy="1343448"/>
+          </a:xfrm>
+          <a:prstGeom prst="rect">
+            <a:avLst/>
+          </a:prstGeom>
+          <a:noFill/>
+          <a:extLst>
+            <a:ext uri="{909E8E84-426E-40DD-AFC4-6F175D3DCCD1}">
+              <a14:hiddenFill xmlns:a14="http://schemas.microsoft.com/office/drawing/2010/main">
+                <a:solidFill>
+                  <a:srgbClr val="FFFFFF"/>
+                </a:solidFill>
+              </a14:hiddenFill>
+            </a:ext>
+          </a:extLst>
+        </p:spPr>
+      </p:pic>
+      <p:sp>
+        <p:nvSpPr>
+          <p:cNvPr id="20" name="右箭头 19"/>
+          <p:cNvSpPr/>
+          <p:nvPr/>
+        </p:nvSpPr>
+        <p:spPr>
+          <a:xfrm>
+            <a:off x="2939697" y="4855462"/>
+            <a:ext cx="504056" cy="144016"/>
+          </a:xfrm>
+          <a:prstGeom prst="rightArrow">
+            <a:avLst/>
+          </a:prstGeom>
+        </p:spPr>
+        <p:style>
+          <a:lnRef idx="2">
+            <a:schemeClr val="accent2">
+              <a:shade val="50000"/>
+            </a:schemeClr>
+          </a:lnRef>
+          <a:fillRef idx="1">
+            <a:schemeClr val="accent2"/>
+          </a:fillRef>
+          <a:effectRef idx="0">
+            <a:schemeClr val="accent2"/>
+          </a:effectRef>
+          <a:fontRef idx="minor">
+            <a:schemeClr val="lt1"/>
+          </a:fontRef>
+        </p:style>
+        <p:txBody>
+          <a:bodyPr rtlCol="0" anchor="ctr"/>
+          <a:lstStyle/>
+          <a:p>
+            <a:pPr algn="ctr"/>
+            <a:endParaRPr lang="zh-CN" altLang="en-US"/>
+          </a:p>
+        </p:txBody>
+      </p:sp>
+      <p:sp>
+        <p:nvSpPr>
+          <p:cNvPr id="21" name="右箭头 20"/>
+          <p:cNvSpPr/>
+          <p:nvPr/>
+        </p:nvSpPr>
+        <p:spPr>
+          <a:xfrm>
+            <a:off x="5841122" y="4857101"/>
+            <a:ext cx="504056" cy="144016"/>
+          </a:xfrm>
+          <a:prstGeom prst="rightArrow">
+            <a:avLst/>
+          </a:prstGeom>
+        </p:spPr>
+        <p:style>
+          <a:lnRef idx="2">
+            <a:schemeClr val="accent2">
+              <a:shade val="50000"/>
+            </a:schemeClr>
+          </a:lnRef>
+          <a:fillRef idx="1">
+            <a:schemeClr val="accent2"/>
+          </a:fillRef>
+          <a:effectRef idx="0">
+            <a:schemeClr val="accent2"/>
+          </a:effectRef>
+          <a:fontRef idx="minor">
+            <a:schemeClr val="lt1"/>
+          </a:fontRef>
+        </p:style>
+        <p:txBody>
+          <a:bodyPr rtlCol="0" anchor="ctr"/>
+          <a:lstStyle/>
+          <a:p>
+            <a:pPr algn="ctr"/>
+            <a:endParaRPr lang="zh-CN" altLang="en-US"/>
+          </a:p>
+        </p:txBody>
+      </p:sp>
     </p:spTree>
     <p:extLst>
       <p:ext uri="{BB962C8B-B14F-4D97-AF65-F5344CB8AC3E}">
-        <p14:creationId xmlns:p14="http://schemas.microsoft.com/office/powerpoint/2010/main" val="11622534"/>
+        <p14:creationId xmlns:p14="http://schemas.microsoft.com/office/powerpoint/2010/main" val="2758785605"/>
       </p:ext>
     </p:extLst>
   </p:cSld>
@@ -9874,9 +13265,406 @@
   <p:timing>
     <p:tnLst>
       <p:par>
-        <p:cTn id="1" dur="indefinite" restart="never" nodeType="tmRoot"/>
+        <p:cTn id="1" dur="indefinite" restart="never" nodeType="tmRoot">
+          <p:childTnLst>
+            <p:seq concurrent="1" nextAc="seek">
+              <p:cTn id="2" dur="indefinite" nodeType="mainSeq">
+                <p:childTnLst>
+                  <p:par>
+                    <p:cTn id="3" fill="hold">
+                      <p:stCondLst>
+                        <p:cond delay="indefinite"/>
+                      </p:stCondLst>
+                      <p:childTnLst>
+                        <p:par>
+                          <p:cTn id="4" fill="hold">
+                            <p:stCondLst>
+                              <p:cond delay="0"/>
+                            </p:stCondLst>
+                            <p:childTnLst>
+                              <p:par>
+                                <p:cTn id="5" presetID="1" presetClass="entr" presetSubtype="0" fill="hold" nodeType="clickEffect">
+                                  <p:stCondLst>
+                                    <p:cond delay="0"/>
+                                  </p:stCondLst>
+                                  <p:childTnLst>
+                                    <p:set>
+                                      <p:cBhvr>
+                                        <p:cTn id="6" dur="1" fill="hold">
+                                          <p:stCondLst>
+                                            <p:cond delay="0"/>
+                                          </p:stCondLst>
+                                        </p:cTn>
+                                        <p:tgtEl>
+                                          <p:spTgt spid="3">
+                                            <p:txEl>
+                                              <p:pRg st="0" end="0"/>
+                                            </p:txEl>
+                                          </p:spTgt>
+                                        </p:tgtEl>
+                                        <p:attrNameLst>
+                                          <p:attrName>style.visibility</p:attrName>
+                                        </p:attrNameLst>
+                                      </p:cBhvr>
+                                      <p:to>
+                                        <p:strVal val="visible"/>
+                                      </p:to>
+                                    </p:set>
+                                  </p:childTnLst>
+                                </p:cTn>
+                              </p:par>
+                              <p:par>
+                                <p:cTn id="7" presetID="1" presetClass="entr" presetSubtype="0" fill="hold" grpId="0" nodeType="withEffect">
+                                  <p:stCondLst>
+                                    <p:cond delay="0"/>
+                                  </p:stCondLst>
+                                  <p:childTnLst>
+                                    <p:set>
+                                      <p:cBhvr>
+                                        <p:cTn id="8" dur="1" fill="hold">
+                                          <p:stCondLst>
+                                            <p:cond delay="0"/>
+                                          </p:stCondLst>
+                                        </p:cTn>
+                                        <p:tgtEl>
+                                          <p:spTgt spid="17"/>
+                                        </p:tgtEl>
+                                        <p:attrNameLst>
+                                          <p:attrName>style.visibility</p:attrName>
+                                        </p:attrNameLst>
+                                      </p:cBhvr>
+                                      <p:to>
+                                        <p:strVal val="visible"/>
+                                      </p:to>
+                                    </p:set>
+                                  </p:childTnLst>
+                                </p:cTn>
+                              </p:par>
+                              <p:par>
+                                <p:cTn id="9" presetID="1" presetClass="entr" presetSubtype="0" fill="hold" nodeType="withEffect">
+                                  <p:stCondLst>
+                                    <p:cond delay="0"/>
+                                  </p:stCondLst>
+                                  <p:childTnLst>
+                                    <p:set>
+                                      <p:cBhvr>
+                                        <p:cTn id="10" dur="1" fill="hold">
+                                          <p:stCondLst>
+                                            <p:cond delay="0"/>
+                                          </p:stCondLst>
+                                        </p:cTn>
+                                        <p:tgtEl>
+                                          <p:spTgt spid="1030"/>
+                                        </p:tgtEl>
+                                        <p:attrNameLst>
+                                          <p:attrName>style.visibility</p:attrName>
+                                        </p:attrNameLst>
+                                      </p:cBhvr>
+                                      <p:to>
+                                        <p:strVal val="visible"/>
+                                      </p:to>
+                                    </p:set>
+                                  </p:childTnLst>
+                                </p:cTn>
+                              </p:par>
+                              <p:par>
+                                <p:cTn id="11" presetID="1" presetClass="entr" presetSubtype="0" fill="hold" grpId="0" nodeType="withEffect">
+                                  <p:stCondLst>
+                                    <p:cond delay="0"/>
+                                  </p:stCondLst>
+                                  <p:childTnLst>
+                                    <p:set>
+                                      <p:cBhvr>
+                                        <p:cTn id="12" dur="1" fill="hold">
+                                          <p:stCondLst>
+                                            <p:cond delay="0"/>
+                                          </p:stCondLst>
+                                        </p:cTn>
+                                        <p:tgtEl>
+                                          <p:spTgt spid="11"/>
+                                        </p:tgtEl>
+                                        <p:attrNameLst>
+                                          <p:attrName>style.visibility</p:attrName>
+                                        </p:attrNameLst>
+                                      </p:cBhvr>
+                                      <p:to>
+                                        <p:strVal val="visible"/>
+                                      </p:to>
+                                    </p:set>
+                                  </p:childTnLst>
+                                </p:cTn>
+                              </p:par>
+                              <p:par>
+                                <p:cTn id="13" presetID="1" presetClass="entr" presetSubtype="0" fill="hold" nodeType="withEffect">
+                                  <p:stCondLst>
+                                    <p:cond delay="0"/>
+                                  </p:stCondLst>
+                                  <p:childTnLst>
+                                    <p:set>
+                                      <p:cBhvr>
+                                        <p:cTn id="14" dur="1" fill="hold">
+                                          <p:stCondLst>
+                                            <p:cond delay="0"/>
+                                          </p:stCondLst>
+                                        </p:cTn>
+                                        <p:tgtEl>
+                                          <p:spTgt spid="7"/>
+                                        </p:tgtEl>
+                                        <p:attrNameLst>
+                                          <p:attrName>style.visibility</p:attrName>
+                                        </p:attrNameLst>
+                                      </p:cBhvr>
+                                      <p:to>
+                                        <p:strVal val="visible"/>
+                                      </p:to>
+                                    </p:set>
+                                  </p:childTnLst>
+                                </p:cTn>
+                              </p:par>
+                              <p:par>
+                                <p:cTn id="15" presetID="1" presetClass="entr" presetSubtype="0" fill="hold" nodeType="withEffect">
+                                  <p:stCondLst>
+                                    <p:cond delay="0"/>
+                                  </p:stCondLst>
+                                  <p:childTnLst>
+                                    <p:set>
+                                      <p:cBhvr>
+                                        <p:cTn id="16" dur="1" fill="hold">
+                                          <p:stCondLst>
+                                            <p:cond delay="0"/>
+                                          </p:stCondLst>
+                                        </p:cTn>
+                                        <p:tgtEl>
+                                          <p:spTgt spid="1028"/>
+                                        </p:tgtEl>
+                                        <p:attrNameLst>
+                                          <p:attrName>style.visibility</p:attrName>
+                                        </p:attrNameLst>
+                                      </p:cBhvr>
+                                      <p:to>
+                                        <p:strVal val="visible"/>
+                                      </p:to>
+                                    </p:set>
+                                  </p:childTnLst>
+                                </p:cTn>
+                              </p:par>
+                            </p:childTnLst>
+                          </p:cTn>
+                        </p:par>
+                      </p:childTnLst>
+                    </p:cTn>
+                  </p:par>
+                  <p:par>
+                    <p:cTn id="17" fill="hold">
+                      <p:stCondLst>
+                        <p:cond delay="indefinite"/>
+                      </p:stCondLst>
+                      <p:childTnLst>
+                        <p:par>
+                          <p:cTn id="18" fill="hold">
+                            <p:stCondLst>
+                              <p:cond delay="0"/>
+                            </p:stCondLst>
+                            <p:childTnLst>
+                              <p:par>
+                                <p:cTn id="19" presetID="1" presetClass="entr" presetSubtype="0" fill="hold" nodeType="clickEffect">
+                                  <p:stCondLst>
+                                    <p:cond delay="0"/>
+                                  </p:stCondLst>
+                                  <p:childTnLst>
+                                    <p:set>
+                                      <p:cBhvr>
+                                        <p:cTn id="20" dur="1" fill="hold">
+                                          <p:stCondLst>
+                                            <p:cond delay="0"/>
+                                          </p:stCondLst>
+                                        </p:cTn>
+                                        <p:tgtEl>
+                                          <p:spTgt spid="3">
+                                            <p:txEl>
+                                              <p:pRg st="5" end="5"/>
+                                            </p:txEl>
+                                          </p:spTgt>
+                                        </p:tgtEl>
+                                        <p:attrNameLst>
+                                          <p:attrName>style.visibility</p:attrName>
+                                        </p:attrNameLst>
+                                      </p:cBhvr>
+                                      <p:to>
+                                        <p:strVal val="visible"/>
+                                      </p:to>
+                                    </p:set>
+                                  </p:childTnLst>
+                                </p:cTn>
+                              </p:par>
+                              <p:par>
+                                <p:cTn id="21" presetID="1" presetClass="entr" presetSubtype="0" fill="hold" nodeType="withEffect">
+                                  <p:stCondLst>
+                                    <p:cond delay="0"/>
+                                  </p:stCondLst>
+                                  <p:childTnLst>
+                                    <p:set>
+                                      <p:cBhvr>
+                                        <p:cTn id="22" dur="1" fill="hold">
+                                          <p:stCondLst>
+                                            <p:cond delay="0"/>
+                                          </p:stCondLst>
+                                        </p:cTn>
+                                        <p:tgtEl>
+                                          <p:spTgt spid="9"/>
+                                        </p:tgtEl>
+                                        <p:attrNameLst>
+                                          <p:attrName>style.visibility</p:attrName>
+                                        </p:attrNameLst>
+                                      </p:cBhvr>
+                                      <p:to>
+                                        <p:strVal val="visible"/>
+                                      </p:to>
+                                    </p:set>
+                                  </p:childTnLst>
+                                </p:cTn>
+                              </p:par>
+                              <p:par>
+                                <p:cTn id="23" presetID="1" presetClass="entr" presetSubtype="0" fill="hold" grpId="0" nodeType="withEffect">
+                                  <p:stCondLst>
+                                    <p:cond delay="0"/>
+                                  </p:stCondLst>
+                                  <p:childTnLst>
+                                    <p:set>
+                                      <p:cBhvr>
+                                        <p:cTn id="24" dur="1" fill="hold">
+                                          <p:stCondLst>
+                                            <p:cond delay="0"/>
+                                          </p:stCondLst>
+                                        </p:cTn>
+                                        <p:tgtEl>
+                                          <p:spTgt spid="20"/>
+                                        </p:tgtEl>
+                                        <p:attrNameLst>
+                                          <p:attrName>style.visibility</p:attrName>
+                                        </p:attrNameLst>
+                                      </p:cBhvr>
+                                      <p:to>
+                                        <p:strVal val="visible"/>
+                                      </p:to>
+                                    </p:set>
+                                  </p:childTnLst>
+                                </p:cTn>
+                              </p:par>
+                              <p:par>
+                                <p:cTn id="25" presetID="1" presetClass="entr" presetSubtype="0" fill="hold" nodeType="withEffect">
+                                  <p:stCondLst>
+                                    <p:cond delay="0"/>
+                                  </p:stCondLst>
+                                  <p:childTnLst>
+                                    <p:set>
+                                      <p:cBhvr>
+                                        <p:cTn id="26" dur="1" fill="hold">
+                                          <p:stCondLst>
+                                            <p:cond delay="0"/>
+                                          </p:stCondLst>
+                                        </p:cTn>
+                                        <p:tgtEl>
+                                          <p:spTgt spid="1032"/>
+                                        </p:tgtEl>
+                                        <p:attrNameLst>
+                                          <p:attrName>style.visibility</p:attrName>
+                                        </p:attrNameLst>
+                                      </p:cBhvr>
+                                      <p:to>
+                                        <p:strVal val="visible"/>
+                                      </p:to>
+                                    </p:set>
+                                  </p:childTnLst>
+                                </p:cTn>
+                              </p:par>
+                              <p:par>
+                                <p:cTn id="27" presetID="1" presetClass="entr" presetSubtype="0" fill="hold" grpId="0" nodeType="withEffect">
+                                  <p:stCondLst>
+                                    <p:cond delay="0"/>
+                                  </p:stCondLst>
+                                  <p:childTnLst>
+                                    <p:set>
+                                      <p:cBhvr>
+                                        <p:cTn id="28" dur="1" fill="hold">
+                                          <p:stCondLst>
+                                            <p:cond delay="0"/>
+                                          </p:stCondLst>
+                                        </p:cTn>
+                                        <p:tgtEl>
+                                          <p:spTgt spid="21"/>
+                                        </p:tgtEl>
+                                        <p:attrNameLst>
+                                          <p:attrName>style.visibility</p:attrName>
+                                        </p:attrNameLst>
+                                      </p:cBhvr>
+                                      <p:to>
+                                        <p:strVal val="visible"/>
+                                      </p:to>
+                                    </p:set>
+                                  </p:childTnLst>
+                                </p:cTn>
+                              </p:par>
+                              <p:par>
+                                <p:cTn id="29" presetID="1" presetClass="entr" presetSubtype="0" fill="hold" nodeType="withEffect">
+                                  <p:stCondLst>
+                                    <p:cond delay="0"/>
+                                  </p:stCondLst>
+                                  <p:childTnLst>
+                                    <p:set>
+                                      <p:cBhvr>
+                                        <p:cTn id="30" dur="1" fill="hold">
+                                          <p:stCondLst>
+                                            <p:cond delay="0"/>
+                                          </p:stCondLst>
+                                        </p:cTn>
+                                        <p:tgtEl>
+                                          <p:spTgt spid="8"/>
+                                        </p:tgtEl>
+                                        <p:attrNameLst>
+                                          <p:attrName>style.visibility</p:attrName>
+                                        </p:attrNameLst>
+                                      </p:cBhvr>
+                                      <p:to>
+                                        <p:strVal val="visible"/>
+                                      </p:to>
+                                    </p:set>
+                                  </p:childTnLst>
+                                </p:cTn>
+                              </p:par>
+                            </p:childTnLst>
+                          </p:cTn>
+                        </p:par>
+                      </p:childTnLst>
+                    </p:cTn>
+                  </p:par>
+                </p:childTnLst>
+              </p:cTn>
+              <p:prevCondLst>
+                <p:cond evt="onPrev" delay="0">
+                  <p:tgtEl>
+                    <p:sldTgt/>
+                  </p:tgtEl>
+                </p:cond>
+              </p:prevCondLst>
+              <p:nextCondLst>
+                <p:cond evt="onNext" delay="0">
+                  <p:tgtEl>
+                    <p:sldTgt/>
+                  </p:tgtEl>
+                </p:cond>
+              </p:nextCondLst>
+            </p:seq>
+          </p:childTnLst>
+        </p:cTn>
       </p:par>
     </p:tnLst>
+    <p:bldLst>
+      <p:bldP spid="11" grpId="0" animBg="1"/>
+      <p:bldP spid="17" grpId="0" animBg="1"/>
+      <p:bldP spid="20" grpId="0" animBg="1"/>
+      <p:bldP spid="21" grpId="0" animBg="1"/>
+    </p:bldLst>
   </p:timing>
 </p:sld>
 </file>
@@ -9914,10 +13702,13 @@
           <a:lstStyle/>
           <a:p>
             <a:r>
-              <a:rPr lang="en-US" altLang="zh-CN" dirty="0" smtClean="0"/>
-              <a:t>Existing technology</a:t>
-            </a:r>
-            <a:endParaRPr lang="zh-CN" altLang="en-US" dirty="0"/>
+              <a:rPr lang="en-US" altLang="zh-CN" sz="3600" dirty="0" smtClean="0"/>
+              <a:t>Unreliable programs </a:t>
+            </a:r>
+            <a:r>
+              <a:rPr lang="en-US" altLang="zh-CN" sz="3600" dirty="0"/>
+              <a:t>bring losses</a:t>
+            </a:r>
           </a:p>
         </p:txBody>
       </p:sp>
@@ -9936,89 +13727,118 @@
           <a:bodyPr/>
           <a:lstStyle/>
           <a:p>
-            <a:r>
-              <a:rPr lang="en-US" altLang="zh-CN" sz="2800" dirty="0" smtClean="0"/>
-              <a:t>Program </a:t>
-            </a:r>
-            <a:r>
-              <a:rPr lang="en-US" altLang="zh-CN" sz="2800" dirty="0"/>
-              <a:t>t</a:t>
-            </a:r>
-            <a:r>
-              <a:rPr lang="en-US" altLang="zh-CN" sz="2800" dirty="0" smtClean="0"/>
-              <a:t>esting</a:t>
-            </a:r>
-          </a:p>
-          <a:p>
-            <a:pPr lvl="1">
+            <a:pPr marL="342900" lvl="1" indent="-342900">
+              <a:spcAft>
+                <a:spcPts val="600"/>
+              </a:spcAft>
+            </a:pPr>
+            <a:r>
+              <a:rPr lang="en-US" altLang="zh-CN" sz="2200" dirty="0" smtClean="0"/>
+              <a:t>The </a:t>
+            </a:r>
+            <a:r>
+              <a:rPr lang="en-US" altLang="zh-CN" sz="2200" dirty="0"/>
+              <a:t>destruction of NASA Mariner </a:t>
+            </a:r>
+            <a:r>
+              <a:rPr lang="en-US" altLang="zh-CN" sz="2200" dirty="0" smtClean="0"/>
+              <a:t>1</a:t>
+            </a:r>
+          </a:p>
+          <a:p>
+            <a:pPr marL="638175" lvl="2" indent="-342900">
+              <a:spcAft>
+                <a:spcPts val="0"/>
+              </a:spcAft>
+            </a:pPr>
+            <a:r>
+              <a:rPr lang="en-US" altLang="zh-CN" dirty="0"/>
+              <a:t>Ignorance </a:t>
+            </a:r>
+            <a:r>
+              <a:rPr lang="en-US" altLang="zh-CN" dirty="0" smtClean="0"/>
+              <a:t>of </a:t>
+            </a:r>
+            <a:r>
+              <a:rPr lang="en-US" altLang="zh-CN" dirty="0"/>
+              <a:t>an overbar in a written </a:t>
+            </a:r>
+            <a:r>
+              <a:rPr lang="en-US" altLang="zh-CN" dirty="0" smtClean="0"/>
+              <a:t>resulting </a:t>
+            </a:r>
+            <a:r>
+              <a:rPr lang="en-US" altLang="zh-CN" dirty="0"/>
+              <a:t>in the coding of an incorrect formula in its </a:t>
+            </a:r>
+            <a:r>
+              <a:rPr lang="en-US" altLang="zh-CN" cap="small" dirty="0" smtClean="0"/>
+              <a:t>Fortran</a:t>
+            </a:r>
+            <a:r>
+              <a:rPr lang="en-US" altLang="zh-CN" dirty="0" smtClean="0"/>
+              <a:t> software</a:t>
+            </a:r>
+          </a:p>
+          <a:p>
+            <a:pPr marL="638175" lvl="2" indent="-342900">
+              <a:spcAft>
+                <a:spcPts val="0"/>
+              </a:spcAft>
+            </a:pPr>
+            <a:r>
+              <a:rPr lang="en-US" altLang="zh-CN" dirty="0"/>
+              <a:t>Lost at least US$18.5 </a:t>
+            </a:r>
+            <a:r>
+              <a:rPr lang="en-US" altLang="zh-CN" dirty="0" smtClean="0"/>
+              <a:t>million</a:t>
+            </a:r>
+          </a:p>
+          <a:p>
+            <a:pPr marL="342900" lvl="1" indent="-342900">
               <a:spcBef>
-                <a:spcPts val="600"/>
+                <a:spcPts val="2400"/>
               </a:spcBef>
               <a:spcAft>
                 <a:spcPts val="600"/>
               </a:spcAft>
             </a:pPr>
             <a:r>
-              <a:rPr lang="en-US" altLang="zh-CN" dirty="0" smtClean="0"/>
-              <a:t>If the program is judged to produce correct results for some small sample data, it is assumed to be correct.</a:t>
-            </a:r>
-          </a:p>
-          <a:p>
-            <a:pPr lvl="1">
-              <a:spcBef>
-                <a:spcPts val="600"/>
-              </a:spcBef>
+              <a:rPr lang="en-US" altLang="zh-CN" sz="2200" dirty="0" smtClean="0"/>
+              <a:t>Therac-25 Accidents</a:t>
+            </a:r>
+          </a:p>
+          <a:p>
+            <a:pPr marL="638175" lvl="2" indent="-342900">
               <a:spcAft>
-                <a:spcPts val="600"/>
+                <a:spcPts val="0"/>
               </a:spcAft>
             </a:pPr>
             <a:r>
+              <a:rPr lang="en-US" altLang="zh-CN" dirty="0"/>
+              <a:t>A bug in the code controlling the Therac-25 radiation therapy </a:t>
+            </a:r>
+            <a:r>
               <a:rPr lang="en-US" altLang="zh-CN" dirty="0" smtClean="0"/>
-              <a:t>It is a big question of how to choose the sample. The sample data cannot cover all executions.</a:t>
-            </a:r>
-          </a:p>
-          <a:p>
-            <a:pPr lvl="1">
-              <a:spcBef>
-                <a:spcPts val="600"/>
-              </a:spcBef>
+              <a:t>machine</a:t>
+            </a:r>
+          </a:p>
+          <a:p>
+            <a:pPr marL="638175" lvl="2" indent="-342900">
               <a:spcAft>
-                <a:spcPts val="600"/>
+                <a:spcPts val="0"/>
               </a:spcAft>
             </a:pPr>
             <a:r>
+              <a:rPr lang="en-US" altLang="zh-CN" dirty="0" smtClean="0"/>
+              <a:t>Directly </a:t>
+            </a:r>
+            <a:r>
               <a:rPr lang="en-US" altLang="zh-CN" dirty="0"/>
-              <a:t>“Program testing can be used to show the presence of bugs, but never to </a:t>
-            </a:r>
-            <a:r>
-              <a:rPr lang="en-US" altLang="zh-CN" dirty="0" smtClean="0"/>
-              <a:t>show </a:t>
-            </a:r>
-            <a:r>
-              <a:rPr lang="en-US" altLang="zh-CN" dirty="0"/>
-              <a:t>their absence!” — </a:t>
-            </a:r>
-            <a:r>
-              <a:rPr lang="en-US" altLang="zh-CN" i="1" dirty="0" err="1"/>
-              <a:t>Edsger</a:t>
-            </a:r>
-            <a:r>
-              <a:rPr lang="en-US" altLang="zh-CN" i="1" dirty="0"/>
-              <a:t> W. </a:t>
-            </a:r>
-            <a:r>
-              <a:rPr lang="en-US" altLang="zh-CN" i="1" dirty="0" err="1" smtClean="0"/>
-              <a:t>Dijkstra</a:t>
-            </a:r>
-            <a:endParaRPr lang="en-US" altLang="zh-CN" i="1" dirty="0" smtClean="0"/>
-          </a:p>
-          <a:p>
-            <a:pPr lvl="1">
-              <a:spcAft>
-                <a:spcPts val="600"/>
-              </a:spcAft>
-            </a:pPr>
-            <a:endParaRPr lang="zh-CN" altLang="en-US" dirty="0"/>
+              <a:t>responsible for at least five patient deaths</a:t>
+            </a:r>
+            <a:endParaRPr lang="en-US" altLang="zh-CN" dirty="0"/>
           </a:p>
         </p:txBody>
       </p:sp>
@@ -10048,7 +13868,7 @@
                 <a:ea typeface="宋体"/>
               </a:rPr>
               <a:pPr/>
-              <a:t>2020/11/27</a:t>
+              <a:t>2020/11/28</a:t>
             </a:fld>
             <a:endParaRPr kumimoji="1" lang="zh-CN" altLang="en-US">
               <a:solidFill>
@@ -10122,10 +13942,58 @@
           </a:p>
         </p:txBody>
       </p:sp>
+      <p:sp>
+        <p:nvSpPr>
+          <p:cNvPr id="8" name="圆角矩形 7"/>
+          <p:cNvSpPr/>
+          <p:nvPr/>
+        </p:nvSpPr>
+        <p:spPr>
+          <a:xfrm>
+            <a:off x="1187624" y="4941168"/>
+            <a:ext cx="6336704" cy="936104"/>
+          </a:xfrm>
+          <a:prstGeom prst="roundRect">
+            <a:avLst/>
+          </a:prstGeom>
+        </p:spPr>
+        <p:style>
+          <a:lnRef idx="2">
+            <a:schemeClr val="accent2">
+              <a:shade val="50000"/>
+            </a:schemeClr>
+          </a:lnRef>
+          <a:fillRef idx="1">
+            <a:schemeClr val="accent2"/>
+          </a:fillRef>
+          <a:effectRef idx="0">
+            <a:schemeClr val="accent2"/>
+          </a:effectRef>
+          <a:fontRef idx="minor">
+            <a:schemeClr val="lt1"/>
+          </a:fontRef>
+        </p:style>
+        <p:txBody>
+          <a:bodyPr rtlCol="0" anchor="ctr"/>
+          <a:lstStyle/>
+          <a:p>
+            <a:pPr algn="ctr"/>
+            <a:r>
+              <a:rPr lang="en-US" altLang="zh-CN" sz="3200" dirty="0" smtClean="0">
+                <a:latin typeface="Bell MT" panose="02020503060305020303" pitchFamily="18" charset="0"/>
+              </a:rPr>
+              <a:t>We need reliable programs!</a:t>
+            </a:r>
+            <a:endParaRPr lang="zh-CN" altLang="en-US" sz="3200" dirty="0">
+              <a:latin typeface="Bell MT" panose="02020503060305020303" pitchFamily="18" charset="0"/>
+            </a:endParaRPr>
+          </a:p>
+        </p:txBody>
+      </p:sp>
     </p:spTree>
     <p:extLst>
       <p:ext uri="{BB962C8B-B14F-4D97-AF65-F5344CB8AC3E}">
-        <p14:creationId xmlns:p14="http://schemas.microsoft.com/office/powerpoint/2010/main" val="2204431392"/>
+        <p14:creationId xmlns:p14="http://schemas.microsoft.com/office/powerpoint/2010/main" val="242703108"/>
       </p:ext>
     </p:extLst>
   </p:cSld>
@@ -10135,9 +14003,80 @@
   <p:timing>
     <p:tnLst>
       <p:par>
-        <p:cTn id="1" dur="indefinite" restart="never" nodeType="tmRoot"/>
+        <p:cTn id="1" dur="indefinite" restart="never" nodeType="tmRoot">
+          <p:childTnLst>
+            <p:seq concurrent="1" nextAc="seek">
+              <p:cTn id="2" dur="indefinite" nodeType="mainSeq">
+                <p:childTnLst>
+                  <p:par>
+                    <p:cTn id="3" fill="hold">
+                      <p:stCondLst>
+                        <p:cond delay="indefinite"/>
+                      </p:stCondLst>
+                      <p:childTnLst>
+                        <p:par>
+                          <p:cTn id="4" fill="hold">
+                            <p:stCondLst>
+                              <p:cond delay="0"/>
+                            </p:stCondLst>
+                            <p:childTnLst>
+                              <p:par>
+                                <p:cTn id="5" presetID="1" presetClass="entr" presetSubtype="0" fill="hold" grpId="0" nodeType="clickEffect">
+                                  <p:stCondLst>
+                                    <p:cond delay="0"/>
+                                  </p:stCondLst>
+                                  <p:childTnLst>
+                                    <p:set>
+                                      <p:cBhvr>
+                                        <p:cTn id="6" dur="1" fill="hold">
+                                          <p:stCondLst>
+                                            <p:cond delay="0"/>
+                                          </p:stCondLst>
+                                        </p:cTn>
+                                        <p:tgtEl>
+                                          <p:spTgt spid="8"/>
+                                        </p:tgtEl>
+                                        <p:attrNameLst>
+                                          <p:attrName>style.visibility</p:attrName>
+                                        </p:attrNameLst>
+                                      </p:cBhvr>
+                                      <p:to>
+                                        <p:strVal val="visible"/>
+                                      </p:to>
+                                    </p:set>
+                                  </p:childTnLst>
+                                </p:cTn>
+                              </p:par>
+                            </p:childTnLst>
+                          </p:cTn>
+                        </p:par>
+                      </p:childTnLst>
+                    </p:cTn>
+                  </p:par>
+                </p:childTnLst>
+              </p:cTn>
+              <p:prevCondLst>
+                <p:cond evt="onPrev" delay="0">
+                  <p:tgtEl>
+                    <p:sldTgt/>
+                  </p:tgtEl>
+                </p:cond>
+              </p:prevCondLst>
+              <p:nextCondLst>
+                <p:cond evt="onNext" delay="0">
+                  <p:tgtEl>
+                    <p:sldTgt/>
+                  </p:tgtEl>
+                </p:cond>
+              </p:nextCondLst>
+            </p:seq>
+          </p:childTnLst>
+        </p:cTn>
       </p:par>
     </p:tnLst>
+    <p:bldLst>
+      <p:bldP spid="8" grpId="0" animBg="1"/>
+    </p:bldLst>
   </p:timing>
 </p:sld>
 </file>
@@ -10176,7 +14115,7 @@
           <a:p>
             <a:r>
               <a:rPr lang="en-US" altLang="zh-CN" dirty="0" smtClean="0"/>
-              <a:t>Existing technology</a:t>
+              <a:t>Motivation</a:t>
             </a:r>
             <a:endParaRPr lang="zh-CN" altLang="en-US" dirty="0"/>
           </a:p>
@@ -10197,75 +14136,35 @@
           <a:bodyPr/>
           <a:lstStyle/>
           <a:p>
-            <a:r>
-              <a:rPr lang="en-US" altLang="zh-CN" sz="2800" dirty="0" smtClean="0"/>
-              <a:t>Program proving</a:t>
-            </a:r>
-          </a:p>
-          <a:p>
-            <a:pPr lvl="1">
-              <a:spcBef>
-                <a:spcPts val="600"/>
-              </a:spcBef>
+            <a:pPr>
               <a:spcAft>
-                <a:spcPts val="600"/>
+                <a:spcPts val="1200"/>
               </a:spcAft>
             </a:pPr>
             <a:r>
+              <a:rPr lang="en-US" altLang="zh-CN" dirty="0"/>
+              <a:t>The large-scale production of reliable programs is </a:t>
+            </a:r>
+            <a:r>
               <a:rPr lang="en-US" altLang="zh-CN" dirty="0" smtClean="0"/>
-              <a:t>The programmer formally proves that the program meets its specification for all executions.</a:t>
-            </a:r>
-          </a:p>
-          <a:p>
-            <a:pPr lvl="1">
-              <a:spcBef>
-                <a:spcPts val="600"/>
-              </a:spcBef>
+              <a:t>a challenging problem in 1970s and even today</a:t>
+            </a:r>
+            <a:r>
+              <a:rPr lang="en-US" altLang="zh-CN" dirty="0" smtClean="0"/>
+              <a:t>.</a:t>
+            </a:r>
+          </a:p>
+          <a:p>
+            <a:pPr>
               <a:spcAft>
-                <a:spcPts val="600"/>
+                <a:spcPts val="1200"/>
               </a:spcAft>
             </a:pPr>
             <a:r>
               <a:rPr lang="en-US" altLang="zh-CN" dirty="0" smtClean="0"/>
-              <a:t>The practical accomplishments fall short of a tool for routine use. There is no proof assistant in 1970s. </a:t>
-            </a:r>
-            <a:r>
-              <a:rPr lang="en-US" altLang="zh-CN" i="1" dirty="0" smtClean="0"/>
-              <a:t>Coq</a:t>
-            </a:r>
-            <a:r>
-              <a:rPr lang="en-US" altLang="zh-CN" dirty="0" smtClean="0"/>
-              <a:t> was first release in 1989 and </a:t>
-            </a:r>
-            <a:r>
-              <a:rPr lang="en-US" altLang="zh-CN" i="1" dirty="0" smtClean="0"/>
-              <a:t>TLA+</a:t>
-            </a:r>
-            <a:r>
-              <a:rPr lang="en-US" altLang="zh-CN" dirty="0" smtClean="0"/>
-              <a:t> was introduced in 1999.</a:t>
-            </a:r>
-            <a:endParaRPr lang="en-US" altLang="zh-CN" i="1" dirty="0" smtClean="0"/>
-          </a:p>
-          <a:p>
-            <a:pPr lvl="1">
-              <a:spcAft>
-                <a:spcPts val="600"/>
-              </a:spcAft>
-            </a:pPr>
-            <a:r>
-              <a:rPr lang="en-US" altLang="zh-CN" dirty="0" smtClean="0"/>
-              <a:t>The confidence depends on the creation of the specification and the construction of proof steps</a:t>
-            </a:r>
-            <a:r>
-              <a:rPr lang="en-US" altLang="zh-CN" dirty="0"/>
-              <a:t>, which </a:t>
-            </a:r>
-            <a:r>
-              <a:rPr lang="en-US" altLang="zh-CN" smtClean="0"/>
-              <a:t>are both error-prone.</a:t>
-            </a:r>
-            <a:endParaRPr lang="zh-CN" altLang="en-US" dirty="0"/>
+              <a:t>But it is difficult to verify the correctness of a program!</a:t>
+            </a:r>
+            <a:endParaRPr lang="en-US" altLang="zh-CN" dirty="0" smtClean="0"/>
           </a:p>
         </p:txBody>
       </p:sp>
@@ -10295,9 +14194,9 @@
                 <a:ea typeface="宋体"/>
               </a:rPr>
               <a:pPr/>
-              <a:t>2020/11/27</a:t>
+              <a:t>2020/11/28</a:t>
             </a:fld>
-            <a:endParaRPr kumimoji="1" lang="zh-CN" altLang="en-US">
+            <a:endParaRPr kumimoji="1" lang="zh-CN" altLang="en-US" dirty="0">
               <a:solidFill>
                 <a:prstClr val="black">
                   <a:lumMod val="65000"/>
@@ -10369,10 +14268,156 @@
           </a:p>
         </p:txBody>
       </p:sp>
+      <p:pic>
+        <p:nvPicPr>
+          <p:cNvPr id="7" name="图片 6"/>
+          <p:cNvPicPr>
+            <a:picLocks noChangeAspect="1"/>
+          </p:cNvPicPr>
+          <p:nvPr/>
+        </p:nvPicPr>
+        <p:blipFill>
+          <a:blip r:embed="rId2"/>
+          <a:stretch>
+            <a:fillRect/>
+          </a:stretch>
+        </p:blipFill>
+        <p:spPr>
+          <a:xfrm>
+            <a:off x="971600" y="3284984"/>
+            <a:ext cx="2772656" cy="2321049"/>
+          </a:xfrm>
+          <a:prstGeom prst="rect">
+            <a:avLst/>
+          </a:prstGeom>
+        </p:spPr>
+      </p:pic>
+      <p:sp>
+        <p:nvSpPr>
+          <p:cNvPr id="8" name="文本框 7"/>
+          <p:cNvSpPr txBox="1"/>
+          <p:nvPr/>
+        </p:nvSpPr>
+        <p:spPr>
+          <a:xfrm>
+            <a:off x="983037" y="5722992"/>
+            <a:ext cx="3096344" cy="369332"/>
+          </a:xfrm>
+          <a:prstGeom prst="rect">
+            <a:avLst/>
+          </a:prstGeom>
+          <a:noFill/>
+        </p:spPr>
+        <p:txBody>
+          <a:bodyPr wrap="square" rtlCol="0">
+            <a:spAutoFit/>
+          </a:bodyPr>
+          <a:lstStyle/>
+          <a:p>
+            <a:r>
+              <a:rPr lang="en-US" altLang="zh-CN" dirty="0" smtClean="0">
+                <a:solidFill>
+                  <a:srgbClr val="C00000"/>
+                </a:solidFill>
+                <a:latin typeface="Bell MT" panose="02020503060305020303" pitchFamily="18" charset="0"/>
+              </a:rPr>
+              <a:t>Is this bubble sort correct?</a:t>
+            </a:r>
+            <a:endParaRPr lang="zh-CN" altLang="en-US" dirty="0">
+              <a:solidFill>
+                <a:srgbClr val="C00000"/>
+              </a:solidFill>
+              <a:latin typeface="Bell MT" panose="02020503060305020303" pitchFamily="18" charset="0"/>
+            </a:endParaRPr>
+          </a:p>
+        </p:txBody>
+      </p:sp>
+      <p:pic>
+        <p:nvPicPr>
+          <p:cNvPr id="9" name="图片 8"/>
+          <p:cNvPicPr>
+            <a:picLocks noChangeAspect="1"/>
+          </p:cNvPicPr>
+          <p:nvPr/>
+        </p:nvPicPr>
+        <p:blipFill>
+          <a:blip r:embed="rId3"/>
+          <a:stretch>
+            <a:fillRect/>
+          </a:stretch>
+        </p:blipFill>
+        <p:spPr>
+          <a:xfrm>
+            <a:off x="4644008" y="1836727"/>
+            <a:ext cx="3487382" cy="3769306"/>
+          </a:xfrm>
+          <a:prstGeom prst="rect">
+            <a:avLst/>
+          </a:prstGeom>
+        </p:spPr>
+      </p:pic>
+      <p:sp>
+        <p:nvSpPr>
+          <p:cNvPr id="10" name="文本框 9"/>
+          <p:cNvSpPr txBox="1"/>
+          <p:nvPr/>
+        </p:nvSpPr>
+        <p:spPr>
+          <a:xfrm>
+            <a:off x="4827750" y="5690874"/>
+            <a:ext cx="3173250" cy="646331"/>
+          </a:xfrm>
+          <a:prstGeom prst="rect">
+            <a:avLst/>
+          </a:prstGeom>
+          <a:noFill/>
+        </p:spPr>
+        <p:txBody>
+          <a:bodyPr wrap="square" rtlCol="0">
+            <a:spAutoFit/>
+          </a:bodyPr>
+          <a:lstStyle/>
+          <a:p>
+            <a:r>
+              <a:rPr lang="en-US" altLang="zh-CN" dirty="0" smtClean="0">
+                <a:solidFill>
+                  <a:srgbClr val="C00000"/>
+                </a:solidFill>
+                <a:latin typeface="Bell MT" panose="02020503060305020303" pitchFamily="18" charset="0"/>
+              </a:rPr>
+              <a:t>Is </a:t>
+            </a:r>
+            <a:r>
+              <a:rPr lang="en-US" altLang="zh-CN" dirty="0">
+                <a:solidFill>
+                  <a:srgbClr val="C00000"/>
+                </a:solidFill>
+                <a:latin typeface="Bell MT" panose="02020503060305020303" pitchFamily="18" charset="0"/>
+              </a:rPr>
+              <a:t>this </a:t>
+            </a:r>
+            <a:r>
+              <a:rPr lang="en-US" altLang="zh-CN" dirty="0" smtClean="0">
+                <a:solidFill>
+                  <a:srgbClr val="C00000"/>
+                </a:solidFill>
+                <a:latin typeface="Bell MT" panose="02020503060305020303" pitchFamily="18" charset="0"/>
+              </a:rPr>
+              <a:t>red–black tree’s delete function correct?</a:t>
+            </a:r>
+            <a:endParaRPr lang="zh-CN" altLang="en-US" dirty="0">
+              <a:solidFill>
+                <a:srgbClr val="C00000"/>
+              </a:solidFill>
+              <a:latin typeface="Bell MT" panose="02020503060305020303" pitchFamily="18" charset="0"/>
+            </a:endParaRPr>
+          </a:p>
+        </p:txBody>
+      </p:sp>
     </p:spTree>
     <p:extLst>
       <p:ext uri="{BB962C8B-B14F-4D97-AF65-F5344CB8AC3E}">
-        <p14:creationId xmlns:p14="http://schemas.microsoft.com/office/powerpoint/2010/main" val="2166599487"/>
+        <p14:creationId xmlns:p14="http://schemas.microsoft.com/office/powerpoint/2010/main" val="11622534"/>
       </p:ext>
     </p:extLst>
   </p:cSld>
@@ -10382,9 +14427,180 @@
   <p:timing>
     <p:tnLst>
       <p:par>
-        <p:cTn id="1" dur="indefinite" restart="never" nodeType="tmRoot"/>
+        <p:cTn id="1" dur="indefinite" restart="never" nodeType="tmRoot">
+          <p:childTnLst>
+            <p:seq concurrent="1" nextAc="seek">
+              <p:cTn id="2" dur="indefinite" nodeType="mainSeq">
+                <p:childTnLst>
+                  <p:par>
+                    <p:cTn id="3" fill="hold">
+                      <p:stCondLst>
+                        <p:cond delay="indefinite"/>
+                      </p:stCondLst>
+                      <p:childTnLst>
+                        <p:par>
+                          <p:cTn id="4" fill="hold">
+                            <p:stCondLst>
+                              <p:cond delay="0"/>
+                            </p:stCondLst>
+                            <p:childTnLst>
+                              <p:par>
+                                <p:cTn id="5" presetID="1" presetClass="entr" presetSubtype="0" fill="hold" nodeType="clickEffect">
+                                  <p:stCondLst>
+                                    <p:cond delay="0"/>
+                                  </p:stCondLst>
+                                  <p:childTnLst>
+                                    <p:set>
+                                      <p:cBhvr>
+                                        <p:cTn id="6" dur="1" fill="hold">
+                                          <p:stCondLst>
+                                            <p:cond delay="0"/>
+                                          </p:stCondLst>
+                                        </p:cTn>
+                                        <p:tgtEl>
+                                          <p:spTgt spid="7"/>
+                                        </p:tgtEl>
+                                        <p:attrNameLst>
+                                          <p:attrName>style.visibility</p:attrName>
+                                        </p:attrNameLst>
+                                      </p:cBhvr>
+                                      <p:to>
+                                        <p:strVal val="visible"/>
+                                      </p:to>
+                                    </p:set>
+                                  </p:childTnLst>
+                                </p:cTn>
+                              </p:par>
+                              <p:par>
+                                <p:cTn id="7" presetID="1" presetClass="entr" presetSubtype="0" fill="hold" grpId="0" nodeType="withEffect">
+                                  <p:stCondLst>
+                                    <p:cond delay="0"/>
+                                  </p:stCondLst>
+                                  <p:childTnLst>
+                                    <p:set>
+                                      <p:cBhvr>
+                                        <p:cTn id="8" dur="1" fill="hold">
+                                          <p:stCondLst>
+                                            <p:cond delay="0"/>
+                                          </p:stCondLst>
+                                        </p:cTn>
+                                        <p:tgtEl>
+                                          <p:spTgt spid="8"/>
+                                        </p:tgtEl>
+                                        <p:attrNameLst>
+                                          <p:attrName>style.visibility</p:attrName>
+                                        </p:attrNameLst>
+                                      </p:cBhvr>
+                                      <p:to>
+                                        <p:strVal val="visible"/>
+                                      </p:to>
+                                    </p:set>
+                                  </p:childTnLst>
+                                </p:cTn>
+                              </p:par>
+                            </p:childTnLst>
+                          </p:cTn>
+                        </p:par>
+                      </p:childTnLst>
+                    </p:cTn>
+                  </p:par>
+                  <p:par>
+                    <p:cTn id="9" fill="hold">
+                      <p:stCondLst>
+                        <p:cond delay="indefinite"/>
+                      </p:stCondLst>
+                      <p:childTnLst>
+                        <p:par>
+                          <p:cTn id="10" fill="hold">
+                            <p:stCondLst>
+                              <p:cond delay="0"/>
+                            </p:stCondLst>
+                            <p:childTnLst>
+                              <p:par>
+                                <p:cTn id="11" presetID="1" presetClass="entr" presetSubtype="0" fill="hold" nodeType="clickEffect">
+                                  <p:stCondLst>
+                                    <p:cond delay="0"/>
+                                  </p:stCondLst>
+                                  <p:childTnLst>
+                                    <p:set>
+                                      <p:cBhvr>
+                                        <p:cTn id="12" dur="1" fill="hold">
+                                          <p:stCondLst>
+                                            <p:cond delay="0"/>
+                                          </p:stCondLst>
+                                        </p:cTn>
+                                        <p:tgtEl>
+                                          <p:spTgt spid="9"/>
+                                        </p:tgtEl>
+                                        <p:attrNameLst>
+                                          <p:attrName>style.visibility</p:attrName>
+                                        </p:attrNameLst>
+                                      </p:cBhvr>
+                                      <p:to>
+                                        <p:strVal val="visible"/>
+                                      </p:to>
+                                    </p:set>
+                                  </p:childTnLst>
+                                </p:cTn>
+                              </p:par>
+                              <p:par>
+                                <p:cTn id="13" presetID="1" presetClass="entr" presetSubtype="0" fill="hold" grpId="0" nodeType="withEffect">
+                                  <p:stCondLst>
+                                    <p:cond delay="0"/>
+                                  </p:stCondLst>
+                                  <p:childTnLst>
+                                    <p:set>
+                                      <p:cBhvr>
+                                        <p:cTn id="14" dur="1" fill="hold">
+                                          <p:stCondLst>
+                                            <p:cond delay="0"/>
+                                          </p:stCondLst>
+                                        </p:cTn>
+                                        <p:tgtEl>
+                                          <p:spTgt spid="10"/>
+                                        </p:tgtEl>
+                                        <p:attrNameLst>
+                                          <p:attrName>style.visibility</p:attrName>
+                                        </p:attrNameLst>
+                                      </p:cBhvr>
+                                      <p:to>
+                                        <p:strVal val="visible"/>
+                                      </p:to>
+                                    </p:set>
+                                  </p:childTnLst>
+                                </p:cTn>
+                              </p:par>
+                            </p:childTnLst>
+                          </p:cTn>
+                        </p:par>
+                      </p:childTnLst>
+                    </p:cTn>
+                  </p:par>
+                </p:childTnLst>
+              </p:cTn>
+              <p:prevCondLst>
+                <p:cond evt="onPrev" delay="0">
+                  <p:tgtEl>
+                    <p:sldTgt/>
+                  </p:tgtEl>
+                </p:cond>
+              </p:prevCondLst>
+              <p:nextCondLst>
+                <p:cond evt="onNext" delay="0">
+                  <p:tgtEl>
+                    <p:sldTgt/>
+                  </p:tgtEl>
+                </p:cond>
+              </p:nextCondLst>
+            </p:seq>
+          </p:childTnLst>
+        </p:cTn>
       </p:par>
     </p:tnLst>
+    <p:bldLst>
+      <p:bldP spid="8" grpId="0"/>
+      <p:bldP spid="10" grpId="0"/>
+    </p:bldLst>
   </p:timing>
 </p:sld>
 </file>
@@ -10408,6 +14624,909 @@
       </p:grpSpPr>
       <p:sp>
         <p:nvSpPr>
+          <p:cNvPr id="2" name="标题 1"/>
+          <p:cNvSpPr>
+            <a:spLocks noGrp="1"/>
+          </p:cNvSpPr>
+          <p:nvPr>
+            <p:ph type="title"/>
+          </p:nvPr>
+        </p:nvSpPr>
+        <p:spPr/>
+        <p:txBody>
+          <a:bodyPr/>
+          <a:lstStyle/>
+          <a:p>
+            <a:r>
+              <a:rPr lang="en-US" altLang="zh-CN" dirty="0" smtClean="0"/>
+              <a:t>Existing technology</a:t>
+            </a:r>
+            <a:endParaRPr lang="zh-CN" altLang="en-US" dirty="0"/>
+          </a:p>
+        </p:txBody>
+      </p:sp>
+      <p:sp>
+        <p:nvSpPr>
+          <p:cNvPr id="3" name="内容占位符 2"/>
+          <p:cNvSpPr>
+            <a:spLocks noGrp="1"/>
+          </p:cNvSpPr>
+          <p:nvPr>
+            <p:ph idx="1"/>
+          </p:nvPr>
+        </p:nvSpPr>
+        <p:spPr>
+          <a:xfrm>
+            <a:off x="457200" y="1719263"/>
+            <a:ext cx="8229600" cy="2429817"/>
+          </a:xfrm>
+        </p:spPr>
+        <p:txBody>
+          <a:bodyPr/>
+          <a:lstStyle/>
+          <a:p>
+            <a:r>
+              <a:rPr lang="en-US" altLang="zh-CN" sz="2800" dirty="0" smtClean="0"/>
+              <a:t>Program </a:t>
+            </a:r>
+            <a:r>
+              <a:rPr lang="en-US" altLang="zh-CN" sz="2800" dirty="0"/>
+              <a:t>t</a:t>
+            </a:r>
+            <a:r>
+              <a:rPr lang="en-US" altLang="zh-CN" sz="2800" dirty="0" smtClean="0"/>
+              <a:t>esting</a:t>
+            </a:r>
+          </a:p>
+          <a:p>
+            <a:pPr lvl="1">
+              <a:spcBef>
+                <a:spcPts val="600"/>
+              </a:spcBef>
+              <a:spcAft>
+                <a:spcPts val="600"/>
+              </a:spcAft>
+            </a:pPr>
+            <a:r>
+              <a:rPr lang="en-US" altLang="zh-CN" sz="2200" dirty="0" smtClean="0"/>
+              <a:t>If the program is judged to produce correct results for some small sample data, it is assumed to be correct.</a:t>
+            </a:r>
+          </a:p>
+          <a:p>
+            <a:pPr lvl="1">
+              <a:spcBef>
+                <a:spcPts val="600"/>
+              </a:spcBef>
+              <a:spcAft>
+                <a:spcPts val="600"/>
+              </a:spcAft>
+            </a:pPr>
+            <a:r>
+              <a:rPr lang="en-US" altLang="zh-CN" sz="2200" dirty="0" smtClean="0"/>
+              <a:t>It is a big question of how to choose the sample. The sample data </a:t>
+            </a:r>
+            <a:r>
+              <a:rPr lang="en-US" altLang="zh-CN" sz="2200" dirty="0" smtClean="0"/>
+              <a:t>may not </a:t>
+            </a:r>
+            <a:r>
+              <a:rPr lang="en-US" altLang="zh-CN" sz="2200" dirty="0" smtClean="0"/>
+              <a:t>cover all executions.</a:t>
+            </a:r>
+          </a:p>
+          <a:p>
+            <a:pPr lvl="1">
+              <a:spcAft>
+                <a:spcPts val="600"/>
+              </a:spcAft>
+            </a:pPr>
+            <a:endParaRPr lang="zh-CN" altLang="en-US" dirty="0"/>
+          </a:p>
+        </p:txBody>
+      </p:sp>
+      <p:sp>
+        <p:nvSpPr>
+          <p:cNvPr id="4" name="日期占位符 3"/>
+          <p:cNvSpPr>
+            <a:spLocks noGrp="1"/>
+          </p:cNvSpPr>
+          <p:nvPr>
+            <p:ph type="dt" sz="half" idx="10"/>
+          </p:nvPr>
+        </p:nvSpPr>
+        <p:spPr/>
+        <p:txBody>
+          <a:bodyPr/>
+          <a:lstStyle/>
+          <a:p>
+            <a:fld id="{FF88F899-FA6D-4737-879E-62DE3ED9162E}" type="datetime1">
+              <a:rPr kumimoji="1" lang="zh-CN" altLang="en-US" smtClean="0">
+                <a:solidFill>
+                  <a:prstClr val="black">
+                    <a:lumMod val="65000"/>
+                    <a:lumOff val="35000"/>
+                  </a:prstClr>
+                </a:solidFill>
+                <a:ea typeface="宋体"/>
+              </a:rPr>
+              <a:pPr/>
+              <a:t>2020/11/28</a:t>
+            </a:fld>
+            <a:endParaRPr kumimoji="1" lang="zh-CN" altLang="en-US">
+              <a:solidFill>
+                <a:prstClr val="black">
+                  <a:lumMod val="65000"/>
+                  <a:lumOff val="35000"/>
+                </a:prstClr>
+              </a:solidFill>
+              <a:ea typeface="宋体"/>
+            </a:endParaRPr>
+          </a:p>
+        </p:txBody>
+      </p:sp>
+      <p:sp>
+        <p:nvSpPr>
+          <p:cNvPr id="5" name="页脚占位符 4"/>
+          <p:cNvSpPr>
+            <a:spLocks noGrp="1"/>
+          </p:cNvSpPr>
+          <p:nvPr>
+            <p:ph type="ftr" sz="quarter" idx="11"/>
+          </p:nvPr>
+        </p:nvSpPr>
+        <p:spPr/>
+        <p:txBody>
+          <a:bodyPr/>
+          <a:lstStyle/>
+          <a:p>
+            <a:pPr defTabSz="457200"/>
+            <a:endParaRPr lang="zh-CN" altLang="en-US" dirty="0"/>
+          </a:p>
+        </p:txBody>
+      </p:sp>
+      <p:sp>
+        <p:nvSpPr>
+          <p:cNvPr id="6" name="灯片编号占位符 5"/>
+          <p:cNvSpPr>
+            <a:spLocks noGrp="1"/>
+          </p:cNvSpPr>
+          <p:nvPr>
+            <p:ph type="sldNum" sz="quarter" idx="12"/>
+          </p:nvPr>
+        </p:nvSpPr>
+        <p:spPr/>
+        <p:txBody>
+          <a:bodyPr/>
+          <a:lstStyle/>
+          <a:p>
+            <a:fld id="{71F1F346-3964-904C-8DB0-057A2D699FB9}" type="slidenum">
+              <a:rPr kumimoji="1" lang="zh-CN" altLang="en-US" smtClean="0">
+                <a:solidFill>
+                  <a:prstClr val="black">
+                    <a:lumMod val="65000"/>
+                    <a:lumOff val="35000"/>
+                  </a:prstClr>
+                </a:solidFill>
+                <a:ea typeface="宋体"/>
+              </a:rPr>
+              <a:pPr/>
+              <a:t>5</a:t>
+            </a:fld>
+            <a:endParaRPr kumimoji="1" lang="zh-CN" altLang="en-US">
+              <a:solidFill>
+                <a:prstClr val="black">
+                  <a:lumMod val="65000"/>
+                  <a:lumOff val="35000"/>
+                </a:prstClr>
+              </a:solidFill>
+              <a:ea typeface="宋体"/>
+            </a:endParaRPr>
+          </a:p>
+        </p:txBody>
+      </p:sp>
+      <p:sp>
+        <p:nvSpPr>
+          <p:cNvPr id="8" name="文本框 7"/>
+          <p:cNvSpPr txBox="1"/>
+          <p:nvPr/>
+        </p:nvSpPr>
+        <p:spPr>
+          <a:xfrm>
+            <a:off x="971600" y="4254768"/>
+            <a:ext cx="7272808" cy="1046440"/>
+          </a:xfrm>
+          <a:prstGeom prst="rect">
+            <a:avLst/>
+          </a:prstGeom>
+          <a:noFill/>
+        </p:spPr>
+        <p:txBody>
+          <a:bodyPr wrap="square" rtlCol="0">
+            <a:spAutoFit/>
+          </a:bodyPr>
+          <a:lstStyle/>
+          <a:p>
+            <a:pPr marL="0" lvl="1"/>
+            <a:r>
+              <a:rPr lang="en-US" altLang="zh-CN" sz="2200" dirty="0" smtClean="0">
+                <a:solidFill>
+                  <a:srgbClr val="800000"/>
+                </a:solidFill>
+                <a:latin typeface="Bodoni MT" panose="02070603080606020203" pitchFamily="18" charset="0"/>
+              </a:rPr>
+              <a:t>‘Program </a:t>
+            </a:r>
+            <a:r>
+              <a:rPr lang="en-US" altLang="zh-CN" sz="2200" dirty="0">
+                <a:solidFill>
+                  <a:srgbClr val="800000"/>
+                </a:solidFill>
+                <a:latin typeface="Bodoni MT" panose="02070603080606020203" pitchFamily="18" charset="0"/>
+              </a:rPr>
+              <a:t>testing can be used to show the presence of bugs, but never to show their absence</a:t>
+            </a:r>
+            <a:r>
+              <a:rPr lang="en-US" altLang="zh-CN" sz="2200" dirty="0" smtClean="0">
+                <a:solidFill>
+                  <a:srgbClr val="800000"/>
+                </a:solidFill>
+                <a:latin typeface="Bodoni MT" panose="02070603080606020203" pitchFamily="18" charset="0"/>
+              </a:rPr>
+              <a:t>!’ </a:t>
+            </a:r>
+            <a:r>
+              <a:rPr lang="en-US" altLang="zh-CN" sz="2200" dirty="0">
+                <a:solidFill>
+                  <a:srgbClr val="800000"/>
+                </a:solidFill>
+                <a:latin typeface="Bodoni MT" panose="02070603080606020203" pitchFamily="18" charset="0"/>
+              </a:rPr>
+              <a:t>— </a:t>
+            </a:r>
+            <a:r>
+              <a:rPr lang="en-US" altLang="zh-CN" sz="2200" i="1" dirty="0" err="1">
+                <a:solidFill>
+                  <a:srgbClr val="800000"/>
+                </a:solidFill>
+                <a:latin typeface="Bodoni MT" panose="02070603080606020203" pitchFamily="18" charset="0"/>
+              </a:rPr>
+              <a:t>Edsger</a:t>
+            </a:r>
+            <a:r>
+              <a:rPr lang="en-US" altLang="zh-CN" sz="2200" i="1" dirty="0">
+                <a:solidFill>
+                  <a:srgbClr val="800000"/>
+                </a:solidFill>
+                <a:latin typeface="Bodoni MT" panose="02070603080606020203" pitchFamily="18" charset="0"/>
+              </a:rPr>
+              <a:t> W. </a:t>
+            </a:r>
+            <a:r>
+              <a:rPr lang="en-US" altLang="zh-CN" sz="2200" i="1" dirty="0" err="1">
+                <a:solidFill>
+                  <a:srgbClr val="800000"/>
+                </a:solidFill>
+                <a:latin typeface="Bodoni MT" panose="02070603080606020203" pitchFamily="18" charset="0"/>
+              </a:rPr>
+              <a:t>Dijkstra</a:t>
+            </a:r>
+            <a:endParaRPr lang="en-US" altLang="zh-CN" sz="2200" i="1" dirty="0">
+              <a:solidFill>
+                <a:srgbClr val="800000"/>
+              </a:solidFill>
+              <a:latin typeface="Bodoni MT" panose="02070603080606020203" pitchFamily="18" charset="0"/>
+            </a:endParaRPr>
+          </a:p>
+          <a:p>
+            <a:endParaRPr lang="zh-CN" altLang="en-US" dirty="0">
+              <a:solidFill>
+                <a:srgbClr val="800000"/>
+              </a:solidFill>
+              <a:latin typeface="Bodoni MT" panose="02070603080606020203" pitchFamily="18" charset="0"/>
+            </a:endParaRPr>
+          </a:p>
+        </p:txBody>
+      </p:sp>
+    </p:spTree>
+    <p:extLst>
+      <p:ext uri="{BB962C8B-B14F-4D97-AF65-F5344CB8AC3E}">
+        <p14:creationId xmlns:p14="http://schemas.microsoft.com/office/powerpoint/2010/main" val="2204431392"/>
+      </p:ext>
+    </p:extLst>
+  </p:cSld>
+  <p:clrMapOvr>
+    <a:masterClrMapping/>
+  </p:clrMapOvr>
+  <p:timing>
+    <p:tnLst>
+      <p:par>
+        <p:cTn id="1" dur="indefinite" restart="never" nodeType="tmRoot">
+          <p:childTnLst>
+            <p:seq concurrent="1" nextAc="seek">
+              <p:cTn id="2" dur="indefinite" nodeType="mainSeq">
+                <p:childTnLst>
+                  <p:par>
+                    <p:cTn id="3" fill="hold">
+                      <p:stCondLst>
+                        <p:cond delay="indefinite"/>
+                      </p:stCondLst>
+                      <p:childTnLst>
+                        <p:par>
+                          <p:cTn id="4" fill="hold">
+                            <p:stCondLst>
+                              <p:cond delay="0"/>
+                            </p:stCondLst>
+                            <p:childTnLst>
+                              <p:par>
+                                <p:cTn id="5" presetID="1" presetClass="entr" presetSubtype="0" fill="hold" grpId="0" nodeType="clickEffect">
+                                  <p:stCondLst>
+                                    <p:cond delay="0"/>
+                                  </p:stCondLst>
+                                  <p:childTnLst>
+                                    <p:set>
+                                      <p:cBhvr>
+                                        <p:cTn id="6" dur="1" fill="hold">
+                                          <p:stCondLst>
+                                            <p:cond delay="0"/>
+                                          </p:stCondLst>
+                                        </p:cTn>
+                                        <p:tgtEl>
+                                          <p:spTgt spid="8"/>
+                                        </p:tgtEl>
+                                        <p:attrNameLst>
+                                          <p:attrName>style.visibility</p:attrName>
+                                        </p:attrNameLst>
+                                      </p:cBhvr>
+                                      <p:to>
+                                        <p:strVal val="visible"/>
+                                      </p:to>
+                                    </p:set>
+                                  </p:childTnLst>
+                                </p:cTn>
+                              </p:par>
+                            </p:childTnLst>
+                          </p:cTn>
+                        </p:par>
+                      </p:childTnLst>
+                    </p:cTn>
+                  </p:par>
+                </p:childTnLst>
+              </p:cTn>
+              <p:prevCondLst>
+                <p:cond evt="onPrev" delay="0">
+                  <p:tgtEl>
+                    <p:sldTgt/>
+                  </p:tgtEl>
+                </p:cond>
+              </p:prevCondLst>
+              <p:nextCondLst>
+                <p:cond evt="onNext" delay="0">
+                  <p:tgtEl>
+                    <p:sldTgt/>
+                  </p:tgtEl>
+                </p:cond>
+              </p:nextCondLst>
+            </p:seq>
+          </p:childTnLst>
+        </p:cTn>
+      </p:par>
+    </p:tnLst>
+    <p:bldLst>
+      <p:bldP spid="8" grpId="0"/>
+    </p:bldLst>
+  </p:timing>
+</p:sld>
+</file>
+
+<file path=ppt/slides/slide6.xml><?xml version="1.0" encoding="utf-8"?>
+<p:sld xmlns:a="http://schemas.openxmlformats.org/drawingml/2006/main" xmlns:r="http://schemas.openxmlformats.org/officeDocument/2006/relationships" xmlns:p="http://schemas.openxmlformats.org/presentationml/2006/main">
+  <p:cSld>
+    <p:spTree>
+      <p:nvGrpSpPr>
+        <p:cNvPr id="1" name=""/>
+        <p:cNvGrpSpPr/>
+        <p:nvPr/>
+      </p:nvGrpSpPr>
+      <p:grpSpPr>
+        <a:xfrm>
+          <a:off x="0" y="0"/>
+          <a:ext cx="0" cy="0"/>
+          <a:chOff x="0" y="0"/>
+          <a:chExt cx="0" cy="0"/>
+        </a:xfrm>
+      </p:grpSpPr>
+      <p:sp>
+        <p:nvSpPr>
+          <p:cNvPr id="2" name="标题 1"/>
+          <p:cNvSpPr>
+            <a:spLocks noGrp="1"/>
+          </p:cNvSpPr>
+          <p:nvPr>
+            <p:ph type="title"/>
+          </p:nvPr>
+        </p:nvSpPr>
+        <p:spPr/>
+        <p:txBody>
+          <a:bodyPr/>
+          <a:lstStyle/>
+          <a:p>
+            <a:r>
+              <a:rPr lang="en-US" altLang="zh-CN" dirty="0" smtClean="0"/>
+              <a:t>Existing technology</a:t>
+            </a:r>
+            <a:endParaRPr lang="zh-CN" altLang="en-US" dirty="0"/>
+          </a:p>
+        </p:txBody>
+      </p:sp>
+      <p:sp>
+        <p:nvSpPr>
+          <p:cNvPr id="3" name="内容占位符 2"/>
+          <p:cNvSpPr>
+            <a:spLocks noGrp="1"/>
+          </p:cNvSpPr>
+          <p:nvPr>
+            <p:ph idx="1"/>
+          </p:nvPr>
+        </p:nvSpPr>
+        <p:spPr/>
+        <p:txBody>
+          <a:bodyPr/>
+          <a:lstStyle/>
+          <a:p>
+            <a:r>
+              <a:rPr lang="en-US" altLang="zh-CN" sz="2800" dirty="0" smtClean="0"/>
+              <a:t>Program proving</a:t>
+            </a:r>
+          </a:p>
+          <a:p>
+            <a:pPr lvl="1">
+              <a:spcBef>
+                <a:spcPts val="600"/>
+              </a:spcBef>
+              <a:spcAft>
+                <a:spcPts val="600"/>
+              </a:spcAft>
+            </a:pPr>
+            <a:r>
+              <a:rPr lang="en-US" altLang="zh-CN" dirty="0" smtClean="0"/>
+              <a:t>The programmer formally proves that the program meets its specification for all executions.</a:t>
+            </a:r>
+          </a:p>
+          <a:p>
+            <a:pPr lvl="1">
+              <a:spcBef>
+                <a:spcPts val="600"/>
+              </a:spcBef>
+              <a:spcAft>
+                <a:spcPts val="600"/>
+              </a:spcAft>
+            </a:pPr>
+            <a:r>
+              <a:rPr lang="en-US" altLang="zh-CN" dirty="0" smtClean="0"/>
+              <a:t>The practical accomplishments fall short of a tool for routine use. </a:t>
+            </a:r>
+            <a:endParaRPr lang="en-US" altLang="zh-CN" dirty="0" smtClean="0"/>
+          </a:p>
+          <a:p>
+            <a:pPr lvl="2">
+              <a:spcBef>
+                <a:spcPts val="600"/>
+              </a:spcBef>
+              <a:spcAft>
+                <a:spcPts val="600"/>
+              </a:spcAft>
+            </a:pPr>
+            <a:r>
+              <a:rPr lang="en-US" altLang="zh-CN" sz="1600" dirty="0" smtClean="0">
+                <a:solidFill>
+                  <a:schemeClr val="bg1">
+                    <a:lumMod val="50000"/>
+                  </a:schemeClr>
+                </a:solidFill>
+              </a:rPr>
+              <a:t>There </a:t>
+            </a:r>
+            <a:r>
+              <a:rPr lang="en-US" altLang="zh-CN" sz="1600" dirty="0" smtClean="0">
+                <a:solidFill>
+                  <a:schemeClr val="bg1">
+                    <a:lumMod val="50000"/>
+                  </a:schemeClr>
+                </a:solidFill>
+              </a:rPr>
+              <a:t>is no proof assistant in 1970s. </a:t>
+            </a:r>
+            <a:r>
+              <a:rPr lang="en-US" altLang="zh-CN" sz="1600" i="1" dirty="0" smtClean="0">
+                <a:solidFill>
+                  <a:schemeClr val="bg1">
+                    <a:lumMod val="50000"/>
+                  </a:schemeClr>
+                </a:solidFill>
+              </a:rPr>
+              <a:t>Coq</a:t>
+            </a:r>
+            <a:r>
+              <a:rPr lang="en-US" altLang="zh-CN" sz="1600" dirty="0" smtClean="0">
+                <a:solidFill>
+                  <a:schemeClr val="bg1">
+                    <a:lumMod val="50000"/>
+                  </a:schemeClr>
+                </a:solidFill>
+              </a:rPr>
+              <a:t> was first release in 1989 and </a:t>
+            </a:r>
+            <a:r>
+              <a:rPr lang="en-US" altLang="zh-CN" sz="1600" i="1" dirty="0" smtClean="0">
+                <a:solidFill>
+                  <a:schemeClr val="bg1">
+                    <a:lumMod val="50000"/>
+                  </a:schemeClr>
+                </a:solidFill>
+              </a:rPr>
+              <a:t>TLA+</a:t>
+            </a:r>
+            <a:r>
+              <a:rPr lang="en-US" altLang="zh-CN" sz="1600" dirty="0" smtClean="0">
+                <a:solidFill>
+                  <a:schemeClr val="bg1">
+                    <a:lumMod val="50000"/>
+                  </a:schemeClr>
+                </a:solidFill>
+              </a:rPr>
+              <a:t> was introduced in 1999.</a:t>
+            </a:r>
+            <a:endParaRPr lang="en-US" altLang="zh-CN" sz="1600" i="1" dirty="0" smtClean="0">
+              <a:solidFill>
+                <a:schemeClr val="bg1">
+                  <a:lumMod val="50000"/>
+                </a:schemeClr>
+              </a:solidFill>
+            </a:endParaRPr>
+          </a:p>
+          <a:p>
+            <a:pPr lvl="1">
+              <a:spcAft>
+                <a:spcPts val="600"/>
+              </a:spcAft>
+            </a:pPr>
+            <a:r>
+              <a:rPr lang="en-US" altLang="zh-CN" dirty="0" smtClean="0"/>
+              <a:t>The confidence depends on the creation of the specification and the construction of proof steps</a:t>
+            </a:r>
+            <a:r>
+              <a:rPr lang="en-US" altLang="zh-CN" dirty="0"/>
+              <a:t>, which </a:t>
+            </a:r>
+            <a:r>
+              <a:rPr lang="en-US" altLang="zh-CN" dirty="0" smtClean="0"/>
+              <a:t>are both error-prone.</a:t>
+            </a:r>
+            <a:endParaRPr lang="zh-CN" altLang="en-US" dirty="0"/>
+          </a:p>
+        </p:txBody>
+      </p:sp>
+      <p:sp>
+        <p:nvSpPr>
+          <p:cNvPr id="4" name="日期占位符 3"/>
+          <p:cNvSpPr>
+            <a:spLocks noGrp="1"/>
+          </p:cNvSpPr>
+          <p:nvPr>
+            <p:ph type="dt" sz="half" idx="10"/>
+          </p:nvPr>
+        </p:nvSpPr>
+        <p:spPr/>
+        <p:txBody>
+          <a:bodyPr/>
+          <a:lstStyle/>
+          <a:p>
+            <a:fld id="{FF88F899-FA6D-4737-879E-62DE3ED9162E}" type="datetime1">
+              <a:rPr kumimoji="1" lang="zh-CN" altLang="en-US" smtClean="0">
+                <a:solidFill>
+                  <a:prstClr val="black">
+                    <a:lumMod val="65000"/>
+                    <a:lumOff val="35000"/>
+                  </a:prstClr>
+                </a:solidFill>
+                <a:ea typeface="宋体"/>
+              </a:rPr>
+              <a:pPr/>
+              <a:t>2020/11/28</a:t>
+            </a:fld>
+            <a:endParaRPr kumimoji="1" lang="zh-CN" altLang="en-US">
+              <a:solidFill>
+                <a:prstClr val="black">
+                  <a:lumMod val="65000"/>
+                  <a:lumOff val="35000"/>
+                </a:prstClr>
+              </a:solidFill>
+              <a:ea typeface="宋体"/>
+            </a:endParaRPr>
+          </a:p>
+        </p:txBody>
+      </p:sp>
+      <p:sp>
+        <p:nvSpPr>
+          <p:cNvPr id="5" name="页脚占位符 4"/>
+          <p:cNvSpPr>
+            <a:spLocks noGrp="1"/>
+          </p:cNvSpPr>
+          <p:nvPr>
+            <p:ph type="ftr" sz="quarter" idx="11"/>
+          </p:nvPr>
+        </p:nvSpPr>
+        <p:spPr/>
+        <p:txBody>
+          <a:bodyPr/>
+          <a:lstStyle/>
+          <a:p>
+            <a:pPr defTabSz="457200"/>
+            <a:endParaRPr lang="zh-CN" altLang="en-US" dirty="0"/>
+          </a:p>
+        </p:txBody>
+      </p:sp>
+      <p:sp>
+        <p:nvSpPr>
+          <p:cNvPr id="6" name="灯片编号占位符 5"/>
+          <p:cNvSpPr>
+            <a:spLocks noGrp="1"/>
+          </p:cNvSpPr>
+          <p:nvPr>
+            <p:ph type="sldNum" sz="quarter" idx="12"/>
+          </p:nvPr>
+        </p:nvSpPr>
+        <p:spPr/>
+        <p:txBody>
+          <a:bodyPr/>
+          <a:lstStyle/>
+          <a:p>
+            <a:fld id="{71F1F346-3964-904C-8DB0-057A2D699FB9}" type="slidenum">
+              <a:rPr kumimoji="1" lang="zh-CN" altLang="en-US" smtClean="0">
+                <a:solidFill>
+                  <a:prstClr val="black">
+                    <a:lumMod val="65000"/>
+                    <a:lumOff val="35000"/>
+                  </a:prstClr>
+                </a:solidFill>
+                <a:ea typeface="宋体"/>
+              </a:rPr>
+              <a:pPr/>
+              <a:t>6</a:t>
+            </a:fld>
+            <a:endParaRPr kumimoji="1" lang="zh-CN" altLang="en-US">
+              <a:solidFill>
+                <a:prstClr val="black">
+                  <a:lumMod val="65000"/>
+                  <a:lumOff val="35000"/>
+                </a:prstClr>
+              </a:solidFill>
+              <a:ea typeface="宋体"/>
+            </a:endParaRPr>
+          </a:p>
+        </p:txBody>
+      </p:sp>
+    </p:spTree>
+    <p:extLst>
+      <p:ext uri="{BB962C8B-B14F-4D97-AF65-F5344CB8AC3E}">
+        <p14:creationId xmlns:p14="http://schemas.microsoft.com/office/powerpoint/2010/main" val="2166599487"/>
+      </p:ext>
+    </p:extLst>
+  </p:cSld>
+  <p:clrMapOvr>
+    <a:masterClrMapping/>
+  </p:clrMapOvr>
+  <p:timing>
+    <p:tnLst>
+      <p:par>
+        <p:cTn id="1" dur="indefinite" restart="never" nodeType="tmRoot"/>
+      </p:par>
+    </p:tnLst>
+  </p:timing>
+</p:sld>
+</file>
+
+<file path=ppt/slides/slide7.xml><?xml version="1.0" encoding="utf-8"?>
+<p:sld xmlns:a="http://schemas.openxmlformats.org/drawingml/2006/main" xmlns:r="http://schemas.openxmlformats.org/officeDocument/2006/relationships" xmlns:p="http://schemas.openxmlformats.org/presentationml/2006/main">
+  <p:cSld>
+    <p:spTree>
+      <p:nvGrpSpPr>
+        <p:cNvPr id="1" name=""/>
+        <p:cNvGrpSpPr/>
+        <p:nvPr/>
+      </p:nvGrpSpPr>
+      <p:grpSpPr>
+        <a:xfrm>
+          <a:off x="0" y="0"/>
+          <a:ext cx="0" cy="0"/>
+          <a:chOff x="0" y="0"/>
+          <a:chExt cx="0" cy="0"/>
+        </a:xfrm>
+      </p:grpSpPr>
+      <p:sp>
+        <p:nvSpPr>
+          <p:cNvPr id="2" name="标题 1"/>
+          <p:cNvSpPr>
+            <a:spLocks noGrp="1"/>
+          </p:cNvSpPr>
+          <p:nvPr>
+            <p:ph type="title"/>
+          </p:nvPr>
+        </p:nvSpPr>
+        <p:spPr/>
+        <p:txBody>
+          <a:bodyPr/>
+          <a:lstStyle/>
+          <a:p>
+            <a:r>
+              <a:rPr lang="en-US" altLang="zh-CN" dirty="0"/>
+              <a:t>Existing technology</a:t>
+            </a:r>
+            <a:endParaRPr lang="zh-CN" altLang="en-US" dirty="0"/>
+          </a:p>
+        </p:txBody>
+      </p:sp>
+      <p:sp>
+        <p:nvSpPr>
+          <p:cNvPr id="4" name="日期占位符 3"/>
+          <p:cNvSpPr>
+            <a:spLocks noGrp="1"/>
+          </p:cNvSpPr>
+          <p:nvPr>
+            <p:ph type="dt" sz="half" idx="10"/>
+          </p:nvPr>
+        </p:nvSpPr>
+        <p:spPr/>
+        <p:txBody>
+          <a:bodyPr/>
+          <a:lstStyle/>
+          <a:p>
+            <a:fld id="{FF88F899-FA6D-4737-879E-62DE3ED9162E}" type="datetime1">
+              <a:rPr kumimoji="1" lang="zh-CN" altLang="en-US" smtClean="0">
+                <a:solidFill>
+                  <a:prstClr val="black">
+                    <a:lumMod val="65000"/>
+                    <a:lumOff val="35000"/>
+                  </a:prstClr>
+                </a:solidFill>
+                <a:ea typeface="宋体"/>
+              </a:rPr>
+              <a:pPr/>
+              <a:t>2020/11/28</a:t>
+            </a:fld>
+            <a:endParaRPr kumimoji="1" lang="zh-CN" altLang="en-US">
+              <a:solidFill>
+                <a:prstClr val="black">
+                  <a:lumMod val="65000"/>
+                  <a:lumOff val="35000"/>
+                </a:prstClr>
+              </a:solidFill>
+              <a:ea typeface="宋体"/>
+            </a:endParaRPr>
+          </a:p>
+        </p:txBody>
+      </p:sp>
+      <p:sp>
+        <p:nvSpPr>
+          <p:cNvPr id="5" name="页脚占位符 4"/>
+          <p:cNvSpPr>
+            <a:spLocks noGrp="1"/>
+          </p:cNvSpPr>
+          <p:nvPr>
+            <p:ph type="ftr" sz="quarter" idx="11"/>
+          </p:nvPr>
+        </p:nvSpPr>
+        <p:spPr/>
+        <p:txBody>
+          <a:bodyPr/>
+          <a:lstStyle/>
+          <a:p>
+            <a:pPr defTabSz="457200"/>
+            <a:endParaRPr lang="zh-CN" altLang="en-US" dirty="0"/>
+          </a:p>
+        </p:txBody>
+      </p:sp>
+      <p:sp>
+        <p:nvSpPr>
+          <p:cNvPr id="6" name="灯片编号占位符 5"/>
+          <p:cNvSpPr>
+            <a:spLocks noGrp="1"/>
+          </p:cNvSpPr>
+          <p:nvPr>
+            <p:ph type="sldNum" sz="quarter" idx="12"/>
+          </p:nvPr>
+        </p:nvSpPr>
+        <p:spPr/>
+        <p:txBody>
+          <a:bodyPr/>
+          <a:lstStyle/>
+          <a:p>
+            <a:fld id="{71F1F346-3964-904C-8DB0-057A2D699FB9}" type="slidenum">
+              <a:rPr kumimoji="1" lang="zh-CN" altLang="en-US" smtClean="0">
+                <a:solidFill>
+                  <a:prstClr val="black">
+                    <a:lumMod val="65000"/>
+                    <a:lumOff val="35000"/>
+                  </a:prstClr>
+                </a:solidFill>
+                <a:ea typeface="宋体"/>
+              </a:rPr>
+              <a:pPr/>
+              <a:t>7</a:t>
+            </a:fld>
+            <a:endParaRPr kumimoji="1" lang="zh-CN" altLang="en-US">
+              <a:solidFill>
+                <a:prstClr val="black">
+                  <a:lumMod val="65000"/>
+                  <a:lumOff val="35000"/>
+                </a:prstClr>
+              </a:solidFill>
+              <a:ea typeface="宋体"/>
+            </a:endParaRPr>
+          </a:p>
+        </p:txBody>
+      </p:sp>
+      <p:graphicFrame>
+        <p:nvGraphicFramePr>
+          <p:cNvPr id="8" name="图示 7"/>
+          <p:cNvGraphicFramePr/>
+          <p:nvPr>
+            <p:extLst>
+              <p:ext uri="{D42A27DB-BD31-4B8C-83A1-F6EECF244321}">
+                <p14:modId xmlns:p14="http://schemas.microsoft.com/office/powerpoint/2010/main" val="4252105673"/>
+              </p:ext>
+            </p:extLst>
+          </p:nvPr>
+        </p:nvGraphicFramePr>
+        <p:xfrm>
+          <a:off x="467544" y="1628800"/>
+          <a:ext cx="8352928" cy="4176464"/>
+        </p:xfrm>
+        <a:graphic>
+          <a:graphicData uri="http://schemas.openxmlformats.org/drawingml/2006/diagram">
+            <dgm:relIds xmlns:dgm="http://schemas.openxmlformats.org/drawingml/2006/diagram" xmlns:r="http://schemas.openxmlformats.org/officeDocument/2006/relationships" r:dm="rId2" r:lo="rId3" r:qs="rId4" r:cs="rId5"/>
+          </a:graphicData>
+        </a:graphic>
+      </p:graphicFrame>
+    </p:spTree>
+    <p:extLst>
+      <p:ext uri="{BB962C8B-B14F-4D97-AF65-F5344CB8AC3E}">
+        <p14:creationId xmlns:p14="http://schemas.microsoft.com/office/powerpoint/2010/main" val="1508707415"/>
+      </p:ext>
+    </p:extLst>
+  </p:cSld>
+  <p:clrMapOvr>
+    <a:masterClrMapping/>
+  </p:clrMapOvr>
+  <p:timing>
+    <p:tnLst>
+      <p:par>
+        <p:cTn id="1" dur="indefinite" restart="never" nodeType="tmRoot"/>
+      </p:par>
+    </p:tnLst>
+  </p:timing>
+</p:sld>
+</file>
+
+<file path=ppt/slides/slide8.xml><?xml version="1.0" encoding="utf-8"?>
+<p:sld xmlns:a="http://schemas.openxmlformats.org/drawingml/2006/main" xmlns:r="http://schemas.openxmlformats.org/officeDocument/2006/relationships" xmlns:p="http://schemas.openxmlformats.org/presentationml/2006/main">
+  <p:cSld>
+    <p:spTree>
+      <p:nvGrpSpPr>
+        <p:cNvPr id="1" name=""/>
+        <p:cNvGrpSpPr/>
+        <p:nvPr/>
+      </p:nvGrpSpPr>
+      <p:grpSpPr>
+        <a:xfrm>
+          <a:off x="0" y="0"/>
+          <a:ext cx="0" cy="0"/>
+          <a:chOff x="0" y="0"/>
+          <a:chExt cx="0" cy="0"/>
+        </a:xfrm>
+      </p:grpSpPr>
+      <p:sp>
+        <p:nvSpPr>
           <p:cNvPr id="2" name="内容占位符 1"/>
           <p:cNvSpPr>
             <a:spLocks noGrp="1"/>
@@ -10441,10 +15560,6 @@
               </a:rPr>
               <a:t>Thank you</a:t>
             </a:r>
-            <a:endParaRPr lang="en-US" altLang="zh-CN" sz="4800" b="1" dirty="0" smtClean="0">
-              <a:latin typeface="黑体" panose="02010609060101010101" pitchFamily="49" charset="-122"/>
-              <a:cs typeface="+mj-cs"/>
-            </a:endParaRPr>
           </a:p>
         </p:txBody>
       </p:sp>

--- a/Symbolic_execution.pptx
+++ b/Symbolic_execution.pptx
@@ -6,10 +6,10 @@
     <p:sldMasterId id="2147483780" r:id="rId2"/>
   </p:sldMasterIdLst>
   <p:notesMasterIdLst>
-    <p:notesMasterId r:id="rId11"/>
+    <p:notesMasterId r:id="rId13"/>
   </p:notesMasterIdLst>
   <p:handoutMasterIdLst>
-    <p:handoutMasterId r:id="rId12"/>
+    <p:handoutMasterId r:id="rId14"/>
   </p:handoutMasterIdLst>
   <p:sldIdLst>
     <p:sldId id="554" r:id="rId3"/>
@@ -19,7 +19,9 @@
     <p:sldId id="558" r:id="rId7"/>
     <p:sldId id="559" r:id="rId8"/>
     <p:sldId id="560" r:id="rId9"/>
-    <p:sldId id="556" r:id="rId10"/>
+    <p:sldId id="563" r:id="rId10"/>
+    <p:sldId id="564" r:id="rId11"/>
+    <p:sldId id="556" r:id="rId12"/>
   </p:sldIdLst>
   <p:sldSz cx="9144000" cy="6858000" type="screen4x3"/>
   <p:notesSz cx="6797675" cy="9928225"/>
@@ -120,7 +122,7 @@
   </p:defaultTextStyle>
   <p:extLst>
     <p:ext uri="{EFAFB233-063F-42B5-8137-9DF3F51BA10A}">
-      <p15:sldGuideLst xmlns:p15="http://schemas.microsoft.com/office/powerpoint/2012/main">
+      <p15:sldGuideLst xmlns:p15="http://schemas.microsoft.com/office/powerpoint/2012/main" xmlns="">
         <p15:guide id="1" orient="horz" pos="2160">
           <p15:clr>
             <a:srgbClr val="A4A3A4"/>
@@ -134,7 +136,7 @@
       </p15:sldGuideLst>
     </p:ext>
     <p:ext uri="{2D200454-40CA-4A62-9FC3-DE9A4176ACB9}">
-      <p15:notesGuideLst xmlns:p15="http://schemas.microsoft.com/office/powerpoint/2012/main"/>
+      <p15:notesGuideLst xmlns:p15="http://schemas.microsoft.com/office/powerpoint/2012/main" xmlns=""/>
     </p:ext>
   </p:extLst>
 </p:presentation>
@@ -1272,6 +1274,13 @@
         </dgm:presLayoutVars>
       </dgm:prSet>
       <dgm:spPr/>
+      <dgm:t>
+        <a:bodyPr/>
+        <a:lstStyle/>
+        <a:p>
+          <a:endParaRPr lang="zh-CN" altLang="en-US"/>
+        </a:p>
+      </dgm:t>
     </dgm:pt>
     <dgm:pt modelId="{DCAFE75F-3180-4597-942E-BBE60505CA2C}" type="pres">
       <dgm:prSet presAssocID="{3776A631-3A5C-4A45-AAA1-9A83DB9BB2B4}" presName="upArrow" presStyleLbl="node1" presStyleIdx="0" presStyleCnt="2" custScaleX="68808"/>
@@ -1324,23 +1333,23 @@
     </dgm:pt>
   </dgm:ptLst>
   <dgm:cxnLst>
+    <dgm:cxn modelId="{9C3AD6D8-20BB-432E-8677-F1B302872B0E}" type="presOf" srcId="{F023FB2D-615F-49FB-B932-A835539B633A}" destId="{65D123C8-C28A-43FC-A1D1-EC1A1AAA1D0D}" srcOrd="0" destOrd="2" presId="urn:microsoft.com/office/officeart/2005/8/layout/arrow4"/>
+    <dgm:cxn modelId="{2DA33D83-A486-4DBF-AAD4-027FE6428D8C}" type="presOf" srcId="{9500F054-E821-4CE4-A78F-163684229BEF}" destId="{65D123C8-C28A-43FC-A1D1-EC1A1AAA1D0D}" srcOrd="0" destOrd="1" presId="urn:microsoft.com/office/officeart/2005/8/layout/arrow4"/>
+    <dgm:cxn modelId="{64364F7E-2B30-4537-A41E-EB65227FEBE0}" srcId="{C613176E-2E07-4982-AE61-58047C88A5E0}" destId="{3776A631-3A5C-4A45-AAA1-9A83DB9BB2B4}" srcOrd="0" destOrd="0" parTransId="{37169DBE-07E0-40F0-8E8B-6BE5C9000CD6}" sibTransId="{1C61A887-F32A-4DB6-9CB7-E9105CF133EE}"/>
+    <dgm:cxn modelId="{7BBEAA23-584D-4A1C-8311-C0E9E6CBA3A7}" type="presOf" srcId="{FAA59F73-6FA0-49D5-8348-D14E1B279350}" destId="{D0B9CC40-12C0-4884-9089-BF414A745106}" srcOrd="0" destOrd="3" presId="urn:microsoft.com/office/officeart/2005/8/layout/arrow4"/>
+    <dgm:cxn modelId="{8F1A1E50-BBF0-464D-811A-982C2CAE586C}" srcId="{3776A631-3A5C-4A45-AAA1-9A83DB9BB2B4}" destId="{24E5BDE8-7AD9-4252-B145-1D56807EB9A4}" srcOrd="1" destOrd="0" parTransId="{8F06EAF3-9191-46BD-981D-F07244E13DF0}" sibTransId="{1D3B26D8-8EBD-49D2-B20B-F604159AC195}"/>
     <dgm:cxn modelId="{BE71F4C1-1B07-443B-A5B3-2C137FF4CFA0}" type="presOf" srcId="{1A65B431-B0C5-475B-AACB-EE64CDB5542D}" destId="{65D123C8-C28A-43FC-A1D1-EC1A1AAA1D0D}" srcOrd="0" destOrd="0" presId="urn:microsoft.com/office/officeart/2005/8/layout/arrow4"/>
-    <dgm:cxn modelId="{75179168-990B-4374-B908-5B3E2EE90FF2}" srcId="{3776A631-3A5C-4A45-AAA1-9A83DB9BB2B4}" destId="{7DC5BBA1-86D5-4E4E-9561-2161DF6F0C50}" srcOrd="0" destOrd="0" parTransId="{93B6163C-037E-45AE-8479-BAEE85E7E82B}" sibTransId="{DB7AA6EA-FAA9-4CE8-8F75-DB00225B99ED}"/>
     <dgm:cxn modelId="{A4834247-60D1-4B44-88FF-503376569106}" type="presOf" srcId="{AB150DB6-D2F2-4EF8-BD47-A1DE4EA9EAC7}" destId="{65D123C8-C28A-43FC-A1D1-EC1A1AAA1D0D}" srcOrd="0" destOrd="3" presId="urn:microsoft.com/office/officeart/2005/8/layout/arrow4"/>
-    <dgm:cxn modelId="{9C3AD6D8-20BB-432E-8677-F1B302872B0E}" type="presOf" srcId="{F023FB2D-615F-49FB-B932-A835539B633A}" destId="{65D123C8-C28A-43FC-A1D1-EC1A1AAA1D0D}" srcOrd="0" destOrd="2" presId="urn:microsoft.com/office/officeart/2005/8/layout/arrow4"/>
-    <dgm:cxn modelId="{0C001998-8F3B-49F5-8BC4-CA67A830B774}" srcId="{3776A631-3A5C-4A45-AAA1-9A83DB9BB2B4}" destId="{FAA59F73-6FA0-49D5-8348-D14E1B279350}" srcOrd="2" destOrd="0" parTransId="{70769DCF-F5D8-4663-8B5D-9320981ED2B5}" sibTransId="{BE0C9C65-B01A-4FED-B942-1B5AFB142579}"/>
-    <dgm:cxn modelId="{64364F7E-2B30-4537-A41E-EB65227FEBE0}" srcId="{C613176E-2E07-4982-AE61-58047C88A5E0}" destId="{3776A631-3A5C-4A45-AAA1-9A83DB9BB2B4}" srcOrd="0" destOrd="0" parTransId="{37169DBE-07E0-40F0-8E8B-6BE5C9000CD6}" sibTransId="{1C61A887-F32A-4DB6-9CB7-E9105CF133EE}"/>
-    <dgm:cxn modelId="{4B8B0CE1-B669-4226-9D35-60E76A01C7BF}" type="presOf" srcId="{24E5BDE8-7AD9-4252-B145-1D56807EB9A4}" destId="{D0B9CC40-12C0-4884-9089-BF414A745106}" srcOrd="0" destOrd="2" presId="urn:microsoft.com/office/officeart/2005/8/layout/arrow4"/>
+    <dgm:cxn modelId="{9E12A3B4-70C7-4EB8-B3B8-851C759F4C27}" srcId="{1A65B431-B0C5-475B-AACB-EE64CDB5542D}" destId="{9500F054-E821-4CE4-A78F-163684229BEF}" srcOrd="0" destOrd="0" parTransId="{F66A73F2-4553-4D56-967B-58A32857A51B}" sibTransId="{CB5FA6AF-1507-4ED6-88F9-6ED52D974ACA}"/>
     <dgm:cxn modelId="{2CB4332C-506A-4A72-9E0B-2366C269D619}" srcId="{C613176E-2E07-4982-AE61-58047C88A5E0}" destId="{1A65B431-B0C5-475B-AACB-EE64CDB5542D}" srcOrd="1" destOrd="0" parTransId="{CFD36D27-6F9B-49FF-99D7-7DD05A0F3D83}" sibTransId="{9F15F78E-CFEB-4BD5-AE3C-CF1E170551E9}"/>
-    <dgm:cxn modelId="{150A3DA9-7B4E-4F13-B2E2-0CE320C795FB}" type="presOf" srcId="{C613176E-2E07-4982-AE61-58047C88A5E0}" destId="{F9200D61-E392-48B8-B25E-28C9E78F45C8}" srcOrd="0" destOrd="0" presId="urn:microsoft.com/office/officeart/2005/8/layout/arrow4"/>
-    <dgm:cxn modelId="{4B65A473-4FBC-492E-9E55-A78F054735B8}" srcId="{1A65B431-B0C5-475B-AACB-EE64CDB5542D}" destId="{F023FB2D-615F-49FB-B932-A835539B633A}" srcOrd="1" destOrd="0" parTransId="{84B950E6-F17C-424D-B81D-E741E2F979B4}" sibTransId="{C02F31EC-CAE8-4139-8E0C-B42D3B042F9A}"/>
-    <dgm:cxn modelId="{7BBEAA23-584D-4A1C-8311-C0E9E6CBA3A7}" type="presOf" srcId="{FAA59F73-6FA0-49D5-8348-D14E1B279350}" destId="{D0B9CC40-12C0-4884-9089-BF414A745106}" srcOrd="0" destOrd="3" presId="urn:microsoft.com/office/officeart/2005/8/layout/arrow4"/>
-    <dgm:cxn modelId="{2DA33D83-A486-4DBF-AAD4-027FE6428D8C}" type="presOf" srcId="{9500F054-E821-4CE4-A78F-163684229BEF}" destId="{65D123C8-C28A-43FC-A1D1-EC1A1AAA1D0D}" srcOrd="0" destOrd="1" presId="urn:microsoft.com/office/officeart/2005/8/layout/arrow4"/>
-    <dgm:cxn modelId="{9E12A3B4-70C7-4EB8-B3B8-851C759F4C27}" srcId="{1A65B431-B0C5-475B-AACB-EE64CDB5542D}" destId="{9500F054-E821-4CE4-A78F-163684229BEF}" srcOrd="0" destOrd="0" parTransId="{F66A73F2-4553-4D56-967B-58A32857A51B}" sibTransId="{CB5FA6AF-1507-4ED6-88F9-6ED52D974ACA}"/>
-    <dgm:cxn modelId="{8F1A1E50-BBF0-464D-811A-982C2CAE586C}" srcId="{3776A631-3A5C-4A45-AAA1-9A83DB9BB2B4}" destId="{24E5BDE8-7AD9-4252-B145-1D56807EB9A4}" srcOrd="1" destOrd="0" parTransId="{8F06EAF3-9191-46BD-981D-F07244E13DF0}" sibTransId="{1D3B26D8-8EBD-49D2-B20B-F604159AC195}"/>
-    <dgm:cxn modelId="{F45D9E64-B6B5-4FCE-8F7D-9355626CBEEB}" srcId="{1A65B431-B0C5-475B-AACB-EE64CDB5542D}" destId="{AB150DB6-D2F2-4EF8-BD47-A1DE4EA9EAC7}" srcOrd="2" destOrd="0" parTransId="{D632890A-DFEB-4F2F-B9E4-C2C0177B3A32}" sibTransId="{4F8154F9-CBA6-441C-AE49-ECE3A500577C}"/>
     <dgm:cxn modelId="{60C8BBD6-F960-4FEF-BF82-068C183722CA}" type="presOf" srcId="{3776A631-3A5C-4A45-AAA1-9A83DB9BB2B4}" destId="{D0B9CC40-12C0-4884-9089-BF414A745106}" srcOrd="0" destOrd="0" presId="urn:microsoft.com/office/officeart/2005/8/layout/arrow4"/>
     <dgm:cxn modelId="{C7BBCB7E-7826-42D0-839D-07C845CAD9F3}" type="presOf" srcId="{7DC5BBA1-86D5-4E4E-9561-2161DF6F0C50}" destId="{D0B9CC40-12C0-4884-9089-BF414A745106}" srcOrd="0" destOrd="1" presId="urn:microsoft.com/office/officeart/2005/8/layout/arrow4"/>
+    <dgm:cxn modelId="{75179168-990B-4374-B908-5B3E2EE90FF2}" srcId="{3776A631-3A5C-4A45-AAA1-9A83DB9BB2B4}" destId="{7DC5BBA1-86D5-4E4E-9561-2161DF6F0C50}" srcOrd="0" destOrd="0" parTransId="{93B6163C-037E-45AE-8479-BAEE85E7E82B}" sibTransId="{DB7AA6EA-FAA9-4CE8-8F75-DB00225B99ED}"/>
+    <dgm:cxn modelId="{F45D9E64-B6B5-4FCE-8F7D-9355626CBEEB}" srcId="{1A65B431-B0C5-475B-AACB-EE64CDB5542D}" destId="{AB150DB6-D2F2-4EF8-BD47-A1DE4EA9EAC7}" srcOrd="2" destOrd="0" parTransId="{D632890A-DFEB-4F2F-B9E4-C2C0177B3A32}" sibTransId="{4F8154F9-CBA6-441C-AE49-ECE3A500577C}"/>
+    <dgm:cxn modelId="{4B8B0CE1-B669-4226-9D35-60E76A01C7BF}" type="presOf" srcId="{24E5BDE8-7AD9-4252-B145-1D56807EB9A4}" destId="{D0B9CC40-12C0-4884-9089-BF414A745106}" srcOrd="0" destOrd="2" presId="urn:microsoft.com/office/officeart/2005/8/layout/arrow4"/>
+    <dgm:cxn modelId="{150A3DA9-7B4E-4F13-B2E2-0CE320C795FB}" type="presOf" srcId="{C613176E-2E07-4982-AE61-58047C88A5E0}" destId="{F9200D61-E392-48B8-B25E-28C9E78F45C8}" srcOrd="0" destOrd="0" presId="urn:microsoft.com/office/officeart/2005/8/layout/arrow4"/>
+    <dgm:cxn modelId="{0C001998-8F3B-49F5-8BC4-CA67A830B774}" srcId="{3776A631-3A5C-4A45-AAA1-9A83DB9BB2B4}" destId="{FAA59F73-6FA0-49D5-8348-D14E1B279350}" srcOrd="2" destOrd="0" parTransId="{70769DCF-F5D8-4663-8B5D-9320981ED2B5}" sibTransId="{BE0C9C65-B01A-4FED-B942-1B5AFB142579}"/>
+    <dgm:cxn modelId="{4B65A473-4FBC-492E-9E55-A78F054735B8}" srcId="{1A65B431-B0C5-475B-AACB-EE64CDB5542D}" destId="{F023FB2D-615F-49FB-B932-A835539B633A}" srcOrd="1" destOrd="0" parTransId="{84B950E6-F17C-424D-B81D-E741E2F979B4}" sibTransId="{C02F31EC-CAE8-4139-8E0C-B42D3B042F9A}"/>
     <dgm:cxn modelId="{1B9C6B89-09D9-45A4-B7CA-EEB574021257}" type="presParOf" srcId="{F9200D61-E392-48B8-B25E-28C9E78F45C8}" destId="{DCAFE75F-3180-4597-942E-BBE60505CA2C}" srcOrd="0" destOrd="0" presId="urn:microsoft.com/office/officeart/2005/8/layout/arrow4"/>
     <dgm:cxn modelId="{64211888-5F80-448A-8395-C487D4D74864}" type="presParOf" srcId="{F9200D61-E392-48B8-B25E-28C9E78F45C8}" destId="{D0B9CC40-12C0-4884-9089-BF414A745106}" srcOrd="1" destOrd="0" presId="urn:microsoft.com/office/officeart/2005/8/layout/arrow4"/>
     <dgm:cxn modelId="{7C3B499B-334B-490A-8F7B-42629EF55049}" type="presParOf" srcId="{F9200D61-E392-48B8-B25E-28C9E78F45C8}" destId="{4BAE9C4C-C067-4ACA-90F8-43824D4833A2}" srcOrd="2" destOrd="0" presId="urn:microsoft.com/office/officeart/2005/8/layout/arrow4"/>
@@ -1350,14 +1359,14 @@
   <dgm:whole/>
   <dgm:extLst>
     <a:ext uri="http://schemas.microsoft.com/office/drawing/2008/diagram">
-      <dsp:dataModelExt xmlns:dsp="http://schemas.microsoft.com/office/drawing/2008/diagram" relId="rId6" minVer="http://schemas.openxmlformats.org/drawingml/2006/diagram"/>
+      <dsp:dataModelExt xmlns:dsp="http://schemas.microsoft.com/office/drawing/2008/diagram" xmlns="" relId="rId6" minVer="http://schemas.openxmlformats.org/drawingml/2006/diagram"/>
     </a:ext>
   </dgm:extLst>
 </dgm:dataModel>
 </file>
 
 <file path=ppt/diagrams/drawing1.xml><?xml version="1.0" encoding="utf-8"?>
-<dsp:drawing xmlns:dgm="http://schemas.openxmlformats.org/drawingml/2006/diagram" xmlns:dsp="http://schemas.microsoft.com/office/drawing/2008/diagram" xmlns:a="http://schemas.openxmlformats.org/drawingml/2006/main">
+<dsp:drawing xmlns:dgm="http://schemas.openxmlformats.org/drawingml/2006/diagram" xmlns:a="http://schemas.openxmlformats.org/drawingml/2006/main" xmlns:dsp="http://schemas.microsoft.com/office/drawing/2008/diagram">
   <dsp:spTree>
     <dsp:nvGrpSpPr>
       <dsp:cNvPr id="0" name=""/>
@@ -3214,7 +3223,7 @@
     </p:spTree>
     <p:extLst>
       <p:ext uri="{BB962C8B-B14F-4D97-AF65-F5344CB8AC3E}">
-        <p14:creationId xmlns:p14="http://schemas.microsoft.com/office/powerpoint/2010/main" val="3491659132"/>
+        <p14:creationId xmlns:p14="http://schemas.microsoft.com/office/powerpoint/2010/main" xmlns="" val="3491659132"/>
       </p:ext>
     </p:extLst>
   </p:cSld>
@@ -3474,7 +3483,7 @@
     </p:spTree>
     <p:extLst>
       <p:ext uri="{BB962C8B-B14F-4D97-AF65-F5344CB8AC3E}">
-        <p14:creationId xmlns:p14="http://schemas.microsoft.com/office/powerpoint/2010/main" val="42825475"/>
+        <p14:creationId xmlns:p14="http://schemas.microsoft.com/office/powerpoint/2010/main" xmlns="" val="42825475"/>
       </p:ext>
     </p:extLst>
   </p:cSld>
@@ -3671,7 +3680,7 @@
     </p:spTree>
     <p:extLst>
       <p:ext uri="{BB962C8B-B14F-4D97-AF65-F5344CB8AC3E}">
-        <p14:creationId xmlns:p14="http://schemas.microsoft.com/office/powerpoint/2010/main" val="3867849981"/>
+        <p14:creationId xmlns:p14="http://schemas.microsoft.com/office/powerpoint/2010/main" xmlns="" val="3867849981"/>
       </p:ext>
     </p:extLst>
   </p:cSld>
@@ -3760,7 +3769,7 @@
     </p:spTree>
     <p:extLst>
       <p:ext uri="{BB962C8B-B14F-4D97-AF65-F5344CB8AC3E}">
-        <p14:creationId xmlns:p14="http://schemas.microsoft.com/office/powerpoint/2010/main" val="3675417392"/>
+        <p14:creationId xmlns:p14="http://schemas.microsoft.com/office/powerpoint/2010/main" xmlns="" val="3675417392"/>
       </p:ext>
     </p:extLst>
   </p:cSld>
@@ -3836,7 +3845,7 @@
             <a:fld id="{0FE05C2F-C2D0-41D0-B081-206A7C6C3DAB}" type="slidenum">
               <a:rPr lang="zh-CN" altLang="en-US" smtClean="0"/>
               <a:pPr/>
-              <a:t>8</a:t>
+              <a:t>10</a:t>
             </a:fld>
             <a:endParaRPr lang="zh-CN" altLang="en-US"/>
           </a:p>
@@ -3845,7 +3854,7 @@
     </p:spTree>
     <p:extLst>
       <p:ext uri="{BB962C8B-B14F-4D97-AF65-F5344CB8AC3E}">
-        <p14:creationId xmlns:p14="http://schemas.microsoft.com/office/powerpoint/2010/main" val="1804488959"/>
+        <p14:creationId xmlns:p14="http://schemas.microsoft.com/office/powerpoint/2010/main" xmlns="" val="1804488959"/>
       </p:ext>
     </p:extLst>
   </p:cSld>
@@ -4912,7 +4921,7 @@
             </a:clrChange>
             <a:extLst>
               <a:ext uri="{28A0092B-C50C-407E-A947-70E740481C1C}">
-                <a14:useLocalDpi xmlns:a14="http://schemas.microsoft.com/office/drawing/2010/main" val="0"/>
+                <a14:useLocalDpi xmlns:a14="http://schemas.microsoft.com/office/drawing/2010/main" xmlns="" val="0"/>
               </a:ext>
             </a:extLst>
           </a:blip>
@@ -4932,7 +4941,7 @@
           <a:noFill/>
           <a:extLst>
             <a:ext uri="{909E8E84-426E-40DD-AFC4-6F175D3DCCD1}">
-              <a14:hiddenFill xmlns:a14="http://schemas.microsoft.com/office/drawing/2010/main">
+              <a14:hiddenFill xmlns:a14="http://schemas.microsoft.com/office/drawing/2010/main" xmlns="">
                 <a:solidFill>
                   <a:srgbClr val="FFFFFF"/>
                 </a:solidFill>
@@ -4960,7 +4969,7 @@
             </a:duotone>
             <a:extLst>
               <a:ext uri="{28A0092B-C50C-407E-A947-70E740481C1C}">
-                <a14:useLocalDpi xmlns:a14="http://schemas.microsoft.com/office/drawing/2010/main" val="0"/>
+                <a14:useLocalDpi xmlns:a14="http://schemas.microsoft.com/office/drawing/2010/main" xmlns="" val="0"/>
               </a:ext>
             </a:extLst>
           </a:blip>
@@ -4980,7 +4989,7 @@
           <a:noFill/>
           <a:extLst>
             <a:ext uri="{909E8E84-426E-40DD-AFC4-6F175D3DCCD1}">
-              <a14:hiddenFill xmlns:a14="http://schemas.microsoft.com/office/drawing/2010/main">
+              <a14:hiddenFill xmlns:a14="http://schemas.microsoft.com/office/drawing/2010/main" xmlns="">
                 <a:solidFill>
                   <a:srgbClr val="FFFFFF"/>
                 </a:solidFill>
@@ -5001,7 +5010,7 @@
           <a:blip r:embed="rId4" cstate="print">
             <a:extLst>
               <a:ext uri="{28A0092B-C50C-407E-A947-70E740481C1C}">
-                <a14:useLocalDpi xmlns:a14="http://schemas.microsoft.com/office/drawing/2010/main" val="0"/>
+                <a14:useLocalDpi xmlns:a14="http://schemas.microsoft.com/office/drawing/2010/main" xmlns="" val="0"/>
               </a:ext>
             </a:extLst>
           </a:blip>
@@ -5022,20 +5031,20 @@
     </p:spTree>
     <p:extLst>
       <p:ext uri="{BB962C8B-B14F-4D97-AF65-F5344CB8AC3E}">
-        <p14:creationId xmlns:p14="http://schemas.microsoft.com/office/powerpoint/2010/main" val="3580256527"/>
+        <p14:creationId xmlns:p14="http://schemas.microsoft.com/office/powerpoint/2010/main" xmlns="" val="3580256527"/>
       </p:ext>
     </p:extLst>
   </p:cSld>
   <p:clrMapOvr>
     <a:masterClrMapping/>
   </p:clrMapOvr>
-  <mc:AlternateContent xmlns:mc="http://schemas.openxmlformats.org/markup-compatibility/2006" xmlns:p14="http://schemas.microsoft.com/office/powerpoint/2010/main">
-    <mc:Choice Requires="p14">
+  <mc:AlternateContent xmlns:mc="http://schemas.openxmlformats.org/markup-compatibility/2006">
+    <mc:Choice xmlns:p14="http://schemas.microsoft.com/office/powerpoint/2010/main" xmlns="" Requires="p14">
       <p:transition spd="med" p14:dur="700">
         <p:fade/>
       </p:transition>
     </mc:Choice>
-    <mc:Fallback xmlns="">
+    <mc:Fallback>
       <p:transition spd="med">
         <p:fade/>
       </p:transition>
@@ -5392,7 +5401,7 @@
           <a:blip r:embed="rId2" cstate="print">
             <a:extLst>
               <a:ext uri="{28A0092B-C50C-407E-A947-70E740481C1C}">
-                <a14:useLocalDpi xmlns:a14="http://schemas.microsoft.com/office/drawing/2010/main" val="0"/>
+                <a14:useLocalDpi xmlns:a14="http://schemas.microsoft.com/office/drawing/2010/main" xmlns="" val="0"/>
               </a:ext>
             </a:extLst>
           </a:blip>
@@ -5413,20 +5422,20 @@
     </p:spTree>
     <p:extLst>
       <p:ext uri="{BB962C8B-B14F-4D97-AF65-F5344CB8AC3E}">
-        <p14:creationId xmlns:p14="http://schemas.microsoft.com/office/powerpoint/2010/main" val="8597632"/>
+        <p14:creationId xmlns:p14="http://schemas.microsoft.com/office/powerpoint/2010/main" xmlns="" val="8597632"/>
       </p:ext>
     </p:extLst>
   </p:cSld>
   <p:clrMapOvr>
     <a:masterClrMapping/>
   </p:clrMapOvr>
-  <mc:AlternateContent xmlns:mc="http://schemas.openxmlformats.org/markup-compatibility/2006" xmlns:p14="http://schemas.microsoft.com/office/powerpoint/2010/main">
-    <mc:Choice Requires="p14">
+  <mc:AlternateContent xmlns:mc="http://schemas.openxmlformats.org/markup-compatibility/2006">
+    <mc:Choice xmlns:p14="http://schemas.microsoft.com/office/powerpoint/2010/main" xmlns="" Requires="p14">
       <p:transition spd="med" p14:dur="700">
         <p:fade/>
       </p:transition>
     </mc:Choice>
-    <mc:Fallback xmlns="">
+    <mc:Fallback>
       <p:transition spd="med">
         <p:fade/>
       </p:transition>
@@ -5918,20 +5927,20 @@
     </p:spTree>
     <p:extLst>
       <p:ext uri="{BB962C8B-B14F-4D97-AF65-F5344CB8AC3E}">
-        <p14:creationId xmlns:p14="http://schemas.microsoft.com/office/powerpoint/2010/main" val="3808301644"/>
+        <p14:creationId xmlns:p14="http://schemas.microsoft.com/office/powerpoint/2010/main" xmlns="" val="3808301644"/>
       </p:ext>
     </p:extLst>
   </p:cSld>
   <p:clrMapOvr>
     <a:masterClrMapping/>
   </p:clrMapOvr>
-  <mc:AlternateContent xmlns:mc="http://schemas.openxmlformats.org/markup-compatibility/2006" xmlns:p14="http://schemas.microsoft.com/office/powerpoint/2010/main">
-    <mc:Choice Requires="p14">
+  <mc:AlternateContent xmlns:mc="http://schemas.openxmlformats.org/markup-compatibility/2006">
+    <mc:Choice xmlns:p14="http://schemas.microsoft.com/office/powerpoint/2010/main" xmlns="" Requires="p14">
       <p:transition spd="med" p14:dur="700">
         <p:fade/>
       </p:transition>
     </mc:Choice>
-    <mc:Fallback xmlns="">
+    <mc:Fallback>
       <p:transition spd="med">
         <p:fade/>
       </p:transition>
@@ -6235,20 +6244,20 @@
     </p:spTree>
     <p:extLst>
       <p:ext uri="{BB962C8B-B14F-4D97-AF65-F5344CB8AC3E}">
-        <p14:creationId xmlns:p14="http://schemas.microsoft.com/office/powerpoint/2010/main" val="3215307960"/>
+        <p14:creationId xmlns:p14="http://schemas.microsoft.com/office/powerpoint/2010/main" xmlns="" val="3215307960"/>
       </p:ext>
     </p:extLst>
   </p:cSld>
   <p:clrMapOvr>
     <a:masterClrMapping/>
   </p:clrMapOvr>
-  <mc:AlternateContent xmlns:mc="http://schemas.openxmlformats.org/markup-compatibility/2006" xmlns:p14="http://schemas.microsoft.com/office/powerpoint/2010/main">
-    <mc:Choice Requires="p14">
+  <mc:AlternateContent xmlns:mc="http://schemas.openxmlformats.org/markup-compatibility/2006">
+    <mc:Choice xmlns:p14="http://schemas.microsoft.com/office/powerpoint/2010/main" xmlns="" Requires="p14">
       <p:transition spd="med" p14:dur="700">
         <p:fade/>
       </p:transition>
     </mc:Choice>
-    <mc:Fallback xmlns="">
+    <mc:Fallback>
       <p:transition spd="med">
         <p:fade/>
       </p:transition>
@@ -6658,20 +6667,20 @@
     </p:spTree>
     <p:extLst>
       <p:ext uri="{BB962C8B-B14F-4D97-AF65-F5344CB8AC3E}">
-        <p14:creationId xmlns:p14="http://schemas.microsoft.com/office/powerpoint/2010/main" val="1172086531"/>
+        <p14:creationId xmlns:p14="http://schemas.microsoft.com/office/powerpoint/2010/main" xmlns="" val="1172086531"/>
       </p:ext>
     </p:extLst>
   </p:cSld>
   <p:clrMapOvr>
     <a:masterClrMapping/>
   </p:clrMapOvr>
-  <mc:AlternateContent xmlns:mc="http://schemas.openxmlformats.org/markup-compatibility/2006" xmlns:p14="http://schemas.microsoft.com/office/powerpoint/2010/main">
-    <mc:Choice Requires="p14">
+  <mc:AlternateContent xmlns:mc="http://schemas.openxmlformats.org/markup-compatibility/2006">
+    <mc:Choice xmlns:p14="http://schemas.microsoft.com/office/powerpoint/2010/main" xmlns="" Requires="p14">
       <p:transition spd="med" p14:dur="700">
         <p:fade/>
       </p:transition>
     </mc:Choice>
-    <mc:Fallback xmlns="">
+    <mc:Fallback>
       <p:transition spd="med">
         <p:fade/>
       </p:transition>
@@ -6843,20 +6852,20 @@
     </p:spTree>
     <p:extLst>
       <p:ext uri="{BB962C8B-B14F-4D97-AF65-F5344CB8AC3E}">
-        <p14:creationId xmlns:p14="http://schemas.microsoft.com/office/powerpoint/2010/main" val="1326722798"/>
+        <p14:creationId xmlns:p14="http://schemas.microsoft.com/office/powerpoint/2010/main" xmlns="" val="1326722798"/>
       </p:ext>
     </p:extLst>
   </p:cSld>
   <p:clrMapOvr>
     <a:masterClrMapping/>
   </p:clrMapOvr>
-  <mc:AlternateContent xmlns:mc="http://schemas.openxmlformats.org/markup-compatibility/2006" xmlns:p14="http://schemas.microsoft.com/office/powerpoint/2010/main">
-    <mc:Choice Requires="p14">
+  <mc:AlternateContent xmlns:mc="http://schemas.openxmlformats.org/markup-compatibility/2006">
+    <mc:Choice xmlns:p14="http://schemas.microsoft.com/office/powerpoint/2010/main" xmlns="" Requires="p14">
       <p:transition spd="med" p14:dur="700">
         <p:fade/>
       </p:transition>
     </mc:Choice>
-    <mc:Fallback xmlns="">
+    <mc:Fallback>
       <p:transition spd="med">
         <p:fade/>
       </p:transition>
@@ -6997,20 +7006,20 @@
     </p:spTree>
     <p:extLst>
       <p:ext uri="{BB962C8B-B14F-4D97-AF65-F5344CB8AC3E}">
-        <p14:creationId xmlns:p14="http://schemas.microsoft.com/office/powerpoint/2010/main" val="796909310"/>
+        <p14:creationId xmlns:p14="http://schemas.microsoft.com/office/powerpoint/2010/main" xmlns="" val="796909310"/>
       </p:ext>
     </p:extLst>
   </p:cSld>
   <p:clrMapOvr>
     <a:masterClrMapping/>
   </p:clrMapOvr>
-  <mc:AlternateContent xmlns:mc="http://schemas.openxmlformats.org/markup-compatibility/2006" xmlns:p14="http://schemas.microsoft.com/office/powerpoint/2010/main">
-    <mc:Choice Requires="p14">
+  <mc:AlternateContent xmlns:mc="http://schemas.openxmlformats.org/markup-compatibility/2006">
+    <mc:Choice xmlns:p14="http://schemas.microsoft.com/office/powerpoint/2010/main" xmlns="" Requires="p14">
       <p:transition spd="med" p14:dur="700">
         <p:fade/>
       </p:transition>
     </mc:Choice>
-    <mc:Fallback xmlns="">
+    <mc:Fallback>
       <p:transition spd="med">
         <p:fade/>
       </p:transition>
@@ -7343,20 +7352,20 @@
     </p:spTree>
     <p:extLst>
       <p:ext uri="{BB962C8B-B14F-4D97-AF65-F5344CB8AC3E}">
-        <p14:creationId xmlns:p14="http://schemas.microsoft.com/office/powerpoint/2010/main" val="3738623974"/>
+        <p14:creationId xmlns:p14="http://schemas.microsoft.com/office/powerpoint/2010/main" xmlns="" val="3738623974"/>
       </p:ext>
     </p:extLst>
   </p:cSld>
   <p:clrMapOvr>
     <a:masterClrMapping/>
   </p:clrMapOvr>
-  <mc:AlternateContent xmlns:mc="http://schemas.openxmlformats.org/markup-compatibility/2006" xmlns:p14="http://schemas.microsoft.com/office/powerpoint/2010/main">
-    <mc:Choice Requires="p14">
+  <mc:AlternateContent xmlns:mc="http://schemas.openxmlformats.org/markup-compatibility/2006">
+    <mc:Choice xmlns:p14="http://schemas.microsoft.com/office/powerpoint/2010/main" xmlns="" Requires="p14">
       <p:transition spd="med" p14:dur="700">
         <p:fade/>
       </p:transition>
     </mc:Choice>
-    <mc:Fallback xmlns="">
+    <mc:Fallback>
       <p:transition spd="med">
         <p:fade/>
       </p:transition>
@@ -7960,20 +7969,20 @@
     </p:spTree>
     <p:extLst>
       <p:ext uri="{BB962C8B-B14F-4D97-AF65-F5344CB8AC3E}">
-        <p14:creationId xmlns:p14="http://schemas.microsoft.com/office/powerpoint/2010/main" val="447198579"/>
+        <p14:creationId xmlns:p14="http://schemas.microsoft.com/office/powerpoint/2010/main" xmlns="" val="447198579"/>
       </p:ext>
     </p:extLst>
   </p:cSld>
   <p:clrMapOvr>
     <a:masterClrMapping/>
   </p:clrMapOvr>
-  <mc:AlternateContent xmlns:mc="http://schemas.openxmlformats.org/markup-compatibility/2006" xmlns:p14="http://schemas.microsoft.com/office/powerpoint/2010/main">
-    <mc:Choice Requires="p14">
+  <mc:AlternateContent xmlns:mc="http://schemas.openxmlformats.org/markup-compatibility/2006">
+    <mc:Choice xmlns:p14="http://schemas.microsoft.com/office/powerpoint/2010/main" xmlns="" Requires="p14">
       <p:transition spd="med" p14:dur="700">
         <p:fade/>
       </p:transition>
     </mc:Choice>
-    <mc:Fallback xmlns="">
+    <mc:Fallback>
       <p:transition spd="med">
         <p:fade/>
       </p:transition>
@@ -8187,20 +8196,20 @@
     </p:spTree>
     <p:extLst>
       <p:ext uri="{BB962C8B-B14F-4D97-AF65-F5344CB8AC3E}">
-        <p14:creationId xmlns:p14="http://schemas.microsoft.com/office/powerpoint/2010/main" val="3000633228"/>
+        <p14:creationId xmlns:p14="http://schemas.microsoft.com/office/powerpoint/2010/main" xmlns="" val="3000633228"/>
       </p:ext>
     </p:extLst>
   </p:cSld>
   <p:clrMapOvr>
     <a:masterClrMapping/>
   </p:clrMapOvr>
-  <mc:AlternateContent xmlns:mc="http://schemas.openxmlformats.org/markup-compatibility/2006" xmlns:p14="http://schemas.microsoft.com/office/powerpoint/2010/main">
-    <mc:Choice Requires="p14">
+  <mc:AlternateContent xmlns:mc="http://schemas.openxmlformats.org/markup-compatibility/2006">
+    <mc:Choice xmlns:p14="http://schemas.microsoft.com/office/powerpoint/2010/main" xmlns="" Requires="p14">
       <p:transition spd="med" p14:dur="700">
         <p:fade/>
       </p:transition>
     </mc:Choice>
-    <mc:Fallback xmlns="">
+    <mc:Fallback>
       <p:transition spd="med">
         <p:fade/>
       </p:transition>
@@ -8424,20 +8433,20 @@
     </p:spTree>
     <p:extLst>
       <p:ext uri="{BB962C8B-B14F-4D97-AF65-F5344CB8AC3E}">
-        <p14:creationId xmlns:p14="http://schemas.microsoft.com/office/powerpoint/2010/main" val="1082700791"/>
+        <p14:creationId xmlns:p14="http://schemas.microsoft.com/office/powerpoint/2010/main" xmlns="" val="1082700791"/>
       </p:ext>
     </p:extLst>
   </p:cSld>
   <p:clrMapOvr>
     <a:masterClrMapping/>
   </p:clrMapOvr>
-  <mc:AlternateContent xmlns:mc="http://schemas.openxmlformats.org/markup-compatibility/2006" xmlns:p14="http://schemas.microsoft.com/office/powerpoint/2010/main">
-    <mc:Choice Requires="p14">
+  <mc:AlternateContent xmlns:mc="http://schemas.openxmlformats.org/markup-compatibility/2006">
+    <mc:Choice xmlns:p14="http://schemas.microsoft.com/office/powerpoint/2010/main" xmlns="" Requires="p14">
       <p:transition spd="med" p14:dur="700">
         <p:fade/>
       </p:transition>
     </mc:Choice>
-    <mc:Fallback xmlns="">
+    <mc:Fallback>
       <p:transition spd="med">
         <p:fade/>
       </p:transition>
@@ -11601,7 +11610,7 @@
     </p:spTree>
     <p:extLst>
       <p:ext uri="{BB962C8B-B14F-4D97-AF65-F5344CB8AC3E}">
-        <p14:creationId xmlns:p14="http://schemas.microsoft.com/office/powerpoint/2010/main" val="2937136900"/>
+        <p14:creationId xmlns:p14="http://schemas.microsoft.com/office/powerpoint/2010/main" xmlns="" val="2937136900"/>
       </p:ext>
     </p:extLst>
   </p:cSld>
@@ -11619,13 +11628,13 @@
     <p:sldLayoutId id="2147483790" r:id="rId10"/>
     <p:sldLayoutId id="2147483791" r:id="rId11"/>
   </p:sldLayoutIdLst>
-  <mc:AlternateContent xmlns:mc="http://schemas.openxmlformats.org/markup-compatibility/2006" xmlns:p14="http://schemas.microsoft.com/office/powerpoint/2010/main">
-    <mc:Choice Requires="p14">
+  <mc:AlternateContent xmlns:mc="http://schemas.openxmlformats.org/markup-compatibility/2006">
+    <mc:Choice xmlns:p14="http://schemas.microsoft.com/office/powerpoint/2010/main" xmlns="" Requires="p14">
       <p:transition spd="med" p14:dur="700">
         <p:fade/>
       </p:transition>
     </mc:Choice>
-    <mc:Fallback xmlns="">
+    <mc:Fallback>
       <p:transition spd="med">
         <p:fade/>
       </p:transition>
@@ -12272,16 +12281,7 @@
                 </a:solidFill>
                 <a:latin typeface="Arial"/>
               </a:rPr>
-              <a:t>Symbolic Execution </a:t>
-            </a:r>
-            <a:r>
-              <a:rPr lang="en-US" altLang="zh-CN" sz="4200" kern="0" dirty="0" smtClean="0">
-                <a:solidFill>
-                  <a:schemeClr val="tx1"/>
-                </a:solidFill>
-                <a:latin typeface="Arial"/>
-              </a:rPr>
-              <a:t>and </a:t>
+              <a:t>Symbolic Execution and </a:t>
             </a:r>
           </a:p>
           <a:p>
@@ -12668,23 +12668,106 @@
     </p:spTree>
     <p:extLst>
       <p:ext uri="{BB962C8B-B14F-4D97-AF65-F5344CB8AC3E}">
-        <p14:creationId xmlns:p14="http://schemas.microsoft.com/office/powerpoint/2010/main" val="2446117524"/>
+        <p14:creationId xmlns:p14="http://schemas.microsoft.com/office/powerpoint/2010/main" xmlns="" val="2446117524"/>
       </p:ext>
     </p:extLst>
   </p:cSld>
   <p:clrMapOvr>
     <a:masterClrMapping/>
   </p:clrMapOvr>
-  <mc:AlternateContent xmlns:mc="http://schemas.openxmlformats.org/markup-compatibility/2006" xmlns:p14="http://schemas.microsoft.com/office/powerpoint/2010/main">
-    <mc:Choice Requires="p14">
+  <mc:AlternateContent xmlns:mc="http://schemas.openxmlformats.org/markup-compatibility/2006">
+    <mc:Choice xmlns:p14="http://schemas.microsoft.com/office/powerpoint/2010/main" xmlns="" Requires="p14">
       <p:transition spd="med" p14:dur="700" advTm="9691">
         <p:fade/>
       </p:transition>
     </mc:Choice>
-    <mc:Fallback xmlns="">
+    <mc:Fallback>
       <p:transition spd="med" advTm="9691">
         <p:fade/>
       </p:transition>
+    </mc:Fallback>
+  </mc:AlternateContent>
+  <p:timing>
+    <p:tnLst>
+      <p:par>
+        <p:cTn id="1" dur="indefinite" restart="never" nodeType="tmRoot"/>
+      </p:par>
+    </p:tnLst>
+  </p:timing>
+</p:sld>
+</file>
+
+<file path=ppt/slides/slide10.xml><?xml version="1.0" encoding="utf-8"?>
+<p:sld xmlns:a="http://schemas.openxmlformats.org/drawingml/2006/main" xmlns:r="http://schemas.openxmlformats.org/officeDocument/2006/relationships" xmlns:p="http://schemas.openxmlformats.org/presentationml/2006/main">
+  <p:cSld>
+    <p:spTree>
+      <p:nvGrpSpPr>
+        <p:cNvPr id="1" name=""/>
+        <p:cNvGrpSpPr/>
+        <p:nvPr/>
+      </p:nvGrpSpPr>
+      <p:grpSpPr>
+        <a:xfrm>
+          <a:off x="0" y="0"/>
+          <a:ext cx="0" cy="0"/>
+          <a:chOff x="0" y="0"/>
+          <a:chExt cx="0" cy="0"/>
+        </a:xfrm>
+      </p:grpSpPr>
+      <p:sp>
+        <p:nvSpPr>
+          <p:cNvPr id="2" name="内容占位符 1"/>
+          <p:cNvSpPr>
+            <a:spLocks noGrp="1"/>
+          </p:cNvSpPr>
+          <p:nvPr>
+            <p:ph idx="1"/>
+          </p:nvPr>
+        </p:nvSpPr>
+        <p:spPr>
+          <a:xfrm>
+            <a:off x="1403648" y="2564904"/>
+            <a:ext cx="6316657" cy="2297011"/>
+          </a:xfrm>
+        </p:spPr>
+        <p:txBody>
+          <a:bodyPr>
+            <a:noAutofit/>
+          </a:bodyPr>
+          <a:lstStyle/>
+          <a:p>
+            <a:pPr marL="109728" indent="0" algn="ctr">
+              <a:lnSpc>
+                <a:spcPct val="150000"/>
+              </a:lnSpc>
+              <a:buNone/>
+            </a:pPr>
+            <a:r>
+              <a:rPr lang="en-US" altLang="zh-CN" sz="4800" b="1" dirty="0" smtClean="0">
+                <a:latin typeface="黑体" panose="02010609060101010101" pitchFamily="49" charset="-122"/>
+                <a:cs typeface="+mj-cs"/>
+              </a:rPr>
+              <a:t>Thank you</a:t>
+            </a:r>
+          </a:p>
+        </p:txBody>
+      </p:sp>
+    </p:spTree>
+    <p:extLst>
+      <p:ext uri="{BB962C8B-B14F-4D97-AF65-F5344CB8AC3E}">
+        <p14:creationId xmlns:p14="http://schemas.microsoft.com/office/powerpoint/2010/main" xmlns="" val="1912946656"/>
+      </p:ext>
+    </p:extLst>
+  </p:cSld>
+  <p:clrMapOvr>
+    <a:masterClrMapping/>
+  </p:clrMapOvr>
+  <mc:AlternateContent xmlns:mc="http://schemas.openxmlformats.org/markup-compatibility/2006">
+    <mc:Choice xmlns:p14="http://schemas.microsoft.com/office/powerpoint/2010/main" xmlns="" Requires="p14">
+      <p:transition spd="slow" p14:dur="2000" advTm="1792"/>
+    </mc:Choice>
+    <mc:Fallback>
+      <p:transition spd="slow" advTm="1792"/>
     </mc:Fallback>
   </mc:AlternateContent>
   <p:timing>
@@ -12906,7 +12989,7 @@
           <p:nvPr/>
         </p:nvPicPr>
         <p:blipFill>
-          <a:blip r:embed="rId3"/>
+          <a:blip r:embed="rId3" cstate="print"/>
           <a:stretch>
             <a:fillRect/>
           </a:stretch>
@@ -12930,7 +13013,7 @@
           <p:nvPr/>
         </p:nvPicPr>
         <p:blipFill>
-          <a:blip r:embed="rId4"/>
+          <a:blip r:embed="rId4" cstate="print"/>
           <a:stretch>
             <a:fillRect/>
           </a:stretch>
@@ -12954,7 +13037,7 @@
           <p:nvPr/>
         </p:nvPicPr>
         <p:blipFill>
-          <a:blip r:embed="rId5"/>
+          <a:blip r:embed="rId5" cstate="print"/>
           <a:stretch>
             <a:fillRect/>
           </a:stretch>
@@ -12981,7 +13064,7 @@
           <a:blip r:embed="rId6" cstate="print">
             <a:extLst>
               <a:ext uri="{28A0092B-C50C-407E-A947-70E740481C1C}">
-                <a14:useLocalDpi xmlns:a14="http://schemas.microsoft.com/office/drawing/2010/main" val="0"/>
+                <a14:useLocalDpi xmlns:a14="http://schemas.microsoft.com/office/drawing/2010/main" xmlns="" val="0"/>
               </a:ext>
             </a:extLst>
           </a:blip>
@@ -13001,7 +13084,7 @@
           <a:noFill/>
           <a:extLst>
             <a:ext uri="{909E8E84-426E-40DD-AFC4-6F175D3DCCD1}">
-              <a14:hiddenFill xmlns:a14="http://schemas.microsoft.com/office/drawing/2010/main">
+              <a14:hiddenFill xmlns:a14="http://schemas.microsoft.com/office/drawing/2010/main" xmlns="">
                 <a:solidFill>
                   <a:srgbClr val="FFFFFF"/>
                 </a:solidFill>
@@ -13022,7 +13105,7 @@
           <a:blip r:embed="rId7" cstate="print">
             <a:extLst>
               <a:ext uri="{28A0092B-C50C-407E-A947-70E740481C1C}">
-                <a14:useLocalDpi xmlns:a14="http://schemas.microsoft.com/office/drawing/2010/main" val="0"/>
+                <a14:useLocalDpi xmlns:a14="http://schemas.microsoft.com/office/drawing/2010/main" xmlns="" val="0"/>
               </a:ext>
             </a:extLst>
           </a:blip>
@@ -13042,7 +13125,7 @@
           <a:noFill/>
           <a:extLst>
             <a:ext uri="{909E8E84-426E-40DD-AFC4-6F175D3DCCD1}">
-              <a14:hiddenFill xmlns:a14="http://schemas.microsoft.com/office/drawing/2010/main">
+              <a14:hiddenFill xmlns:a14="http://schemas.microsoft.com/office/drawing/2010/main" xmlns="">
                 <a:solidFill>
                   <a:srgbClr val="FFFFFF"/>
                 </a:solidFill>
@@ -13143,7 +13226,7 @@
           <a:blip r:embed="rId8" cstate="print">
             <a:extLst>
               <a:ext uri="{28A0092B-C50C-407E-A947-70E740481C1C}">
-                <a14:useLocalDpi xmlns:a14="http://schemas.microsoft.com/office/drawing/2010/main" val="0"/>
+                <a14:useLocalDpi xmlns:a14="http://schemas.microsoft.com/office/drawing/2010/main" xmlns="" val="0"/>
               </a:ext>
             </a:extLst>
           </a:blip>
@@ -13163,7 +13246,7 @@
           <a:noFill/>
           <a:extLst>
             <a:ext uri="{909E8E84-426E-40DD-AFC4-6F175D3DCCD1}">
-              <a14:hiddenFill xmlns:a14="http://schemas.microsoft.com/office/drawing/2010/main">
+              <a14:hiddenFill xmlns:a14="http://schemas.microsoft.com/office/drawing/2010/main" xmlns="">
                 <a:solidFill>
                   <a:srgbClr val="FFFFFF"/>
                 </a:solidFill>
@@ -13255,7 +13338,7 @@
     </p:spTree>
     <p:extLst>
       <p:ext uri="{BB962C8B-B14F-4D97-AF65-F5344CB8AC3E}">
-        <p14:creationId xmlns:p14="http://schemas.microsoft.com/office/powerpoint/2010/main" val="2758785605"/>
+        <p14:creationId xmlns:p14="http://schemas.microsoft.com/office/powerpoint/2010/main" xmlns="" val="2758785605"/>
       </p:ext>
     </p:extLst>
   </p:cSld>
@@ -13838,7 +13921,6 @@
               <a:rPr lang="en-US" altLang="zh-CN" dirty="0"/>
               <a:t>responsible for at least five patient deaths</a:t>
             </a:r>
-            <a:endParaRPr lang="en-US" altLang="zh-CN" dirty="0"/>
           </a:p>
         </p:txBody>
       </p:sp>
@@ -13993,7 +14075,7 @@
     </p:spTree>
     <p:extLst>
       <p:ext uri="{BB962C8B-B14F-4D97-AF65-F5344CB8AC3E}">
-        <p14:creationId xmlns:p14="http://schemas.microsoft.com/office/powerpoint/2010/main" val="242703108"/>
+        <p14:creationId xmlns:p14="http://schemas.microsoft.com/office/powerpoint/2010/main" xmlns="" val="242703108"/>
       </p:ext>
     </p:extLst>
   </p:cSld>
@@ -14147,11 +14229,7 @@
             </a:r>
             <a:r>
               <a:rPr lang="en-US" altLang="zh-CN" dirty="0" smtClean="0"/>
-              <a:t>a challenging problem in 1970s and even today</a:t>
-            </a:r>
-            <a:r>
-              <a:rPr lang="en-US" altLang="zh-CN" dirty="0" smtClean="0"/>
-              <a:t>.</a:t>
+              <a:t>a challenging problem in 1970s and even today.</a:t>
             </a:r>
           </a:p>
           <a:p>
@@ -14164,7 +14242,6 @@
               <a:rPr lang="en-US" altLang="zh-CN" dirty="0" smtClean="0"/>
               <a:t>But it is difficult to verify the correctness of a program!</a:t>
             </a:r>
-            <a:endParaRPr lang="en-US" altLang="zh-CN" dirty="0" smtClean="0"/>
           </a:p>
         </p:txBody>
       </p:sp>
@@ -14277,7 +14354,7 @@
           <p:nvPr/>
         </p:nvPicPr>
         <p:blipFill>
-          <a:blip r:embed="rId2"/>
+          <a:blip r:embed="rId2" cstate="print"/>
           <a:stretch>
             <a:fillRect/>
           </a:stretch>
@@ -14341,7 +14418,7 @@
           <p:nvPr/>
         </p:nvPicPr>
         <p:blipFill>
-          <a:blip r:embed="rId3"/>
+          <a:blip r:embed="rId3" cstate="print"/>
           <a:stretch>
             <a:fillRect/>
           </a:stretch>
@@ -14417,7 +14494,7 @@
     </p:spTree>
     <p:extLst>
       <p:ext uri="{BB962C8B-B14F-4D97-AF65-F5344CB8AC3E}">
-        <p14:creationId xmlns:p14="http://schemas.microsoft.com/office/powerpoint/2010/main" val="11622534"/>
+        <p14:creationId xmlns:p14="http://schemas.microsoft.com/office/powerpoint/2010/main" xmlns="" val="11622534"/>
       </p:ext>
     </p:extLst>
   </p:cSld>
@@ -14703,15 +14780,7 @@
             </a:pPr>
             <a:r>
               <a:rPr lang="en-US" altLang="zh-CN" sz="2200" dirty="0" smtClean="0"/>
-              <a:t>It is a big question of how to choose the sample. The sample data </a:t>
-            </a:r>
-            <a:r>
-              <a:rPr lang="en-US" altLang="zh-CN" sz="2200" dirty="0" smtClean="0"/>
-              <a:t>may not </a:t>
-            </a:r>
-            <a:r>
-              <a:rPr lang="en-US" altLang="zh-CN" sz="2200" dirty="0" smtClean="0"/>
-              <a:t>cover all executions.</a:t>
+              <a:t>It is a big question of how to choose the sample. The sample data may not cover all executions.</a:t>
             </a:r>
           </a:p>
           <a:p>
@@ -14848,13 +14917,13 @@
           <a:p>
             <a:pPr marL="0" lvl="1"/>
             <a:r>
-              <a:rPr lang="en-US" altLang="zh-CN" sz="2200" dirty="0" smtClean="0">
+              <a:rPr lang="en-US" altLang="zh-CN" sz="2200" smtClean="0">
                 <a:solidFill>
                   <a:srgbClr val="800000"/>
                 </a:solidFill>
                 <a:latin typeface="Bodoni MT" panose="02070603080606020203" pitchFamily="18" charset="0"/>
               </a:rPr>
-              <a:t>‘Program </a:t>
+              <a:t>“Program </a:t>
             </a:r>
             <a:r>
               <a:rPr lang="en-US" altLang="zh-CN" sz="2200" dirty="0">
@@ -14863,16 +14932,25 @@
                 </a:solidFill>
                 <a:latin typeface="Bodoni MT" panose="02070603080606020203" pitchFamily="18" charset="0"/>
               </a:rPr>
-              <a:t>testing can be used to show the presence of bugs, but never to show their absence</a:t>
-            </a:r>
-            <a:r>
-              <a:rPr lang="en-US" altLang="zh-CN" sz="2200" dirty="0" smtClean="0">
+              <a:t>testing can be used to show the presence of bugs, but never to show their </a:t>
+            </a:r>
+            <a:r>
+              <a:rPr lang="en-US" altLang="zh-CN" sz="2200">
                 <a:solidFill>
                   <a:srgbClr val="800000"/>
                 </a:solidFill>
                 <a:latin typeface="Bodoni MT" panose="02070603080606020203" pitchFamily="18" charset="0"/>
               </a:rPr>
-              <a:t>!’ </a:t>
+              <a:t>absence</a:t>
+            </a:r>
+            <a:r>
+              <a:rPr lang="en-US" altLang="zh-CN" sz="2200" smtClean="0">
+                <a:solidFill>
+                  <a:srgbClr val="800000"/>
+                </a:solidFill>
+                <a:latin typeface="Bodoni MT" panose="02070603080606020203" pitchFamily="18" charset="0"/>
+              </a:rPr>
+              <a:t>!” </a:t>
             </a:r>
             <a:r>
               <a:rPr lang="en-US" altLang="zh-CN" sz="2200" dirty="0">
@@ -14930,7 +15008,7 @@
     </p:spTree>
     <p:extLst>
       <p:ext uri="{BB962C8B-B14F-4D97-AF65-F5344CB8AC3E}">
-        <p14:creationId xmlns:p14="http://schemas.microsoft.com/office/powerpoint/2010/main" val="2204431392"/>
+        <p14:creationId xmlns:p14="http://schemas.microsoft.com/office/powerpoint/2010/main" xmlns="" val="2204431392"/>
       </p:ext>
     </p:extLst>
   </p:cSld>
@@ -15105,7 +15183,6 @@
               <a:rPr lang="en-US" altLang="zh-CN" dirty="0" smtClean="0"/>
               <a:t>The practical accomplishments fall short of a tool for routine use. </a:t>
             </a:r>
-            <a:endParaRPr lang="en-US" altLang="zh-CN" dirty="0" smtClean="0"/>
           </a:p>
           <a:p>
             <a:pPr lvl="2">
@@ -15124,17 +15201,7 @@
                   </a:schemeClr>
                 </a:solidFill>
               </a:rPr>
-              <a:t>There </a:t>
-            </a:r>
-            <a:r>
-              <a:rPr lang="en-US" altLang="zh-CN" sz="1600" dirty="0" smtClean="0">
-                <a:solidFill>
-                  <a:schemeClr val="bg1">
-                    <a:lumMod val="50000"/>
-                  </a:schemeClr>
-                </a:solidFill>
-              </a:rPr>
-              <a:t>is no proof assistant in 1970s. </a:t>
+              <a:t>There is no proof assistant in 1970s. </a:t>
             </a:r>
             <a:r>
               <a:rPr lang="en-US" altLang="zh-CN" sz="1600" i="1" dirty="0" smtClean="0">
@@ -15309,7 +15376,7 @@
     </p:spTree>
     <p:extLst>
       <p:ext uri="{BB962C8B-B14F-4D97-AF65-F5344CB8AC3E}">
-        <p14:creationId xmlns:p14="http://schemas.microsoft.com/office/powerpoint/2010/main" val="2166599487"/>
+        <p14:creationId xmlns:p14="http://schemas.microsoft.com/office/powerpoint/2010/main" xmlns="" val="2166599487"/>
       </p:ext>
     </p:extLst>
   </p:cSld>
@@ -15473,7 +15540,7 @@
           <p:nvPr>
             <p:extLst>
               <p:ext uri="{D42A27DB-BD31-4B8C-83A1-F6EECF244321}">
-                <p14:modId xmlns:p14="http://schemas.microsoft.com/office/powerpoint/2010/main" val="4252105673"/>
+                <p14:modId xmlns:p14="http://schemas.microsoft.com/office/powerpoint/2010/main" xmlns="" val="4252105673"/>
               </p:ext>
             </p:extLst>
           </p:nvPr>
@@ -15491,7 +15558,7 @@
     </p:spTree>
     <p:extLst>
       <p:ext uri="{BB962C8B-B14F-4D97-AF65-F5344CB8AC3E}">
-        <p14:creationId xmlns:p14="http://schemas.microsoft.com/office/powerpoint/2010/main" val="1508707415"/>
+        <p14:creationId xmlns:p14="http://schemas.microsoft.com/office/powerpoint/2010/main" xmlns="" val="1508707415"/>
       </p:ext>
     </p:extLst>
   </p:cSld>
@@ -15527,7 +15594,30 @@
       </p:grpSpPr>
       <p:sp>
         <p:nvSpPr>
-          <p:cNvPr id="2" name="内容占位符 1"/>
+          <p:cNvPr id="2" name="标题 1"/>
+          <p:cNvSpPr>
+            <a:spLocks noGrp="1"/>
+          </p:cNvSpPr>
+          <p:nvPr>
+            <p:ph type="title"/>
+          </p:nvPr>
+        </p:nvSpPr>
+        <p:spPr/>
+        <p:txBody>
+          <a:bodyPr/>
+          <a:lstStyle/>
+          <a:p>
+            <a:r>
+              <a:rPr lang="en-US" altLang="zh-CN" smtClean="0"/>
+              <a:t>Symbolic execution</a:t>
+            </a:r>
+            <a:endParaRPr lang="zh-CN" altLang="en-US"/>
+          </a:p>
+        </p:txBody>
+      </p:sp>
+      <p:sp>
+        <p:nvSpPr>
+          <p:cNvPr id="3" name="内容占位符 2"/>
           <p:cNvSpPr>
             <a:spLocks noGrp="1"/>
           </p:cNvSpPr>
@@ -15535,52 +15625,3965 @@
             <p:ph idx="1"/>
           </p:nvPr>
         </p:nvSpPr>
+        <p:spPr/>
+        <p:txBody>
+          <a:bodyPr/>
+          <a:lstStyle/>
+          <a:p>
+            <a:pPr>
+              <a:spcAft>
+                <a:spcPts val="600"/>
+              </a:spcAft>
+            </a:pPr>
+            <a:r>
+              <a:rPr lang="en-US" altLang="zh-CN" smtClean="0"/>
+              <a:t>This paper describes a practical approach between two extremes which is an enhanced testing technique.</a:t>
+            </a:r>
+          </a:p>
+          <a:p>
+            <a:pPr lvl="1">
+              <a:spcAft>
+                <a:spcPts val="600"/>
+              </a:spcAft>
+            </a:pPr>
+            <a:r>
+              <a:rPr lang="en-US" altLang="zh-CN" smtClean="0"/>
+              <a:t>Instead of executing programs on a set of sample inputs</a:t>
+            </a:r>
+          </a:p>
+          <a:p>
+            <a:pPr lvl="1">
+              <a:spcAft>
+                <a:spcPts val="600"/>
+              </a:spcAft>
+            </a:pPr>
+            <a:r>
+              <a:rPr lang="en-US" altLang="zh-CN" smtClean="0"/>
+              <a:t>A program is “symbolically” executed for a set of </a:t>
+            </a:r>
+            <a:r>
+              <a:rPr lang="en-US" altLang="zh-CN" b="1" i="1" smtClean="0"/>
+              <a:t>classes</a:t>
+            </a:r>
+            <a:r>
+              <a:rPr lang="en-US" altLang="zh-CN" smtClean="0"/>
+              <a:t> of inputs</a:t>
+            </a:r>
+          </a:p>
+          <a:p>
+            <a:pPr lvl="1">
+              <a:spcAft>
+                <a:spcPts val="600"/>
+              </a:spcAft>
+            </a:pPr>
+            <a:r>
+              <a:rPr lang="en-US" altLang="zh-CN" smtClean="0"/>
+              <a:t>Each symbolic execution result may be equivalent to a large number of normal test cases</a:t>
+            </a:r>
+            <a:endParaRPr lang="zh-CN" altLang="en-US"/>
+          </a:p>
+        </p:txBody>
+      </p:sp>
+      <p:sp>
+        <p:nvSpPr>
+          <p:cNvPr id="4" name="日期占位符 3"/>
+          <p:cNvSpPr>
+            <a:spLocks noGrp="1"/>
+          </p:cNvSpPr>
+          <p:nvPr>
+            <p:ph type="dt" sz="half" idx="10"/>
+          </p:nvPr>
+        </p:nvSpPr>
+        <p:spPr/>
+        <p:txBody>
+          <a:bodyPr/>
+          <a:lstStyle/>
+          <a:p>
+            <a:fld id="{FF88F899-FA6D-4737-879E-62DE3ED9162E}" type="datetime1">
+              <a:rPr kumimoji="1" lang="zh-CN" altLang="en-US" smtClean="0">
+                <a:solidFill>
+                  <a:prstClr val="black">
+                    <a:lumMod val="65000"/>
+                    <a:lumOff val="35000"/>
+                  </a:prstClr>
+                </a:solidFill>
+                <a:ea typeface="宋体"/>
+              </a:rPr>
+              <a:pPr/>
+              <a:t>2020/11/29</a:t>
+            </a:fld>
+            <a:endParaRPr kumimoji="1" lang="zh-CN" altLang="en-US">
+              <a:solidFill>
+                <a:prstClr val="black">
+                  <a:lumMod val="65000"/>
+                  <a:lumOff val="35000"/>
+                </a:prstClr>
+              </a:solidFill>
+              <a:ea typeface="宋体"/>
+            </a:endParaRPr>
+          </a:p>
+        </p:txBody>
+      </p:sp>
+      <p:sp>
+        <p:nvSpPr>
+          <p:cNvPr id="5" name="页脚占位符 4"/>
+          <p:cNvSpPr>
+            <a:spLocks noGrp="1"/>
+          </p:cNvSpPr>
+          <p:nvPr>
+            <p:ph type="ftr" sz="quarter" idx="11"/>
+          </p:nvPr>
+        </p:nvSpPr>
+        <p:spPr/>
+        <p:txBody>
+          <a:bodyPr/>
+          <a:lstStyle/>
+          <a:p>
+            <a:pPr defTabSz="457200"/>
+            <a:endParaRPr lang="zh-CN" altLang="en-US" dirty="0"/>
+          </a:p>
+        </p:txBody>
+      </p:sp>
+      <p:sp>
+        <p:nvSpPr>
+          <p:cNvPr id="6" name="灯片编号占位符 5"/>
+          <p:cNvSpPr>
+            <a:spLocks noGrp="1"/>
+          </p:cNvSpPr>
+          <p:nvPr>
+            <p:ph type="sldNum" sz="quarter" idx="12"/>
+          </p:nvPr>
+        </p:nvSpPr>
+        <p:spPr/>
+        <p:txBody>
+          <a:bodyPr/>
+          <a:lstStyle/>
+          <a:p>
+            <a:fld id="{71F1F346-3964-904C-8DB0-057A2D699FB9}" type="slidenum">
+              <a:rPr kumimoji="1" lang="zh-CN" altLang="en-US" smtClean="0">
+                <a:solidFill>
+                  <a:prstClr val="black">
+                    <a:lumMod val="65000"/>
+                    <a:lumOff val="35000"/>
+                  </a:prstClr>
+                </a:solidFill>
+                <a:ea typeface="宋体"/>
+              </a:rPr>
+              <a:pPr/>
+              <a:t>8</a:t>
+            </a:fld>
+            <a:endParaRPr kumimoji="1" lang="zh-CN" altLang="en-US">
+              <a:solidFill>
+                <a:prstClr val="black">
+                  <a:lumMod val="65000"/>
+                  <a:lumOff val="35000"/>
+                </a:prstClr>
+              </a:solidFill>
+              <a:ea typeface="宋体"/>
+            </a:endParaRPr>
+          </a:p>
+        </p:txBody>
+      </p:sp>
+      <p:sp>
+        <p:nvSpPr>
+          <p:cNvPr id="7" name="矩形 6"/>
+          <p:cNvSpPr/>
+          <p:nvPr/>
+        </p:nvSpPr>
         <p:spPr>
           <a:xfrm>
-            <a:off x="1403648" y="2564904"/>
-            <a:ext cx="6316657" cy="2297011"/>
+            <a:off x="1571604" y="4572008"/>
+            <a:ext cx="2000264" cy="1714512"/>
           </a:xfrm>
+          <a:prstGeom prst="rect">
+            <a:avLst/>
+          </a:prstGeom>
+          <a:solidFill>
+            <a:schemeClr val="bg1"/>
+          </a:solidFill>
+          <a:ln>
+            <a:solidFill>
+              <a:schemeClr val="tx1"/>
+            </a:solidFill>
+          </a:ln>
         </p:spPr>
-        <p:txBody>
-          <a:bodyPr>
-            <a:noAutofit/>
-          </a:bodyPr>
+        <p:style>
+          <a:lnRef idx="2">
+            <a:schemeClr val="accent1">
+              <a:shade val="50000"/>
+            </a:schemeClr>
+          </a:lnRef>
+          <a:fillRef idx="1">
+            <a:schemeClr val="accent1"/>
+          </a:fillRef>
+          <a:effectRef idx="0">
+            <a:schemeClr val="accent1"/>
+          </a:effectRef>
+          <a:fontRef idx="minor">
+            <a:schemeClr val="lt1"/>
+          </a:fontRef>
+        </p:style>
+        <p:txBody>
+          <a:bodyPr rtlCol="0" anchor="ctr"/>
           <a:lstStyle/>
           <a:p>
-            <a:pPr marL="109728" indent="0" algn="ctr">
-              <a:lnSpc>
-                <a:spcPct val="150000"/>
-              </a:lnSpc>
-              <a:buNone/>
-            </a:pPr>
-            <a:r>
-              <a:rPr lang="en-US" altLang="zh-CN" sz="4800" b="1" dirty="0" smtClean="0">
-                <a:latin typeface="黑体" panose="02010609060101010101" pitchFamily="49" charset="-122"/>
-                <a:cs typeface="+mj-cs"/>
-              </a:rPr>
-              <a:t>Thank you</a:t>
-            </a:r>
-          </a:p>
-        </p:txBody>
-      </p:sp>
+            <a:pPr algn="ctr"/>
+            <a:endParaRPr lang="zh-CN" altLang="en-US"/>
+          </a:p>
+        </p:txBody>
+      </p:sp>
+      <p:cxnSp>
+        <p:nvCxnSpPr>
+          <p:cNvPr id="9" name="直接连接符 8"/>
+          <p:cNvCxnSpPr/>
+          <p:nvPr/>
+        </p:nvCxnSpPr>
+        <p:spPr>
+          <a:xfrm rot="5400000" flipH="1" flipV="1">
+            <a:off x="3071802" y="5214950"/>
+            <a:ext cx="500066" cy="500066"/>
+          </a:xfrm>
+          <a:prstGeom prst="line">
+            <a:avLst/>
+          </a:prstGeom>
+          <a:ln w="28575">
+            <a:solidFill>
+              <a:schemeClr val="tx1"/>
+            </a:solidFill>
+          </a:ln>
+        </p:spPr>
+        <p:style>
+          <a:lnRef idx="1">
+            <a:schemeClr val="accent1"/>
+          </a:lnRef>
+          <a:fillRef idx="0">
+            <a:schemeClr val="accent1"/>
+          </a:fillRef>
+          <a:effectRef idx="0">
+            <a:schemeClr val="accent1"/>
+          </a:effectRef>
+          <a:fontRef idx="minor">
+            <a:schemeClr val="tx1"/>
+          </a:fontRef>
+        </p:style>
+      </p:cxnSp>
+      <p:cxnSp>
+        <p:nvCxnSpPr>
+          <p:cNvPr id="11" name="直接连接符 10"/>
+          <p:cNvCxnSpPr/>
+          <p:nvPr/>
+        </p:nvCxnSpPr>
+        <p:spPr>
+          <a:xfrm rot="16200000" flipV="1">
+            <a:off x="2964645" y="4607727"/>
+            <a:ext cx="642942" cy="571504"/>
+          </a:xfrm>
+          <a:prstGeom prst="line">
+            <a:avLst/>
+          </a:prstGeom>
+          <a:ln w="28575">
+            <a:solidFill>
+              <a:schemeClr val="tx1"/>
+            </a:solidFill>
+          </a:ln>
+        </p:spPr>
+        <p:style>
+          <a:lnRef idx="1">
+            <a:schemeClr val="accent1"/>
+          </a:lnRef>
+          <a:fillRef idx="0">
+            <a:schemeClr val="accent1"/>
+          </a:fillRef>
+          <a:effectRef idx="0">
+            <a:schemeClr val="accent1"/>
+          </a:effectRef>
+          <a:fontRef idx="minor">
+            <a:schemeClr val="tx1"/>
+          </a:fontRef>
+        </p:style>
+      </p:cxnSp>
+      <p:cxnSp>
+        <p:nvCxnSpPr>
+          <p:cNvPr id="14" name="直接连接符 13"/>
+          <p:cNvCxnSpPr/>
+          <p:nvPr/>
+        </p:nvCxnSpPr>
+        <p:spPr>
+          <a:xfrm rot="16200000" flipV="1">
+            <a:off x="1464447" y="4679165"/>
+            <a:ext cx="785818" cy="571504"/>
+          </a:xfrm>
+          <a:prstGeom prst="line">
+            <a:avLst/>
+          </a:prstGeom>
+          <a:ln w="28575">
+            <a:solidFill>
+              <a:schemeClr val="tx1"/>
+            </a:solidFill>
+          </a:ln>
+        </p:spPr>
+        <p:style>
+          <a:lnRef idx="1">
+            <a:schemeClr val="accent1"/>
+          </a:lnRef>
+          <a:fillRef idx="0">
+            <a:schemeClr val="accent1"/>
+          </a:fillRef>
+          <a:effectRef idx="0">
+            <a:schemeClr val="accent1"/>
+          </a:effectRef>
+          <a:fontRef idx="minor">
+            <a:schemeClr val="tx1"/>
+          </a:fontRef>
+        </p:style>
+      </p:cxnSp>
+      <p:cxnSp>
+        <p:nvCxnSpPr>
+          <p:cNvPr id="17" name="直接连接符 16"/>
+          <p:cNvCxnSpPr/>
+          <p:nvPr/>
+        </p:nvCxnSpPr>
+        <p:spPr>
+          <a:xfrm rot="5400000">
+            <a:off x="1571604" y="5357826"/>
+            <a:ext cx="571504" cy="571504"/>
+          </a:xfrm>
+          <a:prstGeom prst="line">
+            <a:avLst/>
+          </a:prstGeom>
+          <a:ln w="28575">
+            <a:solidFill>
+              <a:schemeClr val="tx1"/>
+            </a:solidFill>
+          </a:ln>
+        </p:spPr>
+        <p:style>
+          <a:lnRef idx="1">
+            <a:schemeClr val="accent1"/>
+          </a:lnRef>
+          <a:fillRef idx="0">
+            <a:schemeClr val="accent1"/>
+          </a:fillRef>
+          <a:effectRef idx="0">
+            <a:schemeClr val="accent1"/>
+          </a:effectRef>
+          <a:fontRef idx="minor">
+            <a:schemeClr val="tx1"/>
+          </a:fontRef>
+        </p:style>
+      </p:cxnSp>
+      <p:cxnSp>
+        <p:nvCxnSpPr>
+          <p:cNvPr id="20" name="直接连接符 19"/>
+          <p:cNvCxnSpPr/>
+          <p:nvPr/>
+        </p:nvCxnSpPr>
+        <p:spPr>
+          <a:xfrm rot="16200000" flipV="1">
+            <a:off x="1714480" y="5786454"/>
+            <a:ext cx="714380" cy="285752"/>
+          </a:xfrm>
+          <a:prstGeom prst="line">
+            <a:avLst/>
+          </a:prstGeom>
+          <a:ln w="28575">
+            <a:solidFill>
+              <a:schemeClr val="tx1"/>
+            </a:solidFill>
+          </a:ln>
+        </p:spPr>
+        <p:style>
+          <a:lnRef idx="1">
+            <a:schemeClr val="accent1"/>
+          </a:lnRef>
+          <a:fillRef idx="0">
+            <a:schemeClr val="accent1"/>
+          </a:fillRef>
+          <a:effectRef idx="0">
+            <a:schemeClr val="accent1"/>
+          </a:effectRef>
+          <a:fontRef idx="minor">
+            <a:schemeClr val="tx1"/>
+          </a:fontRef>
+        </p:style>
+      </p:cxnSp>
+      <p:cxnSp>
+        <p:nvCxnSpPr>
+          <p:cNvPr id="25" name="直接连接符 24"/>
+          <p:cNvCxnSpPr/>
+          <p:nvPr/>
+        </p:nvCxnSpPr>
+        <p:spPr>
+          <a:xfrm flipV="1">
+            <a:off x="2714612" y="5929330"/>
+            <a:ext cx="857256" cy="357190"/>
+          </a:xfrm>
+          <a:prstGeom prst="line">
+            <a:avLst/>
+          </a:prstGeom>
+          <a:ln w="28575">
+            <a:solidFill>
+              <a:schemeClr val="tx1"/>
+            </a:solidFill>
+          </a:ln>
+        </p:spPr>
+        <p:style>
+          <a:lnRef idx="1">
+            <a:schemeClr val="accent1"/>
+          </a:lnRef>
+          <a:fillRef idx="0">
+            <a:schemeClr val="accent1"/>
+          </a:fillRef>
+          <a:effectRef idx="0">
+            <a:schemeClr val="accent1"/>
+          </a:effectRef>
+          <a:fontRef idx="minor">
+            <a:schemeClr val="tx1"/>
+          </a:fontRef>
+        </p:style>
+      </p:cxnSp>
+      <p:cxnSp>
+        <p:nvCxnSpPr>
+          <p:cNvPr id="28" name="直接连接符 27"/>
+          <p:cNvCxnSpPr/>
+          <p:nvPr/>
+        </p:nvCxnSpPr>
+        <p:spPr>
+          <a:xfrm rot="16200000" flipV="1">
+            <a:off x="2643174" y="5500702"/>
+            <a:ext cx="857256" cy="285752"/>
+          </a:xfrm>
+          <a:prstGeom prst="line">
+            <a:avLst/>
+          </a:prstGeom>
+          <a:ln w="28575">
+            <a:solidFill>
+              <a:schemeClr val="tx1"/>
+            </a:solidFill>
+          </a:ln>
+        </p:spPr>
+        <p:style>
+          <a:lnRef idx="1">
+            <a:schemeClr val="accent1"/>
+          </a:lnRef>
+          <a:fillRef idx="0">
+            <a:schemeClr val="accent1"/>
+          </a:fillRef>
+          <a:effectRef idx="0">
+            <a:schemeClr val="accent1"/>
+          </a:effectRef>
+          <a:fontRef idx="minor">
+            <a:schemeClr val="tx1"/>
+          </a:fontRef>
+        </p:style>
+      </p:cxnSp>
+      <p:cxnSp>
+        <p:nvCxnSpPr>
+          <p:cNvPr id="33" name="直接连接符 32"/>
+          <p:cNvCxnSpPr/>
+          <p:nvPr/>
+        </p:nvCxnSpPr>
+        <p:spPr>
+          <a:xfrm rot="5400000" flipH="1" flipV="1">
+            <a:off x="2214546" y="5072074"/>
+            <a:ext cx="1285884" cy="428628"/>
+          </a:xfrm>
+          <a:prstGeom prst="line">
+            <a:avLst/>
+          </a:prstGeom>
+          <a:ln w="28575">
+            <a:solidFill>
+              <a:schemeClr val="tx1"/>
+            </a:solidFill>
+          </a:ln>
+        </p:spPr>
+        <p:style>
+          <a:lnRef idx="1">
+            <a:schemeClr val="accent1"/>
+          </a:lnRef>
+          <a:fillRef idx="0">
+            <a:schemeClr val="accent1"/>
+          </a:fillRef>
+          <a:effectRef idx="0">
+            <a:schemeClr val="accent1"/>
+          </a:effectRef>
+          <a:fontRef idx="minor">
+            <a:schemeClr val="tx1"/>
+          </a:fontRef>
+        </p:style>
+      </p:cxnSp>
+      <p:cxnSp>
+        <p:nvCxnSpPr>
+          <p:cNvPr id="40" name="直接连接符 39"/>
+          <p:cNvCxnSpPr/>
+          <p:nvPr/>
+        </p:nvCxnSpPr>
+        <p:spPr>
+          <a:xfrm rot="16200000" flipV="1">
+            <a:off x="2143108" y="5715016"/>
+            <a:ext cx="928694" cy="214314"/>
+          </a:xfrm>
+          <a:prstGeom prst="line">
+            <a:avLst/>
+          </a:prstGeom>
+          <a:ln w="28575">
+            <a:solidFill>
+              <a:schemeClr val="tx1"/>
+            </a:solidFill>
+          </a:ln>
+        </p:spPr>
+        <p:style>
+          <a:lnRef idx="1">
+            <a:schemeClr val="accent1"/>
+          </a:lnRef>
+          <a:fillRef idx="0">
+            <a:schemeClr val="accent1"/>
+          </a:fillRef>
+          <a:effectRef idx="0">
+            <a:schemeClr val="accent1"/>
+          </a:effectRef>
+          <a:fontRef idx="minor">
+            <a:schemeClr val="tx1"/>
+          </a:fontRef>
+        </p:style>
+      </p:cxnSp>
+      <p:cxnSp>
+        <p:nvCxnSpPr>
+          <p:cNvPr id="43" name="直接连接符 42"/>
+          <p:cNvCxnSpPr/>
+          <p:nvPr/>
+        </p:nvCxnSpPr>
+        <p:spPr>
+          <a:xfrm rot="10800000">
+            <a:off x="2143108" y="5357826"/>
+            <a:ext cx="714380" cy="0"/>
+          </a:xfrm>
+          <a:prstGeom prst="line">
+            <a:avLst/>
+          </a:prstGeom>
+          <a:ln w="28575">
+            <a:solidFill>
+              <a:schemeClr val="tx1"/>
+            </a:solidFill>
+          </a:ln>
+        </p:spPr>
+        <p:style>
+          <a:lnRef idx="1">
+            <a:schemeClr val="accent1"/>
+          </a:lnRef>
+          <a:fillRef idx="0">
+            <a:schemeClr val="accent1"/>
+          </a:fillRef>
+          <a:effectRef idx="0">
+            <a:schemeClr val="accent1"/>
+          </a:effectRef>
+          <a:fontRef idx="minor">
+            <a:schemeClr val="tx1"/>
+          </a:fontRef>
+        </p:style>
+      </p:cxnSp>
+      <p:cxnSp>
+        <p:nvCxnSpPr>
+          <p:cNvPr id="47" name="直接连接符 46"/>
+          <p:cNvCxnSpPr/>
+          <p:nvPr/>
+        </p:nvCxnSpPr>
+        <p:spPr>
+          <a:xfrm rot="16200000" flipV="1">
+            <a:off x="2143108" y="4714884"/>
+            <a:ext cx="785818" cy="500066"/>
+          </a:xfrm>
+          <a:prstGeom prst="line">
+            <a:avLst/>
+          </a:prstGeom>
+          <a:ln w="28575">
+            <a:solidFill>
+              <a:schemeClr val="tx1"/>
+            </a:solidFill>
+          </a:ln>
+        </p:spPr>
+        <p:style>
+          <a:lnRef idx="1">
+            <a:schemeClr val="accent1"/>
+          </a:lnRef>
+          <a:fillRef idx="0">
+            <a:schemeClr val="accent1"/>
+          </a:fillRef>
+          <a:effectRef idx="0">
+            <a:schemeClr val="accent1"/>
+          </a:effectRef>
+          <a:fontRef idx="minor">
+            <a:schemeClr val="tx1"/>
+          </a:fontRef>
+        </p:style>
+      </p:cxnSp>
+      <p:sp>
+        <p:nvSpPr>
+          <p:cNvPr id="50" name="椭圆 49"/>
+          <p:cNvSpPr/>
+          <p:nvPr/>
+        </p:nvSpPr>
+        <p:spPr>
+          <a:xfrm flipV="1">
+            <a:off x="2000232" y="4689166"/>
+            <a:ext cx="142876" cy="142876"/>
+          </a:xfrm>
+          <a:prstGeom prst="ellipse">
+            <a:avLst/>
+          </a:prstGeom>
+        </p:spPr>
+        <p:style>
+          <a:lnRef idx="2">
+            <a:schemeClr val="accent2">
+              <a:shade val="50000"/>
+            </a:schemeClr>
+          </a:lnRef>
+          <a:fillRef idx="1">
+            <a:schemeClr val="accent2"/>
+          </a:fillRef>
+          <a:effectRef idx="0">
+            <a:schemeClr val="accent2"/>
+          </a:effectRef>
+          <a:fontRef idx="minor">
+            <a:schemeClr val="lt1"/>
+          </a:fontRef>
+        </p:style>
+        <p:txBody>
+          <a:bodyPr rtlCol="0" anchor="ctr"/>
+          <a:lstStyle/>
+          <a:p>
+            <a:pPr algn="ctr"/>
+            <a:endParaRPr lang="zh-CN" altLang="en-US"/>
+          </a:p>
+        </p:txBody>
+      </p:sp>
+      <p:sp>
+        <p:nvSpPr>
+          <p:cNvPr id="52" name="椭圆 51"/>
+          <p:cNvSpPr/>
+          <p:nvPr/>
+        </p:nvSpPr>
+        <p:spPr>
+          <a:xfrm flipV="1">
+            <a:off x="1714480" y="5072074"/>
+            <a:ext cx="142876" cy="142876"/>
+          </a:xfrm>
+          <a:prstGeom prst="ellipse">
+            <a:avLst/>
+          </a:prstGeom>
+        </p:spPr>
+        <p:style>
+          <a:lnRef idx="2">
+            <a:schemeClr val="accent2">
+              <a:shade val="50000"/>
+            </a:schemeClr>
+          </a:lnRef>
+          <a:fillRef idx="1">
+            <a:schemeClr val="accent2"/>
+          </a:fillRef>
+          <a:effectRef idx="0">
+            <a:schemeClr val="accent2"/>
+          </a:effectRef>
+          <a:fontRef idx="minor">
+            <a:schemeClr val="lt1"/>
+          </a:fontRef>
+        </p:style>
+        <p:txBody>
+          <a:bodyPr rtlCol="0" anchor="ctr"/>
+          <a:lstStyle/>
+          <a:p>
+            <a:pPr algn="ctr"/>
+            <a:endParaRPr lang="zh-CN" altLang="en-US"/>
+          </a:p>
+        </p:txBody>
+      </p:sp>
+      <p:sp>
+        <p:nvSpPr>
+          <p:cNvPr id="53" name="椭圆 52"/>
+          <p:cNvSpPr/>
+          <p:nvPr/>
+        </p:nvSpPr>
+        <p:spPr>
+          <a:xfrm flipV="1">
+            <a:off x="1714480" y="5500702"/>
+            <a:ext cx="142876" cy="142876"/>
+          </a:xfrm>
+          <a:prstGeom prst="ellipse">
+            <a:avLst/>
+          </a:prstGeom>
+        </p:spPr>
+        <p:style>
+          <a:lnRef idx="2">
+            <a:schemeClr val="accent2">
+              <a:shade val="50000"/>
+            </a:schemeClr>
+          </a:lnRef>
+          <a:fillRef idx="1">
+            <a:schemeClr val="accent2"/>
+          </a:fillRef>
+          <a:effectRef idx="0">
+            <a:schemeClr val="accent2"/>
+          </a:effectRef>
+          <a:fontRef idx="minor">
+            <a:schemeClr val="lt1"/>
+          </a:fontRef>
+        </p:style>
+        <p:txBody>
+          <a:bodyPr rtlCol="0" anchor="ctr"/>
+          <a:lstStyle/>
+          <a:p>
+            <a:pPr algn="ctr"/>
+            <a:endParaRPr lang="zh-CN" altLang="en-US"/>
+          </a:p>
+        </p:txBody>
+      </p:sp>
+      <p:sp>
+        <p:nvSpPr>
+          <p:cNvPr id="54" name="椭圆 53"/>
+          <p:cNvSpPr/>
+          <p:nvPr/>
+        </p:nvSpPr>
+        <p:spPr>
+          <a:xfrm flipV="1">
+            <a:off x="1785918" y="6000768"/>
+            <a:ext cx="142876" cy="142876"/>
+          </a:xfrm>
+          <a:prstGeom prst="ellipse">
+            <a:avLst/>
+          </a:prstGeom>
+        </p:spPr>
+        <p:style>
+          <a:lnRef idx="2">
+            <a:schemeClr val="accent2">
+              <a:shade val="50000"/>
+            </a:schemeClr>
+          </a:lnRef>
+          <a:fillRef idx="1">
+            <a:schemeClr val="accent2"/>
+          </a:fillRef>
+          <a:effectRef idx="0">
+            <a:schemeClr val="accent2"/>
+          </a:effectRef>
+          <a:fontRef idx="minor">
+            <a:schemeClr val="lt1"/>
+          </a:fontRef>
+        </p:style>
+        <p:txBody>
+          <a:bodyPr rtlCol="0" anchor="ctr"/>
+          <a:lstStyle/>
+          <a:p>
+            <a:pPr algn="ctr"/>
+            <a:endParaRPr lang="zh-CN" altLang="en-US"/>
+          </a:p>
+        </p:txBody>
+      </p:sp>
+      <p:sp>
+        <p:nvSpPr>
+          <p:cNvPr id="55" name="椭圆 54"/>
+          <p:cNvSpPr/>
+          <p:nvPr/>
+        </p:nvSpPr>
+        <p:spPr>
+          <a:xfrm flipV="1">
+            <a:off x="2285984" y="5500702"/>
+            <a:ext cx="142876" cy="142876"/>
+          </a:xfrm>
+          <a:prstGeom prst="ellipse">
+            <a:avLst/>
+          </a:prstGeom>
+        </p:spPr>
+        <p:style>
+          <a:lnRef idx="2">
+            <a:schemeClr val="accent2">
+              <a:shade val="50000"/>
+            </a:schemeClr>
+          </a:lnRef>
+          <a:fillRef idx="1">
+            <a:schemeClr val="accent2"/>
+          </a:fillRef>
+          <a:effectRef idx="0">
+            <a:schemeClr val="accent2"/>
+          </a:effectRef>
+          <a:fontRef idx="minor">
+            <a:schemeClr val="lt1"/>
+          </a:fontRef>
+        </p:style>
+        <p:txBody>
+          <a:bodyPr rtlCol="0" anchor="ctr"/>
+          <a:lstStyle/>
+          <a:p>
+            <a:pPr algn="ctr"/>
+            <a:endParaRPr lang="zh-CN" altLang="en-US"/>
+          </a:p>
+        </p:txBody>
+      </p:sp>
+      <p:sp>
+        <p:nvSpPr>
+          <p:cNvPr id="56" name="椭圆 55"/>
+          <p:cNvSpPr/>
+          <p:nvPr/>
+        </p:nvSpPr>
+        <p:spPr>
+          <a:xfrm flipV="1">
+            <a:off x="2214546" y="6000768"/>
+            <a:ext cx="142876" cy="142876"/>
+          </a:xfrm>
+          <a:prstGeom prst="ellipse">
+            <a:avLst/>
+          </a:prstGeom>
+        </p:spPr>
+        <p:style>
+          <a:lnRef idx="2">
+            <a:schemeClr val="accent2">
+              <a:shade val="50000"/>
+            </a:schemeClr>
+          </a:lnRef>
+          <a:fillRef idx="1">
+            <a:schemeClr val="accent2"/>
+          </a:fillRef>
+          <a:effectRef idx="0">
+            <a:schemeClr val="accent2"/>
+          </a:effectRef>
+          <a:fontRef idx="minor">
+            <a:schemeClr val="lt1"/>
+          </a:fontRef>
+        </p:style>
+        <p:txBody>
+          <a:bodyPr rtlCol="0" anchor="ctr"/>
+          <a:lstStyle/>
+          <a:p>
+            <a:pPr algn="ctr"/>
+            <a:endParaRPr lang="zh-CN" altLang="en-US"/>
+          </a:p>
+        </p:txBody>
+      </p:sp>
+      <p:sp>
+        <p:nvSpPr>
+          <p:cNvPr id="57" name="椭圆 56"/>
+          <p:cNvSpPr/>
+          <p:nvPr/>
+        </p:nvSpPr>
+        <p:spPr>
+          <a:xfrm flipV="1">
+            <a:off x="2285984" y="5072074"/>
+            <a:ext cx="142876" cy="142876"/>
+          </a:xfrm>
+          <a:prstGeom prst="ellipse">
+            <a:avLst/>
+          </a:prstGeom>
+        </p:spPr>
+        <p:style>
+          <a:lnRef idx="2">
+            <a:schemeClr val="accent2">
+              <a:shade val="50000"/>
+            </a:schemeClr>
+          </a:lnRef>
+          <a:fillRef idx="1">
+            <a:schemeClr val="accent2"/>
+          </a:fillRef>
+          <a:effectRef idx="0">
+            <a:schemeClr val="accent2"/>
+          </a:effectRef>
+          <a:fontRef idx="minor">
+            <a:schemeClr val="lt1"/>
+          </a:fontRef>
+        </p:style>
+        <p:txBody>
+          <a:bodyPr rtlCol="0" anchor="ctr"/>
+          <a:lstStyle/>
+          <a:p>
+            <a:pPr algn="ctr"/>
+            <a:endParaRPr lang="zh-CN" altLang="en-US"/>
+          </a:p>
+        </p:txBody>
+      </p:sp>
+      <p:sp>
+        <p:nvSpPr>
+          <p:cNvPr id="58" name="椭圆 57"/>
+          <p:cNvSpPr/>
+          <p:nvPr/>
+        </p:nvSpPr>
+        <p:spPr>
+          <a:xfrm flipV="1">
+            <a:off x="2500298" y="4643446"/>
+            <a:ext cx="142876" cy="142876"/>
+          </a:xfrm>
+          <a:prstGeom prst="ellipse">
+            <a:avLst/>
+          </a:prstGeom>
+        </p:spPr>
+        <p:style>
+          <a:lnRef idx="2">
+            <a:schemeClr val="accent2">
+              <a:shade val="50000"/>
+            </a:schemeClr>
+          </a:lnRef>
+          <a:fillRef idx="1">
+            <a:schemeClr val="accent2"/>
+          </a:fillRef>
+          <a:effectRef idx="0">
+            <a:schemeClr val="accent2"/>
+          </a:effectRef>
+          <a:fontRef idx="minor">
+            <a:schemeClr val="lt1"/>
+          </a:fontRef>
+        </p:style>
+        <p:txBody>
+          <a:bodyPr rtlCol="0" anchor="ctr"/>
+          <a:lstStyle/>
+          <a:p>
+            <a:pPr algn="ctr"/>
+            <a:endParaRPr lang="zh-CN" altLang="en-US"/>
+          </a:p>
+        </p:txBody>
+      </p:sp>
+      <p:sp>
+        <p:nvSpPr>
+          <p:cNvPr id="59" name="椭圆 58"/>
+          <p:cNvSpPr/>
+          <p:nvPr/>
+        </p:nvSpPr>
+        <p:spPr>
+          <a:xfrm flipV="1">
+            <a:off x="2643174" y="4929198"/>
+            <a:ext cx="142876" cy="142876"/>
+          </a:xfrm>
+          <a:prstGeom prst="ellipse">
+            <a:avLst/>
+          </a:prstGeom>
+        </p:spPr>
+        <p:style>
+          <a:lnRef idx="2">
+            <a:schemeClr val="accent2">
+              <a:shade val="50000"/>
+            </a:schemeClr>
+          </a:lnRef>
+          <a:fillRef idx="1">
+            <a:schemeClr val="accent2"/>
+          </a:fillRef>
+          <a:effectRef idx="0">
+            <a:schemeClr val="accent2"/>
+          </a:effectRef>
+          <a:fontRef idx="minor">
+            <a:schemeClr val="lt1"/>
+          </a:fontRef>
+        </p:style>
+        <p:txBody>
+          <a:bodyPr rtlCol="0" anchor="ctr"/>
+          <a:lstStyle/>
+          <a:p>
+            <a:pPr algn="ctr"/>
+            <a:endParaRPr lang="zh-CN" altLang="en-US"/>
+          </a:p>
+        </p:txBody>
+      </p:sp>
+      <p:sp>
+        <p:nvSpPr>
+          <p:cNvPr id="60" name="椭圆 59"/>
+          <p:cNvSpPr/>
+          <p:nvPr/>
+        </p:nvSpPr>
+        <p:spPr>
+          <a:xfrm flipV="1">
+            <a:off x="3071802" y="4857760"/>
+            <a:ext cx="142876" cy="142876"/>
+          </a:xfrm>
+          <a:prstGeom prst="ellipse">
+            <a:avLst/>
+          </a:prstGeom>
+        </p:spPr>
+        <p:style>
+          <a:lnRef idx="2">
+            <a:schemeClr val="accent2">
+              <a:shade val="50000"/>
+            </a:schemeClr>
+          </a:lnRef>
+          <a:fillRef idx="1">
+            <a:schemeClr val="accent2"/>
+          </a:fillRef>
+          <a:effectRef idx="0">
+            <a:schemeClr val="accent2"/>
+          </a:effectRef>
+          <a:fontRef idx="minor">
+            <a:schemeClr val="lt1"/>
+          </a:fontRef>
+        </p:style>
+        <p:txBody>
+          <a:bodyPr rtlCol="0" anchor="ctr"/>
+          <a:lstStyle/>
+          <a:p>
+            <a:pPr algn="ctr"/>
+            <a:endParaRPr lang="zh-CN" altLang="en-US"/>
+          </a:p>
+        </p:txBody>
+      </p:sp>
+      <p:sp>
+        <p:nvSpPr>
+          <p:cNvPr id="61" name="椭圆 60"/>
+          <p:cNvSpPr/>
+          <p:nvPr/>
+        </p:nvSpPr>
+        <p:spPr>
+          <a:xfrm flipV="1">
+            <a:off x="3071802" y="5286388"/>
+            <a:ext cx="142876" cy="142876"/>
+          </a:xfrm>
+          <a:prstGeom prst="ellipse">
+            <a:avLst/>
+          </a:prstGeom>
+        </p:spPr>
+        <p:style>
+          <a:lnRef idx="2">
+            <a:schemeClr val="accent2">
+              <a:shade val="50000"/>
+            </a:schemeClr>
+          </a:lnRef>
+          <a:fillRef idx="1">
+            <a:schemeClr val="accent2"/>
+          </a:fillRef>
+          <a:effectRef idx="0">
+            <a:schemeClr val="accent2"/>
+          </a:effectRef>
+          <a:fontRef idx="minor">
+            <a:schemeClr val="lt1"/>
+          </a:fontRef>
+        </p:style>
+        <p:txBody>
+          <a:bodyPr rtlCol="0" anchor="ctr"/>
+          <a:lstStyle/>
+          <a:p>
+            <a:pPr algn="ctr"/>
+            <a:endParaRPr lang="zh-CN" altLang="en-US"/>
+          </a:p>
+        </p:txBody>
+      </p:sp>
+      <p:sp>
+        <p:nvSpPr>
+          <p:cNvPr id="62" name="椭圆 61"/>
+          <p:cNvSpPr/>
+          <p:nvPr/>
+        </p:nvSpPr>
+        <p:spPr>
+          <a:xfrm flipV="1">
+            <a:off x="2857488" y="5572140"/>
+            <a:ext cx="142876" cy="142876"/>
+          </a:xfrm>
+          <a:prstGeom prst="ellipse">
+            <a:avLst/>
+          </a:prstGeom>
+        </p:spPr>
+        <p:style>
+          <a:lnRef idx="2">
+            <a:schemeClr val="accent2">
+              <a:shade val="50000"/>
+            </a:schemeClr>
+          </a:lnRef>
+          <a:fillRef idx="1">
+            <a:schemeClr val="accent2"/>
+          </a:fillRef>
+          <a:effectRef idx="0">
+            <a:schemeClr val="accent2"/>
+          </a:effectRef>
+          <a:fontRef idx="minor">
+            <a:schemeClr val="lt1"/>
+          </a:fontRef>
+        </p:style>
+        <p:txBody>
+          <a:bodyPr rtlCol="0" anchor="ctr"/>
+          <a:lstStyle/>
+          <a:p>
+            <a:pPr algn="ctr"/>
+            <a:endParaRPr lang="zh-CN" altLang="en-US"/>
+          </a:p>
+        </p:txBody>
+      </p:sp>
+      <p:sp>
+        <p:nvSpPr>
+          <p:cNvPr id="63" name="椭圆 62"/>
+          <p:cNvSpPr/>
+          <p:nvPr/>
+        </p:nvSpPr>
+        <p:spPr>
+          <a:xfrm flipV="1">
+            <a:off x="3286116" y="5572140"/>
+            <a:ext cx="142876" cy="142876"/>
+          </a:xfrm>
+          <a:prstGeom prst="ellipse">
+            <a:avLst/>
+          </a:prstGeom>
+        </p:spPr>
+        <p:style>
+          <a:lnRef idx="2">
+            <a:schemeClr val="accent2">
+              <a:shade val="50000"/>
+            </a:schemeClr>
+          </a:lnRef>
+          <a:fillRef idx="1">
+            <a:schemeClr val="accent2"/>
+          </a:fillRef>
+          <a:effectRef idx="0">
+            <a:schemeClr val="accent2"/>
+          </a:effectRef>
+          <a:fontRef idx="minor">
+            <a:schemeClr val="lt1"/>
+          </a:fontRef>
+        </p:style>
+        <p:txBody>
+          <a:bodyPr rtlCol="0" anchor="ctr"/>
+          <a:lstStyle/>
+          <a:p>
+            <a:pPr algn="ctr"/>
+            <a:endParaRPr lang="zh-CN" altLang="en-US"/>
+          </a:p>
+        </p:txBody>
+      </p:sp>
+      <p:sp>
+        <p:nvSpPr>
+          <p:cNvPr id="64" name="椭圆 63"/>
+          <p:cNvSpPr/>
+          <p:nvPr/>
+        </p:nvSpPr>
+        <p:spPr>
+          <a:xfrm flipV="1">
+            <a:off x="2857488" y="5929330"/>
+            <a:ext cx="142876" cy="142876"/>
+          </a:xfrm>
+          <a:prstGeom prst="ellipse">
+            <a:avLst/>
+          </a:prstGeom>
+        </p:spPr>
+        <p:style>
+          <a:lnRef idx="2">
+            <a:schemeClr val="accent2">
+              <a:shade val="50000"/>
+            </a:schemeClr>
+          </a:lnRef>
+          <a:fillRef idx="1">
+            <a:schemeClr val="accent2"/>
+          </a:fillRef>
+          <a:effectRef idx="0">
+            <a:schemeClr val="accent2"/>
+          </a:effectRef>
+          <a:fontRef idx="minor">
+            <a:schemeClr val="lt1"/>
+          </a:fontRef>
+        </p:style>
+        <p:txBody>
+          <a:bodyPr rtlCol="0" anchor="ctr"/>
+          <a:lstStyle/>
+          <a:p>
+            <a:pPr algn="ctr"/>
+            <a:endParaRPr lang="zh-CN" altLang="en-US"/>
+          </a:p>
+        </p:txBody>
+      </p:sp>
+      <p:sp>
+        <p:nvSpPr>
+          <p:cNvPr id="66" name="矩形 65"/>
+          <p:cNvSpPr/>
+          <p:nvPr/>
+        </p:nvSpPr>
+        <p:spPr>
+          <a:xfrm>
+            <a:off x="5286380" y="4572009"/>
+            <a:ext cx="2000264" cy="1714512"/>
+          </a:xfrm>
+          <a:prstGeom prst="rect">
+            <a:avLst/>
+          </a:prstGeom>
+          <a:solidFill>
+            <a:schemeClr val="bg1"/>
+          </a:solidFill>
+          <a:ln>
+            <a:solidFill>
+              <a:schemeClr val="tx1"/>
+            </a:solidFill>
+          </a:ln>
+        </p:spPr>
+        <p:style>
+          <a:lnRef idx="2">
+            <a:schemeClr val="accent1">
+              <a:shade val="50000"/>
+            </a:schemeClr>
+          </a:lnRef>
+          <a:fillRef idx="1">
+            <a:schemeClr val="accent1"/>
+          </a:fillRef>
+          <a:effectRef idx="0">
+            <a:schemeClr val="accent1"/>
+          </a:effectRef>
+          <a:fontRef idx="minor">
+            <a:schemeClr val="lt1"/>
+          </a:fontRef>
+        </p:style>
+        <p:txBody>
+          <a:bodyPr rtlCol="0" anchor="ctr"/>
+          <a:lstStyle/>
+          <a:p>
+            <a:pPr algn="ctr"/>
+            <a:endParaRPr lang="zh-CN" altLang="en-US"/>
+          </a:p>
+        </p:txBody>
+      </p:sp>
+      <p:cxnSp>
+        <p:nvCxnSpPr>
+          <p:cNvPr id="67" name="直接连接符 66"/>
+          <p:cNvCxnSpPr/>
+          <p:nvPr/>
+        </p:nvCxnSpPr>
+        <p:spPr>
+          <a:xfrm rot="5400000" flipH="1" flipV="1">
+            <a:off x="6786578" y="5214951"/>
+            <a:ext cx="500066" cy="500066"/>
+          </a:xfrm>
+          <a:prstGeom prst="line">
+            <a:avLst/>
+          </a:prstGeom>
+          <a:ln w="28575">
+            <a:solidFill>
+              <a:schemeClr val="tx1"/>
+            </a:solidFill>
+          </a:ln>
+        </p:spPr>
+        <p:style>
+          <a:lnRef idx="1">
+            <a:schemeClr val="accent1"/>
+          </a:lnRef>
+          <a:fillRef idx="0">
+            <a:schemeClr val="accent1"/>
+          </a:fillRef>
+          <a:effectRef idx="0">
+            <a:schemeClr val="accent1"/>
+          </a:effectRef>
+          <a:fontRef idx="minor">
+            <a:schemeClr val="tx1"/>
+          </a:fontRef>
+        </p:style>
+      </p:cxnSp>
+      <p:cxnSp>
+        <p:nvCxnSpPr>
+          <p:cNvPr id="68" name="直接连接符 67"/>
+          <p:cNvCxnSpPr/>
+          <p:nvPr/>
+        </p:nvCxnSpPr>
+        <p:spPr>
+          <a:xfrm rot="16200000" flipV="1">
+            <a:off x="6679421" y="4607728"/>
+            <a:ext cx="642942" cy="571504"/>
+          </a:xfrm>
+          <a:prstGeom prst="line">
+            <a:avLst/>
+          </a:prstGeom>
+          <a:ln w="28575">
+            <a:solidFill>
+              <a:schemeClr val="tx1"/>
+            </a:solidFill>
+          </a:ln>
+        </p:spPr>
+        <p:style>
+          <a:lnRef idx="1">
+            <a:schemeClr val="accent1"/>
+          </a:lnRef>
+          <a:fillRef idx="0">
+            <a:schemeClr val="accent1"/>
+          </a:fillRef>
+          <a:effectRef idx="0">
+            <a:schemeClr val="accent1"/>
+          </a:effectRef>
+          <a:fontRef idx="minor">
+            <a:schemeClr val="tx1"/>
+          </a:fontRef>
+        </p:style>
+      </p:cxnSp>
+      <p:cxnSp>
+        <p:nvCxnSpPr>
+          <p:cNvPr id="69" name="直接连接符 68"/>
+          <p:cNvCxnSpPr/>
+          <p:nvPr/>
+        </p:nvCxnSpPr>
+        <p:spPr>
+          <a:xfrm rot="16200000" flipV="1">
+            <a:off x="5179223" y="4679166"/>
+            <a:ext cx="785818" cy="571504"/>
+          </a:xfrm>
+          <a:prstGeom prst="line">
+            <a:avLst/>
+          </a:prstGeom>
+          <a:ln w="28575">
+            <a:solidFill>
+              <a:schemeClr val="tx1"/>
+            </a:solidFill>
+          </a:ln>
+        </p:spPr>
+        <p:style>
+          <a:lnRef idx="1">
+            <a:schemeClr val="accent1"/>
+          </a:lnRef>
+          <a:fillRef idx="0">
+            <a:schemeClr val="accent1"/>
+          </a:fillRef>
+          <a:effectRef idx="0">
+            <a:schemeClr val="accent1"/>
+          </a:effectRef>
+          <a:fontRef idx="minor">
+            <a:schemeClr val="tx1"/>
+          </a:fontRef>
+        </p:style>
+      </p:cxnSp>
+      <p:cxnSp>
+        <p:nvCxnSpPr>
+          <p:cNvPr id="70" name="直接连接符 69"/>
+          <p:cNvCxnSpPr/>
+          <p:nvPr/>
+        </p:nvCxnSpPr>
+        <p:spPr>
+          <a:xfrm rot="5400000">
+            <a:off x="5286380" y="5357827"/>
+            <a:ext cx="571504" cy="571504"/>
+          </a:xfrm>
+          <a:prstGeom prst="line">
+            <a:avLst/>
+          </a:prstGeom>
+          <a:ln w="28575">
+            <a:solidFill>
+              <a:schemeClr val="tx1"/>
+            </a:solidFill>
+          </a:ln>
+        </p:spPr>
+        <p:style>
+          <a:lnRef idx="1">
+            <a:schemeClr val="accent1"/>
+          </a:lnRef>
+          <a:fillRef idx="0">
+            <a:schemeClr val="accent1"/>
+          </a:fillRef>
+          <a:effectRef idx="0">
+            <a:schemeClr val="accent1"/>
+          </a:effectRef>
+          <a:fontRef idx="minor">
+            <a:schemeClr val="tx1"/>
+          </a:fontRef>
+        </p:style>
+      </p:cxnSp>
+      <p:cxnSp>
+        <p:nvCxnSpPr>
+          <p:cNvPr id="71" name="直接连接符 70"/>
+          <p:cNvCxnSpPr/>
+          <p:nvPr/>
+        </p:nvCxnSpPr>
+        <p:spPr>
+          <a:xfrm rot="16200000" flipV="1">
+            <a:off x="5429256" y="5786455"/>
+            <a:ext cx="714380" cy="285752"/>
+          </a:xfrm>
+          <a:prstGeom prst="line">
+            <a:avLst/>
+          </a:prstGeom>
+          <a:ln w="28575">
+            <a:solidFill>
+              <a:schemeClr val="tx1"/>
+            </a:solidFill>
+          </a:ln>
+        </p:spPr>
+        <p:style>
+          <a:lnRef idx="1">
+            <a:schemeClr val="accent1"/>
+          </a:lnRef>
+          <a:fillRef idx="0">
+            <a:schemeClr val="accent1"/>
+          </a:fillRef>
+          <a:effectRef idx="0">
+            <a:schemeClr val="accent1"/>
+          </a:effectRef>
+          <a:fontRef idx="minor">
+            <a:schemeClr val="tx1"/>
+          </a:fontRef>
+        </p:style>
+      </p:cxnSp>
+      <p:cxnSp>
+        <p:nvCxnSpPr>
+          <p:cNvPr id="72" name="直接连接符 71"/>
+          <p:cNvCxnSpPr/>
+          <p:nvPr/>
+        </p:nvCxnSpPr>
+        <p:spPr>
+          <a:xfrm flipV="1">
+            <a:off x="6429388" y="5929331"/>
+            <a:ext cx="857256" cy="357190"/>
+          </a:xfrm>
+          <a:prstGeom prst="line">
+            <a:avLst/>
+          </a:prstGeom>
+          <a:ln w="28575">
+            <a:solidFill>
+              <a:schemeClr val="tx1"/>
+            </a:solidFill>
+          </a:ln>
+        </p:spPr>
+        <p:style>
+          <a:lnRef idx="1">
+            <a:schemeClr val="accent1"/>
+          </a:lnRef>
+          <a:fillRef idx="0">
+            <a:schemeClr val="accent1"/>
+          </a:fillRef>
+          <a:effectRef idx="0">
+            <a:schemeClr val="accent1"/>
+          </a:effectRef>
+          <a:fontRef idx="minor">
+            <a:schemeClr val="tx1"/>
+          </a:fontRef>
+        </p:style>
+      </p:cxnSp>
+      <p:cxnSp>
+        <p:nvCxnSpPr>
+          <p:cNvPr id="73" name="直接连接符 72"/>
+          <p:cNvCxnSpPr/>
+          <p:nvPr/>
+        </p:nvCxnSpPr>
+        <p:spPr>
+          <a:xfrm rot="16200000" flipV="1">
+            <a:off x="6357950" y="5500703"/>
+            <a:ext cx="857256" cy="285752"/>
+          </a:xfrm>
+          <a:prstGeom prst="line">
+            <a:avLst/>
+          </a:prstGeom>
+          <a:ln w="28575">
+            <a:solidFill>
+              <a:schemeClr val="tx1"/>
+            </a:solidFill>
+          </a:ln>
+        </p:spPr>
+        <p:style>
+          <a:lnRef idx="1">
+            <a:schemeClr val="accent1"/>
+          </a:lnRef>
+          <a:fillRef idx="0">
+            <a:schemeClr val="accent1"/>
+          </a:fillRef>
+          <a:effectRef idx="0">
+            <a:schemeClr val="accent1"/>
+          </a:effectRef>
+          <a:fontRef idx="minor">
+            <a:schemeClr val="tx1"/>
+          </a:fontRef>
+        </p:style>
+      </p:cxnSp>
+      <p:cxnSp>
+        <p:nvCxnSpPr>
+          <p:cNvPr id="74" name="直接连接符 73"/>
+          <p:cNvCxnSpPr/>
+          <p:nvPr/>
+        </p:nvCxnSpPr>
+        <p:spPr>
+          <a:xfrm rot="5400000" flipH="1" flipV="1">
+            <a:off x="5929322" y="5072075"/>
+            <a:ext cx="1285884" cy="428628"/>
+          </a:xfrm>
+          <a:prstGeom prst="line">
+            <a:avLst/>
+          </a:prstGeom>
+          <a:ln w="28575">
+            <a:solidFill>
+              <a:schemeClr val="tx1"/>
+            </a:solidFill>
+          </a:ln>
+        </p:spPr>
+        <p:style>
+          <a:lnRef idx="1">
+            <a:schemeClr val="accent1"/>
+          </a:lnRef>
+          <a:fillRef idx="0">
+            <a:schemeClr val="accent1"/>
+          </a:fillRef>
+          <a:effectRef idx="0">
+            <a:schemeClr val="accent1"/>
+          </a:effectRef>
+          <a:fontRef idx="minor">
+            <a:schemeClr val="tx1"/>
+          </a:fontRef>
+        </p:style>
+      </p:cxnSp>
+      <p:cxnSp>
+        <p:nvCxnSpPr>
+          <p:cNvPr id="75" name="直接连接符 74"/>
+          <p:cNvCxnSpPr/>
+          <p:nvPr/>
+        </p:nvCxnSpPr>
+        <p:spPr>
+          <a:xfrm rot="16200000" flipV="1">
+            <a:off x="5857884" y="5715017"/>
+            <a:ext cx="928694" cy="214314"/>
+          </a:xfrm>
+          <a:prstGeom prst="line">
+            <a:avLst/>
+          </a:prstGeom>
+          <a:ln w="28575">
+            <a:solidFill>
+              <a:schemeClr val="tx1"/>
+            </a:solidFill>
+          </a:ln>
+        </p:spPr>
+        <p:style>
+          <a:lnRef idx="1">
+            <a:schemeClr val="accent1"/>
+          </a:lnRef>
+          <a:fillRef idx="0">
+            <a:schemeClr val="accent1"/>
+          </a:fillRef>
+          <a:effectRef idx="0">
+            <a:schemeClr val="accent1"/>
+          </a:effectRef>
+          <a:fontRef idx="minor">
+            <a:schemeClr val="tx1"/>
+          </a:fontRef>
+        </p:style>
+      </p:cxnSp>
+      <p:cxnSp>
+        <p:nvCxnSpPr>
+          <p:cNvPr id="76" name="直接连接符 75"/>
+          <p:cNvCxnSpPr/>
+          <p:nvPr/>
+        </p:nvCxnSpPr>
+        <p:spPr>
+          <a:xfrm rot="10800000">
+            <a:off x="5857884" y="5357827"/>
+            <a:ext cx="714380" cy="0"/>
+          </a:xfrm>
+          <a:prstGeom prst="line">
+            <a:avLst/>
+          </a:prstGeom>
+          <a:ln w="28575">
+            <a:solidFill>
+              <a:schemeClr val="tx1"/>
+            </a:solidFill>
+          </a:ln>
+        </p:spPr>
+        <p:style>
+          <a:lnRef idx="1">
+            <a:schemeClr val="accent1"/>
+          </a:lnRef>
+          <a:fillRef idx="0">
+            <a:schemeClr val="accent1"/>
+          </a:fillRef>
+          <a:effectRef idx="0">
+            <a:schemeClr val="accent1"/>
+          </a:effectRef>
+          <a:fontRef idx="minor">
+            <a:schemeClr val="tx1"/>
+          </a:fontRef>
+        </p:style>
+      </p:cxnSp>
+      <p:cxnSp>
+        <p:nvCxnSpPr>
+          <p:cNvPr id="77" name="直接连接符 76"/>
+          <p:cNvCxnSpPr/>
+          <p:nvPr/>
+        </p:nvCxnSpPr>
+        <p:spPr>
+          <a:xfrm rot="16200000" flipV="1">
+            <a:off x="5857884" y="4714885"/>
+            <a:ext cx="785818" cy="500066"/>
+          </a:xfrm>
+          <a:prstGeom prst="line">
+            <a:avLst/>
+          </a:prstGeom>
+          <a:ln w="28575">
+            <a:solidFill>
+              <a:schemeClr val="tx1"/>
+            </a:solidFill>
+          </a:ln>
+        </p:spPr>
+        <p:style>
+          <a:lnRef idx="1">
+            <a:schemeClr val="accent1"/>
+          </a:lnRef>
+          <a:fillRef idx="0">
+            <a:schemeClr val="accent1"/>
+          </a:fillRef>
+          <a:effectRef idx="0">
+            <a:schemeClr val="accent1"/>
+          </a:effectRef>
+          <a:fontRef idx="minor">
+            <a:schemeClr val="tx1"/>
+          </a:fontRef>
+        </p:style>
+      </p:cxnSp>
+      <p:sp>
+        <p:nvSpPr>
+          <p:cNvPr id="78" name="椭圆 77"/>
+          <p:cNvSpPr/>
+          <p:nvPr/>
+        </p:nvSpPr>
+        <p:spPr>
+          <a:xfrm flipV="1">
+            <a:off x="5786446" y="4857761"/>
+            <a:ext cx="142876" cy="142876"/>
+          </a:xfrm>
+          <a:prstGeom prst="ellipse">
+            <a:avLst/>
+          </a:prstGeom>
+          <a:solidFill>
+            <a:srgbClr val="00B0F0"/>
+          </a:solidFill>
+          <a:ln>
+            <a:solidFill>
+              <a:srgbClr val="0070C0"/>
+            </a:solidFill>
+          </a:ln>
+        </p:spPr>
+        <p:style>
+          <a:lnRef idx="2">
+            <a:schemeClr val="accent2">
+              <a:shade val="50000"/>
+            </a:schemeClr>
+          </a:lnRef>
+          <a:fillRef idx="1">
+            <a:schemeClr val="accent2"/>
+          </a:fillRef>
+          <a:effectRef idx="0">
+            <a:schemeClr val="accent2"/>
+          </a:effectRef>
+          <a:fontRef idx="minor">
+            <a:schemeClr val="lt1"/>
+          </a:fontRef>
+        </p:style>
+        <p:txBody>
+          <a:bodyPr rtlCol="0" anchor="ctr"/>
+          <a:lstStyle/>
+          <a:p>
+            <a:pPr algn="ctr"/>
+            <a:endParaRPr lang="zh-CN" altLang="en-US"/>
+          </a:p>
+        </p:txBody>
+      </p:sp>
+      <p:sp>
+        <p:nvSpPr>
+          <p:cNvPr id="79" name="椭圆 78"/>
+          <p:cNvSpPr/>
+          <p:nvPr/>
+        </p:nvSpPr>
+        <p:spPr>
+          <a:xfrm flipV="1">
+            <a:off x="5429256" y="5214951"/>
+            <a:ext cx="142876" cy="142876"/>
+          </a:xfrm>
+          <a:prstGeom prst="ellipse">
+            <a:avLst/>
+          </a:prstGeom>
+          <a:solidFill>
+            <a:srgbClr val="00B0F0"/>
+          </a:solidFill>
+          <a:ln>
+            <a:solidFill>
+              <a:srgbClr val="0070C0"/>
+            </a:solidFill>
+          </a:ln>
+        </p:spPr>
+        <p:style>
+          <a:lnRef idx="2">
+            <a:schemeClr val="accent2">
+              <a:shade val="50000"/>
+            </a:schemeClr>
+          </a:lnRef>
+          <a:fillRef idx="1">
+            <a:schemeClr val="accent2"/>
+          </a:fillRef>
+          <a:effectRef idx="0">
+            <a:schemeClr val="accent2"/>
+          </a:effectRef>
+          <a:fontRef idx="minor">
+            <a:schemeClr val="lt1"/>
+          </a:fontRef>
+        </p:style>
+        <p:txBody>
+          <a:bodyPr rtlCol="0" anchor="ctr"/>
+          <a:lstStyle/>
+          <a:p>
+            <a:pPr algn="ctr"/>
+            <a:endParaRPr lang="zh-CN" altLang="en-US"/>
+          </a:p>
+        </p:txBody>
+      </p:sp>
+      <p:sp>
+        <p:nvSpPr>
+          <p:cNvPr id="81" name="椭圆 80"/>
+          <p:cNvSpPr/>
+          <p:nvPr/>
+        </p:nvSpPr>
+        <p:spPr>
+          <a:xfrm flipV="1">
+            <a:off x="5500694" y="5929331"/>
+            <a:ext cx="142876" cy="142876"/>
+          </a:xfrm>
+          <a:prstGeom prst="ellipse">
+            <a:avLst/>
+          </a:prstGeom>
+          <a:solidFill>
+            <a:srgbClr val="00B0F0"/>
+          </a:solidFill>
+          <a:ln>
+            <a:solidFill>
+              <a:srgbClr val="0070C0"/>
+            </a:solidFill>
+          </a:ln>
+        </p:spPr>
+        <p:style>
+          <a:lnRef idx="2">
+            <a:schemeClr val="accent2">
+              <a:shade val="50000"/>
+            </a:schemeClr>
+          </a:lnRef>
+          <a:fillRef idx="1">
+            <a:schemeClr val="accent2"/>
+          </a:fillRef>
+          <a:effectRef idx="0">
+            <a:schemeClr val="accent2"/>
+          </a:effectRef>
+          <a:fontRef idx="minor">
+            <a:schemeClr val="lt1"/>
+          </a:fontRef>
+        </p:style>
+        <p:txBody>
+          <a:bodyPr rtlCol="0" anchor="ctr"/>
+          <a:lstStyle/>
+          <a:p>
+            <a:pPr algn="ctr"/>
+            <a:endParaRPr lang="zh-CN" altLang="en-US"/>
+          </a:p>
+        </p:txBody>
+      </p:sp>
+      <p:sp>
+        <p:nvSpPr>
+          <p:cNvPr id="82" name="椭圆 81"/>
+          <p:cNvSpPr/>
+          <p:nvPr/>
+        </p:nvSpPr>
+        <p:spPr>
+          <a:xfrm flipV="1">
+            <a:off x="5929322" y="5715017"/>
+            <a:ext cx="142876" cy="142876"/>
+          </a:xfrm>
+          <a:prstGeom prst="ellipse">
+            <a:avLst/>
+          </a:prstGeom>
+          <a:solidFill>
+            <a:srgbClr val="00B0F0"/>
+          </a:solidFill>
+          <a:ln>
+            <a:solidFill>
+              <a:srgbClr val="0070C0"/>
+            </a:solidFill>
+          </a:ln>
+        </p:spPr>
+        <p:style>
+          <a:lnRef idx="2">
+            <a:schemeClr val="accent2">
+              <a:shade val="50000"/>
+            </a:schemeClr>
+          </a:lnRef>
+          <a:fillRef idx="1">
+            <a:schemeClr val="accent2"/>
+          </a:fillRef>
+          <a:effectRef idx="0">
+            <a:schemeClr val="accent2"/>
+          </a:effectRef>
+          <a:fontRef idx="minor">
+            <a:schemeClr val="lt1"/>
+          </a:fontRef>
+        </p:style>
+        <p:txBody>
+          <a:bodyPr rtlCol="0" anchor="ctr"/>
+          <a:lstStyle/>
+          <a:p>
+            <a:pPr algn="ctr"/>
+            <a:endParaRPr lang="zh-CN" altLang="en-US"/>
+          </a:p>
+        </p:txBody>
+      </p:sp>
+      <p:sp>
+        <p:nvSpPr>
+          <p:cNvPr id="83" name="椭圆 82"/>
+          <p:cNvSpPr/>
+          <p:nvPr/>
+        </p:nvSpPr>
+        <p:spPr>
+          <a:xfrm flipV="1">
+            <a:off x="6286512" y="5500703"/>
+            <a:ext cx="142876" cy="142876"/>
+          </a:xfrm>
+          <a:prstGeom prst="ellipse">
+            <a:avLst/>
+          </a:prstGeom>
+          <a:solidFill>
+            <a:srgbClr val="00B0F0"/>
+          </a:solidFill>
+          <a:ln>
+            <a:solidFill>
+              <a:srgbClr val="0070C0"/>
+            </a:solidFill>
+          </a:ln>
+        </p:spPr>
+        <p:style>
+          <a:lnRef idx="2">
+            <a:schemeClr val="accent2">
+              <a:shade val="50000"/>
+            </a:schemeClr>
+          </a:lnRef>
+          <a:fillRef idx="1">
+            <a:schemeClr val="accent2"/>
+          </a:fillRef>
+          <a:effectRef idx="0">
+            <a:schemeClr val="accent2"/>
+          </a:effectRef>
+          <a:fontRef idx="minor">
+            <a:schemeClr val="lt1"/>
+          </a:fontRef>
+        </p:style>
+        <p:txBody>
+          <a:bodyPr rtlCol="0" anchor="ctr"/>
+          <a:lstStyle/>
+          <a:p>
+            <a:pPr algn="ctr"/>
+            <a:endParaRPr lang="zh-CN" altLang="en-US"/>
+          </a:p>
+        </p:txBody>
+      </p:sp>
+      <p:sp>
+        <p:nvSpPr>
+          <p:cNvPr id="86" name="椭圆 85"/>
+          <p:cNvSpPr/>
+          <p:nvPr/>
+        </p:nvSpPr>
+        <p:spPr>
+          <a:xfrm flipV="1">
+            <a:off x="6357950" y="4786323"/>
+            <a:ext cx="142876" cy="142876"/>
+          </a:xfrm>
+          <a:prstGeom prst="ellipse">
+            <a:avLst/>
+          </a:prstGeom>
+          <a:solidFill>
+            <a:srgbClr val="00B0F0"/>
+          </a:solidFill>
+          <a:ln>
+            <a:solidFill>
+              <a:srgbClr val="0070C0"/>
+            </a:solidFill>
+          </a:ln>
+        </p:spPr>
+        <p:style>
+          <a:lnRef idx="2">
+            <a:schemeClr val="accent2">
+              <a:shade val="50000"/>
+            </a:schemeClr>
+          </a:lnRef>
+          <a:fillRef idx="1">
+            <a:schemeClr val="accent2"/>
+          </a:fillRef>
+          <a:effectRef idx="0">
+            <a:schemeClr val="accent2"/>
+          </a:effectRef>
+          <a:fontRef idx="minor">
+            <a:schemeClr val="lt1"/>
+          </a:fontRef>
+        </p:style>
+        <p:txBody>
+          <a:bodyPr rtlCol="0" anchor="ctr"/>
+          <a:lstStyle/>
+          <a:p>
+            <a:pPr algn="ctr"/>
+            <a:endParaRPr lang="zh-CN" altLang="en-US"/>
+          </a:p>
+        </p:txBody>
+      </p:sp>
+      <p:sp>
+        <p:nvSpPr>
+          <p:cNvPr id="87" name="椭圆 86"/>
+          <p:cNvSpPr/>
+          <p:nvPr/>
+        </p:nvSpPr>
+        <p:spPr>
+          <a:xfrm flipV="1">
+            <a:off x="7000892" y="4643447"/>
+            <a:ext cx="142876" cy="142876"/>
+          </a:xfrm>
+          <a:prstGeom prst="ellipse">
+            <a:avLst/>
+          </a:prstGeom>
+          <a:solidFill>
+            <a:srgbClr val="00B0F0"/>
+          </a:solidFill>
+          <a:ln>
+            <a:solidFill>
+              <a:srgbClr val="0070C0"/>
+            </a:solidFill>
+          </a:ln>
+        </p:spPr>
+        <p:style>
+          <a:lnRef idx="2">
+            <a:schemeClr val="accent2">
+              <a:shade val="50000"/>
+            </a:schemeClr>
+          </a:lnRef>
+          <a:fillRef idx="1">
+            <a:schemeClr val="accent2"/>
+          </a:fillRef>
+          <a:effectRef idx="0">
+            <a:schemeClr val="accent2"/>
+          </a:effectRef>
+          <a:fontRef idx="minor">
+            <a:schemeClr val="lt1"/>
+          </a:fontRef>
+        </p:style>
+        <p:txBody>
+          <a:bodyPr rtlCol="0" anchor="ctr"/>
+          <a:lstStyle/>
+          <a:p>
+            <a:pPr algn="ctr"/>
+            <a:endParaRPr lang="zh-CN" altLang="en-US"/>
+          </a:p>
+        </p:txBody>
+      </p:sp>
+      <p:sp>
+        <p:nvSpPr>
+          <p:cNvPr id="88" name="椭圆 87"/>
+          <p:cNvSpPr/>
+          <p:nvPr/>
+        </p:nvSpPr>
+        <p:spPr>
+          <a:xfrm flipV="1">
+            <a:off x="6858016" y="5143513"/>
+            <a:ext cx="142876" cy="142876"/>
+          </a:xfrm>
+          <a:prstGeom prst="ellipse">
+            <a:avLst/>
+          </a:prstGeom>
+          <a:solidFill>
+            <a:srgbClr val="00B0F0"/>
+          </a:solidFill>
+          <a:ln>
+            <a:solidFill>
+              <a:srgbClr val="0070C0"/>
+            </a:solidFill>
+          </a:ln>
+        </p:spPr>
+        <p:style>
+          <a:lnRef idx="2">
+            <a:schemeClr val="accent2">
+              <a:shade val="50000"/>
+            </a:schemeClr>
+          </a:lnRef>
+          <a:fillRef idx="1">
+            <a:schemeClr val="accent2"/>
+          </a:fillRef>
+          <a:effectRef idx="0">
+            <a:schemeClr val="accent2"/>
+          </a:effectRef>
+          <a:fontRef idx="minor">
+            <a:schemeClr val="lt1"/>
+          </a:fontRef>
+        </p:style>
+        <p:txBody>
+          <a:bodyPr rtlCol="0" anchor="ctr"/>
+          <a:lstStyle/>
+          <a:p>
+            <a:pPr algn="ctr"/>
+            <a:endParaRPr lang="zh-CN" altLang="en-US"/>
+          </a:p>
+        </p:txBody>
+      </p:sp>
+      <p:sp>
+        <p:nvSpPr>
+          <p:cNvPr id="89" name="椭圆 88"/>
+          <p:cNvSpPr/>
+          <p:nvPr/>
+        </p:nvSpPr>
+        <p:spPr>
+          <a:xfrm flipV="1">
+            <a:off x="7000892" y="6072207"/>
+            <a:ext cx="142876" cy="142876"/>
+          </a:xfrm>
+          <a:prstGeom prst="ellipse">
+            <a:avLst/>
+          </a:prstGeom>
+          <a:solidFill>
+            <a:srgbClr val="00B0F0"/>
+          </a:solidFill>
+          <a:ln>
+            <a:solidFill>
+              <a:srgbClr val="0070C0"/>
+            </a:solidFill>
+          </a:ln>
+        </p:spPr>
+        <p:style>
+          <a:lnRef idx="2">
+            <a:schemeClr val="accent2">
+              <a:shade val="50000"/>
+            </a:schemeClr>
+          </a:lnRef>
+          <a:fillRef idx="1">
+            <a:schemeClr val="accent2"/>
+          </a:fillRef>
+          <a:effectRef idx="0">
+            <a:schemeClr val="accent2"/>
+          </a:effectRef>
+          <a:fontRef idx="minor">
+            <a:schemeClr val="lt1"/>
+          </a:fontRef>
+        </p:style>
+        <p:txBody>
+          <a:bodyPr rtlCol="0" anchor="ctr"/>
+          <a:lstStyle/>
+          <a:p>
+            <a:pPr algn="ctr"/>
+            <a:endParaRPr lang="zh-CN" altLang="en-US"/>
+          </a:p>
+        </p:txBody>
+      </p:sp>
+      <p:sp>
+        <p:nvSpPr>
+          <p:cNvPr id="90" name="椭圆 89"/>
+          <p:cNvSpPr/>
+          <p:nvPr/>
+        </p:nvSpPr>
+        <p:spPr>
+          <a:xfrm flipV="1">
+            <a:off x="7000892" y="5643579"/>
+            <a:ext cx="142876" cy="142876"/>
+          </a:xfrm>
+          <a:prstGeom prst="ellipse">
+            <a:avLst/>
+          </a:prstGeom>
+          <a:solidFill>
+            <a:srgbClr val="00B0F0"/>
+          </a:solidFill>
+          <a:ln>
+            <a:solidFill>
+              <a:srgbClr val="0070C0"/>
+            </a:solidFill>
+          </a:ln>
+        </p:spPr>
+        <p:style>
+          <a:lnRef idx="2">
+            <a:schemeClr val="accent2">
+              <a:shade val="50000"/>
+            </a:schemeClr>
+          </a:lnRef>
+          <a:fillRef idx="1">
+            <a:schemeClr val="accent2"/>
+          </a:fillRef>
+          <a:effectRef idx="0">
+            <a:schemeClr val="accent2"/>
+          </a:effectRef>
+          <a:fontRef idx="minor">
+            <a:schemeClr val="lt1"/>
+          </a:fontRef>
+        </p:style>
+        <p:txBody>
+          <a:bodyPr rtlCol="0" anchor="ctr"/>
+          <a:lstStyle/>
+          <a:p>
+            <a:pPr algn="ctr"/>
+            <a:endParaRPr lang="zh-CN" altLang="en-US"/>
+          </a:p>
+        </p:txBody>
+      </p:sp>
+      <p:sp>
+        <p:nvSpPr>
+          <p:cNvPr id="91" name="椭圆 90"/>
+          <p:cNvSpPr/>
+          <p:nvPr/>
+        </p:nvSpPr>
+        <p:spPr>
+          <a:xfrm flipV="1">
+            <a:off x="6500826" y="5786455"/>
+            <a:ext cx="142876" cy="142876"/>
+          </a:xfrm>
+          <a:prstGeom prst="ellipse">
+            <a:avLst/>
+          </a:prstGeom>
+          <a:solidFill>
+            <a:srgbClr val="00B0F0"/>
+          </a:solidFill>
+          <a:ln>
+            <a:solidFill>
+              <a:srgbClr val="0070C0"/>
+            </a:solidFill>
+          </a:ln>
+        </p:spPr>
+        <p:style>
+          <a:lnRef idx="2">
+            <a:schemeClr val="accent2">
+              <a:shade val="50000"/>
+            </a:schemeClr>
+          </a:lnRef>
+          <a:fillRef idx="1">
+            <a:schemeClr val="accent2"/>
+          </a:fillRef>
+          <a:effectRef idx="0">
+            <a:schemeClr val="accent2"/>
+          </a:effectRef>
+          <a:fontRef idx="minor">
+            <a:schemeClr val="lt1"/>
+          </a:fontRef>
+        </p:style>
+        <p:txBody>
+          <a:bodyPr rtlCol="0" anchor="ctr"/>
+          <a:lstStyle/>
+          <a:p>
+            <a:pPr algn="ctr"/>
+            <a:endParaRPr lang="zh-CN" altLang="en-US"/>
+          </a:p>
+        </p:txBody>
+      </p:sp>
+      <p:cxnSp>
+        <p:nvCxnSpPr>
+          <p:cNvPr id="100" name="曲线连接符 99"/>
+          <p:cNvCxnSpPr>
+            <a:stCxn id="86" idx="4"/>
+            <a:endCxn id="58" idx="5"/>
+          </p:cNvCxnSpPr>
+          <p:nvPr/>
+        </p:nvCxnSpPr>
+        <p:spPr>
+          <a:xfrm rot="16200000" flipV="1">
+            <a:off x="4464843" y="2821778"/>
+            <a:ext cx="121953" cy="3807138"/>
+          </a:xfrm>
+          <a:prstGeom prst="curvedConnector3">
+            <a:avLst>
+              <a:gd name="adj1" fmla="val 298357"/>
+            </a:avLst>
+          </a:prstGeom>
+          <a:ln w="19050">
+            <a:solidFill>
+              <a:srgbClr val="00B050"/>
+            </a:solidFill>
+            <a:tailEnd type="arrow"/>
+          </a:ln>
+        </p:spPr>
+        <p:style>
+          <a:lnRef idx="1">
+            <a:schemeClr val="accent1"/>
+          </a:lnRef>
+          <a:fillRef idx="0">
+            <a:schemeClr val="accent1"/>
+          </a:fillRef>
+          <a:effectRef idx="0">
+            <a:schemeClr val="accent1"/>
+          </a:effectRef>
+          <a:fontRef idx="minor">
+            <a:schemeClr val="tx1"/>
+          </a:fontRef>
+        </p:style>
+      </p:cxnSp>
+      <p:cxnSp>
+        <p:nvCxnSpPr>
+          <p:cNvPr id="102" name="曲线连接符 101"/>
+          <p:cNvCxnSpPr>
+            <a:stCxn id="86" idx="4"/>
+            <a:endCxn id="59" idx="5"/>
+          </p:cNvCxnSpPr>
+          <p:nvPr/>
+        </p:nvCxnSpPr>
+        <p:spPr>
+          <a:xfrm rot="16200000" flipH="1" flipV="1">
+            <a:off x="4515357" y="3036091"/>
+            <a:ext cx="163799" cy="3664262"/>
+          </a:xfrm>
+          <a:prstGeom prst="curvedConnector3">
+            <a:avLst>
+              <a:gd name="adj1" fmla="val -139561"/>
+            </a:avLst>
+          </a:prstGeom>
+          <a:ln w="19050">
+            <a:solidFill>
+              <a:srgbClr val="00B050"/>
+            </a:solidFill>
+            <a:tailEnd type="arrow"/>
+          </a:ln>
+        </p:spPr>
+        <p:style>
+          <a:lnRef idx="1">
+            <a:schemeClr val="accent1"/>
+          </a:lnRef>
+          <a:fillRef idx="0">
+            <a:schemeClr val="accent1"/>
+          </a:fillRef>
+          <a:effectRef idx="0">
+            <a:schemeClr val="accent1"/>
+          </a:effectRef>
+          <a:fontRef idx="minor">
+            <a:schemeClr val="tx1"/>
+          </a:fontRef>
+        </p:style>
+      </p:cxnSp>
     </p:spTree>
-    <p:extLst>
-      <p:ext uri="{BB962C8B-B14F-4D97-AF65-F5344CB8AC3E}">
-        <p14:creationId xmlns:p14="http://schemas.microsoft.com/office/powerpoint/2010/main" val="1912946656"/>
-      </p:ext>
-    </p:extLst>
   </p:cSld>
   <p:clrMapOvr>
     <a:masterClrMapping/>
   </p:clrMapOvr>
-  <mc:AlternateContent xmlns:mc="http://schemas.openxmlformats.org/markup-compatibility/2006" xmlns:p14="http://schemas.microsoft.com/office/powerpoint/2010/main">
-    <mc:Choice Requires="p14">
-      <p:transition spd="slow" p14:dur="2000" advTm="1792"/>
-    </mc:Choice>
-    <mc:Fallback xmlns="">
-      <p:transition spd="slow" advTm="1792"/>
-    </mc:Fallback>
-  </mc:AlternateContent>
+  <p:timing>
+    <p:tnLst>
+      <p:par>
+        <p:cTn id="1" dur="indefinite" restart="never" nodeType="tmRoot">
+          <p:childTnLst>
+            <p:seq concurrent="1" nextAc="seek">
+              <p:cTn id="2" dur="indefinite" nodeType="mainSeq">
+                <p:childTnLst>
+                  <p:par>
+                    <p:cTn id="3" fill="hold">
+                      <p:stCondLst>
+                        <p:cond delay="indefinite"/>
+                      </p:stCondLst>
+                      <p:childTnLst>
+                        <p:par>
+                          <p:cTn id="4" fill="hold">
+                            <p:stCondLst>
+                              <p:cond delay="0"/>
+                            </p:stCondLst>
+                            <p:childTnLst>
+                              <p:par>
+                                <p:cTn id="5" presetID="1" presetClass="entr" presetSubtype="0" fill="hold" grpId="0" nodeType="clickEffect">
+                                  <p:stCondLst>
+                                    <p:cond delay="0"/>
+                                  </p:stCondLst>
+                                  <p:childTnLst>
+                                    <p:set>
+                                      <p:cBhvr>
+                                        <p:cTn id="6" dur="1" fill="hold">
+                                          <p:stCondLst>
+                                            <p:cond delay="0"/>
+                                          </p:stCondLst>
+                                        </p:cTn>
+                                        <p:tgtEl>
+                                          <p:spTgt spid="7"/>
+                                        </p:tgtEl>
+                                        <p:attrNameLst>
+                                          <p:attrName>style.visibility</p:attrName>
+                                        </p:attrNameLst>
+                                      </p:cBhvr>
+                                      <p:to>
+                                        <p:strVal val="visible"/>
+                                      </p:to>
+                                    </p:set>
+                                  </p:childTnLst>
+                                </p:cTn>
+                              </p:par>
+                            </p:childTnLst>
+                          </p:cTn>
+                        </p:par>
+                      </p:childTnLst>
+                    </p:cTn>
+                  </p:par>
+                  <p:par>
+                    <p:cTn id="7" fill="hold">
+                      <p:stCondLst>
+                        <p:cond delay="indefinite"/>
+                      </p:stCondLst>
+                      <p:childTnLst>
+                        <p:par>
+                          <p:cTn id="8" fill="hold">
+                            <p:stCondLst>
+                              <p:cond delay="0"/>
+                            </p:stCondLst>
+                            <p:childTnLst>
+                              <p:par>
+                                <p:cTn id="9" presetID="1" presetClass="entr" presetSubtype="0" fill="hold" grpId="0" nodeType="clickEffect">
+                                  <p:stCondLst>
+                                    <p:cond delay="0"/>
+                                  </p:stCondLst>
+                                  <p:childTnLst>
+                                    <p:set>
+                                      <p:cBhvr>
+                                        <p:cTn id="10" dur="1" fill="hold">
+                                          <p:stCondLst>
+                                            <p:cond delay="0"/>
+                                          </p:stCondLst>
+                                        </p:cTn>
+                                        <p:tgtEl>
+                                          <p:spTgt spid="60"/>
+                                        </p:tgtEl>
+                                        <p:attrNameLst>
+                                          <p:attrName>style.visibility</p:attrName>
+                                        </p:attrNameLst>
+                                      </p:cBhvr>
+                                      <p:to>
+                                        <p:strVal val="visible"/>
+                                      </p:to>
+                                    </p:set>
+                                  </p:childTnLst>
+                                </p:cTn>
+                              </p:par>
+                              <p:par>
+                                <p:cTn id="11" presetID="1" presetClass="entr" presetSubtype="0" fill="hold" grpId="0" nodeType="withEffect">
+                                  <p:stCondLst>
+                                    <p:cond delay="0"/>
+                                  </p:stCondLst>
+                                  <p:childTnLst>
+                                    <p:set>
+                                      <p:cBhvr>
+                                        <p:cTn id="12" dur="1" fill="hold">
+                                          <p:stCondLst>
+                                            <p:cond delay="0"/>
+                                          </p:stCondLst>
+                                        </p:cTn>
+                                        <p:tgtEl>
+                                          <p:spTgt spid="59"/>
+                                        </p:tgtEl>
+                                        <p:attrNameLst>
+                                          <p:attrName>style.visibility</p:attrName>
+                                        </p:attrNameLst>
+                                      </p:cBhvr>
+                                      <p:to>
+                                        <p:strVal val="visible"/>
+                                      </p:to>
+                                    </p:set>
+                                  </p:childTnLst>
+                                </p:cTn>
+                              </p:par>
+                              <p:par>
+                                <p:cTn id="13" presetID="1" presetClass="entr" presetSubtype="0" fill="hold" grpId="0" nodeType="withEffect">
+                                  <p:stCondLst>
+                                    <p:cond delay="0"/>
+                                  </p:stCondLst>
+                                  <p:childTnLst>
+                                    <p:set>
+                                      <p:cBhvr>
+                                        <p:cTn id="14" dur="1" fill="hold">
+                                          <p:stCondLst>
+                                            <p:cond delay="0"/>
+                                          </p:stCondLst>
+                                        </p:cTn>
+                                        <p:tgtEl>
+                                          <p:spTgt spid="58"/>
+                                        </p:tgtEl>
+                                        <p:attrNameLst>
+                                          <p:attrName>style.visibility</p:attrName>
+                                        </p:attrNameLst>
+                                      </p:cBhvr>
+                                      <p:to>
+                                        <p:strVal val="visible"/>
+                                      </p:to>
+                                    </p:set>
+                                  </p:childTnLst>
+                                </p:cTn>
+                              </p:par>
+                              <p:par>
+                                <p:cTn id="15" presetID="1" presetClass="entr" presetSubtype="0" fill="hold" grpId="0" nodeType="withEffect">
+                                  <p:stCondLst>
+                                    <p:cond delay="0"/>
+                                  </p:stCondLst>
+                                  <p:childTnLst>
+                                    <p:set>
+                                      <p:cBhvr>
+                                        <p:cTn id="16" dur="1" fill="hold">
+                                          <p:stCondLst>
+                                            <p:cond delay="0"/>
+                                          </p:stCondLst>
+                                        </p:cTn>
+                                        <p:tgtEl>
+                                          <p:spTgt spid="50"/>
+                                        </p:tgtEl>
+                                        <p:attrNameLst>
+                                          <p:attrName>style.visibility</p:attrName>
+                                        </p:attrNameLst>
+                                      </p:cBhvr>
+                                      <p:to>
+                                        <p:strVal val="visible"/>
+                                      </p:to>
+                                    </p:set>
+                                  </p:childTnLst>
+                                </p:cTn>
+                              </p:par>
+                              <p:par>
+                                <p:cTn id="17" presetID="1" presetClass="entr" presetSubtype="0" fill="hold" grpId="0" nodeType="withEffect">
+                                  <p:stCondLst>
+                                    <p:cond delay="0"/>
+                                  </p:stCondLst>
+                                  <p:childTnLst>
+                                    <p:set>
+                                      <p:cBhvr>
+                                        <p:cTn id="18" dur="1" fill="hold">
+                                          <p:stCondLst>
+                                            <p:cond delay="0"/>
+                                          </p:stCondLst>
+                                        </p:cTn>
+                                        <p:tgtEl>
+                                          <p:spTgt spid="52"/>
+                                        </p:tgtEl>
+                                        <p:attrNameLst>
+                                          <p:attrName>style.visibility</p:attrName>
+                                        </p:attrNameLst>
+                                      </p:cBhvr>
+                                      <p:to>
+                                        <p:strVal val="visible"/>
+                                      </p:to>
+                                    </p:set>
+                                  </p:childTnLst>
+                                </p:cTn>
+                              </p:par>
+                              <p:par>
+                                <p:cTn id="19" presetID="1" presetClass="entr" presetSubtype="0" fill="hold" grpId="0" nodeType="withEffect">
+                                  <p:stCondLst>
+                                    <p:cond delay="0"/>
+                                  </p:stCondLst>
+                                  <p:childTnLst>
+                                    <p:set>
+                                      <p:cBhvr>
+                                        <p:cTn id="20" dur="1" fill="hold">
+                                          <p:stCondLst>
+                                            <p:cond delay="0"/>
+                                          </p:stCondLst>
+                                        </p:cTn>
+                                        <p:tgtEl>
+                                          <p:spTgt spid="53"/>
+                                        </p:tgtEl>
+                                        <p:attrNameLst>
+                                          <p:attrName>style.visibility</p:attrName>
+                                        </p:attrNameLst>
+                                      </p:cBhvr>
+                                      <p:to>
+                                        <p:strVal val="visible"/>
+                                      </p:to>
+                                    </p:set>
+                                  </p:childTnLst>
+                                </p:cTn>
+                              </p:par>
+                              <p:par>
+                                <p:cTn id="21" presetID="1" presetClass="entr" presetSubtype="0" fill="hold" grpId="0" nodeType="withEffect">
+                                  <p:stCondLst>
+                                    <p:cond delay="0"/>
+                                  </p:stCondLst>
+                                  <p:childTnLst>
+                                    <p:set>
+                                      <p:cBhvr>
+                                        <p:cTn id="22" dur="1" fill="hold">
+                                          <p:stCondLst>
+                                            <p:cond delay="0"/>
+                                          </p:stCondLst>
+                                        </p:cTn>
+                                        <p:tgtEl>
+                                          <p:spTgt spid="54"/>
+                                        </p:tgtEl>
+                                        <p:attrNameLst>
+                                          <p:attrName>style.visibility</p:attrName>
+                                        </p:attrNameLst>
+                                      </p:cBhvr>
+                                      <p:to>
+                                        <p:strVal val="visible"/>
+                                      </p:to>
+                                    </p:set>
+                                  </p:childTnLst>
+                                </p:cTn>
+                              </p:par>
+                              <p:par>
+                                <p:cTn id="23" presetID="1" presetClass="entr" presetSubtype="0" fill="hold" grpId="0" nodeType="withEffect">
+                                  <p:stCondLst>
+                                    <p:cond delay="0"/>
+                                  </p:stCondLst>
+                                  <p:childTnLst>
+                                    <p:set>
+                                      <p:cBhvr>
+                                        <p:cTn id="24" dur="1" fill="hold">
+                                          <p:stCondLst>
+                                            <p:cond delay="0"/>
+                                          </p:stCondLst>
+                                        </p:cTn>
+                                        <p:tgtEl>
+                                          <p:spTgt spid="56"/>
+                                        </p:tgtEl>
+                                        <p:attrNameLst>
+                                          <p:attrName>style.visibility</p:attrName>
+                                        </p:attrNameLst>
+                                      </p:cBhvr>
+                                      <p:to>
+                                        <p:strVal val="visible"/>
+                                      </p:to>
+                                    </p:set>
+                                  </p:childTnLst>
+                                </p:cTn>
+                              </p:par>
+                              <p:par>
+                                <p:cTn id="25" presetID="1" presetClass="entr" presetSubtype="0" fill="hold" grpId="0" nodeType="withEffect">
+                                  <p:stCondLst>
+                                    <p:cond delay="0"/>
+                                  </p:stCondLst>
+                                  <p:childTnLst>
+                                    <p:set>
+                                      <p:cBhvr>
+                                        <p:cTn id="26" dur="1" fill="hold">
+                                          <p:stCondLst>
+                                            <p:cond delay="0"/>
+                                          </p:stCondLst>
+                                        </p:cTn>
+                                        <p:tgtEl>
+                                          <p:spTgt spid="55"/>
+                                        </p:tgtEl>
+                                        <p:attrNameLst>
+                                          <p:attrName>style.visibility</p:attrName>
+                                        </p:attrNameLst>
+                                      </p:cBhvr>
+                                      <p:to>
+                                        <p:strVal val="visible"/>
+                                      </p:to>
+                                    </p:set>
+                                  </p:childTnLst>
+                                </p:cTn>
+                              </p:par>
+                              <p:par>
+                                <p:cTn id="27" presetID="1" presetClass="entr" presetSubtype="0" fill="hold" grpId="0" nodeType="withEffect">
+                                  <p:stCondLst>
+                                    <p:cond delay="0"/>
+                                  </p:stCondLst>
+                                  <p:childTnLst>
+                                    <p:set>
+                                      <p:cBhvr>
+                                        <p:cTn id="28" dur="1" fill="hold">
+                                          <p:stCondLst>
+                                            <p:cond delay="0"/>
+                                          </p:stCondLst>
+                                        </p:cTn>
+                                        <p:tgtEl>
+                                          <p:spTgt spid="57"/>
+                                        </p:tgtEl>
+                                        <p:attrNameLst>
+                                          <p:attrName>style.visibility</p:attrName>
+                                        </p:attrNameLst>
+                                      </p:cBhvr>
+                                      <p:to>
+                                        <p:strVal val="visible"/>
+                                      </p:to>
+                                    </p:set>
+                                  </p:childTnLst>
+                                </p:cTn>
+                              </p:par>
+                              <p:par>
+                                <p:cTn id="29" presetID="1" presetClass="entr" presetSubtype="0" fill="hold" grpId="0" nodeType="withEffect">
+                                  <p:stCondLst>
+                                    <p:cond delay="0"/>
+                                  </p:stCondLst>
+                                  <p:childTnLst>
+                                    <p:set>
+                                      <p:cBhvr>
+                                        <p:cTn id="30" dur="1" fill="hold">
+                                          <p:stCondLst>
+                                            <p:cond delay="0"/>
+                                          </p:stCondLst>
+                                        </p:cTn>
+                                        <p:tgtEl>
+                                          <p:spTgt spid="62"/>
+                                        </p:tgtEl>
+                                        <p:attrNameLst>
+                                          <p:attrName>style.visibility</p:attrName>
+                                        </p:attrNameLst>
+                                      </p:cBhvr>
+                                      <p:to>
+                                        <p:strVal val="visible"/>
+                                      </p:to>
+                                    </p:set>
+                                  </p:childTnLst>
+                                </p:cTn>
+                              </p:par>
+                              <p:par>
+                                <p:cTn id="31" presetID="1" presetClass="entr" presetSubtype="0" fill="hold" grpId="0" nodeType="withEffect">
+                                  <p:stCondLst>
+                                    <p:cond delay="0"/>
+                                  </p:stCondLst>
+                                  <p:childTnLst>
+                                    <p:set>
+                                      <p:cBhvr>
+                                        <p:cTn id="32" dur="1" fill="hold">
+                                          <p:stCondLst>
+                                            <p:cond delay="0"/>
+                                          </p:stCondLst>
+                                        </p:cTn>
+                                        <p:tgtEl>
+                                          <p:spTgt spid="64"/>
+                                        </p:tgtEl>
+                                        <p:attrNameLst>
+                                          <p:attrName>style.visibility</p:attrName>
+                                        </p:attrNameLst>
+                                      </p:cBhvr>
+                                      <p:to>
+                                        <p:strVal val="visible"/>
+                                      </p:to>
+                                    </p:set>
+                                  </p:childTnLst>
+                                </p:cTn>
+                              </p:par>
+                              <p:par>
+                                <p:cTn id="33" presetID="1" presetClass="entr" presetSubtype="0" fill="hold" grpId="0" nodeType="withEffect">
+                                  <p:stCondLst>
+                                    <p:cond delay="0"/>
+                                  </p:stCondLst>
+                                  <p:childTnLst>
+                                    <p:set>
+                                      <p:cBhvr>
+                                        <p:cTn id="34" dur="1" fill="hold">
+                                          <p:stCondLst>
+                                            <p:cond delay="0"/>
+                                          </p:stCondLst>
+                                        </p:cTn>
+                                        <p:tgtEl>
+                                          <p:spTgt spid="63"/>
+                                        </p:tgtEl>
+                                        <p:attrNameLst>
+                                          <p:attrName>style.visibility</p:attrName>
+                                        </p:attrNameLst>
+                                      </p:cBhvr>
+                                      <p:to>
+                                        <p:strVal val="visible"/>
+                                      </p:to>
+                                    </p:set>
+                                  </p:childTnLst>
+                                </p:cTn>
+                              </p:par>
+                              <p:par>
+                                <p:cTn id="35" presetID="1" presetClass="entr" presetSubtype="0" fill="hold" grpId="0" nodeType="withEffect">
+                                  <p:stCondLst>
+                                    <p:cond delay="0"/>
+                                  </p:stCondLst>
+                                  <p:childTnLst>
+                                    <p:set>
+                                      <p:cBhvr>
+                                        <p:cTn id="36" dur="1" fill="hold">
+                                          <p:stCondLst>
+                                            <p:cond delay="0"/>
+                                          </p:stCondLst>
+                                        </p:cTn>
+                                        <p:tgtEl>
+                                          <p:spTgt spid="61"/>
+                                        </p:tgtEl>
+                                        <p:attrNameLst>
+                                          <p:attrName>style.visibility</p:attrName>
+                                        </p:attrNameLst>
+                                      </p:cBhvr>
+                                      <p:to>
+                                        <p:strVal val="visible"/>
+                                      </p:to>
+                                    </p:set>
+                                  </p:childTnLst>
+                                </p:cTn>
+                              </p:par>
+                            </p:childTnLst>
+                          </p:cTn>
+                        </p:par>
+                      </p:childTnLst>
+                    </p:cTn>
+                  </p:par>
+                  <p:par>
+                    <p:cTn id="37" fill="hold">
+                      <p:stCondLst>
+                        <p:cond delay="indefinite"/>
+                      </p:stCondLst>
+                      <p:childTnLst>
+                        <p:par>
+                          <p:cTn id="38" fill="hold">
+                            <p:stCondLst>
+                              <p:cond delay="0"/>
+                            </p:stCondLst>
+                            <p:childTnLst>
+                              <p:par>
+                                <p:cTn id="39" presetID="1" presetClass="entr" presetSubtype="0" fill="hold" nodeType="clickEffect">
+                                  <p:stCondLst>
+                                    <p:cond delay="0"/>
+                                  </p:stCondLst>
+                                  <p:childTnLst>
+                                    <p:set>
+                                      <p:cBhvr>
+                                        <p:cTn id="40" dur="1" fill="hold">
+                                          <p:stCondLst>
+                                            <p:cond delay="0"/>
+                                          </p:stCondLst>
+                                        </p:cTn>
+                                        <p:tgtEl>
+                                          <p:spTgt spid="11"/>
+                                        </p:tgtEl>
+                                        <p:attrNameLst>
+                                          <p:attrName>style.visibility</p:attrName>
+                                        </p:attrNameLst>
+                                      </p:cBhvr>
+                                      <p:to>
+                                        <p:strVal val="visible"/>
+                                      </p:to>
+                                    </p:set>
+                                  </p:childTnLst>
+                                </p:cTn>
+                              </p:par>
+                              <p:par>
+                                <p:cTn id="41" presetID="1" presetClass="entr" presetSubtype="0" fill="hold" nodeType="withEffect">
+                                  <p:stCondLst>
+                                    <p:cond delay="0"/>
+                                  </p:stCondLst>
+                                  <p:childTnLst>
+                                    <p:set>
+                                      <p:cBhvr>
+                                        <p:cTn id="42" dur="1" fill="hold">
+                                          <p:stCondLst>
+                                            <p:cond delay="0"/>
+                                          </p:stCondLst>
+                                        </p:cTn>
+                                        <p:tgtEl>
+                                          <p:spTgt spid="25"/>
+                                        </p:tgtEl>
+                                        <p:attrNameLst>
+                                          <p:attrName>style.visibility</p:attrName>
+                                        </p:attrNameLst>
+                                      </p:cBhvr>
+                                      <p:to>
+                                        <p:strVal val="visible"/>
+                                      </p:to>
+                                    </p:set>
+                                  </p:childTnLst>
+                                </p:cTn>
+                              </p:par>
+                              <p:par>
+                                <p:cTn id="43" presetID="1" presetClass="entr" presetSubtype="0" fill="hold" nodeType="withEffect">
+                                  <p:stCondLst>
+                                    <p:cond delay="0"/>
+                                  </p:stCondLst>
+                                  <p:childTnLst>
+                                    <p:set>
+                                      <p:cBhvr>
+                                        <p:cTn id="44" dur="1" fill="hold">
+                                          <p:stCondLst>
+                                            <p:cond delay="0"/>
+                                          </p:stCondLst>
+                                        </p:cTn>
+                                        <p:tgtEl>
+                                          <p:spTgt spid="28"/>
+                                        </p:tgtEl>
+                                        <p:attrNameLst>
+                                          <p:attrName>style.visibility</p:attrName>
+                                        </p:attrNameLst>
+                                      </p:cBhvr>
+                                      <p:to>
+                                        <p:strVal val="visible"/>
+                                      </p:to>
+                                    </p:set>
+                                  </p:childTnLst>
+                                </p:cTn>
+                              </p:par>
+                              <p:par>
+                                <p:cTn id="45" presetID="1" presetClass="entr" presetSubtype="0" fill="hold" nodeType="withEffect">
+                                  <p:stCondLst>
+                                    <p:cond delay="0"/>
+                                  </p:stCondLst>
+                                  <p:childTnLst>
+                                    <p:set>
+                                      <p:cBhvr>
+                                        <p:cTn id="46" dur="1" fill="hold">
+                                          <p:stCondLst>
+                                            <p:cond delay="0"/>
+                                          </p:stCondLst>
+                                        </p:cTn>
+                                        <p:tgtEl>
+                                          <p:spTgt spid="33"/>
+                                        </p:tgtEl>
+                                        <p:attrNameLst>
+                                          <p:attrName>style.visibility</p:attrName>
+                                        </p:attrNameLst>
+                                      </p:cBhvr>
+                                      <p:to>
+                                        <p:strVal val="visible"/>
+                                      </p:to>
+                                    </p:set>
+                                  </p:childTnLst>
+                                </p:cTn>
+                              </p:par>
+                              <p:par>
+                                <p:cTn id="47" presetID="1" presetClass="entr" presetSubtype="0" fill="hold" nodeType="withEffect">
+                                  <p:stCondLst>
+                                    <p:cond delay="0"/>
+                                  </p:stCondLst>
+                                  <p:childTnLst>
+                                    <p:set>
+                                      <p:cBhvr>
+                                        <p:cTn id="48" dur="1" fill="hold">
+                                          <p:stCondLst>
+                                            <p:cond delay="0"/>
+                                          </p:stCondLst>
+                                        </p:cTn>
+                                        <p:tgtEl>
+                                          <p:spTgt spid="47"/>
+                                        </p:tgtEl>
+                                        <p:attrNameLst>
+                                          <p:attrName>style.visibility</p:attrName>
+                                        </p:attrNameLst>
+                                      </p:cBhvr>
+                                      <p:to>
+                                        <p:strVal val="visible"/>
+                                      </p:to>
+                                    </p:set>
+                                  </p:childTnLst>
+                                </p:cTn>
+                              </p:par>
+                              <p:par>
+                                <p:cTn id="49" presetID="1" presetClass="entr" presetSubtype="0" fill="hold" nodeType="withEffect">
+                                  <p:stCondLst>
+                                    <p:cond delay="0"/>
+                                  </p:stCondLst>
+                                  <p:childTnLst>
+                                    <p:set>
+                                      <p:cBhvr>
+                                        <p:cTn id="50" dur="1" fill="hold">
+                                          <p:stCondLst>
+                                            <p:cond delay="0"/>
+                                          </p:stCondLst>
+                                        </p:cTn>
+                                        <p:tgtEl>
+                                          <p:spTgt spid="14"/>
+                                        </p:tgtEl>
+                                        <p:attrNameLst>
+                                          <p:attrName>style.visibility</p:attrName>
+                                        </p:attrNameLst>
+                                      </p:cBhvr>
+                                      <p:to>
+                                        <p:strVal val="visible"/>
+                                      </p:to>
+                                    </p:set>
+                                  </p:childTnLst>
+                                </p:cTn>
+                              </p:par>
+                              <p:par>
+                                <p:cTn id="51" presetID="1" presetClass="entr" presetSubtype="0" fill="hold" nodeType="withEffect">
+                                  <p:stCondLst>
+                                    <p:cond delay="0"/>
+                                  </p:stCondLst>
+                                  <p:childTnLst>
+                                    <p:set>
+                                      <p:cBhvr>
+                                        <p:cTn id="52" dur="1" fill="hold">
+                                          <p:stCondLst>
+                                            <p:cond delay="0"/>
+                                          </p:stCondLst>
+                                        </p:cTn>
+                                        <p:tgtEl>
+                                          <p:spTgt spid="43"/>
+                                        </p:tgtEl>
+                                        <p:attrNameLst>
+                                          <p:attrName>style.visibility</p:attrName>
+                                        </p:attrNameLst>
+                                      </p:cBhvr>
+                                      <p:to>
+                                        <p:strVal val="visible"/>
+                                      </p:to>
+                                    </p:set>
+                                  </p:childTnLst>
+                                </p:cTn>
+                              </p:par>
+                              <p:par>
+                                <p:cTn id="53" presetID="1" presetClass="entr" presetSubtype="0" fill="hold" nodeType="withEffect">
+                                  <p:stCondLst>
+                                    <p:cond delay="0"/>
+                                  </p:stCondLst>
+                                  <p:childTnLst>
+                                    <p:set>
+                                      <p:cBhvr>
+                                        <p:cTn id="54" dur="1" fill="hold">
+                                          <p:stCondLst>
+                                            <p:cond delay="0"/>
+                                          </p:stCondLst>
+                                        </p:cTn>
+                                        <p:tgtEl>
+                                          <p:spTgt spid="40"/>
+                                        </p:tgtEl>
+                                        <p:attrNameLst>
+                                          <p:attrName>style.visibility</p:attrName>
+                                        </p:attrNameLst>
+                                      </p:cBhvr>
+                                      <p:to>
+                                        <p:strVal val="visible"/>
+                                      </p:to>
+                                    </p:set>
+                                  </p:childTnLst>
+                                </p:cTn>
+                              </p:par>
+                              <p:par>
+                                <p:cTn id="55" presetID="1" presetClass="entr" presetSubtype="0" fill="hold" nodeType="withEffect">
+                                  <p:stCondLst>
+                                    <p:cond delay="0"/>
+                                  </p:stCondLst>
+                                  <p:childTnLst>
+                                    <p:set>
+                                      <p:cBhvr>
+                                        <p:cTn id="56" dur="1" fill="hold">
+                                          <p:stCondLst>
+                                            <p:cond delay="0"/>
+                                          </p:stCondLst>
+                                        </p:cTn>
+                                        <p:tgtEl>
+                                          <p:spTgt spid="20"/>
+                                        </p:tgtEl>
+                                        <p:attrNameLst>
+                                          <p:attrName>style.visibility</p:attrName>
+                                        </p:attrNameLst>
+                                      </p:cBhvr>
+                                      <p:to>
+                                        <p:strVal val="visible"/>
+                                      </p:to>
+                                    </p:set>
+                                  </p:childTnLst>
+                                </p:cTn>
+                              </p:par>
+                              <p:par>
+                                <p:cTn id="57" presetID="1" presetClass="entr" presetSubtype="0" fill="hold" nodeType="withEffect">
+                                  <p:stCondLst>
+                                    <p:cond delay="0"/>
+                                  </p:stCondLst>
+                                  <p:childTnLst>
+                                    <p:set>
+                                      <p:cBhvr>
+                                        <p:cTn id="58" dur="1" fill="hold">
+                                          <p:stCondLst>
+                                            <p:cond delay="0"/>
+                                          </p:stCondLst>
+                                        </p:cTn>
+                                        <p:tgtEl>
+                                          <p:spTgt spid="17"/>
+                                        </p:tgtEl>
+                                        <p:attrNameLst>
+                                          <p:attrName>style.visibility</p:attrName>
+                                        </p:attrNameLst>
+                                      </p:cBhvr>
+                                      <p:to>
+                                        <p:strVal val="visible"/>
+                                      </p:to>
+                                    </p:set>
+                                  </p:childTnLst>
+                                </p:cTn>
+                              </p:par>
+                              <p:par>
+                                <p:cTn id="59" presetID="1" presetClass="entr" presetSubtype="0" fill="hold" nodeType="withEffect">
+                                  <p:stCondLst>
+                                    <p:cond delay="0"/>
+                                  </p:stCondLst>
+                                  <p:childTnLst>
+                                    <p:set>
+                                      <p:cBhvr>
+                                        <p:cTn id="60" dur="1" fill="hold">
+                                          <p:stCondLst>
+                                            <p:cond delay="0"/>
+                                          </p:stCondLst>
+                                        </p:cTn>
+                                        <p:tgtEl>
+                                          <p:spTgt spid="9"/>
+                                        </p:tgtEl>
+                                        <p:attrNameLst>
+                                          <p:attrName>style.visibility</p:attrName>
+                                        </p:attrNameLst>
+                                      </p:cBhvr>
+                                      <p:to>
+                                        <p:strVal val="visible"/>
+                                      </p:to>
+                                    </p:set>
+                                  </p:childTnLst>
+                                </p:cTn>
+                              </p:par>
+                            </p:childTnLst>
+                          </p:cTn>
+                        </p:par>
+                      </p:childTnLst>
+                    </p:cTn>
+                  </p:par>
+                  <p:par>
+                    <p:cTn id="61" fill="hold">
+                      <p:stCondLst>
+                        <p:cond delay="indefinite"/>
+                      </p:stCondLst>
+                      <p:childTnLst>
+                        <p:par>
+                          <p:cTn id="62" fill="hold">
+                            <p:stCondLst>
+                              <p:cond delay="0"/>
+                            </p:stCondLst>
+                            <p:childTnLst>
+                              <p:par>
+                                <p:cTn id="63" presetID="1" presetClass="entr" presetSubtype="0" fill="hold" grpId="0" nodeType="clickEffect">
+                                  <p:stCondLst>
+                                    <p:cond delay="0"/>
+                                  </p:stCondLst>
+                                  <p:childTnLst>
+                                    <p:set>
+                                      <p:cBhvr>
+                                        <p:cTn id="64" dur="1" fill="hold">
+                                          <p:stCondLst>
+                                            <p:cond delay="0"/>
+                                          </p:stCondLst>
+                                        </p:cTn>
+                                        <p:tgtEl>
+                                          <p:spTgt spid="66"/>
+                                        </p:tgtEl>
+                                        <p:attrNameLst>
+                                          <p:attrName>style.visibility</p:attrName>
+                                        </p:attrNameLst>
+                                      </p:cBhvr>
+                                      <p:to>
+                                        <p:strVal val="visible"/>
+                                      </p:to>
+                                    </p:set>
+                                  </p:childTnLst>
+                                </p:cTn>
+                              </p:par>
+                              <p:par>
+                                <p:cTn id="65" presetID="1" presetClass="entr" presetSubtype="0" fill="hold" nodeType="withEffect">
+                                  <p:stCondLst>
+                                    <p:cond delay="0"/>
+                                  </p:stCondLst>
+                                  <p:childTnLst>
+                                    <p:set>
+                                      <p:cBhvr>
+                                        <p:cTn id="66" dur="1" fill="hold">
+                                          <p:stCondLst>
+                                            <p:cond delay="0"/>
+                                          </p:stCondLst>
+                                        </p:cTn>
+                                        <p:tgtEl>
+                                          <p:spTgt spid="68"/>
+                                        </p:tgtEl>
+                                        <p:attrNameLst>
+                                          <p:attrName>style.visibility</p:attrName>
+                                        </p:attrNameLst>
+                                      </p:cBhvr>
+                                      <p:to>
+                                        <p:strVal val="visible"/>
+                                      </p:to>
+                                    </p:set>
+                                  </p:childTnLst>
+                                </p:cTn>
+                              </p:par>
+                              <p:par>
+                                <p:cTn id="67" presetID="1" presetClass="entr" presetSubtype="0" fill="hold" nodeType="withEffect">
+                                  <p:stCondLst>
+                                    <p:cond delay="0"/>
+                                  </p:stCondLst>
+                                  <p:childTnLst>
+                                    <p:set>
+                                      <p:cBhvr>
+                                        <p:cTn id="68" dur="1" fill="hold">
+                                          <p:stCondLst>
+                                            <p:cond delay="0"/>
+                                          </p:stCondLst>
+                                        </p:cTn>
+                                        <p:tgtEl>
+                                          <p:spTgt spid="72"/>
+                                        </p:tgtEl>
+                                        <p:attrNameLst>
+                                          <p:attrName>style.visibility</p:attrName>
+                                        </p:attrNameLst>
+                                      </p:cBhvr>
+                                      <p:to>
+                                        <p:strVal val="visible"/>
+                                      </p:to>
+                                    </p:set>
+                                  </p:childTnLst>
+                                </p:cTn>
+                              </p:par>
+                              <p:par>
+                                <p:cTn id="69" presetID="1" presetClass="entr" presetSubtype="0" fill="hold" nodeType="withEffect">
+                                  <p:stCondLst>
+                                    <p:cond delay="0"/>
+                                  </p:stCondLst>
+                                  <p:childTnLst>
+                                    <p:set>
+                                      <p:cBhvr>
+                                        <p:cTn id="70" dur="1" fill="hold">
+                                          <p:stCondLst>
+                                            <p:cond delay="0"/>
+                                          </p:stCondLst>
+                                        </p:cTn>
+                                        <p:tgtEl>
+                                          <p:spTgt spid="73"/>
+                                        </p:tgtEl>
+                                        <p:attrNameLst>
+                                          <p:attrName>style.visibility</p:attrName>
+                                        </p:attrNameLst>
+                                      </p:cBhvr>
+                                      <p:to>
+                                        <p:strVal val="visible"/>
+                                      </p:to>
+                                    </p:set>
+                                  </p:childTnLst>
+                                </p:cTn>
+                              </p:par>
+                              <p:par>
+                                <p:cTn id="71" presetID="1" presetClass="entr" presetSubtype="0" fill="hold" nodeType="withEffect">
+                                  <p:stCondLst>
+                                    <p:cond delay="0"/>
+                                  </p:stCondLst>
+                                  <p:childTnLst>
+                                    <p:set>
+                                      <p:cBhvr>
+                                        <p:cTn id="72" dur="1" fill="hold">
+                                          <p:stCondLst>
+                                            <p:cond delay="0"/>
+                                          </p:stCondLst>
+                                        </p:cTn>
+                                        <p:tgtEl>
+                                          <p:spTgt spid="74"/>
+                                        </p:tgtEl>
+                                        <p:attrNameLst>
+                                          <p:attrName>style.visibility</p:attrName>
+                                        </p:attrNameLst>
+                                      </p:cBhvr>
+                                      <p:to>
+                                        <p:strVal val="visible"/>
+                                      </p:to>
+                                    </p:set>
+                                  </p:childTnLst>
+                                </p:cTn>
+                              </p:par>
+                              <p:par>
+                                <p:cTn id="73" presetID="1" presetClass="entr" presetSubtype="0" fill="hold" nodeType="withEffect">
+                                  <p:stCondLst>
+                                    <p:cond delay="0"/>
+                                  </p:stCondLst>
+                                  <p:childTnLst>
+                                    <p:set>
+                                      <p:cBhvr>
+                                        <p:cTn id="74" dur="1" fill="hold">
+                                          <p:stCondLst>
+                                            <p:cond delay="0"/>
+                                          </p:stCondLst>
+                                        </p:cTn>
+                                        <p:tgtEl>
+                                          <p:spTgt spid="77"/>
+                                        </p:tgtEl>
+                                        <p:attrNameLst>
+                                          <p:attrName>style.visibility</p:attrName>
+                                        </p:attrNameLst>
+                                      </p:cBhvr>
+                                      <p:to>
+                                        <p:strVal val="visible"/>
+                                      </p:to>
+                                    </p:set>
+                                  </p:childTnLst>
+                                </p:cTn>
+                              </p:par>
+                              <p:par>
+                                <p:cTn id="75" presetID="1" presetClass="entr" presetSubtype="0" fill="hold" nodeType="withEffect">
+                                  <p:stCondLst>
+                                    <p:cond delay="0"/>
+                                  </p:stCondLst>
+                                  <p:childTnLst>
+                                    <p:set>
+                                      <p:cBhvr>
+                                        <p:cTn id="76" dur="1" fill="hold">
+                                          <p:stCondLst>
+                                            <p:cond delay="0"/>
+                                          </p:stCondLst>
+                                        </p:cTn>
+                                        <p:tgtEl>
+                                          <p:spTgt spid="69"/>
+                                        </p:tgtEl>
+                                        <p:attrNameLst>
+                                          <p:attrName>style.visibility</p:attrName>
+                                        </p:attrNameLst>
+                                      </p:cBhvr>
+                                      <p:to>
+                                        <p:strVal val="visible"/>
+                                      </p:to>
+                                    </p:set>
+                                  </p:childTnLst>
+                                </p:cTn>
+                              </p:par>
+                              <p:par>
+                                <p:cTn id="77" presetID="1" presetClass="entr" presetSubtype="0" fill="hold" nodeType="withEffect">
+                                  <p:stCondLst>
+                                    <p:cond delay="0"/>
+                                  </p:stCondLst>
+                                  <p:childTnLst>
+                                    <p:set>
+                                      <p:cBhvr>
+                                        <p:cTn id="78" dur="1" fill="hold">
+                                          <p:stCondLst>
+                                            <p:cond delay="0"/>
+                                          </p:stCondLst>
+                                        </p:cTn>
+                                        <p:tgtEl>
+                                          <p:spTgt spid="76"/>
+                                        </p:tgtEl>
+                                        <p:attrNameLst>
+                                          <p:attrName>style.visibility</p:attrName>
+                                        </p:attrNameLst>
+                                      </p:cBhvr>
+                                      <p:to>
+                                        <p:strVal val="visible"/>
+                                      </p:to>
+                                    </p:set>
+                                  </p:childTnLst>
+                                </p:cTn>
+                              </p:par>
+                              <p:par>
+                                <p:cTn id="79" presetID="1" presetClass="entr" presetSubtype="0" fill="hold" nodeType="withEffect">
+                                  <p:stCondLst>
+                                    <p:cond delay="0"/>
+                                  </p:stCondLst>
+                                  <p:childTnLst>
+                                    <p:set>
+                                      <p:cBhvr>
+                                        <p:cTn id="80" dur="1" fill="hold">
+                                          <p:stCondLst>
+                                            <p:cond delay="0"/>
+                                          </p:stCondLst>
+                                        </p:cTn>
+                                        <p:tgtEl>
+                                          <p:spTgt spid="75"/>
+                                        </p:tgtEl>
+                                        <p:attrNameLst>
+                                          <p:attrName>style.visibility</p:attrName>
+                                        </p:attrNameLst>
+                                      </p:cBhvr>
+                                      <p:to>
+                                        <p:strVal val="visible"/>
+                                      </p:to>
+                                    </p:set>
+                                  </p:childTnLst>
+                                </p:cTn>
+                              </p:par>
+                              <p:par>
+                                <p:cTn id="81" presetID="1" presetClass="entr" presetSubtype="0" fill="hold" nodeType="withEffect">
+                                  <p:stCondLst>
+                                    <p:cond delay="0"/>
+                                  </p:stCondLst>
+                                  <p:childTnLst>
+                                    <p:set>
+                                      <p:cBhvr>
+                                        <p:cTn id="82" dur="1" fill="hold">
+                                          <p:stCondLst>
+                                            <p:cond delay="0"/>
+                                          </p:stCondLst>
+                                        </p:cTn>
+                                        <p:tgtEl>
+                                          <p:spTgt spid="71"/>
+                                        </p:tgtEl>
+                                        <p:attrNameLst>
+                                          <p:attrName>style.visibility</p:attrName>
+                                        </p:attrNameLst>
+                                      </p:cBhvr>
+                                      <p:to>
+                                        <p:strVal val="visible"/>
+                                      </p:to>
+                                    </p:set>
+                                  </p:childTnLst>
+                                </p:cTn>
+                              </p:par>
+                              <p:par>
+                                <p:cTn id="83" presetID="1" presetClass="entr" presetSubtype="0" fill="hold" nodeType="withEffect">
+                                  <p:stCondLst>
+                                    <p:cond delay="0"/>
+                                  </p:stCondLst>
+                                  <p:childTnLst>
+                                    <p:set>
+                                      <p:cBhvr>
+                                        <p:cTn id="84" dur="1" fill="hold">
+                                          <p:stCondLst>
+                                            <p:cond delay="0"/>
+                                          </p:stCondLst>
+                                        </p:cTn>
+                                        <p:tgtEl>
+                                          <p:spTgt spid="70"/>
+                                        </p:tgtEl>
+                                        <p:attrNameLst>
+                                          <p:attrName>style.visibility</p:attrName>
+                                        </p:attrNameLst>
+                                      </p:cBhvr>
+                                      <p:to>
+                                        <p:strVal val="visible"/>
+                                      </p:to>
+                                    </p:set>
+                                  </p:childTnLst>
+                                </p:cTn>
+                              </p:par>
+                              <p:par>
+                                <p:cTn id="85" presetID="1" presetClass="entr" presetSubtype="0" fill="hold" nodeType="withEffect">
+                                  <p:stCondLst>
+                                    <p:cond delay="0"/>
+                                  </p:stCondLst>
+                                  <p:childTnLst>
+                                    <p:set>
+                                      <p:cBhvr>
+                                        <p:cTn id="86" dur="1" fill="hold">
+                                          <p:stCondLst>
+                                            <p:cond delay="0"/>
+                                          </p:stCondLst>
+                                        </p:cTn>
+                                        <p:tgtEl>
+                                          <p:spTgt spid="67"/>
+                                        </p:tgtEl>
+                                        <p:attrNameLst>
+                                          <p:attrName>style.visibility</p:attrName>
+                                        </p:attrNameLst>
+                                      </p:cBhvr>
+                                      <p:to>
+                                        <p:strVal val="visible"/>
+                                      </p:to>
+                                    </p:set>
+                                  </p:childTnLst>
+                                </p:cTn>
+                              </p:par>
+                            </p:childTnLst>
+                          </p:cTn>
+                        </p:par>
+                      </p:childTnLst>
+                    </p:cTn>
+                  </p:par>
+                  <p:par>
+                    <p:cTn id="87" fill="hold">
+                      <p:stCondLst>
+                        <p:cond delay="indefinite"/>
+                      </p:stCondLst>
+                      <p:childTnLst>
+                        <p:par>
+                          <p:cTn id="88" fill="hold">
+                            <p:stCondLst>
+                              <p:cond delay="0"/>
+                            </p:stCondLst>
+                            <p:childTnLst>
+                              <p:par>
+                                <p:cTn id="89" presetID="1" presetClass="entr" presetSubtype="0" fill="hold" grpId="0" nodeType="clickEffect">
+                                  <p:stCondLst>
+                                    <p:cond delay="0"/>
+                                  </p:stCondLst>
+                                  <p:childTnLst>
+                                    <p:set>
+                                      <p:cBhvr>
+                                        <p:cTn id="90" dur="1" fill="hold">
+                                          <p:stCondLst>
+                                            <p:cond delay="0"/>
+                                          </p:stCondLst>
+                                        </p:cTn>
+                                        <p:tgtEl>
+                                          <p:spTgt spid="78"/>
+                                        </p:tgtEl>
+                                        <p:attrNameLst>
+                                          <p:attrName>style.visibility</p:attrName>
+                                        </p:attrNameLst>
+                                      </p:cBhvr>
+                                      <p:to>
+                                        <p:strVal val="visible"/>
+                                      </p:to>
+                                    </p:set>
+                                  </p:childTnLst>
+                                </p:cTn>
+                              </p:par>
+                              <p:par>
+                                <p:cTn id="91" presetID="1" presetClass="entr" presetSubtype="0" fill="hold" grpId="0" nodeType="withEffect">
+                                  <p:stCondLst>
+                                    <p:cond delay="0"/>
+                                  </p:stCondLst>
+                                  <p:childTnLst>
+                                    <p:set>
+                                      <p:cBhvr>
+                                        <p:cTn id="92" dur="1" fill="hold">
+                                          <p:stCondLst>
+                                            <p:cond delay="0"/>
+                                          </p:stCondLst>
+                                        </p:cTn>
+                                        <p:tgtEl>
+                                          <p:spTgt spid="79"/>
+                                        </p:tgtEl>
+                                        <p:attrNameLst>
+                                          <p:attrName>style.visibility</p:attrName>
+                                        </p:attrNameLst>
+                                      </p:cBhvr>
+                                      <p:to>
+                                        <p:strVal val="visible"/>
+                                      </p:to>
+                                    </p:set>
+                                  </p:childTnLst>
+                                </p:cTn>
+                              </p:par>
+                              <p:par>
+                                <p:cTn id="93" presetID="1" presetClass="entr" presetSubtype="0" fill="hold" grpId="0" nodeType="withEffect">
+                                  <p:stCondLst>
+                                    <p:cond delay="0"/>
+                                  </p:stCondLst>
+                                  <p:childTnLst>
+                                    <p:set>
+                                      <p:cBhvr>
+                                        <p:cTn id="94" dur="1" fill="hold">
+                                          <p:stCondLst>
+                                            <p:cond delay="0"/>
+                                          </p:stCondLst>
+                                        </p:cTn>
+                                        <p:tgtEl>
+                                          <p:spTgt spid="81"/>
+                                        </p:tgtEl>
+                                        <p:attrNameLst>
+                                          <p:attrName>style.visibility</p:attrName>
+                                        </p:attrNameLst>
+                                      </p:cBhvr>
+                                      <p:to>
+                                        <p:strVal val="visible"/>
+                                      </p:to>
+                                    </p:set>
+                                  </p:childTnLst>
+                                </p:cTn>
+                              </p:par>
+                              <p:par>
+                                <p:cTn id="95" presetID="1" presetClass="entr" presetSubtype="0" fill="hold" grpId="0" nodeType="withEffect">
+                                  <p:stCondLst>
+                                    <p:cond delay="0"/>
+                                  </p:stCondLst>
+                                  <p:childTnLst>
+                                    <p:set>
+                                      <p:cBhvr>
+                                        <p:cTn id="96" dur="1" fill="hold">
+                                          <p:stCondLst>
+                                            <p:cond delay="0"/>
+                                          </p:stCondLst>
+                                        </p:cTn>
+                                        <p:tgtEl>
+                                          <p:spTgt spid="82"/>
+                                        </p:tgtEl>
+                                        <p:attrNameLst>
+                                          <p:attrName>style.visibility</p:attrName>
+                                        </p:attrNameLst>
+                                      </p:cBhvr>
+                                      <p:to>
+                                        <p:strVal val="visible"/>
+                                      </p:to>
+                                    </p:set>
+                                  </p:childTnLst>
+                                </p:cTn>
+                              </p:par>
+                              <p:par>
+                                <p:cTn id="97" presetID="1" presetClass="entr" presetSubtype="0" fill="hold" grpId="0" nodeType="withEffect">
+                                  <p:stCondLst>
+                                    <p:cond delay="0"/>
+                                  </p:stCondLst>
+                                  <p:childTnLst>
+                                    <p:set>
+                                      <p:cBhvr>
+                                        <p:cTn id="98" dur="1" fill="hold">
+                                          <p:stCondLst>
+                                            <p:cond delay="0"/>
+                                          </p:stCondLst>
+                                        </p:cTn>
+                                        <p:tgtEl>
+                                          <p:spTgt spid="83"/>
+                                        </p:tgtEl>
+                                        <p:attrNameLst>
+                                          <p:attrName>style.visibility</p:attrName>
+                                        </p:attrNameLst>
+                                      </p:cBhvr>
+                                      <p:to>
+                                        <p:strVal val="visible"/>
+                                      </p:to>
+                                    </p:set>
+                                  </p:childTnLst>
+                                </p:cTn>
+                              </p:par>
+                              <p:par>
+                                <p:cTn id="99" presetID="1" presetClass="entr" presetSubtype="0" fill="hold" grpId="0" nodeType="withEffect">
+                                  <p:stCondLst>
+                                    <p:cond delay="0"/>
+                                  </p:stCondLst>
+                                  <p:childTnLst>
+                                    <p:set>
+                                      <p:cBhvr>
+                                        <p:cTn id="100" dur="1" fill="hold">
+                                          <p:stCondLst>
+                                            <p:cond delay="0"/>
+                                          </p:stCondLst>
+                                        </p:cTn>
+                                        <p:tgtEl>
+                                          <p:spTgt spid="91"/>
+                                        </p:tgtEl>
+                                        <p:attrNameLst>
+                                          <p:attrName>style.visibility</p:attrName>
+                                        </p:attrNameLst>
+                                      </p:cBhvr>
+                                      <p:to>
+                                        <p:strVal val="visible"/>
+                                      </p:to>
+                                    </p:set>
+                                  </p:childTnLst>
+                                </p:cTn>
+                              </p:par>
+                              <p:par>
+                                <p:cTn id="101" presetID="1" presetClass="entr" presetSubtype="0" fill="hold" grpId="0" nodeType="withEffect">
+                                  <p:stCondLst>
+                                    <p:cond delay="0"/>
+                                  </p:stCondLst>
+                                  <p:childTnLst>
+                                    <p:set>
+                                      <p:cBhvr>
+                                        <p:cTn id="102" dur="1" fill="hold">
+                                          <p:stCondLst>
+                                            <p:cond delay="0"/>
+                                          </p:stCondLst>
+                                        </p:cTn>
+                                        <p:tgtEl>
+                                          <p:spTgt spid="86"/>
+                                        </p:tgtEl>
+                                        <p:attrNameLst>
+                                          <p:attrName>style.visibility</p:attrName>
+                                        </p:attrNameLst>
+                                      </p:cBhvr>
+                                      <p:to>
+                                        <p:strVal val="visible"/>
+                                      </p:to>
+                                    </p:set>
+                                  </p:childTnLst>
+                                </p:cTn>
+                              </p:par>
+                              <p:par>
+                                <p:cTn id="103" presetID="1" presetClass="entr" presetSubtype="0" fill="hold" grpId="0" nodeType="withEffect">
+                                  <p:stCondLst>
+                                    <p:cond delay="0"/>
+                                  </p:stCondLst>
+                                  <p:childTnLst>
+                                    <p:set>
+                                      <p:cBhvr>
+                                        <p:cTn id="104" dur="1" fill="hold">
+                                          <p:stCondLst>
+                                            <p:cond delay="0"/>
+                                          </p:stCondLst>
+                                        </p:cTn>
+                                        <p:tgtEl>
+                                          <p:spTgt spid="87"/>
+                                        </p:tgtEl>
+                                        <p:attrNameLst>
+                                          <p:attrName>style.visibility</p:attrName>
+                                        </p:attrNameLst>
+                                      </p:cBhvr>
+                                      <p:to>
+                                        <p:strVal val="visible"/>
+                                      </p:to>
+                                    </p:set>
+                                  </p:childTnLst>
+                                </p:cTn>
+                              </p:par>
+                              <p:par>
+                                <p:cTn id="105" presetID="1" presetClass="entr" presetSubtype="0" fill="hold" grpId="0" nodeType="withEffect">
+                                  <p:stCondLst>
+                                    <p:cond delay="0"/>
+                                  </p:stCondLst>
+                                  <p:childTnLst>
+                                    <p:set>
+                                      <p:cBhvr>
+                                        <p:cTn id="106" dur="1" fill="hold">
+                                          <p:stCondLst>
+                                            <p:cond delay="0"/>
+                                          </p:stCondLst>
+                                        </p:cTn>
+                                        <p:tgtEl>
+                                          <p:spTgt spid="88"/>
+                                        </p:tgtEl>
+                                        <p:attrNameLst>
+                                          <p:attrName>style.visibility</p:attrName>
+                                        </p:attrNameLst>
+                                      </p:cBhvr>
+                                      <p:to>
+                                        <p:strVal val="visible"/>
+                                      </p:to>
+                                    </p:set>
+                                  </p:childTnLst>
+                                </p:cTn>
+                              </p:par>
+                              <p:par>
+                                <p:cTn id="107" presetID="1" presetClass="entr" presetSubtype="0" fill="hold" grpId="0" nodeType="withEffect">
+                                  <p:stCondLst>
+                                    <p:cond delay="0"/>
+                                  </p:stCondLst>
+                                  <p:childTnLst>
+                                    <p:set>
+                                      <p:cBhvr>
+                                        <p:cTn id="108" dur="1" fill="hold">
+                                          <p:stCondLst>
+                                            <p:cond delay="0"/>
+                                          </p:stCondLst>
+                                        </p:cTn>
+                                        <p:tgtEl>
+                                          <p:spTgt spid="90"/>
+                                        </p:tgtEl>
+                                        <p:attrNameLst>
+                                          <p:attrName>style.visibility</p:attrName>
+                                        </p:attrNameLst>
+                                      </p:cBhvr>
+                                      <p:to>
+                                        <p:strVal val="visible"/>
+                                      </p:to>
+                                    </p:set>
+                                  </p:childTnLst>
+                                </p:cTn>
+                              </p:par>
+                              <p:par>
+                                <p:cTn id="109" presetID="1" presetClass="entr" presetSubtype="0" fill="hold" grpId="0" nodeType="withEffect">
+                                  <p:stCondLst>
+                                    <p:cond delay="0"/>
+                                  </p:stCondLst>
+                                  <p:childTnLst>
+                                    <p:set>
+                                      <p:cBhvr>
+                                        <p:cTn id="110" dur="1" fill="hold">
+                                          <p:stCondLst>
+                                            <p:cond delay="0"/>
+                                          </p:stCondLst>
+                                        </p:cTn>
+                                        <p:tgtEl>
+                                          <p:spTgt spid="89"/>
+                                        </p:tgtEl>
+                                        <p:attrNameLst>
+                                          <p:attrName>style.visibility</p:attrName>
+                                        </p:attrNameLst>
+                                      </p:cBhvr>
+                                      <p:to>
+                                        <p:strVal val="visible"/>
+                                      </p:to>
+                                    </p:set>
+                                  </p:childTnLst>
+                                </p:cTn>
+                              </p:par>
+                            </p:childTnLst>
+                          </p:cTn>
+                        </p:par>
+                      </p:childTnLst>
+                    </p:cTn>
+                  </p:par>
+                  <p:par>
+                    <p:cTn id="111" fill="hold">
+                      <p:stCondLst>
+                        <p:cond delay="indefinite"/>
+                      </p:stCondLst>
+                      <p:childTnLst>
+                        <p:par>
+                          <p:cTn id="112" fill="hold">
+                            <p:stCondLst>
+                              <p:cond delay="0"/>
+                            </p:stCondLst>
+                            <p:childTnLst>
+                              <p:par>
+                                <p:cTn id="113" presetID="1" presetClass="entr" presetSubtype="0" fill="hold" nodeType="clickEffect">
+                                  <p:stCondLst>
+                                    <p:cond delay="0"/>
+                                  </p:stCondLst>
+                                  <p:childTnLst>
+                                    <p:set>
+                                      <p:cBhvr>
+                                        <p:cTn id="114" dur="1" fill="hold">
+                                          <p:stCondLst>
+                                            <p:cond delay="0"/>
+                                          </p:stCondLst>
+                                        </p:cTn>
+                                        <p:tgtEl>
+                                          <p:spTgt spid="102"/>
+                                        </p:tgtEl>
+                                        <p:attrNameLst>
+                                          <p:attrName>style.visibility</p:attrName>
+                                        </p:attrNameLst>
+                                      </p:cBhvr>
+                                      <p:to>
+                                        <p:strVal val="visible"/>
+                                      </p:to>
+                                    </p:set>
+                                  </p:childTnLst>
+                                </p:cTn>
+                              </p:par>
+                              <p:par>
+                                <p:cTn id="115" presetID="1" presetClass="entr" presetSubtype="0" fill="hold" nodeType="withEffect">
+                                  <p:stCondLst>
+                                    <p:cond delay="0"/>
+                                  </p:stCondLst>
+                                  <p:childTnLst>
+                                    <p:set>
+                                      <p:cBhvr>
+                                        <p:cTn id="116" dur="1" fill="hold">
+                                          <p:stCondLst>
+                                            <p:cond delay="0"/>
+                                          </p:stCondLst>
+                                        </p:cTn>
+                                        <p:tgtEl>
+                                          <p:spTgt spid="100"/>
+                                        </p:tgtEl>
+                                        <p:attrNameLst>
+                                          <p:attrName>style.visibility</p:attrName>
+                                        </p:attrNameLst>
+                                      </p:cBhvr>
+                                      <p:to>
+                                        <p:strVal val="visible"/>
+                                      </p:to>
+                                    </p:set>
+                                  </p:childTnLst>
+                                </p:cTn>
+                              </p:par>
+                            </p:childTnLst>
+                          </p:cTn>
+                        </p:par>
+                      </p:childTnLst>
+                    </p:cTn>
+                  </p:par>
+                </p:childTnLst>
+              </p:cTn>
+              <p:prevCondLst>
+                <p:cond evt="onPrev" delay="0">
+                  <p:tgtEl>
+                    <p:sldTgt/>
+                  </p:tgtEl>
+                </p:cond>
+              </p:prevCondLst>
+              <p:nextCondLst>
+                <p:cond evt="onNext" delay="0">
+                  <p:tgtEl>
+                    <p:sldTgt/>
+                  </p:tgtEl>
+                </p:cond>
+              </p:nextCondLst>
+            </p:seq>
+          </p:childTnLst>
+        </p:cTn>
+      </p:par>
+    </p:tnLst>
+    <p:bldLst>
+      <p:bldP spid="7" grpId="0" animBg="1"/>
+      <p:bldP spid="50" grpId="0" animBg="1"/>
+      <p:bldP spid="52" grpId="0" animBg="1"/>
+      <p:bldP spid="53" grpId="0" animBg="1"/>
+      <p:bldP spid="54" grpId="0" animBg="1"/>
+      <p:bldP spid="55" grpId="0" animBg="1"/>
+      <p:bldP spid="56" grpId="0" animBg="1"/>
+      <p:bldP spid="57" grpId="0" animBg="1"/>
+      <p:bldP spid="58" grpId="0" animBg="1"/>
+      <p:bldP spid="59" grpId="0" animBg="1"/>
+      <p:bldP spid="60" grpId="0" animBg="1"/>
+      <p:bldP spid="61" grpId="0" animBg="1"/>
+      <p:bldP spid="62" grpId="0" animBg="1"/>
+      <p:bldP spid="63" grpId="0" animBg="1"/>
+      <p:bldP spid="64" grpId="0" animBg="1"/>
+      <p:bldP spid="66" grpId="0" animBg="1"/>
+      <p:bldP spid="78" grpId="0" animBg="1"/>
+      <p:bldP spid="79" grpId="0" animBg="1"/>
+      <p:bldP spid="81" grpId="0" animBg="1"/>
+      <p:bldP spid="82" grpId="0" animBg="1"/>
+      <p:bldP spid="83" grpId="0" animBg="1"/>
+      <p:bldP spid="86" grpId="0" animBg="1"/>
+      <p:bldP spid="87" grpId="0" animBg="1"/>
+      <p:bldP spid="88" grpId="0" animBg="1"/>
+      <p:bldP spid="89" grpId="0" animBg="1"/>
+      <p:bldP spid="90" grpId="0" animBg="1"/>
+      <p:bldP spid="91" grpId="0" animBg="1"/>
+    </p:bldLst>
+  </p:timing>
+</p:sld>
+</file>
+
+<file path=ppt/slides/slide9.xml><?xml version="1.0" encoding="utf-8"?>
+<p:sld xmlns:a="http://schemas.openxmlformats.org/drawingml/2006/main" xmlns:r="http://schemas.openxmlformats.org/officeDocument/2006/relationships" xmlns:p="http://schemas.openxmlformats.org/presentationml/2006/main">
+  <p:cSld>
+    <p:spTree>
+      <p:nvGrpSpPr>
+        <p:cNvPr id="1" name=""/>
+        <p:cNvGrpSpPr/>
+        <p:nvPr/>
+      </p:nvGrpSpPr>
+      <p:grpSpPr>
+        <a:xfrm>
+          <a:off x="0" y="0"/>
+          <a:ext cx="0" cy="0"/>
+          <a:chOff x="0" y="0"/>
+          <a:chExt cx="0" cy="0"/>
+        </a:xfrm>
+      </p:grpSpPr>
+      <p:sp>
+        <p:nvSpPr>
+          <p:cNvPr id="2" name="标题 1"/>
+          <p:cNvSpPr>
+            <a:spLocks noGrp="1"/>
+          </p:cNvSpPr>
+          <p:nvPr>
+            <p:ph type="title"/>
+          </p:nvPr>
+        </p:nvSpPr>
+        <p:spPr/>
+        <p:txBody>
+          <a:bodyPr/>
+          <a:lstStyle/>
+          <a:p>
+            <a:endParaRPr lang="zh-CN" altLang="en-US"/>
+          </a:p>
+        </p:txBody>
+      </p:sp>
+      <p:sp>
+        <p:nvSpPr>
+          <p:cNvPr id="3" name="内容占位符 2"/>
+          <p:cNvSpPr>
+            <a:spLocks noGrp="1"/>
+          </p:cNvSpPr>
+          <p:nvPr>
+            <p:ph idx="1"/>
+          </p:nvPr>
+        </p:nvSpPr>
+        <p:spPr/>
+        <p:txBody>
+          <a:bodyPr/>
+          <a:lstStyle/>
+          <a:p>
+            <a:endParaRPr lang="zh-CN" altLang="en-US"/>
+          </a:p>
+        </p:txBody>
+      </p:sp>
+      <p:sp>
+        <p:nvSpPr>
+          <p:cNvPr id="4" name="日期占位符 3"/>
+          <p:cNvSpPr>
+            <a:spLocks noGrp="1"/>
+          </p:cNvSpPr>
+          <p:nvPr>
+            <p:ph type="dt" sz="half" idx="10"/>
+          </p:nvPr>
+        </p:nvSpPr>
+        <p:spPr/>
+        <p:txBody>
+          <a:bodyPr/>
+          <a:lstStyle/>
+          <a:p>
+            <a:fld id="{FF88F899-FA6D-4737-879E-62DE3ED9162E}" type="datetime1">
+              <a:rPr kumimoji="1" lang="zh-CN" altLang="en-US" smtClean="0">
+                <a:solidFill>
+                  <a:prstClr val="black">
+                    <a:lumMod val="65000"/>
+                    <a:lumOff val="35000"/>
+                  </a:prstClr>
+                </a:solidFill>
+                <a:ea typeface="宋体"/>
+              </a:rPr>
+              <a:pPr/>
+              <a:t>2020/11/28</a:t>
+            </a:fld>
+            <a:endParaRPr kumimoji="1" lang="zh-CN" altLang="en-US">
+              <a:solidFill>
+                <a:prstClr val="black">
+                  <a:lumMod val="65000"/>
+                  <a:lumOff val="35000"/>
+                </a:prstClr>
+              </a:solidFill>
+              <a:ea typeface="宋体"/>
+            </a:endParaRPr>
+          </a:p>
+        </p:txBody>
+      </p:sp>
+      <p:sp>
+        <p:nvSpPr>
+          <p:cNvPr id="5" name="页脚占位符 4"/>
+          <p:cNvSpPr>
+            <a:spLocks noGrp="1"/>
+          </p:cNvSpPr>
+          <p:nvPr>
+            <p:ph type="ftr" sz="quarter" idx="11"/>
+          </p:nvPr>
+        </p:nvSpPr>
+        <p:spPr/>
+        <p:txBody>
+          <a:bodyPr/>
+          <a:lstStyle/>
+          <a:p>
+            <a:pPr defTabSz="457200"/>
+            <a:endParaRPr lang="zh-CN" altLang="en-US" dirty="0"/>
+          </a:p>
+        </p:txBody>
+      </p:sp>
+      <p:sp>
+        <p:nvSpPr>
+          <p:cNvPr id="6" name="灯片编号占位符 5"/>
+          <p:cNvSpPr>
+            <a:spLocks noGrp="1"/>
+          </p:cNvSpPr>
+          <p:nvPr>
+            <p:ph type="sldNum" sz="quarter" idx="12"/>
+          </p:nvPr>
+        </p:nvSpPr>
+        <p:spPr/>
+        <p:txBody>
+          <a:bodyPr/>
+          <a:lstStyle/>
+          <a:p>
+            <a:fld id="{71F1F346-3964-904C-8DB0-057A2D699FB9}" type="slidenum">
+              <a:rPr kumimoji="1" lang="zh-CN" altLang="en-US" smtClean="0">
+                <a:solidFill>
+                  <a:prstClr val="black">
+                    <a:lumMod val="65000"/>
+                    <a:lumOff val="35000"/>
+                  </a:prstClr>
+                </a:solidFill>
+                <a:ea typeface="宋体"/>
+              </a:rPr>
+              <a:pPr/>
+              <a:t>9</a:t>
+            </a:fld>
+            <a:endParaRPr kumimoji="1" lang="zh-CN" altLang="en-US">
+              <a:solidFill>
+                <a:prstClr val="black">
+                  <a:lumMod val="65000"/>
+                  <a:lumOff val="35000"/>
+                </a:prstClr>
+              </a:solidFill>
+              <a:ea typeface="宋体"/>
+            </a:endParaRPr>
+          </a:p>
+        </p:txBody>
+      </p:sp>
+      <p:pic>
+        <p:nvPicPr>
+          <p:cNvPr id="1028" name="Picture 4" descr="https://img-blog.csdnimg.cn/20190207220703531.png?x-oss-process=image/watermark,type_ZmFuZ3poZW5naGVpdGk,shadow_10,text_aHR0cHM6Ly9ibG9nLmNzZG4ubmV0L3djdmVudHVyZQ==,size_16,color_FFFFFF,t_70"/>
+          <p:cNvPicPr>
+            <a:picLocks noChangeAspect="1" noChangeArrowheads="1"/>
+          </p:cNvPicPr>
+          <p:nvPr/>
+        </p:nvPicPr>
+        <p:blipFill>
+          <a:blip r:embed="rId2" cstate="print"/>
+          <a:srcRect/>
+          <a:stretch>
+            <a:fillRect/>
+          </a:stretch>
+        </p:blipFill>
+        <p:spPr bwMode="auto">
+          <a:xfrm>
+            <a:off x="642910" y="2143116"/>
+            <a:ext cx="4368538" cy="4016358"/>
+          </a:xfrm>
+          <a:prstGeom prst="rect">
+            <a:avLst/>
+          </a:prstGeom>
+          <a:noFill/>
+        </p:spPr>
+      </p:pic>
+      <p:pic>
+        <p:nvPicPr>
+          <p:cNvPr id="1030" name="Picture 6" descr="https://img-blog.csdnimg.cn/20190207220709542.png?x-oss-process=image/watermark,type_ZmFuZ3poZW5naGVpdGk,shadow_10,text_aHR0cHM6Ly9ibG9nLmNzZG4ubmV0L3djdmVudHVyZQ==,size_16,color_FFFFFF,t_70"/>
+          <p:cNvPicPr>
+            <a:picLocks noChangeAspect="1" noChangeArrowheads="1"/>
+          </p:cNvPicPr>
+          <p:nvPr/>
+        </p:nvPicPr>
+        <p:blipFill>
+          <a:blip r:embed="rId3" cstate="print"/>
+          <a:srcRect/>
+          <a:stretch>
+            <a:fillRect/>
+          </a:stretch>
+        </p:blipFill>
+        <p:spPr bwMode="auto">
+          <a:xfrm>
+            <a:off x="4357686" y="1928802"/>
+            <a:ext cx="4063251" cy="3167058"/>
+          </a:xfrm>
+          <a:prstGeom prst="rect">
+            <a:avLst/>
+          </a:prstGeom>
+          <a:noFill/>
+        </p:spPr>
+      </p:pic>
+    </p:spTree>
+  </p:cSld>
+  <p:clrMapOvr>
+    <a:masterClrMapping/>
+  </p:clrMapOvr>
   <p:timing>
     <p:tnLst>
       <p:par>
@@ -16506,7 +20509,7 @@
   <a:extraClrSchemeLst/>
   <a:extLst>
     <a:ext uri="{05A4C25C-085E-4340-85A3-A5531E510DB2}">
-      <thm15:themeFamily xmlns:thm15="http://schemas.microsoft.com/office/thememl/2012/main" name="mopec-2" id="{442E6DD8-1CC8-4C4A-8647-4236B82D6D6F}" vid="{4E193ED8-E17B-496B-9396-AD9A068E6CE7}"/>
+      <thm15:themeFamily xmlns:thm15="http://schemas.microsoft.com/office/thememl/2012/main" xmlns="" name="mopec-2" id="{442E6DD8-1CC8-4C4A-8647-4236B82D6D6F}" vid="{4E193ED8-E17B-496B-9396-AD9A068E6CE7}"/>
     </a:ext>
   </a:extLst>
 </a:theme>

--- a/Symbolic_execution.pptx
+++ b/Symbolic_execution.pptx
@@ -6,10 +6,10 @@
     <p:sldMasterId id="2147483780" r:id="rId2"/>
   </p:sldMasterIdLst>
   <p:notesMasterIdLst>
-    <p:notesMasterId r:id="rId13"/>
+    <p:notesMasterId r:id="rId16"/>
   </p:notesMasterIdLst>
   <p:handoutMasterIdLst>
-    <p:handoutMasterId r:id="rId14"/>
+    <p:handoutMasterId r:id="rId17"/>
   </p:handoutMasterIdLst>
   <p:sldIdLst>
     <p:sldId id="554" r:id="rId3"/>
@@ -20,8 +20,11 @@
     <p:sldId id="559" r:id="rId8"/>
     <p:sldId id="560" r:id="rId9"/>
     <p:sldId id="563" r:id="rId10"/>
-    <p:sldId id="564" r:id="rId11"/>
-    <p:sldId id="556" r:id="rId12"/>
+    <p:sldId id="566" r:id="rId11"/>
+    <p:sldId id="565" r:id="rId12"/>
+    <p:sldId id="564" r:id="rId13"/>
+    <p:sldId id="567" r:id="rId14"/>
+    <p:sldId id="556" r:id="rId15"/>
   </p:sldIdLst>
   <p:sldSz cx="9144000" cy="6858000" type="screen4x3"/>
   <p:notesSz cx="6797675" cy="9928225"/>
@@ -122,7 +125,7 @@
   </p:defaultTextStyle>
   <p:extLst>
     <p:ext uri="{EFAFB233-063F-42B5-8137-9DF3F51BA10A}">
-      <p15:sldGuideLst xmlns:p15="http://schemas.microsoft.com/office/powerpoint/2012/main" xmlns="">
+      <p15:sldGuideLst xmlns="" xmlns:p15="http://schemas.microsoft.com/office/powerpoint/2012/main">
         <p15:guide id="1" orient="horz" pos="2160">
           <p15:clr>
             <a:srgbClr val="A4A3A4"/>
@@ -136,7 +139,7 @@
       </p15:sldGuideLst>
     </p:ext>
     <p:ext uri="{2D200454-40CA-4A62-9FC3-DE9A4176ACB9}">
-      <p15:notesGuideLst xmlns:p15="http://schemas.microsoft.com/office/powerpoint/2012/main" xmlns=""/>
+      <p15:notesGuideLst xmlns="" xmlns:p15="http://schemas.microsoft.com/office/powerpoint/2012/main"/>
     </p:ext>
   </p:extLst>
 </p:presentation>
@@ -1345,8 +1348,8 @@
     <dgm:cxn modelId="{60C8BBD6-F960-4FEF-BF82-068C183722CA}" type="presOf" srcId="{3776A631-3A5C-4A45-AAA1-9A83DB9BB2B4}" destId="{D0B9CC40-12C0-4884-9089-BF414A745106}" srcOrd="0" destOrd="0" presId="urn:microsoft.com/office/officeart/2005/8/layout/arrow4"/>
     <dgm:cxn modelId="{C7BBCB7E-7826-42D0-839D-07C845CAD9F3}" type="presOf" srcId="{7DC5BBA1-86D5-4E4E-9561-2161DF6F0C50}" destId="{D0B9CC40-12C0-4884-9089-BF414A745106}" srcOrd="0" destOrd="1" presId="urn:microsoft.com/office/officeart/2005/8/layout/arrow4"/>
     <dgm:cxn modelId="{75179168-990B-4374-B908-5B3E2EE90FF2}" srcId="{3776A631-3A5C-4A45-AAA1-9A83DB9BB2B4}" destId="{7DC5BBA1-86D5-4E4E-9561-2161DF6F0C50}" srcOrd="0" destOrd="0" parTransId="{93B6163C-037E-45AE-8479-BAEE85E7E82B}" sibTransId="{DB7AA6EA-FAA9-4CE8-8F75-DB00225B99ED}"/>
+    <dgm:cxn modelId="{4B8B0CE1-B669-4226-9D35-60E76A01C7BF}" type="presOf" srcId="{24E5BDE8-7AD9-4252-B145-1D56807EB9A4}" destId="{D0B9CC40-12C0-4884-9089-BF414A745106}" srcOrd="0" destOrd="2" presId="urn:microsoft.com/office/officeart/2005/8/layout/arrow4"/>
     <dgm:cxn modelId="{F45D9E64-B6B5-4FCE-8F7D-9355626CBEEB}" srcId="{1A65B431-B0C5-475B-AACB-EE64CDB5542D}" destId="{AB150DB6-D2F2-4EF8-BD47-A1DE4EA9EAC7}" srcOrd="2" destOrd="0" parTransId="{D632890A-DFEB-4F2F-B9E4-C2C0177B3A32}" sibTransId="{4F8154F9-CBA6-441C-AE49-ECE3A500577C}"/>
-    <dgm:cxn modelId="{4B8B0CE1-B669-4226-9D35-60E76A01C7BF}" type="presOf" srcId="{24E5BDE8-7AD9-4252-B145-1D56807EB9A4}" destId="{D0B9CC40-12C0-4884-9089-BF414A745106}" srcOrd="0" destOrd="2" presId="urn:microsoft.com/office/officeart/2005/8/layout/arrow4"/>
     <dgm:cxn modelId="{150A3DA9-7B4E-4F13-B2E2-0CE320C795FB}" type="presOf" srcId="{C613176E-2E07-4982-AE61-58047C88A5E0}" destId="{F9200D61-E392-48B8-B25E-28C9E78F45C8}" srcOrd="0" destOrd="0" presId="urn:microsoft.com/office/officeart/2005/8/layout/arrow4"/>
     <dgm:cxn modelId="{0C001998-8F3B-49F5-8BC4-CA67A830B774}" srcId="{3776A631-3A5C-4A45-AAA1-9A83DB9BB2B4}" destId="{FAA59F73-6FA0-49D5-8348-D14E1B279350}" srcOrd="2" destOrd="0" parTransId="{70769DCF-F5D8-4663-8B5D-9320981ED2B5}" sibTransId="{BE0C9C65-B01A-4FED-B942-1B5AFB142579}"/>
     <dgm:cxn modelId="{4B65A473-4FBC-492E-9E55-A78F054735B8}" srcId="{1A65B431-B0C5-475B-AACB-EE64CDB5542D}" destId="{F023FB2D-615F-49FB-B932-A835539B633A}" srcOrd="1" destOrd="0" parTransId="{84B950E6-F17C-424D-B81D-E741E2F979B4}" sibTransId="{C02F31EC-CAE8-4139-8E0C-B42D3B042F9A}"/>
@@ -3147,7 +3150,7 @@
             <a:fld id="{6793EC8D-7583-4284-A537-DAB3CE5650E5}" type="datetimeFigureOut">
               <a:rPr lang="zh-CN" altLang="en-US" smtClean="0"/>
               <a:pPr/>
-              <a:t>2020/11/28</a:t>
+              <a:t>2020/11/29</a:t>
             </a:fld>
             <a:endParaRPr lang="zh-CN" altLang="en-US"/>
           </a:p>
@@ -3223,7 +3226,7 @@
     </p:spTree>
     <p:extLst>
       <p:ext uri="{BB962C8B-B14F-4D97-AF65-F5344CB8AC3E}">
-        <p14:creationId xmlns:p14="http://schemas.microsoft.com/office/powerpoint/2010/main" xmlns="" val="3491659132"/>
+        <p14:creationId xmlns="" xmlns:p14="http://schemas.microsoft.com/office/powerpoint/2010/main" val="3491659132"/>
       </p:ext>
     </p:extLst>
   </p:cSld>
@@ -3314,7 +3317,7 @@
             <a:fld id="{B646ED33-92F3-419A-83F1-939B2101925B}" type="datetimeFigureOut">
               <a:rPr lang="zh-CN" altLang="en-US" smtClean="0"/>
               <a:pPr/>
-              <a:t>2020/11/28</a:t>
+              <a:t>2020/11/29</a:t>
             </a:fld>
             <a:endParaRPr lang="zh-CN" altLang="en-US"/>
           </a:p>
@@ -3483,7 +3486,7 @@
     </p:spTree>
     <p:extLst>
       <p:ext uri="{BB962C8B-B14F-4D97-AF65-F5344CB8AC3E}">
-        <p14:creationId xmlns:p14="http://schemas.microsoft.com/office/powerpoint/2010/main" xmlns="" val="42825475"/>
+        <p14:creationId xmlns="" xmlns:p14="http://schemas.microsoft.com/office/powerpoint/2010/main" val="42825475"/>
       </p:ext>
     </p:extLst>
   </p:cSld>
@@ -3680,7 +3683,7 @@
     </p:spTree>
     <p:extLst>
       <p:ext uri="{BB962C8B-B14F-4D97-AF65-F5344CB8AC3E}">
-        <p14:creationId xmlns:p14="http://schemas.microsoft.com/office/powerpoint/2010/main" xmlns="" val="3867849981"/>
+        <p14:creationId xmlns="" xmlns:p14="http://schemas.microsoft.com/office/powerpoint/2010/main" val="3867849981"/>
       </p:ext>
     </p:extLst>
   </p:cSld>
@@ -3769,7 +3772,7 @@
     </p:spTree>
     <p:extLst>
       <p:ext uri="{BB962C8B-B14F-4D97-AF65-F5344CB8AC3E}">
-        <p14:creationId xmlns:p14="http://schemas.microsoft.com/office/powerpoint/2010/main" xmlns="" val="3675417392"/>
+        <p14:creationId xmlns="" xmlns:p14="http://schemas.microsoft.com/office/powerpoint/2010/main" val="3675417392"/>
       </p:ext>
     </p:extLst>
   </p:cSld>
@@ -3845,7 +3848,7 @@
             <a:fld id="{0FE05C2F-C2D0-41D0-B081-206A7C6C3DAB}" type="slidenum">
               <a:rPr lang="zh-CN" altLang="en-US" smtClean="0"/>
               <a:pPr/>
-              <a:t>10</a:t>
+              <a:t>13</a:t>
             </a:fld>
             <a:endParaRPr lang="zh-CN" altLang="en-US"/>
           </a:p>
@@ -3854,7 +3857,7 @@
     </p:spTree>
     <p:extLst>
       <p:ext uri="{BB962C8B-B14F-4D97-AF65-F5344CB8AC3E}">
-        <p14:creationId xmlns:p14="http://schemas.microsoft.com/office/powerpoint/2010/main" xmlns="" val="1804488959"/>
+        <p14:creationId xmlns="" xmlns:p14="http://schemas.microsoft.com/office/powerpoint/2010/main" val="1804488959"/>
       </p:ext>
     </p:extLst>
   </p:cSld>
@@ -4107,7 +4110,7 @@
                 <a:ea typeface="宋体"/>
               </a:rPr>
               <a:pPr/>
-              <a:t>2020/11/28</a:t>
+              <a:t>2020/11/29</a:t>
             </a:fld>
             <a:endParaRPr kumimoji="1" lang="zh-CN" altLang="en-US">
               <a:solidFill>
@@ -4325,7 +4328,7 @@
             <a:fld id="{430A0D1C-E1A7-4173-A83B-BE0A151AD21D}" type="datetime1">
               <a:rPr lang="zh-CN" altLang="en-US" smtClean="0"/>
               <a:pPr/>
-              <a:t>2020/11/28</a:t>
+              <a:t>2020/11/29</a:t>
             </a:fld>
             <a:endParaRPr lang="zh-CN" altLang="en-US"/>
           </a:p>
@@ -4527,7 +4530,7 @@
             <a:fld id="{3CAD8151-8E1F-45F1-AD37-ADD20CE3B571}" type="datetime1">
               <a:rPr lang="zh-CN" altLang="en-US" smtClean="0"/>
               <a:pPr/>
-              <a:t>2020/11/28</a:t>
+              <a:t>2020/11/29</a:t>
             </a:fld>
             <a:endParaRPr lang="zh-CN" altLang="en-US"/>
           </a:p>
@@ -4809,7 +4812,7 @@
                 </a:solidFill>
               </a:rPr>
               <a:pPr/>
-              <a:t>2020/11/28</a:t>
+              <a:t>2020/11/29</a:t>
             </a:fld>
             <a:endParaRPr lang="zh-CN" altLang="en-US">
               <a:solidFill>
@@ -4921,7 +4924,7 @@
             </a:clrChange>
             <a:extLst>
               <a:ext uri="{28A0092B-C50C-407E-A947-70E740481C1C}">
-                <a14:useLocalDpi xmlns:a14="http://schemas.microsoft.com/office/drawing/2010/main" xmlns="" val="0"/>
+                <a14:useLocalDpi xmlns="" xmlns:a14="http://schemas.microsoft.com/office/drawing/2010/main" val="0"/>
               </a:ext>
             </a:extLst>
           </a:blip>
@@ -4941,7 +4944,7 @@
           <a:noFill/>
           <a:extLst>
             <a:ext uri="{909E8E84-426E-40DD-AFC4-6F175D3DCCD1}">
-              <a14:hiddenFill xmlns:a14="http://schemas.microsoft.com/office/drawing/2010/main" xmlns="">
+              <a14:hiddenFill xmlns="" xmlns:a14="http://schemas.microsoft.com/office/drawing/2010/main">
                 <a:solidFill>
                   <a:srgbClr val="FFFFFF"/>
                 </a:solidFill>
@@ -4969,7 +4972,7 @@
             </a:duotone>
             <a:extLst>
               <a:ext uri="{28A0092B-C50C-407E-A947-70E740481C1C}">
-                <a14:useLocalDpi xmlns:a14="http://schemas.microsoft.com/office/drawing/2010/main" xmlns="" val="0"/>
+                <a14:useLocalDpi xmlns="" xmlns:a14="http://schemas.microsoft.com/office/drawing/2010/main" val="0"/>
               </a:ext>
             </a:extLst>
           </a:blip>
@@ -4989,7 +4992,7 @@
           <a:noFill/>
           <a:extLst>
             <a:ext uri="{909E8E84-426E-40DD-AFC4-6F175D3DCCD1}">
-              <a14:hiddenFill xmlns:a14="http://schemas.microsoft.com/office/drawing/2010/main" xmlns="">
+              <a14:hiddenFill xmlns="" xmlns:a14="http://schemas.microsoft.com/office/drawing/2010/main">
                 <a:solidFill>
                   <a:srgbClr val="FFFFFF"/>
                 </a:solidFill>
@@ -5010,7 +5013,7 @@
           <a:blip r:embed="rId4" cstate="print">
             <a:extLst>
               <a:ext uri="{28A0092B-C50C-407E-A947-70E740481C1C}">
-                <a14:useLocalDpi xmlns:a14="http://schemas.microsoft.com/office/drawing/2010/main" xmlns="" val="0"/>
+                <a14:useLocalDpi xmlns="" xmlns:a14="http://schemas.microsoft.com/office/drawing/2010/main" val="0"/>
               </a:ext>
             </a:extLst>
           </a:blip>
@@ -5031,7 +5034,7 @@
     </p:spTree>
     <p:extLst>
       <p:ext uri="{BB962C8B-B14F-4D97-AF65-F5344CB8AC3E}">
-        <p14:creationId xmlns:p14="http://schemas.microsoft.com/office/powerpoint/2010/main" xmlns="" val="3580256527"/>
+        <p14:creationId xmlns="" xmlns:p14="http://schemas.microsoft.com/office/powerpoint/2010/main" val="3580256527"/>
       </p:ext>
     </p:extLst>
   </p:cSld>
@@ -5039,7 +5042,7 @@
     <a:masterClrMapping/>
   </p:clrMapOvr>
   <mc:AlternateContent xmlns:mc="http://schemas.openxmlformats.org/markup-compatibility/2006">
-    <mc:Choice xmlns:p14="http://schemas.microsoft.com/office/powerpoint/2010/main" xmlns="" Requires="p14">
+    <mc:Choice xmlns="" xmlns:p14="http://schemas.microsoft.com/office/powerpoint/2010/main" Requires="p14">
       <p:transition spd="med" p14:dur="700">
         <p:fade/>
       </p:transition>
@@ -5281,7 +5284,7 @@
                 </a:solidFill>
               </a:rPr>
               <a:pPr/>
-              <a:t>2020/11/28</a:t>
+              <a:t>2020/11/29</a:t>
             </a:fld>
             <a:endParaRPr lang="zh-CN" altLang="en-US" dirty="0">
               <a:solidFill>
@@ -5401,7 +5404,7 @@
           <a:blip r:embed="rId2" cstate="print">
             <a:extLst>
               <a:ext uri="{28A0092B-C50C-407E-A947-70E740481C1C}">
-                <a14:useLocalDpi xmlns:a14="http://schemas.microsoft.com/office/drawing/2010/main" xmlns="" val="0"/>
+                <a14:useLocalDpi xmlns="" xmlns:a14="http://schemas.microsoft.com/office/drawing/2010/main" val="0"/>
               </a:ext>
             </a:extLst>
           </a:blip>
@@ -5422,7 +5425,7 @@
     </p:spTree>
     <p:extLst>
       <p:ext uri="{BB962C8B-B14F-4D97-AF65-F5344CB8AC3E}">
-        <p14:creationId xmlns:p14="http://schemas.microsoft.com/office/powerpoint/2010/main" xmlns="" val="8597632"/>
+        <p14:creationId xmlns="" xmlns:p14="http://schemas.microsoft.com/office/powerpoint/2010/main" val="8597632"/>
       </p:ext>
     </p:extLst>
   </p:cSld>
@@ -5430,7 +5433,7 @@
     <a:masterClrMapping/>
   </p:clrMapOvr>
   <mc:AlternateContent xmlns:mc="http://schemas.openxmlformats.org/markup-compatibility/2006">
-    <mc:Choice xmlns:p14="http://schemas.microsoft.com/office/powerpoint/2010/main" xmlns="" Requires="p14">
+    <mc:Choice xmlns="" xmlns:p14="http://schemas.microsoft.com/office/powerpoint/2010/main" Requires="p14">
       <p:transition spd="med" p14:dur="700">
         <p:fade/>
       </p:transition>
@@ -5674,7 +5677,7 @@
                 </a:solidFill>
               </a:rPr>
               <a:pPr/>
-              <a:t>2020/11/28</a:t>
+              <a:t>2020/11/29</a:t>
             </a:fld>
             <a:endParaRPr lang="zh-CN" altLang="en-US">
               <a:solidFill>
@@ -5927,7 +5930,7 @@
     </p:spTree>
     <p:extLst>
       <p:ext uri="{BB962C8B-B14F-4D97-AF65-F5344CB8AC3E}">
-        <p14:creationId xmlns:p14="http://schemas.microsoft.com/office/powerpoint/2010/main" xmlns="" val="3808301644"/>
+        <p14:creationId xmlns="" xmlns:p14="http://schemas.microsoft.com/office/powerpoint/2010/main" val="3808301644"/>
       </p:ext>
     </p:extLst>
   </p:cSld>
@@ -5935,7 +5938,7 @@
     <a:masterClrMapping/>
   </p:clrMapOvr>
   <mc:AlternateContent xmlns:mc="http://schemas.openxmlformats.org/markup-compatibility/2006">
-    <mc:Choice xmlns:p14="http://schemas.microsoft.com/office/powerpoint/2010/main" xmlns="" Requires="p14">
+    <mc:Choice xmlns="" xmlns:p14="http://schemas.microsoft.com/office/powerpoint/2010/main" Requires="p14">
       <p:transition spd="med" p14:dur="700">
         <p:fade/>
       </p:transition>
@@ -6110,7 +6113,7 @@
                 </a:solidFill>
               </a:rPr>
               <a:pPr/>
-              <a:t>2020/11/28</a:t>
+              <a:t>2020/11/29</a:t>
             </a:fld>
             <a:endParaRPr lang="zh-CN" altLang="en-US">
               <a:solidFill>
@@ -6244,7 +6247,7 @@
     </p:spTree>
     <p:extLst>
       <p:ext uri="{BB962C8B-B14F-4D97-AF65-F5344CB8AC3E}">
-        <p14:creationId xmlns:p14="http://schemas.microsoft.com/office/powerpoint/2010/main" xmlns="" val="3215307960"/>
+        <p14:creationId xmlns="" xmlns:p14="http://schemas.microsoft.com/office/powerpoint/2010/main" val="3215307960"/>
       </p:ext>
     </p:extLst>
   </p:cSld>
@@ -6252,7 +6255,7 @@
     <a:masterClrMapping/>
   </p:clrMapOvr>
   <mc:AlternateContent xmlns:mc="http://schemas.openxmlformats.org/markup-compatibility/2006">
-    <mc:Choice xmlns:p14="http://schemas.microsoft.com/office/powerpoint/2010/main" xmlns="" Requires="p14">
+    <mc:Choice xmlns="" xmlns:p14="http://schemas.microsoft.com/office/powerpoint/2010/main" Requires="p14">
       <p:transition spd="med" p14:dur="700">
         <p:fade/>
       </p:transition>
@@ -6476,7 +6479,7 @@
                 </a:solidFill>
               </a:rPr>
               <a:pPr/>
-              <a:t>2020/11/28</a:t>
+              <a:t>2020/11/29</a:t>
             </a:fld>
             <a:endParaRPr lang="zh-CN" altLang="en-US">
               <a:solidFill>
@@ -6667,7 +6670,7 @@
     </p:spTree>
     <p:extLst>
       <p:ext uri="{BB962C8B-B14F-4D97-AF65-F5344CB8AC3E}">
-        <p14:creationId xmlns:p14="http://schemas.microsoft.com/office/powerpoint/2010/main" xmlns="" val="1172086531"/>
+        <p14:creationId xmlns="" xmlns:p14="http://schemas.microsoft.com/office/powerpoint/2010/main" val="1172086531"/>
       </p:ext>
     </p:extLst>
   </p:cSld>
@@ -6675,7 +6678,7 @@
     <a:masterClrMapping/>
   </p:clrMapOvr>
   <mc:AlternateContent xmlns:mc="http://schemas.openxmlformats.org/markup-compatibility/2006">
-    <mc:Choice xmlns:p14="http://schemas.microsoft.com/office/powerpoint/2010/main" xmlns="" Requires="p14">
+    <mc:Choice xmlns="" xmlns:p14="http://schemas.microsoft.com/office/powerpoint/2010/main" Requires="p14">
       <p:transition spd="med" p14:dur="700">
         <p:fade/>
       </p:transition>
@@ -6771,7 +6774,7 @@
                 </a:solidFill>
               </a:rPr>
               <a:pPr/>
-              <a:t>2020/11/28</a:t>
+              <a:t>2020/11/29</a:t>
             </a:fld>
             <a:endParaRPr lang="zh-CN" altLang="en-US">
               <a:solidFill>
@@ -6852,7 +6855,7 @@
     </p:spTree>
     <p:extLst>
       <p:ext uri="{BB962C8B-B14F-4D97-AF65-F5344CB8AC3E}">
-        <p14:creationId xmlns:p14="http://schemas.microsoft.com/office/powerpoint/2010/main" xmlns="" val="1326722798"/>
+        <p14:creationId xmlns="" xmlns:p14="http://schemas.microsoft.com/office/powerpoint/2010/main" val="1326722798"/>
       </p:ext>
     </p:extLst>
   </p:cSld>
@@ -6860,7 +6863,7 @@
     <a:masterClrMapping/>
   </p:clrMapOvr>
   <mc:AlternateContent xmlns:mc="http://schemas.openxmlformats.org/markup-compatibility/2006">
-    <mc:Choice xmlns:p14="http://schemas.microsoft.com/office/powerpoint/2010/main" xmlns="" Requires="p14">
+    <mc:Choice xmlns="" xmlns:p14="http://schemas.microsoft.com/office/powerpoint/2010/main" Requires="p14">
       <p:transition spd="med" p14:dur="700">
         <p:fade/>
       </p:transition>
@@ -6929,7 +6932,7 @@
                 </a:solidFill>
               </a:rPr>
               <a:pPr/>
-              <a:t>2020/11/28</a:t>
+              <a:t>2020/11/29</a:t>
             </a:fld>
             <a:endParaRPr lang="zh-CN" altLang="en-US">
               <a:solidFill>
@@ -7006,7 +7009,7 @@
     </p:spTree>
     <p:extLst>
       <p:ext uri="{BB962C8B-B14F-4D97-AF65-F5344CB8AC3E}">
-        <p14:creationId xmlns:p14="http://schemas.microsoft.com/office/powerpoint/2010/main" xmlns="" val="796909310"/>
+        <p14:creationId xmlns="" xmlns:p14="http://schemas.microsoft.com/office/powerpoint/2010/main" val="796909310"/>
       </p:ext>
     </p:extLst>
   </p:cSld>
@@ -7014,7 +7017,7 @@
     <a:masterClrMapping/>
   </p:clrMapOvr>
   <mc:AlternateContent xmlns:mc="http://schemas.openxmlformats.org/markup-compatibility/2006">
-    <mc:Choice xmlns:p14="http://schemas.microsoft.com/office/powerpoint/2010/main" xmlns="" Requires="p14">
+    <mc:Choice xmlns="" xmlns:p14="http://schemas.microsoft.com/office/powerpoint/2010/main" Requires="p14">
       <p:transition spd="med" p14:dur="700">
         <p:fade/>
       </p:transition>
@@ -7275,7 +7278,7 @@
                 </a:solidFill>
               </a:rPr>
               <a:pPr/>
-              <a:t>2020/11/28</a:t>
+              <a:t>2020/11/29</a:t>
             </a:fld>
             <a:endParaRPr lang="zh-CN" altLang="en-US">
               <a:solidFill>
@@ -7352,7 +7355,7 @@
     </p:spTree>
     <p:extLst>
       <p:ext uri="{BB962C8B-B14F-4D97-AF65-F5344CB8AC3E}">
-        <p14:creationId xmlns:p14="http://schemas.microsoft.com/office/powerpoint/2010/main" xmlns="" val="3738623974"/>
+        <p14:creationId xmlns="" xmlns:p14="http://schemas.microsoft.com/office/powerpoint/2010/main" val="3738623974"/>
       </p:ext>
     </p:extLst>
   </p:cSld>
@@ -7360,7 +7363,7 @@
     <a:masterClrMapping/>
   </p:clrMapOvr>
   <mc:AlternateContent xmlns:mc="http://schemas.openxmlformats.org/markup-compatibility/2006">
-    <mc:Choice xmlns:p14="http://schemas.microsoft.com/office/powerpoint/2010/main" xmlns="" Requires="p14">
+    <mc:Choice xmlns="" xmlns:p14="http://schemas.microsoft.com/office/powerpoint/2010/main" Requires="p14">
       <p:transition spd="med" p14:dur="700">
         <p:fade/>
       </p:transition>
@@ -7552,7 +7555,7 @@
                 <a:ea typeface="宋体"/>
               </a:rPr>
               <a:pPr/>
-              <a:t>2020/11/28</a:t>
+              <a:t>2020/11/29</a:t>
             </a:fld>
             <a:endParaRPr kumimoji="1" lang="zh-CN" altLang="en-US">
               <a:solidFill>
@@ -7892,7 +7895,7 @@
                 </a:solidFill>
               </a:rPr>
               <a:pPr/>
-              <a:t>2020/11/28</a:t>
+              <a:t>2020/11/29</a:t>
             </a:fld>
             <a:endParaRPr lang="zh-CN" altLang="en-US">
               <a:solidFill>
@@ -7969,7 +7972,7 @@
     </p:spTree>
     <p:extLst>
       <p:ext uri="{BB962C8B-B14F-4D97-AF65-F5344CB8AC3E}">
-        <p14:creationId xmlns:p14="http://schemas.microsoft.com/office/powerpoint/2010/main" xmlns="" val="447198579"/>
+        <p14:creationId xmlns="" xmlns:p14="http://schemas.microsoft.com/office/powerpoint/2010/main" val="447198579"/>
       </p:ext>
     </p:extLst>
   </p:cSld>
@@ -7977,7 +7980,7 @@
     <a:masterClrMapping/>
   </p:clrMapOvr>
   <mc:AlternateContent xmlns:mc="http://schemas.openxmlformats.org/markup-compatibility/2006">
-    <mc:Choice xmlns:p14="http://schemas.microsoft.com/office/powerpoint/2010/main" xmlns="" Requires="p14">
+    <mc:Choice xmlns="" xmlns:p14="http://schemas.microsoft.com/office/powerpoint/2010/main" Requires="p14">
       <p:transition spd="med" p14:dur="700">
         <p:fade/>
       </p:transition>
@@ -8119,7 +8122,7 @@
                 </a:solidFill>
               </a:rPr>
               <a:pPr/>
-              <a:t>2020/11/28</a:t>
+              <a:t>2020/11/29</a:t>
             </a:fld>
             <a:endParaRPr lang="zh-CN" altLang="en-US">
               <a:solidFill>
@@ -8196,7 +8199,7 @@
     </p:spTree>
     <p:extLst>
       <p:ext uri="{BB962C8B-B14F-4D97-AF65-F5344CB8AC3E}">
-        <p14:creationId xmlns:p14="http://schemas.microsoft.com/office/powerpoint/2010/main" xmlns="" val="3000633228"/>
+        <p14:creationId xmlns="" xmlns:p14="http://schemas.microsoft.com/office/powerpoint/2010/main" val="3000633228"/>
       </p:ext>
     </p:extLst>
   </p:cSld>
@@ -8204,7 +8207,7 @@
     <a:masterClrMapping/>
   </p:clrMapOvr>
   <mc:AlternateContent xmlns:mc="http://schemas.openxmlformats.org/markup-compatibility/2006">
-    <mc:Choice xmlns:p14="http://schemas.microsoft.com/office/powerpoint/2010/main" xmlns="" Requires="p14">
+    <mc:Choice xmlns="" xmlns:p14="http://schemas.microsoft.com/office/powerpoint/2010/main" Requires="p14">
       <p:transition spd="med" p14:dur="700">
         <p:fade/>
       </p:transition>
@@ -8356,7 +8359,7 @@
                 </a:solidFill>
               </a:rPr>
               <a:pPr/>
-              <a:t>2020/11/28</a:t>
+              <a:t>2020/11/29</a:t>
             </a:fld>
             <a:endParaRPr lang="zh-CN" altLang="en-US">
               <a:solidFill>
@@ -8433,7 +8436,7 @@
     </p:spTree>
     <p:extLst>
       <p:ext uri="{BB962C8B-B14F-4D97-AF65-F5344CB8AC3E}">
-        <p14:creationId xmlns:p14="http://schemas.microsoft.com/office/powerpoint/2010/main" xmlns="" val="1082700791"/>
+        <p14:creationId xmlns="" xmlns:p14="http://schemas.microsoft.com/office/powerpoint/2010/main" val="1082700791"/>
       </p:ext>
     </p:extLst>
   </p:cSld>
@@ -8441,7 +8444,7 @@
     <a:masterClrMapping/>
   </p:clrMapOvr>
   <mc:AlternateContent xmlns:mc="http://schemas.openxmlformats.org/markup-compatibility/2006">
-    <mc:Choice xmlns:p14="http://schemas.microsoft.com/office/powerpoint/2010/main" xmlns="" Requires="p14">
+    <mc:Choice xmlns="" xmlns:p14="http://schemas.microsoft.com/office/powerpoint/2010/main" Requires="p14">
       <p:transition spd="med" p14:dur="700">
         <p:fade/>
       </p:transition>
@@ -8608,7 +8611,7 @@
                 <a:ea typeface="宋体"/>
               </a:rPr>
               <a:pPr/>
-              <a:t>2020/11/28</a:t>
+              <a:t>2020/11/29</a:t>
             </a:fld>
             <a:endParaRPr kumimoji="1" lang="zh-CN" altLang="en-US">
               <a:solidFill>
@@ -8950,7 +8953,7 @@
             <a:fld id="{C359148F-DC7D-439C-B62C-FE0239F86848}" type="datetime1">
               <a:rPr lang="zh-CN" altLang="en-US" smtClean="0"/>
               <a:pPr/>
-              <a:t>2020/11/28</a:t>
+              <a:t>2020/11/29</a:t>
             </a:fld>
             <a:endParaRPr lang="zh-CN" altLang="en-US"/>
           </a:p>
@@ -9407,7 +9410,7 @@
                 <a:ea typeface="宋体"/>
               </a:rPr>
               <a:pPr/>
-              <a:t>2020/11/28</a:t>
+              <a:t>2020/11/29</a:t>
             </a:fld>
             <a:endParaRPr kumimoji="1" lang="zh-CN" altLang="en-US">
               <a:solidFill>
@@ -9587,7 +9590,7 @@
                 <a:ea typeface="宋体"/>
               </a:rPr>
               <a:pPr/>
-              <a:t>2020/11/28</a:t>
+              <a:t>2020/11/29</a:t>
             </a:fld>
             <a:endParaRPr kumimoji="1" lang="zh-CN" altLang="en-US">
               <a:solidFill>
@@ -9744,7 +9747,7 @@
                 <a:ea typeface="宋体"/>
               </a:rPr>
               <a:pPr/>
-              <a:t>2020/11/28</a:t>
+              <a:t>2020/11/29</a:t>
             </a:fld>
             <a:endParaRPr kumimoji="1" lang="zh-CN" altLang="en-US">
               <a:solidFill>
@@ -10083,7 +10086,7 @@
                 <a:ea typeface="宋体"/>
               </a:rPr>
               <a:pPr/>
-              <a:t>2020/11/28</a:t>
+              <a:t>2020/11/29</a:t>
             </a:fld>
             <a:endParaRPr kumimoji="1" lang="zh-CN" altLang="en-US">
               <a:solidFill>
@@ -10400,7 +10403,7 @@
                 <a:ea typeface="宋体"/>
               </a:rPr>
               <a:pPr/>
-              <a:t>2020/11/28</a:t>
+              <a:t>2020/11/29</a:t>
             </a:fld>
             <a:endParaRPr kumimoji="1" lang="zh-CN" altLang="en-US">
               <a:solidFill>
@@ -10696,7 +10699,7 @@
                 <a:ea typeface="宋体"/>
               </a:rPr>
               <a:pPr defTabSz="457200"/>
-              <a:t>2020/11/28</a:t>
+              <a:t>2020/11/29</a:t>
             </a:fld>
             <a:endParaRPr kumimoji="1" lang="zh-CN" altLang="en-US">
               <a:solidFill>
@@ -11496,7 +11499,7 @@
                 </a:solidFill>
               </a:rPr>
               <a:pPr/>
-              <a:t>2020/11/28</a:t>
+              <a:t>2020/11/29</a:t>
             </a:fld>
             <a:endParaRPr lang="zh-CN" altLang="en-US">
               <a:solidFill>
@@ -11610,7 +11613,7 @@
     </p:spTree>
     <p:extLst>
       <p:ext uri="{BB962C8B-B14F-4D97-AF65-F5344CB8AC3E}">
-        <p14:creationId xmlns:p14="http://schemas.microsoft.com/office/powerpoint/2010/main" xmlns="" val="2937136900"/>
+        <p14:creationId xmlns="" xmlns:p14="http://schemas.microsoft.com/office/powerpoint/2010/main" val="2937136900"/>
       </p:ext>
     </p:extLst>
   </p:cSld>
@@ -11629,7 +11632,7 @@
     <p:sldLayoutId id="2147483791" r:id="rId11"/>
   </p:sldLayoutIdLst>
   <mc:AlternateContent xmlns:mc="http://schemas.openxmlformats.org/markup-compatibility/2006">
-    <mc:Choice xmlns:p14="http://schemas.microsoft.com/office/powerpoint/2010/main" xmlns="" Requires="p14">
+    <mc:Choice xmlns="" xmlns:p14="http://schemas.microsoft.com/office/powerpoint/2010/main" Requires="p14">
       <p:transition spd="med" p14:dur="700">
         <p:fade/>
       </p:transition>
@@ -12668,7 +12671,7 @@
     </p:spTree>
     <p:extLst>
       <p:ext uri="{BB962C8B-B14F-4D97-AF65-F5344CB8AC3E}">
-        <p14:creationId xmlns:p14="http://schemas.microsoft.com/office/powerpoint/2010/main" xmlns="" val="2446117524"/>
+        <p14:creationId xmlns="" xmlns:p14="http://schemas.microsoft.com/office/powerpoint/2010/main" val="2446117524"/>
       </p:ext>
     </p:extLst>
   </p:cSld>
@@ -12676,7 +12679,7 @@
     <a:masterClrMapping/>
   </p:clrMapOvr>
   <mc:AlternateContent xmlns:mc="http://schemas.openxmlformats.org/markup-compatibility/2006">
-    <mc:Choice xmlns:p14="http://schemas.microsoft.com/office/powerpoint/2010/main" xmlns="" Requires="p14">
+    <mc:Choice xmlns="" xmlns:p14="http://schemas.microsoft.com/office/powerpoint/2010/main" Requires="p14">
       <p:transition spd="med" p14:dur="700" advTm="9691">
         <p:fade/>
       </p:transition>
@@ -12716,6 +12719,579 @@
       </p:grpSpPr>
       <p:sp>
         <p:nvSpPr>
+          <p:cNvPr id="2" name="标题 1"/>
+          <p:cNvSpPr>
+            <a:spLocks noGrp="1"/>
+          </p:cNvSpPr>
+          <p:nvPr>
+            <p:ph type="title"/>
+          </p:nvPr>
+        </p:nvSpPr>
+        <p:spPr/>
+        <p:txBody>
+          <a:bodyPr/>
+          <a:lstStyle/>
+          <a:p>
+            <a:r>
+              <a:rPr lang="en-US" altLang="zh-CN" smtClean="0"/>
+              <a:t>Symbolic execution</a:t>
+            </a:r>
+            <a:endParaRPr lang="zh-CN" altLang="en-US"/>
+          </a:p>
+        </p:txBody>
+      </p:sp>
+      <p:sp>
+        <p:nvSpPr>
+          <p:cNvPr id="3" name="内容占位符 2"/>
+          <p:cNvSpPr>
+            <a:spLocks noGrp="1"/>
+          </p:cNvSpPr>
+          <p:nvPr>
+            <p:ph idx="1"/>
+          </p:nvPr>
+        </p:nvSpPr>
+        <p:spPr/>
+        <p:txBody>
+          <a:bodyPr/>
+          <a:lstStyle/>
+          <a:p>
+            <a:r>
+              <a:rPr lang="en-US" altLang="zh-CN" smtClean="0"/>
+              <a:t>The class of inputs characterized by each symbolic execution is determined by the dependence of the program’s control flow on its inputs</a:t>
+            </a:r>
+            <a:endParaRPr lang="zh-CN" altLang="en-US"/>
+          </a:p>
+        </p:txBody>
+      </p:sp>
+      <p:sp>
+        <p:nvSpPr>
+          <p:cNvPr id="4" name="日期占位符 3"/>
+          <p:cNvSpPr>
+            <a:spLocks noGrp="1"/>
+          </p:cNvSpPr>
+          <p:nvPr>
+            <p:ph type="dt" sz="half" idx="10"/>
+          </p:nvPr>
+        </p:nvSpPr>
+        <p:spPr/>
+        <p:txBody>
+          <a:bodyPr/>
+          <a:lstStyle/>
+          <a:p>
+            <a:fld id="{FF88F899-FA6D-4737-879E-62DE3ED9162E}" type="datetime1">
+              <a:rPr kumimoji="1" lang="zh-CN" altLang="en-US" smtClean="0">
+                <a:solidFill>
+                  <a:prstClr val="black">
+                    <a:lumMod val="65000"/>
+                    <a:lumOff val="35000"/>
+                  </a:prstClr>
+                </a:solidFill>
+                <a:ea typeface="宋体"/>
+              </a:rPr>
+              <a:pPr/>
+              <a:t>2020/11/29</a:t>
+            </a:fld>
+            <a:endParaRPr kumimoji="1" lang="zh-CN" altLang="en-US">
+              <a:solidFill>
+                <a:prstClr val="black">
+                  <a:lumMod val="65000"/>
+                  <a:lumOff val="35000"/>
+                </a:prstClr>
+              </a:solidFill>
+              <a:ea typeface="宋体"/>
+            </a:endParaRPr>
+          </a:p>
+        </p:txBody>
+      </p:sp>
+      <p:sp>
+        <p:nvSpPr>
+          <p:cNvPr id="5" name="页脚占位符 4"/>
+          <p:cNvSpPr>
+            <a:spLocks noGrp="1"/>
+          </p:cNvSpPr>
+          <p:nvPr>
+            <p:ph type="ftr" sz="quarter" idx="11"/>
+          </p:nvPr>
+        </p:nvSpPr>
+        <p:spPr/>
+        <p:txBody>
+          <a:bodyPr/>
+          <a:lstStyle/>
+          <a:p>
+            <a:pPr defTabSz="457200"/>
+            <a:endParaRPr lang="zh-CN" altLang="en-US" dirty="0"/>
+          </a:p>
+        </p:txBody>
+      </p:sp>
+      <p:sp>
+        <p:nvSpPr>
+          <p:cNvPr id="6" name="灯片编号占位符 5"/>
+          <p:cNvSpPr>
+            <a:spLocks noGrp="1"/>
+          </p:cNvSpPr>
+          <p:nvPr>
+            <p:ph type="sldNum" sz="quarter" idx="12"/>
+          </p:nvPr>
+        </p:nvSpPr>
+        <p:spPr/>
+        <p:txBody>
+          <a:bodyPr/>
+          <a:lstStyle/>
+          <a:p>
+            <a:fld id="{71F1F346-3964-904C-8DB0-057A2D699FB9}" type="slidenum">
+              <a:rPr kumimoji="1" lang="zh-CN" altLang="en-US" smtClean="0">
+                <a:solidFill>
+                  <a:prstClr val="black">
+                    <a:lumMod val="65000"/>
+                    <a:lumOff val="35000"/>
+                  </a:prstClr>
+                </a:solidFill>
+                <a:ea typeface="宋体"/>
+              </a:rPr>
+              <a:pPr/>
+              <a:t>10</a:t>
+            </a:fld>
+            <a:endParaRPr kumimoji="1" lang="zh-CN" altLang="en-US">
+              <a:solidFill>
+                <a:prstClr val="black">
+                  <a:lumMod val="65000"/>
+                  <a:lumOff val="35000"/>
+                </a:prstClr>
+              </a:solidFill>
+              <a:ea typeface="宋体"/>
+            </a:endParaRPr>
+          </a:p>
+        </p:txBody>
+      </p:sp>
+    </p:spTree>
+  </p:cSld>
+  <p:clrMapOvr>
+    <a:masterClrMapping/>
+  </p:clrMapOvr>
+</p:sld>
+</file>
+
+<file path=ppt/slides/slide11.xml><?xml version="1.0" encoding="utf-8"?>
+<p:sld xmlns:a="http://schemas.openxmlformats.org/drawingml/2006/main" xmlns:r="http://schemas.openxmlformats.org/officeDocument/2006/relationships" xmlns:p="http://schemas.openxmlformats.org/presentationml/2006/main">
+  <p:cSld>
+    <p:spTree>
+      <p:nvGrpSpPr>
+        <p:cNvPr id="1" name=""/>
+        <p:cNvGrpSpPr/>
+        <p:nvPr/>
+      </p:nvGrpSpPr>
+      <p:grpSpPr>
+        <a:xfrm>
+          <a:off x="0" y="0"/>
+          <a:ext cx="0" cy="0"/>
+          <a:chOff x="0" y="0"/>
+          <a:chExt cx="0" cy="0"/>
+        </a:xfrm>
+      </p:grpSpPr>
+      <p:sp>
+        <p:nvSpPr>
+          <p:cNvPr id="2" name="标题 1"/>
+          <p:cNvSpPr>
+            <a:spLocks noGrp="1"/>
+          </p:cNvSpPr>
+          <p:nvPr>
+            <p:ph type="title"/>
+          </p:nvPr>
+        </p:nvSpPr>
+        <p:spPr/>
+        <p:txBody>
+          <a:bodyPr/>
+          <a:lstStyle/>
+          <a:p>
+            <a:endParaRPr lang="zh-CN" altLang="en-US"/>
+          </a:p>
+        </p:txBody>
+      </p:sp>
+      <p:sp>
+        <p:nvSpPr>
+          <p:cNvPr id="3" name="内容占位符 2"/>
+          <p:cNvSpPr>
+            <a:spLocks noGrp="1"/>
+          </p:cNvSpPr>
+          <p:nvPr>
+            <p:ph idx="1"/>
+          </p:nvPr>
+        </p:nvSpPr>
+        <p:spPr/>
+        <p:txBody>
+          <a:bodyPr/>
+          <a:lstStyle/>
+          <a:p>
+            <a:endParaRPr lang="zh-CN" altLang="en-US"/>
+          </a:p>
+        </p:txBody>
+      </p:sp>
+      <p:sp>
+        <p:nvSpPr>
+          <p:cNvPr id="4" name="日期占位符 3"/>
+          <p:cNvSpPr>
+            <a:spLocks noGrp="1"/>
+          </p:cNvSpPr>
+          <p:nvPr>
+            <p:ph type="dt" sz="half" idx="10"/>
+          </p:nvPr>
+        </p:nvSpPr>
+        <p:spPr/>
+        <p:txBody>
+          <a:bodyPr/>
+          <a:lstStyle/>
+          <a:p>
+            <a:fld id="{FF88F899-FA6D-4737-879E-62DE3ED9162E}" type="datetime1">
+              <a:rPr kumimoji="1" lang="zh-CN" altLang="en-US" smtClean="0">
+                <a:solidFill>
+                  <a:prstClr val="black">
+                    <a:lumMod val="65000"/>
+                    <a:lumOff val="35000"/>
+                  </a:prstClr>
+                </a:solidFill>
+                <a:ea typeface="宋体"/>
+              </a:rPr>
+              <a:pPr/>
+              <a:t>2020/11/29</a:t>
+            </a:fld>
+            <a:endParaRPr kumimoji="1" lang="zh-CN" altLang="en-US">
+              <a:solidFill>
+                <a:prstClr val="black">
+                  <a:lumMod val="65000"/>
+                  <a:lumOff val="35000"/>
+                </a:prstClr>
+              </a:solidFill>
+              <a:ea typeface="宋体"/>
+            </a:endParaRPr>
+          </a:p>
+        </p:txBody>
+      </p:sp>
+      <p:sp>
+        <p:nvSpPr>
+          <p:cNvPr id="5" name="页脚占位符 4"/>
+          <p:cNvSpPr>
+            <a:spLocks noGrp="1"/>
+          </p:cNvSpPr>
+          <p:nvPr>
+            <p:ph type="ftr" sz="quarter" idx="11"/>
+          </p:nvPr>
+        </p:nvSpPr>
+        <p:spPr/>
+        <p:txBody>
+          <a:bodyPr/>
+          <a:lstStyle/>
+          <a:p>
+            <a:pPr defTabSz="457200"/>
+            <a:endParaRPr lang="zh-CN" altLang="en-US" dirty="0"/>
+          </a:p>
+        </p:txBody>
+      </p:sp>
+      <p:sp>
+        <p:nvSpPr>
+          <p:cNvPr id="6" name="灯片编号占位符 5"/>
+          <p:cNvSpPr>
+            <a:spLocks noGrp="1"/>
+          </p:cNvSpPr>
+          <p:nvPr>
+            <p:ph type="sldNum" sz="quarter" idx="12"/>
+          </p:nvPr>
+        </p:nvSpPr>
+        <p:spPr/>
+        <p:txBody>
+          <a:bodyPr/>
+          <a:lstStyle/>
+          <a:p>
+            <a:fld id="{71F1F346-3964-904C-8DB0-057A2D699FB9}" type="slidenum">
+              <a:rPr kumimoji="1" lang="zh-CN" altLang="en-US" smtClean="0">
+                <a:solidFill>
+                  <a:prstClr val="black">
+                    <a:lumMod val="65000"/>
+                    <a:lumOff val="35000"/>
+                  </a:prstClr>
+                </a:solidFill>
+                <a:ea typeface="宋体"/>
+              </a:rPr>
+              <a:pPr/>
+              <a:t>11</a:t>
+            </a:fld>
+            <a:endParaRPr kumimoji="1" lang="zh-CN" altLang="en-US">
+              <a:solidFill>
+                <a:prstClr val="black">
+                  <a:lumMod val="65000"/>
+                  <a:lumOff val="35000"/>
+                </a:prstClr>
+              </a:solidFill>
+              <a:ea typeface="宋体"/>
+            </a:endParaRPr>
+          </a:p>
+        </p:txBody>
+      </p:sp>
+      <p:pic>
+        <p:nvPicPr>
+          <p:cNvPr id="1028" name="Picture 4" descr="https://img-blog.csdnimg.cn/20190207220703531.png?x-oss-process=image/watermark,type_ZmFuZ3poZW5naGVpdGk,shadow_10,text_aHR0cHM6Ly9ibG9nLmNzZG4ubmV0L3djdmVudHVyZQ==,size_16,color_FFFFFF,t_70"/>
+          <p:cNvPicPr>
+            <a:picLocks noChangeAspect="1" noChangeArrowheads="1"/>
+          </p:cNvPicPr>
+          <p:nvPr/>
+        </p:nvPicPr>
+        <p:blipFill>
+          <a:blip r:embed="rId2" cstate="print"/>
+          <a:srcRect/>
+          <a:stretch>
+            <a:fillRect/>
+          </a:stretch>
+        </p:blipFill>
+        <p:spPr bwMode="auto">
+          <a:xfrm>
+            <a:off x="642910" y="2143116"/>
+            <a:ext cx="4368538" cy="4016358"/>
+          </a:xfrm>
+          <a:prstGeom prst="rect">
+            <a:avLst/>
+          </a:prstGeom>
+          <a:noFill/>
+        </p:spPr>
+      </p:pic>
+      <p:pic>
+        <p:nvPicPr>
+          <p:cNvPr id="1030" name="Picture 6" descr="https://img-blog.csdnimg.cn/20190207220709542.png?x-oss-process=image/watermark,type_ZmFuZ3poZW5naGVpdGk,shadow_10,text_aHR0cHM6Ly9ibG9nLmNzZG4ubmV0L3djdmVudHVyZQ==,size_16,color_FFFFFF,t_70"/>
+          <p:cNvPicPr>
+            <a:picLocks noChangeAspect="1" noChangeArrowheads="1"/>
+          </p:cNvPicPr>
+          <p:nvPr/>
+        </p:nvPicPr>
+        <p:blipFill>
+          <a:blip r:embed="rId3" cstate="print"/>
+          <a:srcRect/>
+          <a:stretch>
+            <a:fillRect/>
+          </a:stretch>
+        </p:blipFill>
+        <p:spPr bwMode="auto">
+          <a:xfrm>
+            <a:off x="4357686" y="1928802"/>
+            <a:ext cx="4063251" cy="3167058"/>
+          </a:xfrm>
+          <a:prstGeom prst="rect">
+            <a:avLst/>
+          </a:prstGeom>
+          <a:noFill/>
+        </p:spPr>
+      </p:pic>
+    </p:spTree>
+  </p:cSld>
+  <p:clrMapOvr>
+    <a:masterClrMapping/>
+  </p:clrMapOvr>
+  <p:timing>
+    <p:tnLst>
+      <p:par>
+        <p:cTn id="1" dur="indefinite" restart="never" nodeType="tmRoot"/>
+      </p:par>
+    </p:tnLst>
+  </p:timing>
+</p:sld>
+</file>
+
+<file path=ppt/slides/slide12.xml><?xml version="1.0" encoding="utf-8"?>
+<p:sld xmlns:a="http://schemas.openxmlformats.org/drawingml/2006/main" xmlns:r="http://schemas.openxmlformats.org/officeDocument/2006/relationships" xmlns:p="http://schemas.openxmlformats.org/presentationml/2006/main">
+  <p:cSld>
+    <p:spTree>
+      <p:nvGrpSpPr>
+        <p:cNvPr id="1" name=""/>
+        <p:cNvGrpSpPr/>
+        <p:nvPr/>
+      </p:nvGrpSpPr>
+      <p:grpSpPr>
+        <a:xfrm>
+          <a:off x="0" y="0"/>
+          <a:ext cx="0" cy="0"/>
+          <a:chOff x="0" y="0"/>
+          <a:chExt cx="0" cy="0"/>
+        </a:xfrm>
+      </p:grpSpPr>
+      <p:sp>
+        <p:nvSpPr>
+          <p:cNvPr id="2" name="标题 1"/>
+          <p:cNvSpPr>
+            <a:spLocks noGrp="1"/>
+          </p:cNvSpPr>
+          <p:nvPr>
+            <p:ph type="title"/>
+          </p:nvPr>
+        </p:nvSpPr>
+        <p:spPr/>
+        <p:txBody>
+          <a:bodyPr/>
+          <a:lstStyle/>
+          <a:p>
+            <a:r>
+              <a:rPr lang="en-US" altLang="zh-CN" cap="small" smtClean="0"/>
+              <a:t>Effigy</a:t>
+            </a:r>
+            <a:endParaRPr lang="zh-CN" altLang="en-US" cap="small"/>
+          </a:p>
+        </p:txBody>
+      </p:sp>
+      <p:sp>
+        <p:nvSpPr>
+          <p:cNvPr id="3" name="内容占位符 2"/>
+          <p:cNvSpPr>
+            <a:spLocks noGrp="1"/>
+          </p:cNvSpPr>
+          <p:nvPr>
+            <p:ph idx="1"/>
+          </p:nvPr>
+        </p:nvSpPr>
+        <p:spPr/>
+        <p:txBody>
+          <a:bodyPr/>
+          <a:lstStyle/>
+          <a:p>
+            <a:r>
+              <a:rPr lang="en-US" altLang="zh-CN" smtClean="0"/>
+              <a:t>An interactive symbolic execution system developed by the author and his colleagues</a:t>
+            </a:r>
+          </a:p>
+          <a:p>
+            <a:endParaRPr lang="zh-CN" altLang="en-US"/>
+          </a:p>
+        </p:txBody>
+      </p:sp>
+      <p:sp>
+        <p:nvSpPr>
+          <p:cNvPr id="4" name="日期占位符 3"/>
+          <p:cNvSpPr>
+            <a:spLocks noGrp="1"/>
+          </p:cNvSpPr>
+          <p:nvPr>
+            <p:ph type="dt" sz="half" idx="10"/>
+          </p:nvPr>
+        </p:nvSpPr>
+        <p:spPr/>
+        <p:txBody>
+          <a:bodyPr/>
+          <a:lstStyle/>
+          <a:p>
+            <a:fld id="{FF88F899-FA6D-4737-879E-62DE3ED9162E}" type="datetime1">
+              <a:rPr kumimoji="1" lang="zh-CN" altLang="en-US" smtClean="0">
+                <a:solidFill>
+                  <a:prstClr val="black">
+                    <a:lumMod val="65000"/>
+                    <a:lumOff val="35000"/>
+                  </a:prstClr>
+                </a:solidFill>
+                <a:ea typeface="宋体"/>
+              </a:rPr>
+              <a:pPr/>
+              <a:t>2020/11/29</a:t>
+            </a:fld>
+            <a:endParaRPr kumimoji="1" lang="zh-CN" altLang="en-US">
+              <a:solidFill>
+                <a:prstClr val="black">
+                  <a:lumMod val="65000"/>
+                  <a:lumOff val="35000"/>
+                </a:prstClr>
+              </a:solidFill>
+              <a:ea typeface="宋体"/>
+            </a:endParaRPr>
+          </a:p>
+        </p:txBody>
+      </p:sp>
+      <p:sp>
+        <p:nvSpPr>
+          <p:cNvPr id="5" name="页脚占位符 4"/>
+          <p:cNvSpPr>
+            <a:spLocks noGrp="1"/>
+          </p:cNvSpPr>
+          <p:nvPr>
+            <p:ph type="ftr" sz="quarter" idx="11"/>
+          </p:nvPr>
+        </p:nvSpPr>
+        <p:spPr/>
+        <p:txBody>
+          <a:bodyPr/>
+          <a:lstStyle/>
+          <a:p>
+            <a:pPr defTabSz="457200"/>
+            <a:endParaRPr lang="zh-CN" altLang="en-US" dirty="0"/>
+          </a:p>
+        </p:txBody>
+      </p:sp>
+      <p:sp>
+        <p:nvSpPr>
+          <p:cNvPr id="6" name="灯片编号占位符 5"/>
+          <p:cNvSpPr>
+            <a:spLocks noGrp="1"/>
+          </p:cNvSpPr>
+          <p:nvPr>
+            <p:ph type="sldNum" sz="quarter" idx="12"/>
+          </p:nvPr>
+        </p:nvSpPr>
+        <p:spPr/>
+        <p:txBody>
+          <a:bodyPr/>
+          <a:lstStyle/>
+          <a:p>
+            <a:fld id="{71F1F346-3964-904C-8DB0-057A2D699FB9}" type="slidenum">
+              <a:rPr kumimoji="1" lang="zh-CN" altLang="en-US" smtClean="0">
+                <a:solidFill>
+                  <a:prstClr val="black">
+                    <a:lumMod val="65000"/>
+                    <a:lumOff val="35000"/>
+                  </a:prstClr>
+                </a:solidFill>
+                <a:ea typeface="宋体"/>
+              </a:rPr>
+              <a:pPr/>
+              <a:t>12</a:t>
+            </a:fld>
+            <a:endParaRPr kumimoji="1" lang="zh-CN" altLang="en-US">
+              <a:solidFill>
+                <a:prstClr val="black">
+                  <a:lumMod val="65000"/>
+                  <a:lumOff val="35000"/>
+                </a:prstClr>
+              </a:solidFill>
+              <a:ea typeface="宋体"/>
+            </a:endParaRPr>
+          </a:p>
+        </p:txBody>
+      </p:sp>
+    </p:spTree>
+  </p:cSld>
+  <p:clrMapOvr>
+    <a:masterClrMapping/>
+  </p:clrMapOvr>
+  <p:timing>
+    <p:tnLst>
+      <p:par>
+        <p:cTn id="1" dur="indefinite" restart="never" nodeType="tmRoot"/>
+      </p:par>
+    </p:tnLst>
+  </p:timing>
+</p:sld>
+</file>
+
+<file path=ppt/slides/slide13.xml><?xml version="1.0" encoding="utf-8"?>
+<p:sld xmlns:a="http://schemas.openxmlformats.org/drawingml/2006/main" xmlns:r="http://schemas.openxmlformats.org/officeDocument/2006/relationships" xmlns:p="http://schemas.openxmlformats.org/presentationml/2006/main">
+  <p:cSld>
+    <p:spTree>
+      <p:nvGrpSpPr>
+        <p:cNvPr id="1" name=""/>
+        <p:cNvGrpSpPr/>
+        <p:nvPr/>
+      </p:nvGrpSpPr>
+      <p:grpSpPr>
+        <a:xfrm>
+          <a:off x="0" y="0"/>
+          <a:ext cx="0" cy="0"/>
+          <a:chOff x="0" y="0"/>
+          <a:chExt cx="0" cy="0"/>
+        </a:xfrm>
+      </p:grpSpPr>
+      <p:sp>
+        <p:nvSpPr>
           <p:cNvPr id="2" name="内容占位符 1"/>
           <p:cNvSpPr>
             <a:spLocks noGrp="1"/>
@@ -12755,7 +13331,7 @@
     </p:spTree>
     <p:extLst>
       <p:ext uri="{BB962C8B-B14F-4D97-AF65-F5344CB8AC3E}">
-        <p14:creationId xmlns:p14="http://schemas.microsoft.com/office/powerpoint/2010/main" xmlns="" val="1912946656"/>
+        <p14:creationId xmlns="" xmlns:p14="http://schemas.microsoft.com/office/powerpoint/2010/main" val="1912946656"/>
       </p:ext>
     </p:extLst>
   </p:cSld>
@@ -12763,7 +13339,7 @@
     <a:masterClrMapping/>
   </p:clrMapOvr>
   <mc:AlternateContent xmlns:mc="http://schemas.openxmlformats.org/markup-compatibility/2006">
-    <mc:Choice xmlns:p14="http://schemas.microsoft.com/office/powerpoint/2010/main" xmlns="" Requires="p14">
+    <mc:Choice xmlns="" xmlns:p14="http://schemas.microsoft.com/office/powerpoint/2010/main" Requires="p14">
       <p:transition spd="slow" p14:dur="2000" advTm="1792"/>
     </mc:Choice>
     <mc:Fallback>
@@ -12906,7 +13482,7 @@
                 <a:ea typeface="宋体"/>
               </a:rPr>
               <a:pPr/>
-              <a:t>2020/11/28</a:t>
+              <a:t>2020/11/29</a:t>
             </a:fld>
             <a:endParaRPr kumimoji="1" lang="zh-CN" altLang="en-US" dirty="0">
               <a:solidFill>
@@ -13064,7 +13640,7 @@
           <a:blip r:embed="rId6" cstate="print">
             <a:extLst>
               <a:ext uri="{28A0092B-C50C-407E-A947-70E740481C1C}">
-                <a14:useLocalDpi xmlns:a14="http://schemas.microsoft.com/office/drawing/2010/main" xmlns="" val="0"/>
+                <a14:useLocalDpi xmlns="" xmlns:a14="http://schemas.microsoft.com/office/drawing/2010/main" val="0"/>
               </a:ext>
             </a:extLst>
           </a:blip>
@@ -13084,7 +13660,7 @@
           <a:noFill/>
           <a:extLst>
             <a:ext uri="{909E8E84-426E-40DD-AFC4-6F175D3DCCD1}">
-              <a14:hiddenFill xmlns:a14="http://schemas.microsoft.com/office/drawing/2010/main" xmlns="">
+              <a14:hiddenFill xmlns="" xmlns:a14="http://schemas.microsoft.com/office/drawing/2010/main">
                 <a:solidFill>
                   <a:srgbClr val="FFFFFF"/>
                 </a:solidFill>
@@ -13105,7 +13681,7 @@
           <a:blip r:embed="rId7" cstate="print">
             <a:extLst>
               <a:ext uri="{28A0092B-C50C-407E-A947-70E740481C1C}">
-                <a14:useLocalDpi xmlns:a14="http://schemas.microsoft.com/office/drawing/2010/main" xmlns="" val="0"/>
+                <a14:useLocalDpi xmlns="" xmlns:a14="http://schemas.microsoft.com/office/drawing/2010/main" val="0"/>
               </a:ext>
             </a:extLst>
           </a:blip>
@@ -13125,7 +13701,7 @@
           <a:noFill/>
           <a:extLst>
             <a:ext uri="{909E8E84-426E-40DD-AFC4-6F175D3DCCD1}">
-              <a14:hiddenFill xmlns:a14="http://schemas.microsoft.com/office/drawing/2010/main" xmlns="">
+              <a14:hiddenFill xmlns="" xmlns:a14="http://schemas.microsoft.com/office/drawing/2010/main">
                 <a:solidFill>
                   <a:srgbClr val="FFFFFF"/>
                 </a:solidFill>
@@ -13226,7 +13802,7 @@
           <a:blip r:embed="rId8" cstate="print">
             <a:extLst>
               <a:ext uri="{28A0092B-C50C-407E-A947-70E740481C1C}">
-                <a14:useLocalDpi xmlns:a14="http://schemas.microsoft.com/office/drawing/2010/main" xmlns="" val="0"/>
+                <a14:useLocalDpi xmlns="" xmlns:a14="http://schemas.microsoft.com/office/drawing/2010/main" val="0"/>
               </a:ext>
             </a:extLst>
           </a:blip>
@@ -13246,7 +13822,7 @@
           <a:noFill/>
           <a:extLst>
             <a:ext uri="{909E8E84-426E-40DD-AFC4-6F175D3DCCD1}">
-              <a14:hiddenFill xmlns:a14="http://schemas.microsoft.com/office/drawing/2010/main" xmlns="">
+              <a14:hiddenFill xmlns="" xmlns:a14="http://schemas.microsoft.com/office/drawing/2010/main">
                 <a:solidFill>
                   <a:srgbClr val="FFFFFF"/>
                 </a:solidFill>
@@ -13338,7 +13914,7 @@
     </p:spTree>
     <p:extLst>
       <p:ext uri="{BB962C8B-B14F-4D97-AF65-F5344CB8AC3E}">
-        <p14:creationId xmlns:p14="http://schemas.microsoft.com/office/powerpoint/2010/main" xmlns="" val="2758785605"/>
+        <p14:creationId xmlns="" xmlns:p14="http://schemas.microsoft.com/office/powerpoint/2010/main" val="2758785605"/>
       </p:ext>
     </p:extLst>
   </p:cSld>
@@ -13950,7 +14526,7 @@
                 <a:ea typeface="宋体"/>
               </a:rPr>
               <a:pPr/>
-              <a:t>2020/11/28</a:t>
+              <a:t>2020/11/29</a:t>
             </a:fld>
             <a:endParaRPr kumimoji="1" lang="zh-CN" altLang="en-US">
               <a:solidFill>
@@ -14075,7 +14651,7 @@
     </p:spTree>
     <p:extLst>
       <p:ext uri="{BB962C8B-B14F-4D97-AF65-F5344CB8AC3E}">
-        <p14:creationId xmlns:p14="http://schemas.microsoft.com/office/powerpoint/2010/main" xmlns="" val="242703108"/>
+        <p14:creationId xmlns="" xmlns:p14="http://schemas.microsoft.com/office/powerpoint/2010/main" val="242703108"/>
       </p:ext>
     </p:extLst>
   </p:cSld>
@@ -14271,7 +14847,7 @@
                 <a:ea typeface="宋体"/>
               </a:rPr>
               <a:pPr/>
-              <a:t>2020/11/28</a:t>
+              <a:t>2020/11/29</a:t>
             </a:fld>
             <a:endParaRPr kumimoji="1" lang="zh-CN" altLang="en-US" dirty="0">
               <a:solidFill>
@@ -14494,7 +15070,7 @@
     </p:spTree>
     <p:extLst>
       <p:ext uri="{BB962C8B-B14F-4D97-AF65-F5344CB8AC3E}">
-        <p14:creationId xmlns:p14="http://schemas.microsoft.com/office/powerpoint/2010/main" xmlns="" val="11622534"/>
+        <p14:creationId xmlns="" xmlns:p14="http://schemas.microsoft.com/office/powerpoint/2010/main" val="11622534"/>
       </p:ext>
     </p:extLst>
   </p:cSld>
@@ -14819,7 +15395,7 @@
                 <a:ea typeface="宋体"/>
               </a:rPr>
               <a:pPr/>
-              <a:t>2020/11/28</a:t>
+              <a:t>2020/11/29</a:t>
             </a:fld>
             <a:endParaRPr kumimoji="1" lang="zh-CN" altLang="en-US">
               <a:solidFill>
@@ -15008,7 +15584,7 @@
     </p:spTree>
     <p:extLst>
       <p:ext uri="{BB962C8B-B14F-4D97-AF65-F5344CB8AC3E}">
-        <p14:creationId xmlns:p14="http://schemas.microsoft.com/office/powerpoint/2010/main" xmlns="" val="2204431392"/>
+        <p14:creationId xmlns="" xmlns:p14="http://schemas.microsoft.com/office/powerpoint/2010/main" val="2204431392"/>
       </p:ext>
     </p:extLst>
   </p:cSld>
@@ -15299,7 +15875,7 @@
                 <a:ea typeface="宋体"/>
               </a:rPr>
               <a:pPr/>
-              <a:t>2020/11/28</a:t>
+              <a:t>2020/11/29</a:t>
             </a:fld>
             <a:endParaRPr kumimoji="1" lang="zh-CN" altLang="en-US">
               <a:solidFill>
@@ -15376,7 +15952,7 @@
     </p:spTree>
     <p:extLst>
       <p:ext uri="{BB962C8B-B14F-4D97-AF65-F5344CB8AC3E}">
-        <p14:creationId xmlns:p14="http://schemas.microsoft.com/office/powerpoint/2010/main" xmlns="" val="2166599487"/>
+        <p14:creationId xmlns="" xmlns:p14="http://schemas.microsoft.com/office/powerpoint/2010/main" val="2166599487"/>
       </p:ext>
     </p:extLst>
   </p:cSld>
@@ -15459,7 +16035,7 @@
                 <a:ea typeface="宋体"/>
               </a:rPr>
               <a:pPr/>
-              <a:t>2020/11/28</a:t>
+              <a:t>2020/11/29</a:t>
             </a:fld>
             <a:endParaRPr kumimoji="1" lang="zh-CN" altLang="en-US">
               <a:solidFill>
@@ -15540,7 +16116,7 @@
           <p:nvPr>
             <p:extLst>
               <p:ext uri="{D42A27DB-BD31-4B8C-83A1-F6EECF244321}">
-                <p14:modId xmlns:p14="http://schemas.microsoft.com/office/powerpoint/2010/main" xmlns="" val="4252105673"/>
+                <p14:modId xmlns="" xmlns:p14="http://schemas.microsoft.com/office/powerpoint/2010/main" val="4252105673"/>
               </p:ext>
             </p:extLst>
           </p:nvPr>
@@ -15558,7 +16134,7 @@
     </p:spTree>
     <p:extLst>
       <p:ext uri="{BB962C8B-B14F-4D97-AF65-F5344CB8AC3E}">
-        <p14:creationId xmlns:p14="http://schemas.microsoft.com/office/powerpoint/2010/main" xmlns="" val="1508707415"/>
+        <p14:creationId xmlns="" xmlns:p14="http://schemas.microsoft.com/office/powerpoint/2010/main" val="1508707415"/>
       </p:ext>
     </p:extLst>
   </p:cSld>
@@ -19404,6 +19980,10 @@
           <a:bodyPr/>
           <a:lstStyle/>
           <a:p>
+            <a:r>
+              <a:rPr lang="en-US" altLang="zh-CN" smtClean="0"/>
+              <a:t>Symbolic execution</a:t>
+            </a:r>
             <a:endParaRPr lang="zh-CN" altLang="en-US"/>
           </a:p>
         </p:txBody>
@@ -19423,6 +20003,56 @@
           <a:bodyPr/>
           <a:lstStyle/>
           <a:p>
+            <a:pPr>
+              <a:spcAft>
+                <a:spcPts val="600"/>
+              </a:spcAft>
+            </a:pPr>
+            <a:r>
+              <a:rPr lang="en-US" altLang="zh-CN" smtClean="0"/>
+              <a:t>This paper describes a practical approach between two extremes which is an enhanced testing technique.</a:t>
+            </a:r>
+          </a:p>
+          <a:p>
+            <a:pPr lvl="1">
+              <a:spcAft>
+                <a:spcPts val="600"/>
+              </a:spcAft>
+            </a:pPr>
+            <a:r>
+              <a:rPr lang="en-US" altLang="zh-CN" smtClean="0"/>
+              <a:t>Instead of executing programs on a set of sample inputs</a:t>
+            </a:r>
+          </a:p>
+          <a:p>
+            <a:pPr lvl="1">
+              <a:spcAft>
+                <a:spcPts val="600"/>
+              </a:spcAft>
+            </a:pPr>
+            <a:r>
+              <a:rPr lang="en-US" altLang="zh-CN" smtClean="0"/>
+              <a:t>A program is “symbolically” executed for a set of </a:t>
+            </a:r>
+            <a:r>
+              <a:rPr lang="en-US" altLang="zh-CN" b="1" i="1" smtClean="0"/>
+              <a:t>classes</a:t>
+            </a:r>
+            <a:r>
+              <a:rPr lang="en-US" altLang="zh-CN" smtClean="0"/>
+              <a:t> of inputs</a:t>
+            </a:r>
+          </a:p>
+          <a:p>
+            <a:pPr lvl="1">
+              <a:spcAft>
+                <a:spcPts val="600"/>
+              </a:spcAft>
+            </a:pPr>
+            <a:r>
+              <a:rPr lang="en-US" altLang="zh-CN" smtClean="0"/>
+              <a:t>Each symbolic execution result may be equivalent to a large number of normal test cases</a:t>
+            </a:r>
             <a:endParaRPr lang="zh-CN" altLang="en-US"/>
           </a:p>
         </p:txBody>
@@ -19453,7 +20083,7 @@
                 <a:ea typeface="宋体"/>
               </a:rPr>
               <a:pPr/>
-              <a:t>2020/11/28</a:t>
+              <a:t>2020/11/29</a:t>
             </a:fld>
             <a:endParaRPr kumimoji="1" lang="zh-CN" altLang="en-US">
               <a:solidFill>
@@ -19527,58 +20157,2042 @@
           </a:p>
         </p:txBody>
       </p:sp>
-      <p:pic>
-        <p:nvPicPr>
-          <p:cNvPr id="1028" name="Picture 4" descr="https://img-blog.csdnimg.cn/20190207220703531.png?x-oss-process=image/watermark,type_ZmFuZ3poZW5naGVpdGk,shadow_10,text_aHR0cHM6Ly9ibG9nLmNzZG4ubmV0L3djdmVudHVyZQ==,size_16,color_FFFFFF,t_70"/>
-          <p:cNvPicPr>
-            <a:picLocks noChangeAspect="1" noChangeArrowheads="1"/>
-          </p:cNvPicPr>
+      <p:sp>
+        <p:nvSpPr>
+          <p:cNvPr id="7" name="矩形 6"/>
+          <p:cNvSpPr/>
           <p:nvPr/>
-        </p:nvPicPr>
-        <p:blipFill>
-          <a:blip r:embed="rId2" cstate="print"/>
-          <a:srcRect/>
-          <a:stretch>
-            <a:fillRect/>
-          </a:stretch>
-        </p:blipFill>
-        <p:spPr bwMode="auto">
+        </p:nvSpPr>
+        <p:spPr>
           <a:xfrm>
-            <a:off x="642910" y="2143116"/>
-            <a:ext cx="4368538" cy="4016358"/>
+            <a:off x="1571604" y="4572008"/>
+            <a:ext cx="2000264" cy="1714512"/>
           </a:xfrm>
           <a:prstGeom prst="rect">
             <a:avLst/>
           </a:prstGeom>
-          <a:noFill/>
+          <a:solidFill>
+            <a:schemeClr val="bg1"/>
+          </a:solidFill>
+          <a:ln>
+            <a:solidFill>
+              <a:schemeClr val="tx1"/>
+            </a:solidFill>
+          </a:ln>
         </p:spPr>
-      </p:pic>
-      <p:pic>
-        <p:nvPicPr>
-          <p:cNvPr id="1030" name="Picture 6" descr="https://img-blog.csdnimg.cn/20190207220709542.png?x-oss-process=image/watermark,type_ZmFuZ3poZW5naGVpdGk,shadow_10,text_aHR0cHM6Ly9ibG9nLmNzZG4ubmV0L3djdmVudHVyZQ==,size_16,color_FFFFFF,t_70"/>
-          <p:cNvPicPr>
-            <a:picLocks noChangeAspect="1" noChangeArrowheads="1"/>
-          </p:cNvPicPr>
+        <p:style>
+          <a:lnRef idx="2">
+            <a:schemeClr val="accent1">
+              <a:shade val="50000"/>
+            </a:schemeClr>
+          </a:lnRef>
+          <a:fillRef idx="1">
+            <a:schemeClr val="accent1"/>
+          </a:fillRef>
+          <a:effectRef idx="0">
+            <a:schemeClr val="accent1"/>
+          </a:effectRef>
+          <a:fontRef idx="minor">
+            <a:schemeClr val="lt1"/>
+          </a:fontRef>
+        </p:style>
+        <p:txBody>
+          <a:bodyPr rtlCol="0" anchor="ctr"/>
+          <a:lstStyle/>
+          <a:p>
+            <a:pPr algn="ctr"/>
+            <a:endParaRPr lang="zh-CN" altLang="en-US"/>
+          </a:p>
+        </p:txBody>
+      </p:sp>
+      <p:cxnSp>
+        <p:nvCxnSpPr>
+          <p:cNvPr id="9" name="直接连接符 8"/>
+          <p:cNvCxnSpPr/>
           <p:nvPr/>
-        </p:nvPicPr>
-        <p:blipFill>
-          <a:blip r:embed="rId3" cstate="print"/>
-          <a:srcRect/>
-          <a:stretch>
-            <a:fillRect/>
-          </a:stretch>
-        </p:blipFill>
-        <p:spPr bwMode="auto">
+        </p:nvCxnSpPr>
+        <p:spPr>
+          <a:xfrm rot="5400000" flipH="1" flipV="1">
+            <a:off x="3071802" y="5214950"/>
+            <a:ext cx="500066" cy="500066"/>
+          </a:xfrm>
+          <a:prstGeom prst="line">
+            <a:avLst/>
+          </a:prstGeom>
+          <a:ln w="28575">
+            <a:solidFill>
+              <a:schemeClr val="tx1"/>
+            </a:solidFill>
+          </a:ln>
+        </p:spPr>
+        <p:style>
+          <a:lnRef idx="1">
+            <a:schemeClr val="accent1"/>
+          </a:lnRef>
+          <a:fillRef idx="0">
+            <a:schemeClr val="accent1"/>
+          </a:fillRef>
+          <a:effectRef idx="0">
+            <a:schemeClr val="accent1"/>
+          </a:effectRef>
+          <a:fontRef idx="minor">
+            <a:schemeClr val="tx1"/>
+          </a:fontRef>
+        </p:style>
+      </p:cxnSp>
+      <p:cxnSp>
+        <p:nvCxnSpPr>
+          <p:cNvPr id="11" name="直接连接符 10"/>
+          <p:cNvCxnSpPr/>
+          <p:nvPr/>
+        </p:nvCxnSpPr>
+        <p:spPr>
+          <a:xfrm rot="16200000" flipV="1">
+            <a:off x="2964645" y="4607727"/>
+            <a:ext cx="642942" cy="571504"/>
+          </a:xfrm>
+          <a:prstGeom prst="line">
+            <a:avLst/>
+          </a:prstGeom>
+          <a:ln w="28575">
+            <a:solidFill>
+              <a:schemeClr val="tx1"/>
+            </a:solidFill>
+          </a:ln>
+        </p:spPr>
+        <p:style>
+          <a:lnRef idx="1">
+            <a:schemeClr val="accent1"/>
+          </a:lnRef>
+          <a:fillRef idx="0">
+            <a:schemeClr val="accent1"/>
+          </a:fillRef>
+          <a:effectRef idx="0">
+            <a:schemeClr val="accent1"/>
+          </a:effectRef>
+          <a:fontRef idx="minor">
+            <a:schemeClr val="tx1"/>
+          </a:fontRef>
+        </p:style>
+      </p:cxnSp>
+      <p:cxnSp>
+        <p:nvCxnSpPr>
+          <p:cNvPr id="14" name="直接连接符 13"/>
+          <p:cNvCxnSpPr/>
+          <p:nvPr/>
+        </p:nvCxnSpPr>
+        <p:spPr>
+          <a:xfrm rot="16200000" flipV="1">
+            <a:off x="1464447" y="4679165"/>
+            <a:ext cx="785818" cy="571504"/>
+          </a:xfrm>
+          <a:prstGeom prst="line">
+            <a:avLst/>
+          </a:prstGeom>
+          <a:ln w="28575">
+            <a:solidFill>
+              <a:schemeClr val="tx1"/>
+            </a:solidFill>
+          </a:ln>
+        </p:spPr>
+        <p:style>
+          <a:lnRef idx="1">
+            <a:schemeClr val="accent1"/>
+          </a:lnRef>
+          <a:fillRef idx="0">
+            <a:schemeClr val="accent1"/>
+          </a:fillRef>
+          <a:effectRef idx="0">
+            <a:schemeClr val="accent1"/>
+          </a:effectRef>
+          <a:fontRef idx="minor">
+            <a:schemeClr val="tx1"/>
+          </a:fontRef>
+        </p:style>
+      </p:cxnSp>
+      <p:cxnSp>
+        <p:nvCxnSpPr>
+          <p:cNvPr id="17" name="直接连接符 16"/>
+          <p:cNvCxnSpPr/>
+          <p:nvPr/>
+        </p:nvCxnSpPr>
+        <p:spPr>
+          <a:xfrm rot="5400000">
+            <a:off x="1571604" y="5357826"/>
+            <a:ext cx="571504" cy="571504"/>
+          </a:xfrm>
+          <a:prstGeom prst="line">
+            <a:avLst/>
+          </a:prstGeom>
+          <a:ln w="28575">
+            <a:solidFill>
+              <a:schemeClr val="tx1"/>
+            </a:solidFill>
+          </a:ln>
+        </p:spPr>
+        <p:style>
+          <a:lnRef idx="1">
+            <a:schemeClr val="accent1"/>
+          </a:lnRef>
+          <a:fillRef idx="0">
+            <a:schemeClr val="accent1"/>
+          </a:fillRef>
+          <a:effectRef idx="0">
+            <a:schemeClr val="accent1"/>
+          </a:effectRef>
+          <a:fontRef idx="minor">
+            <a:schemeClr val="tx1"/>
+          </a:fontRef>
+        </p:style>
+      </p:cxnSp>
+      <p:cxnSp>
+        <p:nvCxnSpPr>
+          <p:cNvPr id="20" name="直接连接符 19"/>
+          <p:cNvCxnSpPr/>
+          <p:nvPr/>
+        </p:nvCxnSpPr>
+        <p:spPr>
+          <a:xfrm rot="16200000" flipV="1">
+            <a:off x="1714480" y="5786454"/>
+            <a:ext cx="714380" cy="285752"/>
+          </a:xfrm>
+          <a:prstGeom prst="line">
+            <a:avLst/>
+          </a:prstGeom>
+          <a:ln w="28575">
+            <a:solidFill>
+              <a:schemeClr val="tx1"/>
+            </a:solidFill>
+          </a:ln>
+        </p:spPr>
+        <p:style>
+          <a:lnRef idx="1">
+            <a:schemeClr val="accent1"/>
+          </a:lnRef>
+          <a:fillRef idx="0">
+            <a:schemeClr val="accent1"/>
+          </a:fillRef>
+          <a:effectRef idx="0">
+            <a:schemeClr val="accent1"/>
+          </a:effectRef>
+          <a:fontRef idx="minor">
+            <a:schemeClr val="tx1"/>
+          </a:fontRef>
+        </p:style>
+      </p:cxnSp>
+      <p:cxnSp>
+        <p:nvCxnSpPr>
+          <p:cNvPr id="25" name="直接连接符 24"/>
+          <p:cNvCxnSpPr/>
+          <p:nvPr/>
+        </p:nvCxnSpPr>
+        <p:spPr>
+          <a:xfrm flipV="1">
+            <a:off x="2714612" y="5929330"/>
+            <a:ext cx="857256" cy="357190"/>
+          </a:xfrm>
+          <a:prstGeom prst="line">
+            <a:avLst/>
+          </a:prstGeom>
+          <a:ln w="28575">
+            <a:solidFill>
+              <a:schemeClr val="tx1"/>
+            </a:solidFill>
+          </a:ln>
+        </p:spPr>
+        <p:style>
+          <a:lnRef idx="1">
+            <a:schemeClr val="accent1"/>
+          </a:lnRef>
+          <a:fillRef idx="0">
+            <a:schemeClr val="accent1"/>
+          </a:fillRef>
+          <a:effectRef idx="0">
+            <a:schemeClr val="accent1"/>
+          </a:effectRef>
+          <a:fontRef idx="minor">
+            <a:schemeClr val="tx1"/>
+          </a:fontRef>
+        </p:style>
+      </p:cxnSp>
+      <p:cxnSp>
+        <p:nvCxnSpPr>
+          <p:cNvPr id="28" name="直接连接符 27"/>
+          <p:cNvCxnSpPr/>
+          <p:nvPr/>
+        </p:nvCxnSpPr>
+        <p:spPr>
+          <a:xfrm rot="16200000" flipV="1">
+            <a:off x="2643174" y="5500702"/>
+            <a:ext cx="857256" cy="285752"/>
+          </a:xfrm>
+          <a:prstGeom prst="line">
+            <a:avLst/>
+          </a:prstGeom>
+          <a:ln w="28575">
+            <a:solidFill>
+              <a:schemeClr val="tx1"/>
+            </a:solidFill>
+          </a:ln>
+        </p:spPr>
+        <p:style>
+          <a:lnRef idx="1">
+            <a:schemeClr val="accent1"/>
+          </a:lnRef>
+          <a:fillRef idx="0">
+            <a:schemeClr val="accent1"/>
+          </a:fillRef>
+          <a:effectRef idx="0">
+            <a:schemeClr val="accent1"/>
+          </a:effectRef>
+          <a:fontRef idx="minor">
+            <a:schemeClr val="tx1"/>
+          </a:fontRef>
+        </p:style>
+      </p:cxnSp>
+      <p:cxnSp>
+        <p:nvCxnSpPr>
+          <p:cNvPr id="33" name="直接连接符 32"/>
+          <p:cNvCxnSpPr/>
+          <p:nvPr/>
+        </p:nvCxnSpPr>
+        <p:spPr>
+          <a:xfrm rot="5400000" flipH="1" flipV="1">
+            <a:off x="2214546" y="5072074"/>
+            <a:ext cx="1285884" cy="428628"/>
+          </a:xfrm>
+          <a:prstGeom prst="line">
+            <a:avLst/>
+          </a:prstGeom>
+          <a:ln w="28575">
+            <a:solidFill>
+              <a:schemeClr val="tx1"/>
+            </a:solidFill>
+          </a:ln>
+        </p:spPr>
+        <p:style>
+          <a:lnRef idx="1">
+            <a:schemeClr val="accent1"/>
+          </a:lnRef>
+          <a:fillRef idx="0">
+            <a:schemeClr val="accent1"/>
+          </a:fillRef>
+          <a:effectRef idx="0">
+            <a:schemeClr val="accent1"/>
+          </a:effectRef>
+          <a:fontRef idx="minor">
+            <a:schemeClr val="tx1"/>
+          </a:fontRef>
+        </p:style>
+      </p:cxnSp>
+      <p:cxnSp>
+        <p:nvCxnSpPr>
+          <p:cNvPr id="40" name="直接连接符 39"/>
+          <p:cNvCxnSpPr/>
+          <p:nvPr/>
+        </p:nvCxnSpPr>
+        <p:spPr>
+          <a:xfrm rot="16200000" flipV="1">
+            <a:off x="2143108" y="5715016"/>
+            <a:ext cx="928694" cy="214314"/>
+          </a:xfrm>
+          <a:prstGeom prst="line">
+            <a:avLst/>
+          </a:prstGeom>
+          <a:ln w="28575">
+            <a:solidFill>
+              <a:schemeClr val="tx1"/>
+            </a:solidFill>
+          </a:ln>
+        </p:spPr>
+        <p:style>
+          <a:lnRef idx="1">
+            <a:schemeClr val="accent1"/>
+          </a:lnRef>
+          <a:fillRef idx="0">
+            <a:schemeClr val="accent1"/>
+          </a:fillRef>
+          <a:effectRef idx="0">
+            <a:schemeClr val="accent1"/>
+          </a:effectRef>
+          <a:fontRef idx="minor">
+            <a:schemeClr val="tx1"/>
+          </a:fontRef>
+        </p:style>
+      </p:cxnSp>
+      <p:cxnSp>
+        <p:nvCxnSpPr>
+          <p:cNvPr id="43" name="直接连接符 42"/>
+          <p:cNvCxnSpPr/>
+          <p:nvPr/>
+        </p:nvCxnSpPr>
+        <p:spPr>
+          <a:xfrm rot="10800000">
+            <a:off x="2143108" y="5357826"/>
+            <a:ext cx="714380" cy="0"/>
+          </a:xfrm>
+          <a:prstGeom prst="line">
+            <a:avLst/>
+          </a:prstGeom>
+          <a:ln w="28575">
+            <a:solidFill>
+              <a:schemeClr val="tx1"/>
+            </a:solidFill>
+          </a:ln>
+        </p:spPr>
+        <p:style>
+          <a:lnRef idx="1">
+            <a:schemeClr val="accent1"/>
+          </a:lnRef>
+          <a:fillRef idx="0">
+            <a:schemeClr val="accent1"/>
+          </a:fillRef>
+          <a:effectRef idx="0">
+            <a:schemeClr val="accent1"/>
+          </a:effectRef>
+          <a:fontRef idx="minor">
+            <a:schemeClr val="tx1"/>
+          </a:fontRef>
+        </p:style>
+      </p:cxnSp>
+      <p:cxnSp>
+        <p:nvCxnSpPr>
+          <p:cNvPr id="47" name="直接连接符 46"/>
+          <p:cNvCxnSpPr/>
+          <p:nvPr/>
+        </p:nvCxnSpPr>
+        <p:spPr>
+          <a:xfrm rot="16200000" flipV="1">
+            <a:off x="2143108" y="4714884"/>
+            <a:ext cx="785818" cy="500066"/>
+          </a:xfrm>
+          <a:prstGeom prst="line">
+            <a:avLst/>
+          </a:prstGeom>
+          <a:ln w="28575">
+            <a:solidFill>
+              <a:schemeClr val="tx1"/>
+            </a:solidFill>
+          </a:ln>
+        </p:spPr>
+        <p:style>
+          <a:lnRef idx="1">
+            <a:schemeClr val="accent1"/>
+          </a:lnRef>
+          <a:fillRef idx="0">
+            <a:schemeClr val="accent1"/>
+          </a:fillRef>
+          <a:effectRef idx="0">
+            <a:schemeClr val="accent1"/>
+          </a:effectRef>
+          <a:fontRef idx="minor">
+            <a:schemeClr val="tx1"/>
+          </a:fontRef>
+        </p:style>
+      </p:cxnSp>
+      <p:sp>
+        <p:nvSpPr>
+          <p:cNvPr id="50" name="椭圆 49"/>
+          <p:cNvSpPr/>
+          <p:nvPr/>
+        </p:nvSpPr>
+        <p:spPr>
+          <a:xfrm flipV="1">
+            <a:off x="2000232" y="4689166"/>
+            <a:ext cx="142876" cy="142876"/>
+          </a:xfrm>
+          <a:prstGeom prst="ellipse">
+            <a:avLst/>
+          </a:prstGeom>
+        </p:spPr>
+        <p:style>
+          <a:lnRef idx="2">
+            <a:schemeClr val="accent2">
+              <a:shade val="50000"/>
+            </a:schemeClr>
+          </a:lnRef>
+          <a:fillRef idx="1">
+            <a:schemeClr val="accent2"/>
+          </a:fillRef>
+          <a:effectRef idx="0">
+            <a:schemeClr val="accent2"/>
+          </a:effectRef>
+          <a:fontRef idx="minor">
+            <a:schemeClr val="lt1"/>
+          </a:fontRef>
+        </p:style>
+        <p:txBody>
+          <a:bodyPr rtlCol="0" anchor="ctr"/>
+          <a:lstStyle/>
+          <a:p>
+            <a:pPr algn="ctr"/>
+            <a:endParaRPr lang="zh-CN" altLang="en-US"/>
+          </a:p>
+        </p:txBody>
+      </p:sp>
+      <p:sp>
+        <p:nvSpPr>
+          <p:cNvPr id="52" name="椭圆 51"/>
+          <p:cNvSpPr/>
+          <p:nvPr/>
+        </p:nvSpPr>
+        <p:spPr>
+          <a:xfrm flipV="1">
+            <a:off x="1714480" y="5072074"/>
+            <a:ext cx="142876" cy="142876"/>
+          </a:xfrm>
+          <a:prstGeom prst="ellipse">
+            <a:avLst/>
+          </a:prstGeom>
+        </p:spPr>
+        <p:style>
+          <a:lnRef idx="2">
+            <a:schemeClr val="accent2">
+              <a:shade val="50000"/>
+            </a:schemeClr>
+          </a:lnRef>
+          <a:fillRef idx="1">
+            <a:schemeClr val="accent2"/>
+          </a:fillRef>
+          <a:effectRef idx="0">
+            <a:schemeClr val="accent2"/>
+          </a:effectRef>
+          <a:fontRef idx="minor">
+            <a:schemeClr val="lt1"/>
+          </a:fontRef>
+        </p:style>
+        <p:txBody>
+          <a:bodyPr rtlCol="0" anchor="ctr"/>
+          <a:lstStyle/>
+          <a:p>
+            <a:pPr algn="ctr"/>
+            <a:endParaRPr lang="zh-CN" altLang="en-US"/>
+          </a:p>
+        </p:txBody>
+      </p:sp>
+      <p:sp>
+        <p:nvSpPr>
+          <p:cNvPr id="53" name="椭圆 52"/>
+          <p:cNvSpPr/>
+          <p:nvPr/>
+        </p:nvSpPr>
+        <p:spPr>
+          <a:xfrm flipV="1">
+            <a:off x="1714480" y="5500702"/>
+            <a:ext cx="142876" cy="142876"/>
+          </a:xfrm>
+          <a:prstGeom prst="ellipse">
+            <a:avLst/>
+          </a:prstGeom>
+        </p:spPr>
+        <p:style>
+          <a:lnRef idx="2">
+            <a:schemeClr val="accent2">
+              <a:shade val="50000"/>
+            </a:schemeClr>
+          </a:lnRef>
+          <a:fillRef idx="1">
+            <a:schemeClr val="accent2"/>
+          </a:fillRef>
+          <a:effectRef idx="0">
+            <a:schemeClr val="accent2"/>
+          </a:effectRef>
+          <a:fontRef idx="minor">
+            <a:schemeClr val="lt1"/>
+          </a:fontRef>
+        </p:style>
+        <p:txBody>
+          <a:bodyPr rtlCol="0" anchor="ctr"/>
+          <a:lstStyle/>
+          <a:p>
+            <a:pPr algn="ctr"/>
+            <a:endParaRPr lang="zh-CN" altLang="en-US"/>
+          </a:p>
+        </p:txBody>
+      </p:sp>
+      <p:sp>
+        <p:nvSpPr>
+          <p:cNvPr id="54" name="椭圆 53"/>
+          <p:cNvSpPr/>
+          <p:nvPr/>
+        </p:nvSpPr>
+        <p:spPr>
+          <a:xfrm flipV="1">
+            <a:off x="1785918" y="6000768"/>
+            <a:ext cx="142876" cy="142876"/>
+          </a:xfrm>
+          <a:prstGeom prst="ellipse">
+            <a:avLst/>
+          </a:prstGeom>
+        </p:spPr>
+        <p:style>
+          <a:lnRef idx="2">
+            <a:schemeClr val="accent2">
+              <a:shade val="50000"/>
+            </a:schemeClr>
+          </a:lnRef>
+          <a:fillRef idx="1">
+            <a:schemeClr val="accent2"/>
+          </a:fillRef>
+          <a:effectRef idx="0">
+            <a:schemeClr val="accent2"/>
+          </a:effectRef>
+          <a:fontRef idx="minor">
+            <a:schemeClr val="lt1"/>
+          </a:fontRef>
+        </p:style>
+        <p:txBody>
+          <a:bodyPr rtlCol="0" anchor="ctr"/>
+          <a:lstStyle/>
+          <a:p>
+            <a:pPr algn="ctr"/>
+            <a:endParaRPr lang="zh-CN" altLang="en-US"/>
+          </a:p>
+        </p:txBody>
+      </p:sp>
+      <p:sp>
+        <p:nvSpPr>
+          <p:cNvPr id="55" name="椭圆 54"/>
+          <p:cNvSpPr/>
+          <p:nvPr/>
+        </p:nvSpPr>
+        <p:spPr>
+          <a:xfrm flipV="1">
+            <a:off x="2285984" y="5500702"/>
+            <a:ext cx="142876" cy="142876"/>
+          </a:xfrm>
+          <a:prstGeom prst="ellipse">
+            <a:avLst/>
+          </a:prstGeom>
+        </p:spPr>
+        <p:style>
+          <a:lnRef idx="2">
+            <a:schemeClr val="accent2">
+              <a:shade val="50000"/>
+            </a:schemeClr>
+          </a:lnRef>
+          <a:fillRef idx="1">
+            <a:schemeClr val="accent2"/>
+          </a:fillRef>
+          <a:effectRef idx="0">
+            <a:schemeClr val="accent2"/>
+          </a:effectRef>
+          <a:fontRef idx="minor">
+            <a:schemeClr val="lt1"/>
+          </a:fontRef>
+        </p:style>
+        <p:txBody>
+          <a:bodyPr rtlCol="0" anchor="ctr"/>
+          <a:lstStyle/>
+          <a:p>
+            <a:pPr algn="ctr"/>
+            <a:endParaRPr lang="zh-CN" altLang="en-US"/>
+          </a:p>
+        </p:txBody>
+      </p:sp>
+      <p:sp>
+        <p:nvSpPr>
+          <p:cNvPr id="56" name="椭圆 55"/>
+          <p:cNvSpPr/>
+          <p:nvPr/>
+        </p:nvSpPr>
+        <p:spPr>
+          <a:xfrm flipV="1">
+            <a:off x="2214546" y="6000768"/>
+            <a:ext cx="142876" cy="142876"/>
+          </a:xfrm>
+          <a:prstGeom prst="ellipse">
+            <a:avLst/>
+          </a:prstGeom>
+        </p:spPr>
+        <p:style>
+          <a:lnRef idx="2">
+            <a:schemeClr val="accent2">
+              <a:shade val="50000"/>
+            </a:schemeClr>
+          </a:lnRef>
+          <a:fillRef idx="1">
+            <a:schemeClr val="accent2"/>
+          </a:fillRef>
+          <a:effectRef idx="0">
+            <a:schemeClr val="accent2"/>
+          </a:effectRef>
+          <a:fontRef idx="minor">
+            <a:schemeClr val="lt1"/>
+          </a:fontRef>
+        </p:style>
+        <p:txBody>
+          <a:bodyPr rtlCol="0" anchor="ctr"/>
+          <a:lstStyle/>
+          <a:p>
+            <a:pPr algn="ctr"/>
+            <a:endParaRPr lang="zh-CN" altLang="en-US"/>
+          </a:p>
+        </p:txBody>
+      </p:sp>
+      <p:sp>
+        <p:nvSpPr>
+          <p:cNvPr id="57" name="椭圆 56"/>
+          <p:cNvSpPr/>
+          <p:nvPr/>
+        </p:nvSpPr>
+        <p:spPr>
+          <a:xfrm flipV="1">
+            <a:off x="2285984" y="5072074"/>
+            <a:ext cx="142876" cy="142876"/>
+          </a:xfrm>
+          <a:prstGeom prst="ellipse">
+            <a:avLst/>
+          </a:prstGeom>
+        </p:spPr>
+        <p:style>
+          <a:lnRef idx="2">
+            <a:schemeClr val="accent2">
+              <a:shade val="50000"/>
+            </a:schemeClr>
+          </a:lnRef>
+          <a:fillRef idx="1">
+            <a:schemeClr val="accent2"/>
+          </a:fillRef>
+          <a:effectRef idx="0">
+            <a:schemeClr val="accent2"/>
+          </a:effectRef>
+          <a:fontRef idx="minor">
+            <a:schemeClr val="lt1"/>
+          </a:fontRef>
+        </p:style>
+        <p:txBody>
+          <a:bodyPr rtlCol="0" anchor="ctr"/>
+          <a:lstStyle/>
+          <a:p>
+            <a:pPr algn="ctr"/>
+            <a:endParaRPr lang="zh-CN" altLang="en-US"/>
+          </a:p>
+        </p:txBody>
+      </p:sp>
+      <p:sp>
+        <p:nvSpPr>
+          <p:cNvPr id="58" name="椭圆 57"/>
+          <p:cNvSpPr/>
+          <p:nvPr/>
+        </p:nvSpPr>
+        <p:spPr>
+          <a:xfrm flipV="1">
+            <a:off x="2500298" y="4643446"/>
+            <a:ext cx="142876" cy="142876"/>
+          </a:xfrm>
+          <a:prstGeom prst="ellipse">
+            <a:avLst/>
+          </a:prstGeom>
+        </p:spPr>
+        <p:style>
+          <a:lnRef idx="2">
+            <a:schemeClr val="accent2">
+              <a:shade val="50000"/>
+            </a:schemeClr>
+          </a:lnRef>
+          <a:fillRef idx="1">
+            <a:schemeClr val="accent2"/>
+          </a:fillRef>
+          <a:effectRef idx="0">
+            <a:schemeClr val="accent2"/>
+          </a:effectRef>
+          <a:fontRef idx="minor">
+            <a:schemeClr val="lt1"/>
+          </a:fontRef>
+        </p:style>
+        <p:txBody>
+          <a:bodyPr rtlCol="0" anchor="ctr"/>
+          <a:lstStyle/>
+          <a:p>
+            <a:pPr algn="ctr"/>
+            <a:endParaRPr lang="zh-CN" altLang="en-US"/>
+          </a:p>
+        </p:txBody>
+      </p:sp>
+      <p:sp>
+        <p:nvSpPr>
+          <p:cNvPr id="59" name="椭圆 58"/>
+          <p:cNvSpPr/>
+          <p:nvPr/>
+        </p:nvSpPr>
+        <p:spPr>
+          <a:xfrm flipV="1">
+            <a:off x="2643174" y="4929198"/>
+            <a:ext cx="142876" cy="142876"/>
+          </a:xfrm>
+          <a:prstGeom prst="ellipse">
+            <a:avLst/>
+          </a:prstGeom>
+        </p:spPr>
+        <p:style>
+          <a:lnRef idx="2">
+            <a:schemeClr val="accent2">
+              <a:shade val="50000"/>
+            </a:schemeClr>
+          </a:lnRef>
+          <a:fillRef idx="1">
+            <a:schemeClr val="accent2"/>
+          </a:fillRef>
+          <a:effectRef idx="0">
+            <a:schemeClr val="accent2"/>
+          </a:effectRef>
+          <a:fontRef idx="minor">
+            <a:schemeClr val="lt1"/>
+          </a:fontRef>
+        </p:style>
+        <p:txBody>
+          <a:bodyPr rtlCol="0" anchor="ctr"/>
+          <a:lstStyle/>
+          <a:p>
+            <a:pPr algn="ctr"/>
+            <a:endParaRPr lang="zh-CN" altLang="en-US"/>
+          </a:p>
+        </p:txBody>
+      </p:sp>
+      <p:sp>
+        <p:nvSpPr>
+          <p:cNvPr id="60" name="椭圆 59"/>
+          <p:cNvSpPr/>
+          <p:nvPr/>
+        </p:nvSpPr>
+        <p:spPr>
+          <a:xfrm flipV="1">
+            <a:off x="3071802" y="4857760"/>
+            <a:ext cx="142876" cy="142876"/>
+          </a:xfrm>
+          <a:prstGeom prst="ellipse">
+            <a:avLst/>
+          </a:prstGeom>
+        </p:spPr>
+        <p:style>
+          <a:lnRef idx="2">
+            <a:schemeClr val="accent2">
+              <a:shade val="50000"/>
+            </a:schemeClr>
+          </a:lnRef>
+          <a:fillRef idx="1">
+            <a:schemeClr val="accent2"/>
+          </a:fillRef>
+          <a:effectRef idx="0">
+            <a:schemeClr val="accent2"/>
+          </a:effectRef>
+          <a:fontRef idx="minor">
+            <a:schemeClr val="lt1"/>
+          </a:fontRef>
+        </p:style>
+        <p:txBody>
+          <a:bodyPr rtlCol="0" anchor="ctr"/>
+          <a:lstStyle/>
+          <a:p>
+            <a:pPr algn="ctr"/>
+            <a:endParaRPr lang="zh-CN" altLang="en-US"/>
+          </a:p>
+        </p:txBody>
+      </p:sp>
+      <p:sp>
+        <p:nvSpPr>
+          <p:cNvPr id="61" name="椭圆 60"/>
+          <p:cNvSpPr/>
+          <p:nvPr/>
+        </p:nvSpPr>
+        <p:spPr>
+          <a:xfrm flipV="1">
+            <a:off x="3071802" y="5286388"/>
+            <a:ext cx="142876" cy="142876"/>
+          </a:xfrm>
+          <a:prstGeom prst="ellipse">
+            <a:avLst/>
+          </a:prstGeom>
+        </p:spPr>
+        <p:style>
+          <a:lnRef idx="2">
+            <a:schemeClr val="accent2">
+              <a:shade val="50000"/>
+            </a:schemeClr>
+          </a:lnRef>
+          <a:fillRef idx="1">
+            <a:schemeClr val="accent2"/>
+          </a:fillRef>
+          <a:effectRef idx="0">
+            <a:schemeClr val="accent2"/>
+          </a:effectRef>
+          <a:fontRef idx="minor">
+            <a:schemeClr val="lt1"/>
+          </a:fontRef>
+        </p:style>
+        <p:txBody>
+          <a:bodyPr rtlCol="0" anchor="ctr"/>
+          <a:lstStyle/>
+          <a:p>
+            <a:pPr algn="ctr"/>
+            <a:endParaRPr lang="zh-CN" altLang="en-US"/>
+          </a:p>
+        </p:txBody>
+      </p:sp>
+      <p:sp>
+        <p:nvSpPr>
+          <p:cNvPr id="62" name="椭圆 61"/>
+          <p:cNvSpPr/>
+          <p:nvPr/>
+        </p:nvSpPr>
+        <p:spPr>
+          <a:xfrm flipV="1">
+            <a:off x="2857488" y="5572140"/>
+            <a:ext cx="142876" cy="142876"/>
+          </a:xfrm>
+          <a:prstGeom prst="ellipse">
+            <a:avLst/>
+          </a:prstGeom>
+        </p:spPr>
+        <p:style>
+          <a:lnRef idx="2">
+            <a:schemeClr val="accent2">
+              <a:shade val="50000"/>
+            </a:schemeClr>
+          </a:lnRef>
+          <a:fillRef idx="1">
+            <a:schemeClr val="accent2"/>
+          </a:fillRef>
+          <a:effectRef idx="0">
+            <a:schemeClr val="accent2"/>
+          </a:effectRef>
+          <a:fontRef idx="minor">
+            <a:schemeClr val="lt1"/>
+          </a:fontRef>
+        </p:style>
+        <p:txBody>
+          <a:bodyPr rtlCol="0" anchor="ctr"/>
+          <a:lstStyle/>
+          <a:p>
+            <a:pPr algn="ctr"/>
+            <a:endParaRPr lang="zh-CN" altLang="en-US"/>
+          </a:p>
+        </p:txBody>
+      </p:sp>
+      <p:sp>
+        <p:nvSpPr>
+          <p:cNvPr id="63" name="椭圆 62"/>
+          <p:cNvSpPr/>
+          <p:nvPr/>
+        </p:nvSpPr>
+        <p:spPr>
+          <a:xfrm flipV="1">
+            <a:off x="3286116" y="5572140"/>
+            <a:ext cx="142876" cy="142876"/>
+          </a:xfrm>
+          <a:prstGeom prst="ellipse">
+            <a:avLst/>
+          </a:prstGeom>
+        </p:spPr>
+        <p:style>
+          <a:lnRef idx="2">
+            <a:schemeClr val="accent2">
+              <a:shade val="50000"/>
+            </a:schemeClr>
+          </a:lnRef>
+          <a:fillRef idx="1">
+            <a:schemeClr val="accent2"/>
+          </a:fillRef>
+          <a:effectRef idx="0">
+            <a:schemeClr val="accent2"/>
+          </a:effectRef>
+          <a:fontRef idx="minor">
+            <a:schemeClr val="lt1"/>
+          </a:fontRef>
+        </p:style>
+        <p:txBody>
+          <a:bodyPr rtlCol="0" anchor="ctr"/>
+          <a:lstStyle/>
+          <a:p>
+            <a:pPr algn="ctr"/>
+            <a:endParaRPr lang="zh-CN" altLang="en-US"/>
+          </a:p>
+        </p:txBody>
+      </p:sp>
+      <p:sp>
+        <p:nvSpPr>
+          <p:cNvPr id="64" name="椭圆 63"/>
+          <p:cNvSpPr/>
+          <p:nvPr/>
+        </p:nvSpPr>
+        <p:spPr>
+          <a:xfrm flipV="1">
+            <a:off x="2857488" y="5929330"/>
+            <a:ext cx="142876" cy="142876"/>
+          </a:xfrm>
+          <a:prstGeom prst="ellipse">
+            <a:avLst/>
+          </a:prstGeom>
+        </p:spPr>
+        <p:style>
+          <a:lnRef idx="2">
+            <a:schemeClr val="accent2">
+              <a:shade val="50000"/>
+            </a:schemeClr>
+          </a:lnRef>
+          <a:fillRef idx="1">
+            <a:schemeClr val="accent2"/>
+          </a:fillRef>
+          <a:effectRef idx="0">
+            <a:schemeClr val="accent2"/>
+          </a:effectRef>
+          <a:fontRef idx="minor">
+            <a:schemeClr val="lt1"/>
+          </a:fontRef>
+        </p:style>
+        <p:txBody>
+          <a:bodyPr rtlCol="0" anchor="ctr"/>
+          <a:lstStyle/>
+          <a:p>
+            <a:pPr algn="ctr"/>
+            <a:endParaRPr lang="zh-CN" altLang="en-US"/>
+          </a:p>
+        </p:txBody>
+      </p:sp>
+      <p:sp>
+        <p:nvSpPr>
+          <p:cNvPr id="66" name="矩形 65"/>
+          <p:cNvSpPr/>
+          <p:nvPr/>
+        </p:nvSpPr>
+        <p:spPr>
           <a:xfrm>
-            <a:off x="4357686" y="1928802"/>
-            <a:ext cx="4063251" cy="3167058"/>
+            <a:off x="5286380" y="4572009"/>
+            <a:ext cx="2000264" cy="1714512"/>
           </a:xfrm>
           <a:prstGeom prst="rect">
             <a:avLst/>
           </a:prstGeom>
-          <a:noFill/>
+          <a:solidFill>
+            <a:schemeClr val="bg1"/>
+          </a:solidFill>
+          <a:ln>
+            <a:solidFill>
+              <a:schemeClr val="tx1"/>
+            </a:solidFill>
+          </a:ln>
         </p:spPr>
-      </p:pic>
+        <p:style>
+          <a:lnRef idx="2">
+            <a:schemeClr val="accent1">
+              <a:shade val="50000"/>
+            </a:schemeClr>
+          </a:lnRef>
+          <a:fillRef idx="1">
+            <a:schemeClr val="accent1"/>
+          </a:fillRef>
+          <a:effectRef idx="0">
+            <a:schemeClr val="accent1"/>
+          </a:effectRef>
+          <a:fontRef idx="minor">
+            <a:schemeClr val="lt1"/>
+          </a:fontRef>
+        </p:style>
+        <p:txBody>
+          <a:bodyPr rtlCol="0" anchor="ctr"/>
+          <a:lstStyle/>
+          <a:p>
+            <a:pPr algn="ctr"/>
+            <a:endParaRPr lang="zh-CN" altLang="en-US"/>
+          </a:p>
+        </p:txBody>
+      </p:sp>
+      <p:cxnSp>
+        <p:nvCxnSpPr>
+          <p:cNvPr id="67" name="直接连接符 66"/>
+          <p:cNvCxnSpPr/>
+          <p:nvPr/>
+        </p:nvCxnSpPr>
+        <p:spPr>
+          <a:xfrm rot="5400000" flipH="1" flipV="1">
+            <a:off x="6786578" y="5214951"/>
+            <a:ext cx="500066" cy="500066"/>
+          </a:xfrm>
+          <a:prstGeom prst="line">
+            <a:avLst/>
+          </a:prstGeom>
+          <a:ln w="28575">
+            <a:solidFill>
+              <a:schemeClr val="tx1"/>
+            </a:solidFill>
+          </a:ln>
+        </p:spPr>
+        <p:style>
+          <a:lnRef idx="1">
+            <a:schemeClr val="accent1"/>
+          </a:lnRef>
+          <a:fillRef idx="0">
+            <a:schemeClr val="accent1"/>
+          </a:fillRef>
+          <a:effectRef idx="0">
+            <a:schemeClr val="accent1"/>
+          </a:effectRef>
+          <a:fontRef idx="minor">
+            <a:schemeClr val="tx1"/>
+          </a:fontRef>
+        </p:style>
+      </p:cxnSp>
+      <p:cxnSp>
+        <p:nvCxnSpPr>
+          <p:cNvPr id="68" name="直接连接符 67"/>
+          <p:cNvCxnSpPr/>
+          <p:nvPr/>
+        </p:nvCxnSpPr>
+        <p:spPr>
+          <a:xfrm rot="16200000" flipV="1">
+            <a:off x="6679421" y="4607728"/>
+            <a:ext cx="642942" cy="571504"/>
+          </a:xfrm>
+          <a:prstGeom prst="line">
+            <a:avLst/>
+          </a:prstGeom>
+          <a:ln w="28575">
+            <a:solidFill>
+              <a:schemeClr val="tx1"/>
+            </a:solidFill>
+          </a:ln>
+        </p:spPr>
+        <p:style>
+          <a:lnRef idx="1">
+            <a:schemeClr val="accent1"/>
+          </a:lnRef>
+          <a:fillRef idx="0">
+            <a:schemeClr val="accent1"/>
+          </a:fillRef>
+          <a:effectRef idx="0">
+            <a:schemeClr val="accent1"/>
+          </a:effectRef>
+          <a:fontRef idx="minor">
+            <a:schemeClr val="tx1"/>
+          </a:fontRef>
+        </p:style>
+      </p:cxnSp>
+      <p:cxnSp>
+        <p:nvCxnSpPr>
+          <p:cNvPr id="69" name="直接连接符 68"/>
+          <p:cNvCxnSpPr/>
+          <p:nvPr/>
+        </p:nvCxnSpPr>
+        <p:spPr>
+          <a:xfrm rot="16200000" flipV="1">
+            <a:off x="5179223" y="4679166"/>
+            <a:ext cx="785818" cy="571504"/>
+          </a:xfrm>
+          <a:prstGeom prst="line">
+            <a:avLst/>
+          </a:prstGeom>
+          <a:ln w="28575">
+            <a:solidFill>
+              <a:schemeClr val="tx1"/>
+            </a:solidFill>
+          </a:ln>
+        </p:spPr>
+        <p:style>
+          <a:lnRef idx="1">
+            <a:schemeClr val="accent1"/>
+          </a:lnRef>
+          <a:fillRef idx="0">
+            <a:schemeClr val="accent1"/>
+          </a:fillRef>
+          <a:effectRef idx="0">
+            <a:schemeClr val="accent1"/>
+          </a:effectRef>
+          <a:fontRef idx="minor">
+            <a:schemeClr val="tx1"/>
+          </a:fontRef>
+        </p:style>
+      </p:cxnSp>
+      <p:cxnSp>
+        <p:nvCxnSpPr>
+          <p:cNvPr id="70" name="直接连接符 69"/>
+          <p:cNvCxnSpPr/>
+          <p:nvPr/>
+        </p:nvCxnSpPr>
+        <p:spPr>
+          <a:xfrm rot="5400000">
+            <a:off x="5286380" y="5357827"/>
+            <a:ext cx="571504" cy="571504"/>
+          </a:xfrm>
+          <a:prstGeom prst="line">
+            <a:avLst/>
+          </a:prstGeom>
+          <a:ln w="28575">
+            <a:solidFill>
+              <a:schemeClr val="tx1"/>
+            </a:solidFill>
+          </a:ln>
+        </p:spPr>
+        <p:style>
+          <a:lnRef idx="1">
+            <a:schemeClr val="accent1"/>
+          </a:lnRef>
+          <a:fillRef idx="0">
+            <a:schemeClr val="accent1"/>
+          </a:fillRef>
+          <a:effectRef idx="0">
+            <a:schemeClr val="accent1"/>
+          </a:effectRef>
+          <a:fontRef idx="minor">
+            <a:schemeClr val="tx1"/>
+          </a:fontRef>
+        </p:style>
+      </p:cxnSp>
+      <p:cxnSp>
+        <p:nvCxnSpPr>
+          <p:cNvPr id="71" name="直接连接符 70"/>
+          <p:cNvCxnSpPr/>
+          <p:nvPr/>
+        </p:nvCxnSpPr>
+        <p:spPr>
+          <a:xfrm rot="16200000" flipV="1">
+            <a:off x="5429256" y="5786455"/>
+            <a:ext cx="714380" cy="285752"/>
+          </a:xfrm>
+          <a:prstGeom prst="line">
+            <a:avLst/>
+          </a:prstGeom>
+          <a:ln w="28575">
+            <a:solidFill>
+              <a:schemeClr val="tx1"/>
+            </a:solidFill>
+          </a:ln>
+        </p:spPr>
+        <p:style>
+          <a:lnRef idx="1">
+            <a:schemeClr val="accent1"/>
+          </a:lnRef>
+          <a:fillRef idx="0">
+            <a:schemeClr val="accent1"/>
+          </a:fillRef>
+          <a:effectRef idx="0">
+            <a:schemeClr val="accent1"/>
+          </a:effectRef>
+          <a:fontRef idx="minor">
+            <a:schemeClr val="tx1"/>
+          </a:fontRef>
+        </p:style>
+      </p:cxnSp>
+      <p:cxnSp>
+        <p:nvCxnSpPr>
+          <p:cNvPr id="72" name="直接连接符 71"/>
+          <p:cNvCxnSpPr/>
+          <p:nvPr/>
+        </p:nvCxnSpPr>
+        <p:spPr>
+          <a:xfrm flipV="1">
+            <a:off x="6429388" y="5929331"/>
+            <a:ext cx="857256" cy="357190"/>
+          </a:xfrm>
+          <a:prstGeom prst="line">
+            <a:avLst/>
+          </a:prstGeom>
+          <a:ln w="28575">
+            <a:solidFill>
+              <a:schemeClr val="tx1"/>
+            </a:solidFill>
+          </a:ln>
+        </p:spPr>
+        <p:style>
+          <a:lnRef idx="1">
+            <a:schemeClr val="accent1"/>
+          </a:lnRef>
+          <a:fillRef idx="0">
+            <a:schemeClr val="accent1"/>
+          </a:fillRef>
+          <a:effectRef idx="0">
+            <a:schemeClr val="accent1"/>
+          </a:effectRef>
+          <a:fontRef idx="minor">
+            <a:schemeClr val="tx1"/>
+          </a:fontRef>
+        </p:style>
+      </p:cxnSp>
+      <p:cxnSp>
+        <p:nvCxnSpPr>
+          <p:cNvPr id="73" name="直接连接符 72"/>
+          <p:cNvCxnSpPr/>
+          <p:nvPr/>
+        </p:nvCxnSpPr>
+        <p:spPr>
+          <a:xfrm rot="16200000" flipV="1">
+            <a:off x="6357950" y="5500703"/>
+            <a:ext cx="857256" cy="285752"/>
+          </a:xfrm>
+          <a:prstGeom prst="line">
+            <a:avLst/>
+          </a:prstGeom>
+          <a:ln w="28575">
+            <a:solidFill>
+              <a:schemeClr val="tx1"/>
+            </a:solidFill>
+          </a:ln>
+        </p:spPr>
+        <p:style>
+          <a:lnRef idx="1">
+            <a:schemeClr val="accent1"/>
+          </a:lnRef>
+          <a:fillRef idx="0">
+            <a:schemeClr val="accent1"/>
+          </a:fillRef>
+          <a:effectRef idx="0">
+            <a:schemeClr val="accent1"/>
+          </a:effectRef>
+          <a:fontRef idx="minor">
+            <a:schemeClr val="tx1"/>
+          </a:fontRef>
+        </p:style>
+      </p:cxnSp>
+      <p:cxnSp>
+        <p:nvCxnSpPr>
+          <p:cNvPr id="74" name="直接连接符 73"/>
+          <p:cNvCxnSpPr/>
+          <p:nvPr/>
+        </p:nvCxnSpPr>
+        <p:spPr>
+          <a:xfrm rot="5400000" flipH="1" flipV="1">
+            <a:off x="5929322" y="5072075"/>
+            <a:ext cx="1285884" cy="428628"/>
+          </a:xfrm>
+          <a:prstGeom prst="line">
+            <a:avLst/>
+          </a:prstGeom>
+          <a:ln w="28575">
+            <a:solidFill>
+              <a:schemeClr val="tx1"/>
+            </a:solidFill>
+          </a:ln>
+        </p:spPr>
+        <p:style>
+          <a:lnRef idx="1">
+            <a:schemeClr val="accent1"/>
+          </a:lnRef>
+          <a:fillRef idx="0">
+            <a:schemeClr val="accent1"/>
+          </a:fillRef>
+          <a:effectRef idx="0">
+            <a:schemeClr val="accent1"/>
+          </a:effectRef>
+          <a:fontRef idx="minor">
+            <a:schemeClr val="tx1"/>
+          </a:fontRef>
+        </p:style>
+      </p:cxnSp>
+      <p:cxnSp>
+        <p:nvCxnSpPr>
+          <p:cNvPr id="75" name="直接连接符 74"/>
+          <p:cNvCxnSpPr/>
+          <p:nvPr/>
+        </p:nvCxnSpPr>
+        <p:spPr>
+          <a:xfrm rot="16200000" flipV="1">
+            <a:off x="5857884" y="5715017"/>
+            <a:ext cx="928694" cy="214314"/>
+          </a:xfrm>
+          <a:prstGeom prst="line">
+            <a:avLst/>
+          </a:prstGeom>
+          <a:ln w="28575">
+            <a:solidFill>
+              <a:schemeClr val="tx1"/>
+            </a:solidFill>
+          </a:ln>
+        </p:spPr>
+        <p:style>
+          <a:lnRef idx="1">
+            <a:schemeClr val="accent1"/>
+          </a:lnRef>
+          <a:fillRef idx="0">
+            <a:schemeClr val="accent1"/>
+          </a:fillRef>
+          <a:effectRef idx="0">
+            <a:schemeClr val="accent1"/>
+          </a:effectRef>
+          <a:fontRef idx="minor">
+            <a:schemeClr val="tx1"/>
+          </a:fontRef>
+        </p:style>
+      </p:cxnSp>
+      <p:cxnSp>
+        <p:nvCxnSpPr>
+          <p:cNvPr id="76" name="直接连接符 75"/>
+          <p:cNvCxnSpPr/>
+          <p:nvPr/>
+        </p:nvCxnSpPr>
+        <p:spPr>
+          <a:xfrm rot="10800000">
+            <a:off x="5857884" y="5357827"/>
+            <a:ext cx="714380" cy="0"/>
+          </a:xfrm>
+          <a:prstGeom prst="line">
+            <a:avLst/>
+          </a:prstGeom>
+          <a:ln w="28575">
+            <a:solidFill>
+              <a:schemeClr val="tx1"/>
+            </a:solidFill>
+          </a:ln>
+        </p:spPr>
+        <p:style>
+          <a:lnRef idx="1">
+            <a:schemeClr val="accent1"/>
+          </a:lnRef>
+          <a:fillRef idx="0">
+            <a:schemeClr val="accent1"/>
+          </a:fillRef>
+          <a:effectRef idx="0">
+            <a:schemeClr val="accent1"/>
+          </a:effectRef>
+          <a:fontRef idx="minor">
+            <a:schemeClr val="tx1"/>
+          </a:fontRef>
+        </p:style>
+      </p:cxnSp>
+      <p:cxnSp>
+        <p:nvCxnSpPr>
+          <p:cNvPr id="77" name="直接连接符 76"/>
+          <p:cNvCxnSpPr/>
+          <p:nvPr/>
+        </p:nvCxnSpPr>
+        <p:spPr>
+          <a:xfrm rot="16200000" flipV="1">
+            <a:off x="5857884" y="4714885"/>
+            <a:ext cx="785818" cy="500066"/>
+          </a:xfrm>
+          <a:prstGeom prst="line">
+            <a:avLst/>
+          </a:prstGeom>
+          <a:ln w="28575">
+            <a:solidFill>
+              <a:schemeClr val="tx1"/>
+            </a:solidFill>
+          </a:ln>
+        </p:spPr>
+        <p:style>
+          <a:lnRef idx="1">
+            <a:schemeClr val="accent1"/>
+          </a:lnRef>
+          <a:fillRef idx="0">
+            <a:schemeClr val="accent1"/>
+          </a:fillRef>
+          <a:effectRef idx="0">
+            <a:schemeClr val="accent1"/>
+          </a:effectRef>
+          <a:fontRef idx="minor">
+            <a:schemeClr val="tx1"/>
+          </a:fontRef>
+        </p:style>
+      </p:cxnSp>
+      <p:sp>
+        <p:nvSpPr>
+          <p:cNvPr id="78" name="椭圆 77"/>
+          <p:cNvSpPr/>
+          <p:nvPr/>
+        </p:nvSpPr>
+        <p:spPr>
+          <a:xfrm flipV="1">
+            <a:off x="5786446" y="4857761"/>
+            <a:ext cx="142876" cy="142876"/>
+          </a:xfrm>
+          <a:prstGeom prst="ellipse">
+            <a:avLst/>
+          </a:prstGeom>
+          <a:solidFill>
+            <a:srgbClr val="00B0F0"/>
+          </a:solidFill>
+          <a:ln>
+            <a:solidFill>
+              <a:srgbClr val="0070C0"/>
+            </a:solidFill>
+          </a:ln>
+        </p:spPr>
+        <p:style>
+          <a:lnRef idx="2">
+            <a:schemeClr val="accent2">
+              <a:shade val="50000"/>
+            </a:schemeClr>
+          </a:lnRef>
+          <a:fillRef idx="1">
+            <a:schemeClr val="accent2"/>
+          </a:fillRef>
+          <a:effectRef idx="0">
+            <a:schemeClr val="accent2"/>
+          </a:effectRef>
+          <a:fontRef idx="minor">
+            <a:schemeClr val="lt1"/>
+          </a:fontRef>
+        </p:style>
+        <p:txBody>
+          <a:bodyPr rtlCol="0" anchor="ctr"/>
+          <a:lstStyle/>
+          <a:p>
+            <a:pPr algn="ctr"/>
+            <a:endParaRPr lang="zh-CN" altLang="en-US"/>
+          </a:p>
+        </p:txBody>
+      </p:sp>
+      <p:sp>
+        <p:nvSpPr>
+          <p:cNvPr id="79" name="椭圆 78"/>
+          <p:cNvSpPr/>
+          <p:nvPr/>
+        </p:nvSpPr>
+        <p:spPr>
+          <a:xfrm flipV="1">
+            <a:off x="5429256" y="5214951"/>
+            <a:ext cx="142876" cy="142876"/>
+          </a:xfrm>
+          <a:prstGeom prst="ellipse">
+            <a:avLst/>
+          </a:prstGeom>
+          <a:solidFill>
+            <a:srgbClr val="00B0F0"/>
+          </a:solidFill>
+          <a:ln>
+            <a:solidFill>
+              <a:srgbClr val="0070C0"/>
+            </a:solidFill>
+          </a:ln>
+        </p:spPr>
+        <p:style>
+          <a:lnRef idx="2">
+            <a:schemeClr val="accent2">
+              <a:shade val="50000"/>
+            </a:schemeClr>
+          </a:lnRef>
+          <a:fillRef idx="1">
+            <a:schemeClr val="accent2"/>
+          </a:fillRef>
+          <a:effectRef idx="0">
+            <a:schemeClr val="accent2"/>
+          </a:effectRef>
+          <a:fontRef idx="minor">
+            <a:schemeClr val="lt1"/>
+          </a:fontRef>
+        </p:style>
+        <p:txBody>
+          <a:bodyPr rtlCol="0" anchor="ctr"/>
+          <a:lstStyle/>
+          <a:p>
+            <a:pPr algn="ctr"/>
+            <a:endParaRPr lang="zh-CN" altLang="en-US"/>
+          </a:p>
+        </p:txBody>
+      </p:sp>
+      <p:sp>
+        <p:nvSpPr>
+          <p:cNvPr id="81" name="椭圆 80"/>
+          <p:cNvSpPr/>
+          <p:nvPr/>
+        </p:nvSpPr>
+        <p:spPr>
+          <a:xfrm flipV="1">
+            <a:off x="5500694" y="5929331"/>
+            <a:ext cx="142876" cy="142876"/>
+          </a:xfrm>
+          <a:prstGeom prst="ellipse">
+            <a:avLst/>
+          </a:prstGeom>
+          <a:solidFill>
+            <a:srgbClr val="00B0F0"/>
+          </a:solidFill>
+          <a:ln>
+            <a:solidFill>
+              <a:srgbClr val="0070C0"/>
+            </a:solidFill>
+          </a:ln>
+        </p:spPr>
+        <p:style>
+          <a:lnRef idx="2">
+            <a:schemeClr val="accent2">
+              <a:shade val="50000"/>
+            </a:schemeClr>
+          </a:lnRef>
+          <a:fillRef idx="1">
+            <a:schemeClr val="accent2"/>
+          </a:fillRef>
+          <a:effectRef idx="0">
+            <a:schemeClr val="accent2"/>
+          </a:effectRef>
+          <a:fontRef idx="minor">
+            <a:schemeClr val="lt1"/>
+          </a:fontRef>
+        </p:style>
+        <p:txBody>
+          <a:bodyPr rtlCol="0" anchor="ctr"/>
+          <a:lstStyle/>
+          <a:p>
+            <a:pPr algn="ctr"/>
+            <a:endParaRPr lang="zh-CN" altLang="en-US"/>
+          </a:p>
+        </p:txBody>
+      </p:sp>
+      <p:sp>
+        <p:nvSpPr>
+          <p:cNvPr id="82" name="椭圆 81"/>
+          <p:cNvSpPr/>
+          <p:nvPr/>
+        </p:nvSpPr>
+        <p:spPr>
+          <a:xfrm flipV="1">
+            <a:off x="5929322" y="5715017"/>
+            <a:ext cx="142876" cy="142876"/>
+          </a:xfrm>
+          <a:prstGeom prst="ellipse">
+            <a:avLst/>
+          </a:prstGeom>
+          <a:solidFill>
+            <a:srgbClr val="00B0F0"/>
+          </a:solidFill>
+          <a:ln>
+            <a:solidFill>
+              <a:srgbClr val="0070C0"/>
+            </a:solidFill>
+          </a:ln>
+        </p:spPr>
+        <p:style>
+          <a:lnRef idx="2">
+            <a:schemeClr val="accent2">
+              <a:shade val="50000"/>
+            </a:schemeClr>
+          </a:lnRef>
+          <a:fillRef idx="1">
+            <a:schemeClr val="accent2"/>
+          </a:fillRef>
+          <a:effectRef idx="0">
+            <a:schemeClr val="accent2"/>
+          </a:effectRef>
+          <a:fontRef idx="minor">
+            <a:schemeClr val="lt1"/>
+          </a:fontRef>
+        </p:style>
+        <p:txBody>
+          <a:bodyPr rtlCol="0" anchor="ctr"/>
+          <a:lstStyle/>
+          <a:p>
+            <a:pPr algn="ctr"/>
+            <a:endParaRPr lang="zh-CN" altLang="en-US"/>
+          </a:p>
+        </p:txBody>
+      </p:sp>
+      <p:sp>
+        <p:nvSpPr>
+          <p:cNvPr id="83" name="椭圆 82"/>
+          <p:cNvSpPr/>
+          <p:nvPr/>
+        </p:nvSpPr>
+        <p:spPr>
+          <a:xfrm flipV="1">
+            <a:off x="6286512" y="5500703"/>
+            <a:ext cx="142876" cy="142876"/>
+          </a:xfrm>
+          <a:prstGeom prst="ellipse">
+            <a:avLst/>
+          </a:prstGeom>
+          <a:solidFill>
+            <a:srgbClr val="00B0F0"/>
+          </a:solidFill>
+          <a:ln>
+            <a:solidFill>
+              <a:srgbClr val="0070C0"/>
+            </a:solidFill>
+          </a:ln>
+        </p:spPr>
+        <p:style>
+          <a:lnRef idx="2">
+            <a:schemeClr val="accent2">
+              <a:shade val="50000"/>
+            </a:schemeClr>
+          </a:lnRef>
+          <a:fillRef idx="1">
+            <a:schemeClr val="accent2"/>
+          </a:fillRef>
+          <a:effectRef idx="0">
+            <a:schemeClr val="accent2"/>
+          </a:effectRef>
+          <a:fontRef idx="minor">
+            <a:schemeClr val="lt1"/>
+          </a:fontRef>
+        </p:style>
+        <p:txBody>
+          <a:bodyPr rtlCol="0" anchor="ctr"/>
+          <a:lstStyle/>
+          <a:p>
+            <a:pPr algn="ctr"/>
+            <a:endParaRPr lang="zh-CN" altLang="en-US"/>
+          </a:p>
+        </p:txBody>
+      </p:sp>
+      <p:sp>
+        <p:nvSpPr>
+          <p:cNvPr id="86" name="椭圆 85"/>
+          <p:cNvSpPr/>
+          <p:nvPr/>
+        </p:nvSpPr>
+        <p:spPr>
+          <a:xfrm flipV="1">
+            <a:off x="6357950" y="4786323"/>
+            <a:ext cx="142876" cy="142876"/>
+          </a:xfrm>
+          <a:prstGeom prst="ellipse">
+            <a:avLst/>
+          </a:prstGeom>
+          <a:solidFill>
+            <a:srgbClr val="00B0F0"/>
+          </a:solidFill>
+          <a:ln>
+            <a:solidFill>
+              <a:srgbClr val="0070C0"/>
+            </a:solidFill>
+          </a:ln>
+        </p:spPr>
+        <p:style>
+          <a:lnRef idx="2">
+            <a:schemeClr val="accent2">
+              <a:shade val="50000"/>
+            </a:schemeClr>
+          </a:lnRef>
+          <a:fillRef idx="1">
+            <a:schemeClr val="accent2"/>
+          </a:fillRef>
+          <a:effectRef idx="0">
+            <a:schemeClr val="accent2"/>
+          </a:effectRef>
+          <a:fontRef idx="minor">
+            <a:schemeClr val="lt1"/>
+          </a:fontRef>
+        </p:style>
+        <p:txBody>
+          <a:bodyPr rtlCol="0" anchor="ctr"/>
+          <a:lstStyle/>
+          <a:p>
+            <a:pPr algn="ctr"/>
+            <a:endParaRPr lang="zh-CN" altLang="en-US"/>
+          </a:p>
+        </p:txBody>
+      </p:sp>
+      <p:sp>
+        <p:nvSpPr>
+          <p:cNvPr id="87" name="椭圆 86"/>
+          <p:cNvSpPr/>
+          <p:nvPr/>
+        </p:nvSpPr>
+        <p:spPr>
+          <a:xfrm flipV="1">
+            <a:off x="7000892" y="4643447"/>
+            <a:ext cx="142876" cy="142876"/>
+          </a:xfrm>
+          <a:prstGeom prst="ellipse">
+            <a:avLst/>
+          </a:prstGeom>
+          <a:solidFill>
+            <a:srgbClr val="00B0F0"/>
+          </a:solidFill>
+          <a:ln>
+            <a:solidFill>
+              <a:srgbClr val="0070C0"/>
+            </a:solidFill>
+          </a:ln>
+        </p:spPr>
+        <p:style>
+          <a:lnRef idx="2">
+            <a:schemeClr val="accent2">
+              <a:shade val="50000"/>
+            </a:schemeClr>
+          </a:lnRef>
+          <a:fillRef idx="1">
+            <a:schemeClr val="accent2"/>
+          </a:fillRef>
+          <a:effectRef idx="0">
+            <a:schemeClr val="accent2"/>
+          </a:effectRef>
+          <a:fontRef idx="minor">
+            <a:schemeClr val="lt1"/>
+          </a:fontRef>
+        </p:style>
+        <p:txBody>
+          <a:bodyPr rtlCol="0" anchor="ctr"/>
+          <a:lstStyle/>
+          <a:p>
+            <a:pPr algn="ctr"/>
+            <a:endParaRPr lang="zh-CN" altLang="en-US"/>
+          </a:p>
+        </p:txBody>
+      </p:sp>
+      <p:sp>
+        <p:nvSpPr>
+          <p:cNvPr id="88" name="椭圆 87"/>
+          <p:cNvSpPr/>
+          <p:nvPr/>
+        </p:nvSpPr>
+        <p:spPr>
+          <a:xfrm flipV="1">
+            <a:off x="6858016" y="5143513"/>
+            <a:ext cx="142876" cy="142876"/>
+          </a:xfrm>
+          <a:prstGeom prst="ellipse">
+            <a:avLst/>
+          </a:prstGeom>
+          <a:solidFill>
+            <a:srgbClr val="00B0F0"/>
+          </a:solidFill>
+          <a:ln>
+            <a:solidFill>
+              <a:srgbClr val="0070C0"/>
+            </a:solidFill>
+          </a:ln>
+        </p:spPr>
+        <p:style>
+          <a:lnRef idx="2">
+            <a:schemeClr val="accent2">
+              <a:shade val="50000"/>
+            </a:schemeClr>
+          </a:lnRef>
+          <a:fillRef idx="1">
+            <a:schemeClr val="accent2"/>
+          </a:fillRef>
+          <a:effectRef idx="0">
+            <a:schemeClr val="accent2"/>
+          </a:effectRef>
+          <a:fontRef idx="minor">
+            <a:schemeClr val="lt1"/>
+          </a:fontRef>
+        </p:style>
+        <p:txBody>
+          <a:bodyPr rtlCol="0" anchor="ctr"/>
+          <a:lstStyle/>
+          <a:p>
+            <a:pPr algn="ctr"/>
+            <a:endParaRPr lang="zh-CN" altLang="en-US"/>
+          </a:p>
+        </p:txBody>
+      </p:sp>
+      <p:sp>
+        <p:nvSpPr>
+          <p:cNvPr id="89" name="椭圆 88"/>
+          <p:cNvSpPr/>
+          <p:nvPr/>
+        </p:nvSpPr>
+        <p:spPr>
+          <a:xfrm flipV="1">
+            <a:off x="7000892" y="6072207"/>
+            <a:ext cx="142876" cy="142876"/>
+          </a:xfrm>
+          <a:prstGeom prst="ellipse">
+            <a:avLst/>
+          </a:prstGeom>
+          <a:solidFill>
+            <a:srgbClr val="00B0F0"/>
+          </a:solidFill>
+          <a:ln>
+            <a:solidFill>
+              <a:srgbClr val="0070C0"/>
+            </a:solidFill>
+          </a:ln>
+        </p:spPr>
+        <p:style>
+          <a:lnRef idx="2">
+            <a:schemeClr val="accent2">
+              <a:shade val="50000"/>
+            </a:schemeClr>
+          </a:lnRef>
+          <a:fillRef idx="1">
+            <a:schemeClr val="accent2"/>
+          </a:fillRef>
+          <a:effectRef idx="0">
+            <a:schemeClr val="accent2"/>
+          </a:effectRef>
+          <a:fontRef idx="minor">
+            <a:schemeClr val="lt1"/>
+          </a:fontRef>
+        </p:style>
+        <p:txBody>
+          <a:bodyPr rtlCol="0" anchor="ctr"/>
+          <a:lstStyle/>
+          <a:p>
+            <a:pPr algn="ctr"/>
+            <a:endParaRPr lang="zh-CN" altLang="en-US"/>
+          </a:p>
+        </p:txBody>
+      </p:sp>
+      <p:sp>
+        <p:nvSpPr>
+          <p:cNvPr id="90" name="椭圆 89"/>
+          <p:cNvSpPr/>
+          <p:nvPr/>
+        </p:nvSpPr>
+        <p:spPr>
+          <a:xfrm flipV="1">
+            <a:off x="7000892" y="5643579"/>
+            <a:ext cx="142876" cy="142876"/>
+          </a:xfrm>
+          <a:prstGeom prst="ellipse">
+            <a:avLst/>
+          </a:prstGeom>
+          <a:solidFill>
+            <a:srgbClr val="00B0F0"/>
+          </a:solidFill>
+          <a:ln>
+            <a:solidFill>
+              <a:srgbClr val="0070C0"/>
+            </a:solidFill>
+          </a:ln>
+        </p:spPr>
+        <p:style>
+          <a:lnRef idx="2">
+            <a:schemeClr val="accent2">
+              <a:shade val="50000"/>
+            </a:schemeClr>
+          </a:lnRef>
+          <a:fillRef idx="1">
+            <a:schemeClr val="accent2"/>
+          </a:fillRef>
+          <a:effectRef idx="0">
+            <a:schemeClr val="accent2"/>
+          </a:effectRef>
+          <a:fontRef idx="minor">
+            <a:schemeClr val="lt1"/>
+          </a:fontRef>
+        </p:style>
+        <p:txBody>
+          <a:bodyPr rtlCol="0" anchor="ctr"/>
+          <a:lstStyle/>
+          <a:p>
+            <a:pPr algn="ctr"/>
+            <a:endParaRPr lang="zh-CN" altLang="en-US"/>
+          </a:p>
+        </p:txBody>
+      </p:sp>
+      <p:sp>
+        <p:nvSpPr>
+          <p:cNvPr id="91" name="椭圆 90"/>
+          <p:cNvSpPr/>
+          <p:nvPr/>
+        </p:nvSpPr>
+        <p:spPr>
+          <a:xfrm flipV="1">
+            <a:off x="6500826" y="5786455"/>
+            <a:ext cx="142876" cy="142876"/>
+          </a:xfrm>
+          <a:prstGeom prst="ellipse">
+            <a:avLst/>
+          </a:prstGeom>
+          <a:solidFill>
+            <a:srgbClr val="00B0F0"/>
+          </a:solidFill>
+          <a:ln>
+            <a:solidFill>
+              <a:srgbClr val="0070C0"/>
+            </a:solidFill>
+          </a:ln>
+        </p:spPr>
+        <p:style>
+          <a:lnRef idx="2">
+            <a:schemeClr val="accent2">
+              <a:shade val="50000"/>
+            </a:schemeClr>
+          </a:lnRef>
+          <a:fillRef idx="1">
+            <a:schemeClr val="accent2"/>
+          </a:fillRef>
+          <a:effectRef idx="0">
+            <a:schemeClr val="accent2"/>
+          </a:effectRef>
+          <a:fontRef idx="minor">
+            <a:schemeClr val="lt1"/>
+          </a:fontRef>
+        </p:style>
+        <p:txBody>
+          <a:bodyPr rtlCol="0" anchor="ctr"/>
+          <a:lstStyle/>
+          <a:p>
+            <a:pPr algn="ctr"/>
+            <a:endParaRPr lang="zh-CN" altLang="en-US"/>
+          </a:p>
+        </p:txBody>
+      </p:sp>
+      <p:cxnSp>
+        <p:nvCxnSpPr>
+          <p:cNvPr id="100" name="曲线连接符 99"/>
+          <p:cNvCxnSpPr>
+            <a:stCxn id="86" idx="4"/>
+            <a:endCxn id="58" idx="5"/>
+          </p:cNvCxnSpPr>
+          <p:nvPr/>
+        </p:nvCxnSpPr>
+        <p:spPr>
+          <a:xfrm rot="16200000" flipV="1">
+            <a:off x="4464843" y="2821778"/>
+            <a:ext cx="121953" cy="3807138"/>
+          </a:xfrm>
+          <a:prstGeom prst="curvedConnector3">
+            <a:avLst>
+              <a:gd name="adj1" fmla="val 298357"/>
+            </a:avLst>
+          </a:prstGeom>
+          <a:ln w="19050">
+            <a:solidFill>
+              <a:srgbClr val="00B050"/>
+            </a:solidFill>
+            <a:tailEnd type="arrow"/>
+          </a:ln>
+        </p:spPr>
+        <p:style>
+          <a:lnRef idx="1">
+            <a:schemeClr val="accent1"/>
+          </a:lnRef>
+          <a:fillRef idx="0">
+            <a:schemeClr val="accent1"/>
+          </a:fillRef>
+          <a:effectRef idx="0">
+            <a:schemeClr val="accent1"/>
+          </a:effectRef>
+          <a:fontRef idx="minor">
+            <a:schemeClr val="tx1"/>
+          </a:fontRef>
+        </p:style>
+      </p:cxnSp>
+      <p:cxnSp>
+        <p:nvCxnSpPr>
+          <p:cNvPr id="102" name="曲线连接符 101"/>
+          <p:cNvCxnSpPr>
+            <a:stCxn id="86" idx="4"/>
+            <a:endCxn id="59" idx="5"/>
+          </p:cNvCxnSpPr>
+          <p:nvPr/>
+        </p:nvCxnSpPr>
+        <p:spPr>
+          <a:xfrm rot="16200000" flipH="1" flipV="1">
+            <a:off x="4515357" y="3036091"/>
+            <a:ext cx="163799" cy="3664262"/>
+          </a:xfrm>
+          <a:prstGeom prst="curvedConnector3">
+            <a:avLst>
+              <a:gd name="adj1" fmla="val -139561"/>
+            </a:avLst>
+          </a:prstGeom>
+          <a:ln w="19050">
+            <a:solidFill>
+              <a:srgbClr val="00B050"/>
+            </a:solidFill>
+            <a:tailEnd type="arrow"/>
+          </a:ln>
+        </p:spPr>
+        <p:style>
+          <a:lnRef idx="1">
+            <a:schemeClr val="accent1"/>
+          </a:lnRef>
+          <a:fillRef idx="0">
+            <a:schemeClr val="accent1"/>
+          </a:fillRef>
+          <a:effectRef idx="0">
+            <a:schemeClr val="accent1"/>
+          </a:effectRef>
+          <a:fontRef idx="minor">
+            <a:schemeClr val="tx1"/>
+          </a:fontRef>
+        </p:style>
+      </p:cxnSp>
     </p:spTree>
   </p:cSld>
   <p:clrMapOvr>
@@ -19587,9 +22201,1546 @@
   <p:timing>
     <p:tnLst>
       <p:par>
-        <p:cTn id="1" dur="indefinite" restart="never" nodeType="tmRoot"/>
+        <p:cTn id="1" dur="indefinite" restart="never" nodeType="tmRoot">
+          <p:childTnLst>
+            <p:seq concurrent="1" nextAc="seek">
+              <p:cTn id="2" dur="indefinite" nodeType="mainSeq">
+                <p:childTnLst>
+                  <p:par>
+                    <p:cTn id="3" fill="hold">
+                      <p:stCondLst>
+                        <p:cond delay="indefinite"/>
+                      </p:stCondLst>
+                      <p:childTnLst>
+                        <p:par>
+                          <p:cTn id="4" fill="hold">
+                            <p:stCondLst>
+                              <p:cond delay="0"/>
+                            </p:stCondLst>
+                            <p:childTnLst>
+                              <p:par>
+                                <p:cTn id="5" presetID="1" presetClass="entr" presetSubtype="0" fill="hold" grpId="0" nodeType="clickEffect">
+                                  <p:stCondLst>
+                                    <p:cond delay="0"/>
+                                  </p:stCondLst>
+                                  <p:childTnLst>
+                                    <p:set>
+                                      <p:cBhvr>
+                                        <p:cTn id="6" dur="1" fill="hold">
+                                          <p:stCondLst>
+                                            <p:cond delay="0"/>
+                                          </p:stCondLst>
+                                        </p:cTn>
+                                        <p:tgtEl>
+                                          <p:spTgt spid="7"/>
+                                        </p:tgtEl>
+                                        <p:attrNameLst>
+                                          <p:attrName>style.visibility</p:attrName>
+                                        </p:attrNameLst>
+                                      </p:cBhvr>
+                                      <p:to>
+                                        <p:strVal val="visible"/>
+                                      </p:to>
+                                    </p:set>
+                                  </p:childTnLst>
+                                </p:cTn>
+                              </p:par>
+                            </p:childTnLst>
+                          </p:cTn>
+                        </p:par>
+                      </p:childTnLst>
+                    </p:cTn>
+                  </p:par>
+                  <p:par>
+                    <p:cTn id="7" fill="hold">
+                      <p:stCondLst>
+                        <p:cond delay="indefinite"/>
+                      </p:stCondLst>
+                      <p:childTnLst>
+                        <p:par>
+                          <p:cTn id="8" fill="hold">
+                            <p:stCondLst>
+                              <p:cond delay="0"/>
+                            </p:stCondLst>
+                            <p:childTnLst>
+                              <p:par>
+                                <p:cTn id="9" presetID="1" presetClass="entr" presetSubtype="0" fill="hold" grpId="0" nodeType="clickEffect">
+                                  <p:stCondLst>
+                                    <p:cond delay="0"/>
+                                  </p:stCondLst>
+                                  <p:childTnLst>
+                                    <p:set>
+                                      <p:cBhvr>
+                                        <p:cTn id="10" dur="1" fill="hold">
+                                          <p:stCondLst>
+                                            <p:cond delay="0"/>
+                                          </p:stCondLst>
+                                        </p:cTn>
+                                        <p:tgtEl>
+                                          <p:spTgt spid="60"/>
+                                        </p:tgtEl>
+                                        <p:attrNameLst>
+                                          <p:attrName>style.visibility</p:attrName>
+                                        </p:attrNameLst>
+                                      </p:cBhvr>
+                                      <p:to>
+                                        <p:strVal val="visible"/>
+                                      </p:to>
+                                    </p:set>
+                                  </p:childTnLst>
+                                </p:cTn>
+                              </p:par>
+                              <p:par>
+                                <p:cTn id="11" presetID="1" presetClass="entr" presetSubtype="0" fill="hold" grpId="0" nodeType="withEffect">
+                                  <p:stCondLst>
+                                    <p:cond delay="0"/>
+                                  </p:stCondLst>
+                                  <p:childTnLst>
+                                    <p:set>
+                                      <p:cBhvr>
+                                        <p:cTn id="12" dur="1" fill="hold">
+                                          <p:stCondLst>
+                                            <p:cond delay="0"/>
+                                          </p:stCondLst>
+                                        </p:cTn>
+                                        <p:tgtEl>
+                                          <p:spTgt spid="59"/>
+                                        </p:tgtEl>
+                                        <p:attrNameLst>
+                                          <p:attrName>style.visibility</p:attrName>
+                                        </p:attrNameLst>
+                                      </p:cBhvr>
+                                      <p:to>
+                                        <p:strVal val="visible"/>
+                                      </p:to>
+                                    </p:set>
+                                  </p:childTnLst>
+                                </p:cTn>
+                              </p:par>
+                              <p:par>
+                                <p:cTn id="13" presetID="1" presetClass="entr" presetSubtype="0" fill="hold" grpId="0" nodeType="withEffect">
+                                  <p:stCondLst>
+                                    <p:cond delay="0"/>
+                                  </p:stCondLst>
+                                  <p:childTnLst>
+                                    <p:set>
+                                      <p:cBhvr>
+                                        <p:cTn id="14" dur="1" fill="hold">
+                                          <p:stCondLst>
+                                            <p:cond delay="0"/>
+                                          </p:stCondLst>
+                                        </p:cTn>
+                                        <p:tgtEl>
+                                          <p:spTgt spid="58"/>
+                                        </p:tgtEl>
+                                        <p:attrNameLst>
+                                          <p:attrName>style.visibility</p:attrName>
+                                        </p:attrNameLst>
+                                      </p:cBhvr>
+                                      <p:to>
+                                        <p:strVal val="visible"/>
+                                      </p:to>
+                                    </p:set>
+                                  </p:childTnLst>
+                                </p:cTn>
+                              </p:par>
+                              <p:par>
+                                <p:cTn id="15" presetID="1" presetClass="entr" presetSubtype="0" fill="hold" grpId="0" nodeType="withEffect">
+                                  <p:stCondLst>
+                                    <p:cond delay="0"/>
+                                  </p:stCondLst>
+                                  <p:childTnLst>
+                                    <p:set>
+                                      <p:cBhvr>
+                                        <p:cTn id="16" dur="1" fill="hold">
+                                          <p:stCondLst>
+                                            <p:cond delay="0"/>
+                                          </p:stCondLst>
+                                        </p:cTn>
+                                        <p:tgtEl>
+                                          <p:spTgt spid="50"/>
+                                        </p:tgtEl>
+                                        <p:attrNameLst>
+                                          <p:attrName>style.visibility</p:attrName>
+                                        </p:attrNameLst>
+                                      </p:cBhvr>
+                                      <p:to>
+                                        <p:strVal val="visible"/>
+                                      </p:to>
+                                    </p:set>
+                                  </p:childTnLst>
+                                </p:cTn>
+                              </p:par>
+                              <p:par>
+                                <p:cTn id="17" presetID="1" presetClass="entr" presetSubtype="0" fill="hold" grpId="0" nodeType="withEffect">
+                                  <p:stCondLst>
+                                    <p:cond delay="0"/>
+                                  </p:stCondLst>
+                                  <p:childTnLst>
+                                    <p:set>
+                                      <p:cBhvr>
+                                        <p:cTn id="18" dur="1" fill="hold">
+                                          <p:stCondLst>
+                                            <p:cond delay="0"/>
+                                          </p:stCondLst>
+                                        </p:cTn>
+                                        <p:tgtEl>
+                                          <p:spTgt spid="52"/>
+                                        </p:tgtEl>
+                                        <p:attrNameLst>
+                                          <p:attrName>style.visibility</p:attrName>
+                                        </p:attrNameLst>
+                                      </p:cBhvr>
+                                      <p:to>
+                                        <p:strVal val="visible"/>
+                                      </p:to>
+                                    </p:set>
+                                  </p:childTnLst>
+                                </p:cTn>
+                              </p:par>
+                              <p:par>
+                                <p:cTn id="19" presetID="1" presetClass="entr" presetSubtype="0" fill="hold" grpId="0" nodeType="withEffect">
+                                  <p:stCondLst>
+                                    <p:cond delay="0"/>
+                                  </p:stCondLst>
+                                  <p:childTnLst>
+                                    <p:set>
+                                      <p:cBhvr>
+                                        <p:cTn id="20" dur="1" fill="hold">
+                                          <p:stCondLst>
+                                            <p:cond delay="0"/>
+                                          </p:stCondLst>
+                                        </p:cTn>
+                                        <p:tgtEl>
+                                          <p:spTgt spid="53"/>
+                                        </p:tgtEl>
+                                        <p:attrNameLst>
+                                          <p:attrName>style.visibility</p:attrName>
+                                        </p:attrNameLst>
+                                      </p:cBhvr>
+                                      <p:to>
+                                        <p:strVal val="visible"/>
+                                      </p:to>
+                                    </p:set>
+                                  </p:childTnLst>
+                                </p:cTn>
+                              </p:par>
+                              <p:par>
+                                <p:cTn id="21" presetID="1" presetClass="entr" presetSubtype="0" fill="hold" grpId="0" nodeType="withEffect">
+                                  <p:stCondLst>
+                                    <p:cond delay="0"/>
+                                  </p:stCondLst>
+                                  <p:childTnLst>
+                                    <p:set>
+                                      <p:cBhvr>
+                                        <p:cTn id="22" dur="1" fill="hold">
+                                          <p:stCondLst>
+                                            <p:cond delay="0"/>
+                                          </p:stCondLst>
+                                        </p:cTn>
+                                        <p:tgtEl>
+                                          <p:spTgt spid="54"/>
+                                        </p:tgtEl>
+                                        <p:attrNameLst>
+                                          <p:attrName>style.visibility</p:attrName>
+                                        </p:attrNameLst>
+                                      </p:cBhvr>
+                                      <p:to>
+                                        <p:strVal val="visible"/>
+                                      </p:to>
+                                    </p:set>
+                                  </p:childTnLst>
+                                </p:cTn>
+                              </p:par>
+                              <p:par>
+                                <p:cTn id="23" presetID="1" presetClass="entr" presetSubtype="0" fill="hold" grpId="0" nodeType="withEffect">
+                                  <p:stCondLst>
+                                    <p:cond delay="0"/>
+                                  </p:stCondLst>
+                                  <p:childTnLst>
+                                    <p:set>
+                                      <p:cBhvr>
+                                        <p:cTn id="24" dur="1" fill="hold">
+                                          <p:stCondLst>
+                                            <p:cond delay="0"/>
+                                          </p:stCondLst>
+                                        </p:cTn>
+                                        <p:tgtEl>
+                                          <p:spTgt spid="56"/>
+                                        </p:tgtEl>
+                                        <p:attrNameLst>
+                                          <p:attrName>style.visibility</p:attrName>
+                                        </p:attrNameLst>
+                                      </p:cBhvr>
+                                      <p:to>
+                                        <p:strVal val="visible"/>
+                                      </p:to>
+                                    </p:set>
+                                  </p:childTnLst>
+                                </p:cTn>
+                              </p:par>
+                              <p:par>
+                                <p:cTn id="25" presetID="1" presetClass="entr" presetSubtype="0" fill="hold" grpId="0" nodeType="withEffect">
+                                  <p:stCondLst>
+                                    <p:cond delay="0"/>
+                                  </p:stCondLst>
+                                  <p:childTnLst>
+                                    <p:set>
+                                      <p:cBhvr>
+                                        <p:cTn id="26" dur="1" fill="hold">
+                                          <p:stCondLst>
+                                            <p:cond delay="0"/>
+                                          </p:stCondLst>
+                                        </p:cTn>
+                                        <p:tgtEl>
+                                          <p:spTgt spid="55"/>
+                                        </p:tgtEl>
+                                        <p:attrNameLst>
+                                          <p:attrName>style.visibility</p:attrName>
+                                        </p:attrNameLst>
+                                      </p:cBhvr>
+                                      <p:to>
+                                        <p:strVal val="visible"/>
+                                      </p:to>
+                                    </p:set>
+                                  </p:childTnLst>
+                                </p:cTn>
+                              </p:par>
+                              <p:par>
+                                <p:cTn id="27" presetID="1" presetClass="entr" presetSubtype="0" fill="hold" grpId="0" nodeType="withEffect">
+                                  <p:stCondLst>
+                                    <p:cond delay="0"/>
+                                  </p:stCondLst>
+                                  <p:childTnLst>
+                                    <p:set>
+                                      <p:cBhvr>
+                                        <p:cTn id="28" dur="1" fill="hold">
+                                          <p:stCondLst>
+                                            <p:cond delay="0"/>
+                                          </p:stCondLst>
+                                        </p:cTn>
+                                        <p:tgtEl>
+                                          <p:spTgt spid="57"/>
+                                        </p:tgtEl>
+                                        <p:attrNameLst>
+                                          <p:attrName>style.visibility</p:attrName>
+                                        </p:attrNameLst>
+                                      </p:cBhvr>
+                                      <p:to>
+                                        <p:strVal val="visible"/>
+                                      </p:to>
+                                    </p:set>
+                                  </p:childTnLst>
+                                </p:cTn>
+                              </p:par>
+                              <p:par>
+                                <p:cTn id="29" presetID="1" presetClass="entr" presetSubtype="0" fill="hold" grpId="0" nodeType="withEffect">
+                                  <p:stCondLst>
+                                    <p:cond delay="0"/>
+                                  </p:stCondLst>
+                                  <p:childTnLst>
+                                    <p:set>
+                                      <p:cBhvr>
+                                        <p:cTn id="30" dur="1" fill="hold">
+                                          <p:stCondLst>
+                                            <p:cond delay="0"/>
+                                          </p:stCondLst>
+                                        </p:cTn>
+                                        <p:tgtEl>
+                                          <p:spTgt spid="62"/>
+                                        </p:tgtEl>
+                                        <p:attrNameLst>
+                                          <p:attrName>style.visibility</p:attrName>
+                                        </p:attrNameLst>
+                                      </p:cBhvr>
+                                      <p:to>
+                                        <p:strVal val="visible"/>
+                                      </p:to>
+                                    </p:set>
+                                  </p:childTnLst>
+                                </p:cTn>
+                              </p:par>
+                              <p:par>
+                                <p:cTn id="31" presetID="1" presetClass="entr" presetSubtype="0" fill="hold" grpId="0" nodeType="withEffect">
+                                  <p:stCondLst>
+                                    <p:cond delay="0"/>
+                                  </p:stCondLst>
+                                  <p:childTnLst>
+                                    <p:set>
+                                      <p:cBhvr>
+                                        <p:cTn id="32" dur="1" fill="hold">
+                                          <p:stCondLst>
+                                            <p:cond delay="0"/>
+                                          </p:stCondLst>
+                                        </p:cTn>
+                                        <p:tgtEl>
+                                          <p:spTgt spid="64"/>
+                                        </p:tgtEl>
+                                        <p:attrNameLst>
+                                          <p:attrName>style.visibility</p:attrName>
+                                        </p:attrNameLst>
+                                      </p:cBhvr>
+                                      <p:to>
+                                        <p:strVal val="visible"/>
+                                      </p:to>
+                                    </p:set>
+                                  </p:childTnLst>
+                                </p:cTn>
+                              </p:par>
+                              <p:par>
+                                <p:cTn id="33" presetID="1" presetClass="entr" presetSubtype="0" fill="hold" grpId="0" nodeType="withEffect">
+                                  <p:stCondLst>
+                                    <p:cond delay="0"/>
+                                  </p:stCondLst>
+                                  <p:childTnLst>
+                                    <p:set>
+                                      <p:cBhvr>
+                                        <p:cTn id="34" dur="1" fill="hold">
+                                          <p:stCondLst>
+                                            <p:cond delay="0"/>
+                                          </p:stCondLst>
+                                        </p:cTn>
+                                        <p:tgtEl>
+                                          <p:spTgt spid="63"/>
+                                        </p:tgtEl>
+                                        <p:attrNameLst>
+                                          <p:attrName>style.visibility</p:attrName>
+                                        </p:attrNameLst>
+                                      </p:cBhvr>
+                                      <p:to>
+                                        <p:strVal val="visible"/>
+                                      </p:to>
+                                    </p:set>
+                                  </p:childTnLst>
+                                </p:cTn>
+                              </p:par>
+                              <p:par>
+                                <p:cTn id="35" presetID="1" presetClass="entr" presetSubtype="0" fill="hold" grpId="0" nodeType="withEffect">
+                                  <p:stCondLst>
+                                    <p:cond delay="0"/>
+                                  </p:stCondLst>
+                                  <p:childTnLst>
+                                    <p:set>
+                                      <p:cBhvr>
+                                        <p:cTn id="36" dur="1" fill="hold">
+                                          <p:stCondLst>
+                                            <p:cond delay="0"/>
+                                          </p:stCondLst>
+                                        </p:cTn>
+                                        <p:tgtEl>
+                                          <p:spTgt spid="61"/>
+                                        </p:tgtEl>
+                                        <p:attrNameLst>
+                                          <p:attrName>style.visibility</p:attrName>
+                                        </p:attrNameLst>
+                                      </p:cBhvr>
+                                      <p:to>
+                                        <p:strVal val="visible"/>
+                                      </p:to>
+                                    </p:set>
+                                  </p:childTnLst>
+                                </p:cTn>
+                              </p:par>
+                            </p:childTnLst>
+                          </p:cTn>
+                        </p:par>
+                      </p:childTnLst>
+                    </p:cTn>
+                  </p:par>
+                  <p:par>
+                    <p:cTn id="37" fill="hold">
+                      <p:stCondLst>
+                        <p:cond delay="indefinite"/>
+                      </p:stCondLst>
+                      <p:childTnLst>
+                        <p:par>
+                          <p:cTn id="38" fill="hold">
+                            <p:stCondLst>
+                              <p:cond delay="0"/>
+                            </p:stCondLst>
+                            <p:childTnLst>
+                              <p:par>
+                                <p:cTn id="39" presetID="1" presetClass="entr" presetSubtype="0" fill="hold" nodeType="clickEffect">
+                                  <p:stCondLst>
+                                    <p:cond delay="0"/>
+                                  </p:stCondLst>
+                                  <p:childTnLst>
+                                    <p:set>
+                                      <p:cBhvr>
+                                        <p:cTn id="40" dur="1" fill="hold">
+                                          <p:stCondLst>
+                                            <p:cond delay="0"/>
+                                          </p:stCondLst>
+                                        </p:cTn>
+                                        <p:tgtEl>
+                                          <p:spTgt spid="11"/>
+                                        </p:tgtEl>
+                                        <p:attrNameLst>
+                                          <p:attrName>style.visibility</p:attrName>
+                                        </p:attrNameLst>
+                                      </p:cBhvr>
+                                      <p:to>
+                                        <p:strVal val="visible"/>
+                                      </p:to>
+                                    </p:set>
+                                  </p:childTnLst>
+                                </p:cTn>
+                              </p:par>
+                              <p:par>
+                                <p:cTn id="41" presetID="1" presetClass="entr" presetSubtype="0" fill="hold" nodeType="withEffect">
+                                  <p:stCondLst>
+                                    <p:cond delay="0"/>
+                                  </p:stCondLst>
+                                  <p:childTnLst>
+                                    <p:set>
+                                      <p:cBhvr>
+                                        <p:cTn id="42" dur="1" fill="hold">
+                                          <p:stCondLst>
+                                            <p:cond delay="0"/>
+                                          </p:stCondLst>
+                                        </p:cTn>
+                                        <p:tgtEl>
+                                          <p:spTgt spid="25"/>
+                                        </p:tgtEl>
+                                        <p:attrNameLst>
+                                          <p:attrName>style.visibility</p:attrName>
+                                        </p:attrNameLst>
+                                      </p:cBhvr>
+                                      <p:to>
+                                        <p:strVal val="visible"/>
+                                      </p:to>
+                                    </p:set>
+                                  </p:childTnLst>
+                                </p:cTn>
+                              </p:par>
+                              <p:par>
+                                <p:cTn id="43" presetID="1" presetClass="entr" presetSubtype="0" fill="hold" nodeType="withEffect">
+                                  <p:stCondLst>
+                                    <p:cond delay="0"/>
+                                  </p:stCondLst>
+                                  <p:childTnLst>
+                                    <p:set>
+                                      <p:cBhvr>
+                                        <p:cTn id="44" dur="1" fill="hold">
+                                          <p:stCondLst>
+                                            <p:cond delay="0"/>
+                                          </p:stCondLst>
+                                        </p:cTn>
+                                        <p:tgtEl>
+                                          <p:spTgt spid="28"/>
+                                        </p:tgtEl>
+                                        <p:attrNameLst>
+                                          <p:attrName>style.visibility</p:attrName>
+                                        </p:attrNameLst>
+                                      </p:cBhvr>
+                                      <p:to>
+                                        <p:strVal val="visible"/>
+                                      </p:to>
+                                    </p:set>
+                                  </p:childTnLst>
+                                </p:cTn>
+                              </p:par>
+                              <p:par>
+                                <p:cTn id="45" presetID="1" presetClass="entr" presetSubtype="0" fill="hold" nodeType="withEffect">
+                                  <p:stCondLst>
+                                    <p:cond delay="0"/>
+                                  </p:stCondLst>
+                                  <p:childTnLst>
+                                    <p:set>
+                                      <p:cBhvr>
+                                        <p:cTn id="46" dur="1" fill="hold">
+                                          <p:stCondLst>
+                                            <p:cond delay="0"/>
+                                          </p:stCondLst>
+                                        </p:cTn>
+                                        <p:tgtEl>
+                                          <p:spTgt spid="33"/>
+                                        </p:tgtEl>
+                                        <p:attrNameLst>
+                                          <p:attrName>style.visibility</p:attrName>
+                                        </p:attrNameLst>
+                                      </p:cBhvr>
+                                      <p:to>
+                                        <p:strVal val="visible"/>
+                                      </p:to>
+                                    </p:set>
+                                  </p:childTnLst>
+                                </p:cTn>
+                              </p:par>
+                              <p:par>
+                                <p:cTn id="47" presetID="1" presetClass="entr" presetSubtype="0" fill="hold" nodeType="withEffect">
+                                  <p:stCondLst>
+                                    <p:cond delay="0"/>
+                                  </p:stCondLst>
+                                  <p:childTnLst>
+                                    <p:set>
+                                      <p:cBhvr>
+                                        <p:cTn id="48" dur="1" fill="hold">
+                                          <p:stCondLst>
+                                            <p:cond delay="0"/>
+                                          </p:stCondLst>
+                                        </p:cTn>
+                                        <p:tgtEl>
+                                          <p:spTgt spid="47"/>
+                                        </p:tgtEl>
+                                        <p:attrNameLst>
+                                          <p:attrName>style.visibility</p:attrName>
+                                        </p:attrNameLst>
+                                      </p:cBhvr>
+                                      <p:to>
+                                        <p:strVal val="visible"/>
+                                      </p:to>
+                                    </p:set>
+                                  </p:childTnLst>
+                                </p:cTn>
+                              </p:par>
+                              <p:par>
+                                <p:cTn id="49" presetID="1" presetClass="entr" presetSubtype="0" fill="hold" nodeType="withEffect">
+                                  <p:stCondLst>
+                                    <p:cond delay="0"/>
+                                  </p:stCondLst>
+                                  <p:childTnLst>
+                                    <p:set>
+                                      <p:cBhvr>
+                                        <p:cTn id="50" dur="1" fill="hold">
+                                          <p:stCondLst>
+                                            <p:cond delay="0"/>
+                                          </p:stCondLst>
+                                        </p:cTn>
+                                        <p:tgtEl>
+                                          <p:spTgt spid="14"/>
+                                        </p:tgtEl>
+                                        <p:attrNameLst>
+                                          <p:attrName>style.visibility</p:attrName>
+                                        </p:attrNameLst>
+                                      </p:cBhvr>
+                                      <p:to>
+                                        <p:strVal val="visible"/>
+                                      </p:to>
+                                    </p:set>
+                                  </p:childTnLst>
+                                </p:cTn>
+                              </p:par>
+                              <p:par>
+                                <p:cTn id="51" presetID="1" presetClass="entr" presetSubtype="0" fill="hold" nodeType="withEffect">
+                                  <p:stCondLst>
+                                    <p:cond delay="0"/>
+                                  </p:stCondLst>
+                                  <p:childTnLst>
+                                    <p:set>
+                                      <p:cBhvr>
+                                        <p:cTn id="52" dur="1" fill="hold">
+                                          <p:stCondLst>
+                                            <p:cond delay="0"/>
+                                          </p:stCondLst>
+                                        </p:cTn>
+                                        <p:tgtEl>
+                                          <p:spTgt spid="43"/>
+                                        </p:tgtEl>
+                                        <p:attrNameLst>
+                                          <p:attrName>style.visibility</p:attrName>
+                                        </p:attrNameLst>
+                                      </p:cBhvr>
+                                      <p:to>
+                                        <p:strVal val="visible"/>
+                                      </p:to>
+                                    </p:set>
+                                  </p:childTnLst>
+                                </p:cTn>
+                              </p:par>
+                              <p:par>
+                                <p:cTn id="53" presetID="1" presetClass="entr" presetSubtype="0" fill="hold" nodeType="withEffect">
+                                  <p:stCondLst>
+                                    <p:cond delay="0"/>
+                                  </p:stCondLst>
+                                  <p:childTnLst>
+                                    <p:set>
+                                      <p:cBhvr>
+                                        <p:cTn id="54" dur="1" fill="hold">
+                                          <p:stCondLst>
+                                            <p:cond delay="0"/>
+                                          </p:stCondLst>
+                                        </p:cTn>
+                                        <p:tgtEl>
+                                          <p:spTgt spid="40"/>
+                                        </p:tgtEl>
+                                        <p:attrNameLst>
+                                          <p:attrName>style.visibility</p:attrName>
+                                        </p:attrNameLst>
+                                      </p:cBhvr>
+                                      <p:to>
+                                        <p:strVal val="visible"/>
+                                      </p:to>
+                                    </p:set>
+                                  </p:childTnLst>
+                                </p:cTn>
+                              </p:par>
+                              <p:par>
+                                <p:cTn id="55" presetID="1" presetClass="entr" presetSubtype="0" fill="hold" nodeType="withEffect">
+                                  <p:stCondLst>
+                                    <p:cond delay="0"/>
+                                  </p:stCondLst>
+                                  <p:childTnLst>
+                                    <p:set>
+                                      <p:cBhvr>
+                                        <p:cTn id="56" dur="1" fill="hold">
+                                          <p:stCondLst>
+                                            <p:cond delay="0"/>
+                                          </p:stCondLst>
+                                        </p:cTn>
+                                        <p:tgtEl>
+                                          <p:spTgt spid="20"/>
+                                        </p:tgtEl>
+                                        <p:attrNameLst>
+                                          <p:attrName>style.visibility</p:attrName>
+                                        </p:attrNameLst>
+                                      </p:cBhvr>
+                                      <p:to>
+                                        <p:strVal val="visible"/>
+                                      </p:to>
+                                    </p:set>
+                                  </p:childTnLst>
+                                </p:cTn>
+                              </p:par>
+                              <p:par>
+                                <p:cTn id="57" presetID="1" presetClass="entr" presetSubtype="0" fill="hold" nodeType="withEffect">
+                                  <p:stCondLst>
+                                    <p:cond delay="0"/>
+                                  </p:stCondLst>
+                                  <p:childTnLst>
+                                    <p:set>
+                                      <p:cBhvr>
+                                        <p:cTn id="58" dur="1" fill="hold">
+                                          <p:stCondLst>
+                                            <p:cond delay="0"/>
+                                          </p:stCondLst>
+                                        </p:cTn>
+                                        <p:tgtEl>
+                                          <p:spTgt spid="17"/>
+                                        </p:tgtEl>
+                                        <p:attrNameLst>
+                                          <p:attrName>style.visibility</p:attrName>
+                                        </p:attrNameLst>
+                                      </p:cBhvr>
+                                      <p:to>
+                                        <p:strVal val="visible"/>
+                                      </p:to>
+                                    </p:set>
+                                  </p:childTnLst>
+                                </p:cTn>
+                              </p:par>
+                              <p:par>
+                                <p:cTn id="59" presetID="1" presetClass="entr" presetSubtype="0" fill="hold" nodeType="withEffect">
+                                  <p:stCondLst>
+                                    <p:cond delay="0"/>
+                                  </p:stCondLst>
+                                  <p:childTnLst>
+                                    <p:set>
+                                      <p:cBhvr>
+                                        <p:cTn id="60" dur="1" fill="hold">
+                                          <p:stCondLst>
+                                            <p:cond delay="0"/>
+                                          </p:stCondLst>
+                                        </p:cTn>
+                                        <p:tgtEl>
+                                          <p:spTgt spid="9"/>
+                                        </p:tgtEl>
+                                        <p:attrNameLst>
+                                          <p:attrName>style.visibility</p:attrName>
+                                        </p:attrNameLst>
+                                      </p:cBhvr>
+                                      <p:to>
+                                        <p:strVal val="visible"/>
+                                      </p:to>
+                                    </p:set>
+                                  </p:childTnLst>
+                                </p:cTn>
+                              </p:par>
+                            </p:childTnLst>
+                          </p:cTn>
+                        </p:par>
+                      </p:childTnLst>
+                    </p:cTn>
+                  </p:par>
+                  <p:par>
+                    <p:cTn id="61" fill="hold">
+                      <p:stCondLst>
+                        <p:cond delay="indefinite"/>
+                      </p:stCondLst>
+                      <p:childTnLst>
+                        <p:par>
+                          <p:cTn id="62" fill="hold">
+                            <p:stCondLst>
+                              <p:cond delay="0"/>
+                            </p:stCondLst>
+                            <p:childTnLst>
+                              <p:par>
+                                <p:cTn id="63" presetID="1" presetClass="entr" presetSubtype="0" fill="hold" grpId="0" nodeType="clickEffect">
+                                  <p:stCondLst>
+                                    <p:cond delay="0"/>
+                                  </p:stCondLst>
+                                  <p:childTnLst>
+                                    <p:set>
+                                      <p:cBhvr>
+                                        <p:cTn id="64" dur="1" fill="hold">
+                                          <p:stCondLst>
+                                            <p:cond delay="0"/>
+                                          </p:stCondLst>
+                                        </p:cTn>
+                                        <p:tgtEl>
+                                          <p:spTgt spid="66"/>
+                                        </p:tgtEl>
+                                        <p:attrNameLst>
+                                          <p:attrName>style.visibility</p:attrName>
+                                        </p:attrNameLst>
+                                      </p:cBhvr>
+                                      <p:to>
+                                        <p:strVal val="visible"/>
+                                      </p:to>
+                                    </p:set>
+                                  </p:childTnLst>
+                                </p:cTn>
+                              </p:par>
+                              <p:par>
+                                <p:cTn id="65" presetID="1" presetClass="entr" presetSubtype="0" fill="hold" nodeType="withEffect">
+                                  <p:stCondLst>
+                                    <p:cond delay="0"/>
+                                  </p:stCondLst>
+                                  <p:childTnLst>
+                                    <p:set>
+                                      <p:cBhvr>
+                                        <p:cTn id="66" dur="1" fill="hold">
+                                          <p:stCondLst>
+                                            <p:cond delay="0"/>
+                                          </p:stCondLst>
+                                        </p:cTn>
+                                        <p:tgtEl>
+                                          <p:spTgt spid="68"/>
+                                        </p:tgtEl>
+                                        <p:attrNameLst>
+                                          <p:attrName>style.visibility</p:attrName>
+                                        </p:attrNameLst>
+                                      </p:cBhvr>
+                                      <p:to>
+                                        <p:strVal val="visible"/>
+                                      </p:to>
+                                    </p:set>
+                                  </p:childTnLst>
+                                </p:cTn>
+                              </p:par>
+                              <p:par>
+                                <p:cTn id="67" presetID="1" presetClass="entr" presetSubtype="0" fill="hold" nodeType="withEffect">
+                                  <p:stCondLst>
+                                    <p:cond delay="0"/>
+                                  </p:stCondLst>
+                                  <p:childTnLst>
+                                    <p:set>
+                                      <p:cBhvr>
+                                        <p:cTn id="68" dur="1" fill="hold">
+                                          <p:stCondLst>
+                                            <p:cond delay="0"/>
+                                          </p:stCondLst>
+                                        </p:cTn>
+                                        <p:tgtEl>
+                                          <p:spTgt spid="72"/>
+                                        </p:tgtEl>
+                                        <p:attrNameLst>
+                                          <p:attrName>style.visibility</p:attrName>
+                                        </p:attrNameLst>
+                                      </p:cBhvr>
+                                      <p:to>
+                                        <p:strVal val="visible"/>
+                                      </p:to>
+                                    </p:set>
+                                  </p:childTnLst>
+                                </p:cTn>
+                              </p:par>
+                              <p:par>
+                                <p:cTn id="69" presetID="1" presetClass="entr" presetSubtype="0" fill="hold" nodeType="withEffect">
+                                  <p:stCondLst>
+                                    <p:cond delay="0"/>
+                                  </p:stCondLst>
+                                  <p:childTnLst>
+                                    <p:set>
+                                      <p:cBhvr>
+                                        <p:cTn id="70" dur="1" fill="hold">
+                                          <p:stCondLst>
+                                            <p:cond delay="0"/>
+                                          </p:stCondLst>
+                                        </p:cTn>
+                                        <p:tgtEl>
+                                          <p:spTgt spid="73"/>
+                                        </p:tgtEl>
+                                        <p:attrNameLst>
+                                          <p:attrName>style.visibility</p:attrName>
+                                        </p:attrNameLst>
+                                      </p:cBhvr>
+                                      <p:to>
+                                        <p:strVal val="visible"/>
+                                      </p:to>
+                                    </p:set>
+                                  </p:childTnLst>
+                                </p:cTn>
+                              </p:par>
+                              <p:par>
+                                <p:cTn id="71" presetID="1" presetClass="entr" presetSubtype="0" fill="hold" nodeType="withEffect">
+                                  <p:stCondLst>
+                                    <p:cond delay="0"/>
+                                  </p:stCondLst>
+                                  <p:childTnLst>
+                                    <p:set>
+                                      <p:cBhvr>
+                                        <p:cTn id="72" dur="1" fill="hold">
+                                          <p:stCondLst>
+                                            <p:cond delay="0"/>
+                                          </p:stCondLst>
+                                        </p:cTn>
+                                        <p:tgtEl>
+                                          <p:spTgt spid="74"/>
+                                        </p:tgtEl>
+                                        <p:attrNameLst>
+                                          <p:attrName>style.visibility</p:attrName>
+                                        </p:attrNameLst>
+                                      </p:cBhvr>
+                                      <p:to>
+                                        <p:strVal val="visible"/>
+                                      </p:to>
+                                    </p:set>
+                                  </p:childTnLst>
+                                </p:cTn>
+                              </p:par>
+                              <p:par>
+                                <p:cTn id="73" presetID="1" presetClass="entr" presetSubtype="0" fill="hold" nodeType="withEffect">
+                                  <p:stCondLst>
+                                    <p:cond delay="0"/>
+                                  </p:stCondLst>
+                                  <p:childTnLst>
+                                    <p:set>
+                                      <p:cBhvr>
+                                        <p:cTn id="74" dur="1" fill="hold">
+                                          <p:stCondLst>
+                                            <p:cond delay="0"/>
+                                          </p:stCondLst>
+                                        </p:cTn>
+                                        <p:tgtEl>
+                                          <p:spTgt spid="77"/>
+                                        </p:tgtEl>
+                                        <p:attrNameLst>
+                                          <p:attrName>style.visibility</p:attrName>
+                                        </p:attrNameLst>
+                                      </p:cBhvr>
+                                      <p:to>
+                                        <p:strVal val="visible"/>
+                                      </p:to>
+                                    </p:set>
+                                  </p:childTnLst>
+                                </p:cTn>
+                              </p:par>
+                              <p:par>
+                                <p:cTn id="75" presetID="1" presetClass="entr" presetSubtype="0" fill="hold" nodeType="withEffect">
+                                  <p:stCondLst>
+                                    <p:cond delay="0"/>
+                                  </p:stCondLst>
+                                  <p:childTnLst>
+                                    <p:set>
+                                      <p:cBhvr>
+                                        <p:cTn id="76" dur="1" fill="hold">
+                                          <p:stCondLst>
+                                            <p:cond delay="0"/>
+                                          </p:stCondLst>
+                                        </p:cTn>
+                                        <p:tgtEl>
+                                          <p:spTgt spid="69"/>
+                                        </p:tgtEl>
+                                        <p:attrNameLst>
+                                          <p:attrName>style.visibility</p:attrName>
+                                        </p:attrNameLst>
+                                      </p:cBhvr>
+                                      <p:to>
+                                        <p:strVal val="visible"/>
+                                      </p:to>
+                                    </p:set>
+                                  </p:childTnLst>
+                                </p:cTn>
+                              </p:par>
+                              <p:par>
+                                <p:cTn id="77" presetID="1" presetClass="entr" presetSubtype="0" fill="hold" nodeType="withEffect">
+                                  <p:stCondLst>
+                                    <p:cond delay="0"/>
+                                  </p:stCondLst>
+                                  <p:childTnLst>
+                                    <p:set>
+                                      <p:cBhvr>
+                                        <p:cTn id="78" dur="1" fill="hold">
+                                          <p:stCondLst>
+                                            <p:cond delay="0"/>
+                                          </p:stCondLst>
+                                        </p:cTn>
+                                        <p:tgtEl>
+                                          <p:spTgt spid="76"/>
+                                        </p:tgtEl>
+                                        <p:attrNameLst>
+                                          <p:attrName>style.visibility</p:attrName>
+                                        </p:attrNameLst>
+                                      </p:cBhvr>
+                                      <p:to>
+                                        <p:strVal val="visible"/>
+                                      </p:to>
+                                    </p:set>
+                                  </p:childTnLst>
+                                </p:cTn>
+                              </p:par>
+                              <p:par>
+                                <p:cTn id="79" presetID="1" presetClass="entr" presetSubtype="0" fill="hold" nodeType="withEffect">
+                                  <p:stCondLst>
+                                    <p:cond delay="0"/>
+                                  </p:stCondLst>
+                                  <p:childTnLst>
+                                    <p:set>
+                                      <p:cBhvr>
+                                        <p:cTn id="80" dur="1" fill="hold">
+                                          <p:stCondLst>
+                                            <p:cond delay="0"/>
+                                          </p:stCondLst>
+                                        </p:cTn>
+                                        <p:tgtEl>
+                                          <p:spTgt spid="75"/>
+                                        </p:tgtEl>
+                                        <p:attrNameLst>
+                                          <p:attrName>style.visibility</p:attrName>
+                                        </p:attrNameLst>
+                                      </p:cBhvr>
+                                      <p:to>
+                                        <p:strVal val="visible"/>
+                                      </p:to>
+                                    </p:set>
+                                  </p:childTnLst>
+                                </p:cTn>
+                              </p:par>
+                              <p:par>
+                                <p:cTn id="81" presetID="1" presetClass="entr" presetSubtype="0" fill="hold" nodeType="withEffect">
+                                  <p:stCondLst>
+                                    <p:cond delay="0"/>
+                                  </p:stCondLst>
+                                  <p:childTnLst>
+                                    <p:set>
+                                      <p:cBhvr>
+                                        <p:cTn id="82" dur="1" fill="hold">
+                                          <p:stCondLst>
+                                            <p:cond delay="0"/>
+                                          </p:stCondLst>
+                                        </p:cTn>
+                                        <p:tgtEl>
+                                          <p:spTgt spid="71"/>
+                                        </p:tgtEl>
+                                        <p:attrNameLst>
+                                          <p:attrName>style.visibility</p:attrName>
+                                        </p:attrNameLst>
+                                      </p:cBhvr>
+                                      <p:to>
+                                        <p:strVal val="visible"/>
+                                      </p:to>
+                                    </p:set>
+                                  </p:childTnLst>
+                                </p:cTn>
+                              </p:par>
+                              <p:par>
+                                <p:cTn id="83" presetID="1" presetClass="entr" presetSubtype="0" fill="hold" nodeType="withEffect">
+                                  <p:stCondLst>
+                                    <p:cond delay="0"/>
+                                  </p:stCondLst>
+                                  <p:childTnLst>
+                                    <p:set>
+                                      <p:cBhvr>
+                                        <p:cTn id="84" dur="1" fill="hold">
+                                          <p:stCondLst>
+                                            <p:cond delay="0"/>
+                                          </p:stCondLst>
+                                        </p:cTn>
+                                        <p:tgtEl>
+                                          <p:spTgt spid="70"/>
+                                        </p:tgtEl>
+                                        <p:attrNameLst>
+                                          <p:attrName>style.visibility</p:attrName>
+                                        </p:attrNameLst>
+                                      </p:cBhvr>
+                                      <p:to>
+                                        <p:strVal val="visible"/>
+                                      </p:to>
+                                    </p:set>
+                                  </p:childTnLst>
+                                </p:cTn>
+                              </p:par>
+                              <p:par>
+                                <p:cTn id="85" presetID="1" presetClass="entr" presetSubtype="0" fill="hold" nodeType="withEffect">
+                                  <p:stCondLst>
+                                    <p:cond delay="0"/>
+                                  </p:stCondLst>
+                                  <p:childTnLst>
+                                    <p:set>
+                                      <p:cBhvr>
+                                        <p:cTn id="86" dur="1" fill="hold">
+                                          <p:stCondLst>
+                                            <p:cond delay="0"/>
+                                          </p:stCondLst>
+                                        </p:cTn>
+                                        <p:tgtEl>
+                                          <p:spTgt spid="67"/>
+                                        </p:tgtEl>
+                                        <p:attrNameLst>
+                                          <p:attrName>style.visibility</p:attrName>
+                                        </p:attrNameLst>
+                                      </p:cBhvr>
+                                      <p:to>
+                                        <p:strVal val="visible"/>
+                                      </p:to>
+                                    </p:set>
+                                  </p:childTnLst>
+                                </p:cTn>
+                              </p:par>
+                            </p:childTnLst>
+                          </p:cTn>
+                        </p:par>
+                      </p:childTnLst>
+                    </p:cTn>
+                  </p:par>
+                  <p:par>
+                    <p:cTn id="87" fill="hold">
+                      <p:stCondLst>
+                        <p:cond delay="indefinite"/>
+                      </p:stCondLst>
+                      <p:childTnLst>
+                        <p:par>
+                          <p:cTn id="88" fill="hold">
+                            <p:stCondLst>
+                              <p:cond delay="0"/>
+                            </p:stCondLst>
+                            <p:childTnLst>
+                              <p:par>
+                                <p:cTn id="89" presetID="1" presetClass="entr" presetSubtype="0" fill="hold" grpId="0" nodeType="clickEffect">
+                                  <p:stCondLst>
+                                    <p:cond delay="0"/>
+                                  </p:stCondLst>
+                                  <p:childTnLst>
+                                    <p:set>
+                                      <p:cBhvr>
+                                        <p:cTn id="90" dur="1" fill="hold">
+                                          <p:stCondLst>
+                                            <p:cond delay="0"/>
+                                          </p:stCondLst>
+                                        </p:cTn>
+                                        <p:tgtEl>
+                                          <p:spTgt spid="78"/>
+                                        </p:tgtEl>
+                                        <p:attrNameLst>
+                                          <p:attrName>style.visibility</p:attrName>
+                                        </p:attrNameLst>
+                                      </p:cBhvr>
+                                      <p:to>
+                                        <p:strVal val="visible"/>
+                                      </p:to>
+                                    </p:set>
+                                  </p:childTnLst>
+                                </p:cTn>
+                              </p:par>
+                              <p:par>
+                                <p:cTn id="91" presetID="1" presetClass="entr" presetSubtype="0" fill="hold" grpId="0" nodeType="withEffect">
+                                  <p:stCondLst>
+                                    <p:cond delay="0"/>
+                                  </p:stCondLst>
+                                  <p:childTnLst>
+                                    <p:set>
+                                      <p:cBhvr>
+                                        <p:cTn id="92" dur="1" fill="hold">
+                                          <p:stCondLst>
+                                            <p:cond delay="0"/>
+                                          </p:stCondLst>
+                                        </p:cTn>
+                                        <p:tgtEl>
+                                          <p:spTgt spid="79"/>
+                                        </p:tgtEl>
+                                        <p:attrNameLst>
+                                          <p:attrName>style.visibility</p:attrName>
+                                        </p:attrNameLst>
+                                      </p:cBhvr>
+                                      <p:to>
+                                        <p:strVal val="visible"/>
+                                      </p:to>
+                                    </p:set>
+                                  </p:childTnLst>
+                                </p:cTn>
+                              </p:par>
+                              <p:par>
+                                <p:cTn id="93" presetID="1" presetClass="entr" presetSubtype="0" fill="hold" grpId="0" nodeType="withEffect">
+                                  <p:stCondLst>
+                                    <p:cond delay="0"/>
+                                  </p:stCondLst>
+                                  <p:childTnLst>
+                                    <p:set>
+                                      <p:cBhvr>
+                                        <p:cTn id="94" dur="1" fill="hold">
+                                          <p:stCondLst>
+                                            <p:cond delay="0"/>
+                                          </p:stCondLst>
+                                        </p:cTn>
+                                        <p:tgtEl>
+                                          <p:spTgt spid="81"/>
+                                        </p:tgtEl>
+                                        <p:attrNameLst>
+                                          <p:attrName>style.visibility</p:attrName>
+                                        </p:attrNameLst>
+                                      </p:cBhvr>
+                                      <p:to>
+                                        <p:strVal val="visible"/>
+                                      </p:to>
+                                    </p:set>
+                                  </p:childTnLst>
+                                </p:cTn>
+                              </p:par>
+                              <p:par>
+                                <p:cTn id="95" presetID="1" presetClass="entr" presetSubtype="0" fill="hold" grpId="0" nodeType="withEffect">
+                                  <p:stCondLst>
+                                    <p:cond delay="0"/>
+                                  </p:stCondLst>
+                                  <p:childTnLst>
+                                    <p:set>
+                                      <p:cBhvr>
+                                        <p:cTn id="96" dur="1" fill="hold">
+                                          <p:stCondLst>
+                                            <p:cond delay="0"/>
+                                          </p:stCondLst>
+                                        </p:cTn>
+                                        <p:tgtEl>
+                                          <p:spTgt spid="82"/>
+                                        </p:tgtEl>
+                                        <p:attrNameLst>
+                                          <p:attrName>style.visibility</p:attrName>
+                                        </p:attrNameLst>
+                                      </p:cBhvr>
+                                      <p:to>
+                                        <p:strVal val="visible"/>
+                                      </p:to>
+                                    </p:set>
+                                  </p:childTnLst>
+                                </p:cTn>
+                              </p:par>
+                              <p:par>
+                                <p:cTn id="97" presetID="1" presetClass="entr" presetSubtype="0" fill="hold" grpId="0" nodeType="withEffect">
+                                  <p:stCondLst>
+                                    <p:cond delay="0"/>
+                                  </p:stCondLst>
+                                  <p:childTnLst>
+                                    <p:set>
+                                      <p:cBhvr>
+                                        <p:cTn id="98" dur="1" fill="hold">
+                                          <p:stCondLst>
+                                            <p:cond delay="0"/>
+                                          </p:stCondLst>
+                                        </p:cTn>
+                                        <p:tgtEl>
+                                          <p:spTgt spid="83"/>
+                                        </p:tgtEl>
+                                        <p:attrNameLst>
+                                          <p:attrName>style.visibility</p:attrName>
+                                        </p:attrNameLst>
+                                      </p:cBhvr>
+                                      <p:to>
+                                        <p:strVal val="visible"/>
+                                      </p:to>
+                                    </p:set>
+                                  </p:childTnLst>
+                                </p:cTn>
+                              </p:par>
+                              <p:par>
+                                <p:cTn id="99" presetID="1" presetClass="entr" presetSubtype="0" fill="hold" grpId="0" nodeType="withEffect">
+                                  <p:stCondLst>
+                                    <p:cond delay="0"/>
+                                  </p:stCondLst>
+                                  <p:childTnLst>
+                                    <p:set>
+                                      <p:cBhvr>
+                                        <p:cTn id="100" dur="1" fill="hold">
+                                          <p:stCondLst>
+                                            <p:cond delay="0"/>
+                                          </p:stCondLst>
+                                        </p:cTn>
+                                        <p:tgtEl>
+                                          <p:spTgt spid="91"/>
+                                        </p:tgtEl>
+                                        <p:attrNameLst>
+                                          <p:attrName>style.visibility</p:attrName>
+                                        </p:attrNameLst>
+                                      </p:cBhvr>
+                                      <p:to>
+                                        <p:strVal val="visible"/>
+                                      </p:to>
+                                    </p:set>
+                                  </p:childTnLst>
+                                </p:cTn>
+                              </p:par>
+                              <p:par>
+                                <p:cTn id="101" presetID="1" presetClass="entr" presetSubtype="0" fill="hold" grpId="0" nodeType="withEffect">
+                                  <p:stCondLst>
+                                    <p:cond delay="0"/>
+                                  </p:stCondLst>
+                                  <p:childTnLst>
+                                    <p:set>
+                                      <p:cBhvr>
+                                        <p:cTn id="102" dur="1" fill="hold">
+                                          <p:stCondLst>
+                                            <p:cond delay="0"/>
+                                          </p:stCondLst>
+                                        </p:cTn>
+                                        <p:tgtEl>
+                                          <p:spTgt spid="86"/>
+                                        </p:tgtEl>
+                                        <p:attrNameLst>
+                                          <p:attrName>style.visibility</p:attrName>
+                                        </p:attrNameLst>
+                                      </p:cBhvr>
+                                      <p:to>
+                                        <p:strVal val="visible"/>
+                                      </p:to>
+                                    </p:set>
+                                  </p:childTnLst>
+                                </p:cTn>
+                              </p:par>
+                              <p:par>
+                                <p:cTn id="103" presetID="1" presetClass="entr" presetSubtype="0" fill="hold" grpId="0" nodeType="withEffect">
+                                  <p:stCondLst>
+                                    <p:cond delay="0"/>
+                                  </p:stCondLst>
+                                  <p:childTnLst>
+                                    <p:set>
+                                      <p:cBhvr>
+                                        <p:cTn id="104" dur="1" fill="hold">
+                                          <p:stCondLst>
+                                            <p:cond delay="0"/>
+                                          </p:stCondLst>
+                                        </p:cTn>
+                                        <p:tgtEl>
+                                          <p:spTgt spid="87"/>
+                                        </p:tgtEl>
+                                        <p:attrNameLst>
+                                          <p:attrName>style.visibility</p:attrName>
+                                        </p:attrNameLst>
+                                      </p:cBhvr>
+                                      <p:to>
+                                        <p:strVal val="visible"/>
+                                      </p:to>
+                                    </p:set>
+                                  </p:childTnLst>
+                                </p:cTn>
+                              </p:par>
+                              <p:par>
+                                <p:cTn id="105" presetID="1" presetClass="entr" presetSubtype="0" fill="hold" grpId="0" nodeType="withEffect">
+                                  <p:stCondLst>
+                                    <p:cond delay="0"/>
+                                  </p:stCondLst>
+                                  <p:childTnLst>
+                                    <p:set>
+                                      <p:cBhvr>
+                                        <p:cTn id="106" dur="1" fill="hold">
+                                          <p:stCondLst>
+                                            <p:cond delay="0"/>
+                                          </p:stCondLst>
+                                        </p:cTn>
+                                        <p:tgtEl>
+                                          <p:spTgt spid="88"/>
+                                        </p:tgtEl>
+                                        <p:attrNameLst>
+                                          <p:attrName>style.visibility</p:attrName>
+                                        </p:attrNameLst>
+                                      </p:cBhvr>
+                                      <p:to>
+                                        <p:strVal val="visible"/>
+                                      </p:to>
+                                    </p:set>
+                                  </p:childTnLst>
+                                </p:cTn>
+                              </p:par>
+                              <p:par>
+                                <p:cTn id="107" presetID="1" presetClass="entr" presetSubtype="0" fill="hold" grpId="0" nodeType="withEffect">
+                                  <p:stCondLst>
+                                    <p:cond delay="0"/>
+                                  </p:stCondLst>
+                                  <p:childTnLst>
+                                    <p:set>
+                                      <p:cBhvr>
+                                        <p:cTn id="108" dur="1" fill="hold">
+                                          <p:stCondLst>
+                                            <p:cond delay="0"/>
+                                          </p:stCondLst>
+                                        </p:cTn>
+                                        <p:tgtEl>
+                                          <p:spTgt spid="90"/>
+                                        </p:tgtEl>
+                                        <p:attrNameLst>
+                                          <p:attrName>style.visibility</p:attrName>
+                                        </p:attrNameLst>
+                                      </p:cBhvr>
+                                      <p:to>
+                                        <p:strVal val="visible"/>
+                                      </p:to>
+                                    </p:set>
+                                  </p:childTnLst>
+                                </p:cTn>
+                              </p:par>
+                              <p:par>
+                                <p:cTn id="109" presetID="1" presetClass="entr" presetSubtype="0" fill="hold" grpId="0" nodeType="withEffect">
+                                  <p:stCondLst>
+                                    <p:cond delay="0"/>
+                                  </p:stCondLst>
+                                  <p:childTnLst>
+                                    <p:set>
+                                      <p:cBhvr>
+                                        <p:cTn id="110" dur="1" fill="hold">
+                                          <p:stCondLst>
+                                            <p:cond delay="0"/>
+                                          </p:stCondLst>
+                                        </p:cTn>
+                                        <p:tgtEl>
+                                          <p:spTgt spid="89"/>
+                                        </p:tgtEl>
+                                        <p:attrNameLst>
+                                          <p:attrName>style.visibility</p:attrName>
+                                        </p:attrNameLst>
+                                      </p:cBhvr>
+                                      <p:to>
+                                        <p:strVal val="visible"/>
+                                      </p:to>
+                                    </p:set>
+                                  </p:childTnLst>
+                                </p:cTn>
+                              </p:par>
+                            </p:childTnLst>
+                          </p:cTn>
+                        </p:par>
+                      </p:childTnLst>
+                    </p:cTn>
+                  </p:par>
+                  <p:par>
+                    <p:cTn id="111" fill="hold">
+                      <p:stCondLst>
+                        <p:cond delay="indefinite"/>
+                      </p:stCondLst>
+                      <p:childTnLst>
+                        <p:par>
+                          <p:cTn id="112" fill="hold">
+                            <p:stCondLst>
+                              <p:cond delay="0"/>
+                            </p:stCondLst>
+                            <p:childTnLst>
+                              <p:par>
+                                <p:cTn id="113" presetID="1" presetClass="entr" presetSubtype="0" fill="hold" nodeType="clickEffect">
+                                  <p:stCondLst>
+                                    <p:cond delay="0"/>
+                                  </p:stCondLst>
+                                  <p:childTnLst>
+                                    <p:set>
+                                      <p:cBhvr>
+                                        <p:cTn id="114" dur="1" fill="hold">
+                                          <p:stCondLst>
+                                            <p:cond delay="0"/>
+                                          </p:stCondLst>
+                                        </p:cTn>
+                                        <p:tgtEl>
+                                          <p:spTgt spid="102"/>
+                                        </p:tgtEl>
+                                        <p:attrNameLst>
+                                          <p:attrName>style.visibility</p:attrName>
+                                        </p:attrNameLst>
+                                      </p:cBhvr>
+                                      <p:to>
+                                        <p:strVal val="visible"/>
+                                      </p:to>
+                                    </p:set>
+                                  </p:childTnLst>
+                                </p:cTn>
+                              </p:par>
+                              <p:par>
+                                <p:cTn id="115" presetID="1" presetClass="entr" presetSubtype="0" fill="hold" nodeType="withEffect">
+                                  <p:stCondLst>
+                                    <p:cond delay="0"/>
+                                  </p:stCondLst>
+                                  <p:childTnLst>
+                                    <p:set>
+                                      <p:cBhvr>
+                                        <p:cTn id="116" dur="1" fill="hold">
+                                          <p:stCondLst>
+                                            <p:cond delay="0"/>
+                                          </p:stCondLst>
+                                        </p:cTn>
+                                        <p:tgtEl>
+                                          <p:spTgt spid="100"/>
+                                        </p:tgtEl>
+                                        <p:attrNameLst>
+                                          <p:attrName>style.visibility</p:attrName>
+                                        </p:attrNameLst>
+                                      </p:cBhvr>
+                                      <p:to>
+                                        <p:strVal val="visible"/>
+                                      </p:to>
+                                    </p:set>
+                                  </p:childTnLst>
+                                </p:cTn>
+                              </p:par>
+                            </p:childTnLst>
+                          </p:cTn>
+                        </p:par>
+                      </p:childTnLst>
+                    </p:cTn>
+                  </p:par>
+                </p:childTnLst>
+              </p:cTn>
+              <p:prevCondLst>
+                <p:cond evt="onPrev" delay="0">
+                  <p:tgtEl>
+                    <p:sldTgt/>
+                  </p:tgtEl>
+                </p:cond>
+              </p:prevCondLst>
+              <p:nextCondLst>
+                <p:cond evt="onNext" delay="0">
+                  <p:tgtEl>
+                    <p:sldTgt/>
+                  </p:tgtEl>
+                </p:cond>
+              </p:nextCondLst>
+            </p:seq>
+          </p:childTnLst>
+        </p:cTn>
       </p:par>
     </p:tnLst>
+    <p:bldLst>
+      <p:bldP spid="7" grpId="0" animBg="1"/>
+      <p:bldP spid="50" grpId="0" animBg="1"/>
+      <p:bldP spid="52" grpId="0" animBg="1"/>
+      <p:bldP spid="53" grpId="0" animBg="1"/>
+      <p:bldP spid="54" grpId="0" animBg="1"/>
+      <p:bldP spid="55" grpId="0" animBg="1"/>
+      <p:bldP spid="56" grpId="0" animBg="1"/>
+      <p:bldP spid="57" grpId="0" animBg="1"/>
+      <p:bldP spid="58" grpId="0" animBg="1"/>
+      <p:bldP spid="59" grpId="0" animBg="1"/>
+      <p:bldP spid="60" grpId="0" animBg="1"/>
+      <p:bldP spid="61" grpId="0" animBg="1"/>
+      <p:bldP spid="62" grpId="0" animBg="1"/>
+      <p:bldP spid="63" grpId="0" animBg="1"/>
+      <p:bldP spid="64" grpId="0" animBg="1"/>
+      <p:bldP spid="66" grpId="0" animBg="1"/>
+      <p:bldP spid="78" grpId="0" animBg="1"/>
+      <p:bldP spid="79" grpId="0" animBg="1"/>
+      <p:bldP spid="81" grpId="0" animBg="1"/>
+      <p:bldP spid="82" grpId="0" animBg="1"/>
+      <p:bldP spid="83" grpId="0" animBg="1"/>
+      <p:bldP spid="86" grpId="0" animBg="1"/>
+      <p:bldP spid="87" grpId="0" animBg="1"/>
+      <p:bldP spid="88" grpId="0" animBg="1"/>
+      <p:bldP spid="89" grpId="0" animBg="1"/>
+      <p:bldP spid="90" grpId="0" animBg="1"/>
+      <p:bldP spid="91" grpId="0" animBg="1"/>
+    </p:bldLst>
   </p:timing>
 </p:sld>
 </file>
@@ -20509,7 +24660,7 @@
   <a:extraClrSchemeLst/>
   <a:extLst>
     <a:ext uri="{05A4C25C-085E-4340-85A3-A5531E510DB2}">
-      <thm15:themeFamily xmlns:thm15="http://schemas.microsoft.com/office/thememl/2012/main" xmlns="" name="mopec-2" id="{442E6DD8-1CC8-4C4A-8647-4236B82D6D6F}" vid="{4E193ED8-E17B-496B-9396-AD9A068E6CE7}"/>
+      <thm15:themeFamily xmlns="" xmlns:thm15="http://schemas.microsoft.com/office/thememl/2012/main" name="mopec-2" id="{442E6DD8-1CC8-4C4A-8647-4236B82D6D6F}" vid="{4E193ED8-E17B-496B-9396-AD9A068E6CE7}"/>
     </a:ext>
   </a:extLst>
 </a:theme>

--- a/Symbolic_execution.pptx
+++ b/Symbolic_execution.pptx
@@ -6,10 +6,10 @@
     <p:sldMasterId id="2147483780" r:id="rId2"/>
   </p:sldMasterIdLst>
   <p:notesMasterIdLst>
-    <p:notesMasterId r:id="rId16"/>
+    <p:notesMasterId r:id="rId17"/>
   </p:notesMasterIdLst>
   <p:handoutMasterIdLst>
-    <p:handoutMasterId r:id="rId17"/>
+    <p:handoutMasterId r:id="rId18"/>
   </p:handoutMasterIdLst>
   <p:sldIdLst>
     <p:sldId id="554" r:id="rId3"/>
@@ -24,7 +24,8 @@
     <p:sldId id="565" r:id="rId12"/>
     <p:sldId id="564" r:id="rId13"/>
     <p:sldId id="567" r:id="rId14"/>
-    <p:sldId id="556" r:id="rId15"/>
+    <p:sldId id="568" r:id="rId15"/>
+    <p:sldId id="556" r:id="rId16"/>
   </p:sldIdLst>
   <p:sldSz cx="9144000" cy="6858000" type="screen4x3"/>
   <p:notesSz cx="6797675" cy="9928225"/>
@@ -125,7 +126,7 @@
   </p:defaultTextStyle>
   <p:extLst>
     <p:ext uri="{EFAFB233-063F-42B5-8137-9DF3F51BA10A}">
-      <p15:sldGuideLst xmlns="" xmlns:p15="http://schemas.microsoft.com/office/powerpoint/2012/main">
+      <p15:sldGuideLst xmlns:p15="http://schemas.microsoft.com/office/powerpoint/2012/main">
         <p15:guide id="1" orient="horz" pos="2160">
           <p15:clr>
             <a:srgbClr val="A4A3A4"/>
@@ -139,7 +140,7 @@
       </p15:sldGuideLst>
     </p:ext>
     <p:ext uri="{2D200454-40CA-4A62-9FC3-DE9A4176ACB9}">
-      <p15:notesGuideLst xmlns="" xmlns:p15="http://schemas.microsoft.com/office/powerpoint/2012/main"/>
+      <p15:notesGuideLst xmlns:p15="http://schemas.microsoft.com/office/powerpoint/2012/main"/>
     </p:ext>
   </p:extLst>
 </p:presentation>
@@ -1336,23 +1337,23 @@
     </dgm:pt>
   </dgm:ptLst>
   <dgm:cxnLst>
+    <dgm:cxn modelId="{2DA33D83-A486-4DBF-AAD4-027FE6428D8C}" type="presOf" srcId="{9500F054-E821-4CE4-A78F-163684229BEF}" destId="{65D123C8-C28A-43FC-A1D1-EC1A1AAA1D0D}" srcOrd="0" destOrd="1" presId="urn:microsoft.com/office/officeart/2005/8/layout/arrow4"/>
+    <dgm:cxn modelId="{60C8BBD6-F960-4FEF-BF82-068C183722CA}" type="presOf" srcId="{3776A631-3A5C-4A45-AAA1-9A83DB9BB2B4}" destId="{D0B9CC40-12C0-4884-9089-BF414A745106}" srcOrd="0" destOrd="0" presId="urn:microsoft.com/office/officeart/2005/8/layout/arrow4"/>
+    <dgm:cxn modelId="{75179168-990B-4374-B908-5B3E2EE90FF2}" srcId="{3776A631-3A5C-4A45-AAA1-9A83DB9BB2B4}" destId="{7DC5BBA1-86D5-4E4E-9561-2161DF6F0C50}" srcOrd="0" destOrd="0" parTransId="{93B6163C-037E-45AE-8479-BAEE85E7E82B}" sibTransId="{DB7AA6EA-FAA9-4CE8-8F75-DB00225B99ED}"/>
+    <dgm:cxn modelId="{150A3DA9-7B4E-4F13-B2E2-0CE320C795FB}" type="presOf" srcId="{C613176E-2E07-4982-AE61-58047C88A5E0}" destId="{F9200D61-E392-48B8-B25E-28C9E78F45C8}" srcOrd="0" destOrd="0" presId="urn:microsoft.com/office/officeart/2005/8/layout/arrow4"/>
+    <dgm:cxn modelId="{0C001998-8F3B-49F5-8BC4-CA67A830B774}" srcId="{3776A631-3A5C-4A45-AAA1-9A83DB9BB2B4}" destId="{FAA59F73-6FA0-49D5-8348-D14E1B279350}" srcOrd="2" destOrd="0" parTransId="{70769DCF-F5D8-4663-8B5D-9320981ED2B5}" sibTransId="{BE0C9C65-B01A-4FED-B942-1B5AFB142579}"/>
+    <dgm:cxn modelId="{2CB4332C-506A-4A72-9E0B-2366C269D619}" srcId="{C613176E-2E07-4982-AE61-58047C88A5E0}" destId="{1A65B431-B0C5-475B-AACB-EE64CDB5542D}" srcOrd="1" destOrd="0" parTransId="{CFD36D27-6F9B-49FF-99D7-7DD05A0F3D83}" sibTransId="{9F15F78E-CFEB-4BD5-AE3C-CF1E170551E9}"/>
+    <dgm:cxn modelId="{F45D9E64-B6B5-4FCE-8F7D-9355626CBEEB}" srcId="{1A65B431-B0C5-475B-AACB-EE64CDB5542D}" destId="{AB150DB6-D2F2-4EF8-BD47-A1DE4EA9EAC7}" srcOrd="2" destOrd="0" parTransId="{D632890A-DFEB-4F2F-B9E4-C2C0177B3A32}" sibTransId="{4F8154F9-CBA6-441C-AE49-ECE3A500577C}"/>
+    <dgm:cxn modelId="{A4834247-60D1-4B44-88FF-503376569106}" type="presOf" srcId="{AB150DB6-D2F2-4EF8-BD47-A1DE4EA9EAC7}" destId="{65D123C8-C28A-43FC-A1D1-EC1A1AAA1D0D}" srcOrd="0" destOrd="3" presId="urn:microsoft.com/office/officeart/2005/8/layout/arrow4"/>
+    <dgm:cxn modelId="{8F1A1E50-BBF0-464D-811A-982C2CAE586C}" srcId="{3776A631-3A5C-4A45-AAA1-9A83DB9BB2B4}" destId="{24E5BDE8-7AD9-4252-B145-1D56807EB9A4}" srcOrd="1" destOrd="0" parTransId="{8F06EAF3-9191-46BD-981D-F07244E13DF0}" sibTransId="{1D3B26D8-8EBD-49D2-B20B-F604159AC195}"/>
+    <dgm:cxn modelId="{BE71F4C1-1B07-443B-A5B3-2C137FF4CFA0}" type="presOf" srcId="{1A65B431-B0C5-475B-AACB-EE64CDB5542D}" destId="{65D123C8-C28A-43FC-A1D1-EC1A1AAA1D0D}" srcOrd="0" destOrd="0" presId="urn:microsoft.com/office/officeart/2005/8/layout/arrow4"/>
     <dgm:cxn modelId="{9C3AD6D8-20BB-432E-8677-F1B302872B0E}" type="presOf" srcId="{F023FB2D-615F-49FB-B932-A835539B633A}" destId="{65D123C8-C28A-43FC-A1D1-EC1A1AAA1D0D}" srcOrd="0" destOrd="2" presId="urn:microsoft.com/office/officeart/2005/8/layout/arrow4"/>
-    <dgm:cxn modelId="{2DA33D83-A486-4DBF-AAD4-027FE6428D8C}" type="presOf" srcId="{9500F054-E821-4CE4-A78F-163684229BEF}" destId="{65D123C8-C28A-43FC-A1D1-EC1A1AAA1D0D}" srcOrd="0" destOrd="1" presId="urn:microsoft.com/office/officeart/2005/8/layout/arrow4"/>
+    <dgm:cxn modelId="{4B65A473-4FBC-492E-9E55-A78F054735B8}" srcId="{1A65B431-B0C5-475B-AACB-EE64CDB5542D}" destId="{F023FB2D-615F-49FB-B932-A835539B633A}" srcOrd="1" destOrd="0" parTransId="{84B950E6-F17C-424D-B81D-E741E2F979B4}" sibTransId="{C02F31EC-CAE8-4139-8E0C-B42D3B042F9A}"/>
+    <dgm:cxn modelId="{4B8B0CE1-B669-4226-9D35-60E76A01C7BF}" type="presOf" srcId="{24E5BDE8-7AD9-4252-B145-1D56807EB9A4}" destId="{D0B9CC40-12C0-4884-9089-BF414A745106}" srcOrd="0" destOrd="2" presId="urn:microsoft.com/office/officeart/2005/8/layout/arrow4"/>
     <dgm:cxn modelId="{64364F7E-2B30-4537-A41E-EB65227FEBE0}" srcId="{C613176E-2E07-4982-AE61-58047C88A5E0}" destId="{3776A631-3A5C-4A45-AAA1-9A83DB9BB2B4}" srcOrd="0" destOrd="0" parTransId="{37169DBE-07E0-40F0-8E8B-6BE5C9000CD6}" sibTransId="{1C61A887-F32A-4DB6-9CB7-E9105CF133EE}"/>
     <dgm:cxn modelId="{7BBEAA23-584D-4A1C-8311-C0E9E6CBA3A7}" type="presOf" srcId="{FAA59F73-6FA0-49D5-8348-D14E1B279350}" destId="{D0B9CC40-12C0-4884-9089-BF414A745106}" srcOrd="0" destOrd="3" presId="urn:microsoft.com/office/officeart/2005/8/layout/arrow4"/>
-    <dgm:cxn modelId="{8F1A1E50-BBF0-464D-811A-982C2CAE586C}" srcId="{3776A631-3A5C-4A45-AAA1-9A83DB9BB2B4}" destId="{24E5BDE8-7AD9-4252-B145-1D56807EB9A4}" srcOrd="1" destOrd="0" parTransId="{8F06EAF3-9191-46BD-981D-F07244E13DF0}" sibTransId="{1D3B26D8-8EBD-49D2-B20B-F604159AC195}"/>
-    <dgm:cxn modelId="{BE71F4C1-1B07-443B-A5B3-2C137FF4CFA0}" type="presOf" srcId="{1A65B431-B0C5-475B-AACB-EE64CDB5542D}" destId="{65D123C8-C28A-43FC-A1D1-EC1A1AAA1D0D}" srcOrd="0" destOrd="0" presId="urn:microsoft.com/office/officeart/2005/8/layout/arrow4"/>
-    <dgm:cxn modelId="{A4834247-60D1-4B44-88FF-503376569106}" type="presOf" srcId="{AB150DB6-D2F2-4EF8-BD47-A1DE4EA9EAC7}" destId="{65D123C8-C28A-43FC-A1D1-EC1A1AAA1D0D}" srcOrd="0" destOrd="3" presId="urn:microsoft.com/office/officeart/2005/8/layout/arrow4"/>
+    <dgm:cxn modelId="{C7BBCB7E-7826-42D0-839D-07C845CAD9F3}" type="presOf" srcId="{7DC5BBA1-86D5-4E4E-9561-2161DF6F0C50}" destId="{D0B9CC40-12C0-4884-9089-BF414A745106}" srcOrd="0" destOrd="1" presId="urn:microsoft.com/office/officeart/2005/8/layout/arrow4"/>
     <dgm:cxn modelId="{9E12A3B4-70C7-4EB8-B3B8-851C759F4C27}" srcId="{1A65B431-B0C5-475B-AACB-EE64CDB5542D}" destId="{9500F054-E821-4CE4-A78F-163684229BEF}" srcOrd="0" destOrd="0" parTransId="{F66A73F2-4553-4D56-967B-58A32857A51B}" sibTransId="{CB5FA6AF-1507-4ED6-88F9-6ED52D974ACA}"/>
-    <dgm:cxn modelId="{2CB4332C-506A-4A72-9E0B-2366C269D619}" srcId="{C613176E-2E07-4982-AE61-58047C88A5E0}" destId="{1A65B431-B0C5-475B-AACB-EE64CDB5542D}" srcOrd="1" destOrd="0" parTransId="{CFD36D27-6F9B-49FF-99D7-7DD05A0F3D83}" sibTransId="{9F15F78E-CFEB-4BD5-AE3C-CF1E170551E9}"/>
-    <dgm:cxn modelId="{60C8BBD6-F960-4FEF-BF82-068C183722CA}" type="presOf" srcId="{3776A631-3A5C-4A45-AAA1-9A83DB9BB2B4}" destId="{D0B9CC40-12C0-4884-9089-BF414A745106}" srcOrd="0" destOrd="0" presId="urn:microsoft.com/office/officeart/2005/8/layout/arrow4"/>
-    <dgm:cxn modelId="{C7BBCB7E-7826-42D0-839D-07C845CAD9F3}" type="presOf" srcId="{7DC5BBA1-86D5-4E4E-9561-2161DF6F0C50}" destId="{D0B9CC40-12C0-4884-9089-BF414A745106}" srcOrd="0" destOrd="1" presId="urn:microsoft.com/office/officeart/2005/8/layout/arrow4"/>
-    <dgm:cxn modelId="{75179168-990B-4374-B908-5B3E2EE90FF2}" srcId="{3776A631-3A5C-4A45-AAA1-9A83DB9BB2B4}" destId="{7DC5BBA1-86D5-4E4E-9561-2161DF6F0C50}" srcOrd="0" destOrd="0" parTransId="{93B6163C-037E-45AE-8479-BAEE85E7E82B}" sibTransId="{DB7AA6EA-FAA9-4CE8-8F75-DB00225B99ED}"/>
-    <dgm:cxn modelId="{4B8B0CE1-B669-4226-9D35-60E76A01C7BF}" type="presOf" srcId="{24E5BDE8-7AD9-4252-B145-1D56807EB9A4}" destId="{D0B9CC40-12C0-4884-9089-BF414A745106}" srcOrd="0" destOrd="2" presId="urn:microsoft.com/office/officeart/2005/8/layout/arrow4"/>
-    <dgm:cxn modelId="{F45D9E64-B6B5-4FCE-8F7D-9355626CBEEB}" srcId="{1A65B431-B0C5-475B-AACB-EE64CDB5542D}" destId="{AB150DB6-D2F2-4EF8-BD47-A1DE4EA9EAC7}" srcOrd="2" destOrd="0" parTransId="{D632890A-DFEB-4F2F-B9E4-C2C0177B3A32}" sibTransId="{4F8154F9-CBA6-441C-AE49-ECE3A500577C}"/>
-    <dgm:cxn modelId="{150A3DA9-7B4E-4F13-B2E2-0CE320C795FB}" type="presOf" srcId="{C613176E-2E07-4982-AE61-58047C88A5E0}" destId="{F9200D61-E392-48B8-B25E-28C9E78F45C8}" srcOrd="0" destOrd="0" presId="urn:microsoft.com/office/officeart/2005/8/layout/arrow4"/>
-    <dgm:cxn modelId="{0C001998-8F3B-49F5-8BC4-CA67A830B774}" srcId="{3776A631-3A5C-4A45-AAA1-9A83DB9BB2B4}" destId="{FAA59F73-6FA0-49D5-8348-D14E1B279350}" srcOrd="2" destOrd="0" parTransId="{70769DCF-F5D8-4663-8B5D-9320981ED2B5}" sibTransId="{BE0C9C65-B01A-4FED-B942-1B5AFB142579}"/>
-    <dgm:cxn modelId="{4B65A473-4FBC-492E-9E55-A78F054735B8}" srcId="{1A65B431-B0C5-475B-AACB-EE64CDB5542D}" destId="{F023FB2D-615F-49FB-B932-A835539B633A}" srcOrd="1" destOrd="0" parTransId="{84B950E6-F17C-424D-B81D-E741E2F979B4}" sibTransId="{C02F31EC-CAE8-4139-8E0C-B42D3B042F9A}"/>
     <dgm:cxn modelId="{1B9C6B89-09D9-45A4-B7CA-EEB574021257}" type="presParOf" srcId="{F9200D61-E392-48B8-B25E-28C9E78F45C8}" destId="{DCAFE75F-3180-4597-942E-BBE60505CA2C}" srcOrd="0" destOrd="0" presId="urn:microsoft.com/office/officeart/2005/8/layout/arrow4"/>
     <dgm:cxn modelId="{64211888-5F80-448A-8395-C487D4D74864}" type="presParOf" srcId="{F9200D61-E392-48B8-B25E-28C9E78F45C8}" destId="{D0B9CC40-12C0-4884-9089-BF414A745106}" srcOrd="1" destOrd="0" presId="urn:microsoft.com/office/officeart/2005/8/layout/arrow4"/>
     <dgm:cxn modelId="{7C3B499B-334B-490A-8F7B-42629EF55049}" type="presParOf" srcId="{F9200D61-E392-48B8-B25E-28C9E78F45C8}" destId="{4BAE9C4C-C067-4ACA-90F8-43824D4833A2}" srcOrd="2" destOrd="0" presId="urn:microsoft.com/office/officeart/2005/8/layout/arrow4"/>
@@ -1362,14 +1363,14 @@
   <dgm:whole/>
   <dgm:extLst>
     <a:ext uri="http://schemas.microsoft.com/office/drawing/2008/diagram">
-      <dsp:dataModelExt xmlns:dsp="http://schemas.microsoft.com/office/drawing/2008/diagram" xmlns="" relId="rId6" minVer="http://schemas.openxmlformats.org/drawingml/2006/diagram"/>
+      <dsp:dataModelExt xmlns:dsp="http://schemas.microsoft.com/office/drawing/2008/diagram" relId="rId6" minVer="http://schemas.openxmlformats.org/drawingml/2006/diagram"/>
     </a:ext>
   </dgm:extLst>
 </dgm:dataModel>
 </file>
 
 <file path=ppt/diagrams/drawing1.xml><?xml version="1.0" encoding="utf-8"?>
-<dsp:drawing xmlns:dgm="http://schemas.openxmlformats.org/drawingml/2006/diagram" xmlns:a="http://schemas.openxmlformats.org/drawingml/2006/main" xmlns:dsp="http://schemas.microsoft.com/office/drawing/2008/diagram">
+<dsp:drawing xmlns:dgm="http://schemas.openxmlformats.org/drawingml/2006/diagram" xmlns:dsp="http://schemas.microsoft.com/office/drawing/2008/diagram" xmlns:a="http://schemas.openxmlformats.org/drawingml/2006/main">
   <dsp:spTree>
     <dsp:nvGrpSpPr>
       <dsp:cNvPr id="0" name=""/>
@@ -3226,7 +3227,7 @@
     </p:spTree>
     <p:extLst>
       <p:ext uri="{BB962C8B-B14F-4D97-AF65-F5344CB8AC3E}">
-        <p14:creationId xmlns="" xmlns:p14="http://schemas.microsoft.com/office/powerpoint/2010/main" val="3491659132"/>
+        <p14:creationId xmlns:p14="http://schemas.microsoft.com/office/powerpoint/2010/main" val="3491659132"/>
       </p:ext>
     </p:extLst>
   </p:cSld>
@@ -3486,7 +3487,7 @@
     </p:spTree>
     <p:extLst>
       <p:ext uri="{BB962C8B-B14F-4D97-AF65-F5344CB8AC3E}">
-        <p14:creationId xmlns="" xmlns:p14="http://schemas.microsoft.com/office/powerpoint/2010/main" val="42825475"/>
+        <p14:creationId xmlns:p14="http://schemas.microsoft.com/office/powerpoint/2010/main" val="42825475"/>
       </p:ext>
     </p:extLst>
   </p:cSld>
@@ -3683,7 +3684,7 @@
     </p:spTree>
     <p:extLst>
       <p:ext uri="{BB962C8B-B14F-4D97-AF65-F5344CB8AC3E}">
-        <p14:creationId xmlns="" xmlns:p14="http://schemas.microsoft.com/office/powerpoint/2010/main" val="3867849981"/>
+        <p14:creationId xmlns:p14="http://schemas.microsoft.com/office/powerpoint/2010/main" val="3867849981"/>
       </p:ext>
     </p:extLst>
   </p:cSld>
@@ -3772,7 +3773,7 @@
     </p:spTree>
     <p:extLst>
       <p:ext uri="{BB962C8B-B14F-4D97-AF65-F5344CB8AC3E}">
-        <p14:creationId xmlns="" xmlns:p14="http://schemas.microsoft.com/office/powerpoint/2010/main" val="3675417392"/>
+        <p14:creationId xmlns:p14="http://schemas.microsoft.com/office/powerpoint/2010/main" val="3675417392"/>
       </p:ext>
     </p:extLst>
   </p:cSld>
@@ -3848,7 +3849,7 @@
             <a:fld id="{0FE05C2F-C2D0-41D0-B081-206A7C6C3DAB}" type="slidenum">
               <a:rPr lang="zh-CN" altLang="en-US" smtClean="0"/>
               <a:pPr/>
-              <a:t>13</a:t>
+              <a:t>14</a:t>
             </a:fld>
             <a:endParaRPr lang="zh-CN" altLang="en-US"/>
           </a:p>
@@ -3857,7 +3858,7 @@
     </p:spTree>
     <p:extLst>
       <p:ext uri="{BB962C8B-B14F-4D97-AF65-F5344CB8AC3E}">
-        <p14:creationId xmlns="" xmlns:p14="http://schemas.microsoft.com/office/powerpoint/2010/main" val="1804488959"/>
+        <p14:creationId xmlns:p14="http://schemas.microsoft.com/office/powerpoint/2010/main" val="1804488959"/>
       </p:ext>
     </p:extLst>
   </p:cSld>
@@ -4924,7 +4925,7 @@
             </a:clrChange>
             <a:extLst>
               <a:ext uri="{28A0092B-C50C-407E-A947-70E740481C1C}">
-                <a14:useLocalDpi xmlns="" xmlns:a14="http://schemas.microsoft.com/office/drawing/2010/main" val="0"/>
+                <a14:useLocalDpi xmlns:a14="http://schemas.microsoft.com/office/drawing/2010/main" val="0"/>
               </a:ext>
             </a:extLst>
           </a:blip>
@@ -4944,7 +4945,7 @@
           <a:noFill/>
           <a:extLst>
             <a:ext uri="{909E8E84-426E-40DD-AFC4-6F175D3DCCD1}">
-              <a14:hiddenFill xmlns="" xmlns:a14="http://schemas.microsoft.com/office/drawing/2010/main">
+              <a14:hiddenFill xmlns:a14="http://schemas.microsoft.com/office/drawing/2010/main">
                 <a:solidFill>
                   <a:srgbClr val="FFFFFF"/>
                 </a:solidFill>
@@ -4972,7 +4973,7 @@
             </a:duotone>
             <a:extLst>
               <a:ext uri="{28A0092B-C50C-407E-A947-70E740481C1C}">
-                <a14:useLocalDpi xmlns="" xmlns:a14="http://schemas.microsoft.com/office/drawing/2010/main" val="0"/>
+                <a14:useLocalDpi xmlns:a14="http://schemas.microsoft.com/office/drawing/2010/main" val="0"/>
               </a:ext>
             </a:extLst>
           </a:blip>
@@ -4992,7 +4993,7 @@
           <a:noFill/>
           <a:extLst>
             <a:ext uri="{909E8E84-426E-40DD-AFC4-6F175D3DCCD1}">
-              <a14:hiddenFill xmlns="" xmlns:a14="http://schemas.microsoft.com/office/drawing/2010/main">
+              <a14:hiddenFill xmlns:a14="http://schemas.microsoft.com/office/drawing/2010/main">
                 <a:solidFill>
                   <a:srgbClr val="FFFFFF"/>
                 </a:solidFill>
@@ -5013,7 +5014,7 @@
           <a:blip r:embed="rId4" cstate="print">
             <a:extLst>
               <a:ext uri="{28A0092B-C50C-407E-A947-70E740481C1C}">
-                <a14:useLocalDpi xmlns="" xmlns:a14="http://schemas.microsoft.com/office/drawing/2010/main" val="0"/>
+                <a14:useLocalDpi xmlns:a14="http://schemas.microsoft.com/office/drawing/2010/main" val="0"/>
               </a:ext>
             </a:extLst>
           </a:blip>
@@ -5034,20 +5035,20 @@
     </p:spTree>
     <p:extLst>
       <p:ext uri="{BB962C8B-B14F-4D97-AF65-F5344CB8AC3E}">
-        <p14:creationId xmlns="" xmlns:p14="http://schemas.microsoft.com/office/powerpoint/2010/main" val="3580256527"/>
+        <p14:creationId xmlns:p14="http://schemas.microsoft.com/office/powerpoint/2010/main" val="3580256527"/>
       </p:ext>
     </p:extLst>
   </p:cSld>
   <p:clrMapOvr>
     <a:masterClrMapping/>
   </p:clrMapOvr>
-  <mc:AlternateContent xmlns:mc="http://schemas.openxmlformats.org/markup-compatibility/2006">
-    <mc:Choice xmlns="" xmlns:p14="http://schemas.microsoft.com/office/powerpoint/2010/main" Requires="p14">
+  <mc:AlternateContent xmlns:mc="http://schemas.openxmlformats.org/markup-compatibility/2006" xmlns:p14="http://schemas.microsoft.com/office/powerpoint/2010/main">
+    <mc:Choice Requires="p14">
       <p:transition spd="med" p14:dur="700">
         <p:fade/>
       </p:transition>
     </mc:Choice>
-    <mc:Fallback>
+    <mc:Fallback xmlns="">
       <p:transition spd="med">
         <p:fade/>
       </p:transition>
@@ -5404,7 +5405,7 @@
           <a:blip r:embed="rId2" cstate="print">
             <a:extLst>
               <a:ext uri="{28A0092B-C50C-407E-A947-70E740481C1C}">
-                <a14:useLocalDpi xmlns="" xmlns:a14="http://schemas.microsoft.com/office/drawing/2010/main" val="0"/>
+                <a14:useLocalDpi xmlns:a14="http://schemas.microsoft.com/office/drawing/2010/main" val="0"/>
               </a:ext>
             </a:extLst>
           </a:blip>
@@ -5425,20 +5426,20 @@
     </p:spTree>
     <p:extLst>
       <p:ext uri="{BB962C8B-B14F-4D97-AF65-F5344CB8AC3E}">
-        <p14:creationId xmlns="" xmlns:p14="http://schemas.microsoft.com/office/powerpoint/2010/main" val="8597632"/>
+        <p14:creationId xmlns:p14="http://schemas.microsoft.com/office/powerpoint/2010/main" val="8597632"/>
       </p:ext>
     </p:extLst>
   </p:cSld>
   <p:clrMapOvr>
     <a:masterClrMapping/>
   </p:clrMapOvr>
-  <mc:AlternateContent xmlns:mc="http://schemas.openxmlformats.org/markup-compatibility/2006">
-    <mc:Choice xmlns="" xmlns:p14="http://schemas.microsoft.com/office/powerpoint/2010/main" Requires="p14">
+  <mc:AlternateContent xmlns:mc="http://schemas.openxmlformats.org/markup-compatibility/2006" xmlns:p14="http://schemas.microsoft.com/office/powerpoint/2010/main">
+    <mc:Choice Requires="p14">
       <p:transition spd="med" p14:dur="700">
         <p:fade/>
       </p:transition>
     </mc:Choice>
-    <mc:Fallback>
+    <mc:Fallback xmlns="">
       <p:transition spd="med">
         <p:fade/>
       </p:transition>
@@ -5930,20 +5931,20 @@
     </p:spTree>
     <p:extLst>
       <p:ext uri="{BB962C8B-B14F-4D97-AF65-F5344CB8AC3E}">
-        <p14:creationId xmlns="" xmlns:p14="http://schemas.microsoft.com/office/powerpoint/2010/main" val="3808301644"/>
+        <p14:creationId xmlns:p14="http://schemas.microsoft.com/office/powerpoint/2010/main" val="3808301644"/>
       </p:ext>
     </p:extLst>
   </p:cSld>
   <p:clrMapOvr>
     <a:masterClrMapping/>
   </p:clrMapOvr>
-  <mc:AlternateContent xmlns:mc="http://schemas.openxmlformats.org/markup-compatibility/2006">
-    <mc:Choice xmlns="" xmlns:p14="http://schemas.microsoft.com/office/powerpoint/2010/main" Requires="p14">
+  <mc:AlternateContent xmlns:mc="http://schemas.openxmlformats.org/markup-compatibility/2006" xmlns:p14="http://schemas.microsoft.com/office/powerpoint/2010/main">
+    <mc:Choice Requires="p14">
       <p:transition spd="med" p14:dur="700">
         <p:fade/>
       </p:transition>
     </mc:Choice>
-    <mc:Fallback>
+    <mc:Fallback xmlns="">
       <p:transition spd="med">
         <p:fade/>
       </p:transition>
@@ -6247,20 +6248,20 @@
     </p:spTree>
     <p:extLst>
       <p:ext uri="{BB962C8B-B14F-4D97-AF65-F5344CB8AC3E}">
-        <p14:creationId xmlns="" xmlns:p14="http://schemas.microsoft.com/office/powerpoint/2010/main" val="3215307960"/>
+        <p14:creationId xmlns:p14="http://schemas.microsoft.com/office/powerpoint/2010/main" val="3215307960"/>
       </p:ext>
     </p:extLst>
   </p:cSld>
   <p:clrMapOvr>
     <a:masterClrMapping/>
   </p:clrMapOvr>
-  <mc:AlternateContent xmlns:mc="http://schemas.openxmlformats.org/markup-compatibility/2006">
-    <mc:Choice xmlns="" xmlns:p14="http://schemas.microsoft.com/office/powerpoint/2010/main" Requires="p14">
+  <mc:AlternateContent xmlns:mc="http://schemas.openxmlformats.org/markup-compatibility/2006" xmlns:p14="http://schemas.microsoft.com/office/powerpoint/2010/main">
+    <mc:Choice Requires="p14">
       <p:transition spd="med" p14:dur="700">
         <p:fade/>
       </p:transition>
     </mc:Choice>
-    <mc:Fallback>
+    <mc:Fallback xmlns="">
       <p:transition spd="med">
         <p:fade/>
       </p:transition>
@@ -6670,20 +6671,20 @@
     </p:spTree>
     <p:extLst>
       <p:ext uri="{BB962C8B-B14F-4D97-AF65-F5344CB8AC3E}">
-        <p14:creationId xmlns="" xmlns:p14="http://schemas.microsoft.com/office/powerpoint/2010/main" val="1172086531"/>
+        <p14:creationId xmlns:p14="http://schemas.microsoft.com/office/powerpoint/2010/main" val="1172086531"/>
       </p:ext>
     </p:extLst>
   </p:cSld>
   <p:clrMapOvr>
     <a:masterClrMapping/>
   </p:clrMapOvr>
-  <mc:AlternateContent xmlns:mc="http://schemas.openxmlformats.org/markup-compatibility/2006">
-    <mc:Choice xmlns="" xmlns:p14="http://schemas.microsoft.com/office/powerpoint/2010/main" Requires="p14">
+  <mc:AlternateContent xmlns:mc="http://schemas.openxmlformats.org/markup-compatibility/2006" xmlns:p14="http://schemas.microsoft.com/office/powerpoint/2010/main">
+    <mc:Choice Requires="p14">
       <p:transition spd="med" p14:dur="700">
         <p:fade/>
       </p:transition>
     </mc:Choice>
-    <mc:Fallback>
+    <mc:Fallback xmlns="">
       <p:transition spd="med">
         <p:fade/>
       </p:transition>
@@ -6855,20 +6856,20 @@
     </p:spTree>
     <p:extLst>
       <p:ext uri="{BB962C8B-B14F-4D97-AF65-F5344CB8AC3E}">
-        <p14:creationId xmlns="" xmlns:p14="http://schemas.microsoft.com/office/powerpoint/2010/main" val="1326722798"/>
+        <p14:creationId xmlns:p14="http://schemas.microsoft.com/office/powerpoint/2010/main" val="1326722798"/>
       </p:ext>
     </p:extLst>
   </p:cSld>
   <p:clrMapOvr>
     <a:masterClrMapping/>
   </p:clrMapOvr>
-  <mc:AlternateContent xmlns:mc="http://schemas.openxmlformats.org/markup-compatibility/2006">
-    <mc:Choice xmlns="" xmlns:p14="http://schemas.microsoft.com/office/powerpoint/2010/main" Requires="p14">
+  <mc:AlternateContent xmlns:mc="http://schemas.openxmlformats.org/markup-compatibility/2006" xmlns:p14="http://schemas.microsoft.com/office/powerpoint/2010/main">
+    <mc:Choice Requires="p14">
       <p:transition spd="med" p14:dur="700">
         <p:fade/>
       </p:transition>
     </mc:Choice>
-    <mc:Fallback>
+    <mc:Fallback xmlns="">
       <p:transition spd="med">
         <p:fade/>
       </p:transition>
@@ -7009,20 +7010,20 @@
     </p:spTree>
     <p:extLst>
       <p:ext uri="{BB962C8B-B14F-4D97-AF65-F5344CB8AC3E}">
-        <p14:creationId xmlns="" xmlns:p14="http://schemas.microsoft.com/office/powerpoint/2010/main" val="796909310"/>
+        <p14:creationId xmlns:p14="http://schemas.microsoft.com/office/powerpoint/2010/main" val="796909310"/>
       </p:ext>
     </p:extLst>
   </p:cSld>
   <p:clrMapOvr>
     <a:masterClrMapping/>
   </p:clrMapOvr>
-  <mc:AlternateContent xmlns:mc="http://schemas.openxmlformats.org/markup-compatibility/2006">
-    <mc:Choice xmlns="" xmlns:p14="http://schemas.microsoft.com/office/powerpoint/2010/main" Requires="p14">
+  <mc:AlternateContent xmlns:mc="http://schemas.openxmlformats.org/markup-compatibility/2006" xmlns:p14="http://schemas.microsoft.com/office/powerpoint/2010/main">
+    <mc:Choice Requires="p14">
       <p:transition spd="med" p14:dur="700">
         <p:fade/>
       </p:transition>
     </mc:Choice>
-    <mc:Fallback>
+    <mc:Fallback xmlns="">
       <p:transition spd="med">
         <p:fade/>
       </p:transition>
@@ -7355,20 +7356,20 @@
     </p:spTree>
     <p:extLst>
       <p:ext uri="{BB962C8B-B14F-4D97-AF65-F5344CB8AC3E}">
-        <p14:creationId xmlns="" xmlns:p14="http://schemas.microsoft.com/office/powerpoint/2010/main" val="3738623974"/>
+        <p14:creationId xmlns:p14="http://schemas.microsoft.com/office/powerpoint/2010/main" val="3738623974"/>
       </p:ext>
     </p:extLst>
   </p:cSld>
   <p:clrMapOvr>
     <a:masterClrMapping/>
   </p:clrMapOvr>
-  <mc:AlternateContent xmlns:mc="http://schemas.openxmlformats.org/markup-compatibility/2006">
-    <mc:Choice xmlns="" xmlns:p14="http://schemas.microsoft.com/office/powerpoint/2010/main" Requires="p14">
+  <mc:AlternateContent xmlns:mc="http://schemas.openxmlformats.org/markup-compatibility/2006" xmlns:p14="http://schemas.microsoft.com/office/powerpoint/2010/main">
+    <mc:Choice Requires="p14">
       <p:transition spd="med" p14:dur="700">
         <p:fade/>
       </p:transition>
     </mc:Choice>
-    <mc:Fallback>
+    <mc:Fallback xmlns="">
       <p:transition spd="med">
         <p:fade/>
       </p:transition>
@@ -7972,20 +7973,20 @@
     </p:spTree>
     <p:extLst>
       <p:ext uri="{BB962C8B-B14F-4D97-AF65-F5344CB8AC3E}">
-        <p14:creationId xmlns="" xmlns:p14="http://schemas.microsoft.com/office/powerpoint/2010/main" val="447198579"/>
+        <p14:creationId xmlns:p14="http://schemas.microsoft.com/office/powerpoint/2010/main" val="447198579"/>
       </p:ext>
     </p:extLst>
   </p:cSld>
   <p:clrMapOvr>
     <a:masterClrMapping/>
   </p:clrMapOvr>
-  <mc:AlternateContent xmlns:mc="http://schemas.openxmlformats.org/markup-compatibility/2006">
-    <mc:Choice xmlns="" xmlns:p14="http://schemas.microsoft.com/office/powerpoint/2010/main" Requires="p14">
+  <mc:AlternateContent xmlns:mc="http://schemas.openxmlformats.org/markup-compatibility/2006" xmlns:p14="http://schemas.microsoft.com/office/powerpoint/2010/main">
+    <mc:Choice Requires="p14">
       <p:transition spd="med" p14:dur="700">
         <p:fade/>
       </p:transition>
     </mc:Choice>
-    <mc:Fallback>
+    <mc:Fallback xmlns="">
       <p:transition spd="med">
         <p:fade/>
       </p:transition>
@@ -8199,20 +8200,20 @@
     </p:spTree>
     <p:extLst>
       <p:ext uri="{BB962C8B-B14F-4D97-AF65-F5344CB8AC3E}">
-        <p14:creationId xmlns="" xmlns:p14="http://schemas.microsoft.com/office/powerpoint/2010/main" val="3000633228"/>
+        <p14:creationId xmlns:p14="http://schemas.microsoft.com/office/powerpoint/2010/main" val="3000633228"/>
       </p:ext>
     </p:extLst>
   </p:cSld>
   <p:clrMapOvr>
     <a:masterClrMapping/>
   </p:clrMapOvr>
-  <mc:AlternateContent xmlns:mc="http://schemas.openxmlformats.org/markup-compatibility/2006">
-    <mc:Choice xmlns="" xmlns:p14="http://schemas.microsoft.com/office/powerpoint/2010/main" Requires="p14">
+  <mc:AlternateContent xmlns:mc="http://schemas.openxmlformats.org/markup-compatibility/2006" xmlns:p14="http://schemas.microsoft.com/office/powerpoint/2010/main">
+    <mc:Choice Requires="p14">
       <p:transition spd="med" p14:dur="700">
         <p:fade/>
       </p:transition>
     </mc:Choice>
-    <mc:Fallback>
+    <mc:Fallback xmlns="">
       <p:transition spd="med">
         <p:fade/>
       </p:transition>
@@ -8436,20 +8437,20 @@
     </p:spTree>
     <p:extLst>
       <p:ext uri="{BB962C8B-B14F-4D97-AF65-F5344CB8AC3E}">
-        <p14:creationId xmlns="" xmlns:p14="http://schemas.microsoft.com/office/powerpoint/2010/main" val="1082700791"/>
+        <p14:creationId xmlns:p14="http://schemas.microsoft.com/office/powerpoint/2010/main" val="1082700791"/>
       </p:ext>
     </p:extLst>
   </p:cSld>
   <p:clrMapOvr>
     <a:masterClrMapping/>
   </p:clrMapOvr>
-  <mc:AlternateContent xmlns:mc="http://schemas.openxmlformats.org/markup-compatibility/2006">
-    <mc:Choice xmlns="" xmlns:p14="http://schemas.microsoft.com/office/powerpoint/2010/main" Requires="p14">
+  <mc:AlternateContent xmlns:mc="http://schemas.openxmlformats.org/markup-compatibility/2006" xmlns:p14="http://schemas.microsoft.com/office/powerpoint/2010/main">
+    <mc:Choice Requires="p14">
       <p:transition spd="med" p14:dur="700">
         <p:fade/>
       </p:transition>
     </mc:Choice>
-    <mc:Fallback>
+    <mc:Fallback xmlns="">
       <p:transition spd="med">
         <p:fade/>
       </p:transition>
@@ -11613,7 +11614,7 @@
     </p:spTree>
     <p:extLst>
       <p:ext uri="{BB962C8B-B14F-4D97-AF65-F5344CB8AC3E}">
-        <p14:creationId xmlns="" xmlns:p14="http://schemas.microsoft.com/office/powerpoint/2010/main" val="2937136900"/>
+        <p14:creationId xmlns:p14="http://schemas.microsoft.com/office/powerpoint/2010/main" val="2937136900"/>
       </p:ext>
     </p:extLst>
   </p:cSld>
@@ -11631,13 +11632,13 @@
     <p:sldLayoutId id="2147483790" r:id="rId10"/>
     <p:sldLayoutId id="2147483791" r:id="rId11"/>
   </p:sldLayoutIdLst>
-  <mc:AlternateContent xmlns:mc="http://schemas.openxmlformats.org/markup-compatibility/2006">
-    <mc:Choice xmlns="" xmlns:p14="http://schemas.microsoft.com/office/powerpoint/2010/main" Requires="p14">
+  <mc:AlternateContent xmlns:mc="http://schemas.openxmlformats.org/markup-compatibility/2006" xmlns:p14="http://schemas.microsoft.com/office/powerpoint/2010/main">
+    <mc:Choice Requires="p14">
       <p:transition spd="med" p14:dur="700">
         <p:fade/>
       </p:transition>
     </mc:Choice>
-    <mc:Fallback>
+    <mc:Fallback xmlns="">
       <p:transition spd="med">
         <p:fade/>
       </p:transition>
@@ -12671,20 +12672,20 @@
     </p:spTree>
     <p:extLst>
       <p:ext uri="{BB962C8B-B14F-4D97-AF65-F5344CB8AC3E}">
-        <p14:creationId xmlns="" xmlns:p14="http://schemas.microsoft.com/office/powerpoint/2010/main" val="2446117524"/>
+        <p14:creationId xmlns:p14="http://schemas.microsoft.com/office/powerpoint/2010/main" val="2446117524"/>
       </p:ext>
     </p:extLst>
   </p:cSld>
   <p:clrMapOvr>
     <a:masterClrMapping/>
   </p:clrMapOvr>
-  <mc:AlternateContent xmlns:mc="http://schemas.openxmlformats.org/markup-compatibility/2006">
-    <mc:Choice xmlns="" xmlns:p14="http://schemas.microsoft.com/office/powerpoint/2010/main" Requires="p14">
+  <mc:AlternateContent xmlns:mc="http://schemas.openxmlformats.org/markup-compatibility/2006" xmlns:p14="http://schemas.microsoft.com/office/powerpoint/2010/main">
+    <mc:Choice Requires="p14">
       <p:transition spd="med" p14:dur="700" advTm="9691">
         <p:fade/>
       </p:transition>
     </mc:Choice>
-    <mc:Fallback>
+    <mc:Fallback xmlns="">
       <p:transition spd="med" advTm="9691">
         <p:fade/>
       </p:transition>
@@ -12868,6 +12869,13 @@
   <p:clrMapOvr>
     <a:masterClrMapping/>
   </p:clrMapOvr>
+  <p:timing>
+    <p:tnLst>
+      <p:par>
+        <p:cTn id="1" dur="indefinite" restart="never" nodeType="tmRoot"/>
+      </p:par>
+    </p:tnLst>
+  </p:timing>
 </p:sld>
 </file>
 
@@ -13292,6 +13300,228 @@
       </p:grpSpPr>
       <p:sp>
         <p:nvSpPr>
+          <p:cNvPr id="2" name="标题 1"/>
+          <p:cNvSpPr>
+            <a:spLocks noGrp="1"/>
+          </p:cNvSpPr>
+          <p:nvPr>
+            <p:ph type="title"/>
+          </p:nvPr>
+        </p:nvSpPr>
+        <p:spPr/>
+        <p:txBody>
+          <a:bodyPr/>
+          <a:lstStyle/>
+          <a:p>
+            <a:r>
+              <a:rPr lang="en-US" altLang="zh-CN" dirty="0" smtClean="0"/>
+              <a:t>Conclusion</a:t>
+            </a:r>
+            <a:endParaRPr lang="zh-CN" altLang="en-US" dirty="0"/>
+          </a:p>
+        </p:txBody>
+      </p:sp>
+      <p:sp>
+        <p:nvSpPr>
+          <p:cNvPr id="3" name="内容占位符 2"/>
+          <p:cNvSpPr>
+            <a:spLocks noGrp="1"/>
+          </p:cNvSpPr>
+          <p:nvPr>
+            <p:ph idx="1"/>
+          </p:nvPr>
+        </p:nvSpPr>
+        <p:spPr/>
+        <p:txBody>
+          <a:bodyPr/>
+          <a:lstStyle/>
+          <a:p>
+            <a:pPr>
+              <a:spcAft>
+                <a:spcPts val="600"/>
+              </a:spcAft>
+            </a:pPr>
+            <a:r>
+              <a:rPr lang="en-US" altLang="zh-CN" dirty="0" smtClean="0"/>
+              <a:t>One symbolic execution represents a large class of normal executions. This can help program testing and debugging. </a:t>
+            </a:r>
+          </a:p>
+          <a:p>
+            <a:pPr>
+              <a:spcAft>
+                <a:spcPts val="600"/>
+              </a:spcAft>
+            </a:pPr>
+            <a:r>
+              <a:rPr lang="en-US" altLang="zh-CN" dirty="0" smtClean="0"/>
+              <a:t>The author built an interactive debugging system called </a:t>
+            </a:r>
+            <a:r>
+              <a:rPr lang="en-US" altLang="zh-CN" cap="small" dirty="0" smtClean="0"/>
+              <a:t>Effigy</a:t>
+            </a:r>
+            <a:r>
+              <a:rPr lang="en-US" altLang="zh-CN" dirty="0" smtClean="0"/>
+              <a:t>, which embodies symbolic execution.</a:t>
+            </a:r>
+          </a:p>
+          <a:p>
+            <a:pPr>
+              <a:spcAft>
+                <a:spcPts val="600"/>
+              </a:spcAft>
+            </a:pPr>
+            <a:r>
+              <a:rPr lang="en-US" altLang="zh-CN" dirty="0"/>
+              <a:t>Symbolic </a:t>
+            </a:r>
+            <a:r>
+              <a:rPr lang="en-US" altLang="zh-CN" dirty="0" smtClean="0"/>
+              <a:t>execution is also useful in other forms of program analysis.</a:t>
+            </a:r>
+            <a:endParaRPr lang="zh-CN" altLang="en-US" dirty="0"/>
+          </a:p>
+        </p:txBody>
+      </p:sp>
+      <p:sp>
+        <p:nvSpPr>
+          <p:cNvPr id="4" name="日期占位符 3"/>
+          <p:cNvSpPr>
+            <a:spLocks noGrp="1"/>
+          </p:cNvSpPr>
+          <p:nvPr>
+            <p:ph type="dt" sz="half" idx="10"/>
+          </p:nvPr>
+        </p:nvSpPr>
+        <p:spPr/>
+        <p:txBody>
+          <a:bodyPr/>
+          <a:lstStyle/>
+          <a:p>
+            <a:fld id="{FF88F899-FA6D-4737-879E-62DE3ED9162E}" type="datetime1">
+              <a:rPr kumimoji="1" lang="zh-CN" altLang="en-US" smtClean="0">
+                <a:solidFill>
+                  <a:prstClr val="black">
+                    <a:lumMod val="65000"/>
+                    <a:lumOff val="35000"/>
+                  </a:prstClr>
+                </a:solidFill>
+                <a:ea typeface="宋体"/>
+              </a:rPr>
+              <a:pPr/>
+              <a:t>2020/11/29</a:t>
+            </a:fld>
+            <a:endParaRPr kumimoji="1" lang="zh-CN" altLang="en-US">
+              <a:solidFill>
+                <a:prstClr val="black">
+                  <a:lumMod val="65000"/>
+                  <a:lumOff val="35000"/>
+                </a:prstClr>
+              </a:solidFill>
+              <a:ea typeface="宋体"/>
+            </a:endParaRPr>
+          </a:p>
+        </p:txBody>
+      </p:sp>
+      <p:sp>
+        <p:nvSpPr>
+          <p:cNvPr id="5" name="页脚占位符 4"/>
+          <p:cNvSpPr>
+            <a:spLocks noGrp="1"/>
+          </p:cNvSpPr>
+          <p:nvPr>
+            <p:ph type="ftr" sz="quarter" idx="11"/>
+          </p:nvPr>
+        </p:nvSpPr>
+        <p:spPr/>
+        <p:txBody>
+          <a:bodyPr/>
+          <a:lstStyle/>
+          <a:p>
+            <a:pPr defTabSz="457200"/>
+            <a:endParaRPr lang="zh-CN" altLang="en-US" dirty="0"/>
+          </a:p>
+        </p:txBody>
+      </p:sp>
+      <p:sp>
+        <p:nvSpPr>
+          <p:cNvPr id="6" name="灯片编号占位符 5"/>
+          <p:cNvSpPr>
+            <a:spLocks noGrp="1"/>
+          </p:cNvSpPr>
+          <p:nvPr>
+            <p:ph type="sldNum" sz="quarter" idx="12"/>
+          </p:nvPr>
+        </p:nvSpPr>
+        <p:spPr/>
+        <p:txBody>
+          <a:bodyPr/>
+          <a:lstStyle/>
+          <a:p>
+            <a:fld id="{71F1F346-3964-904C-8DB0-057A2D699FB9}" type="slidenum">
+              <a:rPr kumimoji="1" lang="zh-CN" altLang="en-US" smtClean="0">
+                <a:solidFill>
+                  <a:prstClr val="black">
+                    <a:lumMod val="65000"/>
+                    <a:lumOff val="35000"/>
+                  </a:prstClr>
+                </a:solidFill>
+                <a:ea typeface="宋体"/>
+              </a:rPr>
+              <a:pPr/>
+              <a:t>13</a:t>
+            </a:fld>
+            <a:endParaRPr kumimoji="1" lang="zh-CN" altLang="en-US">
+              <a:solidFill>
+                <a:prstClr val="black">
+                  <a:lumMod val="65000"/>
+                  <a:lumOff val="35000"/>
+                </a:prstClr>
+              </a:solidFill>
+              <a:ea typeface="宋体"/>
+            </a:endParaRPr>
+          </a:p>
+        </p:txBody>
+      </p:sp>
+    </p:spTree>
+    <p:extLst>
+      <p:ext uri="{BB962C8B-B14F-4D97-AF65-F5344CB8AC3E}">
+        <p14:creationId xmlns:p14="http://schemas.microsoft.com/office/powerpoint/2010/main" val="137591514"/>
+      </p:ext>
+    </p:extLst>
+  </p:cSld>
+  <p:clrMapOvr>
+    <a:masterClrMapping/>
+  </p:clrMapOvr>
+  <p:timing>
+    <p:tnLst>
+      <p:par>
+        <p:cTn id="1" dur="indefinite" restart="never" nodeType="tmRoot"/>
+      </p:par>
+    </p:tnLst>
+  </p:timing>
+</p:sld>
+</file>
+
+<file path=ppt/slides/slide14.xml><?xml version="1.0" encoding="utf-8"?>
+<p:sld xmlns:a="http://schemas.openxmlformats.org/drawingml/2006/main" xmlns:r="http://schemas.openxmlformats.org/officeDocument/2006/relationships" xmlns:p="http://schemas.openxmlformats.org/presentationml/2006/main">
+  <p:cSld>
+    <p:spTree>
+      <p:nvGrpSpPr>
+        <p:cNvPr id="1" name=""/>
+        <p:cNvGrpSpPr/>
+        <p:nvPr/>
+      </p:nvGrpSpPr>
+      <p:grpSpPr>
+        <a:xfrm>
+          <a:off x="0" y="0"/>
+          <a:ext cx="0" cy="0"/>
+          <a:chOff x="0" y="0"/>
+          <a:chExt cx="0" cy="0"/>
+        </a:xfrm>
+      </p:grpSpPr>
+      <p:sp>
+        <p:nvSpPr>
           <p:cNvPr id="2" name="内容占位符 1"/>
           <p:cNvSpPr>
             <a:spLocks noGrp="1"/>
@@ -13302,7 +13532,7 @@
         </p:nvSpPr>
         <p:spPr>
           <a:xfrm>
-            <a:off x="1403648" y="2564904"/>
+            <a:off x="1403648" y="1844824"/>
             <a:ext cx="6316657" cy="2297011"/>
           </a:xfrm>
         </p:spPr>
@@ -13319,30 +13549,56 @@
               <a:buNone/>
             </a:pPr>
             <a:r>
-              <a:rPr lang="en-US" altLang="zh-CN" sz="4800" b="1" dirty="0" smtClean="0">
-                <a:latin typeface="黑体" panose="02010609060101010101" pitchFamily="49" charset="-122"/>
-                <a:cs typeface="+mj-cs"/>
+              <a:rPr lang="en-US" altLang="zh-CN" sz="5400" b="1" dirty="0" smtClean="0">
+                <a:latin typeface="Times New Roman" panose="02020603050405020304" pitchFamily="18" charset="0"/>
+                <a:cs typeface="Times New Roman" panose="02020603050405020304" pitchFamily="18" charset="0"/>
               </a:rPr>
-              <a:t>Thank you</a:t>
+              <a:t>Thank </a:t>
             </a:r>
+            <a:r>
+              <a:rPr lang="en-US" altLang="zh-CN" sz="5400" b="1" dirty="0" smtClean="0">
+                <a:latin typeface="Times New Roman" panose="02020603050405020304" pitchFamily="18" charset="0"/>
+                <a:cs typeface="Times New Roman" panose="02020603050405020304" pitchFamily="18" charset="0"/>
+              </a:rPr>
+              <a:t>you</a:t>
+            </a:r>
+          </a:p>
+          <a:p>
+            <a:pPr marL="109728" indent="0" algn="ctr">
+              <a:lnSpc>
+                <a:spcPct val="150000"/>
+              </a:lnSpc>
+              <a:buNone/>
+            </a:pPr>
+            <a:r>
+              <a:rPr lang="en-US" altLang="zh-CN" sz="5400" b="1" dirty="0" smtClean="0">
+                <a:latin typeface="Times New Roman" panose="02020603050405020304" pitchFamily="18" charset="0"/>
+                <a:cs typeface="Times New Roman" panose="02020603050405020304" pitchFamily="18" charset="0"/>
+              </a:rPr>
+              <a:t>Q &amp; A</a:t>
+            </a:r>
+            <a:endParaRPr lang="en-US" altLang="zh-CN" sz="5400" b="1" dirty="0" smtClean="0">
+              <a:latin typeface="Times New Roman" panose="02020603050405020304" pitchFamily="18" charset="0"/>
+              <a:cs typeface="Times New Roman" panose="02020603050405020304" pitchFamily="18" charset="0"/>
+            </a:endParaRPr>
           </a:p>
         </p:txBody>
       </p:sp>
     </p:spTree>
     <p:extLst>
       <p:ext uri="{BB962C8B-B14F-4D97-AF65-F5344CB8AC3E}">
-        <p14:creationId xmlns="" xmlns:p14="http://schemas.microsoft.com/office/powerpoint/2010/main" val="1912946656"/>
+        <p14:creationId xmlns:p14="http://schemas.microsoft.com/office/powerpoint/2010/main" val="1912946656"/>
       </p:ext>
     </p:extLst>
   </p:cSld>
   <p:clrMapOvr>
     <a:masterClrMapping/>
   </p:clrMapOvr>
-  <mc:AlternateContent xmlns:mc="http://schemas.openxmlformats.org/markup-compatibility/2006">
-    <mc:Choice xmlns="" xmlns:p14="http://schemas.microsoft.com/office/powerpoint/2010/main" Requires="p14">
+  <mc:AlternateContent xmlns:mc="http://schemas.openxmlformats.org/markup-compatibility/2006" xmlns:p14="http://schemas.microsoft.com/office/powerpoint/2010/main">
+    <mc:Choice Requires="p14">
       <p:transition spd="slow" p14:dur="2000" advTm="1792"/>
     </mc:Choice>
-    <mc:Fallback>
+    <mc:Fallback xmlns="">
       <p:transition spd="slow" advTm="1792"/>
     </mc:Fallback>
   </mc:AlternateContent>
@@ -13640,7 +13896,7 @@
           <a:blip r:embed="rId6" cstate="print">
             <a:extLst>
               <a:ext uri="{28A0092B-C50C-407E-A947-70E740481C1C}">
-                <a14:useLocalDpi xmlns="" xmlns:a14="http://schemas.microsoft.com/office/drawing/2010/main" val="0"/>
+                <a14:useLocalDpi xmlns:a14="http://schemas.microsoft.com/office/drawing/2010/main" val="0"/>
               </a:ext>
             </a:extLst>
           </a:blip>
@@ -13660,7 +13916,7 @@
           <a:noFill/>
           <a:extLst>
             <a:ext uri="{909E8E84-426E-40DD-AFC4-6F175D3DCCD1}">
-              <a14:hiddenFill xmlns="" xmlns:a14="http://schemas.microsoft.com/office/drawing/2010/main">
+              <a14:hiddenFill xmlns:a14="http://schemas.microsoft.com/office/drawing/2010/main">
                 <a:solidFill>
                   <a:srgbClr val="FFFFFF"/>
                 </a:solidFill>
@@ -13681,7 +13937,7 @@
           <a:blip r:embed="rId7" cstate="print">
             <a:extLst>
               <a:ext uri="{28A0092B-C50C-407E-A947-70E740481C1C}">
-                <a14:useLocalDpi xmlns="" xmlns:a14="http://schemas.microsoft.com/office/drawing/2010/main" val="0"/>
+                <a14:useLocalDpi xmlns:a14="http://schemas.microsoft.com/office/drawing/2010/main" val="0"/>
               </a:ext>
             </a:extLst>
           </a:blip>
@@ -13701,7 +13957,7 @@
           <a:noFill/>
           <a:extLst>
             <a:ext uri="{909E8E84-426E-40DD-AFC4-6F175D3DCCD1}">
-              <a14:hiddenFill xmlns="" xmlns:a14="http://schemas.microsoft.com/office/drawing/2010/main">
+              <a14:hiddenFill xmlns:a14="http://schemas.microsoft.com/office/drawing/2010/main">
                 <a:solidFill>
                   <a:srgbClr val="FFFFFF"/>
                 </a:solidFill>
@@ -13802,7 +14058,7 @@
           <a:blip r:embed="rId8" cstate="print">
             <a:extLst>
               <a:ext uri="{28A0092B-C50C-407E-A947-70E740481C1C}">
-                <a14:useLocalDpi xmlns="" xmlns:a14="http://schemas.microsoft.com/office/drawing/2010/main" val="0"/>
+                <a14:useLocalDpi xmlns:a14="http://schemas.microsoft.com/office/drawing/2010/main" val="0"/>
               </a:ext>
             </a:extLst>
           </a:blip>
@@ -13822,7 +14078,7 @@
           <a:noFill/>
           <a:extLst>
             <a:ext uri="{909E8E84-426E-40DD-AFC4-6F175D3DCCD1}">
-              <a14:hiddenFill xmlns="" xmlns:a14="http://schemas.microsoft.com/office/drawing/2010/main">
+              <a14:hiddenFill xmlns:a14="http://schemas.microsoft.com/office/drawing/2010/main">
                 <a:solidFill>
                   <a:srgbClr val="FFFFFF"/>
                 </a:solidFill>
@@ -13914,7 +14170,7 @@
     </p:spTree>
     <p:extLst>
       <p:ext uri="{BB962C8B-B14F-4D97-AF65-F5344CB8AC3E}">
-        <p14:creationId xmlns="" xmlns:p14="http://schemas.microsoft.com/office/powerpoint/2010/main" val="2758785605"/>
+        <p14:creationId xmlns:p14="http://schemas.microsoft.com/office/powerpoint/2010/main" val="2758785605"/>
       </p:ext>
     </p:extLst>
   </p:cSld>
@@ -14651,7 +14907,7 @@
     </p:spTree>
     <p:extLst>
       <p:ext uri="{BB962C8B-B14F-4D97-AF65-F5344CB8AC3E}">
-        <p14:creationId xmlns="" xmlns:p14="http://schemas.microsoft.com/office/powerpoint/2010/main" val="242703108"/>
+        <p14:creationId xmlns:p14="http://schemas.microsoft.com/office/powerpoint/2010/main" val="242703108"/>
       </p:ext>
     </p:extLst>
   </p:cSld>
@@ -15070,7 +15326,7 @@
     </p:spTree>
     <p:extLst>
       <p:ext uri="{BB962C8B-B14F-4D97-AF65-F5344CB8AC3E}">
-        <p14:creationId xmlns="" xmlns:p14="http://schemas.microsoft.com/office/powerpoint/2010/main" val="11622534"/>
+        <p14:creationId xmlns:p14="http://schemas.microsoft.com/office/powerpoint/2010/main" val="11622534"/>
       </p:ext>
     </p:extLst>
   </p:cSld>
@@ -15584,7 +15840,7 @@
     </p:spTree>
     <p:extLst>
       <p:ext uri="{BB962C8B-B14F-4D97-AF65-F5344CB8AC3E}">
-        <p14:creationId xmlns="" xmlns:p14="http://schemas.microsoft.com/office/powerpoint/2010/main" val="2204431392"/>
+        <p14:creationId xmlns:p14="http://schemas.microsoft.com/office/powerpoint/2010/main" val="2204431392"/>
       </p:ext>
     </p:extLst>
   </p:cSld>
@@ -15952,7 +16208,7 @@
     </p:spTree>
     <p:extLst>
       <p:ext uri="{BB962C8B-B14F-4D97-AF65-F5344CB8AC3E}">
-        <p14:creationId xmlns="" xmlns:p14="http://schemas.microsoft.com/office/powerpoint/2010/main" val="2166599487"/>
+        <p14:creationId xmlns:p14="http://schemas.microsoft.com/office/powerpoint/2010/main" val="2166599487"/>
       </p:ext>
     </p:extLst>
   </p:cSld>
@@ -16116,7 +16372,7 @@
           <p:nvPr>
             <p:extLst>
               <p:ext uri="{D42A27DB-BD31-4B8C-83A1-F6EECF244321}">
-                <p14:modId xmlns="" xmlns:p14="http://schemas.microsoft.com/office/powerpoint/2010/main" val="4252105673"/>
+                <p14:modId xmlns:p14="http://schemas.microsoft.com/office/powerpoint/2010/main" val="4252105673"/>
               </p:ext>
             </p:extLst>
           </p:nvPr>
@@ -16134,7 +16390,7 @@
     </p:spTree>
     <p:extLst>
       <p:ext uri="{BB962C8B-B14F-4D97-AF65-F5344CB8AC3E}">
-        <p14:creationId xmlns="" xmlns:p14="http://schemas.microsoft.com/office/powerpoint/2010/main" val="1508707415"/>
+        <p14:creationId xmlns:p14="http://schemas.microsoft.com/office/powerpoint/2010/main" val="1508707415"/>
       </p:ext>
     </p:extLst>
   </p:cSld>
@@ -24660,7 +24916,7 @@
   <a:extraClrSchemeLst/>
   <a:extLst>
     <a:ext uri="{05A4C25C-085E-4340-85A3-A5531E510DB2}">
-      <thm15:themeFamily xmlns="" xmlns:thm15="http://schemas.microsoft.com/office/thememl/2012/main" name="mopec-2" id="{442E6DD8-1CC8-4C4A-8647-4236B82D6D6F}" vid="{4E193ED8-E17B-496B-9396-AD9A068E6CE7}"/>
+      <thm15:themeFamily xmlns:thm15="http://schemas.microsoft.com/office/thememl/2012/main" name="mopec-2" id="{442E6DD8-1CC8-4C4A-8647-4236B82D6D6F}" vid="{4E193ED8-E17B-496B-9396-AD9A068E6CE7}"/>
     </a:ext>
   </a:extLst>
 </a:theme>

--- a/Symbolic_execution.pptx
+++ b/Symbolic_execution.pptx
@@ -6,26 +6,31 @@
     <p:sldMasterId id="2147483780" r:id="rId2"/>
   </p:sldMasterIdLst>
   <p:notesMasterIdLst>
-    <p:notesMasterId r:id="rId17"/>
+    <p:notesMasterId r:id="rId22"/>
   </p:notesMasterIdLst>
   <p:handoutMasterIdLst>
-    <p:handoutMasterId r:id="rId18"/>
+    <p:handoutMasterId r:id="rId23"/>
   </p:handoutMasterIdLst>
   <p:sldIdLst>
     <p:sldId id="554" r:id="rId3"/>
     <p:sldId id="561" r:id="rId4"/>
     <p:sldId id="562" r:id="rId5"/>
     <p:sldId id="557" r:id="rId6"/>
-    <p:sldId id="558" r:id="rId7"/>
-    <p:sldId id="559" r:id="rId8"/>
+    <p:sldId id="559" r:id="rId7"/>
+    <p:sldId id="558" r:id="rId8"/>
     <p:sldId id="560" r:id="rId9"/>
     <p:sldId id="563" r:id="rId10"/>
     <p:sldId id="566" r:id="rId11"/>
     <p:sldId id="565" r:id="rId12"/>
     <p:sldId id="564" r:id="rId13"/>
     <p:sldId id="567" r:id="rId14"/>
-    <p:sldId id="568" r:id="rId15"/>
-    <p:sldId id="556" r:id="rId16"/>
+    <p:sldId id="569" r:id="rId15"/>
+    <p:sldId id="571" r:id="rId16"/>
+    <p:sldId id="573" r:id="rId17"/>
+    <p:sldId id="568" r:id="rId18"/>
+    <p:sldId id="556" r:id="rId19"/>
+    <p:sldId id="570" r:id="rId20"/>
+    <p:sldId id="572" r:id="rId21"/>
   </p:sldIdLst>
   <p:sldSz cx="9144000" cy="6858000" type="screen4x3"/>
   <p:notesSz cx="6797675" cy="9928225"/>
@@ -126,7 +131,7 @@
   </p:defaultTextStyle>
   <p:extLst>
     <p:ext uri="{EFAFB233-063F-42B5-8137-9DF3F51BA10A}">
-      <p15:sldGuideLst xmlns:p15="http://schemas.microsoft.com/office/powerpoint/2012/main">
+      <p15:sldGuideLst xmlns:p15="http://schemas.microsoft.com/office/powerpoint/2012/main" xmlns="">
         <p15:guide id="1" orient="horz" pos="2160">
           <p15:clr>
             <a:srgbClr val="A4A3A4"/>
@@ -140,7 +145,7 @@
       </p15:sldGuideLst>
     </p:ext>
     <p:ext uri="{2D200454-40CA-4A62-9FC3-DE9A4176ACB9}">
-      <p15:notesGuideLst xmlns:p15="http://schemas.microsoft.com/office/powerpoint/2012/main"/>
+      <p15:notesGuideLst xmlns:p15="http://schemas.microsoft.com/office/powerpoint/2012/main" xmlns=""/>
     </p:ext>
   </p:extLst>
 </p:presentation>
@@ -1337,23 +1342,23 @@
     </dgm:pt>
   </dgm:ptLst>
   <dgm:cxnLst>
+    <dgm:cxn modelId="{9C3AD6D8-20BB-432E-8677-F1B302872B0E}" type="presOf" srcId="{F023FB2D-615F-49FB-B932-A835539B633A}" destId="{65D123C8-C28A-43FC-A1D1-EC1A1AAA1D0D}" srcOrd="0" destOrd="2" presId="urn:microsoft.com/office/officeart/2005/8/layout/arrow4"/>
     <dgm:cxn modelId="{2DA33D83-A486-4DBF-AAD4-027FE6428D8C}" type="presOf" srcId="{9500F054-E821-4CE4-A78F-163684229BEF}" destId="{65D123C8-C28A-43FC-A1D1-EC1A1AAA1D0D}" srcOrd="0" destOrd="1" presId="urn:microsoft.com/office/officeart/2005/8/layout/arrow4"/>
+    <dgm:cxn modelId="{64364F7E-2B30-4537-A41E-EB65227FEBE0}" srcId="{C613176E-2E07-4982-AE61-58047C88A5E0}" destId="{3776A631-3A5C-4A45-AAA1-9A83DB9BB2B4}" srcOrd="0" destOrd="0" parTransId="{37169DBE-07E0-40F0-8E8B-6BE5C9000CD6}" sibTransId="{1C61A887-F32A-4DB6-9CB7-E9105CF133EE}"/>
+    <dgm:cxn modelId="{8F1A1E50-BBF0-464D-811A-982C2CAE586C}" srcId="{3776A631-3A5C-4A45-AAA1-9A83DB9BB2B4}" destId="{24E5BDE8-7AD9-4252-B145-1D56807EB9A4}" srcOrd="1" destOrd="0" parTransId="{8F06EAF3-9191-46BD-981D-F07244E13DF0}" sibTransId="{1D3B26D8-8EBD-49D2-B20B-F604159AC195}"/>
+    <dgm:cxn modelId="{7BBEAA23-584D-4A1C-8311-C0E9E6CBA3A7}" type="presOf" srcId="{FAA59F73-6FA0-49D5-8348-D14E1B279350}" destId="{D0B9CC40-12C0-4884-9089-BF414A745106}" srcOrd="0" destOrd="3" presId="urn:microsoft.com/office/officeart/2005/8/layout/arrow4"/>
+    <dgm:cxn modelId="{BE71F4C1-1B07-443B-A5B3-2C137FF4CFA0}" type="presOf" srcId="{1A65B431-B0C5-475B-AACB-EE64CDB5542D}" destId="{65D123C8-C28A-43FC-A1D1-EC1A1AAA1D0D}" srcOrd="0" destOrd="0" presId="urn:microsoft.com/office/officeart/2005/8/layout/arrow4"/>
+    <dgm:cxn modelId="{A4834247-60D1-4B44-88FF-503376569106}" type="presOf" srcId="{AB150DB6-D2F2-4EF8-BD47-A1DE4EA9EAC7}" destId="{65D123C8-C28A-43FC-A1D1-EC1A1AAA1D0D}" srcOrd="0" destOrd="3" presId="urn:microsoft.com/office/officeart/2005/8/layout/arrow4"/>
+    <dgm:cxn modelId="{9E12A3B4-70C7-4EB8-B3B8-851C759F4C27}" srcId="{1A65B431-B0C5-475B-AACB-EE64CDB5542D}" destId="{9500F054-E821-4CE4-A78F-163684229BEF}" srcOrd="0" destOrd="0" parTransId="{F66A73F2-4553-4D56-967B-58A32857A51B}" sibTransId="{CB5FA6AF-1507-4ED6-88F9-6ED52D974ACA}"/>
+    <dgm:cxn modelId="{2CB4332C-506A-4A72-9E0B-2366C269D619}" srcId="{C613176E-2E07-4982-AE61-58047C88A5E0}" destId="{1A65B431-B0C5-475B-AACB-EE64CDB5542D}" srcOrd="1" destOrd="0" parTransId="{CFD36D27-6F9B-49FF-99D7-7DD05A0F3D83}" sibTransId="{9F15F78E-CFEB-4BD5-AE3C-CF1E170551E9}"/>
     <dgm:cxn modelId="{60C8BBD6-F960-4FEF-BF82-068C183722CA}" type="presOf" srcId="{3776A631-3A5C-4A45-AAA1-9A83DB9BB2B4}" destId="{D0B9CC40-12C0-4884-9089-BF414A745106}" srcOrd="0" destOrd="0" presId="urn:microsoft.com/office/officeart/2005/8/layout/arrow4"/>
+    <dgm:cxn modelId="{C7BBCB7E-7826-42D0-839D-07C845CAD9F3}" type="presOf" srcId="{7DC5BBA1-86D5-4E4E-9561-2161DF6F0C50}" destId="{D0B9CC40-12C0-4884-9089-BF414A745106}" srcOrd="0" destOrd="1" presId="urn:microsoft.com/office/officeart/2005/8/layout/arrow4"/>
     <dgm:cxn modelId="{75179168-990B-4374-B908-5B3E2EE90FF2}" srcId="{3776A631-3A5C-4A45-AAA1-9A83DB9BB2B4}" destId="{7DC5BBA1-86D5-4E4E-9561-2161DF6F0C50}" srcOrd="0" destOrd="0" parTransId="{93B6163C-037E-45AE-8479-BAEE85E7E82B}" sibTransId="{DB7AA6EA-FAA9-4CE8-8F75-DB00225B99ED}"/>
+    <dgm:cxn modelId="{4B8B0CE1-B669-4226-9D35-60E76A01C7BF}" type="presOf" srcId="{24E5BDE8-7AD9-4252-B145-1D56807EB9A4}" destId="{D0B9CC40-12C0-4884-9089-BF414A745106}" srcOrd="0" destOrd="2" presId="urn:microsoft.com/office/officeart/2005/8/layout/arrow4"/>
+    <dgm:cxn modelId="{F45D9E64-B6B5-4FCE-8F7D-9355626CBEEB}" srcId="{1A65B431-B0C5-475B-AACB-EE64CDB5542D}" destId="{AB150DB6-D2F2-4EF8-BD47-A1DE4EA9EAC7}" srcOrd="2" destOrd="0" parTransId="{D632890A-DFEB-4F2F-B9E4-C2C0177B3A32}" sibTransId="{4F8154F9-CBA6-441C-AE49-ECE3A500577C}"/>
     <dgm:cxn modelId="{150A3DA9-7B4E-4F13-B2E2-0CE320C795FB}" type="presOf" srcId="{C613176E-2E07-4982-AE61-58047C88A5E0}" destId="{F9200D61-E392-48B8-B25E-28C9E78F45C8}" srcOrd="0" destOrd="0" presId="urn:microsoft.com/office/officeart/2005/8/layout/arrow4"/>
     <dgm:cxn modelId="{0C001998-8F3B-49F5-8BC4-CA67A830B774}" srcId="{3776A631-3A5C-4A45-AAA1-9A83DB9BB2B4}" destId="{FAA59F73-6FA0-49D5-8348-D14E1B279350}" srcOrd="2" destOrd="0" parTransId="{70769DCF-F5D8-4663-8B5D-9320981ED2B5}" sibTransId="{BE0C9C65-B01A-4FED-B942-1B5AFB142579}"/>
-    <dgm:cxn modelId="{2CB4332C-506A-4A72-9E0B-2366C269D619}" srcId="{C613176E-2E07-4982-AE61-58047C88A5E0}" destId="{1A65B431-B0C5-475B-AACB-EE64CDB5542D}" srcOrd="1" destOrd="0" parTransId="{CFD36D27-6F9B-49FF-99D7-7DD05A0F3D83}" sibTransId="{9F15F78E-CFEB-4BD5-AE3C-CF1E170551E9}"/>
-    <dgm:cxn modelId="{F45D9E64-B6B5-4FCE-8F7D-9355626CBEEB}" srcId="{1A65B431-B0C5-475B-AACB-EE64CDB5542D}" destId="{AB150DB6-D2F2-4EF8-BD47-A1DE4EA9EAC7}" srcOrd="2" destOrd="0" parTransId="{D632890A-DFEB-4F2F-B9E4-C2C0177B3A32}" sibTransId="{4F8154F9-CBA6-441C-AE49-ECE3A500577C}"/>
-    <dgm:cxn modelId="{A4834247-60D1-4B44-88FF-503376569106}" type="presOf" srcId="{AB150DB6-D2F2-4EF8-BD47-A1DE4EA9EAC7}" destId="{65D123C8-C28A-43FC-A1D1-EC1A1AAA1D0D}" srcOrd="0" destOrd="3" presId="urn:microsoft.com/office/officeart/2005/8/layout/arrow4"/>
-    <dgm:cxn modelId="{8F1A1E50-BBF0-464D-811A-982C2CAE586C}" srcId="{3776A631-3A5C-4A45-AAA1-9A83DB9BB2B4}" destId="{24E5BDE8-7AD9-4252-B145-1D56807EB9A4}" srcOrd="1" destOrd="0" parTransId="{8F06EAF3-9191-46BD-981D-F07244E13DF0}" sibTransId="{1D3B26D8-8EBD-49D2-B20B-F604159AC195}"/>
-    <dgm:cxn modelId="{BE71F4C1-1B07-443B-A5B3-2C137FF4CFA0}" type="presOf" srcId="{1A65B431-B0C5-475B-AACB-EE64CDB5542D}" destId="{65D123C8-C28A-43FC-A1D1-EC1A1AAA1D0D}" srcOrd="0" destOrd="0" presId="urn:microsoft.com/office/officeart/2005/8/layout/arrow4"/>
-    <dgm:cxn modelId="{9C3AD6D8-20BB-432E-8677-F1B302872B0E}" type="presOf" srcId="{F023FB2D-615F-49FB-B932-A835539B633A}" destId="{65D123C8-C28A-43FC-A1D1-EC1A1AAA1D0D}" srcOrd="0" destOrd="2" presId="urn:microsoft.com/office/officeart/2005/8/layout/arrow4"/>
     <dgm:cxn modelId="{4B65A473-4FBC-492E-9E55-A78F054735B8}" srcId="{1A65B431-B0C5-475B-AACB-EE64CDB5542D}" destId="{F023FB2D-615F-49FB-B932-A835539B633A}" srcOrd="1" destOrd="0" parTransId="{84B950E6-F17C-424D-B81D-E741E2F979B4}" sibTransId="{C02F31EC-CAE8-4139-8E0C-B42D3B042F9A}"/>
-    <dgm:cxn modelId="{4B8B0CE1-B669-4226-9D35-60E76A01C7BF}" type="presOf" srcId="{24E5BDE8-7AD9-4252-B145-1D56807EB9A4}" destId="{D0B9CC40-12C0-4884-9089-BF414A745106}" srcOrd="0" destOrd="2" presId="urn:microsoft.com/office/officeart/2005/8/layout/arrow4"/>
-    <dgm:cxn modelId="{64364F7E-2B30-4537-A41E-EB65227FEBE0}" srcId="{C613176E-2E07-4982-AE61-58047C88A5E0}" destId="{3776A631-3A5C-4A45-AAA1-9A83DB9BB2B4}" srcOrd="0" destOrd="0" parTransId="{37169DBE-07E0-40F0-8E8B-6BE5C9000CD6}" sibTransId="{1C61A887-F32A-4DB6-9CB7-E9105CF133EE}"/>
-    <dgm:cxn modelId="{7BBEAA23-584D-4A1C-8311-C0E9E6CBA3A7}" type="presOf" srcId="{FAA59F73-6FA0-49D5-8348-D14E1B279350}" destId="{D0B9CC40-12C0-4884-9089-BF414A745106}" srcOrd="0" destOrd="3" presId="urn:microsoft.com/office/officeart/2005/8/layout/arrow4"/>
-    <dgm:cxn modelId="{C7BBCB7E-7826-42D0-839D-07C845CAD9F3}" type="presOf" srcId="{7DC5BBA1-86D5-4E4E-9561-2161DF6F0C50}" destId="{D0B9CC40-12C0-4884-9089-BF414A745106}" srcOrd="0" destOrd="1" presId="urn:microsoft.com/office/officeart/2005/8/layout/arrow4"/>
-    <dgm:cxn modelId="{9E12A3B4-70C7-4EB8-B3B8-851C759F4C27}" srcId="{1A65B431-B0C5-475B-AACB-EE64CDB5542D}" destId="{9500F054-E821-4CE4-A78F-163684229BEF}" srcOrd="0" destOrd="0" parTransId="{F66A73F2-4553-4D56-967B-58A32857A51B}" sibTransId="{CB5FA6AF-1507-4ED6-88F9-6ED52D974ACA}"/>
     <dgm:cxn modelId="{1B9C6B89-09D9-45A4-B7CA-EEB574021257}" type="presParOf" srcId="{F9200D61-E392-48B8-B25E-28C9E78F45C8}" destId="{DCAFE75F-3180-4597-942E-BBE60505CA2C}" srcOrd="0" destOrd="0" presId="urn:microsoft.com/office/officeart/2005/8/layout/arrow4"/>
     <dgm:cxn modelId="{64211888-5F80-448A-8395-C487D4D74864}" type="presParOf" srcId="{F9200D61-E392-48B8-B25E-28C9E78F45C8}" destId="{D0B9CC40-12C0-4884-9089-BF414A745106}" srcOrd="1" destOrd="0" presId="urn:microsoft.com/office/officeart/2005/8/layout/arrow4"/>
     <dgm:cxn modelId="{7C3B499B-334B-490A-8F7B-42629EF55049}" type="presParOf" srcId="{F9200D61-E392-48B8-B25E-28C9E78F45C8}" destId="{4BAE9C4C-C067-4ACA-90F8-43824D4833A2}" srcOrd="2" destOrd="0" presId="urn:microsoft.com/office/officeart/2005/8/layout/arrow4"/>
@@ -1363,14 +1368,14 @@
   <dgm:whole/>
   <dgm:extLst>
     <a:ext uri="http://schemas.microsoft.com/office/drawing/2008/diagram">
-      <dsp:dataModelExt xmlns:dsp="http://schemas.microsoft.com/office/drawing/2008/diagram" relId="rId6" minVer="http://schemas.openxmlformats.org/drawingml/2006/diagram"/>
+      <dsp:dataModelExt xmlns:dsp="http://schemas.microsoft.com/office/drawing/2008/diagram" xmlns="" relId="rId6" minVer="http://schemas.openxmlformats.org/drawingml/2006/diagram"/>
     </a:ext>
   </dgm:extLst>
 </dgm:dataModel>
 </file>
 
 <file path=ppt/diagrams/drawing1.xml><?xml version="1.0" encoding="utf-8"?>
-<dsp:drawing xmlns:dgm="http://schemas.openxmlformats.org/drawingml/2006/diagram" xmlns:dsp="http://schemas.microsoft.com/office/drawing/2008/diagram" xmlns:a="http://schemas.openxmlformats.org/drawingml/2006/main">
+<dsp:drawing xmlns:dgm="http://schemas.openxmlformats.org/drawingml/2006/diagram" xmlns:a="http://schemas.openxmlformats.org/drawingml/2006/main" xmlns:dsp="http://schemas.microsoft.com/office/drawing/2008/diagram">
   <dsp:spTree>
     <dsp:nvGrpSpPr>
       <dsp:cNvPr id="0" name=""/>
@@ -3227,7 +3232,7 @@
     </p:spTree>
     <p:extLst>
       <p:ext uri="{BB962C8B-B14F-4D97-AF65-F5344CB8AC3E}">
-        <p14:creationId xmlns:p14="http://schemas.microsoft.com/office/powerpoint/2010/main" val="3491659132"/>
+        <p14:creationId xmlns:p14="http://schemas.microsoft.com/office/powerpoint/2010/main" xmlns="" val="3491659132"/>
       </p:ext>
     </p:extLst>
   </p:cSld>
@@ -3487,7 +3492,7 @@
     </p:spTree>
     <p:extLst>
       <p:ext uri="{BB962C8B-B14F-4D97-AF65-F5344CB8AC3E}">
-        <p14:creationId xmlns:p14="http://schemas.microsoft.com/office/powerpoint/2010/main" val="42825475"/>
+        <p14:creationId xmlns:p14="http://schemas.microsoft.com/office/powerpoint/2010/main" xmlns="" val="42825475"/>
       </p:ext>
     </p:extLst>
   </p:cSld>
@@ -3684,7 +3689,7 @@
     </p:spTree>
     <p:extLst>
       <p:ext uri="{BB962C8B-B14F-4D97-AF65-F5344CB8AC3E}">
-        <p14:creationId xmlns:p14="http://schemas.microsoft.com/office/powerpoint/2010/main" val="3867849981"/>
+        <p14:creationId xmlns:p14="http://schemas.microsoft.com/office/powerpoint/2010/main" xmlns="" val="3867849981"/>
       </p:ext>
     </p:extLst>
   </p:cSld>
@@ -3773,7 +3778,7 @@
     </p:spTree>
     <p:extLst>
       <p:ext uri="{BB962C8B-B14F-4D97-AF65-F5344CB8AC3E}">
-        <p14:creationId xmlns:p14="http://schemas.microsoft.com/office/powerpoint/2010/main" val="3675417392"/>
+        <p14:creationId xmlns:p14="http://schemas.microsoft.com/office/powerpoint/2010/main" xmlns="" val="3675417392"/>
       </p:ext>
     </p:extLst>
   </p:cSld>
@@ -3849,7 +3854,7 @@
             <a:fld id="{0FE05C2F-C2D0-41D0-B081-206A7C6C3DAB}" type="slidenum">
               <a:rPr lang="zh-CN" altLang="en-US" smtClean="0"/>
               <a:pPr/>
-              <a:t>14</a:t>
+              <a:t>17</a:t>
             </a:fld>
             <a:endParaRPr lang="zh-CN" altLang="en-US"/>
           </a:p>
@@ -3858,7 +3863,7 @@
     </p:spTree>
     <p:extLst>
       <p:ext uri="{BB962C8B-B14F-4D97-AF65-F5344CB8AC3E}">
-        <p14:creationId xmlns:p14="http://schemas.microsoft.com/office/powerpoint/2010/main" val="1804488959"/>
+        <p14:creationId xmlns:p14="http://schemas.microsoft.com/office/powerpoint/2010/main" xmlns="" val="1804488959"/>
       </p:ext>
     </p:extLst>
   </p:cSld>
@@ -4925,7 +4930,7 @@
             </a:clrChange>
             <a:extLst>
               <a:ext uri="{28A0092B-C50C-407E-A947-70E740481C1C}">
-                <a14:useLocalDpi xmlns:a14="http://schemas.microsoft.com/office/drawing/2010/main" val="0"/>
+                <a14:useLocalDpi xmlns:a14="http://schemas.microsoft.com/office/drawing/2010/main" xmlns="" val="0"/>
               </a:ext>
             </a:extLst>
           </a:blip>
@@ -4945,7 +4950,7 @@
           <a:noFill/>
           <a:extLst>
             <a:ext uri="{909E8E84-426E-40DD-AFC4-6F175D3DCCD1}">
-              <a14:hiddenFill xmlns:a14="http://schemas.microsoft.com/office/drawing/2010/main">
+              <a14:hiddenFill xmlns:a14="http://schemas.microsoft.com/office/drawing/2010/main" xmlns="">
                 <a:solidFill>
                   <a:srgbClr val="FFFFFF"/>
                 </a:solidFill>
@@ -4973,7 +4978,7 @@
             </a:duotone>
             <a:extLst>
               <a:ext uri="{28A0092B-C50C-407E-A947-70E740481C1C}">
-                <a14:useLocalDpi xmlns:a14="http://schemas.microsoft.com/office/drawing/2010/main" val="0"/>
+                <a14:useLocalDpi xmlns:a14="http://schemas.microsoft.com/office/drawing/2010/main" xmlns="" val="0"/>
               </a:ext>
             </a:extLst>
           </a:blip>
@@ -4993,7 +4998,7 @@
           <a:noFill/>
           <a:extLst>
             <a:ext uri="{909E8E84-426E-40DD-AFC4-6F175D3DCCD1}">
-              <a14:hiddenFill xmlns:a14="http://schemas.microsoft.com/office/drawing/2010/main">
+              <a14:hiddenFill xmlns:a14="http://schemas.microsoft.com/office/drawing/2010/main" xmlns="">
                 <a:solidFill>
                   <a:srgbClr val="FFFFFF"/>
                 </a:solidFill>
@@ -5014,7 +5019,7 @@
           <a:blip r:embed="rId4" cstate="print">
             <a:extLst>
               <a:ext uri="{28A0092B-C50C-407E-A947-70E740481C1C}">
-                <a14:useLocalDpi xmlns:a14="http://schemas.microsoft.com/office/drawing/2010/main" val="0"/>
+                <a14:useLocalDpi xmlns:a14="http://schemas.microsoft.com/office/drawing/2010/main" xmlns="" val="0"/>
               </a:ext>
             </a:extLst>
           </a:blip>
@@ -5035,20 +5040,20 @@
     </p:spTree>
     <p:extLst>
       <p:ext uri="{BB962C8B-B14F-4D97-AF65-F5344CB8AC3E}">
-        <p14:creationId xmlns:p14="http://schemas.microsoft.com/office/powerpoint/2010/main" val="3580256527"/>
+        <p14:creationId xmlns:p14="http://schemas.microsoft.com/office/powerpoint/2010/main" xmlns="" val="3580256527"/>
       </p:ext>
     </p:extLst>
   </p:cSld>
   <p:clrMapOvr>
     <a:masterClrMapping/>
   </p:clrMapOvr>
-  <mc:AlternateContent xmlns:mc="http://schemas.openxmlformats.org/markup-compatibility/2006" xmlns:p14="http://schemas.microsoft.com/office/powerpoint/2010/main">
-    <mc:Choice Requires="p14">
+  <mc:AlternateContent xmlns:mc="http://schemas.openxmlformats.org/markup-compatibility/2006">
+    <mc:Choice xmlns:p14="http://schemas.microsoft.com/office/powerpoint/2010/main" xmlns="" Requires="p14">
       <p:transition spd="med" p14:dur="700">
         <p:fade/>
       </p:transition>
     </mc:Choice>
-    <mc:Fallback xmlns="">
+    <mc:Fallback>
       <p:transition spd="med">
         <p:fade/>
       </p:transition>
@@ -5405,7 +5410,7 @@
           <a:blip r:embed="rId2" cstate="print">
             <a:extLst>
               <a:ext uri="{28A0092B-C50C-407E-A947-70E740481C1C}">
-                <a14:useLocalDpi xmlns:a14="http://schemas.microsoft.com/office/drawing/2010/main" val="0"/>
+                <a14:useLocalDpi xmlns:a14="http://schemas.microsoft.com/office/drawing/2010/main" xmlns="" val="0"/>
               </a:ext>
             </a:extLst>
           </a:blip>
@@ -5426,20 +5431,20 @@
     </p:spTree>
     <p:extLst>
       <p:ext uri="{BB962C8B-B14F-4D97-AF65-F5344CB8AC3E}">
-        <p14:creationId xmlns:p14="http://schemas.microsoft.com/office/powerpoint/2010/main" val="8597632"/>
+        <p14:creationId xmlns:p14="http://schemas.microsoft.com/office/powerpoint/2010/main" xmlns="" val="8597632"/>
       </p:ext>
     </p:extLst>
   </p:cSld>
   <p:clrMapOvr>
     <a:masterClrMapping/>
   </p:clrMapOvr>
-  <mc:AlternateContent xmlns:mc="http://schemas.openxmlformats.org/markup-compatibility/2006" xmlns:p14="http://schemas.microsoft.com/office/powerpoint/2010/main">
-    <mc:Choice Requires="p14">
+  <mc:AlternateContent xmlns:mc="http://schemas.openxmlformats.org/markup-compatibility/2006">
+    <mc:Choice xmlns:p14="http://schemas.microsoft.com/office/powerpoint/2010/main" xmlns="" Requires="p14">
       <p:transition spd="med" p14:dur="700">
         <p:fade/>
       </p:transition>
     </mc:Choice>
-    <mc:Fallback xmlns="">
+    <mc:Fallback>
       <p:transition spd="med">
         <p:fade/>
       </p:transition>
@@ -5931,20 +5936,20 @@
     </p:spTree>
     <p:extLst>
       <p:ext uri="{BB962C8B-B14F-4D97-AF65-F5344CB8AC3E}">
-        <p14:creationId xmlns:p14="http://schemas.microsoft.com/office/powerpoint/2010/main" val="3808301644"/>
+        <p14:creationId xmlns:p14="http://schemas.microsoft.com/office/powerpoint/2010/main" xmlns="" val="3808301644"/>
       </p:ext>
     </p:extLst>
   </p:cSld>
   <p:clrMapOvr>
     <a:masterClrMapping/>
   </p:clrMapOvr>
-  <mc:AlternateContent xmlns:mc="http://schemas.openxmlformats.org/markup-compatibility/2006" xmlns:p14="http://schemas.microsoft.com/office/powerpoint/2010/main">
-    <mc:Choice Requires="p14">
+  <mc:AlternateContent xmlns:mc="http://schemas.openxmlformats.org/markup-compatibility/2006">
+    <mc:Choice xmlns:p14="http://schemas.microsoft.com/office/powerpoint/2010/main" xmlns="" Requires="p14">
       <p:transition spd="med" p14:dur="700">
         <p:fade/>
       </p:transition>
     </mc:Choice>
-    <mc:Fallback xmlns="">
+    <mc:Fallback>
       <p:transition spd="med">
         <p:fade/>
       </p:transition>
@@ -6248,20 +6253,20 @@
     </p:spTree>
     <p:extLst>
       <p:ext uri="{BB962C8B-B14F-4D97-AF65-F5344CB8AC3E}">
-        <p14:creationId xmlns:p14="http://schemas.microsoft.com/office/powerpoint/2010/main" val="3215307960"/>
+        <p14:creationId xmlns:p14="http://schemas.microsoft.com/office/powerpoint/2010/main" xmlns="" val="3215307960"/>
       </p:ext>
     </p:extLst>
   </p:cSld>
   <p:clrMapOvr>
     <a:masterClrMapping/>
   </p:clrMapOvr>
-  <mc:AlternateContent xmlns:mc="http://schemas.openxmlformats.org/markup-compatibility/2006" xmlns:p14="http://schemas.microsoft.com/office/powerpoint/2010/main">
-    <mc:Choice Requires="p14">
+  <mc:AlternateContent xmlns:mc="http://schemas.openxmlformats.org/markup-compatibility/2006">
+    <mc:Choice xmlns:p14="http://schemas.microsoft.com/office/powerpoint/2010/main" xmlns="" Requires="p14">
       <p:transition spd="med" p14:dur="700">
         <p:fade/>
       </p:transition>
     </mc:Choice>
-    <mc:Fallback xmlns="">
+    <mc:Fallback>
       <p:transition spd="med">
         <p:fade/>
       </p:transition>
@@ -6671,20 +6676,20 @@
     </p:spTree>
     <p:extLst>
       <p:ext uri="{BB962C8B-B14F-4D97-AF65-F5344CB8AC3E}">
-        <p14:creationId xmlns:p14="http://schemas.microsoft.com/office/powerpoint/2010/main" val="1172086531"/>
+        <p14:creationId xmlns:p14="http://schemas.microsoft.com/office/powerpoint/2010/main" xmlns="" val="1172086531"/>
       </p:ext>
     </p:extLst>
   </p:cSld>
   <p:clrMapOvr>
     <a:masterClrMapping/>
   </p:clrMapOvr>
-  <mc:AlternateContent xmlns:mc="http://schemas.openxmlformats.org/markup-compatibility/2006" xmlns:p14="http://schemas.microsoft.com/office/powerpoint/2010/main">
-    <mc:Choice Requires="p14">
+  <mc:AlternateContent xmlns:mc="http://schemas.openxmlformats.org/markup-compatibility/2006">
+    <mc:Choice xmlns:p14="http://schemas.microsoft.com/office/powerpoint/2010/main" xmlns="" Requires="p14">
       <p:transition spd="med" p14:dur="700">
         <p:fade/>
       </p:transition>
     </mc:Choice>
-    <mc:Fallback xmlns="">
+    <mc:Fallback>
       <p:transition spd="med">
         <p:fade/>
       </p:transition>
@@ -6856,20 +6861,20 @@
     </p:spTree>
     <p:extLst>
       <p:ext uri="{BB962C8B-B14F-4D97-AF65-F5344CB8AC3E}">
-        <p14:creationId xmlns:p14="http://schemas.microsoft.com/office/powerpoint/2010/main" val="1326722798"/>
+        <p14:creationId xmlns:p14="http://schemas.microsoft.com/office/powerpoint/2010/main" xmlns="" val="1326722798"/>
       </p:ext>
     </p:extLst>
   </p:cSld>
   <p:clrMapOvr>
     <a:masterClrMapping/>
   </p:clrMapOvr>
-  <mc:AlternateContent xmlns:mc="http://schemas.openxmlformats.org/markup-compatibility/2006" xmlns:p14="http://schemas.microsoft.com/office/powerpoint/2010/main">
-    <mc:Choice Requires="p14">
+  <mc:AlternateContent xmlns:mc="http://schemas.openxmlformats.org/markup-compatibility/2006">
+    <mc:Choice xmlns:p14="http://schemas.microsoft.com/office/powerpoint/2010/main" xmlns="" Requires="p14">
       <p:transition spd="med" p14:dur="700">
         <p:fade/>
       </p:transition>
     </mc:Choice>
-    <mc:Fallback xmlns="">
+    <mc:Fallback>
       <p:transition spd="med">
         <p:fade/>
       </p:transition>
@@ -7010,20 +7015,20 @@
     </p:spTree>
     <p:extLst>
       <p:ext uri="{BB962C8B-B14F-4D97-AF65-F5344CB8AC3E}">
-        <p14:creationId xmlns:p14="http://schemas.microsoft.com/office/powerpoint/2010/main" val="796909310"/>
+        <p14:creationId xmlns:p14="http://schemas.microsoft.com/office/powerpoint/2010/main" xmlns="" val="796909310"/>
       </p:ext>
     </p:extLst>
   </p:cSld>
   <p:clrMapOvr>
     <a:masterClrMapping/>
   </p:clrMapOvr>
-  <mc:AlternateContent xmlns:mc="http://schemas.openxmlformats.org/markup-compatibility/2006" xmlns:p14="http://schemas.microsoft.com/office/powerpoint/2010/main">
-    <mc:Choice Requires="p14">
+  <mc:AlternateContent xmlns:mc="http://schemas.openxmlformats.org/markup-compatibility/2006">
+    <mc:Choice xmlns:p14="http://schemas.microsoft.com/office/powerpoint/2010/main" xmlns="" Requires="p14">
       <p:transition spd="med" p14:dur="700">
         <p:fade/>
       </p:transition>
     </mc:Choice>
-    <mc:Fallback xmlns="">
+    <mc:Fallback>
       <p:transition spd="med">
         <p:fade/>
       </p:transition>
@@ -7356,20 +7361,20 @@
     </p:spTree>
     <p:extLst>
       <p:ext uri="{BB962C8B-B14F-4D97-AF65-F5344CB8AC3E}">
-        <p14:creationId xmlns:p14="http://schemas.microsoft.com/office/powerpoint/2010/main" val="3738623974"/>
+        <p14:creationId xmlns:p14="http://schemas.microsoft.com/office/powerpoint/2010/main" xmlns="" val="3738623974"/>
       </p:ext>
     </p:extLst>
   </p:cSld>
   <p:clrMapOvr>
     <a:masterClrMapping/>
   </p:clrMapOvr>
-  <mc:AlternateContent xmlns:mc="http://schemas.openxmlformats.org/markup-compatibility/2006" xmlns:p14="http://schemas.microsoft.com/office/powerpoint/2010/main">
-    <mc:Choice Requires="p14">
+  <mc:AlternateContent xmlns:mc="http://schemas.openxmlformats.org/markup-compatibility/2006">
+    <mc:Choice xmlns:p14="http://schemas.microsoft.com/office/powerpoint/2010/main" xmlns="" Requires="p14">
       <p:transition spd="med" p14:dur="700">
         <p:fade/>
       </p:transition>
     </mc:Choice>
-    <mc:Fallback xmlns="">
+    <mc:Fallback>
       <p:transition spd="med">
         <p:fade/>
       </p:transition>
@@ -7973,20 +7978,20 @@
     </p:spTree>
     <p:extLst>
       <p:ext uri="{BB962C8B-B14F-4D97-AF65-F5344CB8AC3E}">
-        <p14:creationId xmlns:p14="http://schemas.microsoft.com/office/powerpoint/2010/main" val="447198579"/>
+        <p14:creationId xmlns:p14="http://schemas.microsoft.com/office/powerpoint/2010/main" xmlns="" val="447198579"/>
       </p:ext>
     </p:extLst>
   </p:cSld>
   <p:clrMapOvr>
     <a:masterClrMapping/>
   </p:clrMapOvr>
-  <mc:AlternateContent xmlns:mc="http://schemas.openxmlformats.org/markup-compatibility/2006" xmlns:p14="http://schemas.microsoft.com/office/powerpoint/2010/main">
-    <mc:Choice Requires="p14">
+  <mc:AlternateContent xmlns:mc="http://schemas.openxmlformats.org/markup-compatibility/2006">
+    <mc:Choice xmlns:p14="http://schemas.microsoft.com/office/powerpoint/2010/main" xmlns="" Requires="p14">
       <p:transition spd="med" p14:dur="700">
         <p:fade/>
       </p:transition>
     </mc:Choice>
-    <mc:Fallback xmlns="">
+    <mc:Fallback>
       <p:transition spd="med">
         <p:fade/>
       </p:transition>
@@ -8200,20 +8205,20 @@
     </p:spTree>
     <p:extLst>
       <p:ext uri="{BB962C8B-B14F-4D97-AF65-F5344CB8AC3E}">
-        <p14:creationId xmlns:p14="http://schemas.microsoft.com/office/powerpoint/2010/main" val="3000633228"/>
+        <p14:creationId xmlns:p14="http://schemas.microsoft.com/office/powerpoint/2010/main" xmlns="" val="3000633228"/>
       </p:ext>
     </p:extLst>
   </p:cSld>
   <p:clrMapOvr>
     <a:masterClrMapping/>
   </p:clrMapOvr>
-  <mc:AlternateContent xmlns:mc="http://schemas.openxmlformats.org/markup-compatibility/2006" xmlns:p14="http://schemas.microsoft.com/office/powerpoint/2010/main">
-    <mc:Choice Requires="p14">
+  <mc:AlternateContent xmlns:mc="http://schemas.openxmlformats.org/markup-compatibility/2006">
+    <mc:Choice xmlns:p14="http://schemas.microsoft.com/office/powerpoint/2010/main" xmlns="" Requires="p14">
       <p:transition spd="med" p14:dur="700">
         <p:fade/>
       </p:transition>
     </mc:Choice>
-    <mc:Fallback xmlns="">
+    <mc:Fallback>
       <p:transition spd="med">
         <p:fade/>
       </p:transition>
@@ -8437,20 +8442,20 @@
     </p:spTree>
     <p:extLst>
       <p:ext uri="{BB962C8B-B14F-4D97-AF65-F5344CB8AC3E}">
-        <p14:creationId xmlns:p14="http://schemas.microsoft.com/office/powerpoint/2010/main" val="1082700791"/>
+        <p14:creationId xmlns:p14="http://schemas.microsoft.com/office/powerpoint/2010/main" xmlns="" val="1082700791"/>
       </p:ext>
     </p:extLst>
   </p:cSld>
   <p:clrMapOvr>
     <a:masterClrMapping/>
   </p:clrMapOvr>
-  <mc:AlternateContent xmlns:mc="http://schemas.openxmlformats.org/markup-compatibility/2006" xmlns:p14="http://schemas.microsoft.com/office/powerpoint/2010/main">
-    <mc:Choice Requires="p14">
+  <mc:AlternateContent xmlns:mc="http://schemas.openxmlformats.org/markup-compatibility/2006">
+    <mc:Choice xmlns:p14="http://schemas.microsoft.com/office/powerpoint/2010/main" xmlns="" Requires="p14">
       <p:transition spd="med" p14:dur="700">
         <p:fade/>
       </p:transition>
     </mc:Choice>
-    <mc:Fallback xmlns="">
+    <mc:Fallback>
       <p:transition spd="med">
         <p:fade/>
       </p:transition>
@@ -11614,7 +11619,7 @@
     </p:spTree>
     <p:extLst>
       <p:ext uri="{BB962C8B-B14F-4D97-AF65-F5344CB8AC3E}">
-        <p14:creationId xmlns:p14="http://schemas.microsoft.com/office/powerpoint/2010/main" val="2937136900"/>
+        <p14:creationId xmlns:p14="http://schemas.microsoft.com/office/powerpoint/2010/main" xmlns="" val="2937136900"/>
       </p:ext>
     </p:extLst>
   </p:cSld>
@@ -11632,13 +11637,13 @@
     <p:sldLayoutId id="2147483790" r:id="rId10"/>
     <p:sldLayoutId id="2147483791" r:id="rId11"/>
   </p:sldLayoutIdLst>
-  <mc:AlternateContent xmlns:mc="http://schemas.openxmlformats.org/markup-compatibility/2006" xmlns:p14="http://schemas.microsoft.com/office/powerpoint/2010/main">
-    <mc:Choice Requires="p14">
+  <mc:AlternateContent xmlns:mc="http://schemas.openxmlformats.org/markup-compatibility/2006">
+    <mc:Choice xmlns:p14="http://schemas.microsoft.com/office/powerpoint/2010/main" xmlns="" Requires="p14">
       <p:transition spd="med" p14:dur="700">
         <p:fade/>
       </p:transition>
     </mc:Choice>
-    <mc:Fallback xmlns="">
+    <mc:Fallback>
       <p:transition spd="med">
         <p:fade/>
       </p:transition>
@@ -12672,20 +12677,20 @@
     </p:spTree>
     <p:extLst>
       <p:ext uri="{BB962C8B-B14F-4D97-AF65-F5344CB8AC3E}">
-        <p14:creationId xmlns:p14="http://schemas.microsoft.com/office/powerpoint/2010/main" val="2446117524"/>
+        <p14:creationId xmlns:p14="http://schemas.microsoft.com/office/powerpoint/2010/main" xmlns="" val="2446117524"/>
       </p:ext>
     </p:extLst>
   </p:cSld>
   <p:clrMapOvr>
     <a:masterClrMapping/>
   </p:clrMapOvr>
-  <mc:AlternateContent xmlns:mc="http://schemas.openxmlformats.org/markup-compatibility/2006" xmlns:p14="http://schemas.microsoft.com/office/powerpoint/2010/main">
-    <mc:Choice Requires="p14">
+  <mc:AlternateContent xmlns:mc="http://schemas.openxmlformats.org/markup-compatibility/2006">
+    <mc:Choice xmlns:p14="http://schemas.microsoft.com/office/powerpoint/2010/main" xmlns="" Requires="p14">
       <p:transition spd="med" p14:dur="700" advTm="9691">
         <p:fade/>
       </p:transition>
     </mc:Choice>
-    <mc:Fallback xmlns="">
+    <mc:Fallback>
       <p:transition spd="med" advTm="9691">
         <p:fade/>
       </p:transition>
@@ -13156,12 +13161,52 @@
           <a:bodyPr/>
           <a:lstStyle/>
           <a:p>
+            <a:pPr>
+              <a:spcAft>
+                <a:spcPts val="600"/>
+              </a:spcAft>
+            </a:pPr>
             <a:r>
               <a:rPr lang="en-US" altLang="zh-CN" smtClean="0"/>
-              <a:t>An interactive symbolic execution system developed by the author and his colleagues</a:t>
-            </a:r>
-          </a:p>
-          <a:p>
+              <a:t>An interactive symbolic execution system developed by the author and his </a:t>
+            </a:r>
+            <a:r>
+              <a:rPr lang="en-US" altLang="zh-CN" smtClean="0"/>
+              <a:t>colleagues</a:t>
+            </a:r>
+          </a:p>
+          <a:p>
+            <a:pPr lvl="1">
+              <a:spcAft>
+                <a:spcPts val="600"/>
+              </a:spcAft>
+            </a:pPr>
+            <a:r>
+              <a:rPr lang="en-US" altLang="zh-CN" smtClean="0"/>
+              <a:t>An “exhaustive” test manager systemtically explores the alternatives in the symbolic execution tree.</a:t>
+            </a:r>
+          </a:p>
+          <a:p>
+            <a:pPr lvl="1">
+              <a:spcAft>
+                <a:spcPts val="600"/>
+              </a:spcAft>
+            </a:pPr>
+            <a:r>
+              <a:rPr lang="en-US" altLang="zh-CN" smtClean="0"/>
+              <a:t>Then, the system can automatically checks test case results.</a:t>
+            </a:r>
+          </a:p>
+          <a:p>
+            <a:pPr lvl="1">
+              <a:spcAft>
+                <a:spcPts val="600"/>
+              </a:spcAft>
+            </a:pPr>
+            <a:r>
+              <a:rPr lang="en-US" altLang="zh-CN" smtClean="0"/>
+              <a:t>Final, the system offers a program verifier which uses symbolic execution and user supplied assertions to generate the verification condition.</a:t>
+            </a:r>
             <a:endParaRPr lang="zh-CN" altLang="en-US"/>
           </a:p>
         </p:txBody>
@@ -13314,10 +13359,10 @@
           <a:lstStyle/>
           <a:p>
             <a:r>
-              <a:rPr lang="en-US" altLang="zh-CN" dirty="0" smtClean="0"/>
-              <a:t>Conclusion</a:t>
-            </a:r>
-            <a:endParaRPr lang="zh-CN" altLang="en-US" dirty="0"/>
+              <a:rPr lang="en-US" altLang="zh-CN" cap="small" smtClean="0"/>
+              <a:t>Effigy</a:t>
+            </a:r>
+            <a:endParaRPr lang="zh-CN" altLang="en-US" cap="small"/>
           </a:p>
         </p:txBody>
       </p:sp>
@@ -13342,8 +13387,32 @@
               </a:spcAft>
             </a:pPr>
             <a:r>
-              <a:rPr lang="en-US" altLang="zh-CN" dirty="0" smtClean="0"/>
-              <a:t>One symbolic execution represents a large class of normal executions. This can help program testing and debugging. </a:t>
+              <a:rPr lang="en-US" altLang="zh-CN" i="1" smtClean="0">
+                <a:solidFill>
+                  <a:schemeClr val="accent6">
+                    <a:lumMod val="75000"/>
+                  </a:schemeClr>
+                </a:solidFill>
+              </a:rPr>
+              <a:t>Tracing</a:t>
+            </a:r>
+            <a:r>
+              <a:rPr lang="en-US" altLang="zh-CN" smtClean="0">
+                <a:solidFill>
+                  <a:schemeClr val="accent6">
+                    <a:lumMod val="75000"/>
+                  </a:schemeClr>
+                </a:solidFill>
+              </a:rPr>
+              <a:t>.</a:t>
+            </a:r>
+            <a:r>
+              <a:rPr lang="en-US" altLang="zh-CN" smtClean="0"/>
+              <a:t>  </a:t>
+            </a:r>
+            <a:r>
+              <a:rPr lang="en-US" altLang="zh-CN" sz="2200" smtClean="0"/>
+              <a:t>The user can see the statement number, the source statement, the computational results, or any combination.</a:t>
             </a:r>
           </a:p>
           <a:p>
@@ -13353,16 +13422,32 @@
               </a:spcAft>
             </a:pPr>
             <a:r>
-              <a:rPr lang="en-US" altLang="zh-CN" dirty="0" smtClean="0"/>
-              <a:t>The author built an interactive debugging system called </a:t>
-            </a:r>
-            <a:r>
-              <a:rPr lang="en-US" altLang="zh-CN" cap="small" dirty="0" smtClean="0"/>
-              <a:t>Effigy</a:t>
-            </a:r>
-            <a:r>
-              <a:rPr lang="en-US" altLang="zh-CN" dirty="0" smtClean="0"/>
-              <a:t>, which embodies symbolic execution.</a:t>
+              <a:rPr lang="en-US" altLang="zh-CN" i="1" smtClean="0">
+                <a:solidFill>
+                  <a:schemeClr val="accent6">
+                    <a:lumMod val="75000"/>
+                  </a:schemeClr>
+                </a:solidFill>
+              </a:rPr>
+              <a:t>Breakpoints</a:t>
+            </a:r>
+            <a:r>
+              <a:rPr lang="en-US" altLang="zh-CN" smtClean="0">
+                <a:solidFill>
+                  <a:schemeClr val="accent6">
+                    <a:lumMod val="75000"/>
+                  </a:schemeClr>
+                </a:solidFill>
+              </a:rPr>
+              <a:t>.</a:t>
+            </a:r>
+            <a:r>
+              <a:rPr lang="en-US" altLang="zh-CN" smtClean="0"/>
+              <a:t>  </a:t>
+            </a:r>
+            <a:r>
+              <a:rPr lang="en-US" altLang="zh-CN" sz="2200" smtClean="0"/>
+              <a:t>The use can insert “breakpoints” between statements. At these points execution is interrupted and control passes the user’s terminal.</a:t>
             </a:r>
           </a:p>
           <a:p>
@@ -13372,14 +13457,53 @@
               </a:spcAft>
             </a:pPr>
             <a:r>
-              <a:rPr lang="en-US" altLang="zh-CN" dirty="0"/>
-              <a:t>Symbolic </a:t>
-            </a:r>
-            <a:r>
-              <a:rPr lang="en-US" altLang="zh-CN" dirty="0" smtClean="0"/>
-              <a:t>execution is also useful in other forms of program analysis.</a:t>
-            </a:r>
-            <a:endParaRPr lang="zh-CN" altLang="en-US" dirty="0"/>
+              <a:rPr lang="en-US" altLang="zh-CN" i="1" smtClean="0">
+                <a:solidFill>
+                  <a:schemeClr val="accent6">
+                    <a:lumMod val="75000"/>
+                  </a:schemeClr>
+                </a:solidFill>
+              </a:rPr>
+              <a:t>State saving</a:t>
+            </a:r>
+            <a:r>
+              <a:rPr lang="en-US" altLang="zh-CN" smtClean="0"/>
+              <a:t>.  </a:t>
+            </a:r>
+            <a:r>
+              <a:rPr lang="en-US" altLang="zh-CN" sz="2200" smtClean="0"/>
+              <a:t>As a user explores the various paths, he can save the state of execution to explore alternative paths using “</a:t>
+            </a:r>
+            <a:r>
+              <a:rPr lang="en-US" altLang="zh-CN" sz="2200" b="1" smtClean="0">
+                <a:latin typeface="Times New Roman" pitchFamily="18" charset="0"/>
+                <a:cs typeface="Times New Roman" pitchFamily="18" charset="0"/>
+              </a:rPr>
+              <a:t>SAVE</a:t>
+            </a:r>
+            <a:r>
+              <a:rPr lang="en-US" altLang="zh-CN" sz="2200" smtClean="0">
+                <a:latin typeface="+mn-lt"/>
+                <a:cs typeface="Times New Roman" pitchFamily="18" charset="0"/>
+              </a:rPr>
+              <a:t>”</a:t>
+            </a:r>
+            <a:r>
+              <a:rPr lang="en-US" altLang="zh-CN" sz="2200" smtClean="0"/>
+              <a:t>  and use “</a:t>
+            </a:r>
+            <a:r>
+              <a:rPr lang="en-US" altLang="zh-CN" sz="2200" b="1" smtClean="0">
+                <a:latin typeface="Times New Roman" pitchFamily="18" charset="0"/>
+                <a:cs typeface="Times New Roman" pitchFamily="18" charset="0"/>
+              </a:rPr>
+              <a:t>RESTORE</a:t>
+            </a:r>
+            <a:r>
+              <a:rPr lang="en-US" altLang="zh-CN" sz="2200" smtClean="0"/>
+              <a:t>” to return later.</a:t>
+            </a:r>
+            <a:endParaRPr lang="zh-CN" altLang="en-US" sz="2200"/>
           </a:p>
         </p:txBody>
       </p:sp>
@@ -13484,11 +13608,6 @@
         </p:txBody>
       </p:sp>
     </p:spTree>
-    <p:extLst>
-      <p:ext uri="{BB962C8B-B14F-4D97-AF65-F5344CB8AC3E}">
-        <p14:creationId xmlns:p14="http://schemas.microsoft.com/office/powerpoint/2010/main" val="137591514"/>
-      </p:ext>
-    </p:extLst>
   </p:cSld>
   <p:clrMapOvr>
     <a:masterClrMapping/>
@@ -13522,6 +13641,982 @@
       </p:grpSpPr>
       <p:sp>
         <p:nvSpPr>
+          <p:cNvPr id="2" name="标题 1"/>
+          <p:cNvSpPr>
+            <a:spLocks noGrp="1"/>
+          </p:cNvSpPr>
+          <p:nvPr>
+            <p:ph type="title"/>
+          </p:nvPr>
+        </p:nvSpPr>
+        <p:spPr/>
+        <p:txBody>
+          <a:bodyPr/>
+          <a:lstStyle/>
+          <a:p>
+            <a:r>
+              <a:rPr lang="en-US" altLang="zh-CN" cap="small" smtClean="0"/>
+              <a:t>Effigy</a:t>
+            </a:r>
+            <a:endParaRPr lang="zh-CN" altLang="en-US"/>
+          </a:p>
+        </p:txBody>
+      </p:sp>
+      <p:sp>
+        <p:nvSpPr>
+          <p:cNvPr id="3" name="内容占位符 2"/>
+          <p:cNvSpPr>
+            <a:spLocks noGrp="1"/>
+          </p:cNvSpPr>
+          <p:nvPr>
+            <p:ph idx="1"/>
+          </p:nvPr>
+        </p:nvSpPr>
+        <p:spPr>
+          <a:xfrm>
+            <a:off x="428596" y="1643050"/>
+            <a:ext cx="8001056" cy="4716000"/>
+          </a:xfrm>
+        </p:spPr>
+        <p:txBody>
+          <a:bodyPr/>
+          <a:lstStyle/>
+          <a:p>
+            <a:pPr>
+              <a:spcAft>
+                <a:spcPts val="400"/>
+              </a:spcAft>
+            </a:pPr>
+            <a:r>
+              <a:rPr lang="en-US" altLang="zh-CN" sz="2300" smtClean="0"/>
+              <a:t>Whenever the system encounters a forking execution of an </a:t>
+            </a:r>
+            <a:r>
+              <a:rPr lang="en-US" altLang="zh-CN" sz="2300" b="1" smtClean="0">
+                <a:latin typeface="Times New Roman" pitchFamily="18" charset="0"/>
+                <a:cs typeface="Times New Roman" pitchFamily="18" charset="0"/>
+              </a:rPr>
+              <a:t>IF</a:t>
+            </a:r>
+            <a:r>
+              <a:rPr lang="en-US" altLang="zh-CN" sz="2300" smtClean="0"/>
+              <a:t> statement, the user can:</a:t>
+            </a:r>
+          </a:p>
+          <a:p>
+            <a:pPr marL="801687" lvl="1" indent="-457200">
+              <a:spcAft>
+                <a:spcPts val="400"/>
+              </a:spcAft>
+              <a:buSzPct val="100000"/>
+              <a:buFont typeface="+mj-lt"/>
+              <a:buAutoNum type="arabicPeriod"/>
+            </a:pPr>
+            <a:r>
+              <a:rPr lang="en-US" altLang="zh-CN" smtClean="0"/>
+              <a:t>Type “go true”, and the system follows the </a:t>
+            </a:r>
+            <a:r>
+              <a:rPr lang="en-US" altLang="zh-CN" b="1" smtClean="0">
+                <a:latin typeface="Times New Roman" pitchFamily="18" charset="0"/>
+                <a:cs typeface="Times New Roman" pitchFamily="18" charset="0"/>
+              </a:rPr>
+              <a:t>THEN</a:t>
+            </a:r>
+            <a:r>
+              <a:rPr lang="en-US" altLang="zh-CN" smtClean="0"/>
+              <a:t> alternative changing </a:t>
+            </a:r>
+            <a:r>
+              <a:rPr lang="en-US" altLang="zh-CN" i="1" smtClean="0"/>
+              <a:t>pc</a:t>
+            </a:r>
+            <a:r>
+              <a:rPr lang="en-US" altLang="zh-CN" smtClean="0"/>
+              <a:t> .</a:t>
+            </a:r>
+          </a:p>
+          <a:p>
+            <a:pPr marL="801687" lvl="1" indent="-457200">
+              <a:spcAft>
+                <a:spcPts val="400"/>
+              </a:spcAft>
+              <a:buSzPct val="100000"/>
+              <a:buFont typeface="+mj-lt"/>
+              <a:buAutoNum type="arabicPeriod"/>
+            </a:pPr>
+            <a:r>
+              <a:rPr lang="en-US" altLang="zh-CN" smtClean="0"/>
+              <a:t>Type “</a:t>
+            </a:r>
+            <a:r>
+              <a:rPr lang="en-US" altLang="zh-CN" smtClean="0"/>
+              <a:t>go </a:t>
+            </a:r>
+            <a:r>
+              <a:rPr lang="en-US" altLang="zh-CN" smtClean="0"/>
+              <a:t>false”, </a:t>
+            </a:r>
+            <a:r>
+              <a:rPr lang="en-US" altLang="zh-CN" smtClean="0"/>
+              <a:t>and the system follows </a:t>
+            </a:r>
+            <a:r>
+              <a:rPr lang="en-US" altLang="zh-CN" smtClean="0"/>
+              <a:t>the </a:t>
+            </a:r>
+            <a:r>
+              <a:rPr lang="en-US" altLang="zh-CN" b="1" smtClean="0">
+                <a:latin typeface="Times New Roman" pitchFamily="18" charset="0"/>
+                <a:cs typeface="Times New Roman" pitchFamily="18" charset="0"/>
+              </a:rPr>
+              <a:t>ELSE</a:t>
+            </a:r>
+            <a:r>
+              <a:rPr lang="en-US" altLang="zh-CN" smtClean="0"/>
+              <a:t> </a:t>
+            </a:r>
+            <a:r>
+              <a:rPr lang="en-US" altLang="zh-CN" smtClean="0"/>
+              <a:t>alternative changing </a:t>
+            </a:r>
+            <a:r>
+              <a:rPr lang="en-US" altLang="zh-CN" i="1" smtClean="0"/>
+              <a:t>pc</a:t>
+            </a:r>
+            <a:r>
+              <a:rPr lang="en-US" altLang="zh-CN" smtClean="0"/>
+              <a:t> </a:t>
+            </a:r>
+            <a:r>
+              <a:rPr lang="en-US" altLang="zh-CN" smtClean="0"/>
+              <a:t>.</a:t>
+            </a:r>
+          </a:p>
+          <a:p>
+            <a:pPr marL="801687" lvl="1" indent="-457200">
+              <a:spcAft>
+                <a:spcPts val="400"/>
+              </a:spcAft>
+              <a:buSzPct val="100000"/>
+              <a:buFont typeface="+mj-lt"/>
+              <a:buAutoNum type="arabicPeriod"/>
+            </a:pPr>
+            <a:r>
+              <a:rPr lang="en-US" altLang="zh-CN" smtClean="0"/>
+              <a:t>Type “assume (</a:t>
+            </a:r>
+            <a:r>
+              <a:rPr lang="en-US" altLang="zh-CN" b="1" i="1" smtClean="0">
+                <a:latin typeface="Times New Roman" pitchFamily="18" charset="0"/>
+                <a:cs typeface="Times New Roman" pitchFamily="18" charset="0"/>
+              </a:rPr>
+              <a:t>P</a:t>
+            </a:r>
+            <a:r>
+              <a:rPr lang="en-US" altLang="zh-CN" smtClean="0"/>
+              <a:t>)”; go.</a:t>
+            </a:r>
+            <a:endParaRPr lang="en-US" altLang="zh-CN" smtClean="0"/>
+          </a:p>
+          <a:p>
+            <a:pPr lvl="1"/>
+            <a:endParaRPr lang="zh-CN" altLang="en-US"/>
+          </a:p>
+        </p:txBody>
+      </p:sp>
+      <p:sp>
+        <p:nvSpPr>
+          <p:cNvPr id="4" name="日期占位符 3"/>
+          <p:cNvSpPr>
+            <a:spLocks noGrp="1"/>
+          </p:cNvSpPr>
+          <p:nvPr>
+            <p:ph type="dt" sz="half" idx="10"/>
+          </p:nvPr>
+        </p:nvSpPr>
+        <p:spPr/>
+        <p:txBody>
+          <a:bodyPr/>
+          <a:lstStyle/>
+          <a:p>
+            <a:fld id="{FF88F899-FA6D-4737-879E-62DE3ED9162E}" type="datetime1">
+              <a:rPr kumimoji="1" lang="zh-CN" altLang="en-US" smtClean="0">
+                <a:solidFill>
+                  <a:prstClr val="black">
+                    <a:lumMod val="65000"/>
+                    <a:lumOff val="35000"/>
+                  </a:prstClr>
+                </a:solidFill>
+                <a:ea typeface="宋体"/>
+              </a:rPr>
+              <a:pPr/>
+              <a:t>2020/11/30</a:t>
+            </a:fld>
+            <a:endParaRPr kumimoji="1" lang="zh-CN" altLang="en-US">
+              <a:solidFill>
+                <a:prstClr val="black">
+                  <a:lumMod val="65000"/>
+                  <a:lumOff val="35000"/>
+                </a:prstClr>
+              </a:solidFill>
+              <a:ea typeface="宋体"/>
+            </a:endParaRPr>
+          </a:p>
+        </p:txBody>
+      </p:sp>
+      <p:sp>
+        <p:nvSpPr>
+          <p:cNvPr id="5" name="页脚占位符 4"/>
+          <p:cNvSpPr>
+            <a:spLocks noGrp="1"/>
+          </p:cNvSpPr>
+          <p:nvPr>
+            <p:ph type="ftr" sz="quarter" idx="11"/>
+          </p:nvPr>
+        </p:nvSpPr>
+        <p:spPr/>
+        <p:txBody>
+          <a:bodyPr/>
+          <a:lstStyle/>
+          <a:p>
+            <a:pPr defTabSz="457200"/>
+            <a:endParaRPr lang="zh-CN" altLang="en-US" dirty="0"/>
+          </a:p>
+        </p:txBody>
+      </p:sp>
+      <p:sp>
+        <p:nvSpPr>
+          <p:cNvPr id="6" name="灯片编号占位符 5"/>
+          <p:cNvSpPr>
+            <a:spLocks noGrp="1"/>
+          </p:cNvSpPr>
+          <p:nvPr>
+            <p:ph type="sldNum" sz="quarter" idx="12"/>
+          </p:nvPr>
+        </p:nvSpPr>
+        <p:spPr/>
+        <p:txBody>
+          <a:bodyPr/>
+          <a:lstStyle/>
+          <a:p>
+            <a:fld id="{71F1F346-3964-904C-8DB0-057A2D699FB9}" type="slidenum">
+              <a:rPr kumimoji="1" lang="zh-CN" altLang="en-US" smtClean="0">
+                <a:solidFill>
+                  <a:prstClr val="black">
+                    <a:lumMod val="65000"/>
+                    <a:lumOff val="35000"/>
+                  </a:prstClr>
+                </a:solidFill>
+                <a:ea typeface="宋体"/>
+              </a:rPr>
+              <a:pPr/>
+              <a:t>14</a:t>
+            </a:fld>
+            <a:endParaRPr kumimoji="1" lang="zh-CN" altLang="en-US">
+              <a:solidFill>
+                <a:prstClr val="black">
+                  <a:lumMod val="65000"/>
+                  <a:lumOff val="35000"/>
+                </a:prstClr>
+              </a:solidFill>
+              <a:ea typeface="宋体"/>
+            </a:endParaRPr>
+          </a:p>
+        </p:txBody>
+      </p:sp>
+      <p:graphicFrame>
+        <p:nvGraphicFramePr>
+          <p:cNvPr id="8" name="表格 7"/>
+          <p:cNvGraphicFramePr>
+            <a:graphicFrameLocks noGrp="1"/>
+          </p:cNvGraphicFramePr>
+          <p:nvPr/>
+        </p:nvGraphicFramePr>
+        <p:xfrm>
+          <a:off x="1094243" y="4572008"/>
+          <a:ext cx="6763905" cy="1643074"/>
+        </p:xfrm>
+        <a:graphic>
+          <a:graphicData uri="http://schemas.openxmlformats.org/drawingml/2006/table">
+            <a:tbl>
+              <a:tblPr firstRow="1" bandRow="1">
+                <a:tableStyleId>{5C22544A-7EE6-4342-B048-85BDC9FD1C3A}</a:tableStyleId>
+              </a:tblPr>
+              <a:tblGrid>
+                <a:gridCol w="2143139"/>
+                <a:gridCol w="2071702"/>
+                <a:gridCol w="2549064"/>
+              </a:tblGrid>
+              <a:tr h="373804">
+                <a:tc>
+                  <a:txBody>
+                    <a:bodyPr/>
+                    <a:lstStyle/>
+                    <a:p>
+                      <a:r>
+                        <a:rPr lang="en-US" altLang="zh-CN" sz="2000" smtClean="0"/>
+                        <a:t>Type</a:t>
+                      </a:r>
+                      <a:endParaRPr lang="zh-CN" altLang="en-US" sz="2000"/>
+                    </a:p>
+                  </a:txBody>
+                  <a:tcPr marL="88344" marR="88344" marT="44172" marB="44172"/>
+                </a:tc>
+                <a:tc>
+                  <a:txBody>
+                    <a:bodyPr/>
+                    <a:lstStyle/>
+                    <a:p>
+                      <a:r>
+                        <a:rPr lang="en-US" altLang="zh-CN" sz="2000" i="1" smtClean="0"/>
+                        <a:t>pc </a:t>
+                      </a:r>
+                      <a:r>
+                        <a:rPr lang="en-US" altLang="zh-CN" sz="2000" i="0" smtClean="0"/>
+                        <a:t>update</a:t>
+                      </a:r>
+                      <a:endParaRPr lang="zh-CN" altLang="en-US" sz="2000" i="1"/>
+                    </a:p>
+                  </a:txBody>
+                  <a:tcPr marL="88344" marR="88344" marT="44172" marB="44172"/>
+                </a:tc>
+                <a:tc>
+                  <a:txBody>
+                    <a:bodyPr/>
+                    <a:lstStyle/>
+                    <a:p>
+                      <a:r>
+                        <a:rPr lang="en-US" altLang="zh-CN" sz="2000" i="0" smtClean="0"/>
+                        <a:t>Next statement</a:t>
+                      </a:r>
+                      <a:endParaRPr lang="zh-CN" altLang="en-US" sz="2000" i="0"/>
+                    </a:p>
+                  </a:txBody>
+                  <a:tcPr marL="88344" marR="88344" marT="44172" marB="44172"/>
+                </a:tc>
+              </a:tr>
+              <a:tr h="392674">
+                <a:tc>
+                  <a:txBody>
+                    <a:bodyPr/>
+                    <a:lstStyle/>
+                    <a:p>
+                      <a:r>
+                        <a:rPr lang="en-US" altLang="zh-CN" sz="2000" smtClean="0">
+                          <a:latin typeface="Times New Roman" pitchFamily="18" charset="0"/>
+                          <a:cs typeface="Times New Roman" pitchFamily="18" charset="0"/>
+                        </a:rPr>
+                        <a:t>go true</a:t>
+                      </a:r>
+                      <a:endParaRPr lang="zh-CN" altLang="en-US" sz="2000"/>
+                    </a:p>
+                  </a:txBody>
+                  <a:tcPr marL="88344" marR="88344" marT="44172" marB="44172"/>
+                </a:tc>
+                <a:tc>
+                  <a:txBody>
+                    <a:bodyPr/>
+                    <a:lstStyle/>
+                    <a:p>
+                      <a:r>
+                        <a:rPr lang="en-US" altLang="zh-CN" sz="2000" smtClean="0">
+                          <a:latin typeface="Times New Roman" pitchFamily="18" charset="0"/>
+                          <a:cs typeface="Times New Roman" pitchFamily="18" charset="0"/>
+                        </a:rPr>
+                        <a:t>(a &gt; 0) &amp; (a &gt; 5) </a:t>
+                      </a:r>
+                      <a:endParaRPr lang="zh-CN" altLang="en-US" sz="2000"/>
+                    </a:p>
+                  </a:txBody>
+                  <a:tcPr marL="88344" marR="88344" marT="44172" marB="44172"/>
+                </a:tc>
+                <a:tc>
+                  <a:txBody>
+                    <a:bodyPr/>
+                    <a:lstStyle/>
+                    <a:p>
+                      <a:pPr algn="ctr"/>
+                      <a:r>
+                        <a:rPr lang="en-US" altLang="zh-CN" sz="2000" b="1" smtClean="0">
+                          <a:latin typeface="Times New Roman" pitchFamily="18" charset="0"/>
+                          <a:cs typeface="Times New Roman" pitchFamily="18" charset="0"/>
+                        </a:rPr>
+                        <a:t>S1</a:t>
+                      </a:r>
+                      <a:endParaRPr lang="zh-CN" altLang="en-US" sz="2000"/>
+                    </a:p>
+                  </a:txBody>
+                  <a:tcPr marL="88344" marR="88344" marT="44172" marB="44172"/>
+                </a:tc>
+              </a:tr>
+              <a:tr h="428158">
+                <a:tc>
+                  <a:txBody>
+                    <a:bodyPr/>
+                    <a:lstStyle/>
+                    <a:p>
+                      <a:r>
+                        <a:rPr lang="en-US" altLang="zh-CN" sz="2000" smtClean="0">
+                          <a:latin typeface="Times New Roman" pitchFamily="18" charset="0"/>
+                          <a:cs typeface="Times New Roman" pitchFamily="18" charset="0"/>
+                        </a:rPr>
+                        <a:t>go false</a:t>
+                      </a:r>
+                      <a:endParaRPr lang="zh-CN" altLang="en-US" sz="2000"/>
+                    </a:p>
+                  </a:txBody>
+                  <a:tcPr marL="88344" marR="88344" marT="44172" marB="44172"/>
+                </a:tc>
+                <a:tc>
+                  <a:txBody>
+                    <a:bodyPr/>
+                    <a:lstStyle/>
+                    <a:p>
+                      <a:r>
+                        <a:rPr lang="en-US" altLang="zh-CN" sz="2000" smtClean="0">
+                          <a:latin typeface="Times New Roman" pitchFamily="18" charset="0"/>
+                          <a:cs typeface="Times New Roman" pitchFamily="18" charset="0"/>
+                        </a:rPr>
+                        <a:t>(a &gt; 0) &amp; ¬(a &gt; 5) </a:t>
+                      </a:r>
+                      <a:endParaRPr lang="zh-CN" altLang="en-US" sz="2000"/>
+                    </a:p>
+                  </a:txBody>
+                  <a:tcPr marL="88344" marR="88344" marT="44172" marB="44172"/>
+                </a:tc>
+                <a:tc>
+                  <a:txBody>
+                    <a:bodyPr/>
+                    <a:lstStyle/>
+                    <a:p>
+                      <a:pPr algn="ctr"/>
+                      <a:r>
+                        <a:rPr lang="en-US" altLang="zh-CN" sz="2000" b="1" smtClean="0">
+                          <a:latin typeface="Times New Roman" pitchFamily="18" charset="0"/>
+                          <a:cs typeface="Times New Roman" pitchFamily="18" charset="0"/>
+                        </a:rPr>
+                        <a:t>S2</a:t>
+                      </a:r>
+                      <a:endParaRPr lang="zh-CN" altLang="en-US" sz="2000"/>
+                    </a:p>
+                  </a:txBody>
+                  <a:tcPr marL="88344" marR="88344" marT="44172" marB="44172"/>
+                </a:tc>
+              </a:tr>
+              <a:tr h="428628">
+                <a:tc>
+                  <a:txBody>
+                    <a:bodyPr/>
+                    <a:lstStyle/>
+                    <a:p>
+                      <a:r>
+                        <a:rPr lang="en-US" altLang="zh-CN" sz="2000" b="1" smtClean="0">
+                          <a:latin typeface="Times New Roman" pitchFamily="18" charset="0"/>
+                          <a:cs typeface="Times New Roman" pitchFamily="18" charset="0"/>
+                        </a:rPr>
+                        <a:t>ASSUME</a:t>
+                      </a:r>
+                      <a:r>
+                        <a:rPr lang="en-US" altLang="zh-CN" sz="2000" smtClean="0">
+                          <a:latin typeface="Times New Roman" pitchFamily="18" charset="0"/>
+                          <a:cs typeface="Times New Roman" pitchFamily="18" charset="0"/>
+                        </a:rPr>
+                        <a:t> (a&gt;10)</a:t>
+                      </a:r>
+                      <a:endParaRPr lang="zh-CN" altLang="en-US" sz="2000"/>
+                    </a:p>
+                  </a:txBody>
+                  <a:tcPr marL="88344" marR="88344" marT="44172" marB="44172"/>
+                </a:tc>
+                <a:tc>
+                  <a:txBody>
+                    <a:bodyPr/>
+                    <a:lstStyle/>
+                    <a:p>
+                      <a:r>
+                        <a:rPr lang="en-US" altLang="zh-CN" sz="2000" smtClean="0">
+                          <a:latin typeface="Times New Roman" pitchFamily="18" charset="0"/>
+                          <a:cs typeface="Times New Roman" pitchFamily="18" charset="0"/>
+                        </a:rPr>
+                        <a:t>(a &gt; 0) &amp; (a &gt; 10) </a:t>
+                      </a:r>
+                      <a:endParaRPr lang="zh-CN" altLang="en-US" sz="2000"/>
+                    </a:p>
+                  </a:txBody>
+                  <a:tcPr marL="88344" marR="88344" marT="44172" marB="44172"/>
+                </a:tc>
+                <a:tc>
+                  <a:txBody>
+                    <a:bodyPr/>
+                    <a:lstStyle/>
+                    <a:p>
+                      <a:r>
+                        <a:rPr lang="en-US" altLang="zh-CN" sz="1900" smtClean="0">
+                          <a:latin typeface="Times New Roman" pitchFamily="18" charset="0"/>
+                          <a:cs typeface="Times New Roman" pitchFamily="18" charset="0"/>
+                        </a:rPr>
+                        <a:t>re-execute </a:t>
+                      </a:r>
+                      <a:r>
+                        <a:rPr lang="en-US" altLang="zh-CN" sz="1900" b="1" smtClean="0">
+                          <a:latin typeface="Times New Roman" pitchFamily="18" charset="0"/>
+                          <a:cs typeface="Times New Roman" pitchFamily="18" charset="0"/>
+                        </a:rPr>
+                        <a:t>IF </a:t>
+                      </a:r>
+                      <a:r>
+                        <a:rPr lang="en-US" altLang="zh-CN" sz="1900" smtClean="0">
+                          <a:latin typeface="Times New Roman" pitchFamily="18" charset="0"/>
+                          <a:cs typeface="Times New Roman" pitchFamily="18" charset="0"/>
+                        </a:rPr>
+                        <a:t>statement</a:t>
+                      </a:r>
+                      <a:endParaRPr lang="zh-CN" altLang="en-US" sz="1900"/>
+                    </a:p>
+                  </a:txBody>
+                  <a:tcPr marL="88344" marR="88344" marT="44172" marB="44172"/>
+                </a:tc>
+              </a:tr>
+            </a:tbl>
+          </a:graphicData>
+        </a:graphic>
+      </p:graphicFrame>
+    </p:spTree>
+  </p:cSld>
+  <p:clrMapOvr>
+    <a:masterClrMapping/>
+  </p:clrMapOvr>
+  <p:timing>
+    <p:tnLst>
+      <p:par>
+        <p:cTn id="1" dur="indefinite" restart="never" nodeType="tmRoot"/>
+      </p:par>
+    </p:tnLst>
+  </p:timing>
+</p:sld>
+</file>
+
+<file path=ppt/slides/slide15.xml><?xml version="1.0" encoding="utf-8"?>
+<p:sld xmlns:a="http://schemas.openxmlformats.org/drawingml/2006/main" xmlns:r="http://schemas.openxmlformats.org/officeDocument/2006/relationships" xmlns:p="http://schemas.openxmlformats.org/presentationml/2006/main">
+  <p:cSld>
+    <p:spTree>
+      <p:nvGrpSpPr>
+        <p:cNvPr id="1" name=""/>
+        <p:cNvGrpSpPr/>
+        <p:nvPr/>
+      </p:nvGrpSpPr>
+      <p:grpSpPr>
+        <a:xfrm>
+          <a:off x="0" y="0"/>
+          <a:ext cx="0" cy="0"/>
+          <a:chOff x="0" y="0"/>
+          <a:chExt cx="0" cy="0"/>
+        </a:xfrm>
+      </p:grpSpPr>
+      <p:sp>
+        <p:nvSpPr>
+          <p:cNvPr id="2" name="标题 1"/>
+          <p:cNvSpPr>
+            <a:spLocks noGrp="1"/>
+          </p:cNvSpPr>
+          <p:nvPr>
+            <p:ph type="title"/>
+          </p:nvPr>
+        </p:nvSpPr>
+        <p:spPr/>
+        <p:txBody>
+          <a:bodyPr/>
+          <a:lstStyle/>
+          <a:p>
+            <a:r>
+              <a:rPr lang="en-US" altLang="zh-CN" smtClean="0"/>
+              <a:t>Practical issues</a:t>
+            </a:r>
+            <a:endParaRPr lang="zh-CN" altLang="en-US"/>
+          </a:p>
+        </p:txBody>
+      </p:sp>
+      <p:sp>
+        <p:nvSpPr>
+          <p:cNvPr id="3" name="内容占位符 2"/>
+          <p:cNvSpPr>
+            <a:spLocks noGrp="1"/>
+          </p:cNvSpPr>
+          <p:nvPr>
+            <p:ph idx="1"/>
+          </p:nvPr>
+        </p:nvSpPr>
+        <p:spPr/>
+        <p:txBody>
+          <a:bodyPr/>
+          <a:lstStyle/>
+          <a:p>
+            <a:r>
+              <a:rPr lang="en-US" altLang="zh-CN" smtClean="0"/>
+              <a:t>It is a problem of finding a practical way to  deal with variable storage-referencing.</a:t>
+            </a:r>
+          </a:p>
+          <a:p>
+            <a:r>
+              <a:rPr lang="en-US" altLang="zh-CN" smtClean="0"/>
+              <a:t>The conflict between discrete aspects of computer arithmetic and the continuous nature of real numbers.</a:t>
+            </a:r>
+          </a:p>
+          <a:p>
+            <a:endParaRPr lang="zh-CN" altLang="en-US"/>
+          </a:p>
+        </p:txBody>
+      </p:sp>
+      <p:sp>
+        <p:nvSpPr>
+          <p:cNvPr id="4" name="日期占位符 3"/>
+          <p:cNvSpPr>
+            <a:spLocks noGrp="1"/>
+          </p:cNvSpPr>
+          <p:nvPr>
+            <p:ph type="dt" sz="half" idx="10"/>
+          </p:nvPr>
+        </p:nvSpPr>
+        <p:spPr/>
+        <p:txBody>
+          <a:bodyPr/>
+          <a:lstStyle/>
+          <a:p>
+            <a:fld id="{FF88F899-FA6D-4737-879E-62DE3ED9162E}" type="datetime1">
+              <a:rPr kumimoji="1" lang="zh-CN" altLang="en-US" smtClean="0">
+                <a:solidFill>
+                  <a:prstClr val="black">
+                    <a:lumMod val="65000"/>
+                    <a:lumOff val="35000"/>
+                  </a:prstClr>
+                </a:solidFill>
+                <a:ea typeface="宋体"/>
+              </a:rPr>
+              <a:pPr/>
+              <a:t>2020/11/30</a:t>
+            </a:fld>
+            <a:endParaRPr kumimoji="1" lang="zh-CN" altLang="en-US">
+              <a:solidFill>
+                <a:prstClr val="black">
+                  <a:lumMod val="65000"/>
+                  <a:lumOff val="35000"/>
+                </a:prstClr>
+              </a:solidFill>
+              <a:ea typeface="宋体"/>
+            </a:endParaRPr>
+          </a:p>
+        </p:txBody>
+      </p:sp>
+      <p:sp>
+        <p:nvSpPr>
+          <p:cNvPr id="5" name="页脚占位符 4"/>
+          <p:cNvSpPr>
+            <a:spLocks noGrp="1"/>
+          </p:cNvSpPr>
+          <p:nvPr>
+            <p:ph type="ftr" sz="quarter" idx="11"/>
+          </p:nvPr>
+        </p:nvSpPr>
+        <p:spPr/>
+        <p:txBody>
+          <a:bodyPr/>
+          <a:lstStyle/>
+          <a:p>
+            <a:pPr defTabSz="457200"/>
+            <a:endParaRPr lang="zh-CN" altLang="en-US" dirty="0"/>
+          </a:p>
+        </p:txBody>
+      </p:sp>
+      <p:sp>
+        <p:nvSpPr>
+          <p:cNvPr id="6" name="灯片编号占位符 5"/>
+          <p:cNvSpPr>
+            <a:spLocks noGrp="1"/>
+          </p:cNvSpPr>
+          <p:nvPr>
+            <p:ph type="sldNum" sz="quarter" idx="12"/>
+          </p:nvPr>
+        </p:nvSpPr>
+        <p:spPr/>
+        <p:txBody>
+          <a:bodyPr/>
+          <a:lstStyle/>
+          <a:p>
+            <a:fld id="{71F1F346-3964-904C-8DB0-057A2D699FB9}" type="slidenum">
+              <a:rPr kumimoji="1" lang="zh-CN" altLang="en-US" smtClean="0">
+                <a:solidFill>
+                  <a:prstClr val="black">
+                    <a:lumMod val="65000"/>
+                    <a:lumOff val="35000"/>
+                  </a:prstClr>
+                </a:solidFill>
+                <a:ea typeface="宋体"/>
+              </a:rPr>
+              <a:pPr/>
+              <a:t>15</a:t>
+            </a:fld>
+            <a:endParaRPr kumimoji="1" lang="zh-CN" altLang="en-US">
+              <a:solidFill>
+                <a:prstClr val="black">
+                  <a:lumMod val="65000"/>
+                  <a:lumOff val="35000"/>
+                </a:prstClr>
+              </a:solidFill>
+              <a:ea typeface="宋体"/>
+            </a:endParaRPr>
+          </a:p>
+        </p:txBody>
+      </p:sp>
+    </p:spTree>
+  </p:cSld>
+  <p:clrMapOvr>
+    <a:masterClrMapping/>
+  </p:clrMapOvr>
+</p:sld>
+</file>
+
+<file path=ppt/slides/slide16.xml><?xml version="1.0" encoding="utf-8"?>
+<p:sld xmlns:a="http://schemas.openxmlformats.org/drawingml/2006/main" xmlns:r="http://schemas.openxmlformats.org/officeDocument/2006/relationships" xmlns:p="http://schemas.openxmlformats.org/presentationml/2006/main">
+  <p:cSld>
+    <p:spTree>
+      <p:nvGrpSpPr>
+        <p:cNvPr id="1" name=""/>
+        <p:cNvGrpSpPr/>
+        <p:nvPr/>
+      </p:nvGrpSpPr>
+      <p:grpSpPr>
+        <a:xfrm>
+          <a:off x="0" y="0"/>
+          <a:ext cx="0" cy="0"/>
+          <a:chOff x="0" y="0"/>
+          <a:chExt cx="0" cy="0"/>
+        </a:xfrm>
+      </p:grpSpPr>
+      <p:sp>
+        <p:nvSpPr>
+          <p:cNvPr id="2" name="标题 1"/>
+          <p:cNvSpPr>
+            <a:spLocks noGrp="1"/>
+          </p:cNvSpPr>
+          <p:nvPr>
+            <p:ph type="title"/>
+          </p:nvPr>
+        </p:nvSpPr>
+        <p:spPr/>
+        <p:txBody>
+          <a:bodyPr/>
+          <a:lstStyle/>
+          <a:p>
+            <a:r>
+              <a:rPr lang="en-US" altLang="zh-CN" dirty="0" smtClean="0"/>
+              <a:t>Conclusion</a:t>
+            </a:r>
+            <a:endParaRPr lang="zh-CN" altLang="en-US" dirty="0"/>
+          </a:p>
+        </p:txBody>
+      </p:sp>
+      <p:sp>
+        <p:nvSpPr>
+          <p:cNvPr id="3" name="内容占位符 2"/>
+          <p:cNvSpPr>
+            <a:spLocks noGrp="1"/>
+          </p:cNvSpPr>
+          <p:nvPr>
+            <p:ph idx="1"/>
+          </p:nvPr>
+        </p:nvSpPr>
+        <p:spPr/>
+        <p:txBody>
+          <a:bodyPr/>
+          <a:lstStyle/>
+          <a:p>
+            <a:pPr>
+              <a:spcAft>
+                <a:spcPts val="600"/>
+              </a:spcAft>
+            </a:pPr>
+            <a:r>
+              <a:rPr lang="en-US" altLang="zh-CN" dirty="0" smtClean="0"/>
+              <a:t>One symbolic execution represents a large class of normal executions. This can help program testing and debugging. </a:t>
+            </a:r>
+          </a:p>
+          <a:p>
+            <a:pPr>
+              <a:spcAft>
+                <a:spcPts val="600"/>
+              </a:spcAft>
+            </a:pPr>
+            <a:r>
+              <a:rPr lang="en-US" altLang="zh-CN" dirty="0" smtClean="0"/>
+              <a:t>The author built an interactive debugging system called </a:t>
+            </a:r>
+            <a:r>
+              <a:rPr lang="en-US" altLang="zh-CN" cap="small" dirty="0" smtClean="0"/>
+              <a:t>Effigy</a:t>
+            </a:r>
+            <a:r>
+              <a:rPr lang="en-US" altLang="zh-CN" dirty="0" smtClean="0"/>
+              <a:t>, which embodies symbolic execution.</a:t>
+            </a:r>
+          </a:p>
+          <a:p>
+            <a:pPr>
+              <a:spcAft>
+                <a:spcPts val="600"/>
+              </a:spcAft>
+            </a:pPr>
+            <a:r>
+              <a:rPr lang="en-US" altLang="zh-CN" dirty="0"/>
+              <a:t>Symbolic </a:t>
+            </a:r>
+            <a:r>
+              <a:rPr lang="en-US" altLang="zh-CN" dirty="0" smtClean="0"/>
+              <a:t>execution is also useful in other forms of program analysis.</a:t>
+            </a:r>
+            <a:endParaRPr lang="zh-CN" altLang="en-US" dirty="0"/>
+          </a:p>
+        </p:txBody>
+      </p:sp>
+      <p:sp>
+        <p:nvSpPr>
+          <p:cNvPr id="4" name="日期占位符 3"/>
+          <p:cNvSpPr>
+            <a:spLocks noGrp="1"/>
+          </p:cNvSpPr>
+          <p:nvPr>
+            <p:ph type="dt" sz="half" idx="10"/>
+          </p:nvPr>
+        </p:nvSpPr>
+        <p:spPr/>
+        <p:txBody>
+          <a:bodyPr/>
+          <a:lstStyle/>
+          <a:p>
+            <a:fld id="{FF88F899-FA6D-4737-879E-62DE3ED9162E}" type="datetime1">
+              <a:rPr kumimoji="1" lang="zh-CN" altLang="en-US" smtClean="0">
+                <a:solidFill>
+                  <a:prstClr val="black">
+                    <a:lumMod val="65000"/>
+                    <a:lumOff val="35000"/>
+                  </a:prstClr>
+                </a:solidFill>
+                <a:ea typeface="宋体"/>
+              </a:rPr>
+              <a:pPr/>
+              <a:t>2020/11/30</a:t>
+            </a:fld>
+            <a:endParaRPr kumimoji="1" lang="zh-CN" altLang="en-US">
+              <a:solidFill>
+                <a:prstClr val="black">
+                  <a:lumMod val="65000"/>
+                  <a:lumOff val="35000"/>
+                </a:prstClr>
+              </a:solidFill>
+              <a:ea typeface="宋体"/>
+            </a:endParaRPr>
+          </a:p>
+        </p:txBody>
+      </p:sp>
+      <p:sp>
+        <p:nvSpPr>
+          <p:cNvPr id="5" name="页脚占位符 4"/>
+          <p:cNvSpPr>
+            <a:spLocks noGrp="1"/>
+          </p:cNvSpPr>
+          <p:nvPr>
+            <p:ph type="ftr" sz="quarter" idx="11"/>
+          </p:nvPr>
+        </p:nvSpPr>
+        <p:spPr/>
+        <p:txBody>
+          <a:bodyPr/>
+          <a:lstStyle/>
+          <a:p>
+            <a:pPr defTabSz="457200"/>
+            <a:endParaRPr lang="zh-CN" altLang="en-US" dirty="0"/>
+          </a:p>
+        </p:txBody>
+      </p:sp>
+      <p:sp>
+        <p:nvSpPr>
+          <p:cNvPr id="6" name="灯片编号占位符 5"/>
+          <p:cNvSpPr>
+            <a:spLocks noGrp="1"/>
+          </p:cNvSpPr>
+          <p:nvPr>
+            <p:ph type="sldNum" sz="quarter" idx="12"/>
+          </p:nvPr>
+        </p:nvSpPr>
+        <p:spPr/>
+        <p:txBody>
+          <a:bodyPr/>
+          <a:lstStyle/>
+          <a:p>
+            <a:fld id="{71F1F346-3964-904C-8DB0-057A2D699FB9}" type="slidenum">
+              <a:rPr kumimoji="1" lang="zh-CN" altLang="en-US" smtClean="0">
+                <a:solidFill>
+                  <a:prstClr val="black">
+                    <a:lumMod val="65000"/>
+                    <a:lumOff val="35000"/>
+                  </a:prstClr>
+                </a:solidFill>
+                <a:ea typeface="宋体"/>
+              </a:rPr>
+              <a:pPr/>
+              <a:t>16</a:t>
+            </a:fld>
+            <a:endParaRPr kumimoji="1" lang="zh-CN" altLang="en-US">
+              <a:solidFill>
+                <a:prstClr val="black">
+                  <a:lumMod val="65000"/>
+                  <a:lumOff val="35000"/>
+                </a:prstClr>
+              </a:solidFill>
+              <a:ea typeface="宋体"/>
+            </a:endParaRPr>
+          </a:p>
+        </p:txBody>
+      </p:sp>
+    </p:spTree>
+    <p:extLst>
+      <p:ext uri="{BB962C8B-B14F-4D97-AF65-F5344CB8AC3E}">
+        <p14:creationId xmlns:p14="http://schemas.microsoft.com/office/powerpoint/2010/main" xmlns="" val="137591514"/>
+      </p:ext>
+    </p:extLst>
+  </p:cSld>
+  <p:clrMapOvr>
+    <a:masterClrMapping/>
+  </p:clrMapOvr>
+  <p:timing>
+    <p:tnLst>
+      <p:par>
+        <p:cTn id="1" dur="indefinite" restart="never" nodeType="tmRoot"/>
+      </p:par>
+    </p:tnLst>
+  </p:timing>
+</p:sld>
+</file>
+
+<file path=ppt/slides/slide17.xml><?xml version="1.0" encoding="utf-8"?>
+<p:sld xmlns:a="http://schemas.openxmlformats.org/drawingml/2006/main" xmlns:r="http://schemas.openxmlformats.org/officeDocument/2006/relationships" xmlns:p="http://schemas.openxmlformats.org/presentationml/2006/main">
+  <p:cSld>
+    <p:spTree>
+      <p:nvGrpSpPr>
+        <p:cNvPr id="1" name=""/>
+        <p:cNvGrpSpPr/>
+        <p:nvPr/>
+      </p:nvGrpSpPr>
+      <p:grpSpPr>
+        <a:xfrm>
+          <a:off x="0" y="0"/>
+          <a:ext cx="0" cy="0"/>
+          <a:chOff x="0" y="0"/>
+          <a:chExt cx="0" cy="0"/>
+        </a:xfrm>
+      </p:grpSpPr>
+      <p:sp>
+        <p:nvSpPr>
           <p:cNvPr id="2" name="内容占位符 1"/>
           <p:cNvSpPr>
             <a:spLocks noGrp="1"/>
@@ -13553,14 +14648,7 @@
                 <a:latin typeface="Times New Roman" panose="02020603050405020304" pitchFamily="18" charset="0"/>
                 <a:cs typeface="Times New Roman" panose="02020603050405020304" pitchFamily="18" charset="0"/>
               </a:rPr>
-              <a:t>Thank </a:t>
-            </a:r>
-            <a:r>
-              <a:rPr lang="en-US" altLang="zh-CN" sz="5400" b="1" dirty="0" smtClean="0">
-                <a:latin typeface="Times New Roman" panose="02020603050405020304" pitchFamily="18" charset="0"/>
-                <a:cs typeface="Times New Roman" panose="02020603050405020304" pitchFamily="18" charset="0"/>
-              </a:rPr>
-              <a:t>you</a:t>
+              <a:t>Thank you</a:t>
             </a:r>
           </a:p>
           <a:p>
@@ -13577,28 +14665,24 @@
               </a:rPr>
               <a:t>Q &amp; A</a:t>
             </a:r>
-            <a:endParaRPr lang="en-US" altLang="zh-CN" sz="5400" b="1" dirty="0" smtClean="0">
-              <a:latin typeface="Times New Roman" panose="02020603050405020304" pitchFamily="18" charset="0"/>
-              <a:cs typeface="Times New Roman" panose="02020603050405020304" pitchFamily="18" charset="0"/>
-            </a:endParaRPr>
           </a:p>
         </p:txBody>
       </p:sp>
     </p:spTree>
     <p:extLst>
       <p:ext uri="{BB962C8B-B14F-4D97-AF65-F5344CB8AC3E}">
-        <p14:creationId xmlns:p14="http://schemas.microsoft.com/office/powerpoint/2010/main" val="1912946656"/>
+        <p14:creationId xmlns:p14="http://schemas.microsoft.com/office/powerpoint/2010/main" xmlns="" val="1912946656"/>
       </p:ext>
     </p:extLst>
   </p:cSld>
   <p:clrMapOvr>
     <a:masterClrMapping/>
   </p:clrMapOvr>
-  <mc:AlternateContent xmlns:mc="http://schemas.openxmlformats.org/markup-compatibility/2006" xmlns:p14="http://schemas.microsoft.com/office/powerpoint/2010/main">
-    <mc:Choice Requires="p14">
+  <mc:AlternateContent xmlns:mc="http://schemas.openxmlformats.org/markup-compatibility/2006">
+    <mc:Choice xmlns:p14="http://schemas.microsoft.com/office/powerpoint/2010/main" xmlns="" Requires="p14">
       <p:transition spd="slow" p14:dur="2000" advTm="1792"/>
     </mc:Choice>
-    <mc:Fallback xmlns="">
+    <mc:Fallback>
       <p:transition spd="slow" advTm="1792"/>
     </mc:Fallback>
   </mc:AlternateContent>
@@ -13608,6 +14692,1202 @@
         <p:cTn id="1" dur="indefinite" restart="never" nodeType="tmRoot"/>
       </p:par>
     </p:tnLst>
+  </p:timing>
+</p:sld>
+</file>
+
+<file path=ppt/slides/slide18.xml><?xml version="1.0" encoding="utf-8"?>
+<p:sld xmlns:a="http://schemas.openxmlformats.org/drawingml/2006/main" xmlns:r="http://schemas.openxmlformats.org/officeDocument/2006/relationships" xmlns:p="http://schemas.openxmlformats.org/presentationml/2006/main">
+  <p:cSld>
+    <p:spTree>
+      <p:nvGrpSpPr>
+        <p:cNvPr id="1" name=""/>
+        <p:cNvGrpSpPr/>
+        <p:nvPr/>
+      </p:nvGrpSpPr>
+      <p:grpSpPr>
+        <a:xfrm>
+          <a:off x="0" y="0"/>
+          <a:ext cx="0" cy="0"/>
+          <a:chOff x="0" y="0"/>
+          <a:chExt cx="0" cy="0"/>
+        </a:xfrm>
+      </p:grpSpPr>
+      <p:sp>
+        <p:nvSpPr>
+          <p:cNvPr id="2" name="标题 1"/>
+          <p:cNvSpPr>
+            <a:spLocks noGrp="1"/>
+          </p:cNvSpPr>
+          <p:nvPr>
+            <p:ph type="title"/>
+          </p:nvPr>
+        </p:nvSpPr>
+        <p:spPr/>
+        <p:txBody>
+          <a:bodyPr/>
+          <a:lstStyle/>
+          <a:p>
+            <a:r>
+              <a:rPr lang="en-US" altLang="zh-CN" cap="small" smtClean="0"/>
+              <a:t>Effigy</a:t>
+            </a:r>
+            <a:endParaRPr lang="zh-CN" altLang="en-US"/>
+          </a:p>
+        </p:txBody>
+      </p:sp>
+      <p:sp>
+        <p:nvSpPr>
+          <p:cNvPr id="3" name="内容占位符 2"/>
+          <p:cNvSpPr>
+            <a:spLocks noGrp="1"/>
+          </p:cNvSpPr>
+          <p:nvPr>
+            <p:ph idx="1"/>
+          </p:nvPr>
+        </p:nvSpPr>
+        <p:spPr/>
+        <p:txBody>
+          <a:bodyPr/>
+          <a:lstStyle/>
+          <a:p>
+            <a:r>
+              <a:rPr lang="en-US" altLang="zh-CN" smtClean="0"/>
+              <a:t>The user may define arbitrary identifiers as symbolic program inputs.</a:t>
+            </a:r>
+            <a:endParaRPr lang="zh-CN" altLang="en-US"/>
+          </a:p>
+        </p:txBody>
+      </p:sp>
+      <p:sp>
+        <p:nvSpPr>
+          <p:cNvPr id="4" name="日期占位符 3"/>
+          <p:cNvSpPr>
+            <a:spLocks noGrp="1"/>
+          </p:cNvSpPr>
+          <p:nvPr>
+            <p:ph type="dt" sz="half" idx="10"/>
+          </p:nvPr>
+        </p:nvSpPr>
+        <p:spPr/>
+        <p:txBody>
+          <a:bodyPr/>
+          <a:lstStyle/>
+          <a:p>
+            <a:fld id="{FF88F899-FA6D-4737-879E-62DE3ED9162E}" type="datetime1">
+              <a:rPr kumimoji="1" lang="zh-CN" altLang="en-US" smtClean="0">
+                <a:solidFill>
+                  <a:prstClr val="black">
+                    <a:lumMod val="65000"/>
+                    <a:lumOff val="35000"/>
+                  </a:prstClr>
+                </a:solidFill>
+                <a:ea typeface="宋体"/>
+              </a:rPr>
+              <a:pPr/>
+              <a:t>2020/11/30</a:t>
+            </a:fld>
+            <a:endParaRPr kumimoji="1" lang="zh-CN" altLang="en-US">
+              <a:solidFill>
+                <a:prstClr val="black">
+                  <a:lumMod val="65000"/>
+                  <a:lumOff val="35000"/>
+                </a:prstClr>
+              </a:solidFill>
+              <a:ea typeface="宋体"/>
+            </a:endParaRPr>
+          </a:p>
+        </p:txBody>
+      </p:sp>
+      <p:sp>
+        <p:nvSpPr>
+          <p:cNvPr id="5" name="页脚占位符 4"/>
+          <p:cNvSpPr>
+            <a:spLocks noGrp="1"/>
+          </p:cNvSpPr>
+          <p:nvPr>
+            <p:ph type="ftr" sz="quarter" idx="11"/>
+          </p:nvPr>
+        </p:nvSpPr>
+        <p:spPr/>
+        <p:txBody>
+          <a:bodyPr/>
+          <a:lstStyle/>
+          <a:p>
+            <a:pPr defTabSz="457200"/>
+            <a:endParaRPr lang="zh-CN" altLang="en-US" dirty="0"/>
+          </a:p>
+        </p:txBody>
+      </p:sp>
+      <p:sp>
+        <p:nvSpPr>
+          <p:cNvPr id="6" name="灯片编号占位符 5"/>
+          <p:cNvSpPr>
+            <a:spLocks noGrp="1"/>
+          </p:cNvSpPr>
+          <p:nvPr>
+            <p:ph type="sldNum" sz="quarter" idx="12"/>
+          </p:nvPr>
+        </p:nvSpPr>
+        <p:spPr/>
+        <p:txBody>
+          <a:bodyPr/>
+          <a:lstStyle/>
+          <a:p>
+            <a:fld id="{71F1F346-3964-904C-8DB0-057A2D699FB9}" type="slidenum">
+              <a:rPr kumimoji="1" lang="zh-CN" altLang="en-US" smtClean="0">
+                <a:solidFill>
+                  <a:prstClr val="black">
+                    <a:lumMod val="65000"/>
+                    <a:lumOff val="35000"/>
+                  </a:prstClr>
+                </a:solidFill>
+                <a:ea typeface="宋体"/>
+              </a:rPr>
+              <a:pPr/>
+              <a:t>18</a:t>
+            </a:fld>
+            <a:endParaRPr kumimoji="1" lang="zh-CN" altLang="en-US">
+              <a:solidFill>
+                <a:prstClr val="black">
+                  <a:lumMod val="65000"/>
+                  <a:lumOff val="35000"/>
+                </a:prstClr>
+              </a:solidFill>
+              <a:ea typeface="宋体"/>
+            </a:endParaRPr>
+          </a:p>
+        </p:txBody>
+      </p:sp>
+      <p:graphicFrame>
+        <p:nvGraphicFramePr>
+          <p:cNvPr id="7" name="表格 6"/>
+          <p:cNvGraphicFramePr>
+            <a:graphicFrameLocks noGrp="1"/>
+          </p:cNvGraphicFramePr>
+          <p:nvPr/>
+        </p:nvGraphicFramePr>
+        <p:xfrm>
+          <a:off x="785786" y="2857496"/>
+          <a:ext cx="7572428" cy="2038794"/>
+        </p:xfrm>
+        <a:graphic>
+          <a:graphicData uri="http://schemas.openxmlformats.org/drawingml/2006/table">
+            <a:tbl>
+              <a:tblPr bandRow="1">
+                <a:tableStyleId>{8A107856-5554-42FB-B03E-39F5DBC370BA}</a:tableStyleId>
+              </a:tblPr>
+              <a:tblGrid>
+                <a:gridCol w="3786214"/>
+                <a:gridCol w="3786214"/>
+              </a:tblGrid>
+              <a:tr h="442278">
+                <a:tc>
+                  <a:txBody>
+                    <a:bodyPr/>
+                    <a:lstStyle/>
+                    <a:p>
+                      <a:r>
+                        <a:rPr lang="en-US" altLang="zh-CN" sz="2200" smtClean="0"/>
+                        <a:t>CALL SUM (1, 3, 5);</a:t>
+                      </a:r>
+                      <a:endParaRPr lang="zh-CN" altLang="en-US" sz="2200"/>
+                    </a:p>
+                  </a:txBody>
+                  <a:tcPr marL="120798" marR="120798" marT="60399" marB="60399">
+                    <a:lnL w="12700" cmpd="sng">
+                      <a:noFill/>
+                    </a:lnL>
+                    <a:lnR w="12700" cap="flat" cmpd="sng" algn="ctr">
+                      <a:solidFill>
+                        <a:schemeClr val="tx1"/>
+                      </a:solidFill>
+                      <a:prstDash val="solid"/>
+                      <a:round/>
+                      <a:headEnd type="none" w="med" len="med"/>
+                      <a:tailEnd type="none" w="med" len="med"/>
+                    </a:lnR>
+                    <a:lnT w="12700" cmpd="sng">
+                      <a:noFill/>
+                    </a:lnT>
+                    <a:lnB w="12700" cap="flat" cmpd="sng" algn="ctr">
+                      <a:solidFill>
+                        <a:schemeClr val="tx1"/>
+                      </a:solidFill>
+                      <a:prstDash val="solid"/>
+                      <a:round/>
+                      <a:headEnd type="none" w="med" len="med"/>
+                      <a:tailEnd type="none" w="med" len="med"/>
+                    </a:lnB>
+                    <a:lnTlToBr w="12700" cmpd="sng">
+                      <a:noFill/>
+                      <a:prstDash val="solid"/>
+                    </a:lnTlToBr>
+                    <a:lnBlToTr w="12700" cmpd="sng">
+                      <a:noFill/>
+                      <a:prstDash val="solid"/>
+                    </a:lnBlToTr>
+                    <a:solidFill>
+                      <a:srgbClr val="00B050"/>
+                    </a:solidFill>
+                  </a:tcPr>
+                </a:tc>
+                <a:tc>
+                  <a:txBody>
+                    <a:bodyPr/>
+                    <a:lstStyle/>
+                    <a:p>
+                      <a:r>
+                        <a:rPr lang="en-US" altLang="zh-CN" sz="2200" smtClean="0"/>
+                        <a:t>Normal execution over integers</a:t>
+                      </a:r>
+                      <a:endParaRPr lang="zh-CN" altLang="en-US" sz="2200"/>
+                    </a:p>
+                  </a:txBody>
+                  <a:tcPr marL="120798" marR="120798" marT="60399" marB="60399">
+                    <a:lnL w="12700" cap="flat" cmpd="sng" algn="ctr">
+                      <a:solidFill>
+                        <a:schemeClr val="tx1"/>
+                      </a:solidFill>
+                      <a:prstDash val="solid"/>
+                      <a:round/>
+                      <a:headEnd type="none" w="med" len="med"/>
+                      <a:tailEnd type="none" w="med" len="med"/>
+                    </a:lnL>
+                    <a:lnR w="12700" cmpd="sng">
+                      <a:noFill/>
+                    </a:lnR>
+                    <a:lnT w="12700" cmpd="sng">
+                      <a:noFill/>
+                    </a:lnT>
+                    <a:lnB w="12700" cap="flat" cmpd="sng" algn="ctr">
+                      <a:solidFill>
+                        <a:schemeClr val="tx1"/>
+                      </a:solidFill>
+                      <a:prstDash val="solid"/>
+                      <a:round/>
+                      <a:headEnd type="none" w="med" len="med"/>
+                      <a:tailEnd type="none" w="med" len="med"/>
+                    </a:lnB>
+                    <a:lnTlToBr w="12700" cmpd="sng">
+                      <a:noFill/>
+                      <a:prstDash val="solid"/>
+                    </a:lnTlToBr>
+                    <a:lnBlToTr w="12700" cmpd="sng">
+                      <a:noFill/>
+                      <a:prstDash val="solid"/>
+                    </a:lnBlToTr>
+                    <a:solidFill>
+                      <a:srgbClr val="00B050"/>
+                    </a:solidFill>
+                  </a:tcPr>
+                </a:tc>
+              </a:tr>
+              <a:tr h="442278">
+                <a:tc>
+                  <a:txBody>
+                    <a:bodyPr/>
+                    <a:lstStyle/>
+                    <a:p>
+                      <a:pPr marL="0" marR="0" indent="0" algn="l" defTabSz="914400" rtl="0" eaLnBrk="1" fontAlgn="auto" latinLnBrk="0" hangingPunct="1">
+                        <a:lnSpc>
+                          <a:spcPct val="100000"/>
+                        </a:lnSpc>
+                        <a:spcBef>
+                          <a:spcPts val="0"/>
+                        </a:spcBef>
+                        <a:spcAft>
+                          <a:spcPts val="0"/>
+                        </a:spcAft>
+                        <a:buClrTx/>
+                        <a:buSzTx/>
+                        <a:buFontTx/>
+                        <a:buNone/>
+                        <a:tabLst/>
+                        <a:defRPr/>
+                      </a:pPr>
+                      <a:r>
+                        <a:rPr lang="en-US" altLang="zh-CN" sz="2200" smtClean="0"/>
+                        <a:t>CALL SUM (“A”, “B”, “C”);</a:t>
+                      </a:r>
+                      <a:endParaRPr lang="zh-CN" altLang="en-US" sz="2200" smtClean="0"/>
+                    </a:p>
+                  </a:txBody>
+                  <a:tcPr marL="120798" marR="120798" marT="60399" marB="60399">
+                    <a:lnL w="12700" cmpd="sng">
+                      <a:noFill/>
+                    </a:lnL>
+                    <a:lnR w="12700" cap="flat" cmpd="sng" algn="ctr">
+                      <a:solidFill>
+                        <a:schemeClr val="tx1"/>
+                      </a:solidFill>
+                      <a:prstDash val="solid"/>
+                      <a:round/>
+                      <a:headEnd type="none" w="med" len="med"/>
+                      <a:tailEnd type="none" w="med" len="med"/>
+                    </a:lnR>
+                    <a:lnT w="12700" cap="flat" cmpd="sng" algn="ctr">
+                      <a:solidFill>
+                        <a:schemeClr val="tx1"/>
+                      </a:solidFill>
+                      <a:prstDash val="solid"/>
+                      <a:round/>
+                      <a:headEnd type="none" w="med" len="med"/>
+                      <a:tailEnd type="none" w="med" len="med"/>
+                    </a:lnT>
+                    <a:lnB w="12700" cap="flat" cmpd="sng" algn="ctr">
+                      <a:solidFill>
+                        <a:schemeClr val="tx1"/>
+                      </a:solidFill>
+                      <a:prstDash val="solid"/>
+                      <a:round/>
+                      <a:headEnd type="none" w="med" len="med"/>
+                      <a:tailEnd type="none" w="med" len="med"/>
+                    </a:lnB>
+                    <a:lnTlToBr w="12700" cmpd="sng">
+                      <a:noFill/>
+                      <a:prstDash val="solid"/>
+                    </a:lnTlToBr>
+                    <a:lnBlToTr w="12700" cmpd="sng">
+                      <a:noFill/>
+                      <a:prstDash val="solid"/>
+                    </a:lnBlToTr>
+                    <a:solidFill>
+                      <a:srgbClr val="92D050"/>
+                    </a:solidFill>
+                  </a:tcPr>
+                </a:tc>
+                <a:tc>
+                  <a:txBody>
+                    <a:bodyPr/>
+                    <a:lstStyle/>
+                    <a:p>
+                      <a:r>
+                        <a:rPr lang="en-US" altLang="zh-CN" sz="2200" smtClean="0"/>
+                        <a:t>Symbolic execution using the symbols A, B, and</a:t>
+                      </a:r>
+                      <a:r>
+                        <a:rPr lang="en-US" altLang="zh-CN" sz="2200" baseline="0" smtClean="0"/>
+                        <a:t> C</a:t>
+                      </a:r>
+                      <a:endParaRPr lang="zh-CN" altLang="en-US" sz="2200"/>
+                    </a:p>
+                  </a:txBody>
+                  <a:tcPr marL="120798" marR="120798" marT="60399" marB="60399">
+                    <a:lnL w="12700" cap="flat" cmpd="sng" algn="ctr">
+                      <a:solidFill>
+                        <a:schemeClr val="tx1"/>
+                      </a:solidFill>
+                      <a:prstDash val="solid"/>
+                      <a:round/>
+                      <a:headEnd type="none" w="med" len="med"/>
+                      <a:tailEnd type="none" w="med" len="med"/>
+                    </a:lnL>
+                    <a:lnR w="12700" cmpd="sng">
+                      <a:noFill/>
+                    </a:lnR>
+                    <a:lnT w="12700" cap="flat" cmpd="sng" algn="ctr">
+                      <a:solidFill>
+                        <a:schemeClr val="tx1"/>
+                      </a:solidFill>
+                      <a:prstDash val="solid"/>
+                      <a:round/>
+                      <a:headEnd type="none" w="med" len="med"/>
+                      <a:tailEnd type="none" w="med" len="med"/>
+                    </a:lnT>
+                    <a:lnB w="12700" cap="flat" cmpd="sng" algn="ctr">
+                      <a:solidFill>
+                        <a:schemeClr val="tx1"/>
+                      </a:solidFill>
+                      <a:prstDash val="solid"/>
+                      <a:round/>
+                      <a:headEnd type="none" w="med" len="med"/>
+                      <a:tailEnd type="none" w="med" len="med"/>
+                    </a:lnB>
+                    <a:lnTlToBr w="12700" cmpd="sng">
+                      <a:noFill/>
+                      <a:prstDash val="solid"/>
+                    </a:lnTlToBr>
+                    <a:lnBlToTr w="12700" cmpd="sng">
+                      <a:noFill/>
+                      <a:prstDash val="solid"/>
+                    </a:lnBlToTr>
+                    <a:solidFill>
+                      <a:srgbClr val="92D050"/>
+                    </a:solidFill>
+                  </a:tcPr>
+                </a:tc>
+              </a:tr>
+              <a:tr h="442278">
+                <a:tc>
+                  <a:txBody>
+                    <a:bodyPr/>
+                    <a:lstStyle/>
+                    <a:p>
+                      <a:pPr marL="0" marR="0" indent="0" algn="l" defTabSz="914400" rtl="0" eaLnBrk="1" fontAlgn="auto" latinLnBrk="0" hangingPunct="1">
+                        <a:lnSpc>
+                          <a:spcPct val="100000"/>
+                        </a:lnSpc>
+                        <a:spcBef>
+                          <a:spcPts val="0"/>
+                        </a:spcBef>
+                        <a:spcAft>
+                          <a:spcPts val="0"/>
+                        </a:spcAft>
+                        <a:buClrTx/>
+                        <a:buSzTx/>
+                        <a:buFontTx/>
+                        <a:buNone/>
+                        <a:tabLst/>
+                        <a:defRPr/>
+                      </a:pPr>
+                      <a:r>
+                        <a:rPr lang="en-US" altLang="zh-CN" sz="2200" smtClean="0"/>
+                        <a:t>CALL SUM (“A”, 3, 5);</a:t>
+                      </a:r>
+                      <a:endParaRPr lang="zh-CN" altLang="en-US" sz="2200" smtClean="0"/>
+                    </a:p>
+                  </a:txBody>
+                  <a:tcPr marL="120798" marR="120798" marT="60399" marB="60399">
+                    <a:lnL w="12700" cmpd="sng">
+                      <a:noFill/>
+                    </a:lnL>
+                    <a:lnR w="12700" cap="flat" cmpd="sng" algn="ctr">
+                      <a:solidFill>
+                        <a:schemeClr val="tx1"/>
+                      </a:solidFill>
+                      <a:prstDash val="solid"/>
+                      <a:round/>
+                      <a:headEnd type="none" w="med" len="med"/>
+                      <a:tailEnd type="none" w="med" len="med"/>
+                    </a:lnR>
+                    <a:lnT w="12700" cap="flat" cmpd="sng" algn="ctr">
+                      <a:solidFill>
+                        <a:schemeClr val="tx1"/>
+                      </a:solidFill>
+                      <a:prstDash val="solid"/>
+                      <a:round/>
+                      <a:headEnd type="none" w="med" len="med"/>
+                      <a:tailEnd type="none" w="med" len="med"/>
+                    </a:lnT>
+                    <a:lnB w="12700" cmpd="sng">
+                      <a:noFill/>
+                    </a:lnB>
+                    <a:lnTlToBr w="12700" cmpd="sng">
+                      <a:noFill/>
+                      <a:prstDash val="solid"/>
+                    </a:lnTlToBr>
+                    <a:lnBlToTr w="12700" cmpd="sng">
+                      <a:noFill/>
+                      <a:prstDash val="solid"/>
+                    </a:lnBlToTr>
+                    <a:solidFill>
+                      <a:srgbClr val="00B050"/>
+                    </a:solidFill>
+                  </a:tcPr>
+                </a:tc>
+                <a:tc>
+                  <a:txBody>
+                    <a:bodyPr/>
+                    <a:lstStyle/>
+                    <a:p>
+                      <a:r>
+                        <a:rPr lang="en-US" altLang="zh-CN" sz="2200" smtClean="0"/>
+                        <a:t>A combination</a:t>
+                      </a:r>
+                      <a:endParaRPr lang="zh-CN" altLang="en-US" sz="2200"/>
+                    </a:p>
+                  </a:txBody>
+                  <a:tcPr marL="120798" marR="120798" marT="60399" marB="60399">
+                    <a:lnL w="12700" cap="flat" cmpd="sng" algn="ctr">
+                      <a:solidFill>
+                        <a:schemeClr val="tx1"/>
+                      </a:solidFill>
+                      <a:prstDash val="solid"/>
+                      <a:round/>
+                      <a:headEnd type="none" w="med" len="med"/>
+                      <a:tailEnd type="none" w="med" len="med"/>
+                    </a:lnL>
+                    <a:lnR w="12700" cmpd="sng">
+                      <a:noFill/>
+                    </a:lnR>
+                    <a:lnT w="12700" cap="flat" cmpd="sng" algn="ctr">
+                      <a:solidFill>
+                        <a:schemeClr val="tx1"/>
+                      </a:solidFill>
+                      <a:prstDash val="solid"/>
+                      <a:round/>
+                      <a:headEnd type="none" w="med" len="med"/>
+                      <a:tailEnd type="none" w="med" len="med"/>
+                    </a:lnT>
+                    <a:lnB w="12700" cmpd="sng">
+                      <a:noFill/>
+                    </a:lnB>
+                    <a:lnTlToBr w="12700" cmpd="sng">
+                      <a:noFill/>
+                      <a:prstDash val="solid"/>
+                    </a:lnTlToBr>
+                    <a:lnBlToTr w="12700" cmpd="sng">
+                      <a:noFill/>
+                      <a:prstDash val="solid"/>
+                    </a:lnBlToTr>
+                    <a:solidFill>
+                      <a:srgbClr val="00B050"/>
+                    </a:solidFill>
+                  </a:tcPr>
+                </a:tc>
+              </a:tr>
+            </a:tbl>
+          </a:graphicData>
+        </a:graphic>
+      </p:graphicFrame>
+    </p:spTree>
+  </p:cSld>
+  <p:clrMapOvr>
+    <a:masterClrMapping/>
+  </p:clrMapOvr>
+  <p:timing>
+    <p:tnLst>
+      <p:par>
+        <p:cTn id="1" dur="indefinite" restart="never" nodeType="tmRoot"/>
+      </p:par>
+    </p:tnLst>
+  </p:timing>
+</p:sld>
+</file>
+
+<file path=ppt/slides/slide19.xml><?xml version="1.0" encoding="utf-8"?>
+<p:sld xmlns:a="http://schemas.openxmlformats.org/drawingml/2006/main" xmlns:r="http://schemas.openxmlformats.org/officeDocument/2006/relationships" xmlns:p="http://schemas.openxmlformats.org/presentationml/2006/main">
+  <p:cSld>
+    <p:spTree>
+      <p:nvGrpSpPr>
+        <p:cNvPr id="1" name=""/>
+        <p:cNvGrpSpPr/>
+        <p:nvPr/>
+      </p:nvGrpSpPr>
+      <p:grpSpPr>
+        <a:xfrm>
+          <a:off x="0" y="0"/>
+          <a:ext cx="0" cy="0"/>
+          <a:chOff x="0" y="0"/>
+          <a:chExt cx="0" cy="0"/>
+        </a:xfrm>
+      </p:grpSpPr>
+      <p:sp>
+        <p:nvSpPr>
+          <p:cNvPr id="2" name="标题 1"/>
+          <p:cNvSpPr>
+            <a:spLocks noGrp="1"/>
+          </p:cNvSpPr>
+          <p:nvPr>
+            <p:ph type="title"/>
+          </p:nvPr>
+        </p:nvSpPr>
+        <p:spPr/>
+        <p:txBody>
+          <a:bodyPr/>
+          <a:lstStyle/>
+          <a:p>
+            <a:endParaRPr lang="zh-CN" altLang="en-US"/>
+          </a:p>
+        </p:txBody>
+      </p:sp>
+      <p:sp>
+        <p:nvSpPr>
+          <p:cNvPr id="4" name="日期占位符 3"/>
+          <p:cNvSpPr>
+            <a:spLocks noGrp="1"/>
+          </p:cNvSpPr>
+          <p:nvPr>
+            <p:ph type="dt" sz="half" idx="10"/>
+          </p:nvPr>
+        </p:nvSpPr>
+        <p:spPr/>
+        <p:txBody>
+          <a:bodyPr/>
+          <a:lstStyle/>
+          <a:p>
+            <a:fld id="{FF88F899-FA6D-4737-879E-62DE3ED9162E}" type="datetime1">
+              <a:rPr kumimoji="1" lang="zh-CN" altLang="en-US" smtClean="0">
+                <a:solidFill>
+                  <a:prstClr val="black">
+                    <a:lumMod val="65000"/>
+                    <a:lumOff val="35000"/>
+                  </a:prstClr>
+                </a:solidFill>
+                <a:ea typeface="宋体"/>
+              </a:rPr>
+              <a:pPr/>
+              <a:t>2020/11/30</a:t>
+            </a:fld>
+            <a:endParaRPr kumimoji="1" lang="zh-CN" altLang="en-US">
+              <a:solidFill>
+                <a:prstClr val="black">
+                  <a:lumMod val="65000"/>
+                  <a:lumOff val="35000"/>
+                </a:prstClr>
+              </a:solidFill>
+              <a:ea typeface="宋体"/>
+            </a:endParaRPr>
+          </a:p>
+        </p:txBody>
+      </p:sp>
+      <p:sp>
+        <p:nvSpPr>
+          <p:cNvPr id="5" name="页脚占位符 4"/>
+          <p:cNvSpPr>
+            <a:spLocks noGrp="1"/>
+          </p:cNvSpPr>
+          <p:nvPr>
+            <p:ph type="ftr" sz="quarter" idx="11"/>
+          </p:nvPr>
+        </p:nvSpPr>
+        <p:spPr/>
+        <p:txBody>
+          <a:bodyPr/>
+          <a:lstStyle/>
+          <a:p>
+            <a:pPr defTabSz="457200"/>
+            <a:endParaRPr lang="zh-CN" altLang="en-US" dirty="0"/>
+          </a:p>
+        </p:txBody>
+      </p:sp>
+      <p:sp>
+        <p:nvSpPr>
+          <p:cNvPr id="6" name="灯片编号占位符 5"/>
+          <p:cNvSpPr>
+            <a:spLocks noGrp="1"/>
+          </p:cNvSpPr>
+          <p:nvPr>
+            <p:ph type="sldNum" sz="quarter" idx="12"/>
+          </p:nvPr>
+        </p:nvSpPr>
+        <p:spPr/>
+        <p:txBody>
+          <a:bodyPr/>
+          <a:lstStyle/>
+          <a:p>
+            <a:fld id="{71F1F346-3964-904C-8DB0-057A2D699FB9}" type="slidenum">
+              <a:rPr kumimoji="1" lang="zh-CN" altLang="en-US" smtClean="0">
+                <a:solidFill>
+                  <a:prstClr val="black">
+                    <a:lumMod val="65000"/>
+                    <a:lumOff val="35000"/>
+                  </a:prstClr>
+                </a:solidFill>
+                <a:ea typeface="宋体"/>
+              </a:rPr>
+              <a:pPr/>
+              <a:t>19</a:t>
+            </a:fld>
+            <a:endParaRPr kumimoji="1" lang="zh-CN" altLang="en-US">
+              <a:solidFill>
+                <a:prstClr val="black">
+                  <a:lumMod val="65000"/>
+                  <a:lumOff val="35000"/>
+                </a:prstClr>
+              </a:solidFill>
+              <a:ea typeface="宋体"/>
+            </a:endParaRPr>
+          </a:p>
+        </p:txBody>
+      </p:sp>
+      <p:sp>
+        <p:nvSpPr>
+          <p:cNvPr id="7" name="TextBox 6"/>
+          <p:cNvSpPr txBox="1"/>
+          <p:nvPr/>
+        </p:nvSpPr>
+        <p:spPr>
+          <a:xfrm>
+            <a:off x="3143240" y="1071546"/>
+            <a:ext cx="3857620" cy="5301451"/>
+          </a:xfrm>
+          <a:prstGeom prst="rect">
+            <a:avLst/>
+          </a:prstGeom>
+          <a:noFill/>
+        </p:spPr>
+        <p:txBody>
+          <a:bodyPr wrap="square" rtlCol="0">
+            <a:spAutoFit/>
+          </a:bodyPr>
+          <a:lstStyle/>
+          <a:p>
+            <a:r>
+              <a:rPr lang="en-US" altLang="zh-CN" sz="1900" smtClean="0">
+                <a:latin typeface="Times New Roman" pitchFamily="18" charset="0"/>
+                <a:cs typeface="Times New Roman" pitchFamily="18" charset="0"/>
+              </a:rPr>
+              <a:t>variable </a:t>
+            </a:r>
+            <a:r>
+              <a:rPr lang="en-US" altLang="zh-CN" sz="1900" b="1" smtClean="0">
+                <a:latin typeface="Times New Roman" pitchFamily="18" charset="0"/>
+                <a:cs typeface="Times New Roman" pitchFamily="18" charset="0"/>
+              </a:rPr>
+              <a:t>X</a:t>
+            </a:r>
+            <a:r>
+              <a:rPr lang="en-US" altLang="zh-CN" sz="1900" smtClean="0">
+                <a:latin typeface="Times New Roman" pitchFamily="18" charset="0"/>
+                <a:cs typeface="Times New Roman" pitchFamily="18" charset="0"/>
+              </a:rPr>
+              <a:t> has the value </a:t>
+            </a:r>
+            <a:r>
+              <a:rPr lang="en-US" altLang="zh-CN" sz="1900" b="1" smtClean="0">
+                <a:latin typeface="Times New Roman" pitchFamily="18" charset="0"/>
+                <a:cs typeface="Times New Roman" pitchFamily="18" charset="0"/>
+              </a:rPr>
+              <a:t>a</a:t>
+            </a:r>
+          </a:p>
+          <a:p>
+            <a:r>
+              <a:rPr lang="en-US" altLang="zh-CN" sz="1900" i="1" smtClean="0">
+                <a:latin typeface="Times New Roman" pitchFamily="18" charset="0"/>
+                <a:cs typeface="Times New Roman" pitchFamily="18" charset="0"/>
+              </a:rPr>
+              <a:t>pc</a:t>
+            </a:r>
+            <a:r>
+              <a:rPr lang="en-US" altLang="zh-CN" sz="1900" smtClean="0">
+                <a:latin typeface="Times New Roman" pitchFamily="18" charset="0"/>
+                <a:cs typeface="Times New Roman" pitchFamily="18" charset="0"/>
+              </a:rPr>
+              <a:t> has the value </a:t>
+            </a:r>
+            <a:r>
+              <a:rPr lang="en-US" altLang="zh-CN" sz="1900" b="1" smtClean="0">
+                <a:latin typeface="Times New Roman" pitchFamily="18" charset="0"/>
+                <a:cs typeface="Times New Roman" pitchFamily="18" charset="0"/>
+              </a:rPr>
+              <a:t>a</a:t>
+            </a:r>
+            <a:r>
+              <a:rPr lang="en-US" altLang="zh-CN" sz="1900" smtClean="0">
+                <a:latin typeface="Times New Roman" pitchFamily="18" charset="0"/>
+                <a:cs typeface="Times New Roman" pitchFamily="18" charset="0"/>
+              </a:rPr>
+              <a:t> &gt; 0</a:t>
+            </a:r>
+          </a:p>
+          <a:p>
+            <a:pPr>
+              <a:lnSpc>
+                <a:spcPct val="150000"/>
+              </a:lnSpc>
+            </a:pPr>
+            <a:r>
+              <a:rPr lang="en-US" altLang="zh-CN" sz="1900" b="1" smtClean="0">
+                <a:latin typeface="Times New Roman" pitchFamily="18" charset="0"/>
+                <a:cs typeface="Times New Roman" pitchFamily="18" charset="0"/>
+              </a:rPr>
+              <a:t>IF X &gt; 5 THEN S1 ELSE S2</a:t>
+            </a:r>
+          </a:p>
+          <a:p>
+            <a:r>
+              <a:rPr lang="en-US" altLang="zh-CN" sz="1900" smtClean="0">
+                <a:latin typeface="Times New Roman" pitchFamily="18" charset="0"/>
+                <a:cs typeface="Times New Roman" pitchFamily="18" charset="0"/>
+              </a:rPr>
+              <a:t>First check:</a:t>
+            </a:r>
+          </a:p>
+          <a:p>
+            <a:r>
+              <a:rPr lang="en-US" altLang="zh-CN" sz="1900" smtClean="0">
+                <a:latin typeface="Times New Roman" pitchFamily="18" charset="0"/>
+                <a:cs typeface="Times New Roman" pitchFamily="18" charset="0"/>
+              </a:rPr>
+              <a:t>(a)  a &gt; 0 </a:t>
+            </a:r>
+            <a:r>
+              <a:rPr lang="en-US" altLang="zh-CN" sz="1900" smtClean="0">
+                <a:latin typeface="Times New Roman" pitchFamily="18" charset="0"/>
+                <a:cs typeface="Times New Roman" pitchFamily="18" charset="0"/>
+              </a:rPr>
+              <a:t>→ (a &gt; </a:t>
+            </a:r>
+            <a:r>
+              <a:rPr lang="en-US" altLang="zh-CN" sz="1900" smtClean="0">
+                <a:latin typeface="Times New Roman" pitchFamily="18" charset="0"/>
+                <a:cs typeface="Times New Roman" pitchFamily="18" charset="0"/>
+              </a:rPr>
+              <a:t>5</a:t>
+            </a:r>
+            <a:r>
+              <a:rPr lang="en-US" altLang="zh-CN" sz="1900" smtClean="0">
+                <a:latin typeface="Times New Roman" pitchFamily="18" charset="0"/>
+                <a:cs typeface="Times New Roman" pitchFamily="18" charset="0"/>
+              </a:rPr>
+              <a:t>) nor</a:t>
+            </a:r>
+          </a:p>
+          <a:p>
+            <a:pPr marL="342900" indent="-342900">
+              <a:lnSpc>
+                <a:spcPct val="150000"/>
+              </a:lnSpc>
+              <a:buAutoNum type="alphaLcParenBoth" startAt="2"/>
+            </a:pPr>
+            <a:r>
+              <a:rPr lang="en-US" altLang="zh-CN" sz="1900" smtClean="0">
+                <a:latin typeface="Times New Roman" pitchFamily="18" charset="0"/>
+                <a:cs typeface="Times New Roman" pitchFamily="18" charset="0"/>
+              </a:rPr>
+              <a:t>a &gt; 0 → </a:t>
+            </a:r>
+            <a:r>
+              <a:rPr lang="en-US" altLang="zh-CN" sz="1900" smtClean="0">
+                <a:latin typeface="Times New Roman" pitchFamily="18" charset="0"/>
+                <a:cs typeface="Times New Roman" pitchFamily="18" charset="0"/>
+              </a:rPr>
+              <a:t>¬</a:t>
+            </a:r>
+            <a:r>
+              <a:rPr lang="en-US" altLang="zh-CN" sz="1900" smtClean="0">
+                <a:latin typeface="Times New Roman" pitchFamily="18" charset="0"/>
+                <a:cs typeface="Times New Roman" pitchFamily="18" charset="0"/>
+              </a:rPr>
+              <a:t>(a &gt; 5)</a:t>
+            </a:r>
+          </a:p>
+          <a:p>
+            <a:pPr marL="342900" indent="-342900">
+              <a:lnSpc>
+                <a:spcPct val="150000"/>
+              </a:lnSpc>
+            </a:pPr>
+            <a:r>
+              <a:rPr lang="en-US" altLang="zh-CN" sz="1900" smtClean="0">
+                <a:latin typeface="Times New Roman" pitchFamily="18" charset="0"/>
+                <a:cs typeface="Times New Roman" pitchFamily="18" charset="0"/>
+              </a:rPr>
+              <a:t>If type “go true”, </a:t>
+            </a:r>
+            <a:r>
+              <a:rPr lang="en-US" altLang="zh-CN" sz="1900" i="1" smtClean="0">
+                <a:latin typeface="Times New Roman" pitchFamily="18" charset="0"/>
+                <a:cs typeface="Times New Roman" pitchFamily="18" charset="0"/>
+              </a:rPr>
+              <a:t>pc </a:t>
+            </a:r>
+            <a:r>
+              <a:rPr lang="en-US" altLang="zh-CN" sz="1900" smtClean="0">
+                <a:latin typeface="Times New Roman" pitchFamily="18" charset="0"/>
+                <a:cs typeface="Times New Roman" pitchFamily="18" charset="0"/>
+              </a:rPr>
+              <a:t>is updated to</a:t>
+            </a:r>
+          </a:p>
+          <a:p>
+            <a:pPr marL="342900" indent="-342900"/>
+            <a:r>
+              <a:rPr lang="en-US" altLang="zh-CN" sz="1900" smtClean="0">
+                <a:latin typeface="Times New Roman" pitchFamily="18" charset="0"/>
+                <a:cs typeface="Times New Roman" pitchFamily="18" charset="0"/>
+              </a:rPr>
+              <a:t>(a </a:t>
+            </a:r>
+            <a:r>
+              <a:rPr lang="en-US" altLang="zh-CN" sz="1900" smtClean="0">
+                <a:latin typeface="Times New Roman" pitchFamily="18" charset="0"/>
+                <a:cs typeface="Times New Roman" pitchFamily="18" charset="0"/>
+              </a:rPr>
+              <a:t>&gt; </a:t>
+            </a:r>
+            <a:r>
+              <a:rPr lang="en-US" altLang="zh-CN" sz="1900" smtClean="0">
+                <a:latin typeface="Times New Roman" pitchFamily="18" charset="0"/>
+                <a:cs typeface="Times New Roman" pitchFamily="18" charset="0"/>
+              </a:rPr>
+              <a:t>0) &amp; </a:t>
+            </a:r>
+            <a:r>
+              <a:rPr lang="en-US" altLang="zh-CN" sz="1900" smtClean="0">
+                <a:latin typeface="Times New Roman" pitchFamily="18" charset="0"/>
+                <a:cs typeface="Times New Roman" pitchFamily="18" charset="0"/>
+              </a:rPr>
+              <a:t>(a &gt; </a:t>
+            </a:r>
+            <a:r>
+              <a:rPr lang="en-US" altLang="zh-CN" sz="1900" smtClean="0">
+                <a:latin typeface="Times New Roman" pitchFamily="18" charset="0"/>
+                <a:cs typeface="Times New Roman" pitchFamily="18" charset="0"/>
+              </a:rPr>
+              <a:t>5</a:t>
+            </a:r>
+            <a:r>
+              <a:rPr lang="en-US" altLang="zh-CN" sz="1900" smtClean="0">
+                <a:latin typeface="Times New Roman" pitchFamily="18" charset="0"/>
+                <a:cs typeface="Times New Roman" pitchFamily="18" charset="0"/>
+              </a:rPr>
+              <a:t>) and </a:t>
+            </a:r>
+            <a:r>
+              <a:rPr lang="en-US" altLang="zh-CN" sz="1900" b="1" smtClean="0">
+                <a:latin typeface="Times New Roman" pitchFamily="18" charset="0"/>
+                <a:cs typeface="Times New Roman" pitchFamily="18" charset="0"/>
+              </a:rPr>
+              <a:t>S1</a:t>
+            </a:r>
+            <a:r>
+              <a:rPr lang="en-US" altLang="zh-CN" sz="1900" smtClean="0">
+                <a:latin typeface="Times New Roman" pitchFamily="18" charset="0"/>
+                <a:cs typeface="Times New Roman" pitchFamily="18" charset="0"/>
+              </a:rPr>
+              <a:t> is next. </a:t>
+            </a:r>
+          </a:p>
+          <a:p>
+            <a:pPr marL="342900" indent="-342900"/>
+            <a:r>
+              <a:rPr lang="en-US" altLang="zh-CN" sz="1900" smtClean="0">
+                <a:latin typeface="Times New Roman" pitchFamily="18" charset="0"/>
+                <a:cs typeface="Times New Roman" pitchFamily="18" charset="0"/>
+              </a:rPr>
+              <a:t>If type “</a:t>
+            </a:r>
+            <a:r>
+              <a:rPr lang="en-US" altLang="zh-CN" sz="1900" smtClean="0">
+                <a:latin typeface="Times New Roman" pitchFamily="18" charset="0"/>
+                <a:cs typeface="Times New Roman" pitchFamily="18" charset="0"/>
+              </a:rPr>
+              <a:t>go </a:t>
+            </a:r>
+            <a:r>
+              <a:rPr lang="en-US" altLang="zh-CN" sz="1900" smtClean="0">
+                <a:latin typeface="Times New Roman" pitchFamily="18" charset="0"/>
+                <a:cs typeface="Times New Roman" pitchFamily="18" charset="0"/>
+              </a:rPr>
+              <a:t>false”, </a:t>
+            </a:r>
+            <a:r>
+              <a:rPr lang="en-US" altLang="zh-CN" sz="1900" i="1" smtClean="0">
+                <a:latin typeface="Times New Roman" pitchFamily="18" charset="0"/>
+                <a:cs typeface="Times New Roman" pitchFamily="18" charset="0"/>
+              </a:rPr>
+              <a:t>pc </a:t>
+            </a:r>
+            <a:r>
+              <a:rPr lang="en-US" altLang="zh-CN" sz="1900" smtClean="0">
+                <a:latin typeface="Times New Roman" pitchFamily="18" charset="0"/>
+                <a:cs typeface="Times New Roman" pitchFamily="18" charset="0"/>
+              </a:rPr>
+              <a:t>is updated to</a:t>
+            </a:r>
+          </a:p>
+          <a:p>
+            <a:pPr marL="342900" indent="-342900"/>
+            <a:r>
+              <a:rPr lang="en-US" altLang="zh-CN" sz="1900" smtClean="0">
+                <a:latin typeface="Times New Roman" pitchFamily="18" charset="0"/>
+                <a:cs typeface="Times New Roman" pitchFamily="18" charset="0"/>
+              </a:rPr>
+              <a:t>(a &gt; 0) &amp; ¬(a &gt; 5) and </a:t>
+            </a:r>
+            <a:r>
+              <a:rPr lang="en-US" altLang="zh-CN" sz="1900" b="1" smtClean="0">
+                <a:latin typeface="Times New Roman" pitchFamily="18" charset="0"/>
+                <a:cs typeface="Times New Roman" pitchFamily="18" charset="0"/>
+              </a:rPr>
+              <a:t>S2</a:t>
+            </a:r>
+            <a:r>
+              <a:rPr lang="en-US" altLang="zh-CN" sz="1900" smtClean="0">
+                <a:latin typeface="Times New Roman" pitchFamily="18" charset="0"/>
+                <a:cs typeface="Times New Roman" pitchFamily="18" charset="0"/>
+              </a:rPr>
+              <a:t> is next. </a:t>
+            </a:r>
+          </a:p>
+          <a:p>
+            <a:pPr indent="-342900"/>
+            <a:r>
+              <a:rPr lang="en-US" altLang="zh-CN" sz="1900" smtClean="0">
+                <a:latin typeface="Times New Roman" pitchFamily="18" charset="0"/>
+                <a:cs typeface="Times New Roman" pitchFamily="18" charset="0"/>
+              </a:rPr>
+              <a:t>If type “</a:t>
+            </a:r>
+            <a:r>
+              <a:rPr lang="en-US" altLang="zh-CN" sz="1900" b="1" smtClean="0">
+                <a:latin typeface="Times New Roman" pitchFamily="18" charset="0"/>
+                <a:cs typeface="Times New Roman" pitchFamily="18" charset="0"/>
+              </a:rPr>
+              <a:t>ASSUME</a:t>
+            </a:r>
+            <a:r>
+              <a:rPr lang="en-US" altLang="zh-CN" sz="1900" smtClean="0">
+                <a:latin typeface="Times New Roman" pitchFamily="18" charset="0"/>
+                <a:cs typeface="Times New Roman" pitchFamily="18" charset="0"/>
+              </a:rPr>
+              <a:t> (a&gt;10)”, </a:t>
+            </a:r>
+            <a:r>
+              <a:rPr lang="en-US" altLang="zh-CN" sz="1900" i="1" smtClean="0">
+                <a:latin typeface="Times New Roman" pitchFamily="18" charset="0"/>
+                <a:cs typeface="Times New Roman" pitchFamily="18" charset="0"/>
+              </a:rPr>
+              <a:t>pc </a:t>
+            </a:r>
+            <a:r>
+              <a:rPr lang="en-US" altLang="zh-CN" sz="1900" smtClean="0">
+                <a:latin typeface="Times New Roman" pitchFamily="18" charset="0"/>
+                <a:cs typeface="Times New Roman" pitchFamily="18" charset="0"/>
+              </a:rPr>
+              <a:t>is updated to </a:t>
+            </a:r>
+            <a:r>
+              <a:rPr lang="en-US" altLang="zh-CN" sz="1900" smtClean="0">
+                <a:latin typeface="Times New Roman" pitchFamily="18" charset="0"/>
+                <a:cs typeface="Times New Roman" pitchFamily="18" charset="0"/>
+              </a:rPr>
+              <a:t>(a &gt; 0) &amp; (a </a:t>
+            </a:r>
+            <a:r>
+              <a:rPr lang="en-US" altLang="zh-CN" sz="1900" smtClean="0">
+                <a:latin typeface="Times New Roman" pitchFamily="18" charset="0"/>
+                <a:cs typeface="Times New Roman" pitchFamily="18" charset="0"/>
+              </a:rPr>
+              <a:t>&gt; </a:t>
+            </a:r>
+            <a:r>
+              <a:rPr lang="en-US" altLang="zh-CN" sz="1900" smtClean="0">
+                <a:latin typeface="Times New Roman" pitchFamily="18" charset="0"/>
+                <a:cs typeface="Times New Roman" pitchFamily="18" charset="0"/>
+              </a:rPr>
+              <a:t>10) and re-execute </a:t>
+            </a:r>
+            <a:r>
+              <a:rPr lang="en-US" altLang="zh-CN" sz="1900" b="1" smtClean="0">
+                <a:latin typeface="Times New Roman" pitchFamily="18" charset="0"/>
+                <a:cs typeface="Times New Roman" pitchFamily="18" charset="0"/>
+              </a:rPr>
+              <a:t>IF </a:t>
+            </a:r>
+            <a:r>
+              <a:rPr lang="en-US" altLang="zh-CN" sz="1900" smtClean="0">
+                <a:latin typeface="Times New Roman" pitchFamily="18" charset="0"/>
+                <a:cs typeface="Times New Roman" pitchFamily="18" charset="0"/>
+              </a:rPr>
+              <a:t>statement. </a:t>
+            </a:r>
+            <a:endParaRPr lang="en-US" altLang="zh-CN" sz="1900" i="1" smtClean="0">
+              <a:latin typeface="Times New Roman" pitchFamily="18" charset="0"/>
+              <a:cs typeface="Times New Roman" pitchFamily="18" charset="0"/>
+            </a:endParaRPr>
+          </a:p>
+          <a:p>
+            <a:pPr marL="342900" indent="-342900"/>
+            <a:endParaRPr lang="en-US" altLang="zh-CN" smtClean="0">
+              <a:cs typeface="Times New Roman" pitchFamily="18" charset="0"/>
+            </a:endParaRPr>
+          </a:p>
+          <a:p>
+            <a:pPr marL="342900" indent="-342900"/>
+            <a:endParaRPr lang="en-US" altLang="zh-CN" i="1" smtClean="0">
+              <a:cs typeface="Times New Roman" pitchFamily="18" charset="0"/>
+            </a:endParaRPr>
+          </a:p>
+          <a:p>
+            <a:pPr>
+              <a:lnSpc>
+                <a:spcPct val="150000"/>
+              </a:lnSpc>
+            </a:pPr>
+            <a:endParaRPr lang="zh-CN" altLang="en-US" b="1">
+              <a:latin typeface="Times New Roman" pitchFamily="18" charset="0"/>
+              <a:cs typeface="Times New Roman" pitchFamily="18" charset="0"/>
+            </a:endParaRPr>
+          </a:p>
+        </p:txBody>
+      </p:sp>
+    </p:spTree>
+  </p:cSld>
+  <p:clrMapOvr>
+    <a:masterClrMapping/>
+  </p:clrMapOvr>
+  <p:timing>
+    <p:tnLst>
+      <p:par>
+        <p:cTn id="1" dur="indefinite" restart="never" nodeType="tmRoot">
+          <p:childTnLst>
+            <p:seq concurrent="1" nextAc="seek">
+              <p:cTn id="2" dur="indefinite" nodeType="mainSeq">
+                <p:childTnLst>
+                  <p:par>
+                    <p:cTn id="3" fill="hold">
+                      <p:stCondLst>
+                        <p:cond delay="indefinite"/>
+                      </p:stCondLst>
+                      <p:childTnLst>
+                        <p:par>
+                          <p:cTn id="4" fill="hold">
+                            <p:stCondLst>
+                              <p:cond delay="0"/>
+                            </p:stCondLst>
+                            <p:childTnLst>
+                              <p:par>
+                                <p:cTn id="5" presetID="1" presetClass="entr" presetSubtype="0" fill="hold" grpId="0" nodeType="clickEffect">
+                                  <p:stCondLst>
+                                    <p:cond delay="0"/>
+                                  </p:stCondLst>
+                                  <p:childTnLst>
+                                    <p:set>
+                                      <p:cBhvr>
+                                        <p:cTn id="6" dur="1" fill="hold">
+                                          <p:stCondLst>
+                                            <p:cond delay="0"/>
+                                          </p:stCondLst>
+                                        </p:cTn>
+                                        <p:tgtEl>
+                                          <p:spTgt spid="7"/>
+                                        </p:tgtEl>
+                                        <p:attrNameLst>
+                                          <p:attrName>style.visibility</p:attrName>
+                                        </p:attrNameLst>
+                                      </p:cBhvr>
+                                      <p:to>
+                                        <p:strVal val="visible"/>
+                                      </p:to>
+                                    </p:set>
+                                  </p:childTnLst>
+                                </p:cTn>
+                              </p:par>
+                            </p:childTnLst>
+                          </p:cTn>
+                        </p:par>
+                      </p:childTnLst>
+                    </p:cTn>
+                  </p:par>
+                </p:childTnLst>
+              </p:cTn>
+              <p:prevCondLst>
+                <p:cond evt="onPrev" delay="0">
+                  <p:tgtEl>
+                    <p:sldTgt/>
+                  </p:tgtEl>
+                </p:cond>
+              </p:prevCondLst>
+              <p:nextCondLst>
+                <p:cond evt="onNext" delay="0">
+                  <p:tgtEl>
+                    <p:sldTgt/>
+                  </p:tgtEl>
+                </p:cond>
+              </p:nextCondLst>
+            </p:seq>
+          </p:childTnLst>
+        </p:cTn>
+      </p:par>
+    </p:tnLst>
+    <p:bldLst>
+      <p:bldP spid="7" grpId="0"/>
+    </p:bldLst>
   </p:timing>
 </p:sld>
 </file>
@@ -13896,7 +16176,7 @@
           <a:blip r:embed="rId6" cstate="print">
             <a:extLst>
               <a:ext uri="{28A0092B-C50C-407E-A947-70E740481C1C}">
-                <a14:useLocalDpi xmlns:a14="http://schemas.microsoft.com/office/drawing/2010/main" val="0"/>
+                <a14:useLocalDpi xmlns:a14="http://schemas.microsoft.com/office/drawing/2010/main" xmlns="" val="0"/>
               </a:ext>
             </a:extLst>
           </a:blip>
@@ -13916,7 +16196,7 @@
           <a:noFill/>
           <a:extLst>
             <a:ext uri="{909E8E84-426E-40DD-AFC4-6F175D3DCCD1}">
-              <a14:hiddenFill xmlns:a14="http://schemas.microsoft.com/office/drawing/2010/main">
+              <a14:hiddenFill xmlns:a14="http://schemas.microsoft.com/office/drawing/2010/main" xmlns="">
                 <a:solidFill>
                   <a:srgbClr val="FFFFFF"/>
                 </a:solidFill>
@@ -13937,7 +16217,7 @@
           <a:blip r:embed="rId7" cstate="print">
             <a:extLst>
               <a:ext uri="{28A0092B-C50C-407E-A947-70E740481C1C}">
-                <a14:useLocalDpi xmlns:a14="http://schemas.microsoft.com/office/drawing/2010/main" val="0"/>
+                <a14:useLocalDpi xmlns:a14="http://schemas.microsoft.com/office/drawing/2010/main" xmlns="" val="0"/>
               </a:ext>
             </a:extLst>
           </a:blip>
@@ -13957,7 +16237,7 @@
           <a:noFill/>
           <a:extLst>
             <a:ext uri="{909E8E84-426E-40DD-AFC4-6F175D3DCCD1}">
-              <a14:hiddenFill xmlns:a14="http://schemas.microsoft.com/office/drawing/2010/main">
+              <a14:hiddenFill xmlns:a14="http://schemas.microsoft.com/office/drawing/2010/main" xmlns="">
                 <a:solidFill>
                   <a:srgbClr val="FFFFFF"/>
                 </a:solidFill>
@@ -14058,7 +16338,7 @@
           <a:blip r:embed="rId8" cstate="print">
             <a:extLst>
               <a:ext uri="{28A0092B-C50C-407E-A947-70E740481C1C}">
-                <a14:useLocalDpi xmlns:a14="http://schemas.microsoft.com/office/drawing/2010/main" val="0"/>
+                <a14:useLocalDpi xmlns:a14="http://schemas.microsoft.com/office/drawing/2010/main" xmlns="" val="0"/>
               </a:ext>
             </a:extLst>
           </a:blip>
@@ -14078,7 +16358,7 @@
           <a:noFill/>
           <a:extLst>
             <a:ext uri="{909E8E84-426E-40DD-AFC4-6F175D3DCCD1}">
-              <a14:hiddenFill xmlns:a14="http://schemas.microsoft.com/office/drawing/2010/main">
+              <a14:hiddenFill xmlns:a14="http://schemas.microsoft.com/office/drawing/2010/main" xmlns="">
                 <a:solidFill>
                   <a:srgbClr val="FFFFFF"/>
                 </a:solidFill>
@@ -14170,7 +16450,7 @@
     </p:spTree>
     <p:extLst>
       <p:ext uri="{BB962C8B-B14F-4D97-AF65-F5344CB8AC3E}">
-        <p14:creationId xmlns:p14="http://schemas.microsoft.com/office/powerpoint/2010/main" val="2758785605"/>
+        <p14:creationId xmlns:p14="http://schemas.microsoft.com/office/powerpoint/2010/main" xmlns="" val="2758785605"/>
       </p:ext>
     </p:extLst>
   </p:cSld>
@@ -14907,7 +17187,7 @@
     </p:spTree>
     <p:extLst>
       <p:ext uri="{BB962C8B-B14F-4D97-AF65-F5344CB8AC3E}">
-        <p14:creationId xmlns:p14="http://schemas.microsoft.com/office/powerpoint/2010/main" val="242703108"/>
+        <p14:creationId xmlns:p14="http://schemas.microsoft.com/office/powerpoint/2010/main" xmlns="" val="242703108"/>
       </p:ext>
     </p:extLst>
   </p:cSld>
@@ -15326,7 +17606,7 @@
     </p:spTree>
     <p:extLst>
       <p:ext uri="{BB962C8B-B14F-4D97-AF65-F5344CB8AC3E}">
-        <p14:creationId xmlns:p14="http://schemas.microsoft.com/office/powerpoint/2010/main" val="11622534"/>
+        <p14:creationId xmlns:p14="http://schemas.microsoft.com/office/powerpoint/2010/main" xmlns="" val="11622534"/>
       </p:ext>
     </p:extLst>
   </p:cSld>
@@ -15564,27 +17844,14 @@
             <p:ph idx="1"/>
           </p:nvPr>
         </p:nvSpPr>
-        <p:spPr>
-          <a:xfrm>
-            <a:off x="457200" y="1719263"/>
-            <a:ext cx="8229600" cy="2429817"/>
-          </a:xfrm>
-        </p:spPr>
+        <p:spPr/>
         <p:txBody>
           <a:bodyPr/>
           <a:lstStyle/>
           <a:p>
             <a:r>
               <a:rPr lang="en-US" altLang="zh-CN" sz="2800" dirty="0" smtClean="0"/>
-              <a:t>Program </a:t>
-            </a:r>
-            <a:r>
-              <a:rPr lang="en-US" altLang="zh-CN" sz="2800" dirty="0"/>
-              <a:t>t</a:t>
-            </a:r>
-            <a:r>
-              <a:rPr lang="en-US" altLang="zh-CN" sz="2800" dirty="0" smtClean="0"/>
-              <a:t>esting</a:t>
+              <a:t>Program proving</a:t>
             </a:r>
           </a:p>
           <a:p>
@@ -15597,8 +17864,8 @@
               </a:spcAft>
             </a:pPr>
             <a:r>
-              <a:rPr lang="en-US" altLang="zh-CN" sz="2200" dirty="0" smtClean="0"/>
-              <a:t>If the program is judged to produce correct results for some small sample data, it is assumed to be correct.</a:t>
+              <a:rPr lang="en-US" altLang="zh-CN" dirty="0" smtClean="0"/>
+              <a:t>The programmer formally proves that the program meets its specification for all executions.</a:t>
             </a:r>
           </a:p>
           <a:p>
@@ -15611,9 +17878,76 @@
               </a:spcAft>
             </a:pPr>
             <a:r>
-              <a:rPr lang="en-US" altLang="zh-CN" sz="2200" dirty="0" smtClean="0"/>
-              <a:t>It is a big question of how to choose the sample. The sample data may not cover all executions.</a:t>
-            </a:r>
+              <a:rPr lang="en-US" altLang="zh-CN" dirty="0" smtClean="0"/>
+              <a:t>The practical accomplishments fall short of a tool for routine use. </a:t>
+            </a:r>
+          </a:p>
+          <a:p>
+            <a:pPr lvl="2">
+              <a:spcBef>
+                <a:spcPts val="600"/>
+              </a:spcBef>
+              <a:spcAft>
+                <a:spcPts val="600"/>
+              </a:spcAft>
+            </a:pPr>
+            <a:r>
+              <a:rPr lang="en-US" altLang="zh-CN" sz="1600" dirty="0" smtClean="0">
+                <a:solidFill>
+                  <a:schemeClr val="bg1">
+                    <a:lumMod val="50000"/>
+                  </a:schemeClr>
+                </a:solidFill>
+              </a:rPr>
+              <a:t>There is no proof assistant in 1970s. </a:t>
+            </a:r>
+            <a:r>
+              <a:rPr lang="en-US" altLang="zh-CN" sz="1600" i="1" dirty="0" smtClean="0">
+                <a:solidFill>
+                  <a:schemeClr val="bg1">
+                    <a:lumMod val="50000"/>
+                  </a:schemeClr>
+                </a:solidFill>
+              </a:rPr>
+              <a:t>Coq</a:t>
+            </a:r>
+            <a:r>
+              <a:rPr lang="en-US" altLang="zh-CN" sz="1600" dirty="0" smtClean="0">
+                <a:solidFill>
+                  <a:schemeClr val="bg1">
+                    <a:lumMod val="50000"/>
+                  </a:schemeClr>
+                </a:solidFill>
+              </a:rPr>
+              <a:t> was first release in 1989 and </a:t>
+            </a:r>
+            <a:r>
+              <a:rPr lang="en-US" altLang="zh-CN" sz="1600" i="1" dirty="0" smtClean="0">
+                <a:solidFill>
+                  <a:schemeClr val="bg1">
+                    <a:lumMod val="50000"/>
+                  </a:schemeClr>
+                </a:solidFill>
+              </a:rPr>
+              <a:t>TLA+</a:t>
+            </a:r>
+            <a:r>
+              <a:rPr lang="en-US" altLang="zh-CN" sz="1600" dirty="0" smtClean="0">
+                <a:solidFill>
+                  <a:schemeClr val="bg1">
+                    <a:lumMod val="50000"/>
+                  </a:schemeClr>
+                </a:solidFill>
+              </a:rPr>
+              <a:t> was introduced in 1999.</a:t>
+            </a:r>
+            <a:endParaRPr lang="en-US" altLang="zh-CN" sz="1600" i="1" dirty="0" smtClean="0">
+              <a:solidFill>
+                <a:schemeClr val="bg1">
+                  <a:lumMod val="50000"/>
+                </a:schemeClr>
+              </a:solidFill>
+            </a:endParaRPr>
           </a:p>
           <a:p>
             <a:pPr lvl="1">
@@ -15621,6 +17955,18 @@
                 <a:spcPts val="600"/>
               </a:spcAft>
             </a:pPr>
+            <a:r>
+              <a:rPr lang="en-US" altLang="zh-CN" dirty="0" smtClean="0"/>
+              <a:t>The confidence depends on the creation of the specification and the construction of proof steps</a:t>
+            </a:r>
+            <a:r>
+              <a:rPr lang="en-US" altLang="zh-CN" dirty="0"/>
+              <a:t>, which </a:t>
+            </a:r>
+            <a:r>
+              <a:rPr lang="en-US" altLang="zh-CN" dirty="0" smtClean="0"/>
+              <a:t>are both error-prone.</a:t>
+            </a:r>
             <a:endParaRPr lang="zh-CN" altLang="en-US" dirty="0"/>
           </a:p>
         </p:txBody>
@@ -15725,6 +18071,237 @@
           </a:p>
         </p:txBody>
       </p:sp>
+    </p:spTree>
+    <p:extLst>
+      <p:ext uri="{BB962C8B-B14F-4D97-AF65-F5344CB8AC3E}">
+        <p14:creationId xmlns:p14="http://schemas.microsoft.com/office/powerpoint/2010/main" xmlns="" val="2166599487"/>
+      </p:ext>
+    </p:extLst>
+  </p:cSld>
+  <p:clrMapOvr>
+    <a:masterClrMapping/>
+  </p:clrMapOvr>
+  <p:timing>
+    <p:tnLst>
+      <p:par>
+        <p:cTn id="1" dur="indefinite" restart="never" nodeType="tmRoot"/>
+      </p:par>
+    </p:tnLst>
+  </p:timing>
+</p:sld>
+</file>
+
+<file path=ppt/slides/slide6.xml><?xml version="1.0" encoding="utf-8"?>
+<p:sld xmlns:a="http://schemas.openxmlformats.org/drawingml/2006/main" xmlns:r="http://schemas.openxmlformats.org/officeDocument/2006/relationships" xmlns:p="http://schemas.openxmlformats.org/presentationml/2006/main">
+  <p:cSld>
+    <p:spTree>
+      <p:nvGrpSpPr>
+        <p:cNvPr id="1" name=""/>
+        <p:cNvGrpSpPr/>
+        <p:nvPr/>
+      </p:nvGrpSpPr>
+      <p:grpSpPr>
+        <a:xfrm>
+          <a:off x="0" y="0"/>
+          <a:ext cx="0" cy="0"/>
+          <a:chOff x="0" y="0"/>
+          <a:chExt cx="0" cy="0"/>
+        </a:xfrm>
+      </p:grpSpPr>
+      <p:sp>
+        <p:nvSpPr>
+          <p:cNvPr id="2" name="标题 1"/>
+          <p:cNvSpPr>
+            <a:spLocks noGrp="1"/>
+          </p:cNvSpPr>
+          <p:nvPr>
+            <p:ph type="title"/>
+          </p:nvPr>
+        </p:nvSpPr>
+        <p:spPr/>
+        <p:txBody>
+          <a:bodyPr/>
+          <a:lstStyle/>
+          <a:p>
+            <a:r>
+              <a:rPr lang="en-US" altLang="zh-CN" dirty="0" smtClean="0"/>
+              <a:t>Existing technology</a:t>
+            </a:r>
+            <a:endParaRPr lang="zh-CN" altLang="en-US" dirty="0"/>
+          </a:p>
+        </p:txBody>
+      </p:sp>
+      <p:sp>
+        <p:nvSpPr>
+          <p:cNvPr id="3" name="内容占位符 2"/>
+          <p:cNvSpPr>
+            <a:spLocks noGrp="1"/>
+          </p:cNvSpPr>
+          <p:nvPr>
+            <p:ph idx="1"/>
+          </p:nvPr>
+        </p:nvSpPr>
+        <p:spPr>
+          <a:xfrm>
+            <a:off x="457200" y="1719263"/>
+            <a:ext cx="8229600" cy="2429817"/>
+          </a:xfrm>
+        </p:spPr>
+        <p:txBody>
+          <a:bodyPr/>
+          <a:lstStyle/>
+          <a:p>
+            <a:r>
+              <a:rPr lang="en-US" altLang="zh-CN" sz="2800" dirty="0" smtClean="0"/>
+              <a:t>Program </a:t>
+            </a:r>
+            <a:r>
+              <a:rPr lang="en-US" altLang="zh-CN" sz="2800" dirty="0"/>
+              <a:t>t</a:t>
+            </a:r>
+            <a:r>
+              <a:rPr lang="en-US" altLang="zh-CN" sz="2800" dirty="0" smtClean="0"/>
+              <a:t>esting</a:t>
+            </a:r>
+          </a:p>
+          <a:p>
+            <a:pPr lvl="1">
+              <a:spcBef>
+                <a:spcPts val="600"/>
+              </a:spcBef>
+              <a:spcAft>
+                <a:spcPts val="600"/>
+              </a:spcAft>
+            </a:pPr>
+            <a:r>
+              <a:rPr lang="en-US" altLang="zh-CN" sz="2200" dirty="0" smtClean="0"/>
+              <a:t>If the program is judged to produce correct results for some small sample data, it is assumed to be correct.</a:t>
+            </a:r>
+          </a:p>
+          <a:p>
+            <a:pPr lvl="1">
+              <a:spcBef>
+                <a:spcPts val="600"/>
+              </a:spcBef>
+              <a:spcAft>
+                <a:spcPts val="600"/>
+              </a:spcAft>
+            </a:pPr>
+            <a:r>
+              <a:rPr lang="en-US" altLang="zh-CN" sz="2200" dirty="0" smtClean="0"/>
+              <a:t>It is a big question of how to choose the sample. The sample data may not cover all executions.</a:t>
+            </a:r>
+          </a:p>
+          <a:p>
+            <a:pPr lvl="1">
+              <a:spcAft>
+                <a:spcPts val="600"/>
+              </a:spcAft>
+            </a:pPr>
+            <a:endParaRPr lang="zh-CN" altLang="en-US" dirty="0"/>
+          </a:p>
+        </p:txBody>
+      </p:sp>
+      <p:sp>
+        <p:nvSpPr>
+          <p:cNvPr id="4" name="日期占位符 3"/>
+          <p:cNvSpPr>
+            <a:spLocks noGrp="1"/>
+          </p:cNvSpPr>
+          <p:nvPr>
+            <p:ph type="dt" sz="half" idx="10"/>
+          </p:nvPr>
+        </p:nvSpPr>
+        <p:spPr/>
+        <p:txBody>
+          <a:bodyPr/>
+          <a:lstStyle/>
+          <a:p>
+            <a:fld id="{FF88F899-FA6D-4737-879E-62DE3ED9162E}" type="datetime1">
+              <a:rPr kumimoji="1" lang="zh-CN" altLang="en-US" smtClean="0">
+                <a:solidFill>
+                  <a:prstClr val="black">
+                    <a:lumMod val="65000"/>
+                    <a:lumOff val="35000"/>
+                  </a:prstClr>
+                </a:solidFill>
+                <a:ea typeface="宋体"/>
+              </a:rPr>
+              <a:pPr/>
+              <a:t>2020/11/29</a:t>
+            </a:fld>
+            <a:endParaRPr kumimoji="1" lang="zh-CN" altLang="en-US">
+              <a:solidFill>
+                <a:prstClr val="black">
+                  <a:lumMod val="65000"/>
+                  <a:lumOff val="35000"/>
+                </a:prstClr>
+              </a:solidFill>
+              <a:ea typeface="宋体"/>
+            </a:endParaRPr>
+          </a:p>
+        </p:txBody>
+      </p:sp>
+      <p:sp>
+        <p:nvSpPr>
+          <p:cNvPr id="5" name="页脚占位符 4"/>
+          <p:cNvSpPr>
+            <a:spLocks noGrp="1"/>
+          </p:cNvSpPr>
+          <p:nvPr>
+            <p:ph type="ftr" sz="quarter" idx="11"/>
+          </p:nvPr>
+        </p:nvSpPr>
+        <p:spPr/>
+        <p:txBody>
+          <a:bodyPr/>
+          <a:lstStyle/>
+          <a:p>
+            <a:pPr defTabSz="457200"/>
+            <a:endParaRPr lang="zh-CN" altLang="en-US" dirty="0"/>
+          </a:p>
+        </p:txBody>
+      </p:sp>
+      <p:sp>
+        <p:nvSpPr>
+          <p:cNvPr id="6" name="灯片编号占位符 5"/>
+          <p:cNvSpPr>
+            <a:spLocks noGrp="1"/>
+          </p:cNvSpPr>
+          <p:nvPr>
+            <p:ph type="sldNum" sz="quarter" idx="12"/>
+          </p:nvPr>
+        </p:nvSpPr>
+        <p:spPr/>
+        <p:txBody>
+          <a:bodyPr/>
+          <a:lstStyle/>
+          <a:p>
+            <a:fld id="{71F1F346-3964-904C-8DB0-057A2D699FB9}" type="slidenum">
+              <a:rPr kumimoji="1" lang="zh-CN" altLang="en-US" smtClean="0">
+                <a:solidFill>
+                  <a:prstClr val="black">
+                    <a:lumMod val="65000"/>
+                    <a:lumOff val="35000"/>
+                  </a:prstClr>
+                </a:solidFill>
+                <a:ea typeface="宋体"/>
+              </a:rPr>
+              <a:pPr/>
+              <a:t>6</a:t>
+            </a:fld>
+            <a:endParaRPr kumimoji="1" lang="zh-CN" altLang="en-US">
+              <a:solidFill>
+                <a:prstClr val="black">
+                  <a:lumMod val="65000"/>
+                  <a:lumOff val="35000"/>
+                </a:prstClr>
+              </a:solidFill>
+              <a:ea typeface="宋体"/>
+            </a:endParaRPr>
+          </a:p>
+        </p:txBody>
+      </p:sp>
       <p:sp>
         <p:nvSpPr>
           <p:cNvPr id="8" name="文本框 7"/>
@@ -15840,7 +18417,7 @@
     </p:spTree>
     <p:extLst>
       <p:ext uri="{BB962C8B-B14F-4D97-AF65-F5344CB8AC3E}">
-        <p14:creationId xmlns:p14="http://schemas.microsoft.com/office/powerpoint/2010/main" val="2204431392"/>
+        <p14:creationId xmlns:p14="http://schemas.microsoft.com/office/powerpoint/2010/main" xmlns="" val="2204431392"/>
       </p:ext>
     </p:extLst>
   </p:cSld>
@@ -15928,7 +18505,7 @@
 </p:sld>
 </file>
 
-<file path=ppt/slides/slide6.xml><?xml version="1.0" encoding="utf-8"?>
+<file path=ppt/slides/slide7.xml><?xml version="1.0" encoding="utf-8"?>
 <p:sld xmlns:a="http://schemas.openxmlformats.org/drawingml/2006/main" xmlns:r="http://schemas.openxmlformats.org/officeDocument/2006/relationships" xmlns:p="http://schemas.openxmlformats.org/presentationml/2006/main">
   <p:cSld>
     <p:spTree>
@@ -15961,145 +18538,8 @@
           <a:lstStyle/>
           <a:p>
             <a:r>
-              <a:rPr lang="en-US" altLang="zh-CN" dirty="0" smtClean="0"/>
+              <a:rPr lang="en-US" altLang="zh-CN" dirty="0"/>
               <a:t>Existing technology</a:t>
-            </a:r>
-            <a:endParaRPr lang="zh-CN" altLang="en-US" dirty="0"/>
-          </a:p>
-        </p:txBody>
-      </p:sp>
-      <p:sp>
-        <p:nvSpPr>
-          <p:cNvPr id="3" name="内容占位符 2"/>
-          <p:cNvSpPr>
-            <a:spLocks noGrp="1"/>
-          </p:cNvSpPr>
-          <p:nvPr>
-            <p:ph idx="1"/>
-          </p:nvPr>
-        </p:nvSpPr>
-        <p:spPr/>
-        <p:txBody>
-          <a:bodyPr/>
-          <a:lstStyle/>
-          <a:p>
-            <a:r>
-              <a:rPr lang="en-US" altLang="zh-CN" sz="2800" dirty="0" smtClean="0"/>
-              <a:t>Program proving</a:t>
-            </a:r>
-          </a:p>
-          <a:p>
-            <a:pPr lvl="1">
-              <a:spcBef>
-                <a:spcPts val="600"/>
-              </a:spcBef>
-              <a:spcAft>
-                <a:spcPts val="600"/>
-              </a:spcAft>
-            </a:pPr>
-            <a:r>
-              <a:rPr lang="en-US" altLang="zh-CN" dirty="0" smtClean="0"/>
-              <a:t>The programmer formally proves that the program meets its specification for all executions.</a:t>
-            </a:r>
-          </a:p>
-          <a:p>
-            <a:pPr lvl="1">
-              <a:spcBef>
-                <a:spcPts val="600"/>
-              </a:spcBef>
-              <a:spcAft>
-                <a:spcPts val="600"/>
-              </a:spcAft>
-            </a:pPr>
-            <a:r>
-              <a:rPr lang="en-US" altLang="zh-CN" dirty="0" smtClean="0"/>
-              <a:t>The practical accomplishments fall short of a tool for routine use. </a:t>
-            </a:r>
-          </a:p>
-          <a:p>
-            <a:pPr lvl="2">
-              <a:spcBef>
-                <a:spcPts val="600"/>
-              </a:spcBef>
-              <a:spcAft>
-                <a:spcPts val="600"/>
-              </a:spcAft>
-            </a:pPr>
-            <a:r>
-              <a:rPr lang="en-US" altLang="zh-CN" sz="1600" dirty="0" smtClean="0">
-                <a:solidFill>
-                  <a:schemeClr val="bg1">
-                    <a:lumMod val="50000"/>
-                  </a:schemeClr>
-                </a:solidFill>
-              </a:rPr>
-              <a:t>There is no proof assistant in 1970s. </a:t>
-            </a:r>
-            <a:r>
-              <a:rPr lang="en-US" altLang="zh-CN" sz="1600" i="1" dirty="0" smtClean="0">
-                <a:solidFill>
-                  <a:schemeClr val="bg1">
-                    <a:lumMod val="50000"/>
-                  </a:schemeClr>
-                </a:solidFill>
-              </a:rPr>
-              <a:t>Coq</a:t>
-            </a:r>
-            <a:r>
-              <a:rPr lang="en-US" altLang="zh-CN" sz="1600" dirty="0" smtClean="0">
-                <a:solidFill>
-                  <a:schemeClr val="bg1">
-                    <a:lumMod val="50000"/>
-                  </a:schemeClr>
-                </a:solidFill>
-              </a:rPr>
-              <a:t> was first release in 1989 and </a:t>
-            </a:r>
-            <a:r>
-              <a:rPr lang="en-US" altLang="zh-CN" sz="1600" i="1" dirty="0" smtClean="0">
-                <a:solidFill>
-                  <a:schemeClr val="bg1">
-                    <a:lumMod val="50000"/>
-                  </a:schemeClr>
-                </a:solidFill>
-              </a:rPr>
-              <a:t>TLA+</a:t>
-            </a:r>
-            <a:r>
-              <a:rPr lang="en-US" altLang="zh-CN" sz="1600" dirty="0" smtClean="0">
-                <a:solidFill>
-                  <a:schemeClr val="bg1">
-                    <a:lumMod val="50000"/>
-                  </a:schemeClr>
-                </a:solidFill>
-              </a:rPr>
-              <a:t> was introduced in 1999.</a:t>
-            </a:r>
-            <a:endParaRPr lang="en-US" altLang="zh-CN" sz="1600" i="1" dirty="0" smtClean="0">
-              <a:solidFill>
-                <a:schemeClr val="bg1">
-                  <a:lumMod val="50000"/>
-                </a:schemeClr>
-              </a:solidFill>
-            </a:endParaRPr>
-          </a:p>
-          <a:p>
-            <a:pPr lvl="1">
-              <a:spcAft>
-                <a:spcPts val="600"/>
-              </a:spcAft>
-            </a:pPr>
-            <a:r>
-              <a:rPr lang="en-US" altLang="zh-CN" dirty="0" smtClean="0"/>
-              <a:t>The confidence depends on the creation of the specification and the construction of proof steps</a:t>
-            </a:r>
-            <a:r>
-              <a:rPr lang="en-US" altLang="zh-CN" dirty="0"/>
-              <a:t>, which </a:t>
-            </a:r>
-            <a:r>
-              <a:rPr lang="en-US" altLang="zh-CN" dirty="0" smtClean="0"/>
-              <a:t>are both error-prone.</a:t>
             </a:r>
             <a:endParaRPr lang="zh-CN" altLang="en-US" dirty="0"/>
           </a:p>
@@ -16191,166 +18631,6 @@
                 <a:ea typeface="宋体"/>
               </a:rPr>
               <a:pPr/>
-              <a:t>6</a:t>
-            </a:fld>
-            <a:endParaRPr kumimoji="1" lang="zh-CN" altLang="en-US">
-              <a:solidFill>
-                <a:prstClr val="black">
-                  <a:lumMod val="65000"/>
-                  <a:lumOff val="35000"/>
-                </a:prstClr>
-              </a:solidFill>
-              <a:ea typeface="宋体"/>
-            </a:endParaRPr>
-          </a:p>
-        </p:txBody>
-      </p:sp>
-    </p:spTree>
-    <p:extLst>
-      <p:ext uri="{BB962C8B-B14F-4D97-AF65-F5344CB8AC3E}">
-        <p14:creationId xmlns:p14="http://schemas.microsoft.com/office/powerpoint/2010/main" val="2166599487"/>
-      </p:ext>
-    </p:extLst>
-  </p:cSld>
-  <p:clrMapOvr>
-    <a:masterClrMapping/>
-  </p:clrMapOvr>
-  <p:timing>
-    <p:tnLst>
-      <p:par>
-        <p:cTn id="1" dur="indefinite" restart="never" nodeType="tmRoot"/>
-      </p:par>
-    </p:tnLst>
-  </p:timing>
-</p:sld>
-</file>
-
-<file path=ppt/slides/slide7.xml><?xml version="1.0" encoding="utf-8"?>
-<p:sld xmlns:a="http://schemas.openxmlformats.org/drawingml/2006/main" xmlns:r="http://schemas.openxmlformats.org/officeDocument/2006/relationships" xmlns:p="http://schemas.openxmlformats.org/presentationml/2006/main">
-  <p:cSld>
-    <p:spTree>
-      <p:nvGrpSpPr>
-        <p:cNvPr id="1" name=""/>
-        <p:cNvGrpSpPr/>
-        <p:nvPr/>
-      </p:nvGrpSpPr>
-      <p:grpSpPr>
-        <a:xfrm>
-          <a:off x="0" y="0"/>
-          <a:ext cx="0" cy="0"/>
-          <a:chOff x="0" y="0"/>
-          <a:chExt cx="0" cy="0"/>
-        </a:xfrm>
-      </p:grpSpPr>
-      <p:sp>
-        <p:nvSpPr>
-          <p:cNvPr id="2" name="标题 1"/>
-          <p:cNvSpPr>
-            <a:spLocks noGrp="1"/>
-          </p:cNvSpPr>
-          <p:nvPr>
-            <p:ph type="title"/>
-          </p:nvPr>
-        </p:nvSpPr>
-        <p:spPr/>
-        <p:txBody>
-          <a:bodyPr/>
-          <a:lstStyle/>
-          <a:p>
-            <a:r>
-              <a:rPr lang="en-US" altLang="zh-CN" dirty="0"/>
-              <a:t>Existing technology</a:t>
-            </a:r>
-            <a:endParaRPr lang="zh-CN" altLang="en-US" dirty="0"/>
-          </a:p>
-        </p:txBody>
-      </p:sp>
-      <p:sp>
-        <p:nvSpPr>
-          <p:cNvPr id="4" name="日期占位符 3"/>
-          <p:cNvSpPr>
-            <a:spLocks noGrp="1"/>
-          </p:cNvSpPr>
-          <p:nvPr>
-            <p:ph type="dt" sz="half" idx="10"/>
-          </p:nvPr>
-        </p:nvSpPr>
-        <p:spPr/>
-        <p:txBody>
-          <a:bodyPr/>
-          <a:lstStyle/>
-          <a:p>
-            <a:fld id="{FF88F899-FA6D-4737-879E-62DE3ED9162E}" type="datetime1">
-              <a:rPr kumimoji="1" lang="zh-CN" altLang="en-US" smtClean="0">
-                <a:solidFill>
-                  <a:prstClr val="black">
-                    <a:lumMod val="65000"/>
-                    <a:lumOff val="35000"/>
-                  </a:prstClr>
-                </a:solidFill>
-                <a:ea typeface="宋体"/>
-              </a:rPr>
-              <a:pPr/>
-              <a:t>2020/11/29</a:t>
-            </a:fld>
-            <a:endParaRPr kumimoji="1" lang="zh-CN" altLang="en-US">
-              <a:solidFill>
-                <a:prstClr val="black">
-                  <a:lumMod val="65000"/>
-                  <a:lumOff val="35000"/>
-                </a:prstClr>
-              </a:solidFill>
-              <a:ea typeface="宋体"/>
-            </a:endParaRPr>
-          </a:p>
-        </p:txBody>
-      </p:sp>
-      <p:sp>
-        <p:nvSpPr>
-          <p:cNvPr id="5" name="页脚占位符 4"/>
-          <p:cNvSpPr>
-            <a:spLocks noGrp="1"/>
-          </p:cNvSpPr>
-          <p:nvPr>
-            <p:ph type="ftr" sz="quarter" idx="11"/>
-          </p:nvPr>
-        </p:nvSpPr>
-        <p:spPr/>
-        <p:txBody>
-          <a:bodyPr/>
-          <a:lstStyle/>
-          <a:p>
-            <a:pPr defTabSz="457200"/>
-            <a:endParaRPr lang="zh-CN" altLang="en-US" dirty="0"/>
-          </a:p>
-        </p:txBody>
-      </p:sp>
-      <p:sp>
-        <p:nvSpPr>
-          <p:cNvPr id="6" name="灯片编号占位符 5"/>
-          <p:cNvSpPr>
-            <a:spLocks noGrp="1"/>
-          </p:cNvSpPr>
-          <p:nvPr>
-            <p:ph type="sldNum" sz="quarter" idx="12"/>
-          </p:nvPr>
-        </p:nvSpPr>
-        <p:spPr/>
-        <p:txBody>
-          <a:bodyPr/>
-          <a:lstStyle/>
-          <a:p>
-            <a:fld id="{71F1F346-3964-904C-8DB0-057A2D699FB9}" type="slidenum">
-              <a:rPr kumimoji="1" lang="zh-CN" altLang="en-US" smtClean="0">
-                <a:solidFill>
-                  <a:prstClr val="black">
-                    <a:lumMod val="65000"/>
-                    <a:lumOff val="35000"/>
-                  </a:prstClr>
-                </a:solidFill>
-                <a:ea typeface="宋体"/>
-              </a:rPr>
-              <a:pPr/>
               <a:t>7</a:t>
             </a:fld>
             <a:endParaRPr kumimoji="1" lang="zh-CN" altLang="en-US">
@@ -16372,7 +18652,7 @@
           <p:nvPr>
             <p:extLst>
               <p:ext uri="{D42A27DB-BD31-4B8C-83A1-F6EECF244321}">
-                <p14:modId xmlns:p14="http://schemas.microsoft.com/office/powerpoint/2010/main" val="4252105673"/>
+                <p14:modId xmlns:p14="http://schemas.microsoft.com/office/powerpoint/2010/main" xmlns="" val="4252105673"/>
               </p:ext>
             </p:extLst>
           </p:nvPr>
@@ -16390,7 +18670,7 @@
     </p:spTree>
     <p:extLst>
       <p:ext uri="{BB962C8B-B14F-4D97-AF65-F5344CB8AC3E}">
-        <p14:creationId xmlns:p14="http://schemas.microsoft.com/office/powerpoint/2010/main" val="1508707415"/>
+        <p14:creationId xmlns:p14="http://schemas.microsoft.com/office/powerpoint/2010/main" xmlns="" val="1508707415"/>
       </p:ext>
     </p:extLst>
   </p:cSld>
@@ -24916,7 +27196,7 @@
   <a:extraClrSchemeLst/>
   <a:extLst>
     <a:ext uri="{05A4C25C-085E-4340-85A3-A5531E510DB2}">
-      <thm15:themeFamily xmlns:thm15="http://schemas.microsoft.com/office/thememl/2012/main" name="mopec-2" id="{442E6DD8-1CC8-4C4A-8647-4236B82D6D6F}" vid="{4E193ED8-E17B-496B-9396-AD9A068E6CE7}"/>
+      <thm15:themeFamily xmlns:thm15="http://schemas.microsoft.com/office/thememl/2012/main" xmlns="" name="mopec-2" id="{442E6DD8-1CC8-4C4A-8647-4236B82D6D6F}" vid="{4E193ED8-E17B-496B-9396-AD9A068E6CE7}"/>
     </a:ext>
   </a:extLst>
 </a:theme>

--- a/Symbolic_execution.pptx
+++ b/Symbolic_execution.pptx
@@ -6,10 +6,10 @@
     <p:sldMasterId id="2147483780" r:id="rId2"/>
   </p:sldMasterIdLst>
   <p:notesMasterIdLst>
-    <p:notesMasterId r:id="rId23"/>
+    <p:notesMasterId r:id="rId25"/>
   </p:notesMasterIdLst>
   <p:handoutMasterIdLst>
-    <p:handoutMasterId r:id="rId24"/>
+    <p:handoutMasterId r:id="rId26"/>
   </p:handoutMasterIdLst>
   <p:sldIdLst>
     <p:sldId id="554" r:id="rId3"/>
@@ -25,13 +25,15 @@
     <p:sldId id="578" r:id="rId13"/>
     <p:sldId id="565" r:id="rId14"/>
     <p:sldId id="580" r:id="rId15"/>
-    <p:sldId id="567" r:id="rId16"/>
-    <p:sldId id="569" r:id="rId17"/>
-    <p:sldId id="571" r:id="rId18"/>
-    <p:sldId id="573" r:id="rId19"/>
-    <p:sldId id="568" r:id="rId20"/>
-    <p:sldId id="556" r:id="rId21"/>
-    <p:sldId id="570" r:id="rId22"/>
+    <p:sldId id="581" r:id="rId16"/>
+    <p:sldId id="567" r:id="rId17"/>
+    <p:sldId id="569" r:id="rId18"/>
+    <p:sldId id="571" r:id="rId19"/>
+    <p:sldId id="582" r:id="rId20"/>
+    <p:sldId id="573" r:id="rId21"/>
+    <p:sldId id="568" r:id="rId22"/>
+    <p:sldId id="556" r:id="rId23"/>
+    <p:sldId id="570" r:id="rId24"/>
   </p:sldIdLst>
   <p:sldSz cx="9144000" cy="6858000" type="screen4x3"/>
   <p:notesSz cx="6797675" cy="9928225"/>
@@ -3177,7 +3179,7 @@
             <a:fld id="{6793EC8D-7583-4284-A537-DAB3CE5650E5}" type="datetimeFigureOut">
               <a:rPr lang="zh-CN" altLang="en-US" smtClean="0"/>
               <a:pPr/>
-              <a:t>2020/11/30</a:t>
+              <a:t>2020/12/1</a:t>
             </a:fld>
             <a:endParaRPr lang="zh-CN" altLang="en-US"/>
           </a:p>
@@ -3344,7 +3346,7 @@
             <a:fld id="{B646ED33-92F3-419A-83F1-939B2101925B}" type="datetimeFigureOut">
               <a:rPr lang="zh-CN" altLang="en-US" smtClean="0"/>
               <a:pPr/>
-              <a:t>2020/11/30</a:t>
+              <a:t>2020/12/1</a:t>
             </a:fld>
             <a:endParaRPr lang="zh-CN" altLang="en-US"/>
           </a:p>
@@ -3853,7 +3855,18 @@
           <a:bodyPr/>
           <a:lstStyle/>
           <a:p>
-            <a:endParaRPr lang="zh-CN" altLang="en-US"/>
+            <a:r>
+              <a:rPr lang="en-US" altLang="zh-CN" sz="1200" b="0" i="0" u="none" strike="noStrike" kern="1200" baseline="0" dirty="0" smtClean="0">
+                <a:solidFill>
+                  <a:schemeClr val="tx1"/>
+                </a:solidFill>
+                <a:latin typeface="+mn-lt"/>
+                <a:ea typeface="+mn-ea"/>
+                <a:cs typeface="+mn-cs"/>
+              </a:rPr>
+              <a:t>if the program is executed on these concrete input values, it will take exactly the same path as the symbolic execution and terminate in the same way.</a:t>
+            </a:r>
+            <a:endParaRPr lang="zh-CN" altLang="en-US" dirty="0"/>
           </a:p>
         </p:txBody>
       </p:sp>
@@ -3872,10 +3885,95 @@
           <a:bodyPr/>
           <a:lstStyle/>
           <a:p>
+            <a:fld id="{22AA2441-62E5-47DE-97D7-858DE28521CF}" type="slidenum">
+              <a:rPr lang="zh-CN" altLang="en-US" smtClean="0"/>
+              <a:pPr/>
+              <a:t>14</a:t>
+            </a:fld>
+            <a:endParaRPr lang="zh-CN" altLang="en-US"/>
+          </a:p>
+        </p:txBody>
+      </p:sp>
+    </p:spTree>
+    <p:extLst>
+      <p:ext uri="{BB962C8B-B14F-4D97-AF65-F5344CB8AC3E}">
+        <p14:creationId xmlns:p14="http://schemas.microsoft.com/office/powerpoint/2010/main" val="3273333701"/>
+      </p:ext>
+    </p:extLst>
+  </p:cSld>
+  <p:clrMapOvr>
+    <a:masterClrMapping/>
+  </p:clrMapOvr>
+</p:notes>
+</file>
+
+<file path=ppt/notesSlides/notesSlide4.xml><?xml version="1.0" encoding="utf-8"?>
+<p:notes xmlns:a="http://schemas.openxmlformats.org/drawingml/2006/main" xmlns:r="http://schemas.openxmlformats.org/officeDocument/2006/relationships" xmlns:p="http://schemas.openxmlformats.org/presentationml/2006/main">
+  <p:cSld>
+    <p:spTree>
+      <p:nvGrpSpPr>
+        <p:cNvPr id="1" name=""/>
+        <p:cNvGrpSpPr/>
+        <p:nvPr/>
+      </p:nvGrpSpPr>
+      <p:grpSpPr>
+        <a:xfrm>
+          <a:off x="0" y="0"/>
+          <a:ext cx="0" cy="0"/>
+          <a:chOff x="0" y="0"/>
+          <a:chExt cx="0" cy="0"/>
+        </a:xfrm>
+      </p:grpSpPr>
+      <p:sp>
+        <p:nvSpPr>
+          <p:cNvPr id="2" name="幻灯片图像占位符 1"/>
+          <p:cNvSpPr>
+            <a:spLocks noGrp="1" noRot="1" noChangeAspect="1"/>
+          </p:cNvSpPr>
+          <p:nvPr>
+            <p:ph type="sldImg"/>
+          </p:nvPr>
+        </p:nvSpPr>
+        <p:spPr/>
+      </p:sp>
+      <p:sp>
+        <p:nvSpPr>
+          <p:cNvPr id="3" name="备注占位符 2"/>
+          <p:cNvSpPr>
+            <a:spLocks noGrp="1"/>
+          </p:cNvSpPr>
+          <p:nvPr>
+            <p:ph type="body" idx="1"/>
+          </p:nvPr>
+        </p:nvSpPr>
+        <p:spPr/>
+        <p:txBody>
+          <a:bodyPr/>
+          <a:lstStyle/>
+          <a:p>
+            <a:endParaRPr lang="zh-CN" altLang="en-US"/>
+          </a:p>
+        </p:txBody>
+      </p:sp>
+      <p:sp>
+        <p:nvSpPr>
+          <p:cNvPr id="4" name="灯片编号占位符 3"/>
+          <p:cNvSpPr>
+            <a:spLocks noGrp="1"/>
+          </p:cNvSpPr>
+          <p:nvPr>
+            <p:ph type="sldNum" sz="quarter" idx="10"/>
+          </p:nvPr>
+        </p:nvSpPr>
+        <p:spPr/>
+        <p:txBody>
+          <a:bodyPr/>
+          <a:lstStyle/>
+          <a:p>
             <a:fld id="{0FE05C2F-C2D0-41D0-B081-206A7C6C3DAB}" type="slidenum">
               <a:rPr lang="zh-CN" altLang="en-US" smtClean="0"/>
               <a:pPr/>
-              <a:t>19</a:t>
+              <a:t>21</a:t>
             </a:fld>
             <a:endParaRPr lang="zh-CN" altLang="en-US"/>
           </a:p>
@@ -4137,7 +4235,7 @@
                 <a:ea typeface="宋体"/>
               </a:rPr>
               <a:pPr/>
-              <a:t>2020/11/30</a:t>
+              <a:t>2020/12/1</a:t>
             </a:fld>
             <a:endParaRPr kumimoji="1" lang="zh-CN" altLang="en-US">
               <a:solidFill>
@@ -4355,7 +4453,7 @@
             <a:fld id="{430A0D1C-E1A7-4173-A83B-BE0A151AD21D}" type="datetime1">
               <a:rPr lang="zh-CN" altLang="en-US" smtClean="0"/>
               <a:pPr/>
-              <a:t>2020/11/30</a:t>
+              <a:t>2020/12/1</a:t>
             </a:fld>
             <a:endParaRPr lang="zh-CN" altLang="en-US"/>
           </a:p>
@@ -4557,7 +4655,7 @@
             <a:fld id="{3CAD8151-8E1F-45F1-AD37-ADD20CE3B571}" type="datetime1">
               <a:rPr lang="zh-CN" altLang="en-US" smtClean="0"/>
               <a:pPr/>
-              <a:t>2020/11/30</a:t>
+              <a:t>2020/12/1</a:t>
             </a:fld>
             <a:endParaRPr lang="zh-CN" altLang="en-US"/>
           </a:p>
@@ -4839,7 +4937,7 @@
                 </a:solidFill>
               </a:rPr>
               <a:pPr/>
-              <a:t>2020/11/30</a:t>
+              <a:t>2020/12/1</a:t>
             </a:fld>
             <a:endParaRPr lang="zh-CN" altLang="en-US">
               <a:solidFill>
@@ -5311,7 +5409,7 @@
                 </a:solidFill>
               </a:rPr>
               <a:pPr/>
-              <a:t>2020/11/30</a:t>
+              <a:t>2020/12/1</a:t>
             </a:fld>
             <a:endParaRPr lang="zh-CN" altLang="en-US" dirty="0">
               <a:solidFill>
@@ -5704,7 +5802,7 @@
                 </a:solidFill>
               </a:rPr>
               <a:pPr/>
-              <a:t>2020/11/30</a:t>
+              <a:t>2020/12/1</a:t>
             </a:fld>
             <a:endParaRPr lang="zh-CN" altLang="en-US">
               <a:solidFill>
@@ -6140,7 +6238,7 @@
                 </a:solidFill>
               </a:rPr>
               <a:pPr/>
-              <a:t>2020/11/30</a:t>
+              <a:t>2020/12/1</a:t>
             </a:fld>
             <a:endParaRPr lang="zh-CN" altLang="en-US">
               <a:solidFill>
@@ -6506,7 +6604,7 @@
                 </a:solidFill>
               </a:rPr>
               <a:pPr/>
-              <a:t>2020/11/30</a:t>
+              <a:t>2020/12/1</a:t>
             </a:fld>
             <a:endParaRPr lang="zh-CN" altLang="en-US">
               <a:solidFill>
@@ -6801,7 +6899,7 @@
                 </a:solidFill>
               </a:rPr>
               <a:pPr/>
-              <a:t>2020/11/30</a:t>
+              <a:t>2020/12/1</a:t>
             </a:fld>
             <a:endParaRPr lang="zh-CN" altLang="en-US">
               <a:solidFill>
@@ -6959,7 +7057,7 @@
                 </a:solidFill>
               </a:rPr>
               <a:pPr/>
-              <a:t>2020/11/30</a:t>
+              <a:t>2020/12/1</a:t>
             </a:fld>
             <a:endParaRPr lang="zh-CN" altLang="en-US">
               <a:solidFill>
@@ -7305,7 +7403,7 @@
                 </a:solidFill>
               </a:rPr>
               <a:pPr/>
-              <a:t>2020/11/30</a:t>
+              <a:t>2020/12/1</a:t>
             </a:fld>
             <a:endParaRPr lang="zh-CN" altLang="en-US">
               <a:solidFill>
@@ -7582,7 +7680,7 @@
                 <a:ea typeface="宋体"/>
               </a:rPr>
               <a:pPr/>
-              <a:t>2020/11/30</a:t>
+              <a:t>2020/12/1</a:t>
             </a:fld>
             <a:endParaRPr kumimoji="1" lang="zh-CN" altLang="en-US">
               <a:solidFill>
@@ -7922,7 +8020,7 @@
                 </a:solidFill>
               </a:rPr>
               <a:pPr/>
-              <a:t>2020/11/30</a:t>
+              <a:t>2020/12/1</a:t>
             </a:fld>
             <a:endParaRPr lang="zh-CN" altLang="en-US">
               <a:solidFill>
@@ -8149,7 +8247,7 @@
                 </a:solidFill>
               </a:rPr>
               <a:pPr/>
-              <a:t>2020/11/30</a:t>
+              <a:t>2020/12/1</a:t>
             </a:fld>
             <a:endParaRPr lang="zh-CN" altLang="en-US">
               <a:solidFill>
@@ -8386,7 +8484,7 @@
                 </a:solidFill>
               </a:rPr>
               <a:pPr/>
-              <a:t>2020/11/30</a:t>
+              <a:t>2020/12/1</a:t>
             </a:fld>
             <a:endParaRPr lang="zh-CN" altLang="en-US">
               <a:solidFill>
@@ -8638,7 +8736,7 @@
                 <a:ea typeface="宋体"/>
               </a:rPr>
               <a:pPr/>
-              <a:t>2020/11/30</a:t>
+              <a:t>2020/12/1</a:t>
             </a:fld>
             <a:endParaRPr kumimoji="1" lang="zh-CN" altLang="en-US">
               <a:solidFill>
@@ -8980,7 +9078,7 @@
             <a:fld id="{C359148F-DC7D-439C-B62C-FE0239F86848}" type="datetime1">
               <a:rPr lang="zh-CN" altLang="en-US" smtClean="0"/>
               <a:pPr/>
-              <a:t>2020/11/30</a:t>
+              <a:t>2020/12/1</a:t>
             </a:fld>
             <a:endParaRPr lang="zh-CN" altLang="en-US"/>
           </a:p>
@@ -9437,7 +9535,7 @@
                 <a:ea typeface="宋体"/>
               </a:rPr>
               <a:pPr/>
-              <a:t>2020/11/30</a:t>
+              <a:t>2020/12/1</a:t>
             </a:fld>
             <a:endParaRPr kumimoji="1" lang="zh-CN" altLang="en-US">
               <a:solidFill>
@@ -9617,7 +9715,7 @@
                 <a:ea typeface="宋体"/>
               </a:rPr>
               <a:pPr/>
-              <a:t>2020/11/30</a:t>
+              <a:t>2020/12/1</a:t>
             </a:fld>
             <a:endParaRPr kumimoji="1" lang="zh-CN" altLang="en-US">
               <a:solidFill>
@@ -9774,7 +9872,7 @@
                 <a:ea typeface="宋体"/>
               </a:rPr>
               <a:pPr/>
-              <a:t>2020/11/30</a:t>
+              <a:t>2020/12/1</a:t>
             </a:fld>
             <a:endParaRPr kumimoji="1" lang="zh-CN" altLang="en-US">
               <a:solidFill>
@@ -10113,7 +10211,7 @@
                 <a:ea typeface="宋体"/>
               </a:rPr>
               <a:pPr/>
-              <a:t>2020/11/30</a:t>
+              <a:t>2020/12/1</a:t>
             </a:fld>
             <a:endParaRPr kumimoji="1" lang="zh-CN" altLang="en-US">
               <a:solidFill>
@@ -10430,7 +10528,7 @@
                 <a:ea typeface="宋体"/>
               </a:rPr>
               <a:pPr/>
-              <a:t>2020/11/30</a:t>
+              <a:t>2020/12/1</a:t>
             </a:fld>
             <a:endParaRPr kumimoji="1" lang="zh-CN" altLang="en-US">
               <a:solidFill>
@@ -10726,7 +10824,7 @@
                 <a:ea typeface="宋体"/>
               </a:rPr>
               <a:pPr defTabSz="457200"/>
-              <a:t>2020/11/30</a:t>
+              <a:t>2020/12/1</a:t>
             </a:fld>
             <a:endParaRPr kumimoji="1" lang="zh-CN" altLang="en-US">
               <a:solidFill>
@@ -11526,7 +11624,7 @@
                 </a:solidFill>
               </a:rPr>
               <a:pPr/>
-              <a:t>2020/11/30</a:t>
+              <a:t>2020/12/1</a:t>
             </a:fld>
             <a:endParaRPr lang="zh-CN" altLang="en-US">
               <a:solidFill>
@@ -12911,7 +13009,7 @@
                 <a:ea typeface="宋体"/>
               </a:rPr>
               <a:pPr/>
-              <a:t>2020/11/30</a:t>
+              <a:t>2020/12/1</a:t>
             </a:fld>
             <a:endParaRPr kumimoji="1" lang="zh-CN" altLang="en-US">
               <a:solidFill>
@@ -13039,11 +13137,7 @@
           <a:p>
             <a:r>
               <a:rPr lang="en-US" altLang="zh-CN" dirty="0" smtClean="0"/>
-              <a:t>Symbolic </a:t>
-            </a:r>
-            <a:r>
-              <a:rPr lang="en-US" altLang="zh-CN" dirty="0" smtClean="0"/>
-              <a:t>Execution Tree</a:t>
+              <a:t>Symbolic Execution Tree</a:t>
             </a:r>
             <a:endParaRPr lang="zh-CN" altLang="en-US" dirty="0"/>
           </a:p>
@@ -13075,7 +13169,7 @@
                 <a:ea typeface="宋体"/>
               </a:rPr>
               <a:pPr/>
-              <a:t>2020/11/30</a:t>
+              <a:t>2020/12/1</a:t>
             </a:fld>
             <a:endParaRPr kumimoji="1" lang="zh-CN" altLang="en-US">
               <a:solidFill>
@@ -13151,7 +13245,7 @@
       </p:sp>
       <p:pic>
         <p:nvPicPr>
-          <p:cNvPr id="7" name="图片 6"/>
+          <p:cNvPr id="10" name="图片 9"/>
           <p:cNvPicPr>
             <a:picLocks noChangeAspect="1"/>
           </p:cNvPicPr>
@@ -13159,36 +13253,6 @@
         </p:nvPicPr>
         <p:blipFill>
           <a:blip r:embed="rId2">
-            <a:extLst>
-              <a:ext uri="{28A0092B-C50C-407E-A947-70E740481C1C}">
-                <a14:useLocalDpi xmlns:a14="http://schemas.microsoft.com/office/drawing/2010/main" val="0"/>
-              </a:ext>
-            </a:extLst>
-          </a:blip>
-          <a:stretch>
-            <a:fillRect/>
-          </a:stretch>
-        </p:blipFill>
-        <p:spPr>
-          <a:xfrm>
-            <a:off x="5076056" y="1772816"/>
-            <a:ext cx="3860416" cy="3014138"/>
-          </a:xfrm>
-          <a:prstGeom prst="rect">
-            <a:avLst/>
-          </a:prstGeom>
-        </p:spPr>
-      </p:pic>
-      <p:pic>
-        <p:nvPicPr>
-          <p:cNvPr id="10" name="图片 9"/>
-          <p:cNvPicPr>
-            <a:picLocks noChangeAspect="1"/>
-          </p:cNvPicPr>
-          <p:nvPr/>
-        </p:nvPicPr>
-        <p:blipFill>
-          <a:blip r:embed="rId3">
             <a:extLst>
               <a:ext uri="{28A0092B-C50C-407E-A947-70E740481C1C}">
                 <a14:useLocalDpi xmlns:a14="http://schemas.microsoft.com/office/drawing/2010/main" val="0"/>
@@ -13261,6 +13325,568 @@
           </a:p>
           <a:p>
             <a:endParaRPr lang="zh-CN" altLang="en-US" dirty="0"/>
+          </a:p>
+        </p:txBody>
+      </p:sp>
+      <p:cxnSp>
+        <p:nvCxnSpPr>
+          <p:cNvPr id="9" name="直接箭头连接符 8"/>
+          <p:cNvCxnSpPr>
+            <a:endCxn id="13" idx="0"/>
+          </p:cNvCxnSpPr>
+          <p:nvPr/>
+        </p:nvCxnSpPr>
+        <p:spPr>
+          <a:xfrm flipH="1">
+            <a:off x="6408204" y="1454105"/>
+            <a:ext cx="376" cy="720080"/>
+          </a:xfrm>
+          <a:prstGeom prst="straightConnector1">
+            <a:avLst/>
+          </a:prstGeom>
+          <a:ln w="19050">
+            <a:solidFill>
+              <a:schemeClr val="tx1"/>
+            </a:solidFill>
+            <a:tailEnd type="triangle"/>
+          </a:ln>
+        </p:spPr>
+        <p:style>
+          <a:lnRef idx="1">
+            <a:schemeClr val="accent1"/>
+          </a:lnRef>
+          <a:fillRef idx="0">
+            <a:schemeClr val="accent1"/>
+          </a:fillRef>
+          <a:effectRef idx="0">
+            <a:schemeClr val="accent1"/>
+          </a:effectRef>
+          <a:fontRef idx="minor">
+            <a:schemeClr val="tx1"/>
+          </a:fontRef>
+        </p:style>
+      </p:cxnSp>
+      <p:sp>
+        <p:nvSpPr>
+          <p:cNvPr id="13" name="流程图: 决策 12"/>
+          <p:cNvSpPr/>
+          <p:nvPr/>
+        </p:nvSpPr>
+        <p:spPr>
+          <a:xfrm>
+            <a:off x="5652120" y="2174185"/>
+            <a:ext cx="1512168" cy="720080"/>
+          </a:xfrm>
+          <a:prstGeom prst="flowChartDecision">
+            <a:avLst/>
+          </a:prstGeom>
+          <a:ln/>
+        </p:spPr>
+        <p:style>
+          <a:lnRef idx="1">
+            <a:schemeClr val="accent1"/>
+          </a:lnRef>
+          <a:fillRef idx="2">
+            <a:schemeClr val="accent1"/>
+          </a:fillRef>
+          <a:effectRef idx="1">
+            <a:schemeClr val="accent1"/>
+          </a:effectRef>
+          <a:fontRef idx="minor">
+            <a:schemeClr val="dk1"/>
+          </a:fontRef>
+        </p:style>
+        <p:txBody>
+          <a:bodyPr rtlCol="0" anchor="ctr"/>
+          <a:lstStyle/>
+          <a:p>
+            <a:pPr algn="ctr"/>
+            <a:r>
+              <a:rPr lang="en-US" altLang="zh-CN" sz="1200" dirty="0" smtClean="0"/>
+              <a:t>2*y == x</a:t>
+            </a:r>
+            <a:endParaRPr lang="zh-CN" altLang="en-US" sz="1200" dirty="0"/>
+          </a:p>
+        </p:txBody>
+      </p:sp>
+      <p:sp>
+        <p:nvSpPr>
+          <p:cNvPr id="15" name="流程图: 决策 14"/>
+          <p:cNvSpPr/>
+          <p:nvPr/>
+        </p:nvSpPr>
+        <p:spPr>
+          <a:xfrm>
+            <a:off x="6666868" y="3068960"/>
+            <a:ext cx="1577540" cy="648072"/>
+          </a:xfrm>
+          <a:prstGeom prst="flowChartDecision">
+            <a:avLst/>
+          </a:prstGeom>
+          <a:ln/>
+        </p:spPr>
+        <p:style>
+          <a:lnRef idx="1">
+            <a:schemeClr val="accent1"/>
+          </a:lnRef>
+          <a:fillRef idx="2">
+            <a:schemeClr val="accent1"/>
+          </a:fillRef>
+          <a:effectRef idx="1">
+            <a:schemeClr val="accent1"/>
+          </a:effectRef>
+          <a:fontRef idx="minor">
+            <a:schemeClr val="dk1"/>
+          </a:fontRef>
+        </p:style>
+        <p:txBody>
+          <a:bodyPr rtlCol="0" anchor="ctr"/>
+          <a:lstStyle/>
+          <a:p>
+            <a:pPr algn="ctr"/>
+            <a:r>
+              <a:rPr lang="en-US" altLang="zh-CN" sz="1200" dirty="0" smtClean="0"/>
+              <a:t>x &gt; y+10</a:t>
+            </a:r>
+            <a:endParaRPr lang="zh-CN" altLang="en-US" sz="1200" dirty="0"/>
+          </a:p>
+        </p:txBody>
+      </p:sp>
+      <p:cxnSp>
+        <p:nvCxnSpPr>
+          <p:cNvPr id="16" name="直接箭头连接符 15"/>
+          <p:cNvCxnSpPr>
+            <a:stCxn id="13" idx="3"/>
+            <a:endCxn id="15" idx="0"/>
+          </p:cNvCxnSpPr>
+          <p:nvPr/>
+        </p:nvCxnSpPr>
+        <p:spPr>
+          <a:xfrm>
+            <a:off x="7164288" y="2534225"/>
+            <a:ext cx="291350" cy="534735"/>
+          </a:xfrm>
+          <a:prstGeom prst="straightConnector1">
+            <a:avLst/>
+          </a:prstGeom>
+          <a:ln w="19050">
+            <a:solidFill>
+              <a:schemeClr val="tx1"/>
+            </a:solidFill>
+            <a:tailEnd type="triangle"/>
+          </a:ln>
+        </p:spPr>
+        <p:style>
+          <a:lnRef idx="1">
+            <a:schemeClr val="accent1"/>
+          </a:lnRef>
+          <a:fillRef idx="0">
+            <a:schemeClr val="accent1"/>
+          </a:fillRef>
+          <a:effectRef idx="0">
+            <a:schemeClr val="accent1"/>
+          </a:effectRef>
+          <a:fontRef idx="minor">
+            <a:schemeClr val="tx1"/>
+          </a:fontRef>
+        </p:style>
+      </p:cxnSp>
+      <p:cxnSp>
+        <p:nvCxnSpPr>
+          <p:cNvPr id="22" name="直接箭头连接符 21"/>
+          <p:cNvCxnSpPr>
+            <a:stCxn id="13" idx="1"/>
+            <a:endCxn id="35" idx="0"/>
+          </p:cNvCxnSpPr>
+          <p:nvPr/>
+        </p:nvCxnSpPr>
+        <p:spPr>
+          <a:xfrm flipH="1">
+            <a:off x="5421395" y="2534225"/>
+            <a:ext cx="230725" cy="554277"/>
+          </a:xfrm>
+          <a:prstGeom prst="straightConnector1">
+            <a:avLst/>
+          </a:prstGeom>
+          <a:ln w="19050">
+            <a:solidFill>
+              <a:schemeClr val="tx1"/>
+            </a:solidFill>
+            <a:tailEnd type="triangle"/>
+          </a:ln>
+        </p:spPr>
+        <p:style>
+          <a:lnRef idx="1">
+            <a:schemeClr val="accent1"/>
+          </a:lnRef>
+          <a:fillRef idx="0">
+            <a:schemeClr val="accent1"/>
+          </a:fillRef>
+          <a:effectRef idx="0">
+            <a:schemeClr val="accent1"/>
+          </a:effectRef>
+          <a:fontRef idx="minor">
+            <a:schemeClr val="tx1"/>
+          </a:fontRef>
+        </p:style>
+      </p:cxnSp>
+      <p:cxnSp>
+        <p:nvCxnSpPr>
+          <p:cNvPr id="26" name="直接箭头连接符 25"/>
+          <p:cNvCxnSpPr>
+            <a:stCxn id="15" idx="3"/>
+            <a:endCxn id="42" idx="0"/>
+          </p:cNvCxnSpPr>
+          <p:nvPr/>
+        </p:nvCxnSpPr>
+        <p:spPr>
+          <a:xfrm>
+            <a:off x="8244408" y="3392996"/>
+            <a:ext cx="252028" cy="715014"/>
+          </a:xfrm>
+          <a:prstGeom prst="straightConnector1">
+            <a:avLst/>
+          </a:prstGeom>
+          <a:ln w="19050">
+            <a:solidFill>
+              <a:schemeClr val="tx1"/>
+            </a:solidFill>
+            <a:tailEnd type="triangle"/>
+          </a:ln>
+        </p:spPr>
+        <p:style>
+          <a:lnRef idx="1">
+            <a:schemeClr val="accent1"/>
+          </a:lnRef>
+          <a:fillRef idx="0">
+            <a:schemeClr val="accent1"/>
+          </a:fillRef>
+          <a:effectRef idx="0">
+            <a:schemeClr val="accent1"/>
+          </a:effectRef>
+          <a:fontRef idx="minor">
+            <a:schemeClr val="tx1"/>
+          </a:fontRef>
+        </p:style>
+      </p:cxnSp>
+      <p:cxnSp>
+        <p:nvCxnSpPr>
+          <p:cNvPr id="29" name="直接箭头连接符 28"/>
+          <p:cNvCxnSpPr>
+            <a:stCxn id="15" idx="1"/>
+            <a:endCxn id="39" idx="0"/>
+          </p:cNvCxnSpPr>
+          <p:nvPr/>
+        </p:nvCxnSpPr>
+        <p:spPr>
+          <a:xfrm flipH="1">
+            <a:off x="6439108" y="3392996"/>
+            <a:ext cx="227760" cy="715014"/>
+          </a:xfrm>
+          <a:prstGeom prst="straightConnector1">
+            <a:avLst/>
+          </a:prstGeom>
+          <a:ln w="19050">
+            <a:solidFill>
+              <a:schemeClr val="tx1"/>
+            </a:solidFill>
+            <a:tailEnd type="triangle"/>
+          </a:ln>
+        </p:spPr>
+        <p:style>
+          <a:lnRef idx="1">
+            <a:schemeClr val="accent1"/>
+          </a:lnRef>
+          <a:fillRef idx="0">
+            <a:schemeClr val="accent1"/>
+          </a:fillRef>
+          <a:effectRef idx="0">
+            <a:schemeClr val="accent1"/>
+          </a:effectRef>
+          <a:fontRef idx="minor">
+            <a:schemeClr val="tx1"/>
+          </a:fontRef>
+        </p:style>
+      </p:cxnSp>
+      <p:sp>
+        <p:nvSpPr>
+          <p:cNvPr id="35" name="圆角矩形 34"/>
+          <p:cNvSpPr/>
+          <p:nvPr/>
+        </p:nvSpPr>
+        <p:spPr>
+          <a:xfrm>
+            <a:off x="4953343" y="3088502"/>
+            <a:ext cx="936104" cy="576064"/>
+          </a:xfrm>
+          <a:prstGeom prst="roundRect">
+            <a:avLst/>
+          </a:prstGeom>
+          <a:gradFill>
+            <a:gsLst>
+              <a:gs pos="0">
+                <a:srgbClr val="92D050"/>
+              </a:gs>
+              <a:gs pos="100000">
+                <a:srgbClr val="ABDB77"/>
+              </a:gs>
+            </a:gsLst>
+            <a:lin ang="16200000" scaled="1"/>
+          </a:gradFill>
+          <a:ln>
+            <a:solidFill>
+              <a:srgbClr val="00B050"/>
+            </a:solidFill>
+          </a:ln>
+        </p:spPr>
+        <p:style>
+          <a:lnRef idx="1">
+            <a:schemeClr val="accent1"/>
+          </a:lnRef>
+          <a:fillRef idx="2">
+            <a:schemeClr val="accent1"/>
+          </a:fillRef>
+          <a:effectRef idx="1">
+            <a:schemeClr val="accent1"/>
+          </a:effectRef>
+          <a:fontRef idx="minor">
+            <a:schemeClr val="dk1"/>
+          </a:fontRef>
+        </p:style>
+        <p:txBody>
+          <a:bodyPr rtlCol="0" anchor="ctr"/>
+          <a:lstStyle/>
+          <a:p>
+            <a:pPr algn="ctr"/>
+            <a:endParaRPr lang="en-US" altLang="zh-CN" sz="1400" dirty="0" smtClean="0"/>
+          </a:p>
+        </p:txBody>
+      </p:sp>
+      <p:sp>
+        <p:nvSpPr>
+          <p:cNvPr id="39" name="圆角矩形 38"/>
+          <p:cNvSpPr/>
+          <p:nvPr/>
+        </p:nvSpPr>
+        <p:spPr>
+          <a:xfrm>
+            <a:off x="5971056" y="4108010"/>
+            <a:ext cx="936104" cy="576064"/>
+          </a:xfrm>
+          <a:prstGeom prst="roundRect">
+            <a:avLst/>
+          </a:prstGeom>
+          <a:gradFill>
+            <a:gsLst>
+              <a:gs pos="0">
+                <a:srgbClr val="92D050"/>
+              </a:gs>
+              <a:gs pos="100000">
+                <a:srgbClr val="ABDB77"/>
+              </a:gs>
+            </a:gsLst>
+            <a:lin ang="16200000" scaled="1"/>
+          </a:gradFill>
+          <a:ln>
+            <a:solidFill>
+              <a:srgbClr val="00B050"/>
+            </a:solidFill>
+          </a:ln>
+        </p:spPr>
+        <p:style>
+          <a:lnRef idx="1">
+            <a:schemeClr val="accent1"/>
+          </a:lnRef>
+          <a:fillRef idx="2">
+            <a:schemeClr val="accent1"/>
+          </a:fillRef>
+          <a:effectRef idx="1">
+            <a:schemeClr val="accent1"/>
+          </a:effectRef>
+          <a:fontRef idx="minor">
+            <a:schemeClr val="dk1"/>
+          </a:fontRef>
+        </p:style>
+        <p:txBody>
+          <a:bodyPr rtlCol="0" anchor="ctr"/>
+          <a:lstStyle/>
+          <a:p>
+            <a:pPr algn="ctr"/>
+            <a:endParaRPr lang="en-US" altLang="zh-CN" sz="1400" dirty="0"/>
+          </a:p>
+        </p:txBody>
+      </p:sp>
+      <p:sp>
+        <p:nvSpPr>
+          <p:cNvPr id="42" name="圆角矩形 41"/>
+          <p:cNvSpPr/>
+          <p:nvPr/>
+        </p:nvSpPr>
+        <p:spPr>
+          <a:xfrm>
+            <a:off x="8028384" y="4108010"/>
+            <a:ext cx="936104" cy="576064"/>
+          </a:xfrm>
+          <a:prstGeom prst="roundRect">
+            <a:avLst/>
+          </a:prstGeom>
+          <a:gradFill>
+            <a:gsLst>
+              <a:gs pos="0">
+                <a:srgbClr val="92D050"/>
+              </a:gs>
+              <a:gs pos="100000">
+                <a:srgbClr val="ABDB77"/>
+              </a:gs>
+            </a:gsLst>
+            <a:lin ang="16200000" scaled="1"/>
+          </a:gradFill>
+          <a:ln>
+            <a:solidFill>
+              <a:srgbClr val="00B050"/>
+            </a:solidFill>
+          </a:ln>
+        </p:spPr>
+        <p:style>
+          <a:lnRef idx="1">
+            <a:schemeClr val="accent1"/>
+          </a:lnRef>
+          <a:fillRef idx="2">
+            <a:schemeClr val="accent1"/>
+          </a:fillRef>
+          <a:effectRef idx="1">
+            <a:schemeClr val="accent1"/>
+          </a:effectRef>
+          <a:fontRef idx="minor">
+            <a:schemeClr val="dk1"/>
+          </a:fontRef>
+        </p:style>
+        <p:txBody>
+          <a:bodyPr rtlCol="0" anchor="ctr"/>
+          <a:lstStyle/>
+          <a:p>
+            <a:pPr algn="ctr"/>
+            <a:endParaRPr lang="en-US" altLang="zh-CN" sz="1400" dirty="0"/>
+          </a:p>
+        </p:txBody>
+      </p:sp>
+      <p:sp>
+        <p:nvSpPr>
+          <p:cNvPr id="103" name="文本框 102"/>
+          <p:cNvSpPr txBox="1"/>
+          <p:nvPr/>
+        </p:nvSpPr>
+        <p:spPr>
+          <a:xfrm>
+            <a:off x="7236296" y="2492896"/>
+            <a:ext cx="929092" cy="338554"/>
+          </a:xfrm>
+          <a:prstGeom prst="rect">
+            <a:avLst/>
+          </a:prstGeom>
+          <a:noFill/>
+        </p:spPr>
+        <p:txBody>
+          <a:bodyPr wrap="square" rtlCol="0">
+            <a:spAutoFit/>
+          </a:bodyPr>
+          <a:lstStyle/>
+          <a:p>
+            <a:r>
+              <a:rPr lang="en-US" altLang="zh-CN" sz="1600" dirty="0" smtClean="0"/>
+              <a:t>true</a:t>
+            </a:r>
+            <a:endParaRPr lang="zh-CN" altLang="en-US" sz="1600" dirty="0"/>
+          </a:p>
+        </p:txBody>
+      </p:sp>
+      <p:sp>
+        <p:nvSpPr>
+          <p:cNvPr id="104" name="文本框 103"/>
+          <p:cNvSpPr txBox="1"/>
+          <p:nvPr/>
+        </p:nvSpPr>
+        <p:spPr>
+          <a:xfrm>
+            <a:off x="8425642" y="3386474"/>
+            <a:ext cx="929092" cy="338554"/>
+          </a:xfrm>
+          <a:prstGeom prst="rect">
+            <a:avLst/>
+          </a:prstGeom>
+          <a:noFill/>
+        </p:spPr>
+        <p:txBody>
+          <a:bodyPr wrap="square" rtlCol="0">
+            <a:spAutoFit/>
+          </a:bodyPr>
+          <a:lstStyle/>
+          <a:p>
+            <a:r>
+              <a:rPr lang="en-US" altLang="zh-CN" sz="1600" dirty="0" smtClean="0"/>
+              <a:t>true</a:t>
+            </a:r>
+            <a:endParaRPr lang="zh-CN" altLang="en-US" sz="1600" dirty="0"/>
+          </a:p>
+        </p:txBody>
+      </p:sp>
+      <p:sp>
+        <p:nvSpPr>
+          <p:cNvPr id="105" name="文本框 104"/>
+          <p:cNvSpPr txBox="1"/>
+          <p:nvPr/>
+        </p:nvSpPr>
+        <p:spPr>
+          <a:xfrm>
+            <a:off x="6034602" y="3383334"/>
+            <a:ext cx="929092" cy="338554"/>
+          </a:xfrm>
+          <a:prstGeom prst="rect">
+            <a:avLst/>
+          </a:prstGeom>
+          <a:noFill/>
+        </p:spPr>
+        <p:txBody>
+          <a:bodyPr wrap="square" rtlCol="0">
+            <a:spAutoFit/>
+          </a:bodyPr>
+          <a:lstStyle/>
+          <a:p>
+            <a:r>
+              <a:rPr lang="en-US" altLang="zh-CN" sz="1600" dirty="0" smtClean="0"/>
+              <a:t>false</a:t>
+            </a:r>
+            <a:endParaRPr lang="zh-CN" altLang="en-US" sz="1600" dirty="0"/>
+          </a:p>
+        </p:txBody>
+      </p:sp>
+      <p:sp>
+        <p:nvSpPr>
+          <p:cNvPr id="106" name="文本框 105"/>
+          <p:cNvSpPr txBox="1"/>
+          <p:nvPr/>
+        </p:nvSpPr>
+        <p:spPr>
+          <a:xfrm>
+            <a:off x="5011060" y="2442374"/>
+            <a:ext cx="929092" cy="338554"/>
+          </a:xfrm>
+          <a:prstGeom prst="rect">
+            <a:avLst/>
+          </a:prstGeom>
+          <a:noFill/>
+        </p:spPr>
+        <p:txBody>
+          <a:bodyPr wrap="square" rtlCol="0">
+            <a:spAutoFit/>
+          </a:bodyPr>
+          <a:lstStyle/>
+          <a:p>
+            <a:r>
+              <a:rPr lang="en-US" altLang="zh-CN" sz="1600" dirty="0" smtClean="0"/>
+              <a:t>false</a:t>
+            </a:r>
+            <a:endParaRPr lang="zh-CN" altLang="en-US" sz="1600" dirty="0"/>
           </a:p>
         </p:txBody>
       </p:sp>
@@ -13318,11 +13944,7 @@
           <a:p>
             <a:r>
               <a:rPr lang="en-US" altLang="zh-CN" sz="3600" dirty="0" smtClean="0"/>
-              <a:t>Symbolic </a:t>
-            </a:r>
-            <a:r>
-              <a:rPr lang="en-US" altLang="zh-CN" sz="3600" dirty="0" smtClean="0"/>
-              <a:t>Execution Semantics</a:t>
+              <a:t>Symbolic Execution Semantics</a:t>
             </a:r>
             <a:endParaRPr lang="zh-CN" altLang="en-US" sz="3600" dirty="0"/>
           </a:p>
@@ -13552,7 +14174,7 @@
                 <a:ea typeface="宋体"/>
               </a:rPr>
               <a:pPr/>
-              <a:t>2020/11/30</a:t>
+              <a:t>2020/12/1</a:t>
             </a:fld>
             <a:endParaRPr kumimoji="1" lang="zh-CN" altLang="en-US">
               <a:solidFill>
@@ -13970,7 +14592,7 @@
                 <a:ea typeface="宋体"/>
               </a:rPr>
               <a:pPr/>
-              <a:t>2020/11/30</a:t>
+              <a:t>2020/12/1</a:t>
             </a:fld>
             <a:endParaRPr kumimoji="1" lang="zh-CN" altLang="en-US">
               <a:solidFill>
@@ -14046,7 +14668,7 @@
       </p:sp>
       <p:pic>
         <p:nvPicPr>
-          <p:cNvPr id="7" name="图片 6"/>
+          <p:cNvPr id="10" name="图片 9"/>
           <p:cNvPicPr>
             <a:picLocks noChangeAspect="1"/>
           </p:cNvPicPr>
@@ -14066,37 +14688,7 @@
         </p:blipFill>
         <p:spPr>
           <a:xfrm>
-            <a:off x="5076056" y="1772816"/>
-            <a:ext cx="3860416" cy="3014138"/>
-          </a:xfrm>
-          <a:prstGeom prst="rect">
-            <a:avLst/>
-          </a:prstGeom>
-        </p:spPr>
-      </p:pic>
-      <p:pic>
-        <p:nvPicPr>
-          <p:cNvPr id="10" name="图片 9"/>
-          <p:cNvPicPr>
-            <a:picLocks noChangeAspect="1"/>
-          </p:cNvPicPr>
-          <p:nvPr/>
-        </p:nvPicPr>
-        <p:blipFill>
-          <a:blip r:embed="rId3">
-            <a:extLst>
-              <a:ext uri="{28A0092B-C50C-407E-A947-70E740481C1C}">
-                <a14:useLocalDpi xmlns:a14="http://schemas.microsoft.com/office/drawing/2010/main" val="0"/>
-              </a:ext>
-            </a:extLst>
-          </a:blip>
-          <a:stretch>
-            <a:fillRect/>
-          </a:stretch>
-        </p:blipFill>
-        <p:spPr>
-          <a:xfrm>
-            <a:off x="611560" y="1772816"/>
+            <a:off x="539552" y="1772816"/>
             <a:ext cx="4546834" cy="4184865"/>
           </a:xfrm>
           <a:prstGeom prst="rect">
@@ -14112,7 +14704,7 @@
         </p:nvSpPr>
         <p:spPr>
           <a:xfrm>
-            <a:off x="2771800" y="4653136"/>
+            <a:off x="2699792" y="4653136"/>
             <a:ext cx="2088232" cy="338554"/>
           </a:xfrm>
           <a:prstGeom prst="rect">
@@ -14188,7 +14780,7 @@
         </p:nvSpPr>
         <p:spPr>
           <a:xfrm>
-            <a:off x="2771800" y="5136131"/>
+            <a:off x="2699792" y="5136131"/>
             <a:ext cx="2592288" cy="338554"/>
           </a:xfrm>
           <a:prstGeom prst="rect">
@@ -14304,7 +14896,7 @@
         </p:nvSpPr>
         <p:spPr>
           <a:xfrm>
-            <a:off x="5292080" y="4824291"/>
+            <a:off x="5220072" y="4824291"/>
             <a:ext cx="3816424" cy="1077218"/>
           </a:xfrm>
           <a:prstGeom prst="rect">
@@ -14405,6 +14997,252 @@
               <a:t>.</a:t>
             </a:r>
             <a:endParaRPr lang="en-US" altLang="zh-CN" sz="1600" dirty="0"/>
+          </a:p>
+        </p:txBody>
+      </p:sp>
+      <p:sp>
+        <p:nvSpPr>
+          <p:cNvPr id="12" name="文本框 11"/>
+          <p:cNvSpPr txBox="1"/>
+          <p:nvPr/>
+        </p:nvSpPr>
+        <p:spPr>
+          <a:xfrm>
+            <a:off x="3124200" y="1832782"/>
+            <a:ext cx="3888432" cy="584775"/>
+          </a:xfrm>
+          <a:prstGeom prst="rect">
+            <a:avLst/>
+          </a:prstGeom>
+          <a:solidFill>
+            <a:srgbClr val="CCECFF"/>
+          </a:solidFill>
+        </p:spPr>
+        <p:txBody>
+          <a:bodyPr wrap="square" rtlCol="0">
+            <a:spAutoFit/>
+          </a:bodyPr>
+          <a:lstStyle/>
+          <a:p>
+            <a:r>
+              <a:rPr lang="en-US" altLang="zh-CN" sz="1600" dirty="0"/>
+              <a:t>At every assignment </a:t>
+            </a:r>
+            <a:r>
+              <a:rPr lang="en-US" altLang="zh-CN" sz="1600" i="1" dirty="0">
+                <a:latin typeface="Times New Roman" panose="02020603050405020304" pitchFamily="18" charset="0"/>
+                <a:cs typeface="Times New Roman" panose="02020603050405020304" pitchFamily="18" charset="0"/>
+              </a:rPr>
+              <a:t>v = e</a:t>
+            </a:r>
+            <a:r>
+              <a:rPr lang="en-US" altLang="zh-CN" sz="1600" dirty="0"/>
+              <a:t>, symbolic execution </a:t>
+            </a:r>
+            <a:r>
+              <a:rPr lang="en-US" altLang="zh-CN" sz="1600" dirty="0" smtClean="0"/>
+              <a:t>updates </a:t>
+            </a:r>
+            <a:r>
+              <a:rPr lang="el-GR" altLang="zh-CN" sz="1600" i="1" dirty="0">
+                <a:latin typeface="Times New Roman" panose="02020603050405020304" pitchFamily="18" charset="0"/>
+                <a:cs typeface="Times New Roman" panose="02020603050405020304" pitchFamily="18" charset="0"/>
+              </a:rPr>
+              <a:t>σ</a:t>
+            </a:r>
+            <a:r>
+              <a:rPr lang="en-US" altLang="zh-CN" sz="1600" dirty="0" smtClean="0"/>
+              <a:t> by mapping </a:t>
+            </a:r>
+            <a:r>
+              <a:rPr lang="en-US" altLang="zh-CN" sz="1600" i="1" dirty="0" smtClean="0">
+                <a:latin typeface="Times New Roman" panose="02020603050405020304" pitchFamily="18" charset="0"/>
+                <a:cs typeface="Times New Roman" panose="02020603050405020304" pitchFamily="18" charset="0"/>
+              </a:rPr>
+              <a:t>v </a:t>
+            </a:r>
+            <a:r>
+              <a:rPr lang="en-US" altLang="zh-CN" sz="1600" i="1" dirty="0">
+                <a:latin typeface="Times New Roman" panose="02020603050405020304" pitchFamily="18" charset="0"/>
+                <a:cs typeface="Times New Roman" panose="02020603050405020304" pitchFamily="18" charset="0"/>
+              </a:rPr>
+              <a:t>→ </a:t>
+            </a:r>
+            <a:r>
+              <a:rPr lang="el-GR" altLang="zh-CN" sz="1600" i="1" dirty="0" smtClean="0">
+                <a:latin typeface="Times New Roman" panose="02020603050405020304" pitchFamily="18" charset="0"/>
+                <a:cs typeface="Times New Roman" panose="02020603050405020304" pitchFamily="18" charset="0"/>
+              </a:rPr>
+              <a:t>σ</a:t>
+            </a:r>
+            <a:r>
+              <a:rPr lang="en-US" altLang="zh-CN" sz="1600" i="1" dirty="0" smtClean="0">
+                <a:latin typeface="Times New Roman" panose="02020603050405020304" pitchFamily="18" charset="0"/>
+                <a:cs typeface="Times New Roman" panose="02020603050405020304" pitchFamily="18" charset="0"/>
+              </a:rPr>
+              <a:t>(e)</a:t>
+            </a:r>
+            <a:r>
+              <a:rPr lang="en-US" altLang="zh-CN" sz="1600" dirty="0" smtClean="0"/>
+              <a:t>.</a:t>
+            </a:r>
+            <a:endParaRPr lang="en-US" altLang="zh-CN" sz="1600" dirty="0"/>
+          </a:p>
+        </p:txBody>
+      </p:sp>
+      <p:sp>
+        <p:nvSpPr>
+          <p:cNvPr id="13" name="文本框 12"/>
+          <p:cNvSpPr txBox="1"/>
+          <p:nvPr/>
+        </p:nvSpPr>
+        <p:spPr>
+          <a:xfrm>
+            <a:off x="2665133" y="2832701"/>
+            <a:ext cx="3384376" cy="338554"/>
+          </a:xfrm>
+          <a:prstGeom prst="rect">
+            <a:avLst/>
+          </a:prstGeom>
+          <a:noFill/>
+        </p:spPr>
+        <p:txBody>
+          <a:bodyPr wrap="square" rtlCol="0">
+            <a:spAutoFit/>
+          </a:bodyPr>
+          <a:lstStyle/>
+          <a:p>
+            <a:r>
+              <a:rPr lang="el-GR" altLang="zh-CN" sz="1600" i="1" dirty="0" smtClean="0">
+                <a:solidFill>
+                  <a:srgbClr val="FF0000"/>
+                </a:solidFill>
+                <a:latin typeface="Times New Roman" panose="02020603050405020304" pitchFamily="18" charset="0"/>
+                <a:cs typeface="Times New Roman" panose="02020603050405020304" pitchFamily="18" charset="0"/>
+              </a:rPr>
+              <a:t>σ</a:t>
+            </a:r>
+            <a:r>
+              <a:rPr lang="en-US" altLang="zh-CN" sz="1600" dirty="0" smtClean="0">
+                <a:solidFill>
+                  <a:srgbClr val="FF0000"/>
+                </a:solidFill>
+              </a:rPr>
+              <a:t> = {</a:t>
+            </a:r>
+            <a:r>
+              <a:rPr lang="en-US" altLang="zh-CN" sz="1600" dirty="0">
+                <a:solidFill>
+                  <a:srgbClr val="FF0000"/>
+                </a:solidFill>
+              </a:rPr>
+              <a:t>x→x</a:t>
+            </a:r>
+            <a:r>
+              <a:rPr lang="en-US" altLang="zh-CN" sz="600" dirty="0">
+                <a:solidFill>
+                  <a:srgbClr val="FF0000"/>
+                </a:solidFill>
+              </a:rPr>
+              <a:t>0</a:t>
+            </a:r>
+            <a:r>
+              <a:rPr lang="en-US" altLang="zh-CN" sz="1600" dirty="0">
+                <a:solidFill>
+                  <a:srgbClr val="FF0000"/>
+                </a:solidFill>
+              </a:rPr>
+              <a:t> , y→</a:t>
+            </a:r>
+            <a:r>
+              <a:rPr lang="en-US" altLang="zh-CN" sz="1600" dirty="0" smtClean="0">
+                <a:solidFill>
+                  <a:srgbClr val="FF0000"/>
+                </a:solidFill>
+              </a:rPr>
+              <a:t>y</a:t>
+            </a:r>
+            <a:r>
+              <a:rPr lang="en-US" altLang="zh-CN" sz="600" dirty="0" smtClean="0">
+                <a:solidFill>
+                  <a:srgbClr val="FF0000"/>
+                </a:solidFill>
+              </a:rPr>
+              <a:t>0</a:t>
+            </a:r>
+            <a:r>
+              <a:rPr lang="en-US" altLang="zh-CN" sz="1500" dirty="0" smtClean="0">
+                <a:solidFill>
+                  <a:srgbClr val="FF0000"/>
+                </a:solidFill>
+              </a:rPr>
+              <a:t>, </a:t>
+            </a:r>
+            <a:r>
+              <a:rPr lang="en-US" altLang="zh-CN" sz="1600" dirty="0" smtClean="0">
+                <a:solidFill>
+                  <a:srgbClr val="FF0000"/>
+                </a:solidFill>
+              </a:rPr>
+              <a:t>z→2*y</a:t>
+            </a:r>
+            <a:r>
+              <a:rPr lang="en-US" altLang="zh-CN" sz="600" dirty="0" smtClean="0">
+                <a:solidFill>
+                  <a:srgbClr val="FF0000"/>
+                </a:solidFill>
+              </a:rPr>
+              <a:t>0</a:t>
+            </a:r>
+            <a:r>
+              <a:rPr lang="en-US" altLang="zh-CN" sz="1600" dirty="0" smtClean="0">
+                <a:solidFill>
+                  <a:srgbClr val="FF0000"/>
+                </a:solidFill>
+              </a:rPr>
+              <a:t>}</a:t>
+            </a:r>
+            <a:r>
+              <a:rPr lang="en-US" altLang="zh-CN" sz="1600" i="1" dirty="0" smtClean="0">
+                <a:solidFill>
+                  <a:srgbClr val="FF0000"/>
+                </a:solidFill>
+              </a:rPr>
+              <a:t>, </a:t>
+            </a:r>
+            <a:r>
+              <a:rPr lang="en-US" altLang="zh-CN" sz="1600" i="1" dirty="0" smtClean="0">
+                <a:solidFill>
+                  <a:srgbClr val="FF0000"/>
+                </a:solidFill>
+              </a:rPr>
+              <a:t>pc </a:t>
+            </a:r>
+            <a:r>
+              <a:rPr lang="en-US" altLang="zh-CN" sz="1600" dirty="0" smtClean="0">
+                <a:solidFill>
+                  <a:srgbClr val="FF0000"/>
+                </a:solidFill>
+              </a:rPr>
+              <a:t>: </a:t>
+            </a:r>
+            <a:r>
+              <a:rPr lang="en-US" altLang="zh-CN" sz="1600" i="1" dirty="0" smtClean="0">
+                <a:solidFill>
+                  <a:srgbClr val="FF0000"/>
+                </a:solidFill>
+                <a:latin typeface="Times New Roman" panose="02020603050405020304" pitchFamily="18" charset="0"/>
+                <a:cs typeface="Times New Roman" panose="02020603050405020304" pitchFamily="18" charset="0"/>
+              </a:rPr>
+              <a:t>true</a:t>
+            </a:r>
+            <a:endParaRPr lang="zh-CN" altLang="en-US" sz="1600" i="1" dirty="0">
+              <a:solidFill>
+                <a:srgbClr val="FF0000"/>
+              </a:solidFill>
+              <a:latin typeface="Times New Roman" panose="02020603050405020304" pitchFamily="18" charset="0"/>
+              <a:cs typeface="Times New Roman" panose="02020603050405020304" pitchFamily="18" charset="0"/>
+            </a:endParaRPr>
           </a:p>
         </p:txBody>
       </p:sp>
@@ -14561,6 +15399,96 @@
                       </p:childTnLst>
                     </p:cTn>
                   </p:par>
+                  <p:par>
+                    <p:cTn id="15" fill="hold">
+                      <p:stCondLst>
+                        <p:cond delay="indefinite"/>
+                      </p:stCondLst>
+                      <p:childTnLst>
+                        <p:par>
+                          <p:cTn id="16" fill="hold">
+                            <p:stCondLst>
+                              <p:cond delay="0"/>
+                            </p:stCondLst>
+                            <p:childTnLst>
+                              <p:par>
+                                <p:cTn id="17" presetID="1" presetClass="entr" presetSubtype="0" fill="hold" grpId="0" nodeType="clickEffect">
+                                  <p:stCondLst>
+                                    <p:cond delay="0"/>
+                                  </p:stCondLst>
+                                  <p:childTnLst>
+                                    <p:set>
+                                      <p:cBhvr>
+                                        <p:cTn id="18" dur="1" fill="hold">
+                                          <p:stCondLst>
+                                            <p:cond delay="0"/>
+                                          </p:stCondLst>
+                                        </p:cTn>
+                                        <p:tgtEl>
+                                          <p:spTgt spid="12"/>
+                                        </p:tgtEl>
+                                        <p:attrNameLst>
+                                          <p:attrName>style.visibility</p:attrName>
+                                        </p:attrNameLst>
+                                      </p:cBhvr>
+                                      <p:to>
+                                        <p:strVal val="visible"/>
+                                      </p:to>
+                                    </p:set>
+                                  </p:childTnLst>
+                                </p:cTn>
+                              </p:par>
+                            </p:childTnLst>
+                          </p:cTn>
+                        </p:par>
+                      </p:childTnLst>
+                    </p:cTn>
+                  </p:par>
+                  <p:par>
+                    <p:cTn id="19" fill="hold">
+                      <p:stCondLst>
+                        <p:cond delay="indefinite"/>
+                      </p:stCondLst>
+                      <p:childTnLst>
+                        <p:par>
+                          <p:cTn id="20" fill="hold">
+                            <p:stCondLst>
+                              <p:cond delay="0"/>
+                            </p:stCondLst>
+                            <p:childTnLst>
+                              <p:par>
+                                <p:cTn id="21" presetID="1" presetClass="entr" presetSubtype="0" fill="hold" grpId="0" nodeType="clickEffect">
+                                  <p:stCondLst>
+                                    <p:cond delay="0"/>
+                                  </p:stCondLst>
+                                  <p:childTnLst>
+                                    <p:set>
+                                      <p:cBhvr>
+                                        <p:cTn id="22" dur="1" fill="hold">
+                                          <p:stCondLst>
+                                            <p:cond delay="0"/>
+                                          </p:stCondLst>
+                                        </p:cTn>
+                                        <p:tgtEl>
+                                          <p:spTgt spid="13"/>
+                                        </p:tgtEl>
+                                        <p:attrNameLst>
+                                          <p:attrName>style.visibility</p:attrName>
+                                        </p:attrNameLst>
+                                      </p:cBhvr>
+                                      <p:to>
+                                        <p:strVal val="visible"/>
+                                      </p:to>
+                                    </p:set>
+                                  </p:childTnLst>
+                                </p:cTn>
+                              </p:par>
+                            </p:childTnLst>
+                          </p:cTn>
+                        </p:par>
+                      </p:childTnLst>
+                    </p:cTn>
+                  </p:par>
                 </p:childTnLst>
               </p:cTn>
               <p:prevCondLst>
@@ -14586,6 +15514,8 @@
       <p:bldP spid="11" grpId="0"/>
       <p:bldP spid="9" grpId="0"/>
       <p:bldP spid="3" grpId="0" animBg="1"/>
+      <p:bldP spid="12" grpId="0" animBg="1"/>
+      <p:bldP spid="13" grpId="0"/>
     </p:bldLst>
   </p:timing>
 </p:sld>
@@ -14624,87 +15554,10 @@
           <a:lstStyle/>
           <a:p>
             <a:r>
-              <a:rPr lang="en-US" altLang="zh-CN" cap="small" smtClean="0"/>
-              <a:t>Effigy</a:t>
-            </a:r>
-            <a:endParaRPr lang="zh-CN" altLang="en-US" cap="small"/>
-          </a:p>
-        </p:txBody>
-      </p:sp>
-      <p:sp>
-        <p:nvSpPr>
-          <p:cNvPr id="3" name="内容占位符 2"/>
-          <p:cNvSpPr>
-            <a:spLocks noGrp="1"/>
-          </p:cNvSpPr>
-          <p:nvPr>
-            <p:ph idx="1"/>
-          </p:nvPr>
-        </p:nvSpPr>
-        <p:spPr/>
-        <p:txBody>
-          <a:bodyPr/>
-          <a:lstStyle/>
-          <a:p>
-            <a:pPr>
-              <a:spcAft>
-                <a:spcPts val="600"/>
-              </a:spcAft>
-            </a:pPr>
-            <a:r>
-              <a:rPr lang="en-US" altLang="zh-CN" dirty="0" smtClean="0"/>
-              <a:t>An interactive symbolic execution system developed by the author and his colleagues</a:t>
-            </a:r>
-          </a:p>
-          <a:p>
-            <a:pPr lvl="1">
-              <a:spcAft>
-                <a:spcPts val="600"/>
-              </a:spcAft>
-            </a:pPr>
-            <a:r>
-              <a:rPr lang="en-US" altLang="zh-CN" dirty="0" smtClean="0"/>
-              <a:t>An “exhaustive” test manager </a:t>
-            </a:r>
-            <a:r>
-              <a:rPr lang="en-US" altLang="zh-CN" dirty="0" err="1" smtClean="0"/>
-              <a:t>systemtically</a:t>
-            </a:r>
-            <a:r>
-              <a:rPr lang="en-US" altLang="zh-CN" dirty="0" smtClean="0"/>
-              <a:t> explores the alternatives in the symbolic execution tree.</a:t>
-            </a:r>
-          </a:p>
-          <a:p>
-            <a:pPr lvl="1">
-              <a:spcAft>
-                <a:spcPts val="600"/>
-              </a:spcAft>
-            </a:pPr>
-            <a:r>
-              <a:rPr lang="en-US" altLang="zh-CN" dirty="0" smtClean="0"/>
-              <a:t>The </a:t>
-            </a:r>
-            <a:r>
-              <a:rPr lang="en-US" altLang="zh-CN" dirty="0" smtClean="0"/>
-              <a:t>system can automatically checks test case results.</a:t>
-            </a:r>
-          </a:p>
-          <a:p>
-            <a:pPr lvl="1">
-              <a:spcAft>
-                <a:spcPts val="600"/>
-              </a:spcAft>
-            </a:pPr>
-            <a:r>
-              <a:rPr lang="en-US" altLang="zh-CN" dirty="0" smtClean="0"/>
-              <a:t>Finally, </a:t>
-            </a:r>
-            <a:r>
-              <a:rPr lang="en-US" altLang="zh-CN" dirty="0" smtClean="0"/>
-              <a:t>the system offers a program verifier which uses symbolic execution and user supplied assertions to generate the verification condition.</a:t>
-            </a:r>
-            <a:endParaRPr lang="zh-CN" altLang="en-US" dirty="0"/>
+              <a:rPr lang="en-US" altLang="zh-CN" sz="3600" dirty="0"/>
+              <a:t>Symbolic Execution Semantics</a:t>
+            </a:r>
+            <a:endParaRPr lang="zh-CN" altLang="en-US" sz="3600" dirty="0"/>
           </a:p>
         </p:txBody>
       </p:sp>
@@ -14734,7 +15587,7 @@
                 <a:ea typeface="宋体"/>
               </a:rPr>
               <a:pPr/>
-              <a:t>2020/11/30</a:t>
+              <a:t>2020/12/1</a:t>
             </a:fld>
             <a:endParaRPr kumimoji="1" lang="zh-CN" altLang="en-US">
               <a:solidFill>
@@ -14808,7 +15661,1645 @@
           </a:p>
         </p:txBody>
       </p:sp>
+      <p:sp>
+        <p:nvSpPr>
+          <p:cNvPr id="13" name="文本框 12"/>
+          <p:cNvSpPr txBox="1"/>
+          <p:nvPr/>
+        </p:nvSpPr>
+        <p:spPr>
+          <a:xfrm>
+            <a:off x="395536" y="1728303"/>
+            <a:ext cx="3384376" cy="338554"/>
+          </a:xfrm>
+          <a:prstGeom prst="rect">
+            <a:avLst/>
+          </a:prstGeom>
+          <a:noFill/>
+        </p:spPr>
+        <p:txBody>
+          <a:bodyPr wrap="square" rtlCol="0">
+            <a:spAutoFit/>
+          </a:bodyPr>
+          <a:lstStyle/>
+          <a:p>
+            <a:r>
+              <a:rPr lang="el-GR" altLang="zh-CN" sz="1600" i="1" dirty="0" smtClean="0">
+                <a:solidFill>
+                  <a:srgbClr val="FF0000"/>
+                </a:solidFill>
+                <a:latin typeface="Times New Roman" panose="02020603050405020304" pitchFamily="18" charset="0"/>
+                <a:cs typeface="Times New Roman" panose="02020603050405020304" pitchFamily="18" charset="0"/>
+              </a:rPr>
+              <a:t>σ</a:t>
+            </a:r>
+            <a:r>
+              <a:rPr lang="en-US" altLang="zh-CN" sz="1600" dirty="0" smtClean="0">
+                <a:solidFill>
+                  <a:srgbClr val="FF0000"/>
+                </a:solidFill>
+              </a:rPr>
+              <a:t> = {</a:t>
+            </a:r>
+            <a:r>
+              <a:rPr lang="en-US" altLang="zh-CN" sz="1600" dirty="0">
+                <a:solidFill>
+                  <a:srgbClr val="FF0000"/>
+                </a:solidFill>
+              </a:rPr>
+              <a:t>x→x</a:t>
+            </a:r>
+            <a:r>
+              <a:rPr lang="en-US" altLang="zh-CN" sz="600" dirty="0">
+                <a:solidFill>
+                  <a:srgbClr val="FF0000"/>
+                </a:solidFill>
+              </a:rPr>
+              <a:t>0</a:t>
+            </a:r>
+            <a:r>
+              <a:rPr lang="en-US" altLang="zh-CN" sz="1600" dirty="0">
+                <a:solidFill>
+                  <a:srgbClr val="FF0000"/>
+                </a:solidFill>
+              </a:rPr>
+              <a:t> , y→</a:t>
+            </a:r>
+            <a:r>
+              <a:rPr lang="en-US" altLang="zh-CN" sz="1600" dirty="0" smtClean="0">
+                <a:solidFill>
+                  <a:srgbClr val="FF0000"/>
+                </a:solidFill>
+              </a:rPr>
+              <a:t>y</a:t>
+            </a:r>
+            <a:r>
+              <a:rPr lang="en-US" altLang="zh-CN" sz="600" dirty="0" smtClean="0">
+                <a:solidFill>
+                  <a:srgbClr val="FF0000"/>
+                </a:solidFill>
+              </a:rPr>
+              <a:t>0</a:t>
+            </a:r>
+            <a:r>
+              <a:rPr lang="en-US" altLang="zh-CN" sz="1500" dirty="0" smtClean="0">
+                <a:solidFill>
+                  <a:srgbClr val="FF0000"/>
+                </a:solidFill>
+              </a:rPr>
+              <a:t>, </a:t>
+            </a:r>
+            <a:r>
+              <a:rPr lang="en-US" altLang="zh-CN" sz="1600" dirty="0" smtClean="0">
+                <a:solidFill>
+                  <a:srgbClr val="FF0000"/>
+                </a:solidFill>
+              </a:rPr>
+              <a:t>z→2</a:t>
+            </a:r>
+            <a:r>
+              <a:rPr lang="zh-CN" altLang="en-US" sz="1600" dirty="0" smtClean="0">
+                <a:solidFill>
+                  <a:srgbClr val="FF0000"/>
+                </a:solidFill>
+                <a:latin typeface="Times New Roman" panose="02020603050405020304" pitchFamily="18" charset="0"/>
+                <a:cs typeface="Times New Roman" panose="02020603050405020304" pitchFamily="18" charset="0"/>
+              </a:rPr>
+              <a:t>*</a:t>
+            </a:r>
+            <a:r>
+              <a:rPr lang="en-US" altLang="zh-CN" sz="1600" dirty="0" smtClean="0">
+                <a:solidFill>
+                  <a:srgbClr val="FF0000"/>
+                </a:solidFill>
+              </a:rPr>
+              <a:t>y</a:t>
+            </a:r>
+            <a:r>
+              <a:rPr lang="en-US" altLang="zh-CN" sz="600" dirty="0" smtClean="0">
+                <a:solidFill>
+                  <a:srgbClr val="FF0000"/>
+                </a:solidFill>
+              </a:rPr>
+              <a:t>0</a:t>
+            </a:r>
+            <a:r>
+              <a:rPr lang="en-US" altLang="zh-CN" sz="1600" dirty="0" smtClean="0">
+                <a:solidFill>
+                  <a:srgbClr val="FF0000"/>
+                </a:solidFill>
+              </a:rPr>
+              <a:t>}</a:t>
+            </a:r>
+            <a:r>
+              <a:rPr lang="en-US" altLang="zh-CN" sz="1600" i="1" dirty="0" smtClean="0">
+                <a:solidFill>
+                  <a:srgbClr val="FF0000"/>
+                </a:solidFill>
+              </a:rPr>
+              <a:t>, </a:t>
+            </a:r>
+            <a:r>
+              <a:rPr lang="en-US" altLang="zh-CN" sz="1600" i="1" dirty="0" smtClean="0">
+                <a:solidFill>
+                  <a:srgbClr val="FF0000"/>
+                </a:solidFill>
+              </a:rPr>
+              <a:t>pc </a:t>
+            </a:r>
+            <a:r>
+              <a:rPr lang="en-US" altLang="zh-CN" sz="1600" dirty="0" smtClean="0">
+                <a:solidFill>
+                  <a:srgbClr val="FF0000"/>
+                </a:solidFill>
+              </a:rPr>
+              <a:t>: </a:t>
+            </a:r>
+            <a:r>
+              <a:rPr lang="en-US" altLang="zh-CN" sz="1600" i="1" dirty="0" smtClean="0">
+                <a:solidFill>
+                  <a:srgbClr val="FF0000"/>
+                </a:solidFill>
+                <a:latin typeface="Times New Roman" panose="02020603050405020304" pitchFamily="18" charset="0"/>
+                <a:cs typeface="Times New Roman" panose="02020603050405020304" pitchFamily="18" charset="0"/>
+              </a:rPr>
+              <a:t>true</a:t>
+            </a:r>
+            <a:endParaRPr lang="zh-CN" altLang="en-US" sz="1600" i="1" dirty="0">
+              <a:solidFill>
+                <a:srgbClr val="FF0000"/>
+              </a:solidFill>
+              <a:latin typeface="Times New Roman" panose="02020603050405020304" pitchFamily="18" charset="0"/>
+              <a:cs typeface="Times New Roman" panose="02020603050405020304" pitchFamily="18" charset="0"/>
+            </a:endParaRPr>
+          </a:p>
+        </p:txBody>
+      </p:sp>
+      <p:sp>
+        <p:nvSpPr>
+          <p:cNvPr id="15" name="文本框 14"/>
+          <p:cNvSpPr txBox="1"/>
+          <p:nvPr/>
+        </p:nvSpPr>
+        <p:spPr>
+          <a:xfrm>
+            <a:off x="4572000" y="1844824"/>
+            <a:ext cx="4392488" cy="1323439"/>
+          </a:xfrm>
+          <a:prstGeom prst="rect">
+            <a:avLst/>
+          </a:prstGeom>
+          <a:solidFill>
+            <a:srgbClr val="CCECFF"/>
+          </a:solidFill>
+        </p:spPr>
+        <p:txBody>
+          <a:bodyPr wrap="square" rtlCol="0">
+            <a:spAutoFit/>
+          </a:bodyPr>
+          <a:lstStyle/>
+          <a:p>
+            <a:r>
+              <a:rPr lang="en-US" altLang="zh-CN" sz="1600" dirty="0"/>
+              <a:t>At every conditional statement </a:t>
+            </a:r>
+            <a:r>
+              <a:rPr lang="en-US" altLang="zh-CN" sz="1600" dirty="0">
+                <a:latin typeface="Consolas" panose="020B0609020204030204" pitchFamily="49" charset="0"/>
+              </a:rPr>
+              <a:t>if (</a:t>
+            </a:r>
+            <a:r>
+              <a:rPr lang="en-US" altLang="zh-CN" sz="1600" i="1" dirty="0">
+                <a:latin typeface="Consolas" panose="020B0609020204030204" pitchFamily="49" charset="0"/>
+              </a:rPr>
+              <a:t>e</a:t>
+            </a:r>
+            <a:r>
+              <a:rPr lang="en-US" altLang="zh-CN" sz="1600" dirty="0">
+                <a:latin typeface="Consolas" panose="020B0609020204030204" pitchFamily="49" charset="0"/>
+              </a:rPr>
+              <a:t>) </a:t>
+            </a:r>
+            <a:r>
+              <a:rPr lang="en-US" altLang="zh-CN" sz="1600" b="1" dirty="0">
+                <a:latin typeface="Consolas" panose="020B0609020204030204" pitchFamily="49" charset="0"/>
+              </a:rPr>
+              <a:t>S1</a:t>
+            </a:r>
+            <a:r>
+              <a:rPr lang="en-US" altLang="zh-CN" sz="1600" dirty="0">
+                <a:latin typeface="Consolas" panose="020B0609020204030204" pitchFamily="49" charset="0"/>
+              </a:rPr>
+              <a:t> else </a:t>
+            </a:r>
+            <a:r>
+              <a:rPr lang="en-US" altLang="zh-CN" sz="1600" b="1" dirty="0" smtClean="0">
+                <a:latin typeface="Consolas" panose="020B0609020204030204" pitchFamily="49" charset="0"/>
+              </a:rPr>
+              <a:t>S2</a:t>
+            </a:r>
+            <a:endParaRPr lang="en-US" altLang="zh-CN" sz="1600" dirty="0"/>
+          </a:p>
+          <a:p>
+            <a:pPr marL="342900" indent="-342900">
+              <a:buFont typeface="+mj-lt"/>
+              <a:buAutoNum type="arabicPeriod"/>
+            </a:pPr>
+            <a:r>
+              <a:rPr lang="en-US" altLang="zh-CN" sz="1600" i="1" dirty="0" smtClean="0"/>
+              <a:t>pc</a:t>
+            </a:r>
+            <a:r>
+              <a:rPr lang="en-US" altLang="zh-CN" sz="1600" dirty="0" smtClean="0"/>
+              <a:t> </a:t>
+            </a:r>
+            <a:r>
+              <a:rPr lang="en-US" altLang="zh-CN" sz="1600" dirty="0"/>
+              <a:t>is updated to </a:t>
+            </a:r>
+            <a:r>
+              <a:rPr lang="en-US" altLang="zh-CN" sz="1600" i="1" dirty="0" smtClean="0"/>
+              <a:t>pc</a:t>
+            </a:r>
+            <a:r>
+              <a:rPr lang="en-US" altLang="zh-CN" sz="1600" dirty="0" smtClean="0"/>
+              <a:t>∧</a:t>
+            </a:r>
+            <a:r>
+              <a:rPr lang="el-GR" altLang="zh-CN" sz="1600" i="1" dirty="0" smtClean="0">
+                <a:latin typeface="Times New Roman" panose="02020603050405020304" pitchFamily="18" charset="0"/>
+                <a:cs typeface="Times New Roman" panose="02020603050405020304" pitchFamily="18" charset="0"/>
+              </a:rPr>
+              <a:t>σ</a:t>
+            </a:r>
+            <a:r>
+              <a:rPr lang="en-US" altLang="zh-CN" sz="1600" dirty="0" smtClean="0">
+                <a:latin typeface="Times New Roman" panose="02020603050405020304" pitchFamily="18" charset="0"/>
+                <a:cs typeface="Times New Roman" panose="02020603050405020304" pitchFamily="18" charset="0"/>
+              </a:rPr>
+              <a:t>(</a:t>
+            </a:r>
+            <a:r>
+              <a:rPr lang="en-US" altLang="zh-CN" sz="1600" i="1" dirty="0" smtClean="0">
+                <a:latin typeface="Times New Roman" panose="02020603050405020304" pitchFamily="18" charset="0"/>
+                <a:cs typeface="Times New Roman" panose="02020603050405020304" pitchFamily="18" charset="0"/>
+              </a:rPr>
+              <a:t>e</a:t>
+            </a:r>
+            <a:r>
+              <a:rPr lang="en-US" altLang="zh-CN" sz="1600" dirty="0" smtClean="0">
+                <a:latin typeface="Times New Roman" panose="02020603050405020304" pitchFamily="18" charset="0"/>
+                <a:cs typeface="Times New Roman" panose="02020603050405020304" pitchFamily="18" charset="0"/>
+              </a:rPr>
+              <a:t>)</a:t>
+            </a:r>
+            <a:r>
+              <a:rPr lang="en-US" altLang="zh-CN" sz="1600" dirty="0"/>
+              <a:t> </a:t>
+            </a:r>
+            <a:r>
+              <a:rPr lang="en-US" altLang="zh-CN" sz="1600" dirty="0" smtClean="0"/>
+              <a:t>for “then</a:t>
+            </a:r>
+            <a:r>
+              <a:rPr lang="en-US" altLang="zh-CN" sz="1600" dirty="0"/>
+              <a:t>” </a:t>
+            </a:r>
+            <a:r>
+              <a:rPr lang="en-US" altLang="zh-CN" sz="1600" dirty="0" smtClean="0"/>
+              <a:t>branch </a:t>
+            </a:r>
+          </a:p>
+          <a:p>
+            <a:pPr marL="342900" indent="-342900">
+              <a:buFont typeface="+mj-lt"/>
+              <a:buAutoNum type="arabicPeriod"/>
+            </a:pPr>
+            <a:r>
+              <a:rPr lang="en-US" altLang="zh-CN" sz="1600" dirty="0" smtClean="0"/>
+              <a:t>and </a:t>
+            </a:r>
+            <a:r>
+              <a:rPr lang="en-US" altLang="zh-CN" sz="1600" dirty="0"/>
+              <a:t>a fresh path constraint </a:t>
+            </a:r>
+            <a:r>
+              <a:rPr lang="en-US" altLang="zh-CN" sz="1600" i="1" dirty="0" smtClean="0"/>
+              <a:t>pc’</a:t>
+            </a:r>
+            <a:r>
+              <a:rPr lang="en-US" altLang="zh-CN" sz="1600" dirty="0" smtClean="0"/>
+              <a:t> </a:t>
+            </a:r>
+            <a:r>
+              <a:rPr lang="en-US" altLang="zh-CN" sz="1600" dirty="0"/>
+              <a:t>is created and initialized to </a:t>
+            </a:r>
+            <a:r>
+              <a:rPr lang="en-US" altLang="zh-CN" sz="1600" i="1" dirty="0" smtClean="0"/>
+              <a:t>pc</a:t>
+            </a:r>
+            <a:r>
+              <a:rPr lang="en-US" altLang="zh-CN" sz="1600" dirty="0" smtClean="0"/>
+              <a:t>∧¬</a:t>
+            </a:r>
+            <a:r>
+              <a:rPr lang="el-GR" altLang="zh-CN" sz="1600" i="1" dirty="0" smtClean="0">
+                <a:latin typeface="Times New Roman" panose="02020603050405020304" pitchFamily="18" charset="0"/>
+                <a:cs typeface="Times New Roman" panose="02020603050405020304" pitchFamily="18" charset="0"/>
+              </a:rPr>
+              <a:t>σ</a:t>
+            </a:r>
+            <a:r>
+              <a:rPr lang="en-US" altLang="zh-CN" sz="1600" dirty="0">
+                <a:latin typeface="Times New Roman" panose="02020603050405020304" pitchFamily="18" charset="0"/>
+                <a:cs typeface="Times New Roman" panose="02020603050405020304" pitchFamily="18" charset="0"/>
+              </a:rPr>
+              <a:t>(</a:t>
+            </a:r>
+            <a:r>
+              <a:rPr lang="en-US" altLang="zh-CN" sz="1600" i="1" dirty="0">
+                <a:latin typeface="Times New Roman" panose="02020603050405020304" pitchFamily="18" charset="0"/>
+                <a:cs typeface="Times New Roman" panose="02020603050405020304" pitchFamily="18" charset="0"/>
+              </a:rPr>
+              <a:t>e</a:t>
+            </a:r>
+            <a:r>
+              <a:rPr lang="en-US" altLang="zh-CN" sz="1600" dirty="0">
+                <a:latin typeface="Times New Roman" panose="02020603050405020304" pitchFamily="18" charset="0"/>
+                <a:cs typeface="Times New Roman" panose="02020603050405020304" pitchFamily="18" charset="0"/>
+              </a:rPr>
+              <a:t>)</a:t>
+            </a:r>
+            <a:r>
+              <a:rPr lang="en-US" altLang="zh-CN" sz="1600" dirty="0"/>
+              <a:t> </a:t>
+            </a:r>
+            <a:r>
+              <a:rPr lang="en-US" altLang="zh-CN" sz="1600" dirty="0" smtClean="0"/>
+              <a:t>for “else” branch</a:t>
+            </a:r>
+            <a:endParaRPr lang="en-US" altLang="zh-CN" sz="1600" dirty="0"/>
+          </a:p>
+        </p:txBody>
+      </p:sp>
+      <p:sp>
+        <p:nvSpPr>
+          <p:cNvPr id="16" name="文本框 15"/>
+          <p:cNvSpPr txBox="1"/>
+          <p:nvPr/>
+        </p:nvSpPr>
+        <p:spPr>
+          <a:xfrm>
+            <a:off x="871587" y="3593822"/>
+            <a:ext cx="1494885" cy="307777"/>
+          </a:xfrm>
+          <a:prstGeom prst="rect">
+            <a:avLst/>
+          </a:prstGeom>
+          <a:noFill/>
+        </p:spPr>
+        <p:txBody>
+          <a:bodyPr wrap="square" rtlCol="0">
+            <a:spAutoFit/>
+          </a:bodyPr>
+          <a:lstStyle/>
+          <a:p>
+            <a:r>
+              <a:rPr lang="en-US" altLang="zh-CN" sz="1400" i="1" dirty="0" smtClean="0">
+                <a:solidFill>
+                  <a:srgbClr val="FF0000"/>
+                </a:solidFill>
+              </a:rPr>
+              <a:t>pc </a:t>
+            </a:r>
+            <a:r>
+              <a:rPr lang="en-US" altLang="zh-CN" sz="1400" dirty="0" smtClean="0">
+                <a:solidFill>
+                  <a:srgbClr val="FF0000"/>
+                </a:solidFill>
+              </a:rPr>
+              <a:t>: </a:t>
+            </a:r>
+            <a:r>
+              <a:rPr lang="en-US" altLang="zh-CN" sz="1400" dirty="0" smtClean="0">
+                <a:solidFill>
+                  <a:srgbClr val="FF0000"/>
+                </a:solidFill>
+                <a:latin typeface="Times New Roman" panose="02020603050405020304" pitchFamily="18" charset="0"/>
+                <a:cs typeface="Times New Roman" panose="02020603050405020304" pitchFamily="18" charset="0"/>
+              </a:rPr>
+              <a:t>¬(2*</a:t>
+            </a:r>
+            <a:r>
+              <a:rPr lang="en-US" altLang="zh-CN" sz="1400" dirty="0">
+                <a:solidFill>
+                  <a:srgbClr val="FF0000"/>
+                </a:solidFill>
+              </a:rPr>
+              <a:t> </a:t>
+            </a:r>
+            <a:r>
+              <a:rPr lang="en-US" altLang="zh-CN" sz="1400" dirty="0" smtClean="0">
+                <a:solidFill>
+                  <a:srgbClr val="FF0000"/>
+                </a:solidFill>
+              </a:rPr>
+              <a:t>y</a:t>
+            </a:r>
+            <a:r>
+              <a:rPr lang="en-US" altLang="zh-CN" sz="600" dirty="0" smtClean="0">
+                <a:solidFill>
+                  <a:srgbClr val="FF0000"/>
+                </a:solidFill>
+              </a:rPr>
+              <a:t>0</a:t>
+            </a:r>
+            <a:r>
+              <a:rPr lang="en-US" altLang="zh-CN" sz="1400" dirty="0" smtClean="0">
+                <a:solidFill>
+                  <a:srgbClr val="FF0000"/>
+                </a:solidFill>
+              </a:rPr>
+              <a:t> == </a:t>
+            </a:r>
+            <a:r>
+              <a:rPr lang="en-US" altLang="zh-CN" sz="1400" dirty="0">
+                <a:solidFill>
+                  <a:srgbClr val="FF0000"/>
+                </a:solidFill>
+              </a:rPr>
+              <a:t>x</a:t>
+            </a:r>
+            <a:r>
+              <a:rPr lang="en-US" altLang="zh-CN" sz="600" dirty="0">
+                <a:solidFill>
+                  <a:srgbClr val="FF0000"/>
+                </a:solidFill>
+              </a:rPr>
+              <a:t>0</a:t>
+            </a:r>
+            <a:r>
+              <a:rPr lang="en-US" altLang="zh-CN" sz="1400" dirty="0" smtClean="0">
+                <a:solidFill>
+                  <a:srgbClr val="FF0000"/>
+                </a:solidFill>
+                <a:latin typeface="Times New Roman" panose="02020603050405020304" pitchFamily="18" charset="0"/>
+                <a:cs typeface="Times New Roman" panose="02020603050405020304" pitchFamily="18" charset="0"/>
+              </a:rPr>
+              <a:t>)</a:t>
+            </a:r>
+            <a:endParaRPr lang="zh-CN" altLang="en-US" sz="1400" dirty="0">
+              <a:solidFill>
+                <a:srgbClr val="FF0000"/>
+              </a:solidFill>
+              <a:latin typeface="Times New Roman" panose="02020603050405020304" pitchFamily="18" charset="0"/>
+              <a:cs typeface="Times New Roman" panose="02020603050405020304" pitchFamily="18" charset="0"/>
+            </a:endParaRPr>
+          </a:p>
+        </p:txBody>
+      </p:sp>
+      <p:sp>
+        <p:nvSpPr>
+          <p:cNvPr id="18" name="文本框 17"/>
+          <p:cNvSpPr txBox="1"/>
+          <p:nvPr/>
+        </p:nvSpPr>
+        <p:spPr>
+          <a:xfrm>
+            <a:off x="3697162" y="3850119"/>
+            <a:ext cx="1378496" cy="307777"/>
+          </a:xfrm>
+          <a:prstGeom prst="rect">
+            <a:avLst/>
+          </a:prstGeom>
+          <a:noFill/>
+        </p:spPr>
+        <p:txBody>
+          <a:bodyPr wrap="square" rtlCol="0">
+            <a:spAutoFit/>
+          </a:bodyPr>
+          <a:lstStyle/>
+          <a:p>
+            <a:r>
+              <a:rPr lang="en-US" altLang="zh-CN" sz="1400" i="1" dirty="0" smtClean="0">
+                <a:solidFill>
+                  <a:srgbClr val="FF0000"/>
+                </a:solidFill>
+              </a:rPr>
+              <a:t>pc </a:t>
+            </a:r>
+            <a:r>
+              <a:rPr lang="en-US" altLang="zh-CN" sz="1400" dirty="0" smtClean="0">
+                <a:solidFill>
+                  <a:srgbClr val="FF0000"/>
+                </a:solidFill>
+              </a:rPr>
+              <a:t>: </a:t>
+            </a:r>
+            <a:r>
+              <a:rPr lang="en-US" altLang="zh-CN" sz="1400" dirty="0" smtClean="0">
+                <a:solidFill>
+                  <a:srgbClr val="FF0000"/>
+                </a:solidFill>
+                <a:latin typeface="Times New Roman" panose="02020603050405020304" pitchFamily="18" charset="0"/>
+                <a:cs typeface="Times New Roman" panose="02020603050405020304" pitchFamily="18" charset="0"/>
+              </a:rPr>
+              <a:t>(2</a:t>
+            </a:r>
+            <a:r>
+              <a:rPr lang="zh-CN" altLang="en-US" sz="1400" dirty="0" smtClean="0">
+                <a:solidFill>
+                  <a:srgbClr val="FF0000"/>
+                </a:solidFill>
+                <a:latin typeface="Times New Roman" panose="02020603050405020304" pitchFamily="18" charset="0"/>
+                <a:cs typeface="Times New Roman" panose="02020603050405020304" pitchFamily="18" charset="0"/>
+              </a:rPr>
+              <a:t>*</a:t>
+            </a:r>
+            <a:r>
+              <a:rPr lang="en-US" altLang="zh-CN" sz="1400" dirty="0" smtClean="0">
+                <a:solidFill>
+                  <a:srgbClr val="FF0000"/>
+                </a:solidFill>
+              </a:rPr>
+              <a:t>y</a:t>
+            </a:r>
+            <a:r>
+              <a:rPr lang="en-US" altLang="zh-CN" sz="600" dirty="0" smtClean="0">
+                <a:solidFill>
+                  <a:srgbClr val="FF0000"/>
+                </a:solidFill>
+              </a:rPr>
+              <a:t>0</a:t>
+            </a:r>
+            <a:r>
+              <a:rPr lang="en-US" altLang="zh-CN" sz="1400" dirty="0" smtClean="0">
+                <a:solidFill>
+                  <a:srgbClr val="FF0000"/>
+                </a:solidFill>
+              </a:rPr>
+              <a:t> == </a:t>
+            </a:r>
+            <a:r>
+              <a:rPr lang="en-US" altLang="zh-CN" sz="1400" dirty="0">
+                <a:solidFill>
+                  <a:srgbClr val="FF0000"/>
+                </a:solidFill>
+              </a:rPr>
+              <a:t>x</a:t>
+            </a:r>
+            <a:r>
+              <a:rPr lang="en-US" altLang="zh-CN" sz="600" dirty="0">
+                <a:solidFill>
+                  <a:srgbClr val="FF0000"/>
+                </a:solidFill>
+              </a:rPr>
+              <a:t>0</a:t>
+            </a:r>
+            <a:r>
+              <a:rPr lang="en-US" altLang="zh-CN" sz="1400" dirty="0" smtClean="0">
+                <a:solidFill>
+                  <a:srgbClr val="FF0000"/>
+                </a:solidFill>
+                <a:latin typeface="Times New Roman" panose="02020603050405020304" pitchFamily="18" charset="0"/>
+                <a:cs typeface="Times New Roman" panose="02020603050405020304" pitchFamily="18" charset="0"/>
+              </a:rPr>
+              <a:t>)</a:t>
+            </a:r>
+            <a:endParaRPr lang="zh-CN" altLang="en-US" sz="1400" dirty="0">
+              <a:solidFill>
+                <a:srgbClr val="FF0000"/>
+              </a:solidFill>
+              <a:latin typeface="Times New Roman" panose="02020603050405020304" pitchFamily="18" charset="0"/>
+              <a:cs typeface="Times New Roman" panose="02020603050405020304" pitchFamily="18" charset="0"/>
+            </a:endParaRPr>
+          </a:p>
+        </p:txBody>
+      </p:sp>
+      <p:sp>
+        <p:nvSpPr>
+          <p:cNvPr id="19" name="文本框 18"/>
+          <p:cNvSpPr txBox="1"/>
+          <p:nvPr/>
+        </p:nvSpPr>
+        <p:spPr>
+          <a:xfrm>
+            <a:off x="4660134" y="4904226"/>
+            <a:ext cx="2592288" cy="307777"/>
+          </a:xfrm>
+          <a:prstGeom prst="rect">
+            <a:avLst/>
+          </a:prstGeom>
+          <a:noFill/>
+        </p:spPr>
+        <p:txBody>
+          <a:bodyPr wrap="square" rtlCol="0">
+            <a:spAutoFit/>
+          </a:bodyPr>
+          <a:lstStyle/>
+          <a:p>
+            <a:r>
+              <a:rPr lang="en-US" altLang="zh-CN" sz="1400" i="1" dirty="0" smtClean="0">
+                <a:solidFill>
+                  <a:srgbClr val="FF0000"/>
+                </a:solidFill>
+              </a:rPr>
+              <a:t>pc </a:t>
+            </a:r>
+            <a:r>
+              <a:rPr lang="en-US" altLang="zh-CN" sz="1400" dirty="0" smtClean="0">
+                <a:solidFill>
+                  <a:srgbClr val="FF0000"/>
+                </a:solidFill>
+              </a:rPr>
+              <a:t>: </a:t>
+            </a:r>
+            <a:r>
+              <a:rPr lang="en-US" altLang="zh-CN" sz="1400" dirty="0" smtClean="0">
+                <a:solidFill>
+                  <a:srgbClr val="FF0000"/>
+                </a:solidFill>
+                <a:latin typeface="Times New Roman" panose="02020603050405020304" pitchFamily="18" charset="0"/>
+                <a:cs typeface="Times New Roman" panose="02020603050405020304" pitchFamily="18" charset="0"/>
+              </a:rPr>
+              <a:t>(2*</a:t>
+            </a:r>
+            <a:r>
+              <a:rPr lang="en-US" altLang="zh-CN" sz="1400" dirty="0" smtClean="0">
+                <a:solidFill>
+                  <a:srgbClr val="FF0000"/>
+                </a:solidFill>
+              </a:rPr>
+              <a:t> y</a:t>
+            </a:r>
+            <a:r>
+              <a:rPr lang="en-US" altLang="zh-CN" sz="600" dirty="0" smtClean="0">
+                <a:solidFill>
+                  <a:srgbClr val="FF0000"/>
+                </a:solidFill>
+              </a:rPr>
+              <a:t>0</a:t>
+            </a:r>
+            <a:r>
+              <a:rPr lang="en-US" altLang="zh-CN" sz="1400" dirty="0" smtClean="0">
+                <a:solidFill>
+                  <a:srgbClr val="FF0000"/>
+                </a:solidFill>
+              </a:rPr>
+              <a:t> == x</a:t>
+            </a:r>
+            <a:r>
+              <a:rPr lang="en-US" altLang="zh-CN" sz="600" dirty="0" smtClean="0">
+                <a:solidFill>
+                  <a:srgbClr val="FF0000"/>
+                </a:solidFill>
+              </a:rPr>
+              <a:t>0</a:t>
+            </a:r>
+            <a:r>
+              <a:rPr lang="en-US" altLang="zh-CN" sz="1400" dirty="0">
+                <a:solidFill>
+                  <a:srgbClr val="FF0000"/>
+                </a:solidFill>
+                <a:latin typeface="Times New Roman" panose="02020603050405020304" pitchFamily="18" charset="0"/>
+                <a:cs typeface="Times New Roman" panose="02020603050405020304" pitchFamily="18" charset="0"/>
+              </a:rPr>
+              <a:t>) </a:t>
+            </a:r>
+            <a:r>
+              <a:rPr lang="en-US" altLang="zh-CN" sz="1400" dirty="0" smtClean="0">
+                <a:solidFill>
+                  <a:srgbClr val="FF0000"/>
+                </a:solidFill>
+                <a:latin typeface="Times New Roman" panose="02020603050405020304" pitchFamily="18" charset="0"/>
+                <a:cs typeface="Times New Roman" panose="02020603050405020304" pitchFamily="18" charset="0"/>
+              </a:rPr>
+              <a:t>∧(</a:t>
+            </a:r>
+            <a:r>
+              <a:rPr lang="en-US" altLang="zh-CN" sz="1400" dirty="0" smtClean="0">
+                <a:solidFill>
+                  <a:srgbClr val="FF0000"/>
+                </a:solidFill>
+              </a:rPr>
+              <a:t>x</a:t>
+            </a:r>
+            <a:r>
+              <a:rPr lang="en-US" altLang="zh-CN" sz="600" dirty="0" smtClean="0">
+                <a:solidFill>
+                  <a:srgbClr val="FF0000"/>
+                </a:solidFill>
+              </a:rPr>
+              <a:t>0</a:t>
+            </a:r>
+            <a:r>
+              <a:rPr lang="en-US" altLang="zh-CN" sz="1400" dirty="0" smtClean="0">
+                <a:solidFill>
+                  <a:srgbClr val="FF0000"/>
+                </a:solidFill>
+              </a:rPr>
+              <a:t> </a:t>
+            </a:r>
+            <a:r>
+              <a:rPr lang="en-US" altLang="zh-CN" sz="1400" dirty="0" smtClean="0">
+                <a:solidFill>
+                  <a:srgbClr val="FF0000"/>
+                </a:solidFill>
+                <a:latin typeface="Times New Roman" panose="02020603050405020304" pitchFamily="18" charset="0"/>
+                <a:cs typeface="Times New Roman" panose="02020603050405020304" pitchFamily="18" charset="0"/>
+              </a:rPr>
+              <a:t>&gt; </a:t>
+            </a:r>
+            <a:r>
+              <a:rPr lang="en-US" altLang="zh-CN" sz="1400" dirty="0" smtClean="0">
+                <a:solidFill>
+                  <a:srgbClr val="FF0000"/>
+                </a:solidFill>
+              </a:rPr>
+              <a:t>y</a:t>
+            </a:r>
+            <a:r>
+              <a:rPr lang="en-US" altLang="zh-CN" sz="600" dirty="0" smtClean="0">
+                <a:solidFill>
+                  <a:srgbClr val="FF0000"/>
+                </a:solidFill>
+              </a:rPr>
+              <a:t>0</a:t>
+            </a:r>
+            <a:r>
+              <a:rPr lang="en-US" altLang="zh-CN" sz="1400" dirty="0" smtClean="0">
+                <a:solidFill>
+                  <a:srgbClr val="FF0000"/>
+                </a:solidFill>
+              </a:rPr>
+              <a:t>+10</a:t>
+            </a:r>
+            <a:r>
+              <a:rPr lang="en-US" altLang="zh-CN" sz="1400" dirty="0" smtClean="0">
+                <a:solidFill>
+                  <a:srgbClr val="FF0000"/>
+                </a:solidFill>
+                <a:latin typeface="Times New Roman" panose="02020603050405020304" pitchFamily="18" charset="0"/>
+                <a:cs typeface="Times New Roman" panose="02020603050405020304" pitchFamily="18" charset="0"/>
+              </a:rPr>
+              <a:t>)</a:t>
+            </a:r>
+            <a:endParaRPr lang="zh-CN" altLang="en-US" sz="1400" dirty="0">
+              <a:solidFill>
+                <a:srgbClr val="FF0000"/>
+              </a:solidFill>
+              <a:latin typeface="Times New Roman" panose="02020603050405020304" pitchFamily="18" charset="0"/>
+              <a:cs typeface="Times New Roman" panose="02020603050405020304" pitchFamily="18" charset="0"/>
+            </a:endParaRPr>
+          </a:p>
+        </p:txBody>
+      </p:sp>
+      <p:sp>
+        <p:nvSpPr>
+          <p:cNvPr id="21" name="文本框 20"/>
+          <p:cNvSpPr txBox="1"/>
+          <p:nvPr/>
+        </p:nvSpPr>
+        <p:spPr>
+          <a:xfrm>
+            <a:off x="-36512" y="4921423"/>
+            <a:ext cx="2592288" cy="307777"/>
+          </a:xfrm>
+          <a:prstGeom prst="rect">
+            <a:avLst/>
+          </a:prstGeom>
+          <a:noFill/>
+        </p:spPr>
+        <p:txBody>
+          <a:bodyPr wrap="square" rtlCol="0">
+            <a:spAutoFit/>
+          </a:bodyPr>
+          <a:lstStyle/>
+          <a:p>
+            <a:r>
+              <a:rPr lang="en-US" altLang="zh-CN" sz="1400" i="1" dirty="0" smtClean="0">
+                <a:solidFill>
+                  <a:srgbClr val="FF0000"/>
+                </a:solidFill>
+              </a:rPr>
+              <a:t>pc </a:t>
+            </a:r>
+            <a:r>
+              <a:rPr lang="en-US" altLang="zh-CN" sz="1400" dirty="0" smtClean="0">
+                <a:solidFill>
+                  <a:srgbClr val="FF0000"/>
+                </a:solidFill>
+              </a:rPr>
+              <a:t>: </a:t>
+            </a:r>
+            <a:r>
+              <a:rPr lang="en-US" altLang="zh-CN" sz="1400" dirty="0" smtClean="0">
+                <a:solidFill>
+                  <a:srgbClr val="FF0000"/>
+                </a:solidFill>
+                <a:latin typeface="Times New Roman" panose="02020603050405020304" pitchFamily="18" charset="0"/>
+                <a:cs typeface="Times New Roman" panose="02020603050405020304" pitchFamily="18" charset="0"/>
+              </a:rPr>
+              <a:t>(2*</a:t>
+            </a:r>
+            <a:r>
+              <a:rPr lang="en-US" altLang="zh-CN" sz="1400" dirty="0" smtClean="0">
+                <a:solidFill>
+                  <a:srgbClr val="FF0000"/>
+                </a:solidFill>
+              </a:rPr>
+              <a:t> y</a:t>
+            </a:r>
+            <a:r>
+              <a:rPr lang="en-US" altLang="zh-CN" sz="600" dirty="0" smtClean="0">
+                <a:solidFill>
+                  <a:srgbClr val="FF0000"/>
+                </a:solidFill>
+              </a:rPr>
+              <a:t>0</a:t>
+            </a:r>
+            <a:r>
+              <a:rPr lang="en-US" altLang="zh-CN" sz="1400" dirty="0" smtClean="0">
+                <a:solidFill>
+                  <a:srgbClr val="FF0000"/>
+                </a:solidFill>
+              </a:rPr>
+              <a:t> == x</a:t>
+            </a:r>
+            <a:r>
+              <a:rPr lang="en-US" altLang="zh-CN" sz="600" dirty="0" smtClean="0">
+                <a:solidFill>
+                  <a:srgbClr val="FF0000"/>
+                </a:solidFill>
+              </a:rPr>
+              <a:t>0</a:t>
+            </a:r>
+            <a:r>
+              <a:rPr lang="en-US" altLang="zh-CN" sz="1400" dirty="0">
+                <a:solidFill>
+                  <a:srgbClr val="FF0000"/>
+                </a:solidFill>
+                <a:latin typeface="Times New Roman" panose="02020603050405020304" pitchFamily="18" charset="0"/>
+                <a:cs typeface="Times New Roman" panose="02020603050405020304" pitchFamily="18" charset="0"/>
+              </a:rPr>
+              <a:t>) ∧</a:t>
+            </a:r>
+            <a:r>
+              <a:rPr lang="en-US" altLang="zh-CN" sz="1400" dirty="0" smtClean="0">
+                <a:solidFill>
+                  <a:srgbClr val="FF0000"/>
+                </a:solidFill>
+                <a:latin typeface="Times New Roman" panose="02020603050405020304" pitchFamily="18" charset="0"/>
+                <a:cs typeface="Times New Roman" panose="02020603050405020304" pitchFamily="18" charset="0"/>
+              </a:rPr>
+              <a:t>¬(</a:t>
+            </a:r>
+            <a:r>
+              <a:rPr lang="en-US" altLang="zh-CN" sz="1400" dirty="0" smtClean="0">
+                <a:solidFill>
+                  <a:srgbClr val="FF0000"/>
+                </a:solidFill>
+              </a:rPr>
+              <a:t>x</a:t>
+            </a:r>
+            <a:r>
+              <a:rPr lang="en-US" altLang="zh-CN" sz="600" dirty="0" smtClean="0">
+                <a:solidFill>
+                  <a:srgbClr val="FF0000"/>
+                </a:solidFill>
+              </a:rPr>
+              <a:t>0</a:t>
+            </a:r>
+            <a:r>
+              <a:rPr lang="en-US" altLang="zh-CN" sz="1400" dirty="0" smtClean="0">
+                <a:solidFill>
+                  <a:srgbClr val="FF0000"/>
+                </a:solidFill>
+              </a:rPr>
+              <a:t> </a:t>
+            </a:r>
+            <a:r>
+              <a:rPr lang="en-US" altLang="zh-CN" sz="1400" dirty="0" smtClean="0">
+                <a:solidFill>
+                  <a:srgbClr val="FF0000"/>
+                </a:solidFill>
+                <a:latin typeface="Times New Roman" panose="02020603050405020304" pitchFamily="18" charset="0"/>
+                <a:cs typeface="Times New Roman" panose="02020603050405020304" pitchFamily="18" charset="0"/>
+              </a:rPr>
+              <a:t>&gt; </a:t>
+            </a:r>
+            <a:r>
+              <a:rPr lang="en-US" altLang="zh-CN" sz="1400" dirty="0" smtClean="0">
+                <a:solidFill>
+                  <a:srgbClr val="FF0000"/>
+                </a:solidFill>
+              </a:rPr>
+              <a:t>y</a:t>
+            </a:r>
+            <a:r>
+              <a:rPr lang="en-US" altLang="zh-CN" sz="600" dirty="0" smtClean="0">
+                <a:solidFill>
+                  <a:srgbClr val="FF0000"/>
+                </a:solidFill>
+              </a:rPr>
+              <a:t>0</a:t>
+            </a:r>
+            <a:r>
+              <a:rPr lang="en-US" altLang="zh-CN" sz="1400" dirty="0" smtClean="0">
+                <a:solidFill>
+                  <a:srgbClr val="FF0000"/>
+                </a:solidFill>
+              </a:rPr>
+              <a:t>+10</a:t>
+            </a:r>
+            <a:r>
+              <a:rPr lang="en-US" altLang="zh-CN" sz="1400" dirty="0" smtClean="0">
+                <a:solidFill>
+                  <a:srgbClr val="FF0000"/>
+                </a:solidFill>
+                <a:latin typeface="Times New Roman" panose="02020603050405020304" pitchFamily="18" charset="0"/>
+                <a:cs typeface="Times New Roman" panose="02020603050405020304" pitchFamily="18" charset="0"/>
+              </a:rPr>
+              <a:t>)</a:t>
+            </a:r>
+            <a:endParaRPr lang="zh-CN" altLang="en-US" sz="1400" dirty="0">
+              <a:solidFill>
+                <a:srgbClr val="FF0000"/>
+              </a:solidFill>
+              <a:latin typeface="Times New Roman" panose="02020603050405020304" pitchFamily="18" charset="0"/>
+              <a:cs typeface="Times New Roman" panose="02020603050405020304" pitchFamily="18" charset="0"/>
+            </a:endParaRPr>
+          </a:p>
+        </p:txBody>
+      </p:sp>
+      <p:cxnSp>
+        <p:nvCxnSpPr>
+          <p:cNvPr id="22" name="直接箭头连接符 21"/>
+          <p:cNvCxnSpPr>
+            <a:endCxn id="23" idx="0"/>
+          </p:cNvCxnSpPr>
+          <p:nvPr/>
+        </p:nvCxnSpPr>
+        <p:spPr>
+          <a:xfrm flipH="1">
+            <a:off x="2123540" y="2132856"/>
+            <a:ext cx="376" cy="720080"/>
+          </a:xfrm>
+          <a:prstGeom prst="straightConnector1">
+            <a:avLst/>
+          </a:prstGeom>
+          <a:ln w="19050">
+            <a:solidFill>
+              <a:schemeClr val="tx1"/>
+            </a:solidFill>
+            <a:tailEnd type="triangle"/>
+          </a:ln>
+        </p:spPr>
+        <p:style>
+          <a:lnRef idx="1">
+            <a:schemeClr val="accent1"/>
+          </a:lnRef>
+          <a:fillRef idx="0">
+            <a:schemeClr val="accent1"/>
+          </a:fillRef>
+          <a:effectRef idx="0">
+            <a:schemeClr val="accent1"/>
+          </a:effectRef>
+          <a:fontRef idx="minor">
+            <a:schemeClr val="tx1"/>
+          </a:fontRef>
+        </p:style>
+      </p:cxnSp>
+      <p:sp>
+        <p:nvSpPr>
+          <p:cNvPr id="23" name="流程图: 决策 22"/>
+          <p:cNvSpPr/>
+          <p:nvPr/>
+        </p:nvSpPr>
+        <p:spPr>
+          <a:xfrm>
+            <a:off x="1367456" y="2852936"/>
+            <a:ext cx="1512168" cy="720080"/>
+          </a:xfrm>
+          <a:prstGeom prst="flowChartDecision">
+            <a:avLst/>
+          </a:prstGeom>
+          <a:ln/>
+        </p:spPr>
+        <p:style>
+          <a:lnRef idx="1">
+            <a:schemeClr val="accent1"/>
+          </a:lnRef>
+          <a:fillRef idx="2">
+            <a:schemeClr val="accent1"/>
+          </a:fillRef>
+          <a:effectRef idx="1">
+            <a:schemeClr val="accent1"/>
+          </a:effectRef>
+          <a:fontRef idx="minor">
+            <a:schemeClr val="dk1"/>
+          </a:fontRef>
+        </p:style>
+        <p:txBody>
+          <a:bodyPr rtlCol="0" anchor="ctr"/>
+          <a:lstStyle/>
+          <a:p>
+            <a:pPr algn="ctr"/>
+            <a:r>
+              <a:rPr lang="en-US" altLang="zh-CN" sz="1200" dirty="0" smtClean="0"/>
+              <a:t>2*y == x</a:t>
+            </a:r>
+            <a:endParaRPr lang="zh-CN" altLang="en-US" sz="1200" dirty="0"/>
+          </a:p>
+        </p:txBody>
+      </p:sp>
+      <p:sp>
+        <p:nvSpPr>
+          <p:cNvPr id="24" name="流程图: 决策 23"/>
+          <p:cNvSpPr/>
+          <p:nvPr/>
+        </p:nvSpPr>
+        <p:spPr>
+          <a:xfrm>
+            <a:off x="2771800" y="4095857"/>
+            <a:ext cx="1577540" cy="648072"/>
+          </a:xfrm>
+          <a:prstGeom prst="flowChartDecision">
+            <a:avLst/>
+          </a:prstGeom>
+          <a:ln/>
+        </p:spPr>
+        <p:style>
+          <a:lnRef idx="1">
+            <a:schemeClr val="accent1"/>
+          </a:lnRef>
+          <a:fillRef idx="2">
+            <a:schemeClr val="accent1"/>
+          </a:fillRef>
+          <a:effectRef idx="1">
+            <a:schemeClr val="accent1"/>
+          </a:effectRef>
+          <a:fontRef idx="minor">
+            <a:schemeClr val="dk1"/>
+          </a:fontRef>
+        </p:style>
+        <p:txBody>
+          <a:bodyPr rtlCol="0" anchor="ctr"/>
+          <a:lstStyle/>
+          <a:p>
+            <a:pPr algn="ctr"/>
+            <a:r>
+              <a:rPr lang="en-US" altLang="zh-CN" sz="1200" dirty="0" smtClean="0"/>
+              <a:t>x &gt; y+10</a:t>
+            </a:r>
+            <a:endParaRPr lang="zh-CN" altLang="en-US" sz="1200" dirty="0"/>
+          </a:p>
+        </p:txBody>
+      </p:sp>
+      <p:cxnSp>
+        <p:nvCxnSpPr>
+          <p:cNvPr id="25" name="直接箭头连接符 24"/>
+          <p:cNvCxnSpPr>
+            <a:stCxn id="23" idx="3"/>
+            <a:endCxn id="24" idx="0"/>
+          </p:cNvCxnSpPr>
+          <p:nvPr/>
+        </p:nvCxnSpPr>
+        <p:spPr>
+          <a:xfrm>
+            <a:off x="2879624" y="3212976"/>
+            <a:ext cx="680946" cy="882881"/>
+          </a:xfrm>
+          <a:prstGeom prst="straightConnector1">
+            <a:avLst/>
+          </a:prstGeom>
+          <a:ln w="19050">
+            <a:solidFill>
+              <a:schemeClr val="tx1"/>
+            </a:solidFill>
+            <a:tailEnd type="triangle"/>
+          </a:ln>
+        </p:spPr>
+        <p:style>
+          <a:lnRef idx="1">
+            <a:schemeClr val="accent1"/>
+          </a:lnRef>
+          <a:fillRef idx="0">
+            <a:schemeClr val="accent1"/>
+          </a:fillRef>
+          <a:effectRef idx="0">
+            <a:schemeClr val="accent1"/>
+          </a:effectRef>
+          <a:fontRef idx="minor">
+            <a:schemeClr val="tx1"/>
+          </a:fontRef>
+        </p:style>
+      </p:cxnSp>
+      <p:cxnSp>
+        <p:nvCxnSpPr>
+          <p:cNvPr id="26" name="直接箭头连接符 25"/>
+          <p:cNvCxnSpPr>
+            <a:stCxn id="23" idx="1"/>
+            <a:endCxn id="29" idx="0"/>
+          </p:cNvCxnSpPr>
+          <p:nvPr/>
+        </p:nvCxnSpPr>
+        <p:spPr>
+          <a:xfrm flipH="1">
+            <a:off x="761836" y="3212976"/>
+            <a:ext cx="605620" cy="688164"/>
+          </a:xfrm>
+          <a:prstGeom prst="straightConnector1">
+            <a:avLst/>
+          </a:prstGeom>
+          <a:ln w="19050">
+            <a:solidFill>
+              <a:schemeClr val="tx1"/>
+            </a:solidFill>
+            <a:tailEnd type="triangle"/>
+          </a:ln>
+        </p:spPr>
+        <p:style>
+          <a:lnRef idx="1">
+            <a:schemeClr val="accent1"/>
+          </a:lnRef>
+          <a:fillRef idx="0">
+            <a:schemeClr val="accent1"/>
+          </a:fillRef>
+          <a:effectRef idx="0">
+            <a:schemeClr val="accent1"/>
+          </a:effectRef>
+          <a:fontRef idx="minor">
+            <a:schemeClr val="tx1"/>
+          </a:fontRef>
+        </p:style>
+      </p:cxnSp>
+      <p:cxnSp>
+        <p:nvCxnSpPr>
+          <p:cNvPr id="27" name="直接箭头连接符 26"/>
+          <p:cNvCxnSpPr>
+            <a:stCxn id="24" idx="3"/>
+            <a:endCxn id="31" idx="0"/>
+          </p:cNvCxnSpPr>
+          <p:nvPr/>
+        </p:nvCxnSpPr>
+        <p:spPr>
+          <a:xfrm>
+            <a:off x="4349340" y="4419893"/>
+            <a:ext cx="335686" cy="838366"/>
+          </a:xfrm>
+          <a:prstGeom prst="straightConnector1">
+            <a:avLst/>
+          </a:prstGeom>
+          <a:ln w="19050">
+            <a:solidFill>
+              <a:schemeClr val="tx1"/>
+            </a:solidFill>
+            <a:tailEnd type="triangle"/>
+          </a:ln>
+        </p:spPr>
+        <p:style>
+          <a:lnRef idx="1">
+            <a:schemeClr val="accent1"/>
+          </a:lnRef>
+          <a:fillRef idx="0">
+            <a:schemeClr val="accent1"/>
+          </a:fillRef>
+          <a:effectRef idx="0">
+            <a:schemeClr val="accent1"/>
+          </a:effectRef>
+          <a:fontRef idx="minor">
+            <a:schemeClr val="tx1"/>
+          </a:fontRef>
+        </p:style>
+      </p:cxnSp>
+      <p:cxnSp>
+        <p:nvCxnSpPr>
+          <p:cNvPr id="28" name="直接箭头连接符 27"/>
+          <p:cNvCxnSpPr>
+            <a:stCxn id="24" idx="1"/>
+            <a:endCxn id="30" idx="0"/>
+          </p:cNvCxnSpPr>
+          <p:nvPr/>
+        </p:nvCxnSpPr>
+        <p:spPr>
+          <a:xfrm flipH="1">
+            <a:off x="2506124" y="4419893"/>
+            <a:ext cx="265676" cy="838366"/>
+          </a:xfrm>
+          <a:prstGeom prst="straightConnector1">
+            <a:avLst/>
+          </a:prstGeom>
+          <a:ln w="19050">
+            <a:solidFill>
+              <a:schemeClr val="tx1"/>
+            </a:solidFill>
+            <a:tailEnd type="triangle"/>
+          </a:ln>
+        </p:spPr>
+        <p:style>
+          <a:lnRef idx="1">
+            <a:schemeClr val="accent1"/>
+          </a:lnRef>
+          <a:fillRef idx="0">
+            <a:schemeClr val="accent1"/>
+          </a:fillRef>
+          <a:effectRef idx="0">
+            <a:schemeClr val="accent1"/>
+          </a:effectRef>
+          <a:fontRef idx="minor">
+            <a:schemeClr val="tx1"/>
+          </a:fontRef>
+        </p:style>
+      </p:cxnSp>
+      <p:sp>
+        <p:nvSpPr>
+          <p:cNvPr id="29" name="圆角矩形 28"/>
+          <p:cNvSpPr/>
+          <p:nvPr/>
+        </p:nvSpPr>
+        <p:spPr>
+          <a:xfrm>
+            <a:off x="293784" y="3901140"/>
+            <a:ext cx="936104" cy="576064"/>
+          </a:xfrm>
+          <a:prstGeom prst="roundRect">
+            <a:avLst/>
+          </a:prstGeom>
+          <a:gradFill>
+            <a:gsLst>
+              <a:gs pos="0">
+                <a:srgbClr val="92D050"/>
+              </a:gs>
+              <a:gs pos="100000">
+                <a:srgbClr val="ABDB77"/>
+              </a:gs>
+            </a:gsLst>
+            <a:lin ang="16200000" scaled="1"/>
+          </a:gradFill>
+          <a:ln>
+            <a:solidFill>
+              <a:srgbClr val="00B050"/>
+            </a:solidFill>
+          </a:ln>
+        </p:spPr>
+        <p:style>
+          <a:lnRef idx="1">
+            <a:schemeClr val="accent1"/>
+          </a:lnRef>
+          <a:fillRef idx="2">
+            <a:schemeClr val="accent1"/>
+          </a:fillRef>
+          <a:effectRef idx="1">
+            <a:schemeClr val="accent1"/>
+          </a:effectRef>
+          <a:fontRef idx="minor">
+            <a:schemeClr val="dk1"/>
+          </a:fontRef>
+        </p:style>
+        <p:txBody>
+          <a:bodyPr rtlCol="0" anchor="ctr"/>
+          <a:lstStyle/>
+          <a:p>
+            <a:pPr algn="ctr"/>
+            <a:r>
+              <a:rPr lang="en-US" altLang="zh-CN" sz="1400" dirty="0" smtClean="0"/>
+              <a:t>x = 0</a:t>
+            </a:r>
+          </a:p>
+          <a:p>
+            <a:pPr algn="ctr"/>
+            <a:r>
+              <a:rPr lang="en-US" altLang="zh-CN" sz="1400" dirty="0" smtClean="0"/>
+              <a:t>y = 1</a:t>
+            </a:r>
+          </a:p>
+        </p:txBody>
+      </p:sp>
+      <p:sp>
+        <p:nvSpPr>
+          <p:cNvPr id="30" name="圆角矩形 29"/>
+          <p:cNvSpPr/>
+          <p:nvPr/>
+        </p:nvSpPr>
+        <p:spPr>
+          <a:xfrm>
+            <a:off x="2038072" y="5258259"/>
+            <a:ext cx="936104" cy="576064"/>
+          </a:xfrm>
+          <a:prstGeom prst="roundRect">
+            <a:avLst/>
+          </a:prstGeom>
+          <a:gradFill>
+            <a:gsLst>
+              <a:gs pos="0">
+                <a:srgbClr val="92D050"/>
+              </a:gs>
+              <a:gs pos="100000">
+                <a:srgbClr val="ABDB77"/>
+              </a:gs>
+            </a:gsLst>
+            <a:lin ang="16200000" scaled="1"/>
+          </a:gradFill>
+          <a:ln>
+            <a:solidFill>
+              <a:srgbClr val="00B050"/>
+            </a:solidFill>
+          </a:ln>
+        </p:spPr>
+        <p:style>
+          <a:lnRef idx="1">
+            <a:schemeClr val="accent1"/>
+          </a:lnRef>
+          <a:fillRef idx="2">
+            <a:schemeClr val="accent1"/>
+          </a:fillRef>
+          <a:effectRef idx="1">
+            <a:schemeClr val="accent1"/>
+          </a:effectRef>
+          <a:fontRef idx="minor">
+            <a:schemeClr val="dk1"/>
+          </a:fontRef>
+        </p:style>
+        <p:txBody>
+          <a:bodyPr rtlCol="0" anchor="ctr"/>
+          <a:lstStyle/>
+          <a:p>
+            <a:pPr algn="ctr"/>
+            <a:r>
+              <a:rPr lang="en-US" altLang="zh-CN" sz="1400" dirty="0"/>
+              <a:t>x = </a:t>
+            </a:r>
+            <a:r>
+              <a:rPr lang="en-US" altLang="zh-CN" sz="1400" dirty="0" smtClean="0"/>
+              <a:t>2</a:t>
+            </a:r>
+            <a:endParaRPr lang="en-US" altLang="zh-CN" sz="1400" dirty="0"/>
+          </a:p>
+          <a:p>
+            <a:pPr algn="ctr"/>
+            <a:r>
+              <a:rPr lang="en-US" altLang="zh-CN" sz="1400" dirty="0"/>
+              <a:t>y = </a:t>
+            </a:r>
+            <a:r>
+              <a:rPr lang="en-US" altLang="zh-CN" sz="1400" dirty="0" smtClean="0"/>
+              <a:t>1</a:t>
+            </a:r>
+            <a:endParaRPr lang="en-US" altLang="zh-CN" sz="1400" dirty="0"/>
+          </a:p>
+        </p:txBody>
+      </p:sp>
+      <p:sp>
+        <p:nvSpPr>
+          <p:cNvPr id="31" name="圆角矩形 30"/>
+          <p:cNvSpPr/>
+          <p:nvPr/>
+        </p:nvSpPr>
+        <p:spPr>
+          <a:xfrm>
+            <a:off x="4216974" y="5258259"/>
+            <a:ext cx="936104" cy="576064"/>
+          </a:xfrm>
+          <a:prstGeom prst="roundRect">
+            <a:avLst/>
+          </a:prstGeom>
+          <a:gradFill>
+            <a:gsLst>
+              <a:gs pos="0">
+                <a:srgbClr val="92D050"/>
+              </a:gs>
+              <a:gs pos="100000">
+                <a:srgbClr val="ABDB77"/>
+              </a:gs>
+            </a:gsLst>
+            <a:lin ang="16200000" scaled="1"/>
+          </a:gradFill>
+          <a:ln>
+            <a:solidFill>
+              <a:srgbClr val="00B050"/>
+            </a:solidFill>
+          </a:ln>
+        </p:spPr>
+        <p:style>
+          <a:lnRef idx="1">
+            <a:schemeClr val="accent1"/>
+          </a:lnRef>
+          <a:fillRef idx="2">
+            <a:schemeClr val="accent1"/>
+          </a:fillRef>
+          <a:effectRef idx="1">
+            <a:schemeClr val="accent1"/>
+          </a:effectRef>
+          <a:fontRef idx="minor">
+            <a:schemeClr val="dk1"/>
+          </a:fontRef>
+        </p:style>
+        <p:txBody>
+          <a:bodyPr rtlCol="0" anchor="ctr"/>
+          <a:lstStyle/>
+          <a:p>
+            <a:pPr algn="ctr"/>
+            <a:r>
+              <a:rPr lang="en-US" altLang="zh-CN" sz="1400" dirty="0"/>
+              <a:t>x = </a:t>
+            </a:r>
+            <a:r>
+              <a:rPr lang="en-US" altLang="zh-CN" sz="1400" dirty="0" smtClean="0"/>
+              <a:t>30</a:t>
+            </a:r>
+            <a:endParaRPr lang="en-US" altLang="zh-CN" sz="1400" dirty="0"/>
+          </a:p>
+          <a:p>
+            <a:pPr algn="ctr"/>
+            <a:r>
+              <a:rPr lang="en-US" altLang="zh-CN" sz="1400" dirty="0"/>
+              <a:t>y = </a:t>
+            </a:r>
+            <a:r>
+              <a:rPr lang="en-US" altLang="zh-CN" sz="1400" dirty="0" smtClean="0"/>
+              <a:t>15</a:t>
+            </a:r>
+            <a:endParaRPr lang="en-US" altLang="zh-CN" sz="1400" dirty="0"/>
+          </a:p>
+        </p:txBody>
+      </p:sp>
+      <p:sp>
+        <p:nvSpPr>
+          <p:cNvPr id="32" name="文本框 31"/>
+          <p:cNvSpPr txBox="1"/>
+          <p:nvPr/>
+        </p:nvSpPr>
+        <p:spPr>
+          <a:xfrm>
+            <a:off x="3064961" y="3159461"/>
+            <a:ext cx="929092" cy="338554"/>
+          </a:xfrm>
+          <a:prstGeom prst="rect">
+            <a:avLst/>
+          </a:prstGeom>
+          <a:noFill/>
+        </p:spPr>
+        <p:txBody>
+          <a:bodyPr wrap="square" rtlCol="0">
+            <a:spAutoFit/>
+          </a:bodyPr>
+          <a:lstStyle/>
+          <a:p>
+            <a:r>
+              <a:rPr lang="en-US" altLang="zh-CN" sz="1600" dirty="0" smtClean="0"/>
+              <a:t>true</a:t>
+            </a:r>
+            <a:endParaRPr lang="zh-CN" altLang="en-US" sz="1600" dirty="0"/>
+          </a:p>
+        </p:txBody>
+      </p:sp>
+      <p:sp>
+        <p:nvSpPr>
+          <p:cNvPr id="33" name="文本框 32"/>
+          <p:cNvSpPr txBox="1"/>
+          <p:nvPr/>
+        </p:nvSpPr>
+        <p:spPr>
+          <a:xfrm>
+            <a:off x="4497277" y="4530606"/>
+            <a:ext cx="929092" cy="338554"/>
+          </a:xfrm>
+          <a:prstGeom prst="rect">
+            <a:avLst/>
+          </a:prstGeom>
+          <a:noFill/>
+        </p:spPr>
+        <p:txBody>
+          <a:bodyPr wrap="square" rtlCol="0">
+            <a:spAutoFit/>
+          </a:bodyPr>
+          <a:lstStyle/>
+          <a:p>
+            <a:r>
+              <a:rPr lang="en-US" altLang="zh-CN" sz="1600" dirty="0" smtClean="0"/>
+              <a:t>true</a:t>
+            </a:r>
+            <a:endParaRPr lang="zh-CN" altLang="en-US" sz="1600" dirty="0"/>
+          </a:p>
+        </p:txBody>
+      </p:sp>
+      <p:sp>
+        <p:nvSpPr>
+          <p:cNvPr id="34" name="文本框 33"/>
+          <p:cNvSpPr txBox="1"/>
+          <p:nvPr/>
+        </p:nvSpPr>
+        <p:spPr>
+          <a:xfrm>
+            <a:off x="2046031" y="4530606"/>
+            <a:ext cx="725769" cy="338554"/>
+          </a:xfrm>
+          <a:prstGeom prst="rect">
+            <a:avLst/>
+          </a:prstGeom>
+          <a:noFill/>
+        </p:spPr>
+        <p:txBody>
+          <a:bodyPr wrap="square" rtlCol="0">
+            <a:spAutoFit/>
+          </a:bodyPr>
+          <a:lstStyle/>
+          <a:p>
+            <a:r>
+              <a:rPr lang="en-US" altLang="zh-CN" sz="1600" dirty="0" smtClean="0"/>
+              <a:t>false</a:t>
+            </a:r>
+            <a:endParaRPr lang="zh-CN" altLang="en-US" sz="1600" dirty="0"/>
+          </a:p>
+        </p:txBody>
+      </p:sp>
+      <p:sp>
+        <p:nvSpPr>
+          <p:cNvPr id="35" name="文本框 34"/>
+          <p:cNvSpPr txBox="1"/>
+          <p:nvPr/>
+        </p:nvSpPr>
+        <p:spPr>
+          <a:xfrm>
+            <a:off x="539552" y="3164900"/>
+            <a:ext cx="929092" cy="338554"/>
+          </a:xfrm>
+          <a:prstGeom prst="rect">
+            <a:avLst/>
+          </a:prstGeom>
+          <a:noFill/>
+        </p:spPr>
+        <p:txBody>
+          <a:bodyPr wrap="square" rtlCol="0">
+            <a:spAutoFit/>
+          </a:bodyPr>
+          <a:lstStyle/>
+          <a:p>
+            <a:r>
+              <a:rPr lang="en-US" altLang="zh-CN" sz="1600" dirty="0" smtClean="0"/>
+              <a:t>false</a:t>
+            </a:r>
+            <a:endParaRPr lang="zh-CN" altLang="en-US" sz="1600" dirty="0"/>
+          </a:p>
+        </p:txBody>
+      </p:sp>
+      <p:sp>
+        <p:nvSpPr>
+          <p:cNvPr id="39" name="文本框 38"/>
+          <p:cNvSpPr txBox="1"/>
+          <p:nvPr/>
+        </p:nvSpPr>
+        <p:spPr>
+          <a:xfrm>
+            <a:off x="5207977" y="3498015"/>
+            <a:ext cx="3900527" cy="830997"/>
+          </a:xfrm>
+          <a:prstGeom prst="rect">
+            <a:avLst/>
+          </a:prstGeom>
+          <a:solidFill>
+            <a:srgbClr val="CCECFF"/>
+          </a:solidFill>
+        </p:spPr>
+        <p:txBody>
+          <a:bodyPr wrap="square" rtlCol="0">
+            <a:spAutoFit/>
+          </a:bodyPr>
+          <a:lstStyle/>
+          <a:p>
+            <a:r>
+              <a:rPr lang="en-US" altLang="zh-CN" sz="1600" dirty="0"/>
+              <a:t>If a symbolic execution </a:t>
+            </a:r>
+            <a:r>
+              <a:rPr lang="en-US" altLang="zh-CN" sz="1600" dirty="0" smtClean="0"/>
+              <a:t>is terminated, a </a:t>
+            </a:r>
+            <a:r>
+              <a:rPr lang="en-US" altLang="zh-CN" sz="1600" dirty="0"/>
+              <a:t>satisfying assignment to the current symbolic path </a:t>
+            </a:r>
+            <a:r>
+              <a:rPr lang="en-US" altLang="zh-CN" sz="1600" dirty="0" smtClean="0"/>
+              <a:t>constraint is </a:t>
+            </a:r>
+            <a:r>
+              <a:rPr lang="en-US" altLang="zh-CN" sz="1600" dirty="0"/>
+              <a:t>generated.</a:t>
+            </a:r>
+            <a:endParaRPr lang="en-US" altLang="zh-CN" sz="1600" dirty="0"/>
+          </a:p>
+        </p:txBody>
+      </p:sp>
     </p:spTree>
+    <p:extLst>
+      <p:ext uri="{BB962C8B-B14F-4D97-AF65-F5344CB8AC3E}">
+        <p14:creationId xmlns:p14="http://schemas.microsoft.com/office/powerpoint/2010/main" val="2032435664"/>
+      </p:ext>
+    </p:extLst>
   </p:cSld>
   <p:clrMapOvr>
     <a:masterClrMapping/>
@@ -14816,9 +17307,558 @@
   <p:timing>
     <p:tnLst>
       <p:par>
-        <p:cTn id="1" dur="indefinite" restart="never" nodeType="tmRoot"/>
+        <p:cTn id="1" dur="indefinite" restart="never" nodeType="tmRoot">
+          <p:childTnLst>
+            <p:seq concurrent="1" nextAc="seek">
+              <p:cTn id="2" dur="indefinite" nodeType="mainSeq">
+                <p:childTnLst>
+                  <p:par>
+                    <p:cTn id="3" fill="hold">
+                      <p:stCondLst>
+                        <p:cond delay="indefinite"/>
+                      </p:stCondLst>
+                      <p:childTnLst>
+                        <p:par>
+                          <p:cTn id="4" fill="hold">
+                            <p:stCondLst>
+                              <p:cond delay="0"/>
+                            </p:stCondLst>
+                            <p:childTnLst>
+                              <p:par>
+                                <p:cTn id="5" presetID="1" presetClass="entr" presetSubtype="0" fill="hold" grpId="0" nodeType="clickEffect">
+                                  <p:stCondLst>
+                                    <p:cond delay="0"/>
+                                  </p:stCondLst>
+                                  <p:childTnLst>
+                                    <p:set>
+                                      <p:cBhvr>
+                                        <p:cTn id="6" dur="1" fill="hold">
+                                          <p:stCondLst>
+                                            <p:cond delay="0"/>
+                                          </p:stCondLst>
+                                        </p:cTn>
+                                        <p:tgtEl>
+                                          <p:spTgt spid="18"/>
+                                        </p:tgtEl>
+                                        <p:attrNameLst>
+                                          <p:attrName>style.visibility</p:attrName>
+                                        </p:attrNameLst>
+                                      </p:cBhvr>
+                                      <p:to>
+                                        <p:strVal val="visible"/>
+                                      </p:to>
+                                    </p:set>
+                                  </p:childTnLst>
+                                </p:cTn>
+                              </p:par>
+                            </p:childTnLst>
+                          </p:cTn>
+                        </p:par>
+                      </p:childTnLst>
+                    </p:cTn>
+                  </p:par>
+                  <p:par>
+                    <p:cTn id="7" fill="hold">
+                      <p:stCondLst>
+                        <p:cond delay="indefinite"/>
+                      </p:stCondLst>
+                      <p:childTnLst>
+                        <p:par>
+                          <p:cTn id="8" fill="hold">
+                            <p:stCondLst>
+                              <p:cond delay="0"/>
+                            </p:stCondLst>
+                            <p:childTnLst>
+                              <p:par>
+                                <p:cTn id="9" presetID="1" presetClass="entr" presetSubtype="0" fill="hold" grpId="0" nodeType="clickEffect">
+                                  <p:stCondLst>
+                                    <p:cond delay="0"/>
+                                  </p:stCondLst>
+                                  <p:childTnLst>
+                                    <p:set>
+                                      <p:cBhvr>
+                                        <p:cTn id="10" dur="1" fill="hold">
+                                          <p:stCondLst>
+                                            <p:cond delay="0"/>
+                                          </p:stCondLst>
+                                        </p:cTn>
+                                        <p:tgtEl>
+                                          <p:spTgt spid="16"/>
+                                        </p:tgtEl>
+                                        <p:attrNameLst>
+                                          <p:attrName>style.visibility</p:attrName>
+                                        </p:attrNameLst>
+                                      </p:cBhvr>
+                                      <p:to>
+                                        <p:strVal val="visible"/>
+                                      </p:to>
+                                    </p:set>
+                                  </p:childTnLst>
+                                </p:cTn>
+                              </p:par>
+                            </p:childTnLst>
+                          </p:cTn>
+                        </p:par>
+                      </p:childTnLst>
+                    </p:cTn>
+                  </p:par>
+                  <p:par>
+                    <p:cTn id="11" fill="hold">
+                      <p:stCondLst>
+                        <p:cond delay="indefinite"/>
+                      </p:stCondLst>
+                      <p:childTnLst>
+                        <p:par>
+                          <p:cTn id="12" fill="hold">
+                            <p:stCondLst>
+                              <p:cond delay="0"/>
+                            </p:stCondLst>
+                            <p:childTnLst>
+                              <p:par>
+                                <p:cTn id="13" presetID="1" presetClass="entr" presetSubtype="0" fill="hold" grpId="0" nodeType="clickEffect">
+                                  <p:stCondLst>
+                                    <p:cond delay="0"/>
+                                  </p:stCondLst>
+                                  <p:childTnLst>
+                                    <p:set>
+                                      <p:cBhvr>
+                                        <p:cTn id="14" dur="1" fill="hold">
+                                          <p:stCondLst>
+                                            <p:cond delay="0"/>
+                                          </p:stCondLst>
+                                        </p:cTn>
+                                        <p:tgtEl>
+                                          <p:spTgt spid="19"/>
+                                        </p:tgtEl>
+                                        <p:attrNameLst>
+                                          <p:attrName>style.visibility</p:attrName>
+                                        </p:attrNameLst>
+                                      </p:cBhvr>
+                                      <p:to>
+                                        <p:strVal val="visible"/>
+                                      </p:to>
+                                    </p:set>
+                                  </p:childTnLst>
+                                </p:cTn>
+                              </p:par>
+                            </p:childTnLst>
+                          </p:cTn>
+                        </p:par>
+                      </p:childTnLst>
+                    </p:cTn>
+                  </p:par>
+                  <p:par>
+                    <p:cTn id="15" fill="hold">
+                      <p:stCondLst>
+                        <p:cond delay="indefinite"/>
+                      </p:stCondLst>
+                      <p:childTnLst>
+                        <p:par>
+                          <p:cTn id="16" fill="hold">
+                            <p:stCondLst>
+                              <p:cond delay="0"/>
+                            </p:stCondLst>
+                            <p:childTnLst>
+                              <p:par>
+                                <p:cTn id="17" presetID="1" presetClass="entr" presetSubtype="0" fill="hold" grpId="0" nodeType="clickEffect">
+                                  <p:stCondLst>
+                                    <p:cond delay="0"/>
+                                  </p:stCondLst>
+                                  <p:childTnLst>
+                                    <p:set>
+                                      <p:cBhvr>
+                                        <p:cTn id="18" dur="1" fill="hold">
+                                          <p:stCondLst>
+                                            <p:cond delay="0"/>
+                                          </p:stCondLst>
+                                        </p:cTn>
+                                        <p:tgtEl>
+                                          <p:spTgt spid="21"/>
+                                        </p:tgtEl>
+                                        <p:attrNameLst>
+                                          <p:attrName>style.visibility</p:attrName>
+                                        </p:attrNameLst>
+                                      </p:cBhvr>
+                                      <p:to>
+                                        <p:strVal val="visible"/>
+                                      </p:to>
+                                    </p:set>
+                                  </p:childTnLst>
+                                </p:cTn>
+                              </p:par>
+                            </p:childTnLst>
+                          </p:cTn>
+                        </p:par>
+                      </p:childTnLst>
+                    </p:cTn>
+                  </p:par>
+                  <p:par>
+                    <p:cTn id="19" fill="hold">
+                      <p:stCondLst>
+                        <p:cond delay="indefinite"/>
+                      </p:stCondLst>
+                      <p:childTnLst>
+                        <p:par>
+                          <p:cTn id="20" fill="hold">
+                            <p:stCondLst>
+                              <p:cond delay="0"/>
+                            </p:stCondLst>
+                            <p:childTnLst>
+                              <p:par>
+                                <p:cTn id="21" presetID="1" presetClass="entr" presetSubtype="0" fill="hold" grpId="0" nodeType="clickEffect">
+                                  <p:stCondLst>
+                                    <p:cond delay="0"/>
+                                  </p:stCondLst>
+                                  <p:childTnLst>
+                                    <p:set>
+                                      <p:cBhvr>
+                                        <p:cTn id="22" dur="1" fill="hold">
+                                          <p:stCondLst>
+                                            <p:cond delay="0"/>
+                                          </p:stCondLst>
+                                        </p:cTn>
+                                        <p:tgtEl>
+                                          <p:spTgt spid="39"/>
+                                        </p:tgtEl>
+                                        <p:attrNameLst>
+                                          <p:attrName>style.visibility</p:attrName>
+                                        </p:attrNameLst>
+                                      </p:cBhvr>
+                                      <p:to>
+                                        <p:strVal val="visible"/>
+                                      </p:to>
+                                    </p:set>
+                                  </p:childTnLst>
+                                </p:cTn>
+                              </p:par>
+                            </p:childTnLst>
+                          </p:cTn>
+                        </p:par>
+                      </p:childTnLst>
+                    </p:cTn>
+                  </p:par>
+                  <p:par>
+                    <p:cTn id="23" fill="hold">
+                      <p:stCondLst>
+                        <p:cond delay="indefinite"/>
+                      </p:stCondLst>
+                      <p:childTnLst>
+                        <p:par>
+                          <p:cTn id="24" fill="hold">
+                            <p:stCondLst>
+                              <p:cond delay="0"/>
+                            </p:stCondLst>
+                            <p:childTnLst>
+                              <p:par>
+                                <p:cTn id="25" presetID="10" presetClass="entr" presetSubtype="0" fill="hold" nodeType="clickEffect">
+                                  <p:stCondLst>
+                                    <p:cond delay="0"/>
+                                  </p:stCondLst>
+                                  <p:childTnLst>
+                                    <p:set>
+                                      <p:cBhvr>
+                                        <p:cTn id="26" dur="1" fill="hold">
+                                          <p:stCondLst>
+                                            <p:cond delay="0"/>
+                                          </p:stCondLst>
+                                        </p:cTn>
+                                        <p:tgtEl>
+                                          <p:spTgt spid="29">
+                                            <p:txEl>
+                                              <p:pRg st="0" end="0"/>
+                                            </p:txEl>
+                                          </p:spTgt>
+                                        </p:tgtEl>
+                                        <p:attrNameLst>
+                                          <p:attrName>style.visibility</p:attrName>
+                                        </p:attrNameLst>
+                                      </p:cBhvr>
+                                      <p:to>
+                                        <p:strVal val="visible"/>
+                                      </p:to>
+                                    </p:set>
+                                    <p:animEffect transition="in" filter="fade">
+                                      <p:cBhvr>
+                                        <p:cTn id="27" dur="500"/>
+                                        <p:tgtEl>
+                                          <p:spTgt spid="29">
+                                            <p:txEl>
+                                              <p:pRg st="0" end="0"/>
+                                            </p:txEl>
+                                          </p:spTgt>
+                                        </p:tgtEl>
+                                      </p:cBhvr>
+                                    </p:animEffect>
+                                  </p:childTnLst>
+                                </p:cTn>
+                              </p:par>
+                              <p:par>
+                                <p:cTn id="28" presetID="10" presetClass="entr" presetSubtype="0" fill="hold" nodeType="withEffect">
+                                  <p:stCondLst>
+                                    <p:cond delay="0"/>
+                                  </p:stCondLst>
+                                  <p:childTnLst>
+                                    <p:set>
+                                      <p:cBhvr>
+                                        <p:cTn id="29" dur="1" fill="hold">
+                                          <p:stCondLst>
+                                            <p:cond delay="0"/>
+                                          </p:stCondLst>
+                                        </p:cTn>
+                                        <p:tgtEl>
+                                          <p:spTgt spid="29">
+                                            <p:txEl>
+                                              <p:pRg st="1" end="1"/>
+                                            </p:txEl>
+                                          </p:spTgt>
+                                        </p:tgtEl>
+                                        <p:attrNameLst>
+                                          <p:attrName>style.visibility</p:attrName>
+                                        </p:attrNameLst>
+                                      </p:cBhvr>
+                                      <p:to>
+                                        <p:strVal val="visible"/>
+                                      </p:to>
+                                    </p:set>
+                                    <p:animEffect transition="in" filter="fade">
+                                      <p:cBhvr>
+                                        <p:cTn id="30" dur="500"/>
+                                        <p:tgtEl>
+                                          <p:spTgt spid="29">
+                                            <p:txEl>
+                                              <p:pRg st="1" end="1"/>
+                                            </p:txEl>
+                                          </p:spTgt>
+                                        </p:tgtEl>
+                                      </p:cBhvr>
+                                    </p:animEffect>
+                                  </p:childTnLst>
+                                </p:cTn>
+                              </p:par>
+                            </p:childTnLst>
+                          </p:cTn>
+                        </p:par>
+                        <p:par>
+                          <p:cTn id="31" fill="hold">
+                            <p:stCondLst>
+                              <p:cond delay="500"/>
+                            </p:stCondLst>
+                            <p:childTnLst>
+                              <p:par>
+                                <p:cTn id="32" presetID="10" presetClass="entr" presetSubtype="0" fill="hold" nodeType="afterEffect">
+                                  <p:stCondLst>
+                                    <p:cond delay="0"/>
+                                  </p:stCondLst>
+                                  <p:childTnLst>
+                                    <p:set>
+                                      <p:cBhvr>
+                                        <p:cTn id="33" dur="1" fill="hold">
+                                          <p:stCondLst>
+                                            <p:cond delay="0"/>
+                                          </p:stCondLst>
+                                        </p:cTn>
+                                        <p:tgtEl>
+                                          <p:spTgt spid="30">
+                                            <p:txEl>
+                                              <p:pRg st="0" end="0"/>
+                                            </p:txEl>
+                                          </p:spTgt>
+                                        </p:tgtEl>
+                                        <p:attrNameLst>
+                                          <p:attrName>style.visibility</p:attrName>
+                                        </p:attrNameLst>
+                                      </p:cBhvr>
+                                      <p:to>
+                                        <p:strVal val="visible"/>
+                                      </p:to>
+                                    </p:set>
+                                    <p:animEffect transition="in" filter="fade">
+                                      <p:cBhvr>
+                                        <p:cTn id="34" dur="500"/>
+                                        <p:tgtEl>
+                                          <p:spTgt spid="30">
+                                            <p:txEl>
+                                              <p:pRg st="0" end="0"/>
+                                            </p:txEl>
+                                          </p:spTgt>
+                                        </p:tgtEl>
+                                      </p:cBhvr>
+                                    </p:animEffect>
+                                  </p:childTnLst>
+                                </p:cTn>
+                              </p:par>
+                              <p:par>
+                                <p:cTn id="35" presetID="10" presetClass="entr" presetSubtype="0" fill="hold" nodeType="withEffect">
+                                  <p:stCondLst>
+                                    <p:cond delay="0"/>
+                                  </p:stCondLst>
+                                  <p:childTnLst>
+                                    <p:set>
+                                      <p:cBhvr>
+                                        <p:cTn id="36" dur="1" fill="hold">
+                                          <p:stCondLst>
+                                            <p:cond delay="0"/>
+                                          </p:stCondLst>
+                                        </p:cTn>
+                                        <p:tgtEl>
+                                          <p:spTgt spid="30">
+                                            <p:txEl>
+                                              <p:pRg st="1" end="1"/>
+                                            </p:txEl>
+                                          </p:spTgt>
+                                        </p:tgtEl>
+                                        <p:attrNameLst>
+                                          <p:attrName>style.visibility</p:attrName>
+                                        </p:attrNameLst>
+                                      </p:cBhvr>
+                                      <p:to>
+                                        <p:strVal val="visible"/>
+                                      </p:to>
+                                    </p:set>
+                                    <p:animEffect transition="in" filter="fade">
+                                      <p:cBhvr>
+                                        <p:cTn id="37" dur="500"/>
+                                        <p:tgtEl>
+                                          <p:spTgt spid="30">
+                                            <p:txEl>
+                                              <p:pRg st="1" end="1"/>
+                                            </p:txEl>
+                                          </p:spTgt>
+                                        </p:tgtEl>
+                                      </p:cBhvr>
+                                    </p:animEffect>
+                                  </p:childTnLst>
+                                </p:cTn>
+                              </p:par>
+                            </p:childTnLst>
+                          </p:cTn>
+                        </p:par>
+                        <p:par>
+                          <p:cTn id="38" fill="hold">
+                            <p:stCondLst>
+                              <p:cond delay="1000"/>
+                            </p:stCondLst>
+                            <p:childTnLst>
+                              <p:par>
+                                <p:cTn id="39" presetID="10" presetClass="entr" presetSubtype="0" fill="hold" nodeType="afterEffect">
+                                  <p:stCondLst>
+                                    <p:cond delay="0"/>
+                                  </p:stCondLst>
+                                  <p:childTnLst>
+                                    <p:set>
+                                      <p:cBhvr>
+                                        <p:cTn id="40" dur="1" fill="hold">
+                                          <p:stCondLst>
+                                            <p:cond delay="0"/>
+                                          </p:stCondLst>
+                                        </p:cTn>
+                                        <p:tgtEl>
+                                          <p:spTgt spid="31">
+                                            <p:txEl>
+                                              <p:pRg st="0" end="0"/>
+                                            </p:txEl>
+                                          </p:spTgt>
+                                        </p:tgtEl>
+                                        <p:attrNameLst>
+                                          <p:attrName>style.visibility</p:attrName>
+                                        </p:attrNameLst>
+                                      </p:cBhvr>
+                                      <p:to>
+                                        <p:strVal val="visible"/>
+                                      </p:to>
+                                    </p:set>
+                                    <p:animEffect transition="in" filter="fade">
+                                      <p:cBhvr>
+                                        <p:cTn id="41" dur="500"/>
+                                        <p:tgtEl>
+                                          <p:spTgt spid="31">
+                                            <p:txEl>
+                                              <p:pRg st="0" end="0"/>
+                                            </p:txEl>
+                                          </p:spTgt>
+                                        </p:tgtEl>
+                                      </p:cBhvr>
+                                    </p:animEffect>
+                                  </p:childTnLst>
+                                </p:cTn>
+                              </p:par>
+                              <p:par>
+                                <p:cTn id="42" presetID="10" presetClass="entr" presetSubtype="0" fill="hold" nodeType="withEffect">
+                                  <p:stCondLst>
+                                    <p:cond delay="0"/>
+                                  </p:stCondLst>
+                                  <p:childTnLst>
+                                    <p:set>
+                                      <p:cBhvr>
+                                        <p:cTn id="43" dur="1" fill="hold">
+                                          <p:stCondLst>
+                                            <p:cond delay="0"/>
+                                          </p:stCondLst>
+                                        </p:cTn>
+                                        <p:tgtEl>
+                                          <p:spTgt spid="31">
+                                            <p:txEl>
+                                              <p:pRg st="1" end="1"/>
+                                            </p:txEl>
+                                          </p:spTgt>
+                                        </p:tgtEl>
+                                        <p:attrNameLst>
+                                          <p:attrName>style.visibility</p:attrName>
+                                        </p:attrNameLst>
+                                      </p:cBhvr>
+                                      <p:to>
+                                        <p:strVal val="visible"/>
+                                      </p:to>
+                                    </p:set>
+                                    <p:animEffect transition="in" filter="fade">
+                                      <p:cBhvr>
+                                        <p:cTn id="44" dur="500"/>
+                                        <p:tgtEl>
+                                          <p:spTgt spid="31">
+                                            <p:txEl>
+                                              <p:pRg st="1" end="1"/>
+                                            </p:txEl>
+                                          </p:spTgt>
+                                        </p:tgtEl>
+                                      </p:cBhvr>
+                                    </p:animEffect>
+                                  </p:childTnLst>
+                                </p:cTn>
+                              </p:par>
+                            </p:childTnLst>
+                          </p:cTn>
+                        </p:par>
+                      </p:childTnLst>
+                    </p:cTn>
+                  </p:par>
+                </p:childTnLst>
+              </p:cTn>
+              <p:prevCondLst>
+                <p:cond evt="onPrev" delay="0">
+                  <p:tgtEl>
+                    <p:sldTgt/>
+                  </p:tgtEl>
+                </p:cond>
+              </p:prevCondLst>
+              <p:nextCondLst>
+                <p:cond evt="onNext" delay="0">
+                  <p:tgtEl>
+                    <p:sldTgt/>
+                  </p:tgtEl>
+                </p:cond>
+              </p:nextCondLst>
+            </p:seq>
+          </p:childTnLst>
+        </p:cTn>
       </p:par>
     </p:tnLst>
+    <p:bldLst>
+      <p:bldP spid="16" grpId="0"/>
+      <p:bldP spid="18" grpId="0"/>
+      <p:bldP spid="19" grpId="0"/>
+      <p:bldP spid="21" grpId="0"/>
+      <p:bldP spid="39" grpId="0" animBg="1"/>
+    </p:bldLst>
   </p:timing>
 </p:sld>
 </file>
@@ -14884,123 +17924,51 @@
               </a:spcAft>
             </a:pPr>
             <a:r>
-              <a:rPr lang="en-US" altLang="zh-CN" i="1" smtClean="0">
-                <a:solidFill>
-                  <a:schemeClr val="accent6">
-                    <a:lumMod val="75000"/>
-                  </a:schemeClr>
-                </a:solidFill>
-              </a:rPr>
-              <a:t>Tracing</a:t>
-            </a:r>
-            <a:r>
-              <a:rPr lang="en-US" altLang="zh-CN" smtClean="0">
-                <a:solidFill>
-                  <a:schemeClr val="accent6">
-                    <a:lumMod val="75000"/>
-                  </a:schemeClr>
-                </a:solidFill>
-              </a:rPr>
-              <a:t>.</a:t>
-            </a:r>
-            <a:r>
-              <a:rPr lang="en-US" altLang="zh-CN" smtClean="0"/>
-              <a:t>  </a:t>
-            </a:r>
-            <a:r>
-              <a:rPr lang="en-US" altLang="zh-CN" sz="2200" smtClean="0"/>
-              <a:t>The user can see the statement number, the source statement, the computational results, or any combination.</a:t>
-            </a:r>
-          </a:p>
-          <a:p>
-            <a:pPr>
+              <a:rPr lang="en-US" altLang="zh-CN" dirty="0" smtClean="0"/>
+              <a:t>An interactive symbolic execution system developed by the author and his colleagues</a:t>
+            </a:r>
+          </a:p>
+          <a:p>
+            <a:pPr lvl="1">
               <a:spcAft>
                 <a:spcPts val="600"/>
               </a:spcAft>
             </a:pPr>
             <a:r>
-              <a:rPr lang="en-US" altLang="zh-CN" i="1" smtClean="0">
-                <a:solidFill>
-                  <a:schemeClr val="accent6">
-                    <a:lumMod val="75000"/>
-                  </a:schemeClr>
-                </a:solidFill>
-              </a:rPr>
-              <a:t>Breakpoints</a:t>
-            </a:r>
-            <a:r>
-              <a:rPr lang="en-US" altLang="zh-CN" smtClean="0">
-                <a:solidFill>
-                  <a:schemeClr val="accent6">
-                    <a:lumMod val="75000"/>
-                  </a:schemeClr>
-                </a:solidFill>
-              </a:rPr>
-              <a:t>.</a:t>
-            </a:r>
-            <a:r>
-              <a:rPr lang="en-US" altLang="zh-CN" smtClean="0"/>
-              <a:t>  </a:t>
-            </a:r>
-            <a:r>
-              <a:rPr lang="en-US" altLang="zh-CN" sz="2200" smtClean="0"/>
-              <a:t>The use can insert “breakpoints” between statements. At these points execution is interrupted and control passes the user’s terminal.</a:t>
-            </a:r>
-          </a:p>
-          <a:p>
-            <a:pPr>
+              <a:rPr lang="en-US" altLang="zh-CN" dirty="0" smtClean="0"/>
+              <a:t>An “exhaustive” test manager </a:t>
+            </a:r>
+            <a:r>
+              <a:rPr lang="en-US" altLang="zh-CN" dirty="0" err="1" smtClean="0"/>
+              <a:t>systemtically</a:t>
+            </a:r>
+            <a:r>
+              <a:rPr lang="en-US" altLang="zh-CN" dirty="0" smtClean="0"/>
+              <a:t> explores the alternatives in the symbolic execution tree.</a:t>
+            </a:r>
+          </a:p>
+          <a:p>
+            <a:pPr lvl="1">
               <a:spcAft>
                 <a:spcPts val="600"/>
               </a:spcAft>
             </a:pPr>
             <a:r>
-              <a:rPr lang="en-US" altLang="zh-CN" i="1" smtClean="0">
-                <a:solidFill>
-                  <a:schemeClr val="accent6">
-                    <a:lumMod val="75000"/>
-                  </a:schemeClr>
-                </a:solidFill>
-              </a:rPr>
-              <a:t>State saving</a:t>
-            </a:r>
-            <a:r>
-              <a:rPr lang="en-US" altLang="zh-CN" smtClean="0"/>
-              <a:t>.  </a:t>
-            </a:r>
-            <a:r>
-              <a:rPr lang="en-US" altLang="zh-CN" sz="2200" smtClean="0"/>
-              <a:t>As a user explores the various paths, he can save the state of execution to explore alternative paths using “</a:t>
-            </a:r>
-            <a:r>
-              <a:rPr lang="en-US" altLang="zh-CN" sz="2200" b="1" smtClean="0">
-                <a:latin typeface="Times New Roman" pitchFamily="18" charset="0"/>
-                <a:cs typeface="Times New Roman" pitchFamily="18" charset="0"/>
-              </a:rPr>
-              <a:t>SAVE</a:t>
-            </a:r>
-            <a:r>
-              <a:rPr lang="en-US" altLang="zh-CN" sz="2200" smtClean="0">
-                <a:latin typeface="+mn-lt"/>
-                <a:cs typeface="Times New Roman" pitchFamily="18" charset="0"/>
-              </a:rPr>
-              <a:t>”</a:t>
-            </a:r>
-            <a:r>
-              <a:rPr lang="en-US" altLang="zh-CN" sz="2200" smtClean="0"/>
-              <a:t>  and use “</a:t>
-            </a:r>
-            <a:r>
-              <a:rPr lang="en-US" altLang="zh-CN" sz="2200" b="1" smtClean="0">
-                <a:latin typeface="Times New Roman" pitchFamily="18" charset="0"/>
-                <a:cs typeface="Times New Roman" pitchFamily="18" charset="0"/>
-              </a:rPr>
-              <a:t>RESTORE</a:t>
-            </a:r>
-            <a:r>
-              <a:rPr lang="en-US" altLang="zh-CN" sz="2200" smtClean="0"/>
-              <a:t>” to return later.</a:t>
-            </a:r>
-            <a:endParaRPr lang="zh-CN" altLang="en-US" sz="2200"/>
+              <a:rPr lang="en-US" altLang="zh-CN" dirty="0" smtClean="0"/>
+              <a:t>The system can automatically checks test case results.</a:t>
+            </a:r>
+          </a:p>
+          <a:p>
+            <a:pPr lvl="1">
+              <a:spcAft>
+                <a:spcPts val="600"/>
+              </a:spcAft>
+            </a:pPr>
+            <a:r>
+              <a:rPr lang="en-US" altLang="zh-CN" dirty="0" smtClean="0"/>
+              <a:t>Finally, the system offers a program verifier which uses symbolic execution and user supplied assertions to generate the verification condition.</a:t>
+            </a:r>
+            <a:endParaRPr lang="zh-CN" altLang="en-US" dirty="0"/>
           </a:p>
         </p:txBody>
       </p:sp>
@@ -15030,7 +17998,7 @@
                 <a:ea typeface="宋体"/>
               </a:rPr>
               <a:pPr/>
-              <a:t>2020/11/30</a:t>
+              <a:t>2020/12/1</a:t>
             </a:fld>
             <a:endParaRPr kumimoji="1" lang="zh-CN" altLang="en-US">
               <a:solidFill>
@@ -15155,7 +18123,7 @@
               <a:rPr lang="en-US" altLang="zh-CN" cap="small" smtClean="0"/>
               <a:t>Effigy</a:t>
             </a:r>
-            <a:endParaRPr lang="zh-CN" altLang="en-US"/>
+            <a:endParaRPr lang="zh-CN" altLang="en-US" cap="small"/>
           </a:p>
         </p:txBody>
       </p:sp>
@@ -15169,131 +18137,134 @@
             <p:ph idx="1"/>
           </p:nvPr>
         </p:nvSpPr>
-        <p:spPr>
-          <a:xfrm>
-            <a:off x="428596" y="1643050"/>
-            <a:ext cx="5079508" cy="4716000"/>
-          </a:xfrm>
-        </p:spPr>
+        <p:spPr/>
         <p:txBody>
           <a:bodyPr/>
           <a:lstStyle/>
           <a:p>
             <a:pPr>
               <a:spcAft>
-                <a:spcPts val="400"/>
+                <a:spcPts val="600"/>
               </a:spcAft>
             </a:pPr>
             <a:r>
-              <a:rPr lang="en-US" altLang="zh-CN" sz="2200" dirty="0" smtClean="0"/>
-              <a:t>Whenever the system encounters a forking execution of an </a:t>
-            </a:r>
-            <a:r>
-              <a:rPr lang="en-US" altLang="zh-CN" sz="2200" b="1" dirty="0" smtClean="0">
+              <a:rPr lang="en-US" altLang="zh-CN" i="1" smtClean="0">
+                <a:solidFill>
+                  <a:schemeClr val="accent6">
+                    <a:lumMod val="75000"/>
+                  </a:schemeClr>
+                </a:solidFill>
+              </a:rPr>
+              <a:t>Tracing</a:t>
+            </a:r>
+            <a:r>
+              <a:rPr lang="en-US" altLang="zh-CN" smtClean="0">
+                <a:solidFill>
+                  <a:schemeClr val="accent6">
+                    <a:lumMod val="75000"/>
+                  </a:schemeClr>
+                </a:solidFill>
+              </a:rPr>
+              <a:t>.</a:t>
+            </a:r>
+            <a:r>
+              <a:rPr lang="en-US" altLang="zh-CN" smtClean="0"/>
+              <a:t>  </a:t>
+            </a:r>
+            <a:r>
+              <a:rPr lang="en-US" altLang="zh-CN" sz="2200" smtClean="0"/>
+              <a:t>The user can see the statement number, the source statement, the computational results, or any combination.</a:t>
+            </a:r>
+          </a:p>
+          <a:p>
+            <a:pPr>
+              <a:spcAft>
+                <a:spcPts val="600"/>
+              </a:spcAft>
+            </a:pPr>
+            <a:r>
+              <a:rPr lang="en-US" altLang="zh-CN" i="1" smtClean="0">
+                <a:solidFill>
+                  <a:schemeClr val="accent6">
+                    <a:lumMod val="75000"/>
+                  </a:schemeClr>
+                </a:solidFill>
+              </a:rPr>
+              <a:t>Breakpoints</a:t>
+            </a:r>
+            <a:r>
+              <a:rPr lang="en-US" altLang="zh-CN" smtClean="0">
+                <a:solidFill>
+                  <a:schemeClr val="accent6">
+                    <a:lumMod val="75000"/>
+                  </a:schemeClr>
+                </a:solidFill>
+              </a:rPr>
+              <a:t>.</a:t>
+            </a:r>
+            <a:r>
+              <a:rPr lang="en-US" altLang="zh-CN" smtClean="0"/>
+              <a:t>  </a:t>
+            </a:r>
+            <a:r>
+              <a:rPr lang="en-US" altLang="zh-CN" sz="2200" smtClean="0"/>
+              <a:t>The use can insert “breakpoints” between statements. At these points execution is interrupted and control passes the user’s terminal.</a:t>
+            </a:r>
+          </a:p>
+          <a:p>
+            <a:pPr>
+              <a:spcAft>
+                <a:spcPts val="600"/>
+              </a:spcAft>
+            </a:pPr>
+            <a:r>
+              <a:rPr lang="en-US" altLang="zh-CN" i="1" smtClean="0">
+                <a:solidFill>
+                  <a:schemeClr val="accent6">
+                    <a:lumMod val="75000"/>
+                  </a:schemeClr>
+                </a:solidFill>
+              </a:rPr>
+              <a:t>State saving</a:t>
+            </a:r>
+            <a:r>
+              <a:rPr lang="en-US" altLang="zh-CN" smtClean="0"/>
+              <a:t>.  </a:t>
+            </a:r>
+            <a:r>
+              <a:rPr lang="en-US" altLang="zh-CN" sz="2200" smtClean="0"/>
+              <a:t>As a user explores the various paths, he can save the state of execution to explore alternative paths using “</a:t>
+            </a:r>
+            <a:r>
+              <a:rPr lang="en-US" altLang="zh-CN" sz="2200" b="1" smtClean="0">
                 <a:latin typeface="Times New Roman" pitchFamily="18" charset="0"/>
                 <a:cs typeface="Times New Roman" pitchFamily="18" charset="0"/>
               </a:rPr>
-              <a:t>IF</a:t>
-            </a:r>
-            <a:r>
-              <a:rPr lang="en-US" altLang="zh-CN" sz="2200" dirty="0" smtClean="0"/>
-              <a:t> statement, the user can:</a:t>
-            </a:r>
-          </a:p>
-          <a:p>
-            <a:pPr marL="801687" lvl="1" indent="-457200">
-              <a:spcAft>
-                <a:spcPts val="400"/>
-              </a:spcAft>
-              <a:buSzPct val="100000"/>
-              <a:buFont typeface="+mj-lt"/>
-              <a:buAutoNum type="arabicPeriod"/>
-            </a:pPr>
-            <a:r>
-              <a:rPr lang="en-US" altLang="zh-CN" sz="1800" dirty="0" smtClean="0"/>
-              <a:t>Type “go true”, and the system follows the </a:t>
-            </a:r>
-            <a:r>
-              <a:rPr lang="en-US" altLang="zh-CN" sz="1800" b="1" dirty="0" smtClean="0">
+              <a:t>SAVE</a:t>
+            </a:r>
+            <a:r>
+              <a:rPr lang="en-US" altLang="zh-CN" sz="2200" smtClean="0">
+                <a:latin typeface="+mn-lt"/>
+                <a:cs typeface="Times New Roman" pitchFamily="18" charset="0"/>
+              </a:rPr>
+              <a:t>”</a:t>
+            </a:r>
+            <a:r>
+              <a:rPr lang="en-US" altLang="zh-CN" sz="2200" smtClean="0"/>
+              <a:t>  and use “</a:t>
+            </a:r>
+            <a:r>
+              <a:rPr lang="en-US" altLang="zh-CN" sz="2200" b="1" smtClean="0">
                 <a:latin typeface="Times New Roman" pitchFamily="18" charset="0"/>
                 <a:cs typeface="Times New Roman" pitchFamily="18" charset="0"/>
               </a:rPr>
-              <a:t>THEN</a:t>
-            </a:r>
-            <a:r>
-              <a:rPr lang="en-US" altLang="zh-CN" sz="1800" dirty="0" smtClean="0"/>
-              <a:t> alternative changing </a:t>
-            </a:r>
-            <a:r>
-              <a:rPr lang="en-US" altLang="zh-CN" sz="1800" i="1" dirty="0" smtClean="0"/>
-              <a:t>pc</a:t>
-            </a:r>
-            <a:r>
-              <a:rPr lang="en-US" altLang="zh-CN" sz="1800" dirty="0" smtClean="0"/>
-              <a:t> .</a:t>
-            </a:r>
-          </a:p>
-          <a:p>
-            <a:pPr marL="801687" lvl="1" indent="-457200">
-              <a:spcAft>
-                <a:spcPts val="400"/>
-              </a:spcAft>
-              <a:buSzPct val="100000"/>
-              <a:buFont typeface="+mj-lt"/>
-              <a:buAutoNum type="arabicPeriod"/>
-            </a:pPr>
-            <a:r>
-              <a:rPr lang="en-US" altLang="zh-CN" sz="1800" dirty="0" smtClean="0"/>
-              <a:t>Type “go false”, and the system follows the </a:t>
-            </a:r>
-            <a:r>
-              <a:rPr lang="en-US" altLang="zh-CN" sz="1800" b="1" dirty="0" smtClean="0">
-                <a:latin typeface="Times New Roman" pitchFamily="18" charset="0"/>
-                <a:cs typeface="Times New Roman" pitchFamily="18" charset="0"/>
-              </a:rPr>
-              <a:t>ELSE</a:t>
-            </a:r>
-            <a:r>
-              <a:rPr lang="en-US" altLang="zh-CN" sz="1800" dirty="0" smtClean="0"/>
-              <a:t> alternative changing </a:t>
-            </a:r>
-            <a:r>
-              <a:rPr lang="en-US" altLang="zh-CN" sz="1800" i="1" dirty="0" smtClean="0"/>
-              <a:t>pc</a:t>
-            </a:r>
-            <a:r>
-              <a:rPr lang="en-US" altLang="zh-CN" sz="1800" dirty="0" smtClean="0"/>
-              <a:t> .</a:t>
-            </a:r>
-          </a:p>
-          <a:p>
-            <a:pPr marL="801687" lvl="1" indent="-457200">
-              <a:spcAft>
-                <a:spcPts val="400"/>
-              </a:spcAft>
-              <a:buSzPct val="100000"/>
-              <a:buFont typeface="+mj-lt"/>
-              <a:buAutoNum type="arabicPeriod"/>
-            </a:pPr>
-            <a:r>
-              <a:rPr lang="en-US" altLang="zh-CN" sz="1800" dirty="0" smtClean="0"/>
-              <a:t>Type “assume (</a:t>
-            </a:r>
-            <a:r>
-              <a:rPr lang="en-US" altLang="zh-CN" sz="1800" b="1" i="1" dirty="0" smtClean="0">
-                <a:latin typeface="Times New Roman" pitchFamily="18" charset="0"/>
-                <a:cs typeface="Times New Roman" pitchFamily="18" charset="0"/>
-              </a:rPr>
-              <a:t>P</a:t>
-            </a:r>
-            <a:r>
-              <a:rPr lang="en-US" altLang="zh-CN" sz="1800" dirty="0" smtClean="0"/>
-              <a:t>)”; go.</a:t>
-            </a:r>
-          </a:p>
-          <a:p>
-            <a:pPr lvl="1"/>
-            <a:endParaRPr lang="zh-CN" altLang="en-US" sz="1800" dirty="0"/>
+              <a:t>RESTORE</a:t>
+            </a:r>
+            <a:r>
+              <a:rPr lang="en-US" altLang="zh-CN" sz="2200" smtClean="0"/>
+              <a:t>” to return later.</a:t>
+            </a:r>
+            <a:endParaRPr lang="zh-CN" altLang="en-US" sz="2200"/>
           </a:p>
         </p:txBody>
       </p:sp>
@@ -15323,7 +18294,7 @@
                 <a:ea typeface="宋体"/>
               </a:rPr>
               <a:pPr/>
-              <a:t>2020/11/30</a:t>
+              <a:t>2020/12/1</a:t>
             </a:fld>
             <a:endParaRPr kumimoji="1" lang="zh-CN" altLang="en-US">
               <a:solidFill>
@@ -15384,6 +18355,299 @@
               </a:rPr>
               <a:pPr/>
               <a:t>16</a:t>
+            </a:fld>
+            <a:endParaRPr kumimoji="1" lang="zh-CN" altLang="en-US">
+              <a:solidFill>
+                <a:prstClr val="black">
+                  <a:lumMod val="65000"/>
+                  <a:lumOff val="35000"/>
+                </a:prstClr>
+              </a:solidFill>
+              <a:ea typeface="宋体"/>
+            </a:endParaRPr>
+          </a:p>
+        </p:txBody>
+      </p:sp>
+    </p:spTree>
+  </p:cSld>
+  <p:clrMapOvr>
+    <a:masterClrMapping/>
+  </p:clrMapOvr>
+  <p:timing>
+    <p:tnLst>
+      <p:par>
+        <p:cTn id="1" dur="indefinite" restart="never" nodeType="tmRoot"/>
+      </p:par>
+    </p:tnLst>
+  </p:timing>
+</p:sld>
+</file>
+
+<file path=ppt/slides/slide17.xml><?xml version="1.0" encoding="utf-8"?>
+<p:sld xmlns:a="http://schemas.openxmlformats.org/drawingml/2006/main" xmlns:r="http://schemas.openxmlformats.org/officeDocument/2006/relationships" xmlns:p="http://schemas.openxmlformats.org/presentationml/2006/main">
+  <p:cSld>
+    <p:spTree>
+      <p:nvGrpSpPr>
+        <p:cNvPr id="1" name=""/>
+        <p:cNvGrpSpPr/>
+        <p:nvPr/>
+      </p:nvGrpSpPr>
+      <p:grpSpPr>
+        <a:xfrm>
+          <a:off x="0" y="0"/>
+          <a:ext cx="0" cy="0"/>
+          <a:chOff x="0" y="0"/>
+          <a:chExt cx="0" cy="0"/>
+        </a:xfrm>
+      </p:grpSpPr>
+      <p:sp>
+        <p:nvSpPr>
+          <p:cNvPr id="2" name="标题 1"/>
+          <p:cNvSpPr>
+            <a:spLocks noGrp="1"/>
+          </p:cNvSpPr>
+          <p:nvPr>
+            <p:ph type="title"/>
+          </p:nvPr>
+        </p:nvSpPr>
+        <p:spPr/>
+        <p:txBody>
+          <a:bodyPr/>
+          <a:lstStyle/>
+          <a:p>
+            <a:r>
+              <a:rPr lang="en-US" altLang="zh-CN" cap="small" dirty="0" smtClean="0"/>
+              <a:t>Effigy</a:t>
+            </a:r>
+            <a:endParaRPr lang="zh-CN" altLang="en-US" dirty="0"/>
+          </a:p>
+        </p:txBody>
+      </p:sp>
+      <p:sp>
+        <p:nvSpPr>
+          <p:cNvPr id="3" name="内容占位符 2"/>
+          <p:cNvSpPr>
+            <a:spLocks noGrp="1"/>
+          </p:cNvSpPr>
+          <p:nvPr>
+            <p:ph idx="1"/>
+          </p:nvPr>
+        </p:nvSpPr>
+        <p:spPr>
+          <a:xfrm>
+            <a:off x="428596" y="1643050"/>
+            <a:ext cx="5079508" cy="4716000"/>
+          </a:xfrm>
+        </p:spPr>
+        <p:txBody>
+          <a:bodyPr/>
+          <a:lstStyle/>
+          <a:p>
+            <a:pPr>
+              <a:spcAft>
+                <a:spcPts val="400"/>
+              </a:spcAft>
+            </a:pPr>
+            <a:r>
+              <a:rPr lang="en-US" altLang="zh-CN" sz="2200" dirty="0" smtClean="0"/>
+              <a:t>Whenever the system encounters a forking execution of an </a:t>
+            </a:r>
+            <a:r>
+              <a:rPr lang="en-US" altLang="zh-CN" sz="2200" b="1" dirty="0" smtClean="0">
+                <a:latin typeface="Times New Roman" pitchFamily="18" charset="0"/>
+                <a:cs typeface="Times New Roman" pitchFamily="18" charset="0"/>
+              </a:rPr>
+              <a:t>IF</a:t>
+            </a:r>
+            <a:r>
+              <a:rPr lang="en-US" altLang="zh-CN" sz="2200" dirty="0" smtClean="0"/>
+              <a:t> statement, the user can:</a:t>
+            </a:r>
+          </a:p>
+          <a:p>
+            <a:pPr marL="801687" lvl="1" indent="-457200">
+              <a:spcAft>
+                <a:spcPts val="400"/>
+              </a:spcAft>
+              <a:buSzPct val="100000"/>
+              <a:buFont typeface="+mj-lt"/>
+              <a:buAutoNum type="arabicPeriod"/>
+            </a:pPr>
+            <a:r>
+              <a:rPr lang="en-US" altLang="zh-CN" sz="1800" dirty="0" smtClean="0"/>
+              <a:t>Type “go true”, and the system follows the </a:t>
+            </a:r>
+            <a:r>
+              <a:rPr lang="en-US" altLang="zh-CN" sz="1800" b="1" dirty="0" smtClean="0">
+                <a:latin typeface="Times New Roman" pitchFamily="18" charset="0"/>
+                <a:cs typeface="Times New Roman" pitchFamily="18" charset="0"/>
+              </a:rPr>
+              <a:t>THEN</a:t>
+            </a:r>
+            <a:r>
+              <a:rPr lang="en-US" altLang="zh-CN" sz="1800" dirty="0" smtClean="0"/>
+              <a:t> alternative changing </a:t>
+            </a:r>
+            <a:r>
+              <a:rPr lang="en-US" altLang="zh-CN" sz="1800" i="1" dirty="0" smtClean="0"/>
+              <a:t>pc</a:t>
+            </a:r>
+            <a:r>
+              <a:rPr lang="en-US" altLang="zh-CN" sz="1800" dirty="0" smtClean="0"/>
+              <a:t> .</a:t>
+            </a:r>
+          </a:p>
+          <a:p>
+            <a:pPr marL="801687" lvl="1" indent="-457200">
+              <a:spcAft>
+                <a:spcPts val="400"/>
+              </a:spcAft>
+              <a:buSzPct val="100000"/>
+              <a:buFont typeface="+mj-lt"/>
+              <a:buAutoNum type="arabicPeriod"/>
+            </a:pPr>
+            <a:r>
+              <a:rPr lang="en-US" altLang="zh-CN" sz="1800" dirty="0" smtClean="0"/>
+              <a:t>Type “go false”, and the system follows the </a:t>
+            </a:r>
+            <a:r>
+              <a:rPr lang="en-US" altLang="zh-CN" sz="1800" b="1" dirty="0" smtClean="0">
+                <a:latin typeface="Times New Roman" pitchFamily="18" charset="0"/>
+                <a:cs typeface="Times New Roman" pitchFamily="18" charset="0"/>
+              </a:rPr>
+              <a:t>ELSE</a:t>
+            </a:r>
+            <a:r>
+              <a:rPr lang="en-US" altLang="zh-CN" sz="1800" dirty="0" smtClean="0"/>
+              <a:t> alternative changing </a:t>
+            </a:r>
+            <a:r>
+              <a:rPr lang="en-US" altLang="zh-CN" sz="1800" i="1" dirty="0" smtClean="0"/>
+              <a:t>pc</a:t>
+            </a:r>
+            <a:r>
+              <a:rPr lang="en-US" altLang="zh-CN" sz="1800" dirty="0" smtClean="0"/>
+              <a:t> .</a:t>
+            </a:r>
+          </a:p>
+          <a:p>
+            <a:pPr marL="801687" lvl="1" indent="-457200">
+              <a:spcAft>
+                <a:spcPts val="400"/>
+              </a:spcAft>
+              <a:buSzPct val="100000"/>
+              <a:buFont typeface="+mj-lt"/>
+              <a:buAutoNum type="arabicPeriod"/>
+            </a:pPr>
+            <a:r>
+              <a:rPr lang="en-US" altLang="zh-CN" sz="1800" dirty="0" smtClean="0"/>
+              <a:t>Type “assume (</a:t>
+            </a:r>
+            <a:r>
+              <a:rPr lang="en-US" altLang="zh-CN" sz="1800" b="1" i="1" dirty="0" smtClean="0">
+                <a:latin typeface="Times New Roman" pitchFamily="18" charset="0"/>
+                <a:cs typeface="Times New Roman" pitchFamily="18" charset="0"/>
+              </a:rPr>
+              <a:t>P</a:t>
+            </a:r>
+            <a:r>
+              <a:rPr lang="en-US" altLang="zh-CN" sz="1800" dirty="0" smtClean="0"/>
+              <a:t>)”; go.</a:t>
+            </a:r>
+          </a:p>
+          <a:p>
+            <a:pPr lvl="1"/>
+            <a:endParaRPr lang="zh-CN" altLang="en-US" sz="1800" dirty="0"/>
+          </a:p>
+        </p:txBody>
+      </p:sp>
+      <p:sp>
+        <p:nvSpPr>
+          <p:cNvPr id="4" name="日期占位符 3"/>
+          <p:cNvSpPr>
+            <a:spLocks noGrp="1"/>
+          </p:cNvSpPr>
+          <p:nvPr>
+            <p:ph type="dt" sz="half" idx="10"/>
+          </p:nvPr>
+        </p:nvSpPr>
+        <p:spPr/>
+        <p:txBody>
+          <a:bodyPr/>
+          <a:lstStyle/>
+          <a:p>
+            <a:fld id="{FF88F899-FA6D-4737-879E-62DE3ED9162E}" type="datetime1">
+              <a:rPr kumimoji="1" lang="zh-CN" altLang="en-US" smtClean="0">
+                <a:solidFill>
+                  <a:prstClr val="black">
+                    <a:lumMod val="65000"/>
+                    <a:lumOff val="35000"/>
+                  </a:prstClr>
+                </a:solidFill>
+                <a:ea typeface="宋体"/>
+              </a:rPr>
+              <a:pPr/>
+              <a:t>2020/12/1</a:t>
+            </a:fld>
+            <a:endParaRPr kumimoji="1" lang="zh-CN" altLang="en-US">
+              <a:solidFill>
+                <a:prstClr val="black">
+                  <a:lumMod val="65000"/>
+                  <a:lumOff val="35000"/>
+                </a:prstClr>
+              </a:solidFill>
+              <a:ea typeface="宋体"/>
+            </a:endParaRPr>
+          </a:p>
+        </p:txBody>
+      </p:sp>
+      <p:sp>
+        <p:nvSpPr>
+          <p:cNvPr id="5" name="页脚占位符 4"/>
+          <p:cNvSpPr>
+            <a:spLocks noGrp="1"/>
+          </p:cNvSpPr>
+          <p:nvPr>
+            <p:ph type="ftr" sz="quarter" idx="11"/>
+          </p:nvPr>
+        </p:nvSpPr>
+        <p:spPr/>
+        <p:txBody>
+          <a:bodyPr/>
+          <a:lstStyle/>
+          <a:p>
+            <a:pPr defTabSz="457200"/>
+            <a:endParaRPr lang="zh-CN" altLang="en-US" dirty="0"/>
+          </a:p>
+        </p:txBody>
+      </p:sp>
+      <p:sp>
+        <p:nvSpPr>
+          <p:cNvPr id="6" name="灯片编号占位符 5"/>
+          <p:cNvSpPr>
+            <a:spLocks noGrp="1"/>
+          </p:cNvSpPr>
+          <p:nvPr>
+            <p:ph type="sldNum" sz="quarter" idx="12"/>
+          </p:nvPr>
+        </p:nvSpPr>
+        <p:spPr/>
+        <p:txBody>
+          <a:bodyPr/>
+          <a:lstStyle/>
+          <a:p>
+            <a:fld id="{71F1F346-3964-904C-8DB0-057A2D699FB9}" type="slidenum">
+              <a:rPr kumimoji="1" lang="zh-CN" altLang="en-US" smtClean="0">
+                <a:solidFill>
+                  <a:prstClr val="black">
+                    <a:lumMod val="65000"/>
+                    <a:lumOff val="35000"/>
+                  </a:prstClr>
+                </a:solidFill>
+                <a:ea typeface="宋体"/>
+              </a:rPr>
+              <a:pPr/>
+              <a:t>17</a:t>
             </a:fld>
             <a:endParaRPr kumimoji="1" lang="zh-CN" altLang="en-US">
               <a:solidFill>
@@ -16111,7 +19375,7 @@
           <a:graphicData uri="http://schemas.openxmlformats.org/presentationml/2006/ole">
             <mc:AlternateContent xmlns:mc="http://schemas.openxmlformats.org/markup-compatibility/2006">
               <mc:Choice xmlns:v="urn:schemas-microsoft-com:vml" Requires="v">
-                <p:oleObj spid="_x0000_s1036" name="公式" r:id="rId3" imgW="164880" imgH="126720" progId="Equation.3">
+                <p:oleObj spid="_x0000_s1044" name="公式" r:id="rId3" imgW="164880" imgH="126720" progId="Equation.3">
                   <p:embed/>
                 </p:oleObj>
               </mc:Choice>
@@ -16168,7 +19432,7 @@
           <a:graphicData uri="http://schemas.openxmlformats.org/presentationml/2006/ole">
             <mc:AlternateContent xmlns:mc="http://schemas.openxmlformats.org/markup-compatibility/2006">
               <mc:Choice xmlns:v="urn:schemas-microsoft-com:vml" Requires="v">
-                <p:oleObj spid="_x0000_s1037" name="公式" r:id="rId5" imgW="164880" imgH="126720" progId="Equation.3">
+                <p:oleObj spid="_x0000_s1045" name="公式" r:id="rId5" imgW="164880" imgH="126720" progId="Equation.3">
                   <p:embed/>
                 </p:oleObj>
               </mc:Choice>
@@ -16370,243 +19634,6 @@
 </p:sld>
 </file>
 
-<file path=ppt/slides/slide17.xml><?xml version="1.0" encoding="utf-8"?>
-<p:sld xmlns:a="http://schemas.openxmlformats.org/drawingml/2006/main" xmlns:r="http://schemas.openxmlformats.org/officeDocument/2006/relationships" xmlns:p="http://schemas.openxmlformats.org/presentationml/2006/main">
-  <p:cSld>
-    <p:spTree>
-      <p:nvGrpSpPr>
-        <p:cNvPr id="1" name=""/>
-        <p:cNvGrpSpPr/>
-        <p:nvPr/>
-      </p:nvGrpSpPr>
-      <p:grpSpPr>
-        <a:xfrm>
-          <a:off x="0" y="0"/>
-          <a:ext cx="0" cy="0"/>
-          <a:chOff x="0" y="0"/>
-          <a:chExt cx="0" cy="0"/>
-        </a:xfrm>
-      </p:grpSpPr>
-      <p:sp>
-        <p:nvSpPr>
-          <p:cNvPr id="2" name="标题 1"/>
-          <p:cNvSpPr>
-            <a:spLocks noGrp="1"/>
-          </p:cNvSpPr>
-          <p:nvPr>
-            <p:ph type="title"/>
-          </p:nvPr>
-        </p:nvSpPr>
-        <p:spPr/>
-        <p:txBody>
-          <a:bodyPr/>
-          <a:lstStyle/>
-          <a:p>
-            <a:r>
-              <a:rPr lang="en-US" altLang="zh-CN" dirty="0" smtClean="0"/>
-              <a:t>Practical </a:t>
-            </a:r>
-            <a:r>
-              <a:rPr lang="en-US" altLang="zh-CN" dirty="0" smtClean="0"/>
-              <a:t>Issues</a:t>
-            </a:r>
-            <a:endParaRPr lang="zh-CN" altLang="en-US" dirty="0"/>
-          </a:p>
-        </p:txBody>
-      </p:sp>
-      <p:sp>
-        <p:nvSpPr>
-          <p:cNvPr id="3" name="内容占位符 2"/>
-          <p:cNvSpPr>
-            <a:spLocks noGrp="1"/>
-          </p:cNvSpPr>
-          <p:nvPr>
-            <p:ph idx="1"/>
-          </p:nvPr>
-        </p:nvSpPr>
-        <p:spPr/>
-        <p:txBody>
-          <a:bodyPr/>
-          <a:lstStyle/>
-          <a:p>
-            <a:pPr>
-              <a:spcAft>
-                <a:spcPts val="600"/>
-              </a:spcAft>
-            </a:pPr>
-            <a:r>
-              <a:rPr lang="en-US" altLang="zh-CN" dirty="0" smtClean="0"/>
-              <a:t>It is a problem of finding a practical way to  deal with variable storage-referencing.</a:t>
-            </a:r>
-          </a:p>
-          <a:p>
-            <a:pPr>
-              <a:spcAft>
-                <a:spcPts val="600"/>
-              </a:spcAft>
-            </a:pPr>
-            <a:r>
-              <a:rPr lang="en-US" altLang="zh-CN" dirty="0" smtClean="0"/>
-              <a:t>The conflict between discrete aspects of computer arithmetic and the continuous nature of real numbers.</a:t>
-            </a:r>
-          </a:p>
-          <a:p>
-            <a:pPr>
-              <a:spcAft>
-                <a:spcPts val="600"/>
-              </a:spcAft>
-            </a:pPr>
-            <a:r>
-              <a:rPr lang="en-US" altLang="zh-CN" dirty="0"/>
-              <a:t>When </a:t>
-            </a:r>
-            <a:r>
-              <a:rPr lang="en-US" altLang="zh-CN" dirty="0" smtClean="0"/>
-              <a:t>the constraint </a:t>
-            </a:r>
-            <a:r>
-              <a:rPr lang="en-US" altLang="zh-CN" dirty="0"/>
-              <a:t>expression growing </a:t>
-            </a:r>
-            <a:r>
-              <a:rPr lang="en-US" altLang="zh-CN" dirty="0" smtClean="0"/>
-              <a:t>complicated, </a:t>
-            </a:r>
-            <a:r>
-              <a:rPr lang="en-US" altLang="zh-CN" dirty="0"/>
-              <a:t>constraint </a:t>
-            </a:r>
-            <a:r>
-              <a:rPr lang="en-US" altLang="zh-CN" dirty="0" smtClean="0"/>
-              <a:t>solving becomes </a:t>
-            </a:r>
-            <a:r>
-              <a:rPr lang="en-US" altLang="zh-CN" dirty="0"/>
-              <a:t>a troubling </a:t>
-            </a:r>
-            <a:r>
-              <a:rPr lang="en-US" altLang="zh-CN" dirty="0" smtClean="0"/>
-              <a:t>problem.</a:t>
-            </a:r>
-            <a:endParaRPr lang="en-US" altLang="zh-CN" dirty="0" smtClean="0"/>
-          </a:p>
-        </p:txBody>
-      </p:sp>
-      <p:sp>
-        <p:nvSpPr>
-          <p:cNvPr id="4" name="日期占位符 3"/>
-          <p:cNvSpPr>
-            <a:spLocks noGrp="1"/>
-          </p:cNvSpPr>
-          <p:nvPr>
-            <p:ph type="dt" sz="half" idx="10"/>
-          </p:nvPr>
-        </p:nvSpPr>
-        <p:spPr/>
-        <p:txBody>
-          <a:bodyPr/>
-          <a:lstStyle/>
-          <a:p>
-            <a:fld id="{FF88F899-FA6D-4737-879E-62DE3ED9162E}" type="datetime1">
-              <a:rPr kumimoji="1" lang="zh-CN" altLang="en-US" smtClean="0">
-                <a:solidFill>
-                  <a:prstClr val="black">
-                    <a:lumMod val="65000"/>
-                    <a:lumOff val="35000"/>
-                  </a:prstClr>
-                </a:solidFill>
-                <a:ea typeface="宋体"/>
-              </a:rPr>
-              <a:pPr/>
-              <a:t>2020/11/30</a:t>
-            </a:fld>
-            <a:endParaRPr kumimoji="1" lang="zh-CN" altLang="en-US">
-              <a:solidFill>
-                <a:prstClr val="black">
-                  <a:lumMod val="65000"/>
-                  <a:lumOff val="35000"/>
-                </a:prstClr>
-              </a:solidFill>
-              <a:ea typeface="宋体"/>
-            </a:endParaRPr>
-          </a:p>
-        </p:txBody>
-      </p:sp>
-      <p:sp>
-        <p:nvSpPr>
-          <p:cNvPr id="5" name="页脚占位符 4"/>
-          <p:cNvSpPr>
-            <a:spLocks noGrp="1"/>
-          </p:cNvSpPr>
-          <p:nvPr>
-            <p:ph type="ftr" sz="quarter" idx="11"/>
-          </p:nvPr>
-        </p:nvSpPr>
-        <p:spPr/>
-        <p:txBody>
-          <a:bodyPr/>
-          <a:lstStyle/>
-          <a:p>
-            <a:pPr defTabSz="457200"/>
-            <a:endParaRPr lang="zh-CN" altLang="en-US" dirty="0"/>
-          </a:p>
-        </p:txBody>
-      </p:sp>
-      <p:sp>
-        <p:nvSpPr>
-          <p:cNvPr id="6" name="灯片编号占位符 5"/>
-          <p:cNvSpPr>
-            <a:spLocks noGrp="1"/>
-          </p:cNvSpPr>
-          <p:nvPr>
-            <p:ph type="sldNum" sz="quarter" idx="12"/>
-          </p:nvPr>
-        </p:nvSpPr>
-        <p:spPr/>
-        <p:txBody>
-          <a:bodyPr/>
-          <a:lstStyle/>
-          <a:p>
-            <a:fld id="{71F1F346-3964-904C-8DB0-057A2D699FB9}" type="slidenum">
-              <a:rPr kumimoji="1" lang="zh-CN" altLang="en-US" smtClean="0">
-                <a:solidFill>
-                  <a:prstClr val="black">
-                    <a:lumMod val="65000"/>
-                    <a:lumOff val="35000"/>
-                  </a:prstClr>
-                </a:solidFill>
-                <a:ea typeface="宋体"/>
-              </a:rPr>
-              <a:pPr/>
-              <a:t>17</a:t>
-            </a:fld>
-            <a:endParaRPr kumimoji="1" lang="zh-CN" altLang="en-US">
-              <a:solidFill>
-                <a:prstClr val="black">
-                  <a:lumMod val="65000"/>
-                  <a:lumOff val="35000"/>
-                </a:prstClr>
-              </a:solidFill>
-              <a:ea typeface="宋体"/>
-            </a:endParaRPr>
-          </a:p>
-        </p:txBody>
-      </p:sp>
-    </p:spTree>
-  </p:cSld>
-  <p:clrMapOvr>
-    <a:masterClrMapping/>
-  </p:clrMapOvr>
-  <p:timing>
-    <p:tnLst>
-      <p:par>
-        <p:cTn id="1" dur="indefinite" restart="never" nodeType="tmRoot"/>
-      </p:par>
-    </p:tnLst>
-  </p:timing>
-</p:sld>
-</file>
-
 <file path=ppt/slides/slide18.xml><?xml version="1.0" encoding="utf-8"?>
 <p:sld xmlns:a="http://schemas.openxmlformats.org/drawingml/2006/main" xmlns:r="http://schemas.openxmlformats.org/officeDocument/2006/relationships" xmlns:p="http://schemas.openxmlformats.org/presentationml/2006/main">
   <p:cSld>
@@ -16640,8 +19667,8 @@
           <a:lstStyle/>
           <a:p>
             <a:r>
-              <a:rPr lang="en-US" altLang="zh-CN" dirty="0" smtClean="0"/>
-              <a:t>Conclusion</a:t>
+              <a:rPr lang="en-US" altLang="zh-CN" cap="small" dirty="0"/>
+              <a:t>Effigy</a:t>
             </a:r>
             <a:endParaRPr lang="zh-CN" altLang="en-US" dirty="0"/>
           </a:p>
@@ -16657,75 +19684,152 @@
             <p:ph idx="1"/>
           </p:nvPr>
         </p:nvSpPr>
-        <p:spPr/>
+        <p:spPr>
+          <a:xfrm>
+            <a:off x="457200" y="1719263"/>
+            <a:ext cx="3970784" cy="4716000"/>
+          </a:xfrm>
+        </p:spPr>
         <p:txBody>
           <a:bodyPr/>
           <a:lstStyle/>
           <a:p>
-            <a:pPr>
-              <a:spcAft>
-                <a:spcPts val="600"/>
-              </a:spcAft>
-            </a:pPr>
-            <a:r>
-              <a:rPr lang="en-US" altLang="zh-CN" dirty="0" smtClean="0"/>
-              <a:t>Symbolic </a:t>
-            </a:r>
-            <a:r>
-              <a:rPr lang="en-US" altLang="zh-CN" dirty="0" smtClean="0"/>
-              <a:t>execution </a:t>
-            </a:r>
-            <a:r>
-              <a:rPr lang="en-US" altLang="zh-CN" dirty="0" smtClean="0"/>
-              <a:t>allows the creation of high-coverage test, which</a:t>
-            </a:r>
-            <a:r>
-              <a:rPr lang="en-US" altLang="zh-CN" dirty="0" smtClean="0"/>
-              <a:t> </a:t>
-            </a:r>
-            <a:r>
-              <a:rPr lang="en-US" altLang="zh-CN" dirty="0" smtClean="0"/>
-              <a:t>can help program testing and debugging. </a:t>
-            </a:r>
-          </a:p>
-          <a:p>
-            <a:pPr>
-              <a:spcAft>
-                <a:spcPts val="600"/>
-              </a:spcAft>
-            </a:pPr>
-            <a:r>
-              <a:rPr lang="en-US" altLang="zh-CN" dirty="0" smtClean="0"/>
-              <a:t>The author built an interactive debugging system called </a:t>
-            </a:r>
-            <a:r>
-              <a:rPr lang="en-US" altLang="zh-CN" cap="small" dirty="0" smtClean="0"/>
-              <a:t>Effigy</a:t>
-            </a:r>
-            <a:r>
-              <a:rPr lang="en-US" altLang="zh-CN" dirty="0" smtClean="0"/>
-              <a:t>, which embodies symbolic execution.</a:t>
-            </a:r>
-          </a:p>
-          <a:p>
-            <a:pPr>
-              <a:spcAft>
-                <a:spcPts val="600"/>
-              </a:spcAft>
-            </a:pPr>
-            <a:r>
-              <a:rPr lang="en-US" altLang="zh-CN" dirty="0"/>
-              <a:t>Symbolic </a:t>
-            </a:r>
-            <a:r>
-              <a:rPr lang="en-US" altLang="zh-CN" dirty="0" smtClean="0"/>
-              <a:t>execution is also useful in other forms of program </a:t>
-            </a:r>
-            <a:r>
-              <a:rPr lang="en-US" altLang="zh-CN" dirty="0" smtClean="0"/>
-              <a:t>analysis, including program optimization.</a:t>
-            </a:r>
-            <a:endParaRPr lang="zh-CN" altLang="en-US" dirty="0"/>
+            <a:r>
+              <a:rPr lang="en-US" altLang="zh-CN" sz="2000" dirty="0"/>
+              <a:t>The program </a:t>
+            </a:r>
+            <a:r>
+              <a:rPr lang="en-US" altLang="zh-CN" sz="2000" b="1" dirty="0">
+                <a:latin typeface="Times New Roman" panose="02020603050405020304" pitchFamily="18" charset="0"/>
+                <a:cs typeface="Times New Roman" panose="02020603050405020304" pitchFamily="18" charset="0"/>
+              </a:rPr>
+              <a:t>SEARCH</a:t>
+            </a:r>
+            <a:r>
+              <a:rPr lang="en-US" altLang="zh-CN" sz="2000" dirty="0"/>
+              <a:t> was written to perform a binary search for an argument </a:t>
+            </a:r>
+            <a:r>
+              <a:rPr lang="en-US" altLang="zh-CN" sz="2000" b="1" dirty="0">
+                <a:latin typeface="Times New Roman" panose="02020603050405020304" pitchFamily="18" charset="0"/>
+                <a:cs typeface="Times New Roman" panose="02020603050405020304" pitchFamily="18" charset="0"/>
+              </a:rPr>
+              <a:t>X</a:t>
+            </a:r>
+            <a:r>
+              <a:rPr lang="en-US" altLang="zh-CN" sz="2000" dirty="0"/>
+              <a:t> in an array </a:t>
+            </a:r>
+            <a:r>
+              <a:rPr lang="en-US" altLang="zh-CN" sz="2000" b="1" dirty="0">
+                <a:latin typeface="Times New Roman" panose="02020603050405020304" pitchFamily="18" charset="0"/>
+                <a:cs typeface="Times New Roman" panose="02020603050405020304" pitchFamily="18" charset="0"/>
+              </a:rPr>
+              <a:t>A</a:t>
+            </a:r>
+            <a:r>
+              <a:rPr lang="en-US" altLang="zh-CN" sz="2000" dirty="0"/>
+              <a:t> of elements stored in ascending order.</a:t>
+            </a:r>
+          </a:p>
+          <a:p>
+            <a:r>
+              <a:rPr lang="en-US" altLang="zh-CN" sz="2000" dirty="0"/>
+              <a:t>If a match is found, the </a:t>
+            </a:r>
+            <a:r>
+              <a:rPr lang="en-US" altLang="zh-CN" sz="2000" dirty="0" smtClean="0"/>
+              <a:t>index of </a:t>
+            </a:r>
+            <a:r>
+              <a:rPr lang="en-US" altLang="zh-CN" sz="2000" b="1" dirty="0">
+                <a:latin typeface="Times New Roman" panose="02020603050405020304" pitchFamily="18" charset="0"/>
+                <a:cs typeface="Times New Roman" panose="02020603050405020304" pitchFamily="18" charset="0"/>
+              </a:rPr>
+              <a:t>X</a:t>
+            </a:r>
+            <a:r>
+              <a:rPr lang="en-US" altLang="zh-CN" sz="2000" dirty="0"/>
+              <a:t> is returned in </a:t>
+            </a:r>
+            <a:r>
+              <a:rPr lang="en-US" altLang="zh-CN" sz="2000" b="1" dirty="0">
+                <a:latin typeface="Times New Roman" panose="02020603050405020304" pitchFamily="18" charset="0"/>
+                <a:cs typeface="Times New Roman" panose="02020603050405020304" pitchFamily="18" charset="0"/>
+              </a:rPr>
+              <a:t>J</a:t>
+            </a:r>
+            <a:r>
+              <a:rPr lang="en-US" altLang="zh-CN" sz="2000" dirty="0"/>
+              <a:t> and </a:t>
+            </a:r>
+            <a:r>
+              <a:rPr lang="en-US" altLang="zh-CN" sz="2000" b="1" dirty="0">
+                <a:latin typeface="Times New Roman" panose="02020603050405020304" pitchFamily="18" charset="0"/>
+                <a:cs typeface="Times New Roman" panose="02020603050405020304" pitchFamily="18" charset="0"/>
+              </a:rPr>
+              <a:t>FOUND</a:t>
+            </a:r>
+            <a:r>
+              <a:rPr lang="en-US" altLang="zh-CN" sz="2000" dirty="0"/>
+              <a:t> is set to 1. Otherwise, </a:t>
+            </a:r>
+            <a:r>
+              <a:rPr lang="en-US" altLang="zh-CN" sz="2000" b="1" dirty="0">
+                <a:latin typeface="Times New Roman" panose="02020603050405020304" pitchFamily="18" charset="0"/>
+                <a:cs typeface="Times New Roman" panose="02020603050405020304" pitchFamily="18" charset="0"/>
+              </a:rPr>
+              <a:t>FOUND</a:t>
+            </a:r>
+            <a:r>
+              <a:rPr lang="en-US" altLang="zh-CN" sz="2000" dirty="0"/>
+              <a:t> is set to 0 and </a:t>
+            </a:r>
+            <a:r>
+              <a:rPr lang="en-US" altLang="zh-CN" sz="2000" b="1" dirty="0">
+                <a:latin typeface="Times New Roman" panose="02020603050405020304" pitchFamily="18" charset="0"/>
+                <a:cs typeface="Times New Roman" panose="02020603050405020304" pitchFamily="18" charset="0"/>
+              </a:rPr>
+              <a:t>J</a:t>
+            </a:r>
+            <a:r>
+              <a:rPr lang="en-US" altLang="zh-CN" sz="2000" dirty="0"/>
+              <a:t> is set to the value such that </a:t>
+            </a:r>
+            <a:r>
+              <a:rPr lang="en-US" altLang="zh-CN" sz="2000" b="1" dirty="0">
+                <a:latin typeface="Times New Roman" panose="02020603050405020304" pitchFamily="18" charset="0"/>
+                <a:cs typeface="Times New Roman" panose="02020603050405020304" pitchFamily="18" charset="0"/>
+              </a:rPr>
+              <a:t>A(J)</a:t>
+            </a:r>
+            <a:r>
+              <a:rPr lang="en-US" altLang="zh-CN" sz="2000" dirty="0"/>
+              <a:t> &lt; </a:t>
+            </a:r>
+            <a:r>
+              <a:rPr lang="en-US" altLang="zh-CN" sz="2000" b="1" dirty="0">
+                <a:latin typeface="Times New Roman" panose="02020603050405020304" pitchFamily="18" charset="0"/>
+                <a:cs typeface="Times New Roman" panose="02020603050405020304" pitchFamily="18" charset="0"/>
+              </a:rPr>
+              <a:t>X</a:t>
+            </a:r>
+            <a:r>
+              <a:rPr lang="en-US" altLang="zh-CN" sz="2000" dirty="0"/>
+              <a:t> &lt; </a:t>
+            </a:r>
+            <a:r>
+              <a:rPr lang="en-US" altLang="zh-CN" sz="2000" b="1" dirty="0">
+                <a:latin typeface="Times New Roman" panose="02020603050405020304" pitchFamily="18" charset="0"/>
+                <a:cs typeface="Times New Roman" panose="02020603050405020304" pitchFamily="18" charset="0"/>
+              </a:rPr>
+              <a:t>A(J+1)</a:t>
+            </a:r>
+            <a:r>
+              <a:rPr lang="en-US" altLang="zh-CN" sz="2000" dirty="0"/>
+              <a:t>.</a:t>
+            </a:r>
+            <a:endParaRPr lang="zh-CN" altLang="en-US" sz="2000" dirty="0"/>
           </a:p>
         </p:txBody>
       </p:sp>
@@ -16755,7 +19859,7 @@
                 <a:ea typeface="宋体"/>
               </a:rPr>
               <a:pPr/>
-              <a:t>2020/11/30</a:t>
+              <a:t>2020/12/1</a:t>
             </a:fld>
             <a:endParaRPr kumimoji="1" lang="zh-CN" altLang="en-US">
               <a:solidFill>
@@ -16829,10 +19933,2232 @@
           </a:p>
         </p:txBody>
       </p:sp>
+      <p:graphicFrame>
+        <p:nvGraphicFramePr>
+          <p:cNvPr id="7" name="表格 6"/>
+          <p:cNvGraphicFramePr>
+            <a:graphicFrameLocks noGrp="1"/>
+          </p:cNvGraphicFramePr>
+          <p:nvPr>
+            <p:extLst>
+              <p:ext uri="{D42A27DB-BD31-4B8C-83A1-F6EECF244321}">
+                <p14:modId xmlns:p14="http://schemas.microsoft.com/office/powerpoint/2010/main" val="3670785006"/>
+              </p:ext>
+            </p:extLst>
+          </p:nvPr>
+        </p:nvGraphicFramePr>
+        <p:xfrm>
+          <a:off x="4476328" y="1774675"/>
+          <a:ext cx="4344144" cy="4318621"/>
+        </p:xfrm>
+        <a:graphic>
+          <a:graphicData uri="http://schemas.openxmlformats.org/drawingml/2006/table">
+            <a:tbl>
+              <a:tblPr firstRow="1">
+                <a:tableStyleId>{69C7853C-536D-4A76-A0AE-DD22124D55A5}</a:tableStyleId>
+              </a:tblPr>
+              <a:tblGrid>
+                <a:gridCol w="2736303">
+                  <a:extLst>
+                    <a:ext uri="{9D8B030D-6E8A-4147-A177-3AD203B41FA5}">
+                      <a16:colId xmlns:a16="http://schemas.microsoft.com/office/drawing/2014/main" val="2561182014"/>
+                    </a:ext>
+                  </a:extLst>
+                </a:gridCol>
+                <a:gridCol w="1005943">
+                  <a:extLst>
+                    <a:ext uri="{9D8B030D-6E8A-4147-A177-3AD203B41FA5}">
+                      <a16:colId xmlns:a16="http://schemas.microsoft.com/office/drawing/2014/main" val="3014690262"/>
+                    </a:ext>
+                  </a:extLst>
+                </a:gridCol>
+                <a:gridCol w="601898">
+                  <a:extLst>
+                    <a:ext uri="{9D8B030D-6E8A-4147-A177-3AD203B41FA5}">
+                      <a16:colId xmlns:a16="http://schemas.microsoft.com/office/drawing/2014/main" val="1664197213"/>
+                    </a:ext>
+                  </a:extLst>
+                </a:gridCol>
+              </a:tblGrid>
+              <a:tr h="359723">
+                <a:tc>
+                  <a:txBody>
+                    <a:bodyPr/>
+                    <a:lstStyle/>
+                    <a:p>
+                      <a:pPr algn="ctr"/>
+                      <a:r>
+                        <a:rPr lang="en-US" altLang="zh-CN" i="1" dirty="0" smtClean="0">
+                          <a:solidFill>
+                            <a:schemeClr val="tx1"/>
+                          </a:solidFill>
+                          <a:latin typeface="Times New Roman" panose="02020603050405020304" pitchFamily="18" charset="0"/>
+                          <a:cs typeface="Times New Roman" panose="02020603050405020304" pitchFamily="18" charset="0"/>
+                        </a:rPr>
+                        <a:t>pc</a:t>
+                      </a:r>
+                      <a:endParaRPr lang="zh-CN" altLang="en-US" i="1" dirty="0">
+                        <a:solidFill>
+                          <a:schemeClr val="tx1"/>
+                        </a:solidFill>
+                        <a:latin typeface="Times New Roman" panose="02020603050405020304" pitchFamily="18" charset="0"/>
+                        <a:cs typeface="Times New Roman" panose="02020603050405020304" pitchFamily="18" charset="0"/>
+                      </a:endParaRPr>
+                    </a:p>
+                  </a:txBody>
+                  <a:tcPr>
+                    <a:lnL w="9525" cap="flat" cmpd="sng" algn="ctr">
+                      <a:noFill/>
+                      <a:prstDash val="solid"/>
+                    </a:lnL>
+                    <a:lnR w="12700" cap="flat" cmpd="sng" algn="ctr">
+                      <a:solidFill>
+                        <a:schemeClr val="tx1"/>
+                      </a:solidFill>
+                      <a:prstDash val="solid"/>
+                      <a:round/>
+                      <a:headEnd type="none" w="med" len="med"/>
+                      <a:tailEnd type="none" w="med" len="med"/>
+                    </a:lnR>
+                    <a:lnT w="12700" cap="flat" cmpd="sng" algn="ctr">
+                      <a:solidFill>
+                        <a:schemeClr val="tx1"/>
+                      </a:solidFill>
+                      <a:prstDash val="solid"/>
+                      <a:round/>
+                      <a:headEnd type="none" w="med" len="med"/>
+                      <a:tailEnd type="none" w="med" len="med"/>
+                    </a:lnT>
+                    <a:lnB w="12700" cap="flat" cmpd="sng" algn="ctr">
+                      <a:solidFill>
+                        <a:schemeClr val="tx1"/>
+                      </a:solidFill>
+                      <a:prstDash val="solid"/>
+                      <a:round/>
+                      <a:headEnd type="none" w="med" len="med"/>
+                      <a:tailEnd type="none" w="med" len="med"/>
+                    </a:lnB>
+                    <a:lnTlToBr w="12700" cmpd="sng">
+                      <a:noFill/>
+                      <a:prstDash val="solid"/>
+                    </a:lnTlToBr>
+                    <a:lnBlToTr w="12700" cmpd="sng">
+                      <a:noFill/>
+                      <a:prstDash val="solid"/>
+                    </a:lnBlToTr>
+                  </a:tcPr>
+                </a:tc>
+                <a:tc>
+                  <a:txBody>
+                    <a:bodyPr/>
+                    <a:lstStyle/>
+                    <a:p>
+                      <a:pPr algn="ctr"/>
+                      <a:r>
+                        <a:rPr lang="en-US" altLang="zh-CN" sz="1600" dirty="0" smtClean="0">
+                          <a:solidFill>
+                            <a:schemeClr val="tx1"/>
+                          </a:solidFill>
+                          <a:latin typeface="Times New Roman" panose="02020603050405020304" pitchFamily="18" charset="0"/>
+                          <a:cs typeface="Times New Roman" panose="02020603050405020304" pitchFamily="18" charset="0"/>
+                        </a:rPr>
+                        <a:t>FOUND</a:t>
+                      </a:r>
+                      <a:endParaRPr lang="zh-CN" altLang="en-US" sz="1600" dirty="0">
+                        <a:solidFill>
+                          <a:schemeClr val="tx1"/>
+                        </a:solidFill>
+                        <a:latin typeface="Times New Roman" panose="02020603050405020304" pitchFamily="18" charset="0"/>
+                        <a:cs typeface="Times New Roman" panose="02020603050405020304" pitchFamily="18" charset="0"/>
+                      </a:endParaRPr>
+                    </a:p>
+                  </a:txBody>
+                  <a:tcPr>
+                    <a:lnL w="12700" cap="flat" cmpd="sng" algn="ctr">
+                      <a:solidFill>
+                        <a:schemeClr val="tx1"/>
+                      </a:solidFill>
+                      <a:prstDash val="solid"/>
+                      <a:round/>
+                      <a:headEnd type="none" w="med" len="med"/>
+                      <a:tailEnd type="none" w="med" len="med"/>
+                    </a:lnL>
+                    <a:lnR w="12700" cap="flat" cmpd="sng" algn="ctr">
+                      <a:solidFill>
+                        <a:schemeClr val="tx1"/>
+                      </a:solidFill>
+                      <a:prstDash val="solid"/>
+                      <a:round/>
+                      <a:headEnd type="none" w="med" len="med"/>
+                      <a:tailEnd type="none" w="med" len="med"/>
+                    </a:lnR>
+                    <a:lnT w="12700" cap="flat" cmpd="sng" algn="ctr">
+                      <a:solidFill>
+                        <a:schemeClr val="tx1"/>
+                      </a:solidFill>
+                      <a:prstDash val="solid"/>
+                      <a:round/>
+                      <a:headEnd type="none" w="med" len="med"/>
+                      <a:tailEnd type="none" w="med" len="med"/>
+                    </a:lnT>
+                    <a:lnB w="12700" cap="flat" cmpd="sng" algn="ctr">
+                      <a:solidFill>
+                        <a:schemeClr val="tx1"/>
+                      </a:solidFill>
+                      <a:prstDash val="solid"/>
+                      <a:round/>
+                      <a:headEnd type="none" w="med" len="med"/>
+                      <a:tailEnd type="none" w="med" len="med"/>
+                    </a:lnB>
+                  </a:tcPr>
+                </a:tc>
+                <a:tc>
+                  <a:txBody>
+                    <a:bodyPr/>
+                    <a:lstStyle/>
+                    <a:p>
+                      <a:pPr algn="ctr"/>
+                      <a:r>
+                        <a:rPr lang="en-US" altLang="zh-CN" sz="1600" dirty="0" smtClean="0">
+                          <a:solidFill>
+                            <a:schemeClr val="tx1"/>
+                          </a:solidFill>
+                          <a:latin typeface="Times New Roman" panose="02020603050405020304" pitchFamily="18" charset="0"/>
+                          <a:cs typeface="Times New Roman" panose="02020603050405020304" pitchFamily="18" charset="0"/>
+                        </a:rPr>
+                        <a:t>J</a:t>
+                      </a:r>
+                      <a:endParaRPr lang="zh-CN" altLang="en-US" sz="1600" dirty="0">
+                        <a:solidFill>
+                          <a:schemeClr val="tx1"/>
+                        </a:solidFill>
+                        <a:latin typeface="Times New Roman" panose="02020603050405020304" pitchFamily="18" charset="0"/>
+                        <a:cs typeface="Times New Roman" panose="02020603050405020304" pitchFamily="18" charset="0"/>
+                      </a:endParaRPr>
+                    </a:p>
+                  </a:txBody>
+                  <a:tcPr>
+                    <a:lnL w="12700" cap="flat" cmpd="sng" algn="ctr">
+                      <a:solidFill>
+                        <a:schemeClr val="tx1"/>
+                      </a:solidFill>
+                      <a:prstDash val="solid"/>
+                      <a:round/>
+                      <a:headEnd type="none" w="med" len="med"/>
+                      <a:tailEnd type="none" w="med" len="med"/>
+                    </a:lnL>
+                    <a:lnT w="12700" cap="flat" cmpd="sng" algn="ctr">
+                      <a:solidFill>
+                        <a:schemeClr val="tx1"/>
+                      </a:solidFill>
+                      <a:prstDash val="solid"/>
+                      <a:round/>
+                      <a:headEnd type="none" w="med" len="med"/>
+                      <a:tailEnd type="none" w="med" len="med"/>
+                    </a:lnT>
+                    <a:lnB w="12700" cap="flat" cmpd="sng" algn="ctr">
+                      <a:solidFill>
+                        <a:schemeClr val="tx1"/>
+                      </a:solidFill>
+                      <a:prstDash val="solid"/>
+                      <a:round/>
+                      <a:headEnd type="none" w="med" len="med"/>
+                      <a:tailEnd type="none" w="med" len="med"/>
+                    </a:lnB>
+                  </a:tcPr>
+                </a:tc>
+                <a:extLst>
+                  <a:ext uri="{0D108BD9-81ED-4DB2-BD59-A6C34878D82A}">
+                    <a16:rowId xmlns:a16="http://schemas.microsoft.com/office/drawing/2014/main" val="717514577"/>
+                  </a:ext>
+                </a:extLst>
+              </a:tr>
+              <a:tr h="359351">
+                <a:tc>
+                  <a:txBody>
+                    <a:bodyPr/>
+                    <a:lstStyle/>
+                    <a:p>
+                      <a:r>
+                        <a:rPr lang="en-US" altLang="zh-CN" sz="1400" b="1" dirty="0" smtClean="0">
+                          <a:latin typeface="Times New Roman" panose="02020603050405020304" pitchFamily="18" charset="0"/>
+                          <a:cs typeface="Times New Roman" panose="02020603050405020304" pitchFamily="18" charset="0"/>
+                        </a:rPr>
+                        <a:t>X</a:t>
+                      </a:r>
+                      <a:r>
+                        <a:rPr lang="en-US" altLang="zh-CN" sz="1400" dirty="0" smtClean="0">
+                          <a:latin typeface="Times New Roman" panose="02020603050405020304" pitchFamily="18" charset="0"/>
+                          <a:cs typeface="Times New Roman" panose="02020603050405020304" pitchFamily="18" charset="0"/>
+                        </a:rPr>
+                        <a:t> = </a:t>
+                      </a:r>
+                      <a:r>
+                        <a:rPr lang="en-US" altLang="zh-CN" sz="1400" b="1" dirty="0" smtClean="0">
+                          <a:latin typeface="Times New Roman" panose="02020603050405020304" pitchFamily="18" charset="0"/>
+                          <a:cs typeface="Times New Roman" panose="02020603050405020304" pitchFamily="18" charset="0"/>
+                        </a:rPr>
+                        <a:t>A</a:t>
+                      </a:r>
+                      <a:r>
+                        <a:rPr lang="en-US" altLang="zh-CN" sz="1400" dirty="0" smtClean="0">
+                          <a:latin typeface="Times New Roman" panose="02020603050405020304" pitchFamily="18" charset="0"/>
+                          <a:cs typeface="Times New Roman" panose="02020603050405020304" pitchFamily="18" charset="0"/>
+                        </a:rPr>
+                        <a:t>(1)</a:t>
+                      </a:r>
+                      <a:r>
+                        <a:rPr lang="en-US" altLang="zh-CN" sz="1400" baseline="0" dirty="0" smtClean="0">
+                          <a:latin typeface="Times New Roman" panose="02020603050405020304" pitchFamily="18" charset="0"/>
+                          <a:cs typeface="Times New Roman" panose="02020603050405020304" pitchFamily="18" charset="0"/>
+                        </a:rPr>
+                        <a:t> &amp; </a:t>
+                      </a:r>
+                      <a:r>
+                        <a:rPr lang="en-US" altLang="zh-CN" sz="1400" b="1" baseline="0" dirty="0" smtClean="0">
+                          <a:latin typeface="Times New Roman" panose="02020603050405020304" pitchFamily="18" charset="0"/>
+                          <a:cs typeface="Times New Roman" panose="02020603050405020304" pitchFamily="18" charset="0"/>
+                        </a:rPr>
+                        <a:t>X</a:t>
+                      </a:r>
+                      <a:r>
+                        <a:rPr lang="en-US" altLang="zh-CN" sz="1400" baseline="0" dirty="0" smtClean="0">
+                          <a:latin typeface="Times New Roman" panose="02020603050405020304" pitchFamily="18" charset="0"/>
+                          <a:cs typeface="Times New Roman" panose="02020603050405020304" pitchFamily="18" charset="0"/>
+                        </a:rPr>
+                        <a:t> &lt; </a:t>
+                      </a:r>
+                      <a:r>
+                        <a:rPr lang="en-US" altLang="zh-CN" sz="1400" b="1" baseline="0" dirty="0" smtClean="0">
+                          <a:latin typeface="Times New Roman" panose="02020603050405020304" pitchFamily="18" charset="0"/>
+                          <a:cs typeface="Times New Roman" panose="02020603050405020304" pitchFamily="18" charset="0"/>
+                        </a:rPr>
+                        <a:t>A</a:t>
+                      </a:r>
+                      <a:r>
+                        <a:rPr lang="en-US" altLang="zh-CN" sz="1400" baseline="0" dirty="0" smtClean="0">
+                          <a:latin typeface="Times New Roman" panose="02020603050405020304" pitchFamily="18" charset="0"/>
+                          <a:cs typeface="Times New Roman" panose="02020603050405020304" pitchFamily="18" charset="0"/>
+                        </a:rPr>
+                        <a:t>(3)</a:t>
+                      </a:r>
+                      <a:endParaRPr lang="zh-CN" altLang="en-US" sz="1400" dirty="0">
+                        <a:latin typeface="Times New Roman" panose="02020603050405020304" pitchFamily="18" charset="0"/>
+                        <a:cs typeface="Times New Roman" panose="02020603050405020304" pitchFamily="18" charset="0"/>
+                      </a:endParaRPr>
+                    </a:p>
+                  </a:txBody>
+                  <a:tcPr>
+                    <a:lnR w="12700" cap="flat" cmpd="sng" algn="ctr">
+                      <a:solidFill>
+                        <a:schemeClr val="tx1"/>
+                      </a:solidFill>
+                      <a:prstDash val="solid"/>
+                      <a:round/>
+                      <a:headEnd type="none" w="med" len="med"/>
+                      <a:tailEnd type="none" w="med" len="med"/>
+                    </a:lnR>
+                    <a:lnT w="12700" cap="flat" cmpd="sng" algn="ctr">
+                      <a:solidFill>
+                        <a:schemeClr val="tx1"/>
+                      </a:solidFill>
+                      <a:prstDash val="solid"/>
+                      <a:round/>
+                      <a:headEnd type="none" w="med" len="med"/>
+                      <a:tailEnd type="none" w="med" len="med"/>
+                    </a:lnT>
+                  </a:tcPr>
+                </a:tc>
+                <a:tc>
+                  <a:txBody>
+                    <a:bodyPr/>
+                    <a:lstStyle/>
+                    <a:p>
+                      <a:pPr algn="ctr"/>
+                      <a:r>
+                        <a:rPr lang="en-US" altLang="zh-CN" sz="1600" dirty="0" smtClean="0"/>
+                        <a:t>1</a:t>
+                      </a:r>
+                      <a:endParaRPr lang="zh-CN" altLang="en-US" sz="1600" dirty="0"/>
+                    </a:p>
+                  </a:txBody>
+                  <a:tcPr>
+                    <a:lnL w="12700" cap="flat" cmpd="sng" algn="ctr">
+                      <a:solidFill>
+                        <a:schemeClr val="tx1"/>
+                      </a:solidFill>
+                      <a:prstDash val="solid"/>
+                      <a:round/>
+                      <a:headEnd type="none" w="med" len="med"/>
+                      <a:tailEnd type="none" w="med" len="med"/>
+                    </a:lnL>
+                    <a:lnR w="12700" cap="flat" cmpd="sng" algn="ctr">
+                      <a:solidFill>
+                        <a:schemeClr val="tx1"/>
+                      </a:solidFill>
+                      <a:prstDash val="solid"/>
+                      <a:round/>
+                      <a:headEnd type="none" w="med" len="med"/>
+                      <a:tailEnd type="none" w="med" len="med"/>
+                    </a:lnR>
+                    <a:lnT w="12700" cap="flat" cmpd="sng" algn="ctr">
+                      <a:solidFill>
+                        <a:schemeClr val="tx1"/>
+                      </a:solidFill>
+                      <a:prstDash val="solid"/>
+                      <a:round/>
+                      <a:headEnd type="none" w="med" len="med"/>
+                      <a:tailEnd type="none" w="med" len="med"/>
+                    </a:lnT>
+                  </a:tcPr>
+                </a:tc>
+                <a:tc>
+                  <a:txBody>
+                    <a:bodyPr/>
+                    <a:lstStyle/>
+                    <a:p>
+                      <a:pPr algn="ctr"/>
+                      <a:r>
+                        <a:rPr lang="en-US" altLang="zh-CN" sz="1600" dirty="0" smtClean="0"/>
+                        <a:t>1</a:t>
+                      </a:r>
+                      <a:endParaRPr lang="zh-CN" altLang="en-US" sz="1600" dirty="0"/>
+                    </a:p>
+                  </a:txBody>
+                  <a:tcPr>
+                    <a:lnL w="12700" cap="flat" cmpd="sng" algn="ctr">
+                      <a:solidFill>
+                        <a:schemeClr val="tx1"/>
+                      </a:solidFill>
+                      <a:prstDash val="solid"/>
+                      <a:round/>
+                      <a:headEnd type="none" w="med" len="med"/>
+                      <a:tailEnd type="none" w="med" len="med"/>
+                    </a:lnL>
+                    <a:lnT w="12700" cap="flat" cmpd="sng" algn="ctr">
+                      <a:solidFill>
+                        <a:schemeClr val="tx1"/>
+                      </a:solidFill>
+                      <a:prstDash val="solid"/>
+                      <a:round/>
+                      <a:headEnd type="none" w="med" len="med"/>
+                      <a:tailEnd type="none" w="med" len="med"/>
+                    </a:lnT>
+                  </a:tcPr>
+                </a:tc>
+                <a:extLst>
+                  <a:ext uri="{0D108BD9-81ED-4DB2-BD59-A6C34878D82A}">
+                    <a16:rowId xmlns:a16="http://schemas.microsoft.com/office/drawing/2014/main" val="2885001912"/>
+                  </a:ext>
+                </a:extLst>
+              </a:tr>
+              <a:tr h="359351">
+                <a:tc>
+                  <a:txBody>
+                    <a:bodyPr/>
+                    <a:lstStyle/>
+                    <a:p>
+                      <a:pPr marL="0" marR="0" indent="0" algn="l" defTabSz="914400" rtl="0" eaLnBrk="1" fontAlgn="auto" latinLnBrk="0" hangingPunct="1">
+                        <a:lnSpc>
+                          <a:spcPct val="100000"/>
+                        </a:lnSpc>
+                        <a:spcBef>
+                          <a:spcPts val="0"/>
+                        </a:spcBef>
+                        <a:spcAft>
+                          <a:spcPts val="0"/>
+                        </a:spcAft>
+                        <a:buClrTx/>
+                        <a:buSzTx/>
+                        <a:buFontTx/>
+                        <a:buNone/>
+                        <a:tabLst/>
+                        <a:defRPr/>
+                      </a:pPr>
+                      <a:r>
+                        <a:rPr lang="en-US" altLang="zh-CN" sz="1400" b="1" dirty="0" smtClean="0">
+                          <a:latin typeface="Times New Roman" panose="02020603050405020304" pitchFamily="18" charset="0"/>
+                          <a:cs typeface="Times New Roman" panose="02020603050405020304" pitchFamily="18" charset="0"/>
+                        </a:rPr>
+                        <a:t>X</a:t>
+                      </a:r>
+                      <a:r>
+                        <a:rPr lang="en-US" altLang="zh-CN" sz="1400" dirty="0" smtClean="0">
+                          <a:latin typeface="Times New Roman" panose="02020603050405020304" pitchFamily="18" charset="0"/>
+                          <a:cs typeface="Times New Roman" panose="02020603050405020304" pitchFamily="18" charset="0"/>
+                        </a:rPr>
+                        <a:t> = </a:t>
+                      </a:r>
+                      <a:r>
+                        <a:rPr lang="en-US" altLang="zh-CN" sz="1400" b="1" dirty="0" smtClean="0">
+                          <a:latin typeface="Times New Roman" panose="02020603050405020304" pitchFamily="18" charset="0"/>
+                          <a:cs typeface="Times New Roman" panose="02020603050405020304" pitchFamily="18" charset="0"/>
+                        </a:rPr>
+                        <a:t>A</a:t>
+                      </a:r>
+                      <a:r>
+                        <a:rPr lang="en-US" altLang="zh-CN" sz="1400" dirty="0" smtClean="0">
+                          <a:latin typeface="Times New Roman" panose="02020603050405020304" pitchFamily="18" charset="0"/>
+                          <a:cs typeface="Times New Roman" panose="02020603050405020304" pitchFamily="18" charset="0"/>
+                        </a:rPr>
+                        <a:t>(2)</a:t>
+                      </a:r>
+                      <a:r>
+                        <a:rPr lang="en-US" altLang="zh-CN" sz="1400" baseline="0" dirty="0" smtClean="0">
+                          <a:latin typeface="Times New Roman" panose="02020603050405020304" pitchFamily="18" charset="0"/>
+                          <a:cs typeface="Times New Roman" panose="02020603050405020304" pitchFamily="18" charset="0"/>
+                        </a:rPr>
+                        <a:t> &amp; </a:t>
+                      </a:r>
+                      <a:r>
+                        <a:rPr lang="en-US" altLang="zh-CN" sz="1400" b="1" dirty="0" smtClean="0">
+                          <a:latin typeface="Times New Roman" panose="02020603050405020304" pitchFamily="18" charset="0"/>
+                          <a:cs typeface="Times New Roman" panose="02020603050405020304" pitchFamily="18" charset="0"/>
+                        </a:rPr>
+                        <a:t>X</a:t>
+                      </a:r>
+                      <a:r>
+                        <a:rPr lang="en-US" altLang="zh-CN" sz="1400" dirty="0" smtClean="0">
+                          <a:latin typeface="Times New Roman" panose="02020603050405020304" pitchFamily="18" charset="0"/>
+                          <a:cs typeface="Times New Roman" panose="02020603050405020304" pitchFamily="18" charset="0"/>
+                        </a:rPr>
+                        <a:t> &gt; </a:t>
+                      </a:r>
+                      <a:r>
+                        <a:rPr lang="en-US" altLang="zh-CN" sz="1400" b="1" dirty="0" smtClean="0">
+                          <a:latin typeface="Times New Roman" panose="02020603050405020304" pitchFamily="18" charset="0"/>
+                          <a:cs typeface="Times New Roman" panose="02020603050405020304" pitchFamily="18" charset="0"/>
+                        </a:rPr>
+                        <a:t>A</a:t>
+                      </a:r>
+                      <a:r>
+                        <a:rPr lang="en-US" altLang="zh-CN" sz="1400" dirty="0" smtClean="0">
+                          <a:latin typeface="Times New Roman" panose="02020603050405020304" pitchFamily="18" charset="0"/>
+                          <a:cs typeface="Times New Roman" panose="02020603050405020304" pitchFamily="18" charset="0"/>
+                        </a:rPr>
+                        <a:t>(1)</a:t>
+                      </a:r>
+                      <a:r>
+                        <a:rPr lang="en-US" altLang="zh-CN" sz="1400" baseline="0" dirty="0" smtClean="0">
+                          <a:latin typeface="Times New Roman" panose="02020603050405020304" pitchFamily="18" charset="0"/>
+                          <a:cs typeface="Times New Roman" panose="02020603050405020304" pitchFamily="18" charset="0"/>
+                        </a:rPr>
+                        <a:t> &amp; </a:t>
+                      </a:r>
+                      <a:r>
+                        <a:rPr lang="en-US" altLang="zh-CN" sz="1400" b="1" baseline="0" dirty="0" smtClean="0">
+                          <a:latin typeface="Times New Roman" panose="02020603050405020304" pitchFamily="18" charset="0"/>
+                          <a:cs typeface="Times New Roman" panose="02020603050405020304" pitchFamily="18" charset="0"/>
+                        </a:rPr>
+                        <a:t>X</a:t>
+                      </a:r>
+                      <a:r>
+                        <a:rPr lang="en-US" altLang="zh-CN" sz="1400" baseline="0" dirty="0" smtClean="0">
+                          <a:latin typeface="Times New Roman" panose="02020603050405020304" pitchFamily="18" charset="0"/>
+                          <a:cs typeface="Times New Roman" panose="02020603050405020304" pitchFamily="18" charset="0"/>
+                        </a:rPr>
+                        <a:t> &lt; </a:t>
+                      </a:r>
+                      <a:r>
+                        <a:rPr lang="en-US" altLang="zh-CN" sz="1400" b="1" baseline="0" dirty="0" smtClean="0">
+                          <a:latin typeface="Times New Roman" panose="02020603050405020304" pitchFamily="18" charset="0"/>
+                          <a:cs typeface="Times New Roman" panose="02020603050405020304" pitchFamily="18" charset="0"/>
+                        </a:rPr>
+                        <a:t>A</a:t>
+                      </a:r>
+                      <a:r>
+                        <a:rPr lang="en-US" altLang="zh-CN" sz="1400" baseline="0" dirty="0" smtClean="0">
+                          <a:latin typeface="Times New Roman" panose="02020603050405020304" pitchFamily="18" charset="0"/>
+                          <a:cs typeface="Times New Roman" panose="02020603050405020304" pitchFamily="18" charset="0"/>
+                        </a:rPr>
+                        <a:t>(3)</a:t>
+                      </a:r>
+                      <a:endParaRPr lang="zh-CN" altLang="en-US" sz="1400" dirty="0" smtClean="0">
+                        <a:latin typeface="Times New Roman" panose="02020603050405020304" pitchFamily="18" charset="0"/>
+                        <a:cs typeface="Times New Roman" panose="02020603050405020304" pitchFamily="18" charset="0"/>
+                      </a:endParaRPr>
+                    </a:p>
+                  </a:txBody>
+                  <a:tcPr>
+                    <a:lnR w="12700" cap="flat" cmpd="sng" algn="ctr">
+                      <a:solidFill>
+                        <a:schemeClr val="tx1"/>
+                      </a:solidFill>
+                      <a:prstDash val="solid"/>
+                      <a:round/>
+                      <a:headEnd type="none" w="med" len="med"/>
+                      <a:tailEnd type="none" w="med" len="med"/>
+                    </a:lnR>
+                  </a:tcPr>
+                </a:tc>
+                <a:tc>
+                  <a:txBody>
+                    <a:bodyPr/>
+                    <a:lstStyle/>
+                    <a:p>
+                      <a:pPr algn="ctr"/>
+                      <a:r>
+                        <a:rPr lang="en-US" altLang="zh-CN" sz="1600" dirty="0" smtClean="0"/>
+                        <a:t>1</a:t>
+                      </a:r>
+                      <a:endParaRPr lang="zh-CN" altLang="en-US" sz="1600" dirty="0"/>
+                    </a:p>
+                  </a:txBody>
+                  <a:tcPr>
+                    <a:lnL w="12700" cap="flat" cmpd="sng" algn="ctr">
+                      <a:solidFill>
+                        <a:schemeClr val="tx1"/>
+                      </a:solidFill>
+                      <a:prstDash val="solid"/>
+                      <a:round/>
+                      <a:headEnd type="none" w="med" len="med"/>
+                      <a:tailEnd type="none" w="med" len="med"/>
+                    </a:lnL>
+                    <a:lnR w="12700" cap="flat" cmpd="sng" algn="ctr">
+                      <a:solidFill>
+                        <a:schemeClr val="tx1"/>
+                      </a:solidFill>
+                      <a:prstDash val="solid"/>
+                      <a:round/>
+                      <a:headEnd type="none" w="med" len="med"/>
+                      <a:tailEnd type="none" w="med" len="med"/>
+                    </a:lnR>
+                  </a:tcPr>
+                </a:tc>
+                <a:tc>
+                  <a:txBody>
+                    <a:bodyPr/>
+                    <a:lstStyle/>
+                    <a:p>
+                      <a:pPr algn="ctr"/>
+                      <a:r>
+                        <a:rPr lang="en-US" altLang="zh-CN" sz="1600" dirty="0" smtClean="0"/>
+                        <a:t>2</a:t>
+                      </a:r>
+                      <a:endParaRPr lang="zh-CN" altLang="en-US" sz="1600" dirty="0"/>
+                    </a:p>
+                  </a:txBody>
+                  <a:tcPr>
+                    <a:lnL w="12700" cap="flat" cmpd="sng" algn="ctr">
+                      <a:solidFill>
+                        <a:schemeClr val="tx1"/>
+                      </a:solidFill>
+                      <a:prstDash val="solid"/>
+                      <a:round/>
+                      <a:headEnd type="none" w="med" len="med"/>
+                      <a:tailEnd type="none" w="med" len="med"/>
+                    </a:lnL>
+                  </a:tcPr>
+                </a:tc>
+                <a:extLst>
+                  <a:ext uri="{0D108BD9-81ED-4DB2-BD59-A6C34878D82A}">
+                    <a16:rowId xmlns:a16="http://schemas.microsoft.com/office/drawing/2014/main" val="1188602942"/>
+                  </a:ext>
+                </a:extLst>
+              </a:tr>
+              <a:tr h="359351">
+                <a:tc>
+                  <a:txBody>
+                    <a:bodyPr/>
+                    <a:lstStyle/>
+                    <a:p>
+                      <a:r>
+                        <a:rPr lang="en-US" altLang="zh-CN" sz="1400" b="1" dirty="0" smtClean="0">
+                          <a:latin typeface="Times New Roman" panose="02020603050405020304" pitchFamily="18" charset="0"/>
+                          <a:cs typeface="Times New Roman" panose="02020603050405020304" pitchFamily="18" charset="0"/>
+                        </a:rPr>
+                        <a:t>X</a:t>
+                      </a:r>
+                      <a:r>
+                        <a:rPr lang="en-US" altLang="zh-CN" sz="1400" dirty="0" smtClean="0">
+                          <a:latin typeface="Times New Roman" panose="02020603050405020304" pitchFamily="18" charset="0"/>
+                          <a:cs typeface="Times New Roman" panose="02020603050405020304" pitchFamily="18" charset="0"/>
+                        </a:rPr>
+                        <a:t> = </a:t>
+                      </a:r>
+                      <a:r>
+                        <a:rPr lang="en-US" altLang="zh-CN" sz="1400" b="1" dirty="0" smtClean="0">
+                          <a:latin typeface="Times New Roman" panose="02020603050405020304" pitchFamily="18" charset="0"/>
+                          <a:cs typeface="Times New Roman" panose="02020603050405020304" pitchFamily="18" charset="0"/>
+                        </a:rPr>
+                        <a:t>A</a:t>
+                      </a:r>
+                      <a:r>
+                        <a:rPr lang="en-US" altLang="zh-CN" sz="1400" dirty="0" smtClean="0">
+                          <a:latin typeface="Times New Roman" panose="02020603050405020304" pitchFamily="18" charset="0"/>
+                          <a:cs typeface="Times New Roman" panose="02020603050405020304" pitchFamily="18" charset="0"/>
+                        </a:rPr>
+                        <a:t>(3)</a:t>
+                      </a:r>
+                      <a:r>
+                        <a:rPr lang="en-US" altLang="zh-CN" sz="1400" baseline="0" dirty="0" smtClean="0">
+                          <a:latin typeface="Times New Roman" panose="02020603050405020304" pitchFamily="18" charset="0"/>
+                          <a:cs typeface="Times New Roman" panose="02020603050405020304" pitchFamily="18" charset="0"/>
+                        </a:rPr>
+                        <a:t> </a:t>
+                      </a:r>
+                      <a:endParaRPr lang="zh-CN" altLang="en-US" sz="1400" dirty="0">
+                        <a:latin typeface="Times New Roman" panose="02020603050405020304" pitchFamily="18" charset="0"/>
+                        <a:cs typeface="Times New Roman" panose="02020603050405020304" pitchFamily="18" charset="0"/>
+                      </a:endParaRPr>
+                    </a:p>
+                  </a:txBody>
+                  <a:tcPr>
+                    <a:lnR w="12700" cap="flat" cmpd="sng" algn="ctr">
+                      <a:solidFill>
+                        <a:schemeClr val="tx1"/>
+                      </a:solidFill>
+                      <a:prstDash val="solid"/>
+                      <a:round/>
+                      <a:headEnd type="none" w="med" len="med"/>
+                      <a:tailEnd type="none" w="med" len="med"/>
+                    </a:lnR>
+                  </a:tcPr>
+                </a:tc>
+                <a:tc>
+                  <a:txBody>
+                    <a:bodyPr/>
+                    <a:lstStyle/>
+                    <a:p>
+                      <a:pPr algn="ctr"/>
+                      <a:r>
+                        <a:rPr lang="en-US" altLang="zh-CN" sz="1600" dirty="0" smtClean="0"/>
+                        <a:t>1</a:t>
+                      </a:r>
+                      <a:endParaRPr lang="zh-CN" altLang="en-US" sz="1600" dirty="0"/>
+                    </a:p>
+                  </a:txBody>
+                  <a:tcPr>
+                    <a:lnL w="12700" cap="flat" cmpd="sng" algn="ctr">
+                      <a:solidFill>
+                        <a:schemeClr val="tx1"/>
+                      </a:solidFill>
+                      <a:prstDash val="solid"/>
+                      <a:round/>
+                      <a:headEnd type="none" w="med" len="med"/>
+                      <a:tailEnd type="none" w="med" len="med"/>
+                    </a:lnL>
+                    <a:lnR w="12700" cap="flat" cmpd="sng" algn="ctr">
+                      <a:solidFill>
+                        <a:schemeClr val="tx1"/>
+                      </a:solidFill>
+                      <a:prstDash val="solid"/>
+                      <a:round/>
+                      <a:headEnd type="none" w="med" len="med"/>
+                      <a:tailEnd type="none" w="med" len="med"/>
+                    </a:lnR>
+                  </a:tcPr>
+                </a:tc>
+                <a:tc>
+                  <a:txBody>
+                    <a:bodyPr/>
+                    <a:lstStyle/>
+                    <a:p>
+                      <a:pPr algn="ctr"/>
+                      <a:r>
+                        <a:rPr lang="en-US" altLang="zh-CN" sz="1600" dirty="0" smtClean="0"/>
+                        <a:t>3</a:t>
+                      </a:r>
+                      <a:endParaRPr lang="zh-CN" altLang="en-US" sz="1600" dirty="0"/>
+                    </a:p>
+                  </a:txBody>
+                  <a:tcPr>
+                    <a:lnL w="12700" cap="flat" cmpd="sng" algn="ctr">
+                      <a:solidFill>
+                        <a:schemeClr val="tx1"/>
+                      </a:solidFill>
+                      <a:prstDash val="solid"/>
+                      <a:round/>
+                      <a:headEnd type="none" w="med" len="med"/>
+                      <a:tailEnd type="none" w="med" len="med"/>
+                    </a:lnL>
+                  </a:tcPr>
+                </a:tc>
+                <a:extLst>
+                  <a:ext uri="{0D108BD9-81ED-4DB2-BD59-A6C34878D82A}">
+                    <a16:rowId xmlns:a16="http://schemas.microsoft.com/office/drawing/2014/main" val="2419658019"/>
+                  </a:ext>
+                </a:extLst>
+              </a:tr>
+              <a:tr h="359351">
+                <a:tc>
+                  <a:txBody>
+                    <a:bodyPr/>
+                    <a:lstStyle/>
+                    <a:p>
+                      <a:pPr marL="0" marR="0" indent="0" algn="l" defTabSz="914400" rtl="0" eaLnBrk="1" fontAlgn="auto" latinLnBrk="0" hangingPunct="1">
+                        <a:lnSpc>
+                          <a:spcPct val="100000"/>
+                        </a:lnSpc>
+                        <a:spcBef>
+                          <a:spcPts val="0"/>
+                        </a:spcBef>
+                        <a:spcAft>
+                          <a:spcPts val="0"/>
+                        </a:spcAft>
+                        <a:buClrTx/>
+                        <a:buSzTx/>
+                        <a:buFontTx/>
+                        <a:buNone/>
+                        <a:tabLst/>
+                        <a:defRPr/>
+                      </a:pPr>
+                      <a:r>
+                        <a:rPr lang="en-US" altLang="zh-CN" sz="1400" b="1" dirty="0" smtClean="0">
+                          <a:latin typeface="Times New Roman" panose="02020603050405020304" pitchFamily="18" charset="0"/>
+                          <a:cs typeface="Times New Roman" panose="02020603050405020304" pitchFamily="18" charset="0"/>
+                        </a:rPr>
+                        <a:t>X</a:t>
+                      </a:r>
+                      <a:r>
+                        <a:rPr lang="en-US" altLang="zh-CN" sz="1400" dirty="0" smtClean="0">
+                          <a:latin typeface="Times New Roman" panose="02020603050405020304" pitchFamily="18" charset="0"/>
+                          <a:cs typeface="Times New Roman" panose="02020603050405020304" pitchFamily="18" charset="0"/>
+                        </a:rPr>
+                        <a:t> = </a:t>
+                      </a:r>
+                      <a:r>
+                        <a:rPr lang="en-US" altLang="zh-CN" sz="1400" b="1" dirty="0" smtClean="0">
+                          <a:latin typeface="Times New Roman" panose="02020603050405020304" pitchFamily="18" charset="0"/>
+                          <a:cs typeface="Times New Roman" panose="02020603050405020304" pitchFamily="18" charset="0"/>
+                        </a:rPr>
+                        <a:t>A</a:t>
+                      </a:r>
+                      <a:r>
+                        <a:rPr lang="en-US" altLang="zh-CN" sz="1400" dirty="0" smtClean="0">
+                          <a:latin typeface="Times New Roman" panose="02020603050405020304" pitchFamily="18" charset="0"/>
+                          <a:cs typeface="Times New Roman" panose="02020603050405020304" pitchFamily="18" charset="0"/>
+                        </a:rPr>
+                        <a:t>(4)</a:t>
+                      </a:r>
+                      <a:r>
+                        <a:rPr lang="en-US" altLang="zh-CN" sz="1400" baseline="0" dirty="0" smtClean="0">
+                          <a:latin typeface="Times New Roman" panose="02020603050405020304" pitchFamily="18" charset="0"/>
+                          <a:cs typeface="Times New Roman" panose="02020603050405020304" pitchFamily="18" charset="0"/>
+                        </a:rPr>
+                        <a:t> &amp; </a:t>
+                      </a:r>
+                      <a:r>
+                        <a:rPr lang="en-US" altLang="zh-CN" sz="1400" b="1" baseline="0" dirty="0" smtClean="0">
+                          <a:latin typeface="Times New Roman" panose="02020603050405020304" pitchFamily="18" charset="0"/>
+                          <a:cs typeface="Times New Roman" panose="02020603050405020304" pitchFamily="18" charset="0"/>
+                        </a:rPr>
+                        <a:t>X</a:t>
+                      </a:r>
+                      <a:r>
+                        <a:rPr lang="en-US" altLang="zh-CN" sz="1400" baseline="0" dirty="0" smtClean="0">
+                          <a:latin typeface="Times New Roman" panose="02020603050405020304" pitchFamily="18" charset="0"/>
+                          <a:cs typeface="Times New Roman" panose="02020603050405020304" pitchFamily="18" charset="0"/>
+                        </a:rPr>
+                        <a:t> &gt; </a:t>
+                      </a:r>
+                      <a:r>
+                        <a:rPr lang="en-US" altLang="zh-CN" sz="1400" b="1" baseline="0" dirty="0" smtClean="0">
+                          <a:latin typeface="Times New Roman" panose="02020603050405020304" pitchFamily="18" charset="0"/>
+                          <a:cs typeface="Times New Roman" panose="02020603050405020304" pitchFamily="18" charset="0"/>
+                        </a:rPr>
+                        <a:t>A</a:t>
+                      </a:r>
+                      <a:r>
+                        <a:rPr lang="en-US" altLang="zh-CN" sz="1400" baseline="0" dirty="0" smtClean="0">
+                          <a:latin typeface="Times New Roman" panose="02020603050405020304" pitchFamily="18" charset="0"/>
+                          <a:cs typeface="Times New Roman" panose="02020603050405020304" pitchFamily="18" charset="0"/>
+                        </a:rPr>
+                        <a:t>(3)</a:t>
+                      </a:r>
+                      <a:endParaRPr lang="zh-CN" altLang="en-US" sz="1400" dirty="0" smtClean="0">
+                        <a:latin typeface="Times New Roman" panose="02020603050405020304" pitchFamily="18" charset="0"/>
+                        <a:cs typeface="Times New Roman" panose="02020603050405020304" pitchFamily="18" charset="0"/>
+                      </a:endParaRPr>
+                    </a:p>
+                  </a:txBody>
+                  <a:tcPr>
+                    <a:lnR w="12700" cap="flat" cmpd="sng" algn="ctr">
+                      <a:solidFill>
+                        <a:schemeClr val="tx1"/>
+                      </a:solidFill>
+                      <a:prstDash val="solid"/>
+                      <a:round/>
+                      <a:headEnd type="none" w="med" len="med"/>
+                      <a:tailEnd type="none" w="med" len="med"/>
+                    </a:lnR>
+                  </a:tcPr>
+                </a:tc>
+                <a:tc>
+                  <a:txBody>
+                    <a:bodyPr/>
+                    <a:lstStyle/>
+                    <a:p>
+                      <a:pPr algn="ctr"/>
+                      <a:r>
+                        <a:rPr lang="en-US" altLang="zh-CN" sz="1600" dirty="0" smtClean="0"/>
+                        <a:t>1</a:t>
+                      </a:r>
+                      <a:endParaRPr lang="zh-CN" altLang="en-US" sz="1600" dirty="0"/>
+                    </a:p>
+                  </a:txBody>
+                  <a:tcPr>
+                    <a:lnL w="12700" cap="flat" cmpd="sng" algn="ctr">
+                      <a:solidFill>
+                        <a:schemeClr val="tx1"/>
+                      </a:solidFill>
+                      <a:prstDash val="solid"/>
+                      <a:round/>
+                      <a:headEnd type="none" w="med" len="med"/>
+                      <a:tailEnd type="none" w="med" len="med"/>
+                    </a:lnL>
+                    <a:lnR w="12700" cap="flat" cmpd="sng" algn="ctr">
+                      <a:solidFill>
+                        <a:schemeClr val="tx1"/>
+                      </a:solidFill>
+                      <a:prstDash val="solid"/>
+                      <a:round/>
+                      <a:headEnd type="none" w="med" len="med"/>
+                      <a:tailEnd type="none" w="med" len="med"/>
+                    </a:lnR>
+                  </a:tcPr>
+                </a:tc>
+                <a:tc>
+                  <a:txBody>
+                    <a:bodyPr/>
+                    <a:lstStyle/>
+                    <a:p>
+                      <a:pPr algn="ctr"/>
+                      <a:r>
+                        <a:rPr lang="en-US" altLang="zh-CN" sz="1600" dirty="0" smtClean="0"/>
+                        <a:t>4</a:t>
+                      </a:r>
+                      <a:endParaRPr lang="zh-CN" altLang="en-US" sz="1600" dirty="0"/>
+                    </a:p>
+                  </a:txBody>
+                  <a:tcPr>
+                    <a:lnL w="12700" cap="flat" cmpd="sng" algn="ctr">
+                      <a:solidFill>
+                        <a:schemeClr val="tx1"/>
+                      </a:solidFill>
+                      <a:prstDash val="solid"/>
+                      <a:round/>
+                      <a:headEnd type="none" w="med" len="med"/>
+                      <a:tailEnd type="none" w="med" len="med"/>
+                    </a:lnL>
+                  </a:tcPr>
+                </a:tc>
+                <a:extLst>
+                  <a:ext uri="{0D108BD9-81ED-4DB2-BD59-A6C34878D82A}">
+                    <a16:rowId xmlns:a16="http://schemas.microsoft.com/office/drawing/2014/main" val="2435975439"/>
+                  </a:ext>
+                </a:extLst>
+              </a:tr>
+              <a:tr h="359351">
+                <a:tc>
+                  <a:txBody>
+                    <a:bodyPr/>
+                    <a:lstStyle/>
+                    <a:p>
+                      <a:pPr marL="0" marR="0" indent="0" algn="l" defTabSz="914400" rtl="0" eaLnBrk="1" fontAlgn="auto" latinLnBrk="0" hangingPunct="1">
+                        <a:lnSpc>
+                          <a:spcPct val="100000"/>
+                        </a:lnSpc>
+                        <a:spcBef>
+                          <a:spcPts val="0"/>
+                        </a:spcBef>
+                        <a:spcAft>
+                          <a:spcPts val="0"/>
+                        </a:spcAft>
+                        <a:buClrTx/>
+                        <a:buSzTx/>
+                        <a:buFontTx/>
+                        <a:buNone/>
+                        <a:tabLst/>
+                        <a:defRPr/>
+                      </a:pPr>
+                      <a:r>
+                        <a:rPr lang="en-US" altLang="zh-CN" sz="1400" b="1" dirty="0" smtClean="0">
+                          <a:latin typeface="Times New Roman" panose="02020603050405020304" pitchFamily="18" charset="0"/>
+                          <a:cs typeface="Times New Roman" panose="02020603050405020304" pitchFamily="18" charset="0"/>
+                        </a:rPr>
+                        <a:t>X </a:t>
+                      </a:r>
+                      <a:r>
+                        <a:rPr lang="en-US" altLang="zh-CN" sz="1400" dirty="0" smtClean="0">
+                          <a:latin typeface="Times New Roman" panose="02020603050405020304" pitchFamily="18" charset="0"/>
+                          <a:cs typeface="Times New Roman" panose="02020603050405020304" pitchFamily="18" charset="0"/>
+                        </a:rPr>
+                        <a:t>= </a:t>
+                      </a:r>
+                      <a:r>
+                        <a:rPr lang="en-US" altLang="zh-CN" sz="1400" b="1" dirty="0" smtClean="0">
+                          <a:latin typeface="Times New Roman" panose="02020603050405020304" pitchFamily="18" charset="0"/>
+                          <a:cs typeface="Times New Roman" panose="02020603050405020304" pitchFamily="18" charset="0"/>
+                        </a:rPr>
+                        <a:t>A</a:t>
+                      </a:r>
+                      <a:r>
+                        <a:rPr lang="en-US" altLang="zh-CN" sz="1400" dirty="0" smtClean="0">
+                          <a:latin typeface="Times New Roman" panose="02020603050405020304" pitchFamily="18" charset="0"/>
+                          <a:cs typeface="Times New Roman" panose="02020603050405020304" pitchFamily="18" charset="0"/>
+                        </a:rPr>
+                        <a:t>(5)</a:t>
+                      </a:r>
+                      <a:r>
+                        <a:rPr lang="en-US" altLang="zh-CN" sz="1400" baseline="0" dirty="0" smtClean="0">
+                          <a:latin typeface="Times New Roman" panose="02020603050405020304" pitchFamily="18" charset="0"/>
+                          <a:cs typeface="Times New Roman" panose="02020603050405020304" pitchFamily="18" charset="0"/>
+                        </a:rPr>
+                        <a:t> &amp; </a:t>
+                      </a:r>
+                      <a:r>
+                        <a:rPr lang="en-US" altLang="zh-CN" sz="1400" b="1" dirty="0" smtClean="0">
+                          <a:latin typeface="Times New Roman" panose="02020603050405020304" pitchFamily="18" charset="0"/>
+                          <a:cs typeface="Times New Roman" panose="02020603050405020304" pitchFamily="18" charset="0"/>
+                        </a:rPr>
+                        <a:t>X</a:t>
+                      </a:r>
+                      <a:r>
+                        <a:rPr lang="en-US" altLang="zh-CN" sz="1400" dirty="0" smtClean="0">
+                          <a:latin typeface="Times New Roman" panose="02020603050405020304" pitchFamily="18" charset="0"/>
+                          <a:cs typeface="Times New Roman" panose="02020603050405020304" pitchFamily="18" charset="0"/>
+                        </a:rPr>
+                        <a:t> &gt; </a:t>
+                      </a:r>
+                      <a:r>
+                        <a:rPr lang="en-US" altLang="zh-CN" sz="1400" b="1" dirty="0" smtClean="0">
+                          <a:latin typeface="Times New Roman" panose="02020603050405020304" pitchFamily="18" charset="0"/>
+                          <a:cs typeface="Times New Roman" panose="02020603050405020304" pitchFamily="18" charset="0"/>
+                        </a:rPr>
+                        <a:t>A</a:t>
+                      </a:r>
+                      <a:r>
+                        <a:rPr lang="en-US" altLang="zh-CN" sz="1400" dirty="0" smtClean="0">
+                          <a:latin typeface="Times New Roman" panose="02020603050405020304" pitchFamily="18" charset="0"/>
+                          <a:cs typeface="Times New Roman" panose="02020603050405020304" pitchFamily="18" charset="0"/>
+                        </a:rPr>
+                        <a:t>(4)</a:t>
+                      </a:r>
+                      <a:r>
+                        <a:rPr lang="en-US" altLang="zh-CN" sz="1400" baseline="0" dirty="0" smtClean="0">
+                          <a:latin typeface="Times New Roman" panose="02020603050405020304" pitchFamily="18" charset="0"/>
+                          <a:cs typeface="Times New Roman" panose="02020603050405020304" pitchFamily="18" charset="0"/>
+                        </a:rPr>
+                        <a:t> &amp; </a:t>
+                      </a:r>
+                      <a:r>
+                        <a:rPr lang="en-US" altLang="zh-CN" sz="1400" b="1" baseline="0" dirty="0" smtClean="0">
+                          <a:latin typeface="Times New Roman" panose="02020603050405020304" pitchFamily="18" charset="0"/>
+                          <a:cs typeface="Times New Roman" panose="02020603050405020304" pitchFamily="18" charset="0"/>
+                        </a:rPr>
+                        <a:t>X</a:t>
+                      </a:r>
+                      <a:r>
+                        <a:rPr lang="en-US" altLang="zh-CN" sz="1400" baseline="0" dirty="0" smtClean="0">
+                          <a:latin typeface="Times New Roman" panose="02020603050405020304" pitchFamily="18" charset="0"/>
+                          <a:cs typeface="Times New Roman" panose="02020603050405020304" pitchFamily="18" charset="0"/>
+                        </a:rPr>
+                        <a:t> &gt; </a:t>
+                      </a:r>
+                      <a:r>
+                        <a:rPr lang="en-US" altLang="zh-CN" sz="1400" b="1" baseline="0" dirty="0" smtClean="0">
+                          <a:latin typeface="Times New Roman" panose="02020603050405020304" pitchFamily="18" charset="0"/>
+                          <a:cs typeface="Times New Roman" panose="02020603050405020304" pitchFamily="18" charset="0"/>
+                        </a:rPr>
+                        <a:t>A</a:t>
+                      </a:r>
+                      <a:r>
+                        <a:rPr lang="en-US" altLang="zh-CN" sz="1400" baseline="0" dirty="0" smtClean="0">
+                          <a:latin typeface="Times New Roman" panose="02020603050405020304" pitchFamily="18" charset="0"/>
+                          <a:cs typeface="Times New Roman" panose="02020603050405020304" pitchFamily="18" charset="0"/>
+                        </a:rPr>
+                        <a:t>(3)</a:t>
+                      </a:r>
+                      <a:endParaRPr lang="zh-CN" altLang="en-US" sz="1400" dirty="0" smtClean="0">
+                        <a:latin typeface="Times New Roman" panose="02020603050405020304" pitchFamily="18" charset="0"/>
+                        <a:cs typeface="Times New Roman" panose="02020603050405020304" pitchFamily="18" charset="0"/>
+                      </a:endParaRPr>
+                    </a:p>
+                  </a:txBody>
+                  <a:tcPr>
+                    <a:lnR w="12700" cap="flat" cmpd="sng" algn="ctr">
+                      <a:solidFill>
+                        <a:schemeClr val="tx1"/>
+                      </a:solidFill>
+                      <a:prstDash val="solid"/>
+                      <a:round/>
+                      <a:headEnd type="none" w="med" len="med"/>
+                      <a:tailEnd type="none" w="med" len="med"/>
+                    </a:lnR>
+                  </a:tcPr>
+                </a:tc>
+                <a:tc>
+                  <a:txBody>
+                    <a:bodyPr/>
+                    <a:lstStyle/>
+                    <a:p>
+                      <a:pPr algn="ctr"/>
+                      <a:r>
+                        <a:rPr lang="en-US" altLang="zh-CN" sz="1600" dirty="0" smtClean="0"/>
+                        <a:t>1</a:t>
+                      </a:r>
+                      <a:endParaRPr lang="zh-CN" altLang="en-US" sz="1600" dirty="0"/>
+                    </a:p>
+                  </a:txBody>
+                  <a:tcPr>
+                    <a:lnL w="12700" cap="flat" cmpd="sng" algn="ctr">
+                      <a:solidFill>
+                        <a:schemeClr val="tx1"/>
+                      </a:solidFill>
+                      <a:prstDash val="solid"/>
+                      <a:round/>
+                      <a:headEnd type="none" w="med" len="med"/>
+                      <a:tailEnd type="none" w="med" len="med"/>
+                    </a:lnL>
+                    <a:lnR w="12700" cap="flat" cmpd="sng" algn="ctr">
+                      <a:solidFill>
+                        <a:schemeClr val="tx1"/>
+                      </a:solidFill>
+                      <a:prstDash val="solid"/>
+                      <a:round/>
+                      <a:headEnd type="none" w="med" len="med"/>
+                      <a:tailEnd type="none" w="med" len="med"/>
+                    </a:lnR>
+                  </a:tcPr>
+                </a:tc>
+                <a:tc>
+                  <a:txBody>
+                    <a:bodyPr/>
+                    <a:lstStyle/>
+                    <a:p>
+                      <a:pPr algn="ctr"/>
+                      <a:r>
+                        <a:rPr lang="en-US" altLang="zh-CN" sz="1600" dirty="0" smtClean="0"/>
+                        <a:t>5</a:t>
+                      </a:r>
+                      <a:endParaRPr lang="zh-CN" altLang="en-US" sz="1600" dirty="0"/>
+                    </a:p>
+                  </a:txBody>
+                  <a:tcPr>
+                    <a:lnL w="12700" cap="flat" cmpd="sng" algn="ctr">
+                      <a:solidFill>
+                        <a:schemeClr val="tx1"/>
+                      </a:solidFill>
+                      <a:prstDash val="solid"/>
+                      <a:round/>
+                      <a:headEnd type="none" w="med" len="med"/>
+                      <a:tailEnd type="none" w="med" len="med"/>
+                    </a:lnL>
+                  </a:tcPr>
+                </a:tc>
+                <a:extLst>
+                  <a:ext uri="{0D108BD9-81ED-4DB2-BD59-A6C34878D82A}">
+                    <a16:rowId xmlns:a16="http://schemas.microsoft.com/office/drawing/2014/main" val="2833893147"/>
+                  </a:ext>
+                </a:extLst>
+              </a:tr>
+              <a:tr h="359351">
+                <a:tc>
+                  <a:txBody>
+                    <a:bodyPr/>
+                    <a:lstStyle/>
+                    <a:p>
+                      <a:pPr marL="0" marR="0" indent="0" algn="l" defTabSz="914400" rtl="0" eaLnBrk="1" fontAlgn="auto" latinLnBrk="0" hangingPunct="1">
+                        <a:lnSpc>
+                          <a:spcPct val="100000"/>
+                        </a:lnSpc>
+                        <a:spcBef>
+                          <a:spcPts val="0"/>
+                        </a:spcBef>
+                        <a:spcAft>
+                          <a:spcPts val="0"/>
+                        </a:spcAft>
+                        <a:buClrTx/>
+                        <a:buSzTx/>
+                        <a:buFontTx/>
+                        <a:buNone/>
+                        <a:tabLst/>
+                        <a:defRPr/>
+                      </a:pPr>
+                      <a:r>
+                        <a:rPr lang="en-US" altLang="zh-CN" sz="1400" b="1" dirty="0" smtClean="0">
+                          <a:latin typeface="Times New Roman" panose="02020603050405020304" pitchFamily="18" charset="0"/>
+                          <a:cs typeface="Times New Roman" panose="02020603050405020304" pitchFamily="18" charset="0"/>
+                        </a:rPr>
+                        <a:t>X</a:t>
+                      </a:r>
+                      <a:r>
+                        <a:rPr lang="en-US" altLang="zh-CN" sz="1400" dirty="0" smtClean="0">
+                          <a:latin typeface="Times New Roman" panose="02020603050405020304" pitchFamily="18" charset="0"/>
+                          <a:cs typeface="Times New Roman" panose="02020603050405020304" pitchFamily="18" charset="0"/>
+                        </a:rPr>
+                        <a:t> &lt; </a:t>
+                      </a:r>
+                      <a:r>
+                        <a:rPr lang="en-US" altLang="zh-CN" sz="1400" b="1" dirty="0" smtClean="0">
+                          <a:latin typeface="Times New Roman" panose="02020603050405020304" pitchFamily="18" charset="0"/>
+                          <a:cs typeface="Times New Roman" panose="02020603050405020304" pitchFamily="18" charset="0"/>
+                        </a:rPr>
+                        <a:t>A</a:t>
+                      </a:r>
+                      <a:r>
+                        <a:rPr lang="en-US" altLang="zh-CN" sz="1400" dirty="0" smtClean="0">
+                          <a:latin typeface="Times New Roman" panose="02020603050405020304" pitchFamily="18" charset="0"/>
+                          <a:cs typeface="Times New Roman" panose="02020603050405020304" pitchFamily="18" charset="0"/>
+                        </a:rPr>
+                        <a:t>(1)</a:t>
+                      </a:r>
+                      <a:r>
+                        <a:rPr lang="en-US" altLang="zh-CN" sz="1400" baseline="0" dirty="0" smtClean="0">
+                          <a:latin typeface="Times New Roman" panose="02020603050405020304" pitchFamily="18" charset="0"/>
+                          <a:cs typeface="Times New Roman" panose="02020603050405020304" pitchFamily="18" charset="0"/>
+                        </a:rPr>
+                        <a:t> &amp; </a:t>
+                      </a:r>
+                      <a:r>
+                        <a:rPr lang="en-US" altLang="zh-CN" sz="1400" b="1" baseline="0" dirty="0" smtClean="0">
+                          <a:latin typeface="Times New Roman" panose="02020603050405020304" pitchFamily="18" charset="0"/>
+                          <a:cs typeface="Times New Roman" panose="02020603050405020304" pitchFamily="18" charset="0"/>
+                        </a:rPr>
+                        <a:t>X</a:t>
+                      </a:r>
+                      <a:r>
+                        <a:rPr lang="en-US" altLang="zh-CN" sz="1400" baseline="0" dirty="0" smtClean="0">
+                          <a:latin typeface="Times New Roman" panose="02020603050405020304" pitchFamily="18" charset="0"/>
+                          <a:cs typeface="Times New Roman" panose="02020603050405020304" pitchFamily="18" charset="0"/>
+                        </a:rPr>
+                        <a:t> &lt; </a:t>
+                      </a:r>
+                      <a:r>
+                        <a:rPr lang="en-US" altLang="zh-CN" sz="1400" b="1" baseline="0" dirty="0" smtClean="0">
+                          <a:latin typeface="Times New Roman" panose="02020603050405020304" pitchFamily="18" charset="0"/>
+                          <a:cs typeface="Times New Roman" panose="02020603050405020304" pitchFamily="18" charset="0"/>
+                        </a:rPr>
+                        <a:t>A</a:t>
+                      </a:r>
+                      <a:r>
+                        <a:rPr lang="en-US" altLang="zh-CN" sz="1400" baseline="0" dirty="0" smtClean="0">
+                          <a:latin typeface="Times New Roman" panose="02020603050405020304" pitchFamily="18" charset="0"/>
+                          <a:cs typeface="Times New Roman" panose="02020603050405020304" pitchFamily="18" charset="0"/>
+                        </a:rPr>
+                        <a:t>(3)</a:t>
+                      </a:r>
+                      <a:endParaRPr lang="zh-CN" altLang="en-US" sz="1400" dirty="0" smtClean="0">
+                        <a:latin typeface="Times New Roman" panose="02020603050405020304" pitchFamily="18" charset="0"/>
+                        <a:cs typeface="Times New Roman" panose="02020603050405020304" pitchFamily="18" charset="0"/>
+                      </a:endParaRPr>
+                    </a:p>
+                  </a:txBody>
+                  <a:tcPr>
+                    <a:lnR w="12700" cap="flat" cmpd="sng" algn="ctr">
+                      <a:solidFill>
+                        <a:schemeClr val="tx1"/>
+                      </a:solidFill>
+                      <a:prstDash val="solid"/>
+                      <a:round/>
+                      <a:headEnd type="none" w="med" len="med"/>
+                      <a:tailEnd type="none" w="med" len="med"/>
+                    </a:lnR>
+                  </a:tcPr>
+                </a:tc>
+                <a:tc>
+                  <a:txBody>
+                    <a:bodyPr/>
+                    <a:lstStyle/>
+                    <a:p>
+                      <a:pPr algn="ctr"/>
+                      <a:r>
+                        <a:rPr lang="en-US" altLang="zh-CN" sz="1600" dirty="0" smtClean="0"/>
+                        <a:t>0</a:t>
+                      </a:r>
+                      <a:endParaRPr lang="zh-CN" altLang="en-US" sz="1600" dirty="0"/>
+                    </a:p>
+                  </a:txBody>
+                  <a:tcPr>
+                    <a:lnL w="12700" cap="flat" cmpd="sng" algn="ctr">
+                      <a:solidFill>
+                        <a:schemeClr val="tx1"/>
+                      </a:solidFill>
+                      <a:prstDash val="solid"/>
+                      <a:round/>
+                      <a:headEnd type="none" w="med" len="med"/>
+                      <a:tailEnd type="none" w="med" len="med"/>
+                    </a:lnL>
+                    <a:lnR w="12700" cap="flat" cmpd="sng" algn="ctr">
+                      <a:solidFill>
+                        <a:schemeClr val="tx1"/>
+                      </a:solidFill>
+                      <a:prstDash val="solid"/>
+                      <a:round/>
+                      <a:headEnd type="none" w="med" len="med"/>
+                      <a:tailEnd type="none" w="med" len="med"/>
+                    </a:lnR>
+                  </a:tcPr>
+                </a:tc>
+                <a:tc>
+                  <a:txBody>
+                    <a:bodyPr/>
+                    <a:lstStyle/>
+                    <a:p>
+                      <a:pPr algn="ctr"/>
+                      <a:r>
+                        <a:rPr lang="en-US" altLang="zh-CN" sz="1600" dirty="0" smtClean="0"/>
+                        <a:t>0</a:t>
+                      </a:r>
+                      <a:endParaRPr lang="zh-CN" altLang="en-US" sz="1600" dirty="0"/>
+                    </a:p>
+                  </a:txBody>
+                  <a:tcPr>
+                    <a:lnL w="12700" cap="flat" cmpd="sng" algn="ctr">
+                      <a:solidFill>
+                        <a:schemeClr val="tx1"/>
+                      </a:solidFill>
+                      <a:prstDash val="solid"/>
+                      <a:round/>
+                      <a:headEnd type="none" w="med" len="med"/>
+                      <a:tailEnd type="none" w="med" len="med"/>
+                    </a:lnL>
+                  </a:tcPr>
+                </a:tc>
+                <a:extLst>
+                  <a:ext uri="{0D108BD9-81ED-4DB2-BD59-A6C34878D82A}">
+                    <a16:rowId xmlns:a16="http://schemas.microsoft.com/office/drawing/2014/main" val="2175819450"/>
+                  </a:ext>
+                </a:extLst>
+              </a:tr>
+              <a:tr h="359351">
+                <a:tc>
+                  <a:txBody>
+                    <a:bodyPr/>
+                    <a:lstStyle/>
+                    <a:p>
+                      <a:pPr marL="0" marR="0" indent="0" algn="l" defTabSz="914400" rtl="0" eaLnBrk="1" fontAlgn="auto" latinLnBrk="0" hangingPunct="1">
+                        <a:lnSpc>
+                          <a:spcPct val="100000"/>
+                        </a:lnSpc>
+                        <a:spcBef>
+                          <a:spcPts val="0"/>
+                        </a:spcBef>
+                        <a:spcAft>
+                          <a:spcPts val="0"/>
+                        </a:spcAft>
+                        <a:buClrTx/>
+                        <a:buSzTx/>
+                        <a:buFontTx/>
+                        <a:buNone/>
+                        <a:tabLst/>
+                        <a:defRPr/>
+                      </a:pPr>
+                      <a:r>
+                        <a:rPr lang="en-US" altLang="zh-CN" sz="1400" b="1" dirty="0" smtClean="0">
+                          <a:latin typeface="Times New Roman" panose="02020603050405020304" pitchFamily="18" charset="0"/>
+                          <a:cs typeface="Times New Roman" panose="02020603050405020304" pitchFamily="18" charset="0"/>
+                        </a:rPr>
+                        <a:t>X</a:t>
+                      </a:r>
+                      <a:r>
+                        <a:rPr lang="en-US" altLang="zh-CN" sz="1400" dirty="0" smtClean="0">
+                          <a:latin typeface="Times New Roman" panose="02020603050405020304" pitchFamily="18" charset="0"/>
+                          <a:cs typeface="Times New Roman" panose="02020603050405020304" pitchFamily="18" charset="0"/>
+                        </a:rPr>
+                        <a:t> &lt; </a:t>
+                      </a:r>
+                      <a:r>
+                        <a:rPr lang="en-US" altLang="zh-CN" sz="1400" b="1" dirty="0" smtClean="0">
+                          <a:latin typeface="Times New Roman" panose="02020603050405020304" pitchFamily="18" charset="0"/>
+                          <a:cs typeface="Times New Roman" panose="02020603050405020304" pitchFamily="18" charset="0"/>
+                        </a:rPr>
+                        <a:t>A</a:t>
+                      </a:r>
+                      <a:r>
+                        <a:rPr lang="en-US" altLang="zh-CN" sz="1400" dirty="0" smtClean="0">
+                          <a:latin typeface="Times New Roman" panose="02020603050405020304" pitchFamily="18" charset="0"/>
+                          <a:cs typeface="Times New Roman" panose="02020603050405020304" pitchFamily="18" charset="0"/>
+                        </a:rPr>
+                        <a:t>(2)</a:t>
+                      </a:r>
+                      <a:r>
+                        <a:rPr lang="en-US" altLang="zh-CN" sz="1400" baseline="0" dirty="0" smtClean="0">
+                          <a:latin typeface="Times New Roman" panose="02020603050405020304" pitchFamily="18" charset="0"/>
+                          <a:cs typeface="Times New Roman" panose="02020603050405020304" pitchFamily="18" charset="0"/>
+                        </a:rPr>
+                        <a:t> &amp; </a:t>
+                      </a:r>
+                      <a:r>
+                        <a:rPr lang="en-US" altLang="zh-CN" sz="1400" b="1" dirty="0" smtClean="0">
+                          <a:latin typeface="Times New Roman" panose="02020603050405020304" pitchFamily="18" charset="0"/>
+                          <a:cs typeface="Times New Roman" panose="02020603050405020304" pitchFamily="18" charset="0"/>
+                        </a:rPr>
+                        <a:t>X</a:t>
+                      </a:r>
+                      <a:r>
+                        <a:rPr lang="en-US" altLang="zh-CN" sz="1400" dirty="0" smtClean="0">
+                          <a:latin typeface="Times New Roman" panose="02020603050405020304" pitchFamily="18" charset="0"/>
+                          <a:cs typeface="Times New Roman" panose="02020603050405020304" pitchFamily="18" charset="0"/>
+                        </a:rPr>
+                        <a:t> &gt; </a:t>
+                      </a:r>
+                      <a:r>
+                        <a:rPr lang="en-US" altLang="zh-CN" sz="1400" b="1" dirty="0" smtClean="0">
+                          <a:latin typeface="Times New Roman" panose="02020603050405020304" pitchFamily="18" charset="0"/>
+                          <a:cs typeface="Times New Roman" panose="02020603050405020304" pitchFamily="18" charset="0"/>
+                        </a:rPr>
+                        <a:t>A</a:t>
+                      </a:r>
+                      <a:r>
+                        <a:rPr lang="en-US" altLang="zh-CN" sz="1400" dirty="0" smtClean="0">
+                          <a:latin typeface="Times New Roman" panose="02020603050405020304" pitchFamily="18" charset="0"/>
+                          <a:cs typeface="Times New Roman" panose="02020603050405020304" pitchFamily="18" charset="0"/>
+                        </a:rPr>
+                        <a:t>(1)</a:t>
+                      </a:r>
+                      <a:r>
+                        <a:rPr lang="en-US" altLang="zh-CN" sz="1400" baseline="0" dirty="0" smtClean="0">
+                          <a:latin typeface="Times New Roman" panose="02020603050405020304" pitchFamily="18" charset="0"/>
+                          <a:cs typeface="Times New Roman" panose="02020603050405020304" pitchFamily="18" charset="0"/>
+                        </a:rPr>
+                        <a:t> &amp; </a:t>
+                      </a:r>
+                      <a:r>
+                        <a:rPr lang="en-US" altLang="zh-CN" sz="1400" b="1" baseline="0" dirty="0" smtClean="0">
+                          <a:latin typeface="Times New Roman" panose="02020603050405020304" pitchFamily="18" charset="0"/>
+                          <a:cs typeface="Times New Roman" panose="02020603050405020304" pitchFamily="18" charset="0"/>
+                        </a:rPr>
+                        <a:t>X</a:t>
+                      </a:r>
+                      <a:r>
+                        <a:rPr lang="en-US" altLang="zh-CN" sz="1400" baseline="0" dirty="0" smtClean="0">
+                          <a:latin typeface="Times New Roman" panose="02020603050405020304" pitchFamily="18" charset="0"/>
+                          <a:cs typeface="Times New Roman" panose="02020603050405020304" pitchFamily="18" charset="0"/>
+                        </a:rPr>
+                        <a:t> &lt; A(3)</a:t>
+                      </a:r>
+                      <a:endParaRPr lang="zh-CN" altLang="en-US" sz="1400" dirty="0" smtClean="0">
+                        <a:latin typeface="Times New Roman" panose="02020603050405020304" pitchFamily="18" charset="0"/>
+                        <a:cs typeface="Times New Roman" panose="02020603050405020304" pitchFamily="18" charset="0"/>
+                      </a:endParaRPr>
+                    </a:p>
+                  </a:txBody>
+                  <a:tcPr>
+                    <a:lnR w="12700" cap="flat" cmpd="sng" algn="ctr">
+                      <a:solidFill>
+                        <a:schemeClr val="tx1"/>
+                      </a:solidFill>
+                      <a:prstDash val="solid"/>
+                      <a:round/>
+                      <a:headEnd type="none" w="med" len="med"/>
+                      <a:tailEnd type="none" w="med" len="med"/>
+                    </a:lnR>
+                  </a:tcPr>
+                </a:tc>
+                <a:tc>
+                  <a:txBody>
+                    <a:bodyPr/>
+                    <a:lstStyle/>
+                    <a:p>
+                      <a:pPr algn="ctr"/>
+                      <a:r>
+                        <a:rPr lang="en-US" altLang="zh-CN" sz="1600" dirty="0" smtClean="0"/>
+                        <a:t>0</a:t>
+                      </a:r>
+                      <a:endParaRPr lang="zh-CN" altLang="en-US" sz="1600" dirty="0"/>
+                    </a:p>
+                  </a:txBody>
+                  <a:tcPr>
+                    <a:lnL w="12700" cap="flat" cmpd="sng" algn="ctr">
+                      <a:solidFill>
+                        <a:schemeClr val="tx1"/>
+                      </a:solidFill>
+                      <a:prstDash val="solid"/>
+                      <a:round/>
+                      <a:headEnd type="none" w="med" len="med"/>
+                      <a:tailEnd type="none" w="med" len="med"/>
+                    </a:lnL>
+                    <a:lnR w="12700" cap="flat" cmpd="sng" algn="ctr">
+                      <a:solidFill>
+                        <a:schemeClr val="tx1"/>
+                      </a:solidFill>
+                      <a:prstDash val="solid"/>
+                      <a:round/>
+                      <a:headEnd type="none" w="med" len="med"/>
+                      <a:tailEnd type="none" w="med" len="med"/>
+                    </a:lnR>
+                  </a:tcPr>
+                </a:tc>
+                <a:tc>
+                  <a:txBody>
+                    <a:bodyPr/>
+                    <a:lstStyle/>
+                    <a:p>
+                      <a:pPr algn="ctr"/>
+                      <a:r>
+                        <a:rPr lang="en-US" altLang="zh-CN" sz="1600" dirty="0" smtClean="0"/>
+                        <a:t>1</a:t>
+                      </a:r>
+                      <a:endParaRPr lang="zh-CN" altLang="en-US" sz="1600" dirty="0"/>
+                    </a:p>
+                  </a:txBody>
+                  <a:tcPr>
+                    <a:lnL w="12700" cap="flat" cmpd="sng" algn="ctr">
+                      <a:solidFill>
+                        <a:schemeClr val="tx1"/>
+                      </a:solidFill>
+                      <a:prstDash val="solid"/>
+                      <a:round/>
+                      <a:headEnd type="none" w="med" len="med"/>
+                      <a:tailEnd type="none" w="med" len="med"/>
+                    </a:lnL>
+                  </a:tcPr>
+                </a:tc>
+                <a:extLst>
+                  <a:ext uri="{0D108BD9-81ED-4DB2-BD59-A6C34878D82A}">
+                    <a16:rowId xmlns:a16="http://schemas.microsoft.com/office/drawing/2014/main" val="1079286864"/>
+                  </a:ext>
+                </a:extLst>
+              </a:tr>
+              <a:tr h="359351">
+                <a:tc>
+                  <a:txBody>
+                    <a:bodyPr/>
+                    <a:lstStyle/>
+                    <a:p>
+                      <a:pPr marL="0" marR="0" indent="0" algn="l" defTabSz="914400" rtl="0" eaLnBrk="1" fontAlgn="auto" latinLnBrk="0" hangingPunct="1">
+                        <a:lnSpc>
+                          <a:spcPct val="100000"/>
+                        </a:lnSpc>
+                        <a:spcBef>
+                          <a:spcPts val="0"/>
+                        </a:spcBef>
+                        <a:spcAft>
+                          <a:spcPts val="0"/>
+                        </a:spcAft>
+                        <a:buClrTx/>
+                        <a:buSzTx/>
+                        <a:buFontTx/>
+                        <a:buNone/>
+                        <a:tabLst/>
+                        <a:defRPr/>
+                      </a:pPr>
+                      <a:r>
+                        <a:rPr lang="en-US" altLang="zh-CN" sz="1400" b="1" dirty="0" smtClean="0">
+                          <a:latin typeface="Times New Roman" panose="02020603050405020304" pitchFamily="18" charset="0"/>
+                          <a:cs typeface="Times New Roman" panose="02020603050405020304" pitchFamily="18" charset="0"/>
+                        </a:rPr>
+                        <a:t>X</a:t>
+                      </a:r>
+                      <a:r>
+                        <a:rPr lang="en-US" altLang="zh-CN" sz="1400" dirty="0" smtClean="0">
+                          <a:latin typeface="Times New Roman" panose="02020603050405020304" pitchFamily="18" charset="0"/>
+                          <a:cs typeface="Times New Roman" panose="02020603050405020304" pitchFamily="18" charset="0"/>
+                        </a:rPr>
+                        <a:t> &gt; </a:t>
+                      </a:r>
+                      <a:r>
+                        <a:rPr lang="en-US" altLang="zh-CN" sz="1400" b="1" dirty="0" smtClean="0">
+                          <a:latin typeface="Times New Roman" panose="02020603050405020304" pitchFamily="18" charset="0"/>
+                          <a:cs typeface="Times New Roman" panose="02020603050405020304" pitchFamily="18" charset="0"/>
+                        </a:rPr>
+                        <a:t>A</a:t>
+                      </a:r>
+                      <a:r>
+                        <a:rPr lang="en-US" altLang="zh-CN" sz="1400" dirty="0" smtClean="0">
+                          <a:latin typeface="Times New Roman" panose="02020603050405020304" pitchFamily="18" charset="0"/>
+                          <a:cs typeface="Times New Roman" panose="02020603050405020304" pitchFamily="18" charset="0"/>
+                        </a:rPr>
+                        <a:t>(2)</a:t>
+                      </a:r>
+                      <a:r>
+                        <a:rPr lang="en-US" altLang="zh-CN" sz="1400" baseline="0" dirty="0" smtClean="0">
+                          <a:latin typeface="Times New Roman" panose="02020603050405020304" pitchFamily="18" charset="0"/>
+                          <a:cs typeface="Times New Roman" panose="02020603050405020304" pitchFamily="18" charset="0"/>
+                        </a:rPr>
+                        <a:t> &amp; </a:t>
+                      </a:r>
+                      <a:r>
+                        <a:rPr lang="en-US" altLang="zh-CN" sz="1400" b="1" dirty="0" smtClean="0">
+                          <a:latin typeface="Times New Roman" panose="02020603050405020304" pitchFamily="18" charset="0"/>
+                          <a:cs typeface="Times New Roman" panose="02020603050405020304" pitchFamily="18" charset="0"/>
+                        </a:rPr>
+                        <a:t>X</a:t>
+                      </a:r>
+                      <a:r>
+                        <a:rPr lang="en-US" altLang="zh-CN" sz="1400" dirty="0" smtClean="0">
+                          <a:latin typeface="Times New Roman" panose="02020603050405020304" pitchFamily="18" charset="0"/>
+                          <a:cs typeface="Times New Roman" panose="02020603050405020304" pitchFamily="18" charset="0"/>
+                        </a:rPr>
+                        <a:t> &gt; </a:t>
+                      </a:r>
+                      <a:r>
+                        <a:rPr lang="en-US" altLang="zh-CN" sz="1400" b="1" dirty="0" smtClean="0">
+                          <a:latin typeface="Times New Roman" panose="02020603050405020304" pitchFamily="18" charset="0"/>
+                          <a:cs typeface="Times New Roman" panose="02020603050405020304" pitchFamily="18" charset="0"/>
+                        </a:rPr>
+                        <a:t>A</a:t>
+                      </a:r>
+                      <a:r>
+                        <a:rPr lang="en-US" altLang="zh-CN" sz="1400" dirty="0" smtClean="0">
+                          <a:latin typeface="Times New Roman" panose="02020603050405020304" pitchFamily="18" charset="0"/>
+                          <a:cs typeface="Times New Roman" panose="02020603050405020304" pitchFamily="18" charset="0"/>
+                        </a:rPr>
+                        <a:t>(1)</a:t>
+                      </a:r>
+                      <a:r>
+                        <a:rPr lang="en-US" altLang="zh-CN" sz="1400" baseline="0" dirty="0" smtClean="0">
+                          <a:latin typeface="Times New Roman" panose="02020603050405020304" pitchFamily="18" charset="0"/>
+                          <a:cs typeface="Times New Roman" panose="02020603050405020304" pitchFamily="18" charset="0"/>
+                        </a:rPr>
+                        <a:t> &amp; </a:t>
+                      </a:r>
+                      <a:r>
+                        <a:rPr lang="en-US" altLang="zh-CN" sz="1400" b="1" baseline="0" dirty="0" smtClean="0">
+                          <a:latin typeface="Times New Roman" panose="02020603050405020304" pitchFamily="18" charset="0"/>
+                          <a:cs typeface="Times New Roman" panose="02020603050405020304" pitchFamily="18" charset="0"/>
+                        </a:rPr>
+                        <a:t>X</a:t>
+                      </a:r>
+                      <a:r>
+                        <a:rPr lang="en-US" altLang="zh-CN" sz="1400" baseline="0" dirty="0" smtClean="0">
+                          <a:latin typeface="Times New Roman" panose="02020603050405020304" pitchFamily="18" charset="0"/>
+                          <a:cs typeface="Times New Roman" panose="02020603050405020304" pitchFamily="18" charset="0"/>
+                        </a:rPr>
+                        <a:t> &lt; A(3)</a:t>
+                      </a:r>
+                      <a:endParaRPr lang="zh-CN" altLang="en-US" sz="1400" dirty="0" smtClean="0">
+                        <a:latin typeface="Times New Roman" panose="02020603050405020304" pitchFamily="18" charset="0"/>
+                        <a:cs typeface="Times New Roman" panose="02020603050405020304" pitchFamily="18" charset="0"/>
+                      </a:endParaRPr>
+                    </a:p>
+                  </a:txBody>
+                  <a:tcPr>
+                    <a:lnR w="12700" cap="flat" cmpd="sng" algn="ctr">
+                      <a:solidFill>
+                        <a:schemeClr val="tx1"/>
+                      </a:solidFill>
+                      <a:prstDash val="solid"/>
+                      <a:round/>
+                      <a:headEnd type="none" w="med" len="med"/>
+                      <a:tailEnd type="none" w="med" len="med"/>
+                    </a:lnR>
+                  </a:tcPr>
+                </a:tc>
+                <a:tc>
+                  <a:txBody>
+                    <a:bodyPr/>
+                    <a:lstStyle/>
+                    <a:p>
+                      <a:pPr algn="ctr"/>
+                      <a:r>
+                        <a:rPr lang="en-US" altLang="zh-CN" sz="1600" dirty="0" smtClean="0"/>
+                        <a:t>0</a:t>
+                      </a:r>
+                      <a:endParaRPr lang="zh-CN" altLang="en-US" sz="1600" dirty="0"/>
+                    </a:p>
+                  </a:txBody>
+                  <a:tcPr>
+                    <a:lnL w="12700" cap="flat" cmpd="sng" algn="ctr">
+                      <a:solidFill>
+                        <a:schemeClr val="tx1"/>
+                      </a:solidFill>
+                      <a:prstDash val="solid"/>
+                      <a:round/>
+                      <a:headEnd type="none" w="med" len="med"/>
+                      <a:tailEnd type="none" w="med" len="med"/>
+                    </a:lnL>
+                    <a:lnR w="12700" cap="flat" cmpd="sng" algn="ctr">
+                      <a:solidFill>
+                        <a:schemeClr val="tx1"/>
+                      </a:solidFill>
+                      <a:prstDash val="solid"/>
+                      <a:round/>
+                      <a:headEnd type="none" w="med" len="med"/>
+                      <a:tailEnd type="none" w="med" len="med"/>
+                    </a:lnR>
+                  </a:tcPr>
+                </a:tc>
+                <a:tc>
+                  <a:txBody>
+                    <a:bodyPr/>
+                    <a:lstStyle/>
+                    <a:p>
+                      <a:pPr algn="ctr"/>
+                      <a:r>
+                        <a:rPr lang="en-US" altLang="zh-CN" sz="1600" dirty="0" smtClean="0"/>
+                        <a:t>2</a:t>
+                      </a:r>
+                      <a:endParaRPr lang="zh-CN" altLang="en-US" sz="1600" dirty="0"/>
+                    </a:p>
+                  </a:txBody>
+                  <a:tcPr>
+                    <a:lnL w="12700" cap="flat" cmpd="sng" algn="ctr">
+                      <a:solidFill>
+                        <a:schemeClr val="tx1"/>
+                      </a:solidFill>
+                      <a:prstDash val="solid"/>
+                      <a:round/>
+                      <a:headEnd type="none" w="med" len="med"/>
+                      <a:tailEnd type="none" w="med" len="med"/>
+                    </a:lnL>
+                  </a:tcPr>
+                </a:tc>
+                <a:extLst>
+                  <a:ext uri="{0D108BD9-81ED-4DB2-BD59-A6C34878D82A}">
+                    <a16:rowId xmlns:a16="http://schemas.microsoft.com/office/drawing/2014/main" val="2418199264"/>
+                  </a:ext>
+                </a:extLst>
+              </a:tr>
+              <a:tr h="359351">
+                <a:tc>
+                  <a:txBody>
+                    <a:bodyPr/>
+                    <a:lstStyle/>
+                    <a:p>
+                      <a:pPr marL="0" marR="0" indent="0" algn="l" defTabSz="914400" rtl="0" eaLnBrk="1" fontAlgn="auto" latinLnBrk="0" hangingPunct="1">
+                        <a:lnSpc>
+                          <a:spcPct val="100000"/>
+                        </a:lnSpc>
+                        <a:spcBef>
+                          <a:spcPts val="0"/>
+                        </a:spcBef>
+                        <a:spcAft>
+                          <a:spcPts val="0"/>
+                        </a:spcAft>
+                        <a:buClrTx/>
+                        <a:buSzTx/>
+                        <a:buFontTx/>
+                        <a:buNone/>
+                        <a:tabLst/>
+                        <a:defRPr/>
+                      </a:pPr>
+                      <a:r>
+                        <a:rPr lang="en-US" altLang="zh-CN" sz="1400" b="1" dirty="0" smtClean="0">
+                          <a:latin typeface="Times New Roman" panose="02020603050405020304" pitchFamily="18" charset="0"/>
+                          <a:cs typeface="Times New Roman" panose="02020603050405020304" pitchFamily="18" charset="0"/>
+                        </a:rPr>
+                        <a:t>X</a:t>
+                      </a:r>
+                      <a:r>
+                        <a:rPr lang="en-US" altLang="zh-CN" sz="1400" dirty="0" smtClean="0">
+                          <a:latin typeface="Times New Roman" panose="02020603050405020304" pitchFamily="18" charset="0"/>
+                          <a:cs typeface="Times New Roman" panose="02020603050405020304" pitchFamily="18" charset="0"/>
+                        </a:rPr>
+                        <a:t> &lt; </a:t>
+                      </a:r>
+                      <a:r>
+                        <a:rPr lang="en-US" altLang="zh-CN" sz="1400" b="1" dirty="0" smtClean="0">
+                          <a:latin typeface="Times New Roman" panose="02020603050405020304" pitchFamily="18" charset="0"/>
+                          <a:cs typeface="Times New Roman" panose="02020603050405020304" pitchFamily="18" charset="0"/>
+                        </a:rPr>
+                        <a:t>A</a:t>
+                      </a:r>
+                      <a:r>
+                        <a:rPr lang="en-US" altLang="zh-CN" sz="1400" dirty="0" smtClean="0">
+                          <a:latin typeface="Times New Roman" panose="02020603050405020304" pitchFamily="18" charset="0"/>
+                          <a:cs typeface="Times New Roman" panose="02020603050405020304" pitchFamily="18" charset="0"/>
+                        </a:rPr>
+                        <a:t>(4)</a:t>
+                      </a:r>
+                      <a:r>
+                        <a:rPr lang="en-US" altLang="zh-CN" sz="1400" baseline="0" dirty="0" smtClean="0">
+                          <a:latin typeface="Times New Roman" panose="02020603050405020304" pitchFamily="18" charset="0"/>
+                          <a:cs typeface="Times New Roman" panose="02020603050405020304" pitchFamily="18" charset="0"/>
+                        </a:rPr>
+                        <a:t> &amp; </a:t>
+                      </a:r>
+                      <a:r>
+                        <a:rPr lang="en-US" altLang="zh-CN" sz="1400" b="1" baseline="0" dirty="0" smtClean="0">
+                          <a:latin typeface="Times New Roman" panose="02020603050405020304" pitchFamily="18" charset="0"/>
+                          <a:cs typeface="Times New Roman" panose="02020603050405020304" pitchFamily="18" charset="0"/>
+                        </a:rPr>
+                        <a:t>X</a:t>
+                      </a:r>
+                      <a:r>
+                        <a:rPr lang="en-US" altLang="zh-CN" sz="1400" baseline="0" dirty="0" smtClean="0">
+                          <a:latin typeface="Times New Roman" panose="02020603050405020304" pitchFamily="18" charset="0"/>
+                          <a:cs typeface="Times New Roman" panose="02020603050405020304" pitchFamily="18" charset="0"/>
+                        </a:rPr>
+                        <a:t> &gt; </a:t>
+                      </a:r>
+                      <a:r>
+                        <a:rPr lang="en-US" altLang="zh-CN" sz="1400" b="1" baseline="0" dirty="0" smtClean="0">
+                          <a:latin typeface="Times New Roman" panose="02020603050405020304" pitchFamily="18" charset="0"/>
+                          <a:cs typeface="Times New Roman" panose="02020603050405020304" pitchFamily="18" charset="0"/>
+                        </a:rPr>
+                        <a:t>A</a:t>
+                      </a:r>
+                      <a:r>
+                        <a:rPr lang="en-US" altLang="zh-CN" sz="1400" baseline="0" dirty="0" smtClean="0">
+                          <a:latin typeface="Times New Roman" panose="02020603050405020304" pitchFamily="18" charset="0"/>
+                          <a:cs typeface="Times New Roman" panose="02020603050405020304" pitchFamily="18" charset="0"/>
+                        </a:rPr>
+                        <a:t>(3)</a:t>
+                      </a:r>
+                      <a:endParaRPr lang="zh-CN" altLang="en-US" sz="1400" dirty="0" smtClean="0">
+                        <a:latin typeface="Times New Roman" panose="02020603050405020304" pitchFamily="18" charset="0"/>
+                        <a:cs typeface="Times New Roman" panose="02020603050405020304" pitchFamily="18" charset="0"/>
+                      </a:endParaRPr>
+                    </a:p>
+                  </a:txBody>
+                  <a:tcPr>
+                    <a:lnR w="12700" cap="flat" cmpd="sng" algn="ctr">
+                      <a:solidFill>
+                        <a:schemeClr val="tx1"/>
+                      </a:solidFill>
+                      <a:prstDash val="solid"/>
+                      <a:round/>
+                      <a:headEnd type="none" w="med" len="med"/>
+                      <a:tailEnd type="none" w="med" len="med"/>
+                    </a:lnR>
+                  </a:tcPr>
+                </a:tc>
+                <a:tc>
+                  <a:txBody>
+                    <a:bodyPr/>
+                    <a:lstStyle/>
+                    <a:p>
+                      <a:pPr algn="ctr"/>
+                      <a:r>
+                        <a:rPr lang="en-US" altLang="zh-CN" sz="1600" dirty="0" smtClean="0"/>
+                        <a:t>0</a:t>
+                      </a:r>
+                      <a:endParaRPr lang="zh-CN" altLang="en-US" sz="1600" dirty="0"/>
+                    </a:p>
+                  </a:txBody>
+                  <a:tcPr>
+                    <a:lnL w="12700" cap="flat" cmpd="sng" algn="ctr">
+                      <a:solidFill>
+                        <a:schemeClr val="tx1"/>
+                      </a:solidFill>
+                      <a:prstDash val="solid"/>
+                      <a:round/>
+                      <a:headEnd type="none" w="med" len="med"/>
+                      <a:tailEnd type="none" w="med" len="med"/>
+                    </a:lnL>
+                    <a:lnR w="12700" cap="flat" cmpd="sng" algn="ctr">
+                      <a:solidFill>
+                        <a:schemeClr val="tx1"/>
+                      </a:solidFill>
+                      <a:prstDash val="solid"/>
+                      <a:round/>
+                      <a:headEnd type="none" w="med" len="med"/>
+                      <a:tailEnd type="none" w="med" len="med"/>
+                    </a:lnR>
+                  </a:tcPr>
+                </a:tc>
+                <a:tc>
+                  <a:txBody>
+                    <a:bodyPr/>
+                    <a:lstStyle/>
+                    <a:p>
+                      <a:pPr algn="ctr"/>
+                      <a:r>
+                        <a:rPr lang="en-US" altLang="zh-CN" sz="1600" dirty="0" smtClean="0"/>
+                        <a:t>3</a:t>
+                      </a:r>
+                      <a:endParaRPr lang="zh-CN" altLang="en-US" sz="1600" dirty="0"/>
+                    </a:p>
+                  </a:txBody>
+                  <a:tcPr>
+                    <a:lnL w="12700" cap="flat" cmpd="sng" algn="ctr">
+                      <a:solidFill>
+                        <a:schemeClr val="tx1"/>
+                      </a:solidFill>
+                      <a:prstDash val="solid"/>
+                      <a:round/>
+                      <a:headEnd type="none" w="med" len="med"/>
+                      <a:tailEnd type="none" w="med" len="med"/>
+                    </a:lnL>
+                  </a:tcPr>
+                </a:tc>
+                <a:extLst>
+                  <a:ext uri="{0D108BD9-81ED-4DB2-BD59-A6C34878D82A}">
+                    <a16:rowId xmlns:a16="http://schemas.microsoft.com/office/drawing/2014/main" val="3615362646"/>
+                  </a:ext>
+                </a:extLst>
+              </a:tr>
+              <a:tr h="359351">
+                <a:tc>
+                  <a:txBody>
+                    <a:bodyPr/>
+                    <a:lstStyle/>
+                    <a:p>
+                      <a:pPr marL="0" marR="0" indent="0" algn="l" defTabSz="914400" rtl="0" eaLnBrk="1" fontAlgn="auto" latinLnBrk="0" hangingPunct="1">
+                        <a:lnSpc>
+                          <a:spcPct val="100000"/>
+                        </a:lnSpc>
+                        <a:spcBef>
+                          <a:spcPts val="0"/>
+                        </a:spcBef>
+                        <a:spcAft>
+                          <a:spcPts val="0"/>
+                        </a:spcAft>
+                        <a:buClrTx/>
+                        <a:buSzTx/>
+                        <a:buFontTx/>
+                        <a:buNone/>
+                        <a:tabLst/>
+                        <a:defRPr/>
+                      </a:pPr>
+                      <a:r>
+                        <a:rPr lang="en-US" altLang="zh-CN" sz="1400" b="1" dirty="0" smtClean="0">
+                          <a:latin typeface="Times New Roman" panose="02020603050405020304" pitchFamily="18" charset="0"/>
+                          <a:cs typeface="Times New Roman" panose="02020603050405020304" pitchFamily="18" charset="0"/>
+                        </a:rPr>
+                        <a:t>X</a:t>
+                      </a:r>
+                      <a:r>
+                        <a:rPr lang="en-US" altLang="zh-CN" sz="1400" dirty="0" smtClean="0">
+                          <a:latin typeface="Times New Roman" panose="02020603050405020304" pitchFamily="18" charset="0"/>
+                          <a:cs typeface="Times New Roman" panose="02020603050405020304" pitchFamily="18" charset="0"/>
+                        </a:rPr>
+                        <a:t> &lt; </a:t>
+                      </a:r>
+                      <a:r>
+                        <a:rPr lang="en-US" altLang="zh-CN" sz="1400" b="1" dirty="0" smtClean="0">
+                          <a:latin typeface="Times New Roman" panose="02020603050405020304" pitchFamily="18" charset="0"/>
+                          <a:cs typeface="Times New Roman" panose="02020603050405020304" pitchFamily="18" charset="0"/>
+                        </a:rPr>
+                        <a:t>A</a:t>
+                      </a:r>
+                      <a:r>
+                        <a:rPr lang="en-US" altLang="zh-CN" sz="1400" dirty="0" smtClean="0">
+                          <a:latin typeface="Times New Roman" panose="02020603050405020304" pitchFamily="18" charset="0"/>
+                          <a:cs typeface="Times New Roman" panose="02020603050405020304" pitchFamily="18" charset="0"/>
+                        </a:rPr>
+                        <a:t>(5)</a:t>
+                      </a:r>
+                      <a:r>
+                        <a:rPr lang="en-US" altLang="zh-CN" sz="1400" baseline="0" dirty="0" smtClean="0">
+                          <a:latin typeface="Times New Roman" panose="02020603050405020304" pitchFamily="18" charset="0"/>
+                          <a:cs typeface="Times New Roman" panose="02020603050405020304" pitchFamily="18" charset="0"/>
+                        </a:rPr>
+                        <a:t> &amp; </a:t>
+                      </a:r>
+                      <a:r>
+                        <a:rPr lang="en-US" altLang="zh-CN" sz="1400" b="1" dirty="0" smtClean="0">
+                          <a:latin typeface="Times New Roman" panose="02020603050405020304" pitchFamily="18" charset="0"/>
+                          <a:cs typeface="Times New Roman" panose="02020603050405020304" pitchFamily="18" charset="0"/>
+                        </a:rPr>
+                        <a:t>X</a:t>
+                      </a:r>
+                      <a:r>
+                        <a:rPr lang="en-US" altLang="zh-CN" sz="1400" dirty="0" smtClean="0">
+                          <a:latin typeface="Times New Roman" panose="02020603050405020304" pitchFamily="18" charset="0"/>
+                          <a:cs typeface="Times New Roman" panose="02020603050405020304" pitchFamily="18" charset="0"/>
+                        </a:rPr>
+                        <a:t> &gt; </a:t>
+                      </a:r>
+                      <a:r>
+                        <a:rPr lang="en-US" altLang="zh-CN" sz="1400" b="1" dirty="0" smtClean="0">
+                          <a:latin typeface="Times New Roman" panose="02020603050405020304" pitchFamily="18" charset="0"/>
+                          <a:cs typeface="Times New Roman" panose="02020603050405020304" pitchFamily="18" charset="0"/>
+                        </a:rPr>
+                        <a:t>A</a:t>
+                      </a:r>
+                      <a:r>
+                        <a:rPr lang="en-US" altLang="zh-CN" sz="1400" dirty="0" smtClean="0">
+                          <a:latin typeface="Times New Roman" panose="02020603050405020304" pitchFamily="18" charset="0"/>
+                          <a:cs typeface="Times New Roman" panose="02020603050405020304" pitchFamily="18" charset="0"/>
+                        </a:rPr>
+                        <a:t>(4)</a:t>
+                      </a:r>
+                      <a:r>
+                        <a:rPr lang="en-US" altLang="zh-CN" sz="1400" baseline="0" dirty="0" smtClean="0">
+                          <a:latin typeface="Times New Roman" panose="02020603050405020304" pitchFamily="18" charset="0"/>
+                          <a:cs typeface="Times New Roman" panose="02020603050405020304" pitchFamily="18" charset="0"/>
+                        </a:rPr>
+                        <a:t> &amp; </a:t>
+                      </a:r>
+                      <a:r>
+                        <a:rPr lang="en-US" altLang="zh-CN" sz="1400" b="1" baseline="0" dirty="0" smtClean="0">
+                          <a:latin typeface="Times New Roman" panose="02020603050405020304" pitchFamily="18" charset="0"/>
+                          <a:cs typeface="Times New Roman" panose="02020603050405020304" pitchFamily="18" charset="0"/>
+                        </a:rPr>
+                        <a:t>X</a:t>
+                      </a:r>
+                      <a:r>
+                        <a:rPr lang="en-US" altLang="zh-CN" sz="1400" baseline="0" dirty="0" smtClean="0">
+                          <a:latin typeface="Times New Roman" panose="02020603050405020304" pitchFamily="18" charset="0"/>
+                          <a:cs typeface="Times New Roman" panose="02020603050405020304" pitchFamily="18" charset="0"/>
+                        </a:rPr>
+                        <a:t> &gt; A(3)</a:t>
+                      </a:r>
+                      <a:endParaRPr lang="zh-CN" altLang="en-US" sz="1400" dirty="0" smtClean="0">
+                        <a:latin typeface="Times New Roman" panose="02020603050405020304" pitchFamily="18" charset="0"/>
+                        <a:cs typeface="Times New Roman" panose="02020603050405020304" pitchFamily="18" charset="0"/>
+                      </a:endParaRPr>
+                    </a:p>
+                  </a:txBody>
+                  <a:tcPr>
+                    <a:lnR w="12700" cap="flat" cmpd="sng" algn="ctr">
+                      <a:solidFill>
+                        <a:schemeClr val="tx1"/>
+                      </a:solidFill>
+                      <a:prstDash val="solid"/>
+                      <a:round/>
+                      <a:headEnd type="none" w="med" len="med"/>
+                      <a:tailEnd type="none" w="med" len="med"/>
+                    </a:lnR>
+                  </a:tcPr>
+                </a:tc>
+                <a:tc>
+                  <a:txBody>
+                    <a:bodyPr/>
+                    <a:lstStyle/>
+                    <a:p>
+                      <a:pPr algn="ctr"/>
+                      <a:r>
+                        <a:rPr lang="en-US" altLang="zh-CN" sz="1600" dirty="0" smtClean="0"/>
+                        <a:t>0</a:t>
+                      </a:r>
+                      <a:endParaRPr lang="zh-CN" altLang="en-US" sz="1600" dirty="0"/>
+                    </a:p>
+                  </a:txBody>
+                  <a:tcPr>
+                    <a:lnL w="12700" cap="flat" cmpd="sng" algn="ctr">
+                      <a:solidFill>
+                        <a:schemeClr val="tx1"/>
+                      </a:solidFill>
+                      <a:prstDash val="solid"/>
+                      <a:round/>
+                      <a:headEnd type="none" w="med" len="med"/>
+                      <a:tailEnd type="none" w="med" len="med"/>
+                    </a:lnL>
+                    <a:lnR w="12700" cap="flat" cmpd="sng" algn="ctr">
+                      <a:solidFill>
+                        <a:schemeClr val="tx1"/>
+                      </a:solidFill>
+                      <a:prstDash val="solid"/>
+                      <a:round/>
+                      <a:headEnd type="none" w="med" len="med"/>
+                      <a:tailEnd type="none" w="med" len="med"/>
+                    </a:lnR>
+                  </a:tcPr>
+                </a:tc>
+                <a:tc>
+                  <a:txBody>
+                    <a:bodyPr/>
+                    <a:lstStyle/>
+                    <a:p>
+                      <a:pPr algn="ctr"/>
+                      <a:r>
+                        <a:rPr lang="en-US" altLang="zh-CN" sz="1600" dirty="0" smtClean="0"/>
+                        <a:t>4</a:t>
+                      </a:r>
+                      <a:endParaRPr lang="zh-CN" altLang="en-US" sz="1600" dirty="0"/>
+                    </a:p>
+                  </a:txBody>
+                  <a:tcPr>
+                    <a:lnL w="12700" cap="flat" cmpd="sng" algn="ctr">
+                      <a:solidFill>
+                        <a:schemeClr val="tx1"/>
+                      </a:solidFill>
+                      <a:prstDash val="solid"/>
+                      <a:round/>
+                      <a:headEnd type="none" w="med" len="med"/>
+                      <a:tailEnd type="none" w="med" len="med"/>
+                    </a:lnL>
+                  </a:tcPr>
+                </a:tc>
+                <a:extLst>
+                  <a:ext uri="{0D108BD9-81ED-4DB2-BD59-A6C34878D82A}">
+                    <a16:rowId xmlns:a16="http://schemas.microsoft.com/office/drawing/2014/main" val="3102124365"/>
+                  </a:ext>
+                </a:extLst>
+              </a:tr>
+              <a:tr h="359351">
+                <a:tc>
+                  <a:txBody>
+                    <a:bodyPr/>
+                    <a:lstStyle/>
+                    <a:p>
+                      <a:pPr marL="0" marR="0" indent="0" algn="l" defTabSz="914400" rtl="0" eaLnBrk="1" fontAlgn="auto" latinLnBrk="0" hangingPunct="1">
+                        <a:lnSpc>
+                          <a:spcPct val="100000"/>
+                        </a:lnSpc>
+                        <a:spcBef>
+                          <a:spcPts val="0"/>
+                        </a:spcBef>
+                        <a:spcAft>
+                          <a:spcPts val="0"/>
+                        </a:spcAft>
+                        <a:buClrTx/>
+                        <a:buSzTx/>
+                        <a:buFontTx/>
+                        <a:buNone/>
+                        <a:tabLst/>
+                        <a:defRPr/>
+                      </a:pPr>
+                      <a:r>
+                        <a:rPr lang="en-US" altLang="zh-CN" sz="1400" b="1" dirty="0" smtClean="0">
+                          <a:latin typeface="Times New Roman" panose="02020603050405020304" pitchFamily="18" charset="0"/>
+                          <a:cs typeface="Times New Roman" panose="02020603050405020304" pitchFamily="18" charset="0"/>
+                        </a:rPr>
+                        <a:t>X</a:t>
+                      </a:r>
+                      <a:r>
+                        <a:rPr lang="en-US" altLang="zh-CN" sz="1400" dirty="0" smtClean="0">
+                          <a:latin typeface="Times New Roman" panose="02020603050405020304" pitchFamily="18" charset="0"/>
+                          <a:cs typeface="Times New Roman" panose="02020603050405020304" pitchFamily="18" charset="0"/>
+                        </a:rPr>
+                        <a:t> &gt; </a:t>
+                      </a:r>
+                      <a:r>
+                        <a:rPr lang="en-US" altLang="zh-CN" sz="1400" b="1" dirty="0" smtClean="0">
+                          <a:latin typeface="Times New Roman" panose="02020603050405020304" pitchFamily="18" charset="0"/>
+                          <a:cs typeface="Times New Roman" panose="02020603050405020304" pitchFamily="18" charset="0"/>
+                        </a:rPr>
+                        <a:t>A</a:t>
+                      </a:r>
+                      <a:r>
+                        <a:rPr lang="en-US" altLang="zh-CN" sz="1400" dirty="0" smtClean="0">
+                          <a:latin typeface="Times New Roman" panose="02020603050405020304" pitchFamily="18" charset="0"/>
+                          <a:cs typeface="Times New Roman" panose="02020603050405020304" pitchFamily="18" charset="0"/>
+                        </a:rPr>
+                        <a:t>(5)</a:t>
+                      </a:r>
+                      <a:r>
+                        <a:rPr lang="en-US" altLang="zh-CN" sz="1400" baseline="0" dirty="0" smtClean="0">
+                          <a:latin typeface="Times New Roman" panose="02020603050405020304" pitchFamily="18" charset="0"/>
+                          <a:cs typeface="Times New Roman" panose="02020603050405020304" pitchFamily="18" charset="0"/>
+                        </a:rPr>
+                        <a:t> &amp; </a:t>
+                      </a:r>
+                      <a:r>
+                        <a:rPr lang="en-US" altLang="zh-CN" sz="1400" b="1" dirty="0" smtClean="0">
+                          <a:latin typeface="Times New Roman" panose="02020603050405020304" pitchFamily="18" charset="0"/>
+                          <a:cs typeface="Times New Roman" panose="02020603050405020304" pitchFamily="18" charset="0"/>
+                        </a:rPr>
+                        <a:t>X</a:t>
+                      </a:r>
+                      <a:r>
+                        <a:rPr lang="en-US" altLang="zh-CN" sz="1400" dirty="0" smtClean="0">
+                          <a:latin typeface="Times New Roman" panose="02020603050405020304" pitchFamily="18" charset="0"/>
+                          <a:cs typeface="Times New Roman" panose="02020603050405020304" pitchFamily="18" charset="0"/>
+                        </a:rPr>
+                        <a:t> &gt; </a:t>
+                      </a:r>
+                      <a:r>
+                        <a:rPr lang="en-US" altLang="zh-CN" sz="1400" b="1" dirty="0" smtClean="0">
+                          <a:latin typeface="Times New Roman" panose="02020603050405020304" pitchFamily="18" charset="0"/>
+                          <a:cs typeface="Times New Roman" panose="02020603050405020304" pitchFamily="18" charset="0"/>
+                        </a:rPr>
+                        <a:t>A</a:t>
+                      </a:r>
+                      <a:r>
+                        <a:rPr lang="en-US" altLang="zh-CN" sz="1400" dirty="0" smtClean="0">
+                          <a:latin typeface="Times New Roman" panose="02020603050405020304" pitchFamily="18" charset="0"/>
+                          <a:cs typeface="Times New Roman" panose="02020603050405020304" pitchFamily="18" charset="0"/>
+                        </a:rPr>
+                        <a:t>(4)</a:t>
+                      </a:r>
+                      <a:r>
+                        <a:rPr lang="en-US" altLang="zh-CN" sz="1400" baseline="0" dirty="0" smtClean="0">
+                          <a:latin typeface="Times New Roman" panose="02020603050405020304" pitchFamily="18" charset="0"/>
+                          <a:cs typeface="Times New Roman" panose="02020603050405020304" pitchFamily="18" charset="0"/>
+                        </a:rPr>
+                        <a:t> &amp; </a:t>
+                      </a:r>
+                      <a:r>
+                        <a:rPr lang="en-US" altLang="zh-CN" sz="1400" b="1" baseline="0" dirty="0" smtClean="0">
+                          <a:latin typeface="Times New Roman" panose="02020603050405020304" pitchFamily="18" charset="0"/>
+                          <a:cs typeface="Times New Roman" panose="02020603050405020304" pitchFamily="18" charset="0"/>
+                        </a:rPr>
+                        <a:t>X</a:t>
+                      </a:r>
+                      <a:r>
+                        <a:rPr lang="en-US" altLang="zh-CN" sz="1400" baseline="0" dirty="0" smtClean="0">
+                          <a:latin typeface="Times New Roman" panose="02020603050405020304" pitchFamily="18" charset="0"/>
+                          <a:cs typeface="Times New Roman" panose="02020603050405020304" pitchFamily="18" charset="0"/>
+                        </a:rPr>
+                        <a:t> &gt; A(3)</a:t>
+                      </a:r>
+                      <a:endParaRPr lang="zh-CN" altLang="en-US" sz="1400" dirty="0" smtClean="0">
+                        <a:latin typeface="Times New Roman" panose="02020603050405020304" pitchFamily="18" charset="0"/>
+                        <a:cs typeface="Times New Roman" panose="02020603050405020304" pitchFamily="18" charset="0"/>
+                      </a:endParaRPr>
+                    </a:p>
+                  </a:txBody>
+                  <a:tcPr>
+                    <a:lnR w="12700" cap="flat" cmpd="sng" algn="ctr">
+                      <a:solidFill>
+                        <a:schemeClr val="tx1"/>
+                      </a:solidFill>
+                      <a:prstDash val="solid"/>
+                      <a:round/>
+                      <a:headEnd type="none" w="med" len="med"/>
+                      <a:tailEnd type="none" w="med" len="med"/>
+                    </a:lnR>
+                  </a:tcPr>
+                </a:tc>
+                <a:tc>
+                  <a:txBody>
+                    <a:bodyPr/>
+                    <a:lstStyle/>
+                    <a:p>
+                      <a:pPr algn="ctr"/>
+                      <a:r>
+                        <a:rPr lang="en-US" altLang="zh-CN" sz="1600" dirty="0" smtClean="0"/>
+                        <a:t>0</a:t>
+                      </a:r>
+                      <a:endParaRPr lang="zh-CN" altLang="en-US" sz="1600" dirty="0"/>
+                    </a:p>
+                  </a:txBody>
+                  <a:tcPr>
+                    <a:lnL w="12700" cap="flat" cmpd="sng" algn="ctr">
+                      <a:solidFill>
+                        <a:schemeClr val="tx1"/>
+                      </a:solidFill>
+                      <a:prstDash val="solid"/>
+                      <a:round/>
+                      <a:headEnd type="none" w="med" len="med"/>
+                      <a:tailEnd type="none" w="med" len="med"/>
+                    </a:lnL>
+                    <a:lnR w="12700" cap="flat" cmpd="sng" algn="ctr">
+                      <a:solidFill>
+                        <a:schemeClr val="tx1"/>
+                      </a:solidFill>
+                      <a:prstDash val="solid"/>
+                      <a:round/>
+                      <a:headEnd type="none" w="med" len="med"/>
+                      <a:tailEnd type="none" w="med" len="med"/>
+                    </a:lnR>
+                  </a:tcPr>
+                </a:tc>
+                <a:tc>
+                  <a:txBody>
+                    <a:bodyPr/>
+                    <a:lstStyle/>
+                    <a:p>
+                      <a:pPr algn="ctr"/>
+                      <a:r>
+                        <a:rPr lang="en-US" altLang="zh-CN" sz="1600" dirty="0" smtClean="0"/>
+                        <a:t>5</a:t>
+                      </a:r>
+                      <a:endParaRPr lang="zh-CN" altLang="en-US" sz="1600" dirty="0"/>
+                    </a:p>
+                  </a:txBody>
+                  <a:tcPr>
+                    <a:lnL w="12700" cap="flat" cmpd="sng" algn="ctr">
+                      <a:solidFill>
+                        <a:schemeClr val="tx1"/>
+                      </a:solidFill>
+                      <a:prstDash val="solid"/>
+                      <a:round/>
+                      <a:headEnd type="none" w="med" len="med"/>
+                      <a:tailEnd type="none" w="med" len="med"/>
+                    </a:lnL>
+                  </a:tcPr>
+                </a:tc>
+                <a:extLst>
+                  <a:ext uri="{0D108BD9-81ED-4DB2-BD59-A6C34878D82A}">
+                    <a16:rowId xmlns:a16="http://schemas.microsoft.com/office/drawing/2014/main" val="1160413103"/>
+                  </a:ext>
+                </a:extLst>
+              </a:tr>
+            </a:tbl>
+          </a:graphicData>
+        </a:graphic>
+      </p:graphicFrame>
     </p:spTree>
     <p:extLst>
       <p:ext uri="{BB962C8B-B14F-4D97-AF65-F5344CB8AC3E}">
-        <p14:creationId xmlns:p14="http://schemas.microsoft.com/office/powerpoint/2010/main" val="137591514"/>
+        <p14:creationId xmlns:p14="http://schemas.microsoft.com/office/powerpoint/2010/main" val="3431667675"/>
       </p:ext>
     </p:extLst>
   </p:cSld>
@@ -16868,7 +22194,30 @@
       </p:grpSpPr>
       <p:sp>
         <p:nvSpPr>
-          <p:cNvPr id="2" name="内容占位符 1"/>
+          <p:cNvPr id="2" name="标题 1"/>
+          <p:cNvSpPr>
+            <a:spLocks noGrp="1"/>
+          </p:cNvSpPr>
+          <p:nvPr>
+            <p:ph type="title"/>
+          </p:nvPr>
+        </p:nvSpPr>
+        <p:spPr/>
+        <p:txBody>
+          <a:bodyPr/>
+          <a:lstStyle/>
+          <a:p>
+            <a:r>
+              <a:rPr lang="en-US" altLang="zh-CN" dirty="0" smtClean="0"/>
+              <a:t>Practical Issues</a:t>
+            </a:r>
+            <a:endParaRPr lang="zh-CN" altLang="en-US" dirty="0"/>
+          </a:p>
+        </p:txBody>
+      </p:sp>
+      <p:sp>
+        <p:nvSpPr>
+          <p:cNvPr id="3" name="内容占位符 2"/>
           <p:cNvSpPr>
             <a:spLocks noGrp="1"/>
           </p:cNvSpPr>
@@ -16876,67 +22225,178 @@
             <p:ph idx="1"/>
           </p:nvPr>
         </p:nvSpPr>
-        <p:spPr>
-          <a:xfrm>
-            <a:off x="1403648" y="1844824"/>
-            <a:ext cx="6316657" cy="2297011"/>
-          </a:xfrm>
-        </p:spPr>
+        <p:spPr/>
         <p:txBody>
-          <a:bodyPr>
-            <a:noAutofit/>
-          </a:bodyPr>
+          <a:bodyPr/>
           <a:lstStyle/>
           <a:p>
-            <a:pPr marL="109728" indent="0" algn="ctr">
-              <a:lnSpc>
-                <a:spcPct val="150000"/>
-              </a:lnSpc>
-              <a:buNone/>
+            <a:pPr>
+              <a:spcAft>
+                <a:spcPts val="600"/>
+              </a:spcAft>
             </a:pPr>
             <a:r>
-              <a:rPr lang="en-US" altLang="zh-CN" sz="5400" b="1" dirty="0" smtClean="0">
-                <a:latin typeface="Times New Roman" panose="02020603050405020304" pitchFamily="18" charset="0"/>
-                <a:cs typeface="Times New Roman" panose="02020603050405020304" pitchFamily="18" charset="0"/>
+              <a:rPr lang="en-US" altLang="zh-CN" dirty="0" smtClean="0"/>
+              <a:t>It is a problem of finding a practical way to  deal with variable storage-referencing.</a:t>
+            </a:r>
+          </a:p>
+          <a:p>
+            <a:pPr>
+              <a:spcAft>
+                <a:spcPts val="600"/>
+              </a:spcAft>
+            </a:pPr>
+            <a:r>
+              <a:rPr lang="en-US" altLang="zh-CN" dirty="0" smtClean="0"/>
+              <a:t>The conflict between discrete aspects of computer arithmetic and the continuous nature of real numbers.</a:t>
+            </a:r>
+          </a:p>
+          <a:p>
+            <a:pPr>
+              <a:spcAft>
+                <a:spcPts val="600"/>
+              </a:spcAft>
+            </a:pPr>
+            <a:r>
+              <a:rPr lang="en-US" altLang="zh-CN" dirty="0"/>
+              <a:t>When </a:t>
+            </a:r>
+            <a:r>
+              <a:rPr lang="en-US" altLang="zh-CN" dirty="0" smtClean="0"/>
+              <a:t>the constraint </a:t>
+            </a:r>
+            <a:r>
+              <a:rPr lang="en-US" altLang="zh-CN" dirty="0"/>
+              <a:t>expression growing </a:t>
+            </a:r>
+            <a:r>
+              <a:rPr lang="en-US" altLang="zh-CN" dirty="0" smtClean="0"/>
+              <a:t>complicated, </a:t>
+            </a:r>
+            <a:r>
+              <a:rPr lang="en-US" altLang="zh-CN" dirty="0"/>
+              <a:t>constraint </a:t>
+            </a:r>
+            <a:r>
+              <a:rPr lang="en-US" altLang="zh-CN" dirty="0" smtClean="0"/>
+              <a:t>solving becomes </a:t>
+            </a:r>
+            <a:r>
+              <a:rPr lang="en-US" altLang="zh-CN" dirty="0"/>
+              <a:t>a troubling </a:t>
+            </a:r>
+            <a:r>
+              <a:rPr lang="en-US" altLang="zh-CN" dirty="0" smtClean="0"/>
+              <a:t>problem.</a:t>
+            </a:r>
+          </a:p>
+        </p:txBody>
+      </p:sp>
+      <p:sp>
+        <p:nvSpPr>
+          <p:cNvPr id="4" name="日期占位符 3"/>
+          <p:cNvSpPr>
+            <a:spLocks noGrp="1"/>
+          </p:cNvSpPr>
+          <p:nvPr>
+            <p:ph type="dt" sz="half" idx="10"/>
+          </p:nvPr>
+        </p:nvSpPr>
+        <p:spPr/>
+        <p:txBody>
+          <a:bodyPr/>
+          <a:lstStyle/>
+          <a:p>
+            <a:fld id="{FF88F899-FA6D-4737-879E-62DE3ED9162E}" type="datetime1">
+              <a:rPr kumimoji="1" lang="zh-CN" altLang="en-US" smtClean="0">
+                <a:solidFill>
+                  <a:prstClr val="black">
+                    <a:lumMod val="65000"/>
+                    <a:lumOff val="35000"/>
+                  </a:prstClr>
+                </a:solidFill>
+                <a:ea typeface="宋体"/>
               </a:rPr>
-              <a:t>Thank you</a:t>
-            </a:r>
-          </a:p>
-          <a:p>
-            <a:pPr marL="109728" indent="0" algn="ctr">
-              <a:lnSpc>
-                <a:spcPct val="150000"/>
-              </a:lnSpc>
-              <a:buNone/>
-            </a:pPr>
-            <a:r>
-              <a:rPr lang="en-US" altLang="zh-CN" sz="5400" b="1" dirty="0" smtClean="0">
-                <a:latin typeface="Times New Roman" panose="02020603050405020304" pitchFamily="18" charset="0"/>
-                <a:cs typeface="Times New Roman" panose="02020603050405020304" pitchFamily="18" charset="0"/>
+              <a:pPr/>
+              <a:t>2020/12/1</a:t>
+            </a:fld>
+            <a:endParaRPr kumimoji="1" lang="zh-CN" altLang="en-US">
+              <a:solidFill>
+                <a:prstClr val="black">
+                  <a:lumMod val="65000"/>
+                  <a:lumOff val="35000"/>
+                </a:prstClr>
+              </a:solidFill>
+              <a:ea typeface="宋体"/>
+            </a:endParaRPr>
+          </a:p>
+        </p:txBody>
+      </p:sp>
+      <p:sp>
+        <p:nvSpPr>
+          <p:cNvPr id="5" name="页脚占位符 4"/>
+          <p:cNvSpPr>
+            <a:spLocks noGrp="1"/>
+          </p:cNvSpPr>
+          <p:nvPr>
+            <p:ph type="ftr" sz="quarter" idx="11"/>
+          </p:nvPr>
+        </p:nvSpPr>
+        <p:spPr/>
+        <p:txBody>
+          <a:bodyPr/>
+          <a:lstStyle/>
+          <a:p>
+            <a:pPr defTabSz="457200"/>
+            <a:endParaRPr lang="zh-CN" altLang="en-US" dirty="0"/>
+          </a:p>
+        </p:txBody>
+      </p:sp>
+      <p:sp>
+        <p:nvSpPr>
+          <p:cNvPr id="6" name="灯片编号占位符 5"/>
+          <p:cNvSpPr>
+            <a:spLocks noGrp="1"/>
+          </p:cNvSpPr>
+          <p:nvPr>
+            <p:ph type="sldNum" sz="quarter" idx="12"/>
+          </p:nvPr>
+        </p:nvSpPr>
+        <p:spPr/>
+        <p:txBody>
+          <a:bodyPr/>
+          <a:lstStyle/>
+          <a:p>
+            <a:fld id="{71F1F346-3964-904C-8DB0-057A2D699FB9}" type="slidenum">
+              <a:rPr kumimoji="1" lang="zh-CN" altLang="en-US" smtClean="0">
+                <a:solidFill>
+                  <a:prstClr val="black">
+                    <a:lumMod val="65000"/>
+                    <a:lumOff val="35000"/>
+                  </a:prstClr>
+                </a:solidFill>
+                <a:ea typeface="宋体"/>
               </a:rPr>
-              <a:t>Q &amp; A</a:t>
-            </a:r>
+              <a:pPr/>
+              <a:t>19</a:t>
+            </a:fld>
+            <a:endParaRPr kumimoji="1" lang="zh-CN" altLang="en-US">
+              <a:solidFill>
+                <a:prstClr val="black">
+                  <a:lumMod val="65000"/>
+                  <a:lumOff val="35000"/>
+                </a:prstClr>
+              </a:solidFill>
+              <a:ea typeface="宋体"/>
+            </a:endParaRPr>
           </a:p>
         </p:txBody>
       </p:sp>
     </p:spTree>
-    <p:extLst>
-      <p:ext uri="{BB962C8B-B14F-4D97-AF65-F5344CB8AC3E}">
-        <p14:creationId xmlns:p14="http://schemas.microsoft.com/office/powerpoint/2010/main" val="1912946656"/>
-      </p:ext>
-    </p:extLst>
   </p:cSld>
   <p:clrMapOvr>
     <a:masterClrMapping/>
   </p:clrMapOvr>
-  <mc:AlternateContent xmlns:mc="http://schemas.openxmlformats.org/markup-compatibility/2006" xmlns:p14="http://schemas.microsoft.com/office/powerpoint/2010/main">
-    <mc:Choice Requires="p14">
-      <p:transition spd="slow" p14:dur="2000" advTm="1792"/>
-    </mc:Choice>
-    <mc:Fallback xmlns="">
-      <p:transition spd="slow" advTm="1792"/>
-    </mc:Fallback>
-  </mc:AlternateContent>
   <p:timing>
     <p:tnLst>
       <p:par>
@@ -17078,7 +22538,7 @@
                 <a:ea typeface="宋体"/>
               </a:rPr>
               <a:pPr/>
-              <a:t>2020/11/30</a:t>
+              <a:t>2020/12/1</a:t>
             </a:fld>
             <a:endParaRPr kumimoji="1" lang="zh-CN" altLang="en-US" dirty="0">
               <a:solidFill>
@@ -17957,10 +23417,10 @@
           <a:lstStyle/>
           <a:p>
             <a:r>
-              <a:rPr lang="en-US" altLang="zh-CN" cap="small" smtClean="0"/>
-              <a:t>Effigy</a:t>
-            </a:r>
-            <a:endParaRPr lang="zh-CN" altLang="en-US"/>
+              <a:rPr lang="en-US" altLang="zh-CN" dirty="0" smtClean="0"/>
+              <a:t>Conclusion</a:t>
+            </a:r>
+            <a:endParaRPr lang="zh-CN" altLang="en-US" dirty="0"/>
           </a:p>
         </p:txBody>
       </p:sp>
@@ -17979,11 +23439,50 @@
           <a:bodyPr/>
           <a:lstStyle/>
           <a:p>
-            <a:r>
-              <a:rPr lang="en-US" altLang="zh-CN" smtClean="0"/>
-              <a:t>The user may define arbitrary identifiers as symbolic program inputs.</a:t>
-            </a:r>
-            <a:endParaRPr lang="zh-CN" altLang="en-US"/>
+            <a:pPr>
+              <a:spcAft>
+                <a:spcPts val="600"/>
+              </a:spcAft>
+            </a:pPr>
+            <a:r>
+              <a:rPr lang="en-US" altLang="zh-CN" dirty="0" smtClean="0"/>
+              <a:t>Symbolic execution allows the creation of high-coverage test, which can help program testing and debugging. </a:t>
+            </a:r>
+          </a:p>
+          <a:p>
+            <a:pPr>
+              <a:spcAft>
+                <a:spcPts val="600"/>
+              </a:spcAft>
+            </a:pPr>
+            <a:r>
+              <a:rPr lang="en-US" altLang="zh-CN" dirty="0" smtClean="0"/>
+              <a:t>The author built an interactive debugging system called </a:t>
+            </a:r>
+            <a:r>
+              <a:rPr lang="en-US" altLang="zh-CN" cap="small" dirty="0" smtClean="0"/>
+              <a:t>Effigy</a:t>
+            </a:r>
+            <a:r>
+              <a:rPr lang="en-US" altLang="zh-CN" dirty="0" smtClean="0"/>
+              <a:t>, which embodies symbolic execution.</a:t>
+            </a:r>
+          </a:p>
+          <a:p>
+            <a:pPr>
+              <a:spcAft>
+                <a:spcPts val="600"/>
+              </a:spcAft>
+            </a:pPr>
+            <a:r>
+              <a:rPr lang="en-US" altLang="zh-CN" dirty="0"/>
+              <a:t>Symbolic </a:t>
+            </a:r>
+            <a:r>
+              <a:rPr lang="en-US" altLang="zh-CN" dirty="0" smtClean="0"/>
+              <a:t>execution is also useful in other forms of program analysis, including program optimization.</a:t>
+            </a:r>
+            <a:endParaRPr lang="zh-CN" altLang="en-US" dirty="0"/>
           </a:p>
         </p:txBody>
       </p:sp>
@@ -18013,7 +23512,7 @@
                 <a:ea typeface="宋体"/>
               </a:rPr>
               <a:pPr/>
-              <a:t>2020/11/30</a:t>
+              <a:t>2020/12/1</a:t>
             </a:fld>
             <a:endParaRPr kumimoji="1" lang="zh-CN" altLang="en-US">
               <a:solidFill>
@@ -18074,6 +23573,287 @@
               </a:rPr>
               <a:pPr/>
               <a:t>20</a:t>
+            </a:fld>
+            <a:endParaRPr kumimoji="1" lang="zh-CN" altLang="en-US">
+              <a:solidFill>
+                <a:prstClr val="black">
+                  <a:lumMod val="65000"/>
+                  <a:lumOff val="35000"/>
+                </a:prstClr>
+              </a:solidFill>
+              <a:ea typeface="宋体"/>
+            </a:endParaRPr>
+          </a:p>
+        </p:txBody>
+      </p:sp>
+    </p:spTree>
+    <p:extLst>
+      <p:ext uri="{BB962C8B-B14F-4D97-AF65-F5344CB8AC3E}">
+        <p14:creationId xmlns:p14="http://schemas.microsoft.com/office/powerpoint/2010/main" val="137591514"/>
+      </p:ext>
+    </p:extLst>
+  </p:cSld>
+  <p:clrMapOvr>
+    <a:masterClrMapping/>
+  </p:clrMapOvr>
+  <p:timing>
+    <p:tnLst>
+      <p:par>
+        <p:cTn id="1" dur="indefinite" restart="never" nodeType="tmRoot"/>
+      </p:par>
+    </p:tnLst>
+  </p:timing>
+</p:sld>
+</file>
+
+<file path=ppt/slides/slide21.xml><?xml version="1.0" encoding="utf-8"?>
+<p:sld xmlns:a="http://schemas.openxmlformats.org/drawingml/2006/main" xmlns:r="http://schemas.openxmlformats.org/officeDocument/2006/relationships" xmlns:p="http://schemas.openxmlformats.org/presentationml/2006/main">
+  <p:cSld>
+    <p:spTree>
+      <p:nvGrpSpPr>
+        <p:cNvPr id="1" name=""/>
+        <p:cNvGrpSpPr/>
+        <p:nvPr/>
+      </p:nvGrpSpPr>
+      <p:grpSpPr>
+        <a:xfrm>
+          <a:off x="0" y="0"/>
+          <a:ext cx="0" cy="0"/>
+          <a:chOff x="0" y="0"/>
+          <a:chExt cx="0" cy="0"/>
+        </a:xfrm>
+      </p:grpSpPr>
+      <p:sp>
+        <p:nvSpPr>
+          <p:cNvPr id="2" name="内容占位符 1"/>
+          <p:cNvSpPr>
+            <a:spLocks noGrp="1"/>
+          </p:cNvSpPr>
+          <p:nvPr>
+            <p:ph idx="1"/>
+          </p:nvPr>
+        </p:nvSpPr>
+        <p:spPr>
+          <a:xfrm>
+            <a:off x="1403648" y="1844824"/>
+            <a:ext cx="6316657" cy="2297011"/>
+          </a:xfrm>
+        </p:spPr>
+        <p:txBody>
+          <a:bodyPr>
+            <a:noAutofit/>
+          </a:bodyPr>
+          <a:lstStyle/>
+          <a:p>
+            <a:pPr marL="109728" indent="0" algn="ctr">
+              <a:lnSpc>
+                <a:spcPct val="150000"/>
+              </a:lnSpc>
+              <a:buNone/>
+            </a:pPr>
+            <a:r>
+              <a:rPr lang="en-US" altLang="zh-CN" sz="5400" b="1" dirty="0" smtClean="0">
+                <a:latin typeface="Times New Roman" panose="02020603050405020304" pitchFamily="18" charset="0"/>
+                <a:cs typeface="Times New Roman" panose="02020603050405020304" pitchFamily="18" charset="0"/>
+              </a:rPr>
+              <a:t>Thank you</a:t>
+            </a:r>
+          </a:p>
+          <a:p>
+            <a:pPr marL="109728" indent="0" algn="ctr">
+              <a:lnSpc>
+                <a:spcPct val="150000"/>
+              </a:lnSpc>
+              <a:buNone/>
+            </a:pPr>
+            <a:r>
+              <a:rPr lang="en-US" altLang="zh-CN" sz="5400" b="1" dirty="0" smtClean="0">
+                <a:latin typeface="Times New Roman" panose="02020603050405020304" pitchFamily="18" charset="0"/>
+                <a:cs typeface="Times New Roman" panose="02020603050405020304" pitchFamily="18" charset="0"/>
+              </a:rPr>
+              <a:t>Q &amp; A</a:t>
+            </a:r>
+          </a:p>
+        </p:txBody>
+      </p:sp>
+    </p:spTree>
+    <p:extLst>
+      <p:ext uri="{BB962C8B-B14F-4D97-AF65-F5344CB8AC3E}">
+        <p14:creationId xmlns:p14="http://schemas.microsoft.com/office/powerpoint/2010/main" val="1912946656"/>
+      </p:ext>
+    </p:extLst>
+  </p:cSld>
+  <p:clrMapOvr>
+    <a:masterClrMapping/>
+  </p:clrMapOvr>
+  <mc:AlternateContent xmlns:mc="http://schemas.openxmlformats.org/markup-compatibility/2006" xmlns:p14="http://schemas.microsoft.com/office/powerpoint/2010/main">
+    <mc:Choice Requires="p14">
+      <p:transition spd="slow" p14:dur="2000" advTm="1792"/>
+    </mc:Choice>
+    <mc:Fallback xmlns="">
+      <p:transition spd="slow" advTm="1792"/>
+    </mc:Fallback>
+  </mc:AlternateContent>
+  <p:timing>
+    <p:tnLst>
+      <p:par>
+        <p:cTn id="1" dur="indefinite" restart="never" nodeType="tmRoot"/>
+      </p:par>
+    </p:tnLst>
+  </p:timing>
+</p:sld>
+</file>
+
+<file path=ppt/slides/slide22.xml><?xml version="1.0" encoding="utf-8"?>
+<p:sld xmlns:a="http://schemas.openxmlformats.org/drawingml/2006/main" xmlns:r="http://schemas.openxmlformats.org/officeDocument/2006/relationships" xmlns:p="http://schemas.openxmlformats.org/presentationml/2006/main">
+  <p:cSld>
+    <p:spTree>
+      <p:nvGrpSpPr>
+        <p:cNvPr id="1" name=""/>
+        <p:cNvGrpSpPr/>
+        <p:nvPr/>
+      </p:nvGrpSpPr>
+      <p:grpSpPr>
+        <a:xfrm>
+          <a:off x="0" y="0"/>
+          <a:ext cx="0" cy="0"/>
+          <a:chOff x="0" y="0"/>
+          <a:chExt cx="0" cy="0"/>
+        </a:xfrm>
+      </p:grpSpPr>
+      <p:sp>
+        <p:nvSpPr>
+          <p:cNvPr id="2" name="标题 1"/>
+          <p:cNvSpPr>
+            <a:spLocks noGrp="1"/>
+          </p:cNvSpPr>
+          <p:nvPr>
+            <p:ph type="title"/>
+          </p:nvPr>
+        </p:nvSpPr>
+        <p:spPr/>
+        <p:txBody>
+          <a:bodyPr/>
+          <a:lstStyle/>
+          <a:p>
+            <a:r>
+              <a:rPr lang="en-US" altLang="zh-CN" cap="small" smtClean="0"/>
+              <a:t>Effigy</a:t>
+            </a:r>
+            <a:endParaRPr lang="zh-CN" altLang="en-US"/>
+          </a:p>
+        </p:txBody>
+      </p:sp>
+      <p:sp>
+        <p:nvSpPr>
+          <p:cNvPr id="3" name="内容占位符 2"/>
+          <p:cNvSpPr>
+            <a:spLocks noGrp="1"/>
+          </p:cNvSpPr>
+          <p:nvPr>
+            <p:ph idx="1"/>
+          </p:nvPr>
+        </p:nvSpPr>
+        <p:spPr/>
+        <p:txBody>
+          <a:bodyPr/>
+          <a:lstStyle/>
+          <a:p>
+            <a:r>
+              <a:rPr lang="en-US" altLang="zh-CN" smtClean="0"/>
+              <a:t>The user may define arbitrary identifiers as symbolic program inputs.</a:t>
+            </a:r>
+            <a:endParaRPr lang="zh-CN" altLang="en-US"/>
+          </a:p>
+        </p:txBody>
+      </p:sp>
+      <p:sp>
+        <p:nvSpPr>
+          <p:cNvPr id="4" name="日期占位符 3"/>
+          <p:cNvSpPr>
+            <a:spLocks noGrp="1"/>
+          </p:cNvSpPr>
+          <p:nvPr>
+            <p:ph type="dt" sz="half" idx="10"/>
+          </p:nvPr>
+        </p:nvSpPr>
+        <p:spPr/>
+        <p:txBody>
+          <a:bodyPr/>
+          <a:lstStyle/>
+          <a:p>
+            <a:fld id="{FF88F899-FA6D-4737-879E-62DE3ED9162E}" type="datetime1">
+              <a:rPr kumimoji="1" lang="zh-CN" altLang="en-US" smtClean="0">
+                <a:solidFill>
+                  <a:prstClr val="black">
+                    <a:lumMod val="65000"/>
+                    <a:lumOff val="35000"/>
+                  </a:prstClr>
+                </a:solidFill>
+                <a:ea typeface="宋体"/>
+              </a:rPr>
+              <a:pPr/>
+              <a:t>2020/12/1</a:t>
+            </a:fld>
+            <a:endParaRPr kumimoji="1" lang="zh-CN" altLang="en-US">
+              <a:solidFill>
+                <a:prstClr val="black">
+                  <a:lumMod val="65000"/>
+                  <a:lumOff val="35000"/>
+                </a:prstClr>
+              </a:solidFill>
+              <a:ea typeface="宋体"/>
+            </a:endParaRPr>
+          </a:p>
+        </p:txBody>
+      </p:sp>
+      <p:sp>
+        <p:nvSpPr>
+          <p:cNvPr id="5" name="页脚占位符 4"/>
+          <p:cNvSpPr>
+            <a:spLocks noGrp="1"/>
+          </p:cNvSpPr>
+          <p:nvPr>
+            <p:ph type="ftr" sz="quarter" idx="11"/>
+          </p:nvPr>
+        </p:nvSpPr>
+        <p:spPr/>
+        <p:txBody>
+          <a:bodyPr/>
+          <a:lstStyle/>
+          <a:p>
+            <a:pPr defTabSz="457200"/>
+            <a:endParaRPr lang="zh-CN" altLang="en-US" dirty="0"/>
+          </a:p>
+        </p:txBody>
+      </p:sp>
+      <p:sp>
+        <p:nvSpPr>
+          <p:cNvPr id="6" name="灯片编号占位符 5"/>
+          <p:cNvSpPr>
+            <a:spLocks noGrp="1"/>
+          </p:cNvSpPr>
+          <p:nvPr>
+            <p:ph type="sldNum" sz="quarter" idx="12"/>
+          </p:nvPr>
+        </p:nvSpPr>
+        <p:spPr/>
+        <p:txBody>
+          <a:bodyPr/>
+          <a:lstStyle/>
+          <a:p>
+            <a:fld id="{71F1F346-3964-904C-8DB0-057A2D699FB9}" type="slidenum">
+              <a:rPr kumimoji="1" lang="zh-CN" altLang="en-US" smtClean="0">
+                <a:solidFill>
+                  <a:prstClr val="black">
+                    <a:lumMod val="65000"/>
+                    <a:lumOff val="35000"/>
+                  </a:prstClr>
+                </a:solidFill>
+                <a:ea typeface="宋体"/>
+              </a:rPr>
+              <a:pPr/>
+              <a:t>22</a:t>
             </a:fld>
             <a:endParaRPr kumimoji="1" lang="zh-CN" altLang="en-US">
               <a:solidFill>
@@ -18545,11 +24325,7 @@
           <a:p>
             <a:r>
               <a:rPr lang="en-US" altLang="zh-CN" sz="3400" dirty="0" smtClean="0"/>
-              <a:t>Unreliable </a:t>
-            </a:r>
-            <a:r>
-              <a:rPr lang="en-US" altLang="zh-CN" sz="3400" dirty="0" smtClean="0"/>
-              <a:t>Programs Bring Losses</a:t>
+              <a:t>Unreliable Programs Bring Losses</a:t>
             </a:r>
             <a:endParaRPr lang="en-US" altLang="zh-CN" sz="3400" dirty="0"/>
           </a:p>
@@ -18710,7 +24486,7 @@
                 <a:ea typeface="宋体"/>
               </a:rPr>
               <a:pPr/>
-              <a:t>2020/11/30</a:t>
+              <a:t>2020/12/1</a:t>
             </a:fld>
             <a:endParaRPr kumimoji="1" lang="zh-CN" altLang="en-US">
               <a:solidFill>
@@ -19031,7 +24807,7 @@
                 <a:ea typeface="宋体"/>
               </a:rPr>
               <a:pPr/>
-              <a:t>2020/11/30</a:t>
+              <a:t>2020/12/1</a:t>
             </a:fld>
             <a:endParaRPr kumimoji="1" lang="zh-CN" altLang="en-US" dirty="0">
               <a:solidFill>
@@ -19476,11 +25252,7 @@
           <a:p>
             <a:r>
               <a:rPr lang="en-US" altLang="zh-CN" dirty="0" smtClean="0"/>
-              <a:t>Existing </a:t>
-            </a:r>
-            <a:r>
-              <a:rPr lang="en-US" altLang="zh-CN" dirty="0" smtClean="0"/>
-              <a:t>Technology</a:t>
+              <a:t>Existing Technology</a:t>
             </a:r>
             <a:endParaRPr lang="zh-CN" altLang="en-US" dirty="0"/>
           </a:p>
@@ -19649,7 +25421,7 @@
                 <a:ea typeface="宋体"/>
               </a:rPr>
               <a:pPr/>
-              <a:t>2020/11/30</a:t>
+              <a:t>2020/12/1</a:t>
             </a:fld>
             <a:endParaRPr kumimoji="1" lang="zh-CN" altLang="en-US">
               <a:solidFill>
@@ -19777,11 +25549,7 @@
           <a:p>
             <a:r>
               <a:rPr lang="en-US" altLang="zh-CN" dirty="0" smtClean="0"/>
-              <a:t>Existing </a:t>
-            </a:r>
-            <a:r>
-              <a:rPr lang="en-US" altLang="zh-CN" dirty="0" smtClean="0"/>
-              <a:t>Technology</a:t>
+              <a:t>Existing Technology</a:t>
             </a:r>
             <a:endParaRPr lang="zh-CN" altLang="en-US" dirty="0"/>
           </a:p>
@@ -19884,7 +25652,7 @@
                 <a:ea typeface="宋体"/>
               </a:rPr>
               <a:pPr/>
-              <a:t>2020/11/30</a:t>
+              <a:t>2020/12/1</a:t>
             </a:fld>
             <a:endParaRPr kumimoji="1" lang="zh-CN" altLang="en-US">
               <a:solidFill>
@@ -20231,7 +25999,7 @@
                 <a:ea typeface="宋体"/>
               </a:rPr>
               <a:pPr/>
-              <a:t>2020/11/30</a:t>
+              <a:t>2020/12/1</a:t>
             </a:fld>
             <a:endParaRPr kumimoji="1" lang="zh-CN" altLang="en-US">
               <a:solidFill>
@@ -20533,7 +26301,7 @@
                 <a:ea typeface="宋体"/>
               </a:rPr>
               <a:pPr/>
-              <a:t>2020/11/30</a:t>
+              <a:t>2020/12/1</a:t>
             </a:fld>
             <a:endParaRPr kumimoji="1" lang="zh-CN" altLang="en-US">
               <a:solidFill>
@@ -20795,11 +26563,7 @@
           <a:p>
             <a:r>
               <a:rPr lang="en-US" altLang="zh-CN" dirty="0" smtClean="0"/>
-              <a:t>Symbolic </a:t>
-            </a:r>
-            <a:r>
-              <a:rPr lang="en-US" altLang="zh-CN" dirty="0" smtClean="0"/>
-              <a:t>Execution</a:t>
+              <a:t>Symbolic Execution</a:t>
             </a:r>
             <a:endParaRPr lang="zh-CN" altLang="en-US" dirty="0"/>
           </a:p>
@@ -20902,7 +26666,7 @@
                 <a:ea typeface="宋体"/>
               </a:rPr>
               <a:pPr/>
-              <a:t>2020/11/30</a:t>
+              <a:t>2020/12/1</a:t>
             </a:fld>
             <a:endParaRPr kumimoji="1" lang="zh-CN" altLang="en-US">
               <a:solidFill>

--- a/Symbolic_execution.pptx
+++ b/Symbolic_execution.pptx
@@ -16,8 +16,8 @@
     <p:sldId id="561" r:id="rId4"/>
     <p:sldId id="562" r:id="rId5"/>
     <p:sldId id="557" r:id="rId6"/>
-    <p:sldId id="559" r:id="rId7"/>
-    <p:sldId id="558" r:id="rId8"/>
+    <p:sldId id="558" r:id="rId7"/>
+    <p:sldId id="559" r:id="rId8"/>
     <p:sldId id="560" r:id="rId9"/>
     <p:sldId id="574" r:id="rId10"/>
     <p:sldId id="563" r:id="rId11"/>
@@ -29,11 +29,11 @@
     <p:sldId id="567" r:id="rId17"/>
     <p:sldId id="569" r:id="rId18"/>
     <p:sldId id="571" r:id="rId19"/>
-    <p:sldId id="582" r:id="rId20"/>
-    <p:sldId id="573" r:id="rId21"/>
-    <p:sldId id="568" r:id="rId22"/>
-    <p:sldId id="556" r:id="rId23"/>
-    <p:sldId id="570" r:id="rId24"/>
+    <p:sldId id="570" r:id="rId20"/>
+    <p:sldId id="582" r:id="rId21"/>
+    <p:sldId id="573" r:id="rId22"/>
+    <p:sldId id="568" r:id="rId23"/>
+    <p:sldId id="556" r:id="rId24"/>
   </p:sldIdLst>
   <p:sldSz cx="9144000" cy="6858000" type="screen4x3"/>
   <p:notesSz cx="6797675" cy="9928225"/>
@@ -134,7 +134,7 @@
   </p:defaultTextStyle>
   <p:extLst>
     <p:ext uri="{EFAFB233-063F-42B5-8137-9DF3F51BA10A}">
-      <p15:sldGuideLst xmlns:p15="http://schemas.microsoft.com/office/powerpoint/2012/main">
+      <p15:sldGuideLst xmlns:p15="http://schemas.microsoft.com/office/powerpoint/2012/main" xmlns="">
         <p15:guide id="1" orient="horz" pos="2160">
           <p15:clr>
             <a:srgbClr val="A4A3A4"/>
@@ -148,7 +148,7 @@
       </p15:sldGuideLst>
     </p:ext>
     <p:ext uri="{2D200454-40CA-4A62-9FC3-DE9A4176ACB9}">
-      <p15:notesGuideLst xmlns:p15="http://schemas.microsoft.com/office/powerpoint/2012/main"/>
+      <p15:notesGuideLst xmlns:p15="http://schemas.microsoft.com/office/powerpoint/2012/main" xmlns=""/>
     </p:ext>
   </p:extLst>
 </p:presentation>
@@ -1355,23 +1355,23 @@
     </dgm:pt>
   </dgm:ptLst>
   <dgm:cxnLst>
+    <dgm:cxn modelId="{9C3AD6D8-20BB-432E-8677-F1B302872B0E}" type="presOf" srcId="{F023FB2D-615F-49FB-B932-A835539B633A}" destId="{65D123C8-C28A-43FC-A1D1-EC1A1AAA1D0D}" srcOrd="0" destOrd="2" presId="urn:microsoft.com/office/officeart/2005/8/layout/arrow4"/>
     <dgm:cxn modelId="{2DA33D83-A486-4DBF-AAD4-027FE6428D8C}" type="presOf" srcId="{9500F054-E821-4CE4-A78F-163684229BEF}" destId="{65D123C8-C28A-43FC-A1D1-EC1A1AAA1D0D}" srcOrd="0" destOrd="1" presId="urn:microsoft.com/office/officeart/2005/8/layout/arrow4"/>
+    <dgm:cxn modelId="{64364F7E-2B30-4537-A41E-EB65227FEBE0}" srcId="{C613176E-2E07-4982-AE61-58047C88A5E0}" destId="{3776A631-3A5C-4A45-AAA1-9A83DB9BB2B4}" srcOrd="0" destOrd="0" parTransId="{37169DBE-07E0-40F0-8E8B-6BE5C9000CD6}" sibTransId="{1C61A887-F32A-4DB6-9CB7-E9105CF133EE}"/>
+    <dgm:cxn modelId="{8F1A1E50-BBF0-464D-811A-982C2CAE586C}" srcId="{3776A631-3A5C-4A45-AAA1-9A83DB9BB2B4}" destId="{24E5BDE8-7AD9-4252-B145-1D56807EB9A4}" srcOrd="1" destOrd="0" parTransId="{8F06EAF3-9191-46BD-981D-F07244E13DF0}" sibTransId="{1D3B26D8-8EBD-49D2-B20B-F604159AC195}"/>
+    <dgm:cxn modelId="{7BBEAA23-584D-4A1C-8311-C0E9E6CBA3A7}" type="presOf" srcId="{FAA59F73-6FA0-49D5-8348-D14E1B279350}" destId="{D0B9CC40-12C0-4884-9089-BF414A745106}" srcOrd="0" destOrd="3" presId="urn:microsoft.com/office/officeart/2005/8/layout/arrow4"/>
+    <dgm:cxn modelId="{BE71F4C1-1B07-443B-A5B3-2C137FF4CFA0}" type="presOf" srcId="{1A65B431-B0C5-475B-AACB-EE64CDB5542D}" destId="{65D123C8-C28A-43FC-A1D1-EC1A1AAA1D0D}" srcOrd="0" destOrd="0" presId="urn:microsoft.com/office/officeart/2005/8/layout/arrow4"/>
+    <dgm:cxn modelId="{A4834247-60D1-4B44-88FF-503376569106}" type="presOf" srcId="{AB150DB6-D2F2-4EF8-BD47-A1DE4EA9EAC7}" destId="{65D123C8-C28A-43FC-A1D1-EC1A1AAA1D0D}" srcOrd="0" destOrd="3" presId="urn:microsoft.com/office/officeart/2005/8/layout/arrow4"/>
+    <dgm:cxn modelId="{9E12A3B4-70C7-4EB8-B3B8-851C759F4C27}" srcId="{1A65B431-B0C5-475B-AACB-EE64CDB5542D}" destId="{9500F054-E821-4CE4-A78F-163684229BEF}" srcOrd="0" destOrd="0" parTransId="{F66A73F2-4553-4D56-967B-58A32857A51B}" sibTransId="{CB5FA6AF-1507-4ED6-88F9-6ED52D974ACA}"/>
+    <dgm:cxn modelId="{2CB4332C-506A-4A72-9E0B-2366C269D619}" srcId="{C613176E-2E07-4982-AE61-58047C88A5E0}" destId="{1A65B431-B0C5-475B-AACB-EE64CDB5542D}" srcOrd="1" destOrd="0" parTransId="{CFD36D27-6F9B-49FF-99D7-7DD05A0F3D83}" sibTransId="{9F15F78E-CFEB-4BD5-AE3C-CF1E170551E9}"/>
     <dgm:cxn modelId="{60C8BBD6-F960-4FEF-BF82-068C183722CA}" type="presOf" srcId="{3776A631-3A5C-4A45-AAA1-9A83DB9BB2B4}" destId="{D0B9CC40-12C0-4884-9089-BF414A745106}" srcOrd="0" destOrd="0" presId="urn:microsoft.com/office/officeart/2005/8/layout/arrow4"/>
+    <dgm:cxn modelId="{C7BBCB7E-7826-42D0-839D-07C845CAD9F3}" type="presOf" srcId="{7DC5BBA1-86D5-4E4E-9561-2161DF6F0C50}" destId="{D0B9CC40-12C0-4884-9089-BF414A745106}" srcOrd="0" destOrd="1" presId="urn:microsoft.com/office/officeart/2005/8/layout/arrow4"/>
     <dgm:cxn modelId="{75179168-990B-4374-B908-5B3E2EE90FF2}" srcId="{3776A631-3A5C-4A45-AAA1-9A83DB9BB2B4}" destId="{7DC5BBA1-86D5-4E4E-9561-2161DF6F0C50}" srcOrd="0" destOrd="0" parTransId="{93B6163C-037E-45AE-8479-BAEE85E7E82B}" sibTransId="{DB7AA6EA-FAA9-4CE8-8F75-DB00225B99ED}"/>
+    <dgm:cxn modelId="{4B8B0CE1-B669-4226-9D35-60E76A01C7BF}" type="presOf" srcId="{24E5BDE8-7AD9-4252-B145-1D56807EB9A4}" destId="{D0B9CC40-12C0-4884-9089-BF414A745106}" srcOrd="0" destOrd="2" presId="urn:microsoft.com/office/officeart/2005/8/layout/arrow4"/>
+    <dgm:cxn modelId="{F45D9E64-B6B5-4FCE-8F7D-9355626CBEEB}" srcId="{1A65B431-B0C5-475B-AACB-EE64CDB5542D}" destId="{AB150DB6-D2F2-4EF8-BD47-A1DE4EA9EAC7}" srcOrd="2" destOrd="0" parTransId="{D632890A-DFEB-4F2F-B9E4-C2C0177B3A32}" sibTransId="{4F8154F9-CBA6-441C-AE49-ECE3A500577C}"/>
     <dgm:cxn modelId="{150A3DA9-7B4E-4F13-B2E2-0CE320C795FB}" type="presOf" srcId="{C613176E-2E07-4982-AE61-58047C88A5E0}" destId="{F9200D61-E392-48B8-B25E-28C9E78F45C8}" srcOrd="0" destOrd="0" presId="urn:microsoft.com/office/officeart/2005/8/layout/arrow4"/>
     <dgm:cxn modelId="{0C001998-8F3B-49F5-8BC4-CA67A830B774}" srcId="{3776A631-3A5C-4A45-AAA1-9A83DB9BB2B4}" destId="{FAA59F73-6FA0-49D5-8348-D14E1B279350}" srcOrd="2" destOrd="0" parTransId="{70769DCF-F5D8-4663-8B5D-9320981ED2B5}" sibTransId="{BE0C9C65-B01A-4FED-B942-1B5AFB142579}"/>
-    <dgm:cxn modelId="{2CB4332C-506A-4A72-9E0B-2366C269D619}" srcId="{C613176E-2E07-4982-AE61-58047C88A5E0}" destId="{1A65B431-B0C5-475B-AACB-EE64CDB5542D}" srcOrd="1" destOrd="0" parTransId="{CFD36D27-6F9B-49FF-99D7-7DD05A0F3D83}" sibTransId="{9F15F78E-CFEB-4BD5-AE3C-CF1E170551E9}"/>
-    <dgm:cxn modelId="{F45D9E64-B6B5-4FCE-8F7D-9355626CBEEB}" srcId="{1A65B431-B0C5-475B-AACB-EE64CDB5542D}" destId="{AB150DB6-D2F2-4EF8-BD47-A1DE4EA9EAC7}" srcOrd="2" destOrd="0" parTransId="{D632890A-DFEB-4F2F-B9E4-C2C0177B3A32}" sibTransId="{4F8154F9-CBA6-441C-AE49-ECE3A500577C}"/>
-    <dgm:cxn modelId="{A4834247-60D1-4B44-88FF-503376569106}" type="presOf" srcId="{AB150DB6-D2F2-4EF8-BD47-A1DE4EA9EAC7}" destId="{65D123C8-C28A-43FC-A1D1-EC1A1AAA1D0D}" srcOrd="0" destOrd="3" presId="urn:microsoft.com/office/officeart/2005/8/layout/arrow4"/>
-    <dgm:cxn modelId="{8F1A1E50-BBF0-464D-811A-982C2CAE586C}" srcId="{3776A631-3A5C-4A45-AAA1-9A83DB9BB2B4}" destId="{24E5BDE8-7AD9-4252-B145-1D56807EB9A4}" srcOrd="1" destOrd="0" parTransId="{8F06EAF3-9191-46BD-981D-F07244E13DF0}" sibTransId="{1D3B26D8-8EBD-49D2-B20B-F604159AC195}"/>
-    <dgm:cxn modelId="{BE71F4C1-1B07-443B-A5B3-2C137FF4CFA0}" type="presOf" srcId="{1A65B431-B0C5-475B-AACB-EE64CDB5542D}" destId="{65D123C8-C28A-43FC-A1D1-EC1A1AAA1D0D}" srcOrd="0" destOrd="0" presId="urn:microsoft.com/office/officeart/2005/8/layout/arrow4"/>
-    <dgm:cxn modelId="{9C3AD6D8-20BB-432E-8677-F1B302872B0E}" type="presOf" srcId="{F023FB2D-615F-49FB-B932-A835539B633A}" destId="{65D123C8-C28A-43FC-A1D1-EC1A1AAA1D0D}" srcOrd="0" destOrd="2" presId="urn:microsoft.com/office/officeart/2005/8/layout/arrow4"/>
     <dgm:cxn modelId="{4B65A473-4FBC-492E-9E55-A78F054735B8}" srcId="{1A65B431-B0C5-475B-AACB-EE64CDB5542D}" destId="{F023FB2D-615F-49FB-B932-A835539B633A}" srcOrd="1" destOrd="0" parTransId="{84B950E6-F17C-424D-B81D-E741E2F979B4}" sibTransId="{C02F31EC-CAE8-4139-8E0C-B42D3B042F9A}"/>
-    <dgm:cxn modelId="{4B8B0CE1-B669-4226-9D35-60E76A01C7BF}" type="presOf" srcId="{24E5BDE8-7AD9-4252-B145-1D56807EB9A4}" destId="{D0B9CC40-12C0-4884-9089-BF414A745106}" srcOrd="0" destOrd="2" presId="urn:microsoft.com/office/officeart/2005/8/layout/arrow4"/>
-    <dgm:cxn modelId="{64364F7E-2B30-4537-A41E-EB65227FEBE0}" srcId="{C613176E-2E07-4982-AE61-58047C88A5E0}" destId="{3776A631-3A5C-4A45-AAA1-9A83DB9BB2B4}" srcOrd="0" destOrd="0" parTransId="{37169DBE-07E0-40F0-8E8B-6BE5C9000CD6}" sibTransId="{1C61A887-F32A-4DB6-9CB7-E9105CF133EE}"/>
-    <dgm:cxn modelId="{7BBEAA23-584D-4A1C-8311-C0E9E6CBA3A7}" type="presOf" srcId="{FAA59F73-6FA0-49D5-8348-D14E1B279350}" destId="{D0B9CC40-12C0-4884-9089-BF414A745106}" srcOrd="0" destOrd="3" presId="urn:microsoft.com/office/officeart/2005/8/layout/arrow4"/>
-    <dgm:cxn modelId="{C7BBCB7E-7826-42D0-839D-07C845CAD9F3}" type="presOf" srcId="{7DC5BBA1-86D5-4E4E-9561-2161DF6F0C50}" destId="{D0B9CC40-12C0-4884-9089-BF414A745106}" srcOrd="0" destOrd="1" presId="urn:microsoft.com/office/officeart/2005/8/layout/arrow4"/>
-    <dgm:cxn modelId="{9E12A3B4-70C7-4EB8-B3B8-851C759F4C27}" srcId="{1A65B431-B0C5-475B-AACB-EE64CDB5542D}" destId="{9500F054-E821-4CE4-A78F-163684229BEF}" srcOrd="0" destOrd="0" parTransId="{F66A73F2-4553-4D56-967B-58A32857A51B}" sibTransId="{CB5FA6AF-1507-4ED6-88F9-6ED52D974ACA}"/>
     <dgm:cxn modelId="{1B9C6B89-09D9-45A4-B7CA-EEB574021257}" type="presParOf" srcId="{F9200D61-E392-48B8-B25E-28C9E78F45C8}" destId="{DCAFE75F-3180-4597-942E-BBE60505CA2C}" srcOrd="0" destOrd="0" presId="urn:microsoft.com/office/officeart/2005/8/layout/arrow4"/>
     <dgm:cxn modelId="{64211888-5F80-448A-8395-C487D4D74864}" type="presParOf" srcId="{F9200D61-E392-48B8-B25E-28C9E78F45C8}" destId="{D0B9CC40-12C0-4884-9089-BF414A745106}" srcOrd="1" destOrd="0" presId="urn:microsoft.com/office/officeart/2005/8/layout/arrow4"/>
     <dgm:cxn modelId="{7C3B499B-334B-490A-8F7B-42629EF55049}" type="presParOf" srcId="{F9200D61-E392-48B8-B25E-28C9E78F45C8}" destId="{4BAE9C4C-C067-4ACA-90F8-43824D4833A2}" srcOrd="2" destOrd="0" presId="urn:microsoft.com/office/officeart/2005/8/layout/arrow4"/>
@@ -1381,14 +1381,14 @@
   <dgm:whole/>
   <dgm:extLst>
     <a:ext uri="http://schemas.microsoft.com/office/drawing/2008/diagram">
-      <dsp:dataModelExt xmlns:dsp="http://schemas.microsoft.com/office/drawing/2008/diagram" relId="rId6" minVer="http://schemas.openxmlformats.org/drawingml/2006/diagram"/>
+      <dsp:dataModelExt xmlns:dsp="http://schemas.microsoft.com/office/drawing/2008/diagram" xmlns="" relId="rId7" minVer="http://schemas.openxmlformats.org/drawingml/2006/diagram"/>
     </a:ext>
   </dgm:extLst>
 </dgm:dataModel>
 </file>
 
 <file path=ppt/diagrams/drawing1.xml><?xml version="1.0" encoding="utf-8"?>
-<dsp:drawing xmlns:dgm="http://schemas.openxmlformats.org/drawingml/2006/diagram" xmlns:dsp="http://schemas.microsoft.com/office/drawing/2008/diagram" xmlns:a="http://schemas.openxmlformats.org/drawingml/2006/main">
+<dsp:drawing xmlns:dgm="http://schemas.openxmlformats.org/drawingml/2006/diagram" xmlns:a="http://schemas.openxmlformats.org/drawingml/2006/main" xmlns:dsp="http://schemas.microsoft.com/office/drawing/2008/diagram">
   <dsp:spTree>
     <dsp:nvGrpSpPr>
       <dsp:cNvPr id="0" name=""/>
@@ -3255,7 +3255,7 @@
     </p:spTree>
     <p:extLst>
       <p:ext uri="{BB962C8B-B14F-4D97-AF65-F5344CB8AC3E}">
-        <p14:creationId xmlns:p14="http://schemas.microsoft.com/office/powerpoint/2010/main" val="3491659132"/>
+        <p14:creationId xmlns:p14="http://schemas.microsoft.com/office/powerpoint/2010/main" xmlns="" val="3491659132"/>
       </p:ext>
     </p:extLst>
   </p:cSld>
@@ -3515,7 +3515,7 @@
     </p:spTree>
     <p:extLst>
       <p:ext uri="{BB962C8B-B14F-4D97-AF65-F5344CB8AC3E}">
-        <p14:creationId xmlns:p14="http://schemas.microsoft.com/office/powerpoint/2010/main" val="42825475"/>
+        <p14:creationId xmlns:p14="http://schemas.microsoft.com/office/powerpoint/2010/main" xmlns="" val="42825475"/>
       </p:ext>
     </p:extLst>
   </p:cSld>
@@ -3661,18 +3661,80 @@
           </a:bodyPr>
           <a:lstStyle/>
           <a:p>
-            <a:r>
-              <a:rPr lang="zh-CN" altLang="en-US" dirty="0" smtClean="0"/>
-              <a:t>大家好，我今天小组报告的题目是</a:t>
-            </a:r>
-            <a:r>
-              <a:rPr lang="en-US" altLang="zh-CN" dirty="0" err="1" smtClean="0"/>
-              <a:t>DSLabs</a:t>
-            </a:r>
-            <a:r>
-              <a:rPr lang="zh-CN" altLang="en-US" dirty="0" smtClean="0"/>
-              <a:t>平台介绍</a:t>
-            </a:r>
+            <a:pPr lvl="0" algn="l">
+              <a:lnSpc>
+                <a:spcPct val="120000"/>
+              </a:lnSpc>
+              <a:spcAft>
+                <a:spcPts val="0"/>
+              </a:spcAft>
+              <a:defRPr/>
+            </a:pPr>
+            <a:r>
+              <a:rPr lang="en-US" altLang="zh-CN" smtClean="0"/>
+              <a:t>Hello, everyone! My name is Shi Lintian.</a:t>
+            </a:r>
+            <a:r>
+              <a:rPr lang="en-US" altLang="zh-CN" baseline="0" smtClean="0"/>
+              <a:t> </a:t>
+            </a:r>
+          </a:p>
+          <a:p>
+            <a:pPr lvl="0" algn="l">
+              <a:lnSpc>
+                <a:spcPct val="120000"/>
+              </a:lnSpc>
+              <a:spcAft>
+                <a:spcPts val="0"/>
+              </a:spcAft>
+              <a:defRPr/>
+            </a:pPr>
+            <a:r>
+              <a:rPr lang="en-US" altLang="zh-CN" baseline="0" smtClean="0"/>
+              <a:t>Today I will give a speech on </a:t>
+            </a:r>
+            <a:r>
+              <a:rPr lang="en-US" altLang="zh-CN" sz="1200" i="1" kern="0" smtClean="0">
+                <a:solidFill>
+                  <a:schemeClr val="tx1"/>
+                </a:solidFill>
+                <a:latin typeface="Arial"/>
+              </a:rPr>
+              <a:t>Symbolic Execution and Program Testing </a:t>
+            </a:r>
+            <a:r>
+              <a:rPr lang="en-US" altLang="zh-CN" sz="1200" i="0" kern="0" smtClean="0">
+                <a:solidFill>
+                  <a:schemeClr val="tx1"/>
+                </a:solidFill>
+                <a:latin typeface="Arial"/>
+              </a:rPr>
+              <a:t>written</a:t>
+            </a:r>
+            <a:r>
+              <a:rPr lang="en-US" altLang="zh-CN" sz="1200" i="0" kern="0" baseline="0" smtClean="0">
+                <a:solidFill>
+                  <a:schemeClr val="tx1"/>
+                </a:solidFill>
+                <a:latin typeface="Arial"/>
+              </a:rPr>
+              <a:t> by James C.King.</a:t>
+            </a:r>
+            <a:endParaRPr kumimoji="0" lang="en-US" altLang="zh-CN" sz="1200" b="1" i="1" u="none" strike="noStrike" kern="0" cap="none" spc="0" normalizeH="0" baseline="0" noProof="0" smtClean="0">
+              <a:ln>
+                <a:noFill/>
+              </a:ln>
+              <a:solidFill>
+                <a:schemeClr val="tx1"/>
+              </a:solidFill>
+              <a:effectLst/>
+              <a:uLnTx/>
+              <a:uFillTx/>
+              <a:latin typeface="Arial"/>
+            </a:endParaRPr>
+          </a:p>
+          <a:p>
+            <a:pPr algn="l"/>
             <a:endParaRPr lang="zh-CN" altLang="en-US" dirty="0"/>
           </a:p>
         </p:txBody>
@@ -3712,7 +3774,7 @@
     </p:spTree>
     <p:extLst>
       <p:ext uri="{BB962C8B-B14F-4D97-AF65-F5344CB8AC3E}">
-        <p14:creationId xmlns:p14="http://schemas.microsoft.com/office/powerpoint/2010/main" val="3867849981"/>
+        <p14:creationId xmlns:p14="http://schemas.microsoft.com/office/powerpoint/2010/main" xmlns="" val="3867849981"/>
       </p:ext>
     </p:extLst>
   </p:cSld>
@@ -3767,8 +3829,35 @@
           <a:lstStyle/>
           <a:p>
             <a:r>
-              <a:rPr lang="en-US" altLang="zh-CN" dirty="0" smtClean="0"/>
-              <a:t>From daily life, medical, spacecraft</a:t>
+              <a:rPr lang="en-US" altLang="zh-CN" smtClean="0"/>
+              <a:t>Nowadays,</a:t>
+            </a:r>
+            <a:r>
+              <a:rPr lang="en-US" altLang="zh-CN" baseline="0" smtClean="0"/>
+              <a:t> program or software is almost everywhere.</a:t>
+            </a:r>
+            <a:endParaRPr lang="en-US" altLang="zh-CN" smtClean="0"/>
+          </a:p>
+          <a:p>
+            <a:r>
+              <a:rPr lang="en-US" altLang="zh-CN" smtClean="0"/>
+              <a:t>From our</a:t>
+            </a:r>
+            <a:r>
+              <a:rPr lang="en-US" altLang="zh-CN" baseline="0" smtClean="0"/>
+              <a:t> </a:t>
+            </a:r>
+            <a:r>
+              <a:rPr lang="en-US" altLang="zh-CN" smtClean="0"/>
+              <a:t>daily life to medical,</a:t>
+            </a:r>
+            <a:r>
+              <a:rPr lang="en-US" altLang="zh-CN" baseline="0" smtClean="0"/>
+              <a:t> </a:t>
+            </a:r>
+            <a:r>
+              <a:rPr lang="en-US" altLang="zh-CN" smtClean="0"/>
+              <a:t>finance, aerospace and so on and so on.</a:t>
             </a:r>
             <a:endParaRPr lang="zh-CN" altLang="en-US" dirty="0"/>
           </a:p>
@@ -3801,7 +3890,7 @@
     </p:spTree>
     <p:extLst>
       <p:ext uri="{BB962C8B-B14F-4D97-AF65-F5344CB8AC3E}">
-        <p14:creationId xmlns:p14="http://schemas.microsoft.com/office/powerpoint/2010/main" val="3675417392"/>
+        <p14:creationId xmlns:p14="http://schemas.microsoft.com/office/powerpoint/2010/main" xmlns="" val="3675417392"/>
       </p:ext>
     </p:extLst>
   </p:cSld>
@@ -3852,11 +3941,29 @@
         </p:nvSpPr>
         <p:spPr/>
         <p:txBody>
-          <a:bodyPr/>
+          <a:bodyPr>
+            <a:normAutofit/>
+          </a:bodyPr>
           <a:lstStyle/>
           <a:p>
             <a:r>
-              <a:rPr lang="en-US" altLang="zh-CN" sz="1200" b="0" i="0" u="none" strike="noStrike" kern="1200" baseline="0" dirty="0" smtClean="0">
+              <a:rPr lang="en-US" altLang="zh-CN" smtClean="0"/>
+              <a:t>However,</a:t>
+            </a:r>
+            <a:r>
+              <a:rPr lang="en-US" altLang="zh-CN" baseline="0" smtClean="0"/>
+              <a:t> programs with mistakes are potential danger for people. </a:t>
+            </a:r>
+          </a:p>
+          <a:p>
+            <a:r>
+              <a:rPr lang="en-US" altLang="zh-CN" baseline="0" smtClean="0"/>
+              <a:t>Unreliable programs may bring huge losses.</a:t>
+            </a:r>
+          </a:p>
+          <a:p>
+            <a:r>
+              <a:rPr lang="en-US" altLang="zh-CN" sz="1200" b="0" i="0" kern="1200" smtClean="0">
                 <a:solidFill>
                   <a:schemeClr val="tx1"/>
                 </a:solidFill>
@@ -3864,9 +3971,144 @@
                 <a:ea typeface="+mn-ea"/>
                 <a:cs typeface="+mn-cs"/>
               </a:rPr>
-              <a:t>if the program is executed on these concrete input values, it will take exactly the same path as the symbolic execution and terminate in the same way.</a:t>
-            </a:r>
-            <a:endParaRPr lang="zh-CN" altLang="en-US" dirty="0"/>
+              <a:t>A booster went off course during launch, resulting in the destruction of </a:t>
+            </a:r>
+            <a:r>
+              <a:rPr lang="en-US" altLang="zh-CN" sz="1200" b="0" i="0" u="none" strike="noStrike" kern="1200" smtClean="0">
+                <a:solidFill>
+                  <a:schemeClr val="tx1"/>
+                </a:solidFill>
+                <a:latin typeface="+mn-lt"/>
+                <a:ea typeface="+mn-ea"/>
+                <a:cs typeface="+mn-cs"/>
+              </a:rPr>
+              <a:t>NASA Mariner 1</a:t>
+            </a:r>
+            <a:r>
+              <a:rPr lang="en-US" altLang="zh-CN" sz="1200" b="0" i="0" kern="1200" smtClean="0">
+                <a:solidFill>
+                  <a:schemeClr val="tx1"/>
+                </a:solidFill>
+                <a:latin typeface="+mn-lt"/>
+                <a:ea typeface="+mn-ea"/>
+                <a:cs typeface="+mn-cs"/>
+              </a:rPr>
+              <a:t>. This was the result of the failure of a transcriber to notice an </a:t>
+            </a:r>
+            <a:r>
+              <a:rPr lang="en-US" altLang="zh-CN" sz="1200" b="0" i="0" u="none" strike="noStrike" kern="1200" smtClean="0">
+                <a:solidFill>
+                  <a:schemeClr val="tx1"/>
+                </a:solidFill>
+                <a:latin typeface="+mn-lt"/>
+                <a:ea typeface="+mn-ea"/>
+                <a:cs typeface="+mn-cs"/>
+              </a:rPr>
+              <a:t>overbar</a:t>
+            </a:r>
+            <a:r>
+              <a:rPr lang="en-US" altLang="zh-CN" sz="1200" b="0" i="0" kern="1200" smtClean="0">
+                <a:solidFill>
+                  <a:schemeClr val="tx1"/>
+                </a:solidFill>
+                <a:latin typeface="+mn-lt"/>
+                <a:ea typeface="+mn-ea"/>
+                <a:cs typeface="+mn-cs"/>
+              </a:rPr>
+              <a:t> in a written specification for the guidance program, resulting in the coding of an incorrect formula in its </a:t>
+            </a:r>
+            <a:r>
+              <a:rPr lang="en-US" altLang="zh-CN" sz="1200" b="0" i="0" u="none" strike="noStrike" kern="1200" smtClean="0">
+                <a:solidFill>
+                  <a:schemeClr val="tx1"/>
+                </a:solidFill>
+                <a:latin typeface="+mn-lt"/>
+                <a:ea typeface="+mn-ea"/>
+                <a:cs typeface="+mn-cs"/>
+              </a:rPr>
+              <a:t>FORTRAN</a:t>
+            </a:r>
+            <a:r>
+              <a:rPr lang="en-US" altLang="zh-CN" sz="1200" b="0" i="0" kern="1200" smtClean="0">
+                <a:solidFill>
+                  <a:schemeClr val="tx1"/>
+                </a:solidFill>
+                <a:latin typeface="+mn-lt"/>
+                <a:ea typeface="+mn-ea"/>
+                <a:cs typeface="+mn-cs"/>
+              </a:rPr>
+              <a:t> software. (July 22, 1962).</a:t>
+            </a:r>
+            <a:r>
+              <a:rPr lang="en-US" altLang="zh-CN" sz="1200" b="0" i="0" u="none" strike="noStrike" kern="1200" baseline="30000" smtClean="0">
+                <a:solidFill>
+                  <a:schemeClr val="tx1"/>
+                </a:solidFill>
+                <a:latin typeface="+mn-lt"/>
+                <a:ea typeface="+mn-ea"/>
+                <a:cs typeface="+mn-cs"/>
+              </a:rPr>
+              <a:t> </a:t>
+            </a:r>
+            <a:r>
+              <a:rPr lang="en-US" altLang="zh-CN" sz="1200" b="0" i="0" kern="1200" smtClean="0">
+                <a:solidFill>
+                  <a:schemeClr val="tx1"/>
+                </a:solidFill>
+                <a:latin typeface="+mn-lt"/>
+                <a:ea typeface="+mn-ea"/>
+                <a:cs typeface="+mn-cs"/>
+              </a:rPr>
+              <a:t>The initial reporting of the cause of this bug was incorrect.</a:t>
+            </a:r>
+          </a:p>
+          <a:p>
+            <a:r>
+              <a:rPr lang="en-US" altLang="zh-CN" sz="1200" b="0" i="0" kern="1200" smtClean="0">
+                <a:solidFill>
+                  <a:schemeClr val="tx1"/>
+                </a:solidFill>
+                <a:latin typeface="+mn-lt"/>
+                <a:ea typeface="+mn-ea"/>
+                <a:cs typeface="+mn-cs"/>
+              </a:rPr>
+              <a:t>A bug in the code controlling the Therac-25 radiation therapy machine was directly responsible for at least five patient deaths in the 1980s when it administered excessive quantities of beta radiation.</a:t>
+            </a:r>
+          </a:p>
+          <a:p>
+            <a:r>
+              <a:rPr lang="en-US" altLang="zh-CN" sz="1200" b="0" i="0" kern="1200" smtClean="0">
+                <a:solidFill>
+                  <a:schemeClr val="tx1"/>
+                </a:solidFill>
+                <a:latin typeface="+mn-lt"/>
+                <a:ea typeface="+mn-ea"/>
+                <a:cs typeface="+mn-cs"/>
+              </a:rPr>
+              <a:t>Because of these,</a:t>
+            </a:r>
+            <a:r>
+              <a:rPr lang="en-US" altLang="zh-CN" sz="1200" b="0" i="0" kern="1200" baseline="0" smtClean="0">
+                <a:solidFill>
+                  <a:schemeClr val="tx1"/>
+                </a:solidFill>
+                <a:latin typeface="+mn-lt"/>
+                <a:ea typeface="+mn-ea"/>
+                <a:cs typeface="+mn-cs"/>
+              </a:rPr>
+              <a:t> we need reliable programs!</a:t>
+            </a:r>
+            <a:endParaRPr lang="en-US" altLang="zh-CN" sz="1200" b="0" i="0" kern="1200" smtClean="0">
+              <a:solidFill>
+                <a:schemeClr val="tx1"/>
+              </a:solidFill>
+              <a:latin typeface="+mn-lt"/>
+              <a:ea typeface="+mn-ea"/>
+              <a:cs typeface="+mn-cs"/>
+            </a:endParaRPr>
+          </a:p>
+          <a:p>
+            <a:endParaRPr lang="zh-CN" altLang="en-US"/>
           </a:p>
         </p:txBody>
       </p:sp>
@@ -3888,18 +4130,13 @@
             <a:fld id="{22AA2441-62E5-47DE-97D7-858DE28521CF}" type="slidenum">
               <a:rPr lang="zh-CN" altLang="en-US" smtClean="0"/>
               <a:pPr/>
-              <a:t>14</a:t>
+              <a:t>3</a:t>
             </a:fld>
             <a:endParaRPr lang="zh-CN" altLang="en-US"/>
           </a:p>
         </p:txBody>
       </p:sp>
     </p:spTree>
-    <p:extLst>
-      <p:ext uri="{BB962C8B-B14F-4D97-AF65-F5344CB8AC3E}">
-        <p14:creationId xmlns:p14="http://schemas.microsoft.com/office/powerpoint/2010/main" val="3273333701"/>
-      </p:ext>
-    </p:extLst>
   </p:cSld>
   <p:clrMapOvr>
     <a:masterClrMapping/>
@@ -3948,9 +4185,85 @@
         </p:nvSpPr>
         <p:spPr/>
         <p:txBody>
-          <a:bodyPr/>
+          <a:bodyPr>
+            <a:normAutofit/>
+          </a:bodyPr>
           <a:lstStyle/>
           <a:p>
+            <a:pPr marL="0" marR="0" indent="0" algn="l" defTabSz="914400" rtl="0" eaLnBrk="1" fontAlgn="auto" latinLnBrk="0" hangingPunct="1">
+              <a:lnSpc>
+                <a:spcPct val="100000"/>
+              </a:lnSpc>
+              <a:spcBef>
+                <a:spcPts val="0"/>
+              </a:spcBef>
+              <a:spcAft>
+                <a:spcPts val="0"/>
+              </a:spcAft>
+              <a:buClrTx/>
+              <a:buSzTx/>
+              <a:buFontTx/>
+              <a:buNone/>
+              <a:tabLst/>
+              <a:defRPr/>
+            </a:pPr>
+            <a:r>
+              <a:rPr lang="en-US" altLang="zh-CN" smtClean="0"/>
+              <a:t>The large-scale production of reliable programs is a challenging problem in 1970s and even today.</a:t>
+            </a:r>
+          </a:p>
+          <a:p>
+            <a:pPr marL="0" marR="0" indent="0" algn="l" defTabSz="914400" rtl="0" eaLnBrk="1" fontAlgn="auto" latinLnBrk="0" hangingPunct="1">
+              <a:lnSpc>
+                <a:spcPct val="100000"/>
+              </a:lnSpc>
+              <a:spcBef>
+                <a:spcPts val="0"/>
+              </a:spcBef>
+              <a:spcAft>
+                <a:spcPts val="0"/>
+              </a:spcAft>
+              <a:buClrTx/>
+              <a:buSzTx/>
+              <a:buFontTx/>
+              <a:buNone/>
+              <a:tabLst/>
+              <a:defRPr/>
+            </a:pPr>
+            <a:r>
+              <a:rPr lang="en-US" altLang="zh-CN" smtClean="0"/>
+              <a:t>But it is difficult to verify the correctness of a program!</a:t>
+            </a:r>
+          </a:p>
+          <a:p>
+            <a:r>
+              <a:rPr lang="en-US" altLang="zh-CN" smtClean="0"/>
+              <a:t>Is this bubble sort correct? Maybe you think</a:t>
+            </a:r>
+            <a:r>
+              <a:rPr lang="en-US" altLang="zh-CN" baseline="0" smtClean="0"/>
+              <a:t> </a:t>
+            </a:r>
+            <a:r>
+              <a:rPr lang="en-US" altLang="zh-CN" smtClean="0"/>
+              <a:t>it is trivial, or you can use loop invariant to give a proof.</a:t>
+            </a:r>
+          </a:p>
+          <a:p>
+            <a:r>
+              <a:rPr lang="en-US" altLang="zh-CN" smtClean="0"/>
+              <a:t>But</a:t>
+            </a:r>
+            <a:r>
+              <a:rPr lang="en-US" altLang="zh-CN" baseline="0" smtClean="0"/>
+              <a:t> what about this red-black tree’s delete function? Maybe it is difficult check out.</a:t>
+            </a:r>
+          </a:p>
+          <a:p>
+            <a:r>
+              <a:rPr lang="en-US" altLang="zh-CN" baseline="0" smtClean="0"/>
+              <a:t>What about a program in real working scenario? </a:t>
+            </a:r>
             <a:endParaRPr lang="zh-CN" altLang="en-US"/>
           </a:p>
         </p:txBody>
@@ -3970,10 +4283,801 @@
           <a:bodyPr/>
           <a:lstStyle/>
           <a:p>
+            <a:fld id="{22AA2441-62E5-47DE-97D7-858DE28521CF}" type="slidenum">
+              <a:rPr lang="zh-CN" altLang="en-US" smtClean="0"/>
+              <a:pPr/>
+              <a:t>4</a:t>
+            </a:fld>
+            <a:endParaRPr lang="zh-CN" altLang="en-US"/>
+          </a:p>
+        </p:txBody>
+      </p:sp>
+    </p:spTree>
+  </p:cSld>
+  <p:clrMapOvr>
+    <a:masterClrMapping/>
+  </p:clrMapOvr>
+</p:notes>
+</file>
+
+<file path=ppt/notesSlides/notesSlide5.xml><?xml version="1.0" encoding="utf-8"?>
+<p:notes xmlns:a="http://schemas.openxmlformats.org/drawingml/2006/main" xmlns:r="http://schemas.openxmlformats.org/officeDocument/2006/relationships" xmlns:p="http://schemas.openxmlformats.org/presentationml/2006/main">
+  <p:cSld>
+    <p:spTree>
+      <p:nvGrpSpPr>
+        <p:cNvPr id="1" name=""/>
+        <p:cNvGrpSpPr/>
+        <p:nvPr/>
+      </p:nvGrpSpPr>
+      <p:grpSpPr>
+        <a:xfrm>
+          <a:off x="0" y="0"/>
+          <a:ext cx="0" cy="0"/>
+          <a:chOff x="0" y="0"/>
+          <a:chExt cx="0" cy="0"/>
+        </a:xfrm>
+      </p:grpSpPr>
+      <p:sp>
+        <p:nvSpPr>
+          <p:cNvPr id="2" name="幻灯片图像占位符 1"/>
+          <p:cNvSpPr>
+            <a:spLocks noGrp="1" noRot="1" noChangeAspect="1"/>
+          </p:cNvSpPr>
+          <p:nvPr>
+            <p:ph type="sldImg"/>
+          </p:nvPr>
+        </p:nvSpPr>
+        <p:spPr/>
+      </p:sp>
+      <p:sp>
+        <p:nvSpPr>
+          <p:cNvPr id="3" name="备注占位符 2"/>
+          <p:cNvSpPr>
+            <a:spLocks noGrp="1"/>
+          </p:cNvSpPr>
+          <p:nvPr>
+            <p:ph type="body" idx="1"/>
+          </p:nvPr>
+        </p:nvSpPr>
+        <p:spPr/>
+        <p:txBody>
+          <a:bodyPr>
+            <a:normAutofit/>
+          </a:bodyPr>
+          <a:lstStyle/>
+          <a:p>
+            <a:pPr marL="0" marR="0" indent="0" algn="l" defTabSz="914400" rtl="0" eaLnBrk="1" fontAlgn="auto" latinLnBrk="0" hangingPunct="1">
+              <a:lnSpc>
+                <a:spcPct val="100000"/>
+              </a:lnSpc>
+              <a:spcBef>
+                <a:spcPts val="0"/>
+              </a:spcBef>
+              <a:spcAft>
+                <a:spcPts val="0"/>
+              </a:spcAft>
+              <a:buClrTx/>
+              <a:buSzTx/>
+              <a:buFontTx/>
+              <a:buNone/>
+              <a:tabLst/>
+              <a:defRPr/>
+            </a:pPr>
+            <a:r>
+              <a:rPr lang="en-US" altLang="zh-CN" smtClean="0"/>
+              <a:t>The</a:t>
+            </a:r>
+            <a:r>
+              <a:rPr lang="en-US" altLang="zh-CN" baseline="0" smtClean="0"/>
+              <a:t> current</a:t>
+            </a:r>
+            <a:r>
+              <a:rPr lang="zh-CN" altLang="en-US" baseline="0" smtClean="0"/>
+              <a:t> </a:t>
+            </a:r>
+            <a:r>
+              <a:rPr lang="en-US" altLang="zh-CN" baseline="0" smtClean="0"/>
+              <a:t>technology in this area is basically a testing technology. </a:t>
+            </a:r>
+          </a:p>
+          <a:p>
+            <a:pPr marL="0" marR="0" indent="0" algn="l" defTabSz="914400" rtl="0" eaLnBrk="1" fontAlgn="auto" latinLnBrk="0" hangingPunct="1">
+              <a:lnSpc>
+                <a:spcPct val="100000"/>
+              </a:lnSpc>
+              <a:spcBef>
+                <a:spcPts val="0"/>
+              </a:spcBef>
+              <a:spcAft>
+                <a:spcPts val="0"/>
+              </a:spcAft>
+              <a:buClrTx/>
+              <a:buSzTx/>
+              <a:buFontTx/>
+              <a:buNone/>
+              <a:tabLst/>
+              <a:defRPr/>
+            </a:pPr>
+            <a:r>
+              <a:rPr lang="en-US" altLang="zh-CN" baseline="0" smtClean="0"/>
+              <a:t>That is, some small sample of the data that a program is expected to handle is presented to program.</a:t>
+            </a:r>
+          </a:p>
+          <a:p>
+            <a:pPr marL="0" marR="0" indent="0" algn="l" defTabSz="914400" rtl="0" eaLnBrk="1" fontAlgn="auto" latinLnBrk="0" hangingPunct="1">
+              <a:lnSpc>
+                <a:spcPct val="100000"/>
+              </a:lnSpc>
+              <a:spcBef>
+                <a:spcPts val="0"/>
+              </a:spcBef>
+              <a:spcAft>
+                <a:spcPts val="0"/>
+              </a:spcAft>
+              <a:buClrTx/>
+              <a:buSzTx/>
+              <a:buFontTx/>
+              <a:buNone/>
+              <a:tabLst/>
+              <a:defRPr/>
+            </a:pPr>
+            <a:r>
+              <a:rPr lang="en-US" altLang="zh-CN" smtClean="0"/>
+              <a:t>If the program is judged to produce correct results for some small sample data, it is assumed to be correct.</a:t>
+            </a:r>
+          </a:p>
+          <a:p>
+            <a:pPr marL="0" marR="0" lvl="1" indent="0" algn="l" defTabSz="914400" rtl="0" eaLnBrk="1" fontAlgn="auto" latinLnBrk="0" hangingPunct="1">
+              <a:lnSpc>
+                <a:spcPct val="100000"/>
+              </a:lnSpc>
+              <a:spcBef>
+                <a:spcPts val="0"/>
+              </a:spcBef>
+              <a:spcAft>
+                <a:spcPts val="0"/>
+              </a:spcAft>
+              <a:buClrTx/>
+              <a:buSzTx/>
+              <a:buFontTx/>
+              <a:buNone/>
+              <a:tabLst/>
+              <a:defRPr/>
+            </a:pPr>
+            <a:r>
+              <a:rPr lang="en-US" altLang="zh-CN" smtClean="0"/>
+              <a:t>But</a:t>
+            </a:r>
+            <a:r>
+              <a:rPr lang="en-US" altLang="zh-CN" baseline="0" smtClean="0"/>
+              <a:t> t</a:t>
+            </a:r>
+            <a:r>
+              <a:rPr lang="en-US" altLang="zh-CN" smtClean="0"/>
+              <a:t>he sample data may not cover all executions. Much work focuses</a:t>
+            </a:r>
+            <a:r>
+              <a:rPr lang="en-US" altLang="zh-CN" baseline="0" smtClean="0"/>
+              <a:t> on the question of how to choose this sample.</a:t>
+            </a:r>
+          </a:p>
+          <a:p>
+            <a:pPr marL="0" marR="0" lvl="1" indent="0" algn="l" defTabSz="914400" rtl="0" eaLnBrk="1" fontAlgn="auto" latinLnBrk="0" hangingPunct="1">
+              <a:lnSpc>
+                <a:spcPct val="100000"/>
+              </a:lnSpc>
+              <a:spcBef>
+                <a:spcPts val="0"/>
+              </a:spcBef>
+              <a:spcAft>
+                <a:spcPts val="0"/>
+              </a:spcAft>
+              <a:buClrTx/>
+              <a:buSzTx/>
+              <a:buFontTx/>
+              <a:buNone/>
+              <a:tabLst/>
+              <a:defRPr/>
+            </a:pPr>
+            <a:r>
+              <a:rPr lang="en-US" altLang="zh-CN" baseline="0" smtClean="0"/>
+              <a:t>And </a:t>
+            </a:r>
+            <a:r>
+              <a:rPr lang="en-US" altLang="zh-CN" sz="1200" i="0" smtClean="0">
+                <a:solidFill>
+                  <a:srgbClr val="800000"/>
+                </a:solidFill>
+                <a:latin typeface="Bodoni MT" panose="02070603080606020203" pitchFamily="18" charset="0"/>
+              </a:rPr>
+              <a:t>Dijkstra said :</a:t>
+            </a:r>
+            <a:r>
+              <a:rPr lang="en-US" altLang="zh-CN" sz="1200" smtClean="0">
+                <a:solidFill>
+                  <a:srgbClr val="800000"/>
+                </a:solidFill>
+                <a:latin typeface="Bodoni MT" panose="02070603080606020203" pitchFamily="18" charset="0"/>
+              </a:rPr>
+              <a:t>“Program testing can be used to show the presence of bugs, but never to show their absence!” .</a:t>
+            </a:r>
+            <a:endParaRPr lang="en-US" altLang="zh-CN" i="0" smtClean="0"/>
+          </a:p>
+          <a:p>
+            <a:pPr marL="0" marR="0" indent="0" algn="l" defTabSz="914400" rtl="0" eaLnBrk="1" fontAlgn="auto" latinLnBrk="0" hangingPunct="1">
+              <a:lnSpc>
+                <a:spcPct val="100000"/>
+              </a:lnSpc>
+              <a:spcBef>
+                <a:spcPts val="0"/>
+              </a:spcBef>
+              <a:spcAft>
+                <a:spcPts val="0"/>
+              </a:spcAft>
+              <a:buClrTx/>
+              <a:buSzTx/>
+              <a:buFontTx/>
+              <a:buNone/>
+              <a:tabLst/>
+              <a:defRPr/>
+            </a:pPr>
+            <a:endParaRPr lang="en-US" altLang="zh-CN" dirty="0" smtClean="0"/>
+          </a:p>
+        </p:txBody>
+      </p:sp>
+      <p:sp>
+        <p:nvSpPr>
+          <p:cNvPr id="4" name="灯片编号占位符 3"/>
+          <p:cNvSpPr>
+            <a:spLocks noGrp="1"/>
+          </p:cNvSpPr>
+          <p:nvPr>
+            <p:ph type="sldNum" sz="quarter" idx="10"/>
+          </p:nvPr>
+        </p:nvSpPr>
+        <p:spPr/>
+        <p:txBody>
+          <a:bodyPr/>
+          <a:lstStyle/>
+          <a:p>
+            <a:fld id="{22AA2441-62E5-47DE-97D7-858DE28521CF}" type="slidenum">
+              <a:rPr lang="zh-CN" altLang="en-US" smtClean="0"/>
+              <a:pPr/>
+              <a:t>5</a:t>
+            </a:fld>
+            <a:endParaRPr lang="zh-CN" altLang="en-US"/>
+          </a:p>
+        </p:txBody>
+      </p:sp>
+    </p:spTree>
+  </p:cSld>
+  <p:clrMapOvr>
+    <a:masterClrMapping/>
+  </p:clrMapOvr>
+</p:notes>
+</file>
+
+<file path=ppt/notesSlides/notesSlide6.xml><?xml version="1.0" encoding="utf-8"?>
+<p:notes xmlns:a="http://schemas.openxmlformats.org/drawingml/2006/main" xmlns:r="http://schemas.openxmlformats.org/officeDocument/2006/relationships" xmlns:p="http://schemas.openxmlformats.org/presentationml/2006/main">
+  <p:cSld>
+    <p:spTree>
+      <p:nvGrpSpPr>
+        <p:cNvPr id="1" name=""/>
+        <p:cNvGrpSpPr/>
+        <p:nvPr/>
+      </p:nvGrpSpPr>
+      <p:grpSpPr>
+        <a:xfrm>
+          <a:off x="0" y="0"/>
+          <a:ext cx="0" cy="0"/>
+          <a:chOff x="0" y="0"/>
+          <a:chExt cx="0" cy="0"/>
+        </a:xfrm>
+      </p:grpSpPr>
+      <p:sp>
+        <p:nvSpPr>
+          <p:cNvPr id="2" name="幻灯片图像占位符 1"/>
+          <p:cNvSpPr>
+            <a:spLocks noGrp="1" noRot="1" noChangeAspect="1"/>
+          </p:cNvSpPr>
+          <p:nvPr>
+            <p:ph type="sldImg"/>
+          </p:nvPr>
+        </p:nvSpPr>
+        <p:spPr/>
+      </p:sp>
+      <p:sp>
+        <p:nvSpPr>
+          <p:cNvPr id="3" name="备注占位符 2"/>
+          <p:cNvSpPr>
+            <a:spLocks noGrp="1"/>
+          </p:cNvSpPr>
+          <p:nvPr>
+            <p:ph type="body" idx="1"/>
+          </p:nvPr>
+        </p:nvSpPr>
+        <p:spPr/>
+        <p:txBody>
+          <a:bodyPr>
+            <a:normAutofit/>
+          </a:bodyPr>
+          <a:lstStyle/>
+          <a:p>
+            <a:r>
+              <a:rPr lang="en-US" altLang="zh-CN" smtClean="0"/>
+              <a:t>Another technology is program proving.</a:t>
+            </a:r>
+          </a:p>
+          <a:p>
+            <a:r>
+              <a:rPr lang="en-US" altLang="zh-CN" smtClean="0"/>
+              <a:t>The programmer formally proves that the program meets its specification for all executions.</a:t>
+            </a:r>
+          </a:p>
+          <a:p>
+            <a:pPr marL="0" marR="0" lvl="1" indent="0" algn="l" defTabSz="914400" rtl="0" eaLnBrk="1" fontAlgn="auto" latinLnBrk="0" hangingPunct="1">
+              <a:lnSpc>
+                <a:spcPct val="100000"/>
+              </a:lnSpc>
+              <a:spcBef>
+                <a:spcPts val="0"/>
+              </a:spcBef>
+              <a:spcAft>
+                <a:spcPts val="0"/>
+              </a:spcAft>
+              <a:buClrTx/>
+              <a:buSzTx/>
+              <a:buFontTx/>
+              <a:buNone/>
+              <a:tabLst/>
+              <a:defRPr/>
+            </a:pPr>
+            <a:r>
+              <a:rPr lang="en-US" altLang="zh-CN" smtClean="0"/>
+              <a:t>Though formal</a:t>
+            </a:r>
+            <a:r>
+              <a:rPr lang="en-US" altLang="zh-CN" baseline="0" smtClean="0"/>
+              <a:t> proving shows great promise, </a:t>
+            </a:r>
+            <a:r>
+              <a:rPr lang="en-US" altLang="zh-CN" smtClean="0"/>
+              <a:t>the practical accomplishments fall short of a tool for routine use. </a:t>
+            </a:r>
+          </a:p>
+          <a:p>
+            <a:pPr marL="0" marR="0" lvl="1" indent="0" algn="l" defTabSz="914400" rtl="0" eaLnBrk="1" fontAlgn="auto" latinLnBrk="0" hangingPunct="1">
+              <a:lnSpc>
+                <a:spcPct val="100000"/>
+              </a:lnSpc>
+              <a:spcBef>
+                <a:spcPts val="0"/>
+              </a:spcBef>
+              <a:spcAft>
+                <a:spcPts val="0"/>
+              </a:spcAft>
+              <a:buClrTx/>
+              <a:buSzTx/>
+              <a:buFontTx/>
+              <a:buNone/>
+              <a:tabLst/>
+              <a:defRPr/>
+            </a:pPr>
+            <a:r>
+              <a:rPr lang="en-US" altLang="zh-CN" sz="1200" smtClean="0">
+                <a:solidFill>
+                  <a:schemeClr val="bg1">
+                    <a:lumMod val="50000"/>
+                  </a:schemeClr>
+                </a:solidFill>
+              </a:rPr>
+              <a:t>There is no proof assistant in 1970s. </a:t>
+            </a:r>
+            <a:r>
+              <a:rPr lang="en-US" altLang="zh-CN" sz="1200" i="1" smtClean="0">
+                <a:solidFill>
+                  <a:schemeClr val="bg1">
+                    <a:lumMod val="50000"/>
+                  </a:schemeClr>
+                </a:solidFill>
+              </a:rPr>
+              <a:t>Coq</a:t>
+            </a:r>
+            <a:r>
+              <a:rPr lang="en-US" altLang="zh-CN" sz="1200" smtClean="0">
+                <a:solidFill>
+                  <a:schemeClr val="bg1">
+                    <a:lumMod val="50000"/>
+                  </a:schemeClr>
+                </a:solidFill>
+              </a:rPr>
+              <a:t> was first release in 1989 and </a:t>
+            </a:r>
+            <a:r>
+              <a:rPr lang="en-US" altLang="zh-CN" sz="1200" i="1" smtClean="0">
+                <a:solidFill>
+                  <a:schemeClr val="bg1">
+                    <a:lumMod val="50000"/>
+                  </a:schemeClr>
+                </a:solidFill>
+              </a:rPr>
+              <a:t>TLA+</a:t>
+            </a:r>
+            <a:r>
+              <a:rPr lang="en-US" altLang="zh-CN" sz="1200" smtClean="0">
+                <a:solidFill>
+                  <a:schemeClr val="bg1">
+                    <a:lumMod val="50000"/>
+                  </a:schemeClr>
+                </a:solidFill>
+              </a:rPr>
+              <a:t> was introduced in 1999.</a:t>
+            </a:r>
+            <a:endParaRPr lang="en-US" altLang="zh-CN" sz="1200" i="1" smtClean="0">
+              <a:solidFill>
+                <a:schemeClr val="bg1">
+                  <a:lumMod val="50000"/>
+                </a:schemeClr>
+              </a:solidFill>
+            </a:endParaRPr>
+          </a:p>
+          <a:p>
+            <a:pPr marL="0" marR="0" lvl="1" indent="0" algn="l" defTabSz="914400" rtl="0" eaLnBrk="1" fontAlgn="auto" latinLnBrk="0" hangingPunct="1">
+              <a:lnSpc>
+                <a:spcPct val="100000"/>
+              </a:lnSpc>
+              <a:spcBef>
+                <a:spcPts val="0"/>
+              </a:spcBef>
+              <a:spcAft>
+                <a:spcPts val="0"/>
+              </a:spcAft>
+              <a:buClrTx/>
+              <a:buSzTx/>
+              <a:buFontTx/>
+              <a:buNone/>
+              <a:tabLst/>
+              <a:defRPr/>
+            </a:pPr>
+            <a:r>
+              <a:rPr lang="en-US" altLang="zh-CN" smtClean="0"/>
+              <a:t>The confidence depends on the creation of the specification and the construction of proof steps, which are both error-prone.</a:t>
+            </a:r>
+          </a:p>
+          <a:p>
+            <a:endParaRPr lang="zh-CN" altLang="en-US"/>
+          </a:p>
+        </p:txBody>
+      </p:sp>
+      <p:sp>
+        <p:nvSpPr>
+          <p:cNvPr id="4" name="灯片编号占位符 3"/>
+          <p:cNvSpPr>
+            <a:spLocks noGrp="1"/>
+          </p:cNvSpPr>
+          <p:nvPr>
+            <p:ph type="sldNum" sz="quarter" idx="10"/>
+          </p:nvPr>
+        </p:nvSpPr>
+        <p:spPr/>
+        <p:txBody>
+          <a:bodyPr/>
+          <a:lstStyle/>
+          <a:p>
+            <a:fld id="{22AA2441-62E5-47DE-97D7-858DE28521CF}" type="slidenum">
+              <a:rPr lang="zh-CN" altLang="en-US" smtClean="0"/>
+              <a:pPr/>
+              <a:t>6</a:t>
+            </a:fld>
+            <a:endParaRPr lang="zh-CN" altLang="en-US"/>
+          </a:p>
+        </p:txBody>
+      </p:sp>
+    </p:spTree>
+  </p:cSld>
+  <p:clrMapOvr>
+    <a:masterClrMapping/>
+  </p:clrMapOvr>
+</p:notes>
+</file>
+
+<file path=ppt/notesSlides/notesSlide7.xml><?xml version="1.0" encoding="utf-8"?>
+<p:notes xmlns:a="http://schemas.openxmlformats.org/drawingml/2006/main" xmlns:r="http://schemas.openxmlformats.org/officeDocument/2006/relationships" xmlns:p="http://schemas.openxmlformats.org/presentationml/2006/main">
+  <p:cSld>
+    <p:spTree>
+      <p:nvGrpSpPr>
+        <p:cNvPr id="1" name=""/>
+        <p:cNvGrpSpPr/>
+        <p:nvPr/>
+      </p:nvGrpSpPr>
+      <p:grpSpPr>
+        <a:xfrm>
+          <a:off x="0" y="0"/>
+          <a:ext cx="0" cy="0"/>
+          <a:chOff x="0" y="0"/>
+          <a:chExt cx="0" cy="0"/>
+        </a:xfrm>
+      </p:grpSpPr>
+      <p:sp>
+        <p:nvSpPr>
+          <p:cNvPr id="2" name="幻灯片图像占位符 1"/>
+          <p:cNvSpPr>
+            <a:spLocks noGrp="1" noRot="1" noChangeAspect="1"/>
+          </p:cNvSpPr>
+          <p:nvPr>
+            <p:ph type="sldImg"/>
+          </p:nvPr>
+        </p:nvSpPr>
+        <p:spPr/>
+      </p:sp>
+      <p:sp>
+        <p:nvSpPr>
+          <p:cNvPr id="3" name="备注占位符 2"/>
+          <p:cNvSpPr>
+            <a:spLocks noGrp="1"/>
+          </p:cNvSpPr>
+          <p:nvPr>
+            <p:ph type="body" idx="1"/>
+          </p:nvPr>
+        </p:nvSpPr>
+        <p:spPr/>
+        <p:txBody>
+          <a:bodyPr>
+            <a:normAutofit/>
+          </a:bodyPr>
+          <a:lstStyle/>
+          <a:p>
+            <a:r>
+              <a:rPr lang="en-US" altLang="zh-CN" smtClean="0"/>
+              <a:t>Program</a:t>
+            </a:r>
+            <a:r>
+              <a:rPr lang="en-US" altLang="zh-CN" baseline="0" smtClean="0"/>
+              <a:t> testing and program proving can be considered as extreme alternatives.</a:t>
+            </a:r>
+          </a:p>
+          <a:p>
+            <a:r>
+              <a:rPr lang="en-US" altLang="zh-CN" baseline="0" smtClean="0"/>
+              <a:t>First, while tesing, a programmer can be assured the sample test runs work correctly by carefully checking the results.The correct execution for inputs not in the sample is still in doubt.</a:t>
+            </a:r>
+          </a:p>
+          <a:p>
+            <a:r>
+              <a:rPr lang="en-US" altLang="zh-CN" baseline="0" smtClean="0"/>
+              <a:t>Alternatively, in program proving the programmer formally proves that the program meets its specification for all executions.</a:t>
+            </a:r>
+          </a:p>
+          <a:p>
+            <a:r>
+              <a:rPr lang="en-US" altLang="zh-CN" baseline="0" smtClean="0"/>
+              <a:t>Second program testing is required to execute the program while program proving not.</a:t>
+            </a:r>
+          </a:p>
+          <a:p>
+            <a:r>
+              <a:rPr lang="en-US" altLang="zh-CN" smtClean="0"/>
+              <a:t>Third, as usual program testing is easy to use while program</a:t>
+            </a:r>
+            <a:r>
+              <a:rPr lang="en-US" altLang="zh-CN" baseline="0" smtClean="0"/>
+              <a:t> proving is difficult and tricky sometimes.</a:t>
+            </a:r>
+            <a:endParaRPr lang="zh-CN" altLang="en-US"/>
+          </a:p>
+        </p:txBody>
+      </p:sp>
+      <p:sp>
+        <p:nvSpPr>
+          <p:cNvPr id="4" name="灯片编号占位符 3"/>
+          <p:cNvSpPr>
+            <a:spLocks noGrp="1"/>
+          </p:cNvSpPr>
+          <p:nvPr>
+            <p:ph type="sldNum" sz="quarter" idx="10"/>
+          </p:nvPr>
+        </p:nvSpPr>
+        <p:spPr/>
+        <p:txBody>
+          <a:bodyPr/>
+          <a:lstStyle/>
+          <a:p>
+            <a:fld id="{22AA2441-62E5-47DE-97D7-858DE28521CF}" type="slidenum">
+              <a:rPr lang="zh-CN" altLang="en-US" smtClean="0"/>
+              <a:pPr/>
+              <a:t>7</a:t>
+            </a:fld>
+            <a:endParaRPr lang="zh-CN" altLang="en-US"/>
+          </a:p>
+        </p:txBody>
+      </p:sp>
+    </p:spTree>
+  </p:cSld>
+  <p:clrMapOvr>
+    <a:masterClrMapping/>
+  </p:clrMapOvr>
+</p:notes>
+</file>
+
+<file path=ppt/notesSlides/notesSlide8.xml><?xml version="1.0" encoding="utf-8"?>
+<p:notes xmlns:a="http://schemas.openxmlformats.org/drawingml/2006/main" xmlns:r="http://schemas.openxmlformats.org/officeDocument/2006/relationships" xmlns:p="http://schemas.openxmlformats.org/presentationml/2006/main">
+  <p:cSld>
+    <p:spTree>
+      <p:nvGrpSpPr>
+        <p:cNvPr id="1" name=""/>
+        <p:cNvGrpSpPr/>
+        <p:nvPr/>
+      </p:nvGrpSpPr>
+      <p:grpSpPr>
+        <a:xfrm>
+          <a:off x="0" y="0"/>
+          <a:ext cx="0" cy="0"/>
+          <a:chOff x="0" y="0"/>
+          <a:chExt cx="0" cy="0"/>
+        </a:xfrm>
+      </p:grpSpPr>
+      <p:sp>
+        <p:nvSpPr>
+          <p:cNvPr id="2" name="幻灯片图像占位符 1"/>
+          <p:cNvSpPr>
+            <a:spLocks noGrp="1" noRot="1" noChangeAspect="1"/>
+          </p:cNvSpPr>
+          <p:nvPr>
+            <p:ph type="sldImg"/>
+          </p:nvPr>
+        </p:nvSpPr>
+        <p:spPr/>
+      </p:sp>
+      <p:sp>
+        <p:nvSpPr>
+          <p:cNvPr id="3" name="备注占位符 2"/>
+          <p:cNvSpPr>
+            <a:spLocks noGrp="1"/>
+          </p:cNvSpPr>
+          <p:nvPr>
+            <p:ph type="body" idx="1"/>
+          </p:nvPr>
+        </p:nvSpPr>
+        <p:spPr/>
+        <p:txBody>
+          <a:bodyPr/>
+          <a:lstStyle/>
+          <a:p>
+            <a:r>
+              <a:rPr lang="en-US" altLang="zh-CN" sz="1200" b="0" i="0" u="none" strike="noStrike" kern="1200" baseline="0" dirty="0" smtClean="0">
+                <a:solidFill>
+                  <a:schemeClr val="tx1"/>
+                </a:solidFill>
+                <a:latin typeface="+mn-lt"/>
+                <a:ea typeface="+mn-ea"/>
+                <a:cs typeface="+mn-cs"/>
+              </a:rPr>
+              <a:t>if the program is executed on these concrete input values, it will take exactly the same path as the symbolic execution and terminate in the same way.</a:t>
+            </a:r>
+            <a:endParaRPr lang="zh-CN" altLang="en-US" dirty="0"/>
+          </a:p>
+        </p:txBody>
+      </p:sp>
+      <p:sp>
+        <p:nvSpPr>
+          <p:cNvPr id="4" name="灯片编号占位符 3"/>
+          <p:cNvSpPr>
+            <a:spLocks noGrp="1"/>
+          </p:cNvSpPr>
+          <p:nvPr>
+            <p:ph type="sldNum" sz="quarter" idx="10"/>
+          </p:nvPr>
+        </p:nvSpPr>
+        <p:spPr/>
+        <p:txBody>
+          <a:bodyPr/>
+          <a:lstStyle/>
+          <a:p>
+            <a:fld id="{22AA2441-62E5-47DE-97D7-858DE28521CF}" type="slidenum">
+              <a:rPr lang="zh-CN" altLang="en-US" smtClean="0"/>
+              <a:pPr/>
+              <a:t>14</a:t>
+            </a:fld>
+            <a:endParaRPr lang="zh-CN" altLang="en-US"/>
+          </a:p>
+        </p:txBody>
+      </p:sp>
+    </p:spTree>
+    <p:extLst>
+      <p:ext uri="{BB962C8B-B14F-4D97-AF65-F5344CB8AC3E}">
+        <p14:creationId xmlns:p14="http://schemas.microsoft.com/office/powerpoint/2010/main" xmlns="" val="3273333701"/>
+      </p:ext>
+    </p:extLst>
+  </p:cSld>
+  <p:clrMapOvr>
+    <a:masterClrMapping/>
+  </p:clrMapOvr>
+</p:notes>
+</file>
+
+<file path=ppt/notesSlides/notesSlide9.xml><?xml version="1.0" encoding="utf-8"?>
+<p:notes xmlns:a="http://schemas.openxmlformats.org/drawingml/2006/main" xmlns:r="http://schemas.openxmlformats.org/officeDocument/2006/relationships" xmlns:p="http://schemas.openxmlformats.org/presentationml/2006/main">
+  <p:cSld>
+    <p:spTree>
+      <p:nvGrpSpPr>
+        <p:cNvPr id="1" name=""/>
+        <p:cNvGrpSpPr/>
+        <p:nvPr/>
+      </p:nvGrpSpPr>
+      <p:grpSpPr>
+        <a:xfrm>
+          <a:off x="0" y="0"/>
+          <a:ext cx="0" cy="0"/>
+          <a:chOff x="0" y="0"/>
+          <a:chExt cx="0" cy="0"/>
+        </a:xfrm>
+      </p:grpSpPr>
+      <p:sp>
+        <p:nvSpPr>
+          <p:cNvPr id="2" name="幻灯片图像占位符 1"/>
+          <p:cNvSpPr>
+            <a:spLocks noGrp="1" noRot="1" noChangeAspect="1"/>
+          </p:cNvSpPr>
+          <p:nvPr>
+            <p:ph type="sldImg"/>
+          </p:nvPr>
+        </p:nvSpPr>
+        <p:spPr/>
+      </p:sp>
+      <p:sp>
+        <p:nvSpPr>
+          <p:cNvPr id="3" name="备注占位符 2"/>
+          <p:cNvSpPr>
+            <a:spLocks noGrp="1"/>
+          </p:cNvSpPr>
+          <p:nvPr>
+            <p:ph type="body" idx="1"/>
+          </p:nvPr>
+        </p:nvSpPr>
+        <p:spPr/>
+        <p:txBody>
+          <a:bodyPr/>
+          <a:lstStyle/>
+          <a:p>
+            <a:r>
+              <a:rPr lang="en-US" altLang="zh-CN" smtClean="0"/>
+              <a:t>That’s all.</a:t>
+            </a:r>
+            <a:r>
+              <a:rPr lang="en-US" altLang="zh-CN" baseline="0" smtClean="0"/>
+              <a:t> </a:t>
+            </a:r>
+            <a:r>
+              <a:rPr lang="en-US" altLang="zh-CN" smtClean="0"/>
+              <a:t>Thanks</a:t>
+            </a:r>
+            <a:r>
+              <a:rPr lang="en-US" altLang="zh-CN" baseline="0" smtClean="0"/>
+              <a:t> for listening. If you have any question, you can ask me.</a:t>
+            </a:r>
+            <a:endParaRPr lang="zh-CN" altLang="en-US"/>
+          </a:p>
+        </p:txBody>
+      </p:sp>
+      <p:sp>
+        <p:nvSpPr>
+          <p:cNvPr id="4" name="灯片编号占位符 3"/>
+          <p:cNvSpPr>
+            <a:spLocks noGrp="1"/>
+          </p:cNvSpPr>
+          <p:nvPr>
+            <p:ph type="sldNum" sz="quarter" idx="10"/>
+          </p:nvPr>
+        </p:nvSpPr>
+        <p:spPr/>
+        <p:txBody>
+          <a:bodyPr/>
+          <a:lstStyle/>
+          <a:p>
             <a:fld id="{0FE05C2F-C2D0-41D0-B081-206A7C6C3DAB}" type="slidenum">
               <a:rPr lang="zh-CN" altLang="en-US" smtClean="0"/>
               <a:pPr/>
-              <a:t>21</a:t>
+              <a:t>22</a:t>
             </a:fld>
             <a:endParaRPr lang="zh-CN" altLang="en-US"/>
           </a:p>
@@ -3982,7 +5086,7 @@
     </p:spTree>
     <p:extLst>
       <p:ext uri="{BB962C8B-B14F-4D97-AF65-F5344CB8AC3E}">
-        <p14:creationId xmlns:p14="http://schemas.microsoft.com/office/powerpoint/2010/main" val="1804488959"/>
+        <p14:creationId xmlns:p14="http://schemas.microsoft.com/office/powerpoint/2010/main" xmlns="" val="1804488959"/>
       </p:ext>
     </p:extLst>
   </p:cSld>
@@ -5049,7 +6153,7 @@
             </a:clrChange>
             <a:extLst>
               <a:ext uri="{28A0092B-C50C-407E-A947-70E740481C1C}">
-                <a14:useLocalDpi xmlns:a14="http://schemas.microsoft.com/office/drawing/2010/main" val="0"/>
+                <a14:useLocalDpi xmlns:a14="http://schemas.microsoft.com/office/drawing/2010/main" xmlns="" val="0"/>
               </a:ext>
             </a:extLst>
           </a:blip>
@@ -5069,7 +6173,7 @@
           <a:noFill/>
           <a:extLst>
             <a:ext uri="{909E8E84-426E-40DD-AFC4-6F175D3DCCD1}">
-              <a14:hiddenFill xmlns:a14="http://schemas.microsoft.com/office/drawing/2010/main">
+              <a14:hiddenFill xmlns:a14="http://schemas.microsoft.com/office/drawing/2010/main" xmlns="">
                 <a:solidFill>
                   <a:srgbClr val="FFFFFF"/>
                 </a:solidFill>
@@ -5097,7 +6201,7 @@
             </a:duotone>
             <a:extLst>
               <a:ext uri="{28A0092B-C50C-407E-A947-70E740481C1C}">
-                <a14:useLocalDpi xmlns:a14="http://schemas.microsoft.com/office/drawing/2010/main" val="0"/>
+                <a14:useLocalDpi xmlns:a14="http://schemas.microsoft.com/office/drawing/2010/main" xmlns="" val="0"/>
               </a:ext>
             </a:extLst>
           </a:blip>
@@ -5117,7 +6221,7 @@
           <a:noFill/>
           <a:extLst>
             <a:ext uri="{909E8E84-426E-40DD-AFC4-6F175D3DCCD1}">
-              <a14:hiddenFill xmlns:a14="http://schemas.microsoft.com/office/drawing/2010/main">
+              <a14:hiddenFill xmlns:a14="http://schemas.microsoft.com/office/drawing/2010/main" xmlns="">
                 <a:solidFill>
                   <a:srgbClr val="FFFFFF"/>
                 </a:solidFill>
@@ -5138,7 +6242,7 @@
           <a:blip r:embed="rId4" cstate="print">
             <a:extLst>
               <a:ext uri="{28A0092B-C50C-407E-A947-70E740481C1C}">
-                <a14:useLocalDpi xmlns:a14="http://schemas.microsoft.com/office/drawing/2010/main" val="0"/>
+                <a14:useLocalDpi xmlns:a14="http://schemas.microsoft.com/office/drawing/2010/main" xmlns="" val="0"/>
               </a:ext>
             </a:extLst>
           </a:blip>
@@ -5159,20 +6263,20 @@
     </p:spTree>
     <p:extLst>
       <p:ext uri="{BB962C8B-B14F-4D97-AF65-F5344CB8AC3E}">
-        <p14:creationId xmlns:p14="http://schemas.microsoft.com/office/powerpoint/2010/main" val="3580256527"/>
+        <p14:creationId xmlns:p14="http://schemas.microsoft.com/office/powerpoint/2010/main" xmlns="" val="3580256527"/>
       </p:ext>
     </p:extLst>
   </p:cSld>
   <p:clrMapOvr>
     <a:masterClrMapping/>
   </p:clrMapOvr>
-  <mc:AlternateContent xmlns:mc="http://schemas.openxmlformats.org/markup-compatibility/2006" xmlns:p14="http://schemas.microsoft.com/office/powerpoint/2010/main">
-    <mc:Choice Requires="p14">
+  <mc:AlternateContent xmlns:mc="http://schemas.openxmlformats.org/markup-compatibility/2006">
+    <mc:Choice xmlns:p14="http://schemas.microsoft.com/office/powerpoint/2010/main" xmlns="" Requires="p14">
       <p:transition spd="med" p14:dur="700">
         <p:fade/>
       </p:transition>
     </mc:Choice>
-    <mc:Fallback xmlns="">
+    <mc:Fallback>
       <p:transition spd="med">
         <p:fade/>
       </p:transition>
@@ -5529,7 +6633,7 @@
           <a:blip r:embed="rId2" cstate="print">
             <a:extLst>
               <a:ext uri="{28A0092B-C50C-407E-A947-70E740481C1C}">
-                <a14:useLocalDpi xmlns:a14="http://schemas.microsoft.com/office/drawing/2010/main" val="0"/>
+                <a14:useLocalDpi xmlns:a14="http://schemas.microsoft.com/office/drawing/2010/main" xmlns="" val="0"/>
               </a:ext>
             </a:extLst>
           </a:blip>
@@ -5550,20 +6654,20 @@
     </p:spTree>
     <p:extLst>
       <p:ext uri="{BB962C8B-B14F-4D97-AF65-F5344CB8AC3E}">
-        <p14:creationId xmlns:p14="http://schemas.microsoft.com/office/powerpoint/2010/main" val="8597632"/>
+        <p14:creationId xmlns:p14="http://schemas.microsoft.com/office/powerpoint/2010/main" xmlns="" val="8597632"/>
       </p:ext>
     </p:extLst>
   </p:cSld>
   <p:clrMapOvr>
     <a:masterClrMapping/>
   </p:clrMapOvr>
-  <mc:AlternateContent xmlns:mc="http://schemas.openxmlformats.org/markup-compatibility/2006" xmlns:p14="http://schemas.microsoft.com/office/powerpoint/2010/main">
-    <mc:Choice Requires="p14">
+  <mc:AlternateContent xmlns:mc="http://schemas.openxmlformats.org/markup-compatibility/2006">
+    <mc:Choice xmlns:p14="http://schemas.microsoft.com/office/powerpoint/2010/main" xmlns="" Requires="p14">
       <p:transition spd="med" p14:dur="700">
         <p:fade/>
       </p:transition>
     </mc:Choice>
-    <mc:Fallback xmlns="">
+    <mc:Fallback>
       <p:transition spd="med">
         <p:fade/>
       </p:transition>
@@ -6055,20 +7159,20 @@
     </p:spTree>
     <p:extLst>
       <p:ext uri="{BB962C8B-B14F-4D97-AF65-F5344CB8AC3E}">
-        <p14:creationId xmlns:p14="http://schemas.microsoft.com/office/powerpoint/2010/main" val="3808301644"/>
+        <p14:creationId xmlns:p14="http://schemas.microsoft.com/office/powerpoint/2010/main" xmlns="" val="3808301644"/>
       </p:ext>
     </p:extLst>
   </p:cSld>
   <p:clrMapOvr>
     <a:masterClrMapping/>
   </p:clrMapOvr>
-  <mc:AlternateContent xmlns:mc="http://schemas.openxmlformats.org/markup-compatibility/2006" xmlns:p14="http://schemas.microsoft.com/office/powerpoint/2010/main">
-    <mc:Choice Requires="p14">
+  <mc:AlternateContent xmlns:mc="http://schemas.openxmlformats.org/markup-compatibility/2006">
+    <mc:Choice xmlns:p14="http://schemas.microsoft.com/office/powerpoint/2010/main" xmlns="" Requires="p14">
       <p:transition spd="med" p14:dur="700">
         <p:fade/>
       </p:transition>
     </mc:Choice>
-    <mc:Fallback xmlns="">
+    <mc:Fallback>
       <p:transition spd="med">
         <p:fade/>
       </p:transition>
@@ -6372,20 +7476,20 @@
     </p:spTree>
     <p:extLst>
       <p:ext uri="{BB962C8B-B14F-4D97-AF65-F5344CB8AC3E}">
-        <p14:creationId xmlns:p14="http://schemas.microsoft.com/office/powerpoint/2010/main" val="3215307960"/>
+        <p14:creationId xmlns:p14="http://schemas.microsoft.com/office/powerpoint/2010/main" xmlns="" val="3215307960"/>
       </p:ext>
     </p:extLst>
   </p:cSld>
   <p:clrMapOvr>
     <a:masterClrMapping/>
   </p:clrMapOvr>
-  <mc:AlternateContent xmlns:mc="http://schemas.openxmlformats.org/markup-compatibility/2006" xmlns:p14="http://schemas.microsoft.com/office/powerpoint/2010/main">
-    <mc:Choice Requires="p14">
+  <mc:AlternateContent xmlns:mc="http://schemas.openxmlformats.org/markup-compatibility/2006">
+    <mc:Choice xmlns:p14="http://schemas.microsoft.com/office/powerpoint/2010/main" xmlns="" Requires="p14">
       <p:transition spd="med" p14:dur="700">
         <p:fade/>
       </p:transition>
     </mc:Choice>
-    <mc:Fallback xmlns="">
+    <mc:Fallback>
       <p:transition spd="med">
         <p:fade/>
       </p:transition>
@@ -6795,20 +7899,20 @@
     </p:spTree>
     <p:extLst>
       <p:ext uri="{BB962C8B-B14F-4D97-AF65-F5344CB8AC3E}">
-        <p14:creationId xmlns:p14="http://schemas.microsoft.com/office/powerpoint/2010/main" val="1172086531"/>
+        <p14:creationId xmlns:p14="http://schemas.microsoft.com/office/powerpoint/2010/main" xmlns="" val="1172086531"/>
       </p:ext>
     </p:extLst>
   </p:cSld>
   <p:clrMapOvr>
     <a:masterClrMapping/>
   </p:clrMapOvr>
-  <mc:AlternateContent xmlns:mc="http://schemas.openxmlformats.org/markup-compatibility/2006" xmlns:p14="http://schemas.microsoft.com/office/powerpoint/2010/main">
-    <mc:Choice Requires="p14">
+  <mc:AlternateContent xmlns:mc="http://schemas.openxmlformats.org/markup-compatibility/2006">
+    <mc:Choice xmlns:p14="http://schemas.microsoft.com/office/powerpoint/2010/main" xmlns="" Requires="p14">
       <p:transition spd="med" p14:dur="700">
         <p:fade/>
       </p:transition>
     </mc:Choice>
-    <mc:Fallback xmlns="">
+    <mc:Fallback>
       <p:transition spd="med">
         <p:fade/>
       </p:transition>
@@ -6980,20 +8084,20 @@
     </p:spTree>
     <p:extLst>
       <p:ext uri="{BB962C8B-B14F-4D97-AF65-F5344CB8AC3E}">
-        <p14:creationId xmlns:p14="http://schemas.microsoft.com/office/powerpoint/2010/main" val="1326722798"/>
+        <p14:creationId xmlns:p14="http://schemas.microsoft.com/office/powerpoint/2010/main" xmlns="" val="1326722798"/>
       </p:ext>
     </p:extLst>
   </p:cSld>
   <p:clrMapOvr>
     <a:masterClrMapping/>
   </p:clrMapOvr>
-  <mc:AlternateContent xmlns:mc="http://schemas.openxmlformats.org/markup-compatibility/2006" xmlns:p14="http://schemas.microsoft.com/office/powerpoint/2010/main">
-    <mc:Choice Requires="p14">
+  <mc:AlternateContent xmlns:mc="http://schemas.openxmlformats.org/markup-compatibility/2006">
+    <mc:Choice xmlns:p14="http://schemas.microsoft.com/office/powerpoint/2010/main" xmlns="" Requires="p14">
       <p:transition spd="med" p14:dur="700">
         <p:fade/>
       </p:transition>
     </mc:Choice>
-    <mc:Fallback xmlns="">
+    <mc:Fallback>
       <p:transition spd="med">
         <p:fade/>
       </p:transition>
@@ -7134,20 +8238,20 @@
     </p:spTree>
     <p:extLst>
       <p:ext uri="{BB962C8B-B14F-4D97-AF65-F5344CB8AC3E}">
-        <p14:creationId xmlns:p14="http://schemas.microsoft.com/office/powerpoint/2010/main" val="796909310"/>
+        <p14:creationId xmlns:p14="http://schemas.microsoft.com/office/powerpoint/2010/main" xmlns="" val="796909310"/>
       </p:ext>
     </p:extLst>
   </p:cSld>
   <p:clrMapOvr>
     <a:masterClrMapping/>
   </p:clrMapOvr>
-  <mc:AlternateContent xmlns:mc="http://schemas.openxmlformats.org/markup-compatibility/2006" xmlns:p14="http://schemas.microsoft.com/office/powerpoint/2010/main">
-    <mc:Choice Requires="p14">
+  <mc:AlternateContent xmlns:mc="http://schemas.openxmlformats.org/markup-compatibility/2006">
+    <mc:Choice xmlns:p14="http://schemas.microsoft.com/office/powerpoint/2010/main" xmlns="" Requires="p14">
       <p:transition spd="med" p14:dur="700">
         <p:fade/>
       </p:transition>
     </mc:Choice>
-    <mc:Fallback xmlns="">
+    <mc:Fallback>
       <p:transition spd="med">
         <p:fade/>
       </p:transition>
@@ -7480,20 +8584,20 @@
     </p:spTree>
     <p:extLst>
       <p:ext uri="{BB962C8B-B14F-4D97-AF65-F5344CB8AC3E}">
-        <p14:creationId xmlns:p14="http://schemas.microsoft.com/office/powerpoint/2010/main" val="3738623974"/>
+        <p14:creationId xmlns:p14="http://schemas.microsoft.com/office/powerpoint/2010/main" xmlns="" val="3738623974"/>
       </p:ext>
     </p:extLst>
   </p:cSld>
   <p:clrMapOvr>
     <a:masterClrMapping/>
   </p:clrMapOvr>
-  <mc:AlternateContent xmlns:mc="http://schemas.openxmlformats.org/markup-compatibility/2006" xmlns:p14="http://schemas.microsoft.com/office/powerpoint/2010/main">
-    <mc:Choice Requires="p14">
+  <mc:AlternateContent xmlns:mc="http://schemas.openxmlformats.org/markup-compatibility/2006">
+    <mc:Choice xmlns:p14="http://schemas.microsoft.com/office/powerpoint/2010/main" xmlns="" Requires="p14">
       <p:transition spd="med" p14:dur="700">
         <p:fade/>
       </p:transition>
     </mc:Choice>
-    <mc:Fallback xmlns="">
+    <mc:Fallback>
       <p:transition spd="med">
         <p:fade/>
       </p:transition>
@@ -8097,20 +9201,20 @@
     </p:spTree>
     <p:extLst>
       <p:ext uri="{BB962C8B-B14F-4D97-AF65-F5344CB8AC3E}">
-        <p14:creationId xmlns:p14="http://schemas.microsoft.com/office/powerpoint/2010/main" val="447198579"/>
+        <p14:creationId xmlns:p14="http://schemas.microsoft.com/office/powerpoint/2010/main" xmlns="" val="447198579"/>
       </p:ext>
     </p:extLst>
   </p:cSld>
   <p:clrMapOvr>
     <a:masterClrMapping/>
   </p:clrMapOvr>
-  <mc:AlternateContent xmlns:mc="http://schemas.openxmlformats.org/markup-compatibility/2006" xmlns:p14="http://schemas.microsoft.com/office/powerpoint/2010/main">
-    <mc:Choice Requires="p14">
+  <mc:AlternateContent xmlns:mc="http://schemas.openxmlformats.org/markup-compatibility/2006">
+    <mc:Choice xmlns:p14="http://schemas.microsoft.com/office/powerpoint/2010/main" xmlns="" Requires="p14">
       <p:transition spd="med" p14:dur="700">
         <p:fade/>
       </p:transition>
     </mc:Choice>
-    <mc:Fallback xmlns="">
+    <mc:Fallback>
       <p:transition spd="med">
         <p:fade/>
       </p:transition>
@@ -8324,20 +9428,20 @@
     </p:spTree>
     <p:extLst>
       <p:ext uri="{BB962C8B-B14F-4D97-AF65-F5344CB8AC3E}">
-        <p14:creationId xmlns:p14="http://schemas.microsoft.com/office/powerpoint/2010/main" val="3000633228"/>
+        <p14:creationId xmlns:p14="http://schemas.microsoft.com/office/powerpoint/2010/main" xmlns="" val="3000633228"/>
       </p:ext>
     </p:extLst>
   </p:cSld>
   <p:clrMapOvr>
     <a:masterClrMapping/>
   </p:clrMapOvr>
-  <mc:AlternateContent xmlns:mc="http://schemas.openxmlformats.org/markup-compatibility/2006" xmlns:p14="http://schemas.microsoft.com/office/powerpoint/2010/main">
-    <mc:Choice Requires="p14">
+  <mc:AlternateContent xmlns:mc="http://schemas.openxmlformats.org/markup-compatibility/2006">
+    <mc:Choice xmlns:p14="http://schemas.microsoft.com/office/powerpoint/2010/main" xmlns="" Requires="p14">
       <p:transition spd="med" p14:dur="700">
         <p:fade/>
       </p:transition>
     </mc:Choice>
-    <mc:Fallback xmlns="">
+    <mc:Fallback>
       <p:transition spd="med">
         <p:fade/>
       </p:transition>
@@ -8561,20 +9665,20 @@
     </p:spTree>
     <p:extLst>
       <p:ext uri="{BB962C8B-B14F-4D97-AF65-F5344CB8AC3E}">
-        <p14:creationId xmlns:p14="http://schemas.microsoft.com/office/powerpoint/2010/main" val="1082700791"/>
+        <p14:creationId xmlns:p14="http://schemas.microsoft.com/office/powerpoint/2010/main" xmlns="" val="1082700791"/>
       </p:ext>
     </p:extLst>
   </p:cSld>
   <p:clrMapOvr>
     <a:masterClrMapping/>
   </p:clrMapOvr>
-  <mc:AlternateContent xmlns:mc="http://schemas.openxmlformats.org/markup-compatibility/2006" xmlns:p14="http://schemas.microsoft.com/office/powerpoint/2010/main">
-    <mc:Choice Requires="p14">
+  <mc:AlternateContent xmlns:mc="http://schemas.openxmlformats.org/markup-compatibility/2006">
+    <mc:Choice xmlns:p14="http://schemas.microsoft.com/office/powerpoint/2010/main" xmlns="" Requires="p14">
       <p:transition spd="med" p14:dur="700">
         <p:fade/>
       </p:transition>
     </mc:Choice>
-    <mc:Fallback xmlns="">
+    <mc:Fallback>
       <p:transition spd="med">
         <p:fade/>
       </p:transition>
@@ -11738,7 +12842,7 @@
     </p:spTree>
     <p:extLst>
       <p:ext uri="{BB962C8B-B14F-4D97-AF65-F5344CB8AC3E}">
-        <p14:creationId xmlns:p14="http://schemas.microsoft.com/office/powerpoint/2010/main" val="2937136900"/>
+        <p14:creationId xmlns:p14="http://schemas.microsoft.com/office/powerpoint/2010/main" xmlns="" val="2937136900"/>
       </p:ext>
     </p:extLst>
   </p:cSld>
@@ -11756,13 +12860,13 @@
     <p:sldLayoutId id="2147483790" r:id="rId10"/>
     <p:sldLayoutId id="2147483791" r:id="rId11"/>
   </p:sldLayoutIdLst>
-  <mc:AlternateContent xmlns:mc="http://schemas.openxmlformats.org/markup-compatibility/2006" xmlns:p14="http://schemas.microsoft.com/office/powerpoint/2010/main">
-    <mc:Choice Requires="p14">
+  <mc:AlternateContent xmlns:mc="http://schemas.openxmlformats.org/markup-compatibility/2006">
+    <mc:Choice xmlns:p14="http://schemas.microsoft.com/office/powerpoint/2010/main" xmlns="" Requires="p14">
       <p:transition spd="med" p14:dur="700">
         <p:fade/>
       </p:transition>
     </mc:Choice>
-    <mc:Fallback xmlns="">
+    <mc:Fallback>
       <p:transition spd="med">
         <p:fade/>
       </p:transition>
@@ -12796,20 +13900,20 @@
     </p:spTree>
     <p:extLst>
       <p:ext uri="{BB962C8B-B14F-4D97-AF65-F5344CB8AC3E}">
-        <p14:creationId xmlns:p14="http://schemas.microsoft.com/office/powerpoint/2010/main" val="2446117524"/>
+        <p14:creationId xmlns:p14="http://schemas.microsoft.com/office/powerpoint/2010/main" xmlns="" val="2446117524"/>
       </p:ext>
     </p:extLst>
   </p:cSld>
   <p:clrMapOvr>
     <a:masterClrMapping/>
   </p:clrMapOvr>
-  <mc:AlternateContent xmlns:mc="http://schemas.openxmlformats.org/markup-compatibility/2006" xmlns:p14="http://schemas.microsoft.com/office/powerpoint/2010/main">
-    <mc:Choice Requires="p14">
+  <mc:AlternateContent xmlns:mc="http://schemas.openxmlformats.org/markup-compatibility/2006">
+    <mc:Choice xmlns:p14="http://schemas.microsoft.com/office/powerpoint/2010/main" xmlns="" Requires="p14">
       <p:transition spd="med" p14:dur="700" advTm="9691">
         <p:fade/>
       </p:transition>
     </mc:Choice>
-    <mc:Fallback xmlns="">
+    <mc:Fallback>
       <p:transition spd="med" advTm="9691">
         <p:fade/>
       </p:transition>
@@ -13086,7 +14190,7 @@
     </p:spTree>
     <p:extLst>
       <p:ext uri="{BB962C8B-B14F-4D97-AF65-F5344CB8AC3E}">
-        <p14:creationId xmlns:p14="http://schemas.microsoft.com/office/powerpoint/2010/main" val="3726184429"/>
+        <p14:creationId xmlns:p14="http://schemas.microsoft.com/office/powerpoint/2010/main" xmlns="" val="3726184429"/>
       </p:ext>
     </p:extLst>
   </p:cSld>
@@ -13252,10 +14356,10 @@
           <p:nvPr/>
         </p:nvPicPr>
         <p:blipFill>
-          <a:blip r:embed="rId2">
+          <a:blip r:embed="rId2" cstate="print">
             <a:extLst>
               <a:ext uri="{28A0092B-C50C-407E-A947-70E740481C1C}">
-                <a14:useLocalDpi xmlns:a14="http://schemas.microsoft.com/office/drawing/2010/main" val="0"/>
+                <a14:useLocalDpi xmlns:a14="http://schemas.microsoft.com/office/drawing/2010/main" xmlns="" val="0"/>
               </a:ext>
             </a:extLst>
           </a:blip>
@@ -13893,7 +14997,7 @@
     </p:spTree>
     <p:extLst>
       <p:ext uri="{BB962C8B-B14F-4D97-AF65-F5344CB8AC3E}">
-        <p14:creationId xmlns:p14="http://schemas.microsoft.com/office/powerpoint/2010/main" val="1552289168"/>
+        <p14:creationId xmlns:p14="http://schemas.microsoft.com/office/powerpoint/2010/main" xmlns="" val="1552289168"/>
       </p:ext>
     </p:extLst>
   </p:cSld>
@@ -14675,10 +15779,10 @@
           <p:nvPr/>
         </p:nvPicPr>
         <p:blipFill>
-          <a:blip r:embed="rId2">
+          <a:blip r:embed="rId2" cstate="print">
             <a:extLst>
               <a:ext uri="{28A0092B-C50C-407E-A947-70E740481C1C}">
-                <a14:useLocalDpi xmlns:a14="http://schemas.microsoft.com/office/drawing/2010/main" val="0"/>
+                <a14:useLocalDpi xmlns:a14="http://schemas.microsoft.com/office/drawing/2010/main" xmlns="" val="0"/>
               </a:ext>
             </a:extLst>
           </a:blip>
@@ -15208,15 +16312,7 @@
                   <a:srgbClr val="FF0000"/>
                 </a:solidFill>
               </a:rPr>
-              <a:t>, </a:t>
-            </a:r>
-            <a:r>
-              <a:rPr lang="en-US" altLang="zh-CN" sz="1600" i="1" dirty="0" smtClean="0">
-                <a:solidFill>
-                  <a:srgbClr val="FF0000"/>
-                </a:solidFill>
-              </a:rPr>
-              <a:t>pc </a:t>
+              <a:t>, pc </a:t>
             </a:r>
             <a:r>
               <a:rPr lang="en-US" altLang="zh-CN" sz="1600" dirty="0" smtClean="0">
@@ -15249,7 +16345,7 @@
     </p:spTree>
     <p:extLst>
       <p:ext uri="{BB962C8B-B14F-4D97-AF65-F5344CB8AC3E}">
-        <p14:creationId xmlns:p14="http://schemas.microsoft.com/office/powerpoint/2010/main" val="196800628"/>
+        <p14:creationId xmlns:p14="http://schemas.microsoft.com/office/powerpoint/2010/main" xmlns="" val="196800628"/>
       </p:ext>
     </p:extLst>
   </p:cSld>
@@ -15797,15 +16893,7 @@
                   <a:srgbClr val="FF0000"/>
                 </a:solidFill>
               </a:rPr>
-              <a:t>, </a:t>
-            </a:r>
-            <a:r>
-              <a:rPr lang="en-US" altLang="zh-CN" sz="1600" i="1" dirty="0" smtClean="0">
-                <a:solidFill>
-                  <a:srgbClr val="FF0000"/>
-                </a:solidFill>
-              </a:rPr>
-              <a:t>pc </a:t>
+              <a:t>, pc </a:t>
             </a:r>
             <a:r>
               <a:rPr lang="en-US" altLang="zh-CN" sz="1600" dirty="0" smtClean="0">
@@ -17290,14 +18378,13 @@
               <a:rPr lang="en-US" altLang="zh-CN" sz="1600" dirty="0"/>
               <a:t>generated.</a:t>
             </a:r>
-            <a:endParaRPr lang="en-US" altLang="zh-CN" sz="1600" dirty="0"/>
           </a:p>
         </p:txBody>
       </p:sp>
     </p:spTree>
     <p:extLst>
       <p:ext uri="{BB962C8B-B14F-4D97-AF65-F5344CB8AC3E}">
-        <p14:creationId xmlns:p14="http://schemas.microsoft.com/office/powerpoint/2010/main" val="2032435664"/>
+        <p14:creationId xmlns:p14="http://schemas.microsoft.com/office/powerpoint/2010/main" xmlns="" val="2032435664"/>
       </p:ext>
     </p:extLst>
   </p:cSld>
@@ -18670,7 +19757,7 @@
           <p:nvPr>
             <p:extLst>
               <p:ext uri="{D42A27DB-BD31-4B8C-83A1-F6EECF244321}">
-                <p14:modId xmlns:p14="http://schemas.microsoft.com/office/powerpoint/2010/main" val="2872452078"/>
+                <p14:modId xmlns:p14="http://schemas.microsoft.com/office/powerpoint/2010/main" xmlns="" val="2872452078"/>
               </p:ext>
             </p:extLst>
           </p:nvPr>
@@ -18689,21 +19776,21 @@
                 <a:gridCol w="1779625">
                   <a:extLst>
                     <a:ext uri="{9D8B030D-6E8A-4147-A177-3AD203B41FA5}">
-                      <a16:colId xmlns:a16="http://schemas.microsoft.com/office/drawing/2014/main" val="20000"/>
+                      <a16:colId xmlns:a16="http://schemas.microsoft.com/office/drawing/2014/main" xmlns="" val="20000"/>
                     </a:ext>
                   </a:extLst>
                 </a:gridCol>
                 <a:gridCol w="1720303">
                   <a:extLst>
                     <a:ext uri="{9D8B030D-6E8A-4147-A177-3AD203B41FA5}">
-                      <a16:colId xmlns:a16="http://schemas.microsoft.com/office/drawing/2014/main" val="20001"/>
+                      <a16:colId xmlns:a16="http://schemas.microsoft.com/office/drawing/2014/main" xmlns="" val="20001"/>
                     </a:ext>
                   </a:extLst>
                 </a:gridCol>
                 <a:gridCol w="2116697">
                   <a:extLst>
                     <a:ext uri="{9D8B030D-6E8A-4147-A177-3AD203B41FA5}">
-                      <a16:colId xmlns:a16="http://schemas.microsoft.com/office/drawing/2014/main" val="20002"/>
+                      <a16:colId xmlns:a16="http://schemas.microsoft.com/office/drawing/2014/main" xmlns="" val="20002"/>
                     </a:ext>
                   </a:extLst>
                 </a:gridCol>
@@ -18760,7 +19847,7 @@
                 </a:tc>
                 <a:extLst>
                   <a:ext uri="{0D108BD9-81ED-4DB2-BD59-A6C34878D82A}">
-                    <a16:rowId xmlns:a16="http://schemas.microsoft.com/office/drawing/2014/main" val="10000"/>
+                    <a16:rowId xmlns:a16="http://schemas.microsoft.com/office/drawing/2014/main" xmlns="" val="10000"/>
                   </a:ext>
                 </a:extLst>
               </a:tr>
@@ -18821,7 +19908,7 @@
                 </a:tc>
                 <a:extLst>
                   <a:ext uri="{0D108BD9-81ED-4DB2-BD59-A6C34878D82A}">
-                    <a16:rowId xmlns:a16="http://schemas.microsoft.com/office/drawing/2014/main" val="10001"/>
+                    <a16:rowId xmlns:a16="http://schemas.microsoft.com/office/drawing/2014/main" xmlns="" val="10001"/>
                   </a:ext>
                 </a:extLst>
               </a:tr>
@@ -18882,7 +19969,7 @@
                 </a:tc>
                 <a:extLst>
                   <a:ext uri="{0D108BD9-81ED-4DB2-BD59-A6C34878D82A}">
-                    <a16:rowId xmlns:a16="http://schemas.microsoft.com/office/drawing/2014/main" val="10002"/>
+                    <a16:rowId xmlns:a16="http://schemas.microsoft.com/office/drawing/2014/main" xmlns="" val="10002"/>
                   </a:ext>
                 </a:extLst>
               </a:tr>
@@ -18964,7 +20051,7 @@
                 </a:tc>
                 <a:extLst>
                   <a:ext uri="{0D108BD9-81ED-4DB2-BD59-A6C34878D82A}">
-                    <a16:rowId xmlns:a16="http://schemas.microsoft.com/office/drawing/2014/main" val="10003"/>
+                    <a16:rowId xmlns:a16="http://schemas.microsoft.com/office/drawing/2014/main" xmlns="" val="10003"/>
                   </a:ext>
                 </a:extLst>
               </a:tr>
@@ -19362,7 +20449,7 @@
           <p:nvPr>
             <p:extLst>
               <p:ext uri="{D42A27DB-BD31-4B8C-83A1-F6EECF244321}">
-                <p14:modId xmlns:p14="http://schemas.microsoft.com/office/powerpoint/2010/main" val="635949774"/>
+                <p14:modId xmlns:p14="http://schemas.microsoft.com/office/powerpoint/2010/main" xmlns="" val="635949774"/>
               </p:ext>
             </p:extLst>
           </p:nvPr>
@@ -19373,40 +20460,9 @@
         </p:xfrm>
         <a:graphic>
           <a:graphicData uri="http://schemas.openxmlformats.org/presentationml/2006/ole">
-            <mc:AlternateContent xmlns:mc="http://schemas.openxmlformats.org/markup-compatibility/2006">
-              <mc:Choice xmlns:v="urn:schemas-microsoft-com:vml" Requires="v">
-                <p:oleObj spid="_x0000_s1044" name="公式" r:id="rId3" imgW="164880" imgH="126720" progId="Equation.3">
-                  <p:embed/>
-                </p:oleObj>
-              </mc:Choice>
-              <mc:Fallback>
-                <p:oleObj name="公式" r:id="rId3" imgW="164880" imgH="126720" progId="Equation.3">
-                  <p:embed/>
-                  <p:pic>
-                    <p:nvPicPr>
-                      <p:cNvPr id="0" name=""/>
-                      <p:cNvPicPr/>
-                      <p:nvPr/>
-                    </p:nvPicPr>
-                    <p:blipFill>
-                      <a:blip r:embed="rId4"/>
-                      <a:stretch>
-                        <a:fillRect/>
-                      </a:stretch>
-                    </p:blipFill>
-                    <p:spPr>
-                      <a:xfrm>
-                        <a:off x="6516216" y="4005064"/>
-                        <a:ext cx="258710" cy="199008"/>
-                      </a:xfrm>
-                      <a:prstGeom prst="rect">
-                        <a:avLst/>
-                      </a:prstGeom>
-                    </p:spPr>
-                  </p:pic>
-                </p:oleObj>
-              </mc:Fallback>
-            </mc:AlternateContent>
+            <p:oleObj spid="_x0000_s1044" name="公式" r:id="rId3" imgW="164880" imgH="126720" progId="Equation.3">
+              <p:embed/>
+            </p:oleObj>
           </a:graphicData>
         </a:graphic>
       </p:graphicFrame>
@@ -19419,7 +20475,7 @@
           <p:nvPr>
             <p:extLst>
               <p:ext uri="{D42A27DB-BD31-4B8C-83A1-F6EECF244321}">
-                <p14:modId xmlns:p14="http://schemas.microsoft.com/office/powerpoint/2010/main" val="2921541962"/>
+                <p14:modId xmlns:p14="http://schemas.microsoft.com/office/powerpoint/2010/main" xmlns="" val="2921541962"/>
               </p:ext>
             </p:extLst>
           </p:nvPr>
@@ -19430,40 +20486,9 @@
         </p:xfrm>
         <a:graphic>
           <a:graphicData uri="http://schemas.openxmlformats.org/presentationml/2006/ole">
-            <mc:AlternateContent xmlns:mc="http://schemas.openxmlformats.org/markup-compatibility/2006">
-              <mc:Choice xmlns:v="urn:schemas-microsoft-com:vml" Requires="v">
-                <p:oleObj spid="_x0000_s1045" name="公式" r:id="rId5" imgW="164880" imgH="126720" progId="Equation.3">
-                  <p:embed/>
-                </p:oleObj>
-              </mc:Choice>
-              <mc:Fallback>
-                <p:oleObj name="公式" r:id="rId5" imgW="164880" imgH="126720" progId="Equation.3">
-                  <p:embed/>
-                  <p:pic>
-                    <p:nvPicPr>
-                      <p:cNvPr id="7" name="对象 6"/>
-                      <p:cNvPicPr/>
-                      <p:nvPr/>
-                    </p:nvPicPr>
-                    <p:blipFill>
-                      <a:blip r:embed="rId4"/>
-                      <a:stretch>
-                        <a:fillRect/>
-                      </a:stretch>
-                    </p:blipFill>
-                    <p:spPr>
-                      <a:xfrm>
-                        <a:off x="6516216" y="4375804"/>
-                        <a:ext cx="258710" cy="199008"/>
-                      </a:xfrm>
-                      <a:prstGeom prst="rect">
-                        <a:avLst/>
-                      </a:prstGeom>
-                    </p:spPr>
-                  </p:pic>
-                </p:oleObj>
-              </mc:Fallback>
-            </mc:AlternateContent>
+            <p:oleObj spid="_x0000_s1045" name="公式" r:id="rId4" imgW="164880" imgH="126720" progId="Equation.3">
+              <p:embed/>
+            </p:oleObj>
           </a:graphicData>
         </a:graphic>
       </p:graphicFrame>
@@ -19667,10 +20692,10 @@
           <a:lstStyle/>
           <a:p>
             <a:r>
-              <a:rPr lang="en-US" altLang="zh-CN" cap="small" dirty="0"/>
+              <a:rPr lang="en-US" altLang="zh-CN" cap="small" smtClean="0"/>
               <a:t>Effigy</a:t>
             </a:r>
-            <a:endParaRPr lang="zh-CN" altLang="en-US" dirty="0"/>
+            <a:endParaRPr lang="zh-CN" altLang="en-US"/>
           </a:p>
         </p:txBody>
       </p:sp>
@@ -19684,152 +20709,16 @@
             <p:ph idx="1"/>
           </p:nvPr>
         </p:nvSpPr>
-        <p:spPr>
-          <a:xfrm>
-            <a:off x="457200" y="1719263"/>
-            <a:ext cx="3970784" cy="4716000"/>
-          </a:xfrm>
-        </p:spPr>
+        <p:spPr/>
         <p:txBody>
           <a:bodyPr/>
           <a:lstStyle/>
           <a:p>
             <a:r>
-              <a:rPr lang="en-US" altLang="zh-CN" sz="2000" dirty="0"/>
-              <a:t>The program </a:t>
-            </a:r>
-            <a:r>
-              <a:rPr lang="en-US" altLang="zh-CN" sz="2000" b="1" dirty="0">
-                <a:latin typeface="Times New Roman" panose="02020603050405020304" pitchFamily="18" charset="0"/>
-                <a:cs typeface="Times New Roman" panose="02020603050405020304" pitchFamily="18" charset="0"/>
-              </a:rPr>
-              <a:t>SEARCH</a:t>
-            </a:r>
-            <a:r>
-              <a:rPr lang="en-US" altLang="zh-CN" sz="2000" dirty="0"/>
-              <a:t> was written to perform a binary search for an argument </a:t>
-            </a:r>
-            <a:r>
-              <a:rPr lang="en-US" altLang="zh-CN" sz="2000" b="1" dirty="0">
-                <a:latin typeface="Times New Roman" panose="02020603050405020304" pitchFamily="18" charset="0"/>
-                <a:cs typeface="Times New Roman" panose="02020603050405020304" pitchFamily="18" charset="0"/>
-              </a:rPr>
-              <a:t>X</a:t>
-            </a:r>
-            <a:r>
-              <a:rPr lang="en-US" altLang="zh-CN" sz="2000" dirty="0"/>
-              <a:t> in an array </a:t>
-            </a:r>
-            <a:r>
-              <a:rPr lang="en-US" altLang="zh-CN" sz="2000" b="1" dirty="0">
-                <a:latin typeface="Times New Roman" panose="02020603050405020304" pitchFamily="18" charset="0"/>
-                <a:cs typeface="Times New Roman" panose="02020603050405020304" pitchFamily="18" charset="0"/>
-              </a:rPr>
-              <a:t>A</a:t>
-            </a:r>
-            <a:r>
-              <a:rPr lang="en-US" altLang="zh-CN" sz="2000" dirty="0"/>
-              <a:t> of elements stored in ascending order.</a:t>
-            </a:r>
-          </a:p>
-          <a:p>
-            <a:r>
-              <a:rPr lang="en-US" altLang="zh-CN" sz="2000" dirty="0"/>
-              <a:t>If a match is found, the </a:t>
-            </a:r>
-            <a:r>
-              <a:rPr lang="en-US" altLang="zh-CN" sz="2000" dirty="0" smtClean="0"/>
-              <a:t>index of </a:t>
-            </a:r>
-            <a:r>
-              <a:rPr lang="en-US" altLang="zh-CN" sz="2000" b="1" dirty="0">
-                <a:latin typeface="Times New Roman" panose="02020603050405020304" pitchFamily="18" charset="0"/>
-                <a:cs typeface="Times New Roman" panose="02020603050405020304" pitchFamily="18" charset="0"/>
-              </a:rPr>
-              <a:t>X</a:t>
-            </a:r>
-            <a:r>
-              <a:rPr lang="en-US" altLang="zh-CN" sz="2000" dirty="0"/>
-              <a:t> is returned in </a:t>
-            </a:r>
-            <a:r>
-              <a:rPr lang="en-US" altLang="zh-CN" sz="2000" b="1" dirty="0">
-                <a:latin typeface="Times New Roman" panose="02020603050405020304" pitchFamily="18" charset="0"/>
-                <a:cs typeface="Times New Roman" panose="02020603050405020304" pitchFamily="18" charset="0"/>
-              </a:rPr>
-              <a:t>J</a:t>
-            </a:r>
-            <a:r>
-              <a:rPr lang="en-US" altLang="zh-CN" sz="2000" dirty="0"/>
-              <a:t> and </a:t>
-            </a:r>
-            <a:r>
-              <a:rPr lang="en-US" altLang="zh-CN" sz="2000" b="1" dirty="0">
-                <a:latin typeface="Times New Roman" panose="02020603050405020304" pitchFamily="18" charset="0"/>
-                <a:cs typeface="Times New Roman" panose="02020603050405020304" pitchFamily="18" charset="0"/>
-              </a:rPr>
-              <a:t>FOUND</a:t>
-            </a:r>
-            <a:r>
-              <a:rPr lang="en-US" altLang="zh-CN" sz="2000" dirty="0"/>
-              <a:t> is set to 1. Otherwise, </a:t>
-            </a:r>
-            <a:r>
-              <a:rPr lang="en-US" altLang="zh-CN" sz="2000" b="1" dirty="0">
-                <a:latin typeface="Times New Roman" panose="02020603050405020304" pitchFamily="18" charset="0"/>
-                <a:cs typeface="Times New Roman" panose="02020603050405020304" pitchFamily="18" charset="0"/>
-              </a:rPr>
-              <a:t>FOUND</a:t>
-            </a:r>
-            <a:r>
-              <a:rPr lang="en-US" altLang="zh-CN" sz="2000" dirty="0"/>
-              <a:t> is set to 0 and </a:t>
-            </a:r>
-            <a:r>
-              <a:rPr lang="en-US" altLang="zh-CN" sz="2000" b="1" dirty="0">
-                <a:latin typeface="Times New Roman" panose="02020603050405020304" pitchFamily="18" charset="0"/>
-                <a:cs typeface="Times New Roman" panose="02020603050405020304" pitchFamily="18" charset="0"/>
-              </a:rPr>
-              <a:t>J</a:t>
-            </a:r>
-            <a:r>
-              <a:rPr lang="en-US" altLang="zh-CN" sz="2000" dirty="0"/>
-              <a:t> is set to the value such that </a:t>
-            </a:r>
-            <a:r>
-              <a:rPr lang="en-US" altLang="zh-CN" sz="2000" b="1" dirty="0">
-                <a:latin typeface="Times New Roman" panose="02020603050405020304" pitchFamily="18" charset="0"/>
-                <a:cs typeface="Times New Roman" panose="02020603050405020304" pitchFamily="18" charset="0"/>
-              </a:rPr>
-              <a:t>A(J)</a:t>
-            </a:r>
-            <a:r>
-              <a:rPr lang="en-US" altLang="zh-CN" sz="2000" dirty="0"/>
-              <a:t> &lt; </a:t>
-            </a:r>
-            <a:r>
-              <a:rPr lang="en-US" altLang="zh-CN" sz="2000" b="1" dirty="0">
-                <a:latin typeface="Times New Roman" panose="02020603050405020304" pitchFamily="18" charset="0"/>
-                <a:cs typeface="Times New Roman" panose="02020603050405020304" pitchFamily="18" charset="0"/>
-              </a:rPr>
-              <a:t>X</a:t>
-            </a:r>
-            <a:r>
-              <a:rPr lang="en-US" altLang="zh-CN" sz="2000" dirty="0"/>
-              <a:t> &lt; </a:t>
-            </a:r>
-            <a:r>
-              <a:rPr lang="en-US" altLang="zh-CN" sz="2000" b="1" dirty="0">
-                <a:latin typeface="Times New Roman" panose="02020603050405020304" pitchFamily="18" charset="0"/>
-                <a:cs typeface="Times New Roman" panose="02020603050405020304" pitchFamily="18" charset="0"/>
-              </a:rPr>
-              <a:t>A(J+1)</a:t>
-            </a:r>
-            <a:r>
-              <a:rPr lang="en-US" altLang="zh-CN" sz="2000" dirty="0"/>
-              <a:t>.</a:t>
-            </a:r>
-            <a:endParaRPr lang="zh-CN" altLang="en-US" sz="2000" dirty="0"/>
+              <a:rPr lang="en-US" altLang="zh-CN" smtClean="0"/>
+              <a:t>The user may define arbitrary identifiers as symbolic program inputs.</a:t>
+            </a:r>
+            <a:endParaRPr lang="zh-CN" altLang="en-US"/>
           </a:p>
         </p:txBody>
       </p:sp>
@@ -19939,10 +20828,750 @@
           <p:cNvGraphicFramePr>
             <a:graphicFrameLocks noGrp="1"/>
           </p:cNvGraphicFramePr>
+          <p:nvPr/>
+        </p:nvGraphicFramePr>
+        <p:xfrm>
+          <a:off x="785786" y="2857496"/>
+          <a:ext cx="7572428" cy="2038794"/>
+        </p:xfrm>
+        <a:graphic>
+          <a:graphicData uri="http://schemas.openxmlformats.org/drawingml/2006/table">
+            <a:tbl>
+              <a:tblPr bandRow="1">
+                <a:tableStyleId>{8A107856-5554-42FB-B03E-39F5DBC370BA}</a:tableStyleId>
+              </a:tblPr>
+              <a:tblGrid>
+                <a:gridCol w="3786214">
+                  <a:extLst>
+                    <a:ext uri="{9D8B030D-6E8A-4147-A177-3AD203B41FA5}">
+                      <a16:colId xmlns:a16="http://schemas.microsoft.com/office/drawing/2014/main" xmlns="" val="20000"/>
+                    </a:ext>
+                  </a:extLst>
+                </a:gridCol>
+                <a:gridCol w="3786214">
+                  <a:extLst>
+                    <a:ext uri="{9D8B030D-6E8A-4147-A177-3AD203B41FA5}">
+                      <a16:colId xmlns:a16="http://schemas.microsoft.com/office/drawing/2014/main" xmlns="" val="20001"/>
+                    </a:ext>
+                  </a:extLst>
+                </a:gridCol>
+              </a:tblGrid>
+              <a:tr h="442278">
+                <a:tc>
+                  <a:txBody>
+                    <a:bodyPr/>
+                    <a:lstStyle/>
+                    <a:p>
+                      <a:r>
+                        <a:rPr lang="en-US" altLang="zh-CN" sz="2200" smtClean="0"/>
+                        <a:t>CALL SUM (1, 3, 5);</a:t>
+                      </a:r>
+                      <a:endParaRPr lang="zh-CN" altLang="en-US" sz="2200"/>
+                    </a:p>
+                  </a:txBody>
+                  <a:tcPr marL="120798" marR="120798" marT="60399" marB="60399">
+                    <a:lnL w="12700" cmpd="sng">
+                      <a:noFill/>
+                    </a:lnL>
+                    <a:lnR w="12700" cap="flat" cmpd="sng" algn="ctr">
+                      <a:solidFill>
+                        <a:schemeClr val="tx1"/>
+                      </a:solidFill>
+                      <a:prstDash val="solid"/>
+                      <a:round/>
+                      <a:headEnd type="none" w="med" len="med"/>
+                      <a:tailEnd type="none" w="med" len="med"/>
+                    </a:lnR>
+                    <a:lnT w="12700" cmpd="sng">
+                      <a:noFill/>
+                    </a:lnT>
+                    <a:lnB w="12700" cap="flat" cmpd="sng" algn="ctr">
+                      <a:solidFill>
+                        <a:schemeClr val="tx1"/>
+                      </a:solidFill>
+                      <a:prstDash val="solid"/>
+                      <a:round/>
+                      <a:headEnd type="none" w="med" len="med"/>
+                      <a:tailEnd type="none" w="med" len="med"/>
+                    </a:lnB>
+                    <a:lnTlToBr w="12700" cmpd="sng">
+                      <a:noFill/>
+                      <a:prstDash val="solid"/>
+                    </a:lnTlToBr>
+                    <a:lnBlToTr w="12700" cmpd="sng">
+                      <a:noFill/>
+                      <a:prstDash val="solid"/>
+                    </a:lnBlToTr>
+                    <a:solidFill>
+                      <a:srgbClr val="00B050"/>
+                    </a:solidFill>
+                  </a:tcPr>
+                </a:tc>
+                <a:tc>
+                  <a:txBody>
+                    <a:bodyPr/>
+                    <a:lstStyle/>
+                    <a:p>
+                      <a:r>
+                        <a:rPr lang="en-US" altLang="zh-CN" sz="2200" smtClean="0"/>
+                        <a:t>Normal execution over integers</a:t>
+                      </a:r>
+                      <a:endParaRPr lang="zh-CN" altLang="en-US" sz="2200"/>
+                    </a:p>
+                  </a:txBody>
+                  <a:tcPr marL="120798" marR="120798" marT="60399" marB="60399">
+                    <a:lnL w="12700" cap="flat" cmpd="sng" algn="ctr">
+                      <a:solidFill>
+                        <a:schemeClr val="tx1"/>
+                      </a:solidFill>
+                      <a:prstDash val="solid"/>
+                      <a:round/>
+                      <a:headEnd type="none" w="med" len="med"/>
+                      <a:tailEnd type="none" w="med" len="med"/>
+                    </a:lnL>
+                    <a:lnR w="12700" cmpd="sng">
+                      <a:noFill/>
+                    </a:lnR>
+                    <a:lnT w="12700" cmpd="sng">
+                      <a:noFill/>
+                    </a:lnT>
+                    <a:lnB w="12700" cap="flat" cmpd="sng" algn="ctr">
+                      <a:solidFill>
+                        <a:schemeClr val="tx1"/>
+                      </a:solidFill>
+                      <a:prstDash val="solid"/>
+                      <a:round/>
+                      <a:headEnd type="none" w="med" len="med"/>
+                      <a:tailEnd type="none" w="med" len="med"/>
+                    </a:lnB>
+                    <a:lnTlToBr w="12700" cmpd="sng">
+                      <a:noFill/>
+                      <a:prstDash val="solid"/>
+                    </a:lnTlToBr>
+                    <a:lnBlToTr w="12700" cmpd="sng">
+                      <a:noFill/>
+                      <a:prstDash val="solid"/>
+                    </a:lnBlToTr>
+                    <a:solidFill>
+                      <a:srgbClr val="00B050"/>
+                    </a:solidFill>
+                  </a:tcPr>
+                </a:tc>
+                <a:extLst>
+                  <a:ext uri="{0D108BD9-81ED-4DB2-BD59-A6C34878D82A}">
+                    <a16:rowId xmlns:a16="http://schemas.microsoft.com/office/drawing/2014/main" xmlns="" val="10000"/>
+                  </a:ext>
+                </a:extLst>
+              </a:tr>
+              <a:tr h="442278">
+                <a:tc>
+                  <a:txBody>
+                    <a:bodyPr/>
+                    <a:lstStyle/>
+                    <a:p>
+                      <a:pPr marL="0" marR="0" indent="0" algn="l" defTabSz="914400" rtl="0" eaLnBrk="1" fontAlgn="auto" latinLnBrk="0" hangingPunct="1">
+                        <a:lnSpc>
+                          <a:spcPct val="100000"/>
+                        </a:lnSpc>
+                        <a:spcBef>
+                          <a:spcPts val="0"/>
+                        </a:spcBef>
+                        <a:spcAft>
+                          <a:spcPts val="0"/>
+                        </a:spcAft>
+                        <a:buClrTx/>
+                        <a:buSzTx/>
+                        <a:buFontTx/>
+                        <a:buNone/>
+                        <a:tabLst/>
+                        <a:defRPr/>
+                      </a:pPr>
+                      <a:r>
+                        <a:rPr lang="en-US" altLang="zh-CN" sz="2200" smtClean="0"/>
+                        <a:t>CALL SUM (“A”, “B”, “C”);</a:t>
+                      </a:r>
+                      <a:endParaRPr lang="zh-CN" altLang="en-US" sz="2200" smtClean="0"/>
+                    </a:p>
+                  </a:txBody>
+                  <a:tcPr marL="120798" marR="120798" marT="60399" marB="60399">
+                    <a:lnL w="12700" cmpd="sng">
+                      <a:noFill/>
+                    </a:lnL>
+                    <a:lnR w="12700" cap="flat" cmpd="sng" algn="ctr">
+                      <a:solidFill>
+                        <a:schemeClr val="tx1"/>
+                      </a:solidFill>
+                      <a:prstDash val="solid"/>
+                      <a:round/>
+                      <a:headEnd type="none" w="med" len="med"/>
+                      <a:tailEnd type="none" w="med" len="med"/>
+                    </a:lnR>
+                    <a:lnT w="12700" cap="flat" cmpd="sng" algn="ctr">
+                      <a:solidFill>
+                        <a:schemeClr val="tx1"/>
+                      </a:solidFill>
+                      <a:prstDash val="solid"/>
+                      <a:round/>
+                      <a:headEnd type="none" w="med" len="med"/>
+                      <a:tailEnd type="none" w="med" len="med"/>
+                    </a:lnT>
+                    <a:lnB w="12700" cap="flat" cmpd="sng" algn="ctr">
+                      <a:solidFill>
+                        <a:schemeClr val="tx1"/>
+                      </a:solidFill>
+                      <a:prstDash val="solid"/>
+                      <a:round/>
+                      <a:headEnd type="none" w="med" len="med"/>
+                      <a:tailEnd type="none" w="med" len="med"/>
+                    </a:lnB>
+                    <a:lnTlToBr w="12700" cmpd="sng">
+                      <a:noFill/>
+                      <a:prstDash val="solid"/>
+                    </a:lnTlToBr>
+                    <a:lnBlToTr w="12700" cmpd="sng">
+                      <a:noFill/>
+                      <a:prstDash val="solid"/>
+                    </a:lnBlToTr>
+                    <a:solidFill>
+                      <a:srgbClr val="92D050"/>
+                    </a:solidFill>
+                  </a:tcPr>
+                </a:tc>
+                <a:tc>
+                  <a:txBody>
+                    <a:bodyPr/>
+                    <a:lstStyle/>
+                    <a:p>
+                      <a:r>
+                        <a:rPr lang="en-US" altLang="zh-CN" sz="2200" smtClean="0"/>
+                        <a:t>Symbolic execution using the symbols A, B, and</a:t>
+                      </a:r>
+                      <a:r>
+                        <a:rPr lang="en-US" altLang="zh-CN" sz="2200" baseline="0" smtClean="0"/>
+                        <a:t> C</a:t>
+                      </a:r>
+                      <a:endParaRPr lang="zh-CN" altLang="en-US" sz="2200"/>
+                    </a:p>
+                  </a:txBody>
+                  <a:tcPr marL="120798" marR="120798" marT="60399" marB="60399">
+                    <a:lnL w="12700" cap="flat" cmpd="sng" algn="ctr">
+                      <a:solidFill>
+                        <a:schemeClr val="tx1"/>
+                      </a:solidFill>
+                      <a:prstDash val="solid"/>
+                      <a:round/>
+                      <a:headEnd type="none" w="med" len="med"/>
+                      <a:tailEnd type="none" w="med" len="med"/>
+                    </a:lnL>
+                    <a:lnR w="12700" cmpd="sng">
+                      <a:noFill/>
+                    </a:lnR>
+                    <a:lnT w="12700" cap="flat" cmpd="sng" algn="ctr">
+                      <a:solidFill>
+                        <a:schemeClr val="tx1"/>
+                      </a:solidFill>
+                      <a:prstDash val="solid"/>
+                      <a:round/>
+                      <a:headEnd type="none" w="med" len="med"/>
+                      <a:tailEnd type="none" w="med" len="med"/>
+                    </a:lnT>
+                    <a:lnB w="12700" cap="flat" cmpd="sng" algn="ctr">
+                      <a:solidFill>
+                        <a:schemeClr val="tx1"/>
+                      </a:solidFill>
+                      <a:prstDash val="solid"/>
+                      <a:round/>
+                      <a:headEnd type="none" w="med" len="med"/>
+                      <a:tailEnd type="none" w="med" len="med"/>
+                    </a:lnB>
+                    <a:lnTlToBr w="12700" cmpd="sng">
+                      <a:noFill/>
+                      <a:prstDash val="solid"/>
+                    </a:lnTlToBr>
+                    <a:lnBlToTr w="12700" cmpd="sng">
+                      <a:noFill/>
+                      <a:prstDash val="solid"/>
+                    </a:lnBlToTr>
+                    <a:solidFill>
+                      <a:srgbClr val="92D050"/>
+                    </a:solidFill>
+                  </a:tcPr>
+                </a:tc>
+                <a:extLst>
+                  <a:ext uri="{0D108BD9-81ED-4DB2-BD59-A6C34878D82A}">
+                    <a16:rowId xmlns:a16="http://schemas.microsoft.com/office/drawing/2014/main" xmlns="" val="10001"/>
+                  </a:ext>
+                </a:extLst>
+              </a:tr>
+              <a:tr h="442278">
+                <a:tc>
+                  <a:txBody>
+                    <a:bodyPr/>
+                    <a:lstStyle/>
+                    <a:p>
+                      <a:pPr marL="0" marR="0" indent="0" algn="l" defTabSz="914400" rtl="0" eaLnBrk="1" fontAlgn="auto" latinLnBrk="0" hangingPunct="1">
+                        <a:lnSpc>
+                          <a:spcPct val="100000"/>
+                        </a:lnSpc>
+                        <a:spcBef>
+                          <a:spcPts val="0"/>
+                        </a:spcBef>
+                        <a:spcAft>
+                          <a:spcPts val="0"/>
+                        </a:spcAft>
+                        <a:buClrTx/>
+                        <a:buSzTx/>
+                        <a:buFontTx/>
+                        <a:buNone/>
+                        <a:tabLst/>
+                        <a:defRPr/>
+                      </a:pPr>
+                      <a:r>
+                        <a:rPr lang="en-US" altLang="zh-CN" sz="2200" smtClean="0"/>
+                        <a:t>CALL SUM (“A”, 3, 5);</a:t>
+                      </a:r>
+                      <a:endParaRPr lang="zh-CN" altLang="en-US" sz="2200" smtClean="0"/>
+                    </a:p>
+                  </a:txBody>
+                  <a:tcPr marL="120798" marR="120798" marT="60399" marB="60399">
+                    <a:lnL w="12700" cmpd="sng">
+                      <a:noFill/>
+                    </a:lnL>
+                    <a:lnR w="12700" cap="flat" cmpd="sng" algn="ctr">
+                      <a:solidFill>
+                        <a:schemeClr val="tx1"/>
+                      </a:solidFill>
+                      <a:prstDash val="solid"/>
+                      <a:round/>
+                      <a:headEnd type="none" w="med" len="med"/>
+                      <a:tailEnd type="none" w="med" len="med"/>
+                    </a:lnR>
+                    <a:lnT w="12700" cap="flat" cmpd="sng" algn="ctr">
+                      <a:solidFill>
+                        <a:schemeClr val="tx1"/>
+                      </a:solidFill>
+                      <a:prstDash val="solid"/>
+                      <a:round/>
+                      <a:headEnd type="none" w="med" len="med"/>
+                      <a:tailEnd type="none" w="med" len="med"/>
+                    </a:lnT>
+                    <a:lnB w="12700" cmpd="sng">
+                      <a:noFill/>
+                    </a:lnB>
+                    <a:lnTlToBr w="12700" cmpd="sng">
+                      <a:noFill/>
+                      <a:prstDash val="solid"/>
+                    </a:lnTlToBr>
+                    <a:lnBlToTr w="12700" cmpd="sng">
+                      <a:noFill/>
+                      <a:prstDash val="solid"/>
+                    </a:lnBlToTr>
+                    <a:solidFill>
+                      <a:srgbClr val="00B050"/>
+                    </a:solidFill>
+                  </a:tcPr>
+                </a:tc>
+                <a:tc>
+                  <a:txBody>
+                    <a:bodyPr/>
+                    <a:lstStyle/>
+                    <a:p>
+                      <a:r>
+                        <a:rPr lang="en-US" altLang="zh-CN" sz="2200" smtClean="0"/>
+                        <a:t>A combination</a:t>
+                      </a:r>
+                      <a:endParaRPr lang="zh-CN" altLang="en-US" sz="2200"/>
+                    </a:p>
+                  </a:txBody>
+                  <a:tcPr marL="120798" marR="120798" marT="60399" marB="60399">
+                    <a:lnL w="12700" cap="flat" cmpd="sng" algn="ctr">
+                      <a:solidFill>
+                        <a:schemeClr val="tx1"/>
+                      </a:solidFill>
+                      <a:prstDash val="solid"/>
+                      <a:round/>
+                      <a:headEnd type="none" w="med" len="med"/>
+                      <a:tailEnd type="none" w="med" len="med"/>
+                    </a:lnL>
+                    <a:lnR w="12700" cmpd="sng">
+                      <a:noFill/>
+                    </a:lnR>
+                    <a:lnT w="12700" cap="flat" cmpd="sng" algn="ctr">
+                      <a:solidFill>
+                        <a:schemeClr val="tx1"/>
+                      </a:solidFill>
+                      <a:prstDash val="solid"/>
+                      <a:round/>
+                      <a:headEnd type="none" w="med" len="med"/>
+                      <a:tailEnd type="none" w="med" len="med"/>
+                    </a:lnT>
+                    <a:lnB w="12700" cmpd="sng">
+                      <a:noFill/>
+                    </a:lnB>
+                    <a:lnTlToBr w="12700" cmpd="sng">
+                      <a:noFill/>
+                      <a:prstDash val="solid"/>
+                    </a:lnTlToBr>
+                    <a:lnBlToTr w="12700" cmpd="sng">
+                      <a:noFill/>
+                      <a:prstDash val="solid"/>
+                    </a:lnBlToTr>
+                    <a:solidFill>
+                      <a:srgbClr val="00B050"/>
+                    </a:solidFill>
+                  </a:tcPr>
+                </a:tc>
+                <a:extLst>
+                  <a:ext uri="{0D108BD9-81ED-4DB2-BD59-A6C34878D82A}">
+                    <a16:rowId xmlns:a16="http://schemas.microsoft.com/office/drawing/2014/main" xmlns="" val="10002"/>
+                  </a:ext>
+                </a:extLst>
+              </a:tr>
+            </a:tbl>
+          </a:graphicData>
+        </a:graphic>
+      </p:graphicFrame>
+    </p:spTree>
+  </p:cSld>
+  <p:clrMapOvr>
+    <a:masterClrMapping/>
+  </p:clrMapOvr>
+  <p:timing>
+    <p:tnLst>
+      <p:par>
+        <p:cTn id="1" dur="indefinite" restart="never" nodeType="tmRoot"/>
+      </p:par>
+    </p:tnLst>
+  </p:timing>
+</p:sld>
+</file>
+
+<file path=ppt/slides/slide19.xml><?xml version="1.0" encoding="utf-8"?>
+<p:sld xmlns:a="http://schemas.openxmlformats.org/drawingml/2006/main" xmlns:r="http://schemas.openxmlformats.org/officeDocument/2006/relationships" xmlns:p="http://schemas.openxmlformats.org/presentationml/2006/main">
+  <p:cSld>
+    <p:spTree>
+      <p:nvGrpSpPr>
+        <p:cNvPr id="1" name=""/>
+        <p:cNvGrpSpPr/>
+        <p:nvPr/>
+      </p:nvGrpSpPr>
+      <p:grpSpPr>
+        <a:xfrm>
+          <a:off x="0" y="0"/>
+          <a:ext cx="0" cy="0"/>
+          <a:chOff x="0" y="0"/>
+          <a:chExt cx="0" cy="0"/>
+        </a:xfrm>
+      </p:grpSpPr>
+      <p:sp>
+        <p:nvSpPr>
+          <p:cNvPr id="2" name="标题 1"/>
+          <p:cNvSpPr>
+            <a:spLocks noGrp="1"/>
+          </p:cNvSpPr>
+          <p:nvPr>
+            <p:ph type="title"/>
+          </p:nvPr>
+        </p:nvSpPr>
+        <p:spPr/>
+        <p:txBody>
+          <a:bodyPr/>
+          <a:lstStyle/>
+          <a:p>
+            <a:r>
+              <a:rPr lang="en-US" altLang="zh-CN" cap="small" dirty="0"/>
+              <a:t>Effigy</a:t>
+            </a:r>
+            <a:endParaRPr lang="zh-CN" altLang="en-US" dirty="0"/>
+          </a:p>
+        </p:txBody>
+      </p:sp>
+      <p:sp>
+        <p:nvSpPr>
+          <p:cNvPr id="3" name="内容占位符 2"/>
+          <p:cNvSpPr>
+            <a:spLocks noGrp="1"/>
+          </p:cNvSpPr>
+          <p:nvPr>
+            <p:ph idx="1"/>
+          </p:nvPr>
+        </p:nvSpPr>
+        <p:spPr>
+          <a:xfrm>
+            <a:off x="457200" y="1719263"/>
+            <a:ext cx="3970784" cy="4716000"/>
+          </a:xfrm>
+        </p:spPr>
+        <p:txBody>
+          <a:bodyPr/>
+          <a:lstStyle/>
+          <a:p>
+            <a:r>
+              <a:rPr lang="en-US" altLang="zh-CN" sz="2000" dirty="0"/>
+              <a:t>The program </a:t>
+            </a:r>
+            <a:r>
+              <a:rPr lang="en-US" altLang="zh-CN" sz="2000" b="1" dirty="0">
+                <a:latin typeface="Times New Roman" panose="02020603050405020304" pitchFamily="18" charset="0"/>
+                <a:cs typeface="Times New Roman" panose="02020603050405020304" pitchFamily="18" charset="0"/>
+              </a:rPr>
+              <a:t>SEARCH</a:t>
+            </a:r>
+            <a:r>
+              <a:rPr lang="en-US" altLang="zh-CN" sz="2000" dirty="0"/>
+              <a:t> was written to perform a binary search for an argument </a:t>
+            </a:r>
+            <a:r>
+              <a:rPr lang="en-US" altLang="zh-CN" sz="2000" b="1" dirty="0">
+                <a:latin typeface="Times New Roman" panose="02020603050405020304" pitchFamily="18" charset="0"/>
+                <a:cs typeface="Times New Roman" panose="02020603050405020304" pitchFamily="18" charset="0"/>
+              </a:rPr>
+              <a:t>X</a:t>
+            </a:r>
+            <a:r>
+              <a:rPr lang="en-US" altLang="zh-CN" sz="2000" dirty="0"/>
+              <a:t> in </a:t>
+            </a:r>
+            <a:r>
+              <a:rPr lang="en-US" altLang="zh-CN" sz="2000"/>
+              <a:t>an </a:t>
+            </a:r>
+            <a:r>
+              <a:rPr lang="en-US" altLang="zh-CN" sz="2000" smtClean="0"/>
+              <a:t>ascending-order array.</a:t>
+            </a:r>
+            <a:endParaRPr lang="en-US" altLang="zh-CN" sz="2000" dirty="0"/>
+          </a:p>
+          <a:p>
+            <a:r>
+              <a:rPr lang="en-US" altLang="zh-CN" sz="2000" dirty="0"/>
+              <a:t>If a match is found, the </a:t>
+            </a:r>
+            <a:r>
+              <a:rPr lang="en-US" altLang="zh-CN" sz="2000" dirty="0" smtClean="0"/>
+              <a:t>index of </a:t>
+            </a:r>
+            <a:r>
+              <a:rPr lang="en-US" altLang="zh-CN" sz="2000" b="1" dirty="0">
+                <a:latin typeface="Times New Roman" panose="02020603050405020304" pitchFamily="18" charset="0"/>
+                <a:cs typeface="Times New Roman" panose="02020603050405020304" pitchFamily="18" charset="0"/>
+              </a:rPr>
+              <a:t>X</a:t>
+            </a:r>
+            <a:r>
+              <a:rPr lang="en-US" altLang="zh-CN" sz="2000" dirty="0"/>
+              <a:t> is returned in </a:t>
+            </a:r>
+            <a:r>
+              <a:rPr lang="en-US" altLang="zh-CN" sz="2000" b="1" dirty="0">
+                <a:latin typeface="Times New Roman" panose="02020603050405020304" pitchFamily="18" charset="0"/>
+                <a:cs typeface="Times New Roman" panose="02020603050405020304" pitchFamily="18" charset="0"/>
+              </a:rPr>
+              <a:t>J</a:t>
+            </a:r>
+            <a:r>
+              <a:rPr lang="en-US" altLang="zh-CN" sz="2000" dirty="0"/>
+              <a:t> and </a:t>
+            </a:r>
+            <a:r>
+              <a:rPr lang="en-US" altLang="zh-CN" sz="2000" b="1" dirty="0">
+                <a:latin typeface="Times New Roman" panose="02020603050405020304" pitchFamily="18" charset="0"/>
+                <a:cs typeface="Times New Roman" panose="02020603050405020304" pitchFamily="18" charset="0"/>
+              </a:rPr>
+              <a:t>FOUND</a:t>
+            </a:r>
+            <a:r>
+              <a:rPr lang="en-US" altLang="zh-CN" sz="2000" dirty="0"/>
+              <a:t> is set to 1. Otherwise, </a:t>
+            </a:r>
+            <a:r>
+              <a:rPr lang="en-US" altLang="zh-CN" sz="2000" b="1" dirty="0">
+                <a:latin typeface="Times New Roman" panose="02020603050405020304" pitchFamily="18" charset="0"/>
+                <a:cs typeface="Times New Roman" panose="02020603050405020304" pitchFamily="18" charset="0"/>
+              </a:rPr>
+              <a:t>FOUND</a:t>
+            </a:r>
+            <a:r>
+              <a:rPr lang="en-US" altLang="zh-CN" sz="2000" dirty="0"/>
+              <a:t> is set to 0 and </a:t>
+            </a:r>
+            <a:r>
+              <a:rPr lang="en-US" altLang="zh-CN" sz="2000" b="1" dirty="0">
+                <a:latin typeface="Times New Roman" panose="02020603050405020304" pitchFamily="18" charset="0"/>
+                <a:cs typeface="Times New Roman" panose="02020603050405020304" pitchFamily="18" charset="0"/>
+              </a:rPr>
+              <a:t>J</a:t>
+            </a:r>
+            <a:r>
+              <a:rPr lang="en-US" altLang="zh-CN" sz="2000" dirty="0"/>
+              <a:t> is set to the value such that </a:t>
+            </a:r>
+            <a:r>
+              <a:rPr lang="en-US" altLang="zh-CN" sz="2000" b="1" dirty="0">
+                <a:latin typeface="Times New Roman" panose="02020603050405020304" pitchFamily="18" charset="0"/>
+                <a:cs typeface="Times New Roman" panose="02020603050405020304" pitchFamily="18" charset="0"/>
+              </a:rPr>
+              <a:t>A(J)</a:t>
+            </a:r>
+            <a:r>
+              <a:rPr lang="en-US" altLang="zh-CN" sz="2000" dirty="0"/>
+              <a:t> &lt; </a:t>
+            </a:r>
+            <a:r>
+              <a:rPr lang="en-US" altLang="zh-CN" sz="2000" b="1" dirty="0">
+                <a:latin typeface="Times New Roman" panose="02020603050405020304" pitchFamily="18" charset="0"/>
+                <a:cs typeface="Times New Roman" panose="02020603050405020304" pitchFamily="18" charset="0"/>
+              </a:rPr>
+              <a:t>X</a:t>
+            </a:r>
+            <a:r>
+              <a:rPr lang="en-US" altLang="zh-CN" sz="2000" dirty="0"/>
+              <a:t> &lt; </a:t>
+            </a:r>
+            <a:r>
+              <a:rPr lang="en-US" altLang="zh-CN" sz="2000" b="1">
+                <a:latin typeface="Times New Roman" panose="02020603050405020304" pitchFamily="18" charset="0"/>
+                <a:cs typeface="Times New Roman" panose="02020603050405020304" pitchFamily="18" charset="0"/>
+              </a:rPr>
+              <a:t>A(J+1</a:t>
+            </a:r>
+            <a:r>
+              <a:rPr lang="en-US" altLang="zh-CN" sz="2000" b="1" smtClean="0">
+                <a:latin typeface="Times New Roman" panose="02020603050405020304" pitchFamily="18" charset="0"/>
+                <a:cs typeface="Times New Roman" panose="02020603050405020304" pitchFamily="18" charset="0"/>
+              </a:rPr>
+              <a:t>)</a:t>
+            </a:r>
+            <a:r>
+              <a:rPr lang="en-US" altLang="zh-CN" sz="2000" smtClean="0"/>
+              <a:t>.</a:t>
+            </a:r>
+          </a:p>
+          <a:p>
+            <a:r>
+              <a:rPr lang="en-US" altLang="zh-CN" sz="2000" b="1" smtClean="0">
+                <a:latin typeface="Times New Roman" pitchFamily="18" charset="0"/>
+                <a:cs typeface="Times New Roman" pitchFamily="18" charset="0"/>
+              </a:rPr>
+              <a:t>CALL SEARCH (A, “N”,  “N”+4,  FOUND, J)</a:t>
+            </a:r>
+            <a:endParaRPr lang="zh-CN" altLang="en-US" sz="2000" b="1" dirty="0">
+              <a:latin typeface="Times New Roman" pitchFamily="18" charset="0"/>
+              <a:cs typeface="Times New Roman" pitchFamily="18" charset="0"/>
+            </a:endParaRPr>
+          </a:p>
+        </p:txBody>
+      </p:sp>
+      <p:sp>
+        <p:nvSpPr>
+          <p:cNvPr id="4" name="日期占位符 3"/>
+          <p:cNvSpPr>
+            <a:spLocks noGrp="1"/>
+          </p:cNvSpPr>
+          <p:nvPr>
+            <p:ph type="dt" sz="half" idx="10"/>
+          </p:nvPr>
+        </p:nvSpPr>
+        <p:spPr/>
+        <p:txBody>
+          <a:bodyPr/>
+          <a:lstStyle/>
+          <a:p>
+            <a:fld id="{FF88F899-FA6D-4737-879E-62DE3ED9162E}" type="datetime1">
+              <a:rPr kumimoji="1" lang="zh-CN" altLang="en-US" smtClean="0">
+                <a:solidFill>
+                  <a:prstClr val="black">
+                    <a:lumMod val="65000"/>
+                    <a:lumOff val="35000"/>
+                  </a:prstClr>
+                </a:solidFill>
+                <a:ea typeface="宋体"/>
+              </a:rPr>
+              <a:pPr/>
+              <a:t>2020/12/1</a:t>
+            </a:fld>
+            <a:endParaRPr kumimoji="1" lang="zh-CN" altLang="en-US">
+              <a:solidFill>
+                <a:prstClr val="black">
+                  <a:lumMod val="65000"/>
+                  <a:lumOff val="35000"/>
+                </a:prstClr>
+              </a:solidFill>
+              <a:ea typeface="宋体"/>
+            </a:endParaRPr>
+          </a:p>
+        </p:txBody>
+      </p:sp>
+      <p:sp>
+        <p:nvSpPr>
+          <p:cNvPr id="5" name="页脚占位符 4"/>
+          <p:cNvSpPr>
+            <a:spLocks noGrp="1"/>
+          </p:cNvSpPr>
+          <p:nvPr>
+            <p:ph type="ftr" sz="quarter" idx="11"/>
+          </p:nvPr>
+        </p:nvSpPr>
+        <p:spPr/>
+        <p:txBody>
+          <a:bodyPr/>
+          <a:lstStyle/>
+          <a:p>
+            <a:pPr defTabSz="457200"/>
+            <a:endParaRPr lang="zh-CN" altLang="en-US" dirty="0"/>
+          </a:p>
+        </p:txBody>
+      </p:sp>
+      <p:sp>
+        <p:nvSpPr>
+          <p:cNvPr id="6" name="灯片编号占位符 5"/>
+          <p:cNvSpPr>
+            <a:spLocks noGrp="1"/>
+          </p:cNvSpPr>
+          <p:nvPr>
+            <p:ph type="sldNum" sz="quarter" idx="12"/>
+          </p:nvPr>
+        </p:nvSpPr>
+        <p:spPr/>
+        <p:txBody>
+          <a:bodyPr/>
+          <a:lstStyle/>
+          <a:p>
+            <a:fld id="{71F1F346-3964-904C-8DB0-057A2D699FB9}" type="slidenum">
+              <a:rPr kumimoji="1" lang="zh-CN" altLang="en-US" smtClean="0">
+                <a:solidFill>
+                  <a:prstClr val="black">
+                    <a:lumMod val="65000"/>
+                    <a:lumOff val="35000"/>
+                  </a:prstClr>
+                </a:solidFill>
+                <a:ea typeface="宋体"/>
+              </a:rPr>
+              <a:pPr/>
+              <a:t>19</a:t>
+            </a:fld>
+            <a:endParaRPr kumimoji="1" lang="zh-CN" altLang="en-US">
+              <a:solidFill>
+                <a:prstClr val="black">
+                  <a:lumMod val="65000"/>
+                  <a:lumOff val="35000"/>
+                </a:prstClr>
+              </a:solidFill>
+              <a:ea typeface="宋体"/>
+            </a:endParaRPr>
+          </a:p>
+        </p:txBody>
+      </p:sp>
+      <p:graphicFrame>
+        <p:nvGraphicFramePr>
+          <p:cNvPr id="7" name="表格 6"/>
+          <p:cNvGraphicFramePr>
+            <a:graphicFrameLocks noGrp="1"/>
+          </p:cNvGraphicFramePr>
           <p:nvPr>
             <p:extLst>
               <p:ext uri="{D42A27DB-BD31-4B8C-83A1-F6EECF244321}">
-                <p14:modId xmlns:p14="http://schemas.microsoft.com/office/powerpoint/2010/main" val="3670785006"/>
+                <p14:modId xmlns:p14="http://schemas.microsoft.com/office/powerpoint/2010/main" xmlns="" val="3670785006"/>
               </p:ext>
             </p:extLst>
           </p:nvPr>
@@ -19961,21 +21590,21 @@
                 <a:gridCol w="2736303">
                   <a:extLst>
                     <a:ext uri="{9D8B030D-6E8A-4147-A177-3AD203B41FA5}">
-                      <a16:colId xmlns:a16="http://schemas.microsoft.com/office/drawing/2014/main" val="2561182014"/>
+                      <a16:colId xmlns:a16="http://schemas.microsoft.com/office/drawing/2014/main" xmlns="" val="2561182014"/>
                     </a:ext>
                   </a:extLst>
                 </a:gridCol>
                 <a:gridCol w="1005943">
                   <a:extLst>
                     <a:ext uri="{9D8B030D-6E8A-4147-A177-3AD203B41FA5}">
-                      <a16:colId xmlns:a16="http://schemas.microsoft.com/office/drawing/2014/main" val="3014690262"/>
+                      <a16:colId xmlns:a16="http://schemas.microsoft.com/office/drawing/2014/main" xmlns="" val="3014690262"/>
                     </a:ext>
                   </a:extLst>
                 </a:gridCol>
                 <a:gridCol w="601898">
                   <a:extLst>
                     <a:ext uri="{9D8B030D-6E8A-4147-A177-3AD203B41FA5}">
-                      <a16:colId xmlns:a16="http://schemas.microsoft.com/office/drawing/2014/main" val="1664197213"/>
+                      <a16:colId xmlns:a16="http://schemas.microsoft.com/office/drawing/2014/main" xmlns="" val="1664197213"/>
                     </a:ext>
                   </a:extLst>
                 </a:gridCol>
@@ -20169,7 +21798,7 @@
                 </a:tc>
                 <a:extLst>
                   <a:ext uri="{0D108BD9-81ED-4DB2-BD59-A6C34878D82A}">
-                    <a16:rowId xmlns:a16="http://schemas.microsoft.com/office/drawing/2014/main" val="717514577"/>
+                    <a16:rowId xmlns:a16="http://schemas.microsoft.com/office/drawing/2014/main" xmlns="" val="717514577"/>
                   </a:ext>
                 </a:extLst>
               </a:tr>
@@ -20348,7 +21977,7 @@
                 </a:tc>
                 <a:extLst>
                   <a:ext uri="{0D108BD9-81ED-4DB2-BD59-A6C34878D82A}">
-                    <a16:rowId xmlns:a16="http://schemas.microsoft.com/office/drawing/2014/main" val="2885001912"/>
+                    <a16:rowId xmlns:a16="http://schemas.microsoft.com/office/drawing/2014/main" xmlns="" val="2885001912"/>
                   </a:ext>
                 </a:extLst>
               </a:tr>
@@ -20552,7 +22181,7 @@
                 </a:tc>
                 <a:extLst>
                   <a:ext uri="{0D108BD9-81ED-4DB2-BD59-A6C34878D82A}">
-                    <a16:rowId xmlns:a16="http://schemas.microsoft.com/office/drawing/2014/main" val="1188602942"/>
+                    <a16:rowId xmlns:a16="http://schemas.microsoft.com/office/drawing/2014/main" xmlns="" val="1188602942"/>
                   </a:ext>
                 </a:extLst>
               </a:tr>
@@ -20676,7 +22305,7 @@
                 </a:tc>
                 <a:extLst>
                   <a:ext uri="{0D108BD9-81ED-4DB2-BD59-A6C34878D82A}">
-                    <a16:rowId xmlns:a16="http://schemas.microsoft.com/office/drawing/2014/main" val="2419658019"/>
+                    <a16:rowId xmlns:a16="http://schemas.microsoft.com/office/drawing/2014/main" xmlns="" val="2419658019"/>
                   </a:ext>
                 </a:extLst>
               </a:tr>
@@ -20845,7 +22474,7 @@
                 </a:tc>
                 <a:extLst>
                   <a:ext uri="{0D108BD9-81ED-4DB2-BD59-A6C34878D82A}">
-                    <a16:rowId xmlns:a16="http://schemas.microsoft.com/office/drawing/2014/main" val="2435975439"/>
+                    <a16:rowId xmlns:a16="http://schemas.microsoft.com/office/drawing/2014/main" xmlns="" val="2435975439"/>
                   </a:ext>
                 </a:extLst>
               </a:tr>
@@ -21049,7 +22678,7 @@
                 </a:tc>
                 <a:extLst>
                   <a:ext uri="{0D108BD9-81ED-4DB2-BD59-A6C34878D82A}">
-                    <a16:rowId xmlns:a16="http://schemas.microsoft.com/office/drawing/2014/main" val="2833893147"/>
+                    <a16:rowId xmlns:a16="http://schemas.microsoft.com/office/drawing/2014/main" xmlns="" val="2833893147"/>
                   </a:ext>
                 </a:extLst>
               </a:tr>
@@ -21218,7 +22847,7 @@
                 </a:tc>
                 <a:extLst>
                   <a:ext uri="{0D108BD9-81ED-4DB2-BD59-A6C34878D82A}">
-                    <a16:rowId xmlns:a16="http://schemas.microsoft.com/office/drawing/2014/main" val="2175819450"/>
+                    <a16:rowId xmlns:a16="http://schemas.microsoft.com/office/drawing/2014/main" xmlns="" val="2175819450"/>
                   </a:ext>
                 </a:extLst>
               </a:tr>
@@ -21408,7 +23037,7 @@
                 </a:tc>
                 <a:extLst>
                   <a:ext uri="{0D108BD9-81ED-4DB2-BD59-A6C34878D82A}">
-                    <a16:rowId xmlns:a16="http://schemas.microsoft.com/office/drawing/2014/main" val="1079286864"/>
+                    <a16:rowId xmlns:a16="http://schemas.microsoft.com/office/drawing/2014/main" xmlns="" val="1079286864"/>
                   </a:ext>
                 </a:extLst>
               </a:tr>
@@ -21598,7 +23227,7 @@
                 </a:tc>
                 <a:extLst>
                   <a:ext uri="{0D108BD9-81ED-4DB2-BD59-A6C34878D82A}">
-                    <a16:rowId xmlns:a16="http://schemas.microsoft.com/office/drawing/2014/main" val="2418199264"/>
+                    <a16:rowId xmlns:a16="http://schemas.microsoft.com/office/drawing/2014/main" xmlns="" val="2418199264"/>
                   </a:ext>
                 </a:extLst>
               </a:tr>
@@ -21767,7 +23396,7 @@
                 </a:tc>
                 <a:extLst>
                   <a:ext uri="{0D108BD9-81ED-4DB2-BD59-A6C34878D82A}">
-                    <a16:rowId xmlns:a16="http://schemas.microsoft.com/office/drawing/2014/main" val="3615362646"/>
+                    <a16:rowId xmlns:a16="http://schemas.microsoft.com/office/drawing/2014/main" xmlns="" val="3615362646"/>
                   </a:ext>
                 </a:extLst>
               </a:tr>
@@ -21957,7 +23586,7 @@
                 </a:tc>
                 <a:extLst>
                   <a:ext uri="{0D108BD9-81ED-4DB2-BD59-A6C34878D82A}">
-                    <a16:rowId xmlns:a16="http://schemas.microsoft.com/office/drawing/2014/main" val="3102124365"/>
+                    <a16:rowId xmlns:a16="http://schemas.microsoft.com/office/drawing/2014/main" xmlns="" val="3102124365"/>
                   </a:ext>
                 </a:extLst>
               </a:tr>
@@ -22147,7 +23776,7 @@
                 </a:tc>
                 <a:extLst>
                   <a:ext uri="{0D108BD9-81ED-4DB2-BD59-A6C34878D82A}">
-                    <a16:rowId xmlns:a16="http://schemas.microsoft.com/office/drawing/2014/main" val="1160413103"/>
+                    <a16:rowId xmlns:a16="http://schemas.microsoft.com/office/drawing/2014/main" xmlns="" val="1160413103"/>
                   </a:ext>
                 </a:extLst>
               </a:tr>
@@ -22158,7 +23787,7 @@
     </p:spTree>
     <p:extLst>
       <p:ext uri="{BB962C8B-B14F-4D97-AF65-F5344CB8AC3E}">
-        <p14:creationId xmlns:p14="http://schemas.microsoft.com/office/powerpoint/2010/main" val="3431667675"/>
+        <p14:creationId xmlns:p14="http://schemas.microsoft.com/office/powerpoint/2010/main" xmlns="" val="3431667675"/>
       </p:ext>
     </p:extLst>
   </p:cSld>
@@ -22168,239 +23797,75 @@
   <p:timing>
     <p:tnLst>
       <p:par>
-        <p:cTn id="1" dur="indefinite" restart="never" nodeType="tmRoot"/>
-      </p:par>
-    </p:tnLst>
-  </p:timing>
-</p:sld>
-</file>
-
-<file path=ppt/slides/slide19.xml><?xml version="1.0" encoding="utf-8"?>
-<p:sld xmlns:a="http://schemas.openxmlformats.org/drawingml/2006/main" xmlns:r="http://schemas.openxmlformats.org/officeDocument/2006/relationships" xmlns:p="http://schemas.openxmlformats.org/presentationml/2006/main">
-  <p:cSld>
-    <p:spTree>
-      <p:nvGrpSpPr>
-        <p:cNvPr id="1" name=""/>
-        <p:cNvGrpSpPr/>
-        <p:nvPr/>
-      </p:nvGrpSpPr>
-      <p:grpSpPr>
-        <a:xfrm>
-          <a:off x="0" y="0"/>
-          <a:ext cx="0" cy="0"/>
-          <a:chOff x="0" y="0"/>
-          <a:chExt cx="0" cy="0"/>
-        </a:xfrm>
-      </p:grpSpPr>
-      <p:sp>
-        <p:nvSpPr>
-          <p:cNvPr id="2" name="标题 1"/>
-          <p:cNvSpPr>
-            <a:spLocks noGrp="1"/>
-          </p:cNvSpPr>
-          <p:nvPr>
-            <p:ph type="title"/>
-          </p:nvPr>
-        </p:nvSpPr>
-        <p:spPr/>
-        <p:txBody>
-          <a:bodyPr/>
-          <a:lstStyle/>
-          <a:p>
-            <a:r>
-              <a:rPr lang="en-US" altLang="zh-CN" dirty="0" smtClean="0"/>
-              <a:t>Practical Issues</a:t>
-            </a:r>
-            <a:endParaRPr lang="zh-CN" altLang="en-US" dirty="0"/>
-          </a:p>
-        </p:txBody>
-      </p:sp>
-      <p:sp>
-        <p:nvSpPr>
-          <p:cNvPr id="3" name="内容占位符 2"/>
-          <p:cNvSpPr>
-            <a:spLocks noGrp="1"/>
-          </p:cNvSpPr>
-          <p:nvPr>
-            <p:ph idx="1"/>
-          </p:nvPr>
-        </p:nvSpPr>
-        <p:spPr/>
-        <p:txBody>
-          <a:bodyPr/>
-          <a:lstStyle/>
-          <a:p>
-            <a:pPr>
-              <a:spcAft>
-                <a:spcPts val="600"/>
-              </a:spcAft>
-            </a:pPr>
-            <a:r>
-              <a:rPr lang="en-US" altLang="zh-CN" dirty="0" smtClean="0"/>
-              <a:t>It is a problem of finding a practical way to  deal with variable storage-referencing.</a:t>
-            </a:r>
-          </a:p>
-          <a:p>
-            <a:pPr>
-              <a:spcAft>
-                <a:spcPts val="600"/>
-              </a:spcAft>
-            </a:pPr>
-            <a:r>
-              <a:rPr lang="en-US" altLang="zh-CN" dirty="0" smtClean="0"/>
-              <a:t>The conflict between discrete aspects of computer arithmetic and the continuous nature of real numbers.</a:t>
-            </a:r>
-          </a:p>
-          <a:p>
-            <a:pPr>
-              <a:spcAft>
-                <a:spcPts val="600"/>
-              </a:spcAft>
-            </a:pPr>
-            <a:r>
-              <a:rPr lang="en-US" altLang="zh-CN" dirty="0"/>
-              <a:t>When </a:t>
-            </a:r>
-            <a:r>
-              <a:rPr lang="en-US" altLang="zh-CN" dirty="0" smtClean="0"/>
-              <a:t>the constraint </a:t>
-            </a:r>
-            <a:r>
-              <a:rPr lang="en-US" altLang="zh-CN" dirty="0"/>
-              <a:t>expression growing </a:t>
-            </a:r>
-            <a:r>
-              <a:rPr lang="en-US" altLang="zh-CN" dirty="0" smtClean="0"/>
-              <a:t>complicated, </a:t>
-            </a:r>
-            <a:r>
-              <a:rPr lang="en-US" altLang="zh-CN" dirty="0"/>
-              <a:t>constraint </a:t>
-            </a:r>
-            <a:r>
-              <a:rPr lang="en-US" altLang="zh-CN" dirty="0" smtClean="0"/>
-              <a:t>solving becomes </a:t>
-            </a:r>
-            <a:r>
-              <a:rPr lang="en-US" altLang="zh-CN" dirty="0"/>
-              <a:t>a troubling </a:t>
-            </a:r>
-            <a:r>
-              <a:rPr lang="en-US" altLang="zh-CN" dirty="0" smtClean="0"/>
-              <a:t>problem.</a:t>
-            </a:r>
-          </a:p>
-        </p:txBody>
-      </p:sp>
-      <p:sp>
-        <p:nvSpPr>
-          <p:cNvPr id="4" name="日期占位符 3"/>
-          <p:cNvSpPr>
-            <a:spLocks noGrp="1"/>
-          </p:cNvSpPr>
-          <p:nvPr>
-            <p:ph type="dt" sz="half" idx="10"/>
-          </p:nvPr>
-        </p:nvSpPr>
-        <p:spPr/>
-        <p:txBody>
-          <a:bodyPr/>
-          <a:lstStyle/>
-          <a:p>
-            <a:fld id="{FF88F899-FA6D-4737-879E-62DE3ED9162E}" type="datetime1">
-              <a:rPr kumimoji="1" lang="zh-CN" altLang="en-US" smtClean="0">
-                <a:solidFill>
-                  <a:prstClr val="black">
-                    <a:lumMod val="65000"/>
-                    <a:lumOff val="35000"/>
-                  </a:prstClr>
-                </a:solidFill>
-                <a:ea typeface="宋体"/>
-              </a:rPr>
-              <a:pPr/>
-              <a:t>2020/12/1</a:t>
-            </a:fld>
-            <a:endParaRPr kumimoji="1" lang="zh-CN" altLang="en-US">
-              <a:solidFill>
-                <a:prstClr val="black">
-                  <a:lumMod val="65000"/>
-                  <a:lumOff val="35000"/>
-                </a:prstClr>
-              </a:solidFill>
-              <a:ea typeface="宋体"/>
-            </a:endParaRPr>
-          </a:p>
-        </p:txBody>
-      </p:sp>
-      <p:sp>
-        <p:nvSpPr>
-          <p:cNvPr id="5" name="页脚占位符 4"/>
-          <p:cNvSpPr>
-            <a:spLocks noGrp="1"/>
-          </p:cNvSpPr>
-          <p:nvPr>
-            <p:ph type="ftr" sz="quarter" idx="11"/>
-          </p:nvPr>
-        </p:nvSpPr>
-        <p:spPr/>
-        <p:txBody>
-          <a:bodyPr/>
-          <a:lstStyle/>
-          <a:p>
-            <a:pPr defTabSz="457200"/>
-            <a:endParaRPr lang="zh-CN" altLang="en-US" dirty="0"/>
-          </a:p>
-        </p:txBody>
-      </p:sp>
-      <p:sp>
-        <p:nvSpPr>
-          <p:cNvPr id="6" name="灯片编号占位符 5"/>
-          <p:cNvSpPr>
-            <a:spLocks noGrp="1"/>
-          </p:cNvSpPr>
-          <p:nvPr>
-            <p:ph type="sldNum" sz="quarter" idx="12"/>
-          </p:nvPr>
-        </p:nvSpPr>
-        <p:spPr/>
-        <p:txBody>
-          <a:bodyPr/>
-          <a:lstStyle/>
-          <a:p>
-            <a:fld id="{71F1F346-3964-904C-8DB0-057A2D699FB9}" type="slidenum">
-              <a:rPr kumimoji="1" lang="zh-CN" altLang="en-US" smtClean="0">
-                <a:solidFill>
-                  <a:prstClr val="black">
-                    <a:lumMod val="65000"/>
-                    <a:lumOff val="35000"/>
-                  </a:prstClr>
-                </a:solidFill>
-                <a:ea typeface="宋体"/>
-              </a:rPr>
-              <a:pPr/>
-              <a:t>19</a:t>
-            </a:fld>
-            <a:endParaRPr kumimoji="1" lang="zh-CN" altLang="en-US">
-              <a:solidFill>
-                <a:prstClr val="black">
-                  <a:lumMod val="65000"/>
-                  <a:lumOff val="35000"/>
-                </a:prstClr>
-              </a:solidFill>
-              <a:ea typeface="宋体"/>
-            </a:endParaRPr>
-          </a:p>
-        </p:txBody>
-      </p:sp>
-    </p:spTree>
-  </p:cSld>
-  <p:clrMapOvr>
-    <a:masterClrMapping/>
-  </p:clrMapOvr>
-  <p:timing>
-    <p:tnLst>
-      <p:par>
-        <p:cTn id="1" dur="indefinite" restart="never" nodeType="tmRoot"/>
+        <p:cTn id="1" dur="indefinite" restart="never" nodeType="tmRoot">
+          <p:childTnLst>
+            <p:seq concurrent="1" nextAc="seek">
+              <p:cTn id="2" dur="indefinite" nodeType="mainSeq">
+                <p:childTnLst>
+                  <p:par>
+                    <p:cTn id="3" fill="hold">
+                      <p:stCondLst>
+                        <p:cond delay="indefinite"/>
+                      </p:stCondLst>
+                      <p:childTnLst>
+                        <p:par>
+                          <p:cTn id="4" fill="hold">
+                            <p:stCondLst>
+                              <p:cond delay="0"/>
+                            </p:stCondLst>
+                            <p:childTnLst>
+                              <p:par>
+                                <p:cTn id="5" presetID="1" presetClass="entr" presetSubtype="0" fill="hold" nodeType="clickEffect">
+                                  <p:stCondLst>
+                                    <p:cond delay="0"/>
+                                  </p:stCondLst>
+                                  <p:childTnLst>
+                                    <p:set>
+                                      <p:cBhvr>
+                                        <p:cTn id="6" dur="1" fill="hold">
+                                          <p:stCondLst>
+                                            <p:cond delay="0"/>
+                                          </p:stCondLst>
+                                        </p:cTn>
+                                        <p:tgtEl>
+                                          <p:spTgt spid="7"/>
+                                        </p:tgtEl>
+                                        <p:attrNameLst>
+                                          <p:attrName>style.visibility</p:attrName>
+                                        </p:attrNameLst>
+                                      </p:cBhvr>
+                                      <p:to>
+                                        <p:strVal val="visible"/>
+                                      </p:to>
+                                    </p:set>
+                                  </p:childTnLst>
+                                </p:cTn>
+                              </p:par>
+                            </p:childTnLst>
+                          </p:cTn>
+                        </p:par>
+                      </p:childTnLst>
+                    </p:cTn>
+                  </p:par>
+                </p:childTnLst>
+              </p:cTn>
+              <p:prevCondLst>
+                <p:cond evt="onPrev" delay="0">
+                  <p:tgtEl>
+                    <p:sldTgt/>
+                  </p:tgtEl>
+                </p:cond>
+              </p:prevCondLst>
+              <p:nextCondLst>
+                <p:cond evt="onNext" delay="0">
+                  <p:tgtEl>
+                    <p:sldTgt/>
+                  </p:tgtEl>
+                </p:cond>
+              </p:nextCondLst>
+            </p:seq>
+          </p:childTnLst>
+        </p:cTn>
       </p:par>
     </p:tnLst>
   </p:timing>
@@ -22696,7 +24161,7 @@
           <a:blip r:embed="rId6" cstate="print">
             <a:extLst>
               <a:ext uri="{28A0092B-C50C-407E-A947-70E740481C1C}">
-                <a14:useLocalDpi xmlns:a14="http://schemas.microsoft.com/office/drawing/2010/main" val="0"/>
+                <a14:useLocalDpi xmlns:a14="http://schemas.microsoft.com/office/drawing/2010/main" xmlns="" val="0"/>
               </a:ext>
             </a:extLst>
           </a:blip>
@@ -22716,7 +24181,7 @@
           <a:noFill/>
           <a:extLst>
             <a:ext uri="{909E8E84-426E-40DD-AFC4-6F175D3DCCD1}">
-              <a14:hiddenFill xmlns:a14="http://schemas.microsoft.com/office/drawing/2010/main">
+              <a14:hiddenFill xmlns:a14="http://schemas.microsoft.com/office/drawing/2010/main" xmlns="">
                 <a:solidFill>
                   <a:srgbClr val="FFFFFF"/>
                 </a:solidFill>
@@ -22737,7 +24202,7 @@
           <a:blip r:embed="rId7" cstate="print">
             <a:extLst>
               <a:ext uri="{28A0092B-C50C-407E-A947-70E740481C1C}">
-                <a14:useLocalDpi xmlns:a14="http://schemas.microsoft.com/office/drawing/2010/main" val="0"/>
+                <a14:useLocalDpi xmlns:a14="http://schemas.microsoft.com/office/drawing/2010/main" xmlns="" val="0"/>
               </a:ext>
             </a:extLst>
           </a:blip>
@@ -22757,7 +24222,7 @@
           <a:noFill/>
           <a:extLst>
             <a:ext uri="{909E8E84-426E-40DD-AFC4-6F175D3DCCD1}">
-              <a14:hiddenFill xmlns:a14="http://schemas.microsoft.com/office/drawing/2010/main">
+              <a14:hiddenFill xmlns:a14="http://schemas.microsoft.com/office/drawing/2010/main" xmlns="">
                 <a:solidFill>
                   <a:srgbClr val="FFFFFF"/>
                 </a:solidFill>
@@ -22858,7 +24323,7 @@
           <a:blip r:embed="rId8" cstate="print">
             <a:extLst>
               <a:ext uri="{28A0092B-C50C-407E-A947-70E740481C1C}">
-                <a14:useLocalDpi xmlns:a14="http://schemas.microsoft.com/office/drawing/2010/main" val="0"/>
+                <a14:useLocalDpi xmlns:a14="http://schemas.microsoft.com/office/drawing/2010/main" xmlns="" val="0"/>
               </a:ext>
             </a:extLst>
           </a:blip>
@@ -22878,7 +24343,7 @@
           <a:noFill/>
           <a:extLst>
             <a:ext uri="{909E8E84-426E-40DD-AFC4-6F175D3DCCD1}">
-              <a14:hiddenFill xmlns:a14="http://schemas.microsoft.com/office/drawing/2010/main">
+              <a14:hiddenFill xmlns:a14="http://schemas.microsoft.com/office/drawing/2010/main" xmlns="">
                 <a:solidFill>
                   <a:srgbClr val="FFFFFF"/>
                 </a:solidFill>
@@ -22970,7 +24435,7 @@
     </p:spTree>
     <p:extLst>
       <p:ext uri="{BB962C8B-B14F-4D97-AF65-F5344CB8AC3E}">
-        <p14:creationId xmlns:p14="http://schemas.microsoft.com/office/powerpoint/2010/main" val="2758785605"/>
+        <p14:creationId xmlns:p14="http://schemas.microsoft.com/office/powerpoint/2010/main" xmlns="" val="2758785605"/>
       </p:ext>
     </p:extLst>
   </p:cSld>
@@ -23418,7 +24883,7 @@
           <a:p>
             <a:r>
               <a:rPr lang="en-US" altLang="zh-CN" dirty="0" smtClean="0"/>
-              <a:t>Conclusion</a:t>
+              <a:t>Practical Issues</a:t>
             </a:r>
             <a:endParaRPr lang="zh-CN" altLang="en-US" dirty="0"/>
           </a:p>
@@ -23446,7 +24911,7 @@
             </a:pPr>
             <a:r>
               <a:rPr lang="en-US" altLang="zh-CN" dirty="0" smtClean="0"/>
-              <a:t>Symbolic execution allows the creation of high-coverage test, which can help program testing and debugging. </a:t>
+              <a:t>It is a problem of finding a practical way to  deal with variable storage-referencing.</a:t>
             </a:r>
           </a:p>
           <a:p>
@@ -23457,15 +24922,7 @@
             </a:pPr>
             <a:r>
               <a:rPr lang="en-US" altLang="zh-CN" dirty="0" smtClean="0"/>
-              <a:t>The author built an interactive debugging system called </a:t>
-            </a:r>
-            <a:r>
-              <a:rPr lang="en-US" altLang="zh-CN" cap="small" dirty="0" smtClean="0"/>
-              <a:t>Effigy</a:t>
-            </a:r>
-            <a:r>
-              <a:rPr lang="en-US" altLang="zh-CN" dirty="0" smtClean="0"/>
-              <a:t>, which embodies symbolic execution.</a:t>
+              <a:t>The conflict between discrete aspects of computer arithmetic and the continuous nature of real numbers.</a:t>
             </a:r>
           </a:p>
           <a:p>
@@ -23476,13 +24933,36 @@
             </a:pPr>
             <a:r>
               <a:rPr lang="en-US" altLang="zh-CN" dirty="0"/>
-              <a:t>Symbolic </a:t>
+              <a:t>When </a:t>
             </a:r>
             <a:r>
               <a:rPr lang="en-US" altLang="zh-CN" dirty="0" smtClean="0"/>
-              <a:t>execution is also useful in other forms of program analysis, including program optimization.</a:t>
-            </a:r>
-            <a:endParaRPr lang="zh-CN" altLang="en-US" dirty="0"/>
+              <a:t>the constraint </a:t>
+            </a:r>
+            <a:r>
+              <a:rPr lang="en-US" altLang="zh-CN" dirty="0"/>
+              <a:t>expression growing </a:t>
+            </a:r>
+            <a:r>
+              <a:rPr lang="en-US" altLang="zh-CN" dirty="0" smtClean="0"/>
+              <a:t>complicated, </a:t>
+            </a:r>
+            <a:r>
+              <a:rPr lang="en-US" altLang="zh-CN" dirty="0"/>
+              <a:t>constraint </a:t>
+            </a:r>
+            <a:r>
+              <a:rPr lang="en-US" altLang="zh-CN" dirty="0" smtClean="0"/>
+              <a:t>solving becomes </a:t>
+            </a:r>
+            <a:r>
+              <a:rPr lang="en-US" altLang="zh-CN" dirty="0"/>
+              <a:t>a troubling </a:t>
+            </a:r>
+            <a:r>
+              <a:rPr lang="en-US" altLang="zh-CN" dirty="0" smtClean="0"/>
+              <a:t>problem.</a:t>
+            </a:r>
           </a:p>
         </p:txBody>
       </p:sp>
@@ -23587,11 +25067,6 @@
         </p:txBody>
       </p:sp>
     </p:spTree>
-    <p:extLst>
-      <p:ext uri="{BB962C8B-B14F-4D97-AF65-F5344CB8AC3E}">
-        <p14:creationId xmlns:p14="http://schemas.microsoft.com/office/powerpoint/2010/main" val="137591514"/>
-      </p:ext>
-    </p:extLst>
   </p:cSld>
   <p:clrMapOvr>
     <a:masterClrMapping/>
@@ -23625,7 +25100,30 @@
       </p:grpSpPr>
       <p:sp>
         <p:nvSpPr>
-          <p:cNvPr id="2" name="内容占位符 1"/>
+          <p:cNvPr id="2" name="标题 1"/>
+          <p:cNvSpPr>
+            <a:spLocks noGrp="1"/>
+          </p:cNvSpPr>
+          <p:nvPr>
+            <p:ph type="title"/>
+          </p:nvPr>
+        </p:nvSpPr>
+        <p:spPr/>
+        <p:txBody>
+          <a:bodyPr/>
+          <a:lstStyle/>
+          <a:p>
+            <a:r>
+              <a:rPr lang="en-US" altLang="zh-CN" dirty="0" smtClean="0"/>
+              <a:t>Conclusion</a:t>
+            </a:r>
+            <a:endParaRPr lang="zh-CN" altLang="en-US" dirty="0"/>
+          </a:p>
+        </p:txBody>
+      </p:sp>
+      <p:sp>
+        <p:nvSpPr>
+          <p:cNvPr id="3" name="内容占位符 2"/>
           <p:cNvSpPr>
             <a:spLocks noGrp="1"/>
           </p:cNvSpPr>
@@ -23633,67 +25131,168 @@
             <p:ph idx="1"/>
           </p:nvPr>
         </p:nvSpPr>
-        <p:spPr>
-          <a:xfrm>
-            <a:off x="1403648" y="1844824"/>
-            <a:ext cx="6316657" cy="2297011"/>
-          </a:xfrm>
-        </p:spPr>
+        <p:spPr/>
         <p:txBody>
-          <a:bodyPr>
-            <a:noAutofit/>
-          </a:bodyPr>
+          <a:bodyPr/>
           <a:lstStyle/>
           <a:p>
-            <a:pPr marL="109728" indent="0" algn="ctr">
-              <a:lnSpc>
-                <a:spcPct val="150000"/>
-              </a:lnSpc>
-              <a:buNone/>
+            <a:pPr>
+              <a:spcAft>
+                <a:spcPts val="600"/>
+              </a:spcAft>
             </a:pPr>
             <a:r>
-              <a:rPr lang="en-US" altLang="zh-CN" sz="5400" b="1" dirty="0" smtClean="0">
-                <a:latin typeface="Times New Roman" panose="02020603050405020304" pitchFamily="18" charset="0"/>
-                <a:cs typeface="Times New Roman" panose="02020603050405020304" pitchFamily="18" charset="0"/>
+              <a:rPr lang="en-US" altLang="zh-CN" dirty="0" smtClean="0"/>
+              <a:t>Symbolic execution allows the creation of high-coverage test, which can help program testing and debugging. </a:t>
+            </a:r>
+          </a:p>
+          <a:p>
+            <a:pPr>
+              <a:spcAft>
+                <a:spcPts val="600"/>
+              </a:spcAft>
+            </a:pPr>
+            <a:r>
+              <a:rPr lang="en-US" altLang="zh-CN" dirty="0" smtClean="0"/>
+              <a:t>The author built an interactive debugging system called </a:t>
+            </a:r>
+            <a:r>
+              <a:rPr lang="en-US" altLang="zh-CN" cap="small" dirty="0" smtClean="0"/>
+              <a:t>Effigy</a:t>
+            </a:r>
+            <a:r>
+              <a:rPr lang="en-US" altLang="zh-CN" dirty="0" smtClean="0"/>
+              <a:t>, which embodies symbolic execution.</a:t>
+            </a:r>
+          </a:p>
+          <a:p>
+            <a:pPr>
+              <a:spcAft>
+                <a:spcPts val="600"/>
+              </a:spcAft>
+            </a:pPr>
+            <a:r>
+              <a:rPr lang="en-US" altLang="zh-CN" dirty="0"/>
+              <a:t>Symbolic </a:t>
+            </a:r>
+            <a:r>
+              <a:rPr lang="en-US" altLang="zh-CN" dirty="0" smtClean="0"/>
+              <a:t>execution is also useful in other forms of program analysis, including program optimization.</a:t>
+            </a:r>
+            <a:endParaRPr lang="zh-CN" altLang="en-US" dirty="0"/>
+          </a:p>
+        </p:txBody>
+      </p:sp>
+      <p:sp>
+        <p:nvSpPr>
+          <p:cNvPr id="4" name="日期占位符 3"/>
+          <p:cNvSpPr>
+            <a:spLocks noGrp="1"/>
+          </p:cNvSpPr>
+          <p:nvPr>
+            <p:ph type="dt" sz="half" idx="10"/>
+          </p:nvPr>
+        </p:nvSpPr>
+        <p:spPr/>
+        <p:txBody>
+          <a:bodyPr/>
+          <a:lstStyle/>
+          <a:p>
+            <a:fld id="{FF88F899-FA6D-4737-879E-62DE3ED9162E}" type="datetime1">
+              <a:rPr kumimoji="1" lang="zh-CN" altLang="en-US" smtClean="0">
+                <a:solidFill>
+                  <a:prstClr val="black">
+                    <a:lumMod val="65000"/>
+                    <a:lumOff val="35000"/>
+                  </a:prstClr>
+                </a:solidFill>
+                <a:ea typeface="宋体"/>
               </a:rPr>
-              <a:t>Thank you</a:t>
-            </a:r>
-          </a:p>
-          <a:p>
-            <a:pPr marL="109728" indent="0" algn="ctr">
-              <a:lnSpc>
-                <a:spcPct val="150000"/>
-              </a:lnSpc>
-              <a:buNone/>
-            </a:pPr>
-            <a:r>
-              <a:rPr lang="en-US" altLang="zh-CN" sz="5400" b="1" dirty="0" smtClean="0">
-                <a:latin typeface="Times New Roman" panose="02020603050405020304" pitchFamily="18" charset="0"/>
-                <a:cs typeface="Times New Roman" panose="02020603050405020304" pitchFamily="18" charset="0"/>
+              <a:pPr/>
+              <a:t>2020/12/1</a:t>
+            </a:fld>
+            <a:endParaRPr kumimoji="1" lang="zh-CN" altLang="en-US">
+              <a:solidFill>
+                <a:prstClr val="black">
+                  <a:lumMod val="65000"/>
+                  <a:lumOff val="35000"/>
+                </a:prstClr>
+              </a:solidFill>
+              <a:ea typeface="宋体"/>
+            </a:endParaRPr>
+          </a:p>
+        </p:txBody>
+      </p:sp>
+      <p:sp>
+        <p:nvSpPr>
+          <p:cNvPr id="5" name="页脚占位符 4"/>
+          <p:cNvSpPr>
+            <a:spLocks noGrp="1"/>
+          </p:cNvSpPr>
+          <p:nvPr>
+            <p:ph type="ftr" sz="quarter" idx="11"/>
+          </p:nvPr>
+        </p:nvSpPr>
+        <p:spPr/>
+        <p:txBody>
+          <a:bodyPr/>
+          <a:lstStyle/>
+          <a:p>
+            <a:pPr defTabSz="457200"/>
+            <a:endParaRPr lang="zh-CN" altLang="en-US" dirty="0"/>
+          </a:p>
+        </p:txBody>
+      </p:sp>
+      <p:sp>
+        <p:nvSpPr>
+          <p:cNvPr id="6" name="灯片编号占位符 5"/>
+          <p:cNvSpPr>
+            <a:spLocks noGrp="1"/>
+          </p:cNvSpPr>
+          <p:nvPr>
+            <p:ph type="sldNum" sz="quarter" idx="12"/>
+          </p:nvPr>
+        </p:nvSpPr>
+        <p:spPr/>
+        <p:txBody>
+          <a:bodyPr/>
+          <a:lstStyle/>
+          <a:p>
+            <a:fld id="{71F1F346-3964-904C-8DB0-057A2D699FB9}" type="slidenum">
+              <a:rPr kumimoji="1" lang="zh-CN" altLang="en-US" smtClean="0">
+                <a:solidFill>
+                  <a:prstClr val="black">
+                    <a:lumMod val="65000"/>
+                    <a:lumOff val="35000"/>
+                  </a:prstClr>
+                </a:solidFill>
+                <a:ea typeface="宋体"/>
               </a:rPr>
-              <a:t>Q &amp; A</a:t>
-            </a:r>
+              <a:pPr/>
+              <a:t>21</a:t>
+            </a:fld>
+            <a:endParaRPr kumimoji="1" lang="zh-CN" altLang="en-US">
+              <a:solidFill>
+                <a:prstClr val="black">
+                  <a:lumMod val="65000"/>
+                  <a:lumOff val="35000"/>
+                </a:prstClr>
+              </a:solidFill>
+              <a:ea typeface="宋体"/>
+            </a:endParaRPr>
           </a:p>
         </p:txBody>
       </p:sp>
     </p:spTree>
     <p:extLst>
       <p:ext uri="{BB962C8B-B14F-4D97-AF65-F5344CB8AC3E}">
-        <p14:creationId xmlns:p14="http://schemas.microsoft.com/office/powerpoint/2010/main" val="1912946656"/>
+        <p14:creationId xmlns:p14="http://schemas.microsoft.com/office/powerpoint/2010/main" xmlns="" val="137591514"/>
       </p:ext>
     </p:extLst>
   </p:cSld>
   <p:clrMapOvr>
     <a:masterClrMapping/>
   </p:clrMapOvr>
-  <mc:AlternateContent xmlns:mc="http://schemas.openxmlformats.org/markup-compatibility/2006" xmlns:p14="http://schemas.microsoft.com/office/powerpoint/2010/main">
-    <mc:Choice Requires="p14">
-      <p:transition spd="slow" p14:dur="2000" advTm="1792"/>
-    </mc:Choice>
-    <mc:Fallback xmlns="">
-      <p:transition spd="slow" advTm="1792"/>
-    </mc:Fallback>
-  </mc:AlternateContent>
   <p:timing>
     <p:tnLst>
       <p:par>
@@ -23723,30 +25322,7 @@
       </p:grpSpPr>
       <p:sp>
         <p:nvSpPr>
-          <p:cNvPr id="2" name="标题 1"/>
-          <p:cNvSpPr>
-            <a:spLocks noGrp="1"/>
-          </p:cNvSpPr>
-          <p:nvPr>
-            <p:ph type="title"/>
-          </p:nvPr>
-        </p:nvSpPr>
-        <p:spPr/>
-        <p:txBody>
-          <a:bodyPr/>
-          <a:lstStyle/>
-          <a:p>
-            <a:r>
-              <a:rPr lang="en-US" altLang="zh-CN" cap="small" smtClean="0"/>
-              <a:t>Effigy</a:t>
-            </a:r>
-            <a:endParaRPr lang="zh-CN" altLang="en-US"/>
-          </a:p>
-        </p:txBody>
-      </p:sp>
-      <p:sp>
-        <p:nvSpPr>
-          <p:cNvPr id="3" name="内容占位符 2"/>
+          <p:cNvPr id="2" name="内容占位符 1"/>
           <p:cNvSpPr>
             <a:spLocks noGrp="1"/>
           </p:cNvSpPr>
@@ -23754,533 +25330,67 @@
             <p:ph idx="1"/>
           </p:nvPr>
         </p:nvSpPr>
-        <p:spPr/>
+        <p:spPr>
+          <a:xfrm>
+            <a:off x="1403648" y="1844824"/>
+            <a:ext cx="6316657" cy="2297011"/>
+          </a:xfrm>
+        </p:spPr>
         <p:txBody>
-          <a:bodyPr/>
+          <a:bodyPr>
+            <a:noAutofit/>
+          </a:bodyPr>
           <a:lstStyle/>
           <a:p>
-            <a:r>
-              <a:rPr lang="en-US" altLang="zh-CN" smtClean="0"/>
-              <a:t>The user may define arbitrary identifiers as symbolic program inputs.</a:t>
-            </a:r>
-            <a:endParaRPr lang="zh-CN" altLang="en-US"/>
+            <a:pPr marL="109728" indent="0" algn="ctr">
+              <a:lnSpc>
+                <a:spcPct val="150000"/>
+              </a:lnSpc>
+              <a:buNone/>
+            </a:pPr>
+            <a:r>
+              <a:rPr lang="en-US" altLang="zh-CN" sz="5400" b="1" dirty="0" smtClean="0">
+                <a:latin typeface="Times New Roman" panose="02020603050405020304" pitchFamily="18" charset="0"/>
+                <a:cs typeface="Times New Roman" panose="02020603050405020304" pitchFamily="18" charset="0"/>
+              </a:rPr>
+              <a:t>Thank you</a:t>
+            </a:r>
+          </a:p>
+          <a:p>
+            <a:pPr marL="109728" indent="0" algn="ctr">
+              <a:lnSpc>
+                <a:spcPct val="150000"/>
+              </a:lnSpc>
+              <a:buNone/>
+            </a:pPr>
+            <a:r>
+              <a:rPr lang="en-US" altLang="zh-CN" sz="5400" b="1" dirty="0" smtClean="0">
+                <a:latin typeface="Times New Roman" panose="02020603050405020304" pitchFamily="18" charset="0"/>
+                <a:cs typeface="Times New Roman" panose="02020603050405020304" pitchFamily="18" charset="0"/>
+              </a:rPr>
+              <a:t>Q &amp; A</a:t>
+            </a:r>
           </a:p>
         </p:txBody>
       </p:sp>
-      <p:sp>
-        <p:nvSpPr>
-          <p:cNvPr id="4" name="日期占位符 3"/>
-          <p:cNvSpPr>
-            <a:spLocks noGrp="1"/>
-          </p:cNvSpPr>
-          <p:nvPr>
-            <p:ph type="dt" sz="half" idx="10"/>
-          </p:nvPr>
-        </p:nvSpPr>
-        <p:spPr/>
-        <p:txBody>
-          <a:bodyPr/>
-          <a:lstStyle/>
-          <a:p>
-            <a:fld id="{FF88F899-FA6D-4737-879E-62DE3ED9162E}" type="datetime1">
-              <a:rPr kumimoji="1" lang="zh-CN" altLang="en-US" smtClean="0">
-                <a:solidFill>
-                  <a:prstClr val="black">
-                    <a:lumMod val="65000"/>
-                    <a:lumOff val="35000"/>
-                  </a:prstClr>
-                </a:solidFill>
-                <a:ea typeface="宋体"/>
-              </a:rPr>
-              <a:pPr/>
-              <a:t>2020/12/1</a:t>
-            </a:fld>
-            <a:endParaRPr kumimoji="1" lang="zh-CN" altLang="en-US">
-              <a:solidFill>
-                <a:prstClr val="black">
-                  <a:lumMod val="65000"/>
-                  <a:lumOff val="35000"/>
-                </a:prstClr>
-              </a:solidFill>
-              <a:ea typeface="宋体"/>
-            </a:endParaRPr>
-          </a:p>
-        </p:txBody>
-      </p:sp>
-      <p:sp>
-        <p:nvSpPr>
-          <p:cNvPr id="5" name="页脚占位符 4"/>
-          <p:cNvSpPr>
-            <a:spLocks noGrp="1"/>
-          </p:cNvSpPr>
-          <p:nvPr>
-            <p:ph type="ftr" sz="quarter" idx="11"/>
-          </p:nvPr>
-        </p:nvSpPr>
-        <p:spPr/>
-        <p:txBody>
-          <a:bodyPr/>
-          <a:lstStyle/>
-          <a:p>
-            <a:pPr defTabSz="457200"/>
-            <a:endParaRPr lang="zh-CN" altLang="en-US" dirty="0"/>
-          </a:p>
-        </p:txBody>
-      </p:sp>
-      <p:sp>
-        <p:nvSpPr>
-          <p:cNvPr id="6" name="灯片编号占位符 5"/>
-          <p:cNvSpPr>
-            <a:spLocks noGrp="1"/>
-          </p:cNvSpPr>
-          <p:nvPr>
-            <p:ph type="sldNum" sz="quarter" idx="12"/>
-          </p:nvPr>
-        </p:nvSpPr>
-        <p:spPr/>
-        <p:txBody>
-          <a:bodyPr/>
-          <a:lstStyle/>
-          <a:p>
-            <a:fld id="{71F1F346-3964-904C-8DB0-057A2D699FB9}" type="slidenum">
-              <a:rPr kumimoji="1" lang="zh-CN" altLang="en-US" smtClean="0">
-                <a:solidFill>
-                  <a:prstClr val="black">
-                    <a:lumMod val="65000"/>
-                    <a:lumOff val="35000"/>
-                  </a:prstClr>
-                </a:solidFill>
-                <a:ea typeface="宋体"/>
-              </a:rPr>
-              <a:pPr/>
-              <a:t>22</a:t>
-            </a:fld>
-            <a:endParaRPr kumimoji="1" lang="zh-CN" altLang="en-US">
-              <a:solidFill>
-                <a:prstClr val="black">
-                  <a:lumMod val="65000"/>
-                  <a:lumOff val="35000"/>
-                </a:prstClr>
-              </a:solidFill>
-              <a:ea typeface="宋体"/>
-            </a:endParaRPr>
-          </a:p>
-        </p:txBody>
-      </p:sp>
-      <p:graphicFrame>
-        <p:nvGraphicFramePr>
-          <p:cNvPr id="7" name="表格 6"/>
-          <p:cNvGraphicFramePr>
-            <a:graphicFrameLocks noGrp="1"/>
-          </p:cNvGraphicFramePr>
-          <p:nvPr/>
-        </p:nvGraphicFramePr>
-        <p:xfrm>
-          <a:off x="785786" y="2857496"/>
-          <a:ext cx="7572428" cy="2038794"/>
-        </p:xfrm>
-        <a:graphic>
-          <a:graphicData uri="http://schemas.openxmlformats.org/drawingml/2006/table">
-            <a:tbl>
-              <a:tblPr bandRow="1">
-                <a:tableStyleId>{8A107856-5554-42FB-B03E-39F5DBC370BA}</a:tableStyleId>
-              </a:tblPr>
-              <a:tblGrid>
-                <a:gridCol w="3786214">
-                  <a:extLst>
-                    <a:ext uri="{9D8B030D-6E8A-4147-A177-3AD203B41FA5}">
-                      <a16:colId xmlns:a16="http://schemas.microsoft.com/office/drawing/2014/main" val="20000"/>
-                    </a:ext>
-                  </a:extLst>
-                </a:gridCol>
-                <a:gridCol w="3786214">
-                  <a:extLst>
-                    <a:ext uri="{9D8B030D-6E8A-4147-A177-3AD203B41FA5}">
-                      <a16:colId xmlns:a16="http://schemas.microsoft.com/office/drawing/2014/main" val="20001"/>
-                    </a:ext>
-                  </a:extLst>
-                </a:gridCol>
-              </a:tblGrid>
-              <a:tr h="442278">
-                <a:tc>
-                  <a:txBody>
-                    <a:bodyPr/>
-                    <a:lstStyle/>
-                    <a:p>
-                      <a:r>
-                        <a:rPr lang="en-US" altLang="zh-CN" sz="2200" smtClean="0"/>
-                        <a:t>CALL SUM (1, 3, 5);</a:t>
-                      </a:r>
-                      <a:endParaRPr lang="zh-CN" altLang="en-US" sz="2200"/>
-                    </a:p>
-                  </a:txBody>
-                  <a:tcPr marL="120798" marR="120798" marT="60399" marB="60399">
-                    <a:lnL w="12700" cmpd="sng">
-                      <a:noFill/>
-                    </a:lnL>
-                    <a:lnR w="12700" cap="flat" cmpd="sng" algn="ctr">
-                      <a:solidFill>
-                        <a:schemeClr val="tx1"/>
-                      </a:solidFill>
-                      <a:prstDash val="solid"/>
-                      <a:round/>
-                      <a:headEnd type="none" w="med" len="med"/>
-                      <a:tailEnd type="none" w="med" len="med"/>
-                    </a:lnR>
-                    <a:lnT w="12700" cmpd="sng">
-                      <a:noFill/>
-                    </a:lnT>
-                    <a:lnB w="12700" cap="flat" cmpd="sng" algn="ctr">
-                      <a:solidFill>
-                        <a:schemeClr val="tx1"/>
-                      </a:solidFill>
-                      <a:prstDash val="solid"/>
-                      <a:round/>
-                      <a:headEnd type="none" w="med" len="med"/>
-                      <a:tailEnd type="none" w="med" len="med"/>
-                    </a:lnB>
-                    <a:lnTlToBr w="12700" cmpd="sng">
-                      <a:noFill/>
-                      <a:prstDash val="solid"/>
-                    </a:lnTlToBr>
-                    <a:lnBlToTr w="12700" cmpd="sng">
-                      <a:noFill/>
-                      <a:prstDash val="solid"/>
-                    </a:lnBlToTr>
-                    <a:solidFill>
-                      <a:srgbClr val="00B050"/>
-                    </a:solidFill>
-                  </a:tcPr>
-                </a:tc>
-                <a:tc>
-                  <a:txBody>
-                    <a:bodyPr/>
-                    <a:lstStyle/>
-                    <a:p>
-                      <a:r>
-                        <a:rPr lang="en-US" altLang="zh-CN" sz="2200" smtClean="0"/>
-                        <a:t>Normal execution over integers</a:t>
-                      </a:r>
-                      <a:endParaRPr lang="zh-CN" altLang="en-US" sz="2200"/>
-                    </a:p>
-                  </a:txBody>
-                  <a:tcPr marL="120798" marR="120798" marT="60399" marB="60399">
-                    <a:lnL w="12700" cap="flat" cmpd="sng" algn="ctr">
-                      <a:solidFill>
-                        <a:schemeClr val="tx1"/>
-                      </a:solidFill>
-                      <a:prstDash val="solid"/>
-                      <a:round/>
-                      <a:headEnd type="none" w="med" len="med"/>
-                      <a:tailEnd type="none" w="med" len="med"/>
-                    </a:lnL>
-                    <a:lnR w="12700" cmpd="sng">
-                      <a:noFill/>
-                    </a:lnR>
-                    <a:lnT w="12700" cmpd="sng">
-                      <a:noFill/>
-                    </a:lnT>
-                    <a:lnB w="12700" cap="flat" cmpd="sng" algn="ctr">
-                      <a:solidFill>
-                        <a:schemeClr val="tx1"/>
-                      </a:solidFill>
-                      <a:prstDash val="solid"/>
-                      <a:round/>
-                      <a:headEnd type="none" w="med" len="med"/>
-                      <a:tailEnd type="none" w="med" len="med"/>
-                    </a:lnB>
-                    <a:lnTlToBr w="12700" cmpd="sng">
-                      <a:noFill/>
-                      <a:prstDash val="solid"/>
-                    </a:lnTlToBr>
-                    <a:lnBlToTr w="12700" cmpd="sng">
-                      <a:noFill/>
-                      <a:prstDash val="solid"/>
-                    </a:lnBlToTr>
-                    <a:solidFill>
-                      <a:srgbClr val="00B050"/>
-                    </a:solidFill>
-                  </a:tcPr>
-                </a:tc>
-                <a:extLst>
-                  <a:ext uri="{0D108BD9-81ED-4DB2-BD59-A6C34878D82A}">
-                    <a16:rowId xmlns:a16="http://schemas.microsoft.com/office/drawing/2014/main" val="10000"/>
-                  </a:ext>
-                </a:extLst>
-              </a:tr>
-              <a:tr h="442278">
-                <a:tc>
-                  <a:txBody>
-                    <a:bodyPr/>
-                    <a:lstStyle/>
-                    <a:p>
-                      <a:pPr marL="0" marR="0" indent="0" algn="l" defTabSz="914400" rtl="0" eaLnBrk="1" fontAlgn="auto" latinLnBrk="0" hangingPunct="1">
-                        <a:lnSpc>
-                          <a:spcPct val="100000"/>
-                        </a:lnSpc>
-                        <a:spcBef>
-                          <a:spcPts val="0"/>
-                        </a:spcBef>
-                        <a:spcAft>
-                          <a:spcPts val="0"/>
-                        </a:spcAft>
-                        <a:buClrTx/>
-                        <a:buSzTx/>
-                        <a:buFontTx/>
-                        <a:buNone/>
-                        <a:tabLst/>
-                        <a:defRPr/>
-                      </a:pPr>
-                      <a:r>
-                        <a:rPr lang="en-US" altLang="zh-CN" sz="2200" smtClean="0"/>
-                        <a:t>CALL SUM (“A”, “B”, “C”);</a:t>
-                      </a:r>
-                      <a:endParaRPr lang="zh-CN" altLang="en-US" sz="2200" smtClean="0"/>
-                    </a:p>
-                  </a:txBody>
-                  <a:tcPr marL="120798" marR="120798" marT="60399" marB="60399">
-                    <a:lnL w="12700" cmpd="sng">
-                      <a:noFill/>
-                    </a:lnL>
-                    <a:lnR w="12700" cap="flat" cmpd="sng" algn="ctr">
-                      <a:solidFill>
-                        <a:schemeClr val="tx1"/>
-                      </a:solidFill>
-                      <a:prstDash val="solid"/>
-                      <a:round/>
-                      <a:headEnd type="none" w="med" len="med"/>
-                      <a:tailEnd type="none" w="med" len="med"/>
-                    </a:lnR>
-                    <a:lnT w="12700" cap="flat" cmpd="sng" algn="ctr">
-                      <a:solidFill>
-                        <a:schemeClr val="tx1"/>
-                      </a:solidFill>
-                      <a:prstDash val="solid"/>
-                      <a:round/>
-                      <a:headEnd type="none" w="med" len="med"/>
-                      <a:tailEnd type="none" w="med" len="med"/>
-                    </a:lnT>
-                    <a:lnB w="12700" cap="flat" cmpd="sng" algn="ctr">
-                      <a:solidFill>
-                        <a:schemeClr val="tx1"/>
-                      </a:solidFill>
-                      <a:prstDash val="solid"/>
-                      <a:round/>
-                      <a:headEnd type="none" w="med" len="med"/>
-                      <a:tailEnd type="none" w="med" len="med"/>
-                    </a:lnB>
-                    <a:lnTlToBr w="12700" cmpd="sng">
-                      <a:noFill/>
-                      <a:prstDash val="solid"/>
-                    </a:lnTlToBr>
-                    <a:lnBlToTr w="12700" cmpd="sng">
-                      <a:noFill/>
-                      <a:prstDash val="solid"/>
-                    </a:lnBlToTr>
-                    <a:solidFill>
-                      <a:srgbClr val="92D050"/>
-                    </a:solidFill>
-                  </a:tcPr>
-                </a:tc>
-                <a:tc>
-                  <a:txBody>
-                    <a:bodyPr/>
-                    <a:lstStyle/>
-                    <a:p>
-                      <a:r>
-                        <a:rPr lang="en-US" altLang="zh-CN" sz="2200" smtClean="0"/>
-                        <a:t>Symbolic execution using the symbols A, B, and</a:t>
-                      </a:r>
-                      <a:r>
-                        <a:rPr lang="en-US" altLang="zh-CN" sz="2200" baseline="0" smtClean="0"/>
-                        <a:t> C</a:t>
-                      </a:r>
-                      <a:endParaRPr lang="zh-CN" altLang="en-US" sz="2200"/>
-                    </a:p>
-                  </a:txBody>
-                  <a:tcPr marL="120798" marR="120798" marT="60399" marB="60399">
-                    <a:lnL w="12700" cap="flat" cmpd="sng" algn="ctr">
-                      <a:solidFill>
-                        <a:schemeClr val="tx1"/>
-                      </a:solidFill>
-                      <a:prstDash val="solid"/>
-                      <a:round/>
-                      <a:headEnd type="none" w="med" len="med"/>
-                      <a:tailEnd type="none" w="med" len="med"/>
-                    </a:lnL>
-                    <a:lnR w="12700" cmpd="sng">
-                      <a:noFill/>
-                    </a:lnR>
-                    <a:lnT w="12700" cap="flat" cmpd="sng" algn="ctr">
-                      <a:solidFill>
-                        <a:schemeClr val="tx1"/>
-                      </a:solidFill>
-                      <a:prstDash val="solid"/>
-                      <a:round/>
-                      <a:headEnd type="none" w="med" len="med"/>
-                      <a:tailEnd type="none" w="med" len="med"/>
-                    </a:lnT>
-                    <a:lnB w="12700" cap="flat" cmpd="sng" algn="ctr">
-                      <a:solidFill>
-                        <a:schemeClr val="tx1"/>
-                      </a:solidFill>
-                      <a:prstDash val="solid"/>
-                      <a:round/>
-                      <a:headEnd type="none" w="med" len="med"/>
-                      <a:tailEnd type="none" w="med" len="med"/>
-                    </a:lnB>
-                    <a:lnTlToBr w="12700" cmpd="sng">
-                      <a:noFill/>
-                      <a:prstDash val="solid"/>
-                    </a:lnTlToBr>
-                    <a:lnBlToTr w="12700" cmpd="sng">
-                      <a:noFill/>
-                      <a:prstDash val="solid"/>
-                    </a:lnBlToTr>
-                    <a:solidFill>
-                      <a:srgbClr val="92D050"/>
-                    </a:solidFill>
-                  </a:tcPr>
-                </a:tc>
-                <a:extLst>
-                  <a:ext uri="{0D108BD9-81ED-4DB2-BD59-A6C34878D82A}">
-                    <a16:rowId xmlns:a16="http://schemas.microsoft.com/office/drawing/2014/main" val="10001"/>
-                  </a:ext>
-                </a:extLst>
-              </a:tr>
-              <a:tr h="442278">
-                <a:tc>
-                  <a:txBody>
-                    <a:bodyPr/>
-                    <a:lstStyle/>
-                    <a:p>
-                      <a:pPr marL="0" marR="0" indent="0" algn="l" defTabSz="914400" rtl="0" eaLnBrk="1" fontAlgn="auto" latinLnBrk="0" hangingPunct="1">
-                        <a:lnSpc>
-                          <a:spcPct val="100000"/>
-                        </a:lnSpc>
-                        <a:spcBef>
-                          <a:spcPts val="0"/>
-                        </a:spcBef>
-                        <a:spcAft>
-                          <a:spcPts val="0"/>
-                        </a:spcAft>
-                        <a:buClrTx/>
-                        <a:buSzTx/>
-                        <a:buFontTx/>
-                        <a:buNone/>
-                        <a:tabLst/>
-                        <a:defRPr/>
-                      </a:pPr>
-                      <a:r>
-                        <a:rPr lang="en-US" altLang="zh-CN" sz="2200" smtClean="0"/>
-                        <a:t>CALL SUM (“A”, 3, 5);</a:t>
-                      </a:r>
-                      <a:endParaRPr lang="zh-CN" altLang="en-US" sz="2200" smtClean="0"/>
-                    </a:p>
-                  </a:txBody>
-                  <a:tcPr marL="120798" marR="120798" marT="60399" marB="60399">
-                    <a:lnL w="12700" cmpd="sng">
-                      <a:noFill/>
-                    </a:lnL>
-                    <a:lnR w="12700" cap="flat" cmpd="sng" algn="ctr">
-                      <a:solidFill>
-                        <a:schemeClr val="tx1"/>
-                      </a:solidFill>
-                      <a:prstDash val="solid"/>
-                      <a:round/>
-                      <a:headEnd type="none" w="med" len="med"/>
-                      <a:tailEnd type="none" w="med" len="med"/>
-                    </a:lnR>
-                    <a:lnT w="12700" cap="flat" cmpd="sng" algn="ctr">
-                      <a:solidFill>
-                        <a:schemeClr val="tx1"/>
-                      </a:solidFill>
-                      <a:prstDash val="solid"/>
-                      <a:round/>
-                      <a:headEnd type="none" w="med" len="med"/>
-                      <a:tailEnd type="none" w="med" len="med"/>
-                    </a:lnT>
-                    <a:lnB w="12700" cmpd="sng">
-                      <a:noFill/>
-                    </a:lnB>
-                    <a:lnTlToBr w="12700" cmpd="sng">
-                      <a:noFill/>
-                      <a:prstDash val="solid"/>
-                    </a:lnTlToBr>
-                    <a:lnBlToTr w="12700" cmpd="sng">
-                      <a:noFill/>
-                      <a:prstDash val="solid"/>
-                    </a:lnBlToTr>
-                    <a:solidFill>
-                      <a:srgbClr val="00B050"/>
-                    </a:solidFill>
-                  </a:tcPr>
-                </a:tc>
-                <a:tc>
-                  <a:txBody>
-                    <a:bodyPr/>
-                    <a:lstStyle/>
-                    <a:p>
-                      <a:r>
-                        <a:rPr lang="en-US" altLang="zh-CN" sz="2200" smtClean="0"/>
-                        <a:t>A combination</a:t>
-                      </a:r>
-                      <a:endParaRPr lang="zh-CN" altLang="en-US" sz="2200"/>
-                    </a:p>
-                  </a:txBody>
-                  <a:tcPr marL="120798" marR="120798" marT="60399" marB="60399">
-                    <a:lnL w="12700" cap="flat" cmpd="sng" algn="ctr">
-                      <a:solidFill>
-                        <a:schemeClr val="tx1"/>
-                      </a:solidFill>
-                      <a:prstDash val="solid"/>
-                      <a:round/>
-                      <a:headEnd type="none" w="med" len="med"/>
-                      <a:tailEnd type="none" w="med" len="med"/>
-                    </a:lnL>
-                    <a:lnR w="12700" cmpd="sng">
-                      <a:noFill/>
-                    </a:lnR>
-                    <a:lnT w="12700" cap="flat" cmpd="sng" algn="ctr">
-                      <a:solidFill>
-                        <a:schemeClr val="tx1"/>
-                      </a:solidFill>
-                      <a:prstDash val="solid"/>
-                      <a:round/>
-                      <a:headEnd type="none" w="med" len="med"/>
-                      <a:tailEnd type="none" w="med" len="med"/>
-                    </a:lnT>
-                    <a:lnB w="12700" cmpd="sng">
-                      <a:noFill/>
-                    </a:lnB>
-                    <a:lnTlToBr w="12700" cmpd="sng">
-                      <a:noFill/>
-                      <a:prstDash val="solid"/>
-                    </a:lnTlToBr>
-                    <a:lnBlToTr w="12700" cmpd="sng">
-                      <a:noFill/>
-                      <a:prstDash val="solid"/>
-                    </a:lnBlToTr>
-                    <a:solidFill>
-                      <a:srgbClr val="00B050"/>
-                    </a:solidFill>
-                  </a:tcPr>
-                </a:tc>
-                <a:extLst>
-                  <a:ext uri="{0D108BD9-81ED-4DB2-BD59-A6C34878D82A}">
-                    <a16:rowId xmlns:a16="http://schemas.microsoft.com/office/drawing/2014/main" val="10002"/>
-                  </a:ext>
-                </a:extLst>
-              </a:tr>
-            </a:tbl>
-          </a:graphicData>
-        </a:graphic>
-      </p:graphicFrame>
     </p:spTree>
+    <p:extLst>
+      <p:ext uri="{BB962C8B-B14F-4D97-AF65-F5344CB8AC3E}">
+        <p14:creationId xmlns:p14="http://schemas.microsoft.com/office/powerpoint/2010/main" xmlns="" val="1912946656"/>
+      </p:ext>
+    </p:extLst>
   </p:cSld>
   <p:clrMapOvr>
     <a:masterClrMapping/>
   </p:clrMapOvr>
+  <mc:AlternateContent xmlns:mc="http://schemas.openxmlformats.org/markup-compatibility/2006">
+    <mc:Choice xmlns:p14="http://schemas.microsoft.com/office/powerpoint/2010/main" xmlns="" Requires="p14">
+      <p:transition spd="slow" p14:dur="2000" advTm="1792"/>
+    </mc:Choice>
+    <mc:Fallback>
+      <p:transition spd="slow" advTm="1792"/>
+    </mc:Fallback>
+  </mc:AlternateContent>
   <p:timing>
     <p:tnLst>
       <p:par>
@@ -24611,7 +25721,7 @@
     </p:spTree>
     <p:extLst>
       <p:ext uri="{BB962C8B-B14F-4D97-AF65-F5344CB8AC3E}">
-        <p14:creationId xmlns:p14="http://schemas.microsoft.com/office/powerpoint/2010/main" val="242703108"/>
+        <p14:creationId xmlns:p14="http://schemas.microsoft.com/office/powerpoint/2010/main" xmlns="" val="242703108"/>
       </p:ext>
     </p:extLst>
   </p:cSld>
@@ -24890,7 +26000,7 @@
           <p:nvPr/>
         </p:nvPicPr>
         <p:blipFill>
-          <a:blip r:embed="rId2" cstate="print"/>
+          <a:blip r:embed="rId3" cstate="print"/>
           <a:stretch>
             <a:fillRect/>
           </a:stretch>
@@ -24954,7 +26064,7 @@
           <p:nvPr/>
         </p:nvPicPr>
         <p:blipFill>
-          <a:blip r:embed="rId3" cstate="print"/>
+          <a:blip r:embed="rId4" cstate="print"/>
           <a:stretch>
             <a:fillRect/>
           </a:stretch>
@@ -25030,7 +26140,7 @@
     </p:spTree>
     <p:extLst>
       <p:ext uri="{BB962C8B-B14F-4D97-AF65-F5344CB8AC3E}">
-        <p14:creationId xmlns:p14="http://schemas.microsoft.com/office/powerpoint/2010/main" val="11622534"/>
+        <p14:creationId xmlns:p14="http://schemas.microsoft.com/office/powerpoint/2010/main" xmlns="" val="11622534"/>
       </p:ext>
     </p:extLst>
   </p:cSld>
@@ -25268,14 +26378,27 @@
             <p:ph idx="1"/>
           </p:nvPr>
         </p:nvSpPr>
-        <p:spPr/>
+        <p:spPr>
+          <a:xfrm>
+            <a:off x="457200" y="1719263"/>
+            <a:ext cx="8229600" cy="2429817"/>
+          </a:xfrm>
+        </p:spPr>
         <p:txBody>
           <a:bodyPr/>
           <a:lstStyle/>
           <a:p>
             <a:r>
               <a:rPr lang="en-US" altLang="zh-CN" sz="2800" dirty="0" smtClean="0"/>
-              <a:t>Program proving</a:t>
+              <a:t>Program </a:t>
+            </a:r>
+            <a:r>
+              <a:rPr lang="en-US" altLang="zh-CN" sz="2800" dirty="0"/>
+              <a:t>t</a:t>
+            </a:r>
+            <a:r>
+              <a:rPr lang="en-US" altLang="zh-CN" sz="2800" dirty="0" smtClean="0"/>
+              <a:t>esting</a:t>
             </a:r>
           </a:p>
           <a:p>
@@ -25289,7 +26412,7 @@
             </a:pPr>
             <a:r>
               <a:rPr lang="en-US" altLang="zh-CN" dirty="0" smtClean="0"/>
-              <a:t>The programmer formally proves that the program meets its specification for all executions.</a:t>
+              <a:t>If the program is judged to produce correct results for some small sample data, it is assumed to be correct.</a:t>
             </a:r>
           </a:p>
           <a:p>
@@ -25303,75 +26426,8 @@
             </a:pPr>
             <a:r>
               <a:rPr lang="en-US" altLang="zh-CN" dirty="0" smtClean="0"/>
-              <a:t>The practical accomplishments fall short of a tool for routine use. </a:t>
-            </a:r>
-          </a:p>
-          <a:p>
-            <a:pPr lvl="2">
-              <a:spcBef>
-                <a:spcPts val="600"/>
-              </a:spcBef>
-              <a:spcAft>
-                <a:spcPts val="600"/>
-              </a:spcAft>
-            </a:pPr>
-            <a:r>
-              <a:rPr lang="en-US" altLang="zh-CN" sz="1600" dirty="0" smtClean="0">
-                <a:solidFill>
-                  <a:schemeClr val="bg1">
-                    <a:lumMod val="50000"/>
-                  </a:schemeClr>
-                </a:solidFill>
-              </a:rPr>
-              <a:t>There is no proof assistant in 1970s. </a:t>
-            </a:r>
-            <a:r>
-              <a:rPr lang="en-US" altLang="zh-CN" sz="1600" i="1" dirty="0" smtClean="0">
-                <a:solidFill>
-                  <a:schemeClr val="bg1">
-                    <a:lumMod val="50000"/>
-                  </a:schemeClr>
-                </a:solidFill>
-              </a:rPr>
-              <a:t>Coq</a:t>
-            </a:r>
-            <a:r>
-              <a:rPr lang="en-US" altLang="zh-CN" sz="1600" dirty="0" smtClean="0">
-                <a:solidFill>
-                  <a:schemeClr val="bg1">
-                    <a:lumMod val="50000"/>
-                  </a:schemeClr>
-                </a:solidFill>
-              </a:rPr>
-              <a:t> was first release in 1989 and </a:t>
-            </a:r>
-            <a:r>
-              <a:rPr lang="en-US" altLang="zh-CN" sz="1600" i="1" dirty="0" smtClean="0">
-                <a:solidFill>
-                  <a:schemeClr val="bg1">
-                    <a:lumMod val="50000"/>
-                  </a:schemeClr>
-                </a:solidFill>
-              </a:rPr>
-              <a:t>TLA+</a:t>
-            </a:r>
-            <a:r>
-              <a:rPr lang="en-US" altLang="zh-CN" sz="1600" dirty="0" smtClean="0">
-                <a:solidFill>
-                  <a:schemeClr val="bg1">
-                    <a:lumMod val="50000"/>
-                  </a:schemeClr>
-                </a:solidFill>
-              </a:rPr>
-              <a:t> was introduced in 1999.</a:t>
-            </a:r>
-            <a:endParaRPr lang="en-US" altLang="zh-CN" sz="1600" i="1" dirty="0" smtClean="0">
-              <a:solidFill>
-                <a:schemeClr val="bg1">
-                  <a:lumMod val="50000"/>
-                </a:schemeClr>
-              </a:solidFill>
-            </a:endParaRPr>
+              <a:t>It is a big question of how to choose the sample. The sample data may not cover all executions.</a:t>
+            </a:r>
           </a:p>
           <a:p>
             <a:pPr lvl="1">
@@ -25379,18 +26435,6 @@
                 <a:spcPts val="600"/>
               </a:spcAft>
             </a:pPr>
-            <a:r>
-              <a:rPr lang="en-US" altLang="zh-CN" dirty="0" smtClean="0"/>
-              <a:t>The confidence depends on the creation of the specification and the construction of proof steps</a:t>
-            </a:r>
-            <a:r>
-              <a:rPr lang="en-US" altLang="zh-CN" dirty="0"/>
-              <a:t>, which </a:t>
-            </a:r>
-            <a:r>
-              <a:rPr lang="en-US" altLang="zh-CN" dirty="0" smtClean="0"/>
-              <a:t>are both error-prone.</a:t>
-            </a:r>
             <a:endParaRPr lang="zh-CN" altLang="en-US" dirty="0"/>
           </a:p>
         </p:txBody>
@@ -25495,237 +26539,6 @@
           </a:p>
         </p:txBody>
       </p:sp>
-    </p:spTree>
-    <p:extLst>
-      <p:ext uri="{BB962C8B-B14F-4D97-AF65-F5344CB8AC3E}">
-        <p14:creationId xmlns:p14="http://schemas.microsoft.com/office/powerpoint/2010/main" val="2166599487"/>
-      </p:ext>
-    </p:extLst>
-  </p:cSld>
-  <p:clrMapOvr>
-    <a:masterClrMapping/>
-  </p:clrMapOvr>
-  <p:timing>
-    <p:tnLst>
-      <p:par>
-        <p:cTn id="1" dur="indefinite" restart="never" nodeType="tmRoot"/>
-      </p:par>
-    </p:tnLst>
-  </p:timing>
-</p:sld>
-</file>
-
-<file path=ppt/slides/slide6.xml><?xml version="1.0" encoding="utf-8"?>
-<p:sld xmlns:a="http://schemas.openxmlformats.org/drawingml/2006/main" xmlns:r="http://schemas.openxmlformats.org/officeDocument/2006/relationships" xmlns:p="http://schemas.openxmlformats.org/presentationml/2006/main">
-  <p:cSld>
-    <p:spTree>
-      <p:nvGrpSpPr>
-        <p:cNvPr id="1" name=""/>
-        <p:cNvGrpSpPr/>
-        <p:nvPr/>
-      </p:nvGrpSpPr>
-      <p:grpSpPr>
-        <a:xfrm>
-          <a:off x="0" y="0"/>
-          <a:ext cx="0" cy="0"/>
-          <a:chOff x="0" y="0"/>
-          <a:chExt cx="0" cy="0"/>
-        </a:xfrm>
-      </p:grpSpPr>
-      <p:sp>
-        <p:nvSpPr>
-          <p:cNvPr id="2" name="标题 1"/>
-          <p:cNvSpPr>
-            <a:spLocks noGrp="1"/>
-          </p:cNvSpPr>
-          <p:nvPr>
-            <p:ph type="title"/>
-          </p:nvPr>
-        </p:nvSpPr>
-        <p:spPr/>
-        <p:txBody>
-          <a:bodyPr/>
-          <a:lstStyle/>
-          <a:p>
-            <a:r>
-              <a:rPr lang="en-US" altLang="zh-CN" dirty="0" smtClean="0"/>
-              <a:t>Existing Technology</a:t>
-            </a:r>
-            <a:endParaRPr lang="zh-CN" altLang="en-US" dirty="0"/>
-          </a:p>
-        </p:txBody>
-      </p:sp>
-      <p:sp>
-        <p:nvSpPr>
-          <p:cNvPr id="3" name="内容占位符 2"/>
-          <p:cNvSpPr>
-            <a:spLocks noGrp="1"/>
-          </p:cNvSpPr>
-          <p:nvPr>
-            <p:ph idx="1"/>
-          </p:nvPr>
-        </p:nvSpPr>
-        <p:spPr>
-          <a:xfrm>
-            <a:off x="457200" y="1719263"/>
-            <a:ext cx="8229600" cy="2429817"/>
-          </a:xfrm>
-        </p:spPr>
-        <p:txBody>
-          <a:bodyPr/>
-          <a:lstStyle/>
-          <a:p>
-            <a:r>
-              <a:rPr lang="en-US" altLang="zh-CN" sz="2800" dirty="0" smtClean="0"/>
-              <a:t>Program </a:t>
-            </a:r>
-            <a:r>
-              <a:rPr lang="en-US" altLang="zh-CN" sz="2800" dirty="0"/>
-              <a:t>t</a:t>
-            </a:r>
-            <a:r>
-              <a:rPr lang="en-US" altLang="zh-CN" sz="2800" dirty="0" smtClean="0"/>
-              <a:t>esting</a:t>
-            </a:r>
-          </a:p>
-          <a:p>
-            <a:pPr lvl="1">
-              <a:spcBef>
-                <a:spcPts val="600"/>
-              </a:spcBef>
-              <a:spcAft>
-                <a:spcPts val="600"/>
-              </a:spcAft>
-            </a:pPr>
-            <a:r>
-              <a:rPr lang="en-US" altLang="zh-CN" dirty="0" smtClean="0"/>
-              <a:t>If the program is judged to produce correct results for some small sample data, it is assumed to be correct.</a:t>
-            </a:r>
-          </a:p>
-          <a:p>
-            <a:pPr lvl="1">
-              <a:spcBef>
-                <a:spcPts val="600"/>
-              </a:spcBef>
-              <a:spcAft>
-                <a:spcPts val="600"/>
-              </a:spcAft>
-            </a:pPr>
-            <a:r>
-              <a:rPr lang="en-US" altLang="zh-CN" dirty="0" smtClean="0"/>
-              <a:t>It is a big question of how to choose the sample. The sample data may not cover all executions.</a:t>
-            </a:r>
-          </a:p>
-          <a:p>
-            <a:pPr lvl="1">
-              <a:spcAft>
-                <a:spcPts val="600"/>
-              </a:spcAft>
-            </a:pPr>
-            <a:endParaRPr lang="zh-CN" altLang="en-US" dirty="0"/>
-          </a:p>
-        </p:txBody>
-      </p:sp>
-      <p:sp>
-        <p:nvSpPr>
-          <p:cNvPr id="4" name="日期占位符 3"/>
-          <p:cNvSpPr>
-            <a:spLocks noGrp="1"/>
-          </p:cNvSpPr>
-          <p:nvPr>
-            <p:ph type="dt" sz="half" idx="10"/>
-          </p:nvPr>
-        </p:nvSpPr>
-        <p:spPr/>
-        <p:txBody>
-          <a:bodyPr/>
-          <a:lstStyle/>
-          <a:p>
-            <a:fld id="{FF88F899-FA6D-4737-879E-62DE3ED9162E}" type="datetime1">
-              <a:rPr kumimoji="1" lang="zh-CN" altLang="en-US" smtClean="0">
-                <a:solidFill>
-                  <a:prstClr val="black">
-                    <a:lumMod val="65000"/>
-                    <a:lumOff val="35000"/>
-                  </a:prstClr>
-                </a:solidFill>
-                <a:ea typeface="宋体"/>
-              </a:rPr>
-              <a:pPr/>
-              <a:t>2020/12/1</a:t>
-            </a:fld>
-            <a:endParaRPr kumimoji="1" lang="zh-CN" altLang="en-US">
-              <a:solidFill>
-                <a:prstClr val="black">
-                  <a:lumMod val="65000"/>
-                  <a:lumOff val="35000"/>
-                </a:prstClr>
-              </a:solidFill>
-              <a:ea typeface="宋体"/>
-            </a:endParaRPr>
-          </a:p>
-        </p:txBody>
-      </p:sp>
-      <p:sp>
-        <p:nvSpPr>
-          <p:cNvPr id="5" name="页脚占位符 4"/>
-          <p:cNvSpPr>
-            <a:spLocks noGrp="1"/>
-          </p:cNvSpPr>
-          <p:nvPr>
-            <p:ph type="ftr" sz="quarter" idx="11"/>
-          </p:nvPr>
-        </p:nvSpPr>
-        <p:spPr/>
-        <p:txBody>
-          <a:bodyPr/>
-          <a:lstStyle/>
-          <a:p>
-            <a:pPr defTabSz="457200"/>
-            <a:endParaRPr lang="zh-CN" altLang="en-US" dirty="0"/>
-          </a:p>
-        </p:txBody>
-      </p:sp>
-      <p:sp>
-        <p:nvSpPr>
-          <p:cNvPr id="6" name="灯片编号占位符 5"/>
-          <p:cNvSpPr>
-            <a:spLocks noGrp="1"/>
-          </p:cNvSpPr>
-          <p:nvPr>
-            <p:ph type="sldNum" sz="quarter" idx="12"/>
-          </p:nvPr>
-        </p:nvSpPr>
-        <p:spPr/>
-        <p:txBody>
-          <a:bodyPr/>
-          <a:lstStyle/>
-          <a:p>
-            <a:fld id="{71F1F346-3964-904C-8DB0-057A2D699FB9}" type="slidenum">
-              <a:rPr kumimoji="1" lang="zh-CN" altLang="en-US" smtClean="0">
-                <a:solidFill>
-                  <a:prstClr val="black">
-                    <a:lumMod val="65000"/>
-                    <a:lumOff val="35000"/>
-                  </a:prstClr>
-                </a:solidFill>
-                <a:ea typeface="宋体"/>
-              </a:rPr>
-              <a:pPr/>
-              <a:t>6</a:t>
-            </a:fld>
-            <a:endParaRPr kumimoji="1" lang="zh-CN" altLang="en-US">
-              <a:solidFill>
-                <a:prstClr val="black">
-                  <a:lumMod val="65000"/>
-                  <a:lumOff val="35000"/>
-                </a:prstClr>
-              </a:solidFill>
-              <a:ea typeface="宋体"/>
-            </a:endParaRPr>
-          </a:p>
-        </p:txBody>
-      </p:sp>
       <p:sp>
         <p:nvSpPr>
           <p:cNvPr id="8" name="文本框 7"/>
@@ -25841,7 +26654,7 @@
     </p:spTree>
     <p:extLst>
       <p:ext uri="{BB962C8B-B14F-4D97-AF65-F5344CB8AC3E}">
-        <p14:creationId xmlns:p14="http://schemas.microsoft.com/office/powerpoint/2010/main" val="2204431392"/>
+        <p14:creationId xmlns:p14="http://schemas.microsoft.com/office/powerpoint/2010/main" xmlns="" val="2204431392"/>
       </p:ext>
     </p:extLst>
   </p:cSld>
@@ -25929,6 +26742,303 @@
 </p:sld>
 </file>
 
+<file path=ppt/slides/slide6.xml><?xml version="1.0" encoding="utf-8"?>
+<p:sld xmlns:a="http://schemas.openxmlformats.org/drawingml/2006/main" xmlns:r="http://schemas.openxmlformats.org/officeDocument/2006/relationships" xmlns:p="http://schemas.openxmlformats.org/presentationml/2006/main">
+  <p:cSld>
+    <p:spTree>
+      <p:nvGrpSpPr>
+        <p:cNvPr id="1" name=""/>
+        <p:cNvGrpSpPr/>
+        <p:nvPr/>
+      </p:nvGrpSpPr>
+      <p:grpSpPr>
+        <a:xfrm>
+          <a:off x="0" y="0"/>
+          <a:ext cx="0" cy="0"/>
+          <a:chOff x="0" y="0"/>
+          <a:chExt cx="0" cy="0"/>
+        </a:xfrm>
+      </p:grpSpPr>
+      <p:sp>
+        <p:nvSpPr>
+          <p:cNvPr id="2" name="标题 1"/>
+          <p:cNvSpPr>
+            <a:spLocks noGrp="1"/>
+          </p:cNvSpPr>
+          <p:nvPr>
+            <p:ph type="title"/>
+          </p:nvPr>
+        </p:nvSpPr>
+        <p:spPr/>
+        <p:txBody>
+          <a:bodyPr/>
+          <a:lstStyle/>
+          <a:p>
+            <a:r>
+              <a:rPr lang="en-US" altLang="zh-CN" dirty="0" smtClean="0"/>
+              <a:t>Existing Technology</a:t>
+            </a:r>
+            <a:endParaRPr lang="zh-CN" altLang="en-US" dirty="0"/>
+          </a:p>
+        </p:txBody>
+      </p:sp>
+      <p:sp>
+        <p:nvSpPr>
+          <p:cNvPr id="3" name="内容占位符 2"/>
+          <p:cNvSpPr>
+            <a:spLocks noGrp="1"/>
+          </p:cNvSpPr>
+          <p:nvPr>
+            <p:ph idx="1"/>
+          </p:nvPr>
+        </p:nvSpPr>
+        <p:spPr/>
+        <p:txBody>
+          <a:bodyPr/>
+          <a:lstStyle/>
+          <a:p>
+            <a:r>
+              <a:rPr lang="en-US" altLang="zh-CN" sz="2800" dirty="0" smtClean="0"/>
+              <a:t>Program proving</a:t>
+            </a:r>
+          </a:p>
+          <a:p>
+            <a:pPr lvl="1">
+              <a:spcBef>
+                <a:spcPts val="600"/>
+              </a:spcBef>
+              <a:spcAft>
+                <a:spcPts val="600"/>
+              </a:spcAft>
+            </a:pPr>
+            <a:r>
+              <a:rPr lang="en-US" altLang="zh-CN" dirty="0" smtClean="0"/>
+              <a:t>The programmer formally proves that the program meets its specification for all executions.</a:t>
+            </a:r>
+          </a:p>
+          <a:p>
+            <a:pPr lvl="1">
+              <a:spcBef>
+                <a:spcPts val="600"/>
+              </a:spcBef>
+              <a:spcAft>
+                <a:spcPts val="600"/>
+              </a:spcAft>
+            </a:pPr>
+            <a:r>
+              <a:rPr lang="en-US" altLang="zh-CN" dirty="0" smtClean="0"/>
+              <a:t>The practical accomplishments fall short of a tool for routine use. </a:t>
+            </a:r>
+          </a:p>
+          <a:p>
+            <a:pPr lvl="2">
+              <a:spcBef>
+                <a:spcPts val="600"/>
+              </a:spcBef>
+              <a:spcAft>
+                <a:spcPts val="600"/>
+              </a:spcAft>
+            </a:pPr>
+            <a:r>
+              <a:rPr lang="en-US" altLang="zh-CN" sz="1600" dirty="0" smtClean="0">
+                <a:solidFill>
+                  <a:schemeClr val="bg1">
+                    <a:lumMod val="50000"/>
+                  </a:schemeClr>
+                </a:solidFill>
+              </a:rPr>
+              <a:t>There is no proof assistant in 1970s. </a:t>
+            </a:r>
+            <a:r>
+              <a:rPr lang="en-US" altLang="zh-CN" sz="1600" i="1" dirty="0" smtClean="0">
+                <a:solidFill>
+                  <a:schemeClr val="bg1">
+                    <a:lumMod val="50000"/>
+                  </a:schemeClr>
+                </a:solidFill>
+              </a:rPr>
+              <a:t>Coq</a:t>
+            </a:r>
+            <a:r>
+              <a:rPr lang="en-US" altLang="zh-CN" sz="1600" dirty="0" smtClean="0">
+                <a:solidFill>
+                  <a:schemeClr val="bg1">
+                    <a:lumMod val="50000"/>
+                  </a:schemeClr>
+                </a:solidFill>
+              </a:rPr>
+              <a:t> was first release in 1989 and </a:t>
+            </a:r>
+            <a:r>
+              <a:rPr lang="en-US" altLang="zh-CN" sz="1600" i="1" dirty="0" smtClean="0">
+                <a:solidFill>
+                  <a:schemeClr val="bg1">
+                    <a:lumMod val="50000"/>
+                  </a:schemeClr>
+                </a:solidFill>
+              </a:rPr>
+              <a:t>TLA+</a:t>
+            </a:r>
+            <a:r>
+              <a:rPr lang="en-US" altLang="zh-CN" sz="1600" dirty="0" smtClean="0">
+                <a:solidFill>
+                  <a:schemeClr val="bg1">
+                    <a:lumMod val="50000"/>
+                  </a:schemeClr>
+                </a:solidFill>
+              </a:rPr>
+              <a:t> was introduced in 1999.</a:t>
+            </a:r>
+            <a:endParaRPr lang="en-US" altLang="zh-CN" sz="1600" i="1" dirty="0" smtClean="0">
+              <a:solidFill>
+                <a:schemeClr val="bg1">
+                  <a:lumMod val="50000"/>
+                </a:schemeClr>
+              </a:solidFill>
+            </a:endParaRPr>
+          </a:p>
+          <a:p>
+            <a:pPr lvl="1">
+              <a:spcAft>
+                <a:spcPts val="600"/>
+              </a:spcAft>
+            </a:pPr>
+            <a:r>
+              <a:rPr lang="en-US" altLang="zh-CN" dirty="0" smtClean="0"/>
+              <a:t>The confidence depends on the creation of the specification and the construction of proof steps</a:t>
+            </a:r>
+            <a:r>
+              <a:rPr lang="en-US" altLang="zh-CN" dirty="0"/>
+              <a:t>, which </a:t>
+            </a:r>
+            <a:r>
+              <a:rPr lang="en-US" altLang="zh-CN" dirty="0" smtClean="0"/>
+              <a:t>are both error-prone.</a:t>
+            </a:r>
+            <a:endParaRPr lang="zh-CN" altLang="en-US" dirty="0"/>
+          </a:p>
+        </p:txBody>
+      </p:sp>
+      <p:sp>
+        <p:nvSpPr>
+          <p:cNvPr id="4" name="日期占位符 3"/>
+          <p:cNvSpPr>
+            <a:spLocks noGrp="1"/>
+          </p:cNvSpPr>
+          <p:nvPr>
+            <p:ph type="dt" sz="half" idx="10"/>
+          </p:nvPr>
+        </p:nvSpPr>
+        <p:spPr/>
+        <p:txBody>
+          <a:bodyPr/>
+          <a:lstStyle/>
+          <a:p>
+            <a:fld id="{FF88F899-FA6D-4737-879E-62DE3ED9162E}" type="datetime1">
+              <a:rPr kumimoji="1" lang="zh-CN" altLang="en-US" smtClean="0">
+                <a:solidFill>
+                  <a:prstClr val="black">
+                    <a:lumMod val="65000"/>
+                    <a:lumOff val="35000"/>
+                  </a:prstClr>
+                </a:solidFill>
+                <a:ea typeface="宋体"/>
+              </a:rPr>
+              <a:pPr/>
+              <a:t>2020/12/2</a:t>
+            </a:fld>
+            <a:endParaRPr kumimoji="1" lang="zh-CN" altLang="en-US">
+              <a:solidFill>
+                <a:prstClr val="black">
+                  <a:lumMod val="65000"/>
+                  <a:lumOff val="35000"/>
+                </a:prstClr>
+              </a:solidFill>
+              <a:ea typeface="宋体"/>
+            </a:endParaRPr>
+          </a:p>
+        </p:txBody>
+      </p:sp>
+      <p:sp>
+        <p:nvSpPr>
+          <p:cNvPr id="5" name="页脚占位符 4"/>
+          <p:cNvSpPr>
+            <a:spLocks noGrp="1"/>
+          </p:cNvSpPr>
+          <p:nvPr>
+            <p:ph type="ftr" sz="quarter" idx="11"/>
+          </p:nvPr>
+        </p:nvSpPr>
+        <p:spPr/>
+        <p:txBody>
+          <a:bodyPr/>
+          <a:lstStyle/>
+          <a:p>
+            <a:pPr defTabSz="457200"/>
+            <a:endParaRPr lang="zh-CN" altLang="en-US" dirty="0"/>
+          </a:p>
+        </p:txBody>
+      </p:sp>
+      <p:sp>
+        <p:nvSpPr>
+          <p:cNvPr id="6" name="灯片编号占位符 5"/>
+          <p:cNvSpPr>
+            <a:spLocks noGrp="1"/>
+          </p:cNvSpPr>
+          <p:nvPr>
+            <p:ph type="sldNum" sz="quarter" idx="12"/>
+          </p:nvPr>
+        </p:nvSpPr>
+        <p:spPr/>
+        <p:txBody>
+          <a:bodyPr/>
+          <a:lstStyle/>
+          <a:p>
+            <a:fld id="{71F1F346-3964-904C-8DB0-057A2D699FB9}" type="slidenum">
+              <a:rPr kumimoji="1" lang="zh-CN" altLang="en-US" smtClean="0">
+                <a:solidFill>
+                  <a:prstClr val="black">
+                    <a:lumMod val="65000"/>
+                    <a:lumOff val="35000"/>
+                  </a:prstClr>
+                </a:solidFill>
+                <a:ea typeface="宋体"/>
+              </a:rPr>
+              <a:pPr/>
+              <a:t>6</a:t>
+            </a:fld>
+            <a:endParaRPr kumimoji="1" lang="zh-CN" altLang="en-US">
+              <a:solidFill>
+                <a:prstClr val="black">
+                  <a:lumMod val="65000"/>
+                  <a:lumOff val="35000"/>
+                </a:prstClr>
+              </a:solidFill>
+              <a:ea typeface="宋体"/>
+            </a:endParaRPr>
+          </a:p>
+        </p:txBody>
+      </p:sp>
+    </p:spTree>
+    <p:extLst>
+      <p:ext uri="{BB962C8B-B14F-4D97-AF65-F5344CB8AC3E}">
+        <p14:creationId xmlns:p14="http://schemas.microsoft.com/office/powerpoint/2010/main" xmlns="" val="2166599487"/>
+      </p:ext>
+    </p:extLst>
+  </p:cSld>
+  <p:clrMapOvr>
+    <a:masterClrMapping/>
+  </p:clrMapOvr>
+  <p:timing>
+    <p:tnLst>
+      <p:par>
+        <p:cTn id="1" dur="indefinite" restart="never" nodeType="tmRoot"/>
+      </p:par>
+    </p:tnLst>
+  </p:timing>
+</p:sld>
+</file>
+
 <file path=ppt/slides/slide7.xml><?xml version="1.0" encoding="utf-8"?>
 <p:sld xmlns:a="http://schemas.openxmlformats.org/drawingml/2006/main" xmlns:r="http://schemas.openxmlformats.org/officeDocument/2006/relationships" xmlns:p="http://schemas.openxmlformats.org/presentationml/2006/main">
   <p:cSld>
@@ -26080,7 +27190,7 @@
           <p:nvPr>
             <p:extLst>
               <p:ext uri="{D42A27DB-BD31-4B8C-83A1-F6EECF244321}">
-                <p14:modId xmlns:p14="http://schemas.microsoft.com/office/powerpoint/2010/main" val="2710604275"/>
+                <p14:modId xmlns:p14="http://schemas.microsoft.com/office/powerpoint/2010/main" xmlns="" val="2710604275"/>
               </p:ext>
             </p:extLst>
           </p:nvPr>
@@ -26091,14 +27201,14 @@
         </p:xfrm>
         <a:graphic>
           <a:graphicData uri="http://schemas.openxmlformats.org/drawingml/2006/diagram">
-            <dgm:relIds xmlns:dgm="http://schemas.openxmlformats.org/drawingml/2006/diagram" xmlns:r="http://schemas.openxmlformats.org/officeDocument/2006/relationships" r:dm="rId2" r:lo="rId3" r:qs="rId4" r:cs="rId5"/>
+            <dgm:relIds xmlns:dgm="http://schemas.openxmlformats.org/drawingml/2006/diagram" xmlns:r="http://schemas.openxmlformats.org/officeDocument/2006/relationships" r:dm="rId3" r:lo="rId4" r:qs="rId5" r:cs="rId6"/>
           </a:graphicData>
         </a:graphic>
       </p:graphicFrame>
     </p:spTree>
     <p:extLst>
       <p:ext uri="{BB962C8B-B14F-4D97-AF65-F5344CB8AC3E}">
-        <p14:creationId xmlns:p14="http://schemas.microsoft.com/office/powerpoint/2010/main" val="1508707415"/>
+        <p14:creationId xmlns:p14="http://schemas.microsoft.com/office/powerpoint/2010/main" xmlns="" val="1508707415"/>
       </p:ext>
     </p:extLst>
   </p:cSld>
@@ -26378,7 +27488,7 @@
     </p:spTree>
     <p:extLst>
       <p:ext uri="{BB962C8B-B14F-4D97-AF65-F5344CB8AC3E}">
-        <p14:creationId xmlns:p14="http://schemas.microsoft.com/office/powerpoint/2010/main" val="273675707"/>
+        <p14:creationId xmlns:p14="http://schemas.microsoft.com/office/powerpoint/2010/main" xmlns="" val="273675707"/>
       </p:ext>
     </p:extLst>
   </p:cSld>
@@ -31931,7 +33041,7 @@
   <a:extraClrSchemeLst/>
   <a:extLst>
     <a:ext uri="{05A4C25C-085E-4340-85A3-A5531E510DB2}">
-      <thm15:themeFamily xmlns:thm15="http://schemas.microsoft.com/office/thememl/2012/main" name="mopec-2" id="{442E6DD8-1CC8-4C4A-8647-4236B82D6D6F}" vid="{4E193ED8-E17B-496B-9396-AD9A068E6CE7}"/>
+      <thm15:themeFamily xmlns:thm15="http://schemas.microsoft.com/office/thememl/2012/main" xmlns="" name="mopec-2" id="{442E6DD8-1CC8-4C4A-8647-4236B82D6D6F}" vid="{4E193ED8-E17B-496B-9396-AD9A068E6CE7}"/>
     </a:ext>
   </a:extLst>
 </a:theme>

--- a/Symbolic_execution.pptx
+++ b/Symbolic_execution.pptx
@@ -6,10 +6,10 @@
     <p:sldMasterId id="2147483780" r:id="rId2"/>
   </p:sldMasterIdLst>
   <p:notesMasterIdLst>
-    <p:notesMasterId r:id="rId26"/>
+    <p:notesMasterId r:id="rId27"/>
   </p:notesMasterIdLst>
   <p:handoutMasterIdLst>
-    <p:handoutMasterId r:id="rId27"/>
+    <p:handoutMasterId r:id="rId28"/>
   </p:handoutMasterIdLst>
   <p:sldIdLst>
     <p:sldId id="554" r:id="rId3"/>
@@ -31,10 +31,11 @@
     <p:sldId id="571" r:id="rId19"/>
     <p:sldId id="570" r:id="rId20"/>
     <p:sldId id="582" r:id="rId21"/>
-    <p:sldId id="583" r:id="rId22"/>
-    <p:sldId id="573" r:id="rId23"/>
-    <p:sldId id="568" r:id="rId24"/>
-    <p:sldId id="556" r:id="rId25"/>
+    <p:sldId id="584" r:id="rId22"/>
+    <p:sldId id="583" r:id="rId23"/>
+    <p:sldId id="573" r:id="rId24"/>
+    <p:sldId id="568" r:id="rId25"/>
+    <p:sldId id="556" r:id="rId26"/>
   </p:sldIdLst>
   <p:sldSz cx="9144000" cy="6858000" type="screen4x3"/>
   <p:notesSz cx="6797675" cy="9928225"/>
@@ -135,7 +136,7 @@
   </p:defaultTextStyle>
   <p:extLst>
     <p:ext uri="{EFAFB233-063F-42B5-8137-9DF3F51BA10A}">
-      <p15:sldGuideLst xmlns:p15="http://schemas.microsoft.com/office/powerpoint/2012/main">
+      <p15:sldGuideLst xmlns:p15="http://schemas.microsoft.com/office/powerpoint/2012/main" xmlns="">
         <p15:guide id="1" orient="horz" pos="2160">
           <p15:clr>
             <a:srgbClr val="A4A3A4"/>
@@ -149,7 +150,7 @@
       </p15:sldGuideLst>
     </p:ext>
     <p:ext uri="{2D200454-40CA-4A62-9FC3-DE9A4176ACB9}">
-      <p15:notesGuideLst xmlns:p15="http://schemas.microsoft.com/office/powerpoint/2012/main"/>
+      <p15:notesGuideLst xmlns:p15="http://schemas.microsoft.com/office/powerpoint/2012/main" xmlns=""/>
     </p:ext>
   </p:extLst>
 </p:presentation>
@@ -1356,23 +1357,23 @@
     </dgm:pt>
   </dgm:ptLst>
   <dgm:cxnLst>
+    <dgm:cxn modelId="{9C3AD6D8-20BB-432E-8677-F1B302872B0E}" type="presOf" srcId="{F023FB2D-615F-49FB-B932-A835539B633A}" destId="{65D123C8-C28A-43FC-A1D1-EC1A1AAA1D0D}" srcOrd="0" destOrd="2" presId="urn:microsoft.com/office/officeart/2005/8/layout/arrow4"/>
     <dgm:cxn modelId="{2DA33D83-A486-4DBF-AAD4-027FE6428D8C}" type="presOf" srcId="{9500F054-E821-4CE4-A78F-163684229BEF}" destId="{65D123C8-C28A-43FC-A1D1-EC1A1AAA1D0D}" srcOrd="0" destOrd="1" presId="urn:microsoft.com/office/officeart/2005/8/layout/arrow4"/>
+    <dgm:cxn modelId="{64364F7E-2B30-4537-A41E-EB65227FEBE0}" srcId="{C613176E-2E07-4982-AE61-58047C88A5E0}" destId="{3776A631-3A5C-4A45-AAA1-9A83DB9BB2B4}" srcOrd="0" destOrd="0" parTransId="{37169DBE-07E0-40F0-8E8B-6BE5C9000CD6}" sibTransId="{1C61A887-F32A-4DB6-9CB7-E9105CF133EE}"/>
+    <dgm:cxn modelId="{8F1A1E50-BBF0-464D-811A-982C2CAE586C}" srcId="{3776A631-3A5C-4A45-AAA1-9A83DB9BB2B4}" destId="{24E5BDE8-7AD9-4252-B145-1D56807EB9A4}" srcOrd="1" destOrd="0" parTransId="{8F06EAF3-9191-46BD-981D-F07244E13DF0}" sibTransId="{1D3B26D8-8EBD-49D2-B20B-F604159AC195}"/>
+    <dgm:cxn modelId="{7BBEAA23-584D-4A1C-8311-C0E9E6CBA3A7}" type="presOf" srcId="{FAA59F73-6FA0-49D5-8348-D14E1B279350}" destId="{D0B9CC40-12C0-4884-9089-BF414A745106}" srcOrd="0" destOrd="3" presId="urn:microsoft.com/office/officeart/2005/8/layout/arrow4"/>
+    <dgm:cxn modelId="{BE71F4C1-1B07-443B-A5B3-2C137FF4CFA0}" type="presOf" srcId="{1A65B431-B0C5-475B-AACB-EE64CDB5542D}" destId="{65D123C8-C28A-43FC-A1D1-EC1A1AAA1D0D}" srcOrd="0" destOrd="0" presId="urn:microsoft.com/office/officeart/2005/8/layout/arrow4"/>
+    <dgm:cxn modelId="{A4834247-60D1-4B44-88FF-503376569106}" type="presOf" srcId="{AB150DB6-D2F2-4EF8-BD47-A1DE4EA9EAC7}" destId="{65D123C8-C28A-43FC-A1D1-EC1A1AAA1D0D}" srcOrd="0" destOrd="3" presId="urn:microsoft.com/office/officeart/2005/8/layout/arrow4"/>
+    <dgm:cxn modelId="{9E12A3B4-70C7-4EB8-B3B8-851C759F4C27}" srcId="{1A65B431-B0C5-475B-AACB-EE64CDB5542D}" destId="{9500F054-E821-4CE4-A78F-163684229BEF}" srcOrd="0" destOrd="0" parTransId="{F66A73F2-4553-4D56-967B-58A32857A51B}" sibTransId="{CB5FA6AF-1507-4ED6-88F9-6ED52D974ACA}"/>
+    <dgm:cxn modelId="{2CB4332C-506A-4A72-9E0B-2366C269D619}" srcId="{C613176E-2E07-4982-AE61-58047C88A5E0}" destId="{1A65B431-B0C5-475B-AACB-EE64CDB5542D}" srcOrd="1" destOrd="0" parTransId="{CFD36D27-6F9B-49FF-99D7-7DD05A0F3D83}" sibTransId="{9F15F78E-CFEB-4BD5-AE3C-CF1E170551E9}"/>
     <dgm:cxn modelId="{60C8BBD6-F960-4FEF-BF82-068C183722CA}" type="presOf" srcId="{3776A631-3A5C-4A45-AAA1-9A83DB9BB2B4}" destId="{D0B9CC40-12C0-4884-9089-BF414A745106}" srcOrd="0" destOrd="0" presId="urn:microsoft.com/office/officeart/2005/8/layout/arrow4"/>
+    <dgm:cxn modelId="{C7BBCB7E-7826-42D0-839D-07C845CAD9F3}" type="presOf" srcId="{7DC5BBA1-86D5-4E4E-9561-2161DF6F0C50}" destId="{D0B9CC40-12C0-4884-9089-BF414A745106}" srcOrd="0" destOrd="1" presId="urn:microsoft.com/office/officeart/2005/8/layout/arrow4"/>
     <dgm:cxn modelId="{75179168-990B-4374-B908-5B3E2EE90FF2}" srcId="{3776A631-3A5C-4A45-AAA1-9A83DB9BB2B4}" destId="{7DC5BBA1-86D5-4E4E-9561-2161DF6F0C50}" srcOrd="0" destOrd="0" parTransId="{93B6163C-037E-45AE-8479-BAEE85E7E82B}" sibTransId="{DB7AA6EA-FAA9-4CE8-8F75-DB00225B99ED}"/>
+    <dgm:cxn modelId="{4B8B0CE1-B669-4226-9D35-60E76A01C7BF}" type="presOf" srcId="{24E5BDE8-7AD9-4252-B145-1D56807EB9A4}" destId="{D0B9CC40-12C0-4884-9089-BF414A745106}" srcOrd="0" destOrd="2" presId="urn:microsoft.com/office/officeart/2005/8/layout/arrow4"/>
+    <dgm:cxn modelId="{F45D9E64-B6B5-4FCE-8F7D-9355626CBEEB}" srcId="{1A65B431-B0C5-475B-AACB-EE64CDB5542D}" destId="{AB150DB6-D2F2-4EF8-BD47-A1DE4EA9EAC7}" srcOrd="2" destOrd="0" parTransId="{D632890A-DFEB-4F2F-B9E4-C2C0177B3A32}" sibTransId="{4F8154F9-CBA6-441C-AE49-ECE3A500577C}"/>
     <dgm:cxn modelId="{150A3DA9-7B4E-4F13-B2E2-0CE320C795FB}" type="presOf" srcId="{C613176E-2E07-4982-AE61-58047C88A5E0}" destId="{F9200D61-E392-48B8-B25E-28C9E78F45C8}" srcOrd="0" destOrd="0" presId="urn:microsoft.com/office/officeart/2005/8/layout/arrow4"/>
     <dgm:cxn modelId="{0C001998-8F3B-49F5-8BC4-CA67A830B774}" srcId="{3776A631-3A5C-4A45-AAA1-9A83DB9BB2B4}" destId="{FAA59F73-6FA0-49D5-8348-D14E1B279350}" srcOrd="2" destOrd="0" parTransId="{70769DCF-F5D8-4663-8B5D-9320981ED2B5}" sibTransId="{BE0C9C65-B01A-4FED-B942-1B5AFB142579}"/>
-    <dgm:cxn modelId="{2CB4332C-506A-4A72-9E0B-2366C269D619}" srcId="{C613176E-2E07-4982-AE61-58047C88A5E0}" destId="{1A65B431-B0C5-475B-AACB-EE64CDB5542D}" srcOrd="1" destOrd="0" parTransId="{CFD36D27-6F9B-49FF-99D7-7DD05A0F3D83}" sibTransId="{9F15F78E-CFEB-4BD5-AE3C-CF1E170551E9}"/>
-    <dgm:cxn modelId="{F45D9E64-B6B5-4FCE-8F7D-9355626CBEEB}" srcId="{1A65B431-B0C5-475B-AACB-EE64CDB5542D}" destId="{AB150DB6-D2F2-4EF8-BD47-A1DE4EA9EAC7}" srcOrd="2" destOrd="0" parTransId="{D632890A-DFEB-4F2F-B9E4-C2C0177B3A32}" sibTransId="{4F8154F9-CBA6-441C-AE49-ECE3A500577C}"/>
-    <dgm:cxn modelId="{A4834247-60D1-4B44-88FF-503376569106}" type="presOf" srcId="{AB150DB6-D2F2-4EF8-BD47-A1DE4EA9EAC7}" destId="{65D123C8-C28A-43FC-A1D1-EC1A1AAA1D0D}" srcOrd="0" destOrd="3" presId="urn:microsoft.com/office/officeart/2005/8/layout/arrow4"/>
-    <dgm:cxn modelId="{8F1A1E50-BBF0-464D-811A-982C2CAE586C}" srcId="{3776A631-3A5C-4A45-AAA1-9A83DB9BB2B4}" destId="{24E5BDE8-7AD9-4252-B145-1D56807EB9A4}" srcOrd="1" destOrd="0" parTransId="{8F06EAF3-9191-46BD-981D-F07244E13DF0}" sibTransId="{1D3B26D8-8EBD-49D2-B20B-F604159AC195}"/>
-    <dgm:cxn modelId="{BE71F4C1-1B07-443B-A5B3-2C137FF4CFA0}" type="presOf" srcId="{1A65B431-B0C5-475B-AACB-EE64CDB5542D}" destId="{65D123C8-C28A-43FC-A1D1-EC1A1AAA1D0D}" srcOrd="0" destOrd="0" presId="urn:microsoft.com/office/officeart/2005/8/layout/arrow4"/>
-    <dgm:cxn modelId="{9C3AD6D8-20BB-432E-8677-F1B302872B0E}" type="presOf" srcId="{F023FB2D-615F-49FB-B932-A835539B633A}" destId="{65D123C8-C28A-43FC-A1D1-EC1A1AAA1D0D}" srcOrd="0" destOrd="2" presId="urn:microsoft.com/office/officeart/2005/8/layout/arrow4"/>
     <dgm:cxn modelId="{4B65A473-4FBC-492E-9E55-A78F054735B8}" srcId="{1A65B431-B0C5-475B-AACB-EE64CDB5542D}" destId="{F023FB2D-615F-49FB-B932-A835539B633A}" srcOrd="1" destOrd="0" parTransId="{84B950E6-F17C-424D-B81D-E741E2F979B4}" sibTransId="{C02F31EC-CAE8-4139-8E0C-B42D3B042F9A}"/>
-    <dgm:cxn modelId="{4B8B0CE1-B669-4226-9D35-60E76A01C7BF}" type="presOf" srcId="{24E5BDE8-7AD9-4252-B145-1D56807EB9A4}" destId="{D0B9CC40-12C0-4884-9089-BF414A745106}" srcOrd="0" destOrd="2" presId="urn:microsoft.com/office/officeart/2005/8/layout/arrow4"/>
-    <dgm:cxn modelId="{64364F7E-2B30-4537-A41E-EB65227FEBE0}" srcId="{C613176E-2E07-4982-AE61-58047C88A5E0}" destId="{3776A631-3A5C-4A45-AAA1-9A83DB9BB2B4}" srcOrd="0" destOrd="0" parTransId="{37169DBE-07E0-40F0-8E8B-6BE5C9000CD6}" sibTransId="{1C61A887-F32A-4DB6-9CB7-E9105CF133EE}"/>
-    <dgm:cxn modelId="{7BBEAA23-584D-4A1C-8311-C0E9E6CBA3A7}" type="presOf" srcId="{FAA59F73-6FA0-49D5-8348-D14E1B279350}" destId="{D0B9CC40-12C0-4884-9089-BF414A745106}" srcOrd="0" destOrd="3" presId="urn:microsoft.com/office/officeart/2005/8/layout/arrow4"/>
-    <dgm:cxn modelId="{C7BBCB7E-7826-42D0-839D-07C845CAD9F3}" type="presOf" srcId="{7DC5BBA1-86D5-4E4E-9561-2161DF6F0C50}" destId="{D0B9CC40-12C0-4884-9089-BF414A745106}" srcOrd="0" destOrd="1" presId="urn:microsoft.com/office/officeart/2005/8/layout/arrow4"/>
-    <dgm:cxn modelId="{9E12A3B4-70C7-4EB8-B3B8-851C759F4C27}" srcId="{1A65B431-B0C5-475B-AACB-EE64CDB5542D}" destId="{9500F054-E821-4CE4-A78F-163684229BEF}" srcOrd="0" destOrd="0" parTransId="{F66A73F2-4553-4D56-967B-58A32857A51B}" sibTransId="{CB5FA6AF-1507-4ED6-88F9-6ED52D974ACA}"/>
     <dgm:cxn modelId="{1B9C6B89-09D9-45A4-B7CA-EEB574021257}" type="presParOf" srcId="{F9200D61-E392-48B8-B25E-28C9E78F45C8}" destId="{DCAFE75F-3180-4597-942E-BBE60505CA2C}" srcOrd="0" destOrd="0" presId="urn:microsoft.com/office/officeart/2005/8/layout/arrow4"/>
     <dgm:cxn modelId="{64211888-5F80-448A-8395-C487D4D74864}" type="presParOf" srcId="{F9200D61-E392-48B8-B25E-28C9E78F45C8}" destId="{D0B9CC40-12C0-4884-9089-BF414A745106}" srcOrd="1" destOrd="0" presId="urn:microsoft.com/office/officeart/2005/8/layout/arrow4"/>
     <dgm:cxn modelId="{7C3B499B-334B-490A-8F7B-42629EF55049}" type="presParOf" srcId="{F9200D61-E392-48B8-B25E-28C9E78F45C8}" destId="{4BAE9C4C-C067-4ACA-90F8-43824D4833A2}" srcOrd="2" destOrd="0" presId="urn:microsoft.com/office/officeart/2005/8/layout/arrow4"/>
@@ -1382,14 +1383,14 @@
   <dgm:whole/>
   <dgm:extLst>
     <a:ext uri="http://schemas.microsoft.com/office/drawing/2008/diagram">
-      <dsp:dataModelExt xmlns:dsp="http://schemas.microsoft.com/office/drawing/2008/diagram" relId="rId7" minVer="http://schemas.openxmlformats.org/drawingml/2006/diagram"/>
+      <dsp:dataModelExt xmlns:dsp="http://schemas.microsoft.com/office/drawing/2008/diagram" xmlns="" relId="rId7" minVer="http://schemas.openxmlformats.org/drawingml/2006/diagram"/>
     </a:ext>
   </dgm:extLst>
 </dgm:dataModel>
 </file>
 
 <file path=ppt/diagrams/drawing1.xml><?xml version="1.0" encoding="utf-8"?>
-<dsp:drawing xmlns:dgm="http://schemas.openxmlformats.org/drawingml/2006/diagram" xmlns:dsp="http://schemas.microsoft.com/office/drawing/2008/diagram" xmlns:a="http://schemas.openxmlformats.org/drawingml/2006/main">
+<dsp:drawing xmlns:dgm="http://schemas.openxmlformats.org/drawingml/2006/diagram" xmlns:a="http://schemas.openxmlformats.org/drawingml/2006/main" xmlns:dsp="http://schemas.microsoft.com/office/drawing/2008/diagram">
   <dsp:spTree>
     <dsp:nvGrpSpPr>
       <dsp:cNvPr id="0" name=""/>
@@ -3256,7 +3257,7 @@
     </p:spTree>
     <p:extLst>
       <p:ext uri="{BB962C8B-B14F-4D97-AF65-F5344CB8AC3E}">
-        <p14:creationId xmlns:p14="http://schemas.microsoft.com/office/powerpoint/2010/main" val="3491659132"/>
+        <p14:creationId xmlns:p14="http://schemas.microsoft.com/office/powerpoint/2010/main" xmlns="" val="3491659132"/>
       </p:ext>
     </p:extLst>
   </p:cSld>
@@ -3516,7 +3517,7 @@
     </p:spTree>
     <p:extLst>
       <p:ext uri="{BB962C8B-B14F-4D97-AF65-F5344CB8AC3E}">
-        <p14:creationId xmlns:p14="http://schemas.microsoft.com/office/powerpoint/2010/main" val="42825475"/>
+        <p14:creationId xmlns:p14="http://schemas.microsoft.com/office/powerpoint/2010/main" xmlns="" val="42825475"/>
       </p:ext>
     </p:extLst>
   </p:cSld>
@@ -3775,7 +3776,7 @@
     </p:spTree>
     <p:extLst>
       <p:ext uri="{BB962C8B-B14F-4D97-AF65-F5344CB8AC3E}">
-        <p14:creationId xmlns:p14="http://schemas.microsoft.com/office/powerpoint/2010/main" val="3867849981"/>
+        <p14:creationId xmlns:p14="http://schemas.microsoft.com/office/powerpoint/2010/main" xmlns="" val="3867849981"/>
       </p:ext>
     </p:extLst>
   </p:cSld>
@@ -3973,7 +3974,7 @@
     </p:spTree>
     <p:extLst>
       <p:ext uri="{BB962C8B-B14F-4D97-AF65-F5344CB8AC3E}">
-        <p14:creationId xmlns:p14="http://schemas.microsoft.com/office/powerpoint/2010/main" val="621224671"/>
+        <p14:creationId xmlns:p14="http://schemas.microsoft.com/office/powerpoint/2010/main" xmlns="" val="621224671"/>
       </p:ext>
     </p:extLst>
   </p:cSld>
@@ -4130,7 +4131,7 @@
     </p:spTree>
     <p:extLst>
       <p:ext uri="{BB962C8B-B14F-4D97-AF65-F5344CB8AC3E}">
-        <p14:creationId xmlns:p14="http://schemas.microsoft.com/office/powerpoint/2010/main" val="3079943628"/>
+        <p14:creationId xmlns:p14="http://schemas.microsoft.com/office/powerpoint/2010/main" xmlns="" val="3079943628"/>
       </p:ext>
     </p:extLst>
   </p:cSld>
@@ -4252,7 +4253,7 @@
     </p:spTree>
     <p:extLst>
       <p:ext uri="{BB962C8B-B14F-4D97-AF65-F5344CB8AC3E}">
-        <p14:creationId xmlns:p14="http://schemas.microsoft.com/office/powerpoint/2010/main" val="2076014591"/>
+        <p14:creationId xmlns:p14="http://schemas.microsoft.com/office/powerpoint/2010/main" xmlns="" val="2076014591"/>
       </p:ext>
     </p:extLst>
   </p:cSld>
@@ -4341,39 +4342,35 @@
             </a:pPr>
             <a:r>
               <a:rPr lang="en-US" altLang="zh-CN" sz="1200" dirty="0" smtClean="0"/>
-              <a:t>At every read statement </a:t>
-            </a:r>
-            <a:r>
-              <a:rPr lang="en-US" altLang="zh-CN" sz="1200" i="1" dirty="0" err="1" smtClean="0">
+              <a:t>At every read </a:t>
+            </a:r>
+            <a:r>
+              <a:rPr lang="en-US" altLang="zh-CN" sz="1200" smtClean="0"/>
+              <a:t>statement </a:t>
+            </a:r>
+            <a:r>
+              <a:rPr lang="en-US" altLang="zh-CN" sz="1200" i="1" smtClean="0">
                 <a:latin typeface="Times New Roman" panose="02020603050405020304" pitchFamily="18" charset="0"/>
                 <a:ea typeface="等线" panose="02010600030101010101" pitchFamily="2" charset="-122"/>
                 <a:cs typeface="Times New Roman" panose="02020603050405020304" pitchFamily="18" charset="0"/>
               </a:rPr>
-              <a:t>var</a:t>
-            </a:r>
-            <a:r>
-              <a:rPr lang="en-US" altLang="zh-CN" sz="1200" i="1" dirty="0" smtClean="0">
+              <a:t>sym_input</a:t>
+            </a:r>
+            <a:r>
+              <a:rPr lang="en-US" altLang="zh-CN" sz="1200" i="1" smtClean="0">
                 <a:latin typeface="Times New Roman" panose="02020603050405020304" pitchFamily="18" charset="0"/>
                 <a:ea typeface="等线" panose="02010600030101010101" pitchFamily="2" charset="-122"/>
                 <a:cs typeface="Times New Roman" panose="02020603050405020304" pitchFamily="18" charset="0"/>
               </a:rPr>
-              <a:t> equals </a:t>
-            </a:r>
-            <a:r>
-              <a:rPr lang="en-US" altLang="zh-CN" sz="1200" i="1" dirty="0" err="1" smtClean="0">
+              <a:t>() </a:t>
+            </a:r>
+            <a:r>
+              <a:rPr lang="en-US" altLang="zh-CN" sz="1200" i="1" smtClean="0">
                 <a:latin typeface="Times New Roman" panose="02020603050405020304" pitchFamily="18" charset="0"/>
                 <a:ea typeface="等线" panose="02010600030101010101" pitchFamily="2" charset="-122"/>
                 <a:cs typeface="Times New Roman" panose="02020603050405020304" pitchFamily="18" charset="0"/>
               </a:rPr>
-              <a:t>sym_input</a:t>
-            </a:r>
-            <a:r>
-              <a:rPr lang="en-US" altLang="zh-CN" sz="1200" i="1" dirty="0" smtClean="0">
-                <a:latin typeface="Times New Roman" panose="02020603050405020304" pitchFamily="18" charset="0"/>
-                <a:ea typeface="等线" panose="02010600030101010101" pitchFamily="2" charset="-122"/>
-                <a:cs typeface="Times New Roman" panose="02020603050405020304" pitchFamily="18" charset="0"/>
-              </a:rPr>
-              <a:t>()  </a:t>
+              <a:t>assigns to var </a:t>
             </a:r>
             <a:r>
               <a:rPr lang="en-US" altLang="zh-CN" sz="1200" dirty="0" smtClean="0"/>
@@ -4431,8 +4428,21 @@
             </a:r>
             <a:r>
               <a:rPr lang="en-US" altLang="zh-CN" sz="1200" dirty="0" smtClean="0"/>
-              <a:t> is a fresh symbolic value .</a:t>
-            </a:r>
+              <a:t> is a fresh </a:t>
+            </a:r>
+            <a:r>
+              <a:rPr lang="en-US" altLang="zh-CN" sz="1200" smtClean="0"/>
+              <a:t>symbolic </a:t>
+            </a:r>
+            <a:r>
+              <a:rPr lang="en-US" altLang="zh-CN" sz="1200" smtClean="0"/>
+              <a:t>value.</a:t>
+            </a:r>
+            <a:r>
+              <a:rPr lang="en-US" altLang="zh-CN" sz="1200" baseline="0" smtClean="0"/>
+              <a:t> In this program, we assume that input values are x0, y0.</a:t>
+            </a:r>
+            <a:endParaRPr lang="en-US" altLang="zh-CN" sz="1200" dirty="0" smtClean="0"/>
           </a:p>
           <a:p>
             <a:pPr marL="0" marR="0" indent="0" algn="l" defTabSz="914400" rtl="0" eaLnBrk="1" fontAlgn="auto" latinLnBrk="0" hangingPunct="1">
@@ -4474,18 +4484,19 @@
             </a:pPr>
             <a:r>
               <a:rPr lang="en-US" altLang="zh-CN" sz="1200" dirty="0" smtClean="0"/>
-              <a:t>At every assignment v </a:t>
-            </a:r>
-            <a:r>
-              <a:rPr lang="en-US" altLang="zh-CN" sz="1200" i="1" dirty="0" smtClean="0">
-                <a:latin typeface="Times New Roman" panose="02020603050405020304" pitchFamily="18" charset="0"/>
-                <a:cs typeface="Times New Roman" panose="02020603050405020304" pitchFamily="18" charset="0"/>
-              </a:rPr>
-              <a:t>equals e</a:t>
+              <a:t>At </a:t>
+            </a:r>
+            <a:r>
+              <a:rPr lang="en-US" altLang="zh-CN" sz="1200" smtClean="0"/>
+              <a:t>every </a:t>
+            </a:r>
+            <a:r>
+              <a:rPr lang="en-US" altLang="zh-CN" sz="1200" smtClean="0"/>
+              <a:t>statement e assigns to v, </a:t>
             </a:r>
             <a:r>
               <a:rPr lang="en-US" altLang="zh-CN" sz="1200" dirty="0" smtClean="0"/>
-              <a:t>, symbolic execution updates </a:t>
+              <a:t>symbolic execution updates </a:t>
             </a:r>
             <a:r>
               <a:rPr lang="el-GR" altLang="zh-CN" sz="1200" i="1" dirty="0" smtClean="0">
@@ -4576,7 +4587,7 @@
     </p:spTree>
     <p:extLst>
       <p:ext uri="{BB962C8B-B14F-4D97-AF65-F5344CB8AC3E}">
-        <p14:creationId xmlns:p14="http://schemas.microsoft.com/office/powerpoint/2010/main" val="2098564912"/>
+        <p14:creationId xmlns:p14="http://schemas.microsoft.com/office/powerpoint/2010/main" xmlns="" val="2098564912"/>
       </p:ext>
     </p:extLst>
   </p:cSld>
@@ -4849,7 +4860,7 @@
     </p:spTree>
     <p:extLst>
       <p:ext uri="{BB962C8B-B14F-4D97-AF65-F5344CB8AC3E}">
-        <p14:creationId xmlns:p14="http://schemas.microsoft.com/office/powerpoint/2010/main" val="3273333701"/>
+        <p14:creationId xmlns:p14="http://schemas.microsoft.com/office/powerpoint/2010/main" xmlns="" val="3273333701"/>
       </p:ext>
     </p:extLst>
   </p:cSld>
@@ -4912,7 +4923,40 @@
                 <a:ea typeface="+mn-ea"/>
                 <a:cs typeface="+mn-cs"/>
               </a:rPr>
-              <a:t>The author and his colleagues have been developing an interactive symbolic execution system called EFFIGY.</a:t>
+              <a:t>The author and his </a:t>
+            </a:r>
+            <a:r>
+              <a:rPr lang="en-US" altLang="zh-CN" sz="1200" b="0" i="0" u="none" strike="noStrike" kern="1200" baseline="0" smtClean="0">
+                <a:solidFill>
+                  <a:schemeClr val="tx1"/>
+                </a:solidFill>
+                <a:latin typeface="+mn-lt"/>
+                <a:ea typeface="+mn-ea"/>
+                <a:cs typeface="+mn-cs"/>
+              </a:rPr>
+              <a:t>colleagues </a:t>
+            </a:r>
+            <a:r>
+              <a:rPr lang="en-US" altLang="zh-CN" sz="1200" b="0" i="0" u="none" strike="noStrike" kern="1200" baseline="0" smtClean="0">
+                <a:solidFill>
+                  <a:schemeClr val="tx1"/>
+                </a:solidFill>
+                <a:latin typeface="+mn-lt"/>
+                <a:ea typeface="+mn-ea"/>
+                <a:cs typeface="+mn-cs"/>
+              </a:rPr>
+              <a:t>have developed </a:t>
+            </a:r>
+            <a:r>
+              <a:rPr lang="en-US" altLang="zh-CN" sz="1200" b="0" i="0" u="none" strike="noStrike" kern="1200" baseline="0" dirty="0" smtClean="0">
+                <a:solidFill>
+                  <a:schemeClr val="tx1"/>
+                </a:solidFill>
+                <a:latin typeface="+mn-lt"/>
+                <a:ea typeface="+mn-ea"/>
+                <a:cs typeface="+mn-cs"/>
+              </a:rPr>
+              <a:t>an interactive symbolic execution system called EFFIGY.</a:t>
             </a:r>
           </a:p>
           <a:p>
@@ -4927,7 +4971,7 @@
           </a:p>
           <a:p>
             <a:r>
-              <a:rPr lang="en-US" altLang="zh-CN" sz="1200" b="0" i="0" u="none" strike="noStrike" kern="1200" baseline="0" dirty="0" smtClean="0">
+              <a:rPr lang="en-US" altLang="zh-CN" sz="1200" b="0" i="0" u="none" strike="noStrike" kern="1200" baseline="0" smtClean="0">
                 <a:solidFill>
                   <a:schemeClr val="tx1"/>
                 </a:solidFill>
@@ -4935,10 +4979,8 @@
                 <a:ea typeface="+mn-ea"/>
                 <a:cs typeface="+mn-cs"/>
               </a:rPr>
-              <a:t>The system offers a spectrum of services to the user.</a:t>
-            </a:r>
-          </a:p>
-          <a:p>
+              <a:t>Basic </a:t>
+            </a:r>
             <a:r>
               <a:rPr lang="en-US" altLang="zh-CN" sz="1200" b="0" i="0" u="none" strike="noStrike" kern="1200" baseline="0" dirty="0" smtClean="0">
                 <a:solidFill>
@@ -4948,12 +4990,10 @@
                 <a:ea typeface="+mn-ea"/>
                 <a:cs typeface="+mn-cs"/>
               </a:rPr>
-              <a:t>Basic debugging and testing facilities are provided for symbolic program execution with normal program execution provided as a special case.</a:t>
-            </a:r>
-          </a:p>
-          <a:p>
-            <a:r>
-              <a:rPr lang="en-US" altLang="zh-CN" sz="1200" b="0" i="0" u="none" strike="noStrike" kern="1200" baseline="0" dirty="0" smtClean="0">
+              <a:t>debugging and testing facilities are provided for symbolic </a:t>
+            </a:r>
+            <a:r>
+              <a:rPr lang="en-US" altLang="zh-CN" sz="1200" b="0" i="0" u="none" strike="noStrike" kern="1200" baseline="0" smtClean="0">
                 <a:solidFill>
                   <a:schemeClr val="tx1"/>
                 </a:solidFill>
@@ -4961,7 +5001,18 @@
                 <a:ea typeface="+mn-ea"/>
                 <a:cs typeface="+mn-cs"/>
               </a:rPr>
-              <a:t>An "exhaustive“ test manager is available for systematically exploring the alternatives presented in the symbolic execution tree.</a:t>
+              <a:t>program </a:t>
+            </a:r>
+            <a:r>
+              <a:rPr lang="en-US" altLang="zh-CN" sz="1200" b="0" i="0" u="none" strike="noStrike" kern="1200" baseline="0" smtClean="0">
+                <a:solidFill>
+                  <a:schemeClr val="tx1"/>
+                </a:solidFill>
+                <a:latin typeface="+mn-lt"/>
+                <a:ea typeface="+mn-ea"/>
+                <a:cs typeface="+mn-cs"/>
+              </a:rPr>
+              <a:t>execution.</a:t>
             </a:r>
           </a:p>
           <a:p>
@@ -4984,10 +5035,22 @@
                 <a:ea typeface="+mn-ea"/>
                 <a:cs typeface="+mn-cs"/>
               </a:rPr>
-              <a:t>The system can automatically check test case </a:t>
-            </a:r>
-            <a:r>
-              <a:rPr lang="en-US" altLang="zh-CN" sz="1200" b="0" i="0" u="none" strike="noStrike" kern="1200" baseline="0" dirty="0" err="1" smtClean="0">
+              <a:t>An "exhaustive“ test manager is available for systematically exploring the alternatives presented in the symbolic execution tree.</a:t>
+            </a:r>
+          </a:p>
+          <a:p>
+            <a:endParaRPr lang="en-US" altLang="zh-CN" sz="1200" b="0" i="0" u="none" strike="noStrike" kern="1200" baseline="0" dirty="0" smtClean="0">
+              <a:solidFill>
+                <a:schemeClr val="tx1"/>
+              </a:solidFill>
+              <a:latin typeface="+mn-lt"/>
+              <a:ea typeface="+mn-ea"/>
+              <a:cs typeface="+mn-cs"/>
+            </a:endParaRPr>
+          </a:p>
+          <a:p>
+            <a:r>
+              <a:rPr lang="en-US" altLang="zh-CN" sz="1200" b="0" i="0" u="none" strike="noStrike" kern="1200" baseline="0" dirty="0" smtClean="0">
                 <a:solidFill>
                   <a:schemeClr val="tx1"/>
                 </a:solidFill>
@@ -4995,10 +5058,10 @@
                 <a:ea typeface="+mn-ea"/>
                 <a:cs typeface="+mn-cs"/>
               </a:rPr>
-              <a:t>resultsagainst</a:t>
-            </a:r>
-            <a:r>
-              <a:rPr lang="en-US" altLang="zh-CN" sz="1200" b="0" i="0" u="none" strike="noStrike" kern="1200" baseline="0" dirty="0" smtClean="0">
+              <a:t>The system can automatically check test </a:t>
+            </a:r>
+            <a:r>
+              <a:rPr lang="en-US" altLang="zh-CN" sz="1200" b="0" i="0" u="none" strike="noStrike" kern="1200" baseline="0" smtClean="0">
                 <a:solidFill>
                   <a:schemeClr val="tx1"/>
                 </a:solidFill>
@@ -5006,8 +5069,59 @@
                 <a:ea typeface="+mn-ea"/>
                 <a:cs typeface="+mn-cs"/>
               </a:rPr>
-              <a:t> output assertions if they are supplied. </a:t>
-            </a:r>
+              <a:t>case </a:t>
+            </a:r>
+            <a:r>
+              <a:rPr lang="en-US" altLang="zh-CN" sz="1200" b="0" i="0" u="none" strike="noStrike" kern="1200" baseline="0" smtClean="0">
+                <a:solidFill>
+                  <a:schemeClr val="tx1"/>
+                </a:solidFill>
+                <a:latin typeface="+mn-lt"/>
+                <a:ea typeface="+mn-ea"/>
+                <a:cs typeface="+mn-cs"/>
+              </a:rPr>
+              <a:t>results against </a:t>
+            </a:r>
+            <a:r>
+              <a:rPr lang="en-US" altLang="zh-CN" sz="1200" b="0" i="0" u="none" strike="noStrike" kern="1200" baseline="0" dirty="0" smtClean="0">
+                <a:solidFill>
+                  <a:schemeClr val="tx1"/>
+                </a:solidFill>
+                <a:latin typeface="+mn-lt"/>
+                <a:ea typeface="+mn-ea"/>
+                <a:cs typeface="+mn-cs"/>
+              </a:rPr>
+              <a:t>output assertions if they are supplied</a:t>
+            </a:r>
+            <a:r>
+              <a:rPr lang="en-US" altLang="zh-CN" sz="1200" b="0" i="0" u="none" strike="noStrike" kern="1200" baseline="0" smtClean="0">
+                <a:solidFill>
+                  <a:schemeClr val="tx1"/>
+                </a:solidFill>
+                <a:latin typeface="+mn-lt"/>
+                <a:ea typeface="+mn-ea"/>
+                <a:cs typeface="+mn-cs"/>
+              </a:rPr>
+              <a:t>. </a:t>
+            </a:r>
+            <a:endParaRPr lang="en-US" altLang="zh-CN" sz="1200" b="0" i="0" u="none" strike="noStrike" kern="1200" baseline="0" smtClean="0">
+              <a:solidFill>
+                <a:schemeClr val="tx1"/>
+              </a:solidFill>
+              <a:latin typeface="+mn-lt"/>
+              <a:ea typeface="+mn-ea"/>
+              <a:cs typeface="+mn-cs"/>
+            </a:endParaRPr>
+          </a:p>
+          <a:p>
+            <a:endParaRPr lang="en-US" altLang="zh-CN" sz="1200" b="0" i="0" u="none" strike="noStrike" kern="1200" baseline="0" dirty="0" smtClean="0">
+              <a:solidFill>
+                <a:schemeClr val="tx1"/>
+              </a:solidFill>
+              <a:latin typeface="+mn-lt"/>
+              <a:ea typeface="+mn-ea"/>
+              <a:cs typeface="+mn-cs"/>
+            </a:endParaRPr>
           </a:p>
           <a:p>
             <a:r>
@@ -5052,7 +5166,7 @@
     </p:spTree>
     <p:extLst>
       <p:ext uri="{BB962C8B-B14F-4D97-AF65-F5344CB8AC3E}">
-        <p14:creationId xmlns:p14="http://schemas.microsoft.com/office/powerpoint/2010/main" val="1466003873"/>
+        <p14:creationId xmlns:p14="http://schemas.microsoft.com/office/powerpoint/2010/main" xmlns="" val="1466003873"/>
       </p:ext>
     </p:extLst>
   </p:cSld>
@@ -5163,12 +5277,10 @@
                 <a:ea typeface="+mn-ea"/>
                 <a:cs typeface="+mn-cs"/>
               </a:rPr>
-              <a:t>The user can insert "breakpoints" before or after any statement Or between any statement pair. At these points execution is interrupted and control passes to the user's terminal. The user can</a:t>
-            </a:r>
-          </a:p>
-          <a:p>
-            <a:r>
-              <a:rPr lang="en-US" altLang="zh-CN" sz="1200" b="0" i="0" u="none" strike="noStrike" kern="1200" baseline="0" dirty="0" smtClean="0">
+              <a:t>The user can insert "breakpoints</a:t>
+            </a:r>
+            <a:r>
+              <a:rPr lang="en-US" altLang="zh-CN" sz="1200" b="0" i="0" u="none" strike="noStrike" kern="1200" baseline="0" smtClean="0">
                 <a:solidFill>
                   <a:schemeClr val="tx1"/>
                 </a:solidFill>
@@ -5176,7 +5288,84 @@
                 <a:ea typeface="+mn-ea"/>
                 <a:cs typeface="+mn-cs"/>
               </a:rPr>
-              <a:t>then examine the state of the execution, set variables, and resume execution.</a:t>
+              <a:t>" </a:t>
+            </a:r>
+            <a:r>
+              <a:rPr lang="en-US" altLang="zh-CN" sz="1200" b="0" i="0" u="none" strike="noStrike" kern="1200" baseline="0" smtClean="0">
+                <a:solidFill>
+                  <a:schemeClr val="tx1"/>
+                </a:solidFill>
+                <a:latin typeface="+mn-lt"/>
+                <a:ea typeface="+mn-ea"/>
+                <a:cs typeface="+mn-cs"/>
+              </a:rPr>
+              <a:t>to interrupt the symbolic execution </a:t>
+            </a:r>
+            <a:r>
+              <a:rPr lang="en-US" altLang="zh-CN" sz="1200" b="0" i="0" u="none" strike="noStrike" kern="1200" baseline="0" smtClean="0">
+                <a:solidFill>
+                  <a:schemeClr val="tx1"/>
+                </a:solidFill>
+                <a:latin typeface="+mn-lt"/>
+                <a:ea typeface="+mn-ea"/>
+                <a:cs typeface="+mn-cs"/>
+              </a:rPr>
+              <a:t>and </a:t>
+            </a:r>
+            <a:r>
+              <a:rPr lang="en-US" altLang="zh-CN" sz="1200" b="0" i="0" u="none" strike="noStrike" kern="1200" baseline="0" smtClean="0">
+                <a:solidFill>
+                  <a:schemeClr val="tx1"/>
+                </a:solidFill>
+                <a:latin typeface="+mn-lt"/>
+                <a:ea typeface="+mn-ea"/>
+                <a:cs typeface="+mn-cs"/>
+              </a:rPr>
+              <a:t>get the control. </a:t>
+            </a:r>
+            <a:r>
+              <a:rPr lang="en-US" altLang="zh-CN" sz="1200" b="0" i="0" u="none" strike="noStrike" kern="1200" baseline="0" dirty="0" smtClean="0">
+                <a:solidFill>
+                  <a:schemeClr val="tx1"/>
+                </a:solidFill>
+                <a:latin typeface="+mn-lt"/>
+                <a:ea typeface="+mn-ea"/>
+                <a:cs typeface="+mn-cs"/>
+              </a:rPr>
+              <a:t>The </a:t>
+            </a:r>
+            <a:r>
+              <a:rPr lang="en-US" altLang="zh-CN" sz="1200" b="0" i="0" u="none" strike="noStrike" kern="1200" baseline="0" smtClean="0">
+                <a:solidFill>
+                  <a:schemeClr val="tx1"/>
+                </a:solidFill>
+                <a:latin typeface="+mn-lt"/>
+                <a:ea typeface="+mn-ea"/>
+                <a:cs typeface="+mn-cs"/>
+              </a:rPr>
+              <a:t>user </a:t>
+            </a:r>
+            <a:r>
+              <a:rPr lang="en-US" altLang="zh-CN" sz="1200" b="0" i="0" u="none" strike="noStrike" kern="1200" baseline="0" smtClean="0">
+                <a:solidFill>
+                  <a:schemeClr val="tx1"/>
+                </a:solidFill>
+                <a:latin typeface="+mn-lt"/>
+                <a:ea typeface="+mn-ea"/>
+                <a:cs typeface="+mn-cs"/>
+              </a:rPr>
+              <a:t>can then </a:t>
+            </a:r>
+            <a:r>
+              <a:rPr lang="en-US" altLang="zh-CN" sz="1200" b="0" i="0" u="none" strike="noStrike" kern="1200" baseline="0" dirty="0" smtClean="0">
+                <a:solidFill>
+                  <a:schemeClr val="tx1"/>
+                </a:solidFill>
+                <a:latin typeface="+mn-lt"/>
+                <a:ea typeface="+mn-ea"/>
+                <a:cs typeface="+mn-cs"/>
+              </a:rPr>
+              <a:t>examine the state of the execution, set variables, and resume execution.</a:t>
             </a:r>
           </a:p>
           <a:p>
@@ -5233,7 +5422,7 @@
     </p:spTree>
     <p:extLst>
       <p:ext uri="{BB962C8B-B14F-4D97-AF65-F5344CB8AC3E}">
-        <p14:creationId xmlns:p14="http://schemas.microsoft.com/office/powerpoint/2010/main" val="2203693448"/>
+        <p14:creationId xmlns:p14="http://schemas.microsoft.com/office/powerpoint/2010/main" xmlns="" val="2203693448"/>
       </p:ext>
     </p:extLst>
   </p:cSld>
@@ -5296,12 +5485,10 @@
                 <a:ea typeface="+mn-ea"/>
                 <a:cs typeface="+mn-cs"/>
               </a:rPr>
-              <a:t>Whenever the system encounters a forking execution of an IF statement (both alternatives being possible) it notifies the user and allows him to choose. He may: </a:t>
-            </a:r>
-          </a:p>
-          <a:p>
-            <a:r>
-              <a:rPr lang="en-US" altLang="zh-CN" sz="1200" b="0" i="0" u="none" strike="noStrike" kern="1200" baseline="0" dirty="0" smtClean="0">
+              <a:t>Whenever the system </a:t>
+            </a:r>
+            <a:r>
+              <a:rPr lang="en-US" altLang="zh-CN" sz="1200" b="0" i="0" u="none" strike="noStrike" kern="1200" baseline="0" smtClean="0">
                 <a:solidFill>
                   <a:schemeClr val="tx1"/>
                 </a:solidFill>
@@ -5309,10 +5496,10 @@
                 <a:ea typeface="+mn-ea"/>
                 <a:cs typeface="+mn-cs"/>
               </a:rPr>
-              <a:t>1. Type </a:t>
-            </a:r>
-            <a:r>
-              <a:rPr lang="en-US" altLang="zh-CN" sz="1200" b="0" i="1" u="none" strike="noStrike" kern="1200" baseline="0" dirty="0" smtClean="0">
+              <a:t>encounters </a:t>
+            </a:r>
+            <a:r>
+              <a:rPr lang="en-US" altLang="zh-CN" sz="1200" b="0" i="0" u="none" strike="noStrike" kern="1200" baseline="0" smtClean="0">
                 <a:solidFill>
                   <a:schemeClr val="tx1"/>
                 </a:solidFill>
@@ -5320,7 +5507,7 @@
                 <a:ea typeface="+mn-ea"/>
                 <a:cs typeface="+mn-cs"/>
               </a:rPr>
-              <a:t>"go </a:t>
+              <a:t>an </a:t>
             </a:r>
             <a:r>
               <a:rPr lang="en-US" altLang="zh-CN" sz="1200" b="0" i="0" u="none" strike="noStrike" kern="1200" baseline="0" dirty="0" smtClean="0">
@@ -5331,10 +5518,12 @@
                 <a:ea typeface="+mn-ea"/>
                 <a:cs typeface="+mn-cs"/>
               </a:rPr>
-              <a:t>true" and the system follows the THEN alternative changing </a:t>
-            </a:r>
-            <a:r>
-              <a:rPr lang="en-US" altLang="zh-CN" sz="1200" b="0" i="1" u="none" strike="noStrike" kern="1200" baseline="0" dirty="0" smtClean="0">
+              <a:t>IF statement (both alternatives being possible) it notifies the user and allows him to choose. He may: </a:t>
+            </a:r>
+          </a:p>
+          <a:p>
+            <a:r>
+              <a:rPr lang="en-US" altLang="zh-CN" sz="1200" b="0" i="0" u="none" strike="noStrike" kern="1200" baseline="0" dirty="0" smtClean="0">
                 <a:solidFill>
                   <a:schemeClr val="tx1"/>
                 </a:solidFill>
@@ -5342,10 +5531,10 @@
                 <a:ea typeface="+mn-ea"/>
                 <a:cs typeface="+mn-cs"/>
               </a:rPr>
-              <a:t>pc </a:t>
-            </a:r>
-            <a:r>
-              <a:rPr lang="en-US" altLang="zh-CN" sz="1200" b="0" i="0" u="none" strike="noStrike" kern="1200" baseline="0" dirty="0" smtClean="0">
+              <a:t>1. Type </a:t>
+            </a:r>
+            <a:r>
+              <a:rPr lang="en-US" altLang="zh-CN" sz="1200" b="0" i="1" u="none" strike="noStrike" kern="1200" baseline="0" dirty="0" smtClean="0">
                 <a:solidFill>
                   <a:schemeClr val="tx1"/>
                 </a:solidFill>
@@ -5353,10 +5542,8 @@
                 <a:ea typeface="+mn-ea"/>
                 <a:cs typeface="+mn-cs"/>
               </a:rPr>
-              <a:t>accordingly,</a:t>
-            </a:r>
-          </a:p>
-          <a:p>
+              <a:t>"go </a:t>
+            </a:r>
             <a:r>
               <a:rPr lang="en-US" altLang="zh-CN" sz="1200" b="0" i="0" u="none" strike="noStrike" kern="1200" baseline="0" dirty="0" smtClean="0">
                 <a:solidFill>
@@ -5366,10 +5553,10 @@
                 <a:ea typeface="+mn-ea"/>
                 <a:cs typeface="+mn-cs"/>
               </a:rPr>
-              <a:t>2. Type "go false" and the system follows the ELSE alternative changing </a:t>
-            </a:r>
-            <a:r>
-              <a:rPr lang="en-US" altLang="zh-CN" sz="1200" b="0" i="1" u="none" strike="noStrike" kern="1200" baseline="0" dirty="0" smtClean="0">
+              <a:t>true" and the system follows the </a:t>
+            </a:r>
+            <a:r>
+              <a:rPr lang="en-US" altLang="zh-CN" sz="1200" b="0" i="0" u="none" strike="noStrike" kern="1200" baseline="0" smtClean="0">
                 <a:solidFill>
                   <a:schemeClr val="tx1"/>
                 </a:solidFill>
@@ -5377,10 +5564,10 @@
                 <a:ea typeface="+mn-ea"/>
                 <a:cs typeface="+mn-cs"/>
               </a:rPr>
-              <a:t>pc </a:t>
-            </a:r>
-            <a:r>
-              <a:rPr lang="en-US" altLang="zh-CN" sz="1200" b="0" i="0" u="none" strike="noStrike" kern="1200" baseline="0" dirty="0" smtClean="0">
+              <a:t>THEN </a:t>
+            </a:r>
+            <a:r>
+              <a:rPr lang="en-US" altLang="zh-CN" sz="1200" b="0" i="0" u="none" strike="noStrike" kern="1200" baseline="0" smtClean="0">
                 <a:solidFill>
                   <a:schemeClr val="tx1"/>
                 </a:solidFill>
@@ -5388,10 +5575,8 @@
                 <a:ea typeface="+mn-ea"/>
                 <a:cs typeface="+mn-cs"/>
               </a:rPr>
-              <a:t>accordingly, or</a:t>
-            </a:r>
-          </a:p>
-          <a:p>
+              <a:t>branch </a:t>
+            </a:r>
             <a:r>
               <a:rPr lang="en-US" altLang="zh-CN" sz="1200" b="0" i="0" u="none" strike="noStrike" kern="1200" baseline="0" dirty="0" smtClean="0">
                 <a:solidFill>
@@ -5401,12 +5586,10 @@
                 <a:ea typeface="+mn-ea"/>
                 <a:cs typeface="+mn-cs"/>
               </a:rPr>
-              <a:t>3. Type "a</a:t>
-            </a:r>
-          </a:p>
-          <a:p>
-            <a:r>
-              <a:rPr lang="en-US" altLang="zh-CN" sz="1200" b="0" i="0" u="none" strike="noStrike" kern="1200" baseline="0" dirty="0" smtClean="0">
+              <a:t>changing </a:t>
+            </a:r>
+            <a:r>
+              <a:rPr lang="en-US" altLang="zh-CN" sz="1200" b="0" i="1" u="none" strike="noStrike" kern="1200" baseline="0" dirty="0" smtClean="0">
                 <a:solidFill>
                   <a:schemeClr val="tx1"/>
                 </a:solidFill>
@@ -5414,10 +5597,10 @@
                 <a:ea typeface="+mn-ea"/>
                 <a:cs typeface="+mn-cs"/>
               </a:rPr>
-              <a:t>In the third form P is a predicate which is first </a:t>
-            </a:r>
-            <a:r>
-              <a:rPr lang="en-US" altLang="zh-CN" sz="1200" b="0" i="1" u="none" strike="noStrike" kern="1200" baseline="0" dirty="0" smtClean="0">
+              <a:t>pc </a:t>
+            </a:r>
+            <a:r>
+              <a:rPr lang="en-US" altLang="zh-CN" sz="1200" b="0" i="0" u="none" strike="noStrike" kern="1200" baseline="0" dirty="0" smtClean="0">
                 <a:solidFill>
                   <a:schemeClr val="tx1"/>
                 </a:solidFill>
@@ -5425,8 +5608,10 @@
                 <a:ea typeface="+mn-ea"/>
                 <a:cs typeface="+mn-cs"/>
               </a:rPr>
-              <a:t>evaluated </a:t>
-            </a:r>
+              <a:t>accordingly,</a:t>
+            </a:r>
+          </a:p>
+          <a:p>
             <a:r>
               <a:rPr lang="en-US" altLang="zh-CN" sz="1200" b="0" i="0" u="none" strike="noStrike" kern="1200" baseline="0" dirty="0" smtClean="0">
                 <a:solidFill>
@@ -5436,10 +5621,10 @@
                 <a:ea typeface="+mn-ea"/>
                 <a:cs typeface="+mn-cs"/>
               </a:rPr>
-              <a:t>using the current values of program variables and then added (conjoined) to the path condition </a:t>
-            </a:r>
-            <a:r>
-              <a:rPr lang="en-US" altLang="zh-CN" sz="1200" b="0" i="1" u="none" strike="noStrike" kern="1200" baseline="0" dirty="0" smtClean="0">
+              <a:t>2. Type "go false" and the system follows the </a:t>
+            </a:r>
+            <a:r>
+              <a:rPr lang="en-US" altLang="zh-CN" sz="1200" b="0" i="0" u="none" strike="noStrike" kern="1200" baseline="0" smtClean="0">
                 <a:solidFill>
                   <a:schemeClr val="tx1"/>
                 </a:solidFill>
@@ -5447,10 +5632,10 @@
                 <a:ea typeface="+mn-ea"/>
                 <a:cs typeface="+mn-cs"/>
               </a:rPr>
-              <a:t>(pc). </a:t>
-            </a:r>
-            <a:r>
-              <a:rPr lang="en-US" altLang="zh-CN" sz="1200" b="0" i="0" u="none" strike="noStrike" kern="1200" baseline="0" dirty="0" smtClean="0">
+              <a:t>ELSE </a:t>
+            </a:r>
+            <a:r>
+              <a:rPr lang="en-US" altLang="zh-CN" sz="1200" b="0" i="0" u="none" strike="noStrike" kern="1200" baseline="0" smtClean="0">
                 <a:solidFill>
                   <a:schemeClr val="tx1"/>
                 </a:solidFill>
@@ -5458,10 +5643,8 @@
                 <a:ea typeface="+mn-ea"/>
                 <a:cs typeface="+mn-cs"/>
               </a:rPr>
-              <a:t>The</a:t>
-            </a:r>
-          </a:p>
-          <a:p>
+              <a:t>branch </a:t>
+            </a:r>
             <a:r>
               <a:rPr lang="en-US" altLang="zh-CN" sz="1200" b="0" i="0" u="none" strike="noStrike" kern="1200" baseline="0" dirty="0" smtClean="0">
                 <a:solidFill>
@@ -5471,7 +5654,7 @@
                 <a:ea typeface="+mn-ea"/>
                 <a:cs typeface="+mn-cs"/>
               </a:rPr>
-              <a:t>"go" in this case directs the system to re-execute the IF statement using the modified </a:t>
+              <a:t>changing </a:t>
             </a:r>
             <a:r>
               <a:rPr lang="en-US" altLang="zh-CN" sz="1200" b="0" i="1" u="none" strike="noStrike" kern="1200" baseline="0" dirty="0" smtClean="0">
@@ -5482,7 +5665,7 @@
                 <a:ea typeface="+mn-ea"/>
                 <a:cs typeface="+mn-cs"/>
               </a:rPr>
-              <a:t>pc and a</a:t>
+              <a:t>pc </a:t>
             </a:r>
             <a:r>
               <a:rPr lang="en-US" altLang="zh-CN" sz="1200" b="0" i="0" u="none" strike="noStrike" kern="1200" baseline="0" dirty="0" smtClean="0">
@@ -5493,8 +5676,206 @@
                 <a:ea typeface="+mn-ea"/>
                 <a:cs typeface="+mn-cs"/>
               </a:rPr>
-              <a:t>ssume (P); go".</a:t>
-            </a:r>
+              <a:t>accordingly, or</a:t>
+            </a:r>
+          </a:p>
+          <a:p>
+            <a:r>
+              <a:rPr lang="en-US" altLang="zh-CN" sz="1200" b="0" i="0" u="none" strike="noStrike" kern="1200" baseline="0" dirty="0" smtClean="0">
+                <a:solidFill>
+                  <a:schemeClr val="tx1"/>
+                </a:solidFill>
+                <a:latin typeface="+mn-lt"/>
+                <a:ea typeface="+mn-ea"/>
+                <a:cs typeface="+mn-cs"/>
+              </a:rPr>
+              <a:t>3. Type </a:t>
+            </a:r>
+            <a:r>
+              <a:rPr lang="en-US" altLang="zh-CN" sz="1200" b="0" i="0" u="none" strike="noStrike" kern="1200" baseline="0" smtClean="0">
+                <a:solidFill>
+                  <a:schemeClr val="tx1"/>
+                </a:solidFill>
+                <a:latin typeface="+mn-lt"/>
+                <a:ea typeface="+mn-ea"/>
+                <a:cs typeface="+mn-cs"/>
+              </a:rPr>
+              <a:t>"</a:t>
+            </a:r>
+            <a:r>
+              <a:rPr lang="en-US" altLang="zh-CN" sz="1200" b="0" i="0" u="none" strike="noStrike" kern="1200" baseline="0" smtClean="0">
+                <a:solidFill>
+                  <a:schemeClr val="tx1"/>
+                </a:solidFill>
+                <a:latin typeface="+mn-lt"/>
+                <a:ea typeface="+mn-ea"/>
+                <a:cs typeface="+mn-cs"/>
+              </a:rPr>
+              <a:t>assume(P)”</a:t>
+            </a:r>
+            <a:endParaRPr lang="en-US" altLang="zh-CN" sz="1200" b="0" i="0" u="none" strike="noStrike" kern="1200" baseline="0" dirty="0" smtClean="0">
+              <a:solidFill>
+                <a:schemeClr val="tx1"/>
+              </a:solidFill>
+              <a:latin typeface="+mn-lt"/>
+              <a:ea typeface="+mn-ea"/>
+              <a:cs typeface="+mn-cs"/>
+            </a:endParaRPr>
+          </a:p>
+          <a:p>
+            <a:r>
+              <a:rPr lang="en-US" altLang="zh-CN" sz="1200" b="0" i="0" u="none" strike="noStrike" kern="1200" baseline="0" dirty="0" smtClean="0">
+                <a:solidFill>
+                  <a:schemeClr val="tx1"/>
+                </a:solidFill>
+                <a:latin typeface="+mn-lt"/>
+                <a:ea typeface="+mn-ea"/>
+                <a:cs typeface="+mn-cs"/>
+              </a:rPr>
+              <a:t>In the third form P is a predicate which is first </a:t>
+            </a:r>
+            <a:r>
+              <a:rPr lang="en-US" altLang="zh-CN" sz="1200" b="0" i="1" u="none" strike="noStrike" kern="1200" baseline="0" dirty="0" smtClean="0">
+                <a:solidFill>
+                  <a:schemeClr val="tx1"/>
+                </a:solidFill>
+                <a:latin typeface="+mn-lt"/>
+                <a:ea typeface="+mn-ea"/>
+                <a:cs typeface="+mn-cs"/>
+              </a:rPr>
+              <a:t>evaluated </a:t>
+            </a:r>
+            <a:r>
+              <a:rPr lang="en-US" altLang="zh-CN" sz="1200" b="0" i="0" u="none" strike="noStrike" kern="1200" baseline="0" dirty="0" smtClean="0">
+                <a:solidFill>
+                  <a:schemeClr val="tx1"/>
+                </a:solidFill>
+                <a:latin typeface="+mn-lt"/>
+                <a:ea typeface="+mn-ea"/>
+                <a:cs typeface="+mn-cs"/>
+              </a:rPr>
+              <a:t>using the current values of program variables and then </a:t>
+            </a:r>
+            <a:r>
+              <a:rPr lang="en-US" altLang="zh-CN" sz="1200" b="0" i="0" u="none" strike="noStrike" kern="1200" baseline="0" smtClean="0">
+                <a:solidFill>
+                  <a:schemeClr val="tx1"/>
+                </a:solidFill>
+                <a:latin typeface="+mn-lt"/>
+                <a:ea typeface="+mn-ea"/>
+                <a:cs typeface="+mn-cs"/>
+              </a:rPr>
+              <a:t>added </a:t>
+            </a:r>
+            <a:r>
+              <a:rPr lang="en-US" altLang="zh-CN" sz="1200" b="0" i="0" u="none" strike="noStrike" kern="1200" baseline="0" smtClean="0">
+                <a:solidFill>
+                  <a:schemeClr val="tx1"/>
+                </a:solidFill>
+                <a:latin typeface="+mn-lt"/>
+                <a:ea typeface="+mn-ea"/>
+                <a:cs typeface="+mn-cs"/>
+              </a:rPr>
+              <a:t>to </a:t>
+            </a:r>
+            <a:r>
+              <a:rPr lang="en-US" altLang="zh-CN" sz="1200" b="0" i="0" u="none" strike="noStrike" kern="1200" baseline="0" smtClean="0">
+                <a:solidFill>
+                  <a:schemeClr val="tx1"/>
+                </a:solidFill>
+                <a:latin typeface="+mn-lt"/>
+                <a:ea typeface="+mn-ea"/>
+                <a:cs typeface="+mn-cs"/>
+              </a:rPr>
+              <a:t>the </a:t>
+            </a:r>
+            <a:r>
+              <a:rPr lang="en-US" altLang="zh-CN" sz="1200" b="0" i="0" u="none" strike="noStrike" kern="1200" baseline="0" smtClean="0">
+                <a:solidFill>
+                  <a:schemeClr val="tx1"/>
+                </a:solidFill>
+                <a:latin typeface="+mn-lt"/>
+                <a:ea typeface="+mn-ea"/>
+                <a:cs typeface="+mn-cs"/>
+              </a:rPr>
+              <a:t>pc. </a:t>
+            </a:r>
+          </a:p>
+          <a:p>
+            <a:r>
+              <a:rPr lang="en-US" altLang="zh-CN" sz="1200" b="0" i="0" u="none" strike="noStrike" kern="1200" baseline="0" smtClean="0">
+                <a:solidFill>
+                  <a:schemeClr val="tx1"/>
+                </a:solidFill>
+                <a:latin typeface="+mn-lt"/>
+                <a:ea typeface="+mn-ea"/>
+                <a:cs typeface="+mn-cs"/>
+              </a:rPr>
+              <a:t>And the </a:t>
+            </a:r>
+            <a:r>
+              <a:rPr lang="en-US" altLang="zh-CN" sz="1200" b="0" i="0" u="none" strike="noStrike" kern="1200" baseline="0" smtClean="0">
+                <a:solidFill>
+                  <a:schemeClr val="tx1"/>
+                </a:solidFill>
+                <a:latin typeface="+mn-lt"/>
+                <a:ea typeface="+mn-ea"/>
+                <a:cs typeface="+mn-cs"/>
+              </a:rPr>
+              <a:t>system </a:t>
+            </a:r>
+            <a:r>
+              <a:rPr lang="en-US" altLang="zh-CN" sz="1200" b="0" i="0" u="none" strike="noStrike" kern="1200" baseline="0" smtClean="0">
+                <a:solidFill>
+                  <a:schemeClr val="tx1"/>
+                </a:solidFill>
+                <a:latin typeface="+mn-lt"/>
+                <a:ea typeface="+mn-ea"/>
+                <a:cs typeface="+mn-cs"/>
+              </a:rPr>
+              <a:t>will </a:t>
+            </a:r>
+            <a:r>
+              <a:rPr lang="en-US" altLang="zh-CN" sz="1200" b="0" i="0" u="none" strike="noStrike" kern="1200" baseline="0" dirty="0" smtClean="0">
+                <a:solidFill>
+                  <a:schemeClr val="tx1"/>
+                </a:solidFill>
+                <a:latin typeface="+mn-lt"/>
+                <a:ea typeface="+mn-ea"/>
+                <a:cs typeface="+mn-cs"/>
+              </a:rPr>
+              <a:t>re-execute the IF statement using the </a:t>
+            </a:r>
+            <a:r>
+              <a:rPr lang="en-US" altLang="zh-CN" sz="1200" b="0" i="0" u="none" strike="noStrike" kern="1200" baseline="0" smtClean="0">
+                <a:solidFill>
+                  <a:schemeClr val="tx1"/>
+                </a:solidFill>
+                <a:latin typeface="+mn-lt"/>
+                <a:ea typeface="+mn-ea"/>
+                <a:cs typeface="+mn-cs"/>
+              </a:rPr>
+              <a:t>modified </a:t>
+            </a:r>
+            <a:r>
+              <a:rPr lang="en-US" altLang="zh-CN" sz="1200" b="0" i="1" u="none" strike="noStrike" kern="1200" baseline="0" smtClean="0">
+                <a:solidFill>
+                  <a:schemeClr val="tx1"/>
+                </a:solidFill>
+                <a:latin typeface="+mn-lt"/>
+                <a:ea typeface="+mn-ea"/>
+                <a:cs typeface="+mn-cs"/>
+              </a:rPr>
+              <a:t>pc.</a:t>
+            </a:r>
+            <a:endParaRPr lang="en-US" altLang="zh-CN" sz="1200" b="0" i="0" u="none" strike="noStrike" kern="1200" baseline="0" dirty="0" smtClean="0">
+              <a:solidFill>
+                <a:schemeClr val="tx1"/>
+              </a:solidFill>
+              <a:latin typeface="+mn-lt"/>
+              <a:ea typeface="+mn-ea"/>
+              <a:cs typeface="+mn-cs"/>
+            </a:endParaRPr>
           </a:p>
           <a:p>
             <a:endParaRPr lang="en-US" altLang="zh-CN" sz="1200" b="0" i="0" u="none" strike="noStrike" kern="1200" baseline="0" dirty="0" smtClean="0">
@@ -5804,7 +6185,7 @@
     </p:spTree>
     <p:extLst>
       <p:ext uri="{BB962C8B-B14F-4D97-AF65-F5344CB8AC3E}">
-        <p14:creationId xmlns:p14="http://schemas.microsoft.com/office/powerpoint/2010/main" val="460262719"/>
+        <p14:creationId xmlns:p14="http://schemas.microsoft.com/office/powerpoint/2010/main" xmlns="" val="460262719"/>
       </p:ext>
     </p:extLst>
   </p:cSld>
@@ -5893,8 +6274,108 @@
                 <a:ea typeface="+mn-ea"/>
                 <a:cs typeface="+mn-cs"/>
               </a:rPr>
-              <a:t>For example, the user could invoke a procedure SUM for testing by:</a:t>
-            </a:r>
+              <a:t>For example, the user could invoke a procedure SUM for testing </a:t>
+            </a:r>
+            <a:r>
+              <a:rPr lang="en-US" altLang="zh-CN" sz="1200" b="0" i="0" u="none" strike="noStrike" kern="1200" baseline="0" smtClean="0">
+                <a:solidFill>
+                  <a:schemeClr val="tx1"/>
+                </a:solidFill>
+                <a:latin typeface="+mn-lt"/>
+                <a:ea typeface="+mn-ea"/>
+                <a:cs typeface="+mn-cs"/>
+              </a:rPr>
+              <a:t>by</a:t>
+            </a:r>
+            <a:r>
+              <a:rPr lang="en-US" altLang="zh-CN" sz="1200" b="0" i="0" u="none" strike="noStrike" kern="1200" baseline="0" smtClean="0">
+                <a:solidFill>
+                  <a:schemeClr val="tx1"/>
+                </a:solidFill>
+                <a:latin typeface="+mn-lt"/>
+                <a:ea typeface="+mn-ea"/>
+                <a:cs typeface="+mn-cs"/>
+              </a:rPr>
+              <a:t>:</a:t>
+            </a:r>
+          </a:p>
+          <a:p>
+            <a:pPr marL="0" marR="0" indent="0" algn="l" defTabSz="914400" rtl="0" eaLnBrk="1" fontAlgn="auto" latinLnBrk="0" hangingPunct="1">
+              <a:lnSpc>
+                <a:spcPct val="100000"/>
+              </a:lnSpc>
+              <a:spcBef>
+                <a:spcPts val="0"/>
+              </a:spcBef>
+              <a:spcAft>
+                <a:spcPts val="0"/>
+              </a:spcAft>
+              <a:buClrTx/>
+              <a:buSzTx/>
+              <a:buFontTx/>
+              <a:buNone/>
+              <a:tabLst/>
+              <a:defRPr/>
+            </a:pPr>
+            <a:r>
+              <a:rPr lang="en-US" altLang="zh-CN" sz="1200" smtClean="0"/>
+              <a:t>Normal execution over integers</a:t>
+            </a:r>
+            <a:endParaRPr lang="zh-CN" altLang="en-US" sz="1200" smtClean="0"/>
+          </a:p>
+          <a:p>
+            <a:pPr marL="0" marR="0" indent="0" algn="l" defTabSz="914400" rtl="0" eaLnBrk="1" fontAlgn="auto" latinLnBrk="0" hangingPunct="1">
+              <a:lnSpc>
+                <a:spcPct val="100000"/>
+              </a:lnSpc>
+              <a:spcBef>
+                <a:spcPts val="0"/>
+              </a:spcBef>
+              <a:spcAft>
+                <a:spcPts val="0"/>
+              </a:spcAft>
+              <a:buClrTx/>
+              <a:buSzTx/>
+              <a:buFontTx/>
+              <a:buNone/>
+              <a:tabLst/>
+              <a:defRPr/>
+            </a:pPr>
+            <a:r>
+              <a:rPr lang="en-US" altLang="zh-CN" sz="1200" smtClean="0"/>
+              <a:t>Symbolic execution using the symbols A, B, and</a:t>
+            </a:r>
+            <a:r>
+              <a:rPr lang="en-US" altLang="zh-CN" sz="1200" baseline="0" smtClean="0"/>
+              <a:t> C</a:t>
+            </a:r>
+            <a:endParaRPr lang="zh-CN" altLang="en-US" sz="1200" smtClean="0"/>
+          </a:p>
+          <a:p>
+            <a:pPr marL="0" marR="0" indent="0" algn="l" defTabSz="914400" rtl="0" eaLnBrk="1" fontAlgn="auto" latinLnBrk="0" hangingPunct="1">
+              <a:lnSpc>
+                <a:spcPct val="100000"/>
+              </a:lnSpc>
+              <a:spcBef>
+                <a:spcPts val="0"/>
+              </a:spcBef>
+              <a:spcAft>
+                <a:spcPts val="0"/>
+              </a:spcAft>
+              <a:buClrTx/>
+              <a:buSzTx/>
+              <a:buFontTx/>
+              <a:buNone/>
+              <a:tabLst/>
+              <a:defRPr/>
+            </a:pPr>
+            <a:r>
+              <a:rPr lang="en-US" altLang="zh-CN" sz="1200" smtClean="0"/>
+              <a:t>Or a combination</a:t>
+            </a:r>
+            <a:endParaRPr lang="zh-CN" altLang="en-US" sz="1200" smtClean="0"/>
+          </a:p>
+          <a:p>
             <a:endParaRPr lang="zh-CN" altLang="en-US" dirty="0"/>
           </a:p>
         </p:txBody>
@@ -5926,7 +6407,7 @@
     </p:spTree>
     <p:extLst>
       <p:ext uri="{BB962C8B-B14F-4D97-AF65-F5344CB8AC3E}">
-        <p14:creationId xmlns:p14="http://schemas.microsoft.com/office/powerpoint/2010/main" val="185003115"/>
+        <p14:creationId xmlns:p14="http://schemas.microsoft.com/office/powerpoint/2010/main" xmlns="" val="185003115"/>
       </p:ext>
     </p:extLst>
   </p:cSld>
@@ -6012,12 +6493,10 @@
                 <a:ea typeface="+mn-ea"/>
                 <a:cs typeface="+mn-cs"/>
               </a:rPr>
-              <a:t>The program SEARCH was written to perform a binary search for an argument X in an array A of elements stored in ascending order. </a:t>
-            </a:r>
-          </a:p>
-          <a:p>
-            <a:r>
-              <a:rPr lang="en-US" altLang="zh-CN" sz="1200" b="0" i="0" u="none" strike="noStrike" kern="1200" baseline="0" dirty="0" smtClean="0">
+              <a:t>The program SEARCH was written to perform a binary search for </a:t>
+            </a:r>
+            <a:r>
+              <a:rPr lang="en-US" altLang="zh-CN" sz="1200" b="0" i="0" u="none" strike="noStrike" kern="1200" baseline="0" smtClean="0">
                 <a:solidFill>
                   <a:schemeClr val="tx1"/>
                 </a:solidFill>
@@ -6025,12 +6504,10 @@
                 <a:ea typeface="+mn-ea"/>
                 <a:cs typeface="+mn-cs"/>
               </a:rPr>
-              <a:t>The search is confined to the array elements with subscripts from L up to and including U.</a:t>
-            </a:r>
-          </a:p>
-          <a:p>
-            <a:r>
-              <a:rPr lang="en-US" altLang="zh-CN" sz="1200" b="0" i="0" u="none" strike="noStrike" kern="1200" baseline="0" dirty="0" smtClean="0">
+              <a:t>an </a:t>
+            </a:r>
+            <a:r>
+              <a:rPr lang="en-US" altLang="zh-CN" sz="1200" b="0" i="0" u="none" strike="noStrike" kern="1200" baseline="0" smtClean="0">
                 <a:solidFill>
                   <a:schemeClr val="tx1"/>
                 </a:solidFill>
@@ -6038,10 +6515,8 @@
                 <a:ea typeface="+mn-ea"/>
                 <a:cs typeface="+mn-cs"/>
               </a:rPr>
-              <a:t>If a match is found, the subscript value of the array element matching X is returned in J and FOUND is set to 1. </a:t>
-            </a:r>
-          </a:p>
-          <a:p>
+              <a:t>argument </a:t>
+            </a:r>
             <a:r>
               <a:rPr lang="en-US" altLang="zh-CN" sz="1200" b="0" i="0" u="none" strike="noStrike" kern="1200" baseline="0" dirty="0" smtClean="0">
                 <a:solidFill>
@@ -6051,7 +6526,109 @@
                 <a:ea typeface="+mn-ea"/>
                 <a:cs typeface="+mn-cs"/>
               </a:rPr>
-              <a:t>Otherwise, FOUND is set to 0 and J is set to the value such that A(J) &lt; X &lt; A(J-4-1).</a:t>
+              <a:t>X in </a:t>
+            </a:r>
+            <a:r>
+              <a:rPr lang="en-US" altLang="zh-CN" sz="1200" b="0" i="0" u="none" strike="noStrike" kern="1200" baseline="0" smtClean="0">
+                <a:solidFill>
+                  <a:schemeClr val="tx1"/>
+                </a:solidFill>
+                <a:latin typeface="+mn-lt"/>
+                <a:ea typeface="+mn-ea"/>
+                <a:cs typeface="+mn-cs"/>
+              </a:rPr>
+              <a:t>an </a:t>
+            </a:r>
+            <a:r>
+              <a:rPr lang="en-US" altLang="zh-CN" sz="1200" b="0" i="0" u="none" strike="noStrike" kern="1200" baseline="0" smtClean="0">
+                <a:solidFill>
+                  <a:schemeClr val="tx1"/>
+                </a:solidFill>
+                <a:latin typeface="+mn-lt"/>
+                <a:ea typeface="+mn-ea"/>
+                <a:cs typeface="+mn-cs"/>
+              </a:rPr>
+              <a:t>ascending-order array A. </a:t>
+            </a:r>
+            <a:endParaRPr lang="en-US" altLang="zh-CN" sz="1200" b="0" i="0" u="none" strike="noStrike" kern="1200" baseline="0" dirty="0" smtClean="0">
+              <a:solidFill>
+                <a:schemeClr val="tx1"/>
+              </a:solidFill>
+              <a:latin typeface="+mn-lt"/>
+              <a:ea typeface="+mn-ea"/>
+              <a:cs typeface="+mn-cs"/>
+            </a:endParaRPr>
+          </a:p>
+          <a:p>
+            <a:r>
+              <a:rPr lang="en-US" altLang="zh-CN" sz="1200" b="0" i="0" u="none" strike="noStrike" kern="1200" baseline="0" dirty="0" smtClean="0">
+                <a:solidFill>
+                  <a:schemeClr val="tx1"/>
+                </a:solidFill>
+                <a:latin typeface="+mn-lt"/>
+                <a:ea typeface="+mn-ea"/>
+                <a:cs typeface="+mn-cs"/>
+              </a:rPr>
+              <a:t>The search is confined to the array elements with subscripts from L up to and including U.</a:t>
+            </a:r>
+          </a:p>
+          <a:p>
+            <a:r>
+              <a:rPr lang="en-US" altLang="zh-CN" sz="1200" b="0" i="0" u="none" strike="noStrike" kern="1200" baseline="0" dirty="0" smtClean="0">
+                <a:solidFill>
+                  <a:schemeClr val="tx1"/>
+                </a:solidFill>
+                <a:latin typeface="+mn-lt"/>
+                <a:ea typeface="+mn-ea"/>
+                <a:cs typeface="+mn-cs"/>
+              </a:rPr>
+              <a:t>If a match is found, the subscript value of the array element matching X is returned in J and FOUND is set to 1. </a:t>
+            </a:r>
+          </a:p>
+          <a:p>
+            <a:r>
+              <a:rPr lang="en-US" altLang="zh-CN" sz="1200" b="0" i="0" u="none" strike="noStrike" kern="1200" baseline="0" dirty="0" smtClean="0">
+                <a:solidFill>
+                  <a:schemeClr val="tx1"/>
+                </a:solidFill>
+                <a:latin typeface="+mn-lt"/>
+                <a:ea typeface="+mn-ea"/>
+                <a:cs typeface="+mn-cs"/>
+              </a:rPr>
+              <a:t>Otherwise, FOUND is set to 0 and J is set to the value such that A(J) &lt; X </a:t>
+            </a:r>
+            <a:r>
+              <a:rPr lang="en-US" altLang="zh-CN" sz="1200" b="0" i="0" u="none" strike="noStrike" kern="1200" baseline="0" smtClean="0">
+                <a:solidFill>
+                  <a:schemeClr val="tx1"/>
+                </a:solidFill>
+                <a:latin typeface="+mn-lt"/>
+                <a:ea typeface="+mn-ea"/>
+                <a:cs typeface="+mn-cs"/>
+              </a:rPr>
+              <a:t>&lt; </a:t>
+            </a:r>
+            <a:r>
+              <a:rPr lang="en-US" altLang="zh-CN" sz="1200" b="0" i="0" u="none" strike="noStrike" kern="1200" baseline="0" smtClean="0">
+                <a:solidFill>
+                  <a:schemeClr val="tx1"/>
+                </a:solidFill>
+                <a:latin typeface="+mn-lt"/>
+                <a:ea typeface="+mn-ea"/>
+                <a:cs typeface="+mn-cs"/>
+              </a:rPr>
+              <a:t>A(J+1</a:t>
+            </a:r>
+            <a:r>
+              <a:rPr lang="en-US" altLang="zh-CN" sz="1200" b="0" i="0" u="none" strike="noStrike" kern="1200" baseline="0" dirty="0" smtClean="0">
+                <a:solidFill>
+                  <a:schemeClr val="tx1"/>
+                </a:solidFill>
+                <a:latin typeface="+mn-lt"/>
+                <a:ea typeface="+mn-ea"/>
+                <a:cs typeface="+mn-cs"/>
+              </a:rPr>
+              <a:t>).</a:t>
             </a:r>
           </a:p>
         </p:txBody>
@@ -6083,7 +6660,7 @@
     </p:spTree>
     <p:extLst>
       <p:ext uri="{BB962C8B-B14F-4D97-AF65-F5344CB8AC3E}">
-        <p14:creationId xmlns:p14="http://schemas.microsoft.com/office/powerpoint/2010/main" val="462431845"/>
+        <p14:creationId xmlns:p14="http://schemas.microsoft.com/office/powerpoint/2010/main" xmlns="" val="462431845"/>
       </p:ext>
     </p:extLst>
   </p:cSld>
@@ -6158,11 +6735,7 @@
             </a:r>
             <a:r>
               <a:rPr lang="en-US" altLang="zh-CN" dirty="0" smtClean="0"/>
-              <a:t>daily life to </a:t>
-            </a:r>
-            <a:r>
-              <a:rPr lang="en-US" altLang="zh-CN" dirty="0" smtClean="0"/>
-              <a:t>medical treatment,</a:t>
+              <a:t>daily life to medical treatment,</a:t>
             </a:r>
             <a:r>
               <a:rPr lang="en-US" altLang="zh-CN" baseline="0" dirty="0" smtClean="0"/>
@@ -6203,7 +6776,7 @@
     </p:spTree>
     <p:extLst>
       <p:ext uri="{BB962C8B-B14F-4D97-AF65-F5344CB8AC3E}">
-        <p14:creationId xmlns:p14="http://schemas.microsoft.com/office/powerpoint/2010/main" val="3675417392"/>
+        <p14:creationId xmlns:p14="http://schemas.microsoft.com/office/powerpoint/2010/main" xmlns="" val="3675417392"/>
       </p:ext>
     </p:extLst>
   </p:cSld>
@@ -6258,7 +6831,7 @@
           <a:lstStyle/>
           <a:p>
             <a:r>
-              <a:rPr lang="en-US" altLang="zh-CN" sz="1200" b="0" i="0" u="none" strike="noStrike" kern="1200" baseline="0" dirty="0" smtClean="0">
+              <a:rPr lang="en-US" altLang="zh-CN" sz="1200" b="0" i="0" u="none" strike="noStrike" kern="1200" baseline="0" smtClean="0">
                 <a:solidFill>
                   <a:schemeClr val="tx1"/>
                 </a:solidFill>
@@ -6266,17 +6839,17 @@
                 <a:ea typeface="+mn-ea"/>
                 <a:cs typeface="+mn-cs"/>
               </a:rPr>
-              <a:t>The first test of SEARCH might take the form: CALL SEARCH (A, </a:t>
-            </a:r>
-            <a:r>
-              <a:rPr lang="en-US" altLang="zh-CN" sz="1200" b="0" dirty="0" smtClean="0">
+              <a:t>The test of SEARCH might take the form: CALL SEARCH (A, </a:t>
+            </a:r>
+            <a:r>
+              <a:rPr lang="en-US" altLang="zh-CN" sz="1200" b="0" smtClean="0">
                 <a:latin typeface="Times New Roman" pitchFamily="18" charset="0"/>
                 <a:cs typeface="Times New Roman" pitchFamily="18" charset="0"/>
               </a:rPr>
               <a:t>1,  5</a:t>
             </a:r>
             <a:r>
-              <a:rPr lang="en-US" altLang="zh-CN" sz="1200" b="0" i="0" u="none" strike="noStrike" kern="1200" baseline="0" dirty="0" smtClean="0">
+              <a:rPr lang="en-US" altLang="zh-CN" sz="1200" b="0" i="0" u="none" strike="noStrike" kern="1200" baseline="0" smtClean="0">
                 <a:solidFill>
                   <a:schemeClr val="tx1"/>
                 </a:solidFill>
@@ -6289,7 +6862,7 @@
           </a:p>
           <a:p>
             <a:r>
-              <a:rPr lang="en-US" altLang="zh-CN" sz="1200" b="0" i="0" u="none" strike="noStrike" kern="1200" baseline="0" dirty="0" smtClean="0">
+              <a:rPr lang="en-US" altLang="zh-CN" sz="1200" b="0" i="0" u="none" strike="noStrike" kern="1200" baseline="0" smtClean="0">
                 <a:solidFill>
                   <a:schemeClr val="tx1"/>
                 </a:solidFill>
@@ -6297,12 +6870,12 @@
                 <a:ea typeface="+mn-ea"/>
                 <a:cs typeface="+mn-cs"/>
               </a:rPr>
-              <a:t>Assume the elements of the array A, A(1), A ( 2 ) , . . . , A(5), have been set to symbolic values "A(1)", "A(2)", . . , "A(5)", respectively. </a:t>
-            </a:r>
-          </a:p>
-          <a:p>
-            <a:r>
-              <a:rPr lang="en-US" altLang="zh-CN" sz="1200" b="0" i="0" u="none" strike="noStrike" kern="1200" baseline="0" dirty="0" smtClean="0">
+              <a:t>Assume the elements of the array have been set to symbolic values "A(1)", "A(2)", . . , "A(5)". </a:t>
+            </a:r>
+          </a:p>
+          <a:p>
+            <a:r>
+              <a:rPr lang="en-US" altLang="zh-CN" sz="1200" b="0" i="0" u="none" strike="noStrike" kern="1200" baseline="0" smtClean="0">
                 <a:solidFill>
                   <a:schemeClr val="tx1"/>
                 </a:solidFill>
@@ -6314,7 +6887,7 @@
             </a:r>
           </a:p>
           <a:p>
-            <a:endParaRPr lang="en-US" altLang="zh-CN" sz="1200" b="0" i="0" u="none" strike="noStrike" kern="1200" baseline="0" dirty="0" smtClean="0">
+            <a:endParaRPr lang="en-US" altLang="zh-CN" sz="1200" b="0" i="0" u="none" strike="noStrike" kern="1200" baseline="0" smtClean="0">
               <a:solidFill>
                 <a:schemeClr val="tx1"/>
               </a:solidFill>
@@ -6325,7 +6898,7 @@
           </a:p>
           <a:p>
             <a:r>
-              <a:rPr lang="en-US" altLang="zh-CN" sz="1200" b="0" i="0" u="none" strike="noStrike" kern="1200" baseline="0" dirty="0" smtClean="0">
+              <a:rPr lang="en-US" altLang="zh-CN" sz="1200" b="0" i="0" u="none" strike="noStrike" kern="1200" baseline="0" smtClean="0">
                 <a:solidFill>
                   <a:schemeClr val="tx1"/>
                 </a:solidFill>
@@ -6333,12 +6906,12 @@
                 <a:ea typeface="+mn-ea"/>
                 <a:cs typeface="+mn-cs"/>
               </a:rPr>
-              <a:t>Symbolic execution will proceed until statement, at which point the user is asked whether or not "X" = "A(3)". </a:t>
-            </a:r>
-          </a:p>
-          <a:p>
-            <a:r>
-              <a:rPr lang="en-US" altLang="zh-CN" sz="1200" b="0" i="0" u="none" strike="noStrike" kern="1200" baseline="0" dirty="0" smtClean="0">
+              <a:t>Symbolic execution will proceed until statement 7, at which point the user is asked whether or not "X" = "A(3)". </a:t>
+            </a:r>
+          </a:p>
+          <a:p>
+            <a:r>
+              <a:rPr lang="en-US" altLang="zh-CN" sz="1200" b="0" i="0" u="none" strike="noStrike" kern="1200" baseline="0" smtClean="0">
                 <a:solidFill>
                   <a:schemeClr val="tx1"/>
                 </a:solidFill>
@@ -6351,7 +6924,7 @@
           </a:p>
           <a:p>
             <a:r>
-              <a:rPr lang="en-US" altLang="zh-CN" sz="1200" b="0" i="0" u="none" strike="noStrike" kern="1200" baseline="0" dirty="0" smtClean="0">
+              <a:rPr lang="en-US" altLang="zh-CN" sz="1200" b="0" i="0" u="none" strike="noStrike" kern="1200" baseline="0" smtClean="0">
                 <a:solidFill>
                   <a:schemeClr val="tx1"/>
                 </a:solidFill>
@@ -6362,7 +6935,7 @@
               <a:t>the current execution state will be saved as state 1 and the execution will run to completion determining that </a:t>
             </a:r>
             <a:r>
-              <a:rPr lang="en-US" altLang="zh-CN" sz="1200" b="0" i="1" u="none" strike="noStrike" kern="1200" baseline="0" dirty="0" smtClean="0">
+              <a:rPr lang="en-US" altLang="zh-CN" sz="1200" b="0" i="1" u="none" strike="noStrike" kern="1200" baseline="0" smtClean="0">
                 <a:solidFill>
                   <a:schemeClr val="tx1"/>
                 </a:solidFill>
@@ -6373,7 +6946,7 @@
               <a:t>pc </a:t>
             </a:r>
             <a:r>
-              <a:rPr lang="en-US" altLang="zh-CN" sz="1200" b="0" i="0" u="none" strike="noStrike" kern="1200" baseline="0" dirty="0" smtClean="0">
+              <a:rPr lang="en-US" altLang="zh-CN" sz="1200" b="0" i="0" u="none" strike="noStrike" kern="1200" baseline="0" smtClean="0">
                 <a:solidFill>
                   <a:schemeClr val="tx1"/>
                 </a:solidFill>
@@ -6386,7 +6959,7 @@
           </a:p>
           <a:p>
             <a:r>
-              <a:rPr lang="en-US" altLang="zh-CN" sz="1200" b="0" i="0" u="none" strike="noStrike" kern="1200" baseline="0" dirty="0" smtClean="0">
+              <a:rPr lang="en-US" altLang="zh-CN" sz="1200" b="0" i="0" u="none" strike="noStrike" kern="1200" baseline="0" smtClean="0">
                 <a:solidFill>
                   <a:schemeClr val="tx1"/>
                 </a:solidFill>
@@ -6399,7 +6972,7 @@
           </a:p>
           <a:p>
             <a:r>
-              <a:rPr lang="en-US" altLang="zh-CN" sz="1200" b="0" i="0" u="none" strike="noStrike" kern="1200" baseline="0" dirty="0" smtClean="0">
+              <a:rPr lang="en-US" altLang="zh-CN" sz="1200" b="0" i="0" u="none" strike="noStrike" kern="1200" baseline="0" smtClean="0">
                 <a:solidFill>
                   <a:schemeClr val="tx1"/>
                 </a:solidFill>
@@ -6411,7 +6984,7 @@
             </a:r>
           </a:p>
           <a:p>
-            <a:endParaRPr lang="en-US" altLang="zh-CN" sz="1200" b="0" i="0" u="none" strike="noStrike" kern="1200" baseline="0" dirty="0" smtClean="0">
+            <a:endParaRPr lang="en-US" altLang="zh-CN" sz="1200" b="0" i="0" u="none" strike="noStrike" kern="1200" baseline="0" smtClean="0">
               <a:solidFill>
                 <a:schemeClr val="tx1"/>
               </a:solidFill>
@@ -6422,7 +6995,7 @@
           </a:p>
           <a:p>
             <a:r>
-              <a:rPr lang="en-US" altLang="zh-CN" sz="1200" b="0" i="0" u="none" strike="noStrike" kern="1200" baseline="0" dirty="0" smtClean="0">
+              <a:rPr lang="en-US" altLang="zh-CN" sz="1200" b="0" i="0" u="none" strike="noStrike" kern="1200" baseline="0" smtClean="0">
                 <a:solidFill>
                   <a:schemeClr val="tx1"/>
                 </a:solidFill>
@@ -6435,7 +7008,7 @@
           </a:p>
           <a:p>
             <a:r>
-              <a:rPr lang="en-US" altLang="zh-CN" sz="1200" b="0" i="0" u="none" strike="noStrike" kern="1200" baseline="0" dirty="0" smtClean="0">
+              <a:rPr lang="en-US" altLang="zh-CN" sz="1200" b="0" i="0" u="none" strike="noStrike" kern="1200" baseline="0" smtClean="0">
                 <a:solidFill>
                   <a:schemeClr val="tx1"/>
                 </a:solidFill>
@@ -6448,7 +7021,7 @@
           </a:p>
           <a:p>
             <a:r>
-              <a:rPr lang="en-US" altLang="zh-CN" sz="1200" b="0" i="0" u="none" strike="noStrike" kern="1200" baseline="0" dirty="0" smtClean="0">
+              <a:rPr lang="en-US" altLang="zh-CN" sz="1200" b="0" i="0" u="none" strike="noStrike" kern="1200" baseline="0" smtClean="0">
                 <a:solidFill>
                   <a:schemeClr val="tx1"/>
                 </a:solidFill>
@@ -6460,7 +7033,7 @@
             </a:r>
           </a:p>
           <a:p>
-            <a:endParaRPr lang="en-US" altLang="zh-CN" sz="1200" b="0" i="0" u="none" strike="noStrike" kern="1200" baseline="0" dirty="0" smtClean="0">
+            <a:endParaRPr lang="en-US" altLang="zh-CN" sz="1200" b="0" i="0" u="none" strike="noStrike" kern="1200" baseline="0" smtClean="0">
               <a:solidFill>
                 <a:schemeClr val="tx1"/>
               </a:solidFill>
@@ -6469,9 +7042,6 @@
               <a:cs typeface="+mn-cs"/>
             </a:endParaRPr>
           </a:p>
-          <a:p>
-            <a:endParaRPr lang="zh-CN" altLang="en-US" dirty="0"/>
-          </a:p>
         </p:txBody>
       </p:sp>
       <p:sp>
@@ -6501,7 +7071,7 @@
     </p:spTree>
     <p:extLst>
       <p:ext uri="{BB962C8B-B14F-4D97-AF65-F5344CB8AC3E}">
-        <p14:creationId xmlns:p14="http://schemas.microsoft.com/office/powerpoint/2010/main" val="650395791"/>
+        <p14:creationId xmlns:p14="http://schemas.microsoft.com/office/powerpoint/2010/main" xmlns="" val="462431845"/>
       </p:ext>
     </p:extLst>
   </p:cSld>
@@ -6556,11 +7126,7 @@
           <a:lstStyle/>
           <a:p>
             <a:r>
-              <a:rPr lang="en-US" altLang="zh-CN" dirty="0" smtClean="0"/>
-              <a:t>However, </a:t>
-            </a:r>
-            <a:r>
-              <a:rPr lang="en-US" altLang="zh-CN" sz="1200" b="0" i="0" u="none" strike="noStrike" kern="1200" baseline="0" dirty="0" smtClean="0">
+              <a:rPr lang="en-US" altLang="zh-CN" sz="1200" b="0" i="0" u="none" strike="noStrike" kern="1200" baseline="0" smtClean="0">
                 <a:solidFill>
                   <a:schemeClr val="tx1"/>
                 </a:solidFill>
@@ -6568,10 +7134,116 @@
                 <a:ea typeface="+mn-ea"/>
                 <a:cs typeface="+mn-cs"/>
               </a:rPr>
-              <a:t>many of the troublesome issues arising in symbolic execution systems.</a:t>
-            </a:r>
-          </a:p>
-          <a:p>
+              <a:t>The </a:t>
+            </a:r>
+            <a:r>
+              <a:rPr lang="en-US" altLang="zh-CN" sz="1200" b="0" i="0" u="none" strike="noStrike" kern="1200" baseline="0" smtClean="0">
+                <a:solidFill>
+                  <a:schemeClr val="tx1"/>
+                </a:solidFill>
+                <a:latin typeface="+mn-lt"/>
+                <a:ea typeface="+mn-ea"/>
+                <a:cs typeface="+mn-cs"/>
+              </a:rPr>
+              <a:t>test </a:t>
+            </a:r>
+            <a:r>
+              <a:rPr lang="en-US" altLang="zh-CN" sz="1200" b="0" i="0" u="none" strike="noStrike" kern="1200" baseline="0" dirty="0" smtClean="0">
+                <a:solidFill>
+                  <a:schemeClr val="tx1"/>
+                </a:solidFill>
+                <a:latin typeface="+mn-lt"/>
+                <a:ea typeface="+mn-ea"/>
+                <a:cs typeface="+mn-cs"/>
+              </a:rPr>
+              <a:t>of SEARCH might take the form: CALL SEARCH (A, </a:t>
+            </a:r>
+            <a:r>
+              <a:rPr lang="en-US" altLang="zh-CN" sz="1200" b="0" dirty="0" smtClean="0">
+                <a:latin typeface="Times New Roman" pitchFamily="18" charset="0"/>
+                <a:cs typeface="Times New Roman" pitchFamily="18" charset="0"/>
+              </a:rPr>
+              <a:t>1,  5</a:t>
+            </a:r>
+            <a:r>
+              <a:rPr lang="en-US" altLang="zh-CN" sz="1200" b="0" i="0" u="none" strike="noStrike" kern="1200" baseline="0" dirty="0" smtClean="0">
+                <a:solidFill>
+                  <a:schemeClr val="tx1"/>
+                </a:solidFill>
+                <a:latin typeface="+mn-lt"/>
+                <a:ea typeface="+mn-ea"/>
+                <a:cs typeface="+mn-cs"/>
+              </a:rPr>
+              <a:t>, "X", FOUND, J).</a:t>
+            </a:r>
+          </a:p>
+          <a:p>
+            <a:r>
+              <a:rPr lang="en-US" altLang="zh-CN" sz="1200" b="0" i="0" u="none" strike="noStrike" kern="1200" baseline="0" dirty="0" smtClean="0">
+                <a:solidFill>
+                  <a:schemeClr val="tx1"/>
+                </a:solidFill>
+                <a:latin typeface="+mn-lt"/>
+                <a:ea typeface="+mn-ea"/>
+                <a:cs typeface="+mn-cs"/>
+              </a:rPr>
+              <a:t>Assume the elements of the </a:t>
+            </a:r>
+            <a:r>
+              <a:rPr lang="en-US" altLang="zh-CN" sz="1200" b="0" i="0" u="none" strike="noStrike" kern="1200" baseline="0" smtClean="0">
+                <a:solidFill>
+                  <a:schemeClr val="tx1"/>
+                </a:solidFill>
+                <a:latin typeface="+mn-lt"/>
+                <a:ea typeface="+mn-ea"/>
+                <a:cs typeface="+mn-cs"/>
+              </a:rPr>
+              <a:t>array </a:t>
+            </a:r>
+            <a:r>
+              <a:rPr lang="en-US" altLang="zh-CN" sz="1200" b="0" i="0" u="none" strike="noStrike" kern="1200" baseline="0" smtClean="0">
+                <a:solidFill>
+                  <a:schemeClr val="tx1"/>
+                </a:solidFill>
+                <a:latin typeface="+mn-lt"/>
+                <a:ea typeface="+mn-ea"/>
+                <a:cs typeface="+mn-cs"/>
+              </a:rPr>
+              <a:t>have </a:t>
+            </a:r>
+            <a:r>
+              <a:rPr lang="en-US" altLang="zh-CN" sz="1200" b="0" i="0" u="none" strike="noStrike" kern="1200" baseline="0" dirty="0" smtClean="0">
+                <a:solidFill>
+                  <a:schemeClr val="tx1"/>
+                </a:solidFill>
+                <a:latin typeface="+mn-lt"/>
+                <a:ea typeface="+mn-ea"/>
+                <a:cs typeface="+mn-cs"/>
+              </a:rPr>
+              <a:t>been set to symbolic values "A(1)", "A(2)", . . , "</a:t>
+            </a:r>
+            <a:r>
+              <a:rPr lang="en-US" altLang="zh-CN" sz="1200" b="0" i="0" u="none" strike="noStrike" kern="1200" baseline="0" smtClean="0">
+                <a:solidFill>
+                  <a:schemeClr val="tx1"/>
+                </a:solidFill>
+                <a:latin typeface="+mn-lt"/>
+                <a:ea typeface="+mn-ea"/>
+                <a:cs typeface="+mn-cs"/>
+              </a:rPr>
+              <a:t>A(5</a:t>
+            </a:r>
+            <a:r>
+              <a:rPr lang="en-US" altLang="zh-CN" sz="1200" b="0" i="0" u="none" strike="noStrike" kern="1200" baseline="0" smtClean="0">
+                <a:solidFill>
+                  <a:schemeClr val="tx1"/>
+                </a:solidFill>
+                <a:latin typeface="+mn-lt"/>
+                <a:ea typeface="+mn-ea"/>
+                <a:cs typeface="+mn-cs"/>
+              </a:rPr>
+              <a:t>)". </a:t>
+            </a:r>
             <a:endParaRPr lang="en-US" altLang="zh-CN" sz="1200" b="0" i="0" u="none" strike="noStrike" kern="1200" baseline="0" dirty="0" smtClean="0">
               <a:solidFill>
                 <a:schemeClr val="tx1"/>
@@ -6583,16 +7255,6 @@
           </a:p>
           <a:p>
             <a:r>
-              <a:rPr lang="en-US" altLang="zh-CN" dirty="0" smtClean="0"/>
-              <a:t>First, it is a problem of finding a practical way to  deal with variable storage-referencing. </a:t>
-            </a:r>
-          </a:p>
-          <a:p>
-            <a:r>
-              <a:rPr lang="en-US" altLang="zh-CN" dirty="0" smtClean="0"/>
-              <a:t>(For example </a:t>
-            </a:r>
-            <a:r>
               <a:rPr lang="en-US" altLang="zh-CN" sz="1200" b="0" i="0" u="none" strike="noStrike" kern="1200" baseline="0" dirty="0" smtClean="0">
                 <a:solidFill>
                   <a:schemeClr val="tx1"/>
@@ -6601,42 +7263,7 @@
                 <a:ea typeface="+mn-ea"/>
                 <a:cs typeface="+mn-cs"/>
               </a:rPr>
-              <a:t>the array notation A(I) references a different particular element of the array A depending on the </a:t>
-            </a:r>
-            <a:r>
-              <a:rPr lang="en-US" altLang="zh-CN" sz="1200" b="0" i="1" u="none" strike="noStrike" kern="1200" baseline="0" dirty="0" smtClean="0">
-                <a:solidFill>
-                  <a:schemeClr val="tx1"/>
-                </a:solidFill>
-                <a:latin typeface="+mn-lt"/>
-                <a:ea typeface="+mn-ea"/>
-                <a:cs typeface="+mn-cs"/>
-              </a:rPr>
-              <a:t>value </a:t>
-            </a:r>
-            <a:r>
-              <a:rPr lang="en-US" altLang="zh-CN" sz="1200" b="0" i="0" u="none" strike="noStrike" kern="1200" baseline="0" dirty="0" smtClean="0">
-                <a:solidFill>
-                  <a:schemeClr val="tx1"/>
-                </a:solidFill>
-                <a:latin typeface="+mn-lt"/>
-                <a:ea typeface="+mn-ea"/>
-                <a:cs typeface="+mn-cs"/>
-              </a:rPr>
-              <a:t>of I. </a:t>
-            </a:r>
-          </a:p>
-          <a:p>
-            <a:r>
-              <a:rPr lang="en-US" altLang="zh-CN" sz="1200" b="0" i="0" u="none" strike="noStrike" kern="1200" baseline="0" dirty="0" smtClean="0">
-                <a:solidFill>
-                  <a:schemeClr val="tx1"/>
-                </a:solidFill>
-                <a:latin typeface="+mn-lt"/>
-                <a:ea typeface="+mn-ea"/>
-                <a:cs typeface="+mn-cs"/>
-              </a:rPr>
-              <a:t>When the value of I is a symbolic expression, the particular element being referenced is a function of the initial program inputs. It makes the particular reference ambiguous.)</a:t>
+              <a:t>The constants 1, 5, and "X“ are input arguments and FOUND and J are integer variables which will return the results from SEARCH.</a:t>
             </a:r>
           </a:p>
           <a:p>
@@ -6650,23 +7277,6 @@
             </a:endParaRPr>
           </a:p>
           <a:p>
-            <a:pPr marL="0" marR="0" indent="0" algn="l" defTabSz="914400" rtl="0" eaLnBrk="1" fontAlgn="auto" latinLnBrk="0" hangingPunct="1">
-              <a:lnSpc>
-                <a:spcPct val="100000"/>
-              </a:lnSpc>
-              <a:spcBef>
-                <a:spcPts val="0"/>
-              </a:spcBef>
-              <a:spcAft>
-                <a:spcPts val="0"/>
-              </a:spcAft>
-              <a:buClrTx/>
-              <a:buSzTx/>
-              <a:buFontTx/>
-              <a:buNone/>
-              <a:tabLst/>
-              <a:defRPr/>
-            </a:pPr>
             <a:r>
               <a:rPr lang="en-US" altLang="zh-CN" sz="1200" b="0" i="0" u="none" strike="noStrike" kern="1200" baseline="0" dirty="0" smtClean="0">
                 <a:solidFill>
@@ -6676,11 +7286,7 @@
                 <a:ea typeface="+mn-ea"/>
                 <a:cs typeface="+mn-cs"/>
               </a:rPr>
-              <a:t>Second, </a:t>
-            </a:r>
-            <a:r>
-              <a:rPr lang="en-US" altLang="zh-CN" dirty="0" smtClean="0"/>
-              <a:t>The conflict between discrete aspects of computer arithmetic and the continuous nature of real numbers.</a:t>
+              <a:t>Symbolic execution will proceed until statement, at which point the user is asked whether or not "X" = "A(3)". </a:t>
             </a:r>
           </a:p>
           <a:p>
@@ -6693,10 +7299,12 @@
                 <a:ea typeface="+mn-ea"/>
                 <a:cs typeface="+mn-cs"/>
               </a:rPr>
-              <a:t>(For the </a:t>
-            </a:r>
-            <a:r>
-              <a:rPr lang="en-US" altLang="zh-CN" sz="1200" b="0" i="0" u="none" strike="noStrike" kern="1200" baseline="0" dirty="0" err="1" smtClean="0">
+              <a:t>If in response to the system's query the user types "save; go true", </a:t>
+            </a:r>
+          </a:p>
+          <a:p>
+            <a:r>
+              <a:rPr lang="en-US" altLang="zh-CN" sz="1200" b="0" i="0" u="none" strike="noStrike" kern="1200" baseline="0" dirty="0" smtClean="0">
                 <a:solidFill>
                   <a:schemeClr val="tx1"/>
                 </a:solidFill>
@@ -6704,10 +7312,10 @@
                 <a:ea typeface="+mn-ea"/>
                 <a:cs typeface="+mn-cs"/>
               </a:rPr>
-              <a:t>convienience</a:t>
-            </a:r>
-            <a:r>
-              <a:rPr lang="en-US" altLang="zh-CN" sz="1200" b="0" i="0" u="none" strike="noStrike" kern="1200" baseline="0" dirty="0" smtClean="0">
+              <a:t>the current execution state will be saved as state 1 and the execution will run to completion determining that </a:t>
+            </a:r>
+            <a:r>
+              <a:rPr lang="en-US" altLang="zh-CN" sz="1200" b="0" i="1" u="none" strike="noStrike" kern="1200" baseline="0" dirty="0" smtClean="0">
                 <a:solidFill>
                   <a:schemeClr val="tx1"/>
                 </a:solidFill>
@@ -6715,7 +7323,44 @@
                 <a:ea typeface="+mn-ea"/>
                 <a:cs typeface="+mn-cs"/>
               </a:rPr>
-              <a:t> of analysis we want the programs to be simplified as much as possible )</a:t>
+              <a:t>pc </a:t>
+            </a:r>
+            <a:r>
+              <a:rPr lang="en-US" altLang="zh-CN" sz="1200" b="0" i="0" u="none" strike="noStrike" kern="1200" baseline="0" dirty="0" smtClean="0">
+                <a:solidFill>
+                  <a:schemeClr val="tx1"/>
+                </a:solidFill>
+                <a:latin typeface="+mn-lt"/>
+                <a:ea typeface="+mn-ea"/>
+                <a:cs typeface="+mn-cs"/>
+              </a:rPr>
+              <a:t>= ("X" = "A(3)"), FOUND = 1, and J = 3.</a:t>
+            </a:r>
+          </a:p>
+          <a:p>
+            <a:r>
+              <a:rPr lang="en-US" altLang="zh-CN" sz="1200" b="0" i="0" u="none" strike="noStrike" kern="1200" baseline="0" dirty="0" smtClean="0">
+                <a:solidFill>
+                  <a:schemeClr val="tx1"/>
+                </a:solidFill>
+                <a:latin typeface="+mn-lt"/>
+                <a:ea typeface="+mn-ea"/>
+                <a:cs typeface="+mn-cs"/>
+              </a:rPr>
+              <a:t>Now by typing "restore 1; go false" the user may examine the other possibility when "X" # "A(3)".</a:t>
+            </a:r>
+          </a:p>
+          <a:p>
+            <a:r>
+              <a:rPr lang="en-US" altLang="zh-CN" sz="1200" b="0" i="0" u="none" strike="noStrike" kern="1200" baseline="0" dirty="0" smtClean="0">
+                <a:solidFill>
+                  <a:schemeClr val="tx1"/>
+                </a:solidFill>
+                <a:latin typeface="+mn-lt"/>
+                <a:ea typeface="+mn-ea"/>
+                <a:cs typeface="+mn-cs"/>
+              </a:rPr>
+              <a:t>Continuing in this manner the user may explore the finite subtree determined by inputs 1 and 5, and in this case find eleven terminal leaves:</a:t>
             </a:r>
           </a:p>
           <a:p>
@@ -6729,27 +7374,53 @@
             </a:endParaRPr>
           </a:p>
           <a:p>
-            <a:pPr marL="0" marR="0" indent="0" algn="l" defTabSz="914400" rtl="0" eaLnBrk="1" fontAlgn="auto" latinLnBrk="0" hangingPunct="1">
-              <a:lnSpc>
-                <a:spcPct val="100000"/>
-              </a:lnSpc>
-              <a:spcBef>
-                <a:spcPts val="0"/>
-              </a:spcBef>
-              <a:spcAft>
-                <a:spcPts val="0"/>
-              </a:spcAft>
-              <a:buClrTx/>
-              <a:buSzTx/>
-              <a:buFontTx/>
-              <a:buNone/>
-              <a:tabLst/>
-              <a:defRPr/>
-            </a:pPr>
-            <a:r>
-              <a:rPr lang="en-US" altLang="zh-CN" dirty="0" smtClean="0"/>
-              <a:t>Third, when the constraint expression growing complicated, constraint solving becomes a troubling problem.</a:t>
-            </a:r>
+            <a:r>
+              <a:rPr lang="en-US" altLang="zh-CN" sz="1200" b="0" i="0" u="none" strike="noStrike" kern="1200" baseline="0" dirty="0" smtClean="0">
+                <a:solidFill>
+                  <a:schemeClr val="tx1"/>
+                </a:solidFill>
+                <a:latin typeface="+mn-lt"/>
+                <a:ea typeface="+mn-ea"/>
+                <a:cs typeface="+mn-cs"/>
+              </a:rPr>
+              <a:t>The user could also cause the system to generate these eleven outputs automatically by use of the TEST</a:t>
+            </a:r>
+          </a:p>
+          <a:p>
+            <a:r>
+              <a:rPr lang="en-US" altLang="zh-CN" sz="1200" b="0" i="0" u="none" strike="noStrike" kern="1200" baseline="0" dirty="0" smtClean="0">
+                <a:solidFill>
+                  <a:schemeClr val="tx1"/>
+                </a:solidFill>
+                <a:latin typeface="+mn-lt"/>
+                <a:ea typeface="+mn-ea"/>
+                <a:cs typeface="+mn-cs"/>
+              </a:rPr>
+              <a:t>facility in EFFIGY: TEST (200) SEARCH (A, 1, 5, "A", FOUND, J) </a:t>
+            </a:r>
+          </a:p>
+          <a:p>
+            <a:r>
+              <a:rPr lang="en-US" altLang="zh-CN" sz="1200" b="0" i="0" u="none" strike="noStrike" kern="1200" baseline="0" dirty="0" smtClean="0">
+                <a:solidFill>
+                  <a:schemeClr val="tx1"/>
+                </a:solidFill>
+                <a:latin typeface="+mn-lt"/>
+                <a:ea typeface="+mn-ea"/>
+                <a:cs typeface="+mn-cs"/>
+              </a:rPr>
+              <a:t>The 200 is used to limit the exhaustive search of the symbolic execution tree to those paths traversing less than 200 statement executions.</a:t>
+            </a:r>
+          </a:p>
+          <a:p>
+            <a:endParaRPr lang="en-US" altLang="zh-CN" sz="1200" b="0" i="0" u="none" strike="noStrike" kern="1200" baseline="0" dirty="0" smtClean="0">
+              <a:solidFill>
+                <a:schemeClr val="tx1"/>
+              </a:solidFill>
+              <a:latin typeface="+mn-lt"/>
+              <a:ea typeface="+mn-ea"/>
+              <a:cs typeface="+mn-cs"/>
+            </a:endParaRPr>
           </a:p>
           <a:p>
             <a:endParaRPr lang="zh-CN" altLang="en-US" dirty="0"/>
@@ -6783,7 +7454,7 @@
     </p:spTree>
     <p:extLst>
       <p:ext uri="{BB962C8B-B14F-4D97-AF65-F5344CB8AC3E}">
-        <p14:creationId xmlns:p14="http://schemas.microsoft.com/office/powerpoint/2010/main" val="1845666349"/>
+        <p14:creationId xmlns:p14="http://schemas.microsoft.com/office/powerpoint/2010/main" xmlns="" val="650395791"/>
       </p:ext>
     </p:extLst>
   </p:cSld>
@@ -6837,6 +7508,101 @@
           <a:bodyPr/>
           <a:lstStyle/>
           <a:p>
+            <a:r>
+              <a:rPr lang="en-US" altLang="zh-CN" dirty="0" smtClean="0"/>
+              <a:t>However, </a:t>
+            </a:r>
+            <a:r>
+              <a:rPr lang="en-US" altLang="zh-CN" sz="1200" b="0" i="0" u="none" strike="noStrike" kern="1200" baseline="0" dirty="0" smtClean="0">
+                <a:solidFill>
+                  <a:schemeClr val="tx1"/>
+                </a:solidFill>
+                <a:latin typeface="+mn-lt"/>
+                <a:ea typeface="+mn-ea"/>
+                <a:cs typeface="+mn-cs"/>
+              </a:rPr>
+              <a:t>many of the troublesome issues arising in symbolic execution systems.</a:t>
+            </a:r>
+          </a:p>
+          <a:p>
+            <a:endParaRPr lang="en-US" altLang="zh-CN" sz="1200" b="0" i="0" u="none" strike="noStrike" kern="1200" baseline="0" dirty="0" smtClean="0">
+              <a:solidFill>
+                <a:schemeClr val="tx1"/>
+              </a:solidFill>
+              <a:latin typeface="+mn-lt"/>
+              <a:ea typeface="+mn-ea"/>
+              <a:cs typeface="+mn-cs"/>
+            </a:endParaRPr>
+          </a:p>
+          <a:p>
+            <a:r>
+              <a:rPr lang="en-US" altLang="zh-CN" dirty="0" smtClean="0"/>
+              <a:t>First, it is a problem of finding a practical way to  deal with variable storage-referencing. </a:t>
+            </a:r>
+          </a:p>
+          <a:p>
+            <a:r>
+              <a:rPr lang="en-US" altLang="zh-CN" dirty="0" smtClean="0"/>
+              <a:t>(For example </a:t>
+            </a:r>
+            <a:r>
+              <a:rPr lang="en-US" altLang="zh-CN" sz="1200" b="0" i="0" u="none" strike="noStrike" kern="1200" baseline="0" dirty="0" smtClean="0">
+                <a:solidFill>
+                  <a:schemeClr val="tx1"/>
+                </a:solidFill>
+                <a:latin typeface="+mn-lt"/>
+                <a:ea typeface="+mn-ea"/>
+                <a:cs typeface="+mn-cs"/>
+              </a:rPr>
+              <a:t>the array notation A(I) references a different particular element of the array A depending on the </a:t>
+            </a:r>
+            <a:r>
+              <a:rPr lang="en-US" altLang="zh-CN" sz="1200" b="0" i="1" u="none" strike="noStrike" kern="1200" baseline="0" dirty="0" smtClean="0">
+                <a:solidFill>
+                  <a:schemeClr val="tx1"/>
+                </a:solidFill>
+                <a:latin typeface="+mn-lt"/>
+                <a:ea typeface="+mn-ea"/>
+                <a:cs typeface="+mn-cs"/>
+              </a:rPr>
+              <a:t>value </a:t>
+            </a:r>
+            <a:r>
+              <a:rPr lang="en-US" altLang="zh-CN" sz="1200" b="0" i="0" u="none" strike="noStrike" kern="1200" baseline="0" dirty="0" smtClean="0">
+                <a:solidFill>
+                  <a:schemeClr val="tx1"/>
+                </a:solidFill>
+                <a:latin typeface="+mn-lt"/>
+                <a:ea typeface="+mn-ea"/>
+                <a:cs typeface="+mn-cs"/>
+              </a:rPr>
+              <a:t>of I. </a:t>
+            </a:r>
+          </a:p>
+          <a:p>
+            <a:r>
+              <a:rPr lang="en-US" altLang="zh-CN" sz="1200" b="0" i="0" u="none" strike="noStrike" kern="1200" baseline="0" dirty="0" smtClean="0">
+                <a:solidFill>
+                  <a:schemeClr val="tx1"/>
+                </a:solidFill>
+                <a:latin typeface="+mn-lt"/>
+                <a:ea typeface="+mn-ea"/>
+                <a:cs typeface="+mn-cs"/>
+              </a:rPr>
+              <a:t>When the value of I is a symbolic expression, the particular element being referenced is a function of the initial program inputs. It makes the particular reference ambiguous.)</a:t>
+            </a:r>
+          </a:p>
+          <a:p>
+            <a:endParaRPr lang="en-US" altLang="zh-CN" sz="1200" b="0" i="0" u="none" strike="noStrike" kern="1200" baseline="0" dirty="0" smtClean="0">
+              <a:solidFill>
+                <a:schemeClr val="tx1"/>
+              </a:solidFill>
+              <a:latin typeface="+mn-lt"/>
+              <a:ea typeface="+mn-ea"/>
+              <a:cs typeface="+mn-cs"/>
+            </a:endParaRPr>
+          </a:p>
+          <a:p>
             <a:pPr marL="0" marR="0" indent="0" algn="l" defTabSz="914400" rtl="0" eaLnBrk="1" fontAlgn="auto" latinLnBrk="0" hangingPunct="1">
               <a:lnSpc>
                 <a:spcPct val="100000"/>
@@ -6855,17 +7621,65 @@
               <a:defRPr/>
             </a:pPr>
             <a:r>
+              <a:rPr lang="en-US" altLang="zh-CN" sz="1200" b="0" i="0" u="none" strike="noStrike" kern="1200" baseline="0" dirty="0" smtClean="0">
+                <a:solidFill>
+                  <a:schemeClr val="tx1"/>
+                </a:solidFill>
+                <a:latin typeface="+mn-lt"/>
+                <a:ea typeface="+mn-ea"/>
+                <a:cs typeface="+mn-cs"/>
+              </a:rPr>
+              <a:t>Second, </a:t>
+            </a:r>
+            <a:r>
               <a:rPr lang="en-US" altLang="zh-CN" dirty="0" smtClean="0"/>
-              <a:t>In conclusion,</a:t>
-            </a:r>
-            <a:r>
-              <a:rPr lang="en-US" altLang="zh-CN" baseline="0" dirty="0" smtClean="0"/>
-              <a:t> this work describes </a:t>
-            </a:r>
-            <a:r>
-              <a:rPr lang="en-US" altLang="zh-CN" dirty="0" smtClean="0"/>
-              <a:t>Symbolic execution. It allows the creation of high-coverage test, which can help program testing and debugging. </a:t>
-            </a:r>
+              <a:t>The conflict between discrete aspects of computer arithmetic and the continuous nature of real numbers.</a:t>
+            </a:r>
+          </a:p>
+          <a:p>
+            <a:r>
+              <a:rPr lang="en-US" altLang="zh-CN" sz="1200" b="0" i="0" u="none" strike="noStrike" kern="1200" baseline="0" dirty="0" smtClean="0">
+                <a:solidFill>
+                  <a:schemeClr val="tx1"/>
+                </a:solidFill>
+                <a:latin typeface="+mn-lt"/>
+                <a:ea typeface="+mn-ea"/>
+                <a:cs typeface="+mn-cs"/>
+              </a:rPr>
+              <a:t>(For the </a:t>
+            </a:r>
+            <a:r>
+              <a:rPr lang="en-US" altLang="zh-CN" sz="1200" b="0" i="0" u="none" strike="noStrike" kern="1200" baseline="0" dirty="0" err="1" smtClean="0">
+                <a:solidFill>
+                  <a:schemeClr val="tx1"/>
+                </a:solidFill>
+                <a:latin typeface="+mn-lt"/>
+                <a:ea typeface="+mn-ea"/>
+                <a:cs typeface="+mn-cs"/>
+              </a:rPr>
+              <a:t>convienience</a:t>
+            </a:r>
+            <a:r>
+              <a:rPr lang="en-US" altLang="zh-CN" sz="1200" b="0" i="0" u="none" strike="noStrike" kern="1200" baseline="0" dirty="0" smtClean="0">
+                <a:solidFill>
+                  <a:schemeClr val="tx1"/>
+                </a:solidFill>
+                <a:latin typeface="+mn-lt"/>
+                <a:ea typeface="+mn-ea"/>
+                <a:cs typeface="+mn-cs"/>
+              </a:rPr>
+              <a:t> of analysis we want the programs to be simplified as much as possible )</a:t>
+            </a:r>
+          </a:p>
+          <a:p>
+            <a:endParaRPr lang="en-US" altLang="zh-CN" sz="1200" b="0" i="0" u="none" strike="noStrike" kern="1200" baseline="0" dirty="0" smtClean="0">
+              <a:solidFill>
+                <a:schemeClr val="tx1"/>
+              </a:solidFill>
+              <a:latin typeface="+mn-lt"/>
+              <a:ea typeface="+mn-ea"/>
+              <a:cs typeface="+mn-cs"/>
+            </a:endParaRPr>
           </a:p>
           <a:p>
             <a:pPr marL="0" marR="0" indent="0" algn="l" defTabSz="914400" rtl="0" eaLnBrk="1" fontAlgn="auto" latinLnBrk="0" hangingPunct="1">
@@ -6887,23 +7701,7 @@
             </a:pPr>
             <a:r>
               <a:rPr lang="en-US" altLang="zh-CN" dirty="0" smtClean="0"/>
-              <a:t>Moreover,</a:t>
-            </a:r>
-            <a:r>
-              <a:rPr lang="en-US" altLang="zh-CN" baseline="0" dirty="0" smtClean="0"/>
-              <a:t> t</a:t>
-            </a:r>
-            <a:r>
-              <a:rPr lang="en-US" altLang="zh-CN" dirty="0" smtClean="0"/>
-              <a:t>he author built an interactive debugging system called </a:t>
-            </a:r>
-            <a:r>
-              <a:rPr lang="en-US" altLang="zh-CN" cap="small" dirty="0" smtClean="0"/>
-              <a:t>Effigy</a:t>
-            </a:r>
-            <a:r>
-              <a:rPr lang="en-US" altLang="zh-CN" dirty="0" smtClean="0"/>
-              <a:t>, which embodies symbolic execution.</a:t>
+              <a:t>Third, when the constraint expression growing complicated, constraint solving becomes a troubling problem.</a:t>
             </a:r>
           </a:p>
           <a:p>
@@ -6938,7 +7736,7 @@
     </p:spTree>
     <p:extLst>
       <p:ext uri="{BB962C8B-B14F-4D97-AF65-F5344CB8AC3E}">
-        <p14:creationId xmlns:p14="http://schemas.microsoft.com/office/powerpoint/2010/main" val="2401009074"/>
+        <p14:creationId xmlns:p14="http://schemas.microsoft.com/office/powerpoint/2010/main" xmlns="" val="1845666349"/>
       </p:ext>
     </p:extLst>
   </p:cSld>
@@ -6992,23 +7790,77 @@
           <a:bodyPr/>
           <a:lstStyle/>
           <a:p>
-            <a:r>
-              <a:rPr lang="en-US" altLang="zh-CN" smtClean="0"/>
-              <a:t>That’s all.</a:t>
-            </a:r>
-            <a:r>
-              <a:rPr lang="en-US" altLang="zh-CN" baseline="0" smtClean="0"/>
-              <a:t> </a:t>
-            </a:r>
-            <a:r>
-              <a:rPr lang="en-US" altLang="zh-CN" smtClean="0"/>
-              <a:t>Thanks</a:t>
-            </a:r>
-            <a:r>
-              <a:rPr lang="en-US" altLang="zh-CN" baseline="0" smtClean="0"/>
-              <a:t> for listening. If you have any question, you can ask me.</a:t>
-            </a:r>
-            <a:endParaRPr lang="zh-CN" altLang="en-US"/>
+            <a:pPr marL="0" marR="0" indent="0" algn="l" defTabSz="914400" rtl="0" eaLnBrk="1" fontAlgn="auto" latinLnBrk="0" hangingPunct="1">
+              <a:lnSpc>
+                <a:spcPct val="100000"/>
+              </a:lnSpc>
+              <a:spcBef>
+                <a:spcPts val="0"/>
+              </a:spcBef>
+              <a:spcAft>
+                <a:spcPts val="0"/>
+              </a:spcAft>
+              <a:buClrTx/>
+              <a:buSzTx/>
+              <a:buFontTx/>
+              <a:buNone/>
+              <a:tabLst/>
+              <a:defRPr/>
+            </a:pPr>
+            <a:r>
+              <a:rPr lang="en-US" altLang="zh-CN" dirty="0" smtClean="0"/>
+              <a:t>In conclusion,</a:t>
+            </a:r>
+            <a:r>
+              <a:rPr lang="en-US" altLang="zh-CN" baseline="0" dirty="0" smtClean="0"/>
+              <a:t> this work describes </a:t>
+            </a:r>
+            <a:r>
+              <a:rPr lang="en-US" altLang="zh-CN" dirty="0" smtClean="0"/>
+              <a:t>Symbolic execution. It allows the creation of high-coverage test, which can help program testing and debugging. </a:t>
+            </a:r>
+          </a:p>
+          <a:p>
+            <a:pPr marL="0" marR="0" indent="0" algn="l" defTabSz="914400" rtl="0" eaLnBrk="1" fontAlgn="auto" latinLnBrk="0" hangingPunct="1">
+              <a:lnSpc>
+                <a:spcPct val="100000"/>
+              </a:lnSpc>
+              <a:spcBef>
+                <a:spcPts val="0"/>
+              </a:spcBef>
+              <a:spcAft>
+                <a:spcPts val="0"/>
+              </a:spcAft>
+              <a:buClrTx/>
+              <a:buSzTx/>
+              <a:buFontTx/>
+              <a:buNone/>
+              <a:tabLst/>
+              <a:defRPr/>
+            </a:pPr>
+            <a:r>
+              <a:rPr lang="en-US" altLang="zh-CN" dirty="0" smtClean="0"/>
+              <a:t>Moreover,</a:t>
+            </a:r>
+            <a:r>
+              <a:rPr lang="en-US" altLang="zh-CN" baseline="0" dirty="0" smtClean="0"/>
+              <a:t> t</a:t>
+            </a:r>
+            <a:r>
+              <a:rPr lang="en-US" altLang="zh-CN" dirty="0" smtClean="0"/>
+              <a:t>he author built an interactive debugging system called </a:t>
+            </a:r>
+            <a:r>
+              <a:rPr lang="en-US" altLang="zh-CN" cap="small" dirty="0" smtClean="0"/>
+              <a:t>Effigy</a:t>
+            </a:r>
+            <a:r>
+              <a:rPr lang="en-US" altLang="zh-CN" dirty="0" smtClean="0"/>
+              <a:t>, which embodies symbolic execution.</a:t>
+            </a:r>
+          </a:p>
+          <a:p>
+            <a:endParaRPr lang="zh-CN" altLang="en-US" dirty="0"/>
           </a:p>
         </p:txBody>
       </p:sp>
@@ -7027,7 +7879,7 @@
           <a:bodyPr/>
           <a:lstStyle/>
           <a:p>
-            <a:fld id="{0FE05C2F-C2D0-41D0-B081-206A7C6C3DAB}" type="slidenum">
+            <a:fld id="{22AA2441-62E5-47DE-97D7-858DE28521CF}" type="slidenum">
               <a:rPr lang="zh-CN" altLang="en-US" smtClean="0"/>
               <a:pPr/>
               <a:t>23</a:t>
@@ -7039,7 +7891,108 @@
     </p:spTree>
     <p:extLst>
       <p:ext uri="{BB962C8B-B14F-4D97-AF65-F5344CB8AC3E}">
-        <p14:creationId xmlns:p14="http://schemas.microsoft.com/office/powerpoint/2010/main" val="1804488959"/>
+        <p14:creationId xmlns:p14="http://schemas.microsoft.com/office/powerpoint/2010/main" xmlns="" val="2401009074"/>
+      </p:ext>
+    </p:extLst>
+  </p:cSld>
+  <p:clrMapOvr>
+    <a:masterClrMapping/>
+  </p:clrMapOvr>
+</p:notes>
+</file>
+
+<file path=ppt/notesSlides/notesSlide24.xml><?xml version="1.0" encoding="utf-8"?>
+<p:notes xmlns:a="http://schemas.openxmlformats.org/drawingml/2006/main" xmlns:r="http://schemas.openxmlformats.org/officeDocument/2006/relationships" xmlns:p="http://schemas.openxmlformats.org/presentationml/2006/main">
+  <p:cSld>
+    <p:spTree>
+      <p:nvGrpSpPr>
+        <p:cNvPr id="1" name=""/>
+        <p:cNvGrpSpPr/>
+        <p:nvPr/>
+      </p:nvGrpSpPr>
+      <p:grpSpPr>
+        <a:xfrm>
+          <a:off x="0" y="0"/>
+          <a:ext cx="0" cy="0"/>
+          <a:chOff x="0" y="0"/>
+          <a:chExt cx="0" cy="0"/>
+        </a:xfrm>
+      </p:grpSpPr>
+      <p:sp>
+        <p:nvSpPr>
+          <p:cNvPr id="2" name="幻灯片图像占位符 1"/>
+          <p:cNvSpPr>
+            <a:spLocks noGrp="1" noRot="1" noChangeAspect="1"/>
+          </p:cNvSpPr>
+          <p:nvPr>
+            <p:ph type="sldImg"/>
+          </p:nvPr>
+        </p:nvSpPr>
+        <p:spPr/>
+      </p:sp>
+      <p:sp>
+        <p:nvSpPr>
+          <p:cNvPr id="3" name="备注占位符 2"/>
+          <p:cNvSpPr>
+            <a:spLocks noGrp="1"/>
+          </p:cNvSpPr>
+          <p:nvPr>
+            <p:ph type="body" idx="1"/>
+          </p:nvPr>
+        </p:nvSpPr>
+        <p:spPr/>
+        <p:txBody>
+          <a:bodyPr/>
+          <a:lstStyle/>
+          <a:p>
+            <a:r>
+              <a:rPr lang="en-US" altLang="zh-CN" smtClean="0"/>
+              <a:t>That’s all.</a:t>
+            </a:r>
+            <a:r>
+              <a:rPr lang="en-US" altLang="zh-CN" baseline="0" smtClean="0"/>
+              <a:t> </a:t>
+            </a:r>
+            <a:r>
+              <a:rPr lang="en-US" altLang="zh-CN" smtClean="0"/>
+              <a:t>Thanks</a:t>
+            </a:r>
+            <a:r>
+              <a:rPr lang="en-US" altLang="zh-CN" baseline="0" smtClean="0"/>
+              <a:t> for listening. If you have any question, you can ask me.</a:t>
+            </a:r>
+            <a:endParaRPr lang="zh-CN" altLang="en-US"/>
+          </a:p>
+        </p:txBody>
+      </p:sp>
+      <p:sp>
+        <p:nvSpPr>
+          <p:cNvPr id="4" name="灯片编号占位符 3"/>
+          <p:cNvSpPr>
+            <a:spLocks noGrp="1"/>
+          </p:cNvSpPr>
+          <p:nvPr>
+            <p:ph type="sldNum" sz="quarter" idx="10"/>
+          </p:nvPr>
+        </p:nvSpPr>
+        <p:spPr/>
+        <p:txBody>
+          <a:bodyPr/>
+          <a:lstStyle/>
+          <a:p>
+            <a:fld id="{0FE05C2F-C2D0-41D0-B081-206A7C6C3DAB}" type="slidenum">
+              <a:rPr lang="zh-CN" altLang="en-US" smtClean="0"/>
+              <a:pPr/>
+              <a:t>24</a:t>
+            </a:fld>
+            <a:endParaRPr lang="zh-CN" altLang="en-US"/>
+          </a:p>
+        </p:txBody>
+      </p:sp>
+    </p:spTree>
+    <p:extLst>
+      <p:ext uri="{BB962C8B-B14F-4D97-AF65-F5344CB8AC3E}">
+        <p14:creationId xmlns:p14="http://schemas.microsoft.com/office/powerpoint/2010/main" xmlns="" val="1804488959"/>
       </p:ext>
     </p:extLst>
   </p:cSld>
@@ -7101,22 +8054,13 @@
             </a:r>
             <a:r>
               <a:rPr lang="en-US" altLang="zh-CN" baseline="0" dirty="0" smtClean="0"/>
-              <a:t> programs with mistakes are </a:t>
-            </a:r>
+              <a:t> programs with mistakes are potentially dangerous to human. </a:t>
+            </a:r>
+          </a:p>
+          <a:p>
             <a:r>
               <a:rPr lang="en-US" altLang="zh-CN" baseline="0" dirty="0" smtClean="0"/>
-              <a:t>potentially dangerous to human. </a:t>
-            </a:r>
-            <a:endParaRPr lang="en-US" altLang="zh-CN" baseline="0" dirty="0" smtClean="0"/>
-          </a:p>
-          <a:p>
-            <a:r>
-              <a:rPr lang="en-US" altLang="zh-CN" baseline="0" dirty="0" smtClean="0"/>
-              <a:t>Unreliable programs may bring huge losses</a:t>
-            </a:r>
-            <a:r>
-              <a:rPr lang="en-US" altLang="zh-CN" baseline="0" dirty="0" smtClean="0"/>
-              <a:t>.</a:t>
+              <a:t>Unreliable programs may bring huge losses.</a:t>
             </a:r>
           </a:p>
           <a:p>
@@ -7154,10 +8098,10 @@
                 <a:ea typeface="+mn-ea"/>
                 <a:cs typeface="+mn-cs"/>
               </a:rPr>
-              <a:t>. </a:t>
-            </a:r>
-            <a:r>
-              <a:rPr lang="en-US" altLang="zh-CN" sz="1200" b="0" i="0" kern="1200" dirty="0" smtClean="0">
+              <a:t>. Because a transcriber failed</a:t>
+            </a:r>
+            <a:r>
+              <a:rPr lang="en-US" altLang="zh-CN" sz="1200" b="0" i="0" kern="1200" baseline="0" dirty="0" smtClean="0">
                 <a:solidFill>
                   <a:schemeClr val="tx1"/>
                 </a:solidFill>
@@ -7165,7 +8109,7 @@
                 <a:ea typeface="+mn-ea"/>
                 <a:cs typeface="+mn-cs"/>
               </a:rPr>
-              <a:t>Because a </a:t>
+              <a:t> </a:t>
             </a:r>
             <a:r>
               <a:rPr lang="en-US" altLang="zh-CN" sz="1200" b="0" i="0" kern="1200" dirty="0" smtClean="0">
@@ -7176,10 +8120,10 @@
                 <a:ea typeface="+mn-ea"/>
                 <a:cs typeface="+mn-cs"/>
               </a:rPr>
-              <a:t>transcriber </a:t>
-            </a:r>
-            <a:r>
-              <a:rPr lang="en-US" altLang="zh-CN" sz="1200" b="0" i="0" kern="1200" dirty="0" smtClean="0">
+              <a:t>to notice an </a:t>
+            </a:r>
+            <a:r>
+              <a:rPr lang="en-US" altLang="zh-CN" sz="1200" b="0" i="0" u="none" strike="noStrike" kern="1200" dirty="0" smtClean="0">
                 <a:solidFill>
                   <a:schemeClr val="tx1"/>
                 </a:solidFill>
@@ -7187,10 +8131,10 @@
                 <a:ea typeface="+mn-ea"/>
                 <a:cs typeface="+mn-cs"/>
               </a:rPr>
-              <a:t>failed</a:t>
-            </a:r>
-            <a:r>
-              <a:rPr lang="en-US" altLang="zh-CN" sz="1200" b="0" i="0" kern="1200" baseline="0" dirty="0" smtClean="0">
+              <a:t>overbar</a:t>
+            </a:r>
+            <a:r>
+              <a:rPr lang="en-US" altLang="zh-CN" sz="1200" b="0" i="0" kern="1200" dirty="0" smtClean="0">
                 <a:solidFill>
                   <a:schemeClr val="tx1"/>
                 </a:solidFill>
@@ -7198,10 +8142,10 @@
                 <a:ea typeface="+mn-ea"/>
                 <a:cs typeface="+mn-cs"/>
               </a:rPr>
-              <a:t> </a:t>
-            </a:r>
-            <a:r>
-              <a:rPr lang="en-US" altLang="zh-CN" sz="1200" b="0" i="0" kern="1200" dirty="0" smtClean="0">
+              <a:t> in a written specification for the guidance program, resulting in the coding of an incorrect formula in its </a:t>
+            </a:r>
+            <a:r>
+              <a:rPr lang="en-US" altLang="zh-CN" sz="1200" b="0" i="0" u="none" strike="noStrike" kern="1200" dirty="0" smtClean="0">
                 <a:solidFill>
                   <a:schemeClr val="tx1"/>
                 </a:solidFill>
@@ -7209,7 +8153,7 @@
                 <a:ea typeface="+mn-ea"/>
                 <a:cs typeface="+mn-cs"/>
               </a:rPr>
-              <a:t>to </a:t>
+              <a:t>FORTRAN</a:t>
             </a:r>
             <a:r>
               <a:rPr lang="en-US" altLang="zh-CN" sz="1200" b="0" i="0" kern="1200" dirty="0" smtClean="0">
@@ -7220,52 +8164,10 @@
                 <a:ea typeface="+mn-ea"/>
                 <a:cs typeface="+mn-cs"/>
               </a:rPr>
-              <a:t>notice an </a:t>
-            </a:r>
-            <a:r>
-              <a:rPr lang="en-US" altLang="zh-CN" sz="1200" b="0" i="0" u="none" strike="noStrike" kern="1200" dirty="0" smtClean="0">
-                <a:solidFill>
-                  <a:schemeClr val="tx1"/>
-                </a:solidFill>
-                <a:latin typeface="+mn-lt"/>
-                <a:ea typeface="+mn-ea"/>
-                <a:cs typeface="+mn-cs"/>
-              </a:rPr>
-              <a:t>overbar</a:t>
-            </a:r>
-            <a:r>
-              <a:rPr lang="en-US" altLang="zh-CN" sz="1200" b="0" i="0" kern="1200" dirty="0" smtClean="0">
-                <a:solidFill>
-                  <a:schemeClr val="tx1"/>
-                </a:solidFill>
-                <a:latin typeface="+mn-lt"/>
-                <a:ea typeface="+mn-ea"/>
-                <a:cs typeface="+mn-cs"/>
-              </a:rPr>
-              <a:t> in a written specification for the guidance program, resulting in the coding of an incorrect formula in its </a:t>
-            </a:r>
-            <a:r>
-              <a:rPr lang="en-US" altLang="zh-CN" sz="1200" b="0" i="0" u="none" strike="noStrike" kern="1200" dirty="0" smtClean="0">
-                <a:solidFill>
-                  <a:schemeClr val="tx1"/>
-                </a:solidFill>
-                <a:latin typeface="+mn-lt"/>
-                <a:ea typeface="+mn-ea"/>
-                <a:cs typeface="+mn-cs"/>
-              </a:rPr>
-              <a:t>FORTRAN</a:t>
-            </a:r>
-            <a:r>
-              <a:rPr lang="en-US" altLang="zh-CN" sz="1200" b="0" i="0" kern="1200" dirty="0" smtClean="0">
-                <a:solidFill>
-                  <a:schemeClr val="tx1"/>
-                </a:solidFill>
-                <a:latin typeface="+mn-lt"/>
-                <a:ea typeface="+mn-ea"/>
-                <a:cs typeface="+mn-cs"/>
-              </a:rPr>
               <a:t> software. </a:t>
             </a:r>
+          </a:p>
+          <a:p>
             <a:endParaRPr lang="en-US" altLang="zh-CN" sz="1200" b="0" i="0" kern="1200" dirty="0" smtClean="0">
               <a:solidFill>
                 <a:schemeClr val="tx1"/>
@@ -7276,16 +8178,6 @@
             </a:endParaRPr>
           </a:p>
           <a:p>
-            <a:endParaRPr lang="en-US" altLang="zh-CN" sz="1200" b="0" i="0" kern="1200" dirty="0" smtClean="0">
-              <a:solidFill>
-                <a:schemeClr val="tx1"/>
-              </a:solidFill>
-              <a:latin typeface="+mn-lt"/>
-              <a:ea typeface="+mn-ea"/>
-              <a:cs typeface="+mn-cs"/>
-            </a:endParaRPr>
-          </a:p>
-          <a:p>
             <a:r>
               <a:rPr lang="en-US" altLang="zh-CN" sz="1200" b="0" i="0" kern="1200" dirty="0" smtClean="0">
                 <a:solidFill>
@@ -7295,29 +8187,7 @@
                 <a:ea typeface="+mn-ea"/>
                 <a:cs typeface="+mn-cs"/>
               </a:rPr>
-              <a:t>A </a:t>
-            </a:r>
-            <a:r>
-              <a:rPr lang="en-US" altLang="zh-CN" sz="1200" b="0" i="0" kern="1200" dirty="0" smtClean="0">
-                <a:solidFill>
-                  <a:schemeClr val="tx1"/>
-                </a:solidFill>
-                <a:latin typeface="+mn-lt"/>
-                <a:ea typeface="+mn-ea"/>
-                <a:cs typeface="+mn-cs"/>
-              </a:rPr>
-              <a:t>bug in the code controlling the Therac-25 radiation therapy machine was directly responsible for at least five patient deaths in the 1980s when it administered excessive quantities of beta radiation</a:t>
-            </a:r>
-            <a:r>
-              <a:rPr lang="en-US" altLang="zh-CN" sz="1200" b="0" i="0" kern="1200" dirty="0" smtClean="0">
-                <a:solidFill>
-                  <a:schemeClr val="tx1"/>
-                </a:solidFill>
-                <a:latin typeface="+mn-lt"/>
-                <a:ea typeface="+mn-ea"/>
-                <a:cs typeface="+mn-cs"/>
-              </a:rPr>
-              <a:t>.</a:t>
+              <a:t>A bug in the code controlling the Therac-25 radiation therapy machine was directly responsible for at least five patient deaths in the 1980s when it administered excessive quantities of beta radiation.</a:t>
             </a:r>
           </a:p>
           <a:p>
@@ -7464,11 +8334,7 @@
             </a:pPr>
             <a:r>
               <a:rPr lang="en-US" altLang="zh-CN" dirty="0" smtClean="0"/>
-              <a:t>However, the </a:t>
-            </a:r>
-            <a:r>
-              <a:rPr lang="en-US" altLang="zh-CN" dirty="0" smtClean="0"/>
-              <a:t>large-scale production of reliable programs is a challenging problem in 1970s and even today.</a:t>
+              <a:t>However, the large-scale production of reliable programs is a challenging problem in 1970s and even today.</a:t>
             </a:r>
           </a:p>
           <a:p>
@@ -7491,15 +8357,7 @@
             </a:pPr>
             <a:r>
               <a:rPr lang="en-US" altLang="zh-CN" dirty="0" smtClean="0"/>
-              <a:t>It is </a:t>
-            </a:r>
-            <a:r>
-              <a:rPr lang="en-US" altLang="zh-CN" dirty="0" smtClean="0"/>
-              <a:t>difficult to verify the correctness of a program</a:t>
-            </a:r>
-            <a:r>
-              <a:rPr lang="en-US" altLang="zh-CN" dirty="0" smtClean="0"/>
-              <a:t>!</a:t>
+              <a:t>It is difficult to verify the correctness of a program!</a:t>
             </a:r>
           </a:p>
           <a:p>
@@ -7543,44 +8401,16 @@
             </a:r>
             <a:r>
               <a:rPr lang="en-US" altLang="zh-CN" baseline="0" dirty="0" smtClean="0"/>
-              <a:t> what about this red-black tree’s delete function? Maybe it is difficult </a:t>
-            </a:r>
+              <a:t> what about this red-black tree’s delete function? Maybe it is difficult for programmer to check out.</a:t>
+            </a:r>
+          </a:p>
+          <a:p>
+            <a:endParaRPr lang="en-US" altLang="zh-CN" baseline="0" dirty="0" smtClean="0"/>
+          </a:p>
+          <a:p>
             <a:r>
               <a:rPr lang="en-US" altLang="zh-CN" baseline="0" dirty="0" smtClean="0"/>
-              <a:t>for programmer to check </a:t>
-            </a:r>
-            <a:r>
-              <a:rPr lang="en-US" altLang="zh-CN" baseline="0" dirty="0" smtClean="0"/>
-              <a:t>out.</a:t>
-            </a:r>
-          </a:p>
-          <a:p>
-            <a:endParaRPr lang="en-US" altLang="zh-CN" baseline="0" dirty="0" smtClean="0"/>
-          </a:p>
-          <a:p>
-            <a:r>
-              <a:rPr lang="en-US" altLang="zh-CN" baseline="0" dirty="0" smtClean="0"/>
-              <a:t>Even more what </a:t>
-            </a:r>
-            <a:r>
-              <a:rPr lang="en-US" altLang="zh-CN" baseline="0" dirty="0" smtClean="0"/>
-              <a:t>about </a:t>
-            </a:r>
-            <a:r>
-              <a:rPr lang="en-US" altLang="zh-CN" baseline="0" dirty="0" smtClean="0"/>
-              <a:t>the </a:t>
-            </a:r>
-            <a:r>
-              <a:rPr lang="en-US" altLang="zh-CN" baseline="0" dirty="0" smtClean="0"/>
-              <a:t>program </a:t>
-            </a:r>
-            <a:r>
-              <a:rPr lang="en-US" altLang="zh-CN" baseline="0" dirty="0" smtClean="0"/>
-              <a:t>working in a real scenario</a:t>
-            </a:r>
-            <a:r>
-              <a:rPr lang="en-US" altLang="zh-CN" baseline="0" dirty="0" smtClean="0"/>
-              <a:t>? </a:t>
+              <a:t>Even more what about the program working in a real scenario? </a:t>
             </a:r>
             <a:endParaRPr lang="zh-CN" altLang="en-US" dirty="0"/>
           </a:p>
@@ -7718,15 +8548,7 @@
             </a:pPr>
             <a:r>
               <a:rPr lang="en-US" altLang="zh-CN" baseline="0" dirty="0" smtClean="0"/>
-              <a:t>That is, some small sample of the data </a:t>
-            </a:r>
-            <a:r>
-              <a:rPr lang="en-US" altLang="zh-CN" baseline="0" dirty="0" smtClean="0"/>
-              <a:t>is </a:t>
-            </a:r>
-            <a:r>
-              <a:rPr lang="en-US" altLang="zh-CN" baseline="0" dirty="0" smtClean="0"/>
-              <a:t>presented to program.</a:t>
+              <a:t>That is, some small sample of the data is presented to program.</a:t>
             </a:r>
           </a:p>
           <a:p>
@@ -8076,19 +8898,7 @@
             </a:pPr>
             <a:r>
               <a:rPr lang="en-US" altLang="zh-CN" dirty="0" smtClean="0"/>
-              <a:t>And the confidence of program proving </a:t>
-            </a:r>
-            <a:r>
-              <a:rPr lang="en-US" altLang="zh-CN" dirty="0" smtClean="0"/>
-              <a:t>depends on the creation of the specification and the construction of proof steps, which are </a:t>
-            </a:r>
-            <a:r>
-              <a:rPr lang="en-US" altLang="zh-CN" dirty="0" smtClean="0"/>
-              <a:t>both done by human and </a:t>
-            </a:r>
-            <a:r>
-              <a:rPr lang="en-US" altLang="zh-CN" dirty="0" smtClean="0"/>
-              <a:t>error-prone.</a:t>
+              <a:t>And the confidence of program proving depends on the creation of the specification and the construction of proof steps, which are both done by human and error-prone.</a:t>
             </a:r>
           </a:p>
           <a:p>
@@ -8180,77 +8990,26 @@
             </a:r>
             <a:r>
               <a:rPr lang="en-US" altLang="zh-CN" baseline="0" dirty="0" smtClean="0"/>
-              <a:t> testing and program proving can be considered as extreme alternatives</a:t>
-            </a:r>
+              <a:t> testing and program proving can be considered as extreme alternatives.</a:t>
+            </a:r>
+          </a:p>
+          <a:p>
             <a:r>
               <a:rPr lang="en-US" altLang="zh-CN" baseline="0" dirty="0" smtClean="0"/>
-              <a:t>.</a:t>
-            </a:r>
-            <a:endParaRPr lang="en-US" altLang="zh-CN" baseline="0" dirty="0" smtClean="0"/>
+              <a:t>Firstly, for testing, a programmer can be assured the sample tests work correctly by carefully checking the results.  But the correct execution for inputs not in the sample is still in doubt.</a:t>
+            </a:r>
           </a:p>
           <a:p>
             <a:r>
               <a:rPr lang="en-US" altLang="zh-CN" baseline="0" dirty="0" smtClean="0"/>
-              <a:t>Firstly, for testing</a:t>
-            </a:r>
+              <a:t>while program proving guarantees  all executions of the program meets its specification.</a:t>
+            </a:r>
+          </a:p>
+          <a:p>
             <a:r>
               <a:rPr lang="en-US" altLang="zh-CN" baseline="0" dirty="0" smtClean="0"/>
-              <a:t>, a programmer can be assured the sample </a:t>
-            </a:r>
-            <a:r>
-              <a:rPr lang="en-US" altLang="zh-CN" baseline="0" dirty="0" smtClean="0"/>
-              <a:t>tests </a:t>
-            </a:r>
-            <a:r>
-              <a:rPr lang="en-US" altLang="zh-CN" baseline="0" dirty="0" smtClean="0"/>
-              <a:t>work correctly by carefully checking the results</a:t>
-            </a:r>
-            <a:r>
-              <a:rPr lang="en-US" altLang="zh-CN" baseline="0" dirty="0" smtClean="0"/>
-              <a:t>.  But the </a:t>
-            </a:r>
-            <a:r>
-              <a:rPr lang="en-US" altLang="zh-CN" baseline="0" dirty="0" smtClean="0"/>
-              <a:t>correct execution for inputs not in the sample is still in doubt.</a:t>
-            </a:r>
-          </a:p>
-          <a:p>
-            <a:r>
-              <a:rPr lang="en-US" altLang="zh-CN" baseline="0" dirty="0" smtClean="0"/>
-              <a:t>while </a:t>
-            </a:r>
-            <a:r>
-              <a:rPr lang="en-US" altLang="zh-CN" baseline="0" dirty="0" smtClean="0"/>
-              <a:t>program proving </a:t>
-            </a:r>
-            <a:r>
-              <a:rPr lang="en-US" altLang="zh-CN" baseline="0" dirty="0" smtClean="0"/>
-              <a:t>guarantees  all executions of the </a:t>
-            </a:r>
-            <a:r>
-              <a:rPr lang="en-US" altLang="zh-CN" baseline="0" dirty="0" smtClean="0"/>
-              <a:t>program meets its </a:t>
-            </a:r>
-            <a:r>
-              <a:rPr lang="en-US" altLang="zh-CN" baseline="0" dirty="0" smtClean="0"/>
-              <a:t>specification.</a:t>
-            </a:r>
-            <a:endParaRPr lang="en-US" altLang="zh-CN" baseline="0" dirty="0" smtClean="0"/>
-          </a:p>
-          <a:p>
-            <a:r>
-              <a:rPr lang="en-US" altLang="zh-CN" baseline="0" dirty="0" smtClean="0"/>
-              <a:t>Secondly </a:t>
-            </a:r>
-            <a:r>
-              <a:rPr lang="en-US" altLang="zh-CN" baseline="0" dirty="0" smtClean="0"/>
-              <a:t>program testing is required to execute the program while program proving </a:t>
-            </a:r>
-            <a:r>
-              <a:rPr lang="en-US" altLang="zh-CN" baseline="0" dirty="0" smtClean="0"/>
-              <a:t>not.</a:t>
-            </a:r>
-            <a:endParaRPr lang="en-US" altLang="zh-CN" baseline="0" dirty="0" smtClean="0"/>
+              <a:t>Secondly program testing is required to execute the program while program proving not.</a:t>
+            </a:r>
           </a:p>
           <a:p>
             <a:r>
@@ -8263,27 +9022,11 @@
             </a:r>
             <a:r>
               <a:rPr lang="en-US" altLang="zh-CN" dirty="0" smtClean="0"/>
-              <a:t>program </a:t>
-            </a:r>
-            <a:r>
-              <a:rPr lang="en-US" altLang="zh-CN" dirty="0" smtClean="0"/>
-              <a:t>testing is easy to use while program</a:t>
+              <a:t>program testing is easy to use while program</a:t>
             </a:r>
             <a:r>
               <a:rPr lang="en-US" altLang="zh-CN" baseline="0" dirty="0" smtClean="0"/>
-              <a:t> proving is </a:t>
-            </a:r>
-            <a:r>
-              <a:rPr lang="en-US" altLang="zh-CN" baseline="0" dirty="0" smtClean="0"/>
-              <a:t>tough </a:t>
-            </a:r>
-            <a:r>
-              <a:rPr lang="en-US" altLang="zh-CN" baseline="0" dirty="0" smtClean="0"/>
-              <a:t>and </a:t>
-            </a:r>
-            <a:r>
-              <a:rPr lang="en-US" altLang="zh-CN" baseline="0" dirty="0" smtClean="0"/>
-              <a:t>sometimes tricky.</a:t>
+              <a:t> proving is tough and sometimes tricky.</a:t>
             </a:r>
             <a:endParaRPr lang="zh-CN" altLang="en-US" dirty="0"/>
           </a:p>
@@ -8493,7 +9236,7 @@
     </p:spTree>
     <p:extLst>
       <p:ext uri="{BB962C8B-B14F-4D97-AF65-F5344CB8AC3E}">
-        <p14:creationId xmlns:p14="http://schemas.microsoft.com/office/powerpoint/2010/main" val="3231357571"/>
+        <p14:creationId xmlns:p14="http://schemas.microsoft.com/office/powerpoint/2010/main" xmlns="" val="3231357571"/>
       </p:ext>
     </p:extLst>
   </p:cSld>
@@ -8555,15 +9298,7 @@
           <a:p>
             <a:r>
               <a:rPr lang="en-US" altLang="zh-CN" dirty="0" smtClean="0"/>
-              <a:t>while from a bug-finding perspective, </a:t>
-            </a:r>
-            <a:r>
-              <a:rPr lang="en-US" altLang="zh-CN" dirty="0" smtClean="0"/>
-              <a:t>symbolic execution</a:t>
-            </a:r>
-            <a:r>
-              <a:rPr lang="en-US" altLang="zh-CN" dirty="0" smtClean="0"/>
-              <a:t> provides developers with a concrete input that triggers the bug, which can be used to confirm and debug the error.</a:t>
+              <a:t>while from a bug-finding perspective, symbolic execution provides developers with a concrete input that triggers the bug, which can be used to confirm and debug the error.</a:t>
             </a:r>
           </a:p>
           <a:p>
@@ -8632,7 +9367,7 @@
     </p:spTree>
     <p:extLst>
       <p:ext uri="{BB962C8B-B14F-4D97-AF65-F5344CB8AC3E}">
-        <p14:creationId xmlns:p14="http://schemas.microsoft.com/office/powerpoint/2010/main" val="1691538243"/>
+        <p14:creationId xmlns:p14="http://schemas.microsoft.com/office/powerpoint/2010/main" xmlns="" val="1691538243"/>
       </p:ext>
     </p:extLst>
   </p:cSld>
@@ -9699,7 +10434,7 @@
             </a:clrChange>
             <a:extLst>
               <a:ext uri="{28A0092B-C50C-407E-A947-70E740481C1C}">
-                <a14:useLocalDpi xmlns:a14="http://schemas.microsoft.com/office/drawing/2010/main" val="0"/>
+                <a14:useLocalDpi xmlns:a14="http://schemas.microsoft.com/office/drawing/2010/main" xmlns="" val="0"/>
               </a:ext>
             </a:extLst>
           </a:blip>
@@ -9719,7 +10454,7 @@
           <a:noFill/>
           <a:extLst>
             <a:ext uri="{909E8E84-426E-40DD-AFC4-6F175D3DCCD1}">
-              <a14:hiddenFill xmlns:a14="http://schemas.microsoft.com/office/drawing/2010/main">
+              <a14:hiddenFill xmlns:a14="http://schemas.microsoft.com/office/drawing/2010/main" xmlns="">
                 <a:solidFill>
                   <a:srgbClr val="FFFFFF"/>
                 </a:solidFill>
@@ -9747,7 +10482,7 @@
             </a:duotone>
             <a:extLst>
               <a:ext uri="{28A0092B-C50C-407E-A947-70E740481C1C}">
-                <a14:useLocalDpi xmlns:a14="http://schemas.microsoft.com/office/drawing/2010/main" val="0"/>
+                <a14:useLocalDpi xmlns:a14="http://schemas.microsoft.com/office/drawing/2010/main" xmlns="" val="0"/>
               </a:ext>
             </a:extLst>
           </a:blip>
@@ -9767,7 +10502,7 @@
           <a:noFill/>
           <a:extLst>
             <a:ext uri="{909E8E84-426E-40DD-AFC4-6F175D3DCCD1}">
-              <a14:hiddenFill xmlns:a14="http://schemas.microsoft.com/office/drawing/2010/main">
+              <a14:hiddenFill xmlns:a14="http://schemas.microsoft.com/office/drawing/2010/main" xmlns="">
                 <a:solidFill>
                   <a:srgbClr val="FFFFFF"/>
                 </a:solidFill>
@@ -9788,7 +10523,7 @@
           <a:blip r:embed="rId4" cstate="print">
             <a:extLst>
               <a:ext uri="{28A0092B-C50C-407E-A947-70E740481C1C}">
-                <a14:useLocalDpi xmlns:a14="http://schemas.microsoft.com/office/drawing/2010/main" val="0"/>
+                <a14:useLocalDpi xmlns:a14="http://schemas.microsoft.com/office/drawing/2010/main" xmlns="" val="0"/>
               </a:ext>
             </a:extLst>
           </a:blip>
@@ -9809,20 +10544,20 @@
     </p:spTree>
     <p:extLst>
       <p:ext uri="{BB962C8B-B14F-4D97-AF65-F5344CB8AC3E}">
-        <p14:creationId xmlns:p14="http://schemas.microsoft.com/office/powerpoint/2010/main" val="3580256527"/>
+        <p14:creationId xmlns:p14="http://schemas.microsoft.com/office/powerpoint/2010/main" xmlns="" val="3580256527"/>
       </p:ext>
     </p:extLst>
   </p:cSld>
   <p:clrMapOvr>
     <a:masterClrMapping/>
   </p:clrMapOvr>
-  <mc:AlternateContent xmlns:mc="http://schemas.openxmlformats.org/markup-compatibility/2006" xmlns:p14="http://schemas.microsoft.com/office/powerpoint/2010/main">
-    <mc:Choice Requires="p14">
+  <mc:AlternateContent xmlns:mc="http://schemas.openxmlformats.org/markup-compatibility/2006">
+    <mc:Choice xmlns:p14="http://schemas.microsoft.com/office/powerpoint/2010/main" xmlns="" Requires="p14">
       <p:transition spd="med" p14:dur="700">
         <p:fade/>
       </p:transition>
     </mc:Choice>
-    <mc:Fallback xmlns="">
+    <mc:Fallback>
       <p:transition spd="med">
         <p:fade/>
       </p:transition>
@@ -10179,7 +10914,7 @@
           <a:blip r:embed="rId2" cstate="print">
             <a:extLst>
               <a:ext uri="{28A0092B-C50C-407E-A947-70E740481C1C}">
-                <a14:useLocalDpi xmlns:a14="http://schemas.microsoft.com/office/drawing/2010/main" val="0"/>
+                <a14:useLocalDpi xmlns:a14="http://schemas.microsoft.com/office/drawing/2010/main" xmlns="" val="0"/>
               </a:ext>
             </a:extLst>
           </a:blip>
@@ -10200,20 +10935,20 @@
     </p:spTree>
     <p:extLst>
       <p:ext uri="{BB962C8B-B14F-4D97-AF65-F5344CB8AC3E}">
-        <p14:creationId xmlns:p14="http://schemas.microsoft.com/office/powerpoint/2010/main" val="8597632"/>
+        <p14:creationId xmlns:p14="http://schemas.microsoft.com/office/powerpoint/2010/main" xmlns="" val="8597632"/>
       </p:ext>
     </p:extLst>
   </p:cSld>
   <p:clrMapOvr>
     <a:masterClrMapping/>
   </p:clrMapOvr>
-  <mc:AlternateContent xmlns:mc="http://schemas.openxmlformats.org/markup-compatibility/2006" xmlns:p14="http://schemas.microsoft.com/office/powerpoint/2010/main">
-    <mc:Choice Requires="p14">
+  <mc:AlternateContent xmlns:mc="http://schemas.openxmlformats.org/markup-compatibility/2006">
+    <mc:Choice xmlns:p14="http://schemas.microsoft.com/office/powerpoint/2010/main" xmlns="" Requires="p14">
       <p:transition spd="med" p14:dur="700">
         <p:fade/>
       </p:transition>
     </mc:Choice>
-    <mc:Fallback xmlns="">
+    <mc:Fallback>
       <p:transition spd="med">
         <p:fade/>
       </p:transition>
@@ -10705,20 +11440,20 @@
     </p:spTree>
     <p:extLst>
       <p:ext uri="{BB962C8B-B14F-4D97-AF65-F5344CB8AC3E}">
-        <p14:creationId xmlns:p14="http://schemas.microsoft.com/office/powerpoint/2010/main" val="3808301644"/>
+        <p14:creationId xmlns:p14="http://schemas.microsoft.com/office/powerpoint/2010/main" xmlns="" val="3808301644"/>
       </p:ext>
     </p:extLst>
   </p:cSld>
   <p:clrMapOvr>
     <a:masterClrMapping/>
   </p:clrMapOvr>
-  <mc:AlternateContent xmlns:mc="http://schemas.openxmlformats.org/markup-compatibility/2006" xmlns:p14="http://schemas.microsoft.com/office/powerpoint/2010/main">
-    <mc:Choice Requires="p14">
+  <mc:AlternateContent xmlns:mc="http://schemas.openxmlformats.org/markup-compatibility/2006">
+    <mc:Choice xmlns:p14="http://schemas.microsoft.com/office/powerpoint/2010/main" xmlns="" Requires="p14">
       <p:transition spd="med" p14:dur="700">
         <p:fade/>
       </p:transition>
     </mc:Choice>
-    <mc:Fallback xmlns="">
+    <mc:Fallback>
       <p:transition spd="med">
         <p:fade/>
       </p:transition>
@@ -11022,20 +11757,20 @@
     </p:spTree>
     <p:extLst>
       <p:ext uri="{BB962C8B-B14F-4D97-AF65-F5344CB8AC3E}">
-        <p14:creationId xmlns:p14="http://schemas.microsoft.com/office/powerpoint/2010/main" val="3215307960"/>
+        <p14:creationId xmlns:p14="http://schemas.microsoft.com/office/powerpoint/2010/main" xmlns="" val="3215307960"/>
       </p:ext>
     </p:extLst>
   </p:cSld>
   <p:clrMapOvr>
     <a:masterClrMapping/>
   </p:clrMapOvr>
-  <mc:AlternateContent xmlns:mc="http://schemas.openxmlformats.org/markup-compatibility/2006" xmlns:p14="http://schemas.microsoft.com/office/powerpoint/2010/main">
-    <mc:Choice Requires="p14">
+  <mc:AlternateContent xmlns:mc="http://schemas.openxmlformats.org/markup-compatibility/2006">
+    <mc:Choice xmlns:p14="http://schemas.microsoft.com/office/powerpoint/2010/main" xmlns="" Requires="p14">
       <p:transition spd="med" p14:dur="700">
         <p:fade/>
       </p:transition>
     </mc:Choice>
-    <mc:Fallback xmlns="">
+    <mc:Fallback>
       <p:transition spd="med">
         <p:fade/>
       </p:transition>
@@ -11445,20 +12180,20 @@
     </p:spTree>
     <p:extLst>
       <p:ext uri="{BB962C8B-B14F-4D97-AF65-F5344CB8AC3E}">
-        <p14:creationId xmlns:p14="http://schemas.microsoft.com/office/powerpoint/2010/main" val="1172086531"/>
+        <p14:creationId xmlns:p14="http://schemas.microsoft.com/office/powerpoint/2010/main" xmlns="" val="1172086531"/>
       </p:ext>
     </p:extLst>
   </p:cSld>
   <p:clrMapOvr>
     <a:masterClrMapping/>
   </p:clrMapOvr>
-  <mc:AlternateContent xmlns:mc="http://schemas.openxmlformats.org/markup-compatibility/2006" xmlns:p14="http://schemas.microsoft.com/office/powerpoint/2010/main">
-    <mc:Choice Requires="p14">
+  <mc:AlternateContent xmlns:mc="http://schemas.openxmlformats.org/markup-compatibility/2006">
+    <mc:Choice xmlns:p14="http://schemas.microsoft.com/office/powerpoint/2010/main" xmlns="" Requires="p14">
       <p:transition spd="med" p14:dur="700">
         <p:fade/>
       </p:transition>
     </mc:Choice>
-    <mc:Fallback xmlns="">
+    <mc:Fallback>
       <p:transition spd="med">
         <p:fade/>
       </p:transition>
@@ -11630,20 +12365,20 @@
     </p:spTree>
     <p:extLst>
       <p:ext uri="{BB962C8B-B14F-4D97-AF65-F5344CB8AC3E}">
-        <p14:creationId xmlns:p14="http://schemas.microsoft.com/office/powerpoint/2010/main" val="1326722798"/>
+        <p14:creationId xmlns:p14="http://schemas.microsoft.com/office/powerpoint/2010/main" xmlns="" val="1326722798"/>
       </p:ext>
     </p:extLst>
   </p:cSld>
   <p:clrMapOvr>
     <a:masterClrMapping/>
   </p:clrMapOvr>
-  <mc:AlternateContent xmlns:mc="http://schemas.openxmlformats.org/markup-compatibility/2006" xmlns:p14="http://schemas.microsoft.com/office/powerpoint/2010/main">
-    <mc:Choice Requires="p14">
+  <mc:AlternateContent xmlns:mc="http://schemas.openxmlformats.org/markup-compatibility/2006">
+    <mc:Choice xmlns:p14="http://schemas.microsoft.com/office/powerpoint/2010/main" xmlns="" Requires="p14">
       <p:transition spd="med" p14:dur="700">
         <p:fade/>
       </p:transition>
     </mc:Choice>
-    <mc:Fallback xmlns="">
+    <mc:Fallback>
       <p:transition spd="med">
         <p:fade/>
       </p:transition>
@@ -11784,20 +12519,20 @@
     </p:spTree>
     <p:extLst>
       <p:ext uri="{BB962C8B-B14F-4D97-AF65-F5344CB8AC3E}">
-        <p14:creationId xmlns:p14="http://schemas.microsoft.com/office/powerpoint/2010/main" val="796909310"/>
+        <p14:creationId xmlns:p14="http://schemas.microsoft.com/office/powerpoint/2010/main" xmlns="" val="796909310"/>
       </p:ext>
     </p:extLst>
   </p:cSld>
   <p:clrMapOvr>
     <a:masterClrMapping/>
   </p:clrMapOvr>
-  <mc:AlternateContent xmlns:mc="http://schemas.openxmlformats.org/markup-compatibility/2006" xmlns:p14="http://schemas.microsoft.com/office/powerpoint/2010/main">
-    <mc:Choice Requires="p14">
+  <mc:AlternateContent xmlns:mc="http://schemas.openxmlformats.org/markup-compatibility/2006">
+    <mc:Choice xmlns:p14="http://schemas.microsoft.com/office/powerpoint/2010/main" xmlns="" Requires="p14">
       <p:transition spd="med" p14:dur="700">
         <p:fade/>
       </p:transition>
     </mc:Choice>
-    <mc:Fallback xmlns="">
+    <mc:Fallback>
       <p:transition spd="med">
         <p:fade/>
       </p:transition>
@@ -12130,20 +12865,20 @@
     </p:spTree>
     <p:extLst>
       <p:ext uri="{BB962C8B-B14F-4D97-AF65-F5344CB8AC3E}">
-        <p14:creationId xmlns:p14="http://schemas.microsoft.com/office/powerpoint/2010/main" val="3738623974"/>
+        <p14:creationId xmlns:p14="http://schemas.microsoft.com/office/powerpoint/2010/main" xmlns="" val="3738623974"/>
       </p:ext>
     </p:extLst>
   </p:cSld>
   <p:clrMapOvr>
     <a:masterClrMapping/>
   </p:clrMapOvr>
-  <mc:AlternateContent xmlns:mc="http://schemas.openxmlformats.org/markup-compatibility/2006" xmlns:p14="http://schemas.microsoft.com/office/powerpoint/2010/main">
-    <mc:Choice Requires="p14">
+  <mc:AlternateContent xmlns:mc="http://schemas.openxmlformats.org/markup-compatibility/2006">
+    <mc:Choice xmlns:p14="http://schemas.microsoft.com/office/powerpoint/2010/main" xmlns="" Requires="p14">
       <p:transition spd="med" p14:dur="700">
         <p:fade/>
       </p:transition>
     </mc:Choice>
-    <mc:Fallback xmlns="">
+    <mc:Fallback>
       <p:transition spd="med">
         <p:fade/>
       </p:transition>
@@ -12747,20 +13482,20 @@
     </p:spTree>
     <p:extLst>
       <p:ext uri="{BB962C8B-B14F-4D97-AF65-F5344CB8AC3E}">
-        <p14:creationId xmlns:p14="http://schemas.microsoft.com/office/powerpoint/2010/main" val="447198579"/>
+        <p14:creationId xmlns:p14="http://schemas.microsoft.com/office/powerpoint/2010/main" xmlns="" val="447198579"/>
       </p:ext>
     </p:extLst>
   </p:cSld>
   <p:clrMapOvr>
     <a:masterClrMapping/>
   </p:clrMapOvr>
-  <mc:AlternateContent xmlns:mc="http://schemas.openxmlformats.org/markup-compatibility/2006" xmlns:p14="http://schemas.microsoft.com/office/powerpoint/2010/main">
-    <mc:Choice Requires="p14">
+  <mc:AlternateContent xmlns:mc="http://schemas.openxmlformats.org/markup-compatibility/2006">
+    <mc:Choice xmlns:p14="http://schemas.microsoft.com/office/powerpoint/2010/main" xmlns="" Requires="p14">
       <p:transition spd="med" p14:dur="700">
         <p:fade/>
       </p:transition>
     </mc:Choice>
-    <mc:Fallback xmlns="">
+    <mc:Fallback>
       <p:transition spd="med">
         <p:fade/>
       </p:transition>
@@ -12974,20 +13709,20 @@
     </p:spTree>
     <p:extLst>
       <p:ext uri="{BB962C8B-B14F-4D97-AF65-F5344CB8AC3E}">
-        <p14:creationId xmlns:p14="http://schemas.microsoft.com/office/powerpoint/2010/main" val="3000633228"/>
+        <p14:creationId xmlns:p14="http://schemas.microsoft.com/office/powerpoint/2010/main" xmlns="" val="3000633228"/>
       </p:ext>
     </p:extLst>
   </p:cSld>
   <p:clrMapOvr>
     <a:masterClrMapping/>
   </p:clrMapOvr>
-  <mc:AlternateContent xmlns:mc="http://schemas.openxmlformats.org/markup-compatibility/2006" xmlns:p14="http://schemas.microsoft.com/office/powerpoint/2010/main">
-    <mc:Choice Requires="p14">
+  <mc:AlternateContent xmlns:mc="http://schemas.openxmlformats.org/markup-compatibility/2006">
+    <mc:Choice xmlns:p14="http://schemas.microsoft.com/office/powerpoint/2010/main" xmlns="" Requires="p14">
       <p:transition spd="med" p14:dur="700">
         <p:fade/>
       </p:transition>
     </mc:Choice>
-    <mc:Fallback xmlns="">
+    <mc:Fallback>
       <p:transition spd="med">
         <p:fade/>
       </p:transition>
@@ -13211,20 +13946,20 @@
     </p:spTree>
     <p:extLst>
       <p:ext uri="{BB962C8B-B14F-4D97-AF65-F5344CB8AC3E}">
-        <p14:creationId xmlns:p14="http://schemas.microsoft.com/office/powerpoint/2010/main" val="1082700791"/>
+        <p14:creationId xmlns:p14="http://schemas.microsoft.com/office/powerpoint/2010/main" xmlns="" val="1082700791"/>
       </p:ext>
     </p:extLst>
   </p:cSld>
   <p:clrMapOvr>
     <a:masterClrMapping/>
   </p:clrMapOvr>
-  <mc:AlternateContent xmlns:mc="http://schemas.openxmlformats.org/markup-compatibility/2006" xmlns:p14="http://schemas.microsoft.com/office/powerpoint/2010/main">
-    <mc:Choice Requires="p14">
+  <mc:AlternateContent xmlns:mc="http://schemas.openxmlformats.org/markup-compatibility/2006">
+    <mc:Choice xmlns:p14="http://schemas.microsoft.com/office/powerpoint/2010/main" xmlns="" Requires="p14">
       <p:transition spd="med" p14:dur="700">
         <p:fade/>
       </p:transition>
     </mc:Choice>
-    <mc:Fallback xmlns="">
+    <mc:Fallback>
       <p:transition spd="med">
         <p:fade/>
       </p:transition>
@@ -16388,7 +17123,7 @@
     </p:spTree>
     <p:extLst>
       <p:ext uri="{BB962C8B-B14F-4D97-AF65-F5344CB8AC3E}">
-        <p14:creationId xmlns:p14="http://schemas.microsoft.com/office/powerpoint/2010/main" val="2937136900"/>
+        <p14:creationId xmlns:p14="http://schemas.microsoft.com/office/powerpoint/2010/main" xmlns="" val="2937136900"/>
       </p:ext>
     </p:extLst>
   </p:cSld>
@@ -16406,13 +17141,13 @@
     <p:sldLayoutId id="2147483790" r:id="rId10"/>
     <p:sldLayoutId id="2147483791" r:id="rId11"/>
   </p:sldLayoutIdLst>
-  <mc:AlternateContent xmlns:mc="http://schemas.openxmlformats.org/markup-compatibility/2006" xmlns:p14="http://schemas.microsoft.com/office/powerpoint/2010/main">
-    <mc:Choice Requires="p14">
+  <mc:AlternateContent xmlns:mc="http://schemas.openxmlformats.org/markup-compatibility/2006">
+    <mc:Choice xmlns:p14="http://schemas.microsoft.com/office/powerpoint/2010/main" xmlns="" Requires="p14">
       <p:transition spd="med" p14:dur="700">
         <p:fade/>
       </p:transition>
     </mc:Choice>
-    <mc:Fallback xmlns="">
+    <mc:Fallback>
       <p:transition spd="med">
         <p:fade/>
       </p:transition>
@@ -17446,20 +18181,20 @@
     </p:spTree>
     <p:extLst>
       <p:ext uri="{BB962C8B-B14F-4D97-AF65-F5344CB8AC3E}">
-        <p14:creationId xmlns:p14="http://schemas.microsoft.com/office/powerpoint/2010/main" val="2446117524"/>
+        <p14:creationId xmlns:p14="http://schemas.microsoft.com/office/powerpoint/2010/main" xmlns="" val="2446117524"/>
       </p:ext>
     </p:extLst>
   </p:cSld>
   <p:clrMapOvr>
     <a:masterClrMapping/>
   </p:clrMapOvr>
-  <mc:AlternateContent xmlns:mc="http://schemas.openxmlformats.org/markup-compatibility/2006" xmlns:p14="http://schemas.microsoft.com/office/powerpoint/2010/main">
-    <mc:Choice Requires="p14">
+  <mc:AlternateContent xmlns:mc="http://schemas.openxmlformats.org/markup-compatibility/2006">
+    <mc:Choice xmlns:p14="http://schemas.microsoft.com/office/powerpoint/2010/main" xmlns="" Requires="p14">
       <p:transition spd="med" p14:dur="700" advTm="9691">
         <p:fade/>
       </p:transition>
     </mc:Choice>
-    <mc:Fallback xmlns="">
+    <mc:Fallback>
       <p:transition spd="med" advTm="9691">
         <p:fade/>
       </p:transition>
@@ -17736,7 +18471,7 @@
     </p:spTree>
     <p:extLst>
       <p:ext uri="{BB962C8B-B14F-4D97-AF65-F5344CB8AC3E}">
-        <p14:creationId xmlns:p14="http://schemas.microsoft.com/office/powerpoint/2010/main" val="3726184429"/>
+        <p14:creationId xmlns:p14="http://schemas.microsoft.com/office/powerpoint/2010/main" xmlns="" val="3726184429"/>
       </p:ext>
     </p:extLst>
   </p:cSld>
@@ -17905,7 +18640,7 @@
           <a:blip r:embed="rId3" cstate="print">
             <a:extLst>
               <a:ext uri="{28A0092B-C50C-407E-A947-70E740481C1C}">
-                <a14:useLocalDpi xmlns:a14="http://schemas.microsoft.com/office/drawing/2010/main" val="0"/>
+                <a14:useLocalDpi xmlns:a14="http://schemas.microsoft.com/office/drawing/2010/main" xmlns="" val="0"/>
               </a:ext>
             </a:extLst>
           </a:blip>
@@ -18648,7 +19383,7 @@
     </p:spTree>
     <p:extLst>
       <p:ext uri="{BB962C8B-B14F-4D97-AF65-F5344CB8AC3E}">
-        <p14:creationId xmlns:p14="http://schemas.microsoft.com/office/powerpoint/2010/main" val="1552289168"/>
+        <p14:creationId xmlns:p14="http://schemas.microsoft.com/office/powerpoint/2010/main" xmlns="" val="1552289168"/>
       </p:ext>
     </p:extLst>
   </p:cSld>
@@ -19444,7 +20179,7 @@
           <a:blip r:embed="rId3" cstate="print">
             <a:extLst>
               <a:ext uri="{28A0092B-C50C-407E-A947-70E740481C1C}">
-                <a14:useLocalDpi xmlns:a14="http://schemas.microsoft.com/office/drawing/2010/main" val="0"/>
+                <a14:useLocalDpi xmlns:a14="http://schemas.microsoft.com/office/drawing/2010/main" xmlns="" val="0"/>
               </a:ext>
             </a:extLst>
           </a:blip>
@@ -20007,7 +20742,7 @@
     </p:spTree>
     <p:extLst>
       <p:ext uri="{BB962C8B-B14F-4D97-AF65-F5344CB8AC3E}">
-        <p14:creationId xmlns:p14="http://schemas.microsoft.com/office/powerpoint/2010/main" val="196800628"/>
+        <p14:creationId xmlns:p14="http://schemas.microsoft.com/office/powerpoint/2010/main" xmlns="" val="196800628"/>
       </p:ext>
     </p:extLst>
   </p:cSld>
@@ -20594,7 +21329,7 @@
         <p:spPr>
           <a:xfrm>
             <a:off x="4572000" y="1844824"/>
-            <a:ext cx="4392488" cy="1323439"/>
+            <a:ext cx="4392488" cy="1584176"/>
           </a:xfrm>
           <a:prstGeom prst="rect">
             <a:avLst/>
@@ -22004,7 +22739,7 @@
         </p:nvSpPr>
         <p:spPr>
           <a:xfrm>
-            <a:off x="5207977" y="3498015"/>
+            <a:off x="5207977" y="3669573"/>
             <a:ext cx="3900527" cy="830997"/>
           </a:xfrm>
           <a:prstGeom prst="rect">
@@ -22046,7 +22781,7 @@
     </p:spTree>
     <p:extLst>
       <p:ext uri="{BB962C8B-B14F-4D97-AF65-F5344CB8AC3E}">
-        <p14:creationId xmlns:p14="http://schemas.microsoft.com/office/powerpoint/2010/main" val="2032435664"/>
+        <p14:creationId xmlns:p14="http://schemas.microsoft.com/office/powerpoint/2010/main" xmlns="" val="2032435664"/>
       </p:ext>
     </p:extLst>
   </p:cSld>
@@ -22074,7 +22809,7 @@
                             </p:stCondLst>
                             <p:childTnLst>
                               <p:par>
-                                <p:cTn id="5" presetID="1" presetClass="entr" presetSubtype="0" fill="hold" grpId="0" nodeType="clickEffect">
+                                <p:cTn id="5" presetID="10" presetClass="entr" presetSubtype="0" fill="hold" grpId="0" nodeType="clickEffect">
                                   <p:stCondLst>
                                     <p:cond delay="0"/>
                                   </p:stCondLst>
@@ -22097,36 +22832,26 @@
                                         <p:strVal val="visible"/>
                                       </p:to>
                                     </p:set>
+                                    <p:animEffect transition="in" filter="fade">
+                                      <p:cBhvr>
+                                        <p:cTn id="7" dur="500"/>
+                                        <p:tgtEl>
+                                          <p:spTgt spid="18"/>
+                                        </p:tgtEl>
+                                      </p:cBhvr>
+                                    </p:animEffect>
                                   </p:childTnLst>
                                 </p:cTn>
                               </p:par>
-                            </p:childTnLst>
-                          </p:cTn>
-                        </p:par>
-                      </p:childTnLst>
-                    </p:cTn>
-                  </p:par>
-                  <p:par>
-                    <p:cTn id="7" fill="hold">
-                      <p:stCondLst>
-                        <p:cond delay="indefinite"/>
-                      </p:stCondLst>
-                      <p:childTnLst>
-                        <p:par>
-                          <p:cTn id="8" fill="hold">
-                            <p:stCondLst>
-                              <p:cond delay="0"/>
-                            </p:stCondLst>
-                            <p:childTnLst>
                               <p:par>
-                                <p:cTn id="9" presetID="1" presetClass="entr" presetSubtype="0" fill="hold" grpId="0" nodeType="clickEffect">
+                                <p:cTn id="8" presetID="10" presetClass="entr" presetSubtype="0" fill="hold" grpId="0" nodeType="withEffect">
                                   <p:stCondLst>
                                     <p:cond delay="0"/>
                                   </p:stCondLst>
                                   <p:childTnLst>
                                     <p:set>
                                       <p:cBhvr>
-                                        <p:cTn id="10" dur="1" fill="hold">
+                                        <p:cTn id="9" dur="1" fill="hold">
                                           <p:stCondLst>
                                             <p:cond delay="0"/>
                                           </p:stCondLst>
@@ -22142,36 +22867,35 @@
                                         <p:strVal val="visible"/>
                                       </p:to>
                                     </p:set>
+                                    <p:animEffect transition="in" filter="fade">
+                                      <p:cBhvr>
+                                        <p:cTn id="10" dur="500"/>
+                                        <p:tgtEl>
+                                          <p:spTgt spid="16"/>
+                                        </p:tgtEl>
+                                      </p:cBhvr>
+                                    </p:animEffect>
                                   </p:childTnLst>
                                 </p:cTn>
                               </p:par>
                             </p:childTnLst>
                           </p:cTn>
                         </p:par>
-                      </p:childTnLst>
-                    </p:cTn>
-                  </p:par>
-                  <p:par>
-                    <p:cTn id="11" fill="hold">
-                      <p:stCondLst>
-                        <p:cond delay="indefinite"/>
-                      </p:stCondLst>
-                      <p:childTnLst>
                         <p:par>
-                          <p:cTn id="12" fill="hold">
+                          <p:cTn id="11" fill="hold">
                             <p:stCondLst>
-                              <p:cond delay="0"/>
+                              <p:cond delay="500"/>
                             </p:stCondLst>
                             <p:childTnLst>
                               <p:par>
-                                <p:cTn id="13" presetID="1" presetClass="entr" presetSubtype="0" fill="hold" grpId="0" nodeType="clickEffect">
+                                <p:cTn id="12" presetID="10" presetClass="entr" presetSubtype="0" fill="hold" grpId="0" nodeType="afterEffect">
                                   <p:stCondLst>
                                     <p:cond delay="0"/>
                                   </p:stCondLst>
                                   <p:childTnLst>
                                     <p:set>
                                       <p:cBhvr>
-                                        <p:cTn id="14" dur="1" fill="hold">
+                                        <p:cTn id="13" dur="1" fill="hold">
                                           <p:stCondLst>
                                             <p:cond delay="0"/>
                                           </p:stCondLst>
@@ -22187,36 +22911,26 @@
                                         <p:strVal val="visible"/>
                                       </p:to>
                                     </p:set>
+                                    <p:animEffect transition="in" filter="fade">
+                                      <p:cBhvr>
+                                        <p:cTn id="14" dur="500"/>
+                                        <p:tgtEl>
+                                          <p:spTgt spid="19"/>
+                                        </p:tgtEl>
+                                      </p:cBhvr>
+                                    </p:animEffect>
                                   </p:childTnLst>
                                 </p:cTn>
                               </p:par>
-                            </p:childTnLst>
-                          </p:cTn>
-                        </p:par>
-                      </p:childTnLst>
-                    </p:cTn>
-                  </p:par>
-                  <p:par>
-                    <p:cTn id="15" fill="hold">
-                      <p:stCondLst>
-                        <p:cond delay="indefinite"/>
-                      </p:stCondLst>
-                      <p:childTnLst>
-                        <p:par>
-                          <p:cTn id="16" fill="hold">
-                            <p:stCondLst>
-                              <p:cond delay="0"/>
-                            </p:stCondLst>
-                            <p:childTnLst>
                               <p:par>
-                                <p:cTn id="17" presetID="1" presetClass="entr" presetSubtype="0" fill="hold" grpId="0" nodeType="clickEffect">
+                                <p:cTn id="15" presetID="10" presetClass="entr" presetSubtype="0" fill="hold" grpId="0" nodeType="withEffect">
                                   <p:stCondLst>
                                     <p:cond delay="0"/>
                                   </p:stCondLst>
                                   <p:childTnLst>
                                     <p:set>
                                       <p:cBhvr>
-                                        <p:cTn id="18" dur="1" fill="hold">
+                                        <p:cTn id="16" dur="1" fill="hold">
                                           <p:stCondLst>
                                             <p:cond delay="0"/>
                                           </p:stCondLst>
@@ -22232,6 +22946,14 @@
                                         <p:strVal val="visible"/>
                                       </p:to>
                                     </p:set>
+                                    <p:animEffect transition="in" filter="fade">
+                                      <p:cBhvr>
+                                        <p:cTn id="17" dur="500"/>
+                                        <p:tgtEl>
+                                          <p:spTgt spid="21"/>
+                                        </p:tgtEl>
+                                      </p:cBhvr>
+                                    </p:animEffect>
                                   </p:childTnLst>
                                 </p:cTn>
                               </p:par>
@@ -22242,26 +22964,26 @@
                     </p:cTn>
                   </p:par>
                   <p:par>
-                    <p:cTn id="19" fill="hold">
+                    <p:cTn id="18" fill="hold">
                       <p:stCondLst>
                         <p:cond delay="indefinite"/>
                       </p:stCondLst>
                       <p:childTnLst>
                         <p:par>
-                          <p:cTn id="20" fill="hold">
+                          <p:cTn id="19" fill="hold">
                             <p:stCondLst>
                               <p:cond delay="0"/>
                             </p:stCondLst>
                             <p:childTnLst>
                               <p:par>
-                                <p:cTn id="21" presetID="1" presetClass="entr" presetSubtype="0" fill="hold" grpId="0" nodeType="clickEffect">
+                                <p:cTn id="20" presetID="1" presetClass="entr" presetSubtype="0" fill="hold" grpId="0" nodeType="clickEffect">
                                   <p:stCondLst>
                                     <p:cond delay="0"/>
                                   </p:stCondLst>
                                   <p:childTnLst>
                                     <p:set>
                                       <p:cBhvr>
-                                        <p:cTn id="22" dur="1" fill="hold">
+                                        <p:cTn id="21" dur="1" fill="hold">
                                           <p:stCondLst>
                                             <p:cond delay="0"/>
                                           </p:stCondLst>
@@ -22287,26 +23009,26 @@
                     </p:cTn>
                   </p:par>
                   <p:par>
-                    <p:cTn id="23" fill="hold">
+                    <p:cTn id="22" fill="hold">
                       <p:stCondLst>
                         <p:cond delay="indefinite"/>
                       </p:stCondLst>
                       <p:childTnLst>
                         <p:par>
-                          <p:cTn id="24" fill="hold">
+                          <p:cTn id="23" fill="hold">
                             <p:stCondLst>
                               <p:cond delay="0"/>
                             </p:stCondLst>
                             <p:childTnLst>
                               <p:par>
-                                <p:cTn id="25" presetID="10" presetClass="entr" presetSubtype="0" fill="hold" nodeType="clickEffect">
+                                <p:cTn id="24" presetID="10" presetClass="entr" presetSubtype="0" fill="hold" nodeType="clickEffect">
                                   <p:stCondLst>
                                     <p:cond delay="0"/>
                                   </p:stCondLst>
                                   <p:childTnLst>
                                     <p:set>
                                       <p:cBhvr>
-                                        <p:cTn id="26" dur="1" fill="hold">
+                                        <p:cTn id="25" dur="1" fill="hold">
                                           <p:stCondLst>
                                             <p:cond delay="0"/>
                                           </p:stCondLst>
@@ -22328,7 +23050,7 @@
                                     </p:set>
                                     <p:animEffect transition="in" filter="fade">
                                       <p:cBhvr>
-                                        <p:cTn id="27" dur="500"/>
+                                        <p:cTn id="26" dur="500"/>
                                         <p:tgtEl>
                                           <p:spTgt spid="29">
                                             <p:txEl>
@@ -22342,14 +23064,14 @@
                                 </p:cTn>
                               </p:par>
                               <p:par>
-                                <p:cTn id="28" presetID="10" presetClass="entr" presetSubtype="0" fill="hold" nodeType="withEffect">
+                                <p:cTn id="27" presetID="10" presetClass="entr" presetSubtype="0" fill="hold" nodeType="withEffect">
                                   <p:stCondLst>
                                     <p:cond delay="0"/>
                                   </p:stCondLst>
                                   <p:childTnLst>
                                     <p:set>
                                       <p:cBhvr>
-                                        <p:cTn id="29" dur="1" fill="hold">
+                                        <p:cTn id="28" dur="1" fill="hold">
                                           <p:stCondLst>
                                             <p:cond delay="0"/>
                                           </p:stCondLst>
@@ -22371,7 +23093,7 @@
                                     </p:set>
                                     <p:animEffect transition="in" filter="fade">
                                       <p:cBhvr>
-                                        <p:cTn id="30" dur="500"/>
+                                        <p:cTn id="29" dur="500"/>
                                         <p:tgtEl>
                                           <p:spTgt spid="29">
                                             <p:txEl>
@@ -22388,20 +23110,20 @@
                           </p:cTn>
                         </p:par>
                         <p:par>
-                          <p:cTn id="31" fill="hold">
+                          <p:cTn id="30" fill="hold">
                             <p:stCondLst>
                               <p:cond delay="500"/>
                             </p:stCondLst>
                             <p:childTnLst>
                               <p:par>
-                                <p:cTn id="32" presetID="10" presetClass="entr" presetSubtype="0" fill="hold" nodeType="afterEffect">
+                                <p:cTn id="31" presetID="10" presetClass="entr" presetSubtype="0" fill="hold" nodeType="afterEffect">
                                   <p:stCondLst>
                                     <p:cond delay="0"/>
                                   </p:stCondLst>
                                   <p:childTnLst>
                                     <p:set>
                                       <p:cBhvr>
-                                        <p:cTn id="33" dur="1" fill="hold">
+                                        <p:cTn id="32" dur="1" fill="hold">
                                           <p:stCondLst>
                                             <p:cond delay="0"/>
                                           </p:stCondLst>
@@ -22423,7 +23145,7 @@
                                     </p:set>
                                     <p:animEffect transition="in" filter="fade">
                                       <p:cBhvr>
-                                        <p:cTn id="34" dur="500"/>
+                                        <p:cTn id="33" dur="500"/>
                                         <p:tgtEl>
                                           <p:spTgt spid="30">
                                             <p:txEl>
@@ -22437,14 +23159,14 @@
                                 </p:cTn>
                               </p:par>
                               <p:par>
-                                <p:cTn id="35" presetID="10" presetClass="entr" presetSubtype="0" fill="hold" nodeType="withEffect">
+                                <p:cTn id="34" presetID="10" presetClass="entr" presetSubtype="0" fill="hold" nodeType="withEffect">
                                   <p:stCondLst>
                                     <p:cond delay="0"/>
                                   </p:stCondLst>
                                   <p:childTnLst>
                                     <p:set>
                                       <p:cBhvr>
-                                        <p:cTn id="36" dur="1" fill="hold">
+                                        <p:cTn id="35" dur="1" fill="hold">
                                           <p:stCondLst>
                                             <p:cond delay="0"/>
                                           </p:stCondLst>
@@ -22466,7 +23188,7 @@
                                     </p:set>
                                     <p:animEffect transition="in" filter="fade">
                                       <p:cBhvr>
-                                        <p:cTn id="37" dur="500"/>
+                                        <p:cTn id="36" dur="500"/>
                                         <p:tgtEl>
                                           <p:spTgt spid="30">
                                             <p:txEl>
@@ -22483,20 +23205,20 @@
                           </p:cTn>
                         </p:par>
                         <p:par>
-                          <p:cTn id="38" fill="hold">
+                          <p:cTn id="37" fill="hold">
                             <p:stCondLst>
                               <p:cond delay="1000"/>
                             </p:stCondLst>
                             <p:childTnLst>
                               <p:par>
-                                <p:cTn id="39" presetID="10" presetClass="entr" presetSubtype="0" fill="hold" nodeType="afterEffect">
+                                <p:cTn id="38" presetID="10" presetClass="entr" presetSubtype="0" fill="hold" nodeType="afterEffect">
                                   <p:stCondLst>
                                     <p:cond delay="0"/>
                                   </p:stCondLst>
                                   <p:childTnLst>
                                     <p:set>
                                       <p:cBhvr>
-                                        <p:cTn id="40" dur="1" fill="hold">
+                                        <p:cTn id="39" dur="1" fill="hold">
                                           <p:stCondLst>
                                             <p:cond delay="0"/>
                                           </p:stCondLst>
@@ -22518,7 +23240,7 @@
                                     </p:set>
                                     <p:animEffect transition="in" filter="fade">
                                       <p:cBhvr>
-                                        <p:cTn id="41" dur="500"/>
+                                        <p:cTn id="40" dur="500"/>
                                         <p:tgtEl>
                                           <p:spTgt spid="31">
                                             <p:txEl>
@@ -22532,14 +23254,14 @@
                                 </p:cTn>
                               </p:par>
                               <p:par>
-                                <p:cTn id="42" presetID="10" presetClass="entr" presetSubtype="0" fill="hold" nodeType="withEffect">
+                                <p:cTn id="41" presetID="10" presetClass="entr" presetSubtype="0" fill="hold" nodeType="withEffect">
                                   <p:stCondLst>
                                     <p:cond delay="0"/>
                                   </p:stCondLst>
                                   <p:childTnLst>
                                     <p:set>
                                       <p:cBhvr>
-                                        <p:cTn id="43" dur="1" fill="hold">
+                                        <p:cTn id="42" dur="1" fill="hold">
                                           <p:stCondLst>
                                             <p:cond delay="0"/>
                                           </p:stCondLst>
@@ -22561,7 +23283,7 @@
                                     </p:set>
                                     <p:animEffect transition="in" filter="fade">
                                       <p:cBhvr>
-                                        <p:cTn id="44" dur="500"/>
+                                        <p:cTn id="43" dur="500"/>
                                         <p:tgtEl>
                                           <p:spTgt spid="31">
                                             <p:txEl>
@@ -23336,7 +24058,7 @@
                 <a:ea typeface="宋体"/>
               </a:rPr>
               <a:pPr/>
-              <a:t>2020/12/2</a:t>
+              <a:t>2020/12/3</a:t>
             </a:fld>
             <a:endParaRPr kumimoji="1" lang="zh-CN" altLang="en-US">
               <a:solidFill>
@@ -23419,7 +24141,7 @@
           <p:nvPr>
             <p:extLst>
               <p:ext uri="{D42A27DB-BD31-4B8C-83A1-F6EECF244321}">
-                <p14:modId xmlns:p14="http://schemas.microsoft.com/office/powerpoint/2010/main" val="2872452078"/>
+                <p14:modId xmlns:p14="http://schemas.microsoft.com/office/powerpoint/2010/main" xmlns="" val="2872452078"/>
               </p:ext>
             </p:extLst>
           </p:nvPr>
@@ -23438,21 +24160,21 @@
                 <a:gridCol w="1779625">
                   <a:extLst>
                     <a:ext uri="{9D8B030D-6E8A-4147-A177-3AD203B41FA5}">
-                      <a16:colId xmlns:a16="http://schemas.microsoft.com/office/drawing/2014/main" val="20000"/>
+                      <a16:colId xmlns:a16="http://schemas.microsoft.com/office/drawing/2014/main" xmlns="" val="20000"/>
                     </a:ext>
                   </a:extLst>
                 </a:gridCol>
                 <a:gridCol w="1720303">
                   <a:extLst>
                     <a:ext uri="{9D8B030D-6E8A-4147-A177-3AD203B41FA5}">
-                      <a16:colId xmlns:a16="http://schemas.microsoft.com/office/drawing/2014/main" val="20001"/>
+                      <a16:colId xmlns:a16="http://schemas.microsoft.com/office/drawing/2014/main" xmlns="" val="20001"/>
                     </a:ext>
                   </a:extLst>
                 </a:gridCol>
                 <a:gridCol w="2116697">
                   <a:extLst>
                     <a:ext uri="{9D8B030D-6E8A-4147-A177-3AD203B41FA5}">
-                      <a16:colId xmlns:a16="http://schemas.microsoft.com/office/drawing/2014/main" val="20002"/>
+                      <a16:colId xmlns:a16="http://schemas.microsoft.com/office/drawing/2014/main" xmlns="" val="20002"/>
                     </a:ext>
                   </a:extLst>
                 </a:gridCol>
@@ -23509,7 +24231,7 @@
                 </a:tc>
                 <a:extLst>
                   <a:ext uri="{0D108BD9-81ED-4DB2-BD59-A6C34878D82A}">
-                    <a16:rowId xmlns:a16="http://schemas.microsoft.com/office/drawing/2014/main" val="10000"/>
+                    <a16:rowId xmlns:a16="http://schemas.microsoft.com/office/drawing/2014/main" xmlns="" val="10000"/>
                   </a:ext>
                 </a:extLst>
               </a:tr>
@@ -23570,7 +24292,7 @@
                 </a:tc>
                 <a:extLst>
                   <a:ext uri="{0D108BD9-81ED-4DB2-BD59-A6C34878D82A}">
-                    <a16:rowId xmlns:a16="http://schemas.microsoft.com/office/drawing/2014/main" val="10001"/>
+                    <a16:rowId xmlns:a16="http://schemas.microsoft.com/office/drawing/2014/main" xmlns="" val="10001"/>
                   </a:ext>
                 </a:extLst>
               </a:tr>
@@ -23631,7 +24353,7 @@
                 </a:tc>
                 <a:extLst>
                   <a:ext uri="{0D108BD9-81ED-4DB2-BD59-A6C34878D82A}">
-                    <a16:rowId xmlns:a16="http://schemas.microsoft.com/office/drawing/2014/main" val="10002"/>
+                    <a16:rowId xmlns:a16="http://schemas.microsoft.com/office/drawing/2014/main" xmlns="" val="10002"/>
                   </a:ext>
                 </a:extLst>
               </a:tr>
@@ -23713,7 +24435,7 @@
                 </a:tc>
                 <a:extLst>
                   <a:ext uri="{0D108BD9-81ED-4DB2-BD59-A6C34878D82A}">
-                    <a16:rowId xmlns:a16="http://schemas.microsoft.com/office/drawing/2014/main" val="10003"/>
+                    <a16:rowId xmlns:a16="http://schemas.microsoft.com/office/drawing/2014/main" xmlns="" val="10003"/>
                   </a:ext>
                 </a:extLst>
               </a:tr>
@@ -24111,7 +24833,7 @@
           <p:nvPr>
             <p:extLst>
               <p:ext uri="{D42A27DB-BD31-4B8C-83A1-F6EECF244321}">
-                <p14:modId xmlns:p14="http://schemas.microsoft.com/office/powerpoint/2010/main" val="635949774"/>
+                <p14:modId xmlns:p14="http://schemas.microsoft.com/office/powerpoint/2010/main" xmlns="" val="635949774"/>
               </p:ext>
             </p:extLst>
           </p:nvPr>
@@ -24122,59 +24844,9 @@
         </p:xfrm>
         <a:graphic>
           <a:graphicData uri="http://schemas.openxmlformats.org/presentationml/2006/ole">
-            <mc:AlternateContent xmlns:mc="http://schemas.openxmlformats.org/markup-compatibility/2006">
-              <mc:Choice xmlns:v="urn:schemas-microsoft-com:vml" Requires="v">
-                <p:oleObj spid="_x0000_s1086" name="公式" r:id="rId4" imgW="164880" imgH="126720" progId="Equation.3">
-                  <p:embed/>
-                </p:oleObj>
-              </mc:Choice>
-              <mc:Fallback>
-                <p:oleObj name="公式" r:id="rId4" imgW="164880" imgH="126720" progId="Equation.3">
-                  <p:embed/>
-                  <p:pic>
-                    <p:nvPicPr>
-                      <p:cNvPr id="0" name="Picture 20"/>
-                      <p:cNvPicPr>
-                        <a:picLocks noChangeAspect="1" noChangeArrowheads="1"/>
-                      </p:cNvPicPr>
-                      <p:nvPr/>
-                    </p:nvPicPr>
-                    <p:blipFill>
-                      <a:blip r:embed="rId5">
-                        <a:extLst>
-                          <a:ext uri="{28A0092B-C50C-407E-A947-70E740481C1C}">
-                            <a14:useLocalDpi xmlns:a14="http://schemas.microsoft.com/office/drawing/2010/main" val="0"/>
-                          </a:ext>
-                        </a:extLst>
-                      </a:blip>
-                      <a:srcRect/>
-                      <a:stretch>
-                        <a:fillRect/>
-                      </a:stretch>
-                    </p:blipFill>
-                    <p:spPr bwMode="auto">
-                      <a:xfrm>
-                        <a:off x="6516216" y="4005064"/>
-                        <a:ext cx="258710" cy="199008"/>
-                      </a:xfrm>
-                      <a:prstGeom prst="rect">
-                        <a:avLst/>
-                      </a:prstGeom>
-                      <a:noFill/>
-                      <a:extLst>
-                        <a:ext uri="{909E8E84-426E-40DD-AFC4-6F175D3DCCD1}">
-                          <a14:hiddenFill xmlns:a14="http://schemas.microsoft.com/office/drawing/2010/main">
-                            <a:solidFill>
-                              <a:srgbClr val="FFFFFF"/>
-                            </a:solidFill>
-                          </a14:hiddenFill>
-                        </a:ext>
-                      </a:extLst>
-                    </p:spPr>
-                  </p:pic>
-                </p:oleObj>
-              </mc:Fallback>
-            </mc:AlternateContent>
+            <p:oleObj spid="_x0000_s1086" name="公式" r:id="rId4" imgW="164814" imgH="126780" progId="Equation.3">
+              <p:embed/>
+            </p:oleObj>
           </a:graphicData>
         </a:graphic>
       </p:graphicFrame>
@@ -24187,7 +24859,7 @@
           <p:nvPr>
             <p:extLst>
               <p:ext uri="{D42A27DB-BD31-4B8C-83A1-F6EECF244321}">
-                <p14:modId xmlns:p14="http://schemas.microsoft.com/office/powerpoint/2010/main" val="2921541962"/>
+                <p14:modId xmlns:p14="http://schemas.microsoft.com/office/powerpoint/2010/main" xmlns="" val="2921541962"/>
               </p:ext>
             </p:extLst>
           </p:nvPr>
@@ -24198,59 +24870,9 @@
         </p:xfrm>
         <a:graphic>
           <a:graphicData uri="http://schemas.openxmlformats.org/presentationml/2006/ole">
-            <mc:AlternateContent xmlns:mc="http://schemas.openxmlformats.org/markup-compatibility/2006">
-              <mc:Choice xmlns:v="urn:schemas-microsoft-com:vml" Requires="v">
-                <p:oleObj spid="_x0000_s1087" name="公式" r:id="rId6" imgW="164880" imgH="126720" progId="Equation.3">
-                  <p:embed/>
-                </p:oleObj>
-              </mc:Choice>
-              <mc:Fallback>
-                <p:oleObj name="公式" r:id="rId6" imgW="164880" imgH="126720" progId="Equation.3">
-                  <p:embed/>
-                  <p:pic>
-                    <p:nvPicPr>
-                      <p:cNvPr id="0" name="Picture 21"/>
-                      <p:cNvPicPr>
-                        <a:picLocks noChangeAspect="1" noChangeArrowheads="1"/>
-                      </p:cNvPicPr>
-                      <p:nvPr/>
-                    </p:nvPicPr>
-                    <p:blipFill>
-                      <a:blip r:embed="rId5">
-                        <a:extLst>
-                          <a:ext uri="{28A0092B-C50C-407E-A947-70E740481C1C}">
-                            <a14:useLocalDpi xmlns:a14="http://schemas.microsoft.com/office/drawing/2010/main" val="0"/>
-                          </a:ext>
-                        </a:extLst>
-                      </a:blip>
-                      <a:srcRect/>
-                      <a:stretch>
-                        <a:fillRect/>
-                      </a:stretch>
-                    </p:blipFill>
-                    <p:spPr bwMode="auto">
-                      <a:xfrm>
-                        <a:off x="6516216" y="4375804"/>
-                        <a:ext cx="258710" cy="199008"/>
-                      </a:xfrm>
-                      <a:prstGeom prst="rect">
-                        <a:avLst/>
-                      </a:prstGeom>
-                      <a:noFill/>
-                      <a:extLst>
-                        <a:ext uri="{909E8E84-426E-40DD-AFC4-6F175D3DCCD1}">
-                          <a14:hiddenFill xmlns:a14="http://schemas.microsoft.com/office/drawing/2010/main">
-                            <a:solidFill>
-                              <a:srgbClr val="FFFFFF"/>
-                            </a:solidFill>
-                          </a14:hiddenFill>
-                        </a:ext>
-                      </a:extLst>
-                    </p:spPr>
-                  </p:pic>
-                </p:oleObj>
-              </mc:Fallback>
-            </mc:AlternateContent>
+            <p:oleObj spid="_x0000_s1087" name="公式" r:id="rId5" imgW="164814" imgH="126780" progId="Equation.3">
+              <p:embed/>
+            </p:oleObj>
           </a:graphicData>
         </a:graphic>
       </p:graphicFrame>
@@ -24510,7 +25132,7 @@
                 <a:ea typeface="宋体"/>
               </a:rPr>
               <a:pPr/>
-              <a:t>2020/12/2</a:t>
+              <a:t>2020/12/3</a:t>
             </a:fld>
             <a:endParaRPr kumimoji="1" lang="zh-CN" altLang="en-US">
               <a:solidFill>
@@ -24606,14 +25228,14 @@
                 <a:gridCol w="3786214">
                   <a:extLst>
                     <a:ext uri="{9D8B030D-6E8A-4147-A177-3AD203B41FA5}">
-                      <a16:colId xmlns:a16="http://schemas.microsoft.com/office/drawing/2014/main" val="20000"/>
+                      <a16:colId xmlns:a16="http://schemas.microsoft.com/office/drawing/2014/main" xmlns="" val="20000"/>
                     </a:ext>
                   </a:extLst>
                 </a:gridCol>
                 <a:gridCol w="3786214">
                   <a:extLst>
                     <a:ext uri="{9D8B030D-6E8A-4147-A177-3AD203B41FA5}">
-                      <a16:colId xmlns:a16="http://schemas.microsoft.com/office/drawing/2014/main" val="20001"/>
+                      <a16:colId xmlns:a16="http://schemas.microsoft.com/office/drawing/2014/main" xmlns="" val="20001"/>
                     </a:ext>
                   </a:extLst>
                 </a:gridCol>
@@ -24721,7 +25343,7 @@
                 </a:tc>
                 <a:extLst>
                   <a:ext uri="{0D108BD9-81ED-4DB2-BD59-A6C34878D82A}">
-                    <a16:rowId xmlns:a16="http://schemas.microsoft.com/office/drawing/2014/main" val="10000"/>
+                    <a16:rowId xmlns:a16="http://schemas.microsoft.com/office/drawing/2014/main" xmlns="" val="10000"/>
                   </a:ext>
                 </a:extLst>
               </a:tr>
@@ -24861,7 +25483,7 @@
                 </a:tc>
                 <a:extLst>
                   <a:ext uri="{0D108BD9-81ED-4DB2-BD59-A6C34878D82A}">
-                    <a16:rowId xmlns:a16="http://schemas.microsoft.com/office/drawing/2014/main" val="10001"/>
+                    <a16:rowId xmlns:a16="http://schemas.microsoft.com/office/drawing/2014/main" xmlns="" val="10001"/>
                   </a:ext>
                 </a:extLst>
               </a:tr>
@@ -24985,7 +25607,7 @@
                 </a:tc>
                 <a:extLst>
                   <a:ext uri="{0D108BD9-81ED-4DB2-BD59-A6C34878D82A}">
-                    <a16:rowId xmlns:a16="http://schemas.microsoft.com/office/drawing/2014/main" val="10002"/>
+                    <a16:rowId xmlns:a16="http://schemas.microsoft.com/office/drawing/2014/main" xmlns="" val="10002"/>
                   </a:ext>
                 </a:extLst>
               </a:tr>
@@ -25095,8 +25717,23 @@
               <a:t> in an </a:t>
             </a:r>
             <a:r>
-              <a:rPr lang="en-US" altLang="zh-CN" sz="2000" dirty="0" smtClean="0"/>
-              <a:t>ascending-order array.</a:t>
+              <a:rPr lang="en-US" altLang="zh-CN" sz="2000" smtClean="0"/>
+              <a:t>ascending-order </a:t>
+            </a:r>
+            <a:r>
+              <a:rPr lang="en-US" altLang="zh-CN" sz="2000" smtClean="0"/>
+              <a:t>array </a:t>
+            </a:r>
+            <a:r>
+              <a:rPr lang="en-US" altLang="zh-CN" sz="2000" b="1" smtClean="0">
+                <a:latin typeface="Times New Roman" panose="02020603050405020304" pitchFamily="18" charset="0"/>
+                <a:cs typeface="Times New Roman" panose="02020603050405020304" pitchFamily="18" charset="0"/>
+              </a:rPr>
+              <a:t>A</a:t>
+            </a:r>
+            <a:r>
+              <a:rPr lang="en-US" altLang="zh-CN" sz="2000" smtClean="0"/>
+              <a:t>.</a:t>
             </a:r>
             <a:endParaRPr lang="en-US" altLang="zh-CN" sz="2000" dirty="0"/>
           </a:p>
@@ -25211,21 +25848,7 @@
                 <a:latin typeface="Times New Roman" pitchFamily="18" charset="0"/>
                 <a:cs typeface="Times New Roman" pitchFamily="18" charset="0"/>
               </a:rPr>
-              <a:t>CALL SEARCH (A, </a:t>
-            </a:r>
-            <a:r>
-              <a:rPr lang="en-US" altLang="zh-CN" sz="2000" b="1" dirty="0" smtClean="0">
-                <a:latin typeface="Times New Roman" pitchFamily="18" charset="0"/>
-                <a:cs typeface="Times New Roman" pitchFamily="18" charset="0"/>
-              </a:rPr>
-              <a:t>1,  5,  </a:t>
-            </a:r>
-            <a:r>
-              <a:rPr lang="en-US" altLang="zh-CN" sz="2000" b="1" dirty="0" smtClean="0">
-                <a:latin typeface="Times New Roman" pitchFamily="18" charset="0"/>
-                <a:cs typeface="Times New Roman" pitchFamily="18" charset="0"/>
-              </a:rPr>
-              <a:t>FOUND, J)</a:t>
+              <a:t>CALL SEARCH (A, 1,  5,  FOUND, J)</a:t>
             </a:r>
             <a:endParaRPr lang="zh-CN" altLang="en-US" sz="2000" b="1" dirty="0">
               <a:latin typeface="Times New Roman" pitchFamily="18" charset="0"/>
@@ -25260,7 +25883,7 @@
                 <a:ea typeface="宋体"/>
               </a:rPr>
               <a:pPr/>
-              <a:t>2020/12/2</a:t>
+              <a:t>2020/12/3</a:t>
             </a:fld>
             <a:endParaRPr kumimoji="1" lang="zh-CN" altLang="en-US">
               <a:solidFill>
@@ -25343,7 +25966,7 @@
           <p:nvPr/>
         </p:nvPicPr>
         <p:blipFill>
-          <a:blip r:embed="rId3"/>
+          <a:blip r:embed="rId3" cstate="print"/>
           <a:stretch>
             <a:fillRect/>
           </a:stretch>
@@ -25407,7 +26030,7 @@
     </p:spTree>
     <p:extLst>
       <p:ext uri="{BB962C8B-B14F-4D97-AF65-F5344CB8AC3E}">
-        <p14:creationId xmlns:p14="http://schemas.microsoft.com/office/powerpoint/2010/main" val="3431667675"/>
+        <p14:creationId xmlns:p14="http://schemas.microsoft.com/office/powerpoint/2010/main" xmlns="" val="3431667675"/>
       </p:ext>
     </p:extLst>
   </p:cSld>
@@ -25713,7 +26336,7 @@
           <a:blip r:embed="rId6" cstate="print">
             <a:extLst>
               <a:ext uri="{28A0092B-C50C-407E-A947-70E740481C1C}">
-                <a14:useLocalDpi xmlns:a14="http://schemas.microsoft.com/office/drawing/2010/main" val="0"/>
+                <a14:useLocalDpi xmlns:a14="http://schemas.microsoft.com/office/drawing/2010/main" xmlns="" val="0"/>
               </a:ext>
             </a:extLst>
           </a:blip>
@@ -25733,7 +26356,7 @@
           <a:noFill/>
           <a:extLst>
             <a:ext uri="{909E8E84-426E-40DD-AFC4-6F175D3DCCD1}">
-              <a14:hiddenFill xmlns:a14="http://schemas.microsoft.com/office/drawing/2010/main">
+              <a14:hiddenFill xmlns:a14="http://schemas.microsoft.com/office/drawing/2010/main" xmlns="">
                 <a:solidFill>
                   <a:srgbClr val="FFFFFF"/>
                 </a:solidFill>
@@ -25754,7 +26377,7 @@
           <a:blip r:embed="rId7" cstate="print">
             <a:extLst>
               <a:ext uri="{28A0092B-C50C-407E-A947-70E740481C1C}">
-                <a14:useLocalDpi xmlns:a14="http://schemas.microsoft.com/office/drawing/2010/main" val="0"/>
+                <a14:useLocalDpi xmlns:a14="http://schemas.microsoft.com/office/drawing/2010/main" xmlns="" val="0"/>
               </a:ext>
             </a:extLst>
           </a:blip>
@@ -25774,7 +26397,7 @@
           <a:noFill/>
           <a:extLst>
             <a:ext uri="{909E8E84-426E-40DD-AFC4-6F175D3DCCD1}">
-              <a14:hiddenFill xmlns:a14="http://schemas.microsoft.com/office/drawing/2010/main">
+              <a14:hiddenFill xmlns:a14="http://schemas.microsoft.com/office/drawing/2010/main" xmlns="">
                 <a:solidFill>
                   <a:srgbClr val="FFFFFF"/>
                 </a:solidFill>
@@ -25875,7 +26498,7 @@
           <a:blip r:embed="rId8" cstate="print">
             <a:extLst>
               <a:ext uri="{28A0092B-C50C-407E-A947-70E740481C1C}">
-                <a14:useLocalDpi xmlns:a14="http://schemas.microsoft.com/office/drawing/2010/main" val="0"/>
+                <a14:useLocalDpi xmlns:a14="http://schemas.microsoft.com/office/drawing/2010/main" xmlns="" val="0"/>
               </a:ext>
             </a:extLst>
           </a:blip>
@@ -25895,7 +26518,7 @@
           <a:noFill/>
           <a:extLst>
             <a:ext uri="{909E8E84-426E-40DD-AFC4-6F175D3DCCD1}">
-              <a14:hiddenFill xmlns:a14="http://schemas.microsoft.com/office/drawing/2010/main">
+              <a14:hiddenFill xmlns:a14="http://schemas.microsoft.com/office/drawing/2010/main" xmlns="">
                 <a:solidFill>
                   <a:srgbClr val="FFFFFF"/>
                 </a:solidFill>
@@ -25987,7 +26610,7 @@
     </p:spTree>
     <p:extLst>
       <p:ext uri="{BB962C8B-B14F-4D97-AF65-F5344CB8AC3E}">
-        <p14:creationId xmlns:p14="http://schemas.microsoft.com/office/powerpoint/2010/main" val="2758785605"/>
+        <p14:creationId xmlns:p14="http://schemas.microsoft.com/office/powerpoint/2010/main" xmlns="" val="2758785605"/>
       </p:ext>
     </p:extLst>
   </p:cSld>
@@ -26488,8 +27111,23 @@
               <a:t> in an </a:t>
             </a:r>
             <a:r>
-              <a:rPr lang="en-US" altLang="zh-CN" sz="2000" dirty="0" smtClean="0"/>
-              <a:t>ascending-order array.</a:t>
+              <a:rPr lang="en-US" altLang="zh-CN" sz="2000" smtClean="0"/>
+              <a:t>ascending-order </a:t>
+            </a:r>
+            <a:r>
+              <a:rPr lang="en-US" altLang="zh-CN" sz="2000" smtClean="0"/>
+              <a:t>array </a:t>
+            </a:r>
+            <a:r>
+              <a:rPr lang="en-US" altLang="zh-CN" sz="2000" b="1" smtClean="0">
+                <a:latin typeface="Times New Roman" panose="02020603050405020304" pitchFamily="18" charset="0"/>
+                <a:cs typeface="Times New Roman" panose="02020603050405020304" pitchFamily="18" charset="0"/>
+              </a:rPr>
+              <a:t>A</a:t>
+            </a:r>
+            <a:r>
+              <a:rPr lang="en-US" altLang="zh-CN" sz="2000" smtClean="0"/>
+              <a:t>.</a:t>
             </a:r>
             <a:endParaRPr lang="en-US" altLang="zh-CN" sz="2000" dirty="0"/>
           </a:p>
@@ -26604,21 +27242,7 @@
                 <a:latin typeface="Times New Roman" pitchFamily="18" charset="0"/>
                 <a:cs typeface="Times New Roman" pitchFamily="18" charset="0"/>
               </a:rPr>
-              <a:t>CALL SEARCH (A, </a:t>
-            </a:r>
-            <a:r>
-              <a:rPr lang="en-US" altLang="zh-CN" sz="2000" b="1" dirty="0" smtClean="0">
-                <a:latin typeface="Times New Roman" pitchFamily="18" charset="0"/>
-                <a:cs typeface="Times New Roman" pitchFamily="18" charset="0"/>
-              </a:rPr>
-              <a:t>1,  5,  </a:t>
-            </a:r>
-            <a:r>
-              <a:rPr lang="en-US" altLang="zh-CN" sz="2000" b="1" dirty="0" smtClean="0">
-                <a:latin typeface="Times New Roman" pitchFamily="18" charset="0"/>
-                <a:cs typeface="Times New Roman" pitchFamily="18" charset="0"/>
-              </a:rPr>
-              <a:t>FOUND, J)</a:t>
+              <a:t>CALL SEARCH (A, 1,  5,  FOUND, J)</a:t>
             </a:r>
             <a:endParaRPr lang="zh-CN" altLang="en-US" sz="2000" b="1" dirty="0">
               <a:latin typeface="Times New Roman" pitchFamily="18" charset="0"/>
@@ -26653,7 +27277,7 @@
                 <a:ea typeface="宋体"/>
               </a:rPr>
               <a:pPr/>
-              <a:t>2020/12/2</a:t>
+              <a:t>2020/12/3</a:t>
             </a:fld>
             <a:endParaRPr kumimoji="1" lang="zh-CN" altLang="en-US">
               <a:solidFill>
@@ -26727,6 +27351,408 @@
           </a:p>
         </p:txBody>
       </p:sp>
+      <p:pic>
+        <p:nvPicPr>
+          <p:cNvPr id="8" name="图片 7"/>
+          <p:cNvPicPr>
+            <a:picLocks noChangeAspect="1"/>
+          </p:cNvPicPr>
+          <p:nvPr/>
+        </p:nvPicPr>
+        <p:blipFill>
+          <a:blip r:embed="rId3" cstate="print"/>
+          <a:stretch>
+            <a:fillRect/>
+          </a:stretch>
+        </p:blipFill>
+        <p:spPr>
+          <a:xfrm>
+            <a:off x="4609028" y="1916832"/>
+            <a:ext cx="4077772" cy="2592288"/>
+          </a:xfrm>
+          <a:prstGeom prst="rect">
+            <a:avLst/>
+          </a:prstGeom>
+        </p:spPr>
+      </p:pic>
+      <p:sp>
+        <p:nvSpPr>
+          <p:cNvPr id="9" name="矩形 8"/>
+          <p:cNvSpPr/>
+          <p:nvPr/>
+        </p:nvSpPr>
+        <p:spPr>
+          <a:xfrm>
+            <a:off x="4499992" y="1719263"/>
+            <a:ext cx="4392488" cy="2861865"/>
+          </a:xfrm>
+          <a:prstGeom prst="rect">
+            <a:avLst/>
+          </a:prstGeom>
+          <a:noFill/>
+          <a:ln>
+            <a:solidFill>
+              <a:schemeClr val="tx1"/>
+            </a:solidFill>
+          </a:ln>
+        </p:spPr>
+        <p:style>
+          <a:lnRef idx="2">
+            <a:schemeClr val="accent1">
+              <a:shade val="50000"/>
+            </a:schemeClr>
+          </a:lnRef>
+          <a:fillRef idx="1">
+            <a:schemeClr val="accent1"/>
+          </a:fillRef>
+          <a:effectRef idx="0">
+            <a:schemeClr val="accent1"/>
+          </a:effectRef>
+          <a:fontRef idx="minor">
+            <a:schemeClr val="lt1"/>
+          </a:fontRef>
+        </p:style>
+        <p:txBody>
+          <a:bodyPr rtlCol="0" anchor="ctr"/>
+          <a:lstStyle/>
+          <a:p>
+            <a:pPr algn="ctr"/>
+            <a:endParaRPr lang="zh-CN" altLang="en-US"/>
+          </a:p>
+        </p:txBody>
+      </p:sp>
+    </p:spTree>
+    <p:extLst>
+      <p:ext uri="{BB962C8B-B14F-4D97-AF65-F5344CB8AC3E}">
+        <p14:creationId xmlns:p14="http://schemas.microsoft.com/office/powerpoint/2010/main" xmlns="" val="3431667675"/>
+      </p:ext>
+    </p:extLst>
+  </p:cSld>
+  <p:clrMapOvr>
+    <a:masterClrMapping/>
+  </p:clrMapOvr>
+  <p:timing>
+    <p:tnLst>
+      <p:par>
+        <p:cTn id="1" dur="indefinite" restart="never" nodeType="tmRoot"/>
+      </p:par>
+    </p:tnLst>
+  </p:timing>
+</p:sld>
+</file>
+
+<file path=ppt/slides/slide21.xml><?xml version="1.0" encoding="utf-8"?>
+<p:sld xmlns:a="http://schemas.openxmlformats.org/drawingml/2006/main" xmlns:r="http://schemas.openxmlformats.org/officeDocument/2006/relationships" xmlns:p="http://schemas.openxmlformats.org/presentationml/2006/main">
+  <p:cSld>
+    <p:spTree>
+      <p:nvGrpSpPr>
+        <p:cNvPr id="1" name=""/>
+        <p:cNvGrpSpPr/>
+        <p:nvPr/>
+      </p:nvGrpSpPr>
+      <p:grpSpPr>
+        <a:xfrm>
+          <a:off x="0" y="0"/>
+          <a:ext cx="0" cy="0"/>
+          <a:chOff x="0" y="0"/>
+          <a:chExt cx="0" cy="0"/>
+        </a:xfrm>
+      </p:grpSpPr>
+      <p:sp>
+        <p:nvSpPr>
+          <p:cNvPr id="2" name="标题 1"/>
+          <p:cNvSpPr>
+            <a:spLocks noGrp="1"/>
+          </p:cNvSpPr>
+          <p:nvPr>
+            <p:ph type="title"/>
+          </p:nvPr>
+        </p:nvSpPr>
+        <p:spPr/>
+        <p:txBody>
+          <a:bodyPr/>
+          <a:lstStyle/>
+          <a:p>
+            <a:r>
+              <a:rPr lang="en-US" altLang="zh-CN" cap="small" dirty="0"/>
+              <a:t>Effigy</a:t>
+            </a:r>
+            <a:endParaRPr lang="zh-CN" altLang="en-US" dirty="0"/>
+          </a:p>
+        </p:txBody>
+      </p:sp>
+      <p:sp>
+        <p:nvSpPr>
+          <p:cNvPr id="3" name="内容占位符 2"/>
+          <p:cNvSpPr>
+            <a:spLocks noGrp="1"/>
+          </p:cNvSpPr>
+          <p:nvPr>
+            <p:ph idx="1"/>
+          </p:nvPr>
+        </p:nvSpPr>
+        <p:spPr>
+          <a:xfrm>
+            <a:off x="457200" y="1719263"/>
+            <a:ext cx="3970784" cy="4716000"/>
+          </a:xfrm>
+        </p:spPr>
+        <p:txBody>
+          <a:bodyPr/>
+          <a:lstStyle/>
+          <a:p>
+            <a:r>
+              <a:rPr lang="en-US" altLang="zh-CN" sz="2000" dirty="0"/>
+              <a:t>The program </a:t>
+            </a:r>
+            <a:r>
+              <a:rPr lang="en-US" altLang="zh-CN" sz="2000" b="1" dirty="0">
+                <a:latin typeface="Times New Roman" panose="02020603050405020304" pitchFamily="18" charset="0"/>
+                <a:cs typeface="Times New Roman" panose="02020603050405020304" pitchFamily="18" charset="0"/>
+              </a:rPr>
+              <a:t>SEARCH</a:t>
+            </a:r>
+            <a:r>
+              <a:rPr lang="en-US" altLang="zh-CN" sz="2000" dirty="0"/>
+              <a:t> was written to perform a binary search for an argument </a:t>
+            </a:r>
+            <a:r>
+              <a:rPr lang="en-US" altLang="zh-CN" sz="2000" b="1" dirty="0">
+                <a:latin typeface="Times New Roman" panose="02020603050405020304" pitchFamily="18" charset="0"/>
+                <a:cs typeface="Times New Roman" panose="02020603050405020304" pitchFamily="18" charset="0"/>
+              </a:rPr>
+              <a:t>X</a:t>
+            </a:r>
+            <a:r>
+              <a:rPr lang="en-US" altLang="zh-CN" sz="2000" dirty="0"/>
+              <a:t> in an </a:t>
+            </a:r>
+            <a:r>
+              <a:rPr lang="en-US" altLang="zh-CN" sz="2000" dirty="0" smtClean="0"/>
+              <a:t>ascending-order array.</a:t>
+            </a:r>
+            <a:endParaRPr lang="en-US" altLang="zh-CN" sz="2000" dirty="0"/>
+          </a:p>
+          <a:p>
+            <a:r>
+              <a:rPr lang="en-US" altLang="zh-CN" sz="2000" dirty="0"/>
+              <a:t>If a match is found, the </a:t>
+            </a:r>
+            <a:r>
+              <a:rPr lang="en-US" altLang="zh-CN" sz="2000" dirty="0" smtClean="0"/>
+              <a:t>index of </a:t>
+            </a:r>
+            <a:r>
+              <a:rPr lang="en-US" altLang="zh-CN" sz="2000" b="1" dirty="0">
+                <a:latin typeface="Times New Roman" panose="02020603050405020304" pitchFamily="18" charset="0"/>
+                <a:cs typeface="Times New Roman" panose="02020603050405020304" pitchFamily="18" charset="0"/>
+              </a:rPr>
+              <a:t>X</a:t>
+            </a:r>
+            <a:r>
+              <a:rPr lang="en-US" altLang="zh-CN" sz="2000" dirty="0"/>
+              <a:t> is returned in </a:t>
+            </a:r>
+            <a:r>
+              <a:rPr lang="en-US" altLang="zh-CN" sz="2000" b="1" dirty="0">
+                <a:latin typeface="Times New Roman" panose="02020603050405020304" pitchFamily="18" charset="0"/>
+                <a:cs typeface="Times New Roman" panose="02020603050405020304" pitchFamily="18" charset="0"/>
+              </a:rPr>
+              <a:t>J</a:t>
+            </a:r>
+            <a:r>
+              <a:rPr lang="en-US" altLang="zh-CN" sz="2000" dirty="0"/>
+              <a:t> and </a:t>
+            </a:r>
+            <a:r>
+              <a:rPr lang="en-US" altLang="zh-CN" sz="2000" b="1" dirty="0">
+                <a:latin typeface="Times New Roman" panose="02020603050405020304" pitchFamily="18" charset="0"/>
+                <a:cs typeface="Times New Roman" panose="02020603050405020304" pitchFamily="18" charset="0"/>
+              </a:rPr>
+              <a:t>FOUND</a:t>
+            </a:r>
+            <a:r>
+              <a:rPr lang="en-US" altLang="zh-CN" sz="2000" dirty="0"/>
+              <a:t> is set to 1. Otherwise, </a:t>
+            </a:r>
+            <a:r>
+              <a:rPr lang="en-US" altLang="zh-CN" sz="2000" b="1" dirty="0">
+                <a:latin typeface="Times New Roman" panose="02020603050405020304" pitchFamily="18" charset="0"/>
+                <a:cs typeface="Times New Roman" panose="02020603050405020304" pitchFamily="18" charset="0"/>
+              </a:rPr>
+              <a:t>FOUND</a:t>
+            </a:r>
+            <a:r>
+              <a:rPr lang="en-US" altLang="zh-CN" sz="2000" dirty="0"/>
+              <a:t> is set to 0 and </a:t>
+            </a:r>
+            <a:r>
+              <a:rPr lang="en-US" altLang="zh-CN" sz="2000" b="1" dirty="0">
+                <a:latin typeface="Times New Roman" panose="02020603050405020304" pitchFamily="18" charset="0"/>
+                <a:cs typeface="Times New Roman" panose="02020603050405020304" pitchFamily="18" charset="0"/>
+              </a:rPr>
+              <a:t>J</a:t>
+            </a:r>
+            <a:r>
+              <a:rPr lang="en-US" altLang="zh-CN" sz="2000" dirty="0"/>
+              <a:t> is set to the value such that </a:t>
+            </a:r>
+            <a:r>
+              <a:rPr lang="en-US" altLang="zh-CN" sz="2000" b="1" dirty="0">
+                <a:latin typeface="Times New Roman" panose="02020603050405020304" pitchFamily="18" charset="0"/>
+                <a:cs typeface="Times New Roman" panose="02020603050405020304" pitchFamily="18" charset="0"/>
+              </a:rPr>
+              <a:t>A(J)</a:t>
+            </a:r>
+            <a:r>
+              <a:rPr lang="en-US" altLang="zh-CN" sz="2000" dirty="0"/>
+              <a:t> &lt; </a:t>
+            </a:r>
+            <a:r>
+              <a:rPr lang="en-US" altLang="zh-CN" sz="2000" b="1" dirty="0">
+                <a:latin typeface="Times New Roman" panose="02020603050405020304" pitchFamily="18" charset="0"/>
+                <a:cs typeface="Times New Roman" panose="02020603050405020304" pitchFamily="18" charset="0"/>
+              </a:rPr>
+              <a:t>X</a:t>
+            </a:r>
+            <a:r>
+              <a:rPr lang="en-US" altLang="zh-CN" sz="2000" dirty="0"/>
+              <a:t> &lt; </a:t>
+            </a:r>
+            <a:r>
+              <a:rPr lang="en-US" altLang="zh-CN" sz="2000" b="1" dirty="0">
+                <a:latin typeface="Times New Roman" panose="02020603050405020304" pitchFamily="18" charset="0"/>
+                <a:cs typeface="Times New Roman" panose="02020603050405020304" pitchFamily="18" charset="0"/>
+              </a:rPr>
+              <a:t>A(J+1</a:t>
+            </a:r>
+            <a:r>
+              <a:rPr lang="en-US" altLang="zh-CN" sz="2000" b="1" dirty="0" smtClean="0">
+                <a:latin typeface="Times New Roman" panose="02020603050405020304" pitchFamily="18" charset="0"/>
+                <a:cs typeface="Times New Roman" panose="02020603050405020304" pitchFamily="18" charset="0"/>
+              </a:rPr>
+              <a:t>)</a:t>
+            </a:r>
+            <a:r>
+              <a:rPr lang="en-US" altLang="zh-CN" sz="2000" dirty="0" smtClean="0"/>
+              <a:t>.</a:t>
+            </a:r>
+          </a:p>
+          <a:p>
+            <a:r>
+              <a:rPr lang="en-US" altLang="zh-CN" sz="2000" b="1" dirty="0" smtClean="0">
+                <a:latin typeface="Times New Roman" pitchFamily="18" charset="0"/>
+                <a:cs typeface="Times New Roman" pitchFamily="18" charset="0"/>
+              </a:rPr>
+              <a:t>CALL SEARCH (A, 1,  5,  FOUND, J)</a:t>
+            </a:r>
+            <a:endParaRPr lang="zh-CN" altLang="en-US" sz="2000" b="1" dirty="0">
+              <a:latin typeface="Times New Roman" pitchFamily="18" charset="0"/>
+              <a:cs typeface="Times New Roman" pitchFamily="18" charset="0"/>
+            </a:endParaRPr>
+          </a:p>
+        </p:txBody>
+      </p:sp>
+      <p:sp>
+        <p:nvSpPr>
+          <p:cNvPr id="4" name="日期占位符 3"/>
+          <p:cNvSpPr>
+            <a:spLocks noGrp="1"/>
+          </p:cNvSpPr>
+          <p:nvPr>
+            <p:ph type="dt" sz="half" idx="10"/>
+          </p:nvPr>
+        </p:nvSpPr>
+        <p:spPr/>
+        <p:txBody>
+          <a:bodyPr/>
+          <a:lstStyle/>
+          <a:p>
+            <a:fld id="{FF88F899-FA6D-4737-879E-62DE3ED9162E}" type="datetime1">
+              <a:rPr kumimoji="1" lang="zh-CN" altLang="en-US" smtClean="0">
+                <a:solidFill>
+                  <a:prstClr val="black">
+                    <a:lumMod val="65000"/>
+                    <a:lumOff val="35000"/>
+                  </a:prstClr>
+                </a:solidFill>
+                <a:ea typeface="宋体"/>
+              </a:rPr>
+              <a:pPr/>
+              <a:t>2020/12/3</a:t>
+            </a:fld>
+            <a:endParaRPr kumimoji="1" lang="zh-CN" altLang="en-US">
+              <a:solidFill>
+                <a:prstClr val="black">
+                  <a:lumMod val="65000"/>
+                  <a:lumOff val="35000"/>
+                </a:prstClr>
+              </a:solidFill>
+              <a:ea typeface="宋体"/>
+            </a:endParaRPr>
+          </a:p>
+        </p:txBody>
+      </p:sp>
+      <p:sp>
+        <p:nvSpPr>
+          <p:cNvPr id="5" name="页脚占位符 4"/>
+          <p:cNvSpPr>
+            <a:spLocks noGrp="1"/>
+          </p:cNvSpPr>
+          <p:nvPr>
+            <p:ph type="ftr" sz="quarter" idx="11"/>
+          </p:nvPr>
+        </p:nvSpPr>
+        <p:spPr/>
+        <p:txBody>
+          <a:bodyPr/>
+          <a:lstStyle/>
+          <a:p>
+            <a:pPr defTabSz="457200"/>
+            <a:endParaRPr lang="zh-CN" altLang="en-US" dirty="0"/>
+          </a:p>
+        </p:txBody>
+      </p:sp>
+      <p:sp>
+        <p:nvSpPr>
+          <p:cNvPr id="6" name="灯片编号占位符 5"/>
+          <p:cNvSpPr>
+            <a:spLocks noGrp="1"/>
+          </p:cNvSpPr>
+          <p:nvPr>
+            <p:ph type="sldNum" sz="quarter" idx="12"/>
+          </p:nvPr>
+        </p:nvSpPr>
+        <p:spPr/>
+        <p:txBody>
+          <a:bodyPr/>
+          <a:lstStyle/>
+          <a:p>
+            <a:fld id="{71F1F346-3964-904C-8DB0-057A2D699FB9}" type="slidenum">
+              <a:rPr kumimoji="1" lang="zh-CN" altLang="en-US" smtClean="0">
+                <a:solidFill>
+                  <a:prstClr val="black">
+                    <a:lumMod val="65000"/>
+                    <a:lumOff val="35000"/>
+                  </a:prstClr>
+                </a:solidFill>
+                <a:ea typeface="宋体"/>
+              </a:rPr>
+              <a:pPr/>
+              <a:t>21</a:t>
+            </a:fld>
+            <a:endParaRPr kumimoji="1" lang="zh-CN" altLang="en-US">
+              <a:solidFill>
+                <a:prstClr val="black">
+                  <a:lumMod val="65000"/>
+                  <a:lumOff val="35000"/>
+                </a:prstClr>
+              </a:solidFill>
+              <a:ea typeface="宋体"/>
+            </a:endParaRPr>
+          </a:p>
+        </p:txBody>
+      </p:sp>
       <p:graphicFrame>
         <p:nvGraphicFramePr>
           <p:cNvPr id="7" name="表格 6"/>
@@ -26736,7 +27762,7 @@
           <p:nvPr>
             <p:extLst>
               <p:ext uri="{D42A27DB-BD31-4B8C-83A1-F6EECF244321}">
-                <p14:modId xmlns:p14="http://schemas.microsoft.com/office/powerpoint/2010/main" val="3670785006"/>
+                <p14:modId xmlns:p14="http://schemas.microsoft.com/office/powerpoint/2010/main" xmlns="" val="3670785006"/>
               </p:ext>
             </p:extLst>
           </p:nvPr>
@@ -26755,21 +27781,21 @@
                 <a:gridCol w="2736303">
                   <a:extLst>
                     <a:ext uri="{9D8B030D-6E8A-4147-A177-3AD203B41FA5}">
-                      <a16:colId xmlns:a16="http://schemas.microsoft.com/office/drawing/2014/main" val="2561182014"/>
+                      <a16:colId xmlns:a16="http://schemas.microsoft.com/office/drawing/2014/main" xmlns="" val="2561182014"/>
                     </a:ext>
                   </a:extLst>
                 </a:gridCol>
                 <a:gridCol w="1005943">
                   <a:extLst>
                     <a:ext uri="{9D8B030D-6E8A-4147-A177-3AD203B41FA5}">
-                      <a16:colId xmlns:a16="http://schemas.microsoft.com/office/drawing/2014/main" val="3014690262"/>
+                      <a16:colId xmlns:a16="http://schemas.microsoft.com/office/drawing/2014/main" xmlns="" val="3014690262"/>
                     </a:ext>
                   </a:extLst>
                 </a:gridCol>
                 <a:gridCol w="601898">
                   <a:extLst>
                     <a:ext uri="{9D8B030D-6E8A-4147-A177-3AD203B41FA5}">
-                      <a16:colId xmlns:a16="http://schemas.microsoft.com/office/drawing/2014/main" val="1664197213"/>
+                      <a16:colId xmlns:a16="http://schemas.microsoft.com/office/drawing/2014/main" xmlns="" val="1664197213"/>
                     </a:ext>
                   </a:extLst>
                 </a:gridCol>
@@ -26963,7 +27989,7 @@
                 </a:tc>
                 <a:extLst>
                   <a:ext uri="{0D108BD9-81ED-4DB2-BD59-A6C34878D82A}">
-                    <a16:rowId xmlns:a16="http://schemas.microsoft.com/office/drawing/2014/main" val="717514577"/>
+                    <a16:rowId xmlns:a16="http://schemas.microsoft.com/office/drawing/2014/main" xmlns="" val="717514577"/>
                   </a:ext>
                 </a:extLst>
               </a:tr>
@@ -27142,7 +28168,7 @@
                 </a:tc>
                 <a:extLst>
                   <a:ext uri="{0D108BD9-81ED-4DB2-BD59-A6C34878D82A}">
-                    <a16:rowId xmlns:a16="http://schemas.microsoft.com/office/drawing/2014/main" val="2885001912"/>
+                    <a16:rowId xmlns:a16="http://schemas.microsoft.com/office/drawing/2014/main" xmlns="" val="2885001912"/>
                   </a:ext>
                 </a:extLst>
               </a:tr>
@@ -27346,7 +28372,7 @@
                 </a:tc>
                 <a:extLst>
                   <a:ext uri="{0D108BD9-81ED-4DB2-BD59-A6C34878D82A}">
-                    <a16:rowId xmlns:a16="http://schemas.microsoft.com/office/drawing/2014/main" val="1188602942"/>
+                    <a16:rowId xmlns:a16="http://schemas.microsoft.com/office/drawing/2014/main" xmlns="" val="1188602942"/>
                   </a:ext>
                 </a:extLst>
               </a:tr>
@@ -27470,7 +28496,7 @@
                 </a:tc>
                 <a:extLst>
                   <a:ext uri="{0D108BD9-81ED-4DB2-BD59-A6C34878D82A}">
-                    <a16:rowId xmlns:a16="http://schemas.microsoft.com/office/drawing/2014/main" val="2419658019"/>
+                    <a16:rowId xmlns:a16="http://schemas.microsoft.com/office/drawing/2014/main" xmlns="" val="2419658019"/>
                   </a:ext>
                 </a:extLst>
               </a:tr>
@@ -27639,7 +28665,7 @@
                 </a:tc>
                 <a:extLst>
                   <a:ext uri="{0D108BD9-81ED-4DB2-BD59-A6C34878D82A}">
-                    <a16:rowId xmlns:a16="http://schemas.microsoft.com/office/drawing/2014/main" val="2435975439"/>
+                    <a16:rowId xmlns:a16="http://schemas.microsoft.com/office/drawing/2014/main" xmlns="" val="2435975439"/>
                   </a:ext>
                 </a:extLst>
               </a:tr>
@@ -27843,7 +28869,7 @@
                 </a:tc>
                 <a:extLst>
                   <a:ext uri="{0D108BD9-81ED-4DB2-BD59-A6C34878D82A}">
-                    <a16:rowId xmlns:a16="http://schemas.microsoft.com/office/drawing/2014/main" val="2833893147"/>
+                    <a16:rowId xmlns:a16="http://schemas.microsoft.com/office/drawing/2014/main" xmlns="" val="2833893147"/>
                   </a:ext>
                 </a:extLst>
               </a:tr>
@@ -28012,7 +29038,7 @@
                 </a:tc>
                 <a:extLst>
                   <a:ext uri="{0D108BD9-81ED-4DB2-BD59-A6C34878D82A}">
-                    <a16:rowId xmlns:a16="http://schemas.microsoft.com/office/drawing/2014/main" val="2175819450"/>
+                    <a16:rowId xmlns:a16="http://schemas.microsoft.com/office/drawing/2014/main" xmlns="" val="2175819450"/>
                   </a:ext>
                 </a:extLst>
               </a:tr>
@@ -28202,7 +29228,7 @@
                 </a:tc>
                 <a:extLst>
                   <a:ext uri="{0D108BD9-81ED-4DB2-BD59-A6C34878D82A}">
-                    <a16:rowId xmlns:a16="http://schemas.microsoft.com/office/drawing/2014/main" val="1079286864"/>
+                    <a16:rowId xmlns:a16="http://schemas.microsoft.com/office/drawing/2014/main" xmlns="" val="1079286864"/>
                   </a:ext>
                 </a:extLst>
               </a:tr>
@@ -28392,7 +29418,7 @@
                 </a:tc>
                 <a:extLst>
                   <a:ext uri="{0D108BD9-81ED-4DB2-BD59-A6C34878D82A}">
-                    <a16:rowId xmlns:a16="http://schemas.microsoft.com/office/drawing/2014/main" val="2418199264"/>
+                    <a16:rowId xmlns:a16="http://schemas.microsoft.com/office/drawing/2014/main" xmlns="" val="2418199264"/>
                   </a:ext>
                 </a:extLst>
               </a:tr>
@@ -28561,7 +29587,7 @@
                 </a:tc>
                 <a:extLst>
                   <a:ext uri="{0D108BD9-81ED-4DB2-BD59-A6C34878D82A}">
-                    <a16:rowId xmlns:a16="http://schemas.microsoft.com/office/drawing/2014/main" val="3615362646"/>
+                    <a16:rowId xmlns:a16="http://schemas.microsoft.com/office/drawing/2014/main" xmlns="" val="3615362646"/>
                   </a:ext>
                 </a:extLst>
               </a:tr>
@@ -28751,7 +29777,7 @@
                 </a:tc>
                 <a:extLst>
                   <a:ext uri="{0D108BD9-81ED-4DB2-BD59-A6C34878D82A}">
-                    <a16:rowId xmlns:a16="http://schemas.microsoft.com/office/drawing/2014/main" val="3102124365"/>
+                    <a16:rowId xmlns:a16="http://schemas.microsoft.com/office/drawing/2014/main" xmlns="" val="3102124365"/>
                   </a:ext>
                 </a:extLst>
               </a:tr>
@@ -28941,7 +29967,7 @@
                 </a:tc>
                 <a:extLst>
                   <a:ext uri="{0D108BD9-81ED-4DB2-BD59-A6C34878D82A}">
-                    <a16:rowId xmlns:a16="http://schemas.microsoft.com/office/drawing/2014/main" val="1160413103"/>
+                    <a16:rowId xmlns:a16="http://schemas.microsoft.com/office/drawing/2014/main" xmlns="" val="1160413103"/>
                   </a:ext>
                 </a:extLst>
               </a:tr>
@@ -28952,7 +29978,7 @@
     </p:spTree>
     <p:extLst>
       <p:ext uri="{BB962C8B-B14F-4D97-AF65-F5344CB8AC3E}">
-        <p14:creationId xmlns:p14="http://schemas.microsoft.com/office/powerpoint/2010/main" val="4193800601"/>
+        <p14:creationId xmlns:p14="http://schemas.microsoft.com/office/powerpoint/2010/main" xmlns="" val="4193800601"/>
       </p:ext>
     </p:extLst>
   </p:cSld>
@@ -29037,238 +30063,6 @@
 </p:sld>
 </file>
 
-<file path=ppt/slides/slide21.xml><?xml version="1.0" encoding="utf-8"?>
-<p:sld xmlns:a="http://schemas.openxmlformats.org/drawingml/2006/main" xmlns:r="http://schemas.openxmlformats.org/officeDocument/2006/relationships" xmlns:p="http://schemas.openxmlformats.org/presentationml/2006/main">
-  <p:cSld>
-    <p:spTree>
-      <p:nvGrpSpPr>
-        <p:cNvPr id="1" name=""/>
-        <p:cNvGrpSpPr/>
-        <p:nvPr/>
-      </p:nvGrpSpPr>
-      <p:grpSpPr>
-        <a:xfrm>
-          <a:off x="0" y="0"/>
-          <a:ext cx="0" cy="0"/>
-          <a:chOff x="0" y="0"/>
-          <a:chExt cx="0" cy="0"/>
-        </a:xfrm>
-      </p:grpSpPr>
-      <p:sp>
-        <p:nvSpPr>
-          <p:cNvPr id="2" name="标题 1"/>
-          <p:cNvSpPr>
-            <a:spLocks noGrp="1"/>
-          </p:cNvSpPr>
-          <p:nvPr>
-            <p:ph type="title"/>
-          </p:nvPr>
-        </p:nvSpPr>
-        <p:spPr/>
-        <p:txBody>
-          <a:bodyPr/>
-          <a:lstStyle/>
-          <a:p>
-            <a:r>
-              <a:rPr lang="en-US" altLang="zh-CN" dirty="0" smtClean="0"/>
-              <a:t>Practical Issues</a:t>
-            </a:r>
-            <a:endParaRPr lang="zh-CN" altLang="en-US" dirty="0"/>
-          </a:p>
-        </p:txBody>
-      </p:sp>
-      <p:sp>
-        <p:nvSpPr>
-          <p:cNvPr id="3" name="内容占位符 2"/>
-          <p:cNvSpPr>
-            <a:spLocks noGrp="1"/>
-          </p:cNvSpPr>
-          <p:nvPr>
-            <p:ph idx="1"/>
-          </p:nvPr>
-        </p:nvSpPr>
-        <p:spPr/>
-        <p:txBody>
-          <a:bodyPr/>
-          <a:lstStyle/>
-          <a:p>
-            <a:pPr>
-              <a:spcAft>
-                <a:spcPts val="600"/>
-              </a:spcAft>
-            </a:pPr>
-            <a:r>
-              <a:rPr lang="en-US" altLang="zh-CN" dirty="0" smtClean="0"/>
-              <a:t>It is a problem of finding a practical way to  deal with variable storage-referencing.</a:t>
-            </a:r>
-          </a:p>
-          <a:p>
-            <a:pPr>
-              <a:spcAft>
-                <a:spcPts val="600"/>
-              </a:spcAft>
-            </a:pPr>
-            <a:r>
-              <a:rPr lang="en-US" altLang="zh-CN" dirty="0" smtClean="0"/>
-              <a:t>The conflict between discrete aspects of computer arithmetic and the continuous nature of real numbers.</a:t>
-            </a:r>
-          </a:p>
-          <a:p>
-            <a:pPr>
-              <a:spcAft>
-                <a:spcPts val="600"/>
-              </a:spcAft>
-            </a:pPr>
-            <a:r>
-              <a:rPr lang="en-US" altLang="zh-CN" dirty="0"/>
-              <a:t>When </a:t>
-            </a:r>
-            <a:r>
-              <a:rPr lang="en-US" altLang="zh-CN" dirty="0" smtClean="0"/>
-              <a:t>the constraint </a:t>
-            </a:r>
-            <a:r>
-              <a:rPr lang="en-US" altLang="zh-CN" dirty="0"/>
-              <a:t>expression growing </a:t>
-            </a:r>
-            <a:r>
-              <a:rPr lang="en-US" altLang="zh-CN" dirty="0" smtClean="0"/>
-              <a:t>complicated, </a:t>
-            </a:r>
-            <a:r>
-              <a:rPr lang="en-US" altLang="zh-CN" dirty="0"/>
-              <a:t>constraint </a:t>
-            </a:r>
-            <a:r>
-              <a:rPr lang="en-US" altLang="zh-CN" dirty="0" smtClean="0"/>
-              <a:t>solving becomes </a:t>
-            </a:r>
-            <a:r>
-              <a:rPr lang="en-US" altLang="zh-CN" dirty="0"/>
-              <a:t>a troubling </a:t>
-            </a:r>
-            <a:r>
-              <a:rPr lang="en-US" altLang="zh-CN" dirty="0" smtClean="0"/>
-              <a:t>problem.</a:t>
-            </a:r>
-          </a:p>
-        </p:txBody>
-      </p:sp>
-      <p:sp>
-        <p:nvSpPr>
-          <p:cNvPr id="4" name="日期占位符 3"/>
-          <p:cNvSpPr>
-            <a:spLocks noGrp="1"/>
-          </p:cNvSpPr>
-          <p:nvPr>
-            <p:ph type="dt" sz="half" idx="10"/>
-          </p:nvPr>
-        </p:nvSpPr>
-        <p:spPr/>
-        <p:txBody>
-          <a:bodyPr/>
-          <a:lstStyle/>
-          <a:p>
-            <a:fld id="{FF88F899-FA6D-4737-879E-62DE3ED9162E}" type="datetime1">
-              <a:rPr kumimoji="1" lang="zh-CN" altLang="en-US" smtClean="0">
-                <a:solidFill>
-                  <a:prstClr val="black">
-                    <a:lumMod val="65000"/>
-                    <a:lumOff val="35000"/>
-                  </a:prstClr>
-                </a:solidFill>
-                <a:ea typeface="宋体"/>
-              </a:rPr>
-              <a:pPr/>
-              <a:t>2020/12/2</a:t>
-            </a:fld>
-            <a:endParaRPr kumimoji="1" lang="zh-CN" altLang="en-US">
-              <a:solidFill>
-                <a:prstClr val="black">
-                  <a:lumMod val="65000"/>
-                  <a:lumOff val="35000"/>
-                </a:prstClr>
-              </a:solidFill>
-              <a:ea typeface="宋体"/>
-            </a:endParaRPr>
-          </a:p>
-        </p:txBody>
-      </p:sp>
-      <p:sp>
-        <p:nvSpPr>
-          <p:cNvPr id="5" name="页脚占位符 4"/>
-          <p:cNvSpPr>
-            <a:spLocks noGrp="1"/>
-          </p:cNvSpPr>
-          <p:nvPr>
-            <p:ph type="ftr" sz="quarter" idx="11"/>
-          </p:nvPr>
-        </p:nvSpPr>
-        <p:spPr/>
-        <p:txBody>
-          <a:bodyPr/>
-          <a:lstStyle/>
-          <a:p>
-            <a:pPr defTabSz="457200"/>
-            <a:endParaRPr lang="zh-CN" altLang="en-US" dirty="0"/>
-          </a:p>
-        </p:txBody>
-      </p:sp>
-      <p:sp>
-        <p:nvSpPr>
-          <p:cNvPr id="6" name="灯片编号占位符 5"/>
-          <p:cNvSpPr>
-            <a:spLocks noGrp="1"/>
-          </p:cNvSpPr>
-          <p:nvPr>
-            <p:ph type="sldNum" sz="quarter" idx="12"/>
-          </p:nvPr>
-        </p:nvSpPr>
-        <p:spPr/>
-        <p:txBody>
-          <a:bodyPr/>
-          <a:lstStyle/>
-          <a:p>
-            <a:fld id="{71F1F346-3964-904C-8DB0-057A2D699FB9}" type="slidenum">
-              <a:rPr kumimoji="1" lang="zh-CN" altLang="en-US" smtClean="0">
-                <a:solidFill>
-                  <a:prstClr val="black">
-                    <a:lumMod val="65000"/>
-                    <a:lumOff val="35000"/>
-                  </a:prstClr>
-                </a:solidFill>
-                <a:ea typeface="宋体"/>
-              </a:rPr>
-              <a:pPr/>
-              <a:t>21</a:t>
-            </a:fld>
-            <a:endParaRPr kumimoji="1" lang="zh-CN" altLang="en-US">
-              <a:solidFill>
-                <a:prstClr val="black">
-                  <a:lumMod val="65000"/>
-                  <a:lumOff val="35000"/>
-                </a:prstClr>
-              </a:solidFill>
-              <a:ea typeface="宋体"/>
-            </a:endParaRPr>
-          </a:p>
-        </p:txBody>
-      </p:sp>
-    </p:spTree>
-  </p:cSld>
-  <p:clrMapOvr>
-    <a:masterClrMapping/>
-  </p:clrMapOvr>
-  <p:timing>
-    <p:tnLst>
-      <p:par>
-        <p:cTn id="1" dur="indefinite" restart="never" nodeType="tmRoot"/>
-      </p:par>
-    </p:tnLst>
-  </p:timing>
-</p:sld>
-</file>
-
 <file path=ppt/slides/slide22.xml><?xml version="1.0" encoding="utf-8"?>
 <p:sld xmlns:a="http://schemas.openxmlformats.org/drawingml/2006/main" xmlns:r="http://schemas.openxmlformats.org/officeDocument/2006/relationships" xmlns:p="http://schemas.openxmlformats.org/presentationml/2006/main">
   <p:cSld>
@@ -29303,7 +30097,7 @@
           <a:p>
             <a:r>
               <a:rPr lang="en-US" altLang="zh-CN" dirty="0" smtClean="0"/>
-              <a:t>Conclusion</a:t>
+              <a:t>Practical Issues</a:t>
             </a:r>
             <a:endParaRPr lang="zh-CN" altLang="en-US" dirty="0"/>
           </a:p>
@@ -29330,8 +30124,8 @@
               </a:spcAft>
             </a:pPr>
             <a:r>
-              <a:rPr lang="en-US" altLang="zh-CN" sz="2600" dirty="0" smtClean="0"/>
-              <a:t>Symbolic execution allows the creation of high-coverage test, which can help program testing and debugging. </a:t>
+              <a:rPr lang="en-US" altLang="zh-CN" dirty="0" smtClean="0"/>
+              <a:t>It is a problem of finding a practical way to  deal with variable storage-referencing.</a:t>
             </a:r>
           </a:p>
           <a:p>
@@ -29341,22 +30135,48 @@
               </a:spcAft>
             </a:pPr>
             <a:r>
-              <a:rPr lang="en-US" altLang="zh-CN" sz="2600" dirty="0" smtClean="0"/>
-              <a:t>The author built an interactive debugging system called </a:t>
-            </a:r>
-            <a:r>
-              <a:rPr lang="en-US" altLang="zh-CN" sz="2600" cap="small" dirty="0" smtClean="0"/>
-              <a:t>Effigy</a:t>
-            </a:r>
-            <a:r>
-              <a:rPr lang="en-US" altLang="zh-CN" sz="2600" dirty="0" smtClean="0"/>
-              <a:t>, which embodies symbolic execution</a:t>
-            </a:r>
-            <a:r>
-              <a:rPr lang="en-US" altLang="zh-CN" sz="2600" dirty="0" smtClean="0"/>
-              <a:t>.</a:t>
-            </a:r>
-            <a:endParaRPr lang="en-US" altLang="zh-CN" sz="2600" dirty="0" smtClean="0"/>
+              <a:rPr lang="en-US" altLang="zh-CN" dirty="0" smtClean="0"/>
+              <a:t>The conflict between discrete aspects of computer arithmetic and the continuous nature of real numbers.</a:t>
+            </a:r>
+          </a:p>
+          <a:p>
+            <a:pPr>
+              <a:spcAft>
+                <a:spcPts val="600"/>
+              </a:spcAft>
+            </a:pPr>
+            <a:r>
+              <a:rPr lang="en-US" altLang="zh-CN" dirty="0"/>
+              <a:t>When </a:t>
+            </a:r>
+            <a:r>
+              <a:rPr lang="en-US" altLang="zh-CN" dirty="0" smtClean="0"/>
+              <a:t>the constraint </a:t>
+            </a:r>
+            <a:r>
+              <a:rPr lang="en-US" altLang="zh-CN" dirty="0"/>
+              <a:t>expression growing </a:t>
+            </a:r>
+            <a:r>
+              <a:rPr lang="en-US" altLang="zh-CN" dirty="0" smtClean="0"/>
+              <a:t>complicated, </a:t>
+            </a:r>
+            <a:r>
+              <a:rPr lang="en-US" altLang="zh-CN" dirty="0"/>
+              <a:t>constraint </a:t>
+            </a:r>
+            <a:r>
+              <a:rPr lang="en-US" altLang="zh-CN" dirty="0" smtClean="0"/>
+              <a:t>solving becomes </a:t>
+            </a:r>
+            <a:r>
+              <a:rPr lang="en-US" altLang="zh-CN" dirty="0"/>
+              <a:t>a troubling </a:t>
+            </a:r>
+            <a:r>
+              <a:rPr lang="en-US" altLang="zh-CN" dirty="0" smtClean="0"/>
+              <a:t>problem.</a:t>
+            </a:r>
           </a:p>
         </p:txBody>
       </p:sp>
@@ -29461,11 +30281,6 @@
         </p:txBody>
       </p:sp>
     </p:spTree>
-    <p:extLst>
-      <p:ext uri="{BB962C8B-B14F-4D97-AF65-F5344CB8AC3E}">
-        <p14:creationId xmlns:p14="http://schemas.microsoft.com/office/powerpoint/2010/main" val="137591514"/>
-      </p:ext>
-    </p:extLst>
   </p:cSld>
   <p:clrMapOvr>
     <a:masterClrMapping/>
@@ -29499,6 +30314,212 @@
       </p:grpSpPr>
       <p:sp>
         <p:nvSpPr>
+          <p:cNvPr id="2" name="标题 1"/>
+          <p:cNvSpPr>
+            <a:spLocks noGrp="1"/>
+          </p:cNvSpPr>
+          <p:nvPr>
+            <p:ph type="title"/>
+          </p:nvPr>
+        </p:nvSpPr>
+        <p:spPr/>
+        <p:txBody>
+          <a:bodyPr/>
+          <a:lstStyle/>
+          <a:p>
+            <a:r>
+              <a:rPr lang="en-US" altLang="zh-CN" dirty="0" smtClean="0"/>
+              <a:t>Conclusion</a:t>
+            </a:r>
+            <a:endParaRPr lang="zh-CN" altLang="en-US" dirty="0"/>
+          </a:p>
+        </p:txBody>
+      </p:sp>
+      <p:sp>
+        <p:nvSpPr>
+          <p:cNvPr id="3" name="内容占位符 2"/>
+          <p:cNvSpPr>
+            <a:spLocks noGrp="1"/>
+          </p:cNvSpPr>
+          <p:nvPr>
+            <p:ph idx="1"/>
+          </p:nvPr>
+        </p:nvSpPr>
+        <p:spPr/>
+        <p:txBody>
+          <a:bodyPr/>
+          <a:lstStyle/>
+          <a:p>
+            <a:pPr>
+              <a:spcAft>
+                <a:spcPts val="600"/>
+              </a:spcAft>
+            </a:pPr>
+            <a:r>
+              <a:rPr lang="en-US" altLang="zh-CN" sz="2600" dirty="0" smtClean="0"/>
+              <a:t>Symbolic execution allows the creation of high-coverage test, which can help program testing and debugging. </a:t>
+            </a:r>
+          </a:p>
+          <a:p>
+            <a:pPr>
+              <a:spcAft>
+                <a:spcPts val="600"/>
+              </a:spcAft>
+            </a:pPr>
+            <a:r>
+              <a:rPr lang="en-US" altLang="zh-CN" sz="2600" dirty="0" smtClean="0"/>
+              <a:t>The author built an interactive debugging system called </a:t>
+            </a:r>
+            <a:r>
+              <a:rPr lang="en-US" altLang="zh-CN" sz="2600" cap="small" dirty="0" smtClean="0"/>
+              <a:t>Effigy</a:t>
+            </a:r>
+            <a:r>
+              <a:rPr lang="en-US" altLang="zh-CN" sz="2600" dirty="0" smtClean="0"/>
+              <a:t>, which embodies symbolic execution.</a:t>
+            </a:r>
+          </a:p>
+        </p:txBody>
+      </p:sp>
+      <p:sp>
+        <p:nvSpPr>
+          <p:cNvPr id="4" name="日期占位符 3"/>
+          <p:cNvSpPr>
+            <a:spLocks noGrp="1"/>
+          </p:cNvSpPr>
+          <p:nvPr>
+            <p:ph type="dt" sz="half" idx="10"/>
+          </p:nvPr>
+        </p:nvSpPr>
+        <p:spPr/>
+        <p:txBody>
+          <a:bodyPr/>
+          <a:lstStyle/>
+          <a:p>
+            <a:fld id="{FF88F899-FA6D-4737-879E-62DE3ED9162E}" type="datetime1">
+              <a:rPr kumimoji="1" lang="zh-CN" altLang="en-US" smtClean="0">
+                <a:solidFill>
+                  <a:prstClr val="black">
+                    <a:lumMod val="65000"/>
+                    <a:lumOff val="35000"/>
+                  </a:prstClr>
+                </a:solidFill>
+                <a:ea typeface="宋体"/>
+              </a:rPr>
+              <a:pPr/>
+              <a:t>2020/12/2</a:t>
+            </a:fld>
+            <a:endParaRPr kumimoji="1" lang="zh-CN" altLang="en-US">
+              <a:solidFill>
+                <a:prstClr val="black">
+                  <a:lumMod val="65000"/>
+                  <a:lumOff val="35000"/>
+                </a:prstClr>
+              </a:solidFill>
+              <a:ea typeface="宋体"/>
+            </a:endParaRPr>
+          </a:p>
+        </p:txBody>
+      </p:sp>
+      <p:sp>
+        <p:nvSpPr>
+          <p:cNvPr id="5" name="页脚占位符 4"/>
+          <p:cNvSpPr>
+            <a:spLocks noGrp="1"/>
+          </p:cNvSpPr>
+          <p:nvPr>
+            <p:ph type="ftr" sz="quarter" idx="11"/>
+          </p:nvPr>
+        </p:nvSpPr>
+        <p:spPr/>
+        <p:txBody>
+          <a:bodyPr/>
+          <a:lstStyle/>
+          <a:p>
+            <a:pPr defTabSz="457200"/>
+            <a:endParaRPr lang="zh-CN" altLang="en-US" dirty="0"/>
+          </a:p>
+        </p:txBody>
+      </p:sp>
+      <p:sp>
+        <p:nvSpPr>
+          <p:cNvPr id="6" name="灯片编号占位符 5"/>
+          <p:cNvSpPr>
+            <a:spLocks noGrp="1"/>
+          </p:cNvSpPr>
+          <p:nvPr>
+            <p:ph type="sldNum" sz="quarter" idx="12"/>
+          </p:nvPr>
+        </p:nvSpPr>
+        <p:spPr/>
+        <p:txBody>
+          <a:bodyPr/>
+          <a:lstStyle/>
+          <a:p>
+            <a:fld id="{71F1F346-3964-904C-8DB0-057A2D699FB9}" type="slidenum">
+              <a:rPr kumimoji="1" lang="zh-CN" altLang="en-US" smtClean="0">
+                <a:solidFill>
+                  <a:prstClr val="black">
+                    <a:lumMod val="65000"/>
+                    <a:lumOff val="35000"/>
+                  </a:prstClr>
+                </a:solidFill>
+                <a:ea typeface="宋体"/>
+              </a:rPr>
+              <a:pPr/>
+              <a:t>23</a:t>
+            </a:fld>
+            <a:endParaRPr kumimoji="1" lang="zh-CN" altLang="en-US">
+              <a:solidFill>
+                <a:prstClr val="black">
+                  <a:lumMod val="65000"/>
+                  <a:lumOff val="35000"/>
+                </a:prstClr>
+              </a:solidFill>
+              <a:ea typeface="宋体"/>
+            </a:endParaRPr>
+          </a:p>
+        </p:txBody>
+      </p:sp>
+    </p:spTree>
+    <p:extLst>
+      <p:ext uri="{BB962C8B-B14F-4D97-AF65-F5344CB8AC3E}">
+        <p14:creationId xmlns:p14="http://schemas.microsoft.com/office/powerpoint/2010/main" xmlns="" val="137591514"/>
+      </p:ext>
+    </p:extLst>
+  </p:cSld>
+  <p:clrMapOvr>
+    <a:masterClrMapping/>
+  </p:clrMapOvr>
+  <p:timing>
+    <p:tnLst>
+      <p:par>
+        <p:cTn id="1" dur="indefinite" restart="never" nodeType="tmRoot"/>
+      </p:par>
+    </p:tnLst>
+  </p:timing>
+</p:sld>
+</file>
+
+<file path=ppt/slides/slide24.xml><?xml version="1.0" encoding="utf-8"?>
+<p:sld xmlns:a="http://schemas.openxmlformats.org/drawingml/2006/main" xmlns:r="http://schemas.openxmlformats.org/officeDocument/2006/relationships" xmlns:p="http://schemas.openxmlformats.org/presentationml/2006/main">
+  <p:cSld>
+    <p:spTree>
+      <p:nvGrpSpPr>
+        <p:cNvPr id="1" name=""/>
+        <p:cNvGrpSpPr/>
+        <p:nvPr/>
+      </p:nvGrpSpPr>
+      <p:grpSpPr>
+        <a:xfrm>
+          <a:off x="0" y="0"/>
+          <a:ext cx="0" cy="0"/>
+          <a:chOff x="0" y="0"/>
+          <a:chExt cx="0" cy="0"/>
+        </a:xfrm>
+      </p:grpSpPr>
+      <p:sp>
+        <p:nvSpPr>
           <p:cNvPr id="2" name="内容占位符 1"/>
           <p:cNvSpPr>
             <a:spLocks noGrp="1"/>
@@ -29553,18 +30574,18 @@
     </p:spTree>
     <p:extLst>
       <p:ext uri="{BB962C8B-B14F-4D97-AF65-F5344CB8AC3E}">
-        <p14:creationId xmlns:p14="http://schemas.microsoft.com/office/powerpoint/2010/main" val="1912946656"/>
+        <p14:creationId xmlns:p14="http://schemas.microsoft.com/office/powerpoint/2010/main" xmlns="" val="1912946656"/>
       </p:ext>
     </p:extLst>
   </p:cSld>
   <p:clrMapOvr>
     <a:masterClrMapping/>
   </p:clrMapOvr>
-  <mc:AlternateContent xmlns:mc="http://schemas.openxmlformats.org/markup-compatibility/2006" xmlns:p14="http://schemas.microsoft.com/office/powerpoint/2010/main">
-    <mc:Choice Requires="p14">
+  <mc:AlternateContent xmlns:mc="http://schemas.openxmlformats.org/markup-compatibility/2006">
+    <mc:Choice xmlns:p14="http://schemas.microsoft.com/office/powerpoint/2010/main" xmlns="" Requires="p14">
       <p:transition spd="slow" p14:dur="2000" advTm="1792"/>
     </mc:Choice>
-    <mc:Fallback xmlns="">
+    <mc:Fallback>
       <p:transition spd="slow" advTm="1792"/>
     </mc:Fallback>
   </mc:AlternateContent>
@@ -29898,7 +30919,7 @@
     </p:spTree>
     <p:extLst>
       <p:ext uri="{BB962C8B-B14F-4D97-AF65-F5344CB8AC3E}">
-        <p14:creationId xmlns:p14="http://schemas.microsoft.com/office/powerpoint/2010/main" val="242703108"/>
+        <p14:creationId xmlns:p14="http://schemas.microsoft.com/office/powerpoint/2010/main" xmlns="" val="242703108"/>
       </p:ext>
     </p:extLst>
   </p:cSld>
@@ -30317,7 +31338,7 @@
     </p:spTree>
     <p:extLst>
       <p:ext uri="{BB962C8B-B14F-4D97-AF65-F5344CB8AC3E}">
-        <p14:creationId xmlns:p14="http://schemas.microsoft.com/office/powerpoint/2010/main" val="11622534"/>
+        <p14:creationId xmlns:p14="http://schemas.microsoft.com/office/powerpoint/2010/main" xmlns="" val="11622534"/>
       </p:ext>
     </p:extLst>
   </p:cSld>
@@ -30831,7 +31852,7 @@
     </p:spTree>
     <p:extLst>
       <p:ext uri="{BB962C8B-B14F-4D97-AF65-F5344CB8AC3E}">
-        <p14:creationId xmlns:p14="http://schemas.microsoft.com/office/powerpoint/2010/main" val="2204431392"/>
+        <p14:creationId xmlns:p14="http://schemas.microsoft.com/office/powerpoint/2010/main" xmlns="" val="2204431392"/>
       </p:ext>
     </p:extLst>
   </p:cSld>
@@ -31199,7 +32220,7 @@
     </p:spTree>
     <p:extLst>
       <p:ext uri="{BB962C8B-B14F-4D97-AF65-F5344CB8AC3E}">
-        <p14:creationId xmlns:p14="http://schemas.microsoft.com/office/powerpoint/2010/main" val="2166599487"/>
+        <p14:creationId xmlns:p14="http://schemas.microsoft.com/office/powerpoint/2010/main" xmlns="" val="2166599487"/>
       </p:ext>
     </p:extLst>
   </p:cSld>
@@ -31367,7 +32388,7 @@
           <p:nvPr>
             <p:extLst>
               <p:ext uri="{D42A27DB-BD31-4B8C-83A1-F6EECF244321}">
-                <p14:modId xmlns:p14="http://schemas.microsoft.com/office/powerpoint/2010/main" val="2710604275"/>
+                <p14:modId xmlns:p14="http://schemas.microsoft.com/office/powerpoint/2010/main" xmlns="" val="2710604275"/>
               </p:ext>
             </p:extLst>
           </p:nvPr>
@@ -31385,7 +32406,7 @@
     </p:spTree>
     <p:extLst>
       <p:ext uri="{BB962C8B-B14F-4D97-AF65-F5344CB8AC3E}">
-        <p14:creationId xmlns:p14="http://schemas.microsoft.com/office/powerpoint/2010/main" val="1508707415"/>
+        <p14:creationId xmlns:p14="http://schemas.microsoft.com/office/powerpoint/2010/main" xmlns="" val="1508707415"/>
       </p:ext>
     </p:extLst>
   </p:cSld>
@@ -31669,7 +32690,7 @@
     </p:spTree>
     <p:extLst>
       <p:ext uri="{BB962C8B-B14F-4D97-AF65-F5344CB8AC3E}">
-        <p14:creationId xmlns:p14="http://schemas.microsoft.com/office/powerpoint/2010/main" val="273675707"/>
+        <p14:creationId xmlns:p14="http://schemas.microsoft.com/office/powerpoint/2010/main" xmlns="" val="273675707"/>
       </p:ext>
     </p:extLst>
   </p:cSld>
@@ -37222,7 +38243,7 @@
   <a:extraClrSchemeLst/>
   <a:extLst>
     <a:ext uri="{05A4C25C-085E-4340-85A3-A5531E510DB2}">
-      <thm15:themeFamily xmlns:thm15="http://schemas.microsoft.com/office/thememl/2012/main" name="mopec-2" id="{442E6DD8-1CC8-4C4A-8647-4236B82D6D6F}" vid="{4E193ED8-E17B-496B-9396-AD9A068E6CE7}"/>
+      <thm15:themeFamily xmlns:thm15="http://schemas.microsoft.com/office/thememl/2012/main" xmlns="" name="mopec-2" id="{442E6DD8-1CC8-4C4A-8647-4236B82D6D6F}" vid="{4E193ED8-E17B-496B-9396-AD9A068E6CE7}"/>
     </a:ext>
   </a:extLst>
 </a:theme>

--- a/Symbolic_execution.pptx
+++ b/Symbolic_execution.pptx
@@ -135,7 +135,7 @@
   </p:defaultTextStyle>
   <p:extLst>
     <p:ext uri="{EFAFB233-063F-42B5-8137-9DF3F51BA10A}">
-      <p15:sldGuideLst xmlns:p15="http://schemas.microsoft.com/office/powerpoint/2012/main">
+      <p15:sldGuideLst xmlns:p15="http://schemas.microsoft.com/office/powerpoint/2012/main" xmlns="">
         <p15:guide id="1" orient="horz" pos="2160">
           <p15:clr>
             <a:srgbClr val="A4A3A4"/>
@@ -149,7 +149,7 @@
       </p15:sldGuideLst>
     </p:ext>
     <p:ext uri="{2D200454-40CA-4A62-9FC3-DE9A4176ACB9}">
-      <p15:notesGuideLst xmlns:p15="http://schemas.microsoft.com/office/powerpoint/2012/main"/>
+      <p15:notesGuideLst xmlns:p15="http://schemas.microsoft.com/office/powerpoint/2012/main" xmlns=""/>
     </p:ext>
   </p:extLst>
 </p:presentation>
@@ -1356,23 +1356,23 @@
     </dgm:pt>
   </dgm:ptLst>
   <dgm:cxnLst>
+    <dgm:cxn modelId="{9C3AD6D8-20BB-432E-8677-F1B302872B0E}" type="presOf" srcId="{F023FB2D-615F-49FB-B932-A835539B633A}" destId="{65D123C8-C28A-43FC-A1D1-EC1A1AAA1D0D}" srcOrd="0" destOrd="2" presId="urn:microsoft.com/office/officeart/2005/8/layout/arrow4"/>
     <dgm:cxn modelId="{2DA33D83-A486-4DBF-AAD4-027FE6428D8C}" type="presOf" srcId="{9500F054-E821-4CE4-A78F-163684229BEF}" destId="{65D123C8-C28A-43FC-A1D1-EC1A1AAA1D0D}" srcOrd="0" destOrd="1" presId="urn:microsoft.com/office/officeart/2005/8/layout/arrow4"/>
+    <dgm:cxn modelId="{64364F7E-2B30-4537-A41E-EB65227FEBE0}" srcId="{C613176E-2E07-4982-AE61-58047C88A5E0}" destId="{3776A631-3A5C-4A45-AAA1-9A83DB9BB2B4}" srcOrd="0" destOrd="0" parTransId="{37169DBE-07E0-40F0-8E8B-6BE5C9000CD6}" sibTransId="{1C61A887-F32A-4DB6-9CB7-E9105CF133EE}"/>
+    <dgm:cxn modelId="{8F1A1E50-BBF0-464D-811A-982C2CAE586C}" srcId="{3776A631-3A5C-4A45-AAA1-9A83DB9BB2B4}" destId="{24E5BDE8-7AD9-4252-B145-1D56807EB9A4}" srcOrd="1" destOrd="0" parTransId="{8F06EAF3-9191-46BD-981D-F07244E13DF0}" sibTransId="{1D3B26D8-8EBD-49D2-B20B-F604159AC195}"/>
+    <dgm:cxn modelId="{7BBEAA23-584D-4A1C-8311-C0E9E6CBA3A7}" type="presOf" srcId="{FAA59F73-6FA0-49D5-8348-D14E1B279350}" destId="{D0B9CC40-12C0-4884-9089-BF414A745106}" srcOrd="0" destOrd="3" presId="urn:microsoft.com/office/officeart/2005/8/layout/arrow4"/>
+    <dgm:cxn modelId="{BE71F4C1-1B07-443B-A5B3-2C137FF4CFA0}" type="presOf" srcId="{1A65B431-B0C5-475B-AACB-EE64CDB5542D}" destId="{65D123C8-C28A-43FC-A1D1-EC1A1AAA1D0D}" srcOrd="0" destOrd="0" presId="urn:microsoft.com/office/officeart/2005/8/layout/arrow4"/>
+    <dgm:cxn modelId="{A4834247-60D1-4B44-88FF-503376569106}" type="presOf" srcId="{AB150DB6-D2F2-4EF8-BD47-A1DE4EA9EAC7}" destId="{65D123C8-C28A-43FC-A1D1-EC1A1AAA1D0D}" srcOrd="0" destOrd="3" presId="urn:microsoft.com/office/officeart/2005/8/layout/arrow4"/>
+    <dgm:cxn modelId="{9E12A3B4-70C7-4EB8-B3B8-851C759F4C27}" srcId="{1A65B431-B0C5-475B-AACB-EE64CDB5542D}" destId="{9500F054-E821-4CE4-A78F-163684229BEF}" srcOrd="0" destOrd="0" parTransId="{F66A73F2-4553-4D56-967B-58A32857A51B}" sibTransId="{CB5FA6AF-1507-4ED6-88F9-6ED52D974ACA}"/>
+    <dgm:cxn modelId="{2CB4332C-506A-4A72-9E0B-2366C269D619}" srcId="{C613176E-2E07-4982-AE61-58047C88A5E0}" destId="{1A65B431-B0C5-475B-AACB-EE64CDB5542D}" srcOrd="1" destOrd="0" parTransId="{CFD36D27-6F9B-49FF-99D7-7DD05A0F3D83}" sibTransId="{9F15F78E-CFEB-4BD5-AE3C-CF1E170551E9}"/>
     <dgm:cxn modelId="{60C8BBD6-F960-4FEF-BF82-068C183722CA}" type="presOf" srcId="{3776A631-3A5C-4A45-AAA1-9A83DB9BB2B4}" destId="{D0B9CC40-12C0-4884-9089-BF414A745106}" srcOrd="0" destOrd="0" presId="urn:microsoft.com/office/officeart/2005/8/layout/arrow4"/>
+    <dgm:cxn modelId="{C7BBCB7E-7826-42D0-839D-07C845CAD9F3}" type="presOf" srcId="{7DC5BBA1-86D5-4E4E-9561-2161DF6F0C50}" destId="{D0B9CC40-12C0-4884-9089-BF414A745106}" srcOrd="0" destOrd="1" presId="urn:microsoft.com/office/officeart/2005/8/layout/arrow4"/>
     <dgm:cxn modelId="{75179168-990B-4374-B908-5B3E2EE90FF2}" srcId="{3776A631-3A5C-4A45-AAA1-9A83DB9BB2B4}" destId="{7DC5BBA1-86D5-4E4E-9561-2161DF6F0C50}" srcOrd="0" destOrd="0" parTransId="{93B6163C-037E-45AE-8479-BAEE85E7E82B}" sibTransId="{DB7AA6EA-FAA9-4CE8-8F75-DB00225B99ED}"/>
+    <dgm:cxn modelId="{4B8B0CE1-B669-4226-9D35-60E76A01C7BF}" type="presOf" srcId="{24E5BDE8-7AD9-4252-B145-1D56807EB9A4}" destId="{D0B9CC40-12C0-4884-9089-BF414A745106}" srcOrd="0" destOrd="2" presId="urn:microsoft.com/office/officeart/2005/8/layout/arrow4"/>
+    <dgm:cxn modelId="{F45D9E64-B6B5-4FCE-8F7D-9355626CBEEB}" srcId="{1A65B431-B0C5-475B-AACB-EE64CDB5542D}" destId="{AB150DB6-D2F2-4EF8-BD47-A1DE4EA9EAC7}" srcOrd="2" destOrd="0" parTransId="{D632890A-DFEB-4F2F-B9E4-C2C0177B3A32}" sibTransId="{4F8154F9-CBA6-441C-AE49-ECE3A500577C}"/>
     <dgm:cxn modelId="{150A3DA9-7B4E-4F13-B2E2-0CE320C795FB}" type="presOf" srcId="{C613176E-2E07-4982-AE61-58047C88A5E0}" destId="{F9200D61-E392-48B8-B25E-28C9E78F45C8}" srcOrd="0" destOrd="0" presId="urn:microsoft.com/office/officeart/2005/8/layout/arrow4"/>
     <dgm:cxn modelId="{0C001998-8F3B-49F5-8BC4-CA67A830B774}" srcId="{3776A631-3A5C-4A45-AAA1-9A83DB9BB2B4}" destId="{FAA59F73-6FA0-49D5-8348-D14E1B279350}" srcOrd="2" destOrd="0" parTransId="{70769DCF-F5D8-4663-8B5D-9320981ED2B5}" sibTransId="{BE0C9C65-B01A-4FED-B942-1B5AFB142579}"/>
-    <dgm:cxn modelId="{2CB4332C-506A-4A72-9E0B-2366C269D619}" srcId="{C613176E-2E07-4982-AE61-58047C88A5E0}" destId="{1A65B431-B0C5-475B-AACB-EE64CDB5542D}" srcOrd="1" destOrd="0" parTransId="{CFD36D27-6F9B-49FF-99D7-7DD05A0F3D83}" sibTransId="{9F15F78E-CFEB-4BD5-AE3C-CF1E170551E9}"/>
-    <dgm:cxn modelId="{F45D9E64-B6B5-4FCE-8F7D-9355626CBEEB}" srcId="{1A65B431-B0C5-475B-AACB-EE64CDB5542D}" destId="{AB150DB6-D2F2-4EF8-BD47-A1DE4EA9EAC7}" srcOrd="2" destOrd="0" parTransId="{D632890A-DFEB-4F2F-B9E4-C2C0177B3A32}" sibTransId="{4F8154F9-CBA6-441C-AE49-ECE3A500577C}"/>
-    <dgm:cxn modelId="{A4834247-60D1-4B44-88FF-503376569106}" type="presOf" srcId="{AB150DB6-D2F2-4EF8-BD47-A1DE4EA9EAC7}" destId="{65D123C8-C28A-43FC-A1D1-EC1A1AAA1D0D}" srcOrd="0" destOrd="3" presId="urn:microsoft.com/office/officeart/2005/8/layout/arrow4"/>
-    <dgm:cxn modelId="{8F1A1E50-BBF0-464D-811A-982C2CAE586C}" srcId="{3776A631-3A5C-4A45-AAA1-9A83DB9BB2B4}" destId="{24E5BDE8-7AD9-4252-B145-1D56807EB9A4}" srcOrd="1" destOrd="0" parTransId="{8F06EAF3-9191-46BD-981D-F07244E13DF0}" sibTransId="{1D3B26D8-8EBD-49D2-B20B-F604159AC195}"/>
-    <dgm:cxn modelId="{BE71F4C1-1B07-443B-A5B3-2C137FF4CFA0}" type="presOf" srcId="{1A65B431-B0C5-475B-AACB-EE64CDB5542D}" destId="{65D123C8-C28A-43FC-A1D1-EC1A1AAA1D0D}" srcOrd="0" destOrd="0" presId="urn:microsoft.com/office/officeart/2005/8/layout/arrow4"/>
-    <dgm:cxn modelId="{9C3AD6D8-20BB-432E-8677-F1B302872B0E}" type="presOf" srcId="{F023FB2D-615F-49FB-B932-A835539B633A}" destId="{65D123C8-C28A-43FC-A1D1-EC1A1AAA1D0D}" srcOrd="0" destOrd="2" presId="urn:microsoft.com/office/officeart/2005/8/layout/arrow4"/>
     <dgm:cxn modelId="{4B65A473-4FBC-492E-9E55-A78F054735B8}" srcId="{1A65B431-B0C5-475B-AACB-EE64CDB5542D}" destId="{F023FB2D-615F-49FB-B932-A835539B633A}" srcOrd="1" destOrd="0" parTransId="{84B950E6-F17C-424D-B81D-E741E2F979B4}" sibTransId="{C02F31EC-CAE8-4139-8E0C-B42D3B042F9A}"/>
-    <dgm:cxn modelId="{4B8B0CE1-B669-4226-9D35-60E76A01C7BF}" type="presOf" srcId="{24E5BDE8-7AD9-4252-B145-1D56807EB9A4}" destId="{D0B9CC40-12C0-4884-9089-BF414A745106}" srcOrd="0" destOrd="2" presId="urn:microsoft.com/office/officeart/2005/8/layout/arrow4"/>
-    <dgm:cxn modelId="{64364F7E-2B30-4537-A41E-EB65227FEBE0}" srcId="{C613176E-2E07-4982-AE61-58047C88A5E0}" destId="{3776A631-3A5C-4A45-AAA1-9A83DB9BB2B4}" srcOrd="0" destOrd="0" parTransId="{37169DBE-07E0-40F0-8E8B-6BE5C9000CD6}" sibTransId="{1C61A887-F32A-4DB6-9CB7-E9105CF133EE}"/>
-    <dgm:cxn modelId="{7BBEAA23-584D-4A1C-8311-C0E9E6CBA3A7}" type="presOf" srcId="{FAA59F73-6FA0-49D5-8348-D14E1B279350}" destId="{D0B9CC40-12C0-4884-9089-BF414A745106}" srcOrd="0" destOrd="3" presId="urn:microsoft.com/office/officeart/2005/8/layout/arrow4"/>
-    <dgm:cxn modelId="{C7BBCB7E-7826-42D0-839D-07C845CAD9F3}" type="presOf" srcId="{7DC5BBA1-86D5-4E4E-9561-2161DF6F0C50}" destId="{D0B9CC40-12C0-4884-9089-BF414A745106}" srcOrd="0" destOrd="1" presId="urn:microsoft.com/office/officeart/2005/8/layout/arrow4"/>
-    <dgm:cxn modelId="{9E12A3B4-70C7-4EB8-B3B8-851C759F4C27}" srcId="{1A65B431-B0C5-475B-AACB-EE64CDB5542D}" destId="{9500F054-E821-4CE4-A78F-163684229BEF}" srcOrd="0" destOrd="0" parTransId="{F66A73F2-4553-4D56-967B-58A32857A51B}" sibTransId="{CB5FA6AF-1507-4ED6-88F9-6ED52D974ACA}"/>
     <dgm:cxn modelId="{1B9C6B89-09D9-45A4-B7CA-EEB574021257}" type="presParOf" srcId="{F9200D61-E392-48B8-B25E-28C9E78F45C8}" destId="{DCAFE75F-3180-4597-942E-BBE60505CA2C}" srcOrd="0" destOrd="0" presId="urn:microsoft.com/office/officeart/2005/8/layout/arrow4"/>
     <dgm:cxn modelId="{64211888-5F80-448A-8395-C487D4D74864}" type="presParOf" srcId="{F9200D61-E392-48B8-B25E-28C9E78F45C8}" destId="{D0B9CC40-12C0-4884-9089-BF414A745106}" srcOrd="1" destOrd="0" presId="urn:microsoft.com/office/officeart/2005/8/layout/arrow4"/>
     <dgm:cxn modelId="{7C3B499B-334B-490A-8F7B-42629EF55049}" type="presParOf" srcId="{F9200D61-E392-48B8-B25E-28C9E78F45C8}" destId="{4BAE9C4C-C067-4ACA-90F8-43824D4833A2}" srcOrd="2" destOrd="0" presId="urn:microsoft.com/office/officeart/2005/8/layout/arrow4"/>
@@ -1382,14 +1382,14 @@
   <dgm:whole/>
   <dgm:extLst>
     <a:ext uri="http://schemas.microsoft.com/office/drawing/2008/diagram">
-      <dsp:dataModelExt xmlns:dsp="http://schemas.microsoft.com/office/drawing/2008/diagram" relId="rId7" minVer="http://schemas.openxmlformats.org/drawingml/2006/diagram"/>
+      <dsp:dataModelExt xmlns:dsp="http://schemas.microsoft.com/office/drawing/2008/diagram" xmlns="" relId="rId7" minVer="http://schemas.openxmlformats.org/drawingml/2006/diagram"/>
     </a:ext>
   </dgm:extLst>
 </dgm:dataModel>
 </file>
 
 <file path=ppt/diagrams/drawing1.xml><?xml version="1.0" encoding="utf-8"?>
-<dsp:drawing xmlns:dgm="http://schemas.openxmlformats.org/drawingml/2006/diagram" xmlns:dsp="http://schemas.microsoft.com/office/drawing/2008/diagram" xmlns:a="http://schemas.openxmlformats.org/drawingml/2006/main">
+<dsp:drawing xmlns:dgm="http://schemas.openxmlformats.org/drawingml/2006/diagram" xmlns:a="http://schemas.openxmlformats.org/drawingml/2006/main" xmlns:dsp="http://schemas.microsoft.com/office/drawing/2008/diagram">
   <dsp:spTree>
     <dsp:nvGrpSpPr>
       <dsp:cNvPr id="0" name=""/>
@@ -3256,7 +3256,7 @@
     </p:spTree>
     <p:extLst>
       <p:ext uri="{BB962C8B-B14F-4D97-AF65-F5344CB8AC3E}">
-        <p14:creationId xmlns:p14="http://schemas.microsoft.com/office/powerpoint/2010/main" val="3491659132"/>
+        <p14:creationId xmlns:p14="http://schemas.microsoft.com/office/powerpoint/2010/main" xmlns="" val="3491659132"/>
       </p:ext>
     </p:extLst>
   </p:cSld>
@@ -3516,7 +3516,7 @@
     </p:spTree>
     <p:extLst>
       <p:ext uri="{BB962C8B-B14F-4D97-AF65-F5344CB8AC3E}">
-        <p14:creationId xmlns:p14="http://schemas.microsoft.com/office/powerpoint/2010/main" val="42825475"/>
+        <p14:creationId xmlns:p14="http://schemas.microsoft.com/office/powerpoint/2010/main" xmlns="" val="42825475"/>
       </p:ext>
     </p:extLst>
   </p:cSld>
@@ -3673,11 +3673,7 @@
             </a:pPr>
             <a:r>
               <a:rPr lang="en-US" altLang="zh-CN" dirty="0" smtClean="0"/>
-              <a:t>Hello, everyone! </a:t>
-            </a:r>
-            <a:r>
-              <a:rPr lang="en-US" altLang="zh-CN" dirty="0" smtClean="0"/>
-              <a:t>I’m Shi </a:t>
+              <a:t>Hello, everyone! I’m Shi </a:t>
             </a:r>
             <a:r>
               <a:rPr lang="en-US" altLang="zh-CN" dirty="0" err="1" smtClean="0"/>
@@ -3731,16 +3727,7 @@
                 </a:solidFill>
                 <a:latin typeface="Arial"/>
               </a:rPr>
-              <a:t> by James </a:t>
-            </a:r>
-            <a:r>
-              <a:rPr lang="en-US" altLang="zh-CN" sz="1200" i="0" kern="0" baseline="0" dirty="0" smtClean="0">
-                <a:solidFill>
-                  <a:schemeClr val="tx1"/>
-                </a:solidFill>
-                <a:latin typeface="Arial"/>
-              </a:rPr>
-              <a:t>C. King in 1976</a:t>
+              <a:t> by James C. King in 1976</a:t>
             </a:r>
             <a:endParaRPr kumimoji="0" lang="en-US" altLang="zh-CN" sz="1200" b="1" i="1" u="none" strike="noStrike" kern="0" cap="none" spc="0" normalizeH="0" baseline="0" noProof="0" dirty="0" smtClean="0">
               <a:ln>
@@ -3796,7 +3783,7 @@
     </p:spTree>
     <p:extLst>
       <p:ext uri="{BB962C8B-B14F-4D97-AF65-F5344CB8AC3E}">
-        <p14:creationId xmlns:p14="http://schemas.microsoft.com/office/powerpoint/2010/main" val="3867849981"/>
+        <p14:creationId xmlns:p14="http://schemas.microsoft.com/office/powerpoint/2010/main" xmlns="" val="3867849981"/>
       </p:ext>
     </p:extLst>
   </p:cSld>
@@ -3881,7 +3868,73 @@
                 <a:ea typeface="+mn-ea"/>
                 <a:cs typeface="+mn-cs"/>
               </a:rPr>
-              <a:t>() has three execution paths. the statement z equals x has two branches. And the then branch has another IF-Statement x greater than y plus 10 which has two branches too.</a:t>
+              <a:t>() has three execution paths. </a:t>
+            </a:r>
+            <a:r>
+              <a:rPr lang="en-US" altLang="zh-CN" sz="1200" b="0" i="0" u="none" strike="noStrike" kern="1200" baseline="0" smtClean="0">
+                <a:solidFill>
+                  <a:schemeClr val="tx1"/>
+                </a:solidFill>
+                <a:latin typeface="+mn-lt"/>
+                <a:ea typeface="+mn-ea"/>
+                <a:cs typeface="+mn-cs"/>
+              </a:rPr>
+              <a:t>the </a:t>
+            </a:r>
+            <a:r>
+              <a:rPr lang="en-US" altLang="zh-CN" sz="1200" b="0" i="0" u="none" strike="noStrike" kern="1200" baseline="0" smtClean="0">
+                <a:solidFill>
+                  <a:schemeClr val="tx1"/>
+                </a:solidFill>
+                <a:latin typeface="+mn-lt"/>
+                <a:ea typeface="+mn-ea"/>
+                <a:cs typeface="+mn-cs"/>
+              </a:rPr>
+              <a:t>statement if </a:t>
+            </a:r>
+            <a:r>
+              <a:rPr lang="en-US" altLang="zh-CN" sz="1200" b="0" i="0" u="none" strike="noStrike" kern="1200" baseline="0" dirty="0" smtClean="0">
+                <a:solidFill>
+                  <a:schemeClr val="tx1"/>
+                </a:solidFill>
+                <a:latin typeface="+mn-lt"/>
+                <a:ea typeface="+mn-ea"/>
+                <a:cs typeface="+mn-cs"/>
+              </a:rPr>
+              <a:t>z equals x has two branches. </a:t>
+            </a:r>
+            <a:r>
+              <a:rPr lang="en-US" altLang="zh-CN" sz="1200" b="0" i="0" u="none" strike="noStrike" kern="1200" baseline="0" smtClean="0">
+                <a:solidFill>
+                  <a:schemeClr val="tx1"/>
+                </a:solidFill>
+                <a:latin typeface="+mn-lt"/>
+                <a:ea typeface="+mn-ea"/>
+                <a:cs typeface="+mn-cs"/>
+              </a:rPr>
+              <a:t>And </a:t>
+            </a:r>
+            <a:r>
+              <a:rPr lang="en-US" altLang="zh-CN" sz="1200" b="0" i="0" u="none" strike="noStrike" kern="1200" baseline="0" smtClean="0">
+                <a:solidFill>
+                  <a:schemeClr val="tx1"/>
+                </a:solidFill>
+                <a:latin typeface="+mn-lt"/>
+                <a:ea typeface="+mn-ea"/>
+                <a:cs typeface="+mn-cs"/>
+              </a:rPr>
+              <a:t>its </a:t>
+            </a:r>
+            <a:r>
+              <a:rPr lang="en-US" altLang="zh-CN" sz="1200" b="0" i="0" u="none" strike="noStrike" kern="1200" baseline="0" dirty="0" smtClean="0">
+                <a:solidFill>
+                  <a:schemeClr val="tx1"/>
+                </a:solidFill>
+                <a:latin typeface="+mn-lt"/>
+                <a:ea typeface="+mn-ea"/>
+                <a:cs typeface="+mn-cs"/>
+              </a:rPr>
+              <a:t>then branch has another IF-Statement x greater than y plus 10 which has two branches too.</a:t>
             </a:r>
           </a:p>
           <a:p>
@@ -3904,7 +3957,19 @@
             </a:pPr>
             <a:r>
               <a:rPr lang="en-US" altLang="zh-CN" dirty="0" smtClean="0"/>
-              <a:t>Each terminal leaf in the tree corresponds to a potential execution path and there may exist a particular concrete input which will trace the same path. </a:t>
+              <a:t>Each terminal leaf in the tree corresponds to a potential execution path and there </a:t>
+            </a:r>
+            <a:r>
+              <a:rPr lang="en-US" altLang="zh-CN" smtClean="0"/>
+              <a:t>may </a:t>
+            </a:r>
+            <a:r>
+              <a:rPr lang="en-US" altLang="zh-CN" smtClean="0"/>
+              <a:t>be </a:t>
+            </a:r>
+            <a:r>
+              <a:rPr lang="en-US" altLang="zh-CN" dirty="0" smtClean="0"/>
+              <a:t>a particular concrete input which will trace the same path. </a:t>
             </a:r>
           </a:p>
           <a:p>
@@ -3953,7 +4018,7 @@
     </p:spTree>
     <p:extLst>
       <p:ext uri="{BB962C8B-B14F-4D97-AF65-F5344CB8AC3E}">
-        <p14:creationId xmlns:p14="http://schemas.microsoft.com/office/powerpoint/2010/main" val="3079943628"/>
+        <p14:creationId xmlns:p14="http://schemas.microsoft.com/office/powerpoint/2010/main" xmlns="" val="3079943628"/>
       </p:ext>
     </p:extLst>
   </p:cSld>
@@ -4009,20 +4074,44 @@
           <a:p>
             <a:r>
               <a:rPr lang="en-US" altLang="zh-CN" dirty="0" smtClean="0"/>
-              <a:t>Symbolic execution maintains a symbolic state \sigma, which maps variables to symbolic expressions, </a:t>
-            </a:r>
+              <a:t>Symbolic execution maintains a symbolic state \sigma, which maps variables to symbolic expressions</a:t>
+            </a:r>
+            <a:r>
+              <a:rPr lang="en-US" altLang="zh-CN" smtClean="0"/>
+              <a:t>, </a:t>
+            </a:r>
+            <a:r>
+              <a:rPr lang="en-US" altLang="zh-CN" smtClean="0"/>
+              <a:t>and is empty initially.</a:t>
+            </a:r>
+            <a:endParaRPr lang="en-US" altLang="zh-CN" dirty="0" smtClean="0"/>
           </a:p>
           <a:p>
             <a:r>
               <a:rPr lang="en-US" altLang="zh-CN" dirty="0" smtClean="0"/>
-              <a:t>and a symbolic path constraint PC, which is a quantifier-free first-order formula over symbolic expressions. </a:t>
-            </a:r>
-          </a:p>
-          <a:p>
+              <a:t>and a symbolic path constraint PC, which is </a:t>
+            </a:r>
+            <a:r>
+              <a:rPr lang="en-US" altLang="zh-CN" smtClean="0"/>
+              <a:t>a </a:t>
+            </a:r>
+            <a:r>
+              <a:rPr lang="en-US" altLang="zh-CN" smtClean="0"/>
+              <a:t>formula </a:t>
+            </a:r>
             <a:r>
               <a:rPr lang="en-US" altLang="zh-CN" dirty="0" smtClean="0"/>
-              <a:t>At the beginning of a symbolic execution, \sigma is initialized to an empty map and PC is initialized to true. </a:t>
-            </a:r>
+              <a:t>over </a:t>
+            </a:r>
+            <a:r>
+              <a:rPr lang="en-US" altLang="zh-CN" smtClean="0"/>
+              <a:t>symbolic </a:t>
+            </a:r>
+            <a:r>
+              <a:rPr lang="en-US" altLang="zh-CN" smtClean="0"/>
+              <a:t>expressions and is initialized to true. </a:t>
+            </a:r>
+            <a:endParaRPr lang="en-US" altLang="zh-CN" dirty="0" smtClean="0"/>
           </a:p>
           <a:p>
             <a:endParaRPr lang="en-US" altLang="zh-CN" dirty="0" smtClean="0"/>
@@ -4036,7 +4125,19 @@
           <a:p>
             <a:r>
               <a:rPr lang="en-US" altLang="zh-CN" dirty="0" smtClean="0"/>
-              <a:t>At the end of a symbolic execution along an execution path of the program, PC is solved using a constraint solver to generate concrete input values. </a:t>
+              <a:t>At the end of a symbolic execution along an </a:t>
+            </a:r>
+            <a:r>
+              <a:rPr lang="en-US" altLang="zh-CN" smtClean="0"/>
+              <a:t>execution </a:t>
+            </a:r>
+            <a:r>
+              <a:rPr lang="en-US" altLang="zh-CN" smtClean="0"/>
+              <a:t>path, </a:t>
+            </a:r>
+            <a:r>
+              <a:rPr lang="en-US" altLang="zh-CN" dirty="0" smtClean="0"/>
+              <a:t>PC is solved using a constraint solver to generate concrete input values. </a:t>
             </a:r>
           </a:p>
           <a:p>
@@ -4075,7 +4176,7 @@
     </p:spTree>
     <p:extLst>
       <p:ext uri="{BB962C8B-B14F-4D97-AF65-F5344CB8AC3E}">
-        <p14:creationId xmlns:p14="http://schemas.microsoft.com/office/powerpoint/2010/main" val="2076014591"/>
+        <p14:creationId xmlns:p14="http://schemas.microsoft.com/office/powerpoint/2010/main" xmlns="" val="2076014591"/>
       </p:ext>
     </p:extLst>
   </p:cSld>
@@ -4385,7 +4486,7 @@
     </p:spTree>
     <p:extLst>
       <p:ext uri="{BB962C8B-B14F-4D97-AF65-F5344CB8AC3E}">
-        <p14:creationId xmlns:p14="http://schemas.microsoft.com/office/powerpoint/2010/main" val="2098564912"/>
+        <p14:creationId xmlns:p14="http://schemas.microsoft.com/office/powerpoint/2010/main" xmlns="" val="2098564912"/>
       </p:ext>
     </p:extLst>
   </p:cSld>
@@ -4658,7 +4759,7 @@
     </p:spTree>
     <p:extLst>
       <p:ext uri="{BB962C8B-B14F-4D97-AF65-F5344CB8AC3E}">
-        <p14:creationId xmlns:p14="http://schemas.microsoft.com/office/powerpoint/2010/main" val="3273333701"/>
+        <p14:creationId xmlns:p14="http://schemas.microsoft.com/office/powerpoint/2010/main" xmlns="" val="3273333701"/>
       </p:ext>
     </p:extLst>
   </p:cSld>
@@ -4713,7 +4814,7 @@
           <a:lstStyle/>
           <a:p>
             <a:r>
-              <a:rPr lang="en-US" altLang="zh-CN" sz="1200" b="0" i="0" u="none" strike="noStrike" kern="1200" baseline="0" dirty="0" smtClean="0">
+              <a:rPr lang="en-US" altLang="zh-CN" sz="1200" b="0" i="0" u="none" strike="noStrike" kern="1200" baseline="0" smtClean="0">
                 <a:solidFill>
                   <a:schemeClr val="tx1"/>
                 </a:solidFill>
@@ -4721,10 +4822,10 @@
                 <a:ea typeface="+mn-ea"/>
                 <a:cs typeface="+mn-cs"/>
               </a:rPr>
-              <a:t>The author and his colleagues have developed an interactive symbolic execution system called EFFIGY</a:t>
-            </a:r>
-            <a:r>
-              <a:rPr lang="en-US" altLang="zh-CN" sz="1200" b="0" i="0" u="none" strike="noStrike" kern="1200" baseline="0" dirty="0" smtClean="0">
+              <a:t>The </a:t>
+            </a:r>
+            <a:r>
+              <a:rPr lang="en-US" altLang="zh-CN" sz="1200" b="0" i="0" u="none" strike="noStrike" kern="1200" baseline="0" smtClean="0">
                 <a:solidFill>
                   <a:schemeClr val="tx1"/>
                 </a:solidFill>
@@ -4732,8 +4833,34 @@
                 <a:ea typeface="+mn-ea"/>
                 <a:cs typeface="+mn-cs"/>
               </a:rPr>
-              <a:t>.</a:t>
-            </a:r>
+              <a:t>author developed </a:t>
+            </a:r>
+            <a:r>
+              <a:rPr lang="en-US" altLang="zh-CN" sz="1200" b="0" i="0" u="none" strike="noStrike" kern="1200" baseline="0" dirty="0" smtClean="0">
+                <a:solidFill>
+                  <a:schemeClr val="tx1"/>
+                </a:solidFill>
+                <a:latin typeface="+mn-lt"/>
+                <a:ea typeface="+mn-ea"/>
+                <a:cs typeface="+mn-cs"/>
+              </a:rPr>
+              <a:t>an interactive symbolic execution system called EFFIGY.</a:t>
+            </a:r>
+          </a:p>
+          <a:p>
+            <a:r>
+              <a:rPr lang="en-US" altLang="zh-CN" sz="1200" b="0" i="0" u="none" strike="noStrike" kern="1200" baseline="0" dirty="0" smtClean="0">
+                <a:solidFill>
+                  <a:schemeClr val="tx1"/>
+                </a:solidFill>
+                <a:latin typeface="+mn-lt"/>
+                <a:ea typeface="+mn-ea"/>
+                <a:cs typeface="+mn-cs"/>
+              </a:rPr>
+              <a:t>Basic debugging and testing facilities are provided for symbolic program execution.</a:t>
+            </a:r>
+          </a:p>
+          <a:p>
             <a:endParaRPr lang="en-US" altLang="zh-CN" sz="1200" b="0" i="0" u="none" strike="noStrike" kern="1200" baseline="0" dirty="0" smtClean="0">
               <a:solidFill>
                 <a:schemeClr val="tx1"/>
@@ -4753,7 +4880,40 @@
                 <a:ea typeface="+mn-ea"/>
                 <a:cs typeface="+mn-cs"/>
               </a:rPr>
-              <a:t>Basic debugging and testing facilities are provided for symbolic program execution.</a:t>
+              <a:t>An "exhaustive“ test manager is available for systematically exploring </a:t>
+            </a:r>
+            <a:r>
+              <a:rPr lang="en-US" altLang="zh-CN" sz="1200" b="0" i="0" u="none" strike="noStrike" kern="1200" baseline="0" smtClean="0">
+                <a:solidFill>
+                  <a:schemeClr val="tx1"/>
+                </a:solidFill>
+                <a:latin typeface="+mn-lt"/>
+                <a:ea typeface="+mn-ea"/>
+                <a:cs typeface="+mn-cs"/>
+              </a:rPr>
+              <a:t>the </a:t>
+            </a:r>
+            <a:r>
+              <a:rPr lang="en-US" altLang="zh-CN" sz="1200" b="0" i="0" u="none" strike="noStrike" kern="1200" baseline="0" smtClean="0">
+                <a:solidFill>
+                  <a:schemeClr val="tx1"/>
+                </a:solidFill>
+                <a:latin typeface="+mn-lt"/>
+                <a:ea typeface="+mn-ea"/>
+                <a:cs typeface="+mn-cs"/>
+              </a:rPr>
+              <a:t>alternatives </a:t>
+            </a:r>
+            <a:r>
+              <a:rPr lang="en-US" altLang="zh-CN" sz="1200" b="0" i="0" u="none" strike="noStrike" kern="1200" baseline="0" dirty="0" smtClean="0">
+                <a:solidFill>
+                  <a:schemeClr val="tx1"/>
+                </a:solidFill>
+                <a:latin typeface="+mn-lt"/>
+                <a:ea typeface="+mn-ea"/>
+                <a:cs typeface="+mn-cs"/>
+              </a:rPr>
+              <a:t>in the symbolic execution tree.</a:t>
             </a:r>
           </a:p>
           <a:p>
@@ -4776,7 +4936,40 @@
                 <a:ea typeface="+mn-ea"/>
                 <a:cs typeface="+mn-cs"/>
               </a:rPr>
-              <a:t>An "exhaustive“ test manager is available for systematically exploring the alternatives presented in the symbolic execution tree.</a:t>
+              <a:t>The system can automatically check </a:t>
+            </a:r>
+            <a:r>
+              <a:rPr lang="en-US" altLang="zh-CN" sz="1200" b="0" i="0" u="none" strike="noStrike" kern="1200" baseline="0" smtClean="0">
+                <a:solidFill>
+                  <a:schemeClr val="tx1"/>
+                </a:solidFill>
+                <a:latin typeface="+mn-lt"/>
+                <a:ea typeface="+mn-ea"/>
+                <a:cs typeface="+mn-cs"/>
+              </a:rPr>
+              <a:t>test </a:t>
+            </a:r>
+            <a:r>
+              <a:rPr lang="en-US" altLang="zh-CN" sz="1200" b="0" i="0" u="none" strike="noStrike" kern="1200" baseline="0" smtClean="0">
+                <a:solidFill>
+                  <a:schemeClr val="tx1"/>
+                </a:solidFill>
+                <a:latin typeface="+mn-lt"/>
+                <a:ea typeface="+mn-ea"/>
+                <a:cs typeface="+mn-cs"/>
+              </a:rPr>
+              <a:t>results </a:t>
+            </a:r>
+            <a:r>
+              <a:rPr lang="en-US" altLang="zh-CN" sz="1200" b="0" i="0" u="none" strike="noStrike" kern="1200" baseline="0" dirty="0" smtClean="0">
+                <a:solidFill>
+                  <a:schemeClr val="tx1"/>
+                </a:solidFill>
+                <a:latin typeface="+mn-lt"/>
+                <a:ea typeface="+mn-ea"/>
+                <a:cs typeface="+mn-cs"/>
+              </a:rPr>
+              <a:t>against output assertions if they are supplied. </a:t>
             </a:r>
           </a:p>
           <a:p>
@@ -4799,29 +4992,6 @@
                 <a:ea typeface="+mn-ea"/>
                 <a:cs typeface="+mn-cs"/>
               </a:rPr>
-              <a:t>The system can automatically check test case results against output assertions if they are supplied. </a:t>
-            </a:r>
-          </a:p>
-          <a:p>
-            <a:endParaRPr lang="en-US" altLang="zh-CN" sz="1200" b="0" i="0" u="none" strike="noStrike" kern="1200" baseline="0" dirty="0" smtClean="0">
-              <a:solidFill>
-                <a:schemeClr val="tx1"/>
-              </a:solidFill>
-              <a:latin typeface="+mn-lt"/>
-              <a:ea typeface="+mn-ea"/>
-              <a:cs typeface="+mn-cs"/>
-            </a:endParaRPr>
-          </a:p>
-          <a:p>
-            <a:r>
-              <a:rPr lang="en-US" altLang="zh-CN" sz="1200" b="0" i="0" u="none" strike="noStrike" kern="1200" baseline="0" dirty="0" smtClean="0">
-                <a:solidFill>
-                  <a:schemeClr val="tx1"/>
-                </a:solidFill>
-                <a:latin typeface="+mn-lt"/>
-                <a:ea typeface="+mn-ea"/>
-                <a:cs typeface="+mn-cs"/>
-              </a:rPr>
               <a:t>Finally, the system offers a program verifier which uses symbolic execution and user supplied assertions to generate the verification conditions</a:t>
             </a:r>
             <a:endParaRPr lang="zh-CN" altLang="en-US" dirty="0"/>
@@ -4855,7 +5025,7 @@
     </p:spTree>
     <p:extLst>
       <p:ext uri="{BB962C8B-B14F-4D97-AF65-F5344CB8AC3E}">
-        <p14:creationId xmlns:p14="http://schemas.microsoft.com/office/powerpoint/2010/main" val="1466003873"/>
+        <p14:creationId xmlns:p14="http://schemas.microsoft.com/office/powerpoint/2010/main" xmlns="" val="1466003873"/>
       </p:ext>
     </p:extLst>
   </p:cSld>
@@ -4918,8 +5088,10 @@
                 <a:ea typeface="+mn-ea"/>
                 <a:cs typeface="+mn-cs"/>
               </a:rPr>
-              <a:t>Whenever the system encounters an IF statement </a:t>
-            </a:r>
+              <a:t>Whenever the system encounters an IF statement it notifies the user and allows him to choose. He may: </a:t>
+            </a:r>
+          </a:p>
+          <a:p>
             <a:r>
               <a:rPr lang="en-US" altLang="zh-CN" sz="1200" b="0" i="0" u="none" strike="noStrike" kern="1200" baseline="0" dirty="0" smtClean="0">
                 <a:solidFill>
@@ -4929,10 +5101,10 @@
                 <a:ea typeface="+mn-ea"/>
                 <a:cs typeface="+mn-cs"/>
               </a:rPr>
-              <a:t>it </a:t>
-            </a:r>
-            <a:r>
-              <a:rPr lang="en-US" altLang="zh-CN" sz="1200" b="0" i="0" u="none" strike="noStrike" kern="1200" baseline="0" dirty="0" smtClean="0">
+              <a:t>1. Type </a:t>
+            </a:r>
+            <a:r>
+              <a:rPr lang="en-US" altLang="zh-CN" sz="1200" b="0" i="1" u="none" strike="noStrike" kern="1200" baseline="0" dirty="0" smtClean="0">
                 <a:solidFill>
                   <a:schemeClr val="tx1"/>
                 </a:solidFill>
@@ -4940,10 +5112,8 @@
                 <a:ea typeface="+mn-ea"/>
                 <a:cs typeface="+mn-cs"/>
               </a:rPr>
-              <a:t>notifies the user and allows him to choose. He may: </a:t>
-            </a:r>
-          </a:p>
-          <a:p>
+              <a:t>"go </a:t>
+            </a:r>
             <a:r>
               <a:rPr lang="en-US" altLang="zh-CN" sz="1200" b="0" i="0" u="none" strike="noStrike" kern="1200" baseline="0" dirty="0" smtClean="0">
                 <a:solidFill>
@@ -4953,10 +5123,10 @@
                 <a:ea typeface="+mn-ea"/>
                 <a:cs typeface="+mn-cs"/>
               </a:rPr>
-              <a:t>1. Type </a:t>
-            </a:r>
-            <a:r>
-              <a:rPr lang="en-US" altLang="zh-CN" sz="1200" b="0" i="1" u="none" strike="noStrike" kern="1200" baseline="0" dirty="0" smtClean="0">
+              <a:t>true" and the system follows the </a:t>
+            </a:r>
+            <a:r>
+              <a:rPr lang="en-US" altLang="zh-CN" sz="1200" b="0" i="0" u="none" strike="noStrike" kern="1200" baseline="0" smtClean="0">
                 <a:solidFill>
                   <a:schemeClr val="tx1"/>
                 </a:solidFill>
@@ -4964,10 +5134,10 @@
                 <a:ea typeface="+mn-ea"/>
                 <a:cs typeface="+mn-cs"/>
               </a:rPr>
-              <a:t>"go </a:t>
-            </a:r>
-            <a:r>
-              <a:rPr lang="en-US" altLang="zh-CN" sz="1200" b="0" i="0" u="none" strike="noStrike" kern="1200" baseline="0" dirty="0" smtClean="0">
+              <a:t>THEN </a:t>
+            </a:r>
+            <a:r>
+              <a:rPr lang="en-US" altLang="zh-CN" sz="1200" b="0" i="0" u="none" strike="noStrike" kern="1200" baseline="0" smtClean="0">
                 <a:solidFill>
                   <a:schemeClr val="tx1"/>
                 </a:solidFill>
@@ -4975,136 +5145,7 @@
                 <a:ea typeface="+mn-ea"/>
                 <a:cs typeface="+mn-cs"/>
               </a:rPr>
-              <a:t>true" and the system follows the THEN branch changing </a:t>
-            </a:r>
-            <a:r>
-              <a:rPr lang="en-US" altLang="zh-CN" sz="1200" b="0" i="1" u="none" strike="noStrike" kern="1200" baseline="0" dirty="0" smtClean="0">
-                <a:solidFill>
-                  <a:schemeClr val="tx1"/>
-                </a:solidFill>
-                <a:latin typeface="+mn-lt"/>
-                <a:ea typeface="+mn-ea"/>
-                <a:cs typeface="+mn-cs"/>
-              </a:rPr>
-              <a:t>pc </a:t>
-            </a:r>
-            <a:r>
-              <a:rPr lang="en-US" altLang="zh-CN" sz="1200" b="0" i="0" u="none" strike="noStrike" kern="1200" baseline="0" dirty="0" smtClean="0">
-                <a:solidFill>
-                  <a:schemeClr val="tx1"/>
-                </a:solidFill>
-                <a:latin typeface="+mn-lt"/>
-                <a:ea typeface="+mn-ea"/>
-                <a:cs typeface="+mn-cs"/>
-              </a:rPr>
-              <a:t>accordingly,</a:t>
-            </a:r>
-          </a:p>
-          <a:p>
-            <a:r>
-              <a:rPr lang="en-US" altLang="zh-CN" sz="1200" b="0" i="0" u="none" strike="noStrike" kern="1200" baseline="0" dirty="0" smtClean="0">
-                <a:solidFill>
-                  <a:schemeClr val="tx1"/>
-                </a:solidFill>
-                <a:latin typeface="+mn-lt"/>
-                <a:ea typeface="+mn-ea"/>
-                <a:cs typeface="+mn-cs"/>
-              </a:rPr>
-              <a:t>2. Type "go false" and the system follows the ELSE branch changing </a:t>
-            </a:r>
-            <a:r>
-              <a:rPr lang="en-US" altLang="zh-CN" sz="1200" b="0" i="1" u="none" strike="noStrike" kern="1200" baseline="0" dirty="0" smtClean="0">
-                <a:solidFill>
-                  <a:schemeClr val="tx1"/>
-                </a:solidFill>
-                <a:latin typeface="+mn-lt"/>
-                <a:ea typeface="+mn-ea"/>
-                <a:cs typeface="+mn-cs"/>
-              </a:rPr>
-              <a:t>pc </a:t>
-            </a:r>
-            <a:r>
-              <a:rPr lang="en-US" altLang="zh-CN" sz="1200" b="0" i="0" u="none" strike="noStrike" kern="1200" baseline="0" dirty="0" smtClean="0">
-                <a:solidFill>
-                  <a:schemeClr val="tx1"/>
-                </a:solidFill>
-                <a:latin typeface="+mn-lt"/>
-                <a:ea typeface="+mn-ea"/>
-                <a:cs typeface="+mn-cs"/>
-              </a:rPr>
-              <a:t>accordingly, or</a:t>
-            </a:r>
-          </a:p>
-          <a:p>
-            <a:r>
-              <a:rPr lang="en-US" altLang="zh-CN" sz="1200" b="0" i="0" u="none" strike="noStrike" kern="1200" baseline="0" dirty="0" smtClean="0">
-                <a:solidFill>
-                  <a:schemeClr val="tx1"/>
-                </a:solidFill>
-                <a:latin typeface="+mn-lt"/>
-                <a:ea typeface="+mn-ea"/>
-                <a:cs typeface="+mn-cs"/>
-              </a:rPr>
-              <a:t>3. Type "assume(P)”</a:t>
-            </a:r>
-          </a:p>
-          <a:p>
-            <a:r>
-              <a:rPr lang="en-US" altLang="zh-CN" sz="1200" b="0" i="0" u="none" strike="noStrike" kern="1200" baseline="0" dirty="0" smtClean="0">
-                <a:solidFill>
-                  <a:schemeClr val="tx1"/>
-                </a:solidFill>
-                <a:latin typeface="+mn-lt"/>
-                <a:ea typeface="+mn-ea"/>
-                <a:cs typeface="+mn-cs"/>
-              </a:rPr>
-              <a:t>In the third form P is a predicate which is </a:t>
-            </a:r>
-            <a:r>
-              <a:rPr lang="en-US" altLang="zh-CN" sz="1200" b="0" i="0" u="none" strike="noStrike" kern="1200" baseline="0" dirty="0" smtClean="0">
-                <a:solidFill>
-                  <a:schemeClr val="tx1"/>
-                </a:solidFill>
-                <a:latin typeface="+mn-lt"/>
-                <a:ea typeface="+mn-ea"/>
-                <a:cs typeface="+mn-cs"/>
-              </a:rPr>
-              <a:t>added </a:t>
-            </a:r>
-            <a:r>
-              <a:rPr lang="en-US" altLang="zh-CN" sz="1200" b="0" i="0" u="none" strike="noStrike" kern="1200" baseline="0" dirty="0" smtClean="0">
-                <a:solidFill>
-                  <a:schemeClr val="tx1"/>
-                </a:solidFill>
-                <a:latin typeface="+mn-lt"/>
-                <a:ea typeface="+mn-ea"/>
-                <a:cs typeface="+mn-cs"/>
-              </a:rPr>
-              <a:t>to the pc. </a:t>
-            </a:r>
-          </a:p>
-          <a:p>
-            <a:r>
-              <a:rPr lang="en-US" altLang="zh-CN" sz="1200" b="0" i="0" u="none" strike="noStrike" kern="1200" baseline="0" dirty="0" smtClean="0">
-                <a:solidFill>
-                  <a:schemeClr val="tx1"/>
-                </a:solidFill>
-                <a:latin typeface="+mn-lt"/>
-                <a:ea typeface="+mn-ea"/>
-                <a:cs typeface="+mn-cs"/>
-              </a:rPr>
-              <a:t>And the system will re-execute the IF statement using the modified </a:t>
-            </a:r>
-            <a:r>
-              <a:rPr lang="en-US" altLang="zh-CN" sz="1200" b="0" i="1" u="none" strike="noStrike" kern="1200" baseline="0" dirty="0" smtClean="0">
-                <a:solidFill>
-                  <a:schemeClr val="tx1"/>
-                </a:solidFill>
-                <a:latin typeface="+mn-lt"/>
-                <a:ea typeface="+mn-ea"/>
-                <a:cs typeface="+mn-cs"/>
-              </a:rPr>
-              <a:t>pc.</a:t>
+              <a:t>branch, or</a:t>
             </a:r>
             <a:endParaRPr lang="en-US" altLang="zh-CN" sz="1200" b="0" i="0" u="none" strike="noStrike" kern="1200" baseline="0" dirty="0" smtClean="0">
               <a:solidFill>
@@ -5116,6 +5157,100 @@
             </a:endParaRPr>
           </a:p>
           <a:p>
+            <a:r>
+              <a:rPr lang="en-US" altLang="zh-CN" sz="1200" b="0" i="0" u="none" strike="noStrike" kern="1200" baseline="0" dirty="0" smtClean="0">
+                <a:solidFill>
+                  <a:schemeClr val="tx1"/>
+                </a:solidFill>
+                <a:latin typeface="+mn-lt"/>
+                <a:ea typeface="+mn-ea"/>
+                <a:cs typeface="+mn-cs"/>
+              </a:rPr>
+              <a:t>2. Type "go false" and the system follows the </a:t>
+            </a:r>
+            <a:r>
+              <a:rPr lang="en-US" altLang="zh-CN" sz="1200" b="0" i="0" u="none" strike="noStrike" kern="1200" baseline="0" smtClean="0">
+                <a:solidFill>
+                  <a:schemeClr val="tx1"/>
+                </a:solidFill>
+                <a:latin typeface="+mn-lt"/>
+                <a:ea typeface="+mn-ea"/>
+                <a:cs typeface="+mn-cs"/>
+              </a:rPr>
+              <a:t>ELSE </a:t>
+            </a:r>
+            <a:r>
+              <a:rPr lang="en-US" altLang="zh-CN" sz="1200" b="0" i="0" u="none" strike="noStrike" kern="1200" baseline="0" smtClean="0">
+                <a:solidFill>
+                  <a:schemeClr val="tx1"/>
+                </a:solidFill>
+                <a:latin typeface="+mn-lt"/>
+                <a:ea typeface="+mn-ea"/>
+                <a:cs typeface="+mn-cs"/>
+              </a:rPr>
+              <a:t>branch, </a:t>
+            </a:r>
+            <a:r>
+              <a:rPr lang="en-US" altLang="zh-CN" sz="1200" b="0" i="0" u="none" strike="noStrike" kern="1200" baseline="0" dirty="0" smtClean="0">
+                <a:solidFill>
+                  <a:schemeClr val="tx1"/>
+                </a:solidFill>
+                <a:latin typeface="+mn-lt"/>
+                <a:ea typeface="+mn-ea"/>
+                <a:cs typeface="+mn-cs"/>
+              </a:rPr>
+              <a:t>or</a:t>
+            </a:r>
+          </a:p>
+          <a:p>
+            <a:r>
+              <a:rPr lang="en-US" altLang="zh-CN" sz="1200" b="0" i="0" u="none" strike="noStrike" kern="1200" baseline="0" dirty="0" smtClean="0">
+                <a:solidFill>
+                  <a:schemeClr val="tx1"/>
+                </a:solidFill>
+                <a:latin typeface="+mn-lt"/>
+                <a:ea typeface="+mn-ea"/>
+                <a:cs typeface="+mn-cs"/>
+              </a:rPr>
+              <a:t>3. Type "assume(P)”</a:t>
+            </a:r>
+          </a:p>
+          <a:p>
+            <a:r>
+              <a:rPr lang="en-US" altLang="zh-CN" sz="1200" b="0" i="0" u="none" strike="noStrike" kern="1200" baseline="0" dirty="0" smtClean="0">
+                <a:solidFill>
+                  <a:schemeClr val="tx1"/>
+                </a:solidFill>
+                <a:latin typeface="+mn-lt"/>
+                <a:ea typeface="+mn-ea"/>
+                <a:cs typeface="+mn-cs"/>
+              </a:rPr>
+              <a:t>In the third form P is a predicate which is added to the pc. </a:t>
+            </a:r>
+          </a:p>
+          <a:p>
+            <a:r>
+              <a:rPr lang="en-US" altLang="zh-CN" sz="1200" b="0" i="0" u="none" strike="noStrike" kern="1200" baseline="0" dirty="0" smtClean="0">
+                <a:solidFill>
+                  <a:schemeClr val="tx1"/>
+                </a:solidFill>
+                <a:latin typeface="+mn-lt"/>
+                <a:ea typeface="+mn-ea"/>
+                <a:cs typeface="+mn-cs"/>
+              </a:rPr>
+              <a:t>And the system will re-execute the IF statement using the modified </a:t>
+            </a:r>
+            <a:r>
+              <a:rPr lang="en-US" altLang="zh-CN" sz="1200" b="0" i="1" u="none" strike="noStrike" kern="1200" baseline="0" dirty="0" smtClean="0">
+                <a:solidFill>
+                  <a:schemeClr val="tx1"/>
+                </a:solidFill>
+                <a:latin typeface="+mn-lt"/>
+                <a:ea typeface="+mn-ea"/>
+                <a:cs typeface="+mn-cs"/>
+              </a:rPr>
+              <a:t>pc.</a:t>
+            </a:r>
             <a:endParaRPr lang="en-US" altLang="zh-CN" sz="1200" b="0" i="0" u="none" strike="noStrike" kern="1200" baseline="0" dirty="0" smtClean="0">
               <a:solidFill>
                 <a:schemeClr val="tx1"/>
@@ -5126,50 +5261,6 @@
             </a:endParaRPr>
           </a:p>
           <a:p>
-            <a:r>
-              <a:rPr lang="en-US" altLang="zh-CN" sz="1200" b="0" i="0" u="none" strike="noStrike" kern="1200" baseline="0" dirty="0" smtClean="0">
-                <a:solidFill>
-                  <a:schemeClr val="tx1"/>
-                </a:solidFill>
-                <a:latin typeface="+mn-lt"/>
-                <a:ea typeface="+mn-ea"/>
-                <a:cs typeface="+mn-cs"/>
-              </a:rPr>
-              <a:t>Here is an example. suppose the program variable X has the value a, </a:t>
-            </a:r>
-            <a:r>
-              <a:rPr lang="en-US" altLang="zh-CN" sz="1200" b="0" i="1" u="none" strike="noStrike" kern="1200" baseline="0" dirty="0" smtClean="0">
-                <a:solidFill>
-                  <a:schemeClr val="tx1"/>
-                </a:solidFill>
-                <a:latin typeface="+mn-lt"/>
-                <a:ea typeface="+mn-ea"/>
-                <a:cs typeface="+mn-cs"/>
-              </a:rPr>
-              <a:t>pc </a:t>
-            </a:r>
-            <a:r>
-              <a:rPr lang="en-US" altLang="zh-CN" sz="1200" b="0" i="0" u="none" strike="noStrike" kern="1200" baseline="0" dirty="0" smtClean="0">
-                <a:solidFill>
-                  <a:schemeClr val="tx1"/>
-                </a:solidFill>
-                <a:latin typeface="+mn-lt"/>
-                <a:ea typeface="+mn-ea"/>
-                <a:cs typeface="+mn-cs"/>
-              </a:rPr>
-              <a:t>has the value a &gt; 0, and the IF statement being executed has the </a:t>
-            </a:r>
-            <a:r>
-              <a:rPr lang="en-US" altLang="zh-CN" sz="1200" b="0" i="0" u="none" strike="noStrike" kern="1200" baseline="0" dirty="0" smtClean="0">
-                <a:solidFill>
-                  <a:schemeClr val="tx1"/>
-                </a:solidFill>
-                <a:latin typeface="+mn-lt"/>
-                <a:ea typeface="+mn-ea"/>
-                <a:cs typeface="+mn-cs"/>
-              </a:rPr>
-              <a:t>form like this:</a:t>
-            </a:r>
             <a:endParaRPr lang="en-US" altLang="zh-CN" sz="1200" b="0" i="0" u="none" strike="noStrike" kern="1200" baseline="0" dirty="0" smtClean="0">
               <a:solidFill>
                 <a:schemeClr val="tx1"/>
@@ -5178,6 +5269,74 @@
               <a:ea typeface="+mn-ea"/>
               <a:cs typeface="+mn-cs"/>
             </a:endParaRPr>
+          </a:p>
+          <a:p>
+            <a:r>
+              <a:rPr lang="en-US" altLang="zh-CN" sz="1200" b="0" i="0" u="none" strike="noStrike" kern="1200" baseline="0" dirty="0" smtClean="0">
+                <a:solidFill>
+                  <a:schemeClr val="tx1"/>
+                </a:solidFill>
+                <a:latin typeface="+mn-lt"/>
+                <a:ea typeface="+mn-ea"/>
+                <a:cs typeface="+mn-cs"/>
+              </a:rPr>
+              <a:t>Here is an example. </a:t>
+            </a:r>
+            <a:r>
+              <a:rPr lang="en-US" altLang="zh-CN" sz="1200" b="0" i="0" u="none" strike="noStrike" kern="1200" baseline="0" smtClean="0">
+                <a:solidFill>
+                  <a:schemeClr val="tx1"/>
+                </a:solidFill>
+                <a:latin typeface="+mn-lt"/>
+                <a:ea typeface="+mn-ea"/>
+                <a:cs typeface="+mn-cs"/>
+              </a:rPr>
+              <a:t>suppose </a:t>
+            </a:r>
+            <a:r>
+              <a:rPr lang="en-US" altLang="zh-CN" sz="1200" b="0" i="0" u="none" strike="noStrike" kern="1200" baseline="0" smtClean="0">
+                <a:solidFill>
+                  <a:schemeClr val="tx1"/>
+                </a:solidFill>
+                <a:latin typeface="+mn-lt"/>
+                <a:ea typeface="+mn-ea"/>
+                <a:cs typeface="+mn-cs"/>
+              </a:rPr>
+              <a:t>the </a:t>
+            </a:r>
+            <a:r>
+              <a:rPr lang="en-US" altLang="zh-CN" sz="1200" b="0" i="1" u="none" strike="noStrike" kern="1200" baseline="0" smtClean="0">
+                <a:solidFill>
+                  <a:schemeClr val="tx1"/>
+                </a:solidFill>
+                <a:latin typeface="+mn-lt"/>
+                <a:ea typeface="+mn-ea"/>
+                <a:cs typeface="+mn-cs"/>
+              </a:rPr>
+              <a:t>pc </a:t>
+            </a:r>
+            <a:r>
+              <a:rPr lang="en-US" altLang="zh-CN" sz="1200" b="0" i="0" u="none" strike="noStrike" kern="1200" baseline="0" smtClean="0">
+                <a:solidFill>
+                  <a:schemeClr val="tx1"/>
+                </a:solidFill>
+                <a:latin typeface="+mn-lt"/>
+                <a:ea typeface="+mn-ea"/>
+                <a:cs typeface="+mn-cs"/>
+              </a:rPr>
+              <a:t>is a </a:t>
+            </a:r>
+            <a:r>
+              <a:rPr lang="en-US" altLang="zh-CN" sz="1200" b="0" i="0" u="none" strike="noStrike" kern="1200" baseline="0" dirty="0" smtClean="0">
+                <a:solidFill>
+                  <a:schemeClr val="tx1"/>
+                </a:solidFill>
+                <a:latin typeface="+mn-lt"/>
+                <a:ea typeface="+mn-ea"/>
+                <a:cs typeface="+mn-cs"/>
+              </a:rPr>
+              <a:t>&gt; 0, and the IF statement being executed has the form like this:</a:t>
+            </a:r>
           </a:p>
           <a:p>
             <a:r>
@@ -5229,54 +5388,14 @@
                 <a:ea typeface="+mn-ea"/>
                 <a:cs typeface="+mn-cs"/>
               </a:rPr>
-              <a:t>If choose go true, </a:t>
-            </a:r>
-            <a:r>
-              <a:rPr lang="en-US" altLang="zh-CN" sz="1200" b="0" i="0" u="none" strike="noStrike" kern="1200" baseline="0" dirty="0" smtClean="0">
-                <a:solidFill>
-                  <a:schemeClr val="tx1"/>
-                </a:solidFill>
-                <a:latin typeface="+mn-lt"/>
-                <a:ea typeface="+mn-ea"/>
-                <a:cs typeface="+mn-cs"/>
-              </a:rPr>
-              <a:t>//pc </a:t>
-            </a:r>
-            <a:r>
-              <a:rPr lang="en-US" altLang="zh-CN" sz="1200" b="0" i="0" u="none" strike="noStrike" kern="1200" baseline="0" dirty="0" smtClean="0">
-                <a:solidFill>
-                  <a:schemeClr val="tx1"/>
-                </a:solidFill>
-                <a:latin typeface="+mn-lt"/>
-                <a:ea typeface="+mn-ea"/>
-                <a:cs typeface="+mn-cs"/>
-              </a:rPr>
-              <a:t>is updated </a:t>
-            </a:r>
-            <a:r>
-              <a:rPr lang="en-US" altLang="zh-CN" sz="1200" b="0" i="0" u="none" strike="noStrike" kern="1200" baseline="0" dirty="0" smtClean="0">
-                <a:solidFill>
-                  <a:schemeClr val="tx1"/>
-                </a:solidFill>
-                <a:latin typeface="+mn-lt"/>
-                <a:ea typeface="+mn-ea"/>
-                <a:cs typeface="+mn-cs"/>
-              </a:rPr>
-              <a:t>to this </a:t>
+              <a:t>If choose go true, //pc is updated to this </a:t>
             </a:r>
             <a:r>
               <a:rPr lang="en-US" altLang="zh-CN" sz="1200" dirty="0" smtClean="0">
                 <a:latin typeface="Times New Roman" pitchFamily="18" charset="0"/>
                 <a:cs typeface="Times New Roman" pitchFamily="18" charset="0"/>
               </a:rPr>
-              <a:t>(a &gt; 0) &amp; (a &gt; 5) , </a:t>
-            </a:r>
-            <a:r>
-              <a:rPr lang="en-US" altLang="zh-CN" sz="1200" dirty="0" smtClean="0">
-                <a:latin typeface="Times New Roman" pitchFamily="18" charset="0"/>
-                <a:cs typeface="Times New Roman" pitchFamily="18" charset="0"/>
-              </a:rPr>
-              <a:t>next</a:t>
+              <a:t>(a &gt; 0) &amp; (a &gt; 5) , next</a:t>
             </a:r>
             <a:r>
               <a:rPr lang="en-US" altLang="zh-CN" sz="1200" baseline="0" dirty="0" smtClean="0">
@@ -5320,68 +5439,21 @@
                 <a:ea typeface="+mn-ea"/>
                 <a:cs typeface="+mn-cs"/>
               </a:rPr>
-              <a:t>If choose go false, </a:t>
-            </a:r>
-            <a:r>
-              <a:rPr lang="en-US" altLang="zh-CN" sz="1200" b="0" i="0" u="none" strike="noStrike" kern="1200" baseline="0" dirty="0" smtClean="0">
-                <a:solidFill>
-                  <a:schemeClr val="tx1"/>
-                </a:solidFill>
-                <a:latin typeface="+mn-lt"/>
-                <a:ea typeface="+mn-ea"/>
-                <a:cs typeface="+mn-cs"/>
-              </a:rPr>
-              <a:t>//pc </a:t>
-            </a:r>
-            <a:r>
-              <a:rPr lang="en-US" altLang="zh-CN" sz="1200" b="0" i="0" u="none" strike="noStrike" kern="1200" baseline="0" dirty="0" smtClean="0">
-                <a:solidFill>
-                  <a:schemeClr val="tx1"/>
-                </a:solidFill>
-                <a:latin typeface="+mn-lt"/>
-                <a:ea typeface="+mn-ea"/>
-                <a:cs typeface="+mn-cs"/>
-              </a:rPr>
-              <a:t>is updated to </a:t>
-            </a:r>
-            <a:r>
-              <a:rPr lang="en-US" altLang="zh-CN" sz="1200" b="0" i="0" u="none" strike="noStrike" kern="1200" baseline="0" dirty="0" smtClean="0">
-                <a:solidFill>
-                  <a:schemeClr val="tx1"/>
-                </a:solidFill>
-                <a:latin typeface="+mn-lt"/>
-                <a:ea typeface="+mn-ea"/>
-                <a:cs typeface="+mn-cs"/>
-              </a:rPr>
-              <a:t>this </a:t>
+              <a:t>If choose go false, //pc is updated to this </a:t>
             </a:r>
             <a:r>
               <a:rPr lang="en-US" altLang="zh-CN" sz="1200" dirty="0" smtClean="0">
                 <a:latin typeface="Times New Roman" pitchFamily="18" charset="0"/>
                 <a:cs typeface="Times New Roman" pitchFamily="18" charset="0"/>
               </a:rPr>
-              <a:t>(a </a:t>
-            </a:r>
-            <a:r>
-              <a:rPr lang="en-US" altLang="zh-CN" sz="1200" dirty="0" smtClean="0">
-                <a:latin typeface="Times New Roman" pitchFamily="18" charset="0"/>
-                <a:cs typeface="Times New Roman" pitchFamily="18" charset="0"/>
-              </a:rPr>
-              <a:t>&gt; 0) &amp; not(a &gt; 5) , next</a:t>
+              <a:t>(a &gt; 0) &amp; not(a &gt; 5) , next</a:t>
             </a:r>
             <a:r>
               <a:rPr lang="en-US" altLang="zh-CN" sz="1200" baseline="0" dirty="0" smtClean="0">
                 <a:latin typeface="Times New Roman" pitchFamily="18" charset="0"/>
                 <a:cs typeface="Times New Roman" pitchFamily="18" charset="0"/>
               </a:rPr>
-              <a:t> statement </a:t>
-            </a:r>
-            <a:r>
-              <a:rPr lang="en-US" altLang="zh-CN" sz="1200" baseline="0" dirty="0" smtClean="0">
-                <a:latin typeface="Times New Roman" pitchFamily="18" charset="0"/>
-                <a:cs typeface="Times New Roman" pitchFamily="18" charset="0"/>
-              </a:rPr>
-              <a:t>is </a:t>
+              <a:t> statement is </a:t>
             </a:r>
             <a:r>
               <a:rPr lang="en-US" altLang="zh-CN" sz="1200" b="0" dirty="0" smtClean="0">
@@ -5529,7 +5601,7 @@
     </p:spTree>
     <p:extLst>
       <p:ext uri="{BB962C8B-B14F-4D97-AF65-F5344CB8AC3E}">
-        <p14:creationId xmlns:p14="http://schemas.microsoft.com/office/powerpoint/2010/main" val="460262719"/>
+        <p14:creationId xmlns:p14="http://schemas.microsoft.com/office/powerpoint/2010/main" xmlns="" val="460262719"/>
       </p:ext>
     </p:extLst>
   </p:cSld>
@@ -5592,29 +5664,7 @@
                 <a:ea typeface="+mn-ea"/>
                 <a:cs typeface="+mn-cs"/>
               </a:rPr>
-              <a:t>The user may define arbitrary identifiers to be symbolic program inputs, and using them in place of specific </a:t>
-            </a:r>
-            <a:r>
-              <a:rPr lang="en-US" altLang="zh-CN" sz="1200" b="0" i="0" u="none" strike="noStrike" kern="1200" baseline="0" dirty="0" smtClean="0">
-                <a:solidFill>
-                  <a:schemeClr val="tx1"/>
-                </a:solidFill>
-                <a:latin typeface="+mn-lt"/>
-                <a:ea typeface="+mn-ea"/>
-                <a:cs typeface="+mn-cs"/>
-              </a:rPr>
-              <a:t>integer constants</a:t>
-            </a:r>
-            <a:r>
-              <a:rPr lang="en-US" altLang="zh-CN" sz="1200" b="0" i="0" u="none" strike="noStrike" kern="1200" baseline="0" dirty="0" smtClean="0">
-                <a:solidFill>
-                  <a:schemeClr val="tx1"/>
-                </a:solidFill>
-                <a:latin typeface="+mn-lt"/>
-                <a:ea typeface="+mn-ea"/>
-                <a:cs typeface="+mn-cs"/>
-              </a:rPr>
-              <a:t>.</a:t>
+              <a:t>The user may define arbitrary identifiers to be symbolic program inputs, and using them in place of specific integer constants.</a:t>
             </a:r>
           </a:p>
           <a:p>
@@ -5738,7 +5788,7 @@
     </p:spTree>
     <p:extLst>
       <p:ext uri="{BB962C8B-B14F-4D97-AF65-F5344CB8AC3E}">
-        <p14:creationId xmlns:p14="http://schemas.microsoft.com/office/powerpoint/2010/main" val="185003115"/>
+        <p14:creationId xmlns:p14="http://schemas.microsoft.com/office/powerpoint/2010/main" xmlns="" val="185003115"/>
       </p:ext>
     </p:extLst>
   </p:cSld>
@@ -5801,10 +5851,30 @@
                 <a:ea typeface="+mn-ea"/>
                 <a:cs typeface="+mn-cs"/>
               </a:rPr>
-              <a:t>Here is an example of how the program of SEARCH, could be checked out on EFFIGY follows.</a:t>
-            </a:r>
-          </a:p>
-          <a:p>
+              <a:t>Here is an example of how the program of SEARCH, could be checked out </a:t>
+            </a:r>
+            <a:r>
+              <a:rPr lang="en-US" altLang="zh-CN" sz="1200" b="0" i="0" u="none" strike="noStrike" kern="1200" baseline="0" smtClean="0">
+                <a:solidFill>
+                  <a:schemeClr val="tx1"/>
+                </a:solidFill>
+                <a:latin typeface="+mn-lt"/>
+                <a:ea typeface="+mn-ea"/>
+                <a:cs typeface="+mn-cs"/>
+              </a:rPr>
+              <a:t>on </a:t>
+            </a:r>
+            <a:r>
+              <a:rPr lang="en-US" altLang="zh-CN" sz="1200" b="0" i="0" u="none" strike="noStrike" kern="1200" baseline="0" smtClean="0">
+                <a:solidFill>
+                  <a:schemeClr val="tx1"/>
+                </a:solidFill>
+                <a:latin typeface="+mn-lt"/>
+                <a:ea typeface="+mn-ea"/>
+                <a:cs typeface="+mn-cs"/>
+              </a:rPr>
+              <a:t>EFFIGY.</a:t>
+            </a:r>
             <a:endParaRPr lang="en-US" altLang="zh-CN" sz="1200" b="0" i="0" u="none" strike="noStrike" kern="1200" baseline="0" dirty="0" smtClean="0">
               <a:solidFill>
                 <a:schemeClr val="tx1"/>
@@ -5815,28 +5885,6 @@
             </a:endParaRPr>
           </a:p>
           <a:p>
-            <a:r>
-              <a:rPr lang="en-US" altLang="zh-CN" sz="1200" b="0" i="0" u="none" strike="noStrike" kern="1200" baseline="0" dirty="0" smtClean="0">
-                <a:solidFill>
-                  <a:schemeClr val="tx1"/>
-                </a:solidFill>
-                <a:latin typeface="+mn-lt"/>
-                <a:ea typeface="+mn-ea"/>
-                <a:cs typeface="+mn-cs"/>
-              </a:rPr>
-              <a:t>The program SEARCH was written to perform a binary search for an argument X in an ascending-order array </a:t>
-            </a:r>
-            <a:r>
-              <a:rPr lang="en-US" altLang="zh-CN" sz="1200" b="0" i="0" u="none" strike="noStrike" kern="1200" baseline="0" dirty="0" smtClean="0">
-                <a:solidFill>
-                  <a:schemeClr val="tx1"/>
-                </a:solidFill>
-                <a:latin typeface="+mn-lt"/>
-                <a:ea typeface="+mn-ea"/>
-                <a:cs typeface="+mn-cs"/>
-              </a:rPr>
-              <a:t>A, from subscript  L to U. </a:t>
-            </a:r>
             <a:endParaRPr lang="en-US" altLang="zh-CN" sz="1200" b="0" i="0" u="none" strike="noStrike" kern="1200" baseline="0" dirty="0" smtClean="0">
               <a:solidFill>
                 <a:schemeClr val="tx1"/>
@@ -5856,10 +5904,10 @@
                 <a:ea typeface="+mn-ea"/>
                 <a:cs typeface="+mn-cs"/>
               </a:rPr>
-              <a:t>If </a:t>
-            </a:r>
-            <a:r>
-              <a:rPr lang="en-US" altLang="zh-CN" sz="1200" b="0" i="0" u="none" strike="noStrike" kern="1200" baseline="0" dirty="0" smtClean="0">
+              <a:t>The program SEARCH was written to perform a binary search </a:t>
+            </a:r>
+            <a:r>
+              <a:rPr lang="en-US" altLang="zh-CN" sz="1200" b="0" i="0" u="none" strike="noStrike" kern="1200" baseline="0" smtClean="0">
                 <a:solidFill>
                   <a:schemeClr val="tx1"/>
                 </a:solidFill>
@@ -5867,10 +5915,10 @@
                 <a:ea typeface="+mn-ea"/>
                 <a:cs typeface="+mn-cs"/>
               </a:rPr>
-              <a:t>a match is found, the subscript </a:t>
-            </a:r>
-            <a:r>
-              <a:rPr lang="en-US" altLang="zh-CN" sz="1200" b="0" i="0" u="none" strike="noStrike" kern="1200" baseline="0" dirty="0" smtClean="0">
+              <a:t>for </a:t>
+            </a:r>
+            <a:r>
+              <a:rPr lang="en-US" altLang="zh-CN" sz="1200" b="0" i="0" u="none" strike="noStrike" kern="1200" baseline="0" smtClean="0">
                 <a:solidFill>
                   <a:schemeClr val="tx1"/>
                 </a:solidFill>
@@ -5878,7 +5926,7 @@
                 <a:ea typeface="+mn-ea"/>
                 <a:cs typeface="+mn-cs"/>
               </a:rPr>
-              <a:t>of </a:t>
+              <a:t>X </a:t>
             </a:r>
             <a:r>
               <a:rPr lang="en-US" altLang="zh-CN" sz="1200" b="0" i="0" u="none" strike="noStrike" kern="1200" baseline="0" dirty="0" smtClean="0">
@@ -5889,12 +5937,10 @@
                 <a:ea typeface="+mn-ea"/>
                 <a:cs typeface="+mn-cs"/>
               </a:rPr>
-              <a:t>the array element matching X is returned in J and FOUND is set to 1. </a:t>
-            </a:r>
-          </a:p>
-          <a:p>
-            <a:r>
-              <a:rPr lang="en-US" altLang="zh-CN" sz="1200" b="0" i="0" u="none" strike="noStrike" kern="1200" baseline="0" dirty="0" smtClean="0">
+              <a:t>in an ascending-order array A, </a:t>
+            </a:r>
+            <a:r>
+              <a:rPr lang="en-US" altLang="zh-CN" sz="1200" b="0" i="0" u="none" strike="noStrike" kern="1200" baseline="0" smtClean="0">
                 <a:solidFill>
                   <a:schemeClr val="tx1"/>
                 </a:solidFill>
@@ -5902,10 +5948,10 @@
                 <a:ea typeface="+mn-ea"/>
                 <a:cs typeface="+mn-cs"/>
               </a:rPr>
-              <a:t>Otherwise, FOUND is set to 0 and J is set to the value such that A(J) &lt; X &lt; A(J+1</a:t>
-            </a:r>
-            <a:r>
-              <a:rPr lang="en-US" altLang="zh-CN" sz="1200" b="0" i="0" u="none" strike="noStrike" kern="1200" baseline="0" dirty="0" smtClean="0">
+              <a:t>from </a:t>
+            </a:r>
+            <a:r>
+              <a:rPr lang="en-US" altLang="zh-CN" sz="1200" b="0" i="0" u="none" strike="noStrike" kern="1200" baseline="0" smtClean="0">
                 <a:solidFill>
                   <a:schemeClr val="tx1"/>
                 </a:solidFill>
@@ -5913,7 +5959,99 @@
                 <a:ea typeface="+mn-ea"/>
                 <a:cs typeface="+mn-cs"/>
               </a:rPr>
-              <a:t>).</a:t>
+              <a:t>index  </a:t>
+            </a:r>
+            <a:r>
+              <a:rPr lang="en-US" altLang="zh-CN" sz="1200" b="0" i="0" u="none" strike="noStrike" kern="1200" baseline="0" dirty="0" smtClean="0">
+                <a:solidFill>
+                  <a:schemeClr val="tx1"/>
+                </a:solidFill>
+                <a:latin typeface="+mn-lt"/>
+                <a:ea typeface="+mn-ea"/>
+                <a:cs typeface="+mn-cs"/>
+              </a:rPr>
+              <a:t>L to U. </a:t>
+            </a:r>
+          </a:p>
+          <a:p>
+            <a:r>
+              <a:rPr lang="en-US" altLang="zh-CN" sz="1200" b="0" i="0" u="none" strike="noStrike" kern="1200" baseline="0" dirty="0" smtClean="0">
+                <a:solidFill>
+                  <a:schemeClr val="tx1"/>
+                </a:solidFill>
+                <a:latin typeface="+mn-lt"/>
+                <a:ea typeface="+mn-ea"/>
+                <a:cs typeface="+mn-cs"/>
+              </a:rPr>
+              <a:t>If a match is found, </a:t>
+            </a:r>
+            <a:r>
+              <a:rPr lang="en-US" altLang="zh-CN" sz="1200" b="0" i="0" u="none" strike="noStrike" kern="1200" baseline="0" smtClean="0">
+                <a:solidFill>
+                  <a:schemeClr val="tx1"/>
+                </a:solidFill>
+                <a:latin typeface="+mn-lt"/>
+                <a:ea typeface="+mn-ea"/>
+                <a:cs typeface="+mn-cs"/>
+              </a:rPr>
+              <a:t>the </a:t>
+            </a:r>
+            <a:r>
+              <a:rPr lang="en-US" altLang="zh-CN" sz="1200" b="0" i="0" u="none" strike="noStrike" kern="1200" baseline="0" smtClean="0">
+                <a:solidFill>
+                  <a:schemeClr val="tx1"/>
+                </a:solidFill>
+                <a:latin typeface="+mn-lt"/>
+                <a:ea typeface="+mn-ea"/>
+                <a:cs typeface="+mn-cs"/>
+              </a:rPr>
+              <a:t>index </a:t>
+            </a:r>
+            <a:r>
+              <a:rPr lang="en-US" altLang="zh-CN" sz="1200" b="0" i="0" u="none" strike="noStrike" kern="1200" baseline="0" smtClean="0">
+                <a:solidFill>
+                  <a:schemeClr val="tx1"/>
+                </a:solidFill>
+                <a:latin typeface="+mn-lt"/>
+                <a:ea typeface="+mn-ea"/>
+                <a:cs typeface="+mn-cs"/>
+              </a:rPr>
+              <a:t>of </a:t>
+            </a:r>
+            <a:r>
+              <a:rPr lang="en-US" altLang="zh-CN" sz="1200" b="0" i="0" u="none" strike="noStrike" kern="1200" baseline="0" smtClean="0">
+                <a:solidFill>
+                  <a:schemeClr val="tx1"/>
+                </a:solidFill>
+                <a:latin typeface="+mn-lt"/>
+                <a:ea typeface="+mn-ea"/>
+                <a:cs typeface="+mn-cs"/>
+              </a:rPr>
+              <a:t>the matching element </a:t>
+            </a:r>
+            <a:r>
+              <a:rPr lang="en-US" altLang="zh-CN" sz="1200" b="0" i="0" u="none" strike="noStrike" kern="1200" baseline="0" dirty="0" smtClean="0">
+                <a:solidFill>
+                  <a:schemeClr val="tx1"/>
+                </a:solidFill>
+                <a:latin typeface="+mn-lt"/>
+                <a:ea typeface="+mn-ea"/>
+                <a:cs typeface="+mn-cs"/>
+              </a:rPr>
+              <a:t>is returned in J and FOUND is set to 1. </a:t>
+            </a:r>
+          </a:p>
+          <a:p>
+            <a:r>
+              <a:rPr lang="en-US" altLang="zh-CN" sz="1200" b="0" i="0" u="none" strike="noStrike" kern="1200" baseline="0" dirty="0" smtClean="0">
+                <a:solidFill>
+                  <a:schemeClr val="tx1"/>
+                </a:solidFill>
+                <a:latin typeface="+mn-lt"/>
+                <a:ea typeface="+mn-ea"/>
+                <a:cs typeface="+mn-cs"/>
+              </a:rPr>
+              <a:t>Otherwise, FOUND is set to 0 and J is set to the value such that A(J) &lt; X &lt; A(J+1).</a:t>
             </a:r>
           </a:p>
           <a:p>
@@ -5988,7 +6126,7 @@
               <a:t>the current execution state will be saved as state 1 and the execution will run to completion determining that </a:t>
             </a:r>
             <a:r>
-              <a:rPr lang="en-US" altLang="zh-CN" sz="1200" b="0" i="1" u="none" strike="noStrike" kern="1200" baseline="0" dirty="0" smtClean="0">
+              <a:rPr lang="en-US" altLang="zh-CN" sz="1200" b="0" i="1" u="none" strike="noStrike" kern="1200" baseline="0" smtClean="0">
                 <a:solidFill>
                   <a:schemeClr val="tx1"/>
                 </a:solidFill>
@@ -5999,7 +6137,7 @@
               <a:t>pc </a:t>
             </a:r>
             <a:r>
-              <a:rPr lang="en-US" altLang="zh-CN" sz="1200" b="0" i="0" u="none" strike="noStrike" kern="1200" baseline="0" dirty="0" smtClean="0">
+              <a:rPr lang="en-US" altLang="zh-CN" sz="1200" b="0" i="0" u="none" strike="noStrike" kern="1200" baseline="0" smtClean="0">
                 <a:solidFill>
                   <a:schemeClr val="tx1"/>
                 </a:solidFill>
@@ -6007,7 +6145,84 @@
                 <a:ea typeface="+mn-ea"/>
                 <a:cs typeface="+mn-cs"/>
               </a:rPr>
-              <a:t>= ("X" = "A(3)"), FOUND = 1, and J = 3.</a:t>
+              <a:t>is </a:t>
+            </a:r>
+            <a:r>
+              <a:rPr lang="en-US" altLang="zh-CN" sz="1200" b="0" i="0" u="none" strike="noStrike" kern="1200" baseline="0" dirty="0" smtClean="0">
+                <a:solidFill>
+                  <a:schemeClr val="tx1"/>
+                </a:solidFill>
+                <a:latin typeface="+mn-lt"/>
+                <a:ea typeface="+mn-ea"/>
+                <a:cs typeface="+mn-cs"/>
+              </a:rPr>
+              <a:t>("X" = "A(3)"), </a:t>
+            </a:r>
+            <a:r>
+              <a:rPr lang="en-US" altLang="zh-CN" sz="1200" b="0" i="0" u="none" strike="noStrike" kern="1200" baseline="0" smtClean="0">
+                <a:solidFill>
+                  <a:schemeClr val="tx1"/>
+                </a:solidFill>
+                <a:latin typeface="+mn-lt"/>
+                <a:ea typeface="+mn-ea"/>
+                <a:cs typeface="+mn-cs"/>
+              </a:rPr>
+              <a:t>FOUND </a:t>
+            </a:r>
+            <a:r>
+              <a:rPr lang="en-US" altLang="zh-CN" sz="1200" b="0" i="0" u="none" strike="noStrike" kern="1200" baseline="0" smtClean="0">
+                <a:solidFill>
+                  <a:schemeClr val="tx1"/>
+                </a:solidFill>
+                <a:latin typeface="+mn-lt"/>
+                <a:ea typeface="+mn-ea"/>
+                <a:cs typeface="+mn-cs"/>
+              </a:rPr>
+              <a:t>is </a:t>
+            </a:r>
+            <a:r>
+              <a:rPr lang="en-US" altLang="zh-CN" sz="1200" b="0" i="0" u="none" strike="noStrike" kern="1200" baseline="0" dirty="0" smtClean="0">
+                <a:solidFill>
+                  <a:schemeClr val="tx1"/>
+                </a:solidFill>
+                <a:latin typeface="+mn-lt"/>
+                <a:ea typeface="+mn-ea"/>
+                <a:cs typeface="+mn-cs"/>
+              </a:rPr>
+              <a:t>1, and </a:t>
+            </a:r>
+            <a:r>
+              <a:rPr lang="en-US" altLang="zh-CN" sz="1200" b="0" i="0" u="none" strike="noStrike" kern="1200" baseline="0" smtClean="0">
+                <a:solidFill>
+                  <a:schemeClr val="tx1"/>
+                </a:solidFill>
+                <a:latin typeface="+mn-lt"/>
+                <a:ea typeface="+mn-ea"/>
+                <a:cs typeface="+mn-cs"/>
+              </a:rPr>
+              <a:t>J </a:t>
+            </a:r>
+            <a:r>
+              <a:rPr lang="en-US" altLang="zh-CN" sz="1200" b="0" i="0" u="none" strike="noStrike" kern="1200" baseline="0" smtClean="0">
+                <a:solidFill>
+                  <a:schemeClr val="tx1"/>
+                </a:solidFill>
+                <a:latin typeface="+mn-lt"/>
+                <a:ea typeface="+mn-ea"/>
+                <a:cs typeface="+mn-cs"/>
+              </a:rPr>
+              <a:t>is </a:t>
+            </a:r>
+            <a:r>
+              <a:rPr lang="en-US" altLang="zh-CN" sz="1200" b="0" i="0" u="none" strike="noStrike" kern="1200" baseline="0" dirty="0" smtClean="0">
+                <a:solidFill>
+                  <a:schemeClr val="tx1"/>
+                </a:solidFill>
+                <a:latin typeface="+mn-lt"/>
+                <a:ea typeface="+mn-ea"/>
+                <a:cs typeface="+mn-cs"/>
+              </a:rPr>
+              <a:t>3.</a:t>
             </a:r>
           </a:p>
           <a:p>
@@ -6062,7 +6277,7 @@
     </p:spTree>
     <p:extLst>
       <p:ext uri="{BB962C8B-B14F-4D97-AF65-F5344CB8AC3E}">
-        <p14:creationId xmlns:p14="http://schemas.microsoft.com/office/powerpoint/2010/main" val="462431845"/>
+        <p14:creationId xmlns:p14="http://schemas.microsoft.com/office/powerpoint/2010/main" xmlns="" val="462431845"/>
       </p:ext>
     </p:extLst>
   </p:cSld>
@@ -6176,14 +6391,6 @@
               </a:rPr>
               <a:t>The 200 is used to limit the exhaustive search of the symbolic execution tree to those paths traversing less than 200 statement executions.)</a:t>
             </a:r>
-            <a:endParaRPr lang="en-US" altLang="zh-CN" sz="1200" b="0" i="0" u="none" strike="noStrike" kern="1200" baseline="0" dirty="0" smtClean="0">
-              <a:solidFill>
-                <a:schemeClr val="tx1"/>
-              </a:solidFill>
-              <a:latin typeface="+mn-lt"/>
-              <a:ea typeface="+mn-ea"/>
-              <a:cs typeface="+mn-cs"/>
-            </a:endParaRPr>
           </a:p>
           <a:p>
             <a:endParaRPr lang="zh-CN" altLang="en-US" dirty="0"/>
@@ -6217,7 +6424,7 @@
     </p:spTree>
     <p:extLst>
       <p:ext uri="{BB962C8B-B14F-4D97-AF65-F5344CB8AC3E}">
-        <p14:creationId xmlns:p14="http://schemas.microsoft.com/office/powerpoint/2010/main" val="650395791"/>
+        <p14:creationId xmlns:p14="http://schemas.microsoft.com/office/powerpoint/2010/main" xmlns="" val="650395791"/>
       </p:ext>
     </p:extLst>
   </p:cSld>
@@ -6344,11 +6551,7 @@
             </a:pPr>
             <a:r>
               <a:rPr lang="en-US" altLang="zh-CN" dirty="0" smtClean="0"/>
-              <a:t>Moreover</a:t>
-            </a:r>
-            <a:r>
-              <a:rPr lang="en-US" altLang="zh-CN" dirty="0" smtClean="0"/>
-              <a:t>,</a:t>
+              <a:t>Moreover,</a:t>
             </a:r>
             <a:r>
               <a:rPr lang="en-US" altLang="zh-CN" baseline="0" dirty="0" smtClean="0"/>
@@ -6399,7 +6602,7 @@
     </p:spTree>
     <p:extLst>
       <p:ext uri="{BB962C8B-B14F-4D97-AF65-F5344CB8AC3E}">
-        <p14:creationId xmlns:p14="http://schemas.microsoft.com/office/powerpoint/2010/main" val="2401009074"/>
+        <p14:creationId xmlns:p14="http://schemas.microsoft.com/office/powerpoint/2010/main" xmlns="" val="2401009074"/>
       </p:ext>
     </p:extLst>
   </p:cSld>
@@ -6515,7 +6718,7 @@
     </p:spTree>
     <p:extLst>
       <p:ext uri="{BB962C8B-B14F-4D97-AF65-F5344CB8AC3E}">
-        <p14:creationId xmlns:p14="http://schemas.microsoft.com/office/powerpoint/2010/main" val="3675417392"/>
+        <p14:creationId xmlns:p14="http://schemas.microsoft.com/office/powerpoint/2010/main" xmlns="" val="3675417392"/>
       </p:ext>
     </p:extLst>
   </p:cSld>
@@ -6616,7 +6819,7 @@
     </p:spTree>
     <p:extLst>
       <p:ext uri="{BB962C8B-B14F-4D97-AF65-F5344CB8AC3E}">
-        <p14:creationId xmlns:p14="http://schemas.microsoft.com/office/powerpoint/2010/main" val="1804488959"/>
+        <p14:creationId xmlns:p14="http://schemas.microsoft.com/office/powerpoint/2010/main" xmlns="" val="1804488959"/>
       </p:ext>
     </p:extLst>
   </p:cSld>
@@ -6683,10 +6886,10 @@
                 <a:ea typeface="+mn-ea"/>
                 <a:cs typeface="+mn-cs"/>
               </a:rPr>
-              <a:t>many </a:t>
-            </a:r>
-            <a:r>
-              <a:rPr lang="en-US" altLang="zh-CN" sz="1200" b="0" i="0" u="none" strike="noStrike" kern="1200" baseline="0" dirty="0" smtClean="0">
+              <a:t>many troublesome issues </a:t>
+            </a:r>
+            <a:r>
+              <a:rPr lang="en-US" altLang="zh-CN" sz="1200" b="0" i="0" u="none" strike="noStrike" kern="1200" baseline="0" dirty="0" err="1" smtClean="0">
                 <a:solidFill>
                   <a:schemeClr val="tx1"/>
                 </a:solidFill>
@@ -6694,7 +6897,7 @@
                 <a:ea typeface="+mn-ea"/>
                 <a:cs typeface="+mn-cs"/>
               </a:rPr>
-              <a:t>troublesome </a:t>
+              <a:t>ariss</a:t>
             </a:r>
             <a:r>
               <a:rPr lang="en-US" altLang="zh-CN" sz="1200" b="0" i="0" u="none" strike="noStrike" kern="1200" baseline="0" dirty="0" smtClean="0">
@@ -6705,40 +6908,7 @@
                 <a:ea typeface="+mn-ea"/>
                 <a:cs typeface="+mn-cs"/>
               </a:rPr>
-              <a:t>issues </a:t>
-            </a:r>
-            <a:r>
-              <a:rPr lang="en-US" altLang="zh-CN" sz="1200" b="0" i="0" u="none" strike="noStrike" kern="1200" baseline="0" dirty="0" err="1" smtClean="0">
-                <a:solidFill>
-                  <a:schemeClr val="tx1"/>
-                </a:solidFill>
-                <a:latin typeface="+mn-lt"/>
-                <a:ea typeface="+mn-ea"/>
-                <a:cs typeface="+mn-cs"/>
-              </a:rPr>
-              <a:t>ariss</a:t>
-            </a:r>
-            <a:r>
-              <a:rPr lang="en-US" altLang="zh-CN" sz="1200" b="0" i="0" u="none" strike="noStrike" kern="1200" baseline="0" dirty="0" smtClean="0">
-                <a:solidFill>
-                  <a:schemeClr val="tx1"/>
-                </a:solidFill>
-                <a:latin typeface="+mn-lt"/>
-                <a:ea typeface="+mn-ea"/>
-                <a:cs typeface="+mn-cs"/>
-              </a:rPr>
-              <a:t> </a:t>
-            </a:r>
-            <a:r>
-              <a:rPr lang="en-US" altLang="zh-CN" sz="1200" b="0" i="0" u="none" strike="noStrike" kern="1200" baseline="0" dirty="0" smtClean="0">
-                <a:solidFill>
-                  <a:schemeClr val="tx1"/>
-                </a:solidFill>
-                <a:latin typeface="+mn-lt"/>
-                <a:ea typeface="+mn-ea"/>
-                <a:cs typeface="+mn-cs"/>
-              </a:rPr>
-              <a:t>in symbolic execution systems.</a:t>
+              <a:t> in symbolic execution systems.</a:t>
             </a:r>
           </a:p>
           <a:p>
@@ -6762,11 +6932,7 @@
             </a:r>
             <a:r>
               <a:rPr lang="en-US" altLang="zh-CN" dirty="0" smtClean="0"/>
-              <a:t>a </a:t>
-            </a:r>
-            <a:r>
-              <a:rPr lang="en-US" altLang="zh-CN" dirty="0" smtClean="0"/>
-              <a:t>practical way to  deal with variable storage-referencing. </a:t>
+              <a:t>a practical way to  deal with variable storage-referencing. </a:t>
             </a:r>
           </a:p>
           <a:p>
@@ -6858,26 +7024,11 @@
                 <a:ea typeface="+mn-ea"/>
                 <a:cs typeface="+mn-cs"/>
               </a:rPr>
-              <a:t>Second, </a:t>
-            </a:r>
-            <a:r>
-              <a:rPr lang="en-US" altLang="zh-CN" sz="1200" b="0" i="0" u="none" strike="noStrike" kern="1200" baseline="0" dirty="0" smtClean="0">
-                <a:solidFill>
-                  <a:schemeClr val="tx1"/>
-                </a:solidFill>
-                <a:latin typeface="+mn-lt"/>
-                <a:ea typeface="+mn-ea"/>
-                <a:cs typeface="+mn-cs"/>
-              </a:rPr>
-              <a:t>There is </a:t>
+              <a:t>Second, There is </a:t>
             </a:r>
             <a:r>
               <a:rPr lang="en-US" altLang="zh-CN" dirty="0" smtClean="0"/>
-              <a:t>the </a:t>
-            </a:r>
-            <a:r>
-              <a:rPr lang="en-US" altLang="zh-CN" dirty="0" smtClean="0"/>
-              <a:t>conflict between discrete aspects of computer arithmetic and the continuous nature of real numbers.</a:t>
+              <a:t>the conflict between discrete aspects of computer arithmetic and the continuous nature of real numbers.</a:t>
             </a:r>
           </a:p>
           <a:p>
@@ -6980,7 +7131,7 @@
     </p:spTree>
     <p:extLst>
       <p:ext uri="{BB962C8B-B14F-4D97-AF65-F5344CB8AC3E}">
-        <p14:creationId xmlns:p14="http://schemas.microsoft.com/office/powerpoint/2010/main" val="1845666349"/>
+        <p14:creationId xmlns:p14="http://schemas.microsoft.com/office/powerpoint/2010/main" xmlns="" val="1845666349"/>
       </p:ext>
     </p:extLst>
   </p:cSld>
@@ -7048,23 +7199,7 @@
           <a:p>
             <a:r>
               <a:rPr lang="en-US" altLang="zh-CN" baseline="0" dirty="0" smtClean="0"/>
-              <a:t>Firstly, for testing, </a:t>
-            </a:r>
-            <a:r>
-              <a:rPr lang="en-US" altLang="zh-CN" baseline="0" dirty="0" smtClean="0"/>
-              <a:t>the </a:t>
-            </a:r>
-            <a:r>
-              <a:rPr lang="en-US" altLang="zh-CN" baseline="0" dirty="0" smtClean="0"/>
-              <a:t>correct execution for inputs not in the sample is still in </a:t>
-            </a:r>
-            <a:r>
-              <a:rPr lang="en-US" altLang="zh-CN" baseline="0" dirty="0" smtClean="0"/>
-              <a:t>doubt while </a:t>
-            </a:r>
-            <a:r>
-              <a:rPr lang="en-US" altLang="zh-CN" baseline="0" dirty="0" smtClean="0"/>
-              <a:t>program proving guarantees  all executions of the program meets its specification.</a:t>
+              <a:t>Firstly, for testing, the correct execution for inputs not in the sample is still in doubt while program proving guarantees  all executions of the program meets its specification.</a:t>
             </a:r>
           </a:p>
           <a:p>
@@ -7195,10 +7330,10 @@
                 <a:ea typeface="+mn-ea"/>
                 <a:cs typeface="+mn-cs"/>
               </a:rPr>
-              <a:t>Tracing</a:t>
-            </a:r>
-            <a:r>
-              <a:rPr lang="en-US" altLang="zh-CN" sz="1200" b="0" i="1" u="none" strike="noStrike" kern="1200" baseline="0" dirty="0" smtClean="0">
+              <a:t>Tracing. (</a:t>
+            </a:r>
+            <a:r>
+              <a:rPr lang="en-US" altLang="zh-CN" sz="1200" b="0" i="0" u="none" strike="noStrike" kern="1200" baseline="0" dirty="0" smtClean="0">
                 <a:solidFill>
                   <a:schemeClr val="tx1"/>
                 </a:solidFill>
@@ -7206,8 +7341,13 @@
                 <a:ea typeface="+mn-ea"/>
                 <a:cs typeface="+mn-cs"/>
               </a:rPr>
-              <a:t>. </a:t>
-            </a:r>
+              <a:t>The user can request to see the state of execution.)</a:t>
+            </a:r>
+          </a:p>
+          <a:p>
+            <a:pPr marL="228600" indent="-228600">
+              <a:buAutoNum type="arabicPeriod"/>
+            </a:pPr>
             <a:r>
               <a:rPr lang="en-US" altLang="zh-CN" sz="1200" b="0" i="1" u="none" strike="noStrike" kern="1200" baseline="0" dirty="0" smtClean="0">
                 <a:solidFill>
@@ -7217,7 +7357,7 @@
                 <a:ea typeface="+mn-ea"/>
                 <a:cs typeface="+mn-cs"/>
               </a:rPr>
-              <a:t>(</a:t>
+              <a:t>Breakpoints. (</a:t>
             </a:r>
             <a:r>
               <a:rPr lang="en-US" altLang="zh-CN" sz="1200" b="0" i="0" u="none" strike="noStrike" kern="1200" baseline="0" dirty="0" smtClean="0">
@@ -7228,109 +7368,8 @@
                 <a:ea typeface="+mn-ea"/>
                 <a:cs typeface="+mn-cs"/>
               </a:rPr>
-              <a:t>The </a:t>
-            </a:r>
-            <a:r>
-              <a:rPr lang="en-US" altLang="zh-CN" sz="1200" b="0" i="0" u="none" strike="noStrike" kern="1200" baseline="0" dirty="0" smtClean="0">
-                <a:solidFill>
-                  <a:schemeClr val="tx1"/>
-                </a:solidFill>
-                <a:latin typeface="+mn-lt"/>
-                <a:ea typeface="+mn-ea"/>
-                <a:cs typeface="+mn-cs"/>
-              </a:rPr>
-              <a:t>user can request to see the </a:t>
-            </a:r>
-            <a:r>
-              <a:rPr lang="en-US" altLang="zh-CN" sz="1200" b="0" i="0" u="none" strike="noStrike" kern="1200" baseline="0" dirty="0" smtClean="0">
-                <a:solidFill>
-                  <a:schemeClr val="tx1"/>
-                </a:solidFill>
-                <a:latin typeface="+mn-lt"/>
-                <a:ea typeface="+mn-ea"/>
-                <a:cs typeface="+mn-cs"/>
-              </a:rPr>
-              <a:t>state of execution.)</a:t>
-            </a:r>
-          </a:p>
-          <a:p>
-            <a:pPr marL="228600" indent="-228600">
-              <a:buAutoNum type="arabicPeriod"/>
-            </a:pPr>
-            <a:r>
-              <a:rPr lang="en-US" altLang="zh-CN" sz="1200" b="0" i="1" u="none" strike="noStrike" kern="1200" baseline="0" dirty="0" smtClean="0">
-                <a:solidFill>
-                  <a:schemeClr val="tx1"/>
-                </a:solidFill>
-                <a:latin typeface="+mn-lt"/>
-                <a:ea typeface="+mn-ea"/>
-                <a:cs typeface="+mn-cs"/>
-              </a:rPr>
-              <a:t>Breakpoints</a:t>
-            </a:r>
-            <a:r>
-              <a:rPr lang="en-US" altLang="zh-CN" sz="1200" b="0" i="1" u="none" strike="noStrike" kern="1200" baseline="0" dirty="0" smtClean="0">
-                <a:solidFill>
-                  <a:schemeClr val="tx1"/>
-                </a:solidFill>
-                <a:latin typeface="+mn-lt"/>
-                <a:ea typeface="+mn-ea"/>
-                <a:cs typeface="+mn-cs"/>
-              </a:rPr>
-              <a:t>. </a:t>
-            </a:r>
-            <a:r>
-              <a:rPr lang="en-US" altLang="zh-CN" sz="1200" b="0" i="1" u="none" strike="noStrike" kern="1200" baseline="0" dirty="0" smtClean="0">
-                <a:solidFill>
-                  <a:schemeClr val="tx1"/>
-                </a:solidFill>
-                <a:latin typeface="+mn-lt"/>
-                <a:ea typeface="+mn-ea"/>
-                <a:cs typeface="+mn-cs"/>
-              </a:rPr>
-              <a:t>(</a:t>
-            </a:r>
-            <a:r>
-              <a:rPr lang="en-US" altLang="zh-CN" sz="1200" b="0" i="0" u="none" strike="noStrike" kern="1200" baseline="0" dirty="0" smtClean="0">
-                <a:solidFill>
-                  <a:schemeClr val="tx1"/>
-                </a:solidFill>
-                <a:latin typeface="+mn-lt"/>
-                <a:ea typeface="+mn-ea"/>
-                <a:cs typeface="+mn-cs"/>
-              </a:rPr>
-              <a:t>The </a:t>
-            </a:r>
-            <a:r>
-              <a:rPr lang="en-US" altLang="zh-CN" sz="1200" b="0" i="0" u="none" strike="noStrike" kern="1200" baseline="0" dirty="0" smtClean="0">
-                <a:solidFill>
-                  <a:schemeClr val="tx1"/>
-                </a:solidFill>
-                <a:latin typeface="+mn-lt"/>
-                <a:ea typeface="+mn-ea"/>
-                <a:cs typeface="+mn-cs"/>
-              </a:rPr>
-              <a:t>user can insert "breakpoints" to interrupt the symbolic execution and get the control. The user can then examine the state of the execution, set variables, and resume execution</a:t>
-            </a:r>
-            <a:r>
-              <a:rPr lang="en-US" altLang="zh-CN" sz="1200" b="0" i="0" u="none" strike="noStrike" kern="1200" baseline="0" dirty="0" smtClean="0">
-                <a:solidFill>
-                  <a:schemeClr val="tx1"/>
-                </a:solidFill>
-                <a:latin typeface="+mn-lt"/>
-                <a:ea typeface="+mn-ea"/>
-                <a:cs typeface="+mn-cs"/>
-              </a:rPr>
-              <a:t>.)</a:t>
-            </a:r>
-            <a:endParaRPr lang="en-US" altLang="zh-CN" sz="1200" b="0" i="0" u="none" strike="noStrike" kern="1200" baseline="0" dirty="0" smtClean="0">
-              <a:solidFill>
-                <a:schemeClr val="tx1"/>
-              </a:solidFill>
-              <a:latin typeface="+mn-lt"/>
-              <a:ea typeface="+mn-ea"/>
-              <a:cs typeface="+mn-cs"/>
-            </a:endParaRPr>
+              <a:t>The user can insert "breakpoints" to interrupt the symbolic execution and get the control. The user can then examine the state of the execution, set variables, and resume execution.)</a:t>
+            </a:r>
           </a:p>
           <a:p>
             <a:r>
@@ -7386,7 +7425,7 @@
     </p:spTree>
     <p:extLst>
       <p:ext uri="{BB962C8B-B14F-4D97-AF65-F5344CB8AC3E}">
-        <p14:creationId xmlns:p14="http://schemas.microsoft.com/office/powerpoint/2010/main" val="2203693448"/>
+        <p14:creationId xmlns:p14="http://schemas.microsoft.com/office/powerpoint/2010/main" xmlns="" val="2203693448"/>
       </p:ext>
     </p:extLst>
   </p:cSld>
@@ -7492,10 +7531,10 @@
                 <a:ea typeface="+mn-ea"/>
                 <a:cs typeface="+mn-cs"/>
               </a:rPr>
-              <a:t>. Because </a:t>
-            </a:r>
-            <a:r>
-              <a:rPr lang="en-US" altLang="zh-CN" sz="1200" b="0" i="0" kern="1200" dirty="0" smtClean="0">
+              <a:t>. Because of an incorrect formula in its </a:t>
+            </a:r>
+            <a:r>
+              <a:rPr lang="en-US" altLang="zh-CN" sz="1200" b="0" i="0" u="none" strike="noStrike" kern="1200" dirty="0" smtClean="0">
                 <a:solidFill>
                   <a:schemeClr val="tx1"/>
                 </a:solidFill>
@@ -7503,10 +7542,10 @@
                 <a:ea typeface="+mn-ea"/>
                 <a:cs typeface="+mn-cs"/>
               </a:rPr>
-              <a:t>of an incorrect formula in its </a:t>
-            </a:r>
-            <a:r>
-              <a:rPr lang="en-US" altLang="zh-CN" sz="1200" b="0" i="0" u="none" strike="noStrike" kern="1200" dirty="0" smtClean="0">
+              <a:t>FORTRAN</a:t>
+            </a:r>
+            <a:r>
+              <a:rPr lang="en-US" altLang="zh-CN" sz="1200" b="0" i="0" kern="1200" dirty="0" smtClean="0">
                 <a:solidFill>
                   <a:schemeClr val="tx1"/>
                 </a:solidFill>
@@ -7514,8 +7553,10 @@
                 <a:ea typeface="+mn-ea"/>
                 <a:cs typeface="+mn-cs"/>
               </a:rPr>
-              <a:t>FORTRAN</a:t>
-            </a:r>
+              <a:t> software.</a:t>
+            </a:r>
+          </a:p>
+          <a:p>
             <a:r>
               <a:rPr lang="en-US" altLang="zh-CN" sz="1200" b="0" i="0" kern="1200" dirty="0" smtClean="0">
                 <a:solidFill>
@@ -7525,48 +7566,8 @@
                 <a:ea typeface="+mn-ea"/>
                 <a:cs typeface="+mn-cs"/>
               </a:rPr>
-              <a:t> software.</a:t>
-            </a:r>
-            <a:endParaRPr lang="en-US" altLang="zh-CN" sz="1200" b="0" i="0" kern="1200" dirty="0" smtClean="0">
-              <a:solidFill>
-                <a:schemeClr val="tx1"/>
-              </a:solidFill>
-              <a:latin typeface="+mn-lt"/>
-              <a:ea typeface="+mn-ea"/>
-              <a:cs typeface="+mn-cs"/>
-            </a:endParaRPr>
-          </a:p>
-          <a:p>
-            <a:r>
-              <a:rPr lang="en-US" altLang="zh-CN" sz="1200" b="0" i="0" kern="1200" dirty="0" smtClean="0">
-                <a:solidFill>
-                  <a:schemeClr val="tx1"/>
-                </a:solidFill>
-                <a:latin typeface="+mn-lt"/>
-                <a:ea typeface="+mn-ea"/>
-                <a:cs typeface="+mn-cs"/>
-              </a:rPr>
-              <a:t>A bug in the code controlling the Therac-25 radiation therapy machine was directly responsible for at least five patient </a:t>
-            </a:r>
-            <a:r>
-              <a:rPr lang="en-US" altLang="zh-CN" sz="1200" b="0" i="0" kern="1200" dirty="0" smtClean="0">
-                <a:solidFill>
-                  <a:schemeClr val="tx1"/>
-                </a:solidFill>
-                <a:latin typeface="+mn-lt"/>
-                <a:ea typeface="+mn-ea"/>
-                <a:cs typeface="+mn-cs"/>
-              </a:rPr>
-              <a:t>deaths.</a:t>
-            </a:r>
-            <a:endParaRPr lang="en-US" altLang="zh-CN" sz="1200" b="0" i="0" kern="1200" dirty="0" smtClean="0">
-              <a:solidFill>
-                <a:schemeClr val="tx1"/>
-              </a:solidFill>
-              <a:latin typeface="+mn-lt"/>
-              <a:ea typeface="+mn-ea"/>
-              <a:cs typeface="+mn-cs"/>
-            </a:endParaRPr>
+              <a:t>A bug in the code controlling the Therac-25 radiation therapy machine was directly responsible for at least five patient deaths.</a:t>
+            </a:r>
           </a:p>
           <a:p>
             <a:r>
@@ -7701,9 +7702,22 @@
               <a:defRPr/>
             </a:pPr>
             <a:r>
+              <a:rPr lang="en-US" altLang="zh-CN" smtClean="0"/>
+              <a:t>But, </a:t>
+            </a:r>
+            <a:r>
               <a:rPr lang="en-US" altLang="zh-CN" dirty="0" smtClean="0"/>
-              <a:t>However, the large-scale production of reliable programs is a challenging problem in 1970s and even today.</a:t>
-            </a:r>
+              <a:t>the large-scale production of reliable programs is a </a:t>
+            </a:r>
+            <a:r>
+              <a:rPr lang="en-US" altLang="zh-CN" smtClean="0"/>
+              <a:t>challenging </a:t>
+            </a:r>
+            <a:r>
+              <a:rPr lang="en-US" altLang="zh-CN" smtClean="0"/>
+              <a:t>problem.</a:t>
+            </a:r>
+            <a:endParaRPr lang="en-US" altLang="zh-CN" dirty="0" smtClean="0"/>
           </a:p>
           <a:p>
             <a:pPr marL="0" marR="0" indent="0" algn="l" defTabSz="914400" rtl="0" eaLnBrk="1" fontAlgn="auto" latinLnBrk="0" hangingPunct="1">
@@ -7759,13 +7773,8 @@
             </a:r>
             <a:r>
               <a:rPr lang="en-US" altLang="zh-CN" dirty="0" smtClean="0"/>
-              <a:t>it is </a:t>
-            </a:r>
-            <a:r>
-              <a:rPr lang="en-US" altLang="zh-CN" dirty="0" smtClean="0"/>
-              <a:t>trivial.</a:t>
-            </a:r>
-            <a:endParaRPr lang="en-US" altLang="zh-CN" dirty="0" smtClean="0"/>
+              <a:t>it is trivial.</a:t>
+            </a:r>
           </a:p>
           <a:p>
             <a:r>
@@ -7774,32 +7783,29 @@
             </a:r>
             <a:r>
               <a:rPr lang="en-US" altLang="zh-CN" baseline="0" dirty="0" smtClean="0"/>
-              <a:t> what about this red-black tree’s </a:t>
+              <a:t> what about </a:t>
+            </a:r>
+            <a:r>
+              <a:rPr lang="en-US" altLang="zh-CN" baseline="0" smtClean="0"/>
+              <a:t>this </a:t>
+            </a:r>
+            <a:r>
+              <a:rPr lang="en-US" altLang="zh-CN" baseline="0" smtClean="0"/>
+              <a:t>part of red-black </a:t>
             </a:r>
             <a:r>
               <a:rPr lang="en-US" altLang="zh-CN" baseline="0" dirty="0" smtClean="0"/>
-              <a:t>code? </a:t>
+              <a:t>tree’s </a:t>
+            </a:r>
+            <a:r>
+              <a:rPr lang="en-US" altLang="zh-CN" baseline="0" smtClean="0"/>
+              <a:t>code</a:t>
+            </a:r>
+            <a:r>
+              <a:rPr lang="en-US" altLang="zh-CN" baseline="0" smtClean="0"/>
+              <a:t>?</a:t>
             </a:r>
             <a:endParaRPr lang="en-US" altLang="zh-CN" baseline="0" dirty="0" smtClean="0"/>
-          </a:p>
-          <a:p>
-            <a:r>
-              <a:rPr lang="en-US" altLang="zh-CN" baseline="0" dirty="0" smtClean="0"/>
-              <a:t>Let alone the </a:t>
-            </a:r>
-            <a:r>
-              <a:rPr lang="en-US" altLang="zh-CN" baseline="0" dirty="0" smtClean="0"/>
-              <a:t>program working </a:t>
-            </a:r>
-            <a:r>
-              <a:rPr lang="en-US" altLang="zh-CN" baseline="0" dirty="0" smtClean="0"/>
-              <a:t>under the </a:t>
-            </a:r>
-            <a:r>
-              <a:rPr lang="en-US" altLang="zh-CN" baseline="0" dirty="0" smtClean="0"/>
-              <a:t>real scenario? </a:t>
-            </a:r>
-            <a:endParaRPr lang="zh-CN" altLang="en-US" dirty="0"/>
           </a:p>
         </p:txBody>
       </p:sp>
@@ -7935,19 +7941,7 @@
             </a:pPr>
             <a:r>
               <a:rPr lang="en-US" altLang="zh-CN" dirty="0" smtClean="0"/>
-              <a:t>If </a:t>
-            </a:r>
-            <a:r>
-              <a:rPr lang="en-US" altLang="zh-CN" dirty="0" smtClean="0"/>
-              <a:t>the program is judged to produce correct results for some small sample data, </a:t>
-            </a:r>
-            <a:r>
-              <a:rPr lang="en-US" altLang="zh-CN" dirty="0" smtClean="0"/>
-              <a:t>the program </a:t>
-            </a:r>
-            <a:r>
-              <a:rPr lang="en-US" altLang="zh-CN" dirty="0" smtClean="0"/>
-              <a:t>is assumed to be correct.</a:t>
+              <a:t>If the program is judged to produce correct results for some small sample data, the program is assumed to be correct.</a:t>
             </a:r>
           </a:p>
           <a:p>
@@ -8175,11 +8169,7 @@
             </a:r>
             <a:r>
               <a:rPr lang="en-US" altLang="zh-CN" dirty="0" smtClean="0"/>
-              <a:t>the practical accomplishments fall short of a tool for routine use. </a:t>
-            </a:r>
-            <a:r>
-              <a:rPr lang="en-US" altLang="zh-CN" dirty="0" smtClean="0"/>
-              <a:t>Because</a:t>
+              <a:t>the practical accomplishments fall short of a tool for routine use. Because</a:t>
             </a:r>
             <a:r>
               <a:rPr lang="en-US" altLang="zh-CN" baseline="0" dirty="0" smtClean="0"/>
@@ -8193,45 +8183,8 @@
                   </a:schemeClr>
                 </a:solidFill>
               </a:rPr>
-              <a:t>here </a:t>
-            </a:r>
-            <a:r>
-              <a:rPr lang="en-US" altLang="zh-CN" sz="1200" dirty="0" smtClean="0">
-                <a:solidFill>
-                  <a:schemeClr val="bg1">
-                    <a:lumMod val="50000"/>
-                  </a:schemeClr>
-                </a:solidFill>
-              </a:rPr>
-              <a:t>is no proof </a:t>
-            </a:r>
-            <a:r>
-              <a:rPr lang="en-US" altLang="zh-CN" sz="1200" dirty="0" smtClean="0">
-                <a:solidFill>
-                  <a:schemeClr val="bg1">
-                    <a:lumMod val="50000"/>
-                  </a:schemeClr>
-                </a:solidFill>
-              </a:rPr>
-              <a:t>assistant like Coq </a:t>
-            </a:r>
-            <a:r>
-              <a:rPr lang="en-US" altLang="zh-CN" sz="1200" dirty="0" smtClean="0">
-                <a:solidFill>
-                  <a:schemeClr val="bg1">
-                    <a:lumMod val="50000"/>
-                  </a:schemeClr>
-                </a:solidFill>
-              </a:rPr>
-              <a:t>in 1970s. </a:t>
-            </a:r>
-            <a:endParaRPr lang="en-US" altLang="zh-CN" sz="1200" dirty="0" smtClean="0">
-              <a:solidFill>
-                <a:schemeClr val="bg1">
-                  <a:lumMod val="50000"/>
-                </a:schemeClr>
-              </a:solidFill>
-            </a:endParaRPr>
+              <a:t>here is no proof assistant like Coq in 1970s. </a:t>
+            </a:r>
           </a:p>
           <a:p>
             <a:pPr marL="0" marR="0" lvl="1" indent="0" algn="l" defTabSz="914400" rtl="0" eaLnBrk="1" fontAlgn="auto" latinLnBrk="0" hangingPunct="1">
@@ -8253,11 +8206,7 @@
             </a:pPr>
             <a:r>
               <a:rPr lang="en-US" altLang="zh-CN" dirty="0" smtClean="0"/>
-              <a:t>And </a:t>
-            </a:r>
-            <a:r>
-              <a:rPr lang="en-US" altLang="zh-CN" dirty="0" smtClean="0"/>
-              <a:t>the confidence of program proving depends on the creation of the specification and the construction of proof steps, which are both done by human and error-prone.</a:t>
+              <a:t>And the confidence of program proving depends on the creation of the specification and the construction of proof steps, which are both done by human and error-prone.</a:t>
             </a:r>
           </a:p>
           <a:p>
@@ -8407,11 +8356,7 @@
           <a:p>
             <a:r>
               <a:rPr lang="en-US" altLang="zh-CN" sz="1200" dirty="0" smtClean="0"/>
-              <a:t>A </a:t>
-            </a:r>
-            <a:r>
-              <a:rPr lang="en-US" altLang="zh-CN" sz="1200" dirty="0" smtClean="0"/>
-              <a:t>key goal of symbolic execution in software testing is to:</a:t>
+              <a:t>A key goal of symbolic execution in software testing is to:</a:t>
             </a:r>
           </a:p>
           <a:p>
@@ -8424,11 +8369,7 @@
             </a:pPr>
             <a:r>
               <a:rPr lang="en-US" altLang="zh-CN" sz="1800" dirty="0" smtClean="0"/>
-              <a:t>explore as many different program paths as possible in a </a:t>
-            </a:r>
-            <a:r>
-              <a:rPr lang="en-US" altLang="zh-CN" sz="1800" dirty="0" smtClean="0"/>
-              <a:t>limited</a:t>
+              <a:t>explore as many different program paths as possible in a limited</a:t>
             </a:r>
             <a:r>
               <a:rPr lang="en-US" altLang="zh-CN" sz="1800" baseline="0" dirty="0" smtClean="0"/>
@@ -8438,7 +8379,6 @@
               <a:rPr lang="en-US" altLang="zh-CN" sz="1800" dirty="0" smtClean="0"/>
               <a:t>time</a:t>
             </a:r>
-            <a:endParaRPr lang="en-US" altLang="zh-CN" sz="1800" dirty="0" smtClean="0"/>
           </a:p>
           <a:p>
             <a:pPr lvl="1">
@@ -8483,7 +8423,7 @@
     </p:spTree>
     <p:extLst>
       <p:ext uri="{BB962C8B-B14F-4D97-AF65-F5344CB8AC3E}">
-        <p14:creationId xmlns:p14="http://schemas.microsoft.com/office/powerpoint/2010/main" val="3231357571"/>
+        <p14:creationId xmlns:p14="http://schemas.microsoft.com/office/powerpoint/2010/main" xmlns="" val="3231357571"/>
       </p:ext>
     </p:extLst>
   </p:cSld>
@@ -8539,13 +8479,37 @@
           <a:p>
             <a:r>
               <a:rPr lang="en-US" altLang="zh-CN" dirty="0" smtClean="0"/>
-              <a:t>From a test generation perspective, symbolic execution allows the creation of high-coverage test suites, </a:t>
-            </a:r>
-          </a:p>
-          <a:p>
+              <a:t>From a test </a:t>
+            </a:r>
+            <a:r>
+              <a:rPr lang="en-US" altLang="zh-CN" smtClean="0"/>
+              <a:t>generation </a:t>
+            </a:r>
+            <a:r>
+              <a:rPr lang="en-US" altLang="zh-CN" smtClean="0"/>
+              <a:t>view, </a:t>
+            </a:r>
             <a:r>
               <a:rPr lang="en-US" altLang="zh-CN" dirty="0" smtClean="0"/>
-              <a:t>while from a bug-finding perspective, symbolic execution provides developers with a concrete input that triggers the bug, which can be used to confirm and debug the error.</a:t>
+              <a:t>symbolic execution allows the creation of high-coverage test suites, </a:t>
+            </a:r>
+          </a:p>
+          <a:p>
+            <a:r>
+              <a:rPr lang="en-US" altLang="zh-CN" dirty="0" smtClean="0"/>
+              <a:t>while from a </a:t>
+            </a:r>
+            <a:r>
+              <a:rPr lang="en-US" altLang="zh-CN" smtClean="0"/>
+              <a:t>bug-finding </a:t>
+            </a:r>
+            <a:r>
+              <a:rPr lang="en-US" altLang="zh-CN" smtClean="0"/>
+              <a:t>view, </a:t>
+            </a:r>
+            <a:r>
+              <a:rPr lang="en-US" altLang="zh-CN" dirty="0" smtClean="0"/>
+              <a:t>symbolic execution provides developers with a concrete input that triggers the bug, which can be used to confirm and debug the error.</a:t>
             </a:r>
           </a:p>
           <a:p>
@@ -8554,17 +8518,41 @@
           <a:p>
             <a:r>
               <a:rPr lang="en-US" altLang="zh-CN" dirty="0" smtClean="0"/>
-              <a:t>There is an illustration. The box represents the whole space of executions of a program.</a:t>
+              <a:t>There is an illustration. The box represents the whole space </a:t>
+            </a:r>
+            <a:r>
+              <a:rPr lang="en-US" altLang="zh-CN" smtClean="0"/>
+              <a:t>of </a:t>
+            </a:r>
+            <a:r>
+              <a:rPr lang="en-US" altLang="zh-CN" smtClean="0"/>
+              <a:t>program execution.</a:t>
+            </a:r>
+            <a:r>
+              <a:rPr lang="en-US" altLang="zh-CN" baseline="0" smtClean="0"/>
+              <a:t> </a:t>
             </a:r>
             <a:r>
               <a:rPr lang="en-US" altLang="zh-CN" baseline="0" dirty="0" smtClean="0"/>
-              <a:t> We sample some points as the test cases which distributes uniformly. From the picture, these test cases seem to cover all the execution paths of the program.</a:t>
+              <a:t>We sample some points as the test cases which distributes uniformly. From the picture, these test cases seem to cover all the execution paths of the program.</a:t>
             </a:r>
           </a:p>
           <a:p>
             <a:r>
               <a:rPr lang="en-US" altLang="zh-CN" baseline="0" dirty="0" smtClean="0"/>
-              <a:t>If every area represents an execution path, we can figure out that these test cases don’t cover all the paths. </a:t>
+              <a:t>If every area represents an execution path, we can figure out that these test </a:t>
+            </a:r>
+            <a:r>
+              <a:rPr lang="en-US" altLang="zh-CN" baseline="0" smtClean="0"/>
+              <a:t>cases </a:t>
+            </a:r>
+            <a:r>
+              <a:rPr lang="en-US" altLang="zh-CN" baseline="0" smtClean="0"/>
+              <a:t>do not </a:t>
+            </a:r>
+            <a:r>
+              <a:rPr lang="en-US" altLang="zh-CN" baseline="0" dirty="0" smtClean="0"/>
+              <a:t>cover all the paths. </a:t>
             </a:r>
           </a:p>
           <a:p>
@@ -8614,7 +8602,7 @@
     </p:spTree>
     <p:extLst>
       <p:ext uri="{BB962C8B-B14F-4D97-AF65-F5344CB8AC3E}">
-        <p14:creationId xmlns:p14="http://schemas.microsoft.com/office/powerpoint/2010/main" val="1691538243"/>
+        <p14:creationId xmlns:p14="http://schemas.microsoft.com/office/powerpoint/2010/main" xmlns="" val="1691538243"/>
       </p:ext>
     </p:extLst>
   </p:cSld>
@@ -8812,7 +8800,7 @@
     </p:spTree>
     <p:extLst>
       <p:ext uri="{BB962C8B-B14F-4D97-AF65-F5344CB8AC3E}">
-        <p14:creationId xmlns:p14="http://schemas.microsoft.com/office/powerpoint/2010/main" val="621224671"/>
+        <p14:creationId xmlns:p14="http://schemas.microsoft.com/office/powerpoint/2010/main" xmlns="" val="621224671"/>
       </p:ext>
     </p:extLst>
   </p:cSld>
@@ -9879,7 +9867,7 @@
             </a:clrChange>
             <a:extLst>
               <a:ext uri="{28A0092B-C50C-407E-A947-70E740481C1C}">
-                <a14:useLocalDpi xmlns:a14="http://schemas.microsoft.com/office/drawing/2010/main" val="0"/>
+                <a14:useLocalDpi xmlns:a14="http://schemas.microsoft.com/office/drawing/2010/main" xmlns="" val="0"/>
               </a:ext>
             </a:extLst>
           </a:blip>
@@ -9899,7 +9887,7 @@
           <a:noFill/>
           <a:extLst>
             <a:ext uri="{909E8E84-426E-40DD-AFC4-6F175D3DCCD1}">
-              <a14:hiddenFill xmlns:a14="http://schemas.microsoft.com/office/drawing/2010/main">
+              <a14:hiddenFill xmlns:a14="http://schemas.microsoft.com/office/drawing/2010/main" xmlns="">
                 <a:solidFill>
                   <a:srgbClr val="FFFFFF"/>
                 </a:solidFill>
@@ -9927,7 +9915,7 @@
             </a:duotone>
             <a:extLst>
               <a:ext uri="{28A0092B-C50C-407E-A947-70E740481C1C}">
-                <a14:useLocalDpi xmlns:a14="http://schemas.microsoft.com/office/drawing/2010/main" val="0"/>
+                <a14:useLocalDpi xmlns:a14="http://schemas.microsoft.com/office/drawing/2010/main" xmlns="" val="0"/>
               </a:ext>
             </a:extLst>
           </a:blip>
@@ -9947,7 +9935,7 @@
           <a:noFill/>
           <a:extLst>
             <a:ext uri="{909E8E84-426E-40DD-AFC4-6F175D3DCCD1}">
-              <a14:hiddenFill xmlns:a14="http://schemas.microsoft.com/office/drawing/2010/main">
+              <a14:hiddenFill xmlns:a14="http://schemas.microsoft.com/office/drawing/2010/main" xmlns="">
                 <a:solidFill>
                   <a:srgbClr val="FFFFFF"/>
                 </a:solidFill>
@@ -9968,7 +9956,7 @@
           <a:blip r:embed="rId4" cstate="print">
             <a:extLst>
               <a:ext uri="{28A0092B-C50C-407E-A947-70E740481C1C}">
-                <a14:useLocalDpi xmlns:a14="http://schemas.microsoft.com/office/drawing/2010/main" val="0"/>
+                <a14:useLocalDpi xmlns:a14="http://schemas.microsoft.com/office/drawing/2010/main" xmlns="" val="0"/>
               </a:ext>
             </a:extLst>
           </a:blip>
@@ -9989,20 +9977,20 @@
     </p:spTree>
     <p:extLst>
       <p:ext uri="{BB962C8B-B14F-4D97-AF65-F5344CB8AC3E}">
-        <p14:creationId xmlns:p14="http://schemas.microsoft.com/office/powerpoint/2010/main" val="3580256527"/>
+        <p14:creationId xmlns:p14="http://schemas.microsoft.com/office/powerpoint/2010/main" xmlns="" val="3580256527"/>
       </p:ext>
     </p:extLst>
   </p:cSld>
   <p:clrMapOvr>
     <a:masterClrMapping/>
   </p:clrMapOvr>
-  <mc:AlternateContent xmlns:mc="http://schemas.openxmlformats.org/markup-compatibility/2006" xmlns:p14="http://schemas.microsoft.com/office/powerpoint/2010/main">
-    <mc:Choice Requires="p14">
+  <mc:AlternateContent xmlns:mc="http://schemas.openxmlformats.org/markup-compatibility/2006">
+    <mc:Choice xmlns:p14="http://schemas.microsoft.com/office/powerpoint/2010/main" xmlns="" Requires="p14">
       <p:transition spd="med" p14:dur="700">
         <p:fade/>
       </p:transition>
     </mc:Choice>
-    <mc:Fallback xmlns="">
+    <mc:Fallback>
       <p:transition spd="med">
         <p:fade/>
       </p:transition>
@@ -10359,7 +10347,7 @@
           <a:blip r:embed="rId2" cstate="print">
             <a:extLst>
               <a:ext uri="{28A0092B-C50C-407E-A947-70E740481C1C}">
-                <a14:useLocalDpi xmlns:a14="http://schemas.microsoft.com/office/drawing/2010/main" val="0"/>
+                <a14:useLocalDpi xmlns:a14="http://schemas.microsoft.com/office/drawing/2010/main" xmlns="" val="0"/>
               </a:ext>
             </a:extLst>
           </a:blip>
@@ -10380,20 +10368,20 @@
     </p:spTree>
     <p:extLst>
       <p:ext uri="{BB962C8B-B14F-4D97-AF65-F5344CB8AC3E}">
-        <p14:creationId xmlns:p14="http://schemas.microsoft.com/office/powerpoint/2010/main" val="8597632"/>
+        <p14:creationId xmlns:p14="http://schemas.microsoft.com/office/powerpoint/2010/main" xmlns="" val="8597632"/>
       </p:ext>
     </p:extLst>
   </p:cSld>
   <p:clrMapOvr>
     <a:masterClrMapping/>
   </p:clrMapOvr>
-  <mc:AlternateContent xmlns:mc="http://schemas.openxmlformats.org/markup-compatibility/2006" xmlns:p14="http://schemas.microsoft.com/office/powerpoint/2010/main">
-    <mc:Choice Requires="p14">
+  <mc:AlternateContent xmlns:mc="http://schemas.openxmlformats.org/markup-compatibility/2006">
+    <mc:Choice xmlns:p14="http://schemas.microsoft.com/office/powerpoint/2010/main" xmlns="" Requires="p14">
       <p:transition spd="med" p14:dur="700">
         <p:fade/>
       </p:transition>
     </mc:Choice>
-    <mc:Fallback xmlns="">
+    <mc:Fallback>
       <p:transition spd="med">
         <p:fade/>
       </p:transition>
@@ -10885,20 +10873,20 @@
     </p:spTree>
     <p:extLst>
       <p:ext uri="{BB962C8B-B14F-4D97-AF65-F5344CB8AC3E}">
-        <p14:creationId xmlns:p14="http://schemas.microsoft.com/office/powerpoint/2010/main" val="3808301644"/>
+        <p14:creationId xmlns:p14="http://schemas.microsoft.com/office/powerpoint/2010/main" xmlns="" val="3808301644"/>
       </p:ext>
     </p:extLst>
   </p:cSld>
   <p:clrMapOvr>
     <a:masterClrMapping/>
   </p:clrMapOvr>
-  <mc:AlternateContent xmlns:mc="http://schemas.openxmlformats.org/markup-compatibility/2006" xmlns:p14="http://schemas.microsoft.com/office/powerpoint/2010/main">
-    <mc:Choice Requires="p14">
+  <mc:AlternateContent xmlns:mc="http://schemas.openxmlformats.org/markup-compatibility/2006">
+    <mc:Choice xmlns:p14="http://schemas.microsoft.com/office/powerpoint/2010/main" xmlns="" Requires="p14">
       <p:transition spd="med" p14:dur="700">
         <p:fade/>
       </p:transition>
     </mc:Choice>
-    <mc:Fallback xmlns="">
+    <mc:Fallback>
       <p:transition spd="med">
         <p:fade/>
       </p:transition>
@@ -11202,20 +11190,20 @@
     </p:spTree>
     <p:extLst>
       <p:ext uri="{BB962C8B-B14F-4D97-AF65-F5344CB8AC3E}">
-        <p14:creationId xmlns:p14="http://schemas.microsoft.com/office/powerpoint/2010/main" val="3215307960"/>
+        <p14:creationId xmlns:p14="http://schemas.microsoft.com/office/powerpoint/2010/main" xmlns="" val="3215307960"/>
       </p:ext>
     </p:extLst>
   </p:cSld>
   <p:clrMapOvr>
     <a:masterClrMapping/>
   </p:clrMapOvr>
-  <mc:AlternateContent xmlns:mc="http://schemas.openxmlformats.org/markup-compatibility/2006" xmlns:p14="http://schemas.microsoft.com/office/powerpoint/2010/main">
-    <mc:Choice Requires="p14">
+  <mc:AlternateContent xmlns:mc="http://schemas.openxmlformats.org/markup-compatibility/2006">
+    <mc:Choice xmlns:p14="http://schemas.microsoft.com/office/powerpoint/2010/main" xmlns="" Requires="p14">
       <p:transition spd="med" p14:dur="700">
         <p:fade/>
       </p:transition>
     </mc:Choice>
-    <mc:Fallback xmlns="">
+    <mc:Fallback>
       <p:transition spd="med">
         <p:fade/>
       </p:transition>
@@ -11625,20 +11613,20 @@
     </p:spTree>
     <p:extLst>
       <p:ext uri="{BB962C8B-B14F-4D97-AF65-F5344CB8AC3E}">
-        <p14:creationId xmlns:p14="http://schemas.microsoft.com/office/powerpoint/2010/main" val="1172086531"/>
+        <p14:creationId xmlns:p14="http://schemas.microsoft.com/office/powerpoint/2010/main" xmlns="" val="1172086531"/>
       </p:ext>
     </p:extLst>
   </p:cSld>
   <p:clrMapOvr>
     <a:masterClrMapping/>
   </p:clrMapOvr>
-  <mc:AlternateContent xmlns:mc="http://schemas.openxmlformats.org/markup-compatibility/2006" xmlns:p14="http://schemas.microsoft.com/office/powerpoint/2010/main">
-    <mc:Choice Requires="p14">
+  <mc:AlternateContent xmlns:mc="http://schemas.openxmlformats.org/markup-compatibility/2006">
+    <mc:Choice xmlns:p14="http://schemas.microsoft.com/office/powerpoint/2010/main" xmlns="" Requires="p14">
       <p:transition spd="med" p14:dur="700">
         <p:fade/>
       </p:transition>
     </mc:Choice>
-    <mc:Fallback xmlns="">
+    <mc:Fallback>
       <p:transition spd="med">
         <p:fade/>
       </p:transition>
@@ -11810,20 +11798,20 @@
     </p:spTree>
     <p:extLst>
       <p:ext uri="{BB962C8B-B14F-4D97-AF65-F5344CB8AC3E}">
-        <p14:creationId xmlns:p14="http://schemas.microsoft.com/office/powerpoint/2010/main" val="1326722798"/>
+        <p14:creationId xmlns:p14="http://schemas.microsoft.com/office/powerpoint/2010/main" xmlns="" val="1326722798"/>
       </p:ext>
     </p:extLst>
   </p:cSld>
   <p:clrMapOvr>
     <a:masterClrMapping/>
   </p:clrMapOvr>
-  <mc:AlternateContent xmlns:mc="http://schemas.openxmlformats.org/markup-compatibility/2006" xmlns:p14="http://schemas.microsoft.com/office/powerpoint/2010/main">
-    <mc:Choice Requires="p14">
+  <mc:AlternateContent xmlns:mc="http://schemas.openxmlformats.org/markup-compatibility/2006">
+    <mc:Choice xmlns:p14="http://schemas.microsoft.com/office/powerpoint/2010/main" xmlns="" Requires="p14">
       <p:transition spd="med" p14:dur="700">
         <p:fade/>
       </p:transition>
     </mc:Choice>
-    <mc:Fallback xmlns="">
+    <mc:Fallback>
       <p:transition spd="med">
         <p:fade/>
       </p:transition>
@@ -11964,20 +11952,20 @@
     </p:spTree>
     <p:extLst>
       <p:ext uri="{BB962C8B-B14F-4D97-AF65-F5344CB8AC3E}">
-        <p14:creationId xmlns:p14="http://schemas.microsoft.com/office/powerpoint/2010/main" val="796909310"/>
+        <p14:creationId xmlns:p14="http://schemas.microsoft.com/office/powerpoint/2010/main" xmlns="" val="796909310"/>
       </p:ext>
     </p:extLst>
   </p:cSld>
   <p:clrMapOvr>
     <a:masterClrMapping/>
   </p:clrMapOvr>
-  <mc:AlternateContent xmlns:mc="http://schemas.openxmlformats.org/markup-compatibility/2006" xmlns:p14="http://schemas.microsoft.com/office/powerpoint/2010/main">
-    <mc:Choice Requires="p14">
+  <mc:AlternateContent xmlns:mc="http://schemas.openxmlformats.org/markup-compatibility/2006">
+    <mc:Choice xmlns:p14="http://schemas.microsoft.com/office/powerpoint/2010/main" xmlns="" Requires="p14">
       <p:transition spd="med" p14:dur="700">
         <p:fade/>
       </p:transition>
     </mc:Choice>
-    <mc:Fallback xmlns="">
+    <mc:Fallback>
       <p:transition spd="med">
         <p:fade/>
       </p:transition>
@@ -12310,20 +12298,20 @@
     </p:spTree>
     <p:extLst>
       <p:ext uri="{BB962C8B-B14F-4D97-AF65-F5344CB8AC3E}">
-        <p14:creationId xmlns:p14="http://schemas.microsoft.com/office/powerpoint/2010/main" val="3738623974"/>
+        <p14:creationId xmlns:p14="http://schemas.microsoft.com/office/powerpoint/2010/main" xmlns="" val="3738623974"/>
       </p:ext>
     </p:extLst>
   </p:cSld>
   <p:clrMapOvr>
     <a:masterClrMapping/>
   </p:clrMapOvr>
-  <mc:AlternateContent xmlns:mc="http://schemas.openxmlformats.org/markup-compatibility/2006" xmlns:p14="http://schemas.microsoft.com/office/powerpoint/2010/main">
-    <mc:Choice Requires="p14">
+  <mc:AlternateContent xmlns:mc="http://schemas.openxmlformats.org/markup-compatibility/2006">
+    <mc:Choice xmlns:p14="http://schemas.microsoft.com/office/powerpoint/2010/main" xmlns="" Requires="p14">
       <p:transition spd="med" p14:dur="700">
         <p:fade/>
       </p:transition>
     </mc:Choice>
-    <mc:Fallback xmlns="">
+    <mc:Fallback>
       <p:transition spd="med">
         <p:fade/>
       </p:transition>
@@ -12927,20 +12915,20 @@
     </p:spTree>
     <p:extLst>
       <p:ext uri="{BB962C8B-B14F-4D97-AF65-F5344CB8AC3E}">
-        <p14:creationId xmlns:p14="http://schemas.microsoft.com/office/powerpoint/2010/main" val="447198579"/>
+        <p14:creationId xmlns:p14="http://schemas.microsoft.com/office/powerpoint/2010/main" xmlns="" val="447198579"/>
       </p:ext>
     </p:extLst>
   </p:cSld>
   <p:clrMapOvr>
     <a:masterClrMapping/>
   </p:clrMapOvr>
-  <mc:AlternateContent xmlns:mc="http://schemas.openxmlformats.org/markup-compatibility/2006" xmlns:p14="http://schemas.microsoft.com/office/powerpoint/2010/main">
-    <mc:Choice Requires="p14">
+  <mc:AlternateContent xmlns:mc="http://schemas.openxmlformats.org/markup-compatibility/2006">
+    <mc:Choice xmlns:p14="http://schemas.microsoft.com/office/powerpoint/2010/main" xmlns="" Requires="p14">
       <p:transition spd="med" p14:dur="700">
         <p:fade/>
       </p:transition>
     </mc:Choice>
-    <mc:Fallback xmlns="">
+    <mc:Fallback>
       <p:transition spd="med">
         <p:fade/>
       </p:transition>
@@ -13154,20 +13142,20 @@
     </p:spTree>
     <p:extLst>
       <p:ext uri="{BB962C8B-B14F-4D97-AF65-F5344CB8AC3E}">
-        <p14:creationId xmlns:p14="http://schemas.microsoft.com/office/powerpoint/2010/main" val="3000633228"/>
+        <p14:creationId xmlns:p14="http://schemas.microsoft.com/office/powerpoint/2010/main" xmlns="" val="3000633228"/>
       </p:ext>
     </p:extLst>
   </p:cSld>
   <p:clrMapOvr>
     <a:masterClrMapping/>
   </p:clrMapOvr>
-  <mc:AlternateContent xmlns:mc="http://schemas.openxmlformats.org/markup-compatibility/2006" xmlns:p14="http://schemas.microsoft.com/office/powerpoint/2010/main">
-    <mc:Choice Requires="p14">
+  <mc:AlternateContent xmlns:mc="http://schemas.openxmlformats.org/markup-compatibility/2006">
+    <mc:Choice xmlns:p14="http://schemas.microsoft.com/office/powerpoint/2010/main" xmlns="" Requires="p14">
       <p:transition spd="med" p14:dur="700">
         <p:fade/>
       </p:transition>
     </mc:Choice>
-    <mc:Fallback xmlns="">
+    <mc:Fallback>
       <p:transition spd="med">
         <p:fade/>
       </p:transition>
@@ -13391,20 +13379,20 @@
     </p:spTree>
     <p:extLst>
       <p:ext uri="{BB962C8B-B14F-4D97-AF65-F5344CB8AC3E}">
-        <p14:creationId xmlns:p14="http://schemas.microsoft.com/office/powerpoint/2010/main" val="1082700791"/>
+        <p14:creationId xmlns:p14="http://schemas.microsoft.com/office/powerpoint/2010/main" xmlns="" val="1082700791"/>
       </p:ext>
     </p:extLst>
   </p:cSld>
   <p:clrMapOvr>
     <a:masterClrMapping/>
   </p:clrMapOvr>
-  <mc:AlternateContent xmlns:mc="http://schemas.openxmlformats.org/markup-compatibility/2006" xmlns:p14="http://schemas.microsoft.com/office/powerpoint/2010/main">
-    <mc:Choice Requires="p14">
+  <mc:AlternateContent xmlns:mc="http://schemas.openxmlformats.org/markup-compatibility/2006">
+    <mc:Choice xmlns:p14="http://schemas.microsoft.com/office/powerpoint/2010/main" xmlns="" Requires="p14">
       <p:transition spd="med" p14:dur="700">
         <p:fade/>
       </p:transition>
     </mc:Choice>
-    <mc:Fallback xmlns="">
+    <mc:Fallback>
       <p:transition spd="med">
         <p:fade/>
       </p:transition>
@@ -16568,7 +16556,7 @@
     </p:spTree>
     <p:extLst>
       <p:ext uri="{BB962C8B-B14F-4D97-AF65-F5344CB8AC3E}">
-        <p14:creationId xmlns:p14="http://schemas.microsoft.com/office/powerpoint/2010/main" val="2937136900"/>
+        <p14:creationId xmlns:p14="http://schemas.microsoft.com/office/powerpoint/2010/main" xmlns="" val="2937136900"/>
       </p:ext>
     </p:extLst>
   </p:cSld>
@@ -16586,13 +16574,13 @@
     <p:sldLayoutId id="2147483790" r:id="rId10"/>
     <p:sldLayoutId id="2147483791" r:id="rId11"/>
   </p:sldLayoutIdLst>
-  <mc:AlternateContent xmlns:mc="http://schemas.openxmlformats.org/markup-compatibility/2006" xmlns:p14="http://schemas.microsoft.com/office/powerpoint/2010/main">
-    <mc:Choice Requires="p14">
+  <mc:AlternateContent xmlns:mc="http://schemas.openxmlformats.org/markup-compatibility/2006">
+    <mc:Choice xmlns:p14="http://schemas.microsoft.com/office/powerpoint/2010/main" xmlns="" Requires="p14">
       <p:transition spd="med" p14:dur="700">
         <p:fade/>
       </p:transition>
     </mc:Choice>
-    <mc:Fallback xmlns="">
+    <mc:Fallback>
       <p:transition spd="med">
         <p:fade/>
       </p:transition>
@@ -17626,20 +17614,20 @@
     </p:spTree>
     <p:extLst>
       <p:ext uri="{BB962C8B-B14F-4D97-AF65-F5344CB8AC3E}">
-        <p14:creationId xmlns:p14="http://schemas.microsoft.com/office/powerpoint/2010/main" val="2446117524"/>
+        <p14:creationId xmlns:p14="http://schemas.microsoft.com/office/powerpoint/2010/main" xmlns="" val="2446117524"/>
       </p:ext>
     </p:extLst>
   </p:cSld>
   <p:clrMapOvr>
     <a:masterClrMapping/>
   </p:clrMapOvr>
-  <mc:AlternateContent xmlns:mc="http://schemas.openxmlformats.org/markup-compatibility/2006" xmlns:p14="http://schemas.microsoft.com/office/powerpoint/2010/main">
-    <mc:Choice Requires="p14">
+  <mc:AlternateContent xmlns:mc="http://schemas.openxmlformats.org/markup-compatibility/2006">
+    <mc:Choice xmlns:p14="http://schemas.microsoft.com/office/powerpoint/2010/main" xmlns="" Requires="p14">
       <p:transition spd="med" p14:dur="700" advTm="9691">
         <p:fade/>
       </p:transition>
     </mc:Choice>
-    <mc:Fallback xmlns="">
+    <mc:Fallback>
       <p:transition spd="med" advTm="9691">
         <p:fade/>
       </p:transition>
@@ -17721,7 +17709,7 @@
                 <a:ea typeface="宋体"/>
               </a:rPr>
               <a:pPr/>
-              <a:t>2020/12/3</a:t>
+              <a:t>2020/12/4</a:t>
             </a:fld>
             <a:endParaRPr kumimoji="1" lang="zh-CN" altLang="en-US">
               <a:solidFill>
@@ -17807,7 +17795,7 @@
           <a:blip r:embed="rId3" cstate="print">
             <a:extLst>
               <a:ext uri="{28A0092B-C50C-407E-A947-70E740481C1C}">
-                <a14:useLocalDpi xmlns:a14="http://schemas.microsoft.com/office/drawing/2010/main" val="0"/>
+                <a14:useLocalDpi xmlns:a14="http://schemas.microsoft.com/office/drawing/2010/main" xmlns="" val="0"/>
               </a:ext>
             </a:extLst>
           </a:blip>
@@ -18550,7 +18538,7 @@
     </p:spTree>
     <p:extLst>
       <p:ext uri="{BB962C8B-B14F-4D97-AF65-F5344CB8AC3E}">
-        <p14:creationId xmlns:p14="http://schemas.microsoft.com/office/powerpoint/2010/main" val="1552289168"/>
+        <p14:creationId xmlns:p14="http://schemas.microsoft.com/office/powerpoint/2010/main" xmlns="" val="1552289168"/>
       </p:ext>
     </p:extLst>
   </p:cSld>
@@ -18789,17 +18777,12 @@
             </a:r>
             <a:r>
               <a:rPr lang="en-US" altLang="zh-CN" dirty="0"/>
-              <a:t>variables to symbolic </a:t>
-            </a:r>
-            <a:r>
-              <a:rPr lang="en-US" altLang="zh-CN" dirty="0"/>
-              <a:t>expressions and is empty </a:t>
+              <a:t>variables to symbolic expressions and is empty </a:t>
             </a:r>
             <a:r>
               <a:rPr lang="en-US" altLang="zh-CN" dirty="0" smtClean="0"/>
               <a:t>initially.</a:t>
             </a:r>
-            <a:endParaRPr lang="en-US" altLang="zh-CN" dirty="0" smtClean="0"/>
           </a:p>
           <a:p>
             <a:pPr lvl="1"/>
@@ -18958,7 +18941,7 @@
                 <a:ea typeface="宋体"/>
               </a:rPr>
               <a:pPr/>
-              <a:t>2020/12/3</a:t>
+              <a:t>2020/12/4</a:t>
             </a:fld>
             <a:endParaRPr kumimoji="1" lang="zh-CN" altLang="en-US">
               <a:solidFill>
@@ -19265,7 +19248,7 @@
                 <a:ea typeface="宋体"/>
               </a:rPr>
               <a:pPr/>
-              <a:t>2020/12/3</a:t>
+              <a:t>2020/12/4</a:t>
             </a:fld>
             <a:endParaRPr kumimoji="1" lang="zh-CN" altLang="en-US">
               <a:solidFill>
@@ -19351,7 +19334,7 @@
           <a:blip r:embed="rId3" cstate="print">
             <a:extLst>
               <a:ext uri="{28A0092B-C50C-407E-A947-70E740481C1C}">
-                <a14:useLocalDpi xmlns:a14="http://schemas.microsoft.com/office/drawing/2010/main" val="0"/>
+                <a14:useLocalDpi xmlns:a14="http://schemas.microsoft.com/office/drawing/2010/main" xmlns="" val="0"/>
               </a:ext>
             </a:extLst>
           </a:blip>
@@ -19914,7 +19897,7 @@
     </p:spTree>
     <p:extLst>
       <p:ext uri="{BB962C8B-B14F-4D97-AF65-F5344CB8AC3E}">
-        <p14:creationId xmlns:p14="http://schemas.microsoft.com/office/powerpoint/2010/main" val="196800628"/>
+        <p14:creationId xmlns:p14="http://schemas.microsoft.com/office/powerpoint/2010/main" xmlns="" val="196800628"/>
       </p:ext>
     </p:extLst>
   </p:cSld>
@@ -20252,7 +20235,7 @@
                 <a:ea typeface="宋体"/>
               </a:rPr>
               <a:pPr/>
-              <a:t>2020/12/3</a:t>
+              <a:t>2020/12/4</a:t>
             </a:fld>
             <a:endParaRPr kumimoji="1" lang="zh-CN" altLang="en-US">
               <a:solidFill>
@@ -21953,7 +21936,7 @@
     </p:spTree>
     <p:extLst>
       <p:ext uri="{BB962C8B-B14F-4D97-AF65-F5344CB8AC3E}">
-        <p14:creationId xmlns:p14="http://schemas.microsoft.com/office/powerpoint/2010/main" val="2032435664"/>
+        <p14:creationId xmlns:p14="http://schemas.microsoft.com/office/powerpoint/2010/main" xmlns="" val="2032435664"/>
       </p:ext>
     </p:extLst>
   </p:cSld>
@@ -22148,7 +22131,7 @@
                             </p:stCondLst>
                             <p:childTnLst>
                               <p:par>
-                                <p:cTn id="20" presetID="1" presetClass="entr" presetSubtype="0" fill="hold" grpId="0" nodeType="clickEffect">
+                                <p:cTn id="20" presetID="10" presetClass="entr" presetSubtype="0" fill="hold" nodeType="clickEffect">
                                   <p:stCondLst>
                                     <p:cond delay="0"/>
                                   </p:stCondLst>
@@ -22156,51 +22139,6 @@
                                     <p:set>
                                       <p:cBhvr>
                                         <p:cTn id="21" dur="1" fill="hold">
-                                          <p:stCondLst>
-                                            <p:cond delay="0"/>
-                                          </p:stCondLst>
-                                        </p:cTn>
-                                        <p:tgtEl>
-                                          <p:spTgt spid="39"/>
-                                        </p:tgtEl>
-                                        <p:attrNameLst>
-                                          <p:attrName>style.visibility</p:attrName>
-                                        </p:attrNameLst>
-                                      </p:cBhvr>
-                                      <p:to>
-                                        <p:strVal val="visible"/>
-                                      </p:to>
-                                    </p:set>
-                                  </p:childTnLst>
-                                </p:cTn>
-                              </p:par>
-                            </p:childTnLst>
-                          </p:cTn>
-                        </p:par>
-                      </p:childTnLst>
-                    </p:cTn>
-                  </p:par>
-                  <p:par>
-                    <p:cTn id="22" fill="hold">
-                      <p:stCondLst>
-                        <p:cond delay="indefinite"/>
-                      </p:stCondLst>
-                      <p:childTnLst>
-                        <p:par>
-                          <p:cTn id="23" fill="hold">
-                            <p:stCondLst>
-                              <p:cond delay="0"/>
-                            </p:stCondLst>
-                            <p:childTnLst>
-                              <p:par>
-                                <p:cTn id="24" presetID="10" presetClass="entr" presetSubtype="0" fill="hold" nodeType="clickEffect">
-                                  <p:stCondLst>
-                                    <p:cond delay="0"/>
-                                  </p:stCondLst>
-                                  <p:childTnLst>
-                                    <p:set>
-                                      <p:cBhvr>
-                                        <p:cTn id="25" dur="1" fill="hold">
                                           <p:stCondLst>
                                             <p:cond delay="0"/>
                                           </p:stCondLst>
@@ -22222,7 +22160,7 @@
                                     </p:set>
                                     <p:animEffect transition="in" filter="fade">
                                       <p:cBhvr>
-                                        <p:cTn id="26" dur="500"/>
+                                        <p:cTn id="22" dur="500"/>
                                         <p:tgtEl>
                                           <p:spTgt spid="29">
                                             <p:txEl>
@@ -22236,14 +22174,14 @@
                                 </p:cTn>
                               </p:par>
                               <p:par>
-                                <p:cTn id="27" presetID="10" presetClass="entr" presetSubtype="0" fill="hold" nodeType="withEffect">
+                                <p:cTn id="23" presetID="10" presetClass="entr" presetSubtype="0" fill="hold" nodeType="withEffect">
                                   <p:stCondLst>
                                     <p:cond delay="0"/>
                                   </p:stCondLst>
                                   <p:childTnLst>
                                     <p:set>
                                       <p:cBhvr>
-                                        <p:cTn id="28" dur="1" fill="hold">
+                                        <p:cTn id="24" dur="1" fill="hold">
                                           <p:stCondLst>
                                             <p:cond delay="0"/>
                                           </p:stCondLst>
@@ -22265,7 +22203,7 @@
                                     </p:set>
                                     <p:animEffect transition="in" filter="fade">
                                       <p:cBhvr>
-                                        <p:cTn id="29" dur="500"/>
+                                        <p:cTn id="25" dur="500"/>
                                         <p:tgtEl>
                                           <p:spTgt spid="29">
                                             <p:txEl>
@@ -22282,20 +22220,20 @@
                           </p:cTn>
                         </p:par>
                         <p:par>
-                          <p:cTn id="30" fill="hold">
+                          <p:cTn id="26" fill="hold">
                             <p:stCondLst>
                               <p:cond delay="500"/>
                             </p:stCondLst>
                             <p:childTnLst>
                               <p:par>
-                                <p:cTn id="31" presetID="10" presetClass="entr" presetSubtype="0" fill="hold" nodeType="afterEffect">
+                                <p:cTn id="27" presetID="10" presetClass="entr" presetSubtype="0" fill="hold" nodeType="afterEffect">
                                   <p:stCondLst>
                                     <p:cond delay="0"/>
                                   </p:stCondLst>
                                   <p:childTnLst>
                                     <p:set>
                                       <p:cBhvr>
-                                        <p:cTn id="32" dur="1" fill="hold">
+                                        <p:cTn id="28" dur="1" fill="hold">
                                           <p:stCondLst>
                                             <p:cond delay="0"/>
                                           </p:stCondLst>
@@ -22317,7 +22255,7 @@
                                     </p:set>
                                     <p:animEffect transition="in" filter="fade">
                                       <p:cBhvr>
-                                        <p:cTn id="33" dur="500"/>
+                                        <p:cTn id="29" dur="500"/>
                                         <p:tgtEl>
                                           <p:spTgt spid="30">
                                             <p:txEl>
@@ -22331,14 +22269,14 @@
                                 </p:cTn>
                               </p:par>
                               <p:par>
-                                <p:cTn id="34" presetID="10" presetClass="entr" presetSubtype="0" fill="hold" nodeType="withEffect">
+                                <p:cTn id="30" presetID="10" presetClass="entr" presetSubtype="0" fill="hold" nodeType="withEffect">
                                   <p:stCondLst>
                                     <p:cond delay="0"/>
                                   </p:stCondLst>
                                   <p:childTnLst>
                                     <p:set>
                                       <p:cBhvr>
-                                        <p:cTn id="35" dur="1" fill="hold">
+                                        <p:cTn id="31" dur="1" fill="hold">
                                           <p:stCondLst>
                                             <p:cond delay="0"/>
                                           </p:stCondLst>
@@ -22360,7 +22298,7 @@
                                     </p:set>
                                     <p:animEffect transition="in" filter="fade">
                                       <p:cBhvr>
-                                        <p:cTn id="36" dur="500"/>
+                                        <p:cTn id="32" dur="500"/>
                                         <p:tgtEl>
                                           <p:spTgt spid="30">
                                             <p:txEl>
@@ -22377,20 +22315,20 @@
                           </p:cTn>
                         </p:par>
                         <p:par>
-                          <p:cTn id="37" fill="hold">
+                          <p:cTn id="33" fill="hold">
                             <p:stCondLst>
                               <p:cond delay="1000"/>
                             </p:stCondLst>
                             <p:childTnLst>
                               <p:par>
-                                <p:cTn id="38" presetID="10" presetClass="entr" presetSubtype="0" fill="hold" nodeType="afterEffect">
+                                <p:cTn id="34" presetID="10" presetClass="entr" presetSubtype="0" fill="hold" nodeType="afterEffect">
                                   <p:stCondLst>
                                     <p:cond delay="0"/>
                                   </p:stCondLst>
                                   <p:childTnLst>
                                     <p:set>
                                       <p:cBhvr>
-                                        <p:cTn id="39" dur="1" fill="hold">
+                                        <p:cTn id="35" dur="1" fill="hold">
                                           <p:stCondLst>
                                             <p:cond delay="0"/>
                                           </p:stCondLst>
@@ -22412,7 +22350,7 @@
                                     </p:set>
                                     <p:animEffect transition="in" filter="fade">
                                       <p:cBhvr>
-                                        <p:cTn id="40" dur="500"/>
+                                        <p:cTn id="36" dur="500"/>
                                         <p:tgtEl>
                                           <p:spTgt spid="31">
                                             <p:txEl>
@@ -22426,14 +22364,14 @@
                                 </p:cTn>
                               </p:par>
                               <p:par>
-                                <p:cTn id="41" presetID="10" presetClass="entr" presetSubtype="0" fill="hold" nodeType="withEffect">
+                                <p:cTn id="37" presetID="10" presetClass="entr" presetSubtype="0" fill="hold" nodeType="withEffect">
                                   <p:stCondLst>
                                     <p:cond delay="0"/>
                                   </p:stCondLst>
                                   <p:childTnLst>
                                     <p:set>
                                       <p:cBhvr>
-                                        <p:cTn id="42" dur="1" fill="hold">
+                                        <p:cTn id="38" dur="1" fill="hold">
                                           <p:stCondLst>
                                             <p:cond delay="0"/>
                                           </p:stCondLst>
@@ -22455,7 +22393,7 @@
                                     </p:set>
                                     <p:animEffect transition="in" filter="fade">
                                       <p:cBhvr>
-                                        <p:cTn id="43" dur="500"/>
+                                        <p:cTn id="39" dur="500"/>
                                         <p:tgtEl>
                                           <p:spTgt spid="31">
                                             <p:txEl>
@@ -22500,7 +22438,6 @@
       <p:bldP spid="18" grpId="0"/>
       <p:bldP spid="19" grpId="0"/>
       <p:bldP spid="21" grpId="0"/>
-      <p:bldP spid="39" grpId="0" animBg="1"/>
     </p:bldLst>
   </p:timing>
 </p:sld>
@@ -22609,7 +22546,15 @@
             </a:pPr>
             <a:r>
               <a:rPr lang="en-US" altLang="zh-CN" dirty="0" smtClean="0"/>
-              <a:t>Finally, the system offers a program verifier which uses symbolic execution and user supplied assertions to generate the verification condition.</a:t>
+              <a:t>Finally, the system offers a program verifier which uses symbolic execution and user supplied assertions to generate the </a:t>
+            </a:r>
+            <a:r>
+              <a:rPr lang="en-US" altLang="zh-CN" smtClean="0"/>
+              <a:t>verification </a:t>
+            </a:r>
+            <a:r>
+              <a:rPr lang="en-US" altLang="zh-CN" smtClean="0"/>
+              <a:t>conditions.</a:t>
             </a:r>
             <a:endParaRPr lang="zh-CN" altLang="en-US" dirty="0"/>
           </a:p>
@@ -22641,7 +22586,7 @@
                 <a:ea typeface="宋体"/>
               </a:rPr>
               <a:pPr/>
-              <a:t>2020/12/3</a:t>
+              <a:t>2020/12/4</a:t>
             </a:fld>
             <a:endParaRPr kumimoji="1" lang="zh-CN" altLang="en-US">
               <a:solidFill>
@@ -22934,7 +22879,7 @@
                 <a:ea typeface="宋体"/>
               </a:rPr>
               <a:pPr/>
-              <a:t>2020/12/3</a:t>
+              <a:t>2020/12/4</a:t>
             </a:fld>
             <a:endParaRPr kumimoji="1" lang="zh-CN" altLang="en-US">
               <a:solidFill>
@@ -23017,7 +22962,7 @@
           <p:nvPr>
             <p:extLst>
               <p:ext uri="{D42A27DB-BD31-4B8C-83A1-F6EECF244321}">
-                <p14:modId xmlns:p14="http://schemas.microsoft.com/office/powerpoint/2010/main" val="2872452078"/>
+                <p14:modId xmlns:p14="http://schemas.microsoft.com/office/powerpoint/2010/main" xmlns="" val="2872452078"/>
               </p:ext>
             </p:extLst>
           </p:nvPr>
@@ -23036,21 +22981,21 @@
                 <a:gridCol w="1779625">
                   <a:extLst>
                     <a:ext uri="{9D8B030D-6E8A-4147-A177-3AD203B41FA5}">
-                      <a16:colId xmlns:a16="http://schemas.microsoft.com/office/drawing/2014/main" val="20000"/>
+                      <a16:colId xmlns:a16="http://schemas.microsoft.com/office/drawing/2014/main" xmlns="" val="20000"/>
                     </a:ext>
                   </a:extLst>
                 </a:gridCol>
                 <a:gridCol w="1720303">
                   <a:extLst>
                     <a:ext uri="{9D8B030D-6E8A-4147-A177-3AD203B41FA5}">
-                      <a16:colId xmlns:a16="http://schemas.microsoft.com/office/drawing/2014/main" val="20001"/>
+                      <a16:colId xmlns:a16="http://schemas.microsoft.com/office/drawing/2014/main" xmlns="" val="20001"/>
                     </a:ext>
                   </a:extLst>
                 </a:gridCol>
                 <a:gridCol w="2116697">
                   <a:extLst>
                     <a:ext uri="{9D8B030D-6E8A-4147-A177-3AD203B41FA5}">
-                      <a16:colId xmlns:a16="http://schemas.microsoft.com/office/drawing/2014/main" val="20002"/>
+                      <a16:colId xmlns:a16="http://schemas.microsoft.com/office/drawing/2014/main" xmlns="" val="20002"/>
                     </a:ext>
                   </a:extLst>
                 </a:gridCol>
@@ -23107,7 +23052,7 @@
                 </a:tc>
                 <a:extLst>
                   <a:ext uri="{0D108BD9-81ED-4DB2-BD59-A6C34878D82A}">
-                    <a16:rowId xmlns:a16="http://schemas.microsoft.com/office/drawing/2014/main" val="10000"/>
+                    <a16:rowId xmlns:a16="http://schemas.microsoft.com/office/drawing/2014/main" xmlns="" val="10000"/>
                   </a:ext>
                 </a:extLst>
               </a:tr>
@@ -23168,7 +23113,7 @@
                 </a:tc>
                 <a:extLst>
                   <a:ext uri="{0D108BD9-81ED-4DB2-BD59-A6C34878D82A}">
-                    <a16:rowId xmlns:a16="http://schemas.microsoft.com/office/drawing/2014/main" val="10001"/>
+                    <a16:rowId xmlns:a16="http://schemas.microsoft.com/office/drawing/2014/main" xmlns="" val="10001"/>
                   </a:ext>
                 </a:extLst>
               </a:tr>
@@ -23229,7 +23174,7 @@
                 </a:tc>
                 <a:extLst>
                   <a:ext uri="{0D108BD9-81ED-4DB2-BD59-A6C34878D82A}">
-                    <a16:rowId xmlns:a16="http://schemas.microsoft.com/office/drawing/2014/main" val="10002"/>
+                    <a16:rowId xmlns:a16="http://schemas.microsoft.com/office/drawing/2014/main" xmlns="" val="10002"/>
                   </a:ext>
                 </a:extLst>
               </a:tr>
@@ -23311,7 +23256,7 @@
                 </a:tc>
                 <a:extLst>
                   <a:ext uri="{0D108BD9-81ED-4DB2-BD59-A6C34878D82A}">
-                    <a16:rowId xmlns:a16="http://schemas.microsoft.com/office/drawing/2014/main" val="10003"/>
+                    <a16:rowId xmlns:a16="http://schemas.microsoft.com/office/drawing/2014/main" xmlns="" val="10003"/>
                   </a:ext>
                 </a:extLst>
               </a:tr>
@@ -23709,7 +23654,7 @@
           <p:nvPr>
             <p:extLst>
               <p:ext uri="{D42A27DB-BD31-4B8C-83A1-F6EECF244321}">
-                <p14:modId xmlns:p14="http://schemas.microsoft.com/office/powerpoint/2010/main" val="635949774"/>
+                <p14:modId xmlns:p14="http://schemas.microsoft.com/office/powerpoint/2010/main" xmlns="" val="635949774"/>
               </p:ext>
             </p:extLst>
           </p:nvPr>
@@ -23720,59 +23665,9 @@
         </p:xfrm>
         <a:graphic>
           <a:graphicData uri="http://schemas.openxmlformats.org/presentationml/2006/ole">
-            <mc:AlternateContent xmlns:mc="http://schemas.openxmlformats.org/markup-compatibility/2006">
-              <mc:Choice xmlns:v="urn:schemas-microsoft-com:vml" Requires="v">
-                <p:oleObj spid="_x0000_s1118" name="公式" r:id="rId4" imgW="164814" imgH="126780" progId="Equation.3">
-                  <p:embed/>
-                </p:oleObj>
-              </mc:Choice>
-              <mc:Fallback>
-                <p:oleObj name="公式" r:id="rId4" imgW="164814" imgH="126780" progId="Equation.3">
-                  <p:embed/>
-                  <p:pic>
-                    <p:nvPicPr>
-                      <p:cNvPr id="0" name="Picture 62"/>
-                      <p:cNvPicPr>
-                        <a:picLocks noChangeAspect="1" noChangeArrowheads="1"/>
-                      </p:cNvPicPr>
-                      <p:nvPr/>
-                    </p:nvPicPr>
-                    <p:blipFill>
-                      <a:blip r:embed="rId5">
-                        <a:extLst>
-                          <a:ext uri="{28A0092B-C50C-407E-A947-70E740481C1C}">
-                            <a14:useLocalDpi xmlns:a14="http://schemas.microsoft.com/office/drawing/2010/main" val="0"/>
-                          </a:ext>
-                        </a:extLst>
-                      </a:blip>
-                      <a:srcRect/>
-                      <a:stretch>
-                        <a:fillRect/>
-                      </a:stretch>
-                    </p:blipFill>
-                    <p:spPr bwMode="auto">
-                      <a:xfrm>
-                        <a:off x="6516216" y="4005064"/>
-                        <a:ext cx="258710" cy="199008"/>
-                      </a:xfrm>
-                      <a:prstGeom prst="rect">
-                        <a:avLst/>
-                      </a:prstGeom>
-                      <a:noFill/>
-                      <a:extLst>
-                        <a:ext uri="{909E8E84-426E-40DD-AFC4-6F175D3DCCD1}">
-                          <a14:hiddenFill xmlns:a14="http://schemas.microsoft.com/office/drawing/2010/main">
-                            <a:solidFill>
-                              <a:srgbClr val="FFFFFF"/>
-                            </a:solidFill>
-                          </a14:hiddenFill>
-                        </a:ext>
-                      </a:extLst>
-                    </p:spPr>
-                  </p:pic>
-                </p:oleObj>
-              </mc:Fallback>
-            </mc:AlternateContent>
+            <p:oleObj spid="_x0000_s1118" name="公式" r:id="rId4" imgW="164814" imgH="126780" progId="Equation.3">
+              <p:embed/>
+            </p:oleObj>
           </a:graphicData>
         </a:graphic>
       </p:graphicFrame>
@@ -23785,7 +23680,7 @@
           <p:nvPr>
             <p:extLst>
               <p:ext uri="{D42A27DB-BD31-4B8C-83A1-F6EECF244321}">
-                <p14:modId xmlns:p14="http://schemas.microsoft.com/office/powerpoint/2010/main" val="2921541962"/>
+                <p14:modId xmlns:p14="http://schemas.microsoft.com/office/powerpoint/2010/main" xmlns="" val="2921541962"/>
               </p:ext>
             </p:extLst>
           </p:nvPr>
@@ -23796,59 +23691,9 @@
         </p:xfrm>
         <a:graphic>
           <a:graphicData uri="http://schemas.openxmlformats.org/presentationml/2006/ole">
-            <mc:AlternateContent xmlns:mc="http://schemas.openxmlformats.org/markup-compatibility/2006">
-              <mc:Choice xmlns:v="urn:schemas-microsoft-com:vml" Requires="v">
-                <p:oleObj spid="_x0000_s1119" name="公式" r:id="rId6" imgW="164814" imgH="126780" progId="Equation.3">
-                  <p:embed/>
-                </p:oleObj>
-              </mc:Choice>
-              <mc:Fallback>
-                <p:oleObj name="公式" r:id="rId6" imgW="164814" imgH="126780" progId="Equation.3">
-                  <p:embed/>
-                  <p:pic>
-                    <p:nvPicPr>
-                      <p:cNvPr id="0" name="Picture 63"/>
-                      <p:cNvPicPr>
-                        <a:picLocks noChangeAspect="1" noChangeArrowheads="1"/>
-                      </p:cNvPicPr>
-                      <p:nvPr/>
-                    </p:nvPicPr>
-                    <p:blipFill>
-                      <a:blip r:embed="rId5">
-                        <a:extLst>
-                          <a:ext uri="{28A0092B-C50C-407E-A947-70E740481C1C}">
-                            <a14:useLocalDpi xmlns:a14="http://schemas.microsoft.com/office/drawing/2010/main" val="0"/>
-                          </a:ext>
-                        </a:extLst>
-                      </a:blip>
-                      <a:srcRect/>
-                      <a:stretch>
-                        <a:fillRect/>
-                      </a:stretch>
-                    </p:blipFill>
-                    <p:spPr bwMode="auto">
-                      <a:xfrm>
-                        <a:off x="6516216" y="4375804"/>
-                        <a:ext cx="258710" cy="199008"/>
-                      </a:xfrm>
-                      <a:prstGeom prst="rect">
-                        <a:avLst/>
-                      </a:prstGeom>
-                      <a:noFill/>
-                      <a:extLst>
-                        <a:ext uri="{909E8E84-426E-40DD-AFC4-6F175D3DCCD1}">
-                          <a14:hiddenFill xmlns:a14="http://schemas.microsoft.com/office/drawing/2010/main">
-                            <a:solidFill>
-                              <a:srgbClr val="FFFFFF"/>
-                            </a:solidFill>
-                          </a14:hiddenFill>
-                        </a:ext>
-                      </a:extLst>
-                    </p:spPr>
-                  </p:pic>
-                </p:oleObj>
-              </mc:Fallback>
-            </mc:AlternateContent>
+            <p:oleObj spid="_x0000_s1119" name="公式" r:id="rId5" imgW="164814" imgH="126780" progId="Equation.3">
+              <p:embed/>
+            </p:oleObj>
           </a:graphicData>
         </a:graphic>
       </p:graphicFrame>
@@ -24108,7 +23953,7 @@
                 <a:ea typeface="宋体"/>
               </a:rPr>
               <a:pPr/>
-              <a:t>2020/12/3</a:t>
+              <a:t>2020/12/4</a:t>
             </a:fld>
             <a:endParaRPr kumimoji="1" lang="zh-CN" altLang="en-US">
               <a:solidFill>
@@ -24204,14 +24049,14 @@
                 <a:gridCol w="3786214">
                   <a:extLst>
                     <a:ext uri="{9D8B030D-6E8A-4147-A177-3AD203B41FA5}">
-                      <a16:colId xmlns:a16="http://schemas.microsoft.com/office/drawing/2014/main" val="20000"/>
+                      <a16:colId xmlns:a16="http://schemas.microsoft.com/office/drawing/2014/main" xmlns="" val="20000"/>
                     </a:ext>
                   </a:extLst>
                 </a:gridCol>
                 <a:gridCol w="3786214">
                   <a:extLst>
                     <a:ext uri="{9D8B030D-6E8A-4147-A177-3AD203B41FA5}">
-                      <a16:colId xmlns:a16="http://schemas.microsoft.com/office/drawing/2014/main" val="20001"/>
+                      <a16:colId xmlns:a16="http://schemas.microsoft.com/office/drawing/2014/main" xmlns="" val="20001"/>
                     </a:ext>
                   </a:extLst>
                 </a:gridCol>
@@ -24319,7 +24164,7 @@
                 </a:tc>
                 <a:extLst>
                   <a:ext uri="{0D108BD9-81ED-4DB2-BD59-A6C34878D82A}">
-                    <a16:rowId xmlns:a16="http://schemas.microsoft.com/office/drawing/2014/main" val="10000"/>
+                    <a16:rowId xmlns:a16="http://schemas.microsoft.com/office/drawing/2014/main" xmlns="" val="10000"/>
                   </a:ext>
                 </a:extLst>
               </a:tr>
@@ -24459,7 +24304,7 @@
                 </a:tc>
                 <a:extLst>
                   <a:ext uri="{0D108BD9-81ED-4DB2-BD59-A6C34878D82A}">
-                    <a16:rowId xmlns:a16="http://schemas.microsoft.com/office/drawing/2014/main" val="10001"/>
+                    <a16:rowId xmlns:a16="http://schemas.microsoft.com/office/drawing/2014/main" xmlns="" val="10001"/>
                   </a:ext>
                 </a:extLst>
               </a:tr>
@@ -24583,7 +24428,7 @@
                 </a:tc>
                 <a:extLst>
                   <a:ext uri="{0D108BD9-81ED-4DB2-BD59-A6C34878D82A}">
-                    <a16:rowId xmlns:a16="http://schemas.microsoft.com/office/drawing/2014/main" val="10002"/>
+                    <a16:rowId xmlns:a16="http://schemas.microsoft.com/office/drawing/2014/main" xmlns="" val="10002"/>
                   </a:ext>
                 </a:extLst>
               </a:tr>
@@ -24855,7 +24700,7 @@
                 <a:ea typeface="宋体"/>
               </a:rPr>
               <a:pPr/>
-              <a:t>2020/12/3</a:t>
+              <a:t>2020/12/4</a:t>
             </a:fld>
             <a:endParaRPr kumimoji="1" lang="zh-CN" altLang="en-US">
               <a:solidFill>
@@ -25037,7 +24882,7 @@
     </p:spTree>
     <p:extLst>
       <p:ext uri="{BB962C8B-B14F-4D97-AF65-F5344CB8AC3E}">
-        <p14:creationId xmlns:p14="http://schemas.microsoft.com/office/powerpoint/2010/main" val="3431667675"/>
+        <p14:creationId xmlns:p14="http://schemas.microsoft.com/office/powerpoint/2010/main" xmlns="" val="3431667675"/>
       </p:ext>
     </p:extLst>
   </p:cSld>
@@ -25409,7 +25254,7 @@
                 <a:ea typeface="宋体"/>
               </a:rPr>
               <a:pPr/>
-              <a:t>2020/12/3</a:t>
+              <a:t>2020/12/4</a:t>
             </a:fld>
             <a:endParaRPr kumimoji="1" lang="zh-CN" altLang="en-US">
               <a:solidFill>
@@ -25492,7 +25337,7 @@
           <p:nvPr>
             <p:extLst>
               <p:ext uri="{D42A27DB-BD31-4B8C-83A1-F6EECF244321}">
-                <p14:modId xmlns:p14="http://schemas.microsoft.com/office/powerpoint/2010/main" val="3670785006"/>
+                <p14:modId xmlns:p14="http://schemas.microsoft.com/office/powerpoint/2010/main" xmlns="" val="3670785006"/>
               </p:ext>
             </p:extLst>
           </p:nvPr>
@@ -25511,21 +25356,21 @@
                 <a:gridCol w="2736303">
                   <a:extLst>
                     <a:ext uri="{9D8B030D-6E8A-4147-A177-3AD203B41FA5}">
-                      <a16:colId xmlns:a16="http://schemas.microsoft.com/office/drawing/2014/main" val="2561182014"/>
+                      <a16:colId xmlns:a16="http://schemas.microsoft.com/office/drawing/2014/main" xmlns="" val="2561182014"/>
                     </a:ext>
                   </a:extLst>
                 </a:gridCol>
                 <a:gridCol w="1005943">
                   <a:extLst>
                     <a:ext uri="{9D8B030D-6E8A-4147-A177-3AD203B41FA5}">
-                      <a16:colId xmlns:a16="http://schemas.microsoft.com/office/drawing/2014/main" val="3014690262"/>
+                      <a16:colId xmlns:a16="http://schemas.microsoft.com/office/drawing/2014/main" xmlns="" val="3014690262"/>
                     </a:ext>
                   </a:extLst>
                 </a:gridCol>
                 <a:gridCol w="601898">
                   <a:extLst>
                     <a:ext uri="{9D8B030D-6E8A-4147-A177-3AD203B41FA5}">
-                      <a16:colId xmlns:a16="http://schemas.microsoft.com/office/drawing/2014/main" val="1664197213"/>
+                      <a16:colId xmlns:a16="http://schemas.microsoft.com/office/drawing/2014/main" xmlns="" val="1664197213"/>
                     </a:ext>
                   </a:extLst>
                 </a:gridCol>
@@ -25719,7 +25564,7 @@
                 </a:tc>
                 <a:extLst>
                   <a:ext uri="{0D108BD9-81ED-4DB2-BD59-A6C34878D82A}">
-                    <a16:rowId xmlns:a16="http://schemas.microsoft.com/office/drawing/2014/main" val="717514577"/>
+                    <a16:rowId xmlns:a16="http://schemas.microsoft.com/office/drawing/2014/main" xmlns="" val="717514577"/>
                   </a:ext>
                 </a:extLst>
               </a:tr>
@@ -25898,7 +25743,7 @@
                 </a:tc>
                 <a:extLst>
                   <a:ext uri="{0D108BD9-81ED-4DB2-BD59-A6C34878D82A}">
-                    <a16:rowId xmlns:a16="http://schemas.microsoft.com/office/drawing/2014/main" val="2885001912"/>
+                    <a16:rowId xmlns:a16="http://schemas.microsoft.com/office/drawing/2014/main" xmlns="" val="2885001912"/>
                   </a:ext>
                 </a:extLst>
               </a:tr>
@@ -26102,7 +25947,7 @@
                 </a:tc>
                 <a:extLst>
                   <a:ext uri="{0D108BD9-81ED-4DB2-BD59-A6C34878D82A}">
-                    <a16:rowId xmlns:a16="http://schemas.microsoft.com/office/drawing/2014/main" val="1188602942"/>
+                    <a16:rowId xmlns:a16="http://schemas.microsoft.com/office/drawing/2014/main" xmlns="" val="1188602942"/>
                   </a:ext>
                 </a:extLst>
               </a:tr>
@@ -26226,7 +26071,7 @@
                 </a:tc>
                 <a:extLst>
                   <a:ext uri="{0D108BD9-81ED-4DB2-BD59-A6C34878D82A}">
-                    <a16:rowId xmlns:a16="http://schemas.microsoft.com/office/drawing/2014/main" val="2419658019"/>
+                    <a16:rowId xmlns:a16="http://schemas.microsoft.com/office/drawing/2014/main" xmlns="" val="2419658019"/>
                   </a:ext>
                 </a:extLst>
               </a:tr>
@@ -26395,7 +26240,7 @@
                 </a:tc>
                 <a:extLst>
                   <a:ext uri="{0D108BD9-81ED-4DB2-BD59-A6C34878D82A}">
-                    <a16:rowId xmlns:a16="http://schemas.microsoft.com/office/drawing/2014/main" val="2435975439"/>
+                    <a16:rowId xmlns:a16="http://schemas.microsoft.com/office/drawing/2014/main" xmlns="" val="2435975439"/>
                   </a:ext>
                 </a:extLst>
               </a:tr>
@@ -26599,7 +26444,7 @@
                 </a:tc>
                 <a:extLst>
                   <a:ext uri="{0D108BD9-81ED-4DB2-BD59-A6C34878D82A}">
-                    <a16:rowId xmlns:a16="http://schemas.microsoft.com/office/drawing/2014/main" val="2833893147"/>
+                    <a16:rowId xmlns:a16="http://schemas.microsoft.com/office/drawing/2014/main" xmlns="" val="2833893147"/>
                   </a:ext>
                 </a:extLst>
               </a:tr>
@@ -26768,7 +26613,7 @@
                 </a:tc>
                 <a:extLst>
                   <a:ext uri="{0D108BD9-81ED-4DB2-BD59-A6C34878D82A}">
-                    <a16:rowId xmlns:a16="http://schemas.microsoft.com/office/drawing/2014/main" val="2175819450"/>
+                    <a16:rowId xmlns:a16="http://schemas.microsoft.com/office/drawing/2014/main" xmlns="" val="2175819450"/>
                   </a:ext>
                 </a:extLst>
               </a:tr>
@@ -26958,7 +26803,7 @@
                 </a:tc>
                 <a:extLst>
                   <a:ext uri="{0D108BD9-81ED-4DB2-BD59-A6C34878D82A}">
-                    <a16:rowId xmlns:a16="http://schemas.microsoft.com/office/drawing/2014/main" val="1079286864"/>
+                    <a16:rowId xmlns:a16="http://schemas.microsoft.com/office/drawing/2014/main" xmlns="" val="1079286864"/>
                   </a:ext>
                 </a:extLst>
               </a:tr>
@@ -27148,7 +26993,7 @@
                 </a:tc>
                 <a:extLst>
                   <a:ext uri="{0D108BD9-81ED-4DB2-BD59-A6C34878D82A}">
-                    <a16:rowId xmlns:a16="http://schemas.microsoft.com/office/drawing/2014/main" val="2418199264"/>
+                    <a16:rowId xmlns:a16="http://schemas.microsoft.com/office/drawing/2014/main" xmlns="" val="2418199264"/>
                   </a:ext>
                 </a:extLst>
               </a:tr>
@@ -27317,7 +27162,7 @@
                 </a:tc>
                 <a:extLst>
                   <a:ext uri="{0D108BD9-81ED-4DB2-BD59-A6C34878D82A}">
-                    <a16:rowId xmlns:a16="http://schemas.microsoft.com/office/drawing/2014/main" val="3615362646"/>
+                    <a16:rowId xmlns:a16="http://schemas.microsoft.com/office/drawing/2014/main" xmlns="" val="3615362646"/>
                   </a:ext>
                 </a:extLst>
               </a:tr>
@@ -27507,7 +27352,7 @@
                 </a:tc>
                 <a:extLst>
                   <a:ext uri="{0D108BD9-81ED-4DB2-BD59-A6C34878D82A}">
-                    <a16:rowId xmlns:a16="http://schemas.microsoft.com/office/drawing/2014/main" val="3102124365"/>
+                    <a16:rowId xmlns:a16="http://schemas.microsoft.com/office/drawing/2014/main" xmlns="" val="3102124365"/>
                   </a:ext>
                 </a:extLst>
               </a:tr>
@@ -27697,7 +27542,7 @@
                 </a:tc>
                 <a:extLst>
                   <a:ext uri="{0D108BD9-81ED-4DB2-BD59-A6C34878D82A}">
-                    <a16:rowId xmlns:a16="http://schemas.microsoft.com/office/drawing/2014/main" val="1160413103"/>
+                    <a16:rowId xmlns:a16="http://schemas.microsoft.com/office/drawing/2014/main" xmlns="" val="1160413103"/>
                   </a:ext>
                 </a:extLst>
               </a:tr>
@@ -27708,7 +27553,7 @@
     </p:spTree>
     <p:extLst>
       <p:ext uri="{BB962C8B-B14F-4D97-AF65-F5344CB8AC3E}">
-        <p14:creationId xmlns:p14="http://schemas.microsoft.com/office/powerpoint/2010/main" val="4193800601"/>
+        <p14:creationId xmlns:p14="http://schemas.microsoft.com/office/powerpoint/2010/main" xmlns="" val="4193800601"/>
       </p:ext>
     </p:extLst>
   </p:cSld>
@@ -27877,7 +27722,7 @@
                 <a:ea typeface="宋体"/>
               </a:rPr>
               <a:pPr/>
-              <a:t>2020/12/3</a:t>
+              <a:t>2020/12/4</a:t>
             </a:fld>
             <a:endParaRPr kumimoji="1" lang="zh-CN" altLang="en-US">
               <a:solidFill>
@@ -27954,7 +27799,7 @@
     </p:spTree>
     <p:extLst>
       <p:ext uri="{BB962C8B-B14F-4D97-AF65-F5344CB8AC3E}">
-        <p14:creationId xmlns:p14="http://schemas.microsoft.com/office/powerpoint/2010/main" val="137591514"/>
+        <p14:creationId xmlns:p14="http://schemas.microsoft.com/office/powerpoint/2010/main" xmlns="" val="137591514"/>
       </p:ext>
     </p:extLst>
   </p:cSld>
@@ -28102,7 +27947,7 @@
                 <a:ea typeface="宋体"/>
               </a:rPr>
               <a:pPr/>
-              <a:t>2020/12/3</a:t>
+              <a:t>2020/12/4</a:t>
             </a:fld>
             <a:endParaRPr kumimoji="1" lang="zh-CN" altLang="en-US" dirty="0">
               <a:solidFill>
@@ -28260,7 +28105,7 @@
           <a:blip r:embed="rId6" cstate="print">
             <a:extLst>
               <a:ext uri="{28A0092B-C50C-407E-A947-70E740481C1C}">
-                <a14:useLocalDpi xmlns:a14="http://schemas.microsoft.com/office/drawing/2010/main" val="0"/>
+                <a14:useLocalDpi xmlns:a14="http://schemas.microsoft.com/office/drawing/2010/main" xmlns="" val="0"/>
               </a:ext>
             </a:extLst>
           </a:blip>
@@ -28280,7 +28125,7 @@
           <a:noFill/>
           <a:extLst>
             <a:ext uri="{909E8E84-426E-40DD-AFC4-6F175D3DCCD1}">
-              <a14:hiddenFill xmlns:a14="http://schemas.microsoft.com/office/drawing/2010/main">
+              <a14:hiddenFill xmlns:a14="http://schemas.microsoft.com/office/drawing/2010/main" xmlns="">
                 <a:solidFill>
                   <a:srgbClr val="FFFFFF"/>
                 </a:solidFill>
@@ -28301,7 +28146,7 @@
           <a:blip r:embed="rId7" cstate="print">
             <a:extLst>
               <a:ext uri="{28A0092B-C50C-407E-A947-70E740481C1C}">
-                <a14:useLocalDpi xmlns:a14="http://schemas.microsoft.com/office/drawing/2010/main" val="0"/>
+                <a14:useLocalDpi xmlns:a14="http://schemas.microsoft.com/office/drawing/2010/main" xmlns="" val="0"/>
               </a:ext>
             </a:extLst>
           </a:blip>
@@ -28321,7 +28166,7 @@
           <a:noFill/>
           <a:extLst>
             <a:ext uri="{909E8E84-426E-40DD-AFC4-6F175D3DCCD1}">
-              <a14:hiddenFill xmlns:a14="http://schemas.microsoft.com/office/drawing/2010/main">
+              <a14:hiddenFill xmlns:a14="http://schemas.microsoft.com/office/drawing/2010/main" xmlns="">
                 <a:solidFill>
                   <a:srgbClr val="FFFFFF"/>
                 </a:solidFill>
@@ -28422,7 +28267,7 @@
           <a:blip r:embed="rId8" cstate="print">
             <a:extLst>
               <a:ext uri="{28A0092B-C50C-407E-A947-70E740481C1C}">
-                <a14:useLocalDpi xmlns:a14="http://schemas.microsoft.com/office/drawing/2010/main" val="0"/>
+                <a14:useLocalDpi xmlns:a14="http://schemas.microsoft.com/office/drawing/2010/main" xmlns="" val="0"/>
               </a:ext>
             </a:extLst>
           </a:blip>
@@ -28442,7 +28287,7 @@
           <a:noFill/>
           <a:extLst>
             <a:ext uri="{909E8E84-426E-40DD-AFC4-6F175D3DCCD1}">
-              <a14:hiddenFill xmlns:a14="http://schemas.microsoft.com/office/drawing/2010/main">
+              <a14:hiddenFill xmlns:a14="http://schemas.microsoft.com/office/drawing/2010/main" xmlns="">
                 <a:solidFill>
                   <a:srgbClr val="FFFFFF"/>
                 </a:solidFill>
@@ -28534,7 +28379,7 @@
     </p:spTree>
     <p:extLst>
       <p:ext uri="{BB962C8B-B14F-4D97-AF65-F5344CB8AC3E}">
-        <p14:creationId xmlns:p14="http://schemas.microsoft.com/office/powerpoint/2010/main" val="2758785605"/>
+        <p14:creationId xmlns:p14="http://schemas.microsoft.com/office/powerpoint/2010/main" xmlns="" val="2758785605"/>
       </p:ext>
     </p:extLst>
   </p:cSld>
@@ -28544,406 +28389,9 @@
   <p:timing>
     <p:tnLst>
       <p:par>
-        <p:cTn id="1" dur="indefinite" restart="never" nodeType="tmRoot">
-          <p:childTnLst>
-            <p:seq concurrent="1" nextAc="seek">
-              <p:cTn id="2" dur="indefinite" nodeType="mainSeq">
-                <p:childTnLst>
-                  <p:par>
-                    <p:cTn id="3" fill="hold">
-                      <p:stCondLst>
-                        <p:cond delay="indefinite"/>
-                      </p:stCondLst>
-                      <p:childTnLst>
-                        <p:par>
-                          <p:cTn id="4" fill="hold">
-                            <p:stCondLst>
-                              <p:cond delay="0"/>
-                            </p:stCondLst>
-                            <p:childTnLst>
-                              <p:par>
-                                <p:cTn id="5" presetID="1" presetClass="entr" presetSubtype="0" fill="hold" nodeType="clickEffect">
-                                  <p:stCondLst>
-                                    <p:cond delay="0"/>
-                                  </p:stCondLst>
-                                  <p:childTnLst>
-                                    <p:set>
-                                      <p:cBhvr>
-                                        <p:cTn id="6" dur="1" fill="hold">
-                                          <p:stCondLst>
-                                            <p:cond delay="0"/>
-                                          </p:stCondLst>
-                                        </p:cTn>
-                                        <p:tgtEl>
-                                          <p:spTgt spid="3">
-                                            <p:txEl>
-                                              <p:pRg st="0" end="0"/>
-                                            </p:txEl>
-                                          </p:spTgt>
-                                        </p:tgtEl>
-                                        <p:attrNameLst>
-                                          <p:attrName>style.visibility</p:attrName>
-                                        </p:attrNameLst>
-                                      </p:cBhvr>
-                                      <p:to>
-                                        <p:strVal val="visible"/>
-                                      </p:to>
-                                    </p:set>
-                                  </p:childTnLst>
-                                </p:cTn>
-                              </p:par>
-                              <p:par>
-                                <p:cTn id="7" presetID="1" presetClass="entr" presetSubtype="0" fill="hold" grpId="0" nodeType="withEffect">
-                                  <p:stCondLst>
-                                    <p:cond delay="0"/>
-                                  </p:stCondLst>
-                                  <p:childTnLst>
-                                    <p:set>
-                                      <p:cBhvr>
-                                        <p:cTn id="8" dur="1" fill="hold">
-                                          <p:stCondLst>
-                                            <p:cond delay="0"/>
-                                          </p:stCondLst>
-                                        </p:cTn>
-                                        <p:tgtEl>
-                                          <p:spTgt spid="17"/>
-                                        </p:tgtEl>
-                                        <p:attrNameLst>
-                                          <p:attrName>style.visibility</p:attrName>
-                                        </p:attrNameLst>
-                                      </p:cBhvr>
-                                      <p:to>
-                                        <p:strVal val="visible"/>
-                                      </p:to>
-                                    </p:set>
-                                  </p:childTnLst>
-                                </p:cTn>
-                              </p:par>
-                              <p:par>
-                                <p:cTn id="9" presetID="1" presetClass="entr" presetSubtype="0" fill="hold" nodeType="withEffect">
-                                  <p:stCondLst>
-                                    <p:cond delay="0"/>
-                                  </p:stCondLst>
-                                  <p:childTnLst>
-                                    <p:set>
-                                      <p:cBhvr>
-                                        <p:cTn id="10" dur="1" fill="hold">
-                                          <p:stCondLst>
-                                            <p:cond delay="0"/>
-                                          </p:stCondLst>
-                                        </p:cTn>
-                                        <p:tgtEl>
-                                          <p:spTgt spid="1030"/>
-                                        </p:tgtEl>
-                                        <p:attrNameLst>
-                                          <p:attrName>style.visibility</p:attrName>
-                                        </p:attrNameLst>
-                                      </p:cBhvr>
-                                      <p:to>
-                                        <p:strVal val="visible"/>
-                                      </p:to>
-                                    </p:set>
-                                  </p:childTnLst>
-                                </p:cTn>
-                              </p:par>
-                              <p:par>
-                                <p:cTn id="11" presetID="1" presetClass="entr" presetSubtype="0" fill="hold" grpId="0" nodeType="withEffect">
-                                  <p:stCondLst>
-                                    <p:cond delay="0"/>
-                                  </p:stCondLst>
-                                  <p:childTnLst>
-                                    <p:set>
-                                      <p:cBhvr>
-                                        <p:cTn id="12" dur="1" fill="hold">
-                                          <p:stCondLst>
-                                            <p:cond delay="0"/>
-                                          </p:stCondLst>
-                                        </p:cTn>
-                                        <p:tgtEl>
-                                          <p:spTgt spid="11"/>
-                                        </p:tgtEl>
-                                        <p:attrNameLst>
-                                          <p:attrName>style.visibility</p:attrName>
-                                        </p:attrNameLst>
-                                      </p:cBhvr>
-                                      <p:to>
-                                        <p:strVal val="visible"/>
-                                      </p:to>
-                                    </p:set>
-                                  </p:childTnLst>
-                                </p:cTn>
-                              </p:par>
-                              <p:par>
-                                <p:cTn id="13" presetID="1" presetClass="entr" presetSubtype="0" fill="hold" nodeType="withEffect">
-                                  <p:stCondLst>
-                                    <p:cond delay="0"/>
-                                  </p:stCondLst>
-                                  <p:childTnLst>
-                                    <p:set>
-                                      <p:cBhvr>
-                                        <p:cTn id="14" dur="1" fill="hold">
-                                          <p:stCondLst>
-                                            <p:cond delay="0"/>
-                                          </p:stCondLst>
-                                        </p:cTn>
-                                        <p:tgtEl>
-                                          <p:spTgt spid="7"/>
-                                        </p:tgtEl>
-                                        <p:attrNameLst>
-                                          <p:attrName>style.visibility</p:attrName>
-                                        </p:attrNameLst>
-                                      </p:cBhvr>
-                                      <p:to>
-                                        <p:strVal val="visible"/>
-                                      </p:to>
-                                    </p:set>
-                                  </p:childTnLst>
-                                </p:cTn>
-                              </p:par>
-                              <p:par>
-                                <p:cTn id="15" presetID="1" presetClass="entr" presetSubtype="0" fill="hold" nodeType="withEffect">
-                                  <p:stCondLst>
-                                    <p:cond delay="0"/>
-                                  </p:stCondLst>
-                                  <p:childTnLst>
-                                    <p:set>
-                                      <p:cBhvr>
-                                        <p:cTn id="16" dur="1" fill="hold">
-                                          <p:stCondLst>
-                                            <p:cond delay="0"/>
-                                          </p:stCondLst>
-                                        </p:cTn>
-                                        <p:tgtEl>
-                                          <p:spTgt spid="1028"/>
-                                        </p:tgtEl>
-                                        <p:attrNameLst>
-                                          <p:attrName>style.visibility</p:attrName>
-                                        </p:attrNameLst>
-                                      </p:cBhvr>
-                                      <p:to>
-                                        <p:strVal val="visible"/>
-                                      </p:to>
-                                    </p:set>
-                                  </p:childTnLst>
-                                </p:cTn>
-                              </p:par>
-                            </p:childTnLst>
-                          </p:cTn>
-                        </p:par>
-                      </p:childTnLst>
-                    </p:cTn>
-                  </p:par>
-                  <p:par>
-                    <p:cTn id="17" fill="hold">
-                      <p:stCondLst>
-                        <p:cond delay="indefinite"/>
-                      </p:stCondLst>
-                      <p:childTnLst>
-                        <p:par>
-                          <p:cTn id="18" fill="hold">
-                            <p:stCondLst>
-                              <p:cond delay="0"/>
-                            </p:stCondLst>
-                            <p:childTnLst>
-                              <p:par>
-                                <p:cTn id="19" presetID="1" presetClass="entr" presetSubtype="0" fill="hold" nodeType="clickEffect">
-                                  <p:stCondLst>
-                                    <p:cond delay="0"/>
-                                  </p:stCondLst>
-                                  <p:childTnLst>
-                                    <p:set>
-                                      <p:cBhvr>
-                                        <p:cTn id="20" dur="1" fill="hold">
-                                          <p:stCondLst>
-                                            <p:cond delay="0"/>
-                                          </p:stCondLst>
-                                        </p:cTn>
-                                        <p:tgtEl>
-                                          <p:spTgt spid="3">
-                                            <p:txEl>
-                                              <p:pRg st="5" end="5"/>
-                                            </p:txEl>
-                                          </p:spTgt>
-                                        </p:tgtEl>
-                                        <p:attrNameLst>
-                                          <p:attrName>style.visibility</p:attrName>
-                                        </p:attrNameLst>
-                                      </p:cBhvr>
-                                      <p:to>
-                                        <p:strVal val="visible"/>
-                                      </p:to>
-                                    </p:set>
-                                  </p:childTnLst>
-                                </p:cTn>
-                              </p:par>
-                              <p:par>
-                                <p:cTn id="21" presetID="1" presetClass="entr" presetSubtype="0" fill="hold" nodeType="withEffect">
-                                  <p:stCondLst>
-                                    <p:cond delay="0"/>
-                                  </p:stCondLst>
-                                  <p:childTnLst>
-                                    <p:set>
-                                      <p:cBhvr>
-                                        <p:cTn id="22" dur="1" fill="hold">
-                                          <p:stCondLst>
-                                            <p:cond delay="0"/>
-                                          </p:stCondLst>
-                                        </p:cTn>
-                                        <p:tgtEl>
-                                          <p:spTgt spid="9"/>
-                                        </p:tgtEl>
-                                        <p:attrNameLst>
-                                          <p:attrName>style.visibility</p:attrName>
-                                        </p:attrNameLst>
-                                      </p:cBhvr>
-                                      <p:to>
-                                        <p:strVal val="visible"/>
-                                      </p:to>
-                                    </p:set>
-                                  </p:childTnLst>
-                                </p:cTn>
-                              </p:par>
-                              <p:par>
-                                <p:cTn id="23" presetID="1" presetClass="entr" presetSubtype="0" fill="hold" grpId="0" nodeType="withEffect">
-                                  <p:stCondLst>
-                                    <p:cond delay="0"/>
-                                  </p:stCondLst>
-                                  <p:childTnLst>
-                                    <p:set>
-                                      <p:cBhvr>
-                                        <p:cTn id="24" dur="1" fill="hold">
-                                          <p:stCondLst>
-                                            <p:cond delay="0"/>
-                                          </p:stCondLst>
-                                        </p:cTn>
-                                        <p:tgtEl>
-                                          <p:spTgt spid="20"/>
-                                        </p:tgtEl>
-                                        <p:attrNameLst>
-                                          <p:attrName>style.visibility</p:attrName>
-                                        </p:attrNameLst>
-                                      </p:cBhvr>
-                                      <p:to>
-                                        <p:strVal val="visible"/>
-                                      </p:to>
-                                    </p:set>
-                                  </p:childTnLst>
-                                </p:cTn>
-                              </p:par>
-                              <p:par>
-                                <p:cTn id="25" presetID="1" presetClass="entr" presetSubtype="0" fill="hold" nodeType="withEffect">
-                                  <p:stCondLst>
-                                    <p:cond delay="0"/>
-                                  </p:stCondLst>
-                                  <p:childTnLst>
-                                    <p:set>
-                                      <p:cBhvr>
-                                        <p:cTn id="26" dur="1" fill="hold">
-                                          <p:stCondLst>
-                                            <p:cond delay="0"/>
-                                          </p:stCondLst>
-                                        </p:cTn>
-                                        <p:tgtEl>
-                                          <p:spTgt spid="1032"/>
-                                        </p:tgtEl>
-                                        <p:attrNameLst>
-                                          <p:attrName>style.visibility</p:attrName>
-                                        </p:attrNameLst>
-                                      </p:cBhvr>
-                                      <p:to>
-                                        <p:strVal val="visible"/>
-                                      </p:to>
-                                    </p:set>
-                                  </p:childTnLst>
-                                </p:cTn>
-                              </p:par>
-                              <p:par>
-                                <p:cTn id="27" presetID="1" presetClass="entr" presetSubtype="0" fill="hold" grpId="0" nodeType="withEffect">
-                                  <p:stCondLst>
-                                    <p:cond delay="0"/>
-                                  </p:stCondLst>
-                                  <p:childTnLst>
-                                    <p:set>
-                                      <p:cBhvr>
-                                        <p:cTn id="28" dur="1" fill="hold">
-                                          <p:stCondLst>
-                                            <p:cond delay="0"/>
-                                          </p:stCondLst>
-                                        </p:cTn>
-                                        <p:tgtEl>
-                                          <p:spTgt spid="21"/>
-                                        </p:tgtEl>
-                                        <p:attrNameLst>
-                                          <p:attrName>style.visibility</p:attrName>
-                                        </p:attrNameLst>
-                                      </p:cBhvr>
-                                      <p:to>
-                                        <p:strVal val="visible"/>
-                                      </p:to>
-                                    </p:set>
-                                  </p:childTnLst>
-                                </p:cTn>
-                              </p:par>
-                              <p:par>
-                                <p:cTn id="29" presetID="1" presetClass="entr" presetSubtype="0" fill="hold" nodeType="withEffect">
-                                  <p:stCondLst>
-                                    <p:cond delay="0"/>
-                                  </p:stCondLst>
-                                  <p:childTnLst>
-                                    <p:set>
-                                      <p:cBhvr>
-                                        <p:cTn id="30" dur="1" fill="hold">
-                                          <p:stCondLst>
-                                            <p:cond delay="0"/>
-                                          </p:stCondLst>
-                                        </p:cTn>
-                                        <p:tgtEl>
-                                          <p:spTgt spid="8"/>
-                                        </p:tgtEl>
-                                        <p:attrNameLst>
-                                          <p:attrName>style.visibility</p:attrName>
-                                        </p:attrNameLst>
-                                      </p:cBhvr>
-                                      <p:to>
-                                        <p:strVal val="visible"/>
-                                      </p:to>
-                                    </p:set>
-                                  </p:childTnLst>
-                                </p:cTn>
-                              </p:par>
-                            </p:childTnLst>
-                          </p:cTn>
-                        </p:par>
-                      </p:childTnLst>
-                    </p:cTn>
-                  </p:par>
-                </p:childTnLst>
-              </p:cTn>
-              <p:prevCondLst>
-                <p:cond evt="onPrev" delay="0">
-                  <p:tgtEl>
-                    <p:sldTgt/>
-                  </p:tgtEl>
-                </p:cond>
-              </p:prevCondLst>
-              <p:nextCondLst>
-                <p:cond evt="onNext" delay="0">
-                  <p:tgtEl>
-                    <p:sldTgt/>
-                  </p:tgtEl>
-                </p:cond>
-              </p:nextCondLst>
-            </p:seq>
-          </p:childTnLst>
-        </p:cTn>
+        <p:cTn id="1" dur="indefinite" restart="never" nodeType="tmRoot"/>
       </p:par>
     </p:tnLst>
-    <p:bldLst>
-      <p:bldP spid="11" grpId="0" animBg="1"/>
-      <p:bldP spid="17" grpId="0" animBg="1"/>
-      <p:bldP spid="20" grpId="0" animBg="1"/>
-      <p:bldP spid="21" grpId="0" animBg="1"/>
-    </p:bldLst>
   </p:timing>
 </p:sld>
 </file>
@@ -29021,18 +28469,18 @@
     </p:spTree>
     <p:extLst>
       <p:ext uri="{BB962C8B-B14F-4D97-AF65-F5344CB8AC3E}">
-        <p14:creationId xmlns:p14="http://schemas.microsoft.com/office/powerpoint/2010/main" val="1912946656"/>
+        <p14:creationId xmlns:p14="http://schemas.microsoft.com/office/powerpoint/2010/main" xmlns="" val="1912946656"/>
       </p:ext>
     </p:extLst>
   </p:cSld>
   <p:clrMapOvr>
     <a:masterClrMapping/>
   </p:clrMapOvr>
-  <mc:AlternateContent xmlns:mc="http://schemas.openxmlformats.org/markup-compatibility/2006" xmlns:p14="http://schemas.microsoft.com/office/powerpoint/2010/main">
-    <mc:Choice Requires="p14">
+  <mc:AlternateContent xmlns:mc="http://schemas.openxmlformats.org/markup-compatibility/2006">
+    <mc:Choice xmlns:p14="http://schemas.microsoft.com/office/powerpoint/2010/main" xmlns="" Requires="p14">
       <p:transition spd="slow" p14:dur="2000" advTm="1792"/>
     </mc:Choice>
-    <mc:Fallback xmlns="">
+    <mc:Fallback>
       <p:transition spd="slow" advTm="1792"/>
     </mc:Fallback>
   </mc:AlternateContent>
@@ -29269,7 +28717,7 @@
     <a:masterClrMapping/>
   </p:clrMapOvr>
   <mc:AlternateContent xmlns:mc="http://schemas.openxmlformats.org/markup-compatibility/2006">
-    <mc:Choice xmlns:p14="http://schemas.microsoft.com/office/powerpoint/2010/main" Requires="p14">
+    <mc:Choice xmlns:p14="http://schemas.microsoft.com/office/powerpoint/2010/main" xmlns="" Requires="p14">
       <p:transition spd="slow" p14:dur="2000"/>
     </mc:Choice>
     <mc:Fallback>
@@ -29437,7 +28885,7 @@
           <p:nvPr>
             <p:extLst>
               <p:ext uri="{D42A27DB-BD31-4B8C-83A1-F6EECF244321}">
-                <p14:modId xmlns:p14="http://schemas.microsoft.com/office/powerpoint/2010/main" val="2710604275"/>
+                <p14:modId xmlns:p14="http://schemas.microsoft.com/office/powerpoint/2010/main" xmlns="" val="2710604275"/>
               </p:ext>
             </p:extLst>
           </p:nvPr>
@@ -29455,7 +28903,7 @@
     </p:spTree>
     <p:extLst>
       <p:ext uri="{BB962C8B-B14F-4D97-AF65-F5344CB8AC3E}">
-        <p14:creationId xmlns:p14="http://schemas.microsoft.com/office/powerpoint/2010/main" val="1508707415"/>
+        <p14:creationId xmlns:p14="http://schemas.microsoft.com/office/powerpoint/2010/main" xmlns="" val="1508707415"/>
       </p:ext>
     </p:extLst>
   </p:cSld>
@@ -29463,7 +28911,7 @@
     <a:masterClrMapping/>
   </p:clrMapOvr>
   <mc:AlternateContent xmlns:mc="http://schemas.openxmlformats.org/markup-compatibility/2006">
-    <mc:Choice xmlns:p14="http://schemas.microsoft.com/office/powerpoint/2010/main" Requires="p14">
+    <mc:Choice xmlns:p14="http://schemas.microsoft.com/office/powerpoint/2010/main" xmlns="" Requires="p14">
       <p:transition spd="slow" p14:dur="2000"/>
     </mc:Choice>
     <mc:Fallback>
@@ -29767,7 +29215,7 @@
     <a:masterClrMapping/>
   </p:clrMapOvr>
   <mc:AlternateContent xmlns:mc="http://schemas.openxmlformats.org/markup-compatibility/2006">
-    <mc:Choice xmlns:p14="http://schemas.microsoft.com/office/powerpoint/2010/main" Requires="p14">
+    <mc:Choice xmlns:p14="http://schemas.microsoft.com/office/powerpoint/2010/main" xmlns="" Requires="p14">
       <p:transition spd="slow" p14:dur="2000"/>
     </mc:Choice>
     <mc:Fallback>
@@ -29979,7 +29427,7 @@
                 <a:ea typeface="宋体"/>
               </a:rPr>
               <a:pPr/>
-              <a:t>2020/12/3</a:t>
+              <a:t>2020/12/4</a:t>
             </a:fld>
             <a:endParaRPr kumimoji="1" lang="zh-CN" altLang="en-US">
               <a:solidFill>
@@ -30104,7 +29552,7 @@
     </p:spTree>
     <p:extLst>
       <p:ext uri="{BB962C8B-B14F-4D97-AF65-F5344CB8AC3E}">
-        <p14:creationId xmlns:p14="http://schemas.microsoft.com/office/powerpoint/2010/main" val="242703108"/>
+        <p14:creationId xmlns:p14="http://schemas.microsoft.com/office/powerpoint/2010/main" xmlns="" val="242703108"/>
       </p:ext>
     </p:extLst>
   </p:cSld>
@@ -30258,8 +29706,17 @@
             </a:r>
             <a:r>
               <a:rPr lang="en-US" altLang="zh-CN" dirty="0" smtClean="0"/>
-              <a:t>a challenging problem in 1970s and even today.</a:t>
-            </a:r>
+              <a:t>a </a:t>
+            </a:r>
+            <a:r>
+              <a:rPr lang="en-US" altLang="zh-CN" smtClean="0"/>
+              <a:t>challenging </a:t>
+            </a:r>
+            <a:r>
+              <a:rPr lang="en-US" altLang="zh-CN" smtClean="0"/>
+              <a:t>problem.</a:t>
+            </a:r>
+            <a:endParaRPr lang="en-US" altLang="zh-CN" dirty="0" smtClean="0"/>
           </a:p>
           <a:p>
             <a:pPr>
@@ -30269,11 +29726,7 @@
             </a:pPr>
             <a:r>
               <a:rPr lang="en-US" altLang="zh-CN" dirty="0" smtClean="0"/>
-              <a:t>It is </a:t>
-            </a:r>
-            <a:r>
-              <a:rPr lang="en-US" altLang="zh-CN" dirty="0" smtClean="0"/>
-              <a:t>difficult to verify the correctness of a program!</a:t>
+              <a:t>It is difficult to verify the correctness of a program!</a:t>
             </a:r>
           </a:p>
         </p:txBody>
@@ -30304,7 +29757,7 @@
                 <a:ea typeface="宋体"/>
               </a:rPr>
               <a:pPr/>
-              <a:t>2020/12/3</a:t>
+              <a:t>2020/12/4</a:t>
             </a:fld>
             <a:endParaRPr kumimoji="1" lang="zh-CN" altLang="en-US" dirty="0">
               <a:solidFill>
@@ -30527,7 +29980,7 @@
     </p:spTree>
     <p:extLst>
       <p:ext uri="{BB962C8B-B14F-4D97-AF65-F5344CB8AC3E}">
-        <p14:creationId xmlns:p14="http://schemas.microsoft.com/office/powerpoint/2010/main" val="11622534"/>
+        <p14:creationId xmlns:p14="http://schemas.microsoft.com/office/powerpoint/2010/main" xmlns="" val="11622534"/>
       </p:ext>
     </p:extLst>
   </p:cSld>
@@ -30852,7 +30305,7 @@
                 <a:ea typeface="宋体"/>
               </a:rPr>
               <a:pPr/>
-              <a:t>2020/12/3</a:t>
+              <a:t>2020/12/4</a:t>
             </a:fld>
             <a:endParaRPr kumimoji="1" lang="zh-CN" altLang="en-US">
               <a:solidFill>
@@ -31041,7 +30494,7 @@
     </p:spTree>
     <p:extLst>
       <p:ext uri="{BB962C8B-B14F-4D97-AF65-F5344CB8AC3E}">
-        <p14:creationId xmlns:p14="http://schemas.microsoft.com/office/powerpoint/2010/main" val="2204431392"/>
+        <p14:creationId xmlns:p14="http://schemas.microsoft.com/office/powerpoint/2010/main" xmlns="" val="2204431392"/>
       </p:ext>
     </p:extLst>
   </p:cSld>
@@ -31332,7 +30785,7 @@
                 <a:ea typeface="宋体"/>
               </a:rPr>
               <a:pPr/>
-              <a:t>2020/12/3</a:t>
+              <a:t>2020/12/4</a:t>
             </a:fld>
             <a:endParaRPr kumimoji="1" lang="zh-CN" altLang="en-US">
               <a:solidFill>
@@ -31409,7 +30862,7 @@
     </p:spTree>
     <p:extLst>
       <p:ext uri="{BB962C8B-B14F-4D97-AF65-F5344CB8AC3E}">
-        <p14:creationId xmlns:p14="http://schemas.microsoft.com/office/powerpoint/2010/main" val="2166599487"/>
+        <p14:creationId xmlns:p14="http://schemas.microsoft.com/office/powerpoint/2010/main" xmlns="" val="2166599487"/>
       </p:ext>
     </p:extLst>
   </p:cSld>
@@ -31625,7 +31078,7 @@
                 <a:ea typeface="宋体"/>
               </a:rPr>
               <a:pPr/>
-              <a:t>2020/12/3</a:t>
+              <a:t>2020/12/4</a:t>
             </a:fld>
             <a:endParaRPr kumimoji="1" lang="zh-CN" altLang="en-US">
               <a:solidFill>
@@ -31702,7 +31155,7 @@
     </p:spTree>
     <p:extLst>
       <p:ext uri="{BB962C8B-B14F-4D97-AF65-F5344CB8AC3E}">
-        <p14:creationId xmlns:p14="http://schemas.microsoft.com/office/powerpoint/2010/main" val="273675707"/>
+        <p14:creationId xmlns:p14="http://schemas.microsoft.com/office/powerpoint/2010/main" xmlns="" val="273675707"/>
       </p:ext>
     </p:extLst>
   </p:cSld>
@@ -31990,7 +31443,7 @@
                 <a:ea typeface="宋体"/>
               </a:rPr>
               <a:pPr/>
-              <a:t>2020/12/3</a:t>
+              <a:t>2020/12/4</a:t>
             </a:fld>
             <a:endParaRPr kumimoji="1" lang="zh-CN" altLang="en-US">
               <a:solidFill>
@@ -36524,7 +35977,7 @@
                 <a:ea typeface="宋体"/>
               </a:rPr>
               <a:pPr/>
-              <a:t>2020/12/3</a:t>
+              <a:t>2020/12/4</a:t>
             </a:fld>
             <a:endParaRPr kumimoji="1" lang="zh-CN" altLang="en-US">
               <a:solidFill>
@@ -36601,7 +36054,7 @@
     </p:spTree>
     <p:extLst>
       <p:ext uri="{BB962C8B-B14F-4D97-AF65-F5344CB8AC3E}">
-        <p14:creationId xmlns:p14="http://schemas.microsoft.com/office/powerpoint/2010/main" val="3726184429"/>
+        <p14:creationId xmlns:p14="http://schemas.microsoft.com/office/powerpoint/2010/main" xmlns="" val="3726184429"/>
       </p:ext>
     </p:extLst>
   </p:cSld>
@@ -37533,7 +36986,7 @@
   <a:extraClrSchemeLst/>
   <a:extLst>
     <a:ext uri="{05A4C25C-085E-4340-85A3-A5531E510DB2}">
-      <thm15:themeFamily xmlns:thm15="http://schemas.microsoft.com/office/thememl/2012/main" name="mopec-2" id="{442E6DD8-1CC8-4C4A-8647-4236B82D6D6F}" vid="{4E193ED8-E17B-496B-9396-AD9A068E6CE7}"/>
+      <thm15:themeFamily xmlns:thm15="http://schemas.microsoft.com/office/thememl/2012/main" xmlns="" name="mopec-2" id="{442E6DD8-1CC8-4C4A-8647-4236B82D6D6F}" vid="{4E193ED8-E17B-496B-9396-AD9A068E6CE7}"/>
     </a:ext>
   </a:extLst>
 </a:theme>
